--- a/slides/figures_191206.pptx
+++ b/slides/figures_191206.pptx
@@ -5,7 +5,7 @@
     <p:sldMasterId id="2147483684" r:id="rId1"/>
   </p:sldMasterIdLst>
   <p:notesMasterIdLst>
-    <p:notesMasterId r:id="rId11"/>
+    <p:notesMasterId r:id="rId12"/>
   </p:notesMasterIdLst>
   <p:sldIdLst>
     <p:sldId id="256" r:id="rId2"/>
@@ -17,6 +17,7 @@
     <p:sldId id="258" r:id="rId8"/>
     <p:sldId id="259" r:id="rId9"/>
     <p:sldId id="260" r:id="rId10"/>
+    <p:sldId id="265" r:id="rId11"/>
   </p:sldIdLst>
   <p:sldSz cx="7918450" cy="6483350"/>
   <p:notesSz cx="6858000" cy="9144000"/>
@@ -205,7 +206,7 @@
           <a:p>
             <a:fld id="{5E7D9203-8D15-1F45-AFEF-29CE894B8122}" type="datetimeFigureOut">
               <a:rPr lang="en-US" smtClean="0"/>
-              <a:t>12/13/19</a:t>
+              <a:t>12/14/19</a:t>
             </a:fld>
             <a:endParaRPr lang="en-US"/>
           </a:p>
@@ -564,6 +565,98 @@
 </p:notes>
 </file>
 
+<file path=ppt/notesSlides/notesSlide10.xml><?xml version="1.0" encoding="utf-8"?>
+<p:notes xmlns:a="http://schemas.openxmlformats.org/drawingml/2006/main" xmlns:r="http://schemas.openxmlformats.org/officeDocument/2006/relationships" xmlns:p="http://schemas.openxmlformats.org/presentationml/2006/main">
+  <p:cSld>
+    <p:spTree>
+      <p:nvGrpSpPr>
+        <p:cNvPr id="1" name=""/>
+        <p:cNvGrpSpPr/>
+        <p:nvPr/>
+      </p:nvGrpSpPr>
+      <p:grpSpPr>
+        <a:xfrm>
+          <a:off x="0" y="0"/>
+          <a:ext cx="0" cy="0"/>
+          <a:chOff x="0" y="0"/>
+          <a:chExt cx="0" cy="0"/>
+        </a:xfrm>
+      </p:grpSpPr>
+      <p:sp>
+        <p:nvSpPr>
+          <p:cNvPr id="2" name="Slide Image Placeholder 1"/>
+          <p:cNvSpPr>
+            <a:spLocks noGrp="1" noRot="1" noChangeAspect="1"/>
+          </p:cNvSpPr>
+          <p:nvPr>
+            <p:ph type="sldImg"/>
+          </p:nvPr>
+        </p:nvSpPr>
+        <p:spPr>
+          <a:xfrm>
+            <a:off x="1544638" y="1143000"/>
+            <a:ext cx="3768725" cy="3086100"/>
+          </a:xfrm>
+        </p:spPr>
+      </p:sp>
+      <p:sp>
+        <p:nvSpPr>
+          <p:cNvPr id="3" name="Notes Placeholder 2"/>
+          <p:cNvSpPr>
+            <a:spLocks noGrp="1"/>
+          </p:cNvSpPr>
+          <p:nvPr>
+            <p:ph type="body" idx="1"/>
+          </p:nvPr>
+        </p:nvSpPr>
+        <p:spPr/>
+        <p:txBody>
+          <a:bodyPr/>
+          <a:lstStyle/>
+          <a:p>
+            <a:r>
+              <a:rPr lang="en-US" dirty="0"/>
+              <a:t>12/06/19 Fig. S4</a:t>
+            </a:r>
+          </a:p>
+        </p:txBody>
+      </p:sp>
+      <p:sp>
+        <p:nvSpPr>
+          <p:cNvPr id="4" name="Slide Number Placeholder 3"/>
+          <p:cNvSpPr>
+            <a:spLocks noGrp="1"/>
+          </p:cNvSpPr>
+          <p:nvPr>
+            <p:ph type="sldNum" sz="quarter" idx="5"/>
+          </p:nvPr>
+        </p:nvSpPr>
+        <p:spPr/>
+        <p:txBody>
+          <a:bodyPr/>
+          <a:lstStyle/>
+          <a:p>
+            <a:fld id="{A697AF77-229E-5D4A-87D0-A949D969F47C}" type="slidenum">
+              <a:rPr lang="en-US" smtClean="0"/>
+              <a:t>10</a:t>
+            </a:fld>
+            <a:endParaRPr lang="en-US"/>
+          </a:p>
+        </p:txBody>
+      </p:sp>
+    </p:spTree>
+    <p:extLst>
+      <p:ext uri="{BB962C8B-B14F-4D97-AF65-F5344CB8AC3E}">
+        <p14:creationId xmlns:p14="http://schemas.microsoft.com/office/powerpoint/2010/main" val="4193511516"/>
+      </p:ext>
+    </p:extLst>
+  </p:cSld>
+  <p:clrMapOvr>
+    <a:masterClrMapping/>
+  </p:clrMapOvr>
+</p:notes>
+</file>
+
 <file path=ppt/notesSlides/notesSlide2.xml><?xml version="1.0" encoding="utf-8"?>
 <p:notes xmlns:a="http://schemas.openxmlformats.org/drawingml/2006/main" xmlns:r="http://schemas.openxmlformats.org/officeDocument/2006/relationships" xmlns:p="http://schemas.openxmlformats.org/presentationml/2006/main">
   <p:cSld>
@@ -1431,7 +1524,7 @@
           <a:p>
             <a:fld id="{AAC8E564-4E2A-8441-940F-9FCAA67208AC}" type="datetimeFigureOut">
               <a:rPr lang="en-US" smtClean="0"/>
-              <a:t>12/13/19</a:t>
+              <a:t>12/14/19</a:t>
             </a:fld>
             <a:endParaRPr lang="en-US"/>
           </a:p>
@@ -1601,7 +1694,7 @@
           <a:p>
             <a:fld id="{AAC8E564-4E2A-8441-940F-9FCAA67208AC}" type="datetimeFigureOut">
               <a:rPr lang="en-US" smtClean="0"/>
-              <a:t>12/13/19</a:t>
+              <a:t>12/14/19</a:t>
             </a:fld>
             <a:endParaRPr lang="en-US"/>
           </a:p>
@@ -1781,7 +1874,7 @@
           <a:p>
             <a:fld id="{AAC8E564-4E2A-8441-940F-9FCAA67208AC}" type="datetimeFigureOut">
               <a:rPr lang="en-US" smtClean="0"/>
-              <a:t>12/13/19</a:t>
+              <a:t>12/14/19</a:t>
             </a:fld>
             <a:endParaRPr lang="en-US"/>
           </a:p>
@@ -1951,7 +2044,7 @@
           <a:p>
             <a:fld id="{AAC8E564-4E2A-8441-940F-9FCAA67208AC}" type="datetimeFigureOut">
               <a:rPr lang="en-US" smtClean="0"/>
-              <a:t>12/13/19</a:t>
+              <a:t>12/14/19</a:t>
             </a:fld>
             <a:endParaRPr lang="en-US"/>
           </a:p>
@@ -2195,7 +2288,7 @@
           <a:p>
             <a:fld id="{AAC8E564-4E2A-8441-940F-9FCAA67208AC}" type="datetimeFigureOut">
               <a:rPr lang="en-US" smtClean="0"/>
-              <a:t>12/13/19</a:t>
+              <a:t>12/14/19</a:t>
             </a:fld>
             <a:endParaRPr lang="en-US"/>
           </a:p>
@@ -2427,7 +2520,7 @@
           <a:p>
             <a:fld id="{AAC8E564-4E2A-8441-940F-9FCAA67208AC}" type="datetimeFigureOut">
               <a:rPr lang="en-US" smtClean="0"/>
-              <a:t>12/13/19</a:t>
+              <a:t>12/14/19</a:t>
             </a:fld>
             <a:endParaRPr lang="en-US"/>
           </a:p>
@@ -2794,7 +2887,7 @@
           <a:p>
             <a:fld id="{AAC8E564-4E2A-8441-940F-9FCAA67208AC}" type="datetimeFigureOut">
               <a:rPr lang="en-US" smtClean="0"/>
-              <a:t>12/13/19</a:t>
+              <a:t>12/14/19</a:t>
             </a:fld>
             <a:endParaRPr lang="en-US"/>
           </a:p>
@@ -2912,7 +3005,7 @@
           <a:p>
             <a:fld id="{AAC8E564-4E2A-8441-940F-9FCAA67208AC}" type="datetimeFigureOut">
               <a:rPr lang="en-US" smtClean="0"/>
-              <a:t>12/13/19</a:t>
+              <a:t>12/14/19</a:t>
             </a:fld>
             <a:endParaRPr lang="en-US"/>
           </a:p>
@@ -3007,7 +3100,7 @@
           <a:p>
             <a:fld id="{AAC8E564-4E2A-8441-940F-9FCAA67208AC}" type="datetimeFigureOut">
               <a:rPr lang="en-US" smtClean="0"/>
-              <a:t>12/13/19</a:t>
+              <a:t>12/14/19</a:t>
             </a:fld>
             <a:endParaRPr lang="en-US"/>
           </a:p>
@@ -3284,7 +3377,7 @@
           <a:p>
             <a:fld id="{AAC8E564-4E2A-8441-940F-9FCAA67208AC}" type="datetimeFigureOut">
               <a:rPr lang="en-US" smtClean="0"/>
-              <a:t>12/13/19</a:t>
+              <a:t>12/14/19</a:t>
             </a:fld>
             <a:endParaRPr lang="en-US"/>
           </a:p>
@@ -3541,7 +3634,7 @@
           <a:p>
             <a:fld id="{AAC8E564-4E2A-8441-940F-9FCAA67208AC}" type="datetimeFigureOut">
               <a:rPr lang="en-US" smtClean="0"/>
-              <a:t>12/13/19</a:t>
+              <a:t>12/14/19</a:t>
             </a:fld>
             <a:endParaRPr lang="en-US"/>
           </a:p>
@@ -3754,7 +3847,7 @@
           <a:p>
             <a:fld id="{AAC8E564-4E2A-8441-940F-9FCAA67208AC}" type="datetimeFigureOut">
               <a:rPr lang="en-US" smtClean="0"/>
-              <a:t>12/13/19</a:t>
+              <a:t>12/14/19</a:t>
             </a:fld>
             <a:endParaRPr lang="en-US"/>
           </a:p>
@@ -4373,6 +4466,1041 @@
     <p:extLst>
       <p:ext uri="{BB962C8B-B14F-4D97-AF65-F5344CB8AC3E}">
         <p14:creationId xmlns:p14="http://schemas.microsoft.com/office/powerpoint/2010/main" val="3376327410"/>
+      </p:ext>
+    </p:extLst>
+  </p:cSld>
+  <p:clrMapOvr>
+    <a:masterClrMapping/>
+  </p:clrMapOvr>
+</p:sld>
+</file>
+
+<file path=ppt/slides/slide10.xml><?xml version="1.0" encoding="utf-8"?>
+<p:sld xmlns:a="http://schemas.openxmlformats.org/drawingml/2006/main" xmlns:r="http://schemas.openxmlformats.org/officeDocument/2006/relationships" xmlns:p="http://schemas.openxmlformats.org/presentationml/2006/main">
+  <p:cSld>
+    <p:spTree>
+      <p:nvGrpSpPr>
+        <p:cNvPr id="1" name=""/>
+        <p:cNvGrpSpPr/>
+        <p:nvPr/>
+      </p:nvGrpSpPr>
+      <p:grpSpPr>
+        <a:xfrm>
+          <a:off x="0" y="0"/>
+          <a:ext cx="0" cy="0"/>
+          <a:chOff x="0" y="0"/>
+          <a:chExt cx="0" cy="0"/>
+        </a:xfrm>
+      </p:grpSpPr>
+      <p:grpSp>
+        <p:nvGrpSpPr>
+          <p:cNvPr id="31" name="Group 30">
+            <a:extLst>
+              <a:ext uri="{FF2B5EF4-FFF2-40B4-BE49-F238E27FC236}">
+                <a16:creationId xmlns:a16="http://schemas.microsoft.com/office/drawing/2014/main" id="{47C214A7-314B-DA4B-A577-30EEC875FB69}"/>
+              </a:ext>
+            </a:extLst>
+          </p:cNvPr>
+          <p:cNvGrpSpPr/>
+          <p:nvPr/>
+        </p:nvGrpSpPr>
+        <p:grpSpPr>
+          <a:xfrm>
+            <a:off x="6981783" y="2392783"/>
+            <a:ext cx="905467" cy="1258441"/>
+            <a:chOff x="6972084" y="2105534"/>
+            <a:chExt cx="905467" cy="1258441"/>
+          </a:xfrm>
+        </p:grpSpPr>
+        <p:pic>
+          <p:nvPicPr>
+            <p:cNvPr id="29" name="Picture 28">
+              <a:extLst>
+                <a:ext uri="{FF2B5EF4-FFF2-40B4-BE49-F238E27FC236}">
+                  <a16:creationId xmlns:a16="http://schemas.microsoft.com/office/drawing/2014/main" id="{47A2DE75-0F65-AD45-9C88-01A2B4AC7DE0}"/>
+                </a:ext>
+              </a:extLst>
+            </p:cNvPr>
+            <p:cNvPicPr>
+              <a:picLocks noChangeAspect="1"/>
+            </p:cNvPicPr>
+            <p:nvPr/>
+          </p:nvPicPr>
+          <p:blipFill rotWithShape="1">
+            <a:blip r:embed="rId3"/>
+            <a:srcRect l="83340" t="21017" r="3277" b="36380"/>
+            <a:stretch/>
+          </p:blipFill>
+          <p:spPr>
+            <a:xfrm>
+              <a:off x="7111404" y="2105534"/>
+              <a:ext cx="716620" cy="1136141"/>
+            </a:xfrm>
+            <a:prstGeom prst="rect">
+              <a:avLst/>
+            </a:prstGeom>
+          </p:spPr>
+        </p:pic>
+        <p:sp>
+          <p:nvSpPr>
+            <p:cNvPr id="30" name="TextBox 29">
+              <a:extLst>
+                <a:ext uri="{FF2B5EF4-FFF2-40B4-BE49-F238E27FC236}">
+                  <a16:creationId xmlns:a16="http://schemas.microsoft.com/office/drawing/2014/main" id="{7AC3745E-4836-B44F-8769-8C29FFAF708D}"/>
+                </a:ext>
+              </a:extLst>
+            </p:cNvPr>
+            <p:cNvSpPr txBox="1"/>
+            <p:nvPr/>
+          </p:nvSpPr>
+          <p:spPr>
+            <a:xfrm>
+              <a:off x="6972084" y="2994643"/>
+              <a:ext cx="905467" cy="369332"/>
+            </a:xfrm>
+            <a:prstGeom prst="rect">
+              <a:avLst/>
+            </a:prstGeom>
+            <a:noFill/>
+          </p:spPr>
+          <p:txBody>
+            <a:bodyPr wrap="square" rtlCol="0">
+              <a:spAutoFit/>
+            </a:bodyPr>
+            <a:lstStyle/>
+            <a:p>
+              <a:pPr algn="r"/>
+              <a:r>
+                <a:rPr lang="en-US" sz="1000" dirty="0">
+                  <a:solidFill>
+                    <a:schemeClr val="bg1">
+                      <a:lumMod val="50000"/>
+                    </a:schemeClr>
+                  </a:solidFill>
+                  <a:latin typeface="Helvetica Neue" panose="02000503000000020004" pitchFamily="2" charset="0"/>
+                  <a:ea typeface="Helvetica Neue" panose="02000503000000020004" pitchFamily="2" charset="0"/>
+                  <a:cs typeface="Helvetica Neue" panose="02000503000000020004" pitchFamily="2" charset="0"/>
+                </a:rPr>
+                <a:t>---</a:t>
+              </a:r>
+              <a:r>
+                <a:rPr lang="en-US" sz="1000" dirty="0">
+                  <a:latin typeface="Helvetica Neue" panose="02000503000000020004" pitchFamily="2" charset="0"/>
+                  <a:ea typeface="Helvetica Neue" panose="02000503000000020004" pitchFamily="2" charset="0"/>
+                  <a:cs typeface="Helvetica Neue" panose="02000503000000020004" pitchFamily="2" charset="0"/>
+                </a:rPr>
+                <a:t>  </a:t>
+              </a:r>
+              <a:r>
+                <a:rPr lang="en-US" sz="500" dirty="0">
+                  <a:latin typeface="Helvetica Neue" panose="02000503000000020004" pitchFamily="2" charset="0"/>
+                  <a:ea typeface="Helvetica Neue" panose="02000503000000020004" pitchFamily="2" charset="0"/>
+                  <a:cs typeface="Helvetica Neue" panose="02000503000000020004" pitchFamily="2" charset="0"/>
+                </a:rPr>
+                <a:t> </a:t>
+              </a:r>
+              <a:r>
+                <a:rPr lang="en-US" sz="1000" dirty="0">
+                  <a:latin typeface="Helvetica Neue" panose="02000503000000020004" pitchFamily="2" charset="0"/>
+                  <a:ea typeface="Helvetica Neue" panose="02000503000000020004" pitchFamily="2" charset="0"/>
+                  <a:cs typeface="Helvetica Neue" panose="02000503000000020004" pitchFamily="2" charset="0"/>
+                </a:rPr>
+                <a:t>Null H</a:t>
+              </a:r>
+              <a:r>
+                <a:rPr lang="en-US" sz="1000" baseline="-25000" dirty="0">
+                  <a:latin typeface="Helvetica Neue" panose="02000503000000020004" pitchFamily="2" charset="0"/>
+                  <a:ea typeface="Helvetica Neue" panose="02000503000000020004" pitchFamily="2" charset="0"/>
+                  <a:cs typeface="Helvetica Neue" panose="02000503000000020004" pitchFamily="2" charset="0"/>
+                </a:rPr>
+                <a:t>0</a:t>
+              </a:r>
+              <a:endParaRPr lang="en-US" sz="1000" dirty="0">
+                <a:latin typeface="Helvetica Neue" panose="02000503000000020004" pitchFamily="2" charset="0"/>
+                <a:ea typeface="Helvetica Neue" panose="02000503000000020004" pitchFamily="2" charset="0"/>
+                <a:cs typeface="Helvetica Neue" panose="02000503000000020004" pitchFamily="2" charset="0"/>
+              </a:endParaRPr>
+            </a:p>
+            <a:p>
+              <a:pPr algn="r"/>
+              <a:r>
+                <a:rPr lang="en-US" sz="800" dirty="0">
+                  <a:latin typeface="Helvetica Neue" panose="02000503000000020004" pitchFamily="2" charset="0"/>
+                  <a:ea typeface="Helvetica Neue" panose="02000503000000020004" pitchFamily="2" charset="0"/>
+                  <a:cs typeface="Helvetica Neue" panose="02000503000000020004" pitchFamily="2" charset="0"/>
+                </a:rPr>
+                <a:t>(linear mixing)</a:t>
+              </a:r>
+              <a:endParaRPr lang="en-US" sz="800" baseline="-25000" dirty="0">
+                <a:latin typeface="Helvetica Neue" panose="02000503000000020004" pitchFamily="2" charset="0"/>
+                <a:ea typeface="Helvetica Neue" panose="02000503000000020004" pitchFamily="2" charset="0"/>
+                <a:cs typeface="Helvetica Neue" panose="02000503000000020004" pitchFamily="2" charset="0"/>
+              </a:endParaRPr>
+            </a:p>
+          </p:txBody>
+        </p:sp>
+      </p:grpSp>
+      <p:grpSp>
+        <p:nvGrpSpPr>
+          <p:cNvPr id="64" name="Group 63">
+            <a:extLst>
+              <a:ext uri="{FF2B5EF4-FFF2-40B4-BE49-F238E27FC236}">
+                <a16:creationId xmlns:a16="http://schemas.microsoft.com/office/drawing/2014/main" id="{2307CD96-C70A-1047-A24B-0EF7304A3210}"/>
+              </a:ext>
+            </a:extLst>
+          </p:cNvPr>
+          <p:cNvGrpSpPr/>
+          <p:nvPr/>
+        </p:nvGrpSpPr>
+        <p:grpSpPr>
+          <a:xfrm>
+            <a:off x="-59571" y="1197522"/>
+            <a:ext cx="7180674" cy="4088306"/>
+            <a:chOff x="-59571" y="1257310"/>
+            <a:chExt cx="7180674" cy="4088306"/>
+          </a:xfrm>
+        </p:grpSpPr>
+        <p:pic>
+          <p:nvPicPr>
+            <p:cNvPr id="13" name="Picture 12">
+              <a:extLst>
+                <a:ext uri="{FF2B5EF4-FFF2-40B4-BE49-F238E27FC236}">
+                  <a16:creationId xmlns:a16="http://schemas.microsoft.com/office/drawing/2014/main" id="{DAB10650-9262-A442-818E-C32D8386224F}"/>
+                </a:ext>
+              </a:extLst>
+            </p:cNvPr>
+            <p:cNvPicPr>
+              <a:picLocks noChangeAspect="1"/>
+            </p:cNvPicPr>
+            <p:nvPr/>
+          </p:nvPicPr>
+          <p:blipFill>
+            <a:blip r:embed="rId4"/>
+            <a:stretch>
+              <a:fillRect/>
+            </a:stretch>
+          </p:blipFill>
+          <p:spPr>
+            <a:xfrm>
+              <a:off x="3609807" y="3596852"/>
+              <a:ext cx="3511296" cy="1748763"/>
+            </a:xfrm>
+            <a:prstGeom prst="rect">
+              <a:avLst/>
+            </a:prstGeom>
+          </p:spPr>
+        </p:pic>
+        <p:sp>
+          <p:nvSpPr>
+            <p:cNvPr id="18" name="TextBox 17">
+              <a:extLst>
+                <a:ext uri="{FF2B5EF4-FFF2-40B4-BE49-F238E27FC236}">
+                  <a16:creationId xmlns:a16="http://schemas.microsoft.com/office/drawing/2014/main" id="{46BBEC22-8FD3-4646-AE1A-C6C1C5D5E1E6}"/>
+                </a:ext>
+              </a:extLst>
+            </p:cNvPr>
+            <p:cNvSpPr txBox="1"/>
+            <p:nvPr/>
+          </p:nvSpPr>
+          <p:spPr>
+            <a:xfrm>
+              <a:off x="3478615" y="1257310"/>
+              <a:ext cx="532050" cy="311217"/>
+            </a:xfrm>
+            <a:prstGeom prst="rect">
+              <a:avLst/>
+            </a:prstGeom>
+            <a:noFill/>
+          </p:spPr>
+          <p:txBody>
+            <a:bodyPr wrap="square" rtlCol="0">
+              <a:spAutoFit/>
+            </a:bodyPr>
+            <a:lstStyle/>
+            <a:p>
+              <a:pPr algn="ctr"/>
+              <a:r>
+                <a:rPr lang="en-US" sz="1600" b="1" dirty="0">
+                  <a:latin typeface="Helvetica Neue" panose="02000503000000020004" pitchFamily="2" charset="0"/>
+                  <a:ea typeface="Helvetica Neue" panose="02000503000000020004" pitchFamily="2" charset="0"/>
+                  <a:cs typeface="Helvetica Neue" panose="02000503000000020004" pitchFamily="2" charset="0"/>
+                </a:rPr>
+                <a:t>b</a:t>
+              </a:r>
+            </a:p>
+          </p:txBody>
+        </p:sp>
+        <p:pic>
+          <p:nvPicPr>
+            <p:cNvPr id="11" name="Picture 10">
+              <a:extLst>
+                <a:ext uri="{FF2B5EF4-FFF2-40B4-BE49-F238E27FC236}">
+                  <a16:creationId xmlns:a16="http://schemas.microsoft.com/office/drawing/2014/main" id="{CDDBCA46-2431-8742-8B7E-7958F55115D8}"/>
+                </a:ext>
+              </a:extLst>
+            </p:cNvPr>
+            <p:cNvPicPr>
+              <a:picLocks noChangeAspect="1"/>
+            </p:cNvPicPr>
+            <p:nvPr/>
+          </p:nvPicPr>
+          <p:blipFill>
+            <a:blip r:embed="rId5"/>
+            <a:stretch>
+              <a:fillRect/>
+            </a:stretch>
+          </p:blipFill>
+          <p:spPr>
+            <a:xfrm>
+              <a:off x="83059" y="1568526"/>
+              <a:ext cx="3511296" cy="1748763"/>
+            </a:xfrm>
+            <a:prstGeom prst="rect">
+              <a:avLst/>
+            </a:prstGeom>
+          </p:spPr>
+        </p:pic>
+        <p:pic>
+          <p:nvPicPr>
+            <p:cNvPr id="17" name="Picture 16">
+              <a:extLst>
+                <a:ext uri="{FF2B5EF4-FFF2-40B4-BE49-F238E27FC236}">
+                  <a16:creationId xmlns:a16="http://schemas.microsoft.com/office/drawing/2014/main" id="{2B7D716C-7908-7040-B95B-AA7F33B09271}"/>
+                </a:ext>
+              </a:extLst>
+            </p:cNvPr>
+            <p:cNvPicPr>
+              <a:picLocks noChangeAspect="1"/>
+            </p:cNvPicPr>
+            <p:nvPr/>
+          </p:nvPicPr>
+          <p:blipFill>
+            <a:blip r:embed="rId6"/>
+            <a:stretch>
+              <a:fillRect/>
+            </a:stretch>
+          </p:blipFill>
+          <p:spPr>
+            <a:xfrm>
+              <a:off x="83059" y="3596853"/>
+              <a:ext cx="3511296" cy="1748763"/>
+            </a:xfrm>
+            <a:prstGeom prst="rect">
+              <a:avLst/>
+            </a:prstGeom>
+          </p:spPr>
+        </p:pic>
+        <p:pic>
+          <p:nvPicPr>
+            <p:cNvPr id="24" name="Picture 23">
+              <a:extLst>
+                <a:ext uri="{FF2B5EF4-FFF2-40B4-BE49-F238E27FC236}">
+                  <a16:creationId xmlns:a16="http://schemas.microsoft.com/office/drawing/2014/main" id="{E521139E-34DD-FC49-B81A-3E8E74C466B9}"/>
+                </a:ext>
+              </a:extLst>
+            </p:cNvPr>
+            <p:cNvPicPr>
+              <a:picLocks noChangeAspect="1"/>
+            </p:cNvPicPr>
+            <p:nvPr/>
+          </p:nvPicPr>
+          <p:blipFill>
+            <a:blip r:embed="rId7"/>
+            <a:stretch>
+              <a:fillRect/>
+            </a:stretch>
+          </p:blipFill>
+          <p:spPr>
+            <a:xfrm>
+              <a:off x="3609807" y="1568527"/>
+              <a:ext cx="3511296" cy="1748763"/>
+            </a:xfrm>
+            <a:prstGeom prst="rect">
+              <a:avLst/>
+            </a:prstGeom>
+          </p:spPr>
+        </p:pic>
+        <p:sp>
+          <p:nvSpPr>
+            <p:cNvPr id="16" name="TextBox 15">
+              <a:extLst>
+                <a:ext uri="{FF2B5EF4-FFF2-40B4-BE49-F238E27FC236}">
+                  <a16:creationId xmlns:a16="http://schemas.microsoft.com/office/drawing/2014/main" id="{0B8EA217-6F2C-0943-8D48-F70EC12EC200}"/>
+                </a:ext>
+              </a:extLst>
+            </p:cNvPr>
+            <p:cNvSpPr txBox="1"/>
+            <p:nvPr/>
+          </p:nvSpPr>
+          <p:spPr>
+            <a:xfrm>
+              <a:off x="-39178" y="1258440"/>
+              <a:ext cx="532050" cy="311217"/>
+            </a:xfrm>
+            <a:prstGeom prst="rect">
+              <a:avLst/>
+            </a:prstGeom>
+            <a:noFill/>
+          </p:spPr>
+          <p:txBody>
+            <a:bodyPr wrap="square" rtlCol="0">
+              <a:spAutoFit/>
+            </a:bodyPr>
+            <a:lstStyle/>
+            <a:p>
+              <a:pPr algn="ctr"/>
+              <a:r>
+                <a:rPr lang="en-US" sz="1600" b="1" dirty="0">
+                  <a:latin typeface="Helvetica Neue" panose="02000503000000020004" pitchFamily="2" charset="0"/>
+                  <a:ea typeface="Helvetica Neue" panose="02000503000000020004" pitchFamily="2" charset="0"/>
+                  <a:cs typeface="Helvetica Neue" panose="02000503000000020004" pitchFamily="2" charset="0"/>
+                </a:rPr>
+                <a:t>a</a:t>
+              </a:r>
+            </a:p>
+          </p:txBody>
+        </p:sp>
+        <p:sp>
+          <p:nvSpPr>
+            <p:cNvPr id="20" name="TextBox 19">
+              <a:extLst>
+                <a:ext uri="{FF2B5EF4-FFF2-40B4-BE49-F238E27FC236}">
+                  <a16:creationId xmlns:a16="http://schemas.microsoft.com/office/drawing/2014/main" id="{E8C86BD2-9FE9-8C4D-A835-2EAAEE829653}"/>
+                </a:ext>
+              </a:extLst>
+            </p:cNvPr>
+            <p:cNvSpPr txBox="1"/>
+            <p:nvPr/>
+          </p:nvSpPr>
+          <p:spPr>
+            <a:xfrm>
+              <a:off x="-59571" y="3276227"/>
+              <a:ext cx="532050" cy="311217"/>
+            </a:xfrm>
+            <a:prstGeom prst="rect">
+              <a:avLst/>
+            </a:prstGeom>
+            <a:noFill/>
+          </p:spPr>
+          <p:txBody>
+            <a:bodyPr wrap="square" rtlCol="0">
+              <a:spAutoFit/>
+            </a:bodyPr>
+            <a:lstStyle/>
+            <a:p>
+              <a:pPr algn="ctr"/>
+              <a:r>
+                <a:rPr lang="en-US" sz="1600" b="1" dirty="0">
+                  <a:latin typeface="Helvetica Neue" panose="02000503000000020004" pitchFamily="2" charset="0"/>
+                  <a:ea typeface="Helvetica Neue" panose="02000503000000020004" pitchFamily="2" charset="0"/>
+                  <a:cs typeface="Helvetica Neue" panose="02000503000000020004" pitchFamily="2" charset="0"/>
+                </a:rPr>
+                <a:t>c</a:t>
+              </a:r>
+            </a:p>
+          </p:txBody>
+        </p:sp>
+        <p:sp>
+          <p:nvSpPr>
+            <p:cNvPr id="22" name="TextBox 21">
+              <a:extLst>
+                <a:ext uri="{FF2B5EF4-FFF2-40B4-BE49-F238E27FC236}">
+                  <a16:creationId xmlns:a16="http://schemas.microsoft.com/office/drawing/2014/main" id="{9CC8A2EA-F668-DD43-A074-9F1F726F28A7}"/>
+                </a:ext>
+              </a:extLst>
+            </p:cNvPr>
+            <p:cNvSpPr txBox="1"/>
+            <p:nvPr/>
+          </p:nvSpPr>
+          <p:spPr>
+            <a:xfrm>
+              <a:off x="3478615" y="3281256"/>
+              <a:ext cx="532050" cy="311217"/>
+            </a:xfrm>
+            <a:prstGeom prst="rect">
+              <a:avLst/>
+            </a:prstGeom>
+            <a:noFill/>
+          </p:spPr>
+          <p:txBody>
+            <a:bodyPr wrap="square" rtlCol="0">
+              <a:spAutoFit/>
+            </a:bodyPr>
+            <a:lstStyle/>
+            <a:p>
+              <a:pPr algn="ctr"/>
+              <a:r>
+                <a:rPr lang="en-US" sz="1600" b="1" dirty="0">
+                  <a:latin typeface="Helvetica Neue" panose="02000503000000020004" pitchFamily="2" charset="0"/>
+                  <a:ea typeface="Helvetica Neue" panose="02000503000000020004" pitchFamily="2" charset="0"/>
+                  <a:cs typeface="Helvetica Neue" panose="02000503000000020004" pitchFamily="2" charset="0"/>
+                </a:rPr>
+                <a:t>d</a:t>
+              </a:r>
+            </a:p>
+          </p:txBody>
+        </p:sp>
+        <p:sp>
+          <p:nvSpPr>
+            <p:cNvPr id="34" name="Rectangle 33">
+              <a:extLst>
+                <a:ext uri="{FF2B5EF4-FFF2-40B4-BE49-F238E27FC236}">
+                  <a16:creationId xmlns:a16="http://schemas.microsoft.com/office/drawing/2014/main" id="{FCC82B76-D613-B14A-9751-C3404A7F5100}"/>
+                </a:ext>
+              </a:extLst>
+            </p:cNvPr>
+            <p:cNvSpPr/>
+            <p:nvPr/>
+          </p:nvSpPr>
+          <p:spPr>
+            <a:xfrm>
+              <a:off x="1859134" y="1755789"/>
+              <a:ext cx="253217" cy="1060972"/>
+            </a:xfrm>
+            <a:prstGeom prst="rect">
+              <a:avLst/>
+            </a:prstGeom>
+            <a:noFill/>
+            <a:ln w="6350">
+              <a:solidFill>
+                <a:schemeClr val="tx1"/>
+              </a:solidFill>
+            </a:ln>
+          </p:spPr>
+          <p:style>
+            <a:lnRef idx="2">
+              <a:schemeClr val="accent1">
+                <a:shade val="50000"/>
+              </a:schemeClr>
+            </a:lnRef>
+            <a:fillRef idx="1">
+              <a:schemeClr val="accent1"/>
+            </a:fillRef>
+            <a:effectRef idx="0">
+              <a:schemeClr val="accent1"/>
+            </a:effectRef>
+            <a:fontRef idx="minor">
+              <a:schemeClr val="lt1"/>
+            </a:fontRef>
+          </p:style>
+          <p:txBody>
+            <a:bodyPr rtlCol="0" anchor="ctr"/>
+            <a:lstStyle/>
+            <a:p>
+              <a:pPr algn="ctr"/>
+              <a:endParaRPr lang="en-US"/>
+            </a:p>
+          </p:txBody>
+        </p:sp>
+        <p:cxnSp>
+          <p:nvCxnSpPr>
+            <p:cNvPr id="36" name="Straight Arrow Connector 35">
+              <a:extLst>
+                <a:ext uri="{FF2B5EF4-FFF2-40B4-BE49-F238E27FC236}">
+                  <a16:creationId xmlns:a16="http://schemas.microsoft.com/office/drawing/2014/main" id="{FCB6A53D-8895-5444-BC26-FDB3CED3D01F}"/>
+                </a:ext>
+              </a:extLst>
+            </p:cNvPr>
+            <p:cNvCxnSpPr>
+              <a:cxnSpLocks/>
+            </p:cNvCxnSpPr>
+            <p:nvPr/>
+          </p:nvCxnSpPr>
+          <p:spPr>
+            <a:xfrm>
+              <a:off x="1985744" y="1552268"/>
+              <a:ext cx="0" cy="202381"/>
+            </a:xfrm>
+            <a:prstGeom prst="straightConnector1">
+              <a:avLst/>
+            </a:prstGeom>
+            <a:ln>
+              <a:solidFill>
+                <a:schemeClr val="tx1"/>
+              </a:solidFill>
+              <a:tailEnd type="triangle"/>
+            </a:ln>
+          </p:spPr>
+          <p:style>
+            <a:lnRef idx="1">
+              <a:schemeClr val="accent1"/>
+            </a:lnRef>
+            <a:fillRef idx="0">
+              <a:schemeClr val="accent1"/>
+            </a:fillRef>
+            <a:effectRef idx="0">
+              <a:schemeClr val="accent1"/>
+            </a:effectRef>
+            <a:fontRef idx="minor">
+              <a:schemeClr val="tx1"/>
+            </a:fontRef>
+          </p:style>
+        </p:cxnSp>
+        <p:sp>
+          <p:nvSpPr>
+            <p:cNvPr id="40" name="TextBox 39">
+              <a:extLst>
+                <a:ext uri="{FF2B5EF4-FFF2-40B4-BE49-F238E27FC236}">
+                  <a16:creationId xmlns:a16="http://schemas.microsoft.com/office/drawing/2014/main" id="{59710CE9-75A6-8E4F-BC0F-9128A72B5E28}"/>
+                </a:ext>
+              </a:extLst>
+            </p:cNvPr>
+            <p:cNvSpPr txBox="1"/>
+            <p:nvPr/>
+          </p:nvSpPr>
+          <p:spPr>
+            <a:xfrm>
+              <a:off x="1510959" y="1335504"/>
+              <a:ext cx="949569" cy="230832"/>
+            </a:xfrm>
+            <a:prstGeom prst="rect">
+              <a:avLst/>
+            </a:prstGeom>
+            <a:noFill/>
+          </p:spPr>
+          <p:txBody>
+            <a:bodyPr wrap="square" rtlCol="0">
+              <a:spAutoFit/>
+            </a:bodyPr>
+            <a:lstStyle/>
+            <a:p>
+              <a:pPr algn="ctr"/>
+              <a:r>
+                <a:rPr lang="en-US" sz="900" i="1" dirty="0">
+                  <a:solidFill>
+                    <a:srgbClr val="8FB132"/>
+                  </a:solidFill>
+                  <a:latin typeface="Helvetica Neue" panose="02000503000000020004" pitchFamily="2" charset="0"/>
+                  <a:ea typeface="Helvetica Neue" panose="02000503000000020004" pitchFamily="2" charset="0"/>
+                  <a:cs typeface="Helvetica Neue" panose="02000503000000020004" pitchFamily="2" charset="0"/>
+                </a:rPr>
+                <a:t>No effect</a:t>
+              </a:r>
+            </a:p>
+          </p:txBody>
+        </p:sp>
+        <p:sp>
+          <p:nvSpPr>
+            <p:cNvPr id="47" name="Rectangle 46">
+              <a:extLst>
+                <a:ext uri="{FF2B5EF4-FFF2-40B4-BE49-F238E27FC236}">
+                  <a16:creationId xmlns:a16="http://schemas.microsoft.com/office/drawing/2014/main" id="{B01074A1-2499-4948-9DBB-7D0A93A30FE8}"/>
+                </a:ext>
+              </a:extLst>
+            </p:cNvPr>
+            <p:cNvSpPr/>
+            <p:nvPr/>
+          </p:nvSpPr>
+          <p:spPr>
+            <a:xfrm>
+              <a:off x="5388331" y="1755789"/>
+              <a:ext cx="253217" cy="1057240"/>
+            </a:xfrm>
+            <a:prstGeom prst="rect">
+              <a:avLst/>
+            </a:prstGeom>
+            <a:noFill/>
+            <a:ln w="6350">
+              <a:solidFill>
+                <a:schemeClr val="tx1"/>
+              </a:solidFill>
+            </a:ln>
+          </p:spPr>
+          <p:style>
+            <a:lnRef idx="2">
+              <a:schemeClr val="accent1">
+                <a:shade val="50000"/>
+              </a:schemeClr>
+            </a:lnRef>
+            <a:fillRef idx="1">
+              <a:schemeClr val="accent1"/>
+            </a:fillRef>
+            <a:effectRef idx="0">
+              <a:schemeClr val="accent1"/>
+            </a:effectRef>
+            <a:fontRef idx="minor">
+              <a:schemeClr val="lt1"/>
+            </a:fontRef>
+          </p:style>
+          <p:txBody>
+            <a:bodyPr rtlCol="0" anchor="ctr"/>
+            <a:lstStyle/>
+            <a:p>
+              <a:pPr algn="ctr"/>
+              <a:endParaRPr lang="en-US"/>
+            </a:p>
+          </p:txBody>
+        </p:sp>
+        <p:cxnSp>
+          <p:nvCxnSpPr>
+            <p:cNvPr id="48" name="Straight Arrow Connector 47">
+              <a:extLst>
+                <a:ext uri="{FF2B5EF4-FFF2-40B4-BE49-F238E27FC236}">
+                  <a16:creationId xmlns:a16="http://schemas.microsoft.com/office/drawing/2014/main" id="{3673C9ED-1E77-ED4B-9332-C7996099B01B}"/>
+                </a:ext>
+              </a:extLst>
+            </p:cNvPr>
+            <p:cNvCxnSpPr>
+              <a:cxnSpLocks/>
+            </p:cNvCxnSpPr>
+            <p:nvPr/>
+          </p:nvCxnSpPr>
+          <p:spPr>
+            <a:xfrm>
+              <a:off x="5514940" y="1523669"/>
+              <a:ext cx="0" cy="227246"/>
+            </a:xfrm>
+            <a:prstGeom prst="straightConnector1">
+              <a:avLst/>
+            </a:prstGeom>
+            <a:ln>
+              <a:solidFill>
+                <a:schemeClr val="tx1"/>
+              </a:solidFill>
+              <a:tailEnd type="triangle"/>
+            </a:ln>
+          </p:spPr>
+          <p:style>
+            <a:lnRef idx="1">
+              <a:schemeClr val="accent1"/>
+            </a:lnRef>
+            <a:fillRef idx="0">
+              <a:schemeClr val="accent1"/>
+            </a:fillRef>
+            <a:effectRef idx="0">
+              <a:schemeClr val="accent1"/>
+            </a:effectRef>
+            <a:fontRef idx="minor">
+              <a:schemeClr val="tx1"/>
+            </a:fontRef>
+          </p:style>
+        </p:cxnSp>
+        <p:sp>
+          <p:nvSpPr>
+            <p:cNvPr id="49" name="TextBox 48">
+              <a:extLst>
+                <a:ext uri="{FF2B5EF4-FFF2-40B4-BE49-F238E27FC236}">
+                  <a16:creationId xmlns:a16="http://schemas.microsoft.com/office/drawing/2014/main" id="{2505A704-0B39-3948-B702-3DE6FB8A566F}"/>
+                </a:ext>
+              </a:extLst>
+            </p:cNvPr>
+            <p:cNvSpPr txBox="1"/>
+            <p:nvPr/>
+          </p:nvSpPr>
+          <p:spPr>
+            <a:xfrm>
+              <a:off x="4819867" y="1337694"/>
+              <a:ext cx="1367335" cy="230832"/>
+            </a:xfrm>
+            <a:prstGeom prst="rect">
+              <a:avLst/>
+            </a:prstGeom>
+            <a:noFill/>
+          </p:spPr>
+          <p:txBody>
+            <a:bodyPr wrap="square" rtlCol="0">
+              <a:spAutoFit/>
+            </a:bodyPr>
+            <a:lstStyle/>
+            <a:p>
+              <a:pPr algn="ctr"/>
+              <a:r>
+                <a:rPr lang="en-US" sz="900" i="1" dirty="0">
+                  <a:solidFill>
+                    <a:srgbClr val="8FB132"/>
+                  </a:solidFill>
+                  <a:latin typeface="Helvetica Neue" panose="02000503000000020004" pitchFamily="2" charset="0"/>
+                  <a:ea typeface="Helvetica Neue" panose="02000503000000020004" pitchFamily="2" charset="0"/>
+                  <a:cs typeface="Helvetica Neue" panose="02000503000000020004" pitchFamily="2" charset="0"/>
+                </a:rPr>
+                <a:t>Downward contagion</a:t>
+              </a:r>
+            </a:p>
+          </p:txBody>
+        </p:sp>
+        <p:sp>
+          <p:nvSpPr>
+            <p:cNvPr id="56" name="Rectangle 55">
+              <a:extLst>
+                <a:ext uri="{FF2B5EF4-FFF2-40B4-BE49-F238E27FC236}">
+                  <a16:creationId xmlns:a16="http://schemas.microsoft.com/office/drawing/2014/main" id="{946FFB0D-B0DB-7746-BE84-CA00A6AC6FC6}"/>
+                </a:ext>
+              </a:extLst>
+            </p:cNvPr>
+            <p:cNvSpPr/>
+            <p:nvPr/>
+          </p:nvSpPr>
+          <p:spPr>
+            <a:xfrm>
+              <a:off x="1870538" y="3779347"/>
+              <a:ext cx="253217" cy="1057240"/>
+            </a:xfrm>
+            <a:prstGeom prst="rect">
+              <a:avLst/>
+            </a:prstGeom>
+            <a:noFill/>
+            <a:ln w="6350">
+              <a:solidFill>
+                <a:schemeClr val="tx1"/>
+              </a:solidFill>
+            </a:ln>
+          </p:spPr>
+          <p:style>
+            <a:lnRef idx="2">
+              <a:schemeClr val="accent1">
+                <a:shade val="50000"/>
+              </a:schemeClr>
+            </a:lnRef>
+            <a:fillRef idx="1">
+              <a:schemeClr val="accent1"/>
+            </a:fillRef>
+            <a:effectRef idx="0">
+              <a:schemeClr val="accent1"/>
+            </a:effectRef>
+            <a:fontRef idx="minor">
+              <a:schemeClr val="lt1"/>
+            </a:fontRef>
+          </p:style>
+          <p:txBody>
+            <a:bodyPr rtlCol="0" anchor="ctr"/>
+            <a:lstStyle/>
+            <a:p>
+              <a:pPr algn="ctr"/>
+              <a:endParaRPr lang="en-US"/>
+            </a:p>
+          </p:txBody>
+        </p:sp>
+        <p:cxnSp>
+          <p:nvCxnSpPr>
+            <p:cNvPr id="57" name="Straight Arrow Connector 56">
+              <a:extLst>
+                <a:ext uri="{FF2B5EF4-FFF2-40B4-BE49-F238E27FC236}">
+                  <a16:creationId xmlns:a16="http://schemas.microsoft.com/office/drawing/2014/main" id="{D01545C1-233E-EA44-BA81-A519DB74EB76}"/>
+                </a:ext>
+              </a:extLst>
+            </p:cNvPr>
+            <p:cNvCxnSpPr>
+              <a:cxnSpLocks/>
+            </p:cNvCxnSpPr>
+            <p:nvPr/>
+          </p:nvCxnSpPr>
+          <p:spPr>
+            <a:xfrm>
+              <a:off x="1997147" y="3547227"/>
+              <a:ext cx="0" cy="227246"/>
+            </a:xfrm>
+            <a:prstGeom prst="straightConnector1">
+              <a:avLst/>
+            </a:prstGeom>
+            <a:ln>
+              <a:solidFill>
+                <a:schemeClr val="tx1"/>
+              </a:solidFill>
+              <a:tailEnd type="triangle"/>
+            </a:ln>
+          </p:spPr>
+          <p:style>
+            <a:lnRef idx="1">
+              <a:schemeClr val="accent1"/>
+            </a:lnRef>
+            <a:fillRef idx="0">
+              <a:schemeClr val="accent1"/>
+            </a:fillRef>
+            <a:effectRef idx="0">
+              <a:schemeClr val="accent1"/>
+            </a:effectRef>
+            <a:fontRef idx="minor">
+              <a:schemeClr val="tx1"/>
+            </a:fontRef>
+          </p:style>
+        </p:cxnSp>
+        <p:sp>
+          <p:nvSpPr>
+            <p:cNvPr id="58" name="TextBox 57">
+              <a:extLst>
+                <a:ext uri="{FF2B5EF4-FFF2-40B4-BE49-F238E27FC236}">
+                  <a16:creationId xmlns:a16="http://schemas.microsoft.com/office/drawing/2014/main" id="{01EAAFA9-AE9E-8246-A9FD-6D29F8274912}"/>
+                </a:ext>
+              </a:extLst>
+            </p:cNvPr>
+            <p:cNvSpPr txBox="1"/>
+            <p:nvPr/>
+          </p:nvSpPr>
+          <p:spPr>
+            <a:xfrm>
+              <a:off x="1302074" y="3361252"/>
+              <a:ext cx="1367335" cy="230832"/>
+            </a:xfrm>
+            <a:prstGeom prst="rect">
+              <a:avLst/>
+            </a:prstGeom>
+            <a:noFill/>
+          </p:spPr>
+          <p:txBody>
+            <a:bodyPr wrap="square" rtlCol="0">
+              <a:spAutoFit/>
+            </a:bodyPr>
+            <a:lstStyle/>
+            <a:p>
+              <a:pPr algn="ctr"/>
+              <a:r>
+                <a:rPr lang="en-US" sz="900" i="1" dirty="0">
+                  <a:solidFill>
+                    <a:srgbClr val="8FB132"/>
+                  </a:solidFill>
+                  <a:latin typeface="Helvetica Neue" panose="02000503000000020004" pitchFamily="2" charset="0"/>
+                  <a:ea typeface="Helvetica Neue" panose="02000503000000020004" pitchFamily="2" charset="0"/>
+                  <a:cs typeface="Helvetica Neue" panose="02000503000000020004" pitchFamily="2" charset="0"/>
+                </a:rPr>
+                <a:t>Upward contagion</a:t>
+              </a:r>
+            </a:p>
+          </p:txBody>
+        </p:sp>
+        <p:sp>
+          <p:nvSpPr>
+            <p:cNvPr id="60" name="Rectangle 59">
+              <a:extLst>
+                <a:ext uri="{FF2B5EF4-FFF2-40B4-BE49-F238E27FC236}">
+                  <a16:creationId xmlns:a16="http://schemas.microsoft.com/office/drawing/2014/main" id="{A32BC6D7-F7BC-9347-83A3-B3CCF91F5830}"/>
+                </a:ext>
+              </a:extLst>
+            </p:cNvPr>
+            <p:cNvSpPr/>
+            <p:nvPr/>
+          </p:nvSpPr>
+          <p:spPr>
+            <a:xfrm>
+              <a:off x="5404107" y="3819564"/>
+              <a:ext cx="253217" cy="1057240"/>
+            </a:xfrm>
+            <a:prstGeom prst="rect">
+              <a:avLst/>
+            </a:prstGeom>
+            <a:noFill/>
+            <a:ln w="6350">
+              <a:solidFill>
+                <a:schemeClr val="tx1"/>
+              </a:solidFill>
+            </a:ln>
+          </p:spPr>
+          <p:style>
+            <a:lnRef idx="2">
+              <a:schemeClr val="accent1">
+                <a:shade val="50000"/>
+              </a:schemeClr>
+            </a:lnRef>
+            <a:fillRef idx="1">
+              <a:schemeClr val="accent1"/>
+            </a:fillRef>
+            <a:effectRef idx="0">
+              <a:schemeClr val="accent1"/>
+            </a:effectRef>
+            <a:fontRef idx="minor">
+              <a:schemeClr val="lt1"/>
+            </a:fontRef>
+          </p:style>
+          <p:txBody>
+            <a:bodyPr rtlCol="0" anchor="ctr"/>
+            <a:lstStyle/>
+            <a:p>
+              <a:pPr algn="ctr"/>
+              <a:endParaRPr lang="en-US"/>
+            </a:p>
+          </p:txBody>
+        </p:sp>
+        <p:cxnSp>
+          <p:nvCxnSpPr>
+            <p:cNvPr id="61" name="Straight Arrow Connector 60">
+              <a:extLst>
+                <a:ext uri="{FF2B5EF4-FFF2-40B4-BE49-F238E27FC236}">
+                  <a16:creationId xmlns:a16="http://schemas.microsoft.com/office/drawing/2014/main" id="{9799F749-BB09-1044-AE8A-A5DAEEBC2F1E}"/>
+                </a:ext>
+              </a:extLst>
+            </p:cNvPr>
+            <p:cNvCxnSpPr>
+              <a:cxnSpLocks/>
+            </p:cNvCxnSpPr>
+            <p:nvPr/>
+          </p:nvCxnSpPr>
+          <p:spPr>
+            <a:xfrm>
+              <a:off x="5530716" y="3587444"/>
+              <a:ext cx="0" cy="227246"/>
+            </a:xfrm>
+            <a:prstGeom prst="straightConnector1">
+              <a:avLst/>
+            </a:prstGeom>
+            <a:ln>
+              <a:solidFill>
+                <a:schemeClr val="tx1"/>
+              </a:solidFill>
+              <a:tailEnd type="triangle"/>
+            </a:ln>
+          </p:spPr>
+          <p:style>
+            <a:lnRef idx="1">
+              <a:schemeClr val="accent1"/>
+            </a:lnRef>
+            <a:fillRef idx="0">
+              <a:schemeClr val="accent1"/>
+            </a:fillRef>
+            <a:effectRef idx="0">
+              <a:schemeClr val="accent1"/>
+            </a:effectRef>
+            <a:fontRef idx="minor">
+              <a:schemeClr val="tx1"/>
+            </a:fontRef>
+          </p:style>
+        </p:cxnSp>
+        <p:sp>
+          <p:nvSpPr>
+            <p:cNvPr id="62" name="TextBox 61">
+              <a:extLst>
+                <a:ext uri="{FF2B5EF4-FFF2-40B4-BE49-F238E27FC236}">
+                  <a16:creationId xmlns:a16="http://schemas.microsoft.com/office/drawing/2014/main" id="{D13988C2-B628-D948-9CFA-37C8D35D596B}"/>
+                </a:ext>
+              </a:extLst>
+            </p:cNvPr>
+            <p:cNvSpPr txBox="1"/>
+            <p:nvPr/>
+          </p:nvSpPr>
+          <p:spPr>
+            <a:xfrm>
+              <a:off x="4835643" y="3401469"/>
+              <a:ext cx="1367335" cy="230832"/>
+            </a:xfrm>
+            <a:prstGeom prst="rect">
+              <a:avLst/>
+            </a:prstGeom>
+            <a:noFill/>
+          </p:spPr>
+          <p:txBody>
+            <a:bodyPr wrap="square" rtlCol="0">
+              <a:spAutoFit/>
+            </a:bodyPr>
+            <a:lstStyle/>
+            <a:p>
+              <a:pPr algn="ctr"/>
+              <a:r>
+                <a:rPr lang="en-US" sz="900" i="1" dirty="0">
+                  <a:solidFill>
+                    <a:srgbClr val="8FB132"/>
+                  </a:solidFill>
+                  <a:latin typeface="Helvetica Neue" panose="02000503000000020004" pitchFamily="2" charset="0"/>
+                  <a:ea typeface="Helvetica Neue" panose="02000503000000020004" pitchFamily="2" charset="0"/>
+                  <a:cs typeface="Helvetica Neue" panose="02000503000000020004" pitchFamily="2" charset="0"/>
+                </a:rPr>
+                <a:t>Amplification</a:t>
+              </a:r>
+            </a:p>
+          </p:txBody>
+        </p:sp>
+      </p:grpSp>
+    </p:spTree>
+    <p:extLst>
+      <p:ext uri="{BB962C8B-B14F-4D97-AF65-F5344CB8AC3E}">
+        <p14:creationId xmlns:p14="http://schemas.microsoft.com/office/powerpoint/2010/main" val="580486317"/>
       </p:ext>
     </p:extLst>
   </p:cSld>
@@ -9008,8 +10136,8 @@
           </p:nvSpPr>
           <p:spPr>
             <a:xfrm>
-              <a:off x="966670" y="4436079"/>
-              <a:ext cx="1569713" cy="471018"/>
+              <a:off x="966670" y="4406224"/>
+              <a:ext cx="1569713" cy="516831"/>
             </a:xfrm>
             <a:prstGeom prst="rect">
               <a:avLst/>
@@ -9025,6 +10153,13 @@
               <a:pPr algn="ctr"/>
               <a:r>
                 <a:rPr lang="en-US" sz="1400" b="1" dirty="0">
+                  <a:ln w="635">
+                    <a:solidFill>
+                      <a:schemeClr val="bg1">
+                        <a:alpha val="50000"/>
+                      </a:schemeClr>
+                    </a:solidFill>
+                  </a:ln>
                   <a:solidFill>
                     <a:srgbClr val="2B4B9B"/>
                   </a:solidFill>
@@ -9108,117 +10243,6 @@
               </a:schemeClr>
             </a:solidFill>
             <a:tailEnd type="triangle" w="med" len="med"/>
-          </a:ln>
-        </p:spPr>
-        <p:style>
-          <a:lnRef idx="1">
-            <a:schemeClr val="accent1"/>
-          </a:lnRef>
-          <a:fillRef idx="0">
-            <a:schemeClr val="accent1"/>
-          </a:fillRef>
-          <a:effectRef idx="0">
-            <a:schemeClr val="accent1"/>
-          </a:effectRef>
-          <a:fontRef idx="minor">
-            <a:schemeClr val="tx1"/>
-          </a:fontRef>
-        </p:style>
-        <p:txBody>
-          <a:bodyPr rtlCol="0" anchor="ctr"/>
-          <a:lstStyle/>
-          <a:p>
-            <a:pPr algn="ctr"/>
-            <a:endParaRPr lang="en-US"/>
-          </a:p>
-        </p:txBody>
-      </p:sp>
-      <p:sp>
-        <p:nvSpPr>
-          <p:cNvPr id="54" name="Arc 53">
-            <a:extLst>
-              <a:ext uri="{FF2B5EF4-FFF2-40B4-BE49-F238E27FC236}">
-                <a16:creationId xmlns:a16="http://schemas.microsoft.com/office/drawing/2014/main" id="{36C3A527-0618-F84D-BFDC-2B5F3569FFF1}"/>
-              </a:ext>
-            </a:extLst>
-          </p:cNvPr>
-          <p:cNvSpPr/>
-          <p:nvPr/>
-        </p:nvSpPr>
-        <p:spPr>
-          <a:xfrm rot="15877902" flipV="1">
-            <a:off x="-174217" y="3615980"/>
-            <a:ext cx="7613645" cy="5293189"/>
-          </a:xfrm>
-          <a:prstGeom prst="arc">
-            <a:avLst>
-              <a:gd name="adj1" fmla="val 17631388"/>
-              <a:gd name="adj2" fmla="val 20815625"/>
-            </a:avLst>
-          </a:prstGeom>
-          <a:ln w="19050">
-            <a:solidFill>
-              <a:schemeClr val="bg2">
-                <a:lumMod val="75000"/>
-              </a:schemeClr>
-            </a:solidFill>
-            <a:tailEnd type="triangle"/>
-          </a:ln>
-        </p:spPr>
-        <p:style>
-          <a:lnRef idx="1">
-            <a:schemeClr val="accent1"/>
-          </a:lnRef>
-          <a:fillRef idx="0">
-            <a:schemeClr val="accent1"/>
-          </a:fillRef>
-          <a:effectRef idx="0">
-            <a:schemeClr val="accent1"/>
-          </a:effectRef>
-          <a:fontRef idx="minor">
-            <a:schemeClr val="tx1"/>
-          </a:fontRef>
-        </p:style>
-        <p:txBody>
-          <a:bodyPr rtlCol="0" anchor="ctr"/>
-          <a:lstStyle/>
-          <a:p>
-            <a:pPr algn="ctr"/>
-            <a:endParaRPr lang="en-US"/>
-          </a:p>
-        </p:txBody>
-      </p:sp>
-      <p:sp>
-        <p:nvSpPr>
-          <p:cNvPr id="53" name="Arc 52">
-            <a:extLst>
-              <a:ext uri="{FF2B5EF4-FFF2-40B4-BE49-F238E27FC236}">
-                <a16:creationId xmlns:a16="http://schemas.microsoft.com/office/drawing/2014/main" id="{96BD8594-B12F-0B4E-80D0-4C225EE50BD6}"/>
-              </a:ext>
-            </a:extLst>
-          </p:cNvPr>
-          <p:cNvSpPr/>
-          <p:nvPr/>
-        </p:nvSpPr>
-        <p:spPr>
-          <a:xfrm rot="14659101" flipH="1" flipV="1">
-            <a:off x="-1759486" y="651230"/>
-            <a:ext cx="4515937" cy="5615453"/>
-          </a:xfrm>
-          <a:prstGeom prst="arc">
-            <a:avLst>
-              <a:gd name="adj1" fmla="val 16774664"/>
-              <a:gd name="adj2" fmla="val 20923922"/>
-            </a:avLst>
-          </a:prstGeom>
-          <a:ln w="19050">
-            <a:solidFill>
-              <a:schemeClr val="bg2">
-                <a:lumMod val="75000"/>
-              </a:schemeClr>
-            </a:solidFill>
-            <a:headEnd type="triangle"/>
-            <a:tailEnd w="lg" len="med"/>
           </a:ln>
         </p:spPr>
         <p:style>
@@ -10104,6 +11128,117 @@
       </p:grpSp>
       <p:sp>
         <p:nvSpPr>
+          <p:cNvPr id="53" name="Arc 52">
+            <a:extLst>
+              <a:ext uri="{FF2B5EF4-FFF2-40B4-BE49-F238E27FC236}">
+                <a16:creationId xmlns:a16="http://schemas.microsoft.com/office/drawing/2014/main" id="{96BD8594-B12F-0B4E-80D0-4C225EE50BD6}"/>
+              </a:ext>
+            </a:extLst>
+          </p:cNvPr>
+          <p:cNvSpPr/>
+          <p:nvPr/>
+        </p:nvSpPr>
+        <p:spPr>
+          <a:xfrm rot="14659101" flipH="1" flipV="1">
+            <a:off x="-1743731" y="649999"/>
+            <a:ext cx="4496747" cy="5575436"/>
+          </a:xfrm>
+          <a:prstGeom prst="arc">
+            <a:avLst>
+              <a:gd name="adj1" fmla="val 16774664"/>
+              <a:gd name="adj2" fmla="val 20697222"/>
+            </a:avLst>
+          </a:prstGeom>
+          <a:ln w="19050">
+            <a:solidFill>
+              <a:schemeClr val="bg2">
+                <a:lumMod val="75000"/>
+              </a:schemeClr>
+            </a:solidFill>
+            <a:headEnd type="triangle"/>
+            <a:tailEnd w="lg" len="med"/>
+          </a:ln>
+        </p:spPr>
+        <p:style>
+          <a:lnRef idx="1">
+            <a:schemeClr val="accent1"/>
+          </a:lnRef>
+          <a:fillRef idx="0">
+            <a:schemeClr val="accent1"/>
+          </a:fillRef>
+          <a:effectRef idx="0">
+            <a:schemeClr val="accent1"/>
+          </a:effectRef>
+          <a:fontRef idx="minor">
+            <a:schemeClr val="tx1"/>
+          </a:fontRef>
+        </p:style>
+        <p:txBody>
+          <a:bodyPr rtlCol="0" anchor="ctr"/>
+          <a:lstStyle/>
+          <a:p>
+            <a:pPr algn="ctr"/>
+            <a:endParaRPr lang="en-US"/>
+          </a:p>
+        </p:txBody>
+      </p:sp>
+      <p:sp>
+        <p:nvSpPr>
+          <p:cNvPr id="54" name="Arc 53">
+            <a:extLst>
+              <a:ext uri="{FF2B5EF4-FFF2-40B4-BE49-F238E27FC236}">
+                <a16:creationId xmlns:a16="http://schemas.microsoft.com/office/drawing/2014/main" id="{36C3A527-0618-F84D-BFDC-2B5F3569FFF1}"/>
+              </a:ext>
+            </a:extLst>
+          </p:cNvPr>
+          <p:cNvSpPr/>
+          <p:nvPr/>
+        </p:nvSpPr>
+        <p:spPr>
+          <a:xfrm rot="15877902" flipV="1">
+            <a:off x="-210971" y="3552883"/>
+            <a:ext cx="7638836" cy="5385652"/>
+          </a:xfrm>
+          <a:prstGeom prst="arc">
+            <a:avLst>
+              <a:gd name="adj1" fmla="val 17974590"/>
+              <a:gd name="adj2" fmla="val 20815625"/>
+            </a:avLst>
+          </a:prstGeom>
+          <a:ln w="19050">
+            <a:solidFill>
+              <a:schemeClr val="bg2">
+                <a:lumMod val="75000"/>
+              </a:schemeClr>
+            </a:solidFill>
+            <a:tailEnd type="triangle"/>
+          </a:ln>
+        </p:spPr>
+        <p:style>
+          <a:lnRef idx="1">
+            <a:schemeClr val="accent1"/>
+          </a:lnRef>
+          <a:fillRef idx="0">
+            <a:schemeClr val="accent1"/>
+          </a:fillRef>
+          <a:effectRef idx="0">
+            <a:schemeClr val="accent1"/>
+          </a:effectRef>
+          <a:fontRef idx="minor">
+            <a:schemeClr val="tx1"/>
+          </a:fontRef>
+        </p:style>
+        <p:txBody>
+          <a:bodyPr rtlCol="0" anchor="ctr"/>
+          <a:lstStyle/>
+          <a:p>
+            <a:pPr algn="ctr"/>
+            <a:endParaRPr lang="en-US"/>
+          </a:p>
+        </p:txBody>
+      </p:sp>
+      <p:sp>
+        <p:nvSpPr>
           <p:cNvPr id="59" name="Arc 58">
             <a:extLst>
               <a:ext uri="{FF2B5EF4-FFF2-40B4-BE49-F238E27FC236}">
@@ -10215,7 +11350,7 @@
         </p:nvSpPr>
         <p:spPr>
           <a:xfrm>
-            <a:off x="4880442" y="2401267"/>
+            <a:off x="4884878" y="2396831"/>
             <a:ext cx="1025694" cy="307777"/>
           </a:xfrm>
           <a:prstGeom prst="rect">
@@ -10232,6 +11367,13 @@
             <a:pPr algn="ctr"/>
             <a:r>
               <a:rPr lang="en-US" sz="1400" b="1" dirty="0">
+                <a:ln w="635">
+                  <a:solidFill>
+                    <a:schemeClr val="bg1">
+                      <a:alpha val="50000"/>
+                    </a:schemeClr>
+                  </a:solidFill>
+                </a:ln>
                 <a:solidFill>
                   <a:srgbClr val="E52421"/>
                 </a:solidFill>
@@ -10258,13 +11400,16 @@
         </p:nvSpPr>
         <p:spPr>
           <a:xfrm>
-            <a:off x="3530541" y="2411797"/>
+            <a:off x="3531741" y="2396831"/>
             <a:ext cx="1025694" cy="307777"/>
           </a:xfrm>
           <a:prstGeom prst="rect">
             <a:avLst/>
           </a:prstGeom>
           <a:noFill/>
+          <a:ln w="3175">
+            <a:noFill/>
+          </a:ln>
         </p:spPr>
         <p:txBody>
           <a:bodyPr wrap="square" rtlCol="0">
@@ -10275,6 +11420,13 @@
             <a:pPr algn="ctr"/>
             <a:r>
               <a:rPr lang="en-US" sz="1400" b="1" dirty="0">
+                <a:ln w="635">
+                  <a:solidFill>
+                    <a:schemeClr val="bg1">
+                      <a:alpha val="50000"/>
+                    </a:schemeClr>
+                  </a:solidFill>
+                </a:ln>
                 <a:solidFill>
                   <a:srgbClr val="E52421"/>
                 </a:solidFill>
@@ -10301,13 +11453,16 @@
         </p:nvSpPr>
         <p:spPr>
           <a:xfrm>
-            <a:off x="2629481" y="2401267"/>
+            <a:off x="2633718" y="2396830"/>
             <a:ext cx="1025694" cy="307777"/>
           </a:xfrm>
           <a:prstGeom prst="rect">
             <a:avLst/>
           </a:prstGeom>
           <a:noFill/>
+          <a:ln>
+            <a:noFill/>
+          </a:ln>
         </p:spPr>
         <p:txBody>
           <a:bodyPr wrap="square" rtlCol="0">
@@ -10318,6 +11473,13 @@
             <a:pPr algn="ctr"/>
             <a:r>
               <a:rPr lang="en-US" sz="1400" b="1" dirty="0">
+                <a:ln w="635">
+                  <a:solidFill>
+                    <a:schemeClr val="bg1">
+                      <a:alpha val="50000"/>
+                    </a:schemeClr>
+                  </a:solidFill>
+                </a:ln>
                 <a:solidFill>
                   <a:srgbClr val="E52421"/>
                 </a:solidFill>

--- a/slides/figures_191206.pptx
+++ b/slides/figures_191206.pptx
@@ -5,7 +5,7 @@
     <p:sldMasterId id="2147483684" r:id="rId1"/>
   </p:sldMasterIdLst>
   <p:notesMasterIdLst>
-    <p:notesMasterId r:id="rId12"/>
+    <p:notesMasterId r:id="rId14"/>
   </p:notesMasterIdLst>
   <p:sldIdLst>
     <p:sldId id="256" r:id="rId2"/>
@@ -18,6 +18,8 @@
     <p:sldId id="259" r:id="rId9"/>
     <p:sldId id="260" r:id="rId10"/>
     <p:sldId id="265" r:id="rId11"/>
+    <p:sldId id="266" r:id="rId12"/>
+    <p:sldId id="267" r:id="rId13"/>
   </p:sldIdLst>
   <p:sldSz cx="7918450" cy="6483350"/>
   <p:notesSz cx="6858000" cy="9144000"/>
@@ -206,7 +208,7 @@
           <a:p>
             <a:fld id="{5E7D9203-8D15-1F45-AFEF-29CE894B8122}" type="datetimeFigureOut">
               <a:rPr lang="en-US" smtClean="0"/>
-              <a:t>12/14/19</a:t>
+              <a:t>1/6/20</a:t>
             </a:fld>
             <a:endParaRPr lang="en-US"/>
           </a:p>
@@ -657,6 +659,184 @@
 </p:notes>
 </file>
 
+<file path=ppt/notesSlides/notesSlide11.xml><?xml version="1.0" encoding="utf-8"?>
+<p:notes xmlns:a="http://schemas.openxmlformats.org/drawingml/2006/main" xmlns:r="http://schemas.openxmlformats.org/officeDocument/2006/relationships" xmlns:p="http://schemas.openxmlformats.org/presentationml/2006/main">
+  <p:cSld>
+    <p:spTree>
+      <p:nvGrpSpPr>
+        <p:cNvPr id="1" name=""/>
+        <p:cNvGrpSpPr/>
+        <p:nvPr/>
+      </p:nvGrpSpPr>
+      <p:grpSpPr>
+        <a:xfrm>
+          <a:off x="0" y="0"/>
+          <a:ext cx="0" cy="0"/>
+          <a:chOff x="0" y="0"/>
+          <a:chExt cx="0" cy="0"/>
+        </a:xfrm>
+      </p:grpSpPr>
+      <p:sp>
+        <p:nvSpPr>
+          <p:cNvPr id="2" name="Slide Image Placeholder 1"/>
+          <p:cNvSpPr>
+            <a:spLocks noGrp="1" noRot="1" noChangeAspect="1"/>
+          </p:cNvSpPr>
+          <p:nvPr>
+            <p:ph type="sldImg"/>
+          </p:nvPr>
+        </p:nvSpPr>
+        <p:spPr>
+          <a:xfrm>
+            <a:off x="1544638" y="1143000"/>
+            <a:ext cx="3768725" cy="3086100"/>
+          </a:xfrm>
+        </p:spPr>
+      </p:sp>
+      <p:sp>
+        <p:nvSpPr>
+          <p:cNvPr id="3" name="Notes Placeholder 2"/>
+          <p:cNvSpPr>
+            <a:spLocks noGrp="1"/>
+          </p:cNvSpPr>
+          <p:nvPr>
+            <p:ph type="body" idx="1"/>
+          </p:nvPr>
+        </p:nvSpPr>
+        <p:spPr/>
+        <p:txBody>
+          <a:bodyPr/>
+          <a:lstStyle/>
+          <a:p>
+            <a:endParaRPr lang="en-US" dirty="0"/>
+          </a:p>
+        </p:txBody>
+      </p:sp>
+      <p:sp>
+        <p:nvSpPr>
+          <p:cNvPr id="4" name="Slide Number Placeholder 3"/>
+          <p:cNvSpPr>
+            <a:spLocks noGrp="1"/>
+          </p:cNvSpPr>
+          <p:nvPr>
+            <p:ph type="sldNum" sz="quarter" idx="5"/>
+          </p:nvPr>
+        </p:nvSpPr>
+        <p:spPr/>
+        <p:txBody>
+          <a:bodyPr/>
+          <a:lstStyle/>
+          <a:p>
+            <a:fld id="{A697AF77-229E-5D4A-87D0-A949D969F47C}" type="slidenum">
+              <a:rPr lang="en-US" smtClean="0"/>
+              <a:t>11</a:t>
+            </a:fld>
+            <a:endParaRPr lang="en-US"/>
+          </a:p>
+        </p:txBody>
+      </p:sp>
+    </p:spTree>
+    <p:extLst>
+      <p:ext uri="{BB962C8B-B14F-4D97-AF65-F5344CB8AC3E}">
+        <p14:creationId xmlns:p14="http://schemas.microsoft.com/office/powerpoint/2010/main" val="4283938702"/>
+      </p:ext>
+    </p:extLst>
+  </p:cSld>
+  <p:clrMapOvr>
+    <a:masterClrMapping/>
+  </p:clrMapOvr>
+</p:notes>
+</file>
+
+<file path=ppt/notesSlides/notesSlide12.xml><?xml version="1.0" encoding="utf-8"?>
+<p:notes xmlns:a="http://schemas.openxmlformats.org/drawingml/2006/main" xmlns:r="http://schemas.openxmlformats.org/officeDocument/2006/relationships" xmlns:p="http://schemas.openxmlformats.org/presentationml/2006/main">
+  <p:cSld>
+    <p:spTree>
+      <p:nvGrpSpPr>
+        <p:cNvPr id="1" name=""/>
+        <p:cNvGrpSpPr/>
+        <p:nvPr/>
+      </p:nvGrpSpPr>
+      <p:grpSpPr>
+        <a:xfrm>
+          <a:off x="0" y="0"/>
+          <a:ext cx="0" cy="0"/>
+          <a:chOff x="0" y="0"/>
+          <a:chExt cx="0" cy="0"/>
+        </a:xfrm>
+      </p:grpSpPr>
+      <p:sp>
+        <p:nvSpPr>
+          <p:cNvPr id="2" name="Slide Image Placeholder 1"/>
+          <p:cNvSpPr>
+            <a:spLocks noGrp="1" noRot="1" noChangeAspect="1"/>
+          </p:cNvSpPr>
+          <p:nvPr>
+            <p:ph type="sldImg"/>
+          </p:nvPr>
+        </p:nvSpPr>
+        <p:spPr>
+          <a:xfrm>
+            <a:off x="1544638" y="1143000"/>
+            <a:ext cx="3768725" cy="3086100"/>
+          </a:xfrm>
+        </p:spPr>
+      </p:sp>
+      <p:sp>
+        <p:nvSpPr>
+          <p:cNvPr id="3" name="Notes Placeholder 2"/>
+          <p:cNvSpPr>
+            <a:spLocks noGrp="1"/>
+          </p:cNvSpPr>
+          <p:nvPr>
+            <p:ph type="body" idx="1"/>
+          </p:nvPr>
+        </p:nvSpPr>
+        <p:spPr/>
+        <p:txBody>
+          <a:bodyPr/>
+          <a:lstStyle/>
+          <a:p>
+            <a:endParaRPr lang="en-US" dirty="0"/>
+          </a:p>
+        </p:txBody>
+      </p:sp>
+      <p:sp>
+        <p:nvSpPr>
+          <p:cNvPr id="4" name="Slide Number Placeholder 3"/>
+          <p:cNvSpPr>
+            <a:spLocks noGrp="1"/>
+          </p:cNvSpPr>
+          <p:nvPr>
+            <p:ph type="sldNum" sz="quarter" idx="5"/>
+          </p:nvPr>
+        </p:nvSpPr>
+        <p:spPr/>
+        <p:txBody>
+          <a:bodyPr/>
+          <a:lstStyle/>
+          <a:p>
+            <a:fld id="{A697AF77-229E-5D4A-87D0-A949D969F47C}" type="slidenum">
+              <a:rPr lang="en-US" smtClean="0"/>
+              <a:t>12</a:t>
+            </a:fld>
+            <a:endParaRPr lang="en-US"/>
+          </a:p>
+        </p:txBody>
+      </p:sp>
+    </p:spTree>
+    <p:extLst>
+      <p:ext uri="{BB962C8B-B14F-4D97-AF65-F5344CB8AC3E}">
+        <p14:creationId xmlns:p14="http://schemas.microsoft.com/office/powerpoint/2010/main" val="1036323336"/>
+      </p:ext>
+    </p:extLst>
+  </p:cSld>
+  <p:clrMapOvr>
+    <a:masterClrMapping/>
+  </p:clrMapOvr>
+</p:notes>
+</file>
+
 <file path=ppt/notesSlides/notesSlide2.xml><?xml version="1.0" encoding="utf-8"?>
 <p:notes xmlns:a="http://schemas.openxmlformats.org/drawingml/2006/main" xmlns:r="http://schemas.openxmlformats.org/officeDocument/2006/relationships" xmlns:p="http://schemas.openxmlformats.org/presentationml/2006/main">
   <p:cSld>
@@ -1524,7 +1704,7 @@
           <a:p>
             <a:fld id="{AAC8E564-4E2A-8441-940F-9FCAA67208AC}" type="datetimeFigureOut">
               <a:rPr lang="en-US" smtClean="0"/>
-              <a:t>12/14/19</a:t>
+              <a:t>1/6/20</a:t>
             </a:fld>
             <a:endParaRPr lang="en-US"/>
           </a:p>
@@ -1694,7 +1874,7 @@
           <a:p>
             <a:fld id="{AAC8E564-4E2A-8441-940F-9FCAA67208AC}" type="datetimeFigureOut">
               <a:rPr lang="en-US" smtClean="0"/>
-              <a:t>12/14/19</a:t>
+              <a:t>1/6/20</a:t>
             </a:fld>
             <a:endParaRPr lang="en-US"/>
           </a:p>
@@ -1874,7 +2054,7 @@
           <a:p>
             <a:fld id="{AAC8E564-4E2A-8441-940F-9FCAA67208AC}" type="datetimeFigureOut">
               <a:rPr lang="en-US" smtClean="0"/>
-              <a:t>12/14/19</a:t>
+              <a:t>1/6/20</a:t>
             </a:fld>
             <a:endParaRPr lang="en-US"/>
           </a:p>
@@ -2044,7 +2224,7 @@
           <a:p>
             <a:fld id="{AAC8E564-4E2A-8441-940F-9FCAA67208AC}" type="datetimeFigureOut">
               <a:rPr lang="en-US" smtClean="0"/>
-              <a:t>12/14/19</a:t>
+              <a:t>1/6/20</a:t>
             </a:fld>
             <a:endParaRPr lang="en-US"/>
           </a:p>
@@ -2288,7 +2468,7 @@
           <a:p>
             <a:fld id="{AAC8E564-4E2A-8441-940F-9FCAA67208AC}" type="datetimeFigureOut">
               <a:rPr lang="en-US" smtClean="0"/>
-              <a:t>12/14/19</a:t>
+              <a:t>1/6/20</a:t>
             </a:fld>
             <a:endParaRPr lang="en-US"/>
           </a:p>
@@ -2520,7 +2700,7 @@
           <a:p>
             <a:fld id="{AAC8E564-4E2A-8441-940F-9FCAA67208AC}" type="datetimeFigureOut">
               <a:rPr lang="en-US" smtClean="0"/>
-              <a:t>12/14/19</a:t>
+              <a:t>1/6/20</a:t>
             </a:fld>
             <a:endParaRPr lang="en-US"/>
           </a:p>
@@ -2887,7 +3067,7 @@
           <a:p>
             <a:fld id="{AAC8E564-4E2A-8441-940F-9FCAA67208AC}" type="datetimeFigureOut">
               <a:rPr lang="en-US" smtClean="0"/>
-              <a:t>12/14/19</a:t>
+              <a:t>1/6/20</a:t>
             </a:fld>
             <a:endParaRPr lang="en-US"/>
           </a:p>
@@ -3005,7 +3185,7 @@
           <a:p>
             <a:fld id="{AAC8E564-4E2A-8441-940F-9FCAA67208AC}" type="datetimeFigureOut">
               <a:rPr lang="en-US" smtClean="0"/>
-              <a:t>12/14/19</a:t>
+              <a:t>1/6/20</a:t>
             </a:fld>
             <a:endParaRPr lang="en-US"/>
           </a:p>
@@ -3100,7 +3280,7 @@
           <a:p>
             <a:fld id="{AAC8E564-4E2A-8441-940F-9FCAA67208AC}" type="datetimeFigureOut">
               <a:rPr lang="en-US" smtClean="0"/>
-              <a:t>12/14/19</a:t>
+              <a:t>1/6/20</a:t>
             </a:fld>
             <a:endParaRPr lang="en-US"/>
           </a:p>
@@ -3377,7 +3557,7 @@
           <a:p>
             <a:fld id="{AAC8E564-4E2A-8441-940F-9FCAA67208AC}" type="datetimeFigureOut">
               <a:rPr lang="en-US" smtClean="0"/>
-              <a:t>12/14/19</a:t>
+              <a:t>1/6/20</a:t>
             </a:fld>
             <a:endParaRPr lang="en-US"/>
           </a:p>
@@ -3634,7 +3814,7 @@
           <a:p>
             <a:fld id="{AAC8E564-4E2A-8441-940F-9FCAA67208AC}" type="datetimeFigureOut">
               <a:rPr lang="en-US" smtClean="0"/>
-              <a:t>12/14/19</a:t>
+              <a:t>1/6/20</a:t>
             </a:fld>
             <a:endParaRPr lang="en-US"/>
           </a:p>
@@ -3847,7 +4027,7 @@
           <a:p>
             <a:fld id="{AAC8E564-4E2A-8441-940F-9FCAA67208AC}" type="datetimeFigureOut">
               <a:rPr lang="en-US" smtClean="0"/>
-              <a:t>12/14/19</a:t>
+              <a:t>1/6/20</a:t>
             </a:fld>
             <a:endParaRPr lang="en-US"/>
           </a:p>
@@ -5510,6 +5690,346 @@
 </p:sld>
 </file>
 
+<file path=ppt/slides/slide11.xml><?xml version="1.0" encoding="utf-8"?>
+<p:sld xmlns:a="http://schemas.openxmlformats.org/drawingml/2006/main" xmlns:r="http://schemas.openxmlformats.org/officeDocument/2006/relationships" xmlns:p="http://schemas.openxmlformats.org/presentationml/2006/main">
+  <p:cSld>
+    <p:spTree>
+      <p:nvGrpSpPr>
+        <p:cNvPr id="1" name=""/>
+        <p:cNvGrpSpPr/>
+        <p:nvPr/>
+      </p:nvGrpSpPr>
+      <p:grpSpPr>
+        <a:xfrm>
+          <a:off x="0" y="0"/>
+          <a:ext cx="0" cy="0"/>
+          <a:chOff x="0" y="0"/>
+          <a:chExt cx="0" cy="0"/>
+        </a:xfrm>
+      </p:grpSpPr>
+      <p:sp>
+        <p:nvSpPr>
+          <p:cNvPr id="35" name="TextBox 34">
+            <a:extLst>
+              <a:ext uri="{FF2B5EF4-FFF2-40B4-BE49-F238E27FC236}">
+                <a16:creationId xmlns:a16="http://schemas.microsoft.com/office/drawing/2014/main" id="{3DEA8629-13B6-7240-A27C-B4B5A5095B22}"/>
+              </a:ext>
+            </a:extLst>
+          </p:cNvPr>
+          <p:cNvSpPr txBox="1"/>
+          <p:nvPr/>
+        </p:nvSpPr>
+        <p:spPr>
+          <a:xfrm>
+            <a:off x="3956050" y="1486062"/>
+            <a:ext cx="532050" cy="311217"/>
+          </a:xfrm>
+          <a:prstGeom prst="rect">
+            <a:avLst/>
+          </a:prstGeom>
+          <a:noFill/>
+        </p:spPr>
+        <p:txBody>
+          <a:bodyPr wrap="square" rtlCol="0">
+            <a:spAutoFit/>
+          </a:bodyPr>
+          <a:lstStyle/>
+          <a:p>
+            <a:pPr algn="ctr"/>
+            <a:r>
+              <a:rPr lang="en-US" sz="1600" b="1" dirty="0">
+                <a:latin typeface="Helvetica Neue" panose="02000503000000020004" pitchFamily="2" charset="0"/>
+                <a:ea typeface="Helvetica Neue" panose="02000503000000020004" pitchFamily="2" charset="0"/>
+                <a:cs typeface="Helvetica Neue" panose="02000503000000020004" pitchFamily="2" charset="0"/>
+              </a:rPr>
+              <a:t>b</a:t>
+            </a:r>
+          </a:p>
+        </p:txBody>
+      </p:sp>
+      <p:sp>
+        <p:nvSpPr>
+          <p:cNvPr id="37" name="TextBox 36">
+            <a:extLst>
+              <a:ext uri="{FF2B5EF4-FFF2-40B4-BE49-F238E27FC236}">
+                <a16:creationId xmlns:a16="http://schemas.microsoft.com/office/drawing/2014/main" id="{C29C2A4A-EBF4-9C43-A9EF-B4FE051397FD}"/>
+              </a:ext>
+            </a:extLst>
+          </p:cNvPr>
+          <p:cNvSpPr txBox="1"/>
+          <p:nvPr/>
+        </p:nvSpPr>
+        <p:spPr>
+          <a:xfrm>
+            <a:off x="0" y="1486062"/>
+            <a:ext cx="532050" cy="311217"/>
+          </a:xfrm>
+          <a:prstGeom prst="rect">
+            <a:avLst/>
+          </a:prstGeom>
+          <a:noFill/>
+        </p:spPr>
+        <p:txBody>
+          <a:bodyPr wrap="square" rtlCol="0">
+            <a:spAutoFit/>
+          </a:bodyPr>
+          <a:lstStyle/>
+          <a:p>
+            <a:pPr algn="ctr"/>
+            <a:r>
+              <a:rPr lang="en-US" sz="1600" b="1" dirty="0">
+                <a:latin typeface="Helvetica Neue" panose="02000503000000020004" pitchFamily="2" charset="0"/>
+                <a:ea typeface="Helvetica Neue" panose="02000503000000020004" pitchFamily="2" charset="0"/>
+                <a:cs typeface="Helvetica Neue" panose="02000503000000020004" pitchFamily="2" charset="0"/>
+              </a:rPr>
+              <a:t>a</a:t>
+            </a:r>
+          </a:p>
+        </p:txBody>
+      </p:sp>
+      <p:pic>
+        <p:nvPicPr>
+          <p:cNvPr id="9" name="Picture 8">
+            <a:extLst>
+              <a:ext uri="{FF2B5EF4-FFF2-40B4-BE49-F238E27FC236}">
+                <a16:creationId xmlns:a16="http://schemas.microsoft.com/office/drawing/2014/main" id="{EF4E3E67-993E-EA4F-82DC-BD63D7045175}"/>
+              </a:ext>
+            </a:extLst>
+          </p:cNvPr>
+          <p:cNvPicPr>
+            <a:picLocks noChangeAspect="1"/>
+          </p:cNvPicPr>
+          <p:nvPr/>
+        </p:nvPicPr>
+        <p:blipFill>
+          <a:blip r:embed="rId3"/>
+          <a:stretch>
+            <a:fillRect/>
+          </a:stretch>
+        </p:blipFill>
+        <p:spPr>
+          <a:xfrm>
+            <a:off x="27529" y="1797279"/>
+            <a:ext cx="3928521" cy="3142817"/>
+          </a:xfrm>
+          <a:prstGeom prst="rect">
+            <a:avLst/>
+          </a:prstGeom>
+        </p:spPr>
+      </p:pic>
+      <p:pic>
+        <p:nvPicPr>
+          <p:cNvPr id="11" name="Picture 10">
+            <a:extLst>
+              <a:ext uri="{FF2B5EF4-FFF2-40B4-BE49-F238E27FC236}">
+                <a16:creationId xmlns:a16="http://schemas.microsoft.com/office/drawing/2014/main" id="{E2C36201-9DC1-714D-BE3B-52E4792F1B4E}"/>
+              </a:ext>
+            </a:extLst>
+          </p:cNvPr>
+          <p:cNvPicPr>
+            <a:picLocks noChangeAspect="1"/>
+          </p:cNvPicPr>
+          <p:nvPr/>
+        </p:nvPicPr>
+        <p:blipFill>
+          <a:blip r:embed="rId4"/>
+          <a:stretch>
+            <a:fillRect/>
+          </a:stretch>
+        </p:blipFill>
+        <p:spPr>
+          <a:xfrm>
+            <a:off x="3989929" y="1797279"/>
+            <a:ext cx="3928521" cy="3142817"/>
+          </a:xfrm>
+          <a:prstGeom prst="rect">
+            <a:avLst/>
+          </a:prstGeom>
+        </p:spPr>
+      </p:pic>
+    </p:spTree>
+    <p:extLst>
+      <p:ext uri="{BB962C8B-B14F-4D97-AF65-F5344CB8AC3E}">
+        <p14:creationId xmlns:p14="http://schemas.microsoft.com/office/powerpoint/2010/main" val="1324851370"/>
+      </p:ext>
+    </p:extLst>
+  </p:cSld>
+  <p:clrMapOvr>
+    <a:masterClrMapping/>
+  </p:clrMapOvr>
+</p:sld>
+</file>
+
+<file path=ppt/slides/slide12.xml><?xml version="1.0" encoding="utf-8"?>
+<p:sld xmlns:a="http://schemas.openxmlformats.org/drawingml/2006/main" xmlns:r="http://schemas.openxmlformats.org/officeDocument/2006/relationships" xmlns:p="http://schemas.openxmlformats.org/presentationml/2006/main">
+  <p:cSld>
+    <p:spTree>
+      <p:nvGrpSpPr>
+        <p:cNvPr id="1" name=""/>
+        <p:cNvGrpSpPr/>
+        <p:nvPr/>
+      </p:nvGrpSpPr>
+      <p:grpSpPr>
+        <a:xfrm>
+          <a:off x="0" y="0"/>
+          <a:ext cx="0" cy="0"/>
+          <a:chOff x="0" y="0"/>
+          <a:chExt cx="0" cy="0"/>
+        </a:xfrm>
+      </p:grpSpPr>
+      <p:sp>
+        <p:nvSpPr>
+          <p:cNvPr id="35" name="TextBox 34">
+            <a:extLst>
+              <a:ext uri="{FF2B5EF4-FFF2-40B4-BE49-F238E27FC236}">
+                <a16:creationId xmlns:a16="http://schemas.microsoft.com/office/drawing/2014/main" id="{3DEA8629-13B6-7240-A27C-B4B5A5095B22}"/>
+              </a:ext>
+            </a:extLst>
+          </p:cNvPr>
+          <p:cNvSpPr txBox="1"/>
+          <p:nvPr/>
+        </p:nvSpPr>
+        <p:spPr>
+          <a:xfrm>
+            <a:off x="3956050" y="1486062"/>
+            <a:ext cx="532050" cy="311217"/>
+          </a:xfrm>
+          <a:prstGeom prst="rect">
+            <a:avLst/>
+          </a:prstGeom>
+          <a:noFill/>
+        </p:spPr>
+        <p:txBody>
+          <a:bodyPr wrap="square" rtlCol="0">
+            <a:spAutoFit/>
+          </a:bodyPr>
+          <a:lstStyle/>
+          <a:p>
+            <a:pPr algn="ctr"/>
+            <a:r>
+              <a:rPr lang="en-US" sz="1600" b="1" dirty="0">
+                <a:latin typeface="Helvetica Neue" panose="02000503000000020004" pitchFamily="2" charset="0"/>
+                <a:ea typeface="Helvetica Neue" panose="02000503000000020004" pitchFamily="2" charset="0"/>
+                <a:cs typeface="Helvetica Neue" panose="02000503000000020004" pitchFamily="2" charset="0"/>
+              </a:rPr>
+              <a:t>b</a:t>
+            </a:r>
+          </a:p>
+        </p:txBody>
+      </p:sp>
+      <p:sp>
+        <p:nvSpPr>
+          <p:cNvPr id="37" name="TextBox 36">
+            <a:extLst>
+              <a:ext uri="{FF2B5EF4-FFF2-40B4-BE49-F238E27FC236}">
+                <a16:creationId xmlns:a16="http://schemas.microsoft.com/office/drawing/2014/main" id="{C29C2A4A-EBF4-9C43-A9EF-B4FE051397FD}"/>
+              </a:ext>
+            </a:extLst>
+          </p:cNvPr>
+          <p:cNvSpPr txBox="1"/>
+          <p:nvPr/>
+        </p:nvSpPr>
+        <p:spPr>
+          <a:xfrm>
+            <a:off x="0" y="1486062"/>
+            <a:ext cx="532050" cy="311217"/>
+          </a:xfrm>
+          <a:prstGeom prst="rect">
+            <a:avLst/>
+          </a:prstGeom>
+          <a:noFill/>
+        </p:spPr>
+        <p:txBody>
+          <a:bodyPr wrap="square" rtlCol="0">
+            <a:spAutoFit/>
+          </a:bodyPr>
+          <a:lstStyle/>
+          <a:p>
+            <a:pPr algn="ctr"/>
+            <a:r>
+              <a:rPr lang="en-US" sz="1600" b="1" dirty="0">
+                <a:latin typeface="Helvetica Neue" panose="02000503000000020004" pitchFamily="2" charset="0"/>
+                <a:ea typeface="Helvetica Neue" panose="02000503000000020004" pitchFamily="2" charset="0"/>
+                <a:cs typeface="Helvetica Neue" panose="02000503000000020004" pitchFamily="2" charset="0"/>
+              </a:rPr>
+              <a:t>a</a:t>
+            </a:r>
+          </a:p>
+        </p:txBody>
+      </p:sp>
+      <p:pic>
+        <p:nvPicPr>
+          <p:cNvPr id="4" name="Picture 3">
+            <a:extLst>
+              <a:ext uri="{FF2B5EF4-FFF2-40B4-BE49-F238E27FC236}">
+                <a16:creationId xmlns:a16="http://schemas.microsoft.com/office/drawing/2014/main" id="{30A01737-7917-C44D-B488-B84B8692FE40}"/>
+              </a:ext>
+            </a:extLst>
+          </p:cNvPr>
+          <p:cNvPicPr>
+            <a:picLocks noChangeAspect="1"/>
+          </p:cNvPicPr>
+          <p:nvPr/>
+        </p:nvPicPr>
+        <p:blipFill>
+          <a:blip r:embed="rId3"/>
+          <a:stretch>
+            <a:fillRect/>
+          </a:stretch>
+        </p:blipFill>
+        <p:spPr>
+          <a:xfrm>
+            <a:off x="3956050" y="1797278"/>
+            <a:ext cx="3928521" cy="3142817"/>
+          </a:xfrm>
+          <a:prstGeom prst="rect">
+            <a:avLst/>
+          </a:prstGeom>
+        </p:spPr>
+      </p:pic>
+      <p:pic>
+        <p:nvPicPr>
+          <p:cNvPr id="7" name="Picture 6">
+            <a:extLst>
+              <a:ext uri="{FF2B5EF4-FFF2-40B4-BE49-F238E27FC236}">
+                <a16:creationId xmlns:a16="http://schemas.microsoft.com/office/drawing/2014/main" id="{678E8869-98EE-1A4E-BE6B-F185615D4A8E}"/>
+              </a:ext>
+            </a:extLst>
+          </p:cNvPr>
+          <p:cNvPicPr>
+            <a:picLocks noChangeAspect="1"/>
+          </p:cNvPicPr>
+          <p:nvPr/>
+        </p:nvPicPr>
+        <p:blipFill>
+          <a:blip r:embed="rId4"/>
+          <a:stretch>
+            <a:fillRect/>
+          </a:stretch>
+        </p:blipFill>
+        <p:spPr>
+          <a:xfrm>
+            <a:off x="27529" y="1797279"/>
+            <a:ext cx="3928521" cy="3142817"/>
+          </a:xfrm>
+          <a:prstGeom prst="rect">
+            <a:avLst/>
+          </a:prstGeom>
+        </p:spPr>
+      </p:pic>
+    </p:spTree>
+    <p:extLst>
+      <p:ext uri="{BB962C8B-B14F-4D97-AF65-F5344CB8AC3E}">
+        <p14:creationId xmlns:p14="http://schemas.microsoft.com/office/powerpoint/2010/main" val="642784059"/>
+      </p:ext>
+    </p:extLst>
+  </p:cSld>
+  <p:clrMapOvr>
+    <a:masterClrMapping/>
+  </p:clrMapOvr>
+</p:sld>
+</file>
+
 <file path=ppt/slides/slide2.xml><?xml version="1.0" encoding="utf-8"?>
 <p:sld xmlns:a="http://schemas.openxmlformats.org/drawingml/2006/main" xmlns:r="http://schemas.openxmlformats.org/officeDocument/2006/relationships" xmlns:p="http://schemas.openxmlformats.org/presentationml/2006/main">
   <p:cSld>

--- a/slides/figures_191206.pptx
+++ b/slides/figures_191206.pptx
@@ -5,7 +5,7 @@
     <p:sldMasterId id="2147483684" r:id="rId1"/>
   </p:sldMasterIdLst>
   <p:notesMasterIdLst>
-    <p:notesMasterId r:id="rId14"/>
+    <p:notesMasterId r:id="rId15"/>
   </p:notesMasterIdLst>
   <p:sldIdLst>
     <p:sldId id="256" r:id="rId2"/>
@@ -14,12 +14,13 @@
     <p:sldId id="262" r:id="rId5"/>
     <p:sldId id="263" r:id="rId6"/>
     <p:sldId id="264" r:id="rId7"/>
-    <p:sldId id="258" r:id="rId8"/>
-    <p:sldId id="259" r:id="rId9"/>
-    <p:sldId id="260" r:id="rId10"/>
-    <p:sldId id="265" r:id="rId11"/>
-    <p:sldId id="266" r:id="rId12"/>
-    <p:sldId id="267" r:id="rId13"/>
+    <p:sldId id="268" r:id="rId8"/>
+    <p:sldId id="258" r:id="rId9"/>
+    <p:sldId id="259" r:id="rId10"/>
+    <p:sldId id="260" r:id="rId11"/>
+    <p:sldId id="265" r:id="rId12"/>
+    <p:sldId id="266" r:id="rId13"/>
+    <p:sldId id="267" r:id="rId14"/>
   </p:sldIdLst>
   <p:sldSz cx="7918450" cy="6483350"/>
   <p:notesSz cx="6858000" cy="9144000"/>
@@ -208,7 +209,7 @@
           <a:p>
             <a:fld id="{5E7D9203-8D15-1F45-AFEF-29CE894B8122}" type="datetimeFigureOut">
               <a:rPr lang="en-US" smtClean="0"/>
-              <a:t>1/6/20</a:t>
+              <a:t>1/22/20</a:t>
             </a:fld>
             <a:endParaRPr lang="en-US"/>
           </a:p>
@@ -649,7 +650,7 @@
     </p:spTree>
     <p:extLst>
       <p:ext uri="{BB962C8B-B14F-4D97-AF65-F5344CB8AC3E}">
-        <p14:creationId xmlns:p14="http://schemas.microsoft.com/office/powerpoint/2010/main" val="4193511516"/>
+        <p14:creationId xmlns:p14="http://schemas.microsoft.com/office/powerpoint/2010/main" val="561168434"/>
       </p:ext>
     </p:extLst>
   </p:cSld>
@@ -708,7 +709,10 @@
           <a:bodyPr/>
           <a:lstStyle/>
           <a:p>
-            <a:endParaRPr lang="en-US" dirty="0"/>
+            <a:r>
+              <a:rPr lang="en-US" dirty="0"/>
+              <a:t>12/06/19 Fig. S4</a:t>
+            </a:r>
           </a:p>
         </p:txBody>
       </p:sp>
@@ -738,7 +742,7 @@
     </p:spTree>
     <p:extLst>
       <p:ext uri="{BB962C8B-B14F-4D97-AF65-F5344CB8AC3E}">
-        <p14:creationId xmlns:p14="http://schemas.microsoft.com/office/powerpoint/2010/main" val="4283938702"/>
+        <p14:creationId xmlns:p14="http://schemas.microsoft.com/office/powerpoint/2010/main" val="4193511516"/>
       </p:ext>
     </p:extLst>
   </p:cSld>
@@ -819,6 +823,95 @@
             <a:fld id="{A697AF77-229E-5D4A-87D0-A949D969F47C}" type="slidenum">
               <a:rPr lang="en-US" smtClean="0"/>
               <a:t>12</a:t>
+            </a:fld>
+            <a:endParaRPr lang="en-US"/>
+          </a:p>
+        </p:txBody>
+      </p:sp>
+    </p:spTree>
+    <p:extLst>
+      <p:ext uri="{BB962C8B-B14F-4D97-AF65-F5344CB8AC3E}">
+        <p14:creationId xmlns:p14="http://schemas.microsoft.com/office/powerpoint/2010/main" val="4283938702"/>
+      </p:ext>
+    </p:extLst>
+  </p:cSld>
+  <p:clrMapOvr>
+    <a:masterClrMapping/>
+  </p:clrMapOvr>
+</p:notes>
+</file>
+
+<file path=ppt/notesSlides/notesSlide13.xml><?xml version="1.0" encoding="utf-8"?>
+<p:notes xmlns:a="http://schemas.openxmlformats.org/drawingml/2006/main" xmlns:r="http://schemas.openxmlformats.org/officeDocument/2006/relationships" xmlns:p="http://schemas.openxmlformats.org/presentationml/2006/main">
+  <p:cSld>
+    <p:spTree>
+      <p:nvGrpSpPr>
+        <p:cNvPr id="1" name=""/>
+        <p:cNvGrpSpPr/>
+        <p:nvPr/>
+      </p:nvGrpSpPr>
+      <p:grpSpPr>
+        <a:xfrm>
+          <a:off x="0" y="0"/>
+          <a:ext cx="0" cy="0"/>
+          <a:chOff x="0" y="0"/>
+          <a:chExt cx="0" cy="0"/>
+        </a:xfrm>
+      </p:grpSpPr>
+      <p:sp>
+        <p:nvSpPr>
+          <p:cNvPr id="2" name="Slide Image Placeholder 1"/>
+          <p:cNvSpPr>
+            <a:spLocks noGrp="1" noRot="1" noChangeAspect="1"/>
+          </p:cNvSpPr>
+          <p:nvPr>
+            <p:ph type="sldImg"/>
+          </p:nvPr>
+        </p:nvSpPr>
+        <p:spPr>
+          <a:xfrm>
+            <a:off x="1544638" y="1143000"/>
+            <a:ext cx="3768725" cy="3086100"/>
+          </a:xfrm>
+        </p:spPr>
+      </p:sp>
+      <p:sp>
+        <p:nvSpPr>
+          <p:cNvPr id="3" name="Notes Placeholder 2"/>
+          <p:cNvSpPr>
+            <a:spLocks noGrp="1"/>
+          </p:cNvSpPr>
+          <p:nvPr>
+            <p:ph type="body" idx="1"/>
+          </p:nvPr>
+        </p:nvSpPr>
+        <p:spPr/>
+        <p:txBody>
+          <a:bodyPr/>
+          <a:lstStyle/>
+          <a:p>
+            <a:endParaRPr lang="en-US" dirty="0"/>
+          </a:p>
+        </p:txBody>
+      </p:sp>
+      <p:sp>
+        <p:nvSpPr>
+          <p:cNvPr id="4" name="Slide Number Placeholder 3"/>
+          <p:cNvSpPr>
+            <a:spLocks noGrp="1"/>
+          </p:cNvSpPr>
+          <p:nvPr>
+            <p:ph type="sldNum" sz="quarter" idx="5"/>
+          </p:nvPr>
+        </p:nvSpPr>
+        <p:spPr/>
+        <p:txBody>
+          <a:bodyPr/>
+          <a:lstStyle/>
+          <a:p>
+            <a:fld id="{A697AF77-229E-5D4A-87D0-A949D969F47C}" type="slidenum">
+              <a:rPr lang="en-US" smtClean="0"/>
+              <a:t>13</a:t>
             </a:fld>
             <a:endParaRPr lang="en-US"/>
           </a:p>
@@ -1256,7 +1349,7 @@
           <a:p>
             <a:r>
               <a:rPr lang="en-US" dirty="0"/>
-              <a:t>12/06/19 Fig. 4, v5</a:t>
+              <a:t>1/22/20 Fig. 4, updated with new panels</a:t>
             </a:r>
           </a:p>
         </p:txBody>
@@ -1348,7 +1441,7 @@
           <a:p>
             <a:r>
               <a:rPr lang="en-US" dirty="0"/>
-              <a:t>12/06/19 Fig. 5</a:t>
+              <a:t>12/06/19 Fig. 4, v5</a:t>
             </a:r>
           </a:p>
         </p:txBody>
@@ -1379,7 +1472,7 @@
     </p:spTree>
     <p:extLst>
       <p:ext uri="{BB962C8B-B14F-4D97-AF65-F5344CB8AC3E}">
-        <p14:creationId xmlns:p14="http://schemas.microsoft.com/office/powerpoint/2010/main" val="1495634260"/>
+        <p14:creationId xmlns:p14="http://schemas.microsoft.com/office/powerpoint/2010/main" val="3371388017"/>
       </p:ext>
     </p:extLst>
   </p:cSld>
@@ -1440,7 +1533,7 @@
           <a:p>
             <a:r>
               <a:rPr lang="en-US" dirty="0"/>
-              <a:t>12/06/19 Fig. S2</a:t>
+              <a:t>12/06/19 Fig. 5</a:t>
             </a:r>
           </a:p>
         </p:txBody>
@@ -1471,7 +1564,7 @@
     </p:spTree>
     <p:extLst>
       <p:ext uri="{BB962C8B-B14F-4D97-AF65-F5344CB8AC3E}">
-        <p14:creationId xmlns:p14="http://schemas.microsoft.com/office/powerpoint/2010/main" val="282547630"/>
+        <p14:creationId xmlns:p14="http://schemas.microsoft.com/office/powerpoint/2010/main" val="1495634260"/>
       </p:ext>
     </p:extLst>
   </p:cSld>
@@ -1532,7 +1625,7 @@
           <a:p>
             <a:r>
               <a:rPr lang="en-US" dirty="0"/>
-              <a:t>12/06/19 Fig. S4</a:t>
+              <a:t>12/06/19 Fig. S2</a:t>
             </a:r>
           </a:p>
         </p:txBody>
@@ -1563,7 +1656,7 @@
     </p:spTree>
     <p:extLst>
       <p:ext uri="{BB962C8B-B14F-4D97-AF65-F5344CB8AC3E}">
-        <p14:creationId xmlns:p14="http://schemas.microsoft.com/office/powerpoint/2010/main" val="561168434"/>
+        <p14:creationId xmlns:p14="http://schemas.microsoft.com/office/powerpoint/2010/main" val="282547630"/>
       </p:ext>
     </p:extLst>
   </p:cSld>
@@ -1704,7 +1797,7 @@
           <a:p>
             <a:fld id="{AAC8E564-4E2A-8441-940F-9FCAA67208AC}" type="datetimeFigureOut">
               <a:rPr lang="en-US" smtClean="0"/>
-              <a:t>1/6/20</a:t>
+              <a:t>1/22/20</a:t>
             </a:fld>
             <a:endParaRPr lang="en-US"/>
           </a:p>
@@ -1874,7 +1967,7 @@
           <a:p>
             <a:fld id="{AAC8E564-4E2A-8441-940F-9FCAA67208AC}" type="datetimeFigureOut">
               <a:rPr lang="en-US" smtClean="0"/>
-              <a:t>1/6/20</a:t>
+              <a:t>1/22/20</a:t>
             </a:fld>
             <a:endParaRPr lang="en-US"/>
           </a:p>
@@ -2054,7 +2147,7 @@
           <a:p>
             <a:fld id="{AAC8E564-4E2A-8441-940F-9FCAA67208AC}" type="datetimeFigureOut">
               <a:rPr lang="en-US" smtClean="0"/>
-              <a:t>1/6/20</a:t>
+              <a:t>1/22/20</a:t>
             </a:fld>
             <a:endParaRPr lang="en-US"/>
           </a:p>
@@ -2224,7 +2317,7 @@
           <a:p>
             <a:fld id="{AAC8E564-4E2A-8441-940F-9FCAA67208AC}" type="datetimeFigureOut">
               <a:rPr lang="en-US" smtClean="0"/>
-              <a:t>1/6/20</a:t>
+              <a:t>1/22/20</a:t>
             </a:fld>
             <a:endParaRPr lang="en-US"/>
           </a:p>
@@ -2468,7 +2561,7 @@
           <a:p>
             <a:fld id="{AAC8E564-4E2A-8441-940F-9FCAA67208AC}" type="datetimeFigureOut">
               <a:rPr lang="en-US" smtClean="0"/>
-              <a:t>1/6/20</a:t>
+              <a:t>1/22/20</a:t>
             </a:fld>
             <a:endParaRPr lang="en-US"/>
           </a:p>
@@ -2700,7 +2793,7 @@
           <a:p>
             <a:fld id="{AAC8E564-4E2A-8441-940F-9FCAA67208AC}" type="datetimeFigureOut">
               <a:rPr lang="en-US" smtClean="0"/>
-              <a:t>1/6/20</a:t>
+              <a:t>1/22/20</a:t>
             </a:fld>
             <a:endParaRPr lang="en-US"/>
           </a:p>
@@ -3067,7 +3160,7 @@
           <a:p>
             <a:fld id="{AAC8E564-4E2A-8441-940F-9FCAA67208AC}" type="datetimeFigureOut">
               <a:rPr lang="en-US" smtClean="0"/>
-              <a:t>1/6/20</a:t>
+              <a:t>1/22/20</a:t>
             </a:fld>
             <a:endParaRPr lang="en-US"/>
           </a:p>
@@ -3185,7 +3278,7 @@
           <a:p>
             <a:fld id="{AAC8E564-4E2A-8441-940F-9FCAA67208AC}" type="datetimeFigureOut">
               <a:rPr lang="en-US" smtClean="0"/>
-              <a:t>1/6/20</a:t>
+              <a:t>1/22/20</a:t>
             </a:fld>
             <a:endParaRPr lang="en-US"/>
           </a:p>
@@ -3280,7 +3373,7 @@
           <a:p>
             <a:fld id="{AAC8E564-4E2A-8441-940F-9FCAA67208AC}" type="datetimeFigureOut">
               <a:rPr lang="en-US" smtClean="0"/>
-              <a:t>1/6/20</a:t>
+              <a:t>1/22/20</a:t>
             </a:fld>
             <a:endParaRPr lang="en-US"/>
           </a:p>
@@ -3557,7 +3650,7 @@
           <a:p>
             <a:fld id="{AAC8E564-4E2A-8441-940F-9FCAA67208AC}" type="datetimeFigureOut">
               <a:rPr lang="en-US" smtClean="0"/>
-              <a:t>1/6/20</a:t>
+              <a:t>1/22/20</a:t>
             </a:fld>
             <a:endParaRPr lang="en-US"/>
           </a:p>
@@ -3814,7 +3907,7 @@
           <a:p>
             <a:fld id="{AAC8E564-4E2A-8441-940F-9FCAA67208AC}" type="datetimeFigureOut">
               <a:rPr lang="en-US" smtClean="0"/>
-              <a:t>1/6/20</a:t>
+              <a:t>1/22/20</a:t>
             </a:fld>
             <a:endParaRPr lang="en-US"/>
           </a:p>
@@ -4027,7 +4120,7 @@
           <a:p>
             <a:fld id="{AAC8E564-4E2A-8441-940F-9FCAA67208AC}" type="datetimeFigureOut">
               <a:rPr lang="en-US" smtClean="0"/>
-              <a:t>1/6/20</a:t>
+              <a:t>1/22/20</a:t>
             </a:fld>
             <a:endParaRPr lang="en-US"/>
           </a:p>
@@ -4656,6 +4749,316 @@
 </file>
 
 <file path=ppt/slides/slide10.xml><?xml version="1.0" encoding="utf-8"?>
+<p:sld xmlns:a="http://schemas.openxmlformats.org/drawingml/2006/main" xmlns:r="http://schemas.openxmlformats.org/officeDocument/2006/relationships" xmlns:p="http://schemas.openxmlformats.org/presentationml/2006/main">
+  <p:cSld>
+    <p:spTree>
+      <p:nvGrpSpPr>
+        <p:cNvPr id="1" name=""/>
+        <p:cNvGrpSpPr/>
+        <p:nvPr/>
+      </p:nvGrpSpPr>
+      <p:grpSpPr>
+        <a:xfrm>
+          <a:off x="0" y="0"/>
+          <a:ext cx="0" cy="0"/>
+          <a:chOff x="0" y="0"/>
+          <a:chExt cx="0" cy="0"/>
+        </a:xfrm>
+      </p:grpSpPr>
+      <p:pic>
+        <p:nvPicPr>
+          <p:cNvPr id="12" name="Picture 11">
+            <a:extLst>
+              <a:ext uri="{FF2B5EF4-FFF2-40B4-BE49-F238E27FC236}">
+                <a16:creationId xmlns:a16="http://schemas.microsoft.com/office/drawing/2014/main" id="{BA612328-1C27-2240-9F31-1B951DE91AC6}"/>
+              </a:ext>
+            </a:extLst>
+          </p:cNvPr>
+          <p:cNvPicPr>
+            <a:picLocks noChangeAspect="1"/>
+          </p:cNvPicPr>
+          <p:nvPr/>
+        </p:nvPicPr>
+        <p:blipFill>
+          <a:blip r:embed="rId3"/>
+          <a:stretch>
+            <a:fillRect/>
+          </a:stretch>
+        </p:blipFill>
+        <p:spPr>
+          <a:xfrm>
+            <a:off x="3803672" y="375065"/>
+            <a:ext cx="2699840" cy="3099816"/>
+          </a:xfrm>
+          <a:prstGeom prst="rect">
+            <a:avLst/>
+          </a:prstGeom>
+        </p:spPr>
+      </p:pic>
+      <p:pic>
+        <p:nvPicPr>
+          <p:cNvPr id="6" name="Picture 5">
+            <a:extLst>
+              <a:ext uri="{FF2B5EF4-FFF2-40B4-BE49-F238E27FC236}">
+                <a16:creationId xmlns:a16="http://schemas.microsoft.com/office/drawing/2014/main" id="{1BFE51E9-4B23-BB46-A254-811D3C7A6166}"/>
+              </a:ext>
+            </a:extLst>
+          </p:cNvPr>
+          <p:cNvPicPr>
+            <a:picLocks noChangeAspect="1"/>
+          </p:cNvPicPr>
+          <p:nvPr/>
+        </p:nvPicPr>
+        <p:blipFill>
+          <a:blip r:embed="rId4"/>
+          <a:stretch>
+            <a:fillRect/>
+          </a:stretch>
+        </p:blipFill>
+        <p:spPr>
+          <a:xfrm>
+            <a:off x="3803672" y="3383534"/>
+            <a:ext cx="2699840" cy="3099816"/>
+          </a:xfrm>
+          <a:prstGeom prst="rect">
+            <a:avLst/>
+          </a:prstGeom>
+        </p:spPr>
+      </p:pic>
+      <p:pic>
+        <p:nvPicPr>
+          <p:cNvPr id="10" name="Picture 9">
+            <a:extLst>
+              <a:ext uri="{FF2B5EF4-FFF2-40B4-BE49-F238E27FC236}">
+                <a16:creationId xmlns:a16="http://schemas.microsoft.com/office/drawing/2014/main" id="{5137642B-93A0-ED47-A5E0-1A28278247D1}"/>
+              </a:ext>
+            </a:extLst>
+          </p:cNvPr>
+          <p:cNvPicPr>
+            <a:picLocks noChangeAspect="1"/>
+          </p:cNvPicPr>
+          <p:nvPr/>
+        </p:nvPicPr>
+        <p:blipFill>
+          <a:blip r:embed="rId5"/>
+          <a:stretch>
+            <a:fillRect/>
+          </a:stretch>
+        </p:blipFill>
+        <p:spPr>
+          <a:xfrm>
+            <a:off x="1414938" y="3381003"/>
+            <a:ext cx="2699840" cy="3099816"/>
+          </a:xfrm>
+          <a:prstGeom prst="rect">
+            <a:avLst/>
+          </a:prstGeom>
+        </p:spPr>
+      </p:pic>
+      <p:pic>
+        <p:nvPicPr>
+          <p:cNvPr id="14" name="Picture 13">
+            <a:extLst>
+              <a:ext uri="{FF2B5EF4-FFF2-40B4-BE49-F238E27FC236}">
+                <a16:creationId xmlns:a16="http://schemas.microsoft.com/office/drawing/2014/main" id="{94B39139-2183-4848-B4CD-F20E7601E30E}"/>
+              </a:ext>
+            </a:extLst>
+          </p:cNvPr>
+          <p:cNvPicPr>
+            <a:picLocks noChangeAspect="1"/>
+          </p:cNvPicPr>
+          <p:nvPr/>
+        </p:nvPicPr>
+        <p:blipFill>
+          <a:blip r:embed="rId6"/>
+          <a:stretch>
+            <a:fillRect/>
+          </a:stretch>
+        </p:blipFill>
+        <p:spPr>
+          <a:xfrm>
+            <a:off x="1414938" y="375065"/>
+            <a:ext cx="2699840" cy="3099816"/>
+          </a:xfrm>
+          <a:prstGeom prst="rect">
+            <a:avLst/>
+          </a:prstGeom>
+        </p:spPr>
+      </p:pic>
+      <p:sp>
+        <p:nvSpPr>
+          <p:cNvPr id="18" name="TextBox 17">
+            <a:extLst>
+              <a:ext uri="{FF2B5EF4-FFF2-40B4-BE49-F238E27FC236}">
+                <a16:creationId xmlns:a16="http://schemas.microsoft.com/office/drawing/2014/main" id="{46BBEC22-8FD3-4646-AE1A-C6C1C5D5E1E6}"/>
+              </a:ext>
+            </a:extLst>
+          </p:cNvPr>
+          <p:cNvSpPr txBox="1"/>
+          <p:nvPr/>
+        </p:nvSpPr>
+        <p:spPr>
+          <a:xfrm>
+            <a:off x="3950616" y="-9595"/>
+            <a:ext cx="578784" cy="338554"/>
+          </a:xfrm>
+          <a:prstGeom prst="rect">
+            <a:avLst/>
+          </a:prstGeom>
+          <a:noFill/>
+        </p:spPr>
+        <p:txBody>
+          <a:bodyPr wrap="square" rtlCol="0">
+            <a:spAutoFit/>
+          </a:bodyPr>
+          <a:lstStyle/>
+          <a:p>
+            <a:pPr algn="ctr"/>
+            <a:r>
+              <a:rPr lang="en-US" sz="1600" b="1" dirty="0">
+                <a:latin typeface="Helvetica Neue" panose="02000503000000020004" pitchFamily="2" charset="0"/>
+                <a:ea typeface="Helvetica Neue" panose="02000503000000020004" pitchFamily="2" charset="0"/>
+                <a:cs typeface="Helvetica Neue" panose="02000503000000020004" pitchFamily="2" charset="0"/>
+              </a:rPr>
+              <a:t>b</a:t>
+            </a:r>
+          </a:p>
+        </p:txBody>
+      </p:sp>
+      <p:sp>
+        <p:nvSpPr>
+          <p:cNvPr id="16" name="TextBox 15">
+            <a:extLst>
+              <a:ext uri="{FF2B5EF4-FFF2-40B4-BE49-F238E27FC236}">
+                <a16:creationId xmlns:a16="http://schemas.microsoft.com/office/drawing/2014/main" id="{0B8EA217-6F2C-0943-8D48-F70EC12EC200}"/>
+              </a:ext>
+            </a:extLst>
+          </p:cNvPr>
+          <p:cNvSpPr txBox="1"/>
+          <p:nvPr/>
+        </p:nvSpPr>
+        <p:spPr>
+          <a:xfrm>
+            <a:off x="1577488" y="-9596"/>
+            <a:ext cx="578784" cy="338554"/>
+          </a:xfrm>
+          <a:prstGeom prst="rect">
+            <a:avLst/>
+          </a:prstGeom>
+          <a:noFill/>
+        </p:spPr>
+        <p:txBody>
+          <a:bodyPr wrap="square" rtlCol="0">
+            <a:spAutoFit/>
+          </a:bodyPr>
+          <a:lstStyle/>
+          <a:p>
+            <a:pPr algn="ctr"/>
+            <a:r>
+              <a:rPr lang="en-US" sz="1600" b="1" dirty="0">
+                <a:latin typeface="Helvetica Neue" panose="02000503000000020004" pitchFamily="2" charset="0"/>
+                <a:ea typeface="Helvetica Neue" panose="02000503000000020004" pitchFamily="2" charset="0"/>
+                <a:cs typeface="Helvetica Neue" panose="02000503000000020004" pitchFamily="2" charset="0"/>
+              </a:rPr>
+              <a:t>a</a:t>
+            </a:r>
+          </a:p>
+        </p:txBody>
+      </p:sp>
+      <p:sp>
+        <p:nvSpPr>
+          <p:cNvPr id="20" name="TextBox 19">
+            <a:extLst>
+              <a:ext uri="{FF2B5EF4-FFF2-40B4-BE49-F238E27FC236}">
+                <a16:creationId xmlns:a16="http://schemas.microsoft.com/office/drawing/2014/main" id="{E8C86BD2-9FE9-8C4D-A835-2EAAEE829653}"/>
+              </a:ext>
+            </a:extLst>
+          </p:cNvPr>
+          <p:cNvSpPr txBox="1"/>
+          <p:nvPr/>
+        </p:nvSpPr>
+        <p:spPr>
+          <a:xfrm>
+            <a:off x="1579100" y="3074771"/>
+            <a:ext cx="578784" cy="338554"/>
+          </a:xfrm>
+          <a:prstGeom prst="rect">
+            <a:avLst/>
+          </a:prstGeom>
+          <a:noFill/>
+        </p:spPr>
+        <p:txBody>
+          <a:bodyPr wrap="square" rtlCol="0">
+            <a:spAutoFit/>
+          </a:bodyPr>
+          <a:lstStyle/>
+          <a:p>
+            <a:pPr algn="ctr"/>
+            <a:r>
+              <a:rPr lang="en-US" sz="1600" b="1" dirty="0">
+                <a:latin typeface="Helvetica Neue" panose="02000503000000020004" pitchFamily="2" charset="0"/>
+                <a:ea typeface="Helvetica Neue" panose="02000503000000020004" pitchFamily="2" charset="0"/>
+                <a:cs typeface="Helvetica Neue" panose="02000503000000020004" pitchFamily="2" charset="0"/>
+              </a:rPr>
+              <a:t>c</a:t>
+            </a:r>
+          </a:p>
+        </p:txBody>
+      </p:sp>
+      <p:sp>
+        <p:nvSpPr>
+          <p:cNvPr id="22" name="TextBox 21">
+            <a:extLst>
+              <a:ext uri="{FF2B5EF4-FFF2-40B4-BE49-F238E27FC236}">
+                <a16:creationId xmlns:a16="http://schemas.microsoft.com/office/drawing/2014/main" id="{9CC8A2EA-F668-DD43-A074-9F1F726F28A7}"/>
+              </a:ext>
+            </a:extLst>
+          </p:cNvPr>
+          <p:cNvSpPr txBox="1"/>
+          <p:nvPr/>
+        </p:nvSpPr>
+        <p:spPr>
+          <a:xfrm>
+            <a:off x="3950616" y="3079474"/>
+            <a:ext cx="578784" cy="338554"/>
+          </a:xfrm>
+          <a:prstGeom prst="rect">
+            <a:avLst/>
+          </a:prstGeom>
+          <a:noFill/>
+        </p:spPr>
+        <p:txBody>
+          <a:bodyPr wrap="square" rtlCol="0">
+            <a:spAutoFit/>
+          </a:bodyPr>
+          <a:lstStyle/>
+          <a:p>
+            <a:pPr algn="ctr"/>
+            <a:r>
+              <a:rPr lang="en-US" sz="1600" b="1" dirty="0">
+                <a:latin typeface="Helvetica Neue" panose="02000503000000020004" pitchFamily="2" charset="0"/>
+                <a:ea typeface="Helvetica Neue" panose="02000503000000020004" pitchFamily="2" charset="0"/>
+                <a:cs typeface="Helvetica Neue" panose="02000503000000020004" pitchFamily="2" charset="0"/>
+              </a:rPr>
+              <a:t>d</a:t>
+            </a:r>
+          </a:p>
+        </p:txBody>
+      </p:sp>
+    </p:spTree>
+    <p:extLst>
+      <p:ext uri="{BB962C8B-B14F-4D97-AF65-F5344CB8AC3E}">
+        <p14:creationId xmlns:p14="http://schemas.microsoft.com/office/powerpoint/2010/main" val="402229581"/>
+      </p:ext>
+    </p:extLst>
+  </p:cSld>
+  <p:clrMapOvr>
+    <a:masterClrMapping/>
+  </p:clrMapOvr>
+</p:sld>
+</file>
+
+<file path=ppt/slides/slide11.xml><?xml version="1.0" encoding="utf-8"?>
 <p:sld xmlns:a="http://schemas.openxmlformats.org/drawingml/2006/main" xmlns:r="http://schemas.openxmlformats.org/officeDocument/2006/relationships" xmlns:p="http://schemas.openxmlformats.org/presentationml/2006/main">
   <p:cSld>
     <p:spTree>
@@ -5690,7 +6093,7 @@
 </p:sld>
 </file>
 
-<file path=ppt/slides/slide11.xml><?xml version="1.0" encoding="utf-8"?>
+<file path=ppt/slides/slide12.xml><?xml version="1.0" encoding="utf-8"?>
 <p:sld xmlns:a="http://schemas.openxmlformats.org/drawingml/2006/main" xmlns:r="http://schemas.openxmlformats.org/officeDocument/2006/relationships" xmlns:p="http://schemas.openxmlformats.org/presentationml/2006/main">
   <p:cSld>
     <p:spTree>
@@ -5860,7 +6263,7 @@
 </p:sld>
 </file>
 
-<file path=ppt/slides/slide12.xml><?xml version="1.0" encoding="utf-8"?>
+<file path=ppt/slides/slide13.xml><?xml version="1.0" encoding="utf-8"?>
 <p:sld xmlns:a="http://schemas.openxmlformats.org/drawingml/2006/main" xmlns:r="http://schemas.openxmlformats.org/officeDocument/2006/relationships" xmlns:p="http://schemas.openxmlformats.org/presentationml/2006/main">
   <p:cSld>
     <p:spTree>
@@ -10420,6 +10823,1519 @@
       </p:grpSpPr>
       <p:pic>
         <p:nvPicPr>
+          <p:cNvPr id="48" name="Picture 47">
+            <a:extLst>
+              <a:ext uri="{FF2B5EF4-FFF2-40B4-BE49-F238E27FC236}">
+                <a16:creationId xmlns:a16="http://schemas.microsoft.com/office/drawing/2014/main" id="{38A194D1-E0C9-094C-B83D-BE40418D6523}"/>
+              </a:ext>
+            </a:extLst>
+          </p:cNvPr>
+          <p:cNvPicPr>
+            <a:picLocks noChangeAspect="1"/>
+          </p:cNvPicPr>
+          <p:nvPr/>
+        </p:nvPicPr>
+        <p:blipFill>
+          <a:blip r:embed="rId3"/>
+          <a:stretch>
+            <a:fillRect/>
+          </a:stretch>
+        </p:blipFill>
+        <p:spPr>
+          <a:xfrm>
+            <a:off x="5933133" y="4059169"/>
+            <a:ext cx="1874519" cy="2152226"/>
+          </a:xfrm>
+          <a:prstGeom prst="rect">
+            <a:avLst/>
+          </a:prstGeom>
+        </p:spPr>
+      </p:pic>
+      <p:pic>
+        <p:nvPicPr>
+          <p:cNvPr id="67" name="Picture 66">
+            <a:extLst>
+              <a:ext uri="{FF2B5EF4-FFF2-40B4-BE49-F238E27FC236}">
+                <a16:creationId xmlns:a16="http://schemas.microsoft.com/office/drawing/2014/main" id="{89B10A69-36B4-7840-8FC4-0E2481D55CE3}"/>
+              </a:ext>
+            </a:extLst>
+          </p:cNvPr>
+          <p:cNvPicPr>
+            <a:picLocks noChangeAspect="1"/>
+          </p:cNvPicPr>
+          <p:nvPr/>
+        </p:nvPicPr>
+        <p:blipFill>
+          <a:blip r:embed="rId4"/>
+          <a:stretch>
+            <a:fillRect/>
+          </a:stretch>
+        </p:blipFill>
+        <p:spPr>
+          <a:xfrm>
+            <a:off x="114443" y="4059169"/>
+            <a:ext cx="1874519" cy="2152226"/>
+          </a:xfrm>
+          <a:prstGeom prst="rect">
+            <a:avLst/>
+          </a:prstGeom>
+        </p:spPr>
+      </p:pic>
+      <p:pic>
+        <p:nvPicPr>
+          <p:cNvPr id="46" name="Picture 45">
+            <a:extLst>
+              <a:ext uri="{FF2B5EF4-FFF2-40B4-BE49-F238E27FC236}">
+                <a16:creationId xmlns:a16="http://schemas.microsoft.com/office/drawing/2014/main" id="{02918E79-BF84-2647-9C9E-255736589EDC}"/>
+              </a:ext>
+            </a:extLst>
+          </p:cNvPr>
+          <p:cNvPicPr>
+            <a:picLocks noChangeAspect="1"/>
+          </p:cNvPicPr>
+          <p:nvPr/>
+        </p:nvPicPr>
+        <p:blipFill>
+          <a:blip r:embed="rId5"/>
+          <a:stretch>
+            <a:fillRect/>
+          </a:stretch>
+        </p:blipFill>
+        <p:spPr>
+          <a:xfrm>
+            <a:off x="106130" y="566928"/>
+            <a:ext cx="1874519" cy="2152226"/>
+          </a:xfrm>
+          <a:prstGeom prst="rect">
+            <a:avLst/>
+          </a:prstGeom>
+        </p:spPr>
+      </p:pic>
+      <p:pic>
+        <p:nvPicPr>
+          <p:cNvPr id="31" name="Picture 30">
+            <a:extLst>
+              <a:ext uri="{FF2B5EF4-FFF2-40B4-BE49-F238E27FC236}">
+                <a16:creationId xmlns:a16="http://schemas.microsoft.com/office/drawing/2014/main" id="{88566123-9F40-5849-94F1-E4B63422B96C}"/>
+              </a:ext>
+            </a:extLst>
+          </p:cNvPr>
+          <p:cNvPicPr>
+            <a:picLocks noChangeAspect="1"/>
+          </p:cNvPicPr>
+          <p:nvPr/>
+        </p:nvPicPr>
+        <p:blipFill>
+          <a:blip r:embed="rId6"/>
+          <a:stretch>
+            <a:fillRect/>
+          </a:stretch>
+        </p:blipFill>
+        <p:spPr>
+          <a:xfrm>
+            <a:off x="5931247" y="568824"/>
+            <a:ext cx="1874519" cy="2152226"/>
+          </a:xfrm>
+          <a:prstGeom prst="rect">
+            <a:avLst/>
+          </a:prstGeom>
+        </p:spPr>
+      </p:pic>
+      <p:grpSp>
+        <p:nvGrpSpPr>
+          <p:cNvPr id="26" name="Group 25">
+            <a:extLst>
+              <a:ext uri="{FF2B5EF4-FFF2-40B4-BE49-F238E27FC236}">
+                <a16:creationId xmlns:a16="http://schemas.microsoft.com/office/drawing/2014/main" id="{8309886E-9E74-5A47-A85F-A0609243E1D4}"/>
+              </a:ext>
+            </a:extLst>
+          </p:cNvPr>
+          <p:cNvGrpSpPr/>
+          <p:nvPr/>
+        </p:nvGrpSpPr>
+        <p:grpSpPr>
+          <a:xfrm>
+            <a:off x="2046766" y="1348415"/>
+            <a:ext cx="3807334" cy="3777728"/>
+            <a:chOff x="1998878" y="1474686"/>
+            <a:chExt cx="3807334" cy="3777728"/>
+          </a:xfrm>
+        </p:grpSpPr>
+        <p:pic>
+          <p:nvPicPr>
+            <p:cNvPr id="17" name="Picture 16">
+              <a:extLst>
+                <a:ext uri="{FF2B5EF4-FFF2-40B4-BE49-F238E27FC236}">
+                  <a16:creationId xmlns:a16="http://schemas.microsoft.com/office/drawing/2014/main" id="{0A9009CF-D607-124E-A3EE-B07AAD169493}"/>
+                </a:ext>
+              </a:extLst>
+            </p:cNvPr>
+            <p:cNvPicPr>
+              <a:picLocks noChangeAspect="1"/>
+            </p:cNvPicPr>
+            <p:nvPr/>
+          </p:nvPicPr>
+          <p:blipFill>
+            <a:blip r:embed="rId7"/>
+            <a:stretch>
+              <a:fillRect/>
+            </a:stretch>
+          </p:blipFill>
+          <p:spPr>
+            <a:xfrm>
+              <a:off x="2326605" y="1489234"/>
+              <a:ext cx="3270273" cy="3506273"/>
+            </a:xfrm>
+            <a:prstGeom prst="rect">
+              <a:avLst/>
+            </a:prstGeom>
+          </p:spPr>
+        </p:pic>
+        <p:grpSp>
+          <p:nvGrpSpPr>
+            <p:cNvPr id="32" name="Group 31">
+              <a:extLst>
+                <a:ext uri="{FF2B5EF4-FFF2-40B4-BE49-F238E27FC236}">
+                  <a16:creationId xmlns:a16="http://schemas.microsoft.com/office/drawing/2014/main" id="{A68FFD5D-1878-4043-B3D3-6F2FC94FFE78}"/>
+                </a:ext>
+              </a:extLst>
+            </p:cNvPr>
+            <p:cNvGrpSpPr/>
+            <p:nvPr/>
+          </p:nvGrpSpPr>
+          <p:grpSpPr>
+            <a:xfrm>
+              <a:off x="1998878" y="1474686"/>
+              <a:ext cx="3807334" cy="3777728"/>
+              <a:chOff x="193399" y="-209757"/>
+              <a:chExt cx="6393426" cy="6343710"/>
+            </a:xfrm>
+          </p:grpSpPr>
+          <p:cxnSp>
+            <p:nvCxnSpPr>
+              <p:cNvPr id="38" name="Straight Arrow Connector 37">
+                <a:extLst>
+                  <a:ext uri="{FF2B5EF4-FFF2-40B4-BE49-F238E27FC236}">
+                    <a16:creationId xmlns:a16="http://schemas.microsoft.com/office/drawing/2014/main" id="{A307D4E4-7D02-4047-8582-E3B4AB21BFB2}"/>
+                  </a:ext>
+                </a:extLst>
+              </p:cNvPr>
+              <p:cNvCxnSpPr>
+                <a:cxnSpLocks/>
+              </p:cNvCxnSpPr>
+              <p:nvPr/>
+            </p:nvCxnSpPr>
+            <p:spPr>
+              <a:xfrm>
+                <a:off x="1341398" y="5654723"/>
+                <a:ext cx="4983990" cy="0"/>
+              </a:xfrm>
+              <a:prstGeom prst="straightConnector1">
+                <a:avLst/>
+              </a:prstGeom>
+              <a:ln w="50800">
+                <a:solidFill>
+                  <a:srgbClr val="C00000"/>
+                </a:solidFill>
+                <a:tailEnd type="triangle"/>
+              </a:ln>
+            </p:spPr>
+            <p:style>
+              <a:lnRef idx="1">
+                <a:schemeClr val="accent1"/>
+              </a:lnRef>
+              <a:fillRef idx="0">
+                <a:schemeClr val="accent1"/>
+              </a:fillRef>
+              <a:effectRef idx="0">
+                <a:schemeClr val="accent1"/>
+              </a:effectRef>
+              <a:fontRef idx="minor">
+                <a:schemeClr val="tx1"/>
+              </a:fontRef>
+            </p:style>
+          </p:cxnSp>
+          <p:sp>
+            <p:nvSpPr>
+              <p:cNvPr id="39" name="TextBox 38">
+                <a:extLst>
+                  <a:ext uri="{FF2B5EF4-FFF2-40B4-BE49-F238E27FC236}">
+                    <a16:creationId xmlns:a16="http://schemas.microsoft.com/office/drawing/2014/main" id="{7A891AFA-F877-6342-9C16-A81ED1CDEF25}"/>
+                  </a:ext>
+                </a:extLst>
+              </p:cNvPr>
+              <p:cNvSpPr txBox="1"/>
+              <p:nvPr/>
+            </p:nvSpPr>
+            <p:spPr>
+              <a:xfrm>
+                <a:off x="1079960" y="5694647"/>
+                <a:ext cx="5506865" cy="439306"/>
+              </a:xfrm>
+              <a:prstGeom prst="rect">
+                <a:avLst/>
+              </a:prstGeom>
+              <a:noFill/>
+            </p:spPr>
+            <p:txBody>
+              <a:bodyPr wrap="square" rtlCol="0">
+                <a:spAutoFit/>
+              </a:bodyPr>
+              <a:lstStyle/>
+              <a:p>
+                <a:pPr algn="ctr"/>
+                <a:r>
+                  <a:rPr lang="en-US" sz="1100" dirty="0">
+                    <a:solidFill>
+                      <a:srgbClr val="C00000"/>
+                    </a:solidFill>
+                    <a:latin typeface="Helvetica Neue" panose="02000503000000020004" pitchFamily="2" charset="0"/>
+                    <a:ea typeface="Helvetica Neue" panose="02000503000000020004" pitchFamily="2" charset="0"/>
+                    <a:cs typeface="Helvetica Neue" panose="02000503000000020004" pitchFamily="2" charset="0"/>
+                  </a:rPr>
+                  <a:t>Individuals become less sensitive to stimuli</a:t>
+                </a:r>
+              </a:p>
+            </p:txBody>
+          </p:sp>
+          <p:cxnSp>
+            <p:nvCxnSpPr>
+              <p:cNvPr id="40" name="Straight Arrow Connector 39">
+                <a:extLst>
+                  <a:ext uri="{FF2B5EF4-FFF2-40B4-BE49-F238E27FC236}">
+                    <a16:creationId xmlns:a16="http://schemas.microsoft.com/office/drawing/2014/main" id="{85D1266F-19AC-0241-AAF6-57849EF30018}"/>
+                  </a:ext>
+                </a:extLst>
+              </p:cNvPr>
+              <p:cNvCxnSpPr>
+                <a:cxnSpLocks/>
+              </p:cNvCxnSpPr>
+              <p:nvPr/>
+            </p:nvCxnSpPr>
+            <p:spPr>
+              <a:xfrm flipV="1">
+                <a:off x="750000" y="635879"/>
+                <a:ext cx="0" cy="4414135"/>
+              </a:xfrm>
+              <a:prstGeom prst="straightConnector1">
+                <a:avLst/>
+              </a:prstGeom>
+              <a:ln w="50800">
+                <a:solidFill>
+                  <a:srgbClr val="C00000"/>
+                </a:solidFill>
+                <a:tailEnd type="triangle"/>
+              </a:ln>
+            </p:spPr>
+            <p:style>
+              <a:lnRef idx="1">
+                <a:schemeClr val="accent1"/>
+              </a:lnRef>
+              <a:fillRef idx="0">
+                <a:schemeClr val="accent1"/>
+              </a:fillRef>
+              <a:effectRef idx="0">
+                <a:schemeClr val="accent1"/>
+              </a:effectRef>
+              <a:fontRef idx="minor">
+                <a:schemeClr val="tx1"/>
+              </a:fontRef>
+            </p:style>
+          </p:cxnSp>
+          <p:sp>
+            <p:nvSpPr>
+              <p:cNvPr id="41" name="TextBox 40">
+                <a:extLst>
+                  <a:ext uri="{FF2B5EF4-FFF2-40B4-BE49-F238E27FC236}">
+                    <a16:creationId xmlns:a16="http://schemas.microsoft.com/office/drawing/2014/main" id="{4D2E4A4A-C872-794A-8C39-528400D778A1}"/>
+                  </a:ext>
+                </a:extLst>
+              </p:cNvPr>
+              <p:cNvSpPr txBox="1"/>
+              <p:nvPr/>
+            </p:nvSpPr>
+            <p:spPr>
+              <a:xfrm rot="16200000">
+                <a:off x="-2650121" y="2633763"/>
+                <a:ext cx="6126346" cy="439306"/>
+              </a:xfrm>
+              <a:prstGeom prst="rect">
+                <a:avLst/>
+              </a:prstGeom>
+              <a:noFill/>
+            </p:spPr>
+            <p:txBody>
+              <a:bodyPr wrap="square" rtlCol="0">
+                <a:spAutoFit/>
+              </a:bodyPr>
+              <a:lstStyle/>
+              <a:p>
+                <a:pPr algn="ctr"/>
+                <a:r>
+                  <a:rPr lang="en-US" sz="1100" dirty="0">
+                    <a:solidFill>
+                      <a:srgbClr val="C00000"/>
+                    </a:solidFill>
+                    <a:latin typeface="Helvetica Neue" panose="02000503000000020004" pitchFamily="2" charset="0"/>
+                    <a:ea typeface="Helvetica Neue" panose="02000503000000020004" pitchFamily="2" charset="0"/>
+                    <a:cs typeface="Helvetica Neue" panose="02000503000000020004" pitchFamily="2" charset="0"/>
+                  </a:rPr>
+                  <a:t>Individuals become more efficient</a:t>
+                </a:r>
+              </a:p>
+            </p:txBody>
+          </p:sp>
+          <p:sp>
+            <p:nvSpPr>
+              <p:cNvPr id="42" name="TextBox 41">
+                <a:extLst>
+                  <a:ext uri="{FF2B5EF4-FFF2-40B4-BE49-F238E27FC236}">
+                    <a16:creationId xmlns:a16="http://schemas.microsoft.com/office/drawing/2014/main" id="{6308A167-A527-214B-9F7E-05AF52A19B71}"/>
+                  </a:ext>
+                </a:extLst>
+              </p:cNvPr>
+              <p:cNvSpPr txBox="1"/>
+              <p:nvPr/>
+            </p:nvSpPr>
+            <p:spPr>
+              <a:xfrm>
+                <a:off x="2336943" y="3653911"/>
+                <a:ext cx="1569713" cy="516831"/>
+              </a:xfrm>
+              <a:prstGeom prst="rect">
+                <a:avLst/>
+              </a:prstGeom>
+              <a:noFill/>
+            </p:spPr>
+            <p:txBody>
+              <a:bodyPr wrap="square" rtlCol="0">
+                <a:spAutoFit/>
+              </a:bodyPr>
+              <a:lstStyle/>
+              <a:p>
+                <a:pPr algn="ctr"/>
+                <a:r>
+                  <a:rPr lang="en-US" sz="1400" b="1" dirty="0">
+                    <a:ln w="127">
+                      <a:solidFill>
+                        <a:schemeClr val="bg1">
+                          <a:alpha val="10000"/>
+                        </a:schemeClr>
+                      </a:solidFill>
+                    </a:ln>
+                    <a:solidFill>
+                      <a:srgbClr val="2B4B9B"/>
+                    </a:solidFill>
+                    <a:latin typeface="Helvetica Neue" panose="02000503000000020004" pitchFamily="2" charset="0"/>
+                    <a:ea typeface="Helvetica Neue" panose="02000503000000020004" pitchFamily="2" charset="0"/>
+                    <a:cs typeface="Helvetica Neue" panose="02000503000000020004" pitchFamily="2" charset="0"/>
+                  </a:rPr>
+                  <a:t>Y</a:t>
+                </a:r>
+              </a:p>
+            </p:txBody>
+          </p:sp>
+        </p:grpSp>
+      </p:grpSp>
+      <p:sp>
+        <p:nvSpPr>
+          <p:cNvPr id="14" name="TextBox 13">
+            <a:extLst>
+              <a:ext uri="{FF2B5EF4-FFF2-40B4-BE49-F238E27FC236}">
+                <a16:creationId xmlns:a16="http://schemas.microsoft.com/office/drawing/2014/main" id="{FA8196DD-48D5-9049-896A-63BB364405C1}"/>
+              </a:ext>
+            </a:extLst>
+          </p:cNvPr>
+          <p:cNvSpPr txBox="1"/>
+          <p:nvPr/>
+        </p:nvSpPr>
+        <p:spPr>
+          <a:xfrm flipH="1">
+            <a:off x="1891414" y="1362465"/>
+            <a:ext cx="556224" cy="337025"/>
+          </a:xfrm>
+          <a:prstGeom prst="rect">
+            <a:avLst/>
+          </a:prstGeom>
+          <a:noFill/>
+        </p:spPr>
+        <p:txBody>
+          <a:bodyPr wrap="square" rtlCol="0">
+            <a:spAutoFit/>
+          </a:bodyPr>
+          <a:lstStyle/>
+          <a:p>
+            <a:pPr algn="ctr"/>
+            <a:r>
+              <a:rPr lang="en-US" sz="1400" b="1" dirty="0">
+                <a:latin typeface="Helvetica Neue" panose="02000503000000020004" pitchFamily="2" charset="0"/>
+                <a:ea typeface="Helvetica Neue" panose="02000503000000020004" pitchFamily="2" charset="0"/>
+                <a:cs typeface="Helvetica Neue" panose="02000503000000020004" pitchFamily="2" charset="0"/>
+              </a:rPr>
+              <a:t>e</a:t>
+            </a:r>
+          </a:p>
+        </p:txBody>
+      </p:sp>
+      <p:sp>
+        <p:nvSpPr>
+          <p:cNvPr id="16" name="TextBox 15">
+            <a:extLst>
+              <a:ext uri="{FF2B5EF4-FFF2-40B4-BE49-F238E27FC236}">
+                <a16:creationId xmlns:a16="http://schemas.microsoft.com/office/drawing/2014/main" id="{0B8EA217-6F2C-0943-8D48-F70EC12EC200}"/>
+              </a:ext>
+            </a:extLst>
+          </p:cNvPr>
+          <p:cNvSpPr txBox="1"/>
+          <p:nvPr/>
+        </p:nvSpPr>
+        <p:spPr>
+          <a:xfrm>
+            <a:off x="94486" y="352730"/>
+            <a:ext cx="300582" cy="301752"/>
+          </a:xfrm>
+          <a:prstGeom prst="rect">
+            <a:avLst/>
+          </a:prstGeom>
+          <a:noFill/>
+        </p:spPr>
+        <p:txBody>
+          <a:bodyPr wrap="square" rtlCol="0">
+            <a:spAutoFit/>
+          </a:bodyPr>
+          <a:lstStyle/>
+          <a:p>
+            <a:pPr algn="ctr"/>
+            <a:r>
+              <a:rPr lang="en-US" sz="1400" b="1" dirty="0">
+                <a:latin typeface="Helvetica Neue" panose="02000503000000020004" pitchFamily="2" charset="0"/>
+                <a:ea typeface="Helvetica Neue" panose="02000503000000020004" pitchFamily="2" charset="0"/>
+                <a:cs typeface="Helvetica Neue" panose="02000503000000020004" pitchFamily="2" charset="0"/>
+              </a:rPr>
+              <a:t>a</a:t>
+            </a:r>
+          </a:p>
+        </p:txBody>
+      </p:sp>
+      <p:sp>
+        <p:nvSpPr>
+          <p:cNvPr id="56" name="TextBox 55">
+            <a:extLst>
+              <a:ext uri="{FF2B5EF4-FFF2-40B4-BE49-F238E27FC236}">
+                <a16:creationId xmlns:a16="http://schemas.microsoft.com/office/drawing/2014/main" id="{53F4DC70-1EA9-4149-AFF0-F773D783C706}"/>
+              </a:ext>
+            </a:extLst>
+          </p:cNvPr>
+          <p:cNvSpPr txBox="1"/>
+          <p:nvPr/>
+        </p:nvSpPr>
+        <p:spPr>
+          <a:xfrm>
+            <a:off x="359652" y="389894"/>
+            <a:ext cx="1627632" cy="274320"/>
+          </a:xfrm>
+          <a:prstGeom prst="rect">
+            <a:avLst/>
+          </a:prstGeom>
+          <a:noFill/>
+        </p:spPr>
+        <p:txBody>
+          <a:bodyPr wrap="square" rtlCol="0">
+            <a:spAutoFit/>
+          </a:bodyPr>
+          <a:lstStyle/>
+          <a:p>
+            <a:pPr algn="ctr"/>
+            <a:r>
+              <a:rPr lang="en-US" sz="1100" i="1" dirty="0">
+                <a:solidFill>
+                  <a:srgbClr val="8FB132"/>
+                </a:solidFill>
+                <a:latin typeface="Arial" panose="020B0604020202020204" pitchFamily="34" charset="0"/>
+                <a:ea typeface="Helvetica Neue" panose="02000503000000020004" pitchFamily="2" charset="0"/>
+                <a:cs typeface="Arial" panose="020B0604020202020204" pitchFamily="34" charset="0"/>
+              </a:rPr>
+              <a:t>Downward contagion</a:t>
+            </a:r>
+          </a:p>
+        </p:txBody>
+      </p:sp>
+      <p:sp>
+        <p:nvSpPr>
+          <p:cNvPr id="20" name="TextBox 19">
+            <a:extLst>
+              <a:ext uri="{FF2B5EF4-FFF2-40B4-BE49-F238E27FC236}">
+                <a16:creationId xmlns:a16="http://schemas.microsoft.com/office/drawing/2014/main" id="{E8C86BD2-9FE9-8C4D-A835-2EAAEE829653}"/>
+              </a:ext>
+            </a:extLst>
+          </p:cNvPr>
+          <p:cNvSpPr txBox="1"/>
+          <p:nvPr/>
+        </p:nvSpPr>
+        <p:spPr>
+          <a:xfrm>
+            <a:off x="5917309" y="3844620"/>
+            <a:ext cx="301752" cy="307777"/>
+          </a:xfrm>
+          <a:prstGeom prst="rect">
+            <a:avLst/>
+          </a:prstGeom>
+          <a:noFill/>
+          <a:ln>
+            <a:noFill/>
+          </a:ln>
+        </p:spPr>
+        <p:txBody>
+          <a:bodyPr wrap="square" rtlCol="0">
+            <a:spAutoFit/>
+          </a:bodyPr>
+          <a:lstStyle/>
+          <a:p>
+            <a:pPr algn="ctr"/>
+            <a:r>
+              <a:rPr lang="en-US" sz="1400" b="1" dirty="0">
+                <a:latin typeface="Helvetica Neue" panose="02000503000000020004" pitchFamily="2" charset="0"/>
+                <a:ea typeface="Helvetica Neue" panose="02000503000000020004" pitchFamily="2" charset="0"/>
+                <a:cs typeface="Helvetica Neue" panose="02000503000000020004" pitchFamily="2" charset="0"/>
+              </a:rPr>
+              <a:t>d</a:t>
+            </a:r>
+          </a:p>
+        </p:txBody>
+      </p:sp>
+      <p:sp>
+        <p:nvSpPr>
+          <p:cNvPr id="57" name="TextBox 56">
+            <a:extLst>
+              <a:ext uri="{FF2B5EF4-FFF2-40B4-BE49-F238E27FC236}">
+                <a16:creationId xmlns:a16="http://schemas.microsoft.com/office/drawing/2014/main" id="{9E621244-D874-B242-88CF-8CC803F84200}"/>
+              </a:ext>
+            </a:extLst>
+          </p:cNvPr>
+          <p:cNvSpPr txBox="1"/>
+          <p:nvPr/>
+        </p:nvSpPr>
+        <p:spPr>
+          <a:xfrm>
+            <a:off x="6193516" y="3878334"/>
+            <a:ext cx="1627632" cy="261610"/>
+          </a:xfrm>
+          <a:prstGeom prst="rect">
+            <a:avLst/>
+          </a:prstGeom>
+          <a:noFill/>
+        </p:spPr>
+        <p:txBody>
+          <a:bodyPr wrap="square" rtlCol="0">
+            <a:spAutoFit/>
+          </a:bodyPr>
+          <a:lstStyle/>
+          <a:p>
+            <a:pPr algn="ctr"/>
+            <a:r>
+              <a:rPr lang="en-US" sz="1100" i="1" dirty="0">
+                <a:solidFill>
+                  <a:srgbClr val="8FB132"/>
+                </a:solidFill>
+                <a:latin typeface="Arial" panose="020B0604020202020204" pitchFamily="34" charset="0"/>
+                <a:ea typeface="Helvetica Neue" panose="02000503000000020004" pitchFamily="2" charset="0"/>
+                <a:cs typeface="Arial" panose="020B0604020202020204" pitchFamily="34" charset="0"/>
+              </a:rPr>
+              <a:t>Amplification</a:t>
+            </a:r>
+          </a:p>
+        </p:txBody>
+      </p:sp>
+      <p:sp>
+        <p:nvSpPr>
+          <p:cNvPr id="18" name="TextBox 17">
+            <a:extLst>
+              <a:ext uri="{FF2B5EF4-FFF2-40B4-BE49-F238E27FC236}">
+                <a16:creationId xmlns:a16="http://schemas.microsoft.com/office/drawing/2014/main" id="{46BBEC22-8FD3-4646-AE1A-C6C1C5D5E1E6}"/>
+              </a:ext>
+            </a:extLst>
+          </p:cNvPr>
+          <p:cNvSpPr txBox="1"/>
+          <p:nvPr/>
+        </p:nvSpPr>
+        <p:spPr>
+          <a:xfrm>
+            <a:off x="103616" y="3844620"/>
+            <a:ext cx="301752" cy="307777"/>
+          </a:xfrm>
+          <a:prstGeom prst="rect">
+            <a:avLst/>
+          </a:prstGeom>
+          <a:noFill/>
+        </p:spPr>
+        <p:txBody>
+          <a:bodyPr vert="horz" wrap="square" rtlCol="0" anchor="t" anchorCtr="0">
+            <a:spAutoFit/>
+          </a:bodyPr>
+          <a:lstStyle/>
+          <a:p>
+            <a:pPr algn="ctr"/>
+            <a:r>
+              <a:rPr lang="en-US" sz="1400" b="1" dirty="0">
+                <a:latin typeface="Helvetica Neue" panose="02000503000000020004" pitchFamily="2" charset="0"/>
+                <a:ea typeface="Helvetica Neue" panose="02000503000000020004" pitchFamily="2" charset="0"/>
+                <a:cs typeface="Helvetica Neue" panose="02000503000000020004" pitchFamily="2" charset="0"/>
+              </a:rPr>
+              <a:t>c</a:t>
+            </a:r>
+          </a:p>
+        </p:txBody>
+      </p:sp>
+      <p:sp>
+        <p:nvSpPr>
+          <p:cNvPr id="58" name="TextBox 57">
+            <a:extLst>
+              <a:ext uri="{FF2B5EF4-FFF2-40B4-BE49-F238E27FC236}">
+                <a16:creationId xmlns:a16="http://schemas.microsoft.com/office/drawing/2014/main" id="{B8B22680-8FCF-564A-A59A-6339D506D934}"/>
+              </a:ext>
+            </a:extLst>
+          </p:cNvPr>
+          <p:cNvSpPr txBox="1"/>
+          <p:nvPr/>
+        </p:nvSpPr>
+        <p:spPr>
+          <a:xfrm>
+            <a:off x="393356" y="3884814"/>
+            <a:ext cx="1624489" cy="261610"/>
+          </a:xfrm>
+          <a:prstGeom prst="rect">
+            <a:avLst/>
+          </a:prstGeom>
+          <a:noFill/>
+        </p:spPr>
+        <p:txBody>
+          <a:bodyPr wrap="square" rtlCol="0">
+            <a:spAutoFit/>
+          </a:bodyPr>
+          <a:lstStyle>
+            <a:defPPr>
+              <a:defRPr lang="en-US"/>
+            </a:defPPr>
+            <a:lvl1pPr algn="r">
+              <a:defRPr sz="1100" i="1">
+                <a:solidFill>
+                  <a:srgbClr val="8FB132"/>
+                </a:solidFill>
+                <a:latin typeface="Arial" panose="020B0604020202020204" pitchFamily="34" charset="0"/>
+                <a:ea typeface="Helvetica Neue" panose="02000503000000020004" pitchFamily="2" charset="0"/>
+                <a:cs typeface="Arial" panose="020B0604020202020204" pitchFamily="34" charset="0"/>
+              </a:defRPr>
+            </a:lvl1pPr>
+          </a:lstStyle>
+          <a:p>
+            <a:pPr algn="ctr"/>
+            <a:r>
+              <a:rPr lang="en-US" dirty="0"/>
+              <a:t>No effect</a:t>
+            </a:r>
+          </a:p>
+        </p:txBody>
+      </p:sp>
+      <p:sp>
+        <p:nvSpPr>
+          <p:cNvPr id="22" name="TextBox 21">
+            <a:extLst>
+              <a:ext uri="{FF2B5EF4-FFF2-40B4-BE49-F238E27FC236}">
+                <a16:creationId xmlns:a16="http://schemas.microsoft.com/office/drawing/2014/main" id="{9CC8A2EA-F668-DD43-A074-9F1F726F28A7}"/>
+              </a:ext>
+            </a:extLst>
+          </p:cNvPr>
+          <p:cNvSpPr txBox="1"/>
+          <p:nvPr/>
+        </p:nvSpPr>
+        <p:spPr>
+          <a:xfrm>
+            <a:off x="5917309" y="349423"/>
+            <a:ext cx="301752" cy="307777"/>
+          </a:xfrm>
+          <a:prstGeom prst="rect">
+            <a:avLst/>
+          </a:prstGeom>
+          <a:noFill/>
+        </p:spPr>
+        <p:txBody>
+          <a:bodyPr wrap="square" rtlCol="0">
+            <a:spAutoFit/>
+          </a:bodyPr>
+          <a:lstStyle/>
+          <a:p>
+            <a:pPr algn="ctr"/>
+            <a:r>
+              <a:rPr lang="en-US" sz="1400" b="1" dirty="0">
+                <a:latin typeface="Helvetica Neue" panose="02000503000000020004" pitchFamily="2" charset="0"/>
+                <a:ea typeface="Helvetica Neue" panose="02000503000000020004" pitchFamily="2" charset="0"/>
+                <a:cs typeface="Helvetica Neue" panose="02000503000000020004" pitchFamily="2" charset="0"/>
+              </a:rPr>
+              <a:t>b</a:t>
+            </a:r>
+          </a:p>
+        </p:txBody>
+      </p:sp>
+      <p:sp>
+        <p:nvSpPr>
+          <p:cNvPr id="55" name="TextBox 54">
+            <a:extLst>
+              <a:ext uri="{FF2B5EF4-FFF2-40B4-BE49-F238E27FC236}">
+                <a16:creationId xmlns:a16="http://schemas.microsoft.com/office/drawing/2014/main" id="{5523DCC3-C862-8C42-A4DA-E70E20BFB814}"/>
+              </a:ext>
+            </a:extLst>
+          </p:cNvPr>
+          <p:cNvSpPr txBox="1"/>
+          <p:nvPr/>
+        </p:nvSpPr>
+        <p:spPr>
+          <a:xfrm>
+            <a:off x="6193516" y="391387"/>
+            <a:ext cx="1627632" cy="261610"/>
+          </a:xfrm>
+          <a:prstGeom prst="rect">
+            <a:avLst/>
+          </a:prstGeom>
+          <a:noFill/>
+        </p:spPr>
+        <p:txBody>
+          <a:bodyPr wrap="square" rtlCol="0">
+            <a:spAutoFit/>
+          </a:bodyPr>
+          <a:lstStyle/>
+          <a:p>
+            <a:pPr algn="ctr"/>
+            <a:r>
+              <a:rPr lang="en-US" sz="1100" i="1" dirty="0">
+                <a:solidFill>
+                  <a:srgbClr val="8FB132"/>
+                </a:solidFill>
+                <a:latin typeface="Arial" panose="020B0604020202020204" pitchFamily="34" charset="0"/>
+                <a:ea typeface="Helvetica Neue" panose="02000503000000020004" pitchFamily="2" charset="0"/>
+                <a:cs typeface="Arial" panose="020B0604020202020204" pitchFamily="34" charset="0"/>
+              </a:rPr>
+              <a:t>Upward contagion</a:t>
+            </a:r>
+          </a:p>
+        </p:txBody>
+      </p:sp>
+      <p:sp>
+        <p:nvSpPr>
+          <p:cNvPr id="53" name="Arc 52">
+            <a:extLst>
+              <a:ext uri="{FF2B5EF4-FFF2-40B4-BE49-F238E27FC236}">
+                <a16:creationId xmlns:a16="http://schemas.microsoft.com/office/drawing/2014/main" id="{96BD8594-B12F-0B4E-80D0-4C225EE50BD6}"/>
+              </a:ext>
+            </a:extLst>
+          </p:cNvPr>
+          <p:cNvSpPr/>
+          <p:nvPr/>
+        </p:nvSpPr>
+        <p:spPr>
+          <a:xfrm rot="15090701" flipH="1" flipV="1">
+            <a:off x="-201397" y="1729233"/>
+            <a:ext cx="2825642" cy="4211975"/>
+          </a:xfrm>
+          <a:prstGeom prst="arc">
+            <a:avLst>
+              <a:gd name="adj1" fmla="val 17783090"/>
+              <a:gd name="adj2" fmla="val 20623385"/>
+            </a:avLst>
+          </a:prstGeom>
+          <a:ln w="12700">
+            <a:solidFill>
+              <a:schemeClr val="bg2">
+                <a:lumMod val="50000"/>
+              </a:schemeClr>
+            </a:solidFill>
+            <a:headEnd type="triangle"/>
+            <a:tailEnd w="lg" len="med"/>
+          </a:ln>
+        </p:spPr>
+        <p:style>
+          <a:lnRef idx="1">
+            <a:schemeClr val="accent1"/>
+          </a:lnRef>
+          <a:fillRef idx="0">
+            <a:schemeClr val="accent1"/>
+          </a:fillRef>
+          <a:effectRef idx="0">
+            <a:schemeClr val="accent1"/>
+          </a:effectRef>
+          <a:fontRef idx="minor">
+            <a:schemeClr val="tx1"/>
+          </a:fontRef>
+        </p:style>
+        <p:txBody>
+          <a:bodyPr rtlCol="0" anchor="ctr"/>
+          <a:lstStyle/>
+          <a:p>
+            <a:pPr algn="ctr"/>
+            <a:endParaRPr lang="en-US"/>
+          </a:p>
+        </p:txBody>
+      </p:sp>
+      <p:sp>
+        <p:nvSpPr>
+          <p:cNvPr id="54" name="Arc 53">
+            <a:extLst>
+              <a:ext uri="{FF2B5EF4-FFF2-40B4-BE49-F238E27FC236}">
+                <a16:creationId xmlns:a16="http://schemas.microsoft.com/office/drawing/2014/main" id="{36C3A527-0618-F84D-BFDC-2B5F3569FFF1}"/>
+              </a:ext>
+            </a:extLst>
+          </p:cNvPr>
+          <p:cNvSpPr/>
+          <p:nvPr/>
+        </p:nvSpPr>
+        <p:spPr>
+          <a:xfrm rot="15877902" flipV="1">
+            <a:off x="1371219" y="4578270"/>
+            <a:ext cx="6290134" cy="3641768"/>
+          </a:xfrm>
+          <a:prstGeom prst="arc">
+            <a:avLst>
+              <a:gd name="adj1" fmla="val 18961531"/>
+              <a:gd name="adj2" fmla="val 20815625"/>
+            </a:avLst>
+          </a:prstGeom>
+          <a:ln w="12700">
+            <a:solidFill>
+              <a:schemeClr val="bg2">
+                <a:lumMod val="50000"/>
+              </a:schemeClr>
+            </a:solidFill>
+            <a:tailEnd type="triangle"/>
+          </a:ln>
+        </p:spPr>
+        <p:style>
+          <a:lnRef idx="1">
+            <a:schemeClr val="accent1"/>
+          </a:lnRef>
+          <a:fillRef idx="0">
+            <a:schemeClr val="accent1"/>
+          </a:fillRef>
+          <a:effectRef idx="0">
+            <a:schemeClr val="accent1"/>
+          </a:effectRef>
+          <a:fontRef idx="minor">
+            <a:schemeClr val="tx1"/>
+          </a:fontRef>
+        </p:style>
+        <p:txBody>
+          <a:bodyPr rtlCol="0" anchor="ctr"/>
+          <a:lstStyle/>
+          <a:p>
+            <a:pPr algn="ctr"/>
+            <a:endParaRPr lang="en-US"/>
+          </a:p>
+        </p:txBody>
+      </p:sp>
+      <p:sp>
+        <p:nvSpPr>
+          <p:cNvPr id="21" name="TextBox 20">
+            <a:extLst>
+              <a:ext uri="{FF2B5EF4-FFF2-40B4-BE49-F238E27FC236}">
+                <a16:creationId xmlns:a16="http://schemas.microsoft.com/office/drawing/2014/main" id="{F8E7F266-7467-FE46-9469-D94B82C96E1B}"/>
+              </a:ext>
+            </a:extLst>
+          </p:cNvPr>
+          <p:cNvSpPr txBox="1"/>
+          <p:nvPr/>
+        </p:nvSpPr>
+        <p:spPr>
+          <a:xfrm>
+            <a:off x="1212182" y="730206"/>
+            <a:ext cx="717463" cy="276999"/>
+          </a:xfrm>
+          <a:prstGeom prst="rect">
+            <a:avLst/>
+          </a:prstGeom>
+          <a:noFill/>
+          <a:ln>
+            <a:solidFill>
+              <a:schemeClr val="tx1"/>
+            </a:solidFill>
+          </a:ln>
+        </p:spPr>
+        <p:txBody>
+          <a:bodyPr wrap="square" rtlCol="0">
+            <a:spAutoFit/>
+          </a:bodyPr>
+          <a:lstStyle/>
+          <a:p>
+            <a:pPr algn="ctr"/>
+            <a:r>
+              <a:rPr lang="en-US" sz="1200" dirty="0">
+                <a:latin typeface="Helvetica" pitchFamily="2" charset="0"/>
+                <a:cs typeface="Arial" panose="020B0604020202020204" pitchFamily="34" charset="0"/>
+              </a:rPr>
+              <a:t>𝛿 = 0.6</a:t>
+            </a:r>
+          </a:p>
+        </p:txBody>
+      </p:sp>
+      <p:sp>
+        <p:nvSpPr>
+          <p:cNvPr id="44" name="TextBox 43">
+            <a:extLst>
+              <a:ext uri="{FF2B5EF4-FFF2-40B4-BE49-F238E27FC236}">
+                <a16:creationId xmlns:a16="http://schemas.microsoft.com/office/drawing/2014/main" id="{54A2134B-5A13-4C49-B96B-9FA335A22955}"/>
+              </a:ext>
+            </a:extLst>
+          </p:cNvPr>
+          <p:cNvSpPr txBox="1"/>
+          <p:nvPr/>
+        </p:nvSpPr>
+        <p:spPr>
+          <a:xfrm>
+            <a:off x="3278376" y="2360695"/>
+            <a:ext cx="1025694" cy="307777"/>
+          </a:xfrm>
+          <a:prstGeom prst="rect">
+            <a:avLst/>
+          </a:prstGeom>
+          <a:noFill/>
+          <a:ln w="3175">
+            <a:noFill/>
+          </a:ln>
+        </p:spPr>
+        <p:txBody>
+          <a:bodyPr wrap="square" rtlCol="0">
+            <a:spAutoFit/>
+          </a:bodyPr>
+          <a:lstStyle/>
+          <a:p>
+            <a:pPr algn="ctr"/>
+            <a:r>
+              <a:rPr lang="en-US" sz="1400" b="1" dirty="0">
+                <a:ln w="127">
+                  <a:solidFill>
+                    <a:schemeClr val="bg1">
+                      <a:alpha val="25000"/>
+                    </a:schemeClr>
+                  </a:solidFill>
+                </a:ln>
+                <a:solidFill>
+                  <a:srgbClr val="E52421"/>
+                </a:solidFill>
+                <a:latin typeface="Helvetica Neue" panose="02000503000000020004" pitchFamily="2" charset="0"/>
+                <a:ea typeface="Helvetica Neue" panose="02000503000000020004" pitchFamily="2" charset="0"/>
+                <a:cs typeface="Helvetica Neue" panose="02000503000000020004" pitchFamily="2" charset="0"/>
+              </a:rPr>
+              <a:t>X</a:t>
+            </a:r>
+          </a:p>
+        </p:txBody>
+      </p:sp>
+      <p:sp>
+        <p:nvSpPr>
+          <p:cNvPr id="52" name="TextBox 51">
+            <a:extLst>
+              <a:ext uri="{FF2B5EF4-FFF2-40B4-BE49-F238E27FC236}">
+                <a16:creationId xmlns:a16="http://schemas.microsoft.com/office/drawing/2014/main" id="{7AFF4DB9-24C9-1045-BC6C-A74414FEB7A7}"/>
+              </a:ext>
+            </a:extLst>
+          </p:cNvPr>
+          <p:cNvSpPr txBox="1"/>
+          <p:nvPr/>
+        </p:nvSpPr>
+        <p:spPr>
+          <a:xfrm>
+            <a:off x="7007332" y="1637391"/>
+            <a:ext cx="717463" cy="276999"/>
+          </a:xfrm>
+          <a:prstGeom prst="rect">
+            <a:avLst/>
+          </a:prstGeom>
+          <a:noFill/>
+          <a:ln>
+            <a:solidFill>
+              <a:schemeClr val="tx1"/>
+            </a:solidFill>
+          </a:ln>
+        </p:spPr>
+        <p:txBody>
+          <a:bodyPr wrap="square" rtlCol="0">
+            <a:spAutoFit/>
+          </a:bodyPr>
+          <a:lstStyle/>
+          <a:p>
+            <a:pPr algn="ctr"/>
+            <a:r>
+              <a:rPr lang="en-US" sz="1200" dirty="0">
+                <a:latin typeface="Helvetica" pitchFamily="2" charset="0"/>
+                <a:cs typeface="Arial" panose="020B0604020202020204" pitchFamily="34" charset="0"/>
+              </a:rPr>
+              <a:t>𝛿 = 1.3</a:t>
+            </a:r>
+          </a:p>
+        </p:txBody>
+      </p:sp>
+      <p:sp>
+        <p:nvSpPr>
+          <p:cNvPr id="51" name="Rectangle 50">
+            <a:extLst>
+              <a:ext uri="{FF2B5EF4-FFF2-40B4-BE49-F238E27FC236}">
+                <a16:creationId xmlns:a16="http://schemas.microsoft.com/office/drawing/2014/main" id="{1EED65E2-CAC8-D44A-B9C1-7B997B275260}"/>
+              </a:ext>
+            </a:extLst>
+          </p:cNvPr>
+          <p:cNvSpPr/>
+          <p:nvPr/>
+        </p:nvSpPr>
+        <p:spPr>
+          <a:xfrm>
+            <a:off x="84613" y="342441"/>
+            <a:ext cx="1920240" cy="2286000"/>
+          </a:xfrm>
+          <a:prstGeom prst="rect">
+            <a:avLst/>
+          </a:prstGeom>
+          <a:noFill/>
+          <a:ln w="12700">
+            <a:solidFill>
+              <a:schemeClr val="bg2">
+                <a:lumMod val="50000"/>
+              </a:schemeClr>
+            </a:solidFill>
+          </a:ln>
+        </p:spPr>
+        <p:style>
+          <a:lnRef idx="2">
+            <a:schemeClr val="accent1">
+              <a:shade val="50000"/>
+            </a:schemeClr>
+          </a:lnRef>
+          <a:fillRef idx="1">
+            <a:schemeClr val="accent1"/>
+          </a:fillRef>
+          <a:effectRef idx="0">
+            <a:schemeClr val="accent1"/>
+          </a:effectRef>
+          <a:fontRef idx="minor">
+            <a:schemeClr val="lt1"/>
+          </a:fontRef>
+        </p:style>
+        <p:txBody>
+          <a:bodyPr rtlCol="0" anchor="ctr"/>
+          <a:lstStyle/>
+          <a:p>
+            <a:pPr algn="ctr"/>
+            <a:endParaRPr lang="en-US" dirty="0"/>
+          </a:p>
+        </p:txBody>
+      </p:sp>
+      <p:sp>
+        <p:nvSpPr>
+          <p:cNvPr id="60" name="Rectangle 59">
+            <a:extLst>
+              <a:ext uri="{FF2B5EF4-FFF2-40B4-BE49-F238E27FC236}">
+                <a16:creationId xmlns:a16="http://schemas.microsoft.com/office/drawing/2014/main" id="{F68E48F6-57D3-DB42-ADBB-6699B2CD20E5}"/>
+              </a:ext>
+            </a:extLst>
+          </p:cNvPr>
+          <p:cNvSpPr/>
+          <p:nvPr/>
+        </p:nvSpPr>
+        <p:spPr>
+          <a:xfrm>
+            <a:off x="97605" y="3844620"/>
+            <a:ext cx="1920240" cy="2286000"/>
+          </a:xfrm>
+          <a:prstGeom prst="rect">
+            <a:avLst/>
+          </a:prstGeom>
+          <a:noFill/>
+          <a:ln w="12700">
+            <a:solidFill>
+              <a:schemeClr val="bg2">
+                <a:lumMod val="50000"/>
+              </a:schemeClr>
+            </a:solidFill>
+          </a:ln>
+        </p:spPr>
+        <p:style>
+          <a:lnRef idx="2">
+            <a:schemeClr val="accent1">
+              <a:shade val="50000"/>
+            </a:schemeClr>
+          </a:lnRef>
+          <a:fillRef idx="1">
+            <a:schemeClr val="accent1"/>
+          </a:fillRef>
+          <a:effectRef idx="0">
+            <a:schemeClr val="accent1"/>
+          </a:effectRef>
+          <a:fontRef idx="minor">
+            <a:schemeClr val="lt1"/>
+          </a:fontRef>
+        </p:style>
+        <p:txBody>
+          <a:bodyPr rtlCol="0" anchor="ctr"/>
+          <a:lstStyle/>
+          <a:p>
+            <a:pPr algn="ctr"/>
+            <a:endParaRPr lang="en-US" dirty="0"/>
+          </a:p>
+        </p:txBody>
+      </p:sp>
+      <p:sp>
+        <p:nvSpPr>
+          <p:cNvPr id="62" name="Rectangle 61">
+            <a:extLst>
+              <a:ext uri="{FF2B5EF4-FFF2-40B4-BE49-F238E27FC236}">
+                <a16:creationId xmlns:a16="http://schemas.microsoft.com/office/drawing/2014/main" id="{8A4AC4DA-3820-F543-A555-74C76CC7262E}"/>
+              </a:ext>
+            </a:extLst>
+          </p:cNvPr>
+          <p:cNvSpPr/>
+          <p:nvPr/>
+        </p:nvSpPr>
+        <p:spPr>
+          <a:xfrm>
+            <a:off x="5908387" y="3844620"/>
+            <a:ext cx="1920240" cy="2286000"/>
+          </a:xfrm>
+          <a:prstGeom prst="rect">
+            <a:avLst/>
+          </a:prstGeom>
+          <a:noFill/>
+          <a:ln w="12700">
+            <a:solidFill>
+              <a:schemeClr val="bg2">
+                <a:lumMod val="50000"/>
+              </a:schemeClr>
+            </a:solidFill>
+          </a:ln>
+        </p:spPr>
+        <p:style>
+          <a:lnRef idx="2">
+            <a:schemeClr val="accent1">
+              <a:shade val="50000"/>
+            </a:schemeClr>
+          </a:lnRef>
+          <a:fillRef idx="1">
+            <a:schemeClr val="accent1"/>
+          </a:fillRef>
+          <a:effectRef idx="0">
+            <a:schemeClr val="accent1"/>
+          </a:effectRef>
+          <a:fontRef idx="minor">
+            <a:schemeClr val="lt1"/>
+          </a:fontRef>
+        </p:style>
+        <p:txBody>
+          <a:bodyPr rtlCol="0" anchor="ctr"/>
+          <a:lstStyle/>
+          <a:p>
+            <a:pPr algn="ctr"/>
+            <a:endParaRPr lang="en-US" dirty="0"/>
+          </a:p>
+        </p:txBody>
+      </p:sp>
+      <p:sp>
+        <p:nvSpPr>
+          <p:cNvPr id="63" name="TextBox 62">
+            <a:extLst>
+              <a:ext uri="{FF2B5EF4-FFF2-40B4-BE49-F238E27FC236}">
+                <a16:creationId xmlns:a16="http://schemas.microsoft.com/office/drawing/2014/main" id="{EED5CF09-CA70-FD46-9C33-2D9E067F1BA9}"/>
+              </a:ext>
+            </a:extLst>
+          </p:cNvPr>
+          <p:cNvSpPr txBox="1"/>
+          <p:nvPr/>
+        </p:nvSpPr>
+        <p:spPr>
+          <a:xfrm>
+            <a:off x="4320703" y="3222826"/>
+            <a:ext cx="1025694" cy="307777"/>
+          </a:xfrm>
+          <a:prstGeom prst="rect">
+            <a:avLst/>
+          </a:prstGeom>
+          <a:noFill/>
+          <a:ln w="3175">
+            <a:noFill/>
+          </a:ln>
+        </p:spPr>
+        <p:txBody>
+          <a:bodyPr wrap="square" rtlCol="0">
+            <a:spAutoFit/>
+          </a:bodyPr>
+          <a:lstStyle/>
+          <a:p>
+            <a:pPr algn="ctr"/>
+            <a:r>
+              <a:rPr lang="en-US" sz="1400" b="1" dirty="0">
+                <a:ln w="127">
+                  <a:solidFill>
+                    <a:schemeClr val="bg1">
+                      <a:alpha val="25000"/>
+                    </a:schemeClr>
+                  </a:solidFill>
+                </a:ln>
+                <a:solidFill>
+                  <a:srgbClr val="E52421"/>
+                </a:solidFill>
+                <a:latin typeface="Helvetica Neue" panose="02000503000000020004" pitchFamily="2" charset="0"/>
+                <a:ea typeface="Helvetica Neue" panose="02000503000000020004" pitchFamily="2" charset="0"/>
+                <a:cs typeface="Helvetica Neue" panose="02000503000000020004" pitchFamily="2" charset="0"/>
+              </a:rPr>
+              <a:t>X</a:t>
+            </a:r>
+          </a:p>
+        </p:txBody>
+      </p:sp>
+      <p:sp>
+        <p:nvSpPr>
+          <p:cNvPr id="64" name="TextBox 63">
+            <a:extLst>
+              <a:ext uri="{FF2B5EF4-FFF2-40B4-BE49-F238E27FC236}">
+                <a16:creationId xmlns:a16="http://schemas.microsoft.com/office/drawing/2014/main" id="{9F91AD4C-33F0-194C-8CD1-1D29F375FF9B}"/>
+              </a:ext>
+            </a:extLst>
+          </p:cNvPr>
+          <p:cNvSpPr txBox="1"/>
+          <p:nvPr/>
+        </p:nvSpPr>
+        <p:spPr>
+          <a:xfrm>
+            <a:off x="2656773" y="3862342"/>
+            <a:ext cx="1025694" cy="307777"/>
+          </a:xfrm>
+          <a:prstGeom prst="rect">
+            <a:avLst/>
+          </a:prstGeom>
+          <a:noFill/>
+          <a:ln w="3175">
+            <a:noFill/>
+          </a:ln>
+        </p:spPr>
+        <p:txBody>
+          <a:bodyPr wrap="square" rtlCol="0">
+            <a:spAutoFit/>
+          </a:bodyPr>
+          <a:lstStyle/>
+          <a:p>
+            <a:pPr algn="ctr"/>
+            <a:r>
+              <a:rPr lang="en-US" sz="1400" b="1" dirty="0">
+                <a:ln w="127">
+                  <a:solidFill>
+                    <a:schemeClr val="bg1">
+                      <a:alpha val="25000"/>
+                    </a:schemeClr>
+                  </a:solidFill>
+                </a:ln>
+                <a:solidFill>
+                  <a:srgbClr val="E52421"/>
+                </a:solidFill>
+                <a:latin typeface="Helvetica Neue" panose="02000503000000020004" pitchFamily="2" charset="0"/>
+                <a:ea typeface="Helvetica Neue" panose="02000503000000020004" pitchFamily="2" charset="0"/>
+                <a:cs typeface="Helvetica Neue" panose="02000503000000020004" pitchFamily="2" charset="0"/>
+              </a:rPr>
+              <a:t>X</a:t>
+            </a:r>
+          </a:p>
+        </p:txBody>
+      </p:sp>
+      <p:sp>
+        <p:nvSpPr>
+          <p:cNvPr id="65" name="Arc 64">
+            <a:extLst>
+              <a:ext uri="{FF2B5EF4-FFF2-40B4-BE49-F238E27FC236}">
+                <a16:creationId xmlns:a16="http://schemas.microsoft.com/office/drawing/2014/main" id="{D4F6CE0C-62B2-994E-AB70-9EAC359E3381}"/>
+              </a:ext>
+            </a:extLst>
+          </p:cNvPr>
+          <p:cNvSpPr/>
+          <p:nvPr/>
+        </p:nvSpPr>
+        <p:spPr>
+          <a:xfrm rot="19482238">
+            <a:off x="-3672691" y="1289655"/>
+            <a:ext cx="8186179" cy="7244755"/>
+          </a:xfrm>
+          <a:prstGeom prst="arc">
+            <a:avLst>
+              <a:gd name="adj1" fmla="val 19732408"/>
+              <a:gd name="adj2" fmla="val 21476389"/>
+            </a:avLst>
+          </a:prstGeom>
+          <a:ln w="12700">
+            <a:solidFill>
+              <a:schemeClr val="bg2">
+                <a:lumMod val="50000"/>
+              </a:schemeClr>
+            </a:solidFill>
+            <a:tailEnd type="triangle" w="med" len="med"/>
+          </a:ln>
+        </p:spPr>
+        <p:style>
+          <a:lnRef idx="1">
+            <a:schemeClr val="accent1"/>
+          </a:lnRef>
+          <a:fillRef idx="0">
+            <a:schemeClr val="accent1"/>
+          </a:fillRef>
+          <a:effectRef idx="0">
+            <a:schemeClr val="accent1"/>
+          </a:effectRef>
+          <a:fontRef idx="minor">
+            <a:schemeClr val="tx1"/>
+          </a:fontRef>
+        </p:style>
+        <p:txBody>
+          <a:bodyPr rtlCol="0" anchor="ctr"/>
+          <a:lstStyle/>
+          <a:p>
+            <a:pPr algn="ctr"/>
+            <a:endParaRPr lang="en-US"/>
+          </a:p>
+        </p:txBody>
+      </p:sp>
+      <p:sp>
+        <p:nvSpPr>
+          <p:cNvPr id="66" name="Arc 65">
+            <a:extLst>
+              <a:ext uri="{FF2B5EF4-FFF2-40B4-BE49-F238E27FC236}">
+                <a16:creationId xmlns:a16="http://schemas.microsoft.com/office/drawing/2014/main" id="{C5B100A3-711E-1F4D-8DB4-61253E8D594C}"/>
+              </a:ext>
+            </a:extLst>
+          </p:cNvPr>
+          <p:cNvSpPr/>
+          <p:nvPr/>
+        </p:nvSpPr>
+        <p:spPr>
+          <a:xfrm rot="16362014" flipH="1" flipV="1">
+            <a:off x="900350" y="-3067117"/>
+            <a:ext cx="4974975" cy="6243740"/>
+          </a:xfrm>
+          <a:prstGeom prst="arc">
+            <a:avLst>
+              <a:gd name="adj1" fmla="val 17901139"/>
+              <a:gd name="adj2" fmla="val 20697222"/>
+            </a:avLst>
+          </a:prstGeom>
+          <a:ln w="12700">
+            <a:solidFill>
+              <a:schemeClr val="bg2">
+                <a:lumMod val="50000"/>
+              </a:schemeClr>
+            </a:solidFill>
+            <a:headEnd type="none"/>
+            <a:tailEnd type="triangle" w="med" len="med"/>
+          </a:ln>
+        </p:spPr>
+        <p:style>
+          <a:lnRef idx="1">
+            <a:schemeClr val="accent1"/>
+          </a:lnRef>
+          <a:fillRef idx="0">
+            <a:schemeClr val="accent1"/>
+          </a:fillRef>
+          <a:effectRef idx="0">
+            <a:schemeClr val="accent1"/>
+          </a:effectRef>
+          <a:fontRef idx="minor">
+            <a:schemeClr val="tx1"/>
+          </a:fontRef>
+        </p:style>
+        <p:txBody>
+          <a:bodyPr rtlCol="0" anchor="ctr"/>
+          <a:lstStyle/>
+          <a:p>
+            <a:pPr algn="ctr"/>
+            <a:endParaRPr lang="en-US"/>
+          </a:p>
+        </p:txBody>
+      </p:sp>
+      <p:sp>
+        <p:nvSpPr>
+          <p:cNvPr id="61" name="Rectangle 60">
+            <a:extLst>
+              <a:ext uri="{FF2B5EF4-FFF2-40B4-BE49-F238E27FC236}">
+                <a16:creationId xmlns:a16="http://schemas.microsoft.com/office/drawing/2014/main" id="{31703D9A-C85C-6C4E-91AB-5551ADBABA49}"/>
+              </a:ext>
+            </a:extLst>
+          </p:cNvPr>
+          <p:cNvSpPr/>
+          <p:nvPr/>
+        </p:nvSpPr>
+        <p:spPr>
+          <a:xfrm>
+            <a:off x="5908399" y="342441"/>
+            <a:ext cx="1920240" cy="2286000"/>
+          </a:xfrm>
+          <a:prstGeom prst="rect">
+            <a:avLst/>
+          </a:prstGeom>
+          <a:noFill/>
+          <a:ln w="12700">
+            <a:solidFill>
+              <a:schemeClr val="bg2">
+                <a:lumMod val="50000"/>
+              </a:schemeClr>
+            </a:solidFill>
+          </a:ln>
+        </p:spPr>
+        <p:style>
+          <a:lnRef idx="2">
+            <a:schemeClr val="accent1">
+              <a:shade val="50000"/>
+            </a:schemeClr>
+          </a:lnRef>
+          <a:fillRef idx="1">
+            <a:schemeClr val="accent1"/>
+          </a:fillRef>
+          <a:effectRef idx="0">
+            <a:schemeClr val="accent1"/>
+          </a:effectRef>
+          <a:fontRef idx="minor">
+            <a:schemeClr val="lt1"/>
+          </a:fontRef>
+        </p:style>
+        <p:txBody>
+          <a:bodyPr rtlCol="0" anchor="ctr"/>
+          <a:lstStyle/>
+          <a:p>
+            <a:pPr algn="ctr"/>
+            <a:endParaRPr lang="en-US" dirty="0"/>
+          </a:p>
+        </p:txBody>
+      </p:sp>
+    </p:spTree>
+    <p:extLst>
+      <p:ext uri="{BB962C8B-B14F-4D97-AF65-F5344CB8AC3E}">
+        <p14:creationId xmlns:p14="http://schemas.microsoft.com/office/powerpoint/2010/main" val="3775336862"/>
+      </p:ext>
+    </p:extLst>
+  </p:cSld>
+  <p:clrMapOvr>
+    <a:masterClrMapping/>
+  </p:clrMapOvr>
+</p:sld>
+</file>
+
+<file path=ppt/slides/slide7.xml><?xml version="1.0" encoding="utf-8"?>
+<p:sld xmlns:a="http://schemas.openxmlformats.org/drawingml/2006/main" xmlns:r="http://schemas.openxmlformats.org/officeDocument/2006/relationships" xmlns:p="http://schemas.openxmlformats.org/presentationml/2006/main" show="0">
+  <p:cSld>
+    <p:spTree>
+      <p:nvGrpSpPr>
+        <p:cNvPr id="1" name=""/>
+        <p:cNvGrpSpPr/>
+        <p:nvPr/>
+      </p:nvGrpSpPr>
+      <p:grpSpPr>
+        <a:xfrm>
+          <a:off x="0" y="0"/>
+          <a:ext cx="0" cy="0"/>
+          <a:chOff x="0" y="0"/>
+          <a:chExt cx="0" cy="0"/>
+        </a:xfrm>
+      </p:grpSpPr>
+      <p:pic>
+        <p:nvPicPr>
           <p:cNvPr id="30" name="Picture 29">
             <a:extLst>
               <a:ext uri="{FF2B5EF4-FFF2-40B4-BE49-F238E27FC236}">
@@ -12059,7 +13975,7 @@
     </p:spTree>
     <p:extLst>
       <p:ext uri="{BB962C8B-B14F-4D97-AF65-F5344CB8AC3E}">
-        <p14:creationId xmlns:p14="http://schemas.microsoft.com/office/powerpoint/2010/main" val="3775336862"/>
+        <p14:creationId xmlns:p14="http://schemas.microsoft.com/office/powerpoint/2010/main" val="2778951362"/>
       </p:ext>
     </p:extLst>
   </p:cSld>
@@ -12069,7 +13985,7 @@
 </p:sld>
 </file>
 
-<file path=ppt/slides/slide7.xml><?xml version="1.0" encoding="utf-8"?>
+<file path=ppt/slides/slide8.xml><?xml version="1.0" encoding="utf-8"?>
 <p:sld xmlns:a="http://schemas.openxmlformats.org/drawingml/2006/main" xmlns:r="http://schemas.openxmlformats.org/officeDocument/2006/relationships" xmlns:p="http://schemas.openxmlformats.org/presentationml/2006/main">
   <p:cSld>
     <p:bg>
@@ -12354,7 +14270,7 @@
 </p:sld>
 </file>
 
-<file path=ppt/slides/slide8.xml><?xml version="1.0" encoding="utf-8"?>
+<file path=ppt/slides/slide9.xml><?xml version="1.0" encoding="utf-8"?>
 <p:sld xmlns:a="http://schemas.openxmlformats.org/drawingml/2006/main" xmlns:r="http://schemas.openxmlformats.org/officeDocument/2006/relationships" xmlns:p="http://schemas.openxmlformats.org/presentationml/2006/main">
   <p:cSld>
     <p:spTree>
@@ -12816,316 +14732,6 @@
     <p:extLst>
       <p:ext uri="{BB962C8B-B14F-4D97-AF65-F5344CB8AC3E}">
         <p14:creationId xmlns:p14="http://schemas.microsoft.com/office/powerpoint/2010/main" val="3098672393"/>
-      </p:ext>
-    </p:extLst>
-  </p:cSld>
-  <p:clrMapOvr>
-    <a:masterClrMapping/>
-  </p:clrMapOvr>
-</p:sld>
-</file>
-
-<file path=ppt/slides/slide9.xml><?xml version="1.0" encoding="utf-8"?>
-<p:sld xmlns:a="http://schemas.openxmlformats.org/drawingml/2006/main" xmlns:r="http://schemas.openxmlformats.org/officeDocument/2006/relationships" xmlns:p="http://schemas.openxmlformats.org/presentationml/2006/main">
-  <p:cSld>
-    <p:spTree>
-      <p:nvGrpSpPr>
-        <p:cNvPr id="1" name=""/>
-        <p:cNvGrpSpPr/>
-        <p:nvPr/>
-      </p:nvGrpSpPr>
-      <p:grpSpPr>
-        <a:xfrm>
-          <a:off x="0" y="0"/>
-          <a:ext cx="0" cy="0"/>
-          <a:chOff x="0" y="0"/>
-          <a:chExt cx="0" cy="0"/>
-        </a:xfrm>
-      </p:grpSpPr>
-      <p:pic>
-        <p:nvPicPr>
-          <p:cNvPr id="12" name="Picture 11">
-            <a:extLst>
-              <a:ext uri="{FF2B5EF4-FFF2-40B4-BE49-F238E27FC236}">
-                <a16:creationId xmlns:a16="http://schemas.microsoft.com/office/drawing/2014/main" id="{BA612328-1C27-2240-9F31-1B951DE91AC6}"/>
-              </a:ext>
-            </a:extLst>
-          </p:cNvPr>
-          <p:cNvPicPr>
-            <a:picLocks noChangeAspect="1"/>
-          </p:cNvPicPr>
-          <p:nvPr/>
-        </p:nvPicPr>
-        <p:blipFill>
-          <a:blip r:embed="rId3"/>
-          <a:stretch>
-            <a:fillRect/>
-          </a:stretch>
-        </p:blipFill>
-        <p:spPr>
-          <a:xfrm>
-            <a:off x="3803672" y="375065"/>
-            <a:ext cx="2699840" cy="3099816"/>
-          </a:xfrm>
-          <a:prstGeom prst="rect">
-            <a:avLst/>
-          </a:prstGeom>
-        </p:spPr>
-      </p:pic>
-      <p:pic>
-        <p:nvPicPr>
-          <p:cNvPr id="6" name="Picture 5">
-            <a:extLst>
-              <a:ext uri="{FF2B5EF4-FFF2-40B4-BE49-F238E27FC236}">
-                <a16:creationId xmlns:a16="http://schemas.microsoft.com/office/drawing/2014/main" id="{1BFE51E9-4B23-BB46-A254-811D3C7A6166}"/>
-              </a:ext>
-            </a:extLst>
-          </p:cNvPr>
-          <p:cNvPicPr>
-            <a:picLocks noChangeAspect="1"/>
-          </p:cNvPicPr>
-          <p:nvPr/>
-        </p:nvPicPr>
-        <p:blipFill>
-          <a:blip r:embed="rId4"/>
-          <a:stretch>
-            <a:fillRect/>
-          </a:stretch>
-        </p:blipFill>
-        <p:spPr>
-          <a:xfrm>
-            <a:off x="3803672" y="3383534"/>
-            <a:ext cx="2699840" cy="3099816"/>
-          </a:xfrm>
-          <a:prstGeom prst="rect">
-            <a:avLst/>
-          </a:prstGeom>
-        </p:spPr>
-      </p:pic>
-      <p:pic>
-        <p:nvPicPr>
-          <p:cNvPr id="10" name="Picture 9">
-            <a:extLst>
-              <a:ext uri="{FF2B5EF4-FFF2-40B4-BE49-F238E27FC236}">
-                <a16:creationId xmlns:a16="http://schemas.microsoft.com/office/drawing/2014/main" id="{5137642B-93A0-ED47-A5E0-1A28278247D1}"/>
-              </a:ext>
-            </a:extLst>
-          </p:cNvPr>
-          <p:cNvPicPr>
-            <a:picLocks noChangeAspect="1"/>
-          </p:cNvPicPr>
-          <p:nvPr/>
-        </p:nvPicPr>
-        <p:blipFill>
-          <a:blip r:embed="rId5"/>
-          <a:stretch>
-            <a:fillRect/>
-          </a:stretch>
-        </p:blipFill>
-        <p:spPr>
-          <a:xfrm>
-            <a:off x="1414938" y="3381003"/>
-            <a:ext cx="2699840" cy="3099816"/>
-          </a:xfrm>
-          <a:prstGeom prst="rect">
-            <a:avLst/>
-          </a:prstGeom>
-        </p:spPr>
-      </p:pic>
-      <p:pic>
-        <p:nvPicPr>
-          <p:cNvPr id="14" name="Picture 13">
-            <a:extLst>
-              <a:ext uri="{FF2B5EF4-FFF2-40B4-BE49-F238E27FC236}">
-                <a16:creationId xmlns:a16="http://schemas.microsoft.com/office/drawing/2014/main" id="{94B39139-2183-4848-B4CD-F20E7601E30E}"/>
-              </a:ext>
-            </a:extLst>
-          </p:cNvPr>
-          <p:cNvPicPr>
-            <a:picLocks noChangeAspect="1"/>
-          </p:cNvPicPr>
-          <p:nvPr/>
-        </p:nvPicPr>
-        <p:blipFill>
-          <a:blip r:embed="rId6"/>
-          <a:stretch>
-            <a:fillRect/>
-          </a:stretch>
-        </p:blipFill>
-        <p:spPr>
-          <a:xfrm>
-            <a:off x="1414938" y="375065"/>
-            <a:ext cx="2699840" cy="3099816"/>
-          </a:xfrm>
-          <a:prstGeom prst="rect">
-            <a:avLst/>
-          </a:prstGeom>
-        </p:spPr>
-      </p:pic>
-      <p:sp>
-        <p:nvSpPr>
-          <p:cNvPr id="18" name="TextBox 17">
-            <a:extLst>
-              <a:ext uri="{FF2B5EF4-FFF2-40B4-BE49-F238E27FC236}">
-                <a16:creationId xmlns:a16="http://schemas.microsoft.com/office/drawing/2014/main" id="{46BBEC22-8FD3-4646-AE1A-C6C1C5D5E1E6}"/>
-              </a:ext>
-            </a:extLst>
-          </p:cNvPr>
-          <p:cNvSpPr txBox="1"/>
-          <p:nvPr/>
-        </p:nvSpPr>
-        <p:spPr>
-          <a:xfrm>
-            <a:off x="3950616" y="-9595"/>
-            <a:ext cx="578784" cy="338554"/>
-          </a:xfrm>
-          <a:prstGeom prst="rect">
-            <a:avLst/>
-          </a:prstGeom>
-          <a:noFill/>
-        </p:spPr>
-        <p:txBody>
-          <a:bodyPr wrap="square" rtlCol="0">
-            <a:spAutoFit/>
-          </a:bodyPr>
-          <a:lstStyle/>
-          <a:p>
-            <a:pPr algn="ctr"/>
-            <a:r>
-              <a:rPr lang="en-US" sz="1600" b="1" dirty="0">
-                <a:latin typeface="Helvetica Neue" panose="02000503000000020004" pitchFamily="2" charset="0"/>
-                <a:ea typeface="Helvetica Neue" panose="02000503000000020004" pitchFamily="2" charset="0"/>
-                <a:cs typeface="Helvetica Neue" panose="02000503000000020004" pitchFamily="2" charset="0"/>
-              </a:rPr>
-              <a:t>b</a:t>
-            </a:r>
-          </a:p>
-        </p:txBody>
-      </p:sp>
-      <p:sp>
-        <p:nvSpPr>
-          <p:cNvPr id="16" name="TextBox 15">
-            <a:extLst>
-              <a:ext uri="{FF2B5EF4-FFF2-40B4-BE49-F238E27FC236}">
-                <a16:creationId xmlns:a16="http://schemas.microsoft.com/office/drawing/2014/main" id="{0B8EA217-6F2C-0943-8D48-F70EC12EC200}"/>
-              </a:ext>
-            </a:extLst>
-          </p:cNvPr>
-          <p:cNvSpPr txBox="1"/>
-          <p:nvPr/>
-        </p:nvSpPr>
-        <p:spPr>
-          <a:xfrm>
-            <a:off x="1577488" y="-9596"/>
-            <a:ext cx="578784" cy="338554"/>
-          </a:xfrm>
-          <a:prstGeom prst="rect">
-            <a:avLst/>
-          </a:prstGeom>
-          <a:noFill/>
-        </p:spPr>
-        <p:txBody>
-          <a:bodyPr wrap="square" rtlCol="0">
-            <a:spAutoFit/>
-          </a:bodyPr>
-          <a:lstStyle/>
-          <a:p>
-            <a:pPr algn="ctr"/>
-            <a:r>
-              <a:rPr lang="en-US" sz="1600" b="1" dirty="0">
-                <a:latin typeface="Helvetica Neue" panose="02000503000000020004" pitchFamily="2" charset="0"/>
-                <a:ea typeface="Helvetica Neue" panose="02000503000000020004" pitchFamily="2" charset="0"/>
-                <a:cs typeface="Helvetica Neue" panose="02000503000000020004" pitchFamily="2" charset="0"/>
-              </a:rPr>
-              <a:t>a</a:t>
-            </a:r>
-          </a:p>
-        </p:txBody>
-      </p:sp>
-      <p:sp>
-        <p:nvSpPr>
-          <p:cNvPr id="20" name="TextBox 19">
-            <a:extLst>
-              <a:ext uri="{FF2B5EF4-FFF2-40B4-BE49-F238E27FC236}">
-                <a16:creationId xmlns:a16="http://schemas.microsoft.com/office/drawing/2014/main" id="{E8C86BD2-9FE9-8C4D-A835-2EAAEE829653}"/>
-              </a:ext>
-            </a:extLst>
-          </p:cNvPr>
-          <p:cNvSpPr txBox="1"/>
-          <p:nvPr/>
-        </p:nvSpPr>
-        <p:spPr>
-          <a:xfrm>
-            <a:off x="1579100" y="3074771"/>
-            <a:ext cx="578784" cy="338554"/>
-          </a:xfrm>
-          <a:prstGeom prst="rect">
-            <a:avLst/>
-          </a:prstGeom>
-          <a:noFill/>
-        </p:spPr>
-        <p:txBody>
-          <a:bodyPr wrap="square" rtlCol="0">
-            <a:spAutoFit/>
-          </a:bodyPr>
-          <a:lstStyle/>
-          <a:p>
-            <a:pPr algn="ctr"/>
-            <a:r>
-              <a:rPr lang="en-US" sz="1600" b="1" dirty="0">
-                <a:latin typeface="Helvetica Neue" panose="02000503000000020004" pitchFamily="2" charset="0"/>
-                <a:ea typeface="Helvetica Neue" panose="02000503000000020004" pitchFamily="2" charset="0"/>
-                <a:cs typeface="Helvetica Neue" panose="02000503000000020004" pitchFamily="2" charset="0"/>
-              </a:rPr>
-              <a:t>c</a:t>
-            </a:r>
-          </a:p>
-        </p:txBody>
-      </p:sp>
-      <p:sp>
-        <p:nvSpPr>
-          <p:cNvPr id="22" name="TextBox 21">
-            <a:extLst>
-              <a:ext uri="{FF2B5EF4-FFF2-40B4-BE49-F238E27FC236}">
-                <a16:creationId xmlns:a16="http://schemas.microsoft.com/office/drawing/2014/main" id="{9CC8A2EA-F668-DD43-A074-9F1F726F28A7}"/>
-              </a:ext>
-            </a:extLst>
-          </p:cNvPr>
-          <p:cNvSpPr txBox="1"/>
-          <p:nvPr/>
-        </p:nvSpPr>
-        <p:spPr>
-          <a:xfrm>
-            <a:off x="3950616" y="3079474"/>
-            <a:ext cx="578784" cy="338554"/>
-          </a:xfrm>
-          <a:prstGeom prst="rect">
-            <a:avLst/>
-          </a:prstGeom>
-          <a:noFill/>
-        </p:spPr>
-        <p:txBody>
-          <a:bodyPr wrap="square" rtlCol="0">
-            <a:spAutoFit/>
-          </a:bodyPr>
-          <a:lstStyle/>
-          <a:p>
-            <a:pPr algn="ctr"/>
-            <a:r>
-              <a:rPr lang="en-US" sz="1600" b="1" dirty="0">
-                <a:latin typeface="Helvetica Neue" panose="02000503000000020004" pitchFamily="2" charset="0"/>
-                <a:ea typeface="Helvetica Neue" panose="02000503000000020004" pitchFamily="2" charset="0"/>
-                <a:cs typeface="Helvetica Neue" panose="02000503000000020004" pitchFamily="2" charset="0"/>
-              </a:rPr>
-              <a:t>d</a:t>
-            </a:r>
-          </a:p>
-        </p:txBody>
-      </p:sp>
-    </p:spTree>
-    <p:extLst>
-      <p:ext uri="{BB962C8B-B14F-4D97-AF65-F5344CB8AC3E}">
-        <p14:creationId xmlns:p14="http://schemas.microsoft.com/office/powerpoint/2010/main" val="402229581"/>
       </p:ext>
     </p:extLst>
   </p:cSld>

--- a/slides/figures_191206.pptx
+++ b/slides/figures_191206.pptx
@@ -5,7 +5,7 @@
     <p:sldMasterId id="2147483684" r:id="rId1"/>
   </p:sldMasterIdLst>
   <p:notesMasterIdLst>
-    <p:notesMasterId r:id="rId15"/>
+    <p:notesMasterId r:id="rId17"/>
   </p:notesMasterIdLst>
   <p:sldIdLst>
     <p:sldId id="256" r:id="rId2"/>
@@ -13,14 +13,16 @@
     <p:sldId id="261" r:id="rId4"/>
     <p:sldId id="262" r:id="rId5"/>
     <p:sldId id="263" r:id="rId6"/>
-    <p:sldId id="264" r:id="rId7"/>
-    <p:sldId id="268" r:id="rId8"/>
-    <p:sldId id="258" r:id="rId9"/>
+    <p:sldId id="268" r:id="rId7"/>
+    <p:sldId id="258" r:id="rId8"/>
+    <p:sldId id="264" r:id="rId9"/>
     <p:sldId id="259" r:id="rId10"/>
     <p:sldId id="260" r:id="rId11"/>
-    <p:sldId id="265" r:id="rId12"/>
-    <p:sldId id="266" r:id="rId13"/>
-    <p:sldId id="267" r:id="rId14"/>
+    <p:sldId id="269" r:id="rId12"/>
+    <p:sldId id="270" r:id="rId13"/>
+    <p:sldId id="265" r:id="rId14"/>
+    <p:sldId id="266" r:id="rId15"/>
+    <p:sldId id="267" r:id="rId16"/>
   </p:sldIdLst>
   <p:sldSz cx="7918450" cy="6483350"/>
   <p:notesSz cx="6858000" cy="9144000"/>
@@ -209,7 +211,7 @@
           <a:p>
             <a:fld id="{5E7D9203-8D15-1F45-AFEF-29CE894B8122}" type="datetimeFigureOut">
               <a:rPr lang="en-US" smtClean="0"/>
-              <a:t>1/22/20</a:t>
+              <a:t>1/23/20</a:t>
             </a:fld>
             <a:endParaRPr lang="en-US"/>
           </a:p>
@@ -711,7 +713,7 @@
           <a:p>
             <a:r>
               <a:rPr lang="en-US" dirty="0"/>
-              <a:t>12/06/19 Fig. S4</a:t>
+              <a:t>1/23/20 Fig. S4</a:t>
             </a:r>
           </a:p>
         </p:txBody>
@@ -742,7 +744,7 @@
     </p:spTree>
     <p:extLst>
       <p:ext uri="{BB962C8B-B14F-4D97-AF65-F5344CB8AC3E}">
-        <p14:creationId xmlns:p14="http://schemas.microsoft.com/office/powerpoint/2010/main" val="4193511516"/>
+        <p14:creationId xmlns:p14="http://schemas.microsoft.com/office/powerpoint/2010/main" val="733968849"/>
       </p:ext>
     </p:extLst>
   </p:cSld>
@@ -801,7 +803,10 @@
           <a:bodyPr/>
           <a:lstStyle/>
           <a:p>
-            <a:endParaRPr lang="en-US" dirty="0"/>
+            <a:r>
+              <a:rPr lang="en-US" dirty="0"/>
+              <a:t>1/23/20 Fig. S5</a:t>
+            </a:r>
           </a:p>
         </p:txBody>
       </p:sp>
@@ -831,7 +836,7 @@
     </p:spTree>
     <p:extLst>
       <p:ext uri="{BB962C8B-B14F-4D97-AF65-F5344CB8AC3E}">
-        <p14:creationId xmlns:p14="http://schemas.microsoft.com/office/powerpoint/2010/main" val="4283938702"/>
+        <p14:creationId xmlns:p14="http://schemas.microsoft.com/office/powerpoint/2010/main" val="753180207"/>
       </p:ext>
     </p:extLst>
   </p:cSld>
@@ -890,7 +895,10 @@
           <a:bodyPr/>
           <a:lstStyle/>
           <a:p>
-            <a:endParaRPr lang="en-US" dirty="0"/>
+            <a:r>
+              <a:rPr lang="en-US" dirty="0"/>
+              <a:t>12/06/19 Fig. 5</a:t>
+            </a:r>
           </a:p>
         </p:txBody>
       </p:sp>
@@ -912,6 +920,184 @@
             <a:fld id="{A697AF77-229E-5D4A-87D0-A949D969F47C}" type="slidenum">
               <a:rPr lang="en-US" smtClean="0"/>
               <a:t>13</a:t>
+            </a:fld>
+            <a:endParaRPr lang="en-US"/>
+          </a:p>
+        </p:txBody>
+      </p:sp>
+    </p:spTree>
+    <p:extLst>
+      <p:ext uri="{BB962C8B-B14F-4D97-AF65-F5344CB8AC3E}">
+        <p14:creationId xmlns:p14="http://schemas.microsoft.com/office/powerpoint/2010/main" val="4193511516"/>
+      </p:ext>
+    </p:extLst>
+  </p:cSld>
+  <p:clrMapOvr>
+    <a:masterClrMapping/>
+  </p:clrMapOvr>
+</p:notes>
+</file>
+
+<file path=ppt/notesSlides/notesSlide14.xml><?xml version="1.0" encoding="utf-8"?>
+<p:notes xmlns:a="http://schemas.openxmlformats.org/drawingml/2006/main" xmlns:r="http://schemas.openxmlformats.org/officeDocument/2006/relationships" xmlns:p="http://schemas.openxmlformats.org/presentationml/2006/main">
+  <p:cSld>
+    <p:spTree>
+      <p:nvGrpSpPr>
+        <p:cNvPr id="1" name=""/>
+        <p:cNvGrpSpPr/>
+        <p:nvPr/>
+      </p:nvGrpSpPr>
+      <p:grpSpPr>
+        <a:xfrm>
+          <a:off x="0" y="0"/>
+          <a:ext cx="0" cy="0"/>
+          <a:chOff x="0" y="0"/>
+          <a:chExt cx="0" cy="0"/>
+        </a:xfrm>
+      </p:grpSpPr>
+      <p:sp>
+        <p:nvSpPr>
+          <p:cNvPr id="2" name="Slide Image Placeholder 1"/>
+          <p:cNvSpPr>
+            <a:spLocks noGrp="1" noRot="1" noChangeAspect="1"/>
+          </p:cNvSpPr>
+          <p:nvPr>
+            <p:ph type="sldImg"/>
+          </p:nvPr>
+        </p:nvSpPr>
+        <p:spPr>
+          <a:xfrm>
+            <a:off x="1544638" y="1143000"/>
+            <a:ext cx="3768725" cy="3086100"/>
+          </a:xfrm>
+        </p:spPr>
+      </p:sp>
+      <p:sp>
+        <p:nvSpPr>
+          <p:cNvPr id="3" name="Notes Placeholder 2"/>
+          <p:cNvSpPr>
+            <a:spLocks noGrp="1"/>
+          </p:cNvSpPr>
+          <p:nvPr>
+            <p:ph type="body" idx="1"/>
+          </p:nvPr>
+        </p:nvSpPr>
+        <p:spPr/>
+        <p:txBody>
+          <a:bodyPr/>
+          <a:lstStyle/>
+          <a:p>
+            <a:endParaRPr lang="en-US" dirty="0"/>
+          </a:p>
+        </p:txBody>
+      </p:sp>
+      <p:sp>
+        <p:nvSpPr>
+          <p:cNvPr id="4" name="Slide Number Placeholder 3"/>
+          <p:cNvSpPr>
+            <a:spLocks noGrp="1"/>
+          </p:cNvSpPr>
+          <p:nvPr>
+            <p:ph type="sldNum" sz="quarter" idx="5"/>
+          </p:nvPr>
+        </p:nvSpPr>
+        <p:spPr/>
+        <p:txBody>
+          <a:bodyPr/>
+          <a:lstStyle/>
+          <a:p>
+            <a:fld id="{A697AF77-229E-5D4A-87D0-A949D969F47C}" type="slidenum">
+              <a:rPr lang="en-US" smtClean="0"/>
+              <a:t>14</a:t>
+            </a:fld>
+            <a:endParaRPr lang="en-US"/>
+          </a:p>
+        </p:txBody>
+      </p:sp>
+    </p:spTree>
+    <p:extLst>
+      <p:ext uri="{BB962C8B-B14F-4D97-AF65-F5344CB8AC3E}">
+        <p14:creationId xmlns:p14="http://schemas.microsoft.com/office/powerpoint/2010/main" val="4283938702"/>
+      </p:ext>
+    </p:extLst>
+  </p:cSld>
+  <p:clrMapOvr>
+    <a:masterClrMapping/>
+  </p:clrMapOvr>
+</p:notes>
+</file>
+
+<file path=ppt/notesSlides/notesSlide15.xml><?xml version="1.0" encoding="utf-8"?>
+<p:notes xmlns:a="http://schemas.openxmlformats.org/drawingml/2006/main" xmlns:r="http://schemas.openxmlformats.org/officeDocument/2006/relationships" xmlns:p="http://schemas.openxmlformats.org/presentationml/2006/main">
+  <p:cSld>
+    <p:spTree>
+      <p:nvGrpSpPr>
+        <p:cNvPr id="1" name=""/>
+        <p:cNvGrpSpPr/>
+        <p:nvPr/>
+      </p:nvGrpSpPr>
+      <p:grpSpPr>
+        <a:xfrm>
+          <a:off x="0" y="0"/>
+          <a:ext cx="0" cy="0"/>
+          <a:chOff x="0" y="0"/>
+          <a:chExt cx="0" cy="0"/>
+        </a:xfrm>
+      </p:grpSpPr>
+      <p:sp>
+        <p:nvSpPr>
+          <p:cNvPr id="2" name="Slide Image Placeholder 1"/>
+          <p:cNvSpPr>
+            <a:spLocks noGrp="1" noRot="1" noChangeAspect="1"/>
+          </p:cNvSpPr>
+          <p:nvPr>
+            <p:ph type="sldImg"/>
+          </p:nvPr>
+        </p:nvSpPr>
+        <p:spPr>
+          <a:xfrm>
+            <a:off x="1544638" y="1143000"/>
+            <a:ext cx="3768725" cy="3086100"/>
+          </a:xfrm>
+        </p:spPr>
+      </p:sp>
+      <p:sp>
+        <p:nvSpPr>
+          <p:cNvPr id="3" name="Notes Placeholder 2"/>
+          <p:cNvSpPr>
+            <a:spLocks noGrp="1"/>
+          </p:cNvSpPr>
+          <p:nvPr>
+            <p:ph type="body" idx="1"/>
+          </p:nvPr>
+        </p:nvSpPr>
+        <p:spPr/>
+        <p:txBody>
+          <a:bodyPr/>
+          <a:lstStyle/>
+          <a:p>
+            <a:endParaRPr lang="en-US" dirty="0"/>
+          </a:p>
+        </p:txBody>
+      </p:sp>
+      <p:sp>
+        <p:nvSpPr>
+          <p:cNvPr id="4" name="Slide Number Placeholder 3"/>
+          <p:cNvSpPr>
+            <a:spLocks noGrp="1"/>
+          </p:cNvSpPr>
+          <p:nvPr>
+            <p:ph type="sldNum" sz="quarter" idx="5"/>
+          </p:nvPr>
+        </p:nvSpPr>
+        <p:spPr/>
+        <p:txBody>
+          <a:bodyPr/>
+          <a:lstStyle/>
+          <a:p>
+            <a:fld id="{A697AF77-229E-5D4A-87D0-A949D969F47C}" type="slidenum">
+              <a:rPr lang="en-US" smtClean="0"/>
+              <a:t>15</a:t>
             </a:fld>
             <a:endParaRPr lang="en-US"/>
           </a:p>
@@ -1349,7 +1535,7 @@
           <a:p>
             <a:r>
               <a:rPr lang="en-US" dirty="0"/>
-              <a:t>1/22/20 Fig. 4, updated with new panels</a:t>
+              <a:t>12/06/19 Fig. 4, v5</a:t>
             </a:r>
           </a:p>
         </p:txBody>
@@ -1380,7 +1566,7 @@
     </p:spTree>
     <p:extLst>
       <p:ext uri="{BB962C8B-B14F-4D97-AF65-F5344CB8AC3E}">
-        <p14:creationId xmlns:p14="http://schemas.microsoft.com/office/powerpoint/2010/main" val="1402908968"/>
+        <p14:creationId xmlns:p14="http://schemas.microsoft.com/office/powerpoint/2010/main" val="3371388017"/>
       </p:ext>
     </p:extLst>
   </p:cSld>
@@ -1441,7 +1627,7 @@
           <a:p>
             <a:r>
               <a:rPr lang="en-US" dirty="0"/>
-              <a:t>12/06/19 Fig. 4, v5</a:t>
+              <a:t>12/06/19 Fig. 5</a:t>
             </a:r>
           </a:p>
         </p:txBody>
@@ -1472,7 +1658,7 @@
     </p:spTree>
     <p:extLst>
       <p:ext uri="{BB962C8B-B14F-4D97-AF65-F5344CB8AC3E}">
-        <p14:creationId xmlns:p14="http://schemas.microsoft.com/office/powerpoint/2010/main" val="3371388017"/>
+        <p14:creationId xmlns:p14="http://schemas.microsoft.com/office/powerpoint/2010/main" val="1495634260"/>
       </p:ext>
     </p:extLst>
   </p:cSld>
@@ -1533,7 +1719,7 @@
           <a:p>
             <a:r>
               <a:rPr lang="en-US" dirty="0"/>
-              <a:t>12/06/19 Fig. 5</a:t>
+              <a:t>1/22/20 Fig. 4, updated with new panels</a:t>
             </a:r>
           </a:p>
         </p:txBody>
@@ -1564,7 +1750,7 @@
     </p:spTree>
     <p:extLst>
       <p:ext uri="{BB962C8B-B14F-4D97-AF65-F5344CB8AC3E}">
-        <p14:creationId xmlns:p14="http://schemas.microsoft.com/office/powerpoint/2010/main" val="1495634260"/>
+        <p14:creationId xmlns:p14="http://schemas.microsoft.com/office/powerpoint/2010/main" val="1402908968"/>
       </p:ext>
     </p:extLst>
   </p:cSld>
@@ -1797,7 +1983,7 @@
           <a:p>
             <a:fld id="{AAC8E564-4E2A-8441-940F-9FCAA67208AC}" type="datetimeFigureOut">
               <a:rPr lang="en-US" smtClean="0"/>
-              <a:t>1/22/20</a:t>
+              <a:t>1/23/20</a:t>
             </a:fld>
             <a:endParaRPr lang="en-US"/>
           </a:p>
@@ -1967,7 +2153,7 @@
           <a:p>
             <a:fld id="{AAC8E564-4E2A-8441-940F-9FCAA67208AC}" type="datetimeFigureOut">
               <a:rPr lang="en-US" smtClean="0"/>
-              <a:t>1/22/20</a:t>
+              <a:t>1/23/20</a:t>
             </a:fld>
             <a:endParaRPr lang="en-US"/>
           </a:p>
@@ -2147,7 +2333,7 @@
           <a:p>
             <a:fld id="{AAC8E564-4E2A-8441-940F-9FCAA67208AC}" type="datetimeFigureOut">
               <a:rPr lang="en-US" smtClean="0"/>
-              <a:t>1/22/20</a:t>
+              <a:t>1/23/20</a:t>
             </a:fld>
             <a:endParaRPr lang="en-US"/>
           </a:p>
@@ -2317,7 +2503,7 @@
           <a:p>
             <a:fld id="{AAC8E564-4E2A-8441-940F-9FCAA67208AC}" type="datetimeFigureOut">
               <a:rPr lang="en-US" smtClean="0"/>
-              <a:t>1/22/20</a:t>
+              <a:t>1/23/20</a:t>
             </a:fld>
             <a:endParaRPr lang="en-US"/>
           </a:p>
@@ -2561,7 +2747,7 @@
           <a:p>
             <a:fld id="{AAC8E564-4E2A-8441-940F-9FCAA67208AC}" type="datetimeFigureOut">
               <a:rPr lang="en-US" smtClean="0"/>
-              <a:t>1/22/20</a:t>
+              <a:t>1/23/20</a:t>
             </a:fld>
             <a:endParaRPr lang="en-US"/>
           </a:p>
@@ -2793,7 +2979,7 @@
           <a:p>
             <a:fld id="{AAC8E564-4E2A-8441-940F-9FCAA67208AC}" type="datetimeFigureOut">
               <a:rPr lang="en-US" smtClean="0"/>
-              <a:t>1/22/20</a:t>
+              <a:t>1/23/20</a:t>
             </a:fld>
             <a:endParaRPr lang="en-US"/>
           </a:p>
@@ -3160,7 +3346,7 @@
           <a:p>
             <a:fld id="{AAC8E564-4E2A-8441-940F-9FCAA67208AC}" type="datetimeFigureOut">
               <a:rPr lang="en-US" smtClean="0"/>
-              <a:t>1/22/20</a:t>
+              <a:t>1/23/20</a:t>
             </a:fld>
             <a:endParaRPr lang="en-US"/>
           </a:p>
@@ -3278,7 +3464,7 @@
           <a:p>
             <a:fld id="{AAC8E564-4E2A-8441-940F-9FCAA67208AC}" type="datetimeFigureOut">
               <a:rPr lang="en-US" smtClean="0"/>
-              <a:t>1/22/20</a:t>
+              <a:t>1/23/20</a:t>
             </a:fld>
             <a:endParaRPr lang="en-US"/>
           </a:p>
@@ -3373,7 +3559,7 @@
           <a:p>
             <a:fld id="{AAC8E564-4E2A-8441-940F-9FCAA67208AC}" type="datetimeFigureOut">
               <a:rPr lang="en-US" smtClean="0"/>
-              <a:t>1/22/20</a:t>
+              <a:t>1/23/20</a:t>
             </a:fld>
             <a:endParaRPr lang="en-US"/>
           </a:p>
@@ -3650,7 +3836,7 @@
           <a:p>
             <a:fld id="{AAC8E564-4E2A-8441-940F-9FCAA67208AC}" type="datetimeFigureOut">
               <a:rPr lang="en-US" smtClean="0"/>
-              <a:t>1/22/20</a:t>
+              <a:t>1/23/20</a:t>
             </a:fld>
             <a:endParaRPr lang="en-US"/>
           </a:p>
@@ -3907,7 +4093,7 @@
           <a:p>
             <a:fld id="{AAC8E564-4E2A-8441-940F-9FCAA67208AC}" type="datetimeFigureOut">
               <a:rPr lang="en-US" smtClean="0"/>
-              <a:t>1/22/20</a:t>
+              <a:t>1/23/20</a:t>
             </a:fld>
             <a:endParaRPr lang="en-US"/>
           </a:p>
@@ -4120,7 +4306,7 @@
           <a:p>
             <a:fld id="{AAC8E564-4E2A-8441-940F-9FCAA67208AC}" type="datetimeFigureOut">
               <a:rPr lang="en-US" smtClean="0"/>
-              <a:t>1/22/20</a:t>
+              <a:t>1/23/20</a:t>
             </a:fld>
             <a:endParaRPr lang="en-US"/>
           </a:p>
@@ -4749,7 +4935,7 @@
 </file>
 
 <file path=ppt/slides/slide10.xml><?xml version="1.0" encoding="utf-8"?>
-<p:sld xmlns:a="http://schemas.openxmlformats.org/drawingml/2006/main" xmlns:r="http://schemas.openxmlformats.org/officeDocument/2006/relationships" xmlns:p="http://schemas.openxmlformats.org/presentationml/2006/main">
+<p:sld xmlns:a="http://schemas.openxmlformats.org/drawingml/2006/main" xmlns:r="http://schemas.openxmlformats.org/officeDocument/2006/relationships" xmlns:p="http://schemas.openxmlformats.org/presentationml/2006/main" show="0">
   <p:cSld>
     <p:spTree>
       <p:nvGrpSpPr>
@@ -5059,6 +5245,626 @@
 </file>
 
 <file path=ppt/slides/slide11.xml><?xml version="1.0" encoding="utf-8"?>
+<p:sld xmlns:a="http://schemas.openxmlformats.org/drawingml/2006/main" xmlns:r="http://schemas.openxmlformats.org/officeDocument/2006/relationships" xmlns:p="http://schemas.openxmlformats.org/presentationml/2006/main">
+  <p:cSld>
+    <p:spTree>
+      <p:nvGrpSpPr>
+        <p:cNvPr id="1" name=""/>
+        <p:cNvGrpSpPr/>
+        <p:nvPr/>
+      </p:nvGrpSpPr>
+      <p:grpSpPr>
+        <a:xfrm>
+          <a:off x="0" y="0"/>
+          <a:ext cx="0" cy="0"/>
+          <a:chOff x="0" y="0"/>
+          <a:chExt cx="0" cy="0"/>
+        </a:xfrm>
+      </p:grpSpPr>
+      <p:pic>
+        <p:nvPicPr>
+          <p:cNvPr id="3" name="Picture 2">
+            <a:extLst>
+              <a:ext uri="{FF2B5EF4-FFF2-40B4-BE49-F238E27FC236}">
+                <a16:creationId xmlns:a16="http://schemas.microsoft.com/office/drawing/2014/main" id="{1D34154F-0242-1E4D-9474-974BBA7B35F1}"/>
+              </a:ext>
+            </a:extLst>
+          </p:cNvPr>
+          <p:cNvPicPr>
+            <a:picLocks noChangeAspect="1"/>
+          </p:cNvPicPr>
+          <p:nvPr/>
+        </p:nvPicPr>
+        <p:blipFill>
+          <a:blip r:embed="rId3"/>
+          <a:stretch>
+            <a:fillRect/>
+          </a:stretch>
+        </p:blipFill>
+        <p:spPr>
+          <a:xfrm>
+            <a:off x="3803904" y="3383280"/>
+            <a:ext cx="2697480" cy="3097107"/>
+          </a:xfrm>
+          <a:prstGeom prst="rect">
+            <a:avLst/>
+          </a:prstGeom>
+        </p:spPr>
+      </p:pic>
+      <p:pic>
+        <p:nvPicPr>
+          <p:cNvPr id="8" name="Picture 7">
+            <a:extLst>
+              <a:ext uri="{FF2B5EF4-FFF2-40B4-BE49-F238E27FC236}">
+                <a16:creationId xmlns:a16="http://schemas.microsoft.com/office/drawing/2014/main" id="{691E08D1-B0AF-D94A-94B0-FAD75BF79AFC}"/>
+              </a:ext>
+            </a:extLst>
+          </p:cNvPr>
+          <p:cNvPicPr>
+            <a:picLocks noChangeAspect="1"/>
+          </p:cNvPicPr>
+          <p:nvPr/>
+        </p:nvPicPr>
+        <p:blipFill>
+          <a:blip r:embed="rId4"/>
+          <a:stretch>
+            <a:fillRect/>
+          </a:stretch>
+        </p:blipFill>
+        <p:spPr>
+          <a:xfrm>
+            <a:off x="3803904" y="200093"/>
+            <a:ext cx="2697480" cy="3097107"/>
+          </a:xfrm>
+          <a:prstGeom prst="rect">
+            <a:avLst/>
+          </a:prstGeom>
+        </p:spPr>
+      </p:pic>
+      <p:pic>
+        <p:nvPicPr>
+          <p:cNvPr id="11" name="Picture 10">
+            <a:extLst>
+              <a:ext uri="{FF2B5EF4-FFF2-40B4-BE49-F238E27FC236}">
+                <a16:creationId xmlns:a16="http://schemas.microsoft.com/office/drawing/2014/main" id="{71496AD5-497A-064C-B7DA-8CBCCCE889EB}"/>
+              </a:ext>
+            </a:extLst>
+          </p:cNvPr>
+          <p:cNvPicPr>
+            <a:picLocks noChangeAspect="1"/>
+          </p:cNvPicPr>
+          <p:nvPr/>
+        </p:nvPicPr>
+        <p:blipFill>
+          <a:blip r:embed="rId5"/>
+          <a:stretch>
+            <a:fillRect/>
+          </a:stretch>
+        </p:blipFill>
+        <p:spPr>
+          <a:xfrm>
+            <a:off x="1417320" y="200093"/>
+            <a:ext cx="2697480" cy="3097107"/>
+          </a:xfrm>
+          <a:prstGeom prst="rect">
+            <a:avLst/>
+          </a:prstGeom>
+        </p:spPr>
+      </p:pic>
+      <p:pic>
+        <p:nvPicPr>
+          <p:cNvPr id="5" name="Picture 4">
+            <a:extLst>
+              <a:ext uri="{FF2B5EF4-FFF2-40B4-BE49-F238E27FC236}">
+                <a16:creationId xmlns:a16="http://schemas.microsoft.com/office/drawing/2014/main" id="{4DB9EA3A-BE12-064C-A02D-AC63604BB86E}"/>
+              </a:ext>
+            </a:extLst>
+          </p:cNvPr>
+          <p:cNvPicPr>
+            <a:picLocks noChangeAspect="1"/>
+          </p:cNvPicPr>
+          <p:nvPr/>
+        </p:nvPicPr>
+        <p:blipFill>
+          <a:blip r:embed="rId6"/>
+          <a:stretch>
+            <a:fillRect/>
+          </a:stretch>
+        </p:blipFill>
+        <p:spPr>
+          <a:xfrm>
+            <a:off x="1417320" y="3383280"/>
+            <a:ext cx="2697480" cy="3097107"/>
+          </a:xfrm>
+          <a:prstGeom prst="rect">
+            <a:avLst/>
+          </a:prstGeom>
+        </p:spPr>
+      </p:pic>
+      <p:sp>
+        <p:nvSpPr>
+          <p:cNvPr id="18" name="TextBox 17">
+            <a:extLst>
+              <a:ext uri="{FF2B5EF4-FFF2-40B4-BE49-F238E27FC236}">
+                <a16:creationId xmlns:a16="http://schemas.microsoft.com/office/drawing/2014/main" id="{46BBEC22-8FD3-4646-AE1A-C6C1C5D5E1E6}"/>
+              </a:ext>
+            </a:extLst>
+          </p:cNvPr>
+          <p:cNvSpPr txBox="1"/>
+          <p:nvPr/>
+        </p:nvSpPr>
+        <p:spPr>
+          <a:xfrm>
+            <a:off x="3950616" y="-9595"/>
+            <a:ext cx="578784" cy="338554"/>
+          </a:xfrm>
+          <a:prstGeom prst="rect">
+            <a:avLst/>
+          </a:prstGeom>
+          <a:noFill/>
+        </p:spPr>
+        <p:txBody>
+          <a:bodyPr wrap="square" rtlCol="0">
+            <a:spAutoFit/>
+          </a:bodyPr>
+          <a:lstStyle/>
+          <a:p>
+            <a:pPr algn="ctr"/>
+            <a:r>
+              <a:rPr lang="en-US" sz="1600" b="1" dirty="0">
+                <a:latin typeface="Helvetica Neue" panose="02000503000000020004" pitchFamily="2" charset="0"/>
+                <a:ea typeface="Helvetica Neue" panose="02000503000000020004" pitchFamily="2" charset="0"/>
+                <a:cs typeface="Helvetica Neue" panose="02000503000000020004" pitchFamily="2" charset="0"/>
+              </a:rPr>
+              <a:t>b</a:t>
+            </a:r>
+          </a:p>
+        </p:txBody>
+      </p:sp>
+      <p:sp>
+        <p:nvSpPr>
+          <p:cNvPr id="16" name="TextBox 15">
+            <a:extLst>
+              <a:ext uri="{FF2B5EF4-FFF2-40B4-BE49-F238E27FC236}">
+                <a16:creationId xmlns:a16="http://schemas.microsoft.com/office/drawing/2014/main" id="{0B8EA217-6F2C-0943-8D48-F70EC12EC200}"/>
+              </a:ext>
+            </a:extLst>
+          </p:cNvPr>
+          <p:cNvSpPr txBox="1"/>
+          <p:nvPr/>
+        </p:nvSpPr>
+        <p:spPr>
+          <a:xfrm>
+            <a:off x="1577488" y="-9596"/>
+            <a:ext cx="578784" cy="338554"/>
+          </a:xfrm>
+          <a:prstGeom prst="rect">
+            <a:avLst/>
+          </a:prstGeom>
+          <a:noFill/>
+        </p:spPr>
+        <p:txBody>
+          <a:bodyPr wrap="square" rtlCol="0">
+            <a:spAutoFit/>
+          </a:bodyPr>
+          <a:lstStyle/>
+          <a:p>
+            <a:pPr algn="ctr"/>
+            <a:r>
+              <a:rPr lang="en-US" sz="1600" b="1" dirty="0">
+                <a:latin typeface="Helvetica Neue" panose="02000503000000020004" pitchFamily="2" charset="0"/>
+                <a:ea typeface="Helvetica Neue" panose="02000503000000020004" pitchFamily="2" charset="0"/>
+                <a:cs typeface="Helvetica Neue" panose="02000503000000020004" pitchFamily="2" charset="0"/>
+              </a:rPr>
+              <a:t>a</a:t>
+            </a:r>
+          </a:p>
+        </p:txBody>
+      </p:sp>
+      <p:sp>
+        <p:nvSpPr>
+          <p:cNvPr id="20" name="TextBox 19">
+            <a:extLst>
+              <a:ext uri="{FF2B5EF4-FFF2-40B4-BE49-F238E27FC236}">
+                <a16:creationId xmlns:a16="http://schemas.microsoft.com/office/drawing/2014/main" id="{E8C86BD2-9FE9-8C4D-A835-2EAAEE829653}"/>
+              </a:ext>
+            </a:extLst>
+          </p:cNvPr>
+          <p:cNvSpPr txBox="1"/>
+          <p:nvPr/>
+        </p:nvSpPr>
+        <p:spPr>
+          <a:xfrm>
+            <a:off x="1579100" y="3182347"/>
+            <a:ext cx="578784" cy="338554"/>
+          </a:xfrm>
+          <a:prstGeom prst="rect">
+            <a:avLst/>
+          </a:prstGeom>
+          <a:noFill/>
+        </p:spPr>
+        <p:txBody>
+          <a:bodyPr wrap="square" rtlCol="0">
+            <a:spAutoFit/>
+          </a:bodyPr>
+          <a:lstStyle/>
+          <a:p>
+            <a:pPr algn="ctr"/>
+            <a:r>
+              <a:rPr lang="en-US" sz="1600" b="1" dirty="0">
+                <a:latin typeface="Helvetica Neue" panose="02000503000000020004" pitchFamily="2" charset="0"/>
+                <a:ea typeface="Helvetica Neue" panose="02000503000000020004" pitchFamily="2" charset="0"/>
+                <a:cs typeface="Helvetica Neue" panose="02000503000000020004" pitchFamily="2" charset="0"/>
+              </a:rPr>
+              <a:t>c</a:t>
+            </a:r>
+          </a:p>
+        </p:txBody>
+      </p:sp>
+      <p:sp>
+        <p:nvSpPr>
+          <p:cNvPr id="22" name="TextBox 21">
+            <a:extLst>
+              <a:ext uri="{FF2B5EF4-FFF2-40B4-BE49-F238E27FC236}">
+                <a16:creationId xmlns:a16="http://schemas.microsoft.com/office/drawing/2014/main" id="{9CC8A2EA-F668-DD43-A074-9F1F726F28A7}"/>
+              </a:ext>
+            </a:extLst>
+          </p:cNvPr>
+          <p:cNvSpPr txBox="1"/>
+          <p:nvPr/>
+        </p:nvSpPr>
+        <p:spPr>
+          <a:xfrm>
+            <a:off x="3950616" y="3187050"/>
+            <a:ext cx="578784" cy="338554"/>
+          </a:xfrm>
+          <a:prstGeom prst="rect">
+            <a:avLst/>
+          </a:prstGeom>
+          <a:noFill/>
+        </p:spPr>
+        <p:txBody>
+          <a:bodyPr wrap="square" rtlCol="0">
+            <a:spAutoFit/>
+          </a:bodyPr>
+          <a:lstStyle/>
+          <a:p>
+            <a:pPr algn="ctr"/>
+            <a:r>
+              <a:rPr lang="en-US" sz="1600" b="1" dirty="0">
+                <a:latin typeface="Helvetica Neue" panose="02000503000000020004" pitchFamily="2" charset="0"/>
+                <a:ea typeface="Helvetica Neue" panose="02000503000000020004" pitchFamily="2" charset="0"/>
+                <a:cs typeface="Helvetica Neue" panose="02000503000000020004" pitchFamily="2" charset="0"/>
+              </a:rPr>
+              <a:t>d</a:t>
+            </a:r>
+          </a:p>
+        </p:txBody>
+      </p:sp>
+    </p:spTree>
+    <p:extLst>
+      <p:ext uri="{BB962C8B-B14F-4D97-AF65-F5344CB8AC3E}">
+        <p14:creationId xmlns:p14="http://schemas.microsoft.com/office/powerpoint/2010/main" val="3995306834"/>
+      </p:ext>
+    </p:extLst>
+  </p:cSld>
+  <p:clrMapOvr>
+    <a:masterClrMapping/>
+  </p:clrMapOvr>
+</p:sld>
+</file>
+
+<file path=ppt/slides/slide12.xml><?xml version="1.0" encoding="utf-8"?>
+<p:sld xmlns:a="http://schemas.openxmlformats.org/drawingml/2006/main" xmlns:r="http://schemas.openxmlformats.org/officeDocument/2006/relationships" xmlns:p="http://schemas.openxmlformats.org/presentationml/2006/main">
+  <p:cSld>
+    <p:spTree>
+      <p:nvGrpSpPr>
+        <p:cNvPr id="1" name=""/>
+        <p:cNvGrpSpPr/>
+        <p:nvPr/>
+      </p:nvGrpSpPr>
+      <p:grpSpPr>
+        <a:xfrm>
+          <a:off x="0" y="0"/>
+          <a:ext cx="0" cy="0"/>
+          <a:chOff x="0" y="0"/>
+          <a:chExt cx="0" cy="0"/>
+        </a:xfrm>
+      </p:grpSpPr>
+      <p:pic>
+        <p:nvPicPr>
+          <p:cNvPr id="10" name="Picture 9">
+            <a:extLst>
+              <a:ext uri="{FF2B5EF4-FFF2-40B4-BE49-F238E27FC236}">
+                <a16:creationId xmlns:a16="http://schemas.microsoft.com/office/drawing/2014/main" id="{0789F02C-289C-B44C-A106-C5D9E6B6A068}"/>
+              </a:ext>
+            </a:extLst>
+          </p:cNvPr>
+          <p:cNvPicPr>
+            <a:picLocks noChangeAspect="1"/>
+          </p:cNvPicPr>
+          <p:nvPr/>
+        </p:nvPicPr>
+        <p:blipFill>
+          <a:blip r:embed="rId3"/>
+          <a:stretch>
+            <a:fillRect/>
+          </a:stretch>
+        </p:blipFill>
+        <p:spPr>
+          <a:xfrm>
+            <a:off x="3803904" y="201168"/>
+            <a:ext cx="2697480" cy="3097107"/>
+          </a:xfrm>
+          <a:prstGeom prst="rect">
+            <a:avLst/>
+          </a:prstGeom>
+        </p:spPr>
+      </p:pic>
+      <p:pic>
+        <p:nvPicPr>
+          <p:cNvPr id="13" name="Picture 12">
+            <a:extLst>
+              <a:ext uri="{FF2B5EF4-FFF2-40B4-BE49-F238E27FC236}">
+                <a16:creationId xmlns:a16="http://schemas.microsoft.com/office/drawing/2014/main" id="{B98B9F79-F9E7-C44E-87A8-1F88167319BA}"/>
+              </a:ext>
+            </a:extLst>
+          </p:cNvPr>
+          <p:cNvPicPr>
+            <a:picLocks noChangeAspect="1"/>
+          </p:cNvPicPr>
+          <p:nvPr/>
+        </p:nvPicPr>
+        <p:blipFill>
+          <a:blip r:embed="rId4"/>
+          <a:stretch>
+            <a:fillRect/>
+          </a:stretch>
+        </p:blipFill>
+        <p:spPr>
+          <a:xfrm>
+            <a:off x="1417320" y="201168"/>
+            <a:ext cx="2697480" cy="3097107"/>
+          </a:xfrm>
+          <a:prstGeom prst="rect">
+            <a:avLst/>
+          </a:prstGeom>
+        </p:spPr>
+      </p:pic>
+      <p:pic>
+        <p:nvPicPr>
+          <p:cNvPr id="4" name="Picture 3">
+            <a:extLst>
+              <a:ext uri="{FF2B5EF4-FFF2-40B4-BE49-F238E27FC236}">
+                <a16:creationId xmlns:a16="http://schemas.microsoft.com/office/drawing/2014/main" id="{75F537B3-7AFF-DA4A-A9A1-2CC77F79E372}"/>
+              </a:ext>
+            </a:extLst>
+          </p:cNvPr>
+          <p:cNvPicPr>
+            <a:picLocks noChangeAspect="1"/>
+          </p:cNvPicPr>
+          <p:nvPr/>
+        </p:nvPicPr>
+        <p:blipFill>
+          <a:blip r:embed="rId5"/>
+          <a:stretch>
+            <a:fillRect/>
+          </a:stretch>
+        </p:blipFill>
+        <p:spPr>
+          <a:xfrm>
+            <a:off x="3803904" y="3383279"/>
+            <a:ext cx="2699839" cy="3099816"/>
+          </a:xfrm>
+          <a:prstGeom prst="rect">
+            <a:avLst/>
+          </a:prstGeom>
+        </p:spPr>
+      </p:pic>
+      <p:pic>
+        <p:nvPicPr>
+          <p:cNvPr id="7" name="Picture 6">
+            <a:extLst>
+              <a:ext uri="{FF2B5EF4-FFF2-40B4-BE49-F238E27FC236}">
+                <a16:creationId xmlns:a16="http://schemas.microsoft.com/office/drawing/2014/main" id="{D50C5408-F94D-0A4F-8358-209AAF25778B}"/>
+              </a:ext>
+            </a:extLst>
+          </p:cNvPr>
+          <p:cNvPicPr>
+            <a:picLocks noChangeAspect="1"/>
+          </p:cNvPicPr>
+          <p:nvPr/>
+        </p:nvPicPr>
+        <p:blipFill>
+          <a:blip r:embed="rId6"/>
+          <a:stretch>
+            <a:fillRect/>
+          </a:stretch>
+        </p:blipFill>
+        <p:spPr>
+          <a:xfrm>
+            <a:off x="1417320" y="3383280"/>
+            <a:ext cx="2697480" cy="3097107"/>
+          </a:xfrm>
+          <a:prstGeom prst="rect">
+            <a:avLst/>
+          </a:prstGeom>
+        </p:spPr>
+      </p:pic>
+      <p:sp>
+        <p:nvSpPr>
+          <p:cNvPr id="18" name="TextBox 17">
+            <a:extLst>
+              <a:ext uri="{FF2B5EF4-FFF2-40B4-BE49-F238E27FC236}">
+                <a16:creationId xmlns:a16="http://schemas.microsoft.com/office/drawing/2014/main" id="{46BBEC22-8FD3-4646-AE1A-C6C1C5D5E1E6}"/>
+              </a:ext>
+            </a:extLst>
+          </p:cNvPr>
+          <p:cNvSpPr txBox="1"/>
+          <p:nvPr/>
+        </p:nvSpPr>
+        <p:spPr>
+          <a:xfrm>
+            <a:off x="3950616" y="-9595"/>
+            <a:ext cx="578784" cy="338554"/>
+          </a:xfrm>
+          <a:prstGeom prst="rect">
+            <a:avLst/>
+          </a:prstGeom>
+          <a:noFill/>
+        </p:spPr>
+        <p:txBody>
+          <a:bodyPr wrap="square" rtlCol="0">
+            <a:spAutoFit/>
+          </a:bodyPr>
+          <a:lstStyle/>
+          <a:p>
+            <a:pPr algn="ctr"/>
+            <a:r>
+              <a:rPr lang="en-US" sz="1600" b="1" dirty="0">
+                <a:latin typeface="Helvetica Neue" panose="02000503000000020004" pitchFamily="2" charset="0"/>
+                <a:ea typeface="Helvetica Neue" panose="02000503000000020004" pitchFamily="2" charset="0"/>
+                <a:cs typeface="Helvetica Neue" panose="02000503000000020004" pitchFamily="2" charset="0"/>
+              </a:rPr>
+              <a:t>b</a:t>
+            </a:r>
+          </a:p>
+        </p:txBody>
+      </p:sp>
+      <p:sp>
+        <p:nvSpPr>
+          <p:cNvPr id="16" name="TextBox 15">
+            <a:extLst>
+              <a:ext uri="{FF2B5EF4-FFF2-40B4-BE49-F238E27FC236}">
+                <a16:creationId xmlns:a16="http://schemas.microsoft.com/office/drawing/2014/main" id="{0B8EA217-6F2C-0943-8D48-F70EC12EC200}"/>
+              </a:ext>
+            </a:extLst>
+          </p:cNvPr>
+          <p:cNvSpPr txBox="1"/>
+          <p:nvPr/>
+        </p:nvSpPr>
+        <p:spPr>
+          <a:xfrm>
+            <a:off x="1577488" y="-9596"/>
+            <a:ext cx="578784" cy="338554"/>
+          </a:xfrm>
+          <a:prstGeom prst="rect">
+            <a:avLst/>
+          </a:prstGeom>
+          <a:noFill/>
+        </p:spPr>
+        <p:txBody>
+          <a:bodyPr wrap="square" rtlCol="0">
+            <a:spAutoFit/>
+          </a:bodyPr>
+          <a:lstStyle/>
+          <a:p>
+            <a:pPr algn="ctr"/>
+            <a:r>
+              <a:rPr lang="en-US" sz="1600" b="1" dirty="0">
+                <a:latin typeface="Helvetica Neue" panose="02000503000000020004" pitchFamily="2" charset="0"/>
+                <a:ea typeface="Helvetica Neue" panose="02000503000000020004" pitchFamily="2" charset="0"/>
+                <a:cs typeface="Helvetica Neue" panose="02000503000000020004" pitchFamily="2" charset="0"/>
+              </a:rPr>
+              <a:t>a</a:t>
+            </a:r>
+          </a:p>
+        </p:txBody>
+      </p:sp>
+      <p:sp>
+        <p:nvSpPr>
+          <p:cNvPr id="20" name="TextBox 19">
+            <a:extLst>
+              <a:ext uri="{FF2B5EF4-FFF2-40B4-BE49-F238E27FC236}">
+                <a16:creationId xmlns:a16="http://schemas.microsoft.com/office/drawing/2014/main" id="{E8C86BD2-9FE9-8C4D-A835-2EAAEE829653}"/>
+              </a:ext>
+            </a:extLst>
+          </p:cNvPr>
+          <p:cNvSpPr txBox="1"/>
+          <p:nvPr/>
+        </p:nvSpPr>
+        <p:spPr>
+          <a:xfrm>
+            <a:off x="1579100" y="3182347"/>
+            <a:ext cx="578784" cy="338554"/>
+          </a:xfrm>
+          <a:prstGeom prst="rect">
+            <a:avLst/>
+          </a:prstGeom>
+          <a:noFill/>
+        </p:spPr>
+        <p:txBody>
+          <a:bodyPr wrap="square" rtlCol="0">
+            <a:spAutoFit/>
+          </a:bodyPr>
+          <a:lstStyle/>
+          <a:p>
+            <a:pPr algn="ctr"/>
+            <a:r>
+              <a:rPr lang="en-US" sz="1600" b="1" dirty="0">
+                <a:latin typeface="Helvetica Neue" panose="02000503000000020004" pitchFamily="2" charset="0"/>
+                <a:ea typeface="Helvetica Neue" panose="02000503000000020004" pitchFamily="2" charset="0"/>
+                <a:cs typeface="Helvetica Neue" panose="02000503000000020004" pitchFamily="2" charset="0"/>
+              </a:rPr>
+              <a:t>c</a:t>
+            </a:r>
+          </a:p>
+        </p:txBody>
+      </p:sp>
+      <p:sp>
+        <p:nvSpPr>
+          <p:cNvPr id="22" name="TextBox 21">
+            <a:extLst>
+              <a:ext uri="{FF2B5EF4-FFF2-40B4-BE49-F238E27FC236}">
+                <a16:creationId xmlns:a16="http://schemas.microsoft.com/office/drawing/2014/main" id="{9CC8A2EA-F668-DD43-A074-9F1F726F28A7}"/>
+              </a:ext>
+            </a:extLst>
+          </p:cNvPr>
+          <p:cNvSpPr txBox="1"/>
+          <p:nvPr/>
+        </p:nvSpPr>
+        <p:spPr>
+          <a:xfrm>
+            <a:off x="3950616" y="3187050"/>
+            <a:ext cx="578784" cy="338554"/>
+          </a:xfrm>
+          <a:prstGeom prst="rect">
+            <a:avLst/>
+          </a:prstGeom>
+          <a:noFill/>
+        </p:spPr>
+        <p:txBody>
+          <a:bodyPr wrap="square" rtlCol="0">
+            <a:spAutoFit/>
+          </a:bodyPr>
+          <a:lstStyle/>
+          <a:p>
+            <a:pPr algn="ctr"/>
+            <a:r>
+              <a:rPr lang="en-US" sz="1600" b="1" dirty="0">
+                <a:latin typeface="Helvetica Neue" panose="02000503000000020004" pitchFamily="2" charset="0"/>
+                <a:ea typeface="Helvetica Neue" panose="02000503000000020004" pitchFamily="2" charset="0"/>
+                <a:cs typeface="Helvetica Neue" panose="02000503000000020004" pitchFamily="2" charset="0"/>
+              </a:rPr>
+              <a:t>d</a:t>
+            </a:r>
+          </a:p>
+        </p:txBody>
+      </p:sp>
+    </p:spTree>
+    <p:extLst>
+      <p:ext uri="{BB962C8B-B14F-4D97-AF65-F5344CB8AC3E}">
+        <p14:creationId xmlns:p14="http://schemas.microsoft.com/office/powerpoint/2010/main" val="1459477943"/>
+      </p:ext>
+    </p:extLst>
+  </p:cSld>
+  <p:clrMapOvr>
+    <a:masterClrMapping/>
+  </p:clrMapOvr>
+</p:sld>
+</file>
+
+<file path=ppt/slides/slide13.xml><?xml version="1.0" encoding="utf-8"?>
 <p:sld xmlns:a="http://schemas.openxmlformats.org/drawingml/2006/main" xmlns:r="http://schemas.openxmlformats.org/officeDocument/2006/relationships" xmlns:p="http://schemas.openxmlformats.org/presentationml/2006/main">
   <p:cSld>
     <p:spTree>
@@ -6093,7 +6899,7 @@
 </p:sld>
 </file>
 
-<file path=ppt/slides/slide12.xml><?xml version="1.0" encoding="utf-8"?>
+<file path=ppt/slides/slide14.xml><?xml version="1.0" encoding="utf-8"?>
 <p:sld xmlns:a="http://schemas.openxmlformats.org/drawingml/2006/main" xmlns:r="http://schemas.openxmlformats.org/officeDocument/2006/relationships" xmlns:p="http://schemas.openxmlformats.org/presentationml/2006/main">
   <p:cSld>
     <p:spTree>
@@ -6263,7 +7069,7 @@
 </p:sld>
 </file>
 
-<file path=ppt/slides/slide13.xml><?xml version="1.0" encoding="utf-8"?>
+<file path=ppt/slides/slide15.xml><?xml version="1.0" encoding="utf-8"?>
 <p:sld xmlns:a="http://schemas.openxmlformats.org/drawingml/2006/main" xmlns:r="http://schemas.openxmlformats.org/officeDocument/2006/relationships" xmlns:p="http://schemas.openxmlformats.org/presentationml/2006/main">
   <p:cSld>
     <p:spTree>
@@ -6434,7 +7240,7 @@
 </file>
 
 <file path=ppt/slides/slide2.xml><?xml version="1.0" encoding="utf-8"?>
-<p:sld xmlns:a="http://schemas.openxmlformats.org/drawingml/2006/main" xmlns:r="http://schemas.openxmlformats.org/officeDocument/2006/relationships" xmlns:p="http://schemas.openxmlformats.org/presentationml/2006/main">
+<p:sld xmlns:a="http://schemas.openxmlformats.org/drawingml/2006/main" xmlns:r="http://schemas.openxmlformats.org/officeDocument/2006/relationships" xmlns:p="http://schemas.openxmlformats.org/presentationml/2006/main" show="0">
   <p:cSld>
     <p:spTree>
       <p:nvGrpSpPr>
@@ -6765,7 +7571,7 @@
 </file>
 
 <file path=ppt/slides/slide3.xml><?xml version="1.0" encoding="utf-8"?>
-<p:sld xmlns:a="http://schemas.openxmlformats.org/drawingml/2006/main" xmlns:r="http://schemas.openxmlformats.org/officeDocument/2006/relationships" xmlns:p="http://schemas.openxmlformats.org/presentationml/2006/main">
+<p:sld xmlns:a="http://schemas.openxmlformats.org/drawingml/2006/main" xmlns:r="http://schemas.openxmlformats.org/officeDocument/2006/relationships" xmlns:p="http://schemas.openxmlformats.org/presentationml/2006/main" show="0">
   <p:cSld>
     <p:spTree>
       <p:nvGrpSpPr>
@@ -7886,7 +8692,7 @@
 </file>
 
 <file path=ppt/slides/slide4.xml><?xml version="1.0" encoding="utf-8"?>
-<p:sld xmlns:a="http://schemas.openxmlformats.org/drawingml/2006/main" xmlns:r="http://schemas.openxmlformats.org/officeDocument/2006/relationships" xmlns:p="http://schemas.openxmlformats.org/presentationml/2006/main">
+<p:sld xmlns:a="http://schemas.openxmlformats.org/drawingml/2006/main" xmlns:r="http://schemas.openxmlformats.org/officeDocument/2006/relationships" xmlns:p="http://schemas.openxmlformats.org/presentationml/2006/main" show="0">
   <p:cSld>
     <p:spTree>
       <p:nvGrpSpPr>
@@ -9184,7 +9990,7 @@
 </file>
 
 <file path=ppt/slides/slide5.xml><?xml version="1.0" encoding="utf-8"?>
-<p:sld xmlns:a="http://schemas.openxmlformats.org/drawingml/2006/main" xmlns:r="http://schemas.openxmlformats.org/officeDocument/2006/relationships" xmlns:p="http://schemas.openxmlformats.org/presentationml/2006/main">
+<p:sld xmlns:a="http://schemas.openxmlformats.org/drawingml/2006/main" xmlns:r="http://schemas.openxmlformats.org/officeDocument/2006/relationships" xmlns:p="http://schemas.openxmlformats.org/presentationml/2006/main" show="0">
   <p:cSld>
     <p:spTree>
       <p:nvGrpSpPr>
@@ -10805,6 +11611,1959 @@
 </file>
 
 <file path=ppt/slides/slide6.xml><?xml version="1.0" encoding="utf-8"?>
+<p:sld xmlns:a="http://schemas.openxmlformats.org/drawingml/2006/main" xmlns:r="http://schemas.openxmlformats.org/officeDocument/2006/relationships" xmlns:p="http://schemas.openxmlformats.org/presentationml/2006/main" show="0">
+  <p:cSld>
+    <p:spTree>
+      <p:nvGrpSpPr>
+        <p:cNvPr id="1" name=""/>
+        <p:cNvGrpSpPr/>
+        <p:nvPr/>
+      </p:nvGrpSpPr>
+      <p:grpSpPr>
+        <a:xfrm>
+          <a:off x="0" y="0"/>
+          <a:ext cx="0" cy="0"/>
+          <a:chOff x="0" y="0"/>
+          <a:chExt cx="0" cy="0"/>
+        </a:xfrm>
+      </p:grpSpPr>
+      <p:pic>
+        <p:nvPicPr>
+          <p:cNvPr id="30" name="Picture 29">
+            <a:extLst>
+              <a:ext uri="{FF2B5EF4-FFF2-40B4-BE49-F238E27FC236}">
+                <a16:creationId xmlns:a16="http://schemas.microsoft.com/office/drawing/2014/main" id="{1DF73A3F-4417-E84E-82BF-4C8190634864}"/>
+              </a:ext>
+            </a:extLst>
+          </p:cNvPr>
+          <p:cNvPicPr>
+            <a:picLocks noChangeAspect="1"/>
+          </p:cNvPicPr>
+          <p:nvPr/>
+        </p:nvPicPr>
+        <p:blipFill>
+          <a:blip r:embed="rId3"/>
+          <a:stretch>
+            <a:fillRect/>
+          </a:stretch>
+        </p:blipFill>
+        <p:spPr>
+          <a:xfrm>
+            <a:off x="2532431" y="1375712"/>
+            <a:ext cx="3078187" cy="3557016"/>
+          </a:xfrm>
+          <a:prstGeom prst="rect">
+            <a:avLst/>
+          </a:prstGeom>
+        </p:spPr>
+      </p:pic>
+      <p:grpSp>
+        <p:nvGrpSpPr>
+          <p:cNvPr id="32" name="Group 31">
+            <a:extLst>
+              <a:ext uri="{FF2B5EF4-FFF2-40B4-BE49-F238E27FC236}">
+                <a16:creationId xmlns:a16="http://schemas.microsoft.com/office/drawing/2014/main" id="{A68FFD5D-1878-4043-B3D3-6F2FC94FFE78}"/>
+              </a:ext>
+            </a:extLst>
+          </p:cNvPr>
+          <p:cNvGrpSpPr/>
+          <p:nvPr/>
+        </p:nvGrpSpPr>
+        <p:grpSpPr>
+          <a:xfrm>
+            <a:off x="2218688" y="1377974"/>
+            <a:ext cx="3669230" cy="3779091"/>
+            <a:chOff x="193399" y="-194993"/>
+            <a:chExt cx="6161517" cy="6345999"/>
+          </a:xfrm>
+        </p:grpSpPr>
+        <p:cxnSp>
+          <p:nvCxnSpPr>
+            <p:cNvPr id="38" name="Straight Arrow Connector 37">
+              <a:extLst>
+                <a:ext uri="{FF2B5EF4-FFF2-40B4-BE49-F238E27FC236}">
+                  <a16:creationId xmlns:a16="http://schemas.microsoft.com/office/drawing/2014/main" id="{A307D4E4-7D02-4047-8582-E3B4AB21BFB2}"/>
+                </a:ext>
+              </a:extLst>
+            </p:cNvPr>
+            <p:cNvCxnSpPr>
+              <a:cxnSpLocks/>
+            </p:cNvCxnSpPr>
+            <p:nvPr/>
+          </p:nvCxnSpPr>
+          <p:spPr>
+            <a:xfrm>
+              <a:off x="1459509" y="5654723"/>
+              <a:ext cx="4283951" cy="0"/>
+            </a:xfrm>
+            <a:prstGeom prst="straightConnector1">
+              <a:avLst/>
+            </a:prstGeom>
+            <a:ln w="50800">
+              <a:solidFill>
+                <a:srgbClr val="C00000"/>
+              </a:solidFill>
+              <a:tailEnd type="triangle"/>
+            </a:ln>
+          </p:spPr>
+          <p:style>
+            <a:lnRef idx="1">
+              <a:schemeClr val="accent1"/>
+            </a:lnRef>
+            <a:fillRef idx="0">
+              <a:schemeClr val="accent1"/>
+            </a:fillRef>
+            <a:effectRef idx="0">
+              <a:schemeClr val="accent1"/>
+            </a:effectRef>
+            <a:fontRef idx="minor">
+              <a:schemeClr val="tx1"/>
+            </a:fontRef>
+          </p:style>
+        </p:cxnSp>
+        <p:sp>
+          <p:nvSpPr>
+            <p:cNvPr id="39" name="TextBox 38">
+              <a:extLst>
+                <a:ext uri="{FF2B5EF4-FFF2-40B4-BE49-F238E27FC236}">
+                  <a16:creationId xmlns:a16="http://schemas.microsoft.com/office/drawing/2014/main" id="{7A891AFA-F877-6342-9C16-A81ED1CDEF25}"/>
+                </a:ext>
+              </a:extLst>
+            </p:cNvPr>
+            <p:cNvSpPr txBox="1"/>
+            <p:nvPr/>
+          </p:nvSpPr>
+          <p:spPr>
+            <a:xfrm>
+              <a:off x="848051" y="5711700"/>
+              <a:ext cx="5506865" cy="439306"/>
+            </a:xfrm>
+            <a:prstGeom prst="rect">
+              <a:avLst/>
+            </a:prstGeom>
+            <a:noFill/>
+          </p:spPr>
+          <p:txBody>
+            <a:bodyPr wrap="square" rtlCol="0">
+              <a:spAutoFit/>
+            </a:bodyPr>
+            <a:lstStyle/>
+            <a:p>
+              <a:pPr algn="ctr"/>
+              <a:r>
+                <a:rPr lang="en-US" sz="1100" dirty="0">
+                  <a:solidFill>
+                    <a:srgbClr val="C00000"/>
+                  </a:solidFill>
+                  <a:latin typeface="Helvetica Neue" panose="02000503000000020004" pitchFamily="2" charset="0"/>
+                  <a:ea typeface="Helvetica Neue" panose="02000503000000020004" pitchFamily="2" charset="0"/>
+                  <a:cs typeface="Helvetica Neue" panose="02000503000000020004" pitchFamily="2" charset="0"/>
+                </a:rPr>
+                <a:t>X becomes less sensitive to stimuli relative to Y</a:t>
+              </a:r>
+            </a:p>
+          </p:txBody>
+        </p:sp>
+        <p:cxnSp>
+          <p:nvCxnSpPr>
+            <p:cNvPr id="40" name="Straight Arrow Connector 39">
+              <a:extLst>
+                <a:ext uri="{FF2B5EF4-FFF2-40B4-BE49-F238E27FC236}">
+                  <a16:creationId xmlns:a16="http://schemas.microsoft.com/office/drawing/2014/main" id="{85D1266F-19AC-0241-AAF6-57849EF30018}"/>
+                </a:ext>
+              </a:extLst>
+            </p:cNvPr>
+            <p:cNvCxnSpPr>
+              <a:cxnSpLocks/>
+            </p:cNvCxnSpPr>
+            <p:nvPr/>
+          </p:nvCxnSpPr>
+          <p:spPr>
+            <a:xfrm flipV="1">
+              <a:off x="750000" y="854466"/>
+              <a:ext cx="0" cy="4047904"/>
+            </a:xfrm>
+            <a:prstGeom prst="straightConnector1">
+              <a:avLst/>
+            </a:prstGeom>
+            <a:ln w="50800">
+              <a:solidFill>
+                <a:srgbClr val="C00000"/>
+              </a:solidFill>
+              <a:tailEnd type="triangle"/>
+            </a:ln>
+          </p:spPr>
+          <p:style>
+            <a:lnRef idx="1">
+              <a:schemeClr val="accent1"/>
+            </a:lnRef>
+            <a:fillRef idx="0">
+              <a:schemeClr val="accent1"/>
+            </a:fillRef>
+            <a:effectRef idx="0">
+              <a:schemeClr val="accent1"/>
+            </a:effectRef>
+            <a:fontRef idx="minor">
+              <a:schemeClr val="tx1"/>
+            </a:fontRef>
+          </p:style>
+        </p:cxnSp>
+        <p:sp>
+          <p:nvSpPr>
+            <p:cNvPr id="41" name="TextBox 40">
+              <a:extLst>
+                <a:ext uri="{FF2B5EF4-FFF2-40B4-BE49-F238E27FC236}">
+                  <a16:creationId xmlns:a16="http://schemas.microsoft.com/office/drawing/2014/main" id="{4D2E4A4A-C872-794A-8C39-528400D778A1}"/>
+                </a:ext>
+              </a:extLst>
+            </p:cNvPr>
+            <p:cNvSpPr txBox="1"/>
+            <p:nvPr/>
+          </p:nvSpPr>
+          <p:spPr>
+            <a:xfrm rot="16200000">
+              <a:off x="-2650121" y="2648527"/>
+              <a:ext cx="6126345" cy="439306"/>
+            </a:xfrm>
+            <a:prstGeom prst="rect">
+              <a:avLst/>
+            </a:prstGeom>
+            <a:noFill/>
+          </p:spPr>
+          <p:txBody>
+            <a:bodyPr wrap="square" rtlCol="0">
+              <a:spAutoFit/>
+            </a:bodyPr>
+            <a:lstStyle/>
+            <a:p>
+              <a:pPr algn="ctr"/>
+              <a:r>
+                <a:rPr lang="en-US" sz="1100" dirty="0">
+                  <a:solidFill>
+                    <a:srgbClr val="C00000"/>
+                  </a:solidFill>
+                  <a:latin typeface="Helvetica Neue" panose="02000503000000020004" pitchFamily="2" charset="0"/>
+                  <a:ea typeface="Helvetica Neue" panose="02000503000000020004" pitchFamily="2" charset="0"/>
+                  <a:cs typeface="Helvetica Neue" panose="02000503000000020004" pitchFamily="2" charset="0"/>
+                </a:rPr>
+                <a:t>X becomes more efficient relative to Y</a:t>
+              </a:r>
+            </a:p>
+          </p:txBody>
+        </p:sp>
+        <p:sp>
+          <p:nvSpPr>
+            <p:cNvPr id="42" name="TextBox 41">
+              <a:extLst>
+                <a:ext uri="{FF2B5EF4-FFF2-40B4-BE49-F238E27FC236}">
+                  <a16:creationId xmlns:a16="http://schemas.microsoft.com/office/drawing/2014/main" id="{6308A167-A527-214B-9F7E-05AF52A19B71}"/>
+                </a:ext>
+              </a:extLst>
+            </p:cNvPr>
+            <p:cNvSpPr txBox="1"/>
+            <p:nvPr/>
+          </p:nvSpPr>
+          <p:spPr>
+            <a:xfrm>
+              <a:off x="966670" y="4406224"/>
+              <a:ext cx="1569713" cy="516831"/>
+            </a:xfrm>
+            <a:prstGeom prst="rect">
+              <a:avLst/>
+            </a:prstGeom>
+            <a:noFill/>
+          </p:spPr>
+          <p:txBody>
+            <a:bodyPr wrap="square" rtlCol="0">
+              <a:spAutoFit/>
+            </a:bodyPr>
+            <a:lstStyle/>
+            <a:p>
+              <a:pPr algn="ctr"/>
+              <a:r>
+                <a:rPr lang="en-US" sz="1400" b="1" dirty="0">
+                  <a:ln w="635">
+                    <a:solidFill>
+                      <a:schemeClr val="bg1">
+                        <a:alpha val="50000"/>
+                      </a:schemeClr>
+                    </a:solidFill>
+                  </a:ln>
+                  <a:solidFill>
+                    <a:srgbClr val="2B4B9B"/>
+                  </a:solidFill>
+                  <a:latin typeface="Helvetica Neue" panose="02000503000000020004" pitchFamily="2" charset="0"/>
+                  <a:ea typeface="Helvetica Neue" panose="02000503000000020004" pitchFamily="2" charset="0"/>
+                  <a:cs typeface="Helvetica Neue" panose="02000503000000020004" pitchFamily="2" charset="0"/>
+                </a:rPr>
+                <a:t>Y</a:t>
+              </a:r>
+            </a:p>
+          </p:txBody>
+        </p:sp>
+      </p:grpSp>
+      <p:sp>
+        <p:nvSpPr>
+          <p:cNvPr id="14" name="TextBox 13">
+            <a:extLst>
+              <a:ext uri="{FF2B5EF4-FFF2-40B4-BE49-F238E27FC236}">
+                <a16:creationId xmlns:a16="http://schemas.microsoft.com/office/drawing/2014/main" id="{FA8196DD-48D5-9049-896A-63BB364405C1}"/>
+              </a:ext>
+            </a:extLst>
+          </p:cNvPr>
+          <p:cNvSpPr txBox="1"/>
+          <p:nvPr/>
+        </p:nvSpPr>
+        <p:spPr>
+          <a:xfrm flipH="1">
+            <a:off x="2069490" y="1365182"/>
+            <a:ext cx="556224" cy="337025"/>
+          </a:xfrm>
+          <a:prstGeom prst="rect">
+            <a:avLst/>
+          </a:prstGeom>
+          <a:noFill/>
+        </p:spPr>
+        <p:txBody>
+          <a:bodyPr wrap="square" rtlCol="0">
+            <a:spAutoFit/>
+          </a:bodyPr>
+          <a:lstStyle/>
+          <a:p>
+            <a:pPr algn="ctr"/>
+            <a:r>
+              <a:rPr lang="en-US" sz="1400" b="1" dirty="0">
+                <a:latin typeface="Helvetica Neue" panose="02000503000000020004" pitchFamily="2" charset="0"/>
+                <a:ea typeface="Helvetica Neue" panose="02000503000000020004" pitchFamily="2" charset="0"/>
+                <a:cs typeface="Helvetica Neue" panose="02000503000000020004" pitchFamily="2" charset="0"/>
+              </a:rPr>
+              <a:t>e</a:t>
+            </a:r>
+          </a:p>
+        </p:txBody>
+      </p:sp>
+      <p:sp>
+        <p:nvSpPr>
+          <p:cNvPr id="50" name="Arc 49">
+            <a:extLst>
+              <a:ext uri="{FF2B5EF4-FFF2-40B4-BE49-F238E27FC236}">
+                <a16:creationId xmlns:a16="http://schemas.microsoft.com/office/drawing/2014/main" id="{7F1EE56F-D0B6-B745-84B1-36ADB5D54CBB}"/>
+              </a:ext>
+            </a:extLst>
+          </p:cNvPr>
+          <p:cNvSpPr/>
+          <p:nvPr/>
+        </p:nvSpPr>
+        <p:spPr>
+          <a:xfrm rot="20840186">
+            <a:off x="504313" y="866112"/>
+            <a:ext cx="2679311" cy="3645737"/>
+          </a:xfrm>
+          <a:prstGeom prst="arc">
+            <a:avLst>
+              <a:gd name="adj1" fmla="val 17122527"/>
+              <a:gd name="adj2" fmla="val 21551542"/>
+            </a:avLst>
+          </a:prstGeom>
+          <a:ln w="19050">
+            <a:solidFill>
+              <a:schemeClr val="bg2">
+                <a:lumMod val="75000"/>
+              </a:schemeClr>
+            </a:solidFill>
+            <a:tailEnd type="triangle" w="med" len="med"/>
+          </a:ln>
+        </p:spPr>
+        <p:style>
+          <a:lnRef idx="1">
+            <a:schemeClr val="accent1"/>
+          </a:lnRef>
+          <a:fillRef idx="0">
+            <a:schemeClr val="accent1"/>
+          </a:fillRef>
+          <a:effectRef idx="0">
+            <a:schemeClr val="accent1"/>
+          </a:effectRef>
+          <a:fontRef idx="minor">
+            <a:schemeClr val="tx1"/>
+          </a:fontRef>
+        </p:style>
+        <p:txBody>
+          <a:bodyPr rtlCol="0" anchor="ctr"/>
+          <a:lstStyle/>
+          <a:p>
+            <a:pPr algn="ctr"/>
+            <a:endParaRPr lang="en-US"/>
+          </a:p>
+        </p:txBody>
+      </p:sp>
+      <p:grpSp>
+        <p:nvGrpSpPr>
+          <p:cNvPr id="8" name="Group 7">
+            <a:extLst>
+              <a:ext uri="{FF2B5EF4-FFF2-40B4-BE49-F238E27FC236}">
+                <a16:creationId xmlns:a16="http://schemas.microsoft.com/office/drawing/2014/main" id="{8518B814-7DC7-BC4D-9421-D06D1CDE7D08}"/>
+              </a:ext>
+            </a:extLst>
+          </p:cNvPr>
+          <p:cNvGrpSpPr>
+            <a:grpSpLocks noChangeAspect="1"/>
+          </p:cNvGrpSpPr>
+          <p:nvPr/>
+        </p:nvGrpSpPr>
+        <p:grpSpPr>
+          <a:xfrm>
+            <a:off x="72319" y="347505"/>
+            <a:ext cx="1911095" cy="2323331"/>
+            <a:chOff x="-58198" y="3311957"/>
+            <a:chExt cx="2608682" cy="3171393"/>
+          </a:xfrm>
+        </p:grpSpPr>
+        <p:grpSp>
+          <p:nvGrpSpPr>
+            <p:cNvPr id="6" name="Group 5">
+              <a:extLst>
+                <a:ext uri="{FF2B5EF4-FFF2-40B4-BE49-F238E27FC236}">
+                  <a16:creationId xmlns:a16="http://schemas.microsoft.com/office/drawing/2014/main" id="{EA84E907-5290-6248-A782-79A0823CBA34}"/>
+                </a:ext>
+              </a:extLst>
+            </p:cNvPr>
+            <p:cNvGrpSpPr>
+              <a:grpSpLocks noChangeAspect="1"/>
+            </p:cNvGrpSpPr>
+            <p:nvPr/>
+          </p:nvGrpSpPr>
+          <p:grpSpPr>
+            <a:xfrm>
+              <a:off x="-58198" y="3311957"/>
+              <a:ext cx="2608682" cy="3171393"/>
+              <a:chOff x="1349839" y="-6293"/>
+              <a:chExt cx="2785122" cy="3385893"/>
+            </a:xfrm>
+          </p:grpSpPr>
+          <p:pic>
+            <p:nvPicPr>
+              <p:cNvPr id="9" name="Picture 8">
+                <a:extLst>
+                  <a:ext uri="{FF2B5EF4-FFF2-40B4-BE49-F238E27FC236}">
+                    <a16:creationId xmlns:a16="http://schemas.microsoft.com/office/drawing/2014/main" id="{B60DE2FD-9935-D249-950F-FE366DBB2A07}"/>
+                  </a:ext>
+                </a:extLst>
+              </p:cNvPr>
+              <p:cNvPicPr>
+                <a:picLocks noChangeAspect="1"/>
+              </p:cNvPicPr>
+              <p:nvPr/>
+            </p:nvPicPr>
+            <p:blipFill>
+              <a:blip r:embed="rId4"/>
+              <a:stretch>
+                <a:fillRect/>
+              </a:stretch>
+            </p:blipFill>
+            <p:spPr>
+              <a:xfrm>
+                <a:off x="1411972" y="275852"/>
+                <a:ext cx="2722989" cy="3103748"/>
+              </a:xfrm>
+              <a:prstGeom prst="rect">
+                <a:avLst/>
+              </a:prstGeom>
+            </p:spPr>
+          </p:pic>
+          <p:sp>
+            <p:nvSpPr>
+              <p:cNvPr id="16" name="TextBox 15">
+                <a:extLst>
+                  <a:ext uri="{FF2B5EF4-FFF2-40B4-BE49-F238E27FC236}">
+                    <a16:creationId xmlns:a16="http://schemas.microsoft.com/office/drawing/2014/main" id="{0B8EA217-6F2C-0943-8D48-F70EC12EC200}"/>
+                  </a:ext>
+                </a:extLst>
+              </p:cNvPr>
+              <p:cNvSpPr txBox="1"/>
+              <p:nvPr/>
+            </p:nvSpPr>
+            <p:spPr>
+              <a:xfrm>
+                <a:off x="1349839" y="-6293"/>
+                <a:ext cx="578783" cy="448537"/>
+              </a:xfrm>
+              <a:prstGeom prst="rect">
+                <a:avLst/>
+              </a:prstGeom>
+              <a:noFill/>
+            </p:spPr>
+            <p:txBody>
+              <a:bodyPr wrap="square" rtlCol="0">
+                <a:spAutoFit/>
+              </a:bodyPr>
+              <a:lstStyle/>
+              <a:p>
+                <a:pPr algn="ctr"/>
+                <a:r>
+                  <a:rPr lang="en-US" sz="1400" b="1" dirty="0">
+                    <a:latin typeface="Helvetica Neue" panose="02000503000000020004" pitchFamily="2" charset="0"/>
+                    <a:ea typeface="Helvetica Neue" panose="02000503000000020004" pitchFamily="2" charset="0"/>
+                    <a:cs typeface="Helvetica Neue" panose="02000503000000020004" pitchFamily="2" charset="0"/>
+                  </a:rPr>
+                  <a:t>a</a:t>
+                </a:r>
+              </a:p>
+            </p:txBody>
+          </p:sp>
+        </p:grpSp>
+        <p:sp>
+          <p:nvSpPr>
+            <p:cNvPr id="34" name="Rectangle 33">
+              <a:extLst>
+                <a:ext uri="{FF2B5EF4-FFF2-40B4-BE49-F238E27FC236}">
+                  <a16:creationId xmlns:a16="http://schemas.microsoft.com/office/drawing/2014/main" id="{396A4478-41EF-6B4D-B23C-2A4BA2D8DABE}"/>
+                </a:ext>
+              </a:extLst>
+            </p:cNvPr>
+            <p:cNvSpPr/>
+            <p:nvPr/>
+          </p:nvSpPr>
+          <p:spPr>
+            <a:xfrm>
+              <a:off x="43032" y="3342196"/>
+              <a:ext cx="2499084" cy="3094176"/>
+            </a:xfrm>
+            <a:prstGeom prst="rect">
+              <a:avLst/>
+            </a:prstGeom>
+            <a:noFill/>
+            <a:ln w="19050">
+              <a:solidFill>
+                <a:schemeClr val="bg2">
+                  <a:lumMod val="75000"/>
+                </a:schemeClr>
+              </a:solidFill>
+            </a:ln>
+          </p:spPr>
+          <p:style>
+            <a:lnRef idx="2">
+              <a:schemeClr val="accent1">
+                <a:shade val="50000"/>
+              </a:schemeClr>
+            </a:lnRef>
+            <a:fillRef idx="1">
+              <a:schemeClr val="accent1"/>
+            </a:fillRef>
+            <a:effectRef idx="0">
+              <a:schemeClr val="accent1"/>
+            </a:effectRef>
+            <a:fontRef idx="minor">
+              <a:schemeClr val="lt1"/>
+            </a:fontRef>
+          </p:style>
+          <p:txBody>
+            <a:bodyPr rtlCol="0" anchor="ctr"/>
+            <a:lstStyle/>
+            <a:p>
+              <a:pPr algn="ctr"/>
+              <a:endParaRPr lang="en-US"/>
+            </a:p>
+          </p:txBody>
+        </p:sp>
+        <p:sp>
+          <p:nvSpPr>
+            <p:cNvPr id="56" name="TextBox 55">
+              <a:extLst>
+                <a:ext uri="{FF2B5EF4-FFF2-40B4-BE49-F238E27FC236}">
+                  <a16:creationId xmlns:a16="http://schemas.microsoft.com/office/drawing/2014/main" id="{53F4DC70-1EA9-4149-AFF0-F773D783C706}"/>
+                </a:ext>
+              </a:extLst>
+            </p:cNvPr>
+            <p:cNvSpPr txBox="1"/>
+            <p:nvPr/>
+          </p:nvSpPr>
+          <p:spPr>
+            <a:xfrm>
+              <a:off x="352102" y="3388645"/>
+              <a:ext cx="2179035" cy="357103"/>
+            </a:xfrm>
+            <a:prstGeom prst="rect">
+              <a:avLst/>
+            </a:prstGeom>
+            <a:noFill/>
+          </p:spPr>
+          <p:txBody>
+            <a:bodyPr wrap="square" rtlCol="0">
+              <a:spAutoFit/>
+            </a:bodyPr>
+            <a:lstStyle/>
+            <a:p>
+              <a:pPr algn="r"/>
+              <a:r>
+                <a:rPr lang="en-US" sz="1100" i="1" dirty="0">
+                  <a:solidFill>
+                    <a:srgbClr val="8FB132"/>
+                  </a:solidFill>
+                  <a:latin typeface="Arial" panose="020B0604020202020204" pitchFamily="34" charset="0"/>
+                  <a:ea typeface="Helvetica Neue" panose="02000503000000020004" pitchFamily="2" charset="0"/>
+                  <a:cs typeface="Arial" panose="020B0604020202020204" pitchFamily="34" charset="0"/>
+                </a:rPr>
+                <a:t>Downward contagion</a:t>
+              </a:r>
+            </a:p>
+          </p:txBody>
+        </p:sp>
+      </p:grpSp>
+      <p:grpSp>
+        <p:nvGrpSpPr>
+          <p:cNvPr id="13" name="Group 12">
+            <a:extLst>
+              <a:ext uri="{FF2B5EF4-FFF2-40B4-BE49-F238E27FC236}">
+                <a16:creationId xmlns:a16="http://schemas.microsoft.com/office/drawing/2014/main" id="{3B9115EA-2FB8-6346-B2E2-C1E514C8EF31}"/>
+              </a:ext>
+            </a:extLst>
+          </p:cNvPr>
+          <p:cNvGrpSpPr>
+            <a:grpSpLocks noChangeAspect="1"/>
+          </p:cNvGrpSpPr>
+          <p:nvPr/>
+        </p:nvGrpSpPr>
+        <p:grpSpPr>
+          <a:xfrm>
+            <a:off x="5906136" y="3596714"/>
+            <a:ext cx="1911095" cy="2308700"/>
+            <a:chOff x="5316676" y="22240"/>
+            <a:chExt cx="2601773" cy="3143075"/>
+          </a:xfrm>
+        </p:grpSpPr>
+        <p:grpSp>
+          <p:nvGrpSpPr>
+            <p:cNvPr id="10" name="Group 9">
+              <a:extLst>
+                <a:ext uri="{FF2B5EF4-FFF2-40B4-BE49-F238E27FC236}">
+                  <a16:creationId xmlns:a16="http://schemas.microsoft.com/office/drawing/2014/main" id="{85988E11-6252-A940-84F3-2690A1CE234E}"/>
+                </a:ext>
+              </a:extLst>
+            </p:cNvPr>
+            <p:cNvGrpSpPr>
+              <a:grpSpLocks noChangeAspect="1"/>
+            </p:cNvGrpSpPr>
+            <p:nvPr/>
+          </p:nvGrpSpPr>
+          <p:grpSpPr>
+            <a:xfrm>
+              <a:off x="5316676" y="22240"/>
+              <a:ext cx="2601773" cy="3143075"/>
+              <a:chOff x="1335316" y="3101234"/>
+              <a:chExt cx="2799645" cy="3382115"/>
+            </a:xfrm>
+          </p:grpSpPr>
+          <p:pic>
+            <p:nvPicPr>
+              <p:cNvPr id="5" name="Picture 4">
+                <a:extLst>
+                  <a:ext uri="{FF2B5EF4-FFF2-40B4-BE49-F238E27FC236}">
+                    <a16:creationId xmlns:a16="http://schemas.microsoft.com/office/drawing/2014/main" id="{CB894BB7-CF0D-3745-B183-175510696146}"/>
+                  </a:ext>
+                </a:extLst>
+              </p:cNvPr>
+              <p:cNvPicPr>
+                <a:picLocks noChangeAspect="1"/>
+              </p:cNvPicPr>
+              <p:nvPr/>
+            </p:nvPicPr>
+            <p:blipFill>
+              <a:blip r:embed="rId5"/>
+              <a:stretch>
+                <a:fillRect/>
+              </a:stretch>
+            </p:blipFill>
+            <p:spPr>
+              <a:xfrm>
+                <a:off x="1411971" y="3379601"/>
+                <a:ext cx="2722990" cy="3103748"/>
+              </a:xfrm>
+              <a:prstGeom prst="rect">
+                <a:avLst/>
+              </a:prstGeom>
+              <a:ln>
+                <a:noFill/>
+              </a:ln>
+            </p:spPr>
+          </p:pic>
+          <p:sp>
+            <p:nvSpPr>
+              <p:cNvPr id="20" name="TextBox 19">
+                <a:extLst>
+                  <a:ext uri="{FF2B5EF4-FFF2-40B4-BE49-F238E27FC236}">
+                    <a16:creationId xmlns:a16="http://schemas.microsoft.com/office/drawing/2014/main" id="{E8C86BD2-9FE9-8C4D-A835-2EAAEE829653}"/>
+                  </a:ext>
+                </a:extLst>
+              </p:cNvPr>
+              <p:cNvSpPr txBox="1"/>
+              <p:nvPr/>
+            </p:nvSpPr>
+            <p:spPr>
+              <a:xfrm>
+                <a:off x="1335316" y="3101234"/>
+                <a:ext cx="578784" cy="450876"/>
+              </a:xfrm>
+              <a:prstGeom prst="rect">
+                <a:avLst/>
+              </a:prstGeom>
+              <a:noFill/>
+              <a:ln>
+                <a:noFill/>
+              </a:ln>
+            </p:spPr>
+            <p:txBody>
+              <a:bodyPr wrap="square" rtlCol="0">
+                <a:spAutoFit/>
+              </a:bodyPr>
+              <a:lstStyle/>
+              <a:p>
+                <a:pPr algn="ctr"/>
+                <a:r>
+                  <a:rPr lang="en-US" sz="1400" b="1" dirty="0">
+                    <a:latin typeface="Helvetica Neue" panose="02000503000000020004" pitchFamily="2" charset="0"/>
+                    <a:ea typeface="Helvetica Neue" panose="02000503000000020004" pitchFamily="2" charset="0"/>
+                    <a:cs typeface="Helvetica Neue" panose="02000503000000020004" pitchFamily="2" charset="0"/>
+                  </a:rPr>
+                  <a:t>c</a:t>
+                </a:r>
+              </a:p>
+            </p:txBody>
+          </p:sp>
+        </p:grpSp>
+        <p:sp>
+          <p:nvSpPr>
+            <p:cNvPr id="36" name="Rectangle 35">
+              <a:extLst>
+                <a:ext uri="{FF2B5EF4-FFF2-40B4-BE49-F238E27FC236}">
+                  <a16:creationId xmlns:a16="http://schemas.microsoft.com/office/drawing/2014/main" id="{20FB9D9C-9342-6748-AB68-E0695D7BA19D}"/>
+                </a:ext>
+              </a:extLst>
+            </p:cNvPr>
+            <p:cNvSpPr/>
+            <p:nvPr/>
+          </p:nvSpPr>
+          <p:spPr>
+            <a:xfrm>
+              <a:off x="5395420" y="46978"/>
+              <a:ext cx="2489736" cy="3098952"/>
+            </a:xfrm>
+            <a:prstGeom prst="rect">
+              <a:avLst/>
+            </a:prstGeom>
+            <a:noFill/>
+            <a:ln w="19050">
+              <a:solidFill>
+                <a:schemeClr val="bg2">
+                  <a:lumMod val="75000"/>
+                </a:schemeClr>
+              </a:solidFill>
+            </a:ln>
+          </p:spPr>
+          <p:style>
+            <a:lnRef idx="2">
+              <a:schemeClr val="accent1">
+                <a:shade val="50000"/>
+              </a:schemeClr>
+            </a:lnRef>
+            <a:fillRef idx="1">
+              <a:schemeClr val="accent1"/>
+            </a:fillRef>
+            <a:effectRef idx="0">
+              <a:schemeClr val="accent1"/>
+            </a:effectRef>
+            <a:fontRef idx="minor">
+              <a:schemeClr val="lt1"/>
+            </a:fontRef>
+          </p:style>
+          <p:txBody>
+            <a:bodyPr rtlCol="0" anchor="ctr"/>
+            <a:lstStyle/>
+            <a:p>
+              <a:pPr algn="ctr"/>
+              <a:endParaRPr lang="en-US"/>
+            </a:p>
+          </p:txBody>
+        </p:sp>
+        <p:sp>
+          <p:nvSpPr>
+            <p:cNvPr id="57" name="TextBox 56">
+              <a:extLst>
+                <a:ext uri="{FF2B5EF4-FFF2-40B4-BE49-F238E27FC236}">
+                  <a16:creationId xmlns:a16="http://schemas.microsoft.com/office/drawing/2014/main" id="{9E621244-D874-B242-88CF-8CC803F84200}"/>
+                </a:ext>
+              </a:extLst>
+            </p:cNvPr>
+            <p:cNvSpPr txBox="1"/>
+            <p:nvPr/>
+          </p:nvSpPr>
+          <p:spPr>
+            <a:xfrm>
+              <a:off x="6048638" y="112266"/>
+              <a:ext cx="1836937" cy="356157"/>
+            </a:xfrm>
+            <a:prstGeom prst="rect">
+              <a:avLst/>
+            </a:prstGeom>
+            <a:noFill/>
+          </p:spPr>
+          <p:txBody>
+            <a:bodyPr wrap="square" rtlCol="0">
+              <a:spAutoFit/>
+            </a:bodyPr>
+            <a:lstStyle/>
+            <a:p>
+              <a:pPr algn="ctr"/>
+              <a:r>
+                <a:rPr lang="en-US" sz="1100" i="1" dirty="0">
+                  <a:solidFill>
+                    <a:srgbClr val="8FB132"/>
+                  </a:solidFill>
+                  <a:latin typeface="Arial" panose="020B0604020202020204" pitchFamily="34" charset="0"/>
+                  <a:ea typeface="Helvetica Neue" panose="02000503000000020004" pitchFamily="2" charset="0"/>
+                  <a:cs typeface="Arial" panose="020B0604020202020204" pitchFamily="34" charset="0"/>
+                </a:rPr>
+                <a:t>No effect</a:t>
+              </a:r>
+            </a:p>
+          </p:txBody>
+        </p:sp>
+      </p:grpSp>
+      <p:grpSp>
+        <p:nvGrpSpPr>
+          <p:cNvPr id="12" name="Group 11">
+            <a:extLst>
+              <a:ext uri="{FF2B5EF4-FFF2-40B4-BE49-F238E27FC236}">
+                <a16:creationId xmlns:a16="http://schemas.microsoft.com/office/drawing/2014/main" id="{1A3343D7-FCA7-644A-8765-3A703946A4E5}"/>
+              </a:ext>
+            </a:extLst>
+          </p:cNvPr>
+          <p:cNvGrpSpPr>
+            <a:grpSpLocks noChangeAspect="1"/>
+          </p:cNvGrpSpPr>
+          <p:nvPr/>
+        </p:nvGrpSpPr>
+        <p:grpSpPr>
+          <a:xfrm>
+            <a:off x="100081" y="3625473"/>
+            <a:ext cx="1912042" cy="2316229"/>
+            <a:chOff x="5316676" y="3333982"/>
+            <a:chExt cx="2601776" cy="3151766"/>
+          </a:xfrm>
+        </p:grpSpPr>
+        <p:grpSp>
+          <p:nvGrpSpPr>
+            <p:cNvPr id="4" name="Group 3">
+              <a:extLst>
+                <a:ext uri="{FF2B5EF4-FFF2-40B4-BE49-F238E27FC236}">
+                  <a16:creationId xmlns:a16="http://schemas.microsoft.com/office/drawing/2014/main" id="{DDE81728-7576-004D-8F69-58886B6402DE}"/>
+                </a:ext>
+              </a:extLst>
+            </p:cNvPr>
+            <p:cNvGrpSpPr>
+              <a:grpSpLocks noChangeAspect="1"/>
+            </p:cNvGrpSpPr>
+            <p:nvPr/>
+          </p:nvGrpSpPr>
+          <p:grpSpPr>
+            <a:xfrm>
+              <a:off x="5316676" y="3333982"/>
+              <a:ext cx="2601776" cy="3151766"/>
+              <a:chOff x="3728733" y="9962"/>
+              <a:chExt cx="2777745" cy="3364934"/>
+            </a:xfrm>
+          </p:grpSpPr>
+          <p:pic>
+            <p:nvPicPr>
+              <p:cNvPr id="7" name="Picture 6">
+                <a:extLst>
+                  <a:ext uri="{FF2B5EF4-FFF2-40B4-BE49-F238E27FC236}">
+                    <a16:creationId xmlns:a16="http://schemas.microsoft.com/office/drawing/2014/main" id="{21E58C93-E278-C34A-B421-721451A6D619}"/>
+                  </a:ext>
+                </a:extLst>
+              </p:cNvPr>
+              <p:cNvPicPr>
+                <a:picLocks noChangeAspect="1"/>
+              </p:cNvPicPr>
+              <p:nvPr/>
+            </p:nvPicPr>
+            <p:blipFill>
+              <a:blip r:embed="rId6"/>
+              <a:stretch>
+                <a:fillRect/>
+              </a:stretch>
+            </p:blipFill>
+            <p:spPr>
+              <a:xfrm>
+                <a:off x="3783488" y="271148"/>
+                <a:ext cx="2722990" cy="3103748"/>
+              </a:xfrm>
+              <a:prstGeom prst="rect">
+                <a:avLst/>
+              </a:prstGeom>
+            </p:spPr>
+          </p:pic>
+          <p:sp>
+            <p:nvSpPr>
+              <p:cNvPr id="18" name="TextBox 17">
+                <a:extLst>
+                  <a:ext uri="{FF2B5EF4-FFF2-40B4-BE49-F238E27FC236}">
+                    <a16:creationId xmlns:a16="http://schemas.microsoft.com/office/drawing/2014/main" id="{46BBEC22-8FD3-4646-AE1A-C6C1C5D5E1E6}"/>
+                  </a:ext>
+                </a:extLst>
+              </p:cNvPr>
+              <p:cNvSpPr txBox="1"/>
+              <p:nvPr/>
+            </p:nvSpPr>
+            <p:spPr>
+              <a:xfrm>
+                <a:off x="3728733" y="9962"/>
+                <a:ext cx="578784" cy="447127"/>
+              </a:xfrm>
+              <a:prstGeom prst="rect">
+                <a:avLst/>
+              </a:prstGeom>
+              <a:noFill/>
+            </p:spPr>
+            <p:txBody>
+              <a:bodyPr wrap="square" rtlCol="0">
+                <a:spAutoFit/>
+              </a:bodyPr>
+              <a:lstStyle/>
+              <a:p>
+                <a:pPr algn="ctr"/>
+                <a:r>
+                  <a:rPr lang="en-US" sz="1400" b="1" dirty="0">
+                    <a:latin typeface="Helvetica Neue" panose="02000503000000020004" pitchFamily="2" charset="0"/>
+                    <a:ea typeface="Helvetica Neue" panose="02000503000000020004" pitchFamily="2" charset="0"/>
+                    <a:cs typeface="Helvetica Neue" panose="02000503000000020004" pitchFamily="2" charset="0"/>
+                  </a:rPr>
+                  <a:t>b</a:t>
+                </a:r>
+              </a:p>
+            </p:txBody>
+          </p:sp>
+        </p:grpSp>
+        <p:sp>
+          <p:nvSpPr>
+            <p:cNvPr id="37" name="Rectangle 36">
+              <a:extLst>
+                <a:ext uri="{FF2B5EF4-FFF2-40B4-BE49-F238E27FC236}">
+                  <a16:creationId xmlns:a16="http://schemas.microsoft.com/office/drawing/2014/main" id="{972F0A53-93E3-CD44-83A9-5A79649E4C74}"/>
+                </a:ext>
+              </a:extLst>
+            </p:cNvPr>
+            <p:cNvSpPr/>
+            <p:nvPr/>
+          </p:nvSpPr>
+          <p:spPr>
+            <a:xfrm>
+              <a:off x="5391772" y="3342195"/>
+              <a:ext cx="2488506" cy="3094174"/>
+            </a:xfrm>
+            <a:prstGeom prst="rect">
+              <a:avLst/>
+            </a:prstGeom>
+            <a:noFill/>
+            <a:ln w="19050">
+              <a:solidFill>
+                <a:schemeClr val="bg2">
+                  <a:lumMod val="75000"/>
+                </a:schemeClr>
+              </a:solidFill>
+            </a:ln>
+          </p:spPr>
+          <p:style>
+            <a:lnRef idx="2">
+              <a:schemeClr val="accent1">
+                <a:shade val="50000"/>
+              </a:schemeClr>
+            </a:lnRef>
+            <a:fillRef idx="1">
+              <a:schemeClr val="accent1"/>
+            </a:fillRef>
+            <a:effectRef idx="0">
+              <a:schemeClr val="accent1"/>
+            </a:effectRef>
+            <a:fontRef idx="minor">
+              <a:schemeClr val="lt1"/>
+            </a:fontRef>
+          </p:style>
+          <p:txBody>
+            <a:bodyPr rtlCol="0" anchor="ctr"/>
+            <a:lstStyle/>
+            <a:p>
+              <a:pPr algn="ctr"/>
+              <a:endParaRPr lang="en-US"/>
+            </a:p>
+          </p:txBody>
+        </p:sp>
+        <p:sp>
+          <p:nvSpPr>
+            <p:cNvPr id="58" name="TextBox 57">
+              <a:extLst>
+                <a:ext uri="{FF2B5EF4-FFF2-40B4-BE49-F238E27FC236}">
+                  <a16:creationId xmlns:a16="http://schemas.microsoft.com/office/drawing/2014/main" id="{B8B22680-8FCF-564A-A59A-6339D506D934}"/>
+                </a:ext>
+              </a:extLst>
+            </p:cNvPr>
+            <p:cNvSpPr txBox="1"/>
+            <p:nvPr/>
+          </p:nvSpPr>
+          <p:spPr>
+            <a:xfrm>
+              <a:off x="6037881" y="3388644"/>
+              <a:ext cx="1836937" cy="355981"/>
+            </a:xfrm>
+            <a:prstGeom prst="rect">
+              <a:avLst/>
+            </a:prstGeom>
+            <a:noFill/>
+          </p:spPr>
+          <p:txBody>
+            <a:bodyPr wrap="square" rtlCol="0">
+              <a:spAutoFit/>
+            </a:bodyPr>
+            <a:lstStyle/>
+            <a:p>
+              <a:pPr algn="ctr"/>
+              <a:r>
+                <a:rPr lang="en-US" sz="1100" i="1" dirty="0">
+                  <a:solidFill>
+                    <a:srgbClr val="8FB132"/>
+                  </a:solidFill>
+                  <a:latin typeface="Arial" panose="020B0604020202020204" pitchFamily="34" charset="0"/>
+                  <a:ea typeface="Helvetica Neue" panose="02000503000000020004" pitchFamily="2" charset="0"/>
+                  <a:cs typeface="Arial" panose="020B0604020202020204" pitchFamily="34" charset="0"/>
+                </a:rPr>
+                <a:t>Upward contagion</a:t>
+              </a:r>
+            </a:p>
+          </p:txBody>
+        </p:sp>
+      </p:grpSp>
+      <p:grpSp>
+        <p:nvGrpSpPr>
+          <p:cNvPr id="2" name="Group 1">
+            <a:extLst>
+              <a:ext uri="{FF2B5EF4-FFF2-40B4-BE49-F238E27FC236}">
+                <a16:creationId xmlns:a16="http://schemas.microsoft.com/office/drawing/2014/main" id="{F5B16F9C-99AB-F945-80C1-7F1F423A1BC7}"/>
+              </a:ext>
+            </a:extLst>
+          </p:cNvPr>
+          <p:cNvGrpSpPr>
+            <a:grpSpLocks noChangeAspect="1"/>
+          </p:cNvGrpSpPr>
+          <p:nvPr/>
+        </p:nvGrpSpPr>
+        <p:grpSpPr>
+          <a:xfrm>
+            <a:off x="5878596" y="315137"/>
+            <a:ext cx="1911095" cy="2316732"/>
+            <a:chOff x="-58094" y="9550"/>
+            <a:chExt cx="2619673" cy="3175709"/>
+          </a:xfrm>
+        </p:grpSpPr>
+        <p:grpSp>
+          <p:nvGrpSpPr>
+            <p:cNvPr id="11" name="Group 10">
+              <a:extLst>
+                <a:ext uri="{FF2B5EF4-FFF2-40B4-BE49-F238E27FC236}">
+                  <a16:creationId xmlns:a16="http://schemas.microsoft.com/office/drawing/2014/main" id="{467437C8-B71E-FC40-BA91-88A141661B00}"/>
+                </a:ext>
+              </a:extLst>
+            </p:cNvPr>
+            <p:cNvGrpSpPr>
+              <a:grpSpLocks noChangeAspect="1"/>
+            </p:cNvGrpSpPr>
+            <p:nvPr/>
+          </p:nvGrpSpPr>
+          <p:grpSpPr>
+            <a:xfrm>
+              <a:off x="-58094" y="9550"/>
+              <a:ext cx="2619673" cy="3175709"/>
+              <a:chOff x="3709087" y="3092200"/>
+              <a:chExt cx="2797390" cy="3391145"/>
+            </a:xfrm>
+          </p:grpSpPr>
+          <p:pic>
+            <p:nvPicPr>
+              <p:cNvPr id="3" name="Picture 2">
+                <a:extLst>
+                  <a:ext uri="{FF2B5EF4-FFF2-40B4-BE49-F238E27FC236}">
+                    <a16:creationId xmlns:a16="http://schemas.microsoft.com/office/drawing/2014/main" id="{08D9A971-5C17-FA4D-AE4E-D33B19498FC9}"/>
+                  </a:ext>
+                </a:extLst>
+              </p:cNvPr>
+              <p:cNvPicPr>
+                <a:picLocks noChangeAspect="1"/>
+              </p:cNvPicPr>
+              <p:nvPr/>
+            </p:nvPicPr>
+            <p:blipFill>
+              <a:blip r:embed="rId7"/>
+              <a:stretch>
+                <a:fillRect/>
+              </a:stretch>
+            </p:blipFill>
+            <p:spPr>
+              <a:xfrm>
+                <a:off x="3783487" y="3379598"/>
+                <a:ext cx="2722990" cy="3103747"/>
+              </a:xfrm>
+              <a:prstGeom prst="rect">
+                <a:avLst/>
+              </a:prstGeom>
+            </p:spPr>
+          </p:pic>
+          <p:sp>
+            <p:nvSpPr>
+              <p:cNvPr id="22" name="TextBox 21">
+                <a:extLst>
+                  <a:ext uri="{FF2B5EF4-FFF2-40B4-BE49-F238E27FC236}">
+                    <a16:creationId xmlns:a16="http://schemas.microsoft.com/office/drawing/2014/main" id="{9CC8A2EA-F668-DD43-A074-9F1F726F28A7}"/>
+                  </a:ext>
+                </a:extLst>
+              </p:cNvPr>
+              <p:cNvSpPr txBox="1"/>
+              <p:nvPr/>
+            </p:nvSpPr>
+            <p:spPr>
+              <a:xfrm>
+                <a:off x="3709087" y="3092200"/>
+                <a:ext cx="578784" cy="450512"/>
+              </a:xfrm>
+              <a:prstGeom prst="rect">
+                <a:avLst/>
+              </a:prstGeom>
+              <a:noFill/>
+            </p:spPr>
+            <p:txBody>
+              <a:bodyPr wrap="square" rtlCol="0">
+                <a:spAutoFit/>
+              </a:bodyPr>
+              <a:lstStyle/>
+              <a:p>
+                <a:pPr algn="ctr"/>
+                <a:r>
+                  <a:rPr lang="en-US" sz="1400" b="1" dirty="0">
+                    <a:latin typeface="Helvetica Neue" panose="02000503000000020004" pitchFamily="2" charset="0"/>
+                    <a:ea typeface="Helvetica Neue" panose="02000503000000020004" pitchFamily="2" charset="0"/>
+                    <a:cs typeface="Helvetica Neue" panose="02000503000000020004" pitchFamily="2" charset="0"/>
+                  </a:rPr>
+                  <a:t>d</a:t>
+                </a:r>
+              </a:p>
+            </p:txBody>
+          </p:sp>
+        </p:grpSp>
+        <p:sp>
+          <p:nvSpPr>
+            <p:cNvPr id="35" name="Rectangle 34">
+              <a:extLst>
+                <a:ext uri="{FF2B5EF4-FFF2-40B4-BE49-F238E27FC236}">
+                  <a16:creationId xmlns:a16="http://schemas.microsoft.com/office/drawing/2014/main" id="{2F86A746-90CC-4240-986F-1335AE691A55}"/>
+                </a:ext>
+              </a:extLst>
+            </p:cNvPr>
+            <p:cNvSpPr/>
+            <p:nvPr/>
+          </p:nvSpPr>
+          <p:spPr>
+            <a:xfrm>
+              <a:off x="43030" y="46978"/>
+              <a:ext cx="2506865" cy="3108514"/>
+            </a:xfrm>
+            <a:prstGeom prst="rect">
+              <a:avLst/>
+            </a:prstGeom>
+            <a:noFill/>
+            <a:ln w="19050">
+              <a:solidFill>
+                <a:schemeClr val="bg2">
+                  <a:lumMod val="75000"/>
+                </a:schemeClr>
+              </a:solidFill>
+            </a:ln>
+          </p:spPr>
+          <p:style>
+            <a:lnRef idx="2">
+              <a:schemeClr val="accent1">
+                <a:shade val="50000"/>
+              </a:schemeClr>
+            </a:lnRef>
+            <a:fillRef idx="1">
+              <a:schemeClr val="accent1"/>
+            </a:fillRef>
+            <a:effectRef idx="0">
+              <a:schemeClr val="accent1"/>
+            </a:effectRef>
+            <a:fontRef idx="minor">
+              <a:schemeClr val="lt1"/>
+            </a:fontRef>
+          </p:style>
+          <p:txBody>
+            <a:bodyPr rtlCol="0" anchor="ctr"/>
+            <a:lstStyle/>
+            <a:p>
+              <a:pPr algn="ctr"/>
+              <a:endParaRPr lang="en-US" dirty="0"/>
+            </a:p>
+          </p:txBody>
+        </p:sp>
+        <p:sp>
+          <p:nvSpPr>
+            <p:cNvPr id="55" name="TextBox 54">
+              <a:extLst>
+                <a:ext uri="{FF2B5EF4-FFF2-40B4-BE49-F238E27FC236}">
+                  <a16:creationId xmlns:a16="http://schemas.microsoft.com/office/drawing/2014/main" id="{5523DCC3-C862-8C42-A4DA-E70E20BFB814}"/>
+                </a:ext>
+              </a:extLst>
+            </p:cNvPr>
+            <p:cNvSpPr txBox="1"/>
+            <p:nvPr/>
+          </p:nvSpPr>
+          <p:spPr>
+            <a:xfrm>
+              <a:off x="670828" y="106558"/>
+              <a:ext cx="1836938" cy="358607"/>
+            </a:xfrm>
+            <a:prstGeom prst="rect">
+              <a:avLst/>
+            </a:prstGeom>
+            <a:noFill/>
+          </p:spPr>
+          <p:txBody>
+            <a:bodyPr wrap="square" rtlCol="0">
+              <a:spAutoFit/>
+            </a:bodyPr>
+            <a:lstStyle/>
+            <a:p>
+              <a:pPr algn="ctr"/>
+              <a:r>
+                <a:rPr lang="en-US" sz="1100" i="1" dirty="0">
+                  <a:solidFill>
+                    <a:srgbClr val="8FB132"/>
+                  </a:solidFill>
+                  <a:latin typeface="Arial" panose="020B0604020202020204" pitchFamily="34" charset="0"/>
+                  <a:ea typeface="Helvetica Neue" panose="02000503000000020004" pitchFamily="2" charset="0"/>
+                  <a:cs typeface="Arial" panose="020B0604020202020204" pitchFamily="34" charset="0"/>
+                </a:rPr>
+                <a:t>Amplification</a:t>
+              </a:r>
+            </a:p>
+          </p:txBody>
+        </p:sp>
+      </p:grpSp>
+      <p:sp>
+        <p:nvSpPr>
+          <p:cNvPr id="53" name="Arc 52">
+            <a:extLst>
+              <a:ext uri="{FF2B5EF4-FFF2-40B4-BE49-F238E27FC236}">
+                <a16:creationId xmlns:a16="http://schemas.microsoft.com/office/drawing/2014/main" id="{96BD8594-B12F-0B4E-80D0-4C225EE50BD6}"/>
+              </a:ext>
+            </a:extLst>
+          </p:cNvPr>
+          <p:cNvSpPr/>
+          <p:nvPr/>
+        </p:nvSpPr>
+        <p:spPr>
+          <a:xfrm rot="14659101" flipH="1" flipV="1">
+            <a:off x="-1743731" y="649999"/>
+            <a:ext cx="4496747" cy="5575436"/>
+          </a:xfrm>
+          <a:prstGeom prst="arc">
+            <a:avLst>
+              <a:gd name="adj1" fmla="val 16774664"/>
+              <a:gd name="adj2" fmla="val 20697222"/>
+            </a:avLst>
+          </a:prstGeom>
+          <a:ln w="19050">
+            <a:solidFill>
+              <a:schemeClr val="bg2">
+                <a:lumMod val="75000"/>
+              </a:schemeClr>
+            </a:solidFill>
+            <a:headEnd type="triangle"/>
+            <a:tailEnd w="lg" len="med"/>
+          </a:ln>
+        </p:spPr>
+        <p:style>
+          <a:lnRef idx="1">
+            <a:schemeClr val="accent1"/>
+          </a:lnRef>
+          <a:fillRef idx="0">
+            <a:schemeClr val="accent1"/>
+          </a:fillRef>
+          <a:effectRef idx="0">
+            <a:schemeClr val="accent1"/>
+          </a:effectRef>
+          <a:fontRef idx="minor">
+            <a:schemeClr val="tx1"/>
+          </a:fontRef>
+        </p:style>
+        <p:txBody>
+          <a:bodyPr rtlCol="0" anchor="ctr"/>
+          <a:lstStyle/>
+          <a:p>
+            <a:pPr algn="ctr"/>
+            <a:endParaRPr lang="en-US"/>
+          </a:p>
+        </p:txBody>
+      </p:sp>
+      <p:sp>
+        <p:nvSpPr>
+          <p:cNvPr id="54" name="Arc 53">
+            <a:extLst>
+              <a:ext uri="{FF2B5EF4-FFF2-40B4-BE49-F238E27FC236}">
+                <a16:creationId xmlns:a16="http://schemas.microsoft.com/office/drawing/2014/main" id="{36C3A527-0618-F84D-BFDC-2B5F3569FFF1}"/>
+              </a:ext>
+            </a:extLst>
+          </p:cNvPr>
+          <p:cNvSpPr/>
+          <p:nvPr/>
+        </p:nvSpPr>
+        <p:spPr>
+          <a:xfrm rot="15877902" flipV="1">
+            <a:off x="-210971" y="3552883"/>
+            <a:ext cx="7638836" cy="5385652"/>
+          </a:xfrm>
+          <a:prstGeom prst="arc">
+            <a:avLst>
+              <a:gd name="adj1" fmla="val 17974590"/>
+              <a:gd name="adj2" fmla="val 20815625"/>
+            </a:avLst>
+          </a:prstGeom>
+          <a:ln w="19050">
+            <a:solidFill>
+              <a:schemeClr val="bg2">
+                <a:lumMod val="75000"/>
+              </a:schemeClr>
+            </a:solidFill>
+            <a:tailEnd type="triangle"/>
+          </a:ln>
+        </p:spPr>
+        <p:style>
+          <a:lnRef idx="1">
+            <a:schemeClr val="accent1"/>
+          </a:lnRef>
+          <a:fillRef idx="0">
+            <a:schemeClr val="accent1"/>
+          </a:fillRef>
+          <a:effectRef idx="0">
+            <a:schemeClr val="accent1"/>
+          </a:effectRef>
+          <a:fontRef idx="minor">
+            <a:schemeClr val="tx1"/>
+          </a:fontRef>
+        </p:style>
+        <p:txBody>
+          <a:bodyPr rtlCol="0" anchor="ctr"/>
+          <a:lstStyle/>
+          <a:p>
+            <a:pPr algn="ctr"/>
+            <a:endParaRPr lang="en-US"/>
+          </a:p>
+        </p:txBody>
+      </p:sp>
+      <p:sp>
+        <p:nvSpPr>
+          <p:cNvPr id="59" name="Arc 58">
+            <a:extLst>
+              <a:ext uri="{FF2B5EF4-FFF2-40B4-BE49-F238E27FC236}">
+                <a16:creationId xmlns:a16="http://schemas.microsoft.com/office/drawing/2014/main" id="{D287D2E2-860F-2745-B06D-78E452A41465}"/>
+              </a:ext>
+            </a:extLst>
+          </p:cNvPr>
+          <p:cNvSpPr/>
+          <p:nvPr/>
+        </p:nvSpPr>
+        <p:spPr>
+          <a:xfrm rot="759814" flipH="1">
+            <a:off x="5368869" y="919199"/>
+            <a:ext cx="2679311" cy="3645737"/>
+          </a:xfrm>
+          <a:prstGeom prst="arc">
+            <a:avLst>
+              <a:gd name="adj1" fmla="val 18735186"/>
+              <a:gd name="adj2" fmla="val 21551542"/>
+            </a:avLst>
+          </a:prstGeom>
+          <a:ln w="19050">
+            <a:solidFill>
+              <a:schemeClr val="bg2">
+                <a:lumMod val="75000"/>
+              </a:schemeClr>
+            </a:solidFill>
+            <a:tailEnd type="triangle" w="med" len="med"/>
+          </a:ln>
+        </p:spPr>
+        <p:style>
+          <a:lnRef idx="1">
+            <a:schemeClr val="accent1"/>
+          </a:lnRef>
+          <a:fillRef idx="0">
+            <a:schemeClr val="accent1"/>
+          </a:fillRef>
+          <a:effectRef idx="0">
+            <a:schemeClr val="accent1"/>
+          </a:effectRef>
+          <a:fontRef idx="minor">
+            <a:schemeClr val="tx1"/>
+          </a:fontRef>
+        </p:style>
+        <p:txBody>
+          <a:bodyPr rtlCol="0" anchor="ctr"/>
+          <a:lstStyle/>
+          <a:p>
+            <a:pPr algn="ctr"/>
+            <a:endParaRPr lang="en-US"/>
+          </a:p>
+        </p:txBody>
+      </p:sp>
+      <p:sp>
+        <p:nvSpPr>
+          <p:cNvPr id="21" name="TextBox 20">
+            <a:extLst>
+              <a:ext uri="{FF2B5EF4-FFF2-40B4-BE49-F238E27FC236}">
+                <a16:creationId xmlns:a16="http://schemas.microsoft.com/office/drawing/2014/main" id="{F8E7F266-7467-FE46-9469-D94B82C96E1B}"/>
+              </a:ext>
+            </a:extLst>
+          </p:cNvPr>
+          <p:cNvSpPr txBox="1"/>
+          <p:nvPr/>
+        </p:nvSpPr>
+        <p:spPr>
+          <a:xfrm>
+            <a:off x="1212182" y="664217"/>
+            <a:ext cx="717463" cy="276999"/>
+          </a:xfrm>
+          <a:prstGeom prst="rect">
+            <a:avLst/>
+          </a:prstGeom>
+          <a:noFill/>
+          <a:ln>
+            <a:solidFill>
+              <a:schemeClr val="tx1"/>
+            </a:solidFill>
+          </a:ln>
+        </p:spPr>
+        <p:txBody>
+          <a:bodyPr wrap="square" rtlCol="0">
+            <a:spAutoFit/>
+          </a:bodyPr>
+          <a:lstStyle/>
+          <a:p>
+            <a:pPr algn="ctr"/>
+            <a:r>
+              <a:rPr lang="en-US" sz="1200" dirty="0">
+                <a:latin typeface="Helvetica" pitchFamily="2" charset="0"/>
+                <a:cs typeface="Arial" panose="020B0604020202020204" pitchFamily="34" charset="0"/>
+              </a:rPr>
+              <a:t>𝛿 = 0.6</a:t>
+            </a:r>
+          </a:p>
+        </p:txBody>
+      </p:sp>
+      <p:sp>
+        <p:nvSpPr>
+          <p:cNvPr id="43" name="TextBox 42">
+            <a:extLst>
+              <a:ext uri="{FF2B5EF4-FFF2-40B4-BE49-F238E27FC236}">
+                <a16:creationId xmlns:a16="http://schemas.microsoft.com/office/drawing/2014/main" id="{EBAF581F-67E4-DB4A-AE84-A1B41EF125F1}"/>
+              </a:ext>
+            </a:extLst>
+          </p:cNvPr>
+          <p:cNvSpPr txBox="1"/>
+          <p:nvPr/>
+        </p:nvSpPr>
+        <p:spPr>
+          <a:xfrm>
+            <a:off x="4884878" y="2396831"/>
+            <a:ext cx="1025694" cy="307777"/>
+          </a:xfrm>
+          <a:prstGeom prst="rect">
+            <a:avLst/>
+          </a:prstGeom>
+          <a:noFill/>
+        </p:spPr>
+        <p:txBody>
+          <a:bodyPr wrap="square" rtlCol="0">
+            <a:spAutoFit/>
+          </a:bodyPr>
+          <a:lstStyle/>
+          <a:p>
+            <a:pPr algn="ctr"/>
+            <a:r>
+              <a:rPr lang="en-US" sz="1400" b="1" dirty="0">
+                <a:ln w="635">
+                  <a:solidFill>
+                    <a:schemeClr val="bg1">
+                      <a:alpha val="50000"/>
+                    </a:schemeClr>
+                  </a:solidFill>
+                </a:ln>
+                <a:solidFill>
+                  <a:srgbClr val="E52421"/>
+                </a:solidFill>
+                <a:latin typeface="Helvetica Neue" panose="02000503000000020004" pitchFamily="2" charset="0"/>
+                <a:ea typeface="Helvetica Neue" panose="02000503000000020004" pitchFamily="2" charset="0"/>
+                <a:cs typeface="Helvetica Neue" panose="02000503000000020004" pitchFamily="2" charset="0"/>
+              </a:rPr>
+              <a:t>X</a:t>
+            </a:r>
+          </a:p>
+        </p:txBody>
+      </p:sp>
+      <p:sp>
+        <p:nvSpPr>
+          <p:cNvPr id="44" name="TextBox 43">
+            <a:extLst>
+              <a:ext uri="{FF2B5EF4-FFF2-40B4-BE49-F238E27FC236}">
+                <a16:creationId xmlns:a16="http://schemas.microsoft.com/office/drawing/2014/main" id="{54A2134B-5A13-4C49-B96B-9FA335A22955}"/>
+              </a:ext>
+            </a:extLst>
+          </p:cNvPr>
+          <p:cNvSpPr txBox="1"/>
+          <p:nvPr/>
+        </p:nvSpPr>
+        <p:spPr>
+          <a:xfrm>
+            <a:off x="3531741" y="2396831"/>
+            <a:ext cx="1025694" cy="307777"/>
+          </a:xfrm>
+          <a:prstGeom prst="rect">
+            <a:avLst/>
+          </a:prstGeom>
+          <a:noFill/>
+          <a:ln w="3175">
+            <a:noFill/>
+          </a:ln>
+        </p:spPr>
+        <p:txBody>
+          <a:bodyPr wrap="square" rtlCol="0">
+            <a:spAutoFit/>
+          </a:bodyPr>
+          <a:lstStyle/>
+          <a:p>
+            <a:pPr algn="ctr"/>
+            <a:r>
+              <a:rPr lang="en-US" sz="1400" b="1" dirty="0">
+                <a:ln w="635">
+                  <a:solidFill>
+                    <a:schemeClr val="bg1">
+                      <a:alpha val="50000"/>
+                    </a:schemeClr>
+                  </a:solidFill>
+                </a:ln>
+                <a:solidFill>
+                  <a:srgbClr val="E52421"/>
+                </a:solidFill>
+                <a:latin typeface="Helvetica Neue" panose="02000503000000020004" pitchFamily="2" charset="0"/>
+                <a:ea typeface="Helvetica Neue" panose="02000503000000020004" pitchFamily="2" charset="0"/>
+                <a:cs typeface="Helvetica Neue" panose="02000503000000020004" pitchFamily="2" charset="0"/>
+              </a:rPr>
+              <a:t>X</a:t>
+            </a:r>
+          </a:p>
+        </p:txBody>
+      </p:sp>
+      <p:sp>
+        <p:nvSpPr>
+          <p:cNvPr id="45" name="TextBox 44">
+            <a:extLst>
+              <a:ext uri="{FF2B5EF4-FFF2-40B4-BE49-F238E27FC236}">
+                <a16:creationId xmlns:a16="http://schemas.microsoft.com/office/drawing/2014/main" id="{2345CDFD-849A-B246-800F-3251850A4AC8}"/>
+              </a:ext>
+            </a:extLst>
+          </p:cNvPr>
+          <p:cNvSpPr txBox="1"/>
+          <p:nvPr/>
+        </p:nvSpPr>
+        <p:spPr>
+          <a:xfrm>
+            <a:off x="2633718" y="2396830"/>
+            <a:ext cx="1025694" cy="307777"/>
+          </a:xfrm>
+          <a:prstGeom prst="rect">
+            <a:avLst/>
+          </a:prstGeom>
+          <a:noFill/>
+          <a:ln>
+            <a:noFill/>
+          </a:ln>
+        </p:spPr>
+        <p:txBody>
+          <a:bodyPr wrap="square" rtlCol="0">
+            <a:spAutoFit/>
+          </a:bodyPr>
+          <a:lstStyle/>
+          <a:p>
+            <a:pPr algn="ctr"/>
+            <a:r>
+              <a:rPr lang="en-US" sz="1400" b="1" dirty="0">
+                <a:ln w="635">
+                  <a:solidFill>
+                    <a:schemeClr val="bg1">
+                      <a:alpha val="50000"/>
+                    </a:schemeClr>
+                  </a:solidFill>
+                </a:ln>
+                <a:solidFill>
+                  <a:srgbClr val="E52421"/>
+                </a:solidFill>
+                <a:latin typeface="Helvetica Neue" panose="02000503000000020004" pitchFamily="2" charset="0"/>
+                <a:ea typeface="Helvetica Neue" panose="02000503000000020004" pitchFamily="2" charset="0"/>
+                <a:cs typeface="Helvetica Neue" panose="02000503000000020004" pitchFamily="2" charset="0"/>
+              </a:rPr>
+              <a:t>X</a:t>
+            </a:r>
+          </a:p>
+        </p:txBody>
+      </p:sp>
+      <p:sp>
+        <p:nvSpPr>
+          <p:cNvPr id="52" name="TextBox 51">
+            <a:extLst>
+              <a:ext uri="{FF2B5EF4-FFF2-40B4-BE49-F238E27FC236}">
+                <a16:creationId xmlns:a16="http://schemas.microsoft.com/office/drawing/2014/main" id="{7AFF4DB9-24C9-1045-BC6C-A74414FEB7A7}"/>
+              </a:ext>
+            </a:extLst>
+          </p:cNvPr>
+          <p:cNvSpPr txBox="1"/>
+          <p:nvPr/>
+        </p:nvSpPr>
+        <p:spPr>
+          <a:xfrm>
+            <a:off x="1204007" y="5193490"/>
+            <a:ext cx="717463" cy="276999"/>
+          </a:xfrm>
+          <a:prstGeom prst="rect">
+            <a:avLst/>
+          </a:prstGeom>
+          <a:noFill/>
+          <a:ln>
+            <a:solidFill>
+              <a:schemeClr val="tx1"/>
+            </a:solidFill>
+          </a:ln>
+        </p:spPr>
+        <p:txBody>
+          <a:bodyPr wrap="square" rtlCol="0">
+            <a:spAutoFit/>
+          </a:bodyPr>
+          <a:lstStyle/>
+          <a:p>
+            <a:pPr algn="ctr"/>
+            <a:r>
+              <a:rPr lang="en-US" sz="1200" dirty="0">
+                <a:latin typeface="Helvetica" pitchFamily="2" charset="0"/>
+                <a:cs typeface="Arial" panose="020B0604020202020204" pitchFamily="34" charset="0"/>
+              </a:rPr>
+              <a:t>𝛿 = 1.5</a:t>
+            </a:r>
+          </a:p>
+        </p:txBody>
+      </p:sp>
+    </p:spTree>
+    <p:extLst>
+      <p:ext uri="{BB962C8B-B14F-4D97-AF65-F5344CB8AC3E}">
+        <p14:creationId xmlns:p14="http://schemas.microsoft.com/office/powerpoint/2010/main" val="2778951362"/>
+      </p:ext>
+    </p:extLst>
+  </p:cSld>
+  <p:clrMapOvr>
+    <a:masterClrMapping/>
+  </p:clrMapOvr>
+</p:sld>
+</file>
+
+<file path=ppt/slides/slide7.xml><?xml version="1.0" encoding="utf-8"?>
+<p:sld xmlns:a="http://schemas.openxmlformats.org/drawingml/2006/main" xmlns:r="http://schemas.openxmlformats.org/officeDocument/2006/relationships" xmlns:p="http://schemas.openxmlformats.org/presentationml/2006/main" show="0">
+  <p:cSld>
+    <p:bg>
+      <p:bgPr>
+        <a:solidFill>
+          <a:schemeClr val="bg1"/>
+        </a:solidFill>
+        <a:effectLst/>
+      </p:bgPr>
+    </p:bg>
+    <p:spTree>
+      <p:nvGrpSpPr>
+        <p:cNvPr id="1" name=""/>
+        <p:cNvGrpSpPr/>
+        <p:nvPr/>
+      </p:nvGrpSpPr>
+      <p:grpSpPr>
+        <a:xfrm>
+          <a:off x="0" y="0"/>
+          <a:ext cx="0" cy="0"/>
+          <a:chOff x="0" y="0"/>
+          <a:chExt cx="0" cy="0"/>
+        </a:xfrm>
+      </p:grpSpPr>
+      <p:pic>
+        <p:nvPicPr>
+          <p:cNvPr id="4" name="Picture 3">
+            <a:extLst>
+              <a:ext uri="{FF2B5EF4-FFF2-40B4-BE49-F238E27FC236}">
+                <a16:creationId xmlns:a16="http://schemas.microsoft.com/office/drawing/2014/main" id="{1FC29707-A502-9C48-A660-5B77AD9B0A87}"/>
+              </a:ext>
+            </a:extLst>
+          </p:cNvPr>
+          <p:cNvPicPr>
+            <a:picLocks noChangeAspect="1"/>
+          </p:cNvPicPr>
+          <p:nvPr/>
+        </p:nvPicPr>
+        <p:blipFill>
+          <a:blip r:embed="rId3"/>
+          <a:stretch>
+            <a:fillRect/>
+          </a:stretch>
+        </p:blipFill>
+        <p:spPr>
+          <a:xfrm>
+            <a:off x="860307" y="689510"/>
+            <a:ext cx="7058144" cy="5104331"/>
+          </a:xfrm>
+          <a:prstGeom prst="rect">
+            <a:avLst/>
+          </a:prstGeom>
+        </p:spPr>
+      </p:pic>
+      <p:cxnSp>
+        <p:nvCxnSpPr>
+          <p:cNvPr id="8" name="Straight Arrow Connector 7">
+            <a:extLst>
+              <a:ext uri="{FF2B5EF4-FFF2-40B4-BE49-F238E27FC236}">
+                <a16:creationId xmlns:a16="http://schemas.microsoft.com/office/drawing/2014/main" id="{2CFA0645-4355-1D4B-A062-65C42F667DBB}"/>
+              </a:ext>
+            </a:extLst>
+          </p:cNvPr>
+          <p:cNvCxnSpPr>
+            <a:cxnSpLocks/>
+          </p:cNvCxnSpPr>
+          <p:nvPr/>
+        </p:nvCxnSpPr>
+        <p:spPr>
+          <a:xfrm>
+            <a:off x="2023608" y="5748135"/>
+            <a:ext cx="3768920" cy="0"/>
+          </a:xfrm>
+          <a:prstGeom prst="straightConnector1">
+            <a:avLst/>
+          </a:prstGeom>
+          <a:ln w="50800">
+            <a:solidFill>
+              <a:srgbClr val="C00000"/>
+            </a:solidFill>
+            <a:tailEnd type="triangle"/>
+          </a:ln>
+        </p:spPr>
+        <p:style>
+          <a:lnRef idx="1">
+            <a:schemeClr val="accent1"/>
+          </a:lnRef>
+          <a:fillRef idx="0">
+            <a:schemeClr val="accent1"/>
+          </a:fillRef>
+          <a:effectRef idx="0">
+            <a:schemeClr val="accent1"/>
+          </a:effectRef>
+          <a:fontRef idx="minor">
+            <a:schemeClr val="tx1"/>
+          </a:fontRef>
+        </p:style>
+      </p:cxnSp>
+      <p:sp>
+        <p:nvSpPr>
+          <p:cNvPr id="15" name="TextBox 14">
+            <a:extLst>
+              <a:ext uri="{FF2B5EF4-FFF2-40B4-BE49-F238E27FC236}">
+                <a16:creationId xmlns:a16="http://schemas.microsoft.com/office/drawing/2014/main" id="{7AC99226-B6F1-0944-B026-8D5879AC1867}"/>
+              </a:ext>
+            </a:extLst>
+          </p:cNvPr>
+          <p:cNvSpPr txBox="1"/>
+          <p:nvPr/>
+        </p:nvSpPr>
+        <p:spPr>
+          <a:xfrm>
+            <a:off x="1446811" y="5843333"/>
+            <a:ext cx="4922512" cy="376578"/>
+          </a:xfrm>
+          <a:prstGeom prst="rect">
+            <a:avLst/>
+          </a:prstGeom>
+          <a:noFill/>
+        </p:spPr>
+        <p:txBody>
+          <a:bodyPr wrap="square" rtlCol="0">
+            <a:spAutoFit/>
+          </a:bodyPr>
+          <a:lstStyle/>
+          <a:p>
+            <a:pPr algn="ctr"/>
+            <a:r>
+              <a:rPr lang="en-US" sz="1847" dirty="0">
+                <a:solidFill>
+                  <a:srgbClr val="C00000"/>
+                </a:solidFill>
+                <a:latin typeface="Helvetica Neue" panose="02000503000000020004" pitchFamily="2" charset="0"/>
+                <a:ea typeface="Helvetica Neue" panose="02000503000000020004" pitchFamily="2" charset="0"/>
+                <a:cs typeface="Helvetica Neue" panose="02000503000000020004" pitchFamily="2" charset="0"/>
+              </a:rPr>
+              <a:t>X becomes more efficient relative to Y</a:t>
+            </a:r>
+          </a:p>
+        </p:txBody>
+      </p:sp>
+      <p:cxnSp>
+        <p:nvCxnSpPr>
+          <p:cNvPr id="21" name="Straight Arrow Connector 20">
+            <a:extLst>
+              <a:ext uri="{FF2B5EF4-FFF2-40B4-BE49-F238E27FC236}">
+                <a16:creationId xmlns:a16="http://schemas.microsoft.com/office/drawing/2014/main" id="{C0411EDC-F739-F342-B051-6F2652647059}"/>
+              </a:ext>
+            </a:extLst>
+          </p:cNvPr>
+          <p:cNvCxnSpPr>
+            <a:cxnSpLocks/>
+          </p:cNvCxnSpPr>
+          <p:nvPr/>
+        </p:nvCxnSpPr>
+        <p:spPr>
+          <a:xfrm flipV="1">
+            <a:off x="749999" y="854467"/>
+            <a:ext cx="0" cy="3848101"/>
+          </a:xfrm>
+          <a:prstGeom prst="straightConnector1">
+            <a:avLst/>
+          </a:prstGeom>
+          <a:ln w="50800">
+            <a:solidFill>
+              <a:srgbClr val="C00000"/>
+            </a:solidFill>
+            <a:tailEnd type="triangle"/>
+          </a:ln>
+        </p:spPr>
+        <p:style>
+          <a:lnRef idx="1">
+            <a:schemeClr val="accent1"/>
+          </a:lnRef>
+          <a:fillRef idx="0">
+            <a:schemeClr val="accent1"/>
+          </a:fillRef>
+          <a:effectRef idx="0">
+            <a:schemeClr val="accent1"/>
+          </a:effectRef>
+          <a:fontRef idx="minor">
+            <a:schemeClr val="tx1"/>
+          </a:fontRef>
+        </p:style>
+      </p:cxnSp>
+      <p:sp>
+        <p:nvSpPr>
+          <p:cNvPr id="23" name="TextBox 22">
+            <a:extLst>
+              <a:ext uri="{FF2B5EF4-FFF2-40B4-BE49-F238E27FC236}">
+                <a16:creationId xmlns:a16="http://schemas.microsoft.com/office/drawing/2014/main" id="{23972CEC-806B-5349-AF6C-195B9DF7B39B}"/>
+              </a:ext>
+            </a:extLst>
+          </p:cNvPr>
+          <p:cNvSpPr txBox="1"/>
+          <p:nvPr/>
+        </p:nvSpPr>
+        <p:spPr>
+          <a:xfrm rot="16200000">
+            <a:off x="-2414963" y="2590228"/>
+            <a:ext cx="5658424" cy="376578"/>
+          </a:xfrm>
+          <a:prstGeom prst="rect">
+            <a:avLst/>
+          </a:prstGeom>
+          <a:noFill/>
+        </p:spPr>
+        <p:txBody>
+          <a:bodyPr wrap="square" rtlCol="0">
+            <a:spAutoFit/>
+          </a:bodyPr>
+          <a:lstStyle/>
+          <a:p>
+            <a:pPr algn="ctr"/>
+            <a:r>
+              <a:rPr lang="en-US" sz="1847" dirty="0">
+                <a:solidFill>
+                  <a:srgbClr val="C00000"/>
+                </a:solidFill>
+                <a:latin typeface="Helvetica Neue" panose="02000503000000020004" pitchFamily="2" charset="0"/>
+                <a:ea typeface="Helvetica Neue" panose="02000503000000020004" pitchFamily="2" charset="0"/>
+                <a:cs typeface="Helvetica Neue" panose="02000503000000020004" pitchFamily="2" charset="0"/>
+              </a:rPr>
+              <a:t>X becomes less sensitive to stimuli relative to Y</a:t>
+            </a:r>
+          </a:p>
+        </p:txBody>
+      </p:sp>
+      <p:sp>
+        <p:nvSpPr>
+          <p:cNvPr id="31" name="TextBox 30">
+            <a:extLst>
+              <a:ext uri="{FF2B5EF4-FFF2-40B4-BE49-F238E27FC236}">
+                <a16:creationId xmlns:a16="http://schemas.microsoft.com/office/drawing/2014/main" id="{6E5642E8-FC41-A44E-AD68-09A79AF5128B}"/>
+              </a:ext>
+            </a:extLst>
+          </p:cNvPr>
+          <p:cNvSpPr txBox="1"/>
+          <p:nvPr/>
+        </p:nvSpPr>
+        <p:spPr>
+          <a:xfrm>
+            <a:off x="2038690" y="4326746"/>
+            <a:ext cx="271490" cy="412100"/>
+          </a:xfrm>
+          <a:prstGeom prst="rect">
+            <a:avLst/>
+          </a:prstGeom>
+          <a:noFill/>
+        </p:spPr>
+        <p:txBody>
+          <a:bodyPr wrap="square" rtlCol="0">
+            <a:spAutoFit/>
+          </a:bodyPr>
+          <a:lstStyle/>
+          <a:p>
+            <a:pPr algn="ctr"/>
+            <a:r>
+              <a:rPr lang="en-US" sz="2078" b="1" dirty="0">
+                <a:solidFill>
+                  <a:srgbClr val="C00000"/>
+                </a:solidFill>
+                <a:latin typeface="Helvetica Neue" panose="02000503000000020004" pitchFamily="2" charset="0"/>
+                <a:ea typeface="Helvetica Neue" panose="02000503000000020004" pitchFamily="2" charset="0"/>
+                <a:cs typeface="Helvetica Neue" panose="02000503000000020004" pitchFamily="2" charset="0"/>
+              </a:rPr>
+              <a:t>Y</a:t>
+            </a:r>
+          </a:p>
+        </p:txBody>
+      </p:sp>
+    </p:spTree>
+    <p:extLst>
+      <p:ext uri="{BB962C8B-B14F-4D97-AF65-F5344CB8AC3E}">
+        <p14:creationId xmlns:p14="http://schemas.microsoft.com/office/powerpoint/2010/main" val="2810097841"/>
+      </p:ext>
+    </p:extLst>
+  </p:cSld>
+  <p:clrMapOvr>
+    <a:masterClrMapping/>
+  </p:clrMapOvr>
+</p:sld>
+</file>
+
+<file path=ppt/slides/slide8.xml><?xml version="1.0" encoding="utf-8"?>
 <p:sld xmlns:a="http://schemas.openxmlformats.org/drawingml/2006/main" xmlns:r="http://schemas.openxmlformats.org/officeDocument/2006/relationships" xmlns:p="http://schemas.openxmlformats.org/presentationml/2006/main">
   <p:cSld>
     <p:spTree>
@@ -12308,1959 +15067,6 @@
     <p:extLst>
       <p:ext uri="{BB962C8B-B14F-4D97-AF65-F5344CB8AC3E}">
         <p14:creationId xmlns:p14="http://schemas.microsoft.com/office/powerpoint/2010/main" val="3775336862"/>
-      </p:ext>
-    </p:extLst>
-  </p:cSld>
-  <p:clrMapOvr>
-    <a:masterClrMapping/>
-  </p:clrMapOvr>
-</p:sld>
-</file>
-
-<file path=ppt/slides/slide7.xml><?xml version="1.0" encoding="utf-8"?>
-<p:sld xmlns:a="http://schemas.openxmlformats.org/drawingml/2006/main" xmlns:r="http://schemas.openxmlformats.org/officeDocument/2006/relationships" xmlns:p="http://schemas.openxmlformats.org/presentationml/2006/main" show="0">
-  <p:cSld>
-    <p:spTree>
-      <p:nvGrpSpPr>
-        <p:cNvPr id="1" name=""/>
-        <p:cNvGrpSpPr/>
-        <p:nvPr/>
-      </p:nvGrpSpPr>
-      <p:grpSpPr>
-        <a:xfrm>
-          <a:off x="0" y="0"/>
-          <a:ext cx="0" cy="0"/>
-          <a:chOff x="0" y="0"/>
-          <a:chExt cx="0" cy="0"/>
-        </a:xfrm>
-      </p:grpSpPr>
-      <p:pic>
-        <p:nvPicPr>
-          <p:cNvPr id="30" name="Picture 29">
-            <a:extLst>
-              <a:ext uri="{FF2B5EF4-FFF2-40B4-BE49-F238E27FC236}">
-                <a16:creationId xmlns:a16="http://schemas.microsoft.com/office/drawing/2014/main" id="{1DF73A3F-4417-E84E-82BF-4C8190634864}"/>
-              </a:ext>
-            </a:extLst>
-          </p:cNvPr>
-          <p:cNvPicPr>
-            <a:picLocks noChangeAspect="1"/>
-          </p:cNvPicPr>
-          <p:nvPr/>
-        </p:nvPicPr>
-        <p:blipFill>
-          <a:blip r:embed="rId3"/>
-          <a:stretch>
-            <a:fillRect/>
-          </a:stretch>
-        </p:blipFill>
-        <p:spPr>
-          <a:xfrm>
-            <a:off x="2532431" y="1375712"/>
-            <a:ext cx="3078187" cy="3557016"/>
-          </a:xfrm>
-          <a:prstGeom prst="rect">
-            <a:avLst/>
-          </a:prstGeom>
-        </p:spPr>
-      </p:pic>
-      <p:grpSp>
-        <p:nvGrpSpPr>
-          <p:cNvPr id="32" name="Group 31">
-            <a:extLst>
-              <a:ext uri="{FF2B5EF4-FFF2-40B4-BE49-F238E27FC236}">
-                <a16:creationId xmlns:a16="http://schemas.microsoft.com/office/drawing/2014/main" id="{A68FFD5D-1878-4043-B3D3-6F2FC94FFE78}"/>
-              </a:ext>
-            </a:extLst>
-          </p:cNvPr>
-          <p:cNvGrpSpPr/>
-          <p:nvPr/>
-        </p:nvGrpSpPr>
-        <p:grpSpPr>
-          <a:xfrm>
-            <a:off x="2218688" y="1377974"/>
-            <a:ext cx="3669230" cy="3779091"/>
-            <a:chOff x="193399" y="-194993"/>
-            <a:chExt cx="6161517" cy="6345999"/>
-          </a:xfrm>
-        </p:grpSpPr>
-        <p:cxnSp>
-          <p:nvCxnSpPr>
-            <p:cNvPr id="38" name="Straight Arrow Connector 37">
-              <a:extLst>
-                <a:ext uri="{FF2B5EF4-FFF2-40B4-BE49-F238E27FC236}">
-                  <a16:creationId xmlns:a16="http://schemas.microsoft.com/office/drawing/2014/main" id="{A307D4E4-7D02-4047-8582-E3B4AB21BFB2}"/>
-                </a:ext>
-              </a:extLst>
-            </p:cNvPr>
-            <p:cNvCxnSpPr>
-              <a:cxnSpLocks/>
-            </p:cNvCxnSpPr>
-            <p:nvPr/>
-          </p:nvCxnSpPr>
-          <p:spPr>
-            <a:xfrm>
-              <a:off x="1459509" y="5654723"/>
-              <a:ext cx="4283951" cy="0"/>
-            </a:xfrm>
-            <a:prstGeom prst="straightConnector1">
-              <a:avLst/>
-            </a:prstGeom>
-            <a:ln w="50800">
-              <a:solidFill>
-                <a:srgbClr val="C00000"/>
-              </a:solidFill>
-              <a:tailEnd type="triangle"/>
-            </a:ln>
-          </p:spPr>
-          <p:style>
-            <a:lnRef idx="1">
-              <a:schemeClr val="accent1"/>
-            </a:lnRef>
-            <a:fillRef idx="0">
-              <a:schemeClr val="accent1"/>
-            </a:fillRef>
-            <a:effectRef idx="0">
-              <a:schemeClr val="accent1"/>
-            </a:effectRef>
-            <a:fontRef idx="minor">
-              <a:schemeClr val="tx1"/>
-            </a:fontRef>
-          </p:style>
-        </p:cxnSp>
-        <p:sp>
-          <p:nvSpPr>
-            <p:cNvPr id="39" name="TextBox 38">
-              <a:extLst>
-                <a:ext uri="{FF2B5EF4-FFF2-40B4-BE49-F238E27FC236}">
-                  <a16:creationId xmlns:a16="http://schemas.microsoft.com/office/drawing/2014/main" id="{7A891AFA-F877-6342-9C16-A81ED1CDEF25}"/>
-                </a:ext>
-              </a:extLst>
-            </p:cNvPr>
-            <p:cNvSpPr txBox="1"/>
-            <p:nvPr/>
-          </p:nvSpPr>
-          <p:spPr>
-            <a:xfrm>
-              <a:off x="848051" y="5711700"/>
-              <a:ext cx="5506865" cy="439306"/>
-            </a:xfrm>
-            <a:prstGeom prst="rect">
-              <a:avLst/>
-            </a:prstGeom>
-            <a:noFill/>
-          </p:spPr>
-          <p:txBody>
-            <a:bodyPr wrap="square" rtlCol="0">
-              <a:spAutoFit/>
-            </a:bodyPr>
-            <a:lstStyle/>
-            <a:p>
-              <a:pPr algn="ctr"/>
-              <a:r>
-                <a:rPr lang="en-US" sz="1100" dirty="0">
-                  <a:solidFill>
-                    <a:srgbClr val="C00000"/>
-                  </a:solidFill>
-                  <a:latin typeface="Helvetica Neue" panose="02000503000000020004" pitchFamily="2" charset="0"/>
-                  <a:ea typeface="Helvetica Neue" panose="02000503000000020004" pitchFamily="2" charset="0"/>
-                  <a:cs typeface="Helvetica Neue" panose="02000503000000020004" pitchFamily="2" charset="0"/>
-                </a:rPr>
-                <a:t>X becomes less sensitive to stimuli relative to Y</a:t>
-              </a:r>
-            </a:p>
-          </p:txBody>
-        </p:sp>
-        <p:cxnSp>
-          <p:nvCxnSpPr>
-            <p:cNvPr id="40" name="Straight Arrow Connector 39">
-              <a:extLst>
-                <a:ext uri="{FF2B5EF4-FFF2-40B4-BE49-F238E27FC236}">
-                  <a16:creationId xmlns:a16="http://schemas.microsoft.com/office/drawing/2014/main" id="{85D1266F-19AC-0241-AAF6-57849EF30018}"/>
-                </a:ext>
-              </a:extLst>
-            </p:cNvPr>
-            <p:cNvCxnSpPr>
-              <a:cxnSpLocks/>
-            </p:cNvCxnSpPr>
-            <p:nvPr/>
-          </p:nvCxnSpPr>
-          <p:spPr>
-            <a:xfrm flipV="1">
-              <a:off x="750000" y="854466"/>
-              <a:ext cx="0" cy="4047904"/>
-            </a:xfrm>
-            <a:prstGeom prst="straightConnector1">
-              <a:avLst/>
-            </a:prstGeom>
-            <a:ln w="50800">
-              <a:solidFill>
-                <a:srgbClr val="C00000"/>
-              </a:solidFill>
-              <a:tailEnd type="triangle"/>
-            </a:ln>
-          </p:spPr>
-          <p:style>
-            <a:lnRef idx="1">
-              <a:schemeClr val="accent1"/>
-            </a:lnRef>
-            <a:fillRef idx="0">
-              <a:schemeClr val="accent1"/>
-            </a:fillRef>
-            <a:effectRef idx="0">
-              <a:schemeClr val="accent1"/>
-            </a:effectRef>
-            <a:fontRef idx="minor">
-              <a:schemeClr val="tx1"/>
-            </a:fontRef>
-          </p:style>
-        </p:cxnSp>
-        <p:sp>
-          <p:nvSpPr>
-            <p:cNvPr id="41" name="TextBox 40">
-              <a:extLst>
-                <a:ext uri="{FF2B5EF4-FFF2-40B4-BE49-F238E27FC236}">
-                  <a16:creationId xmlns:a16="http://schemas.microsoft.com/office/drawing/2014/main" id="{4D2E4A4A-C872-794A-8C39-528400D778A1}"/>
-                </a:ext>
-              </a:extLst>
-            </p:cNvPr>
-            <p:cNvSpPr txBox="1"/>
-            <p:nvPr/>
-          </p:nvSpPr>
-          <p:spPr>
-            <a:xfrm rot="16200000">
-              <a:off x="-2650121" y="2648527"/>
-              <a:ext cx="6126345" cy="439306"/>
-            </a:xfrm>
-            <a:prstGeom prst="rect">
-              <a:avLst/>
-            </a:prstGeom>
-            <a:noFill/>
-          </p:spPr>
-          <p:txBody>
-            <a:bodyPr wrap="square" rtlCol="0">
-              <a:spAutoFit/>
-            </a:bodyPr>
-            <a:lstStyle/>
-            <a:p>
-              <a:pPr algn="ctr"/>
-              <a:r>
-                <a:rPr lang="en-US" sz="1100" dirty="0">
-                  <a:solidFill>
-                    <a:srgbClr val="C00000"/>
-                  </a:solidFill>
-                  <a:latin typeface="Helvetica Neue" panose="02000503000000020004" pitchFamily="2" charset="0"/>
-                  <a:ea typeface="Helvetica Neue" panose="02000503000000020004" pitchFamily="2" charset="0"/>
-                  <a:cs typeface="Helvetica Neue" panose="02000503000000020004" pitchFamily="2" charset="0"/>
-                </a:rPr>
-                <a:t>X becomes more efficient relative to Y</a:t>
-              </a:r>
-            </a:p>
-          </p:txBody>
-        </p:sp>
-        <p:sp>
-          <p:nvSpPr>
-            <p:cNvPr id="42" name="TextBox 41">
-              <a:extLst>
-                <a:ext uri="{FF2B5EF4-FFF2-40B4-BE49-F238E27FC236}">
-                  <a16:creationId xmlns:a16="http://schemas.microsoft.com/office/drawing/2014/main" id="{6308A167-A527-214B-9F7E-05AF52A19B71}"/>
-                </a:ext>
-              </a:extLst>
-            </p:cNvPr>
-            <p:cNvSpPr txBox="1"/>
-            <p:nvPr/>
-          </p:nvSpPr>
-          <p:spPr>
-            <a:xfrm>
-              <a:off x="966670" y="4406224"/>
-              <a:ext cx="1569713" cy="516831"/>
-            </a:xfrm>
-            <a:prstGeom prst="rect">
-              <a:avLst/>
-            </a:prstGeom>
-            <a:noFill/>
-          </p:spPr>
-          <p:txBody>
-            <a:bodyPr wrap="square" rtlCol="0">
-              <a:spAutoFit/>
-            </a:bodyPr>
-            <a:lstStyle/>
-            <a:p>
-              <a:pPr algn="ctr"/>
-              <a:r>
-                <a:rPr lang="en-US" sz="1400" b="1" dirty="0">
-                  <a:ln w="635">
-                    <a:solidFill>
-                      <a:schemeClr val="bg1">
-                        <a:alpha val="50000"/>
-                      </a:schemeClr>
-                    </a:solidFill>
-                  </a:ln>
-                  <a:solidFill>
-                    <a:srgbClr val="2B4B9B"/>
-                  </a:solidFill>
-                  <a:latin typeface="Helvetica Neue" panose="02000503000000020004" pitchFamily="2" charset="0"/>
-                  <a:ea typeface="Helvetica Neue" panose="02000503000000020004" pitchFamily="2" charset="0"/>
-                  <a:cs typeface="Helvetica Neue" panose="02000503000000020004" pitchFamily="2" charset="0"/>
-                </a:rPr>
-                <a:t>Y</a:t>
-              </a:r>
-            </a:p>
-          </p:txBody>
-        </p:sp>
-      </p:grpSp>
-      <p:sp>
-        <p:nvSpPr>
-          <p:cNvPr id="14" name="TextBox 13">
-            <a:extLst>
-              <a:ext uri="{FF2B5EF4-FFF2-40B4-BE49-F238E27FC236}">
-                <a16:creationId xmlns:a16="http://schemas.microsoft.com/office/drawing/2014/main" id="{FA8196DD-48D5-9049-896A-63BB364405C1}"/>
-              </a:ext>
-            </a:extLst>
-          </p:cNvPr>
-          <p:cNvSpPr txBox="1"/>
-          <p:nvPr/>
-        </p:nvSpPr>
-        <p:spPr>
-          <a:xfrm flipH="1">
-            <a:off x="2069490" y="1365182"/>
-            <a:ext cx="556224" cy="337025"/>
-          </a:xfrm>
-          <a:prstGeom prst="rect">
-            <a:avLst/>
-          </a:prstGeom>
-          <a:noFill/>
-        </p:spPr>
-        <p:txBody>
-          <a:bodyPr wrap="square" rtlCol="0">
-            <a:spAutoFit/>
-          </a:bodyPr>
-          <a:lstStyle/>
-          <a:p>
-            <a:pPr algn="ctr"/>
-            <a:r>
-              <a:rPr lang="en-US" sz="1400" b="1" dirty="0">
-                <a:latin typeface="Helvetica Neue" panose="02000503000000020004" pitchFamily="2" charset="0"/>
-                <a:ea typeface="Helvetica Neue" panose="02000503000000020004" pitchFamily="2" charset="0"/>
-                <a:cs typeface="Helvetica Neue" panose="02000503000000020004" pitchFamily="2" charset="0"/>
-              </a:rPr>
-              <a:t>e</a:t>
-            </a:r>
-          </a:p>
-        </p:txBody>
-      </p:sp>
-      <p:sp>
-        <p:nvSpPr>
-          <p:cNvPr id="50" name="Arc 49">
-            <a:extLst>
-              <a:ext uri="{FF2B5EF4-FFF2-40B4-BE49-F238E27FC236}">
-                <a16:creationId xmlns:a16="http://schemas.microsoft.com/office/drawing/2014/main" id="{7F1EE56F-D0B6-B745-84B1-36ADB5D54CBB}"/>
-              </a:ext>
-            </a:extLst>
-          </p:cNvPr>
-          <p:cNvSpPr/>
-          <p:nvPr/>
-        </p:nvSpPr>
-        <p:spPr>
-          <a:xfrm rot="20840186">
-            <a:off x="504313" y="866112"/>
-            <a:ext cx="2679311" cy="3645737"/>
-          </a:xfrm>
-          <a:prstGeom prst="arc">
-            <a:avLst>
-              <a:gd name="adj1" fmla="val 17122527"/>
-              <a:gd name="adj2" fmla="val 21551542"/>
-            </a:avLst>
-          </a:prstGeom>
-          <a:ln w="19050">
-            <a:solidFill>
-              <a:schemeClr val="bg2">
-                <a:lumMod val="75000"/>
-              </a:schemeClr>
-            </a:solidFill>
-            <a:tailEnd type="triangle" w="med" len="med"/>
-          </a:ln>
-        </p:spPr>
-        <p:style>
-          <a:lnRef idx="1">
-            <a:schemeClr val="accent1"/>
-          </a:lnRef>
-          <a:fillRef idx="0">
-            <a:schemeClr val="accent1"/>
-          </a:fillRef>
-          <a:effectRef idx="0">
-            <a:schemeClr val="accent1"/>
-          </a:effectRef>
-          <a:fontRef idx="minor">
-            <a:schemeClr val="tx1"/>
-          </a:fontRef>
-        </p:style>
-        <p:txBody>
-          <a:bodyPr rtlCol="0" anchor="ctr"/>
-          <a:lstStyle/>
-          <a:p>
-            <a:pPr algn="ctr"/>
-            <a:endParaRPr lang="en-US"/>
-          </a:p>
-        </p:txBody>
-      </p:sp>
-      <p:grpSp>
-        <p:nvGrpSpPr>
-          <p:cNvPr id="8" name="Group 7">
-            <a:extLst>
-              <a:ext uri="{FF2B5EF4-FFF2-40B4-BE49-F238E27FC236}">
-                <a16:creationId xmlns:a16="http://schemas.microsoft.com/office/drawing/2014/main" id="{8518B814-7DC7-BC4D-9421-D06D1CDE7D08}"/>
-              </a:ext>
-            </a:extLst>
-          </p:cNvPr>
-          <p:cNvGrpSpPr>
-            <a:grpSpLocks noChangeAspect="1"/>
-          </p:cNvGrpSpPr>
-          <p:nvPr/>
-        </p:nvGrpSpPr>
-        <p:grpSpPr>
-          <a:xfrm>
-            <a:off x="72319" y="347505"/>
-            <a:ext cx="1911095" cy="2323331"/>
-            <a:chOff x="-58198" y="3311957"/>
-            <a:chExt cx="2608682" cy="3171393"/>
-          </a:xfrm>
-        </p:grpSpPr>
-        <p:grpSp>
-          <p:nvGrpSpPr>
-            <p:cNvPr id="6" name="Group 5">
-              <a:extLst>
-                <a:ext uri="{FF2B5EF4-FFF2-40B4-BE49-F238E27FC236}">
-                  <a16:creationId xmlns:a16="http://schemas.microsoft.com/office/drawing/2014/main" id="{EA84E907-5290-6248-A782-79A0823CBA34}"/>
-                </a:ext>
-              </a:extLst>
-            </p:cNvPr>
-            <p:cNvGrpSpPr>
-              <a:grpSpLocks noChangeAspect="1"/>
-            </p:cNvGrpSpPr>
-            <p:nvPr/>
-          </p:nvGrpSpPr>
-          <p:grpSpPr>
-            <a:xfrm>
-              <a:off x="-58198" y="3311957"/>
-              <a:ext cx="2608682" cy="3171393"/>
-              <a:chOff x="1349839" y="-6293"/>
-              <a:chExt cx="2785122" cy="3385893"/>
-            </a:xfrm>
-          </p:grpSpPr>
-          <p:pic>
-            <p:nvPicPr>
-              <p:cNvPr id="9" name="Picture 8">
-                <a:extLst>
-                  <a:ext uri="{FF2B5EF4-FFF2-40B4-BE49-F238E27FC236}">
-                    <a16:creationId xmlns:a16="http://schemas.microsoft.com/office/drawing/2014/main" id="{B60DE2FD-9935-D249-950F-FE366DBB2A07}"/>
-                  </a:ext>
-                </a:extLst>
-              </p:cNvPr>
-              <p:cNvPicPr>
-                <a:picLocks noChangeAspect="1"/>
-              </p:cNvPicPr>
-              <p:nvPr/>
-            </p:nvPicPr>
-            <p:blipFill>
-              <a:blip r:embed="rId4"/>
-              <a:stretch>
-                <a:fillRect/>
-              </a:stretch>
-            </p:blipFill>
-            <p:spPr>
-              <a:xfrm>
-                <a:off x="1411972" y="275852"/>
-                <a:ext cx="2722989" cy="3103748"/>
-              </a:xfrm>
-              <a:prstGeom prst="rect">
-                <a:avLst/>
-              </a:prstGeom>
-            </p:spPr>
-          </p:pic>
-          <p:sp>
-            <p:nvSpPr>
-              <p:cNvPr id="16" name="TextBox 15">
-                <a:extLst>
-                  <a:ext uri="{FF2B5EF4-FFF2-40B4-BE49-F238E27FC236}">
-                    <a16:creationId xmlns:a16="http://schemas.microsoft.com/office/drawing/2014/main" id="{0B8EA217-6F2C-0943-8D48-F70EC12EC200}"/>
-                  </a:ext>
-                </a:extLst>
-              </p:cNvPr>
-              <p:cNvSpPr txBox="1"/>
-              <p:nvPr/>
-            </p:nvSpPr>
-            <p:spPr>
-              <a:xfrm>
-                <a:off x="1349839" y="-6293"/>
-                <a:ext cx="578783" cy="448537"/>
-              </a:xfrm>
-              <a:prstGeom prst="rect">
-                <a:avLst/>
-              </a:prstGeom>
-              <a:noFill/>
-            </p:spPr>
-            <p:txBody>
-              <a:bodyPr wrap="square" rtlCol="0">
-                <a:spAutoFit/>
-              </a:bodyPr>
-              <a:lstStyle/>
-              <a:p>
-                <a:pPr algn="ctr"/>
-                <a:r>
-                  <a:rPr lang="en-US" sz="1400" b="1" dirty="0">
-                    <a:latin typeface="Helvetica Neue" panose="02000503000000020004" pitchFamily="2" charset="0"/>
-                    <a:ea typeface="Helvetica Neue" panose="02000503000000020004" pitchFamily="2" charset="0"/>
-                    <a:cs typeface="Helvetica Neue" panose="02000503000000020004" pitchFamily="2" charset="0"/>
-                  </a:rPr>
-                  <a:t>a</a:t>
-                </a:r>
-              </a:p>
-            </p:txBody>
-          </p:sp>
-        </p:grpSp>
-        <p:sp>
-          <p:nvSpPr>
-            <p:cNvPr id="34" name="Rectangle 33">
-              <a:extLst>
-                <a:ext uri="{FF2B5EF4-FFF2-40B4-BE49-F238E27FC236}">
-                  <a16:creationId xmlns:a16="http://schemas.microsoft.com/office/drawing/2014/main" id="{396A4478-41EF-6B4D-B23C-2A4BA2D8DABE}"/>
-                </a:ext>
-              </a:extLst>
-            </p:cNvPr>
-            <p:cNvSpPr/>
-            <p:nvPr/>
-          </p:nvSpPr>
-          <p:spPr>
-            <a:xfrm>
-              <a:off x="43032" y="3342196"/>
-              <a:ext cx="2499084" cy="3094176"/>
-            </a:xfrm>
-            <a:prstGeom prst="rect">
-              <a:avLst/>
-            </a:prstGeom>
-            <a:noFill/>
-            <a:ln w="19050">
-              <a:solidFill>
-                <a:schemeClr val="bg2">
-                  <a:lumMod val="75000"/>
-                </a:schemeClr>
-              </a:solidFill>
-            </a:ln>
-          </p:spPr>
-          <p:style>
-            <a:lnRef idx="2">
-              <a:schemeClr val="accent1">
-                <a:shade val="50000"/>
-              </a:schemeClr>
-            </a:lnRef>
-            <a:fillRef idx="1">
-              <a:schemeClr val="accent1"/>
-            </a:fillRef>
-            <a:effectRef idx="0">
-              <a:schemeClr val="accent1"/>
-            </a:effectRef>
-            <a:fontRef idx="minor">
-              <a:schemeClr val="lt1"/>
-            </a:fontRef>
-          </p:style>
-          <p:txBody>
-            <a:bodyPr rtlCol="0" anchor="ctr"/>
-            <a:lstStyle/>
-            <a:p>
-              <a:pPr algn="ctr"/>
-              <a:endParaRPr lang="en-US"/>
-            </a:p>
-          </p:txBody>
-        </p:sp>
-        <p:sp>
-          <p:nvSpPr>
-            <p:cNvPr id="56" name="TextBox 55">
-              <a:extLst>
-                <a:ext uri="{FF2B5EF4-FFF2-40B4-BE49-F238E27FC236}">
-                  <a16:creationId xmlns:a16="http://schemas.microsoft.com/office/drawing/2014/main" id="{53F4DC70-1EA9-4149-AFF0-F773D783C706}"/>
-                </a:ext>
-              </a:extLst>
-            </p:cNvPr>
-            <p:cNvSpPr txBox="1"/>
-            <p:nvPr/>
-          </p:nvSpPr>
-          <p:spPr>
-            <a:xfrm>
-              <a:off x="352102" y="3388645"/>
-              <a:ext cx="2179035" cy="357103"/>
-            </a:xfrm>
-            <a:prstGeom prst="rect">
-              <a:avLst/>
-            </a:prstGeom>
-            <a:noFill/>
-          </p:spPr>
-          <p:txBody>
-            <a:bodyPr wrap="square" rtlCol="0">
-              <a:spAutoFit/>
-            </a:bodyPr>
-            <a:lstStyle/>
-            <a:p>
-              <a:pPr algn="r"/>
-              <a:r>
-                <a:rPr lang="en-US" sz="1100" i="1" dirty="0">
-                  <a:solidFill>
-                    <a:srgbClr val="8FB132"/>
-                  </a:solidFill>
-                  <a:latin typeface="Arial" panose="020B0604020202020204" pitchFamily="34" charset="0"/>
-                  <a:ea typeface="Helvetica Neue" panose="02000503000000020004" pitchFamily="2" charset="0"/>
-                  <a:cs typeface="Arial" panose="020B0604020202020204" pitchFamily="34" charset="0"/>
-                </a:rPr>
-                <a:t>Downward contagion</a:t>
-              </a:r>
-            </a:p>
-          </p:txBody>
-        </p:sp>
-      </p:grpSp>
-      <p:grpSp>
-        <p:nvGrpSpPr>
-          <p:cNvPr id="13" name="Group 12">
-            <a:extLst>
-              <a:ext uri="{FF2B5EF4-FFF2-40B4-BE49-F238E27FC236}">
-                <a16:creationId xmlns:a16="http://schemas.microsoft.com/office/drawing/2014/main" id="{3B9115EA-2FB8-6346-B2E2-C1E514C8EF31}"/>
-              </a:ext>
-            </a:extLst>
-          </p:cNvPr>
-          <p:cNvGrpSpPr>
-            <a:grpSpLocks noChangeAspect="1"/>
-          </p:cNvGrpSpPr>
-          <p:nvPr/>
-        </p:nvGrpSpPr>
-        <p:grpSpPr>
-          <a:xfrm>
-            <a:off x="5906136" y="3596714"/>
-            <a:ext cx="1911095" cy="2308700"/>
-            <a:chOff x="5316676" y="22240"/>
-            <a:chExt cx="2601773" cy="3143075"/>
-          </a:xfrm>
-        </p:grpSpPr>
-        <p:grpSp>
-          <p:nvGrpSpPr>
-            <p:cNvPr id="10" name="Group 9">
-              <a:extLst>
-                <a:ext uri="{FF2B5EF4-FFF2-40B4-BE49-F238E27FC236}">
-                  <a16:creationId xmlns:a16="http://schemas.microsoft.com/office/drawing/2014/main" id="{85988E11-6252-A940-84F3-2690A1CE234E}"/>
-                </a:ext>
-              </a:extLst>
-            </p:cNvPr>
-            <p:cNvGrpSpPr>
-              <a:grpSpLocks noChangeAspect="1"/>
-            </p:cNvGrpSpPr>
-            <p:nvPr/>
-          </p:nvGrpSpPr>
-          <p:grpSpPr>
-            <a:xfrm>
-              <a:off x="5316676" y="22240"/>
-              <a:ext cx="2601773" cy="3143075"/>
-              <a:chOff x="1335316" y="3101234"/>
-              <a:chExt cx="2799645" cy="3382115"/>
-            </a:xfrm>
-          </p:grpSpPr>
-          <p:pic>
-            <p:nvPicPr>
-              <p:cNvPr id="5" name="Picture 4">
-                <a:extLst>
-                  <a:ext uri="{FF2B5EF4-FFF2-40B4-BE49-F238E27FC236}">
-                    <a16:creationId xmlns:a16="http://schemas.microsoft.com/office/drawing/2014/main" id="{CB894BB7-CF0D-3745-B183-175510696146}"/>
-                  </a:ext>
-                </a:extLst>
-              </p:cNvPr>
-              <p:cNvPicPr>
-                <a:picLocks noChangeAspect="1"/>
-              </p:cNvPicPr>
-              <p:nvPr/>
-            </p:nvPicPr>
-            <p:blipFill>
-              <a:blip r:embed="rId5"/>
-              <a:stretch>
-                <a:fillRect/>
-              </a:stretch>
-            </p:blipFill>
-            <p:spPr>
-              <a:xfrm>
-                <a:off x="1411971" y="3379601"/>
-                <a:ext cx="2722990" cy="3103748"/>
-              </a:xfrm>
-              <a:prstGeom prst="rect">
-                <a:avLst/>
-              </a:prstGeom>
-              <a:ln>
-                <a:noFill/>
-              </a:ln>
-            </p:spPr>
-          </p:pic>
-          <p:sp>
-            <p:nvSpPr>
-              <p:cNvPr id="20" name="TextBox 19">
-                <a:extLst>
-                  <a:ext uri="{FF2B5EF4-FFF2-40B4-BE49-F238E27FC236}">
-                    <a16:creationId xmlns:a16="http://schemas.microsoft.com/office/drawing/2014/main" id="{E8C86BD2-9FE9-8C4D-A835-2EAAEE829653}"/>
-                  </a:ext>
-                </a:extLst>
-              </p:cNvPr>
-              <p:cNvSpPr txBox="1"/>
-              <p:nvPr/>
-            </p:nvSpPr>
-            <p:spPr>
-              <a:xfrm>
-                <a:off x="1335316" y="3101234"/>
-                <a:ext cx="578784" cy="450876"/>
-              </a:xfrm>
-              <a:prstGeom prst="rect">
-                <a:avLst/>
-              </a:prstGeom>
-              <a:noFill/>
-              <a:ln>
-                <a:noFill/>
-              </a:ln>
-            </p:spPr>
-            <p:txBody>
-              <a:bodyPr wrap="square" rtlCol="0">
-                <a:spAutoFit/>
-              </a:bodyPr>
-              <a:lstStyle/>
-              <a:p>
-                <a:pPr algn="ctr"/>
-                <a:r>
-                  <a:rPr lang="en-US" sz="1400" b="1" dirty="0">
-                    <a:latin typeface="Helvetica Neue" panose="02000503000000020004" pitchFamily="2" charset="0"/>
-                    <a:ea typeface="Helvetica Neue" panose="02000503000000020004" pitchFamily="2" charset="0"/>
-                    <a:cs typeface="Helvetica Neue" panose="02000503000000020004" pitchFamily="2" charset="0"/>
-                  </a:rPr>
-                  <a:t>c</a:t>
-                </a:r>
-              </a:p>
-            </p:txBody>
-          </p:sp>
-        </p:grpSp>
-        <p:sp>
-          <p:nvSpPr>
-            <p:cNvPr id="36" name="Rectangle 35">
-              <a:extLst>
-                <a:ext uri="{FF2B5EF4-FFF2-40B4-BE49-F238E27FC236}">
-                  <a16:creationId xmlns:a16="http://schemas.microsoft.com/office/drawing/2014/main" id="{20FB9D9C-9342-6748-AB68-E0695D7BA19D}"/>
-                </a:ext>
-              </a:extLst>
-            </p:cNvPr>
-            <p:cNvSpPr/>
-            <p:nvPr/>
-          </p:nvSpPr>
-          <p:spPr>
-            <a:xfrm>
-              <a:off x="5395420" y="46978"/>
-              <a:ext cx="2489736" cy="3098952"/>
-            </a:xfrm>
-            <a:prstGeom prst="rect">
-              <a:avLst/>
-            </a:prstGeom>
-            <a:noFill/>
-            <a:ln w="19050">
-              <a:solidFill>
-                <a:schemeClr val="bg2">
-                  <a:lumMod val="75000"/>
-                </a:schemeClr>
-              </a:solidFill>
-            </a:ln>
-          </p:spPr>
-          <p:style>
-            <a:lnRef idx="2">
-              <a:schemeClr val="accent1">
-                <a:shade val="50000"/>
-              </a:schemeClr>
-            </a:lnRef>
-            <a:fillRef idx="1">
-              <a:schemeClr val="accent1"/>
-            </a:fillRef>
-            <a:effectRef idx="0">
-              <a:schemeClr val="accent1"/>
-            </a:effectRef>
-            <a:fontRef idx="minor">
-              <a:schemeClr val="lt1"/>
-            </a:fontRef>
-          </p:style>
-          <p:txBody>
-            <a:bodyPr rtlCol="0" anchor="ctr"/>
-            <a:lstStyle/>
-            <a:p>
-              <a:pPr algn="ctr"/>
-              <a:endParaRPr lang="en-US"/>
-            </a:p>
-          </p:txBody>
-        </p:sp>
-        <p:sp>
-          <p:nvSpPr>
-            <p:cNvPr id="57" name="TextBox 56">
-              <a:extLst>
-                <a:ext uri="{FF2B5EF4-FFF2-40B4-BE49-F238E27FC236}">
-                  <a16:creationId xmlns:a16="http://schemas.microsoft.com/office/drawing/2014/main" id="{9E621244-D874-B242-88CF-8CC803F84200}"/>
-                </a:ext>
-              </a:extLst>
-            </p:cNvPr>
-            <p:cNvSpPr txBox="1"/>
-            <p:nvPr/>
-          </p:nvSpPr>
-          <p:spPr>
-            <a:xfrm>
-              <a:off x="6048638" y="112266"/>
-              <a:ext cx="1836937" cy="356157"/>
-            </a:xfrm>
-            <a:prstGeom prst="rect">
-              <a:avLst/>
-            </a:prstGeom>
-            <a:noFill/>
-          </p:spPr>
-          <p:txBody>
-            <a:bodyPr wrap="square" rtlCol="0">
-              <a:spAutoFit/>
-            </a:bodyPr>
-            <a:lstStyle/>
-            <a:p>
-              <a:pPr algn="ctr"/>
-              <a:r>
-                <a:rPr lang="en-US" sz="1100" i="1" dirty="0">
-                  <a:solidFill>
-                    <a:srgbClr val="8FB132"/>
-                  </a:solidFill>
-                  <a:latin typeface="Arial" panose="020B0604020202020204" pitchFamily="34" charset="0"/>
-                  <a:ea typeface="Helvetica Neue" panose="02000503000000020004" pitchFamily="2" charset="0"/>
-                  <a:cs typeface="Arial" panose="020B0604020202020204" pitchFamily="34" charset="0"/>
-                </a:rPr>
-                <a:t>No effect</a:t>
-              </a:r>
-            </a:p>
-          </p:txBody>
-        </p:sp>
-      </p:grpSp>
-      <p:grpSp>
-        <p:nvGrpSpPr>
-          <p:cNvPr id="12" name="Group 11">
-            <a:extLst>
-              <a:ext uri="{FF2B5EF4-FFF2-40B4-BE49-F238E27FC236}">
-                <a16:creationId xmlns:a16="http://schemas.microsoft.com/office/drawing/2014/main" id="{1A3343D7-FCA7-644A-8765-3A703946A4E5}"/>
-              </a:ext>
-            </a:extLst>
-          </p:cNvPr>
-          <p:cNvGrpSpPr>
-            <a:grpSpLocks noChangeAspect="1"/>
-          </p:cNvGrpSpPr>
-          <p:nvPr/>
-        </p:nvGrpSpPr>
-        <p:grpSpPr>
-          <a:xfrm>
-            <a:off x="100081" y="3625473"/>
-            <a:ext cx="1912042" cy="2316229"/>
-            <a:chOff x="5316676" y="3333982"/>
-            <a:chExt cx="2601776" cy="3151766"/>
-          </a:xfrm>
-        </p:grpSpPr>
-        <p:grpSp>
-          <p:nvGrpSpPr>
-            <p:cNvPr id="4" name="Group 3">
-              <a:extLst>
-                <a:ext uri="{FF2B5EF4-FFF2-40B4-BE49-F238E27FC236}">
-                  <a16:creationId xmlns:a16="http://schemas.microsoft.com/office/drawing/2014/main" id="{DDE81728-7576-004D-8F69-58886B6402DE}"/>
-                </a:ext>
-              </a:extLst>
-            </p:cNvPr>
-            <p:cNvGrpSpPr>
-              <a:grpSpLocks noChangeAspect="1"/>
-            </p:cNvGrpSpPr>
-            <p:nvPr/>
-          </p:nvGrpSpPr>
-          <p:grpSpPr>
-            <a:xfrm>
-              <a:off x="5316676" y="3333982"/>
-              <a:ext cx="2601776" cy="3151766"/>
-              <a:chOff x="3728733" y="9962"/>
-              <a:chExt cx="2777745" cy="3364934"/>
-            </a:xfrm>
-          </p:grpSpPr>
-          <p:pic>
-            <p:nvPicPr>
-              <p:cNvPr id="7" name="Picture 6">
-                <a:extLst>
-                  <a:ext uri="{FF2B5EF4-FFF2-40B4-BE49-F238E27FC236}">
-                    <a16:creationId xmlns:a16="http://schemas.microsoft.com/office/drawing/2014/main" id="{21E58C93-E278-C34A-B421-721451A6D619}"/>
-                  </a:ext>
-                </a:extLst>
-              </p:cNvPr>
-              <p:cNvPicPr>
-                <a:picLocks noChangeAspect="1"/>
-              </p:cNvPicPr>
-              <p:nvPr/>
-            </p:nvPicPr>
-            <p:blipFill>
-              <a:blip r:embed="rId6"/>
-              <a:stretch>
-                <a:fillRect/>
-              </a:stretch>
-            </p:blipFill>
-            <p:spPr>
-              <a:xfrm>
-                <a:off x="3783488" y="271148"/>
-                <a:ext cx="2722990" cy="3103748"/>
-              </a:xfrm>
-              <a:prstGeom prst="rect">
-                <a:avLst/>
-              </a:prstGeom>
-            </p:spPr>
-          </p:pic>
-          <p:sp>
-            <p:nvSpPr>
-              <p:cNvPr id="18" name="TextBox 17">
-                <a:extLst>
-                  <a:ext uri="{FF2B5EF4-FFF2-40B4-BE49-F238E27FC236}">
-                    <a16:creationId xmlns:a16="http://schemas.microsoft.com/office/drawing/2014/main" id="{46BBEC22-8FD3-4646-AE1A-C6C1C5D5E1E6}"/>
-                  </a:ext>
-                </a:extLst>
-              </p:cNvPr>
-              <p:cNvSpPr txBox="1"/>
-              <p:nvPr/>
-            </p:nvSpPr>
-            <p:spPr>
-              <a:xfrm>
-                <a:off x="3728733" y="9962"/>
-                <a:ext cx="578784" cy="447127"/>
-              </a:xfrm>
-              <a:prstGeom prst="rect">
-                <a:avLst/>
-              </a:prstGeom>
-              <a:noFill/>
-            </p:spPr>
-            <p:txBody>
-              <a:bodyPr wrap="square" rtlCol="0">
-                <a:spAutoFit/>
-              </a:bodyPr>
-              <a:lstStyle/>
-              <a:p>
-                <a:pPr algn="ctr"/>
-                <a:r>
-                  <a:rPr lang="en-US" sz="1400" b="1" dirty="0">
-                    <a:latin typeface="Helvetica Neue" panose="02000503000000020004" pitchFamily="2" charset="0"/>
-                    <a:ea typeface="Helvetica Neue" panose="02000503000000020004" pitchFamily="2" charset="0"/>
-                    <a:cs typeface="Helvetica Neue" panose="02000503000000020004" pitchFamily="2" charset="0"/>
-                  </a:rPr>
-                  <a:t>b</a:t>
-                </a:r>
-              </a:p>
-            </p:txBody>
-          </p:sp>
-        </p:grpSp>
-        <p:sp>
-          <p:nvSpPr>
-            <p:cNvPr id="37" name="Rectangle 36">
-              <a:extLst>
-                <a:ext uri="{FF2B5EF4-FFF2-40B4-BE49-F238E27FC236}">
-                  <a16:creationId xmlns:a16="http://schemas.microsoft.com/office/drawing/2014/main" id="{972F0A53-93E3-CD44-83A9-5A79649E4C74}"/>
-                </a:ext>
-              </a:extLst>
-            </p:cNvPr>
-            <p:cNvSpPr/>
-            <p:nvPr/>
-          </p:nvSpPr>
-          <p:spPr>
-            <a:xfrm>
-              <a:off x="5391772" y="3342195"/>
-              <a:ext cx="2488506" cy="3094174"/>
-            </a:xfrm>
-            <a:prstGeom prst="rect">
-              <a:avLst/>
-            </a:prstGeom>
-            <a:noFill/>
-            <a:ln w="19050">
-              <a:solidFill>
-                <a:schemeClr val="bg2">
-                  <a:lumMod val="75000"/>
-                </a:schemeClr>
-              </a:solidFill>
-            </a:ln>
-          </p:spPr>
-          <p:style>
-            <a:lnRef idx="2">
-              <a:schemeClr val="accent1">
-                <a:shade val="50000"/>
-              </a:schemeClr>
-            </a:lnRef>
-            <a:fillRef idx="1">
-              <a:schemeClr val="accent1"/>
-            </a:fillRef>
-            <a:effectRef idx="0">
-              <a:schemeClr val="accent1"/>
-            </a:effectRef>
-            <a:fontRef idx="minor">
-              <a:schemeClr val="lt1"/>
-            </a:fontRef>
-          </p:style>
-          <p:txBody>
-            <a:bodyPr rtlCol="0" anchor="ctr"/>
-            <a:lstStyle/>
-            <a:p>
-              <a:pPr algn="ctr"/>
-              <a:endParaRPr lang="en-US"/>
-            </a:p>
-          </p:txBody>
-        </p:sp>
-        <p:sp>
-          <p:nvSpPr>
-            <p:cNvPr id="58" name="TextBox 57">
-              <a:extLst>
-                <a:ext uri="{FF2B5EF4-FFF2-40B4-BE49-F238E27FC236}">
-                  <a16:creationId xmlns:a16="http://schemas.microsoft.com/office/drawing/2014/main" id="{B8B22680-8FCF-564A-A59A-6339D506D934}"/>
-                </a:ext>
-              </a:extLst>
-            </p:cNvPr>
-            <p:cNvSpPr txBox="1"/>
-            <p:nvPr/>
-          </p:nvSpPr>
-          <p:spPr>
-            <a:xfrm>
-              <a:off x="6037881" y="3388644"/>
-              <a:ext cx="1836937" cy="355981"/>
-            </a:xfrm>
-            <a:prstGeom prst="rect">
-              <a:avLst/>
-            </a:prstGeom>
-            <a:noFill/>
-          </p:spPr>
-          <p:txBody>
-            <a:bodyPr wrap="square" rtlCol="0">
-              <a:spAutoFit/>
-            </a:bodyPr>
-            <a:lstStyle/>
-            <a:p>
-              <a:pPr algn="ctr"/>
-              <a:r>
-                <a:rPr lang="en-US" sz="1100" i="1" dirty="0">
-                  <a:solidFill>
-                    <a:srgbClr val="8FB132"/>
-                  </a:solidFill>
-                  <a:latin typeface="Arial" panose="020B0604020202020204" pitchFamily="34" charset="0"/>
-                  <a:ea typeface="Helvetica Neue" panose="02000503000000020004" pitchFamily="2" charset="0"/>
-                  <a:cs typeface="Arial" panose="020B0604020202020204" pitchFamily="34" charset="0"/>
-                </a:rPr>
-                <a:t>Upward contagion</a:t>
-              </a:r>
-            </a:p>
-          </p:txBody>
-        </p:sp>
-      </p:grpSp>
-      <p:grpSp>
-        <p:nvGrpSpPr>
-          <p:cNvPr id="2" name="Group 1">
-            <a:extLst>
-              <a:ext uri="{FF2B5EF4-FFF2-40B4-BE49-F238E27FC236}">
-                <a16:creationId xmlns:a16="http://schemas.microsoft.com/office/drawing/2014/main" id="{F5B16F9C-99AB-F945-80C1-7F1F423A1BC7}"/>
-              </a:ext>
-            </a:extLst>
-          </p:cNvPr>
-          <p:cNvGrpSpPr>
-            <a:grpSpLocks noChangeAspect="1"/>
-          </p:cNvGrpSpPr>
-          <p:nvPr/>
-        </p:nvGrpSpPr>
-        <p:grpSpPr>
-          <a:xfrm>
-            <a:off x="5878596" y="315137"/>
-            <a:ext cx="1911095" cy="2316732"/>
-            <a:chOff x="-58094" y="9550"/>
-            <a:chExt cx="2619673" cy="3175709"/>
-          </a:xfrm>
-        </p:grpSpPr>
-        <p:grpSp>
-          <p:nvGrpSpPr>
-            <p:cNvPr id="11" name="Group 10">
-              <a:extLst>
-                <a:ext uri="{FF2B5EF4-FFF2-40B4-BE49-F238E27FC236}">
-                  <a16:creationId xmlns:a16="http://schemas.microsoft.com/office/drawing/2014/main" id="{467437C8-B71E-FC40-BA91-88A141661B00}"/>
-                </a:ext>
-              </a:extLst>
-            </p:cNvPr>
-            <p:cNvGrpSpPr>
-              <a:grpSpLocks noChangeAspect="1"/>
-            </p:cNvGrpSpPr>
-            <p:nvPr/>
-          </p:nvGrpSpPr>
-          <p:grpSpPr>
-            <a:xfrm>
-              <a:off x="-58094" y="9550"/>
-              <a:ext cx="2619673" cy="3175709"/>
-              <a:chOff x="3709087" y="3092200"/>
-              <a:chExt cx="2797390" cy="3391145"/>
-            </a:xfrm>
-          </p:grpSpPr>
-          <p:pic>
-            <p:nvPicPr>
-              <p:cNvPr id="3" name="Picture 2">
-                <a:extLst>
-                  <a:ext uri="{FF2B5EF4-FFF2-40B4-BE49-F238E27FC236}">
-                    <a16:creationId xmlns:a16="http://schemas.microsoft.com/office/drawing/2014/main" id="{08D9A971-5C17-FA4D-AE4E-D33B19498FC9}"/>
-                  </a:ext>
-                </a:extLst>
-              </p:cNvPr>
-              <p:cNvPicPr>
-                <a:picLocks noChangeAspect="1"/>
-              </p:cNvPicPr>
-              <p:nvPr/>
-            </p:nvPicPr>
-            <p:blipFill>
-              <a:blip r:embed="rId7"/>
-              <a:stretch>
-                <a:fillRect/>
-              </a:stretch>
-            </p:blipFill>
-            <p:spPr>
-              <a:xfrm>
-                <a:off x="3783487" y="3379598"/>
-                <a:ext cx="2722990" cy="3103747"/>
-              </a:xfrm>
-              <a:prstGeom prst="rect">
-                <a:avLst/>
-              </a:prstGeom>
-            </p:spPr>
-          </p:pic>
-          <p:sp>
-            <p:nvSpPr>
-              <p:cNvPr id="22" name="TextBox 21">
-                <a:extLst>
-                  <a:ext uri="{FF2B5EF4-FFF2-40B4-BE49-F238E27FC236}">
-                    <a16:creationId xmlns:a16="http://schemas.microsoft.com/office/drawing/2014/main" id="{9CC8A2EA-F668-DD43-A074-9F1F726F28A7}"/>
-                  </a:ext>
-                </a:extLst>
-              </p:cNvPr>
-              <p:cNvSpPr txBox="1"/>
-              <p:nvPr/>
-            </p:nvSpPr>
-            <p:spPr>
-              <a:xfrm>
-                <a:off x="3709087" y="3092200"/>
-                <a:ext cx="578784" cy="450512"/>
-              </a:xfrm>
-              <a:prstGeom prst="rect">
-                <a:avLst/>
-              </a:prstGeom>
-              <a:noFill/>
-            </p:spPr>
-            <p:txBody>
-              <a:bodyPr wrap="square" rtlCol="0">
-                <a:spAutoFit/>
-              </a:bodyPr>
-              <a:lstStyle/>
-              <a:p>
-                <a:pPr algn="ctr"/>
-                <a:r>
-                  <a:rPr lang="en-US" sz="1400" b="1" dirty="0">
-                    <a:latin typeface="Helvetica Neue" panose="02000503000000020004" pitchFamily="2" charset="0"/>
-                    <a:ea typeface="Helvetica Neue" panose="02000503000000020004" pitchFamily="2" charset="0"/>
-                    <a:cs typeface="Helvetica Neue" panose="02000503000000020004" pitchFamily="2" charset="0"/>
-                  </a:rPr>
-                  <a:t>d</a:t>
-                </a:r>
-              </a:p>
-            </p:txBody>
-          </p:sp>
-        </p:grpSp>
-        <p:sp>
-          <p:nvSpPr>
-            <p:cNvPr id="35" name="Rectangle 34">
-              <a:extLst>
-                <a:ext uri="{FF2B5EF4-FFF2-40B4-BE49-F238E27FC236}">
-                  <a16:creationId xmlns:a16="http://schemas.microsoft.com/office/drawing/2014/main" id="{2F86A746-90CC-4240-986F-1335AE691A55}"/>
-                </a:ext>
-              </a:extLst>
-            </p:cNvPr>
-            <p:cNvSpPr/>
-            <p:nvPr/>
-          </p:nvSpPr>
-          <p:spPr>
-            <a:xfrm>
-              <a:off x="43030" y="46978"/>
-              <a:ext cx="2506865" cy="3108514"/>
-            </a:xfrm>
-            <a:prstGeom prst="rect">
-              <a:avLst/>
-            </a:prstGeom>
-            <a:noFill/>
-            <a:ln w="19050">
-              <a:solidFill>
-                <a:schemeClr val="bg2">
-                  <a:lumMod val="75000"/>
-                </a:schemeClr>
-              </a:solidFill>
-            </a:ln>
-          </p:spPr>
-          <p:style>
-            <a:lnRef idx="2">
-              <a:schemeClr val="accent1">
-                <a:shade val="50000"/>
-              </a:schemeClr>
-            </a:lnRef>
-            <a:fillRef idx="1">
-              <a:schemeClr val="accent1"/>
-            </a:fillRef>
-            <a:effectRef idx="0">
-              <a:schemeClr val="accent1"/>
-            </a:effectRef>
-            <a:fontRef idx="minor">
-              <a:schemeClr val="lt1"/>
-            </a:fontRef>
-          </p:style>
-          <p:txBody>
-            <a:bodyPr rtlCol="0" anchor="ctr"/>
-            <a:lstStyle/>
-            <a:p>
-              <a:pPr algn="ctr"/>
-              <a:endParaRPr lang="en-US" dirty="0"/>
-            </a:p>
-          </p:txBody>
-        </p:sp>
-        <p:sp>
-          <p:nvSpPr>
-            <p:cNvPr id="55" name="TextBox 54">
-              <a:extLst>
-                <a:ext uri="{FF2B5EF4-FFF2-40B4-BE49-F238E27FC236}">
-                  <a16:creationId xmlns:a16="http://schemas.microsoft.com/office/drawing/2014/main" id="{5523DCC3-C862-8C42-A4DA-E70E20BFB814}"/>
-                </a:ext>
-              </a:extLst>
-            </p:cNvPr>
-            <p:cNvSpPr txBox="1"/>
-            <p:nvPr/>
-          </p:nvSpPr>
-          <p:spPr>
-            <a:xfrm>
-              <a:off x="670828" y="106558"/>
-              <a:ext cx="1836938" cy="358607"/>
-            </a:xfrm>
-            <a:prstGeom prst="rect">
-              <a:avLst/>
-            </a:prstGeom>
-            <a:noFill/>
-          </p:spPr>
-          <p:txBody>
-            <a:bodyPr wrap="square" rtlCol="0">
-              <a:spAutoFit/>
-            </a:bodyPr>
-            <a:lstStyle/>
-            <a:p>
-              <a:pPr algn="ctr"/>
-              <a:r>
-                <a:rPr lang="en-US" sz="1100" i="1" dirty="0">
-                  <a:solidFill>
-                    <a:srgbClr val="8FB132"/>
-                  </a:solidFill>
-                  <a:latin typeface="Arial" panose="020B0604020202020204" pitchFamily="34" charset="0"/>
-                  <a:ea typeface="Helvetica Neue" panose="02000503000000020004" pitchFamily="2" charset="0"/>
-                  <a:cs typeface="Arial" panose="020B0604020202020204" pitchFamily="34" charset="0"/>
-                </a:rPr>
-                <a:t>Amplification</a:t>
-              </a:r>
-            </a:p>
-          </p:txBody>
-        </p:sp>
-      </p:grpSp>
-      <p:sp>
-        <p:nvSpPr>
-          <p:cNvPr id="53" name="Arc 52">
-            <a:extLst>
-              <a:ext uri="{FF2B5EF4-FFF2-40B4-BE49-F238E27FC236}">
-                <a16:creationId xmlns:a16="http://schemas.microsoft.com/office/drawing/2014/main" id="{96BD8594-B12F-0B4E-80D0-4C225EE50BD6}"/>
-              </a:ext>
-            </a:extLst>
-          </p:cNvPr>
-          <p:cNvSpPr/>
-          <p:nvPr/>
-        </p:nvSpPr>
-        <p:spPr>
-          <a:xfrm rot="14659101" flipH="1" flipV="1">
-            <a:off x="-1743731" y="649999"/>
-            <a:ext cx="4496747" cy="5575436"/>
-          </a:xfrm>
-          <a:prstGeom prst="arc">
-            <a:avLst>
-              <a:gd name="adj1" fmla="val 16774664"/>
-              <a:gd name="adj2" fmla="val 20697222"/>
-            </a:avLst>
-          </a:prstGeom>
-          <a:ln w="19050">
-            <a:solidFill>
-              <a:schemeClr val="bg2">
-                <a:lumMod val="75000"/>
-              </a:schemeClr>
-            </a:solidFill>
-            <a:headEnd type="triangle"/>
-            <a:tailEnd w="lg" len="med"/>
-          </a:ln>
-        </p:spPr>
-        <p:style>
-          <a:lnRef idx="1">
-            <a:schemeClr val="accent1"/>
-          </a:lnRef>
-          <a:fillRef idx="0">
-            <a:schemeClr val="accent1"/>
-          </a:fillRef>
-          <a:effectRef idx="0">
-            <a:schemeClr val="accent1"/>
-          </a:effectRef>
-          <a:fontRef idx="minor">
-            <a:schemeClr val="tx1"/>
-          </a:fontRef>
-        </p:style>
-        <p:txBody>
-          <a:bodyPr rtlCol="0" anchor="ctr"/>
-          <a:lstStyle/>
-          <a:p>
-            <a:pPr algn="ctr"/>
-            <a:endParaRPr lang="en-US"/>
-          </a:p>
-        </p:txBody>
-      </p:sp>
-      <p:sp>
-        <p:nvSpPr>
-          <p:cNvPr id="54" name="Arc 53">
-            <a:extLst>
-              <a:ext uri="{FF2B5EF4-FFF2-40B4-BE49-F238E27FC236}">
-                <a16:creationId xmlns:a16="http://schemas.microsoft.com/office/drawing/2014/main" id="{36C3A527-0618-F84D-BFDC-2B5F3569FFF1}"/>
-              </a:ext>
-            </a:extLst>
-          </p:cNvPr>
-          <p:cNvSpPr/>
-          <p:nvPr/>
-        </p:nvSpPr>
-        <p:spPr>
-          <a:xfrm rot="15877902" flipV="1">
-            <a:off x="-210971" y="3552883"/>
-            <a:ext cx="7638836" cy="5385652"/>
-          </a:xfrm>
-          <a:prstGeom prst="arc">
-            <a:avLst>
-              <a:gd name="adj1" fmla="val 17974590"/>
-              <a:gd name="adj2" fmla="val 20815625"/>
-            </a:avLst>
-          </a:prstGeom>
-          <a:ln w="19050">
-            <a:solidFill>
-              <a:schemeClr val="bg2">
-                <a:lumMod val="75000"/>
-              </a:schemeClr>
-            </a:solidFill>
-            <a:tailEnd type="triangle"/>
-          </a:ln>
-        </p:spPr>
-        <p:style>
-          <a:lnRef idx="1">
-            <a:schemeClr val="accent1"/>
-          </a:lnRef>
-          <a:fillRef idx="0">
-            <a:schemeClr val="accent1"/>
-          </a:fillRef>
-          <a:effectRef idx="0">
-            <a:schemeClr val="accent1"/>
-          </a:effectRef>
-          <a:fontRef idx="minor">
-            <a:schemeClr val="tx1"/>
-          </a:fontRef>
-        </p:style>
-        <p:txBody>
-          <a:bodyPr rtlCol="0" anchor="ctr"/>
-          <a:lstStyle/>
-          <a:p>
-            <a:pPr algn="ctr"/>
-            <a:endParaRPr lang="en-US"/>
-          </a:p>
-        </p:txBody>
-      </p:sp>
-      <p:sp>
-        <p:nvSpPr>
-          <p:cNvPr id="59" name="Arc 58">
-            <a:extLst>
-              <a:ext uri="{FF2B5EF4-FFF2-40B4-BE49-F238E27FC236}">
-                <a16:creationId xmlns:a16="http://schemas.microsoft.com/office/drawing/2014/main" id="{D287D2E2-860F-2745-B06D-78E452A41465}"/>
-              </a:ext>
-            </a:extLst>
-          </p:cNvPr>
-          <p:cNvSpPr/>
-          <p:nvPr/>
-        </p:nvSpPr>
-        <p:spPr>
-          <a:xfrm rot="759814" flipH="1">
-            <a:off x="5368869" y="919199"/>
-            <a:ext cx="2679311" cy="3645737"/>
-          </a:xfrm>
-          <a:prstGeom prst="arc">
-            <a:avLst>
-              <a:gd name="adj1" fmla="val 18735186"/>
-              <a:gd name="adj2" fmla="val 21551542"/>
-            </a:avLst>
-          </a:prstGeom>
-          <a:ln w="19050">
-            <a:solidFill>
-              <a:schemeClr val="bg2">
-                <a:lumMod val="75000"/>
-              </a:schemeClr>
-            </a:solidFill>
-            <a:tailEnd type="triangle" w="med" len="med"/>
-          </a:ln>
-        </p:spPr>
-        <p:style>
-          <a:lnRef idx="1">
-            <a:schemeClr val="accent1"/>
-          </a:lnRef>
-          <a:fillRef idx="0">
-            <a:schemeClr val="accent1"/>
-          </a:fillRef>
-          <a:effectRef idx="0">
-            <a:schemeClr val="accent1"/>
-          </a:effectRef>
-          <a:fontRef idx="minor">
-            <a:schemeClr val="tx1"/>
-          </a:fontRef>
-        </p:style>
-        <p:txBody>
-          <a:bodyPr rtlCol="0" anchor="ctr"/>
-          <a:lstStyle/>
-          <a:p>
-            <a:pPr algn="ctr"/>
-            <a:endParaRPr lang="en-US"/>
-          </a:p>
-        </p:txBody>
-      </p:sp>
-      <p:sp>
-        <p:nvSpPr>
-          <p:cNvPr id="21" name="TextBox 20">
-            <a:extLst>
-              <a:ext uri="{FF2B5EF4-FFF2-40B4-BE49-F238E27FC236}">
-                <a16:creationId xmlns:a16="http://schemas.microsoft.com/office/drawing/2014/main" id="{F8E7F266-7467-FE46-9469-D94B82C96E1B}"/>
-              </a:ext>
-            </a:extLst>
-          </p:cNvPr>
-          <p:cNvSpPr txBox="1"/>
-          <p:nvPr/>
-        </p:nvSpPr>
-        <p:spPr>
-          <a:xfrm>
-            <a:off x="1212182" y="664217"/>
-            <a:ext cx="717463" cy="276999"/>
-          </a:xfrm>
-          <a:prstGeom prst="rect">
-            <a:avLst/>
-          </a:prstGeom>
-          <a:noFill/>
-          <a:ln>
-            <a:solidFill>
-              <a:schemeClr val="tx1"/>
-            </a:solidFill>
-          </a:ln>
-        </p:spPr>
-        <p:txBody>
-          <a:bodyPr wrap="square" rtlCol="0">
-            <a:spAutoFit/>
-          </a:bodyPr>
-          <a:lstStyle/>
-          <a:p>
-            <a:pPr algn="ctr"/>
-            <a:r>
-              <a:rPr lang="en-US" sz="1200" dirty="0">
-                <a:latin typeface="Helvetica" pitchFamily="2" charset="0"/>
-                <a:cs typeface="Arial" panose="020B0604020202020204" pitchFamily="34" charset="0"/>
-              </a:rPr>
-              <a:t>𝛿 = 0.6</a:t>
-            </a:r>
-          </a:p>
-        </p:txBody>
-      </p:sp>
-      <p:sp>
-        <p:nvSpPr>
-          <p:cNvPr id="43" name="TextBox 42">
-            <a:extLst>
-              <a:ext uri="{FF2B5EF4-FFF2-40B4-BE49-F238E27FC236}">
-                <a16:creationId xmlns:a16="http://schemas.microsoft.com/office/drawing/2014/main" id="{EBAF581F-67E4-DB4A-AE84-A1B41EF125F1}"/>
-              </a:ext>
-            </a:extLst>
-          </p:cNvPr>
-          <p:cNvSpPr txBox="1"/>
-          <p:nvPr/>
-        </p:nvSpPr>
-        <p:spPr>
-          <a:xfrm>
-            <a:off x="4884878" y="2396831"/>
-            <a:ext cx="1025694" cy="307777"/>
-          </a:xfrm>
-          <a:prstGeom prst="rect">
-            <a:avLst/>
-          </a:prstGeom>
-          <a:noFill/>
-        </p:spPr>
-        <p:txBody>
-          <a:bodyPr wrap="square" rtlCol="0">
-            <a:spAutoFit/>
-          </a:bodyPr>
-          <a:lstStyle/>
-          <a:p>
-            <a:pPr algn="ctr"/>
-            <a:r>
-              <a:rPr lang="en-US" sz="1400" b="1" dirty="0">
-                <a:ln w="635">
-                  <a:solidFill>
-                    <a:schemeClr val="bg1">
-                      <a:alpha val="50000"/>
-                    </a:schemeClr>
-                  </a:solidFill>
-                </a:ln>
-                <a:solidFill>
-                  <a:srgbClr val="E52421"/>
-                </a:solidFill>
-                <a:latin typeface="Helvetica Neue" panose="02000503000000020004" pitchFamily="2" charset="0"/>
-                <a:ea typeface="Helvetica Neue" panose="02000503000000020004" pitchFamily="2" charset="0"/>
-                <a:cs typeface="Helvetica Neue" panose="02000503000000020004" pitchFamily="2" charset="0"/>
-              </a:rPr>
-              <a:t>X</a:t>
-            </a:r>
-          </a:p>
-        </p:txBody>
-      </p:sp>
-      <p:sp>
-        <p:nvSpPr>
-          <p:cNvPr id="44" name="TextBox 43">
-            <a:extLst>
-              <a:ext uri="{FF2B5EF4-FFF2-40B4-BE49-F238E27FC236}">
-                <a16:creationId xmlns:a16="http://schemas.microsoft.com/office/drawing/2014/main" id="{54A2134B-5A13-4C49-B96B-9FA335A22955}"/>
-              </a:ext>
-            </a:extLst>
-          </p:cNvPr>
-          <p:cNvSpPr txBox="1"/>
-          <p:nvPr/>
-        </p:nvSpPr>
-        <p:spPr>
-          <a:xfrm>
-            <a:off x="3531741" y="2396831"/>
-            <a:ext cx="1025694" cy="307777"/>
-          </a:xfrm>
-          <a:prstGeom prst="rect">
-            <a:avLst/>
-          </a:prstGeom>
-          <a:noFill/>
-          <a:ln w="3175">
-            <a:noFill/>
-          </a:ln>
-        </p:spPr>
-        <p:txBody>
-          <a:bodyPr wrap="square" rtlCol="0">
-            <a:spAutoFit/>
-          </a:bodyPr>
-          <a:lstStyle/>
-          <a:p>
-            <a:pPr algn="ctr"/>
-            <a:r>
-              <a:rPr lang="en-US" sz="1400" b="1" dirty="0">
-                <a:ln w="635">
-                  <a:solidFill>
-                    <a:schemeClr val="bg1">
-                      <a:alpha val="50000"/>
-                    </a:schemeClr>
-                  </a:solidFill>
-                </a:ln>
-                <a:solidFill>
-                  <a:srgbClr val="E52421"/>
-                </a:solidFill>
-                <a:latin typeface="Helvetica Neue" panose="02000503000000020004" pitchFamily="2" charset="0"/>
-                <a:ea typeface="Helvetica Neue" panose="02000503000000020004" pitchFamily="2" charset="0"/>
-                <a:cs typeface="Helvetica Neue" panose="02000503000000020004" pitchFamily="2" charset="0"/>
-              </a:rPr>
-              <a:t>X</a:t>
-            </a:r>
-          </a:p>
-        </p:txBody>
-      </p:sp>
-      <p:sp>
-        <p:nvSpPr>
-          <p:cNvPr id="45" name="TextBox 44">
-            <a:extLst>
-              <a:ext uri="{FF2B5EF4-FFF2-40B4-BE49-F238E27FC236}">
-                <a16:creationId xmlns:a16="http://schemas.microsoft.com/office/drawing/2014/main" id="{2345CDFD-849A-B246-800F-3251850A4AC8}"/>
-              </a:ext>
-            </a:extLst>
-          </p:cNvPr>
-          <p:cNvSpPr txBox="1"/>
-          <p:nvPr/>
-        </p:nvSpPr>
-        <p:spPr>
-          <a:xfrm>
-            <a:off x="2633718" y="2396830"/>
-            <a:ext cx="1025694" cy="307777"/>
-          </a:xfrm>
-          <a:prstGeom prst="rect">
-            <a:avLst/>
-          </a:prstGeom>
-          <a:noFill/>
-          <a:ln>
-            <a:noFill/>
-          </a:ln>
-        </p:spPr>
-        <p:txBody>
-          <a:bodyPr wrap="square" rtlCol="0">
-            <a:spAutoFit/>
-          </a:bodyPr>
-          <a:lstStyle/>
-          <a:p>
-            <a:pPr algn="ctr"/>
-            <a:r>
-              <a:rPr lang="en-US" sz="1400" b="1" dirty="0">
-                <a:ln w="635">
-                  <a:solidFill>
-                    <a:schemeClr val="bg1">
-                      <a:alpha val="50000"/>
-                    </a:schemeClr>
-                  </a:solidFill>
-                </a:ln>
-                <a:solidFill>
-                  <a:srgbClr val="E52421"/>
-                </a:solidFill>
-                <a:latin typeface="Helvetica Neue" panose="02000503000000020004" pitchFamily="2" charset="0"/>
-                <a:ea typeface="Helvetica Neue" panose="02000503000000020004" pitchFamily="2" charset="0"/>
-                <a:cs typeface="Helvetica Neue" panose="02000503000000020004" pitchFamily="2" charset="0"/>
-              </a:rPr>
-              <a:t>X</a:t>
-            </a:r>
-          </a:p>
-        </p:txBody>
-      </p:sp>
-      <p:sp>
-        <p:nvSpPr>
-          <p:cNvPr id="52" name="TextBox 51">
-            <a:extLst>
-              <a:ext uri="{FF2B5EF4-FFF2-40B4-BE49-F238E27FC236}">
-                <a16:creationId xmlns:a16="http://schemas.microsoft.com/office/drawing/2014/main" id="{7AFF4DB9-24C9-1045-BC6C-A74414FEB7A7}"/>
-              </a:ext>
-            </a:extLst>
-          </p:cNvPr>
-          <p:cNvSpPr txBox="1"/>
-          <p:nvPr/>
-        </p:nvSpPr>
-        <p:spPr>
-          <a:xfrm>
-            <a:off x="1204007" y="5193490"/>
-            <a:ext cx="717463" cy="276999"/>
-          </a:xfrm>
-          <a:prstGeom prst="rect">
-            <a:avLst/>
-          </a:prstGeom>
-          <a:noFill/>
-          <a:ln>
-            <a:solidFill>
-              <a:schemeClr val="tx1"/>
-            </a:solidFill>
-          </a:ln>
-        </p:spPr>
-        <p:txBody>
-          <a:bodyPr wrap="square" rtlCol="0">
-            <a:spAutoFit/>
-          </a:bodyPr>
-          <a:lstStyle/>
-          <a:p>
-            <a:pPr algn="ctr"/>
-            <a:r>
-              <a:rPr lang="en-US" sz="1200" dirty="0">
-                <a:latin typeface="Helvetica" pitchFamily="2" charset="0"/>
-                <a:cs typeface="Arial" panose="020B0604020202020204" pitchFamily="34" charset="0"/>
-              </a:rPr>
-              <a:t>𝛿 = 1.5</a:t>
-            </a:r>
-          </a:p>
-        </p:txBody>
-      </p:sp>
-    </p:spTree>
-    <p:extLst>
-      <p:ext uri="{BB962C8B-B14F-4D97-AF65-F5344CB8AC3E}">
-        <p14:creationId xmlns:p14="http://schemas.microsoft.com/office/powerpoint/2010/main" val="2778951362"/>
-      </p:ext>
-    </p:extLst>
-  </p:cSld>
-  <p:clrMapOvr>
-    <a:masterClrMapping/>
-  </p:clrMapOvr>
-</p:sld>
-</file>
-
-<file path=ppt/slides/slide8.xml><?xml version="1.0" encoding="utf-8"?>
-<p:sld xmlns:a="http://schemas.openxmlformats.org/drawingml/2006/main" xmlns:r="http://schemas.openxmlformats.org/officeDocument/2006/relationships" xmlns:p="http://schemas.openxmlformats.org/presentationml/2006/main">
-  <p:cSld>
-    <p:bg>
-      <p:bgPr>
-        <a:solidFill>
-          <a:schemeClr val="bg1"/>
-        </a:solidFill>
-        <a:effectLst/>
-      </p:bgPr>
-    </p:bg>
-    <p:spTree>
-      <p:nvGrpSpPr>
-        <p:cNvPr id="1" name=""/>
-        <p:cNvGrpSpPr/>
-        <p:nvPr/>
-      </p:nvGrpSpPr>
-      <p:grpSpPr>
-        <a:xfrm>
-          <a:off x="0" y="0"/>
-          <a:ext cx="0" cy="0"/>
-          <a:chOff x="0" y="0"/>
-          <a:chExt cx="0" cy="0"/>
-        </a:xfrm>
-      </p:grpSpPr>
-      <p:pic>
-        <p:nvPicPr>
-          <p:cNvPr id="4" name="Picture 3">
-            <a:extLst>
-              <a:ext uri="{FF2B5EF4-FFF2-40B4-BE49-F238E27FC236}">
-                <a16:creationId xmlns:a16="http://schemas.microsoft.com/office/drawing/2014/main" id="{1FC29707-A502-9C48-A660-5B77AD9B0A87}"/>
-              </a:ext>
-            </a:extLst>
-          </p:cNvPr>
-          <p:cNvPicPr>
-            <a:picLocks noChangeAspect="1"/>
-          </p:cNvPicPr>
-          <p:nvPr/>
-        </p:nvPicPr>
-        <p:blipFill>
-          <a:blip r:embed="rId3"/>
-          <a:stretch>
-            <a:fillRect/>
-          </a:stretch>
-        </p:blipFill>
-        <p:spPr>
-          <a:xfrm>
-            <a:off x="860307" y="689510"/>
-            <a:ext cx="7058144" cy="5104331"/>
-          </a:xfrm>
-          <a:prstGeom prst="rect">
-            <a:avLst/>
-          </a:prstGeom>
-        </p:spPr>
-      </p:pic>
-      <p:cxnSp>
-        <p:nvCxnSpPr>
-          <p:cNvPr id="8" name="Straight Arrow Connector 7">
-            <a:extLst>
-              <a:ext uri="{FF2B5EF4-FFF2-40B4-BE49-F238E27FC236}">
-                <a16:creationId xmlns:a16="http://schemas.microsoft.com/office/drawing/2014/main" id="{2CFA0645-4355-1D4B-A062-65C42F667DBB}"/>
-              </a:ext>
-            </a:extLst>
-          </p:cNvPr>
-          <p:cNvCxnSpPr>
-            <a:cxnSpLocks/>
-          </p:cNvCxnSpPr>
-          <p:nvPr/>
-        </p:nvCxnSpPr>
-        <p:spPr>
-          <a:xfrm>
-            <a:off x="2023608" y="5748135"/>
-            <a:ext cx="3768920" cy="0"/>
-          </a:xfrm>
-          <a:prstGeom prst="straightConnector1">
-            <a:avLst/>
-          </a:prstGeom>
-          <a:ln w="50800">
-            <a:solidFill>
-              <a:srgbClr val="C00000"/>
-            </a:solidFill>
-            <a:tailEnd type="triangle"/>
-          </a:ln>
-        </p:spPr>
-        <p:style>
-          <a:lnRef idx="1">
-            <a:schemeClr val="accent1"/>
-          </a:lnRef>
-          <a:fillRef idx="0">
-            <a:schemeClr val="accent1"/>
-          </a:fillRef>
-          <a:effectRef idx="0">
-            <a:schemeClr val="accent1"/>
-          </a:effectRef>
-          <a:fontRef idx="minor">
-            <a:schemeClr val="tx1"/>
-          </a:fontRef>
-        </p:style>
-      </p:cxnSp>
-      <p:sp>
-        <p:nvSpPr>
-          <p:cNvPr id="15" name="TextBox 14">
-            <a:extLst>
-              <a:ext uri="{FF2B5EF4-FFF2-40B4-BE49-F238E27FC236}">
-                <a16:creationId xmlns:a16="http://schemas.microsoft.com/office/drawing/2014/main" id="{7AC99226-B6F1-0944-B026-8D5879AC1867}"/>
-              </a:ext>
-            </a:extLst>
-          </p:cNvPr>
-          <p:cNvSpPr txBox="1"/>
-          <p:nvPr/>
-        </p:nvSpPr>
-        <p:spPr>
-          <a:xfrm>
-            <a:off x="1446811" y="5843333"/>
-            <a:ext cx="4922512" cy="376578"/>
-          </a:xfrm>
-          <a:prstGeom prst="rect">
-            <a:avLst/>
-          </a:prstGeom>
-          <a:noFill/>
-        </p:spPr>
-        <p:txBody>
-          <a:bodyPr wrap="square" rtlCol="0">
-            <a:spAutoFit/>
-          </a:bodyPr>
-          <a:lstStyle/>
-          <a:p>
-            <a:pPr algn="ctr"/>
-            <a:r>
-              <a:rPr lang="en-US" sz="1847" dirty="0">
-                <a:solidFill>
-                  <a:srgbClr val="C00000"/>
-                </a:solidFill>
-                <a:latin typeface="Helvetica Neue" panose="02000503000000020004" pitchFamily="2" charset="0"/>
-                <a:ea typeface="Helvetica Neue" panose="02000503000000020004" pitchFamily="2" charset="0"/>
-                <a:cs typeface="Helvetica Neue" panose="02000503000000020004" pitchFamily="2" charset="0"/>
-              </a:rPr>
-              <a:t>X becomes more efficient relative to Y</a:t>
-            </a:r>
-          </a:p>
-        </p:txBody>
-      </p:sp>
-      <p:cxnSp>
-        <p:nvCxnSpPr>
-          <p:cNvPr id="21" name="Straight Arrow Connector 20">
-            <a:extLst>
-              <a:ext uri="{FF2B5EF4-FFF2-40B4-BE49-F238E27FC236}">
-                <a16:creationId xmlns:a16="http://schemas.microsoft.com/office/drawing/2014/main" id="{C0411EDC-F739-F342-B051-6F2652647059}"/>
-              </a:ext>
-            </a:extLst>
-          </p:cNvPr>
-          <p:cNvCxnSpPr>
-            <a:cxnSpLocks/>
-          </p:cNvCxnSpPr>
-          <p:nvPr/>
-        </p:nvCxnSpPr>
-        <p:spPr>
-          <a:xfrm flipV="1">
-            <a:off x="749999" y="854467"/>
-            <a:ext cx="0" cy="3848101"/>
-          </a:xfrm>
-          <a:prstGeom prst="straightConnector1">
-            <a:avLst/>
-          </a:prstGeom>
-          <a:ln w="50800">
-            <a:solidFill>
-              <a:srgbClr val="C00000"/>
-            </a:solidFill>
-            <a:tailEnd type="triangle"/>
-          </a:ln>
-        </p:spPr>
-        <p:style>
-          <a:lnRef idx="1">
-            <a:schemeClr val="accent1"/>
-          </a:lnRef>
-          <a:fillRef idx="0">
-            <a:schemeClr val="accent1"/>
-          </a:fillRef>
-          <a:effectRef idx="0">
-            <a:schemeClr val="accent1"/>
-          </a:effectRef>
-          <a:fontRef idx="minor">
-            <a:schemeClr val="tx1"/>
-          </a:fontRef>
-        </p:style>
-      </p:cxnSp>
-      <p:sp>
-        <p:nvSpPr>
-          <p:cNvPr id="23" name="TextBox 22">
-            <a:extLst>
-              <a:ext uri="{FF2B5EF4-FFF2-40B4-BE49-F238E27FC236}">
-                <a16:creationId xmlns:a16="http://schemas.microsoft.com/office/drawing/2014/main" id="{23972CEC-806B-5349-AF6C-195B9DF7B39B}"/>
-              </a:ext>
-            </a:extLst>
-          </p:cNvPr>
-          <p:cNvSpPr txBox="1"/>
-          <p:nvPr/>
-        </p:nvSpPr>
-        <p:spPr>
-          <a:xfrm rot="16200000">
-            <a:off x="-2414963" y="2590228"/>
-            <a:ext cx="5658424" cy="376578"/>
-          </a:xfrm>
-          <a:prstGeom prst="rect">
-            <a:avLst/>
-          </a:prstGeom>
-          <a:noFill/>
-        </p:spPr>
-        <p:txBody>
-          <a:bodyPr wrap="square" rtlCol="0">
-            <a:spAutoFit/>
-          </a:bodyPr>
-          <a:lstStyle/>
-          <a:p>
-            <a:pPr algn="ctr"/>
-            <a:r>
-              <a:rPr lang="en-US" sz="1847" dirty="0">
-                <a:solidFill>
-                  <a:srgbClr val="C00000"/>
-                </a:solidFill>
-                <a:latin typeface="Helvetica Neue" panose="02000503000000020004" pitchFamily="2" charset="0"/>
-                <a:ea typeface="Helvetica Neue" panose="02000503000000020004" pitchFamily="2" charset="0"/>
-                <a:cs typeface="Helvetica Neue" panose="02000503000000020004" pitchFamily="2" charset="0"/>
-              </a:rPr>
-              <a:t>X becomes less sensitive to stimuli relative to Y</a:t>
-            </a:r>
-          </a:p>
-        </p:txBody>
-      </p:sp>
-      <p:sp>
-        <p:nvSpPr>
-          <p:cNvPr id="31" name="TextBox 30">
-            <a:extLst>
-              <a:ext uri="{FF2B5EF4-FFF2-40B4-BE49-F238E27FC236}">
-                <a16:creationId xmlns:a16="http://schemas.microsoft.com/office/drawing/2014/main" id="{6E5642E8-FC41-A44E-AD68-09A79AF5128B}"/>
-              </a:ext>
-            </a:extLst>
-          </p:cNvPr>
-          <p:cNvSpPr txBox="1"/>
-          <p:nvPr/>
-        </p:nvSpPr>
-        <p:spPr>
-          <a:xfrm>
-            <a:off x="2038690" y="4326746"/>
-            <a:ext cx="271490" cy="412100"/>
-          </a:xfrm>
-          <a:prstGeom prst="rect">
-            <a:avLst/>
-          </a:prstGeom>
-          <a:noFill/>
-        </p:spPr>
-        <p:txBody>
-          <a:bodyPr wrap="square" rtlCol="0">
-            <a:spAutoFit/>
-          </a:bodyPr>
-          <a:lstStyle/>
-          <a:p>
-            <a:pPr algn="ctr"/>
-            <a:r>
-              <a:rPr lang="en-US" sz="2078" b="1" dirty="0">
-                <a:solidFill>
-                  <a:srgbClr val="C00000"/>
-                </a:solidFill>
-                <a:latin typeface="Helvetica Neue" panose="02000503000000020004" pitchFamily="2" charset="0"/>
-                <a:ea typeface="Helvetica Neue" panose="02000503000000020004" pitchFamily="2" charset="0"/>
-                <a:cs typeface="Helvetica Neue" panose="02000503000000020004" pitchFamily="2" charset="0"/>
-              </a:rPr>
-              <a:t>Y</a:t>
-            </a:r>
-          </a:p>
-        </p:txBody>
-      </p:sp>
-    </p:spTree>
-    <p:extLst>
-      <p:ext uri="{BB962C8B-B14F-4D97-AF65-F5344CB8AC3E}">
-        <p14:creationId xmlns:p14="http://schemas.microsoft.com/office/powerpoint/2010/main" val="2810097841"/>
       </p:ext>
     </p:extLst>
   </p:cSld>

--- a/slides/figures_191206.pptx
+++ b/slides/figures_191206.pptx
@@ -5,7 +5,7 @@
     <p:sldMasterId id="2147483684" r:id="rId1"/>
   </p:sldMasterIdLst>
   <p:notesMasterIdLst>
-    <p:notesMasterId r:id="rId17"/>
+    <p:notesMasterId r:id="rId20"/>
   </p:notesMasterIdLst>
   <p:sldIdLst>
     <p:sldId id="256" r:id="rId2"/>
@@ -16,13 +16,16 @@
     <p:sldId id="268" r:id="rId7"/>
     <p:sldId id="258" r:id="rId8"/>
     <p:sldId id="264" r:id="rId9"/>
-    <p:sldId id="259" r:id="rId10"/>
-    <p:sldId id="260" r:id="rId11"/>
-    <p:sldId id="269" r:id="rId12"/>
-    <p:sldId id="270" r:id="rId13"/>
-    <p:sldId id="265" r:id="rId14"/>
-    <p:sldId id="266" r:id="rId15"/>
-    <p:sldId id="267" r:id="rId16"/>
+    <p:sldId id="273" r:id="rId10"/>
+    <p:sldId id="259" r:id="rId11"/>
+    <p:sldId id="260" r:id="rId12"/>
+    <p:sldId id="269" r:id="rId13"/>
+    <p:sldId id="271" r:id="rId14"/>
+    <p:sldId id="270" r:id="rId15"/>
+    <p:sldId id="272" r:id="rId16"/>
+    <p:sldId id="265" r:id="rId17"/>
+    <p:sldId id="266" r:id="rId18"/>
+    <p:sldId id="267" r:id="rId19"/>
   </p:sldIdLst>
   <p:sldSz cx="7918450" cy="6483350"/>
   <p:notesSz cx="6858000" cy="9144000"/>
@@ -211,7 +214,7 @@
           <a:p>
             <a:fld id="{5E7D9203-8D15-1F45-AFEF-29CE894B8122}" type="datetimeFigureOut">
               <a:rPr lang="en-US" smtClean="0"/>
-              <a:t>1/23/20</a:t>
+              <a:t>1/24/20</a:t>
             </a:fld>
             <a:endParaRPr lang="en-US"/>
           </a:p>
@@ -621,7 +624,7 @@
           <a:p>
             <a:r>
               <a:rPr lang="en-US" dirty="0"/>
-              <a:t>12/06/19 Fig. S4</a:t>
+              <a:t>12/06/19 Fig. S2</a:t>
             </a:r>
           </a:p>
         </p:txBody>
@@ -652,7 +655,7 @@
     </p:spTree>
     <p:extLst>
       <p:ext uri="{BB962C8B-B14F-4D97-AF65-F5344CB8AC3E}">
-        <p14:creationId xmlns:p14="http://schemas.microsoft.com/office/powerpoint/2010/main" val="561168434"/>
+        <p14:creationId xmlns:p14="http://schemas.microsoft.com/office/powerpoint/2010/main" val="282547630"/>
       </p:ext>
     </p:extLst>
   </p:cSld>
@@ -713,7 +716,7 @@
           <a:p>
             <a:r>
               <a:rPr lang="en-US" dirty="0"/>
-              <a:t>1/23/20 Fig. S4</a:t>
+              <a:t>12/06/19 Fig. S4</a:t>
             </a:r>
           </a:p>
         </p:txBody>
@@ -744,7 +747,7 @@
     </p:spTree>
     <p:extLst>
       <p:ext uri="{BB962C8B-B14F-4D97-AF65-F5344CB8AC3E}">
-        <p14:creationId xmlns:p14="http://schemas.microsoft.com/office/powerpoint/2010/main" val="733968849"/>
+        <p14:creationId xmlns:p14="http://schemas.microsoft.com/office/powerpoint/2010/main" val="561168434"/>
       </p:ext>
     </p:extLst>
   </p:cSld>
@@ -805,7 +808,7 @@
           <a:p>
             <a:r>
               <a:rPr lang="en-US" dirty="0"/>
-              <a:t>1/23/20 Fig. S5</a:t>
+              <a:t>1/23/20 Fig. S4</a:t>
             </a:r>
           </a:p>
         </p:txBody>
@@ -836,7 +839,7 @@
     </p:spTree>
     <p:extLst>
       <p:ext uri="{BB962C8B-B14F-4D97-AF65-F5344CB8AC3E}">
-        <p14:creationId xmlns:p14="http://schemas.microsoft.com/office/powerpoint/2010/main" val="753180207"/>
+        <p14:creationId xmlns:p14="http://schemas.microsoft.com/office/powerpoint/2010/main" val="733968849"/>
       </p:ext>
     </p:extLst>
   </p:cSld>
@@ -897,7 +900,7 @@
           <a:p>
             <a:r>
               <a:rPr lang="en-US" dirty="0"/>
-              <a:t>12/06/19 Fig. 5</a:t>
+              <a:t>1/23/20 Fig. S4 – tentative v2 with mu = 7.5</a:t>
             </a:r>
           </a:p>
         </p:txBody>
@@ -928,7 +931,7 @@
     </p:spTree>
     <p:extLst>
       <p:ext uri="{BB962C8B-B14F-4D97-AF65-F5344CB8AC3E}">
-        <p14:creationId xmlns:p14="http://schemas.microsoft.com/office/powerpoint/2010/main" val="4193511516"/>
+        <p14:creationId xmlns:p14="http://schemas.microsoft.com/office/powerpoint/2010/main" val="3198164349"/>
       </p:ext>
     </p:extLst>
   </p:cSld>
@@ -987,7 +990,10 @@
           <a:bodyPr/>
           <a:lstStyle/>
           <a:p>
-            <a:endParaRPr lang="en-US" dirty="0"/>
+            <a:r>
+              <a:rPr lang="en-US" dirty="0"/>
+              <a:t>1/23/20 Fig. S5</a:t>
+            </a:r>
           </a:p>
         </p:txBody>
       </p:sp>
@@ -1017,7 +1023,7 @@
     </p:spTree>
     <p:extLst>
       <p:ext uri="{BB962C8B-B14F-4D97-AF65-F5344CB8AC3E}">
-        <p14:creationId xmlns:p14="http://schemas.microsoft.com/office/powerpoint/2010/main" val="4283938702"/>
+        <p14:creationId xmlns:p14="http://schemas.microsoft.com/office/powerpoint/2010/main" val="753180207"/>
       </p:ext>
     </p:extLst>
   </p:cSld>
@@ -1076,7 +1082,10 @@
           <a:bodyPr/>
           <a:lstStyle/>
           <a:p>
-            <a:endParaRPr lang="en-US" dirty="0"/>
+            <a:r>
+              <a:rPr lang="en-US" dirty="0"/>
+              <a:t>1/23/20 Fig. S5 – tentative v2 with mu = 7.5</a:t>
+            </a:r>
           </a:p>
         </p:txBody>
       </p:sp>
@@ -1098,6 +1107,276 @@
             <a:fld id="{A697AF77-229E-5D4A-87D0-A949D969F47C}" type="slidenum">
               <a:rPr lang="en-US" smtClean="0"/>
               <a:t>15</a:t>
+            </a:fld>
+            <a:endParaRPr lang="en-US"/>
+          </a:p>
+        </p:txBody>
+      </p:sp>
+    </p:spTree>
+    <p:extLst>
+      <p:ext uri="{BB962C8B-B14F-4D97-AF65-F5344CB8AC3E}">
+        <p14:creationId xmlns:p14="http://schemas.microsoft.com/office/powerpoint/2010/main" val="3971011124"/>
+      </p:ext>
+    </p:extLst>
+  </p:cSld>
+  <p:clrMapOvr>
+    <a:masterClrMapping/>
+  </p:clrMapOvr>
+</p:notes>
+</file>
+
+<file path=ppt/notesSlides/notesSlide16.xml><?xml version="1.0" encoding="utf-8"?>
+<p:notes xmlns:a="http://schemas.openxmlformats.org/drawingml/2006/main" xmlns:r="http://schemas.openxmlformats.org/officeDocument/2006/relationships" xmlns:p="http://schemas.openxmlformats.org/presentationml/2006/main">
+  <p:cSld>
+    <p:spTree>
+      <p:nvGrpSpPr>
+        <p:cNvPr id="1" name=""/>
+        <p:cNvGrpSpPr/>
+        <p:nvPr/>
+      </p:nvGrpSpPr>
+      <p:grpSpPr>
+        <a:xfrm>
+          <a:off x="0" y="0"/>
+          <a:ext cx="0" cy="0"/>
+          <a:chOff x="0" y="0"/>
+          <a:chExt cx="0" cy="0"/>
+        </a:xfrm>
+      </p:grpSpPr>
+      <p:sp>
+        <p:nvSpPr>
+          <p:cNvPr id="2" name="Slide Image Placeholder 1"/>
+          <p:cNvSpPr>
+            <a:spLocks noGrp="1" noRot="1" noChangeAspect="1"/>
+          </p:cNvSpPr>
+          <p:nvPr>
+            <p:ph type="sldImg"/>
+          </p:nvPr>
+        </p:nvSpPr>
+        <p:spPr>
+          <a:xfrm>
+            <a:off x="1544638" y="1143000"/>
+            <a:ext cx="3768725" cy="3086100"/>
+          </a:xfrm>
+        </p:spPr>
+      </p:sp>
+      <p:sp>
+        <p:nvSpPr>
+          <p:cNvPr id="3" name="Notes Placeholder 2"/>
+          <p:cNvSpPr>
+            <a:spLocks noGrp="1"/>
+          </p:cNvSpPr>
+          <p:nvPr>
+            <p:ph type="body" idx="1"/>
+          </p:nvPr>
+        </p:nvSpPr>
+        <p:spPr/>
+        <p:txBody>
+          <a:bodyPr/>
+          <a:lstStyle/>
+          <a:p>
+            <a:r>
+              <a:rPr lang="en-US" dirty="0"/>
+              <a:t>12/06/19 Fig. 5</a:t>
+            </a:r>
+          </a:p>
+        </p:txBody>
+      </p:sp>
+      <p:sp>
+        <p:nvSpPr>
+          <p:cNvPr id="4" name="Slide Number Placeholder 3"/>
+          <p:cNvSpPr>
+            <a:spLocks noGrp="1"/>
+          </p:cNvSpPr>
+          <p:nvPr>
+            <p:ph type="sldNum" sz="quarter" idx="5"/>
+          </p:nvPr>
+        </p:nvSpPr>
+        <p:spPr/>
+        <p:txBody>
+          <a:bodyPr/>
+          <a:lstStyle/>
+          <a:p>
+            <a:fld id="{A697AF77-229E-5D4A-87D0-A949D969F47C}" type="slidenum">
+              <a:rPr lang="en-US" smtClean="0"/>
+              <a:t>16</a:t>
+            </a:fld>
+            <a:endParaRPr lang="en-US"/>
+          </a:p>
+        </p:txBody>
+      </p:sp>
+    </p:spTree>
+    <p:extLst>
+      <p:ext uri="{BB962C8B-B14F-4D97-AF65-F5344CB8AC3E}">
+        <p14:creationId xmlns:p14="http://schemas.microsoft.com/office/powerpoint/2010/main" val="4193511516"/>
+      </p:ext>
+    </p:extLst>
+  </p:cSld>
+  <p:clrMapOvr>
+    <a:masterClrMapping/>
+  </p:clrMapOvr>
+</p:notes>
+</file>
+
+<file path=ppt/notesSlides/notesSlide17.xml><?xml version="1.0" encoding="utf-8"?>
+<p:notes xmlns:a="http://schemas.openxmlformats.org/drawingml/2006/main" xmlns:r="http://schemas.openxmlformats.org/officeDocument/2006/relationships" xmlns:p="http://schemas.openxmlformats.org/presentationml/2006/main">
+  <p:cSld>
+    <p:spTree>
+      <p:nvGrpSpPr>
+        <p:cNvPr id="1" name=""/>
+        <p:cNvGrpSpPr/>
+        <p:nvPr/>
+      </p:nvGrpSpPr>
+      <p:grpSpPr>
+        <a:xfrm>
+          <a:off x="0" y="0"/>
+          <a:ext cx="0" cy="0"/>
+          <a:chOff x="0" y="0"/>
+          <a:chExt cx="0" cy="0"/>
+        </a:xfrm>
+      </p:grpSpPr>
+      <p:sp>
+        <p:nvSpPr>
+          <p:cNvPr id="2" name="Slide Image Placeholder 1"/>
+          <p:cNvSpPr>
+            <a:spLocks noGrp="1" noRot="1" noChangeAspect="1"/>
+          </p:cNvSpPr>
+          <p:nvPr>
+            <p:ph type="sldImg"/>
+          </p:nvPr>
+        </p:nvSpPr>
+        <p:spPr>
+          <a:xfrm>
+            <a:off x="1544638" y="1143000"/>
+            <a:ext cx="3768725" cy="3086100"/>
+          </a:xfrm>
+        </p:spPr>
+      </p:sp>
+      <p:sp>
+        <p:nvSpPr>
+          <p:cNvPr id="3" name="Notes Placeholder 2"/>
+          <p:cNvSpPr>
+            <a:spLocks noGrp="1"/>
+          </p:cNvSpPr>
+          <p:nvPr>
+            <p:ph type="body" idx="1"/>
+          </p:nvPr>
+        </p:nvSpPr>
+        <p:spPr/>
+        <p:txBody>
+          <a:bodyPr/>
+          <a:lstStyle/>
+          <a:p>
+            <a:endParaRPr lang="en-US" dirty="0"/>
+          </a:p>
+        </p:txBody>
+      </p:sp>
+      <p:sp>
+        <p:nvSpPr>
+          <p:cNvPr id="4" name="Slide Number Placeholder 3"/>
+          <p:cNvSpPr>
+            <a:spLocks noGrp="1"/>
+          </p:cNvSpPr>
+          <p:nvPr>
+            <p:ph type="sldNum" sz="quarter" idx="5"/>
+          </p:nvPr>
+        </p:nvSpPr>
+        <p:spPr/>
+        <p:txBody>
+          <a:bodyPr/>
+          <a:lstStyle/>
+          <a:p>
+            <a:fld id="{A697AF77-229E-5D4A-87D0-A949D969F47C}" type="slidenum">
+              <a:rPr lang="en-US" smtClean="0"/>
+              <a:t>17</a:t>
+            </a:fld>
+            <a:endParaRPr lang="en-US"/>
+          </a:p>
+        </p:txBody>
+      </p:sp>
+    </p:spTree>
+    <p:extLst>
+      <p:ext uri="{BB962C8B-B14F-4D97-AF65-F5344CB8AC3E}">
+        <p14:creationId xmlns:p14="http://schemas.microsoft.com/office/powerpoint/2010/main" val="4283938702"/>
+      </p:ext>
+    </p:extLst>
+  </p:cSld>
+  <p:clrMapOvr>
+    <a:masterClrMapping/>
+  </p:clrMapOvr>
+</p:notes>
+</file>
+
+<file path=ppt/notesSlides/notesSlide18.xml><?xml version="1.0" encoding="utf-8"?>
+<p:notes xmlns:a="http://schemas.openxmlformats.org/drawingml/2006/main" xmlns:r="http://schemas.openxmlformats.org/officeDocument/2006/relationships" xmlns:p="http://schemas.openxmlformats.org/presentationml/2006/main">
+  <p:cSld>
+    <p:spTree>
+      <p:nvGrpSpPr>
+        <p:cNvPr id="1" name=""/>
+        <p:cNvGrpSpPr/>
+        <p:nvPr/>
+      </p:nvGrpSpPr>
+      <p:grpSpPr>
+        <a:xfrm>
+          <a:off x="0" y="0"/>
+          <a:ext cx="0" cy="0"/>
+          <a:chOff x="0" y="0"/>
+          <a:chExt cx="0" cy="0"/>
+        </a:xfrm>
+      </p:grpSpPr>
+      <p:sp>
+        <p:nvSpPr>
+          <p:cNvPr id="2" name="Slide Image Placeholder 1"/>
+          <p:cNvSpPr>
+            <a:spLocks noGrp="1" noRot="1" noChangeAspect="1"/>
+          </p:cNvSpPr>
+          <p:nvPr>
+            <p:ph type="sldImg"/>
+          </p:nvPr>
+        </p:nvSpPr>
+        <p:spPr>
+          <a:xfrm>
+            <a:off x="1544638" y="1143000"/>
+            <a:ext cx="3768725" cy="3086100"/>
+          </a:xfrm>
+        </p:spPr>
+      </p:sp>
+      <p:sp>
+        <p:nvSpPr>
+          <p:cNvPr id="3" name="Notes Placeholder 2"/>
+          <p:cNvSpPr>
+            <a:spLocks noGrp="1"/>
+          </p:cNvSpPr>
+          <p:nvPr>
+            <p:ph type="body" idx="1"/>
+          </p:nvPr>
+        </p:nvSpPr>
+        <p:spPr/>
+        <p:txBody>
+          <a:bodyPr/>
+          <a:lstStyle/>
+          <a:p>
+            <a:endParaRPr lang="en-US" dirty="0"/>
+          </a:p>
+        </p:txBody>
+      </p:sp>
+      <p:sp>
+        <p:nvSpPr>
+          <p:cNvPr id="4" name="Slide Number Placeholder 3"/>
+          <p:cNvSpPr>
+            <a:spLocks noGrp="1"/>
+          </p:cNvSpPr>
+          <p:nvPr>
+            <p:ph type="sldNum" sz="quarter" idx="5"/>
+          </p:nvPr>
+        </p:nvSpPr>
+        <p:spPr/>
+        <p:txBody>
+          <a:bodyPr/>
+          <a:lstStyle/>
+          <a:p>
+            <a:fld id="{A697AF77-229E-5D4A-87D0-A949D969F47C}" type="slidenum">
+              <a:rPr lang="en-US" smtClean="0"/>
+              <a:t>18</a:t>
             </a:fld>
             <a:endParaRPr lang="en-US"/>
           </a:p>
@@ -1811,7 +2090,7 @@
           <a:p>
             <a:r>
               <a:rPr lang="en-US" dirty="0"/>
-              <a:t>12/06/19 Fig. S2</a:t>
+              <a:t>1/22/20 Fig. 4, updated with new panels – tentative v2 with mu = 7.5</a:t>
             </a:r>
           </a:p>
         </p:txBody>
@@ -1842,7 +2121,7 @@
     </p:spTree>
     <p:extLst>
       <p:ext uri="{BB962C8B-B14F-4D97-AF65-F5344CB8AC3E}">
-        <p14:creationId xmlns:p14="http://schemas.microsoft.com/office/powerpoint/2010/main" val="282547630"/>
+        <p14:creationId xmlns:p14="http://schemas.microsoft.com/office/powerpoint/2010/main" val="3526039215"/>
       </p:ext>
     </p:extLst>
   </p:cSld>
@@ -1983,7 +2262,7 @@
           <a:p>
             <a:fld id="{AAC8E564-4E2A-8441-940F-9FCAA67208AC}" type="datetimeFigureOut">
               <a:rPr lang="en-US" smtClean="0"/>
-              <a:t>1/23/20</a:t>
+              <a:t>1/24/20</a:t>
             </a:fld>
             <a:endParaRPr lang="en-US"/>
           </a:p>
@@ -2153,7 +2432,7 @@
           <a:p>
             <a:fld id="{AAC8E564-4E2A-8441-940F-9FCAA67208AC}" type="datetimeFigureOut">
               <a:rPr lang="en-US" smtClean="0"/>
-              <a:t>1/23/20</a:t>
+              <a:t>1/24/20</a:t>
             </a:fld>
             <a:endParaRPr lang="en-US"/>
           </a:p>
@@ -2333,7 +2612,7 @@
           <a:p>
             <a:fld id="{AAC8E564-4E2A-8441-940F-9FCAA67208AC}" type="datetimeFigureOut">
               <a:rPr lang="en-US" smtClean="0"/>
-              <a:t>1/23/20</a:t>
+              <a:t>1/24/20</a:t>
             </a:fld>
             <a:endParaRPr lang="en-US"/>
           </a:p>
@@ -2503,7 +2782,7 @@
           <a:p>
             <a:fld id="{AAC8E564-4E2A-8441-940F-9FCAA67208AC}" type="datetimeFigureOut">
               <a:rPr lang="en-US" smtClean="0"/>
-              <a:t>1/23/20</a:t>
+              <a:t>1/24/20</a:t>
             </a:fld>
             <a:endParaRPr lang="en-US"/>
           </a:p>
@@ -2747,7 +3026,7 @@
           <a:p>
             <a:fld id="{AAC8E564-4E2A-8441-940F-9FCAA67208AC}" type="datetimeFigureOut">
               <a:rPr lang="en-US" smtClean="0"/>
-              <a:t>1/23/20</a:t>
+              <a:t>1/24/20</a:t>
             </a:fld>
             <a:endParaRPr lang="en-US"/>
           </a:p>
@@ -2979,7 +3258,7 @@
           <a:p>
             <a:fld id="{AAC8E564-4E2A-8441-940F-9FCAA67208AC}" type="datetimeFigureOut">
               <a:rPr lang="en-US" smtClean="0"/>
-              <a:t>1/23/20</a:t>
+              <a:t>1/24/20</a:t>
             </a:fld>
             <a:endParaRPr lang="en-US"/>
           </a:p>
@@ -3346,7 +3625,7 @@
           <a:p>
             <a:fld id="{AAC8E564-4E2A-8441-940F-9FCAA67208AC}" type="datetimeFigureOut">
               <a:rPr lang="en-US" smtClean="0"/>
-              <a:t>1/23/20</a:t>
+              <a:t>1/24/20</a:t>
             </a:fld>
             <a:endParaRPr lang="en-US"/>
           </a:p>
@@ -3464,7 +3743,7 @@
           <a:p>
             <a:fld id="{AAC8E564-4E2A-8441-940F-9FCAA67208AC}" type="datetimeFigureOut">
               <a:rPr lang="en-US" smtClean="0"/>
-              <a:t>1/23/20</a:t>
+              <a:t>1/24/20</a:t>
             </a:fld>
             <a:endParaRPr lang="en-US"/>
           </a:p>
@@ -3559,7 +3838,7 @@
           <a:p>
             <a:fld id="{AAC8E564-4E2A-8441-940F-9FCAA67208AC}" type="datetimeFigureOut">
               <a:rPr lang="en-US" smtClean="0"/>
-              <a:t>1/23/20</a:t>
+              <a:t>1/24/20</a:t>
             </a:fld>
             <a:endParaRPr lang="en-US"/>
           </a:p>
@@ -3836,7 +4115,7 @@
           <a:p>
             <a:fld id="{AAC8E564-4E2A-8441-940F-9FCAA67208AC}" type="datetimeFigureOut">
               <a:rPr lang="en-US" smtClean="0"/>
-              <a:t>1/23/20</a:t>
+              <a:t>1/24/20</a:t>
             </a:fld>
             <a:endParaRPr lang="en-US"/>
           </a:p>
@@ -4093,7 +4372,7 @@
           <a:p>
             <a:fld id="{AAC8E564-4E2A-8441-940F-9FCAA67208AC}" type="datetimeFigureOut">
               <a:rPr lang="en-US" smtClean="0"/>
-              <a:t>1/23/20</a:t>
+              <a:t>1/24/20</a:t>
             </a:fld>
             <a:endParaRPr lang="en-US"/>
           </a:p>
@@ -4306,7 +4585,7 @@
           <a:p>
             <a:fld id="{AAC8E564-4E2A-8441-940F-9FCAA67208AC}" type="datetimeFigureOut">
               <a:rPr lang="en-US" smtClean="0"/>
-              <a:t>1/23/20</a:t>
+              <a:t>1/24/20</a:t>
             </a:fld>
             <a:endParaRPr lang="en-US"/>
           </a:p>
@@ -4935,6 +5214,477 @@
 </file>
 
 <file path=ppt/slides/slide10.xml><?xml version="1.0" encoding="utf-8"?>
+<p:sld xmlns:a="http://schemas.openxmlformats.org/drawingml/2006/main" xmlns:r="http://schemas.openxmlformats.org/officeDocument/2006/relationships" xmlns:p="http://schemas.openxmlformats.org/presentationml/2006/main">
+  <p:cSld>
+    <p:spTree>
+      <p:nvGrpSpPr>
+        <p:cNvPr id="1" name=""/>
+        <p:cNvGrpSpPr/>
+        <p:nvPr/>
+      </p:nvGrpSpPr>
+      <p:grpSpPr>
+        <a:xfrm>
+          <a:off x="0" y="0"/>
+          <a:ext cx="0" cy="0"/>
+          <a:chOff x="0" y="0"/>
+          <a:chExt cx="0" cy="0"/>
+        </a:xfrm>
+      </p:grpSpPr>
+      <p:grpSp>
+        <p:nvGrpSpPr>
+          <p:cNvPr id="29" name="Group 28">
+            <a:extLst>
+              <a:ext uri="{FF2B5EF4-FFF2-40B4-BE49-F238E27FC236}">
+                <a16:creationId xmlns:a16="http://schemas.microsoft.com/office/drawing/2014/main" id="{FD7843E5-6748-8B44-AF91-AB6E7A64A3E6}"/>
+              </a:ext>
+            </a:extLst>
+          </p:cNvPr>
+          <p:cNvGrpSpPr/>
+          <p:nvPr/>
+        </p:nvGrpSpPr>
+        <p:grpSpPr>
+          <a:xfrm>
+            <a:off x="2272785" y="44423"/>
+            <a:ext cx="3372879" cy="6394504"/>
+            <a:chOff x="2272785" y="88846"/>
+            <a:chExt cx="3372879" cy="6394504"/>
+          </a:xfrm>
+        </p:grpSpPr>
+        <p:pic>
+          <p:nvPicPr>
+            <p:cNvPr id="17" name="Picture 16">
+              <a:extLst>
+                <a:ext uri="{FF2B5EF4-FFF2-40B4-BE49-F238E27FC236}">
+                  <a16:creationId xmlns:a16="http://schemas.microsoft.com/office/drawing/2014/main" id="{A995C0BF-0956-9141-B01A-F70C3C587E44}"/>
+                </a:ext>
+              </a:extLst>
+            </p:cNvPr>
+            <p:cNvPicPr>
+              <a:picLocks noChangeAspect="1"/>
+            </p:cNvPicPr>
+            <p:nvPr/>
+          </p:nvPicPr>
+          <p:blipFill>
+            <a:blip r:embed="rId3"/>
+            <a:stretch>
+              <a:fillRect/>
+            </a:stretch>
+          </p:blipFill>
+          <p:spPr>
+            <a:xfrm>
+              <a:off x="3853734" y="4425950"/>
+              <a:ext cx="1791929" cy="2057400"/>
+            </a:xfrm>
+            <a:prstGeom prst="rect">
+              <a:avLst/>
+            </a:prstGeom>
+          </p:spPr>
+        </p:pic>
+        <p:pic>
+          <p:nvPicPr>
+            <p:cNvPr id="21" name="Picture 20">
+              <a:extLst>
+                <a:ext uri="{FF2B5EF4-FFF2-40B4-BE49-F238E27FC236}">
+                  <a16:creationId xmlns:a16="http://schemas.microsoft.com/office/drawing/2014/main" id="{AEF0F410-3675-C748-BD5A-8DB46D497C86}"/>
+                </a:ext>
+              </a:extLst>
+            </p:cNvPr>
+            <p:cNvPicPr>
+              <a:picLocks noChangeAspect="1"/>
+            </p:cNvPicPr>
+            <p:nvPr/>
+          </p:nvPicPr>
+          <p:blipFill>
+            <a:blip r:embed="rId4"/>
+            <a:stretch>
+              <a:fillRect/>
+            </a:stretch>
+          </p:blipFill>
+          <p:spPr>
+            <a:xfrm>
+              <a:off x="3853735" y="2368550"/>
+              <a:ext cx="1791929" cy="2057400"/>
+            </a:xfrm>
+            <a:prstGeom prst="rect">
+              <a:avLst/>
+            </a:prstGeom>
+          </p:spPr>
+        </p:pic>
+        <p:pic>
+          <p:nvPicPr>
+            <p:cNvPr id="24" name="Picture 23">
+              <a:extLst>
+                <a:ext uri="{FF2B5EF4-FFF2-40B4-BE49-F238E27FC236}">
+                  <a16:creationId xmlns:a16="http://schemas.microsoft.com/office/drawing/2014/main" id="{3D53D49E-E61D-E846-9348-533DE7E0EFC8}"/>
+                </a:ext>
+              </a:extLst>
+            </p:cNvPr>
+            <p:cNvPicPr>
+              <a:picLocks noChangeAspect="1"/>
+            </p:cNvPicPr>
+            <p:nvPr/>
+          </p:nvPicPr>
+          <p:blipFill>
+            <a:blip r:embed="rId5"/>
+            <a:stretch>
+              <a:fillRect/>
+            </a:stretch>
+          </p:blipFill>
+          <p:spPr>
+            <a:xfrm>
+              <a:off x="3853735" y="308405"/>
+              <a:ext cx="1791929" cy="2057400"/>
+            </a:xfrm>
+            <a:prstGeom prst="rect">
+              <a:avLst/>
+            </a:prstGeom>
+          </p:spPr>
+        </p:pic>
+        <p:pic>
+          <p:nvPicPr>
+            <p:cNvPr id="6" name="Picture 5">
+              <a:extLst>
+                <a:ext uri="{FF2B5EF4-FFF2-40B4-BE49-F238E27FC236}">
+                  <a16:creationId xmlns:a16="http://schemas.microsoft.com/office/drawing/2014/main" id="{46E7E66B-0BF6-7B4E-88D3-93B364DF3628}"/>
+                </a:ext>
+              </a:extLst>
+            </p:cNvPr>
+            <p:cNvPicPr>
+              <a:picLocks noChangeAspect="1"/>
+            </p:cNvPicPr>
+            <p:nvPr/>
+          </p:nvPicPr>
+          <p:blipFill>
+            <a:blip r:embed="rId6"/>
+            <a:stretch>
+              <a:fillRect/>
+            </a:stretch>
+          </p:blipFill>
+          <p:spPr>
+            <a:xfrm>
+              <a:off x="2280698" y="308405"/>
+              <a:ext cx="1791929" cy="2057400"/>
+            </a:xfrm>
+            <a:prstGeom prst="rect">
+              <a:avLst/>
+            </a:prstGeom>
+          </p:spPr>
+        </p:pic>
+        <p:pic>
+          <p:nvPicPr>
+            <p:cNvPr id="12" name="Picture 11">
+              <a:extLst>
+                <a:ext uri="{FF2B5EF4-FFF2-40B4-BE49-F238E27FC236}">
+                  <a16:creationId xmlns:a16="http://schemas.microsoft.com/office/drawing/2014/main" id="{94372E33-D038-5B4E-B0EA-F1EEF81CA8A2}"/>
+                </a:ext>
+              </a:extLst>
+            </p:cNvPr>
+            <p:cNvPicPr>
+              <a:picLocks noChangeAspect="1"/>
+            </p:cNvPicPr>
+            <p:nvPr/>
+          </p:nvPicPr>
+          <p:blipFill>
+            <a:blip r:embed="rId7"/>
+            <a:stretch>
+              <a:fillRect/>
+            </a:stretch>
+          </p:blipFill>
+          <p:spPr>
+            <a:xfrm>
+              <a:off x="2272785" y="2371295"/>
+              <a:ext cx="1791929" cy="2057400"/>
+            </a:xfrm>
+            <a:prstGeom prst="rect">
+              <a:avLst/>
+            </a:prstGeom>
+          </p:spPr>
+        </p:pic>
+        <p:pic>
+          <p:nvPicPr>
+            <p:cNvPr id="14" name="Picture 13">
+              <a:extLst>
+                <a:ext uri="{FF2B5EF4-FFF2-40B4-BE49-F238E27FC236}">
+                  <a16:creationId xmlns:a16="http://schemas.microsoft.com/office/drawing/2014/main" id="{2B435101-69AE-5947-B225-8A9E98B0376A}"/>
+                </a:ext>
+              </a:extLst>
+            </p:cNvPr>
+            <p:cNvPicPr>
+              <a:picLocks noChangeAspect="1"/>
+            </p:cNvPicPr>
+            <p:nvPr/>
+          </p:nvPicPr>
+          <p:blipFill>
+            <a:blip r:embed="rId8"/>
+            <a:stretch>
+              <a:fillRect/>
+            </a:stretch>
+          </p:blipFill>
+          <p:spPr>
+            <a:xfrm>
+              <a:off x="2280698" y="4420460"/>
+              <a:ext cx="1791929" cy="2057400"/>
+            </a:xfrm>
+            <a:prstGeom prst="rect">
+              <a:avLst/>
+            </a:prstGeom>
+          </p:spPr>
+        </p:pic>
+        <p:sp>
+          <p:nvSpPr>
+            <p:cNvPr id="20" name="TextBox 19">
+              <a:extLst>
+                <a:ext uri="{FF2B5EF4-FFF2-40B4-BE49-F238E27FC236}">
+                  <a16:creationId xmlns:a16="http://schemas.microsoft.com/office/drawing/2014/main" id="{E8C86BD2-9FE9-8C4D-A835-2EAAEE829653}"/>
+                </a:ext>
+              </a:extLst>
+            </p:cNvPr>
+            <p:cNvSpPr txBox="1"/>
+            <p:nvPr/>
+          </p:nvSpPr>
+          <p:spPr>
+            <a:xfrm>
+              <a:off x="2402223" y="2154488"/>
+              <a:ext cx="353026" cy="276999"/>
+            </a:xfrm>
+            <a:prstGeom prst="rect">
+              <a:avLst/>
+            </a:prstGeom>
+            <a:noFill/>
+          </p:spPr>
+          <p:txBody>
+            <a:bodyPr wrap="square" rtlCol="0">
+              <a:spAutoFit/>
+            </a:bodyPr>
+            <a:lstStyle/>
+            <a:p>
+              <a:pPr algn="ctr"/>
+              <a:r>
+                <a:rPr lang="en-US" sz="1200" b="1" dirty="0">
+                  <a:latin typeface="Helvetica Neue" panose="02000503000000020004" pitchFamily="2" charset="0"/>
+                  <a:ea typeface="Helvetica Neue" panose="02000503000000020004" pitchFamily="2" charset="0"/>
+                  <a:cs typeface="Helvetica Neue" panose="02000503000000020004" pitchFamily="2" charset="0"/>
+                </a:rPr>
+                <a:t>c</a:t>
+              </a:r>
+            </a:p>
+          </p:txBody>
+        </p:sp>
+        <p:sp>
+          <p:nvSpPr>
+            <p:cNvPr id="26" name="TextBox 25">
+              <a:extLst>
+                <a:ext uri="{FF2B5EF4-FFF2-40B4-BE49-F238E27FC236}">
+                  <a16:creationId xmlns:a16="http://schemas.microsoft.com/office/drawing/2014/main" id="{97F12DB8-E9D0-A24B-B88C-7940F2860933}"/>
+                </a:ext>
+              </a:extLst>
+            </p:cNvPr>
+            <p:cNvSpPr txBox="1"/>
+            <p:nvPr/>
+          </p:nvSpPr>
+          <p:spPr>
+            <a:xfrm>
+              <a:off x="3983173" y="2154488"/>
+              <a:ext cx="353026" cy="276999"/>
+            </a:xfrm>
+            <a:prstGeom prst="rect">
+              <a:avLst/>
+            </a:prstGeom>
+            <a:noFill/>
+          </p:spPr>
+          <p:txBody>
+            <a:bodyPr wrap="square" rtlCol="0">
+              <a:spAutoFit/>
+            </a:bodyPr>
+            <a:lstStyle/>
+            <a:p>
+              <a:pPr algn="ctr"/>
+              <a:r>
+                <a:rPr lang="en-US" sz="1200" b="1" dirty="0">
+                  <a:latin typeface="Helvetica Neue" panose="02000503000000020004" pitchFamily="2" charset="0"/>
+                  <a:ea typeface="Helvetica Neue" panose="02000503000000020004" pitchFamily="2" charset="0"/>
+                  <a:cs typeface="Helvetica Neue" panose="02000503000000020004" pitchFamily="2" charset="0"/>
+                </a:rPr>
+                <a:t>d</a:t>
+              </a:r>
+            </a:p>
+          </p:txBody>
+        </p:sp>
+        <p:sp>
+          <p:nvSpPr>
+            <p:cNvPr id="27" name="TextBox 26">
+              <a:extLst>
+                <a:ext uri="{FF2B5EF4-FFF2-40B4-BE49-F238E27FC236}">
+                  <a16:creationId xmlns:a16="http://schemas.microsoft.com/office/drawing/2014/main" id="{FDDE573A-223F-1940-86F7-59778A3EEDBD}"/>
+                </a:ext>
+              </a:extLst>
+            </p:cNvPr>
+            <p:cNvSpPr txBox="1"/>
+            <p:nvPr/>
+          </p:nvSpPr>
+          <p:spPr>
+            <a:xfrm>
+              <a:off x="2402223" y="4203653"/>
+              <a:ext cx="353026" cy="276999"/>
+            </a:xfrm>
+            <a:prstGeom prst="rect">
+              <a:avLst/>
+            </a:prstGeom>
+            <a:noFill/>
+          </p:spPr>
+          <p:txBody>
+            <a:bodyPr wrap="square" rtlCol="0">
+              <a:spAutoFit/>
+            </a:bodyPr>
+            <a:lstStyle/>
+            <a:p>
+              <a:pPr algn="ctr"/>
+              <a:r>
+                <a:rPr lang="en-US" sz="1200" b="1" dirty="0">
+                  <a:latin typeface="Helvetica Neue" panose="02000503000000020004" pitchFamily="2" charset="0"/>
+                  <a:ea typeface="Helvetica Neue" panose="02000503000000020004" pitchFamily="2" charset="0"/>
+                  <a:cs typeface="Helvetica Neue" panose="02000503000000020004" pitchFamily="2" charset="0"/>
+                </a:rPr>
+                <a:t>e</a:t>
+              </a:r>
+            </a:p>
+          </p:txBody>
+        </p:sp>
+        <p:sp>
+          <p:nvSpPr>
+            <p:cNvPr id="28" name="TextBox 27">
+              <a:extLst>
+                <a:ext uri="{FF2B5EF4-FFF2-40B4-BE49-F238E27FC236}">
+                  <a16:creationId xmlns:a16="http://schemas.microsoft.com/office/drawing/2014/main" id="{6C482106-E107-4F4E-B200-7FD0E90E10A9}"/>
+                </a:ext>
+              </a:extLst>
+            </p:cNvPr>
+            <p:cNvSpPr txBox="1"/>
+            <p:nvPr/>
+          </p:nvSpPr>
+          <p:spPr>
+            <a:xfrm>
+              <a:off x="3983173" y="4203653"/>
+              <a:ext cx="353026" cy="276999"/>
+            </a:xfrm>
+            <a:prstGeom prst="rect">
+              <a:avLst/>
+            </a:prstGeom>
+            <a:noFill/>
+          </p:spPr>
+          <p:txBody>
+            <a:bodyPr wrap="square" rtlCol="0">
+              <a:spAutoFit/>
+            </a:bodyPr>
+            <a:lstStyle/>
+            <a:p>
+              <a:pPr algn="ctr"/>
+              <a:r>
+                <a:rPr lang="en-US" sz="1200" b="1" dirty="0">
+                  <a:latin typeface="Helvetica Neue" panose="02000503000000020004" pitchFamily="2" charset="0"/>
+                  <a:ea typeface="Helvetica Neue" panose="02000503000000020004" pitchFamily="2" charset="0"/>
+                  <a:cs typeface="Helvetica Neue" panose="02000503000000020004" pitchFamily="2" charset="0"/>
+                </a:rPr>
+                <a:t>f</a:t>
+              </a:r>
+            </a:p>
+          </p:txBody>
+        </p:sp>
+        <p:sp>
+          <p:nvSpPr>
+            <p:cNvPr id="16" name="TextBox 15">
+              <a:extLst>
+                <a:ext uri="{FF2B5EF4-FFF2-40B4-BE49-F238E27FC236}">
+                  <a16:creationId xmlns:a16="http://schemas.microsoft.com/office/drawing/2014/main" id="{0B8EA217-6F2C-0943-8D48-F70EC12EC200}"/>
+                </a:ext>
+              </a:extLst>
+            </p:cNvPr>
+            <p:cNvSpPr txBox="1"/>
+            <p:nvPr/>
+          </p:nvSpPr>
+          <p:spPr>
+            <a:xfrm>
+              <a:off x="2399287" y="88846"/>
+              <a:ext cx="353026" cy="276999"/>
+            </a:xfrm>
+            <a:prstGeom prst="rect">
+              <a:avLst/>
+            </a:prstGeom>
+            <a:noFill/>
+          </p:spPr>
+          <p:txBody>
+            <a:bodyPr wrap="square" rtlCol="0">
+              <a:spAutoFit/>
+            </a:bodyPr>
+            <a:lstStyle/>
+            <a:p>
+              <a:pPr algn="ctr"/>
+              <a:r>
+                <a:rPr lang="en-US" sz="1200" b="1" dirty="0">
+                  <a:latin typeface="Helvetica Neue" panose="02000503000000020004" pitchFamily="2" charset="0"/>
+                  <a:ea typeface="Helvetica Neue" panose="02000503000000020004" pitchFamily="2" charset="0"/>
+                  <a:cs typeface="Helvetica Neue" panose="02000503000000020004" pitchFamily="2" charset="0"/>
+                </a:rPr>
+                <a:t>a</a:t>
+              </a:r>
+            </a:p>
+          </p:txBody>
+        </p:sp>
+        <p:sp>
+          <p:nvSpPr>
+            <p:cNvPr id="18" name="TextBox 17">
+              <a:extLst>
+                <a:ext uri="{FF2B5EF4-FFF2-40B4-BE49-F238E27FC236}">
+                  <a16:creationId xmlns:a16="http://schemas.microsoft.com/office/drawing/2014/main" id="{46BBEC22-8FD3-4646-AE1A-C6C1C5D5E1E6}"/>
+                </a:ext>
+              </a:extLst>
+            </p:cNvPr>
+            <p:cNvSpPr txBox="1"/>
+            <p:nvPr/>
+          </p:nvSpPr>
+          <p:spPr>
+            <a:xfrm>
+              <a:off x="3983173" y="99363"/>
+              <a:ext cx="353026" cy="276999"/>
+            </a:xfrm>
+            <a:prstGeom prst="rect">
+              <a:avLst/>
+            </a:prstGeom>
+            <a:noFill/>
+          </p:spPr>
+          <p:txBody>
+            <a:bodyPr wrap="square" rtlCol="0">
+              <a:spAutoFit/>
+            </a:bodyPr>
+            <a:lstStyle/>
+            <a:p>
+              <a:pPr algn="ctr"/>
+              <a:r>
+                <a:rPr lang="en-US" sz="1200" b="1" dirty="0">
+                  <a:latin typeface="Helvetica Neue" panose="02000503000000020004" pitchFamily="2" charset="0"/>
+                  <a:ea typeface="Helvetica Neue" panose="02000503000000020004" pitchFamily="2" charset="0"/>
+                  <a:cs typeface="Helvetica Neue" panose="02000503000000020004" pitchFamily="2" charset="0"/>
+                </a:rPr>
+                <a:t>b</a:t>
+              </a:r>
+            </a:p>
+          </p:txBody>
+        </p:sp>
+      </p:grpSp>
+    </p:spTree>
+    <p:extLst>
+      <p:ext uri="{BB962C8B-B14F-4D97-AF65-F5344CB8AC3E}">
+        <p14:creationId xmlns:p14="http://schemas.microsoft.com/office/powerpoint/2010/main" val="3098672393"/>
+      </p:ext>
+    </p:extLst>
+  </p:cSld>
+  <p:clrMapOvr>
+    <a:masterClrMapping/>
+  </p:clrMapOvr>
+</p:sld>
+</file>
+
+<file path=ppt/slides/slide11.xml><?xml version="1.0" encoding="utf-8"?>
 <p:sld xmlns:a="http://schemas.openxmlformats.org/drawingml/2006/main" xmlns:r="http://schemas.openxmlformats.org/officeDocument/2006/relationships" xmlns:p="http://schemas.openxmlformats.org/presentationml/2006/main" show="0">
   <p:cSld>
     <p:spTree>
@@ -5244,7 +5994,317 @@
 </p:sld>
 </file>
 
-<file path=ppt/slides/slide11.xml><?xml version="1.0" encoding="utf-8"?>
+<file path=ppt/slides/slide12.xml><?xml version="1.0" encoding="utf-8"?>
+<p:sld xmlns:a="http://schemas.openxmlformats.org/drawingml/2006/main" xmlns:r="http://schemas.openxmlformats.org/officeDocument/2006/relationships" xmlns:p="http://schemas.openxmlformats.org/presentationml/2006/main" show="0">
+  <p:cSld>
+    <p:spTree>
+      <p:nvGrpSpPr>
+        <p:cNvPr id="1" name=""/>
+        <p:cNvGrpSpPr/>
+        <p:nvPr/>
+      </p:nvGrpSpPr>
+      <p:grpSpPr>
+        <a:xfrm>
+          <a:off x="0" y="0"/>
+          <a:ext cx="0" cy="0"/>
+          <a:chOff x="0" y="0"/>
+          <a:chExt cx="0" cy="0"/>
+        </a:xfrm>
+      </p:grpSpPr>
+      <p:pic>
+        <p:nvPicPr>
+          <p:cNvPr id="3" name="Picture 2">
+            <a:extLst>
+              <a:ext uri="{FF2B5EF4-FFF2-40B4-BE49-F238E27FC236}">
+                <a16:creationId xmlns:a16="http://schemas.microsoft.com/office/drawing/2014/main" id="{1D34154F-0242-1E4D-9474-974BBA7B35F1}"/>
+              </a:ext>
+            </a:extLst>
+          </p:cNvPr>
+          <p:cNvPicPr>
+            <a:picLocks noChangeAspect="1"/>
+          </p:cNvPicPr>
+          <p:nvPr/>
+        </p:nvPicPr>
+        <p:blipFill>
+          <a:blip r:embed="rId3"/>
+          <a:stretch>
+            <a:fillRect/>
+          </a:stretch>
+        </p:blipFill>
+        <p:spPr>
+          <a:xfrm>
+            <a:off x="3803904" y="3383280"/>
+            <a:ext cx="2697480" cy="3097107"/>
+          </a:xfrm>
+          <a:prstGeom prst="rect">
+            <a:avLst/>
+          </a:prstGeom>
+        </p:spPr>
+      </p:pic>
+      <p:pic>
+        <p:nvPicPr>
+          <p:cNvPr id="8" name="Picture 7">
+            <a:extLst>
+              <a:ext uri="{FF2B5EF4-FFF2-40B4-BE49-F238E27FC236}">
+                <a16:creationId xmlns:a16="http://schemas.microsoft.com/office/drawing/2014/main" id="{691E08D1-B0AF-D94A-94B0-FAD75BF79AFC}"/>
+              </a:ext>
+            </a:extLst>
+          </p:cNvPr>
+          <p:cNvPicPr>
+            <a:picLocks noChangeAspect="1"/>
+          </p:cNvPicPr>
+          <p:nvPr/>
+        </p:nvPicPr>
+        <p:blipFill>
+          <a:blip r:embed="rId4"/>
+          <a:stretch>
+            <a:fillRect/>
+          </a:stretch>
+        </p:blipFill>
+        <p:spPr>
+          <a:xfrm>
+            <a:off x="3803904" y="200093"/>
+            <a:ext cx="2697480" cy="3097107"/>
+          </a:xfrm>
+          <a:prstGeom prst="rect">
+            <a:avLst/>
+          </a:prstGeom>
+        </p:spPr>
+      </p:pic>
+      <p:pic>
+        <p:nvPicPr>
+          <p:cNvPr id="11" name="Picture 10">
+            <a:extLst>
+              <a:ext uri="{FF2B5EF4-FFF2-40B4-BE49-F238E27FC236}">
+                <a16:creationId xmlns:a16="http://schemas.microsoft.com/office/drawing/2014/main" id="{71496AD5-497A-064C-B7DA-8CBCCCE889EB}"/>
+              </a:ext>
+            </a:extLst>
+          </p:cNvPr>
+          <p:cNvPicPr>
+            <a:picLocks noChangeAspect="1"/>
+          </p:cNvPicPr>
+          <p:nvPr/>
+        </p:nvPicPr>
+        <p:blipFill>
+          <a:blip r:embed="rId5"/>
+          <a:stretch>
+            <a:fillRect/>
+          </a:stretch>
+        </p:blipFill>
+        <p:spPr>
+          <a:xfrm>
+            <a:off x="1417320" y="200093"/>
+            <a:ext cx="2697480" cy="3097107"/>
+          </a:xfrm>
+          <a:prstGeom prst="rect">
+            <a:avLst/>
+          </a:prstGeom>
+        </p:spPr>
+      </p:pic>
+      <p:pic>
+        <p:nvPicPr>
+          <p:cNvPr id="5" name="Picture 4">
+            <a:extLst>
+              <a:ext uri="{FF2B5EF4-FFF2-40B4-BE49-F238E27FC236}">
+                <a16:creationId xmlns:a16="http://schemas.microsoft.com/office/drawing/2014/main" id="{4DB9EA3A-BE12-064C-A02D-AC63604BB86E}"/>
+              </a:ext>
+            </a:extLst>
+          </p:cNvPr>
+          <p:cNvPicPr>
+            <a:picLocks noChangeAspect="1"/>
+          </p:cNvPicPr>
+          <p:nvPr/>
+        </p:nvPicPr>
+        <p:blipFill>
+          <a:blip r:embed="rId6"/>
+          <a:stretch>
+            <a:fillRect/>
+          </a:stretch>
+        </p:blipFill>
+        <p:spPr>
+          <a:xfrm>
+            <a:off x="1417320" y="3383280"/>
+            <a:ext cx="2697480" cy="3097107"/>
+          </a:xfrm>
+          <a:prstGeom prst="rect">
+            <a:avLst/>
+          </a:prstGeom>
+        </p:spPr>
+      </p:pic>
+      <p:sp>
+        <p:nvSpPr>
+          <p:cNvPr id="18" name="TextBox 17">
+            <a:extLst>
+              <a:ext uri="{FF2B5EF4-FFF2-40B4-BE49-F238E27FC236}">
+                <a16:creationId xmlns:a16="http://schemas.microsoft.com/office/drawing/2014/main" id="{46BBEC22-8FD3-4646-AE1A-C6C1C5D5E1E6}"/>
+              </a:ext>
+            </a:extLst>
+          </p:cNvPr>
+          <p:cNvSpPr txBox="1"/>
+          <p:nvPr/>
+        </p:nvSpPr>
+        <p:spPr>
+          <a:xfrm>
+            <a:off x="3950616" y="-9595"/>
+            <a:ext cx="578784" cy="338554"/>
+          </a:xfrm>
+          <a:prstGeom prst="rect">
+            <a:avLst/>
+          </a:prstGeom>
+          <a:noFill/>
+        </p:spPr>
+        <p:txBody>
+          <a:bodyPr wrap="square" rtlCol="0">
+            <a:spAutoFit/>
+          </a:bodyPr>
+          <a:lstStyle/>
+          <a:p>
+            <a:pPr algn="ctr"/>
+            <a:r>
+              <a:rPr lang="en-US" sz="1600" b="1" dirty="0">
+                <a:latin typeface="Helvetica Neue" panose="02000503000000020004" pitchFamily="2" charset="0"/>
+                <a:ea typeface="Helvetica Neue" panose="02000503000000020004" pitchFamily="2" charset="0"/>
+                <a:cs typeface="Helvetica Neue" panose="02000503000000020004" pitchFamily="2" charset="0"/>
+              </a:rPr>
+              <a:t>b</a:t>
+            </a:r>
+          </a:p>
+        </p:txBody>
+      </p:sp>
+      <p:sp>
+        <p:nvSpPr>
+          <p:cNvPr id="16" name="TextBox 15">
+            <a:extLst>
+              <a:ext uri="{FF2B5EF4-FFF2-40B4-BE49-F238E27FC236}">
+                <a16:creationId xmlns:a16="http://schemas.microsoft.com/office/drawing/2014/main" id="{0B8EA217-6F2C-0943-8D48-F70EC12EC200}"/>
+              </a:ext>
+            </a:extLst>
+          </p:cNvPr>
+          <p:cNvSpPr txBox="1"/>
+          <p:nvPr/>
+        </p:nvSpPr>
+        <p:spPr>
+          <a:xfrm>
+            <a:off x="1577488" y="-9596"/>
+            <a:ext cx="578784" cy="338554"/>
+          </a:xfrm>
+          <a:prstGeom prst="rect">
+            <a:avLst/>
+          </a:prstGeom>
+          <a:noFill/>
+        </p:spPr>
+        <p:txBody>
+          <a:bodyPr wrap="square" rtlCol="0">
+            <a:spAutoFit/>
+          </a:bodyPr>
+          <a:lstStyle/>
+          <a:p>
+            <a:pPr algn="ctr"/>
+            <a:r>
+              <a:rPr lang="en-US" sz="1600" b="1" dirty="0">
+                <a:latin typeface="Helvetica Neue" panose="02000503000000020004" pitchFamily="2" charset="0"/>
+                <a:ea typeface="Helvetica Neue" panose="02000503000000020004" pitchFamily="2" charset="0"/>
+                <a:cs typeface="Helvetica Neue" panose="02000503000000020004" pitchFamily="2" charset="0"/>
+              </a:rPr>
+              <a:t>a</a:t>
+            </a:r>
+          </a:p>
+        </p:txBody>
+      </p:sp>
+      <p:sp>
+        <p:nvSpPr>
+          <p:cNvPr id="20" name="TextBox 19">
+            <a:extLst>
+              <a:ext uri="{FF2B5EF4-FFF2-40B4-BE49-F238E27FC236}">
+                <a16:creationId xmlns:a16="http://schemas.microsoft.com/office/drawing/2014/main" id="{E8C86BD2-9FE9-8C4D-A835-2EAAEE829653}"/>
+              </a:ext>
+            </a:extLst>
+          </p:cNvPr>
+          <p:cNvSpPr txBox="1"/>
+          <p:nvPr/>
+        </p:nvSpPr>
+        <p:spPr>
+          <a:xfrm>
+            <a:off x="1579100" y="3182347"/>
+            <a:ext cx="578784" cy="338554"/>
+          </a:xfrm>
+          <a:prstGeom prst="rect">
+            <a:avLst/>
+          </a:prstGeom>
+          <a:noFill/>
+        </p:spPr>
+        <p:txBody>
+          <a:bodyPr wrap="square" rtlCol="0">
+            <a:spAutoFit/>
+          </a:bodyPr>
+          <a:lstStyle/>
+          <a:p>
+            <a:pPr algn="ctr"/>
+            <a:r>
+              <a:rPr lang="en-US" sz="1600" b="1" dirty="0">
+                <a:latin typeface="Helvetica Neue" panose="02000503000000020004" pitchFamily="2" charset="0"/>
+                <a:ea typeface="Helvetica Neue" panose="02000503000000020004" pitchFamily="2" charset="0"/>
+                <a:cs typeface="Helvetica Neue" panose="02000503000000020004" pitchFamily="2" charset="0"/>
+              </a:rPr>
+              <a:t>c</a:t>
+            </a:r>
+          </a:p>
+        </p:txBody>
+      </p:sp>
+      <p:sp>
+        <p:nvSpPr>
+          <p:cNvPr id="22" name="TextBox 21">
+            <a:extLst>
+              <a:ext uri="{FF2B5EF4-FFF2-40B4-BE49-F238E27FC236}">
+                <a16:creationId xmlns:a16="http://schemas.microsoft.com/office/drawing/2014/main" id="{9CC8A2EA-F668-DD43-A074-9F1F726F28A7}"/>
+              </a:ext>
+            </a:extLst>
+          </p:cNvPr>
+          <p:cNvSpPr txBox="1"/>
+          <p:nvPr/>
+        </p:nvSpPr>
+        <p:spPr>
+          <a:xfrm>
+            <a:off x="3950616" y="3187050"/>
+            <a:ext cx="578784" cy="338554"/>
+          </a:xfrm>
+          <a:prstGeom prst="rect">
+            <a:avLst/>
+          </a:prstGeom>
+          <a:noFill/>
+        </p:spPr>
+        <p:txBody>
+          <a:bodyPr wrap="square" rtlCol="0">
+            <a:spAutoFit/>
+          </a:bodyPr>
+          <a:lstStyle/>
+          <a:p>
+            <a:pPr algn="ctr"/>
+            <a:r>
+              <a:rPr lang="en-US" sz="1600" b="1" dirty="0">
+                <a:latin typeface="Helvetica Neue" panose="02000503000000020004" pitchFamily="2" charset="0"/>
+                <a:ea typeface="Helvetica Neue" panose="02000503000000020004" pitchFamily="2" charset="0"/>
+                <a:cs typeface="Helvetica Neue" panose="02000503000000020004" pitchFamily="2" charset="0"/>
+              </a:rPr>
+              <a:t>d</a:t>
+            </a:r>
+          </a:p>
+        </p:txBody>
+      </p:sp>
+    </p:spTree>
+    <p:extLst>
+      <p:ext uri="{BB962C8B-B14F-4D97-AF65-F5344CB8AC3E}">
+        <p14:creationId xmlns:p14="http://schemas.microsoft.com/office/powerpoint/2010/main" val="3995306834"/>
+      </p:ext>
+    </p:extLst>
+  </p:cSld>
+  <p:clrMapOvr>
+    <a:masterClrMapping/>
+  </p:clrMapOvr>
+</p:sld>
+</file>
+
+<file path=ppt/slides/slide13.xml><?xml version="1.0" encoding="utf-8"?>
 <p:sld xmlns:a="http://schemas.openxmlformats.org/drawingml/2006/main" xmlns:r="http://schemas.openxmlformats.org/officeDocument/2006/relationships" xmlns:p="http://schemas.openxmlformats.org/presentationml/2006/main">
   <p:cSld>
     <p:spTree>
@@ -5293,6 +6353,36 @@
       </p:pic>
       <p:pic>
         <p:nvPicPr>
+          <p:cNvPr id="4" name="Picture 3">
+            <a:extLst>
+              <a:ext uri="{FF2B5EF4-FFF2-40B4-BE49-F238E27FC236}">
+                <a16:creationId xmlns:a16="http://schemas.microsoft.com/office/drawing/2014/main" id="{8CA43508-9EF8-6346-990A-0DE92AAAB6C2}"/>
+              </a:ext>
+            </a:extLst>
+          </p:cNvPr>
+          <p:cNvPicPr>
+            <a:picLocks noChangeAspect="1"/>
+          </p:cNvPicPr>
+          <p:nvPr/>
+        </p:nvPicPr>
+        <p:blipFill>
+          <a:blip r:embed="rId4"/>
+          <a:stretch>
+            <a:fillRect/>
+          </a:stretch>
+        </p:blipFill>
+        <p:spPr>
+          <a:xfrm>
+            <a:off x="1417320" y="3383279"/>
+            <a:ext cx="2697480" cy="3097107"/>
+          </a:xfrm>
+          <a:prstGeom prst="rect">
+            <a:avLst/>
+          </a:prstGeom>
+        </p:spPr>
+      </p:pic>
+      <p:pic>
+        <p:nvPicPr>
           <p:cNvPr id="8" name="Picture 7">
             <a:extLst>
               <a:ext uri="{FF2B5EF4-FFF2-40B4-BE49-F238E27FC236}">
@@ -5306,7 +6396,7 @@
           <p:nvPr/>
         </p:nvPicPr>
         <p:blipFill>
-          <a:blip r:embed="rId4"/>
+          <a:blip r:embed="rId5"/>
           <a:stretch>
             <a:fillRect/>
           </a:stretch>
@@ -5336,36 +6426,6 @@
           <p:nvPr/>
         </p:nvPicPr>
         <p:blipFill>
-          <a:blip r:embed="rId5"/>
-          <a:stretch>
-            <a:fillRect/>
-          </a:stretch>
-        </p:blipFill>
-        <p:spPr>
-          <a:xfrm>
-            <a:off x="1417320" y="200093"/>
-            <a:ext cx="2697480" cy="3097107"/>
-          </a:xfrm>
-          <a:prstGeom prst="rect">
-            <a:avLst/>
-          </a:prstGeom>
-        </p:spPr>
-      </p:pic>
-      <p:pic>
-        <p:nvPicPr>
-          <p:cNvPr id="5" name="Picture 4">
-            <a:extLst>
-              <a:ext uri="{FF2B5EF4-FFF2-40B4-BE49-F238E27FC236}">
-                <a16:creationId xmlns:a16="http://schemas.microsoft.com/office/drawing/2014/main" id="{4DB9EA3A-BE12-064C-A02D-AC63604BB86E}"/>
-              </a:ext>
-            </a:extLst>
-          </p:cNvPr>
-          <p:cNvPicPr>
-            <a:picLocks noChangeAspect="1"/>
-          </p:cNvPicPr>
-          <p:nvPr/>
-        </p:nvPicPr>
-        <p:blipFill>
           <a:blip r:embed="rId6"/>
           <a:stretch>
             <a:fillRect/>
@@ -5373,7 +6433,7 @@
         </p:blipFill>
         <p:spPr>
           <a:xfrm>
-            <a:off x="1417320" y="3383280"/>
+            <a:off x="1417320" y="200093"/>
             <a:ext cx="2697480" cy="3097107"/>
           </a:xfrm>
           <a:prstGeom prst="rect">
@@ -5544,7 +6604,7 @@
     </p:spTree>
     <p:extLst>
       <p:ext uri="{BB962C8B-B14F-4D97-AF65-F5344CB8AC3E}">
-        <p14:creationId xmlns:p14="http://schemas.microsoft.com/office/powerpoint/2010/main" val="3995306834"/>
+        <p14:creationId xmlns:p14="http://schemas.microsoft.com/office/powerpoint/2010/main" val="3807970029"/>
       </p:ext>
     </p:extLst>
   </p:cSld>
@@ -5554,8 +6614,8 @@
 </p:sld>
 </file>
 
-<file path=ppt/slides/slide12.xml><?xml version="1.0" encoding="utf-8"?>
-<p:sld xmlns:a="http://schemas.openxmlformats.org/drawingml/2006/main" xmlns:r="http://schemas.openxmlformats.org/officeDocument/2006/relationships" xmlns:p="http://schemas.openxmlformats.org/presentationml/2006/main">
+<file path=ppt/slides/slide14.xml><?xml version="1.0" encoding="utf-8"?>
+<p:sld xmlns:a="http://schemas.openxmlformats.org/drawingml/2006/main" xmlns:r="http://schemas.openxmlformats.org/officeDocument/2006/relationships" xmlns:p="http://schemas.openxmlformats.org/presentationml/2006/main" show="0">
   <p:cSld>
     <p:spTree>
       <p:nvGrpSpPr>
@@ -5864,7 +6924,317 @@
 </p:sld>
 </file>
 
-<file path=ppt/slides/slide13.xml><?xml version="1.0" encoding="utf-8"?>
+<file path=ppt/slides/slide15.xml><?xml version="1.0" encoding="utf-8"?>
+<p:sld xmlns:a="http://schemas.openxmlformats.org/drawingml/2006/main" xmlns:r="http://schemas.openxmlformats.org/officeDocument/2006/relationships" xmlns:p="http://schemas.openxmlformats.org/presentationml/2006/main">
+  <p:cSld>
+    <p:spTree>
+      <p:nvGrpSpPr>
+        <p:cNvPr id="1" name=""/>
+        <p:cNvGrpSpPr/>
+        <p:nvPr/>
+      </p:nvGrpSpPr>
+      <p:grpSpPr>
+        <a:xfrm>
+          <a:off x="0" y="0"/>
+          <a:ext cx="0" cy="0"/>
+          <a:chOff x="0" y="0"/>
+          <a:chExt cx="0" cy="0"/>
+        </a:xfrm>
+      </p:grpSpPr>
+      <p:pic>
+        <p:nvPicPr>
+          <p:cNvPr id="4" name="Picture 3">
+            <a:extLst>
+              <a:ext uri="{FF2B5EF4-FFF2-40B4-BE49-F238E27FC236}">
+                <a16:creationId xmlns:a16="http://schemas.microsoft.com/office/drawing/2014/main" id="{75F537B3-7AFF-DA4A-A9A1-2CC77F79E372}"/>
+              </a:ext>
+            </a:extLst>
+          </p:cNvPr>
+          <p:cNvPicPr>
+            <a:picLocks noChangeAspect="1"/>
+          </p:cNvPicPr>
+          <p:nvPr/>
+        </p:nvPicPr>
+        <p:blipFill>
+          <a:blip r:embed="rId3"/>
+          <a:stretch>
+            <a:fillRect/>
+          </a:stretch>
+        </p:blipFill>
+        <p:spPr>
+          <a:xfrm>
+            <a:off x="3803904" y="3383279"/>
+            <a:ext cx="2699839" cy="3099816"/>
+          </a:xfrm>
+          <a:prstGeom prst="rect">
+            <a:avLst/>
+          </a:prstGeom>
+        </p:spPr>
+      </p:pic>
+      <p:pic>
+        <p:nvPicPr>
+          <p:cNvPr id="3" name="Picture 2">
+            <a:extLst>
+              <a:ext uri="{FF2B5EF4-FFF2-40B4-BE49-F238E27FC236}">
+                <a16:creationId xmlns:a16="http://schemas.microsoft.com/office/drawing/2014/main" id="{6D80627F-F50C-5948-9E7E-F85D06634E20}"/>
+              </a:ext>
+            </a:extLst>
+          </p:cNvPr>
+          <p:cNvPicPr>
+            <a:picLocks noChangeAspect="1"/>
+          </p:cNvPicPr>
+          <p:nvPr/>
+        </p:nvPicPr>
+        <p:blipFill>
+          <a:blip r:embed="rId4"/>
+          <a:stretch>
+            <a:fillRect/>
+          </a:stretch>
+        </p:blipFill>
+        <p:spPr>
+          <a:xfrm>
+            <a:off x="1417320" y="3383279"/>
+            <a:ext cx="2697480" cy="3097107"/>
+          </a:xfrm>
+          <a:prstGeom prst="rect">
+            <a:avLst/>
+          </a:prstGeom>
+        </p:spPr>
+      </p:pic>
+      <p:pic>
+        <p:nvPicPr>
+          <p:cNvPr id="10" name="Picture 9">
+            <a:extLst>
+              <a:ext uri="{FF2B5EF4-FFF2-40B4-BE49-F238E27FC236}">
+                <a16:creationId xmlns:a16="http://schemas.microsoft.com/office/drawing/2014/main" id="{0789F02C-289C-B44C-A106-C5D9E6B6A068}"/>
+              </a:ext>
+            </a:extLst>
+          </p:cNvPr>
+          <p:cNvPicPr>
+            <a:picLocks noChangeAspect="1"/>
+          </p:cNvPicPr>
+          <p:nvPr/>
+        </p:nvPicPr>
+        <p:blipFill>
+          <a:blip r:embed="rId5"/>
+          <a:stretch>
+            <a:fillRect/>
+          </a:stretch>
+        </p:blipFill>
+        <p:spPr>
+          <a:xfrm>
+            <a:off x="3803904" y="201168"/>
+            <a:ext cx="2697480" cy="3097107"/>
+          </a:xfrm>
+          <a:prstGeom prst="rect">
+            <a:avLst/>
+          </a:prstGeom>
+        </p:spPr>
+      </p:pic>
+      <p:pic>
+        <p:nvPicPr>
+          <p:cNvPr id="13" name="Picture 12">
+            <a:extLst>
+              <a:ext uri="{FF2B5EF4-FFF2-40B4-BE49-F238E27FC236}">
+                <a16:creationId xmlns:a16="http://schemas.microsoft.com/office/drawing/2014/main" id="{B98B9F79-F9E7-C44E-87A8-1F88167319BA}"/>
+              </a:ext>
+            </a:extLst>
+          </p:cNvPr>
+          <p:cNvPicPr>
+            <a:picLocks noChangeAspect="1"/>
+          </p:cNvPicPr>
+          <p:nvPr/>
+        </p:nvPicPr>
+        <p:blipFill>
+          <a:blip r:embed="rId6"/>
+          <a:stretch>
+            <a:fillRect/>
+          </a:stretch>
+        </p:blipFill>
+        <p:spPr>
+          <a:xfrm>
+            <a:off x="1417320" y="201168"/>
+            <a:ext cx="2697480" cy="3097107"/>
+          </a:xfrm>
+          <a:prstGeom prst="rect">
+            <a:avLst/>
+          </a:prstGeom>
+        </p:spPr>
+      </p:pic>
+      <p:sp>
+        <p:nvSpPr>
+          <p:cNvPr id="18" name="TextBox 17">
+            <a:extLst>
+              <a:ext uri="{FF2B5EF4-FFF2-40B4-BE49-F238E27FC236}">
+                <a16:creationId xmlns:a16="http://schemas.microsoft.com/office/drawing/2014/main" id="{46BBEC22-8FD3-4646-AE1A-C6C1C5D5E1E6}"/>
+              </a:ext>
+            </a:extLst>
+          </p:cNvPr>
+          <p:cNvSpPr txBox="1"/>
+          <p:nvPr/>
+        </p:nvSpPr>
+        <p:spPr>
+          <a:xfrm>
+            <a:off x="3950616" y="-9595"/>
+            <a:ext cx="578784" cy="338554"/>
+          </a:xfrm>
+          <a:prstGeom prst="rect">
+            <a:avLst/>
+          </a:prstGeom>
+          <a:noFill/>
+        </p:spPr>
+        <p:txBody>
+          <a:bodyPr wrap="square" rtlCol="0">
+            <a:spAutoFit/>
+          </a:bodyPr>
+          <a:lstStyle/>
+          <a:p>
+            <a:pPr algn="ctr"/>
+            <a:r>
+              <a:rPr lang="en-US" sz="1600" b="1" dirty="0">
+                <a:latin typeface="Helvetica Neue" panose="02000503000000020004" pitchFamily="2" charset="0"/>
+                <a:ea typeface="Helvetica Neue" panose="02000503000000020004" pitchFamily="2" charset="0"/>
+                <a:cs typeface="Helvetica Neue" panose="02000503000000020004" pitchFamily="2" charset="0"/>
+              </a:rPr>
+              <a:t>b</a:t>
+            </a:r>
+          </a:p>
+        </p:txBody>
+      </p:sp>
+      <p:sp>
+        <p:nvSpPr>
+          <p:cNvPr id="16" name="TextBox 15">
+            <a:extLst>
+              <a:ext uri="{FF2B5EF4-FFF2-40B4-BE49-F238E27FC236}">
+                <a16:creationId xmlns:a16="http://schemas.microsoft.com/office/drawing/2014/main" id="{0B8EA217-6F2C-0943-8D48-F70EC12EC200}"/>
+              </a:ext>
+            </a:extLst>
+          </p:cNvPr>
+          <p:cNvSpPr txBox="1"/>
+          <p:nvPr/>
+        </p:nvSpPr>
+        <p:spPr>
+          <a:xfrm>
+            <a:off x="1577488" y="-9596"/>
+            <a:ext cx="578784" cy="338554"/>
+          </a:xfrm>
+          <a:prstGeom prst="rect">
+            <a:avLst/>
+          </a:prstGeom>
+          <a:noFill/>
+        </p:spPr>
+        <p:txBody>
+          <a:bodyPr wrap="square" rtlCol="0">
+            <a:spAutoFit/>
+          </a:bodyPr>
+          <a:lstStyle/>
+          <a:p>
+            <a:pPr algn="ctr"/>
+            <a:r>
+              <a:rPr lang="en-US" sz="1600" b="1" dirty="0">
+                <a:latin typeface="Helvetica Neue" panose="02000503000000020004" pitchFamily="2" charset="0"/>
+                <a:ea typeface="Helvetica Neue" panose="02000503000000020004" pitchFamily="2" charset="0"/>
+                <a:cs typeface="Helvetica Neue" panose="02000503000000020004" pitchFamily="2" charset="0"/>
+              </a:rPr>
+              <a:t>a</a:t>
+            </a:r>
+          </a:p>
+        </p:txBody>
+      </p:sp>
+      <p:sp>
+        <p:nvSpPr>
+          <p:cNvPr id="20" name="TextBox 19">
+            <a:extLst>
+              <a:ext uri="{FF2B5EF4-FFF2-40B4-BE49-F238E27FC236}">
+                <a16:creationId xmlns:a16="http://schemas.microsoft.com/office/drawing/2014/main" id="{E8C86BD2-9FE9-8C4D-A835-2EAAEE829653}"/>
+              </a:ext>
+            </a:extLst>
+          </p:cNvPr>
+          <p:cNvSpPr txBox="1"/>
+          <p:nvPr/>
+        </p:nvSpPr>
+        <p:spPr>
+          <a:xfrm>
+            <a:off x="1579100" y="3182347"/>
+            <a:ext cx="578784" cy="338554"/>
+          </a:xfrm>
+          <a:prstGeom prst="rect">
+            <a:avLst/>
+          </a:prstGeom>
+          <a:noFill/>
+        </p:spPr>
+        <p:txBody>
+          <a:bodyPr wrap="square" rtlCol="0">
+            <a:spAutoFit/>
+          </a:bodyPr>
+          <a:lstStyle/>
+          <a:p>
+            <a:pPr algn="ctr"/>
+            <a:r>
+              <a:rPr lang="en-US" sz="1600" b="1" dirty="0">
+                <a:latin typeface="Helvetica Neue" panose="02000503000000020004" pitchFamily="2" charset="0"/>
+                <a:ea typeface="Helvetica Neue" panose="02000503000000020004" pitchFamily="2" charset="0"/>
+                <a:cs typeface="Helvetica Neue" panose="02000503000000020004" pitchFamily="2" charset="0"/>
+              </a:rPr>
+              <a:t>c</a:t>
+            </a:r>
+          </a:p>
+        </p:txBody>
+      </p:sp>
+      <p:sp>
+        <p:nvSpPr>
+          <p:cNvPr id="22" name="TextBox 21">
+            <a:extLst>
+              <a:ext uri="{FF2B5EF4-FFF2-40B4-BE49-F238E27FC236}">
+                <a16:creationId xmlns:a16="http://schemas.microsoft.com/office/drawing/2014/main" id="{9CC8A2EA-F668-DD43-A074-9F1F726F28A7}"/>
+              </a:ext>
+            </a:extLst>
+          </p:cNvPr>
+          <p:cNvSpPr txBox="1"/>
+          <p:nvPr/>
+        </p:nvSpPr>
+        <p:spPr>
+          <a:xfrm>
+            <a:off x="3950616" y="3187050"/>
+            <a:ext cx="578784" cy="338554"/>
+          </a:xfrm>
+          <a:prstGeom prst="rect">
+            <a:avLst/>
+          </a:prstGeom>
+          <a:noFill/>
+        </p:spPr>
+        <p:txBody>
+          <a:bodyPr wrap="square" rtlCol="0">
+            <a:spAutoFit/>
+          </a:bodyPr>
+          <a:lstStyle/>
+          <a:p>
+            <a:pPr algn="ctr"/>
+            <a:r>
+              <a:rPr lang="en-US" sz="1600" b="1" dirty="0">
+                <a:latin typeface="Helvetica Neue" panose="02000503000000020004" pitchFamily="2" charset="0"/>
+                <a:ea typeface="Helvetica Neue" panose="02000503000000020004" pitchFamily="2" charset="0"/>
+                <a:cs typeface="Helvetica Neue" panose="02000503000000020004" pitchFamily="2" charset="0"/>
+              </a:rPr>
+              <a:t>d</a:t>
+            </a:r>
+          </a:p>
+        </p:txBody>
+      </p:sp>
+    </p:spTree>
+    <p:extLst>
+      <p:ext uri="{BB962C8B-B14F-4D97-AF65-F5344CB8AC3E}">
+        <p14:creationId xmlns:p14="http://schemas.microsoft.com/office/powerpoint/2010/main" val="2352755481"/>
+      </p:ext>
+    </p:extLst>
+  </p:cSld>
+  <p:clrMapOvr>
+    <a:masterClrMapping/>
+  </p:clrMapOvr>
+</p:sld>
+</file>
+
+<file path=ppt/slides/slide16.xml><?xml version="1.0" encoding="utf-8"?>
 <p:sld xmlns:a="http://schemas.openxmlformats.org/drawingml/2006/main" xmlns:r="http://schemas.openxmlformats.org/officeDocument/2006/relationships" xmlns:p="http://schemas.openxmlformats.org/presentationml/2006/main">
   <p:cSld>
     <p:spTree>
@@ -6899,7 +8269,7 @@
 </p:sld>
 </file>
 
-<file path=ppt/slides/slide14.xml><?xml version="1.0" encoding="utf-8"?>
+<file path=ppt/slides/slide17.xml><?xml version="1.0" encoding="utf-8"?>
 <p:sld xmlns:a="http://schemas.openxmlformats.org/drawingml/2006/main" xmlns:r="http://schemas.openxmlformats.org/officeDocument/2006/relationships" xmlns:p="http://schemas.openxmlformats.org/presentationml/2006/main">
   <p:cSld>
     <p:spTree>
@@ -7069,7 +8439,7 @@
 </p:sld>
 </file>
 
-<file path=ppt/slides/slide15.xml><?xml version="1.0" encoding="utf-8"?>
+<file path=ppt/slides/slide18.xml><?xml version="1.0" encoding="utf-8"?>
 <p:sld xmlns:a="http://schemas.openxmlformats.org/drawingml/2006/main" xmlns:r="http://schemas.openxmlformats.org/officeDocument/2006/relationships" xmlns:p="http://schemas.openxmlformats.org/presentationml/2006/main">
   <p:cSld>
     <p:spTree>
@@ -13564,7 +14934,7 @@
 </file>
 
 <file path=ppt/slides/slide8.xml><?xml version="1.0" encoding="utf-8"?>
-<p:sld xmlns:a="http://schemas.openxmlformats.org/drawingml/2006/main" xmlns:r="http://schemas.openxmlformats.org/officeDocument/2006/relationships" xmlns:p="http://schemas.openxmlformats.org/presentationml/2006/main">
+<p:sld xmlns:a="http://schemas.openxmlformats.org/drawingml/2006/main" xmlns:r="http://schemas.openxmlformats.org/officeDocument/2006/relationships" xmlns:p="http://schemas.openxmlformats.org/presentationml/2006/main" show="0">
   <p:cSld>
     <p:spTree>
       <p:nvGrpSpPr>
@@ -15093,12 +16463,162 @@
           <a:chExt cx="0" cy="0"/>
         </a:xfrm>
       </p:grpSpPr>
+      <p:pic>
+        <p:nvPicPr>
+          <p:cNvPr id="7" name="Picture 6">
+            <a:extLst>
+              <a:ext uri="{FF2B5EF4-FFF2-40B4-BE49-F238E27FC236}">
+                <a16:creationId xmlns:a16="http://schemas.microsoft.com/office/drawing/2014/main" id="{6A07BBCF-FFB6-3A44-BD78-B5C9427F1BF6}"/>
+              </a:ext>
+            </a:extLst>
+          </p:cNvPr>
+          <p:cNvPicPr>
+            <a:picLocks noChangeAspect="1"/>
+          </p:cNvPicPr>
+          <p:nvPr/>
+        </p:nvPicPr>
+        <p:blipFill>
+          <a:blip r:embed="rId3"/>
+          <a:stretch>
+            <a:fillRect/>
+          </a:stretch>
+        </p:blipFill>
+        <p:spPr>
+          <a:xfrm>
+            <a:off x="2349566" y="1358437"/>
+            <a:ext cx="3218688" cy="3658399"/>
+          </a:xfrm>
+          <a:prstGeom prst="rect">
+            <a:avLst/>
+          </a:prstGeom>
+        </p:spPr>
+      </p:pic>
+      <p:pic>
+        <p:nvPicPr>
+          <p:cNvPr id="3" name="Picture 2">
+            <a:extLst>
+              <a:ext uri="{FF2B5EF4-FFF2-40B4-BE49-F238E27FC236}">
+                <a16:creationId xmlns:a16="http://schemas.microsoft.com/office/drawing/2014/main" id="{8E2C4C10-D61D-7A48-8089-06C4656570DE}"/>
+              </a:ext>
+            </a:extLst>
+          </p:cNvPr>
+          <p:cNvPicPr>
+            <a:picLocks noChangeAspect="1"/>
+          </p:cNvPicPr>
+          <p:nvPr/>
+        </p:nvPicPr>
+        <p:blipFill>
+          <a:blip r:embed="rId4"/>
+          <a:stretch>
+            <a:fillRect/>
+          </a:stretch>
+        </p:blipFill>
+        <p:spPr>
+          <a:xfrm>
+            <a:off x="106130" y="4059169"/>
+            <a:ext cx="1874520" cy="2152227"/>
+          </a:xfrm>
+          <a:prstGeom prst="rect">
+            <a:avLst/>
+          </a:prstGeom>
+        </p:spPr>
+      </p:pic>
+      <p:pic>
+        <p:nvPicPr>
+          <p:cNvPr id="48" name="Picture 47">
+            <a:extLst>
+              <a:ext uri="{FF2B5EF4-FFF2-40B4-BE49-F238E27FC236}">
+                <a16:creationId xmlns:a16="http://schemas.microsoft.com/office/drawing/2014/main" id="{38A194D1-E0C9-094C-B83D-BE40418D6523}"/>
+              </a:ext>
+            </a:extLst>
+          </p:cNvPr>
+          <p:cNvPicPr>
+            <a:picLocks noChangeAspect="1"/>
+          </p:cNvPicPr>
+          <p:nvPr/>
+        </p:nvPicPr>
+        <p:blipFill>
+          <a:blip r:embed="rId5"/>
+          <a:stretch>
+            <a:fillRect/>
+          </a:stretch>
+        </p:blipFill>
+        <p:spPr>
+          <a:xfrm>
+            <a:off x="5933133" y="4059169"/>
+            <a:ext cx="1874519" cy="2152226"/>
+          </a:xfrm>
+          <a:prstGeom prst="rect">
+            <a:avLst/>
+          </a:prstGeom>
+        </p:spPr>
+      </p:pic>
+      <p:pic>
+        <p:nvPicPr>
+          <p:cNvPr id="46" name="Picture 45">
+            <a:extLst>
+              <a:ext uri="{FF2B5EF4-FFF2-40B4-BE49-F238E27FC236}">
+                <a16:creationId xmlns:a16="http://schemas.microsoft.com/office/drawing/2014/main" id="{02918E79-BF84-2647-9C9E-255736589EDC}"/>
+              </a:ext>
+            </a:extLst>
+          </p:cNvPr>
+          <p:cNvPicPr>
+            <a:picLocks noChangeAspect="1"/>
+          </p:cNvPicPr>
+          <p:nvPr/>
+        </p:nvPicPr>
+        <p:blipFill>
+          <a:blip r:embed="rId6"/>
+          <a:stretch>
+            <a:fillRect/>
+          </a:stretch>
+        </p:blipFill>
+        <p:spPr>
+          <a:xfrm>
+            <a:off x="106130" y="566928"/>
+            <a:ext cx="1874519" cy="2152226"/>
+          </a:xfrm>
+          <a:prstGeom prst="rect">
+            <a:avLst/>
+          </a:prstGeom>
+        </p:spPr>
+      </p:pic>
+      <p:pic>
+        <p:nvPicPr>
+          <p:cNvPr id="31" name="Picture 30">
+            <a:extLst>
+              <a:ext uri="{FF2B5EF4-FFF2-40B4-BE49-F238E27FC236}">
+                <a16:creationId xmlns:a16="http://schemas.microsoft.com/office/drawing/2014/main" id="{88566123-9F40-5849-94F1-E4B63422B96C}"/>
+              </a:ext>
+            </a:extLst>
+          </p:cNvPr>
+          <p:cNvPicPr>
+            <a:picLocks noChangeAspect="1"/>
+          </p:cNvPicPr>
+          <p:nvPr/>
+        </p:nvPicPr>
+        <p:blipFill>
+          <a:blip r:embed="rId7"/>
+          <a:stretch>
+            <a:fillRect/>
+          </a:stretch>
+        </p:blipFill>
+        <p:spPr>
+          <a:xfrm>
+            <a:off x="5931247" y="568824"/>
+            <a:ext cx="1874519" cy="2152226"/>
+          </a:xfrm>
+          <a:prstGeom prst="rect">
+            <a:avLst/>
+          </a:prstGeom>
+        </p:spPr>
+      </p:pic>
       <p:grpSp>
         <p:nvGrpSpPr>
-          <p:cNvPr id="29" name="Group 28">
+          <p:cNvPr id="8" name="Group 7">
             <a:extLst>
               <a:ext uri="{FF2B5EF4-FFF2-40B4-BE49-F238E27FC236}">
-                <a16:creationId xmlns:a16="http://schemas.microsoft.com/office/drawing/2014/main" id="{FD7843E5-6748-8B44-AF91-AB6E7A64A3E6}"/>
+                <a16:creationId xmlns:a16="http://schemas.microsoft.com/office/drawing/2014/main" id="{EDB93B79-28BE-5F45-BEA6-37B27ABDA814}"/>
               </a:ext>
             </a:extLst>
           </p:cNvPr>
@@ -15107,198 +16627,263 @@
         </p:nvGrpSpPr>
         <p:grpSpPr>
           <a:xfrm>
-            <a:off x="2272785" y="44423"/>
-            <a:ext cx="3372879" cy="6394504"/>
-            <a:chOff x="2272785" y="88846"/>
-            <a:chExt cx="3372879" cy="6394504"/>
+            <a:off x="2048480" y="1342881"/>
+            <a:ext cx="3805268" cy="3864694"/>
+            <a:chOff x="2048832" y="1246060"/>
+            <a:chExt cx="3805268" cy="3864694"/>
           </a:xfrm>
         </p:grpSpPr>
-        <p:pic>
-          <p:nvPicPr>
-            <p:cNvPr id="17" name="Picture 16">
+        <p:grpSp>
+          <p:nvGrpSpPr>
+            <p:cNvPr id="32" name="Group 31">
               <a:extLst>
                 <a:ext uri="{FF2B5EF4-FFF2-40B4-BE49-F238E27FC236}">
-                  <a16:creationId xmlns:a16="http://schemas.microsoft.com/office/drawing/2014/main" id="{A995C0BF-0956-9141-B01A-F70C3C587E44}"/>
+                  <a16:creationId xmlns:a16="http://schemas.microsoft.com/office/drawing/2014/main" id="{A68FFD5D-1878-4043-B3D3-6F2FC94FFE78}"/>
                 </a:ext>
               </a:extLst>
             </p:cNvPr>
-            <p:cNvPicPr>
-              <a:picLocks noChangeAspect="1"/>
-            </p:cNvPicPr>
+            <p:cNvGrpSpPr/>
             <p:nvPr/>
-          </p:nvPicPr>
-          <p:blipFill>
-            <a:blip r:embed="rId3"/>
-            <a:stretch>
-              <a:fillRect/>
-            </a:stretch>
-          </p:blipFill>
-          <p:spPr>
+          </p:nvGrpSpPr>
+          <p:grpSpPr>
             <a:xfrm>
-              <a:off x="3853734" y="4425950"/>
-              <a:ext cx="1791929" cy="2057400"/>
+              <a:off x="2081356" y="1348413"/>
+              <a:ext cx="3772744" cy="3762341"/>
+              <a:chOff x="251484" y="-209759"/>
+              <a:chExt cx="6335341" cy="6317870"/>
             </a:xfrm>
-            <a:prstGeom prst="rect">
-              <a:avLst/>
-            </a:prstGeom>
-          </p:spPr>
-        </p:pic>
-        <p:pic>
-          <p:nvPicPr>
-            <p:cNvPr id="21" name="Picture 20">
+          </p:grpSpPr>
+          <p:cxnSp>
+            <p:nvCxnSpPr>
+              <p:cNvPr id="38" name="Straight Arrow Connector 37">
+                <a:extLst>
+                  <a:ext uri="{FF2B5EF4-FFF2-40B4-BE49-F238E27FC236}">
+                    <a16:creationId xmlns:a16="http://schemas.microsoft.com/office/drawing/2014/main" id="{A307D4E4-7D02-4047-8582-E3B4AB21BFB2}"/>
+                  </a:ext>
+                </a:extLst>
+              </p:cNvPr>
+              <p:cNvCxnSpPr>
+                <a:cxnSpLocks/>
+              </p:cNvCxnSpPr>
+              <p:nvPr/>
+            </p:nvCxnSpPr>
+            <p:spPr>
+              <a:xfrm>
+                <a:off x="1311291" y="5654723"/>
+                <a:ext cx="4983990" cy="0"/>
+              </a:xfrm>
+              <a:prstGeom prst="straightConnector1">
+                <a:avLst/>
+              </a:prstGeom>
+              <a:ln w="50800">
+                <a:solidFill>
+                  <a:srgbClr val="C00000"/>
+                </a:solidFill>
+                <a:tailEnd type="triangle"/>
+              </a:ln>
+            </p:spPr>
+            <p:style>
+              <a:lnRef idx="1">
+                <a:schemeClr val="accent1"/>
+              </a:lnRef>
+              <a:fillRef idx="0">
+                <a:schemeClr val="accent1"/>
+              </a:fillRef>
+              <a:effectRef idx="0">
+                <a:schemeClr val="accent1"/>
+              </a:effectRef>
+              <a:fontRef idx="minor">
+                <a:schemeClr val="tx1"/>
+              </a:fontRef>
+            </p:style>
+          </p:cxnSp>
+          <p:sp>
+            <p:nvSpPr>
+              <p:cNvPr id="39" name="TextBox 38">
+                <a:extLst>
+                  <a:ext uri="{FF2B5EF4-FFF2-40B4-BE49-F238E27FC236}">
+                    <a16:creationId xmlns:a16="http://schemas.microsoft.com/office/drawing/2014/main" id="{7A891AFA-F877-6342-9C16-A81ED1CDEF25}"/>
+                  </a:ext>
+                </a:extLst>
+              </p:cNvPr>
+              <p:cNvSpPr txBox="1"/>
+              <p:nvPr/>
+            </p:nvSpPr>
+            <p:spPr>
+              <a:xfrm>
+                <a:off x="1079960" y="5694647"/>
+                <a:ext cx="5506865" cy="413464"/>
+              </a:xfrm>
+              <a:prstGeom prst="rect">
+                <a:avLst/>
+              </a:prstGeom>
+              <a:noFill/>
+            </p:spPr>
+            <p:txBody>
+              <a:bodyPr wrap="square" rtlCol="0">
+                <a:spAutoFit/>
+              </a:bodyPr>
+              <a:lstStyle/>
+              <a:p>
+                <a:pPr algn="ctr"/>
+                <a:r>
+                  <a:rPr lang="en-US" sz="1000" dirty="0">
+                    <a:solidFill>
+                      <a:srgbClr val="C00000"/>
+                    </a:solidFill>
+                    <a:latin typeface="Helvetica Neue" panose="02000503000000020004" pitchFamily="2" charset="0"/>
+                    <a:ea typeface="Helvetica Neue" panose="02000503000000020004" pitchFamily="2" charset="0"/>
+                    <a:cs typeface="Helvetica Neue" panose="02000503000000020004" pitchFamily="2" charset="0"/>
+                  </a:rPr>
+                  <a:t>Individuals become less sensitive to stimuli</a:t>
+                </a:r>
+              </a:p>
+            </p:txBody>
+          </p:sp>
+          <p:cxnSp>
+            <p:nvCxnSpPr>
+              <p:cNvPr id="40" name="Straight Arrow Connector 39">
+                <a:extLst>
+                  <a:ext uri="{FF2B5EF4-FFF2-40B4-BE49-F238E27FC236}">
+                    <a16:creationId xmlns:a16="http://schemas.microsoft.com/office/drawing/2014/main" id="{85D1266F-19AC-0241-AAF6-57849EF30018}"/>
+                  </a:ext>
+                </a:extLst>
+              </p:cNvPr>
+              <p:cNvCxnSpPr>
+                <a:cxnSpLocks/>
+              </p:cNvCxnSpPr>
+              <p:nvPr/>
+            </p:nvCxnSpPr>
+            <p:spPr>
+              <a:xfrm flipV="1">
+                <a:off x="750001" y="440000"/>
+                <a:ext cx="0" cy="4746857"/>
+              </a:xfrm>
+              <a:prstGeom prst="straightConnector1">
+                <a:avLst/>
+              </a:prstGeom>
+              <a:ln w="50800">
+                <a:solidFill>
+                  <a:srgbClr val="C00000"/>
+                </a:solidFill>
+                <a:tailEnd type="triangle"/>
+              </a:ln>
+            </p:spPr>
+            <p:style>
+              <a:lnRef idx="1">
+                <a:schemeClr val="accent1"/>
+              </a:lnRef>
+              <a:fillRef idx="0">
+                <a:schemeClr val="accent1"/>
+              </a:fillRef>
+              <a:effectRef idx="0">
+                <a:schemeClr val="accent1"/>
+              </a:effectRef>
+              <a:fontRef idx="minor">
+                <a:schemeClr val="tx1"/>
+              </a:fontRef>
+            </p:style>
+          </p:cxnSp>
+          <p:sp>
+            <p:nvSpPr>
+              <p:cNvPr id="41" name="TextBox 40">
+                <a:extLst>
+                  <a:ext uri="{FF2B5EF4-FFF2-40B4-BE49-F238E27FC236}">
+                    <a16:creationId xmlns:a16="http://schemas.microsoft.com/office/drawing/2014/main" id="{4D2E4A4A-C872-794A-8C39-528400D778A1}"/>
+                  </a:ext>
+                </a:extLst>
+              </p:cNvPr>
+              <p:cNvSpPr txBox="1"/>
+              <p:nvPr/>
+            </p:nvSpPr>
+            <p:spPr>
+              <a:xfrm rot="16200000">
+                <a:off x="-2604958" y="2646683"/>
+                <a:ext cx="6126348" cy="413464"/>
+              </a:xfrm>
+              <a:prstGeom prst="rect">
+                <a:avLst/>
+              </a:prstGeom>
+              <a:noFill/>
+            </p:spPr>
+            <p:txBody>
+              <a:bodyPr wrap="square" rtlCol="0">
+                <a:spAutoFit/>
+              </a:bodyPr>
+              <a:lstStyle/>
+              <a:p>
+                <a:pPr algn="ctr"/>
+                <a:r>
+                  <a:rPr lang="en-US" sz="1000" dirty="0">
+                    <a:solidFill>
+                      <a:srgbClr val="C00000"/>
+                    </a:solidFill>
+                    <a:latin typeface="Helvetica Neue" panose="02000503000000020004" pitchFamily="2" charset="0"/>
+                    <a:ea typeface="Helvetica Neue" panose="02000503000000020004" pitchFamily="2" charset="0"/>
+                    <a:cs typeface="Helvetica Neue" panose="02000503000000020004" pitchFamily="2" charset="0"/>
+                  </a:rPr>
+                  <a:t>Individuals become more efficient</a:t>
+                </a:r>
+              </a:p>
+            </p:txBody>
+          </p:sp>
+          <p:sp>
+            <p:nvSpPr>
+              <p:cNvPr id="42" name="TextBox 41">
+                <a:extLst>
+                  <a:ext uri="{FF2B5EF4-FFF2-40B4-BE49-F238E27FC236}">
+                    <a16:creationId xmlns:a16="http://schemas.microsoft.com/office/drawing/2014/main" id="{6308A167-A527-214B-9F7E-05AF52A19B71}"/>
+                  </a:ext>
+                </a:extLst>
+              </p:cNvPr>
+              <p:cNvSpPr txBox="1"/>
+              <p:nvPr/>
+            </p:nvSpPr>
+            <p:spPr>
+              <a:xfrm>
+                <a:off x="2575273" y="3953793"/>
+                <a:ext cx="1569713" cy="387622"/>
+              </a:xfrm>
+              <a:prstGeom prst="rect">
+                <a:avLst/>
+              </a:prstGeom>
+              <a:noFill/>
+            </p:spPr>
+            <p:txBody>
+              <a:bodyPr wrap="square" rtlCol="0">
+                <a:spAutoFit/>
+              </a:bodyPr>
+              <a:lstStyle/>
+              <a:p>
+                <a:pPr algn="ctr"/>
+                <a:r>
+                  <a:rPr lang="en-US" sz="900" b="1" dirty="0">
+                    <a:ln w="127">
+                      <a:solidFill>
+                        <a:schemeClr val="bg1">
+                          <a:alpha val="10000"/>
+                        </a:schemeClr>
+                      </a:solidFill>
+                    </a:ln>
+                    <a:solidFill>
+                      <a:srgbClr val="2B4B9B"/>
+                    </a:solidFill>
+                    <a:latin typeface="Helvetica Neue" panose="02000503000000020004" pitchFamily="2" charset="0"/>
+                    <a:ea typeface="Helvetica Neue" panose="02000503000000020004" pitchFamily="2" charset="0"/>
+                    <a:cs typeface="Helvetica Neue" panose="02000503000000020004" pitchFamily="2" charset="0"/>
+                  </a:rPr>
+                  <a:t>Y</a:t>
+                </a:r>
+              </a:p>
+            </p:txBody>
+          </p:sp>
+        </p:grpSp>
+        <p:sp>
+          <p:nvSpPr>
+            <p:cNvPr id="14" name="TextBox 13">
               <a:extLst>
                 <a:ext uri="{FF2B5EF4-FFF2-40B4-BE49-F238E27FC236}">
-                  <a16:creationId xmlns:a16="http://schemas.microsoft.com/office/drawing/2014/main" id="{AEF0F410-3675-C748-BD5A-8DB46D497C86}"/>
-                </a:ext>
-              </a:extLst>
-            </p:cNvPr>
-            <p:cNvPicPr>
-              <a:picLocks noChangeAspect="1"/>
-            </p:cNvPicPr>
-            <p:nvPr/>
-          </p:nvPicPr>
-          <p:blipFill>
-            <a:blip r:embed="rId4"/>
-            <a:stretch>
-              <a:fillRect/>
-            </a:stretch>
-          </p:blipFill>
-          <p:spPr>
-            <a:xfrm>
-              <a:off x="3853735" y="2368550"/>
-              <a:ext cx="1791929" cy="2057400"/>
-            </a:xfrm>
-            <a:prstGeom prst="rect">
-              <a:avLst/>
-            </a:prstGeom>
-          </p:spPr>
-        </p:pic>
-        <p:pic>
-          <p:nvPicPr>
-            <p:cNvPr id="24" name="Picture 23">
-              <a:extLst>
-                <a:ext uri="{FF2B5EF4-FFF2-40B4-BE49-F238E27FC236}">
-                  <a16:creationId xmlns:a16="http://schemas.microsoft.com/office/drawing/2014/main" id="{3D53D49E-E61D-E846-9348-533DE7E0EFC8}"/>
-                </a:ext>
-              </a:extLst>
-            </p:cNvPr>
-            <p:cNvPicPr>
-              <a:picLocks noChangeAspect="1"/>
-            </p:cNvPicPr>
-            <p:nvPr/>
-          </p:nvPicPr>
-          <p:blipFill>
-            <a:blip r:embed="rId5"/>
-            <a:stretch>
-              <a:fillRect/>
-            </a:stretch>
-          </p:blipFill>
-          <p:spPr>
-            <a:xfrm>
-              <a:off x="3853735" y="308405"/>
-              <a:ext cx="1791929" cy="2057400"/>
-            </a:xfrm>
-            <a:prstGeom prst="rect">
-              <a:avLst/>
-            </a:prstGeom>
-          </p:spPr>
-        </p:pic>
-        <p:pic>
-          <p:nvPicPr>
-            <p:cNvPr id="6" name="Picture 5">
-              <a:extLst>
-                <a:ext uri="{FF2B5EF4-FFF2-40B4-BE49-F238E27FC236}">
-                  <a16:creationId xmlns:a16="http://schemas.microsoft.com/office/drawing/2014/main" id="{46E7E66B-0BF6-7B4E-88D3-93B364DF3628}"/>
-                </a:ext>
-              </a:extLst>
-            </p:cNvPr>
-            <p:cNvPicPr>
-              <a:picLocks noChangeAspect="1"/>
-            </p:cNvPicPr>
-            <p:nvPr/>
-          </p:nvPicPr>
-          <p:blipFill>
-            <a:blip r:embed="rId6"/>
-            <a:stretch>
-              <a:fillRect/>
-            </a:stretch>
-          </p:blipFill>
-          <p:spPr>
-            <a:xfrm>
-              <a:off x="2280698" y="308405"/>
-              <a:ext cx="1791929" cy="2057400"/>
-            </a:xfrm>
-            <a:prstGeom prst="rect">
-              <a:avLst/>
-            </a:prstGeom>
-          </p:spPr>
-        </p:pic>
-        <p:pic>
-          <p:nvPicPr>
-            <p:cNvPr id="12" name="Picture 11">
-              <a:extLst>
-                <a:ext uri="{FF2B5EF4-FFF2-40B4-BE49-F238E27FC236}">
-                  <a16:creationId xmlns:a16="http://schemas.microsoft.com/office/drawing/2014/main" id="{94372E33-D038-5B4E-B0EA-F1EEF81CA8A2}"/>
-                </a:ext>
-              </a:extLst>
-            </p:cNvPr>
-            <p:cNvPicPr>
-              <a:picLocks noChangeAspect="1"/>
-            </p:cNvPicPr>
-            <p:nvPr/>
-          </p:nvPicPr>
-          <p:blipFill>
-            <a:blip r:embed="rId7"/>
-            <a:stretch>
-              <a:fillRect/>
-            </a:stretch>
-          </p:blipFill>
-          <p:spPr>
-            <a:xfrm>
-              <a:off x="2272785" y="2371295"/>
-              <a:ext cx="1791929" cy="2057400"/>
-            </a:xfrm>
-            <a:prstGeom prst="rect">
-              <a:avLst/>
-            </a:prstGeom>
-          </p:spPr>
-        </p:pic>
-        <p:pic>
-          <p:nvPicPr>
-            <p:cNvPr id="14" name="Picture 13">
-              <a:extLst>
-                <a:ext uri="{FF2B5EF4-FFF2-40B4-BE49-F238E27FC236}">
-                  <a16:creationId xmlns:a16="http://schemas.microsoft.com/office/drawing/2014/main" id="{2B435101-69AE-5947-B225-8A9E98B0376A}"/>
-                </a:ext>
-              </a:extLst>
-            </p:cNvPr>
-            <p:cNvPicPr>
-              <a:picLocks noChangeAspect="1"/>
-            </p:cNvPicPr>
-            <p:nvPr/>
-          </p:nvPicPr>
-          <p:blipFill>
-            <a:blip r:embed="rId8"/>
-            <a:stretch>
-              <a:fillRect/>
-            </a:stretch>
-          </p:blipFill>
-          <p:spPr>
-            <a:xfrm>
-              <a:off x="2280698" y="4420460"/>
-              <a:ext cx="1791929" cy="2057400"/>
-            </a:xfrm>
-            <a:prstGeom prst="rect">
-              <a:avLst/>
-            </a:prstGeom>
-          </p:spPr>
-        </p:pic>
-        <p:sp>
-          <p:nvSpPr>
-            <p:cNvPr id="20" name="TextBox 19">
-              <a:extLst>
-                <a:ext uri="{FF2B5EF4-FFF2-40B4-BE49-F238E27FC236}">
-                  <a16:creationId xmlns:a16="http://schemas.microsoft.com/office/drawing/2014/main" id="{E8C86BD2-9FE9-8C4D-A835-2EAAEE829653}"/>
+                  <a16:creationId xmlns:a16="http://schemas.microsoft.com/office/drawing/2014/main" id="{FA8196DD-48D5-9049-896A-63BB364405C1}"/>
                 </a:ext>
               </a:extLst>
             </p:cNvPr>
@@ -15306,9 +16891,9 @@
             <p:nvPr/>
           </p:nvSpPr>
           <p:spPr>
-            <a:xfrm>
-              <a:off x="2402223" y="2154488"/>
-              <a:ext cx="353026" cy="276999"/>
+            <a:xfrm flipH="1">
+              <a:off x="2048832" y="1246060"/>
+              <a:ext cx="301752" cy="307777"/>
             </a:xfrm>
             <a:prstGeom prst="rect">
               <a:avLst/>
@@ -15323,87 +16908,7 @@
             <a:p>
               <a:pPr algn="ctr"/>
               <a:r>
-                <a:rPr lang="en-US" sz="1200" b="1" dirty="0">
-                  <a:latin typeface="Helvetica Neue" panose="02000503000000020004" pitchFamily="2" charset="0"/>
-                  <a:ea typeface="Helvetica Neue" panose="02000503000000020004" pitchFamily="2" charset="0"/>
-                  <a:cs typeface="Helvetica Neue" panose="02000503000000020004" pitchFamily="2" charset="0"/>
-                </a:rPr>
-                <a:t>c</a:t>
-              </a:r>
-            </a:p>
-          </p:txBody>
-        </p:sp>
-        <p:sp>
-          <p:nvSpPr>
-            <p:cNvPr id="26" name="TextBox 25">
-              <a:extLst>
-                <a:ext uri="{FF2B5EF4-FFF2-40B4-BE49-F238E27FC236}">
-                  <a16:creationId xmlns:a16="http://schemas.microsoft.com/office/drawing/2014/main" id="{97F12DB8-E9D0-A24B-B88C-7940F2860933}"/>
-                </a:ext>
-              </a:extLst>
-            </p:cNvPr>
-            <p:cNvSpPr txBox="1"/>
-            <p:nvPr/>
-          </p:nvSpPr>
-          <p:spPr>
-            <a:xfrm>
-              <a:off x="3983173" y="2154488"/>
-              <a:ext cx="353026" cy="276999"/>
-            </a:xfrm>
-            <a:prstGeom prst="rect">
-              <a:avLst/>
-            </a:prstGeom>
-            <a:noFill/>
-          </p:spPr>
-          <p:txBody>
-            <a:bodyPr wrap="square" rtlCol="0">
-              <a:spAutoFit/>
-            </a:bodyPr>
-            <a:lstStyle/>
-            <a:p>
-              <a:pPr algn="ctr"/>
-              <a:r>
-                <a:rPr lang="en-US" sz="1200" b="1" dirty="0">
-                  <a:latin typeface="Helvetica Neue" panose="02000503000000020004" pitchFamily="2" charset="0"/>
-                  <a:ea typeface="Helvetica Neue" panose="02000503000000020004" pitchFamily="2" charset="0"/>
-                  <a:cs typeface="Helvetica Neue" panose="02000503000000020004" pitchFamily="2" charset="0"/>
-                </a:rPr>
-                <a:t>d</a:t>
-              </a:r>
-            </a:p>
-          </p:txBody>
-        </p:sp>
-        <p:sp>
-          <p:nvSpPr>
-            <p:cNvPr id="27" name="TextBox 26">
-              <a:extLst>
-                <a:ext uri="{FF2B5EF4-FFF2-40B4-BE49-F238E27FC236}">
-                  <a16:creationId xmlns:a16="http://schemas.microsoft.com/office/drawing/2014/main" id="{FDDE573A-223F-1940-86F7-59778A3EEDBD}"/>
-                </a:ext>
-              </a:extLst>
-            </p:cNvPr>
-            <p:cNvSpPr txBox="1"/>
-            <p:nvPr/>
-          </p:nvSpPr>
-          <p:spPr>
-            <a:xfrm>
-              <a:off x="2402223" y="4203653"/>
-              <a:ext cx="353026" cy="276999"/>
-            </a:xfrm>
-            <a:prstGeom prst="rect">
-              <a:avLst/>
-            </a:prstGeom>
-            <a:noFill/>
-          </p:spPr>
-          <p:txBody>
-            <a:bodyPr wrap="square" rtlCol="0">
-              <a:spAutoFit/>
-            </a:bodyPr>
-            <a:lstStyle/>
-            <a:p>
-              <a:pPr algn="ctr"/>
-              <a:r>
-                <a:rPr lang="en-US" sz="1200" b="1" dirty="0">
+                <a:rPr lang="en-US" sz="1400" b="1" dirty="0">
                   <a:latin typeface="Helvetica Neue" panose="02000503000000020004" pitchFamily="2" charset="0"/>
                   <a:ea typeface="Helvetica Neue" panose="02000503000000020004" pitchFamily="2" charset="0"/>
                   <a:cs typeface="Helvetica Neue" panose="02000503000000020004" pitchFamily="2" charset="0"/>
@@ -15413,131 +16918,1038 @@
             </a:p>
           </p:txBody>
         </p:sp>
-        <p:sp>
-          <p:nvSpPr>
-            <p:cNvPr id="28" name="TextBox 27">
-              <a:extLst>
-                <a:ext uri="{FF2B5EF4-FFF2-40B4-BE49-F238E27FC236}">
-                  <a16:creationId xmlns:a16="http://schemas.microsoft.com/office/drawing/2014/main" id="{6C482106-E107-4F4E-B200-7FD0E90E10A9}"/>
-                </a:ext>
-              </a:extLst>
-            </p:cNvPr>
-            <p:cNvSpPr txBox="1"/>
-            <p:nvPr/>
-          </p:nvSpPr>
-          <p:spPr>
-            <a:xfrm>
-              <a:off x="3983173" y="4203653"/>
-              <a:ext cx="353026" cy="276999"/>
-            </a:xfrm>
-            <a:prstGeom prst="rect">
-              <a:avLst/>
-            </a:prstGeom>
+      </p:grpSp>
+      <p:sp>
+        <p:nvSpPr>
+          <p:cNvPr id="16" name="TextBox 15">
+            <a:extLst>
+              <a:ext uri="{FF2B5EF4-FFF2-40B4-BE49-F238E27FC236}">
+                <a16:creationId xmlns:a16="http://schemas.microsoft.com/office/drawing/2014/main" id="{0B8EA217-6F2C-0943-8D48-F70EC12EC200}"/>
+              </a:ext>
+            </a:extLst>
+          </p:cNvPr>
+          <p:cNvSpPr txBox="1"/>
+          <p:nvPr/>
+        </p:nvSpPr>
+        <p:spPr>
+          <a:xfrm>
+            <a:off x="94486" y="352730"/>
+            <a:ext cx="300582" cy="301752"/>
+          </a:xfrm>
+          <a:prstGeom prst="rect">
+            <a:avLst/>
+          </a:prstGeom>
+          <a:noFill/>
+        </p:spPr>
+        <p:txBody>
+          <a:bodyPr wrap="square" rtlCol="0">
+            <a:spAutoFit/>
+          </a:bodyPr>
+          <a:lstStyle/>
+          <a:p>
+            <a:pPr algn="ctr"/>
+            <a:r>
+              <a:rPr lang="en-US" sz="1400" b="1" dirty="0">
+                <a:latin typeface="Helvetica Neue" panose="02000503000000020004" pitchFamily="2" charset="0"/>
+                <a:ea typeface="Helvetica Neue" panose="02000503000000020004" pitchFamily="2" charset="0"/>
+                <a:cs typeface="Helvetica Neue" panose="02000503000000020004" pitchFamily="2" charset="0"/>
+              </a:rPr>
+              <a:t>a</a:t>
+            </a:r>
+          </a:p>
+        </p:txBody>
+      </p:sp>
+      <p:sp>
+        <p:nvSpPr>
+          <p:cNvPr id="56" name="TextBox 55">
+            <a:extLst>
+              <a:ext uri="{FF2B5EF4-FFF2-40B4-BE49-F238E27FC236}">
+                <a16:creationId xmlns:a16="http://schemas.microsoft.com/office/drawing/2014/main" id="{53F4DC70-1EA9-4149-AFF0-F773D783C706}"/>
+              </a:ext>
+            </a:extLst>
+          </p:cNvPr>
+          <p:cNvSpPr txBox="1"/>
+          <p:nvPr/>
+        </p:nvSpPr>
+        <p:spPr>
+          <a:xfrm>
+            <a:off x="359652" y="389894"/>
+            <a:ext cx="1627632" cy="274320"/>
+          </a:xfrm>
+          <a:prstGeom prst="rect">
+            <a:avLst/>
+          </a:prstGeom>
+          <a:noFill/>
+        </p:spPr>
+        <p:txBody>
+          <a:bodyPr wrap="square" rtlCol="0">
+            <a:spAutoFit/>
+          </a:bodyPr>
+          <a:lstStyle/>
+          <a:p>
+            <a:pPr algn="ctr"/>
+            <a:r>
+              <a:rPr lang="en-US" sz="1100" i="1" dirty="0">
+                <a:solidFill>
+                  <a:srgbClr val="8FB132"/>
+                </a:solidFill>
+                <a:latin typeface="Arial" panose="020B0604020202020204" pitchFamily="34" charset="0"/>
+                <a:ea typeface="Helvetica Neue" panose="02000503000000020004" pitchFamily="2" charset="0"/>
+                <a:cs typeface="Arial" panose="020B0604020202020204" pitchFamily="34" charset="0"/>
+              </a:rPr>
+              <a:t>Downward contagion</a:t>
+            </a:r>
+          </a:p>
+        </p:txBody>
+      </p:sp>
+      <p:sp>
+        <p:nvSpPr>
+          <p:cNvPr id="20" name="TextBox 19">
+            <a:extLst>
+              <a:ext uri="{FF2B5EF4-FFF2-40B4-BE49-F238E27FC236}">
+                <a16:creationId xmlns:a16="http://schemas.microsoft.com/office/drawing/2014/main" id="{E8C86BD2-9FE9-8C4D-A835-2EAAEE829653}"/>
+              </a:ext>
+            </a:extLst>
+          </p:cNvPr>
+          <p:cNvSpPr txBox="1"/>
+          <p:nvPr/>
+        </p:nvSpPr>
+        <p:spPr>
+          <a:xfrm>
+            <a:off x="5917309" y="3844620"/>
+            <a:ext cx="301752" cy="307777"/>
+          </a:xfrm>
+          <a:prstGeom prst="rect">
+            <a:avLst/>
+          </a:prstGeom>
+          <a:noFill/>
+          <a:ln>
             <a:noFill/>
-          </p:spPr>
-          <p:txBody>
-            <a:bodyPr wrap="square" rtlCol="0">
-              <a:spAutoFit/>
-            </a:bodyPr>
-            <a:lstStyle/>
-            <a:p>
-              <a:pPr algn="ctr"/>
-              <a:r>
-                <a:rPr lang="en-US" sz="1200" b="1" dirty="0">
-                  <a:latin typeface="Helvetica Neue" panose="02000503000000020004" pitchFamily="2" charset="0"/>
-                  <a:ea typeface="Helvetica Neue" panose="02000503000000020004" pitchFamily="2" charset="0"/>
-                  <a:cs typeface="Helvetica Neue" panose="02000503000000020004" pitchFamily="2" charset="0"/>
-                </a:rPr>
-                <a:t>f</a:t>
-              </a:r>
-            </a:p>
-          </p:txBody>
-        </p:sp>
-        <p:sp>
-          <p:nvSpPr>
-            <p:cNvPr id="16" name="TextBox 15">
-              <a:extLst>
-                <a:ext uri="{FF2B5EF4-FFF2-40B4-BE49-F238E27FC236}">
-                  <a16:creationId xmlns:a16="http://schemas.microsoft.com/office/drawing/2014/main" id="{0B8EA217-6F2C-0943-8D48-F70EC12EC200}"/>
-                </a:ext>
-              </a:extLst>
-            </p:cNvPr>
-            <p:cNvSpPr txBox="1"/>
-            <p:nvPr/>
-          </p:nvSpPr>
-          <p:spPr>
-            <a:xfrm>
-              <a:off x="2399287" y="88846"/>
-              <a:ext cx="353026" cy="276999"/>
-            </a:xfrm>
-            <a:prstGeom prst="rect">
-              <a:avLst/>
-            </a:prstGeom>
+          </a:ln>
+        </p:spPr>
+        <p:txBody>
+          <a:bodyPr wrap="square" rtlCol="0">
+            <a:spAutoFit/>
+          </a:bodyPr>
+          <a:lstStyle/>
+          <a:p>
+            <a:pPr algn="ctr"/>
+            <a:r>
+              <a:rPr lang="en-US" sz="1400" b="1" dirty="0">
+                <a:latin typeface="Helvetica Neue" panose="02000503000000020004" pitchFamily="2" charset="0"/>
+                <a:ea typeface="Helvetica Neue" panose="02000503000000020004" pitchFamily="2" charset="0"/>
+                <a:cs typeface="Helvetica Neue" panose="02000503000000020004" pitchFamily="2" charset="0"/>
+              </a:rPr>
+              <a:t>d</a:t>
+            </a:r>
+          </a:p>
+        </p:txBody>
+      </p:sp>
+      <p:sp>
+        <p:nvSpPr>
+          <p:cNvPr id="57" name="TextBox 56">
+            <a:extLst>
+              <a:ext uri="{FF2B5EF4-FFF2-40B4-BE49-F238E27FC236}">
+                <a16:creationId xmlns:a16="http://schemas.microsoft.com/office/drawing/2014/main" id="{9E621244-D874-B242-88CF-8CC803F84200}"/>
+              </a:ext>
+            </a:extLst>
+          </p:cNvPr>
+          <p:cNvSpPr txBox="1"/>
+          <p:nvPr/>
+        </p:nvSpPr>
+        <p:spPr>
+          <a:xfrm>
+            <a:off x="6193516" y="3878334"/>
+            <a:ext cx="1627632" cy="261610"/>
+          </a:xfrm>
+          <a:prstGeom prst="rect">
+            <a:avLst/>
+          </a:prstGeom>
+          <a:noFill/>
+        </p:spPr>
+        <p:txBody>
+          <a:bodyPr wrap="square" rtlCol="0">
+            <a:spAutoFit/>
+          </a:bodyPr>
+          <a:lstStyle/>
+          <a:p>
+            <a:pPr algn="ctr"/>
+            <a:r>
+              <a:rPr lang="en-US" sz="1100" i="1" dirty="0">
+                <a:solidFill>
+                  <a:srgbClr val="8FB132"/>
+                </a:solidFill>
+                <a:latin typeface="Arial" panose="020B0604020202020204" pitchFamily="34" charset="0"/>
+                <a:ea typeface="Helvetica Neue" panose="02000503000000020004" pitchFamily="2" charset="0"/>
+                <a:cs typeface="Arial" panose="020B0604020202020204" pitchFamily="34" charset="0"/>
+              </a:rPr>
+              <a:t>Amplification</a:t>
+            </a:r>
+          </a:p>
+        </p:txBody>
+      </p:sp>
+      <p:sp>
+        <p:nvSpPr>
+          <p:cNvPr id="18" name="TextBox 17">
+            <a:extLst>
+              <a:ext uri="{FF2B5EF4-FFF2-40B4-BE49-F238E27FC236}">
+                <a16:creationId xmlns:a16="http://schemas.microsoft.com/office/drawing/2014/main" id="{46BBEC22-8FD3-4646-AE1A-C6C1C5D5E1E6}"/>
+              </a:ext>
+            </a:extLst>
+          </p:cNvPr>
+          <p:cNvSpPr txBox="1"/>
+          <p:nvPr/>
+        </p:nvSpPr>
+        <p:spPr>
+          <a:xfrm>
+            <a:off x="103616" y="3844620"/>
+            <a:ext cx="301752" cy="307777"/>
+          </a:xfrm>
+          <a:prstGeom prst="rect">
+            <a:avLst/>
+          </a:prstGeom>
+          <a:noFill/>
+        </p:spPr>
+        <p:txBody>
+          <a:bodyPr vert="horz" wrap="square" rtlCol="0" anchor="t" anchorCtr="0">
+            <a:spAutoFit/>
+          </a:bodyPr>
+          <a:lstStyle/>
+          <a:p>
+            <a:pPr algn="ctr"/>
+            <a:r>
+              <a:rPr lang="en-US" sz="1400" b="1" dirty="0">
+                <a:latin typeface="Helvetica Neue" panose="02000503000000020004" pitchFamily="2" charset="0"/>
+                <a:ea typeface="Helvetica Neue" panose="02000503000000020004" pitchFamily="2" charset="0"/>
+                <a:cs typeface="Helvetica Neue" panose="02000503000000020004" pitchFamily="2" charset="0"/>
+              </a:rPr>
+              <a:t>c</a:t>
+            </a:r>
+          </a:p>
+        </p:txBody>
+      </p:sp>
+      <p:sp>
+        <p:nvSpPr>
+          <p:cNvPr id="58" name="TextBox 57">
+            <a:extLst>
+              <a:ext uri="{FF2B5EF4-FFF2-40B4-BE49-F238E27FC236}">
+                <a16:creationId xmlns:a16="http://schemas.microsoft.com/office/drawing/2014/main" id="{B8B22680-8FCF-564A-A59A-6339D506D934}"/>
+              </a:ext>
+            </a:extLst>
+          </p:cNvPr>
+          <p:cNvSpPr txBox="1"/>
+          <p:nvPr/>
+        </p:nvSpPr>
+        <p:spPr>
+          <a:xfrm>
+            <a:off x="393356" y="3884814"/>
+            <a:ext cx="1624489" cy="261610"/>
+          </a:xfrm>
+          <a:prstGeom prst="rect">
+            <a:avLst/>
+          </a:prstGeom>
+          <a:noFill/>
+        </p:spPr>
+        <p:txBody>
+          <a:bodyPr wrap="square" rtlCol="0">
+            <a:spAutoFit/>
+          </a:bodyPr>
+          <a:lstStyle>
+            <a:defPPr>
+              <a:defRPr lang="en-US"/>
+            </a:defPPr>
+            <a:lvl1pPr algn="r">
+              <a:defRPr sz="1100" i="1">
+                <a:solidFill>
+                  <a:srgbClr val="8FB132"/>
+                </a:solidFill>
+                <a:latin typeface="Arial" panose="020B0604020202020204" pitchFamily="34" charset="0"/>
+                <a:ea typeface="Helvetica Neue" panose="02000503000000020004" pitchFamily="2" charset="0"/>
+                <a:cs typeface="Arial" panose="020B0604020202020204" pitchFamily="34" charset="0"/>
+              </a:defRPr>
+            </a:lvl1pPr>
+          </a:lstStyle>
+          <a:p>
+            <a:pPr algn="ctr"/>
+            <a:r>
+              <a:rPr lang="en-US" dirty="0"/>
+              <a:t>No effect</a:t>
+            </a:r>
+          </a:p>
+        </p:txBody>
+      </p:sp>
+      <p:sp>
+        <p:nvSpPr>
+          <p:cNvPr id="22" name="TextBox 21">
+            <a:extLst>
+              <a:ext uri="{FF2B5EF4-FFF2-40B4-BE49-F238E27FC236}">
+                <a16:creationId xmlns:a16="http://schemas.microsoft.com/office/drawing/2014/main" id="{9CC8A2EA-F668-DD43-A074-9F1F726F28A7}"/>
+              </a:ext>
+            </a:extLst>
+          </p:cNvPr>
+          <p:cNvSpPr txBox="1"/>
+          <p:nvPr/>
+        </p:nvSpPr>
+        <p:spPr>
+          <a:xfrm>
+            <a:off x="5917309" y="349423"/>
+            <a:ext cx="301752" cy="307777"/>
+          </a:xfrm>
+          <a:prstGeom prst="rect">
+            <a:avLst/>
+          </a:prstGeom>
+          <a:noFill/>
+        </p:spPr>
+        <p:txBody>
+          <a:bodyPr wrap="square" rtlCol="0">
+            <a:spAutoFit/>
+          </a:bodyPr>
+          <a:lstStyle/>
+          <a:p>
+            <a:pPr algn="ctr"/>
+            <a:r>
+              <a:rPr lang="en-US" sz="1400" b="1" dirty="0">
+                <a:latin typeface="Helvetica Neue" panose="02000503000000020004" pitchFamily="2" charset="0"/>
+                <a:ea typeface="Helvetica Neue" panose="02000503000000020004" pitchFamily="2" charset="0"/>
+                <a:cs typeface="Helvetica Neue" panose="02000503000000020004" pitchFamily="2" charset="0"/>
+              </a:rPr>
+              <a:t>b</a:t>
+            </a:r>
+          </a:p>
+        </p:txBody>
+      </p:sp>
+      <p:sp>
+        <p:nvSpPr>
+          <p:cNvPr id="55" name="TextBox 54">
+            <a:extLst>
+              <a:ext uri="{FF2B5EF4-FFF2-40B4-BE49-F238E27FC236}">
+                <a16:creationId xmlns:a16="http://schemas.microsoft.com/office/drawing/2014/main" id="{5523DCC3-C862-8C42-A4DA-E70E20BFB814}"/>
+              </a:ext>
+            </a:extLst>
+          </p:cNvPr>
+          <p:cNvSpPr txBox="1"/>
+          <p:nvPr/>
+        </p:nvSpPr>
+        <p:spPr>
+          <a:xfrm>
+            <a:off x="6193516" y="391387"/>
+            <a:ext cx="1627632" cy="261610"/>
+          </a:xfrm>
+          <a:prstGeom prst="rect">
+            <a:avLst/>
+          </a:prstGeom>
+          <a:noFill/>
+        </p:spPr>
+        <p:txBody>
+          <a:bodyPr wrap="square" rtlCol="0">
+            <a:spAutoFit/>
+          </a:bodyPr>
+          <a:lstStyle/>
+          <a:p>
+            <a:pPr algn="ctr"/>
+            <a:r>
+              <a:rPr lang="en-US" sz="1100" i="1" dirty="0">
+                <a:solidFill>
+                  <a:srgbClr val="8FB132"/>
+                </a:solidFill>
+                <a:latin typeface="Arial" panose="020B0604020202020204" pitchFamily="34" charset="0"/>
+                <a:ea typeface="Helvetica Neue" panose="02000503000000020004" pitchFamily="2" charset="0"/>
+                <a:cs typeface="Arial" panose="020B0604020202020204" pitchFamily="34" charset="0"/>
+              </a:rPr>
+              <a:t>Upward contagion</a:t>
+            </a:r>
+          </a:p>
+        </p:txBody>
+      </p:sp>
+      <p:sp>
+        <p:nvSpPr>
+          <p:cNvPr id="53" name="Arc 52">
+            <a:extLst>
+              <a:ext uri="{FF2B5EF4-FFF2-40B4-BE49-F238E27FC236}">
+                <a16:creationId xmlns:a16="http://schemas.microsoft.com/office/drawing/2014/main" id="{96BD8594-B12F-0B4E-80D0-4C225EE50BD6}"/>
+              </a:ext>
+            </a:extLst>
+          </p:cNvPr>
+          <p:cNvSpPr/>
+          <p:nvPr/>
+        </p:nvSpPr>
+        <p:spPr>
+          <a:xfrm rot="15955859" flipH="1" flipV="1">
+            <a:off x="113555" y="1467748"/>
+            <a:ext cx="2825642" cy="4211975"/>
+          </a:xfrm>
+          <a:prstGeom prst="arc">
+            <a:avLst>
+              <a:gd name="adj1" fmla="val 17934366"/>
+              <a:gd name="adj2" fmla="val 20659825"/>
+            </a:avLst>
+          </a:prstGeom>
+          <a:ln w="12700">
+            <a:solidFill>
+              <a:schemeClr val="bg2">
+                <a:lumMod val="50000"/>
+              </a:schemeClr>
+            </a:solidFill>
+            <a:headEnd type="triangle"/>
+            <a:tailEnd w="lg" len="med"/>
+          </a:ln>
+        </p:spPr>
+        <p:style>
+          <a:lnRef idx="1">
+            <a:schemeClr val="accent1"/>
+          </a:lnRef>
+          <a:fillRef idx="0">
+            <a:schemeClr val="accent1"/>
+          </a:fillRef>
+          <a:effectRef idx="0">
+            <a:schemeClr val="accent1"/>
+          </a:effectRef>
+          <a:fontRef idx="minor">
+            <a:schemeClr val="tx1"/>
+          </a:fontRef>
+        </p:style>
+        <p:txBody>
+          <a:bodyPr rtlCol="0" anchor="ctr"/>
+          <a:lstStyle/>
+          <a:p>
+            <a:pPr algn="ctr"/>
+            <a:endParaRPr lang="en-US"/>
+          </a:p>
+        </p:txBody>
+      </p:sp>
+      <p:sp>
+        <p:nvSpPr>
+          <p:cNvPr id="54" name="Arc 53">
+            <a:extLst>
+              <a:ext uri="{FF2B5EF4-FFF2-40B4-BE49-F238E27FC236}">
+                <a16:creationId xmlns:a16="http://schemas.microsoft.com/office/drawing/2014/main" id="{36C3A527-0618-F84D-BFDC-2B5F3569FFF1}"/>
+              </a:ext>
+            </a:extLst>
+          </p:cNvPr>
+          <p:cNvSpPr/>
+          <p:nvPr/>
+        </p:nvSpPr>
+        <p:spPr>
+          <a:xfrm rot="15881810" flipV="1">
+            <a:off x="4174854" y="3109408"/>
+            <a:ext cx="2134655" cy="2961494"/>
+          </a:xfrm>
+          <a:prstGeom prst="arc">
+            <a:avLst>
+              <a:gd name="adj1" fmla="val 17902212"/>
+              <a:gd name="adj2" fmla="val 20983432"/>
+            </a:avLst>
+          </a:prstGeom>
+          <a:ln w="12700">
+            <a:solidFill>
+              <a:schemeClr val="bg2">
+                <a:lumMod val="50000"/>
+              </a:schemeClr>
+            </a:solidFill>
+            <a:tailEnd type="triangle"/>
+          </a:ln>
+        </p:spPr>
+        <p:style>
+          <a:lnRef idx="1">
+            <a:schemeClr val="accent1"/>
+          </a:lnRef>
+          <a:fillRef idx="0">
+            <a:schemeClr val="accent1"/>
+          </a:fillRef>
+          <a:effectRef idx="0">
+            <a:schemeClr val="accent1"/>
+          </a:effectRef>
+          <a:fontRef idx="minor">
+            <a:schemeClr val="tx1"/>
+          </a:fontRef>
+        </p:style>
+        <p:txBody>
+          <a:bodyPr rtlCol="0" anchor="ctr"/>
+          <a:lstStyle/>
+          <a:p>
+            <a:pPr algn="ctr"/>
+            <a:endParaRPr lang="en-US"/>
+          </a:p>
+        </p:txBody>
+      </p:sp>
+      <p:sp>
+        <p:nvSpPr>
+          <p:cNvPr id="21" name="TextBox 20">
+            <a:extLst>
+              <a:ext uri="{FF2B5EF4-FFF2-40B4-BE49-F238E27FC236}">
+                <a16:creationId xmlns:a16="http://schemas.microsoft.com/office/drawing/2014/main" id="{F8E7F266-7467-FE46-9469-D94B82C96E1B}"/>
+              </a:ext>
+            </a:extLst>
+          </p:cNvPr>
+          <p:cNvSpPr txBox="1"/>
+          <p:nvPr/>
+        </p:nvSpPr>
+        <p:spPr>
+          <a:xfrm>
+            <a:off x="1212182" y="730206"/>
+            <a:ext cx="717463" cy="276999"/>
+          </a:xfrm>
+          <a:prstGeom prst="rect">
+            <a:avLst/>
+          </a:prstGeom>
+          <a:noFill/>
+          <a:ln>
+            <a:solidFill>
+              <a:schemeClr val="tx1"/>
+            </a:solidFill>
+          </a:ln>
+        </p:spPr>
+        <p:txBody>
+          <a:bodyPr wrap="square" rtlCol="0">
+            <a:spAutoFit/>
+          </a:bodyPr>
+          <a:lstStyle/>
+          <a:p>
+            <a:pPr algn="ctr"/>
+            <a:r>
+              <a:rPr lang="en-US" sz="1200" dirty="0">
+                <a:latin typeface="Helvetica" pitchFamily="2" charset="0"/>
+                <a:cs typeface="Arial" panose="020B0604020202020204" pitchFamily="34" charset="0"/>
+              </a:rPr>
+              <a:t>𝛿 = 0.6</a:t>
+            </a:r>
+          </a:p>
+        </p:txBody>
+      </p:sp>
+      <p:sp>
+        <p:nvSpPr>
+          <p:cNvPr id="44" name="TextBox 43">
+            <a:extLst>
+              <a:ext uri="{FF2B5EF4-FFF2-40B4-BE49-F238E27FC236}">
+                <a16:creationId xmlns:a16="http://schemas.microsoft.com/office/drawing/2014/main" id="{54A2134B-5A13-4C49-B96B-9FA335A22955}"/>
+              </a:ext>
+            </a:extLst>
+          </p:cNvPr>
+          <p:cNvSpPr txBox="1"/>
+          <p:nvPr/>
+        </p:nvSpPr>
+        <p:spPr>
+          <a:xfrm>
+            <a:off x="3415972" y="2356427"/>
+            <a:ext cx="1025694" cy="230832"/>
+          </a:xfrm>
+          <a:prstGeom prst="rect">
+            <a:avLst/>
+          </a:prstGeom>
+          <a:noFill/>
+          <a:ln w="3175">
             <a:noFill/>
-          </p:spPr>
-          <p:txBody>
-            <a:bodyPr wrap="square" rtlCol="0">
-              <a:spAutoFit/>
-            </a:bodyPr>
-            <a:lstStyle/>
-            <a:p>
-              <a:pPr algn="ctr"/>
-              <a:r>
-                <a:rPr lang="en-US" sz="1200" b="1" dirty="0">
-                  <a:latin typeface="Helvetica Neue" panose="02000503000000020004" pitchFamily="2" charset="0"/>
-                  <a:ea typeface="Helvetica Neue" panose="02000503000000020004" pitchFamily="2" charset="0"/>
-                  <a:cs typeface="Helvetica Neue" panose="02000503000000020004" pitchFamily="2" charset="0"/>
-                </a:rPr>
-                <a:t>a</a:t>
-              </a:r>
-            </a:p>
-          </p:txBody>
-        </p:sp>
-        <p:sp>
-          <p:nvSpPr>
-            <p:cNvPr id="18" name="TextBox 17">
-              <a:extLst>
-                <a:ext uri="{FF2B5EF4-FFF2-40B4-BE49-F238E27FC236}">
-                  <a16:creationId xmlns:a16="http://schemas.microsoft.com/office/drawing/2014/main" id="{46BBEC22-8FD3-4646-AE1A-C6C1C5D5E1E6}"/>
-                </a:ext>
-              </a:extLst>
-            </p:cNvPr>
-            <p:cNvSpPr txBox="1"/>
-            <p:nvPr/>
-          </p:nvSpPr>
-          <p:spPr>
-            <a:xfrm>
-              <a:off x="3983173" y="99363"/>
-              <a:ext cx="353026" cy="276999"/>
-            </a:xfrm>
-            <a:prstGeom prst="rect">
-              <a:avLst/>
-            </a:prstGeom>
+          </a:ln>
+        </p:spPr>
+        <p:txBody>
+          <a:bodyPr wrap="square" rtlCol="0">
+            <a:spAutoFit/>
+          </a:bodyPr>
+          <a:lstStyle/>
+          <a:p>
+            <a:pPr algn="ctr"/>
+            <a:r>
+              <a:rPr lang="en-US" sz="900" b="1" dirty="0">
+                <a:ln w="127">
+                  <a:solidFill>
+                    <a:schemeClr val="bg1">
+                      <a:alpha val="25000"/>
+                    </a:schemeClr>
+                  </a:solidFill>
+                </a:ln>
+                <a:solidFill>
+                  <a:srgbClr val="E52421"/>
+                </a:solidFill>
+                <a:latin typeface="Helvetica Neue" panose="02000503000000020004" pitchFamily="2" charset="0"/>
+                <a:ea typeface="Helvetica Neue" panose="02000503000000020004" pitchFamily="2" charset="0"/>
+                <a:cs typeface="Helvetica Neue" panose="02000503000000020004" pitchFamily="2" charset="0"/>
+              </a:rPr>
+              <a:t>X</a:t>
+            </a:r>
+          </a:p>
+        </p:txBody>
+      </p:sp>
+      <p:sp>
+        <p:nvSpPr>
+          <p:cNvPr id="52" name="TextBox 51">
+            <a:extLst>
+              <a:ext uri="{FF2B5EF4-FFF2-40B4-BE49-F238E27FC236}">
+                <a16:creationId xmlns:a16="http://schemas.microsoft.com/office/drawing/2014/main" id="{7AFF4DB9-24C9-1045-BC6C-A74414FEB7A7}"/>
+              </a:ext>
+            </a:extLst>
+          </p:cNvPr>
+          <p:cNvSpPr txBox="1"/>
+          <p:nvPr/>
+        </p:nvSpPr>
+        <p:spPr>
+          <a:xfrm>
+            <a:off x="7007332" y="1637391"/>
+            <a:ext cx="717463" cy="276999"/>
+          </a:xfrm>
+          <a:prstGeom prst="rect">
+            <a:avLst/>
+          </a:prstGeom>
+          <a:noFill/>
+          <a:ln>
+            <a:solidFill>
+              <a:schemeClr val="tx1"/>
+            </a:solidFill>
+          </a:ln>
+        </p:spPr>
+        <p:txBody>
+          <a:bodyPr wrap="square" rtlCol="0">
+            <a:spAutoFit/>
+          </a:bodyPr>
+          <a:lstStyle/>
+          <a:p>
+            <a:pPr algn="ctr"/>
+            <a:r>
+              <a:rPr lang="en-US" sz="1200" dirty="0">
+                <a:latin typeface="Helvetica" pitchFamily="2" charset="0"/>
+                <a:cs typeface="Arial" panose="020B0604020202020204" pitchFamily="34" charset="0"/>
+              </a:rPr>
+              <a:t>𝛿 = 1.3</a:t>
+            </a:r>
+          </a:p>
+        </p:txBody>
+      </p:sp>
+      <p:sp>
+        <p:nvSpPr>
+          <p:cNvPr id="51" name="Rectangle 50">
+            <a:extLst>
+              <a:ext uri="{FF2B5EF4-FFF2-40B4-BE49-F238E27FC236}">
+                <a16:creationId xmlns:a16="http://schemas.microsoft.com/office/drawing/2014/main" id="{1EED65E2-CAC8-D44A-B9C1-7B997B275260}"/>
+              </a:ext>
+            </a:extLst>
+          </p:cNvPr>
+          <p:cNvSpPr/>
+          <p:nvPr/>
+        </p:nvSpPr>
+        <p:spPr>
+          <a:xfrm>
+            <a:off x="84613" y="342441"/>
+            <a:ext cx="1920240" cy="2286000"/>
+          </a:xfrm>
+          <a:prstGeom prst="rect">
+            <a:avLst/>
+          </a:prstGeom>
+          <a:noFill/>
+          <a:ln w="12700">
+            <a:solidFill>
+              <a:schemeClr val="bg2">
+                <a:lumMod val="50000"/>
+              </a:schemeClr>
+            </a:solidFill>
+          </a:ln>
+        </p:spPr>
+        <p:style>
+          <a:lnRef idx="2">
+            <a:schemeClr val="accent1">
+              <a:shade val="50000"/>
+            </a:schemeClr>
+          </a:lnRef>
+          <a:fillRef idx="1">
+            <a:schemeClr val="accent1"/>
+          </a:fillRef>
+          <a:effectRef idx="0">
+            <a:schemeClr val="accent1"/>
+          </a:effectRef>
+          <a:fontRef idx="minor">
+            <a:schemeClr val="lt1"/>
+          </a:fontRef>
+        </p:style>
+        <p:txBody>
+          <a:bodyPr rtlCol="0" anchor="ctr"/>
+          <a:lstStyle/>
+          <a:p>
+            <a:pPr algn="ctr"/>
+            <a:endParaRPr lang="en-US" dirty="0"/>
+          </a:p>
+        </p:txBody>
+      </p:sp>
+      <p:sp>
+        <p:nvSpPr>
+          <p:cNvPr id="60" name="Rectangle 59">
+            <a:extLst>
+              <a:ext uri="{FF2B5EF4-FFF2-40B4-BE49-F238E27FC236}">
+                <a16:creationId xmlns:a16="http://schemas.microsoft.com/office/drawing/2014/main" id="{F68E48F6-57D3-DB42-ADBB-6699B2CD20E5}"/>
+              </a:ext>
+            </a:extLst>
+          </p:cNvPr>
+          <p:cNvSpPr/>
+          <p:nvPr/>
+        </p:nvSpPr>
+        <p:spPr>
+          <a:xfrm>
+            <a:off x="97605" y="3844620"/>
+            <a:ext cx="1920240" cy="2286000"/>
+          </a:xfrm>
+          <a:prstGeom prst="rect">
+            <a:avLst/>
+          </a:prstGeom>
+          <a:noFill/>
+          <a:ln w="12700">
+            <a:solidFill>
+              <a:schemeClr val="bg2">
+                <a:lumMod val="50000"/>
+              </a:schemeClr>
+            </a:solidFill>
+          </a:ln>
+        </p:spPr>
+        <p:style>
+          <a:lnRef idx="2">
+            <a:schemeClr val="accent1">
+              <a:shade val="50000"/>
+            </a:schemeClr>
+          </a:lnRef>
+          <a:fillRef idx="1">
+            <a:schemeClr val="accent1"/>
+          </a:fillRef>
+          <a:effectRef idx="0">
+            <a:schemeClr val="accent1"/>
+          </a:effectRef>
+          <a:fontRef idx="minor">
+            <a:schemeClr val="lt1"/>
+          </a:fontRef>
+        </p:style>
+        <p:txBody>
+          <a:bodyPr rtlCol="0" anchor="ctr"/>
+          <a:lstStyle/>
+          <a:p>
+            <a:pPr algn="ctr"/>
+            <a:endParaRPr lang="en-US" dirty="0"/>
+          </a:p>
+        </p:txBody>
+      </p:sp>
+      <p:sp>
+        <p:nvSpPr>
+          <p:cNvPr id="62" name="Rectangle 61">
+            <a:extLst>
+              <a:ext uri="{FF2B5EF4-FFF2-40B4-BE49-F238E27FC236}">
+                <a16:creationId xmlns:a16="http://schemas.microsoft.com/office/drawing/2014/main" id="{8A4AC4DA-3820-F543-A555-74C76CC7262E}"/>
+              </a:ext>
+            </a:extLst>
+          </p:cNvPr>
+          <p:cNvSpPr/>
+          <p:nvPr/>
+        </p:nvSpPr>
+        <p:spPr>
+          <a:xfrm>
+            <a:off x="5908387" y="3844620"/>
+            <a:ext cx="1920240" cy="2286000"/>
+          </a:xfrm>
+          <a:prstGeom prst="rect">
+            <a:avLst/>
+          </a:prstGeom>
+          <a:noFill/>
+          <a:ln w="12700">
+            <a:solidFill>
+              <a:schemeClr val="bg2">
+                <a:lumMod val="50000"/>
+              </a:schemeClr>
+            </a:solidFill>
+          </a:ln>
+        </p:spPr>
+        <p:style>
+          <a:lnRef idx="2">
+            <a:schemeClr val="accent1">
+              <a:shade val="50000"/>
+            </a:schemeClr>
+          </a:lnRef>
+          <a:fillRef idx="1">
+            <a:schemeClr val="accent1"/>
+          </a:fillRef>
+          <a:effectRef idx="0">
+            <a:schemeClr val="accent1"/>
+          </a:effectRef>
+          <a:fontRef idx="minor">
+            <a:schemeClr val="lt1"/>
+          </a:fontRef>
+        </p:style>
+        <p:txBody>
+          <a:bodyPr rtlCol="0" anchor="ctr"/>
+          <a:lstStyle/>
+          <a:p>
+            <a:pPr algn="ctr"/>
+            <a:endParaRPr lang="en-US" dirty="0"/>
+          </a:p>
+        </p:txBody>
+      </p:sp>
+      <p:sp>
+        <p:nvSpPr>
+          <p:cNvPr id="63" name="TextBox 62">
+            <a:extLst>
+              <a:ext uri="{FF2B5EF4-FFF2-40B4-BE49-F238E27FC236}">
+                <a16:creationId xmlns:a16="http://schemas.microsoft.com/office/drawing/2014/main" id="{EED5CF09-CA70-FD46-9C33-2D9E067F1BA9}"/>
+              </a:ext>
+            </a:extLst>
+          </p:cNvPr>
+          <p:cNvSpPr txBox="1"/>
+          <p:nvPr/>
+        </p:nvSpPr>
+        <p:spPr>
+          <a:xfrm>
+            <a:off x="4764570" y="3400165"/>
+            <a:ext cx="1025694" cy="230832"/>
+          </a:xfrm>
+          <a:prstGeom prst="rect">
+            <a:avLst/>
+          </a:prstGeom>
+          <a:noFill/>
+          <a:ln w="3175">
             <a:noFill/>
-          </p:spPr>
-          <p:txBody>
-            <a:bodyPr wrap="square" rtlCol="0">
-              <a:spAutoFit/>
-            </a:bodyPr>
-            <a:lstStyle/>
-            <a:p>
-              <a:pPr algn="ctr"/>
-              <a:r>
-                <a:rPr lang="en-US" sz="1200" b="1" dirty="0">
-                  <a:latin typeface="Helvetica Neue" panose="02000503000000020004" pitchFamily="2" charset="0"/>
-                  <a:ea typeface="Helvetica Neue" panose="02000503000000020004" pitchFamily="2" charset="0"/>
-                  <a:cs typeface="Helvetica Neue" panose="02000503000000020004" pitchFamily="2" charset="0"/>
-                </a:rPr>
-                <a:t>b</a:t>
-              </a:r>
-            </a:p>
-          </p:txBody>
-        </p:sp>
-      </p:grpSp>
+          </a:ln>
+        </p:spPr>
+        <p:txBody>
+          <a:bodyPr wrap="square" rtlCol="0">
+            <a:spAutoFit/>
+          </a:bodyPr>
+          <a:lstStyle/>
+          <a:p>
+            <a:pPr algn="ctr"/>
+            <a:r>
+              <a:rPr lang="en-US" sz="900" b="1" dirty="0">
+                <a:ln w="127">
+                  <a:solidFill>
+                    <a:schemeClr val="bg1">
+                      <a:alpha val="25000"/>
+                    </a:schemeClr>
+                  </a:solidFill>
+                </a:ln>
+                <a:solidFill>
+                  <a:srgbClr val="E52421"/>
+                </a:solidFill>
+                <a:latin typeface="Helvetica Neue" panose="02000503000000020004" pitchFamily="2" charset="0"/>
+                <a:ea typeface="Helvetica Neue" panose="02000503000000020004" pitchFamily="2" charset="0"/>
+                <a:cs typeface="Helvetica Neue" panose="02000503000000020004" pitchFamily="2" charset="0"/>
+              </a:rPr>
+              <a:t>X</a:t>
+            </a:r>
+          </a:p>
+        </p:txBody>
+      </p:sp>
+      <p:sp>
+        <p:nvSpPr>
+          <p:cNvPr id="64" name="TextBox 63">
+            <a:extLst>
+              <a:ext uri="{FF2B5EF4-FFF2-40B4-BE49-F238E27FC236}">
+                <a16:creationId xmlns:a16="http://schemas.microsoft.com/office/drawing/2014/main" id="{9F91AD4C-33F0-194C-8CD1-1D29F375FF9B}"/>
+              </a:ext>
+            </a:extLst>
+          </p:cNvPr>
+          <p:cNvSpPr txBox="1"/>
+          <p:nvPr/>
+        </p:nvSpPr>
+        <p:spPr>
+          <a:xfrm>
+            <a:off x="2742311" y="4183791"/>
+            <a:ext cx="1025694" cy="230832"/>
+          </a:xfrm>
+          <a:prstGeom prst="rect">
+            <a:avLst/>
+          </a:prstGeom>
+          <a:noFill/>
+          <a:ln w="3175">
+            <a:noFill/>
+          </a:ln>
+        </p:spPr>
+        <p:txBody>
+          <a:bodyPr wrap="square" rtlCol="0">
+            <a:spAutoFit/>
+          </a:bodyPr>
+          <a:lstStyle/>
+          <a:p>
+            <a:pPr algn="ctr"/>
+            <a:r>
+              <a:rPr lang="en-US" sz="900" b="1" dirty="0">
+                <a:ln w="127">
+                  <a:solidFill>
+                    <a:schemeClr val="bg1">
+                      <a:alpha val="25000"/>
+                    </a:schemeClr>
+                  </a:solidFill>
+                </a:ln>
+                <a:solidFill>
+                  <a:srgbClr val="E52421"/>
+                </a:solidFill>
+                <a:latin typeface="Helvetica Neue" panose="02000503000000020004" pitchFamily="2" charset="0"/>
+                <a:ea typeface="Helvetica Neue" panose="02000503000000020004" pitchFamily="2" charset="0"/>
+                <a:cs typeface="Helvetica Neue" panose="02000503000000020004" pitchFamily="2" charset="0"/>
+              </a:rPr>
+              <a:t>X</a:t>
+            </a:r>
+          </a:p>
+        </p:txBody>
+      </p:sp>
+      <p:sp>
+        <p:nvSpPr>
+          <p:cNvPr id="65" name="Arc 64">
+            <a:extLst>
+              <a:ext uri="{FF2B5EF4-FFF2-40B4-BE49-F238E27FC236}">
+                <a16:creationId xmlns:a16="http://schemas.microsoft.com/office/drawing/2014/main" id="{D4F6CE0C-62B2-994E-AB70-9EAC359E3381}"/>
+              </a:ext>
+            </a:extLst>
+          </p:cNvPr>
+          <p:cNvSpPr/>
+          <p:nvPr/>
+        </p:nvSpPr>
+        <p:spPr>
+          <a:xfrm rot="19482238">
+            <a:off x="-6274009" y="1931534"/>
+            <a:ext cx="11886935" cy="9254234"/>
+          </a:xfrm>
+          <a:prstGeom prst="arc">
+            <a:avLst>
+              <a:gd name="adj1" fmla="val 19828561"/>
+              <a:gd name="adj2" fmla="val 21039881"/>
+            </a:avLst>
+          </a:prstGeom>
+          <a:ln w="12700">
+            <a:solidFill>
+              <a:schemeClr val="bg2">
+                <a:lumMod val="50000"/>
+              </a:schemeClr>
+            </a:solidFill>
+            <a:tailEnd type="triangle" w="med" len="med"/>
+          </a:ln>
+        </p:spPr>
+        <p:style>
+          <a:lnRef idx="1">
+            <a:schemeClr val="accent1"/>
+          </a:lnRef>
+          <a:fillRef idx="0">
+            <a:schemeClr val="accent1"/>
+          </a:fillRef>
+          <a:effectRef idx="0">
+            <a:schemeClr val="accent1"/>
+          </a:effectRef>
+          <a:fontRef idx="minor">
+            <a:schemeClr val="tx1"/>
+          </a:fontRef>
+        </p:style>
+        <p:txBody>
+          <a:bodyPr rtlCol="0" anchor="ctr"/>
+          <a:lstStyle/>
+          <a:p>
+            <a:pPr algn="ctr"/>
+            <a:endParaRPr lang="en-US"/>
+          </a:p>
+        </p:txBody>
+      </p:sp>
+      <p:sp>
+        <p:nvSpPr>
+          <p:cNvPr id="66" name="Arc 65">
+            <a:extLst>
+              <a:ext uri="{FF2B5EF4-FFF2-40B4-BE49-F238E27FC236}">
+                <a16:creationId xmlns:a16="http://schemas.microsoft.com/office/drawing/2014/main" id="{C5B100A3-711E-1F4D-8DB4-61253E8D594C}"/>
+              </a:ext>
+            </a:extLst>
+          </p:cNvPr>
+          <p:cNvSpPr/>
+          <p:nvPr/>
+        </p:nvSpPr>
+        <p:spPr>
+          <a:xfrm rot="16362014" flipH="1" flipV="1">
+            <a:off x="979238" y="-3110150"/>
+            <a:ext cx="4974975" cy="6243740"/>
+          </a:xfrm>
+          <a:prstGeom prst="arc">
+            <a:avLst>
+              <a:gd name="adj1" fmla="val 18035080"/>
+              <a:gd name="adj2" fmla="val 20697222"/>
+            </a:avLst>
+          </a:prstGeom>
+          <a:ln w="12700">
+            <a:solidFill>
+              <a:schemeClr val="bg2">
+                <a:lumMod val="50000"/>
+              </a:schemeClr>
+            </a:solidFill>
+            <a:headEnd type="none"/>
+            <a:tailEnd type="triangle" w="med" len="med"/>
+          </a:ln>
+        </p:spPr>
+        <p:style>
+          <a:lnRef idx="1">
+            <a:schemeClr val="accent1"/>
+          </a:lnRef>
+          <a:fillRef idx="0">
+            <a:schemeClr val="accent1"/>
+          </a:fillRef>
+          <a:effectRef idx="0">
+            <a:schemeClr val="accent1"/>
+          </a:effectRef>
+          <a:fontRef idx="minor">
+            <a:schemeClr val="tx1"/>
+          </a:fontRef>
+        </p:style>
+        <p:txBody>
+          <a:bodyPr rtlCol="0" anchor="ctr"/>
+          <a:lstStyle/>
+          <a:p>
+            <a:pPr algn="ctr"/>
+            <a:endParaRPr lang="en-US"/>
+          </a:p>
+        </p:txBody>
+      </p:sp>
+      <p:sp>
+        <p:nvSpPr>
+          <p:cNvPr id="61" name="Rectangle 60">
+            <a:extLst>
+              <a:ext uri="{FF2B5EF4-FFF2-40B4-BE49-F238E27FC236}">
+                <a16:creationId xmlns:a16="http://schemas.microsoft.com/office/drawing/2014/main" id="{31703D9A-C85C-6C4E-91AB-5551ADBABA49}"/>
+              </a:ext>
+            </a:extLst>
+          </p:cNvPr>
+          <p:cNvSpPr/>
+          <p:nvPr/>
+        </p:nvSpPr>
+        <p:spPr>
+          <a:xfrm>
+            <a:off x="5908399" y="342441"/>
+            <a:ext cx="1920240" cy="2286000"/>
+          </a:xfrm>
+          <a:prstGeom prst="rect">
+            <a:avLst/>
+          </a:prstGeom>
+          <a:noFill/>
+          <a:ln w="12700">
+            <a:solidFill>
+              <a:schemeClr val="bg2">
+                <a:lumMod val="50000"/>
+              </a:schemeClr>
+            </a:solidFill>
+          </a:ln>
+        </p:spPr>
+        <p:style>
+          <a:lnRef idx="2">
+            <a:schemeClr val="accent1">
+              <a:shade val="50000"/>
+            </a:schemeClr>
+          </a:lnRef>
+          <a:fillRef idx="1">
+            <a:schemeClr val="accent1"/>
+          </a:fillRef>
+          <a:effectRef idx="0">
+            <a:schemeClr val="accent1"/>
+          </a:effectRef>
+          <a:fontRef idx="minor">
+            <a:schemeClr val="lt1"/>
+          </a:fontRef>
+        </p:style>
+        <p:txBody>
+          <a:bodyPr rtlCol="0" anchor="ctr"/>
+          <a:lstStyle/>
+          <a:p>
+            <a:pPr algn="ctr"/>
+            <a:endParaRPr lang="en-US" dirty="0"/>
+          </a:p>
+        </p:txBody>
+      </p:sp>
     </p:spTree>
     <p:extLst>
       <p:ext uri="{BB962C8B-B14F-4D97-AF65-F5344CB8AC3E}">
-        <p14:creationId xmlns:p14="http://schemas.microsoft.com/office/powerpoint/2010/main" val="3098672393"/>
+        <p14:creationId xmlns:p14="http://schemas.microsoft.com/office/powerpoint/2010/main" val="3758596749"/>
       </p:ext>
     </p:extLst>
   </p:cSld>

--- a/slides/figures_191206.pptx
+++ b/slides/figures_191206.pptx
@@ -5,7 +5,7 @@
     <p:sldMasterId id="2147483684" r:id="rId1"/>
   </p:sldMasterIdLst>
   <p:notesMasterIdLst>
-    <p:notesMasterId r:id="rId20"/>
+    <p:notesMasterId r:id="rId21"/>
   </p:notesMasterIdLst>
   <p:sldIdLst>
     <p:sldId id="256" r:id="rId2"/>
@@ -24,8 +24,9 @@
     <p:sldId id="270" r:id="rId15"/>
     <p:sldId id="272" r:id="rId16"/>
     <p:sldId id="265" r:id="rId17"/>
-    <p:sldId id="266" r:id="rId18"/>
-    <p:sldId id="267" r:id="rId19"/>
+    <p:sldId id="274" r:id="rId18"/>
+    <p:sldId id="266" r:id="rId19"/>
+    <p:sldId id="267" r:id="rId20"/>
   </p:sldIdLst>
   <p:sldSz cx="7918450" cy="6483350"/>
   <p:notesSz cx="6858000" cy="9144000"/>
@@ -214,7 +215,7 @@
           <a:p>
             <a:fld id="{5E7D9203-8D15-1F45-AFEF-29CE894B8122}" type="datetimeFigureOut">
               <a:rPr lang="en-US" smtClean="0"/>
-              <a:t>1/24/20</a:t>
+              <a:t>1/27/20</a:t>
             </a:fld>
             <a:endParaRPr lang="en-US"/>
           </a:p>
@@ -1266,7 +1267,10 @@
           <a:bodyPr/>
           <a:lstStyle/>
           <a:p>
-            <a:endParaRPr lang="en-US" dirty="0"/>
+            <a:r>
+              <a:rPr lang="en-US" dirty="0"/>
+              <a:t>01/27/20 Fig. 5 – updated with new params, soon to add a new panel for complex mixes</a:t>
+            </a:r>
           </a:p>
         </p:txBody>
       </p:sp>
@@ -1296,7 +1300,7 @@
     </p:spTree>
     <p:extLst>
       <p:ext uri="{BB962C8B-B14F-4D97-AF65-F5344CB8AC3E}">
-        <p14:creationId xmlns:p14="http://schemas.microsoft.com/office/powerpoint/2010/main" val="4283938702"/>
+        <p14:creationId xmlns:p14="http://schemas.microsoft.com/office/powerpoint/2010/main" val="2091408940"/>
       </p:ext>
     </p:extLst>
   </p:cSld>
@@ -1377,6 +1381,95 @@
             <a:fld id="{A697AF77-229E-5D4A-87D0-A949D969F47C}" type="slidenum">
               <a:rPr lang="en-US" smtClean="0"/>
               <a:t>18</a:t>
+            </a:fld>
+            <a:endParaRPr lang="en-US"/>
+          </a:p>
+        </p:txBody>
+      </p:sp>
+    </p:spTree>
+    <p:extLst>
+      <p:ext uri="{BB962C8B-B14F-4D97-AF65-F5344CB8AC3E}">
+        <p14:creationId xmlns:p14="http://schemas.microsoft.com/office/powerpoint/2010/main" val="4283938702"/>
+      </p:ext>
+    </p:extLst>
+  </p:cSld>
+  <p:clrMapOvr>
+    <a:masterClrMapping/>
+  </p:clrMapOvr>
+</p:notes>
+</file>
+
+<file path=ppt/notesSlides/notesSlide19.xml><?xml version="1.0" encoding="utf-8"?>
+<p:notes xmlns:a="http://schemas.openxmlformats.org/drawingml/2006/main" xmlns:r="http://schemas.openxmlformats.org/officeDocument/2006/relationships" xmlns:p="http://schemas.openxmlformats.org/presentationml/2006/main">
+  <p:cSld>
+    <p:spTree>
+      <p:nvGrpSpPr>
+        <p:cNvPr id="1" name=""/>
+        <p:cNvGrpSpPr/>
+        <p:nvPr/>
+      </p:nvGrpSpPr>
+      <p:grpSpPr>
+        <a:xfrm>
+          <a:off x="0" y="0"/>
+          <a:ext cx="0" cy="0"/>
+          <a:chOff x="0" y="0"/>
+          <a:chExt cx="0" cy="0"/>
+        </a:xfrm>
+      </p:grpSpPr>
+      <p:sp>
+        <p:nvSpPr>
+          <p:cNvPr id="2" name="Slide Image Placeholder 1"/>
+          <p:cNvSpPr>
+            <a:spLocks noGrp="1" noRot="1" noChangeAspect="1"/>
+          </p:cNvSpPr>
+          <p:nvPr>
+            <p:ph type="sldImg"/>
+          </p:nvPr>
+        </p:nvSpPr>
+        <p:spPr>
+          <a:xfrm>
+            <a:off x="1544638" y="1143000"/>
+            <a:ext cx="3768725" cy="3086100"/>
+          </a:xfrm>
+        </p:spPr>
+      </p:sp>
+      <p:sp>
+        <p:nvSpPr>
+          <p:cNvPr id="3" name="Notes Placeholder 2"/>
+          <p:cNvSpPr>
+            <a:spLocks noGrp="1"/>
+          </p:cNvSpPr>
+          <p:nvPr>
+            <p:ph type="body" idx="1"/>
+          </p:nvPr>
+        </p:nvSpPr>
+        <p:spPr/>
+        <p:txBody>
+          <a:bodyPr/>
+          <a:lstStyle/>
+          <a:p>
+            <a:endParaRPr lang="en-US" dirty="0"/>
+          </a:p>
+        </p:txBody>
+      </p:sp>
+      <p:sp>
+        <p:nvSpPr>
+          <p:cNvPr id="4" name="Slide Number Placeholder 3"/>
+          <p:cNvSpPr>
+            <a:spLocks noGrp="1"/>
+          </p:cNvSpPr>
+          <p:nvPr>
+            <p:ph type="sldNum" sz="quarter" idx="5"/>
+          </p:nvPr>
+        </p:nvSpPr>
+        <p:spPr/>
+        <p:txBody>
+          <a:bodyPr/>
+          <a:lstStyle/>
+          <a:p>
+            <a:fld id="{A697AF77-229E-5D4A-87D0-A949D969F47C}" type="slidenum">
+              <a:rPr lang="en-US" smtClean="0"/>
+              <a:t>19</a:t>
             </a:fld>
             <a:endParaRPr lang="en-US"/>
           </a:p>
@@ -2262,7 +2355,7 @@
           <a:p>
             <a:fld id="{AAC8E564-4E2A-8441-940F-9FCAA67208AC}" type="datetimeFigureOut">
               <a:rPr lang="en-US" smtClean="0"/>
-              <a:t>1/24/20</a:t>
+              <a:t>1/27/20</a:t>
             </a:fld>
             <a:endParaRPr lang="en-US"/>
           </a:p>
@@ -2432,7 +2525,7 @@
           <a:p>
             <a:fld id="{AAC8E564-4E2A-8441-940F-9FCAA67208AC}" type="datetimeFigureOut">
               <a:rPr lang="en-US" smtClean="0"/>
-              <a:t>1/24/20</a:t>
+              <a:t>1/27/20</a:t>
             </a:fld>
             <a:endParaRPr lang="en-US"/>
           </a:p>
@@ -2612,7 +2705,7 @@
           <a:p>
             <a:fld id="{AAC8E564-4E2A-8441-940F-9FCAA67208AC}" type="datetimeFigureOut">
               <a:rPr lang="en-US" smtClean="0"/>
-              <a:t>1/24/20</a:t>
+              <a:t>1/27/20</a:t>
             </a:fld>
             <a:endParaRPr lang="en-US"/>
           </a:p>
@@ -2782,7 +2875,7 @@
           <a:p>
             <a:fld id="{AAC8E564-4E2A-8441-940F-9FCAA67208AC}" type="datetimeFigureOut">
               <a:rPr lang="en-US" smtClean="0"/>
-              <a:t>1/24/20</a:t>
+              <a:t>1/27/20</a:t>
             </a:fld>
             <a:endParaRPr lang="en-US"/>
           </a:p>
@@ -3026,7 +3119,7 @@
           <a:p>
             <a:fld id="{AAC8E564-4E2A-8441-940F-9FCAA67208AC}" type="datetimeFigureOut">
               <a:rPr lang="en-US" smtClean="0"/>
-              <a:t>1/24/20</a:t>
+              <a:t>1/27/20</a:t>
             </a:fld>
             <a:endParaRPr lang="en-US"/>
           </a:p>
@@ -3258,7 +3351,7 @@
           <a:p>
             <a:fld id="{AAC8E564-4E2A-8441-940F-9FCAA67208AC}" type="datetimeFigureOut">
               <a:rPr lang="en-US" smtClean="0"/>
-              <a:t>1/24/20</a:t>
+              <a:t>1/27/20</a:t>
             </a:fld>
             <a:endParaRPr lang="en-US"/>
           </a:p>
@@ -3625,7 +3718,7 @@
           <a:p>
             <a:fld id="{AAC8E564-4E2A-8441-940F-9FCAA67208AC}" type="datetimeFigureOut">
               <a:rPr lang="en-US" smtClean="0"/>
-              <a:t>1/24/20</a:t>
+              <a:t>1/27/20</a:t>
             </a:fld>
             <a:endParaRPr lang="en-US"/>
           </a:p>
@@ -3743,7 +3836,7 @@
           <a:p>
             <a:fld id="{AAC8E564-4E2A-8441-940F-9FCAA67208AC}" type="datetimeFigureOut">
               <a:rPr lang="en-US" smtClean="0"/>
-              <a:t>1/24/20</a:t>
+              <a:t>1/27/20</a:t>
             </a:fld>
             <a:endParaRPr lang="en-US"/>
           </a:p>
@@ -3838,7 +3931,7 @@
           <a:p>
             <a:fld id="{AAC8E564-4E2A-8441-940F-9FCAA67208AC}" type="datetimeFigureOut">
               <a:rPr lang="en-US" smtClean="0"/>
-              <a:t>1/24/20</a:t>
+              <a:t>1/27/20</a:t>
             </a:fld>
             <a:endParaRPr lang="en-US"/>
           </a:p>
@@ -4115,7 +4208,7 @@
           <a:p>
             <a:fld id="{AAC8E564-4E2A-8441-940F-9FCAA67208AC}" type="datetimeFigureOut">
               <a:rPr lang="en-US" smtClean="0"/>
-              <a:t>1/24/20</a:t>
+              <a:t>1/27/20</a:t>
             </a:fld>
             <a:endParaRPr lang="en-US"/>
           </a:p>
@@ -4372,7 +4465,7 @@
           <a:p>
             <a:fld id="{AAC8E564-4E2A-8441-940F-9FCAA67208AC}" type="datetimeFigureOut">
               <a:rPr lang="en-US" smtClean="0"/>
-              <a:t>1/24/20</a:t>
+              <a:t>1/27/20</a:t>
             </a:fld>
             <a:endParaRPr lang="en-US"/>
           </a:p>
@@ -4585,7 +4678,7 @@
           <a:p>
             <a:fld id="{AAC8E564-4E2A-8441-940F-9FCAA67208AC}" type="datetimeFigureOut">
               <a:rPr lang="en-US" smtClean="0"/>
-              <a:t>1/24/20</a:t>
+              <a:t>1/27/20</a:t>
             </a:fld>
             <a:endParaRPr lang="en-US"/>
           </a:p>
@@ -7235,7 +7328,7 @@
 </file>
 
 <file path=ppt/slides/slide16.xml><?xml version="1.0" encoding="utf-8"?>
-<p:sld xmlns:a="http://schemas.openxmlformats.org/drawingml/2006/main" xmlns:r="http://schemas.openxmlformats.org/officeDocument/2006/relationships" xmlns:p="http://schemas.openxmlformats.org/presentationml/2006/main">
+<p:sld xmlns:a="http://schemas.openxmlformats.org/drawingml/2006/main" xmlns:r="http://schemas.openxmlformats.org/officeDocument/2006/relationships" xmlns:p="http://schemas.openxmlformats.org/presentationml/2006/main" show="0">
   <p:cSld>
     <p:spTree>
       <p:nvGrpSpPr>
@@ -8286,6 +8379,1020 @@
           <a:chExt cx="0" cy="0"/>
         </a:xfrm>
       </p:grpSpPr>
+      <p:pic>
+        <p:nvPicPr>
+          <p:cNvPr id="3" name="Picture 2">
+            <a:extLst>
+              <a:ext uri="{FF2B5EF4-FFF2-40B4-BE49-F238E27FC236}">
+                <a16:creationId xmlns:a16="http://schemas.microsoft.com/office/drawing/2014/main" id="{D4D8543D-6BA7-4341-A244-DCFBB5C90598}"/>
+              </a:ext>
+            </a:extLst>
+          </p:cNvPr>
+          <p:cNvPicPr>
+            <a:picLocks noChangeAspect="1"/>
+          </p:cNvPicPr>
+          <p:nvPr/>
+        </p:nvPicPr>
+        <p:blipFill>
+          <a:blip r:embed="rId3"/>
+          <a:stretch>
+            <a:fillRect/>
+          </a:stretch>
+        </p:blipFill>
+        <p:spPr>
+          <a:xfrm>
+            <a:off x="82296" y="1508760"/>
+            <a:ext cx="3511296" cy="1748763"/>
+          </a:xfrm>
+          <a:prstGeom prst="rect">
+            <a:avLst/>
+          </a:prstGeom>
+        </p:spPr>
+      </p:pic>
+      <p:pic>
+        <p:nvPicPr>
+          <p:cNvPr id="5" name="Picture 4">
+            <a:extLst>
+              <a:ext uri="{FF2B5EF4-FFF2-40B4-BE49-F238E27FC236}">
+                <a16:creationId xmlns:a16="http://schemas.microsoft.com/office/drawing/2014/main" id="{EDBFA3E5-5F59-C743-9EAB-83A487319432}"/>
+              </a:ext>
+            </a:extLst>
+          </p:cNvPr>
+          <p:cNvPicPr>
+            <a:picLocks noChangeAspect="1"/>
+          </p:cNvPicPr>
+          <p:nvPr/>
+        </p:nvPicPr>
+        <p:blipFill>
+          <a:blip r:embed="rId4"/>
+          <a:stretch>
+            <a:fillRect/>
+          </a:stretch>
+        </p:blipFill>
+        <p:spPr>
+          <a:xfrm>
+            <a:off x="3611880" y="3538728"/>
+            <a:ext cx="3511296" cy="1748763"/>
+          </a:xfrm>
+          <a:prstGeom prst="rect">
+            <a:avLst/>
+          </a:prstGeom>
+        </p:spPr>
+      </p:pic>
+      <p:pic>
+        <p:nvPicPr>
+          <p:cNvPr id="7" name="Picture 6">
+            <a:extLst>
+              <a:ext uri="{FF2B5EF4-FFF2-40B4-BE49-F238E27FC236}">
+                <a16:creationId xmlns:a16="http://schemas.microsoft.com/office/drawing/2014/main" id="{2AD87433-B3D3-1746-9DBF-2122AC496D50}"/>
+              </a:ext>
+            </a:extLst>
+          </p:cNvPr>
+          <p:cNvPicPr>
+            <a:picLocks noChangeAspect="1"/>
+          </p:cNvPicPr>
+          <p:nvPr/>
+        </p:nvPicPr>
+        <p:blipFill>
+          <a:blip r:embed="rId5"/>
+          <a:stretch>
+            <a:fillRect/>
+          </a:stretch>
+        </p:blipFill>
+        <p:spPr>
+          <a:xfrm>
+            <a:off x="82296" y="3538728"/>
+            <a:ext cx="3511296" cy="1748763"/>
+          </a:xfrm>
+          <a:prstGeom prst="rect">
+            <a:avLst/>
+          </a:prstGeom>
+        </p:spPr>
+      </p:pic>
+      <p:pic>
+        <p:nvPicPr>
+          <p:cNvPr id="9" name="Picture 8">
+            <a:extLst>
+              <a:ext uri="{FF2B5EF4-FFF2-40B4-BE49-F238E27FC236}">
+                <a16:creationId xmlns:a16="http://schemas.microsoft.com/office/drawing/2014/main" id="{6A91BEC2-27FD-6842-98F6-FA183E57B6A3}"/>
+              </a:ext>
+            </a:extLst>
+          </p:cNvPr>
+          <p:cNvPicPr>
+            <a:picLocks noChangeAspect="1"/>
+          </p:cNvPicPr>
+          <p:nvPr/>
+        </p:nvPicPr>
+        <p:blipFill>
+          <a:blip r:embed="rId6"/>
+          <a:stretch>
+            <a:fillRect/>
+          </a:stretch>
+        </p:blipFill>
+        <p:spPr>
+          <a:xfrm>
+            <a:off x="3611880" y="1508760"/>
+            <a:ext cx="3511296" cy="1748763"/>
+          </a:xfrm>
+          <a:prstGeom prst="rect">
+            <a:avLst/>
+          </a:prstGeom>
+        </p:spPr>
+      </p:pic>
+      <p:grpSp>
+        <p:nvGrpSpPr>
+          <p:cNvPr id="31" name="Group 30">
+            <a:extLst>
+              <a:ext uri="{FF2B5EF4-FFF2-40B4-BE49-F238E27FC236}">
+                <a16:creationId xmlns:a16="http://schemas.microsoft.com/office/drawing/2014/main" id="{47C214A7-314B-DA4B-A577-30EEC875FB69}"/>
+              </a:ext>
+            </a:extLst>
+          </p:cNvPr>
+          <p:cNvGrpSpPr/>
+          <p:nvPr/>
+        </p:nvGrpSpPr>
+        <p:grpSpPr>
+          <a:xfrm>
+            <a:off x="6981783" y="2392783"/>
+            <a:ext cx="905467" cy="1258441"/>
+            <a:chOff x="6972084" y="2105534"/>
+            <a:chExt cx="905467" cy="1258441"/>
+          </a:xfrm>
+        </p:grpSpPr>
+        <p:pic>
+          <p:nvPicPr>
+            <p:cNvPr id="29" name="Picture 28">
+              <a:extLst>
+                <a:ext uri="{FF2B5EF4-FFF2-40B4-BE49-F238E27FC236}">
+                  <a16:creationId xmlns:a16="http://schemas.microsoft.com/office/drawing/2014/main" id="{47A2DE75-0F65-AD45-9C88-01A2B4AC7DE0}"/>
+                </a:ext>
+              </a:extLst>
+            </p:cNvPr>
+            <p:cNvPicPr>
+              <a:picLocks noChangeAspect="1"/>
+            </p:cNvPicPr>
+            <p:nvPr/>
+          </p:nvPicPr>
+          <p:blipFill rotWithShape="1">
+            <a:blip r:embed="rId7"/>
+            <a:srcRect l="83340" t="21017" r="3277" b="36380"/>
+            <a:stretch/>
+          </p:blipFill>
+          <p:spPr>
+            <a:xfrm>
+              <a:off x="7111404" y="2105534"/>
+              <a:ext cx="716620" cy="1136141"/>
+            </a:xfrm>
+            <a:prstGeom prst="rect">
+              <a:avLst/>
+            </a:prstGeom>
+          </p:spPr>
+        </p:pic>
+        <p:sp>
+          <p:nvSpPr>
+            <p:cNvPr id="30" name="TextBox 29">
+              <a:extLst>
+                <a:ext uri="{FF2B5EF4-FFF2-40B4-BE49-F238E27FC236}">
+                  <a16:creationId xmlns:a16="http://schemas.microsoft.com/office/drawing/2014/main" id="{7AC3745E-4836-B44F-8769-8C29FFAF708D}"/>
+                </a:ext>
+              </a:extLst>
+            </p:cNvPr>
+            <p:cNvSpPr txBox="1"/>
+            <p:nvPr/>
+          </p:nvSpPr>
+          <p:spPr>
+            <a:xfrm>
+              <a:off x="6972084" y="2994643"/>
+              <a:ext cx="905467" cy="369332"/>
+            </a:xfrm>
+            <a:prstGeom prst="rect">
+              <a:avLst/>
+            </a:prstGeom>
+            <a:noFill/>
+          </p:spPr>
+          <p:txBody>
+            <a:bodyPr wrap="square" rtlCol="0">
+              <a:spAutoFit/>
+            </a:bodyPr>
+            <a:lstStyle/>
+            <a:p>
+              <a:pPr algn="r"/>
+              <a:r>
+                <a:rPr lang="en-US" sz="1000" dirty="0">
+                  <a:solidFill>
+                    <a:schemeClr val="bg1">
+                      <a:lumMod val="50000"/>
+                    </a:schemeClr>
+                  </a:solidFill>
+                  <a:latin typeface="Helvetica Neue" panose="02000503000000020004" pitchFamily="2" charset="0"/>
+                  <a:ea typeface="Helvetica Neue" panose="02000503000000020004" pitchFamily="2" charset="0"/>
+                  <a:cs typeface="Helvetica Neue" panose="02000503000000020004" pitchFamily="2" charset="0"/>
+                </a:rPr>
+                <a:t>---</a:t>
+              </a:r>
+              <a:r>
+                <a:rPr lang="en-US" sz="1000" dirty="0">
+                  <a:latin typeface="Helvetica Neue" panose="02000503000000020004" pitchFamily="2" charset="0"/>
+                  <a:ea typeface="Helvetica Neue" panose="02000503000000020004" pitchFamily="2" charset="0"/>
+                  <a:cs typeface="Helvetica Neue" panose="02000503000000020004" pitchFamily="2" charset="0"/>
+                </a:rPr>
+                <a:t>  </a:t>
+              </a:r>
+              <a:r>
+                <a:rPr lang="en-US" sz="500" dirty="0">
+                  <a:latin typeface="Helvetica Neue" panose="02000503000000020004" pitchFamily="2" charset="0"/>
+                  <a:ea typeface="Helvetica Neue" panose="02000503000000020004" pitchFamily="2" charset="0"/>
+                  <a:cs typeface="Helvetica Neue" panose="02000503000000020004" pitchFamily="2" charset="0"/>
+                </a:rPr>
+                <a:t> </a:t>
+              </a:r>
+              <a:r>
+                <a:rPr lang="en-US" sz="1000" dirty="0">
+                  <a:latin typeface="Helvetica Neue" panose="02000503000000020004" pitchFamily="2" charset="0"/>
+                  <a:ea typeface="Helvetica Neue" panose="02000503000000020004" pitchFamily="2" charset="0"/>
+                  <a:cs typeface="Helvetica Neue" panose="02000503000000020004" pitchFamily="2" charset="0"/>
+                </a:rPr>
+                <a:t>Null H</a:t>
+              </a:r>
+              <a:r>
+                <a:rPr lang="en-US" sz="1000" baseline="-25000" dirty="0">
+                  <a:latin typeface="Helvetica Neue" panose="02000503000000020004" pitchFamily="2" charset="0"/>
+                  <a:ea typeface="Helvetica Neue" panose="02000503000000020004" pitchFamily="2" charset="0"/>
+                  <a:cs typeface="Helvetica Neue" panose="02000503000000020004" pitchFamily="2" charset="0"/>
+                </a:rPr>
+                <a:t>0</a:t>
+              </a:r>
+              <a:endParaRPr lang="en-US" sz="1000" dirty="0">
+                <a:latin typeface="Helvetica Neue" panose="02000503000000020004" pitchFamily="2" charset="0"/>
+                <a:ea typeface="Helvetica Neue" panose="02000503000000020004" pitchFamily="2" charset="0"/>
+                <a:cs typeface="Helvetica Neue" panose="02000503000000020004" pitchFamily="2" charset="0"/>
+              </a:endParaRPr>
+            </a:p>
+            <a:p>
+              <a:pPr algn="r"/>
+              <a:r>
+                <a:rPr lang="en-US" sz="800" dirty="0">
+                  <a:latin typeface="Helvetica Neue" panose="02000503000000020004" pitchFamily="2" charset="0"/>
+                  <a:ea typeface="Helvetica Neue" panose="02000503000000020004" pitchFamily="2" charset="0"/>
+                  <a:cs typeface="Helvetica Neue" panose="02000503000000020004" pitchFamily="2" charset="0"/>
+                </a:rPr>
+                <a:t>(linear mixing)</a:t>
+              </a:r>
+              <a:endParaRPr lang="en-US" sz="800" baseline="-25000" dirty="0">
+                <a:latin typeface="Helvetica Neue" panose="02000503000000020004" pitchFamily="2" charset="0"/>
+                <a:ea typeface="Helvetica Neue" panose="02000503000000020004" pitchFamily="2" charset="0"/>
+                <a:cs typeface="Helvetica Neue" panose="02000503000000020004" pitchFamily="2" charset="0"/>
+              </a:endParaRPr>
+            </a:p>
+          </p:txBody>
+        </p:sp>
+      </p:grpSp>
+      <p:sp>
+        <p:nvSpPr>
+          <p:cNvPr id="18" name="TextBox 17">
+            <a:extLst>
+              <a:ext uri="{FF2B5EF4-FFF2-40B4-BE49-F238E27FC236}">
+                <a16:creationId xmlns:a16="http://schemas.microsoft.com/office/drawing/2014/main" id="{46BBEC22-8FD3-4646-AE1A-C6C1C5D5E1E6}"/>
+              </a:ext>
+            </a:extLst>
+          </p:cNvPr>
+          <p:cNvSpPr txBox="1"/>
+          <p:nvPr/>
+        </p:nvSpPr>
+        <p:spPr>
+          <a:xfrm>
+            <a:off x="3478615" y="1197522"/>
+            <a:ext cx="532050" cy="311217"/>
+          </a:xfrm>
+          <a:prstGeom prst="rect">
+            <a:avLst/>
+          </a:prstGeom>
+          <a:noFill/>
+        </p:spPr>
+        <p:txBody>
+          <a:bodyPr wrap="square" rtlCol="0">
+            <a:spAutoFit/>
+          </a:bodyPr>
+          <a:lstStyle/>
+          <a:p>
+            <a:pPr algn="ctr"/>
+            <a:r>
+              <a:rPr lang="en-US" sz="1400" b="1" dirty="0">
+                <a:latin typeface="Helvetica Neue" panose="02000503000000020004" pitchFamily="2" charset="0"/>
+                <a:ea typeface="Helvetica Neue" panose="02000503000000020004" pitchFamily="2" charset="0"/>
+                <a:cs typeface="Helvetica Neue" panose="02000503000000020004" pitchFamily="2" charset="0"/>
+              </a:rPr>
+              <a:t>b</a:t>
+            </a:r>
+          </a:p>
+        </p:txBody>
+      </p:sp>
+      <p:sp>
+        <p:nvSpPr>
+          <p:cNvPr id="16" name="TextBox 15">
+            <a:extLst>
+              <a:ext uri="{FF2B5EF4-FFF2-40B4-BE49-F238E27FC236}">
+                <a16:creationId xmlns:a16="http://schemas.microsoft.com/office/drawing/2014/main" id="{0B8EA217-6F2C-0943-8D48-F70EC12EC200}"/>
+              </a:ext>
+            </a:extLst>
+          </p:cNvPr>
+          <p:cNvSpPr txBox="1"/>
+          <p:nvPr/>
+        </p:nvSpPr>
+        <p:spPr>
+          <a:xfrm>
+            <a:off x="-39178" y="1198652"/>
+            <a:ext cx="532050" cy="311217"/>
+          </a:xfrm>
+          <a:prstGeom prst="rect">
+            <a:avLst/>
+          </a:prstGeom>
+          <a:noFill/>
+        </p:spPr>
+        <p:txBody>
+          <a:bodyPr wrap="square" rtlCol="0">
+            <a:spAutoFit/>
+          </a:bodyPr>
+          <a:lstStyle/>
+          <a:p>
+            <a:pPr algn="ctr"/>
+            <a:r>
+              <a:rPr lang="en-US" sz="1400" b="1" dirty="0">
+                <a:latin typeface="Helvetica Neue" panose="02000503000000020004" pitchFamily="2" charset="0"/>
+                <a:ea typeface="Helvetica Neue" panose="02000503000000020004" pitchFamily="2" charset="0"/>
+                <a:cs typeface="Helvetica Neue" panose="02000503000000020004" pitchFamily="2" charset="0"/>
+              </a:rPr>
+              <a:t>a</a:t>
+            </a:r>
+          </a:p>
+        </p:txBody>
+      </p:sp>
+      <p:sp>
+        <p:nvSpPr>
+          <p:cNvPr id="20" name="TextBox 19">
+            <a:extLst>
+              <a:ext uri="{FF2B5EF4-FFF2-40B4-BE49-F238E27FC236}">
+                <a16:creationId xmlns:a16="http://schemas.microsoft.com/office/drawing/2014/main" id="{E8C86BD2-9FE9-8C4D-A835-2EAAEE829653}"/>
+              </a:ext>
+            </a:extLst>
+          </p:cNvPr>
+          <p:cNvSpPr txBox="1"/>
+          <p:nvPr/>
+        </p:nvSpPr>
+        <p:spPr>
+          <a:xfrm>
+            <a:off x="-59571" y="3216439"/>
+            <a:ext cx="532050" cy="311217"/>
+          </a:xfrm>
+          <a:prstGeom prst="rect">
+            <a:avLst/>
+          </a:prstGeom>
+          <a:noFill/>
+        </p:spPr>
+        <p:txBody>
+          <a:bodyPr wrap="square" rtlCol="0">
+            <a:spAutoFit/>
+          </a:bodyPr>
+          <a:lstStyle/>
+          <a:p>
+            <a:pPr algn="ctr"/>
+            <a:r>
+              <a:rPr lang="en-US" sz="1400" b="1" dirty="0">
+                <a:latin typeface="Helvetica Neue" panose="02000503000000020004" pitchFamily="2" charset="0"/>
+                <a:ea typeface="Helvetica Neue" panose="02000503000000020004" pitchFamily="2" charset="0"/>
+                <a:cs typeface="Helvetica Neue" panose="02000503000000020004" pitchFamily="2" charset="0"/>
+              </a:rPr>
+              <a:t>c</a:t>
+            </a:r>
+          </a:p>
+        </p:txBody>
+      </p:sp>
+      <p:sp>
+        <p:nvSpPr>
+          <p:cNvPr id="22" name="TextBox 21">
+            <a:extLst>
+              <a:ext uri="{FF2B5EF4-FFF2-40B4-BE49-F238E27FC236}">
+                <a16:creationId xmlns:a16="http://schemas.microsoft.com/office/drawing/2014/main" id="{9CC8A2EA-F668-DD43-A074-9F1F726F28A7}"/>
+              </a:ext>
+            </a:extLst>
+          </p:cNvPr>
+          <p:cNvSpPr txBox="1"/>
+          <p:nvPr/>
+        </p:nvSpPr>
+        <p:spPr>
+          <a:xfrm>
+            <a:off x="3478615" y="3221468"/>
+            <a:ext cx="532050" cy="311217"/>
+          </a:xfrm>
+          <a:prstGeom prst="rect">
+            <a:avLst/>
+          </a:prstGeom>
+          <a:noFill/>
+        </p:spPr>
+        <p:txBody>
+          <a:bodyPr wrap="square" rtlCol="0">
+            <a:spAutoFit/>
+          </a:bodyPr>
+          <a:lstStyle/>
+          <a:p>
+            <a:pPr algn="ctr"/>
+            <a:r>
+              <a:rPr lang="en-US" sz="1400" b="1" dirty="0">
+                <a:latin typeface="Helvetica Neue" panose="02000503000000020004" pitchFamily="2" charset="0"/>
+                <a:ea typeface="Helvetica Neue" panose="02000503000000020004" pitchFamily="2" charset="0"/>
+                <a:cs typeface="Helvetica Neue" panose="02000503000000020004" pitchFamily="2" charset="0"/>
+              </a:rPr>
+              <a:t>d</a:t>
+            </a:r>
+          </a:p>
+        </p:txBody>
+      </p:sp>
+      <p:sp>
+        <p:nvSpPr>
+          <p:cNvPr id="34" name="Rectangle 33">
+            <a:extLst>
+              <a:ext uri="{FF2B5EF4-FFF2-40B4-BE49-F238E27FC236}">
+                <a16:creationId xmlns:a16="http://schemas.microsoft.com/office/drawing/2014/main" id="{FCC82B76-D613-B14A-9751-C3404A7F5100}"/>
+              </a:ext>
+            </a:extLst>
+          </p:cNvPr>
+          <p:cNvSpPr/>
+          <p:nvPr/>
+        </p:nvSpPr>
+        <p:spPr>
+          <a:xfrm>
+            <a:off x="1865376" y="1696001"/>
+            <a:ext cx="253217" cy="1060972"/>
+          </a:xfrm>
+          <a:prstGeom prst="rect">
+            <a:avLst/>
+          </a:prstGeom>
+          <a:noFill/>
+          <a:ln w="6350">
+            <a:solidFill>
+              <a:schemeClr val="tx1"/>
+            </a:solidFill>
+          </a:ln>
+        </p:spPr>
+        <p:style>
+          <a:lnRef idx="2">
+            <a:schemeClr val="accent1">
+              <a:shade val="50000"/>
+            </a:schemeClr>
+          </a:lnRef>
+          <a:fillRef idx="1">
+            <a:schemeClr val="accent1"/>
+          </a:fillRef>
+          <a:effectRef idx="0">
+            <a:schemeClr val="accent1"/>
+          </a:effectRef>
+          <a:fontRef idx="minor">
+            <a:schemeClr val="lt1"/>
+          </a:fontRef>
+        </p:style>
+        <p:txBody>
+          <a:bodyPr rtlCol="0" anchor="ctr"/>
+          <a:lstStyle/>
+          <a:p>
+            <a:pPr algn="ctr"/>
+            <a:endParaRPr lang="en-US"/>
+          </a:p>
+        </p:txBody>
+      </p:sp>
+      <p:cxnSp>
+        <p:nvCxnSpPr>
+          <p:cNvPr id="36" name="Straight Arrow Connector 35">
+            <a:extLst>
+              <a:ext uri="{FF2B5EF4-FFF2-40B4-BE49-F238E27FC236}">
+                <a16:creationId xmlns:a16="http://schemas.microsoft.com/office/drawing/2014/main" id="{FCB6A53D-8895-5444-BC26-FDB3CED3D01F}"/>
+              </a:ext>
+            </a:extLst>
+          </p:cNvPr>
+          <p:cNvCxnSpPr>
+            <a:cxnSpLocks/>
+          </p:cNvCxnSpPr>
+          <p:nvPr/>
+        </p:nvCxnSpPr>
+        <p:spPr>
+          <a:xfrm>
+            <a:off x="1985744" y="1492480"/>
+            <a:ext cx="0" cy="202381"/>
+          </a:xfrm>
+          <a:prstGeom prst="straightConnector1">
+            <a:avLst/>
+          </a:prstGeom>
+          <a:ln>
+            <a:solidFill>
+              <a:schemeClr val="tx1"/>
+            </a:solidFill>
+            <a:tailEnd type="triangle"/>
+          </a:ln>
+        </p:spPr>
+        <p:style>
+          <a:lnRef idx="1">
+            <a:schemeClr val="accent1"/>
+          </a:lnRef>
+          <a:fillRef idx="0">
+            <a:schemeClr val="accent1"/>
+          </a:fillRef>
+          <a:effectRef idx="0">
+            <a:schemeClr val="accent1"/>
+          </a:effectRef>
+          <a:fontRef idx="minor">
+            <a:schemeClr val="tx1"/>
+          </a:fontRef>
+        </p:style>
+      </p:cxnSp>
+      <p:sp>
+        <p:nvSpPr>
+          <p:cNvPr id="40" name="TextBox 39">
+            <a:extLst>
+              <a:ext uri="{FF2B5EF4-FFF2-40B4-BE49-F238E27FC236}">
+                <a16:creationId xmlns:a16="http://schemas.microsoft.com/office/drawing/2014/main" id="{59710CE9-75A6-8E4F-BC0F-9128A72B5E28}"/>
+              </a:ext>
+            </a:extLst>
+          </p:cNvPr>
+          <p:cNvSpPr txBox="1"/>
+          <p:nvPr/>
+        </p:nvSpPr>
+        <p:spPr>
+          <a:xfrm>
+            <a:off x="1510959" y="1275716"/>
+            <a:ext cx="949569" cy="230832"/>
+          </a:xfrm>
+          <a:prstGeom prst="rect">
+            <a:avLst/>
+          </a:prstGeom>
+          <a:noFill/>
+        </p:spPr>
+        <p:txBody>
+          <a:bodyPr wrap="square" rtlCol="0">
+            <a:spAutoFit/>
+          </a:bodyPr>
+          <a:lstStyle/>
+          <a:p>
+            <a:pPr algn="ctr"/>
+            <a:r>
+              <a:rPr lang="en-US" sz="900" i="1" dirty="0">
+                <a:solidFill>
+                  <a:srgbClr val="8FB132"/>
+                </a:solidFill>
+                <a:latin typeface="Helvetica Neue" panose="02000503000000020004" pitchFamily="2" charset="0"/>
+                <a:ea typeface="Helvetica Neue" panose="02000503000000020004" pitchFamily="2" charset="0"/>
+                <a:cs typeface="Helvetica Neue" panose="02000503000000020004" pitchFamily="2" charset="0"/>
+              </a:rPr>
+              <a:t>No effect</a:t>
+            </a:r>
+          </a:p>
+        </p:txBody>
+      </p:sp>
+      <p:sp>
+        <p:nvSpPr>
+          <p:cNvPr id="47" name="Rectangle 46">
+            <a:extLst>
+              <a:ext uri="{FF2B5EF4-FFF2-40B4-BE49-F238E27FC236}">
+                <a16:creationId xmlns:a16="http://schemas.microsoft.com/office/drawing/2014/main" id="{B01074A1-2499-4948-9DBB-7D0A93A30FE8}"/>
+              </a:ext>
+            </a:extLst>
+          </p:cNvPr>
+          <p:cNvSpPr/>
+          <p:nvPr/>
+        </p:nvSpPr>
+        <p:spPr>
+          <a:xfrm>
+            <a:off x="5394960" y="1696001"/>
+            <a:ext cx="253217" cy="1057240"/>
+          </a:xfrm>
+          <a:prstGeom prst="rect">
+            <a:avLst/>
+          </a:prstGeom>
+          <a:noFill/>
+          <a:ln w="6350">
+            <a:solidFill>
+              <a:schemeClr val="tx1"/>
+            </a:solidFill>
+          </a:ln>
+        </p:spPr>
+        <p:style>
+          <a:lnRef idx="2">
+            <a:schemeClr val="accent1">
+              <a:shade val="50000"/>
+            </a:schemeClr>
+          </a:lnRef>
+          <a:fillRef idx="1">
+            <a:schemeClr val="accent1"/>
+          </a:fillRef>
+          <a:effectRef idx="0">
+            <a:schemeClr val="accent1"/>
+          </a:effectRef>
+          <a:fontRef idx="minor">
+            <a:schemeClr val="lt1"/>
+          </a:fontRef>
+        </p:style>
+        <p:txBody>
+          <a:bodyPr rtlCol="0" anchor="ctr"/>
+          <a:lstStyle/>
+          <a:p>
+            <a:pPr algn="ctr"/>
+            <a:endParaRPr lang="en-US"/>
+          </a:p>
+        </p:txBody>
+      </p:sp>
+      <p:cxnSp>
+        <p:nvCxnSpPr>
+          <p:cNvPr id="48" name="Straight Arrow Connector 47">
+            <a:extLst>
+              <a:ext uri="{FF2B5EF4-FFF2-40B4-BE49-F238E27FC236}">
+                <a16:creationId xmlns:a16="http://schemas.microsoft.com/office/drawing/2014/main" id="{3673C9ED-1E77-ED4B-9332-C7996099B01B}"/>
+              </a:ext>
+            </a:extLst>
+          </p:cNvPr>
+          <p:cNvCxnSpPr>
+            <a:cxnSpLocks/>
+          </p:cNvCxnSpPr>
+          <p:nvPr/>
+        </p:nvCxnSpPr>
+        <p:spPr>
+          <a:xfrm>
+            <a:off x="5514940" y="1463881"/>
+            <a:ext cx="0" cy="227246"/>
+          </a:xfrm>
+          <a:prstGeom prst="straightConnector1">
+            <a:avLst/>
+          </a:prstGeom>
+          <a:ln>
+            <a:solidFill>
+              <a:schemeClr val="tx1"/>
+            </a:solidFill>
+            <a:tailEnd type="triangle"/>
+          </a:ln>
+        </p:spPr>
+        <p:style>
+          <a:lnRef idx="1">
+            <a:schemeClr val="accent1"/>
+          </a:lnRef>
+          <a:fillRef idx="0">
+            <a:schemeClr val="accent1"/>
+          </a:fillRef>
+          <a:effectRef idx="0">
+            <a:schemeClr val="accent1"/>
+          </a:effectRef>
+          <a:fontRef idx="minor">
+            <a:schemeClr val="tx1"/>
+          </a:fontRef>
+        </p:style>
+      </p:cxnSp>
+      <p:sp>
+        <p:nvSpPr>
+          <p:cNvPr id="49" name="TextBox 48">
+            <a:extLst>
+              <a:ext uri="{FF2B5EF4-FFF2-40B4-BE49-F238E27FC236}">
+                <a16:creationId xmlns:a16="http://schemas.microsoft.com/office/drawing/2014/main" id="{2505A704-0B39-3948-B702-3DE6FB8A566F}"/>
+              </a:ext>
+            </a:extLst>
+          </p:cNvPr>
+          <p:cNvSpPr txBox="1"/>
+          <p:nvPr/>
+        </p:nvSpPr>
+        <p:spPr>
+          <a:xfrm>
+            <a:off x="4819867" y="1277906"/>
+            <a:ext cx="1367335" cy="230832"/>
+          </a:xfrm>
+          <a:prstGeom prst="rect">
+            <a:avLst/>
+          </a:prstGeom>
+          <a:noFill/>
+        </p:spPr>
+        <p:txBody>
+          <a:bodyPr wrap="square" rtlCol="0">
+            <a:spAutoFit/>
+          </a:bodyPr>
+          <a:lstStyle/>
+          <a:p>
+            <a:pPr algn="ctr"/>
+            <a:r>
+              <a:rPr lang="en-US" sz="900" i="1" dirty="0">
+                <a:solidFill>
+                  <a:srgbClr val="8FB132"/>
+                </a:solidFill>
+                <a:latin typeface="Helvetica Neue" panose="02000503000000020004" pitchFamily="2" charset="0"/>
+                <a:ea typeface="Helvetica Neue" panose="02000503000000020004" pitchFamily="2" charset="0"/>
+                <a:cs typeface="Helvetica Neue" panose="02000503000000020004" pitchFamily="2" charset="0"/>
+              </a:rPr>
+              <a:t>Downward contagion</a:t>
+            </a:r>
+          </a:p>
+        </p:txBody>
+      </p:sp>
+      <p:sp>
+        <p:nvSpPr>
+          <p:cNvPr id="56" name="Rectangle 55">
+            <a:extLst>
+              <a:ext uri="{FF2B5EF4-FFF2-40B4-BE49-F238E27FC236}">
+                <a16:creationId xmlns:a16="http://schemas.microsoft.com/office/drawing/2014/main" id="{946FFB0D-B0DB-7746-BE84-CA00A6AC6FC6}"/>
+              </a:ext>
+            </a:extLst>
+          </p:cNvPr>
+          <p:cNvSpPr/>
+          <p:nvPr/>
+        </p:nvSpPr>
+        <p:spPr>
+          <a:xfrm>
+            <a:off x="1865376" y="3721608"/>
+            <a:ext cx="253217" cy="1057240"/>
+          </a:xfrm>
+          <a:prstGeom prst="rect">
+            <a:avLst/>
+          </a:prstGeom>
+          <a:noFill/>
+          <a:ln w="6350">
+            <a:solidFill>
+              <a:schemeClr val="tx1"/>
+            </a:solidFill>
+          </a:ln>
+        </p:spPr>
+        <p:style>
+          <a:lnRef idx="2">
+            <a:schemeClr val="accent1">
+              <a:shade val="50000"/>
+            </a:schemeClr>
+          </a:lnRef>
+          <a:fillRef idx="1">
+            <a:schemeClr val="accent1"/>
+          </a:fillRef>
+          <a:effectRef idx="0">
+            <a:schemeClr val="accent1"/>
+          </a:effectRef>
+          <a:fontRef idx="minor">
+            <a:schemeClr val="lt1"/>
+          </a:fontRef>
+        </p:style>
+        <p:txBody>
+          <a:bodyPr rtlCol="0" anchor="ctr"/>
+          <a:lstStyle/>
+          <a:p>
+            <a:pPr algn="ctr"/>
+            <a:endParaRPr lang="en-US"/>
+          </a:p>
+        </p:txBody>
+      </p:sp>
+      <p:cxnSp>
+        <p:nvCxnSpPr>
+          <p:cNvPr id="57" name="Straight Arrow Connector 56">
+            <a:extLst>
+              <a:ext uri="{FF2B5EF4-FFF2-40B4-BE49-F238E27FC236}">
+                <a16:creationId xmlns:a16="http://schemas.microsoft.com/office/drawing/2014/main" id="{D01545C1-233E-EA44-BA81-A519DB74EB76}"/>
+              </a:ext>
+            </a:extLst>
+          </p:cNvPr>
+          <p:cNvCxnSpPr>
+            <a:cxnSpLocks/>
+          </p:cNvCxnSpPr>
+          <p:nvPr/>
+        </p:nvCxnSpPr>
+        <p:spPr>
+          <a:xfrm>
+            <a:off x="1997147" y="3483864"/>
+            <a:ext cx="0" cy="227246"/>
+          </a:xfrm>
+          <a:prstGeom prst="straightConnector1">
+            <a:avLst/>
+          </a:prstGeom>
+          <a:ln>
+            <a:solidFill>
+              <a:schemeClr val="tx1"/>
+            </a:solidFill>
+            <a:tailEnd type="triangle"/>
+          </a:ln>
+        </p:spPr>
+        <p:style>
+          <a:lnRef idx="1">
+            <a:schemeClr val="accent1"/>
+          </a:lnRef>
+          <a:fillRef idx="0">
+            <a:schemeClr val="accent1"/>
+          </a:fillRef>
+          <a:effectRef idx="0">
+            <a:schemeClr val="accent1"/>
+          </a:effectRef>
+          <a:fontRef idx="minor">
+            <a:schemeClr val="tx1"/>
+          </a:fontRef>
+        </p:style>
+      </p:cxnSp>
+      <p:sp>
+        <p:nvSpPr>
+          <p:cNvPr id="58" name="TextBox 57">
+            <a:extLst>
+              <a:ext uri="{FF2B5EF4-FFF2-40B4-BE49-F238E27FC236}">
+                <a16:creationId xmlns:a16="http://schemas.microsoft.com/office/drawing/2014/main" id="{01EAAFA9-AE9E-8246-A9FD-6D29F8274912}"/>
+              </a:ext>
+            </a:extLst>
+          </p:cNvPr>
+          <p:cNvSpPr txBox="1"/>
+          <p:nvPr/>
+        </p:nvSpPr>
+        <p:spPr>
+          <a:xfrm>
+            <a:off x="1302074" y="3301464"/>
+            <a:ext cx="1367335" cy="230832"/>
+          </a:xfrm>
+          <a:prstGeom prst="rect">
+            <a:avLst/>
+          </a:prstGeom>
+          <a:noFill/>
+        </p:spPr>
+        <p:txBody>
+          <a:bodyPr wrap="square" rtlCol="0">
+            <a:spAutoFit/>
+          </a:bodyPr>
+          <a:lstStyle/>
+          <a:p>
+            <a:pPr algn="ctr"/>
+            <a:r>
+              <a:rPr lang="en-US" sz="900" i="1" dirty="0">
+                <a:solidFill>
+                  <a:srgbClr val="8FB132"/>
+                </a:solidFill>
+                <a:latin typeface="Helvetica Neue" panose="02000503000000020004" pitchFamily="2" charset="0"/>
+                <a:ea typeface="Helvetica Neue" panose="02000503000000020004" pitchFamily="2" charset="0"/>
+                <a:cs typeface="Helvetica Neue" panose="02000503000000020004" pitchFamily="2" charset="0"/>
+              </a:rPr>
+              <a:t>Upward contagion</a:t>
+            </a:r>
+          </a:p>
+        </p:txBody>
+      </p:sp>
+      <p:sp>
+        <p:nvSpPr>
+          <p:cNvPr id="60" name="Rectangle 59">
+            <a:extLst>
+              <a:ext uri="{FF2B5EF4-FFF2-40B4-BE49-F238E27FC236}">
+                <a16:creationId xmlns:a16="http://schemas.microsoft.com/office/drawing/2014/main" id="{A32BC6D7-F7BC-9347-83A3-B3CCF91F5830}"/>
+              </a:ext>
+            </a:extLst>
+          </p:cNvPr>
+          <p:cNvSpPr/>
+          <p:nvPr/>
+        </p:nvSpPr>
+        <p:spPr>
+          <a:xfrm>
+            <a:off x="5394960" y="3721608"/>
+            <a:ext cx="253217" cy="1057240"/>
+          </a:xfrm>
+          <a:prstGeom prst="rect">
+            <a:avLst/>
+          </a:prstGeom>
+          <a:noFill/>
+          <a:ln w="6350">
+            <a:solidFill>
+              <a:schemeClr val="tx1"/>
+            </a:solidFill>
+          </a:ln>
+        </p:spPr>
+        <p:style>
+          <a:lnRef idx="2">
+            <a:schemeClr val="accent1">
+              <a:shade val="50000"/>
+            </a:schemeClr>
+          </a:lnRef>
+          <a:fillRef idx="1">
+            <a:schemeClr val="accent1"/>
+          </a:fillRef>
+          <a:effectRef idx="0">
+            <a:schemeClr val="accent1"/>
+          </a:effectRef>
+          <a:fontRef idx="minor">
+            <a:schemeClr val="lt1"/>
+          </a:fontRef>
+        </p:style>
+        <p:txBody>
+          <a:bodyPr rtlCol="0" anchor="ctr"/>
+          <a:lstStyle/>
+          <a:p>
+            <a:pPr algn="ctr"/>
+            <a:endParaRPr lang="en-US"/>
+          </a:p>
+        </p:txBody>
+      </p:sp>
+      <p:cxnSp>
+        <p:nvCxnSpPr>
+          <p:cNvPr id="61" name="Straight Arrow Connector 60">
+            <a:extLst>
+              <a:ext uri="{FF2B5EF4-FFF2-40B4-BE49-F238E27FC236}">
+                <a16:creationId xmlns:a16="http://schemas.microsoft.com/office/drawing/2014/main" id="{9799F749-BB09-1044-AE8A-A5DAEEBC2F1E}"/>
+              </a:ext>
+            </a:extLst>
+          </p:cNvPr>
+          <p:cNvCxnSpPr>
+            <a:cxnSpLocks/>
+          </p:cNvCxnSpPr>
+          <p:nvPr/>
+        </p:nvCxnSpPr>
+        <p:spPr>
+          <a:xfrm>
+            <a:off x="5530716" y="3483864"/>
+            <a:ext cx="0" cy="227246"/>
+          </a:xfrm>
+          <a:prstGeom prst="straightConnector1">
+            <a:avLst/>
+          </a:prstGeom>
+          <a:ln>
+            <a:solidFill>
+              <a:schemeClr val="tx1"/>
+            </a:solidFill>
+            <a:tailEnd type="triangle"/>
+          </a:ln>
+        </p:spPr>
+        <p:style>
+          <a:lnRef idx="1">
+            <a:schemeClr val="accent1"/>
+          </a:lnRef>
+          <a:fillRef idx="0">
+            <a:schemeClr val="accent1"/>
+          </a:fillRef>
+          <a:effectRef idx="0">
+            <a:schemeClr val="accent1"/>
+          </a:effectRef>
+          <a:fontRef idx="minor">
+            <a:schemeClr val="tx1"/>
+          </a:fontRef>
+        </p:style>
+      </p:cxnSp>
+      <p:sp>
+        <p:nvSpPr>
+          <p:cNvPr id="62" name="TextBox 61">
+            <a:extLst>
+              <a:ext uri="{FF2B5EF4-FFF2-40B4-BE49-F238E27FC236}">
+                <a16:creationId xmlns:a16="http://schemas.microsoft.com/office/drawing/2014/main" id="{D13988C2-B628-D948-9CFA-37C8D35D596B}"/>
+              </a:ext>
+            </a:extLst>
+          </p:cNvPr>
+          <p:cNvSpPr txBox="1"/>
+          <p:nvPr/>
+        </p:nvSpPr>
+        <p:spPr>
+          <a:xfrm>
+            <a:off x="4835643" y="3300984"/>
+            <a:ext cx="1367335" cy="230832"/>
+          </a:xfrm>
+          <a:prstGeom prst="rect">
+            <a:avLst/>
+          </a:prstGeom>
+          <a:noFill/>
+        </p:spPr>
+        <p:txBody>
+          <a:bodyPr wrap="square" rtlCol="0">
+            <a:spAutoFit/>
+          </a:bodyPr>
+          <a:lstStyle/>
+          <a:p>
+            <a:pPr algn="ctr"/>
+            <a:r>
+              <a:rPr lang="en-US" sz="900" i="1" dirty="0">
+                <a:solidFill>
+                  <a:srgbClr val="8FB132"/>
+                </a:solidFill>
+                <a:latin typeface="Helvetica Neue" panose="02000503000000020004" pitchFamily="2" charset="0"/>
+                <a:ea typeface="Helvetica Neue" panose="02000503000000020004" pitchFamily="2" charset="0"/>
+                <a:cs typeface="Helvetica Neue" panose="02000503000000020004" pitchFamily="2" charset="0"/>
+              </a:rPr>
+              <a:t>Amplification</a:t>
+            </a:r>
+          </a:p>
+        </p:txBody>
+      </p:sp>
+    </p:spTree>
+    <p:extLst>
+      <p:ext uri="{BB962C8B-B14F-4D97-AF65-F5344CB8AC3E}">
+        <p14:creationId xmlns:p14="http://schemas.microsoft.com/office/powerpoint/2010/main" val="3156132832"/>
+      </p:ext>
+    </p:extLst>
+  </p:cSld>
+  <p:clrMapOvr>
+    <a:masterClrMapping/>
+  </p:clrMapOvr>
+</p:sld>
+</file>
+
+<file path=ppt/slides/slide18.xml><?xml version="1.0" encoding="utf-8"?>
+<p:sld xmlns:a="http://schemas.openxmlformats.org/drawingml/2006/main" xmlns:r="http://schemas.openxmlformats.org/officeDocument/2006/relationships" xmlns:p="http://schemas.openxmlformats.org/presentationml/2006/main">
+  <p:cSld>
+    <p:spTree>
+      <p:nvGrpSpPr>
+        <p:cNvPr id="1" name=""/>
+        <p:cNvGrpSpPr/>
+        <p:nvPr/>
+      </p:nvGrpSpPr>
+      <p:grpSpPr>
+        <a:xfrm>
+          <a:off x="0" y="0"/>
+          <a:ext cx="0" cy="0"/>
+          <a:chOff x="0" y="0"/>
+          <a:chExt cx="0" cy="0"/>
+        </a:xfrm>
+      </p:grpSpPr>
       <p:sp>
         <p:nvSpPr>
           <p:cNvPr id="35" name="TextBox 34">
@@ -8439,7 +9546,7 @@
 </p:sld>
 </file>
 
-<file path=ppt/slides/slide18.xml><?xml version="1.0" encoding="utf-8"?>
+<file path=ppt/slides/slide19.xml><?xml version="1.0" encoding="utf-8"?>
 <p:sld xmlns:a="http://schemas.openxmlformats.org/drawingml/2006/main" xmlns:r="http://schemas.openxmlformats.org/officeDocument/2006/relationships" xmlns:p="http://schemas.openxmlformats.org/presentationml/2006/main">
   <p:cSld>
     <p:spTree>

--- a/slides/figures_191206.pptx
+++ b/slides/figures_191206.pptx
@@ -5,7 +5,7 @@
     <p:sldMasterId id="2147483684" r:id="rId1"/>
   </p:sldMasterIdLst>
   <p:notesMasterIdLst>
-    <p:notesMasterId r:id="rId21"/>
+    <p:notesMasterId r:id="rId23"/>
   </p:notesMasterIdLst>
   <p:sldIdLst>
     <p:sldId id="256" r:id="rId2"/>
@@ -17,16 +17,18 @@
     <p:sldId id="258" r:id="rId8"/>
     <p:sldId id="264" r:id="rId9"/>
     <p:sldId id="273" r:id="rId10"/>
-    <p:sldId id="259" r:id="rId11"/>
-    <p:sldId id="260" r:id="rId12"/>
-    <p:sldId id="269" r:id="rId13"/>
-    <p:sldId id="271" r:id="rId14"/>
-    <p:sldId id="270" r:id="rId15"/>
-    <p:sldId id="272" r:id="rId16"/>
-    <p:sldId id="265" r:id="rId17"/>
-    <p:sldId id="274" r:id="rId18"/>
-    <p:sldId id="266" r:id="rId19"/>
-    <p:sldId id="267" r:id="rId20"/>
+    <p:sldId id="276" r:id="rId11"/>
+    <p:sldId id="259" r:id="rId12"/>
+    <p:sldId id="260" r:id="rId13"/>
+    <p:sldId id="269" r:id="rId14"/>
+    <p:sldId id="271" r:id="rId15"/>
+    <p:sldId id="270" r:id="rId16"/>
+    <p:sldId id="272" r:id="rId17"/>
+    <p:sldId id="265" r:id="rId18"/>
+    <p:sldId id="274" r:id="rId19"/>
+    <p:sldId id="275" r:id="rId20"/>
+    <p:sldId id="266" r:id="rId21"/>
+    <p:sldId id="267" r:id="rId22"/>
   </p:sldIdLst>
   <p:sldSz cx="7918450" cy="6483350"/>
   <p:notesSz cx="6858000" cy="9144000"/>
@@ -215,7 +217,7 @@
           <a:p>
             <a:fld id="{5E7D9203-8D15-1F45-AFEF-29CE894B8122}" type="datetimeFigureOut">
               <a:rPr lang="en-US" smtClean="0"/>
-              <a:t>1/27/20</a:t>
+              <a:t>2/2/20</a:t>
             </a:fld>
             <a:endParaRPr lang="en-US"/>
           </a:p>
@@ -625,7 +627,7 @@
           <a:p>
             <a:r>
               <a:rPr lang="en-US" dirty="0"/>
-              <a:t>12/06/19 Fig. S2</a:t>
+              <a:t>2/2/20 Fig. 4, updated with new colors</a:t>
             </a:r>
           </a:p>
         </p:txBody>
@@ -656,7 +658,7 @@
     </p:spTree>
     <p:extLst>
       <p:ext uri="{BB962C8B-B14F-4D97-AF65-F5344CB8AC3E}">
-        <p14:creationId xmlns:p14="http://schemas.microsoft.com/office/powerpoint/2010/main" val="282547630"/>
+        <p14:creationId xmlns:p14="http://schemas.microsoft.com/office/powerpoint/2010/main" val="2281819512"/>
       </p:ext>
     </p:extLst>
   </p:cSld>
@@ -717,7 +719,7 @@
           <a:p>
             <a:r>
               <a:rPr lang="en-US" dirty="0"/>
-              <a:t>12/06/19 Fig. S4</a:t>
+              <a:t>12/06/19 Fig. S2</a:t>
             </a:r>
           </a:p>
         </p:txBody>
@@ -748,7 +750,7 @@
     </p:spTree>
     <p:extLst>
       <p:ext uri="{BB962C8B-B14F-4D97-AF65-F5344CB8AC3E}">
-        <p14:creationId xmlns:p14="http://schemas.microsoft.com/office/powerpoint/2010/main" val="561168434"/>
+        <p14:creationId xmlns:p14="http://schemas.microsoft.com/office/powerpoint/2010/main" val="282547630"/>
       </p:ext>
     </p:extLst>
   </p:cSld>
@@ -809,7 +811,7 @@
           <a:p>
             <a:r>
               <a:rPr lang="en-US" dirty="0"/>
-              <a:t>1/23/20 Fig. S4</a:t>
+              <a:t>12/06/19 Fig. S4</a:t>
             </a:r>
           </a:p>
         </p:txBody>
@@ -840,7 +842,7 @@
     </p:spTree>
     <p:extLst>
       <p:ext uri="{BB962C8B-B14F-4D97-AF65-F5344CB8AC3E}">
-        <p14:creationId xmlns:p14="http://schemas.microsoft.com/office/powerpoint/2010/main" val="733968849"/>
+        <p14:creationId xmlns:p14="http://schemas.microsoft.com/office/powerpoint/2010/main" val="561168434"/>
       </p:ext>
     </p:extLst>
   </p:cSld>
@@ -901,7 +903,7 @@
           <a:p>
             <a:r>
               <a:rPr lang="en-US" dirty="0"/>
-              <a:t>1/23/20 Fig. S4 – tentative v2 with mu = 7.5</a:t>
+              <a:t>1/23/20 Fig. S4</a:t>
             </a:r>
           </a:p>
         </p:txBody>
@@ -932,7 +934,7 @@
     </p:spTree>
     <p:extLst>
       <p:ext uri="{BB962C8B-B14F-4D97-AF65-F5344CB8AC3E}">
-        <p14:creationId xmlns:p14="http://schemas.microsoft.com/office/powerpoint/2010/main" val="3198164349"/>
+        <p14:creationId xmlns:p14="http://schemas.microsoft.com/office/powerpoint/2010/main" val="733968849"/>
       </p:ext>
     </p:extLst>
   </p:cSld>
@@ -993,7 +995,7 @@
           <a:p>
             <a:r>
               <a:rPr lang="en-US" dirty="0"/>
-              <a:t>1/23/20 Fig. S5</a:t>
+              <a:t>1/23/20 Fig. S4 – tentative v2 with mu = 7.5</a:t>
             </a:r>
           </a:p>
         </p:txBody>
@@ -1024,7 +1026,7 @@
     </p:spTree>
     <p:extLst>
       <p:ext uri="{BB962C8B-B14F-4D97-AF65-F5344CB8AC3E}">
-        <p14:creationId xmlns:p14="http://schemas.microsoft.com/office/powerpoint/2010/main" val="753180207"/>
+        <p14:creationId xmlns:p14="http://schemas.microsoft.com/office/powerpoint/2010/main" val="3198164349"/>
       </p:ext>
     </p:extLst>
   </p:cSld>
@@ -1085,7 +1087,7 @@
           <a:p>
             <a:r>
               <a:rPr lang="en-US" dirty="0"/>
-              <a:t>1/23/20 Fig. S5 – tentative v2 with mu = 7.5</a:t>
+              <a:t>1/23/20 Fig. S5</a:t>
             </a:r>
           </a:p>
         </p:txBody>
@@ -1116,7 +1118,7 @@
     </p:spTree>
     <p:extLst>
       <p:ext uri="{BB962C8B-B14F-4D97-AF65-F5344CB8AC3E}">
-        <p14:creationId xmlns:p14="http://schemas.microsoft.com/office/powerpoint/2010/main" val="3971011124"/>
+        <p14:creationId xmlns:p14="http://schemas.microsoft.com/office/powerpoint/2010/main" val="753180207"/>
       </p:ext>
     </p:extLst>
   </p:cSld>
@@ -1177,7 +1179,7 @@
           <a:p>
             <a:r>
               <a:rPr lang="en-US" dirty="0"/>
-              <a:t>12/06/19 Fig. 5</a:t>
+              <a:t>1/23/20 Fig. S5 – tentative v2 with mu = 7.5</a:t>
             </a:r>
           </a:p>
         </p:txBody>
@@ -1208,7 +1210,7 @@
     </p:spTree>
     <p:extLst>
       <p:ext uri="{BB962C8B-B14F-4D97-AF65-F5344CB8AC3E}">
-        <p14:creationId xmlns:p14="http://schemas.microsoft.com/office/powerpoint/2010/main" val="4193511516"/>
+        <p14:creationId xmlns:p14="http://schemas.microsoft.com/office/powerpoint/2010/main" val="3971011124"/>
       </p:ext>
     </p:extLst>
   </p:cSld>
@@ -1269,7 +1271,7 @@
           <a:p>
             <a:r>
               <a:rPr lang="en-US" dirty="0"/>
-              <a:t>01/27/20 Fig. 5 – updated with new params, soon to add a new panel for complex mixes</a:t>
+              <a:t>12/06/19 Fig. 5</a:t>
             </a:r>
           </a:p>
         </p:txBody>
@@ -1300,7 +1302,7 @@
     </p:spTree>
     <p:extLst>
       <p:ext uri="{BB962C8B-B14F-4D97-AF65-F5344CB8AC3E}">
-        <p14:creationId xmlns:p14="http://schemas.microsoft.com/office/powerpoint/2010/main" val="2091408940"/>
+        <p14:creationId xmlns:p14="http://schemas.microsoft.com/office/powerpoint/2010/main" val="4193511516"/>
       </p:ext>
     </p:extLst>
   </p:cSld>
@@ -1359,7 +1361,10 @@
           <a:bodyPr/>
           <a:lstStyle/>
           <a:p>
-            <a:endParaRPr lang="en-US" dirty="0"/>
+            <a:r>
+              <a:rPr lang="en-US" dirty="0"/>
+              <a:t>01/27/20 Fig. 5 – updated with new params, soon to add a new panel for complex mixes</a:t>
+            </a:r>
           </a:p>
         </p:txBody>
       </p:sp>
@@ -1389,7 +1394,7 @@
     </p:spTree>
     <p:extLst>
       <p:ext uri="{BB962C8B-B14F-4D97-AF65-F5344CB8AC3E}">
-        <p14:creationId xmlns:p14="http://schemas.microsoft.com/office/powerpoint/2010/main" val="4283938702"/>
+        <p14:creationId xmlns:p14="http://schemas.microsoft.com/office/powerpoint/2010/main" val="2091408940"/>
       </p:ext>
     </p:extLst>
   </p:cSld>
@@ -1448,7 +1453,10 @@
           <a:bodyPr/>
           <a:lstStyle/>
           <a:p>
-            <a:endParaRPr lang="en-US" dirty="0"/>
+            <a:r>
+              <a:rPr lang="en-US" dirty="0"/>
+              <a:t>01/27/20 Fig. 5 – updated with new params, soon to add a new panel for complex mixes</a:t>
+            </a:r>
           </a:p>
         </p:txBody>
       </p:sp>
@@ -1478,7 +1486,7 @@
     </p:spTree>
     <p:extLst>
       <p:ext uri="{BB962C8B-B14F-4D97-AF65-F5344CB8AC3E}">
-        <p14:creationId xmlns:p14="http://schemas.microsoft.com/office/powerpoint/2010/main" val="1036323336"/>
+        <p14:creationId xmlns:p14="http://schemas.microsoft.com/office/powerpoint/2010/main" val="1405225748"/>
       </p:ext>
     </p:extLst>
   </p:cSld>
@@ -1571,6 +1579,184 @@
     <p:extLst>
       <p:ext uri="{BB962C8B-B14F-4D97-AF65-F5344CB8AC3E}">
         <p14:creationId xmlns:p14="http://schemas.microsoft.com/office/powerpoint/2010/main" val="4221191403"/>
+      </p:ext>
+    </p:extLst>
+  </p:cSld>
+  <p:clrMapOvr>
+    <a:masterClrMapping/>
+  </p:clrMapOvr>
+</p:notes>
+</file>
+
+<file path=ppt/notesSlides/notesSlide20.xml><?xml version="1.0" encoding="utf-8"?>
+<p:notes xmlns:a="http://schemas.openxmlformats.org/drawingml/2006/main" xmlns:r="http://schemas.openxmlformats.org/officeDocument/2006/relationships" xmlns:p="http://schemas.openxmlformats.org/presentationml/2006/main">
+  <p:cSld>
+    <p:spTree>
+      <p:nvGrpSpPr>
+        <p:cNvPr id="1" name=""/>
+        <p:cNvGrpSpPr/>
+        <p:nvPr/>
+      </p:nvGrpSpPr>
+      <p:grpSpPr>
+        <a:xfrm>
+          <a:off x="0" y="0"/>
+          <a:ext cx="0" cy="0"/>
+          <a:chOff x="0" y="0"/>
+          <a:chExt cx="0" cy="0"/>
+        </a:xfrm>
+      </p:grpSpPr>
+      <p:sp>
+        <p:nvSpPr>
+          <p:cNvPr id="2" name="Slide Image Placeholder 1"/>
+          <p:cNvSpPr>
+            <a:spLocks noGrp="1" noRot="1" noChangeAspect="1"/>
+          </p:cNvSpPr>
+          <p:nvPr>
+            <p:ph type="sldImg"/>
+          </p:nvPr>
+        </p:nvSpPr>
+        <p:spPr>
+          <a:xfrm>
+            <a:off x="1544638" y="1143000"/>
+            <a:ext cx="3768725" cy="3086100"/>
+          </a:xfrm>
+        </p:spPr>
+      </p:sp>
+      <p:sp>
+        <p:nvSpPr>
+          <p:cNvPr id="3" name="Notes Placeholder 2"/>
+          <p:cNvSpPr>
+            <a:spLocks noGrp="1"/>
+          </p:cNvSpPr>
+          <p:nvPr>
+            <p:ph type="body" idx="1"/>
+          </p:nvPr>
+        </p:nvSpPr>
+        <p:spPr/>
+        <p:txBody>
+          <a:bodyPr/>
+          <a:lstStyle/>
+          <a:p>
+            <a:endParaRPr lang="en-US" dirty="0"/>
+          </a:p>
+        </p:txBody>
+      </p:sp>
+      <p:sp>
+        <p:nvSpPr>
+          <p:cNvPr id="4" name="Slide Number Placeholder 3"/>
+          <p:cNvSpPr>
+            <a:spLocks noGrp="1"/>
+          </p:cNvSpPr>
+          <p:nvPr>
+            <p:ph type="sldNum" sz="quarter" idx="5"/>
+          </p:nvPr>
+        </p:nvSpPr>
+        <p:spPr/>
+        <p:txBody>
+          <a:bodyPr/>
+          <a:lstStyle/>
+          <a:p>
+            <a:fld id="{A697AF77-229E-5D4A-87D0-A949D969F47C}" type="slidenum">
+              <a:rPr lang="en-US" smtClean="0"/>
+              <a:t>20</a:t>
+            </a:fld>
+            <a:endParaRPr lang="en-US"/>
+          </a:p>
+        </p:txBody>
+      </p:sp>
+    </p:spTree>
+    <p:extLst>
+      <p:ext uri="{BB962C8B-B14F-4D97-AF65-F5344CB8AC3E}">
+        <p14:creationId xmlns:p14="http://schemas.microsoft.com/office/powerpoint/2010/main" val="4283938702"/>
+      </p:ext>
+    </p:extLst>
+  </p:cSld>
+  <p:clrMapOvr>
+    <a:masterClrMapping/>
+  </p:clrMapOvr>
+</p:notes>
+</file>
+
+<file path=ppt/notesSlides/notesSlide21.xml><?xml version="1.0" encoding="utf-8"?>
+<p:notes xmlns:a="http://schemas.openxmlformats.org/drawingml/2006/main" xmlns:r="http://schemas.openxmlformats.org/officeDocument/2006/relationships" xmlns:p="http://schemas.openxmlformats.org/presentationml/2006/main">
+  <p:cSld>
+    <p:spTree>
+      <p:nvGrpSpPr>
+        <p:cNvPr id="1" name=""/>
+        <p:cNvGrpSpPr/>
+        <p:nvPr/>
+      </p:nvGrpSpPr>
+      <p:grpSpPr>
+        <a:xfrm>
+          <a:off x="0" y="0"/>
+          <a:ext cx="0" cy="0"/>
+          <a:chOff x="0" y="0"/>
+          <a:chExt cx="0" cy="0"/>
+        </a:xfrm>
+      </p:grpSpPr>
+      <p:sp>
+        <p:nvSpPr>
+          <p:cNvPr id="2" name="Slide Image Placeholder 1"/>
+          <p:cNvSpPr>
+            <a:spLocks noGrp="1" noRot="1" noChangeAspect="1"/>
+          </p:cNvSpPr>
+          <p:nvPr>
+            <p:ph type="sldImg"/>
+          </p:nvPr>
+        </p:nvSpPr>
+        <p:spPr>
+          <a:xfrm>
+            <a:off x="1544638" y="1143000"/>
+            <a:ext cx="3768725" cy="3086100"/>
+          </a:xfrm>
+        </p:spPr>
+      </p:sp>
+      <p:sp>
+        <p:nvSpPr>
+          <p:cNvPr id="3" name="Notes Placeholder 2"/>
+          <p:cNvSpPr>
+            <a:spLocks noGrp="1"/>
+          </p:cNvSpPr>
+          <p:nvPr>
+            <p:ph type="body" idx="1"/>
+          </p:nvPr>
+        </p:nvSpPr>
+        <p:spPr/>
+        <p:txBody>
+          <a:bodyPr/>
+          <a:lstStyle/>
+          <a:p>
+            <a:endParaRPr lang="en-US" dirty="0"/>
+          </a:p>
+        </p:txBody>
+      </p:sp>
+      <p:sp>
+        <p:nvSpPr>
+          <p:cNvPr id="4" name="Slide Number Placeholder 3"/>
+          <p:cNvSpPr>
+            <a:spLocks noGrp="1"/>
+          </p:cNvSpPr>
+          <p:nvPr>
+            <p:ph type="sldNum" sz="quarter" idx="5"/>
+          </p:nvPr>
+        </p:nvSpPr>
+        <p:spPr/>
+        <p:txBody>
+          <a:bodyPr/>
+          <a:lstStyle/>
+          <a:p>
+            <a:fld id="{A697AF77-229E-5D4A-87D0-A949D969F47C}" type="slidenum">
+              <a:rPr lang="en-US" smtClean="0"/>
+              <a:t>21</a:t>
+            </a:fld>
+            <a:endParaRPr lang="en-US"/>
+          </a:p>
+        </p:txBody>
+      </p:sp>
+    </p:spTree>
+    <p:extLst>
+      <p:ext uri="{BB962C8B-B14F-4D97-AF65-F5344CB8AC3E}">
+        <p14:creationId xmlns:p14="http://schemas.microsoft.com/office/powerpoint/2010/main" val="1036323336"/>
       </p:ext>
     </p:extLst>
   </p:cSld>
@@ -2355,7 +2541,7 @@
           <a:p>
             <a:fld id="{AAC8E564-4E2A-8441-940F-9FCAA67208AC}" type="datetimeFigureOut">
               <a:rPr lang="en-US" smtClean="0"/>
-              <a:t>1/27/20</a:t>
+              <a:t>2/2/20</a:t>
             </a:fld>
             <a:endParaRPr lang="en-US"/>
           </a:p>
@@ -2525,7 +2711,7 @@
           <a:p>
             <a:fld id="{AAC8E564-4E2A-8441-940F-9FCAA67208AC}" type="datetimeFigureOut">
               <a:rPr lang="en-US" smtClean="0"/>
-              <a:t>1/27/20</a:t>
+              <a:t>2/2/20</a:t>
             </a:fld>
             <a:endParaRPr lang="en-US"/>
           </a:p>
@@ -2705,7 +2891,7 @@
           <a:p>
             <a:fld id="{AAC8E564-4E2A-8441-940F-9FCAA67208AC}" type="datetimeFigureOut">
               <a:rPr lang="en-US" smtClean="0"/>
-              <a:t>1/27/20</a:t>
+              <a:t>2/2/20</a:t>
             </a:fld>
             <a:endParaRPr lang="en-US"/>
           </a:p>
@@ -2875,7 +3061,7 @@
           <a:p>
             <a:fld id="{AAC8E564-4E2A-8441-940F-9FCAA67208AC}" type="datetimeFigureOut">
               <a:rPr lang="en-US" smtClean="0"/>
-              <a:t>1/27/20</a:t>
+              <a:t>2/2/20</a:t>
             </a:fld>
             <a:endParaRPr lang="en-US"/>
           </a:p>
@@ -3119,7 +3305,7 @@
           <a:p>
             <a:fld id="{AAC8E564-4E2A-8441-940F-9FCAA67208AC}" type="datetimeFigureOut">
               <a:rPr lang="en-US" smtClean="0"/>
-              <a:t>1/27/20</a:t>
+              <a:t>2/2/20</a:t>
             </a:fld>
             <a:endParaRPr lang="en-US"/>
           </a:p>
@@ -3351,7 +3537,7 @@
           <a:p>
             <a:fld id="{AAC8E564-4E2A-8441-940F-9FCAA67208AC}" type="datetimeFigureOut">
               <a:rPr lang="en-US" smtClean="0"/>
-              <a:t>1/27/20</a:t>
+              <a:t>2/2/20</a:t>
             </a:fld>
             <a:endParaRPr lang="en-US"/>
           </a:p>
@@ -3718,7 +3904,7 @@
           <a:p>
             <a:fld id="{AAC8E564-4E2A-8441-940F-9FCAA67208AC}" type="datetimeFigureOut">
               <a:rPr lang="en-US" smtClean="0"/>
-              <a:t>1/27/20</a:t>
+              <a:t>2/2/20</a:t>
             </a:fld>
             <a:endParaRPr lang="en-US"/>
           </a:p>
@@ -3836,7 +4022,7 @@
           <a:p>
             <a:fld id="{AAC8E564-4E2A-8441-940F-9FCAA67208AC}" type="datetimeFigureOut">
               <a:rPr lang="en-US" smtClean="0"/>
-              <a:t>1/27/20</a:t>
+              <a:t>2/2/20</a:t>
             </a:fld>
             <a:endParaRPr lang="en-US"/>
           </a:p>
@@ -3931,7 +4117,7 @@
           <a:p>
             <a:fld id="{AAC8E564-4E2A-8441-940F-9FCAA67208AC}" type="datetimeFigureOut">
               <a:rPr lang="en-US" smtClean="0"/>
-              <a:t>1/27/20</a:t>
+              <a:t>2/2/20</a:t>
             </a:fld>
             <a:endParaRPr lang="en-US"/>
           </a:p>
@@ -4208,7 +4394,7 @@
           <a:p>
             <a:fld id="{AAC8E564-4E2A-8441-940F-9FCAA67208AC}" type="datetimeFigureOut">
               <a:rPr lang="en-US" smtClean="0"/>
-              <a:t>1/27/20</a:t>
+              <a:t>2/2/20</a:t>
             </a:fld>
             <a:endParaRPr lang="en-US"/>
           </a:p>
@@ -4465,7 +4651,7 @@
           <a:p>
             <a:fld id="{AAC8E564-4E2A-8441-940F-9FCAA67208AC}" type="datetimeFigureOut">
               <a:rPr lang="en-US" smtClean="0"/>
-              <a:t>1/27/20</a:t>
+              <a:t>2/2/20</a:t>
             </a:fld>
             <a:endParaRPr lang="en-US"/>
           </a:p>
@@ -4678,7 +4864,7 @@
           <a:p>
             <a:fld id="{AAC8E564-4E2A-8441-940F-9FCAA67208AC}" type="datetimeFigureOut">
               <a:rPr lang="en-US" smtClean="0"/>
-              <a:t>1/27/20</a:t>
+              <a:t>2/2/20</a:t>
             </a:fld>
             <a:endParaRPr lang="en-US"/>
           </a:p>
@@ -5307,6 +5493,1671 @@
 </file>
 
 <file path=ppt/slides/slide10.xml><?xml version="1.0" encoding="utf-8"?>
+<p:sld xmlns:a="http://schemas.openxmlformats.org/drawingml/2006/main" xmlns:r="http://schemas.openxmlformats.org/officeDocument/2006/relationships" xmlns:p="http://schemas.openxmlformats.org/presentationml/2006/main">
+  <p:cSld>
+    <p:spTree>
+      <p:nvGrpSpPr>
+        <p:cNvPr id="1" name=""/>
+        <p:cNvGrpSpPr/>
+        <p:nvPr/>
+      </p:nvGrpSpPr>
+      <p:grpSpPr>
+        <a:xfrm>
+          <a:off x="0" y="0"/>
+          <a:ext cx="0" cy="0"/>
+          <a:chOff x="0" y="0"/>
+          <a:chExt cx="0" cy="0"/>
+        </a:xfrm>
+      </p:grpSpPr>
+      <p:grpSp>
+        <p:nvGrpSpPr>
+          <p:cNvPr id="13" name="Group 12">
+            <a:extLst>
+              <a:ext uri="{FF2B5EF4-FFF2-40B4-BE49-F238E27FC236}">
+                <a16:creationId xmlns:a16="http://schemas.microsoft.com/office/drawing/2014/main" id="{3883966B-0741-6947-99CC-0C154D7E558B}"/>
+              </a:ext>
+            </a:extLst>
+          </p:cNvPr>
+          <p:cNvGrpSpPr>
+            <a:grpSpLocks noChangeAspect="1"/>
+          </p:cNvGrpSpPr>
+          <p:nvPr/>
+        </p:nvGrpSpPr>
+        <p:grpSpPr>
+          <a:xfrm>
+            <a:off x="1846537" y="1047115"/>
+            <a:ext cx="4321630" cy="4371097"/>
+            <a:chOff x="2048480" y="1342881"/>
+            <a:chExt cx="3805268" cy="3848825"/>
+          </a:xfrm>
+        </p:grpSpPr>
+        <p:pic>
+          <p:nvPicPr>
+            <p:cNvPr id="6" name="Picture 5">
+              <a:extLst>
+                <a:ext uri="{FF2B5EF4-FFF2-40B4-BE49-F238E27FC236}">
+                  <a16:creationId xmlns:a16="http://schemas.microsoft.com/office/drawing/2014/main" id="{4157B1F8-B54B-8445-95C0-82AC116A1C20}"/>
+                </a:ext>
+              </a:extLst>
+            </p:cNvPr>
+            <p:cNvPicPr>
+              <a:picLocks noChangeAspect="1"/>
+            </p:cNvPicPr>
+            <p:nvPr/>
+          </p:nvPicPr>
+          <p:blipFill>
+            <a:blip r:embed="rId3"/>
+            <a:stretch>
+              <a:fillRect/>
+            </a:stretch>
+          </p:blipFill>
+          <p:spPr>
+            <a:xfrm>
+              <a:off x="2350008" y="1370407"/>
+              <a:ext cx="3217985" cy="3657600"/>
+            </a:xfrm>
+            <a:prstGeom prst="rect">
+              <a:avLst/>
+            </a:prstGeom>
+          </p:spPr>
+        </p:pic>
+        <p:grpSp>
+          <p:nvGrpSpPr>
+            <p:cNvPr id="8" name="Group 7">
+              <a:extLst>
+                <a:ext uri="{FF2B5EF4-FFF2-40B4-BE49-F238E27FC236}">
+                  <a16:creationId xmlns:a16="http://schemas.microsoft.com/office/drawing/2014/main" id="{EDB93B79-28BE-5F45-BEA6-37B27ABDA814}"/>
+                </a:ext>
+              </a:extLst>
+            </p:cNvPr>
+            <p:cNvGrpSpPr/>
+            <p:nvPr/>
+          </p:nvGrpSpPr>
+          <p:grpSpPr>
+            <a:xfrm>
+              <a:off x="2048480" y="1342881"/>
+              <a:ext cx="3805268" cy="3848825"/>
+              <a:chOff x="2048832" y="1246060"/>
+              <a:chExt cx="3805268" cy="3848825"/>
+            </a:xfrm>
+          </p:grpSpPr>
+          <p:grpSp>
+            <p:nvGrpSpPr>
+              <p:cNvPr id="32" name="Group 31">
+                <a:extLst>
+                  <a:ext uri="{FF2B5EF4-FFF2-40B4-BE49-F238E27FC236}">
+                    <a16:creationId xmlns:a16="http://schemas.microsoft.com/office/drawing/2014/main" id="{A68FFD5D-1878-4043-B3D3-6F2FC94FFE78}"/>
+                  </a:ext>
+                </a:extLst>
+              </p:cNvPr>
+              <p:cNvGrpSpPr/>
+              <p:nvPr/>
+            </p:nvGrpSpPr>
+            <p:grpSpPr>
+              <a:xfrm>
+                <a:off x="2089291" y="1348411"/>
+                <a:ext cx="3764809" cy="3746474"/>
+                <a:chOff x="264809" y="-209761"/>
+                <a:chExt cx="6322016" cy="6291225"/>
+              </a:xfrm>
+            </p:grpSpPr>
+            <p:cxnSp>
+              <p:nvCxnSpPr>
+                <p:cNvPr id="38" name="Straight Arrow Connector 37">
+                  <a:extLst>
+                    <a:ext uri="{FF2B5EF4-FFF2-40B4-BE49-F238E27FC236}">
+                      <a16:creationId xmlns:a16="http://schemas.microsoft.com/office/drawing/2014/main" id="{A307D4E4-7D02-4047-8582-E3B4AB21BFB2}"/>
+                    </a:ext>
+                  </a:extLst>
+                </p:cNvPr>
+                <p:cNvCxnSpPr>
+                  <a:cxnSpLocks/>
+                </p:cNvCxnSpPr>
+                <p:nvPr/>
+              </p:nvCxnSpPr>
+              <p:spPr>
+                <a:xfrm>
+                  <a:off x="1311292" y="5683186"/>
+                  <a:ext cx="4983991" cy="0"/>
+                </a:xfrm>
+                <a:prstGeom prst="straightConnector1">
+                  <a:avLst/>
+                </a:prstGeom>
+                <a:ln w="50800">
+                  <a:solidFill>
+                    <a:srgbClr val="C00000"/>
+                  </a:solidFill>
+                  <a:tailEnd type="triangle"/>
+                </a:ln>
+              </p:spPr>
+              <p:style>
+                <a:lnRef idx="1">
+                  <a:schemeClr val="accent1"/>
+                </a:lnRef>
+                <a:fillRef idx="0">
+                  <a:schemeClr val="accent1"/>
+                </a:fillRef>
+                <a:effectRef idx="0">
+                  <a:schemeClr val="accent1"/>
+                </a:effectRef>
+                <a:fontRef idx="minor">
+                  <a:schemeClr val="tx1"/>
+                </a:fontRef>
+              </p:style>
+            </p:cxnSp>
+            <p:sp>
+              <p:nvSpPr>
+                <p:cNvPr id="39" name="TextBox 38">
+                  <a:extLst>
+                    <a:ext uri="{FF2B5EF4-FFF2-40B4-BE49-F238E27FC236}">
+                      <a16:creationId xmlns:a16="http://schemas.microsoft.com/office/drawing/2014/main" id="{7A891AFA-F877-6342-9C16-A81ED1CDEF25}"/>
+                    </a:ext>
+                  </a:extLst>
+                </p:cNvPr>
+                <p:cNvSpPr txBox="1"/>
+                <p:nvPr/>
+              </p:nvSpPr>
+              <p:spPr>
+                <a:xfrm>
+                  <a:off x="1079960" y="5694648"/>
+                  <a:ext cx="5506865" cy="386816"/>
+                </a:xfrm>
+                <a:prstGeom prst="rect">
+                  <a:avLst/>
+                </a:prstGeom>
+                <a:noFill/>
+              </p:spPr>
+              <p:txBody>
+                <a:bodyPr wrap="square" rtlCol="0">
+                  <a:spAutoFit/>
+                </a:bodyPr>
+                <a:lstStyle/>
+                <a:p>
+                  <a:pPr algn="ctr"/>
+                  <a:r>
+                    <a:rPr lang="en-US" sz="1100" dirty="0">
+                      <a:solidFill>
+                        <a:srgbClr val="C00000"/>
+                      </a:solidFill>
+                      <a:latin typeface="Helvetica Neue" panose="02000503000000020004" pitchFamily="2" charset="0"/>
+                      <a:ea typeface="Helvetica Neue" panose="02000503000000020004" pitchFamily="2" charset="0"/>
+                      <a:cs typeface="Helvetica Neue" panose="02000503000000020004" pitchFamily="2" charset="0"/>
+                    </a:rPr>
+                    <a:t>Individuals become less sensitive to stimuli</a:t>
+                  </a:r>
+                </a:p>
+              </p:txBody>
+            </p:sp>
+            <p:cxnSp>
+              <p:nvCxnSpPr>
+                <p:cNvPr id="40" name="Straight Arrow Connector 39">
+                  <a:extLst>
+                    <a:ext uri="{FF2B5EF4-FFF2-40B4-BE49-F238E27FC236}">
+                      <a16:creationId xmlns:a16="http://schemas.microsoft.com/office/drawing/2014/main" id="{85D1266F-19AC-0241-AAF6-57849EF30018}"/>
+                    </a:ext>
+                  </a:extLst>
+                </p:cNvPr>
+                <p:cNvCxnSpPr>
+                  <a:cxnSpLocks/>
+                </p:cNvCxnSpPr>
+                <p:nvPr/>
+              </p:nvCxnSpPr>
+              <p:spPr>
+                <a:xfrm flipV="1">
+                  <a:off x="721538" y="440001"/>
+                  <a:ext cx="0" cy="4746856"/>
+                </a:xfrm>
+                <a:prstGeom prst="straightConnector1">
+                  <a:avLst/>
+                </a:prstGeom>
+                <a:ln w="50800">
+                  <a:solidFill>
+                    <a:srgbClr val="C00000"/>
+                  </a:solidFill>
+                  <a:tailEnd type="triangle"/>
+                </a:ln>
+              </p:spPr>
+              <p:style>
+                <a:lnRef idx="1">
+                  <a:schemeClr val="accent1"/>
+                </a:lnRef>
+                <a:fillRef idx="0">
+                  <a:schemeClr val="accent1"/>
+                </a:fillRef>
+                <a:effectRef idx="0">
+                  <a:schemeClr val="accent1"/>
+                </a:effectRef>
+                <a:fontRef idx="minor">
+                  <a:schemeClr val="tx1"/>
+                </a:fontRef>
+              </p:style>
+            </p:cxnSp>
+            <p:sp>
+              <p:nvSpPr>
+                <p:cNvPr id="41" name="TextBox 40">
+                  <a:extLst>
+                    <a:ext uri="{FF2B5EF4-FFF2-40B4-BE49-F238E27FC236}">
+                      <a16:creationId xmlns:a16="http://schemas.microsoft.com/office/drawing/2014/main" id="{4D2E4A4A-C872-794A-8C39-528400D778A1}"/>
+                    </a:ext>
+                  </a:extLst>
+                </p:cNvPr>
+                <p:cNvSpPr txBox="1"/>
+                <p:nvPr/>
+              </p:nvSpPr>
+              <p:spPr>
+                <a:xfrm rot="16200000">
+                  <a:off x="-2604958" y="2660006"/>
+                  <a:ext cx="6126350" cy="386816"/>
+                </a:xfrm>
+                <a:prstGeom prst="rect">
+                  <a:avLst/>
+                </a:prstGeom>
+                <a:noFill/>
+              </p:spPr>
+              <p:txBody>
+                <a:bodyPr wrap="square" rtlCol="0">
+                  <a:spAutoFit/>
+                </a:bodyPr>
+                <a:lstStyle/>
+                <a:p>
+                  <a:pPr algn="ctr"/>
+                  <a:r>
+                    <a:rPr lang="en-US" sz="1100" dirty="0">
+                      <a:solidFill>
+                        <a:srgbClr val="C00000"/>
+                      </a:solidFill>
+                      <a:latin typeface="Helvetica Neue" panose="02000503000000020004" pitchFamily="2" charset="0"/>
+                      <a:ea typeface="Helvetica Neue" panose="02000503000000020004" pitchFamily="2" charset="0"/>
+                      <a:cs typeface="Helvetica Neue" panose="02000503000000020004" pitchFamily="2" charset="0"/>
+                    </a:rPr>
+                    <a:t>Individuals become more efficient</a:t>
+                  </a:r>
+                </a:p>
+              </p:txBody>
+            </p:sp>
+            <p:sp>
+              <p:nvSpPr>
+                <p:cNvPr id="42" name="TextBox 41">
+                  <a:extLst>
+                    <a:ext uri="{FF2B5EF4-FFF2-40B4-BE49-F238E27FC236}">
+                      <a16:creationId xmlns:a16="http://schemas.microsoft.com/office/drawing/2014/main" id="{6308A167-A527-214B-9F7E-05AF52A19B71}"/>
+                    </a:ext>
+                  </a:extLst>
+                </p:cNvPr>
+                <p:cNvSpPr txBox="1"/>
+                <p:nvPr/>
+              </p:nvSpPr>
+              <p:spPr>
+                <a:xfrm>
+                  <a:off x="2575273" y="3959680"/>
+                  <a:ext cx="1569713" cy="387622"/>
+                </a:xfrm>
+                <a:prstGeom prst="rect">
+                  <a:avLst/>
+                </a:prstGeom>
+                <a:noFill/>
+              </p:spPr>
+              <p:txBody>
+                <a:bodyPr wrap="square" rtlCol="0">
+                  <a:spAutoFit/>
+                </a:bodyPr>
+                <a:lstStyle/>
+                <a:p>
+                  <a:pPr algn="ctr"/>
+                  <a:r>
+                    <a:rPr lang="en-US" sz="1100" b="1" dirty="0">
+                      <a:ln w="127">
+                        <a:noFill/>
+                      </a:ln>
+                      <a:solidFill>
+                        <a:srgbClr val="2B4B9B"/>
+                      </a:solidFill>
+                      <a:latin typeface="Helvetica Neue" panose="02000503000000020004" pitchFamily="2" charset="0"/>
+                      <a:ea typeface="Helvetica Neue" panose="02000503000000020004" pitchFamily="2" charset="0"/>
+                      <a:cs typeface="Helvetica Neue" panose="02000503000000020004" pitchFamily="2" charset="0"/>
+                    </a:rPr>
+                    <a:t>Y</a:t>
+                  </a:r>
+                </a:p>
+              </p:txBody>
+            </p:sp>
+          </p:grpSp>
+          <p:sp>
+            <p:nvSpPr>
+              <p:cNvPr id="14" name="TextBox 13">
+                <a:extLst>
+                  <a:ext uri="{FF2B5EF4-FFF2-40B4-BE49-F238E27FC236}">
+                    <a16:creationId xmlns:a16="http://schemas.microsoft.com/office/drawing/2014/main" id="{FA8196DD-48D5-9049-896A-63BB364405C1}"/>
+                  </a:ext>
+                </a:extLst>
+              </p:cNvPr>
+              <p:cNvSpPr txBox="1"/>
+              <p:nvPr/>
+            </p:nvSpPr>
+            <p:spPr>
+              <a:xfrm flipH="1">
+                <a:off x="2048832" y="1246060"/>
+                <a:ext cx="301752" cy="307777"/>
+              </a:xfrm>
+              <a:prstGeom prst="rect">
+                <a:avLst/>
+              </a:prstGeom>
+              <a:noFill/>
+            </p:spPr>
+            <p:txBody>
+              <a:bodyPr wrap="square" rtlCol="0">
+                <a:spAutoFit/>
+              </a:bodyPr>
+              <a:lstStyle/>
+              <a:p>
+                <a:pPr algn="ctr"/>
+                <a:r>
+                  <a:rPr lang="en-US" sz="1400" b="1" dirty="0">
+                    <a:latin typeface="Helvetica Neue" panose="02000503000000020004" pitchFamily="2" charset="0"/>
+                    <a:ea typeface="Helvetica Neue" panose="02000503000000020004" pitchFamily="2" charset="0"/>
+                    <a:cs typeface="Helvetica Neue" panose="02000503000000020004" pitchFamily="2" charset="0"/>
+                  </a:rPr>
+                  <a:t>e</a:t>
+                </a:r>
+              </a:p>
+            </p:txBody>
+          </p:sp>
+        </p:grpSp>
+      </p:grpSp>
+      <p:sp>
+        <p:nvSpPr>
+          <p:cNvPr id="53" name="Arc 52">
+            <a:extLst>
+              <a:ext uri="{FF2B5EF4-FFF2-40B4-BE49-F238E27FC236}">
+                <a16:creationId xmlns:a16="http://schemas.microsoft.com/office/drawing/2014/main" id="{96BD8594-B12F-0B4E-80D0-4C225EE50BD6}"/>
+              </a:ext>
+            </a:extLst>
+          </p:cNvPr>
+          <p:cNvSpPr/>
+          <p:nvPr/>
+        </p:nvSpPr>
+        <p:spPr>
+          <a:xfrm rot="15955859" flipH="1" flipV="1">
+            <a:off x="-37102" y="1622723"/>
+            <a:ext cx="2825642" cy="4211975"/>
+          </a:xfrm>
+          <a:prstGeom prst="arc">
+            <a:avLst>
+              <a:gd name="adj1" fmla="val 17788881"/>
+              <a:gd name="adj2" fmla="val 20659825"/>
+            </a:avLst>
+          </a:prstGeom>
+          <a:ln w="12700">
+            <a:solidFill>
+              <a:schemeClr val="bg2">
+                <a:lumMod val="50000"/>
+              </a:schemeClr>
+            </a:solidFill>
+            <a:headEnd type="triangle"/>
+            <a:tailEnd w="lg" len="med"/>
+          </a:ln>
+        </p:spPr>
+        <p:style>
+          <a:lnRef idx="1">
+            <a:schemeClr val="accent1"/>
+          </a:lnRef>
+          <a:fillRef idx="0">
+            <a:schemeClr val="accent1"/>
+          </a:fillRef>
+          <a:effectRef idx="0">
+            <a:schemeClr val="accent1"/>
+          </a:effectRef>
+          <a:fontRef idx="minor">
+            <a:schemeClr val="tx1"/>
+          </a:fontRef>
+        </p:style>
+        <p:txBody>
+          <a:bodyPr rtlCol="0" anchor="ctr"/>
+          <a:lstStyle/>
+          <a:p>
+            <a:pPr algn="ctr"/>
+            <a:endParaRPr lang="en-US"/>
+          </a:p>
+        </p:txBody>
+      </p:sp>
+      <p:sp>
+        <p:nvSpPr>
+          <p:cNvPr id="54" name="Arc 53">
+            <a:extLst>
+              <a:ext uri="{FF2B5EF4-FFF2-40B4-BE49-F238E27FC236}">
+                <a16:creationId xmlns:a16="http://schemas.microsoft.com/office/drawing/2014/main" id="{36C3A527-0618-F84D-BFDC-2B5F3569FFF1}"/>
+              </a:ext>
+            </a:extLst>
+          </p:cNvPr>
+          <p:cNvSpPr/>
+          <p:nvPr/>
+        </p:nvSpPr>
+        <p:spPr>
+          <a:xfrm rot="15881810" flipV="1">
+            <a:off x="4431825" y="3101839"/>
+            <a:ext cx="2134655" cy="2961494"/>
+          </a:xfrm>
+          <a:prstGeom prst="arc">
+            <a:avLst>
+              <a:gd name="adj1" fmla="val 17120637"/>
+              <a:gd name="adj2" fmla="val 20983432"/>
+            </a:avLst>
+          </a:prstGeom>
+          <a:ln w="12700">
+            <a:solidFill>
+              <a:schemeClr val="bg2">
+                <a:lumMod val="50000"/>
+              </a:schemeClr>
+            </a:solidFill>
+            <a:tailEnd type="triangle"/>
+          </a:ln>
+        </p:spPr>
+        <p:style>
+          <a:lnRef idx="1">
+            <a:schemeClr val="accent1"/>
+          </a:lnRef>
+          <a:fillRef idx="0">
+            <a:schemeClr val="accent1"/>
+          </a:fillRef>
+          <a:effectRef idx="0">
+            <a:schemeClr val="accent1"/>
+          </a:effectRef>
+          <a:fontRef idx="minor">
+            <a:schemeClr val="tx1"/>
+          </a:fontRef>
+        </p:style>
+        <p:txBody>
+          <a:bodyPr rtlCol="0" anchor="ctr"/>
+          <a:lstStyle/>
+          <a:p>
+            <a:pPr algn="ctr"/>
+            <a:endParaRPr lang="en-US"/>
+          </a:p>
+        </p:txBody>
+      </p:sp>
+      <p:sp>
+        <p:nvSpPr>
+          <p:cNvPr id="44" name="TextBox 43">
+            <a:extLst>
+              <a:ext uri="{FF2B5EF4-FFF2-40B4-BE49-F238E27FC236}">
+                <a16:creationId xmlns:a16="http://schemas.microsoft.com/office/drawing/2014/main" id="{54A2134B-5A13-4C49-B96B-9FA335A22955}"/>
+              </a:ext>
+            </a:extLst>
+          </p:cNvPr>
+          <p:cNvSpPr txBox="1"/>
+          <p:nvPr/>
+        </p:nvSpPr>
+        <p:spPr>
+          <a:xfrm>
+            <a:off x="3477128" y="2205433"/>
+            <a:ext cx="1025694" cy="246221"/>
+          </a:xfrm>
+          <a:prstGeom prst="rect">
+            <a:avLst/>
+          </a:prstGeom>
+          <a:noFill/>
+          <a:ln w="3175">
+            <a:noFill/>
+          </a:ln>
+        </p:spPr>
+        <p:txBody>
+          <a:bodyPr wrap="square" rtlCol="0">
+            <a:spAutoFit/>
+          </a:bodyPr>
+          <a:lstStyle/>
+          <a:p>
+            <a:pPr algn="ctr"/>
+            <a:r>
+              <a:rPr lang="en-US" sz="1000" b="1" dirty="0">
+                <a:ln w="127">
+                  <a:solidFill>
+                    <a:schemeClr val="bg1">
+                      <a:alpha val="5000"/>
+                    </a:schemeClr>
+                  </a:solidFill>
+                </a:ln>
+                <a:solidFill>
+                  <a:srgbClr val="E52521"/>
+                </a:solidFill>
+                <a:latin typeface="Helvetica Neue" panose="02000503000000020004" pitchFamily="2" charset="0"/>
+                <a:ea typeface="Helvetica Neue" panose="02000503000000020004" pitchFamily="2" charset="0"/>
+                <a:cs typeface="Helvetica Neue" panose="02000503000000020004" pitchFamily="2" charset="0"/>
+              </a:rPr>
+              <a:t>X</a:t>
+            </a:r>
+            <a:r>
+              <a:rPr lang="en-US" sz="1000" b="1" baseline="-25000" dirty="0">
+                <a:ln w="127">
+                  <a:solidFill>
+                    <a:schemeClr val="bg1">
+                      <a:alpha val="5000"/>
+                    </a:schemeClr>
+                  </a:solidFill>
+                </a:ln>
+                <a:solidFill>
+                  <a:srgbClr val="E52521"/>
+                </a:solidFill>
+                <a:latin typeface="Helvetica Neue" panose="02000503000000020004" pitchFamily="2" charset="0"/>
+                <a:ea typeface="Helvetica Neue" panose="02000503000000020004" pitchFamily="2" charset="0"/>
+                <a:cs typeface="Helvetica Neue" panose="02000503000000020004" pitchFamily="2" charset="0"/>
+              </a:rPr>
+              <a:t>1</a:t>
+            </a:r>
+          </a:p>
+        </p:txBody>
+      </p:sp>
+      <p:grpSp>
+        <p:nvGrpSpPr>
+          <p:cNvPr id="9" name="Group 8">
+            <a:extLst>
+              <a:ext uri="{FF2B5EF4-FFF2-40B4-BE49-F238E27FC236}">
+                <a16:creationId xmlns:a16="http://schemas.microsoft.com/office/drawing/2014/main" id="{67E20346-F27F-7346-9AEF-FE58A60A74AD}"/>
+              </a:ext>
+            </a:extLst>
+          </p:cNvPr>
+          <p:cNvGrpSpPr>
+            <a:grpSpLocks noChangeAspect="1"/>
+          </p:cNvGrpSpPr>
+          <p:nvPr/>
+        </p:nvGrpSpPr>
+        <p:grpSpPr>
+          <a:xfrm>
+            <a:off x="84613" y="342440"/>
+            <a:ext cx="1773071" cy="2194560"/>
+            <a:chOff x="84613" y="342441"/>
+            <a:chExt cx="1920240" cy="2376713"/>
+          </a:xfrm>
+        </p:grpSpPr>
+        <p:pic>
+          <p:nvPicPr>
+            <p:cNvPr id="46" name="Picture 45">
+              <a:extLst>
+                <a:ext uri="{FF2B5EF4-FFF2-40B4-BE49-F238E27FC236}">
+                  <a16:creationId xmlns:a16="http://schemas.microsoft.com/office/drawing/2014/main" id="{02918E79-BF84-2647-9C9E-255736589EDC}"/>
+                </a:ext>
+              </a:extLst>
+            </p:cNvPr>
+            <p:cNvPicPr>
+              <a:picLocks noChangeAspect="1"/>
+            </p:cNvPicPr>
+            <p:nvPr/>
+          </p:nvPicPr>
+          <p:blipFill>
+            <a:blip r:embed="rId4"/>
+            <a:stretch>
+              <a:fillRect/>
+            </a:stretch>
+          </p:blipFill>
+          <p:spPr>
+            <a:xfrm>
+              <a:off x="106130" y="566928"/>
+              <a:ext cx="1874519" cy="2152226"/>
+            </a:xfrm>
+            <a:prstGeom prst="rect">
+              <a:avLst/>
+            </a:prstGeom>
+          </p:spPr>
+        </p:pic>
+        <p:sp>
+          <p:nvSpPr>
+            <p:cNvPr id="16" name="TextBox 15">
+              <a:extLst>
+                <a:ext uri="{FF2B5EF4-FFF2-40B4-BE49-F238E27FC236}">
+                  <a16:creationId xmlns:a16="http://schemas.microsoft.com/office/drawing/2014/main" id="{0B8EA217-6F2C-0943-8D48-F70EC12EC200}"/>
+                </a:ext>
+              </a:extLst>
+            </p:cNvPr>
+            <p:cNvSpPr txBox="1"/>
+            <p:nvPr/>
+          </p:nvSpPr>
+          <p:spPr>
+            <a:xfrm>
+              <a:off x="94486" y="352730"/>
+              <a:ext cx="300582" cy="301752"/>
+            </a:xfrm>
+            <a:prstGeom prst="rect">
+              <a:avLst/>
+            </a:prstGeom>
+            <a:noFill/>
+          </p:spPr>
+          <p:txBody>
+            <a:bodyPr wrap="square" rtlCol="0">
+              <a:spAutoFit/>
+            </a:bodyPr>
+            <a:lstStyle/>
+            <a:p>
+              <a:pPr algn="ctr"/>
+              <a:r>
+                <a:rPr lang="en-US" sz="1400" b="1" dirty="0">
+                  <a:latin typeface="Helvetica Neue" panose="02000503000000020004" pitchFamily="2" charset="0"/>
+                  <a:ea typeface="Helvetica Neue" panose="02000503000000020004" pitchFamily="2" charset="0"/>
+                  <a:cs typeface="Helvetica Neue" panose="02000503000000020004" pitchFamily="2" charset="0"/>
+                </a:rPr>
+                <a:t>a</a:t>
+              </a:r>
+            </a:p>
+          </p:txBody>
+        </p:sp>
+        <p:sp>
+          <p:nvSpPr>
+            <p:cNvPr id="56" name="TextBox 55">
+              <a:extLst>
+                <a:ext uri="{FF2B5EF4-FFF2-40B4-BE49-F238E27FC236}">
+                  <a16:creationId xmlns:a16="http://schemas.microsoft.com/office/drawing/2014/main" id="{53F4DC70-1EA9-4149-AFF0-F773D783C706}"/>
+                </a:ext>
+              </a:extLst>
+            </p:cNvPr>
+            <p:cNvSpPr txBox="1"/>
+            <p:nvPr/>
+          </p:nvSpPr>
+          <p:spPr>
+            <a:xfrm>
+              <a:off x="359652" y="389894"/>
+              <a:ext cx="1627632" cy="261610"/>
+            </a:xfrm>
+            <a:prstGeom prst="rect">
+              <a:avLst/>
+            </a:prstGeom>
+            <a:noFill/>
+          </p:spPr>
+          <p:txBody>
+            <a:bodyPr wrap="square" rtlCol="0">
+              <a:spAutoFit/>
+            </a:bodyPr>
+            <a:lstStyle/>
+            <a:p>
+              <a:pPr algn="ctr"/>
+              <a:r>
+                <a:rPr lang="en-US" sz="1100" i="1" dirty="0">
+                  <a:latin typeface="Arial" panose="020B0604020202020204" pitchFamily="34" charset="0"/>
+                  <a:ea typeface="Helvetica Neue" panose="02000503000000020004" pitchFamily="2" charset="0"/>
+                  <a:cs typeface="Arial" panose="020B0604020202020204" pitchFamily="34" charset="0"/>
+                </a:rPr>
+                <a:t>Downward contagion</a:t>
+              </a:r>
+            </a:p>
+          </p:txBody>
+        </p:sp>
+        <p:sp>
+          <p:nvSpPr>
+            <p:cNvPr id="21" name="TextBox 20">
+              <a:extLst>
+                <a:ext uri="{FF2B5EF4-FFF2-40B4-BE49-F238E27FC236}">
+                  <a16:creationId xmlns:a16="http://schemas.microsoft.com/office/drawing/2014/main" id="{F8E7F266-7467-FE46-9469-D94B82C96E1B}"/>
+                </a:ext>
+              </a:extLst>
+            </p:cNvPr>
+            <p:cNvSpPr txBox="1"/>
+            <p:nvPr/>
+          </p:nvSpPr>
+          <p:spPr>
+            <a:xfrm>
+              <a:off x="1212182" y="730206"/>
+              <a:ext cx="717463" cy="276999"/>
+            </a:xfrm>
+            <a:prstGeom prst="rect">
+              <a:avLst/>
+            </a:prstGeom>
+            <a:noFill/>
+            <a:ln>
+              <a:solidFill>
+                <a:schemeClr val="tx1"/>
+              </a:solidFill>
+            </a:ln>
+          </p:spPr>
+          <p:txBody>
+            <a:bodyPr wrap="square" rtlCol="0">
+              <a:spAutoFit/>
+            </a:bodyPr>
+            <a:lstStyle/>
+            <a:p>
+              <a:pPr algn="ctr"/>
+              <a:r>
+                <a:rPr lang="en-US" sz="1200" dirty="0">
+                  <a:latin typeface="Helvetica" pitchFamily="2" charset="0"/>
+                  <a:cs typeface="Arial" panose="020B0604020202020204" pitchFamily="34" charset="0"/>
+                </a:rPr>
+                <a:t>𝛿 = 0.6</a:t>
+              </a:r>
+            </a:p>
+          </p:txBody>
+        </p:sp>
+        <p:sp>
+          <p:nvSpPr>
+            <p:cNvPr id="51" name="Rectangle 50">
+              <a:extLst>
+                <a:ext uri="{FF2B5EF4-FFF2-40B4-BE49-F238E27FC236}">
+                  <a16:creationId xmlns:a16="http://schemas.microsoft.com/office/drawing/2014/main" id="{1EED65E2-CAC8-D44A-B9C1-7B997B275260}"/>
+                </a:ext>
+              </a:extLst>
+            </p:cNvPr>
+            <p:cNvSpPr/>
+            <p:nvPr/>
+          </p:nvSpPr>
+          <p:spPr>
+            <a:xfrm>
+              <a:off x="84613" y="342441"/>
+              <a:ext cx="1920240" cy="2286000"/>
+            </a:xfrm>
+            <a:prstGeom prst="rect">
+              <a:avLst/>
+            </a:prstGeom>
+            <a:noFill/>
+            <a:ln w="12700">
+              <a:solidFill>
+                <a:schemeClr val="bg2">
+                  <a:lumMod val="50000"/>
+                </a:schemeClr>
+              </a:solidFill>
+            </a:ln>
+          </p:spPr>
+          <p:style>
+            <a:lnRef idx="2">
+              <a:schemeClr val="accent1">
+                <a:shade val="50000"/>
+              </a:schemeClr>
+            </a:lnRef>
+            <a:fillRef idx="1">
+              <a:schemeClr val="accent1"/>
+            </a:fillRef>
+            <a:effectRef idx="0">
+              <a:schemeClr val="accent1"/>
+            </a:effectRef>
+            <a:fontRef idx="minor">
+              <a:schemeClr val="lt1"/>
+            </a:fontRef>
+          </p:style>
+          <p:txBody>
+            <a:bodyPr rtlCol="0" anchor="ctr"/>
+            <a:lstStyle/>
+            <a:p>
+              <a:pPr algn="ctr"/>
+              <a:endParaRPr lang="en-US" dirty="0"/>
+            </a:p>
+          </p:txBody>
+        </p:sp>
+      </p:grpSp>
+      <p:grpSp>
+        <p:nvGrpSpPr>
+          <p:cNvPr id="10" name="Group 9">
+            <a:extLst>
+              <a:ext uri="{FF2B5EF4-FFF2-40B4-BE49-F238E27FC236}">
+                <a16:creationId xmlns:a16="http://schemas.microsoft.com/office/drawing/2014/main" id="{89BE3E49-F705-8A46-BC54-722E9CA8F736}"/>
+              </a:ext>
+            </a:extLst>
+          </p:cNvPr>
+          <p:cNvGrpSpPr>
+            <a:grpSpLocks noChangeAspect="1"/>
+          </p:cNvGrpSpPr>
+          <p:nvPr/>
+        </p:nvGrpSpPr>
+        <p:grpSpPr>
+          <a:xfrm>
+            <a:off x="89363" y="4077296"/>
+            <a:ext cx="1773097" cy="2185416"/>
+            <a:chOff x="97605" y="3844620"/>
+            <a:chExt cx="1920240" cy="2366776"/>
+          </a:xfrm>
+        </p:grpSpPr>
+        <p:pic>
+          <p:nvPicPr>
+            <p:cNvPr id="3" name="Picture 2">
+              <a:extLst>
+                <a:ext uri="{FF2B5EF4-FFF2-40B4-BE49-F238E27FC236}">
+                  <a16:creationId xmlns:a16="http://schemas.microsoft.com/office/drawing/2014/main" id="{8E2C4C10-D61D-7A48-8089-06C4656570DE}"/>
+                </a:ext>
+              </a:extLst>
+            </p:cNvPr>
+            <p:cNvPicPr>
+              <a:picLocks noChangeAspect="1"/>
+            </p:cNvPicPr>
+            <p:nvPr/>
+          </p:nvPicPr>
+          <p:blipFill>
+            <a:blip r:embed="rId5"/>
+            <a:stretch>
+              <a:fillRect/>
+            </a:stretch>
+          </p:blipFill>
+          <p:spPr>
+            <a:xfrm>
+              <a:off x="106130" y="4059169"/>
+              <a:ext cx="1874520" cy="2152227"/>
+            </a:xfrm>
+            <a:prstGeom prst="rect">
+              <a:avLst/>
+            </a:prstGeom>
+          </p:spPr>
+        </p:pic>
+        <p:sp>
+          <p:nvSpPr>
+            <p:cNvPr id="18" name="TextBox 17">
+              <a:extLst>
+                <a:ext uri="{FF2B5EF4-FFF2-40B4-BE49-F238E27FC236}">
+                  <a16:creationId xmlns:a16="http://schemas.microsoft.com/office/drawing/2014/main" id="{46BBEC22-8FD3-4646-AE1A-C6C1C5D5E1E6}"/>
+                </a:ext>
+              </a:extLst>
+            </p:cNvPr>
+            <p:cNvSpPr txBox="1"/>
+            <p:nvPr/>
+          </p:nvSpPr>
+          <p:spPr>
+            <a:xfrm>
+              <a:off x="103616" y="3844620"/>
+              <a:ext cx="301752" cy="307777"/>
+            </a:xfrm>
+            <a:prstGeom prst="rect">
+              <a:avLst/>
+            </a:prstGeom>
+            <a:noFill/>
+          </p:spPr>
+          <p:txBody>
+            <a:bodyPr vert="horz" wrap="square" rtlCol="0" anchor="t" anchorCtr="0">
+              <a:spAutoFit/>
+            </a:bodyPr>
+            <a:lstStyle/>
+            <a:p>
+              <a:pPr algn="ctr"/>
+              <a:r>
+                <a:rPr lang="en-US" sz="1400" b="1" dirty="0">
+                  <a:latin typeface="Helvetica Neue" panose="02000503000000020004" pitchFamily="2" charset="0"/>
+                  <a:ea typeface="Helvetica Neue" panose="02000503000000020004" pitchFamily="2" charset="0"/>
+                  <a:cs typeface="Helvetica Neue" panose="02000503000000020004" pitchFamily="2" charset="0"/>
+                </a:rPr>
+                <a:t>c</a:t>
+              </a:r>
+            </a:p>
+          </p:txBody>
+        </p:sp>
+        <p:sp>
+          <p:nvSpPr>
+            <p:cNvPr id="58" name="TextBox 57">
+              <a:extLst>
+                <a:ext uri="{FF2B5EF4-FFF2-40B4-BE49-F238E27FC236}">
+                  <a16:creationId xmlns:a16="http://schemas.microsoft.com/office/drawing/2014/main" id="{B8B22680-8FCF-564A-A59A-6339D506D934}"/>
+                </a:ext>
+              </a:extLst>
+            </p:cNvPr>
+            <p:cNvSpPr txBox="1"/>
+            <p:nvPr/>
+          </p:nvSpPr>
+          <p:spPr>
+            <a:xfrm>
+              <a:off x="393356" y="3884814"/>
+              <a:ext cx="1624489" cy="261610"/>
+            </a:xfrm>
+            <a:prstGeom prst="rect">
+              <a:avLst/>
+            </a:prstGeom>
+            <a:noFill/>
+          </p:spPr>
+          <p:txBody>
+            <a:bodyPr wrap="square" rtlCol="0">
+              <a:spAutoFit/>
+            </a:bodyPr>
+            <a:lstStyle>
+              <a:defPPr>
+                <a:defRPr lang="en-US"/>
+              </a:defPPr>
+              <a:lvl1pPr algn="r">
+                <a:defRPr sz="1100" i="1">
+                  <a:solidFill>
+                    <a:srgbClr val="8FB132"/>
+                  </a:solidFill>
+                  <a:latin typeface="Arial" panose="020B0604020202020204" pitchFamily="34" charset="0"/>
+                  <a:ea typeface="Helvetica Neue" panose="02000503000000020004" pitchFamily="2" charset="0"/>
+                  <a:cs typeface="Arial" panose="020B0604020202020204" pitchFamily="34" charset="0"/>
+                </a:defRPr>
+              </a:lvl1pPr>
+            </a:lstStyle>
+            <a:p>
+              <a:pPr algn="ctr"/>
+              <a:r>
+                <a:rPr lang="en-US" dirty="0">
+                  <a:solidFill>
+                    <a:schemeClr val="tx1"/>
+                  </a:solidFill>
+                </a:rPr>
+                <a:t>No effect</a:t>
+              </a:r>
+            </a:p>
+          </p:txBody>
+        </p:sp>
+        <p:sp>
+          <p:nvSpPr>
+            <p:cNvPr id="60" name="Rectangle 59">
+              <a:extLst>
+                <a:ext uri="{FF2B5EF4-FFF2-40B4-BE49-F238E27FC236}">
+                  <a16:creationId xmlns:a16="http://schemas.microsoft.com/office/drawing/2014/main" id="{F68E48F6-57D3-DB42-ADBB-6699B2CD20E5}"/>
+                </a:ext>
+              </a:extLst>
+            </p:cNvPr>
+            <p:cNvSpPr/>
+            <p:nvPr/>
+          </p:nvSpPr>
+          <p:spPr>
+            <a:xfrm>
+              <a:off x="97605" y="3844620"/>
+              <a:ext cx="1920240" cy="2286000"/>
+            </a:xfrm>
+            <a:prstGeom prst="rect">
+              <a:avLst/>
+            </a:prstGeom>
+            <a:noFill/>
+            <a:ln w="12700">
+              <a:solidFill>
+                <a:schemeClr val="bg2">
+                  <a:lumMod val="50000"/>
+                </a:schemeClr>
+              </a:solidFill>
+            </a:ln>
+          </p:spPr>
+          <p:style>
+            <a:lnRef idx="2">
+              <a:schemeClr val="accent1">
+                <a:shade val="50000"/>
+              </a:schemeClr>
+            </a:lnRef>
+            <a:fillRef idx="1">
+              <a:schemeClr val="accent1"/>
+            </a:fillRef>
+            <a:effectRef idx="0">
+              <a:schemeClr val="accent1"/>
+            </a:effectRef>
+            <a:fontRef idx="minor">
+              <a:schemeClr val="lt1"/>
+            </a:fontRef>
+          </p:style>
+          <p:txBody>
+            <a:bodyPr rtlCol="0" anchor="ctr"/>
+            <a:lstStyle/>
+            <a:p>
+              <a:pPr algn="ctr"/>
+              <a:endParaRPr lang="en-US" dirty="0"/>
+            </a:p>
+          </p:txBody>
+        </p:sp>
+      </p:grpSp>
+      <p:grpSp>
+        <p:nvGrpSpPr>
+          <p:cNvPr id="12" name="Group 11">
+            <a:extLst>
+              <a:ext uri="{FF2B5EF4-FFF2-40B4-BE49-F238E27FC236}">
+                <a16:creationId xmlns:a16="http://schemas.microsoft.com/office/drawing/2014/main" id="{EB1543BF-7392-7448-8498-567045AD0531}"/>
+              </a:ext>
+            </a:extLst>
+          </p:cNvPr>
+          <p:cNvGrpSpPr>
+            <a:grpSpLocks noChangeAspect="1"/>
+          </p:cNvGrpSpPr>
+          <p:nvPr/>
+        </p:nvGrpSpPr>
+        <p:grpSpPr>
+          <a:xfrm>
+            <a:off x="6042426" y="4077296"/>
+            <a:ext cx="1773098" cy="2185416"/>
+            <a:chOff x="5908387" y="3844620"/>
+            <a:chExt cx="1920240" cy="2366775"/>
+          </a:xfrm>
+        </p:grpSpPr>
+        <p:pic>
+          <p:nvPicPr>
+            <p:cNvPr id="48" name="Picture 47">
+              <a:extLst>
+                <a:ext uri="{FF2B5EF4-FFF2-40B4-BE49-F238E27FC236}">
+                  <a16:creationId xmlns:a16="http://schemas.microsoft.com/office/drawing/2014/main" id="{38A194D1-E0C9-094C-B83D-BE40418D6523}"/>
+                </a:ext>
+              </a:extLst>
+            </p:cNvPr>
+            <p:cNvPicPr>
+              <a:picLocks noChangeAspect="1"/>
+            </p:cNvPicPr>
+            <p:nvPr/>
+          </p:nvPicPr>
+          <p:blipFill>
+            <a:blip r:embed="rId6"/>
+            <a:stretch>
+              <a:fillRect/>
+            </a:stretch>
+          </p:blipFill>
+          <p:spPr>
+            <a:xfrm>
+              <a:off x="5933133" y="4059169"/>
+              <a:ext cx="1874519" cy="2152226"/>
+            </a:xfrm>
+            <a:prstGeom prst="rect">
+              <a:avLst/>
+            </a:prstGeom>
+          </p:spPr>
+        </p:pic>
+        <p:sp>
+          <p:nvSpPr>
+            <p:cNvPr id="20" name="TextBox 19">
+              <a:extLst>
+                <a:ext uri="{FF2B5EF4-FFF2-40B4-BE49-F238E27FC236}">
+                  <a16:creationId xmlns:a16="http://schemas.microsoft.com/office/drawing/2014/main" id="{E8C86BD2-9FE9-8C4D-A835-2EAAEE829653}"/>
+                </a:ext>
+              </a:extLst>
+            </p:cNvPr>
+            <p:cNvSpPr txBox="1"/>
+            <p:nvPr/>
+          </p:nvSpPr>
+          <p:spPr>
+            <a:xfrm>
+              <a:off x="5917309" y="3844620"/>
+              <a:ext cx="301752" cy="307777"/>
+            </a:xfrm>
+            <a:prstGeom prst="rect">
+              <a:avLst/>
+            </a:prstGeom>
+            <a:noFill/>
+            <a:ln>
+              <a:noFill/>
+            </a:ln>
+          </p:spPr>
+          <p:txBody>
+            <a:bodyPr wrap="square" rtlCol="0">
+              <a:spAutoFit/>
+            </a:bodyPr>
+            <a:lstStyle/>
+            <a:p>
+              <a:pPr algn="ctr"/>
+              <a:r>
+                <a:rPr lang="en-US" sz="1400" b="1" dirty="0">
+                  <a:latin typeface="Helvetica Neue" panose="02000503000000020004" pitchFamily="2" charset="0"/>
+                  <a:ea typeface="Helvetica Neue" panose="02000503000000020004" pitchFamily="2" charset="0"/>
+                  <a:cs typeface="Helvetica Neue" panose="02000503000000020004" pitchFamily="2" charset="0"/>
+                </a:rPr>
+                <a:t>d</a:t>
+              </a:r>
+            </a:p>
+          </p:txBody>
+        </p:sp>
+        <p:sp>
+          <p:nvSpPr>
+            <p:cNvPr id="57" name="TextBox 56">
+              <a:extLst>
+                <a:ext uri="{FF2B5EF4-FFF2-40B4-BE49-F238E27FC236}">
+                  <a16:creationId xmlns:a16="http://schemas.microsoft.com/office/drawing/2014/main" id="{9E621244-D874-B242-88CF-8CC803F84200}"/>
+                </a:ext>
+              </a:extLst>
+            </p:cNvPr>
+            <p:cNvSpPr txBox="1"/>
+            <p:nvPr/>
+          </p:nvSpPr>
+          <p:spPr>
+            <a:xfrm>
+              <a:off x="6193516" y="3878334"/>
+              <a:ext cx="1627632" cy="261610"/>
+            </a:xfrm>
+            <a:prstGeom prst="rect">
+              <a:avLst/>
+            </a:prstGeom>
+            <a:noFill/>
+          </p:spPr>
+          <p:txBody>
+            <a:bodyPr wrap="square" rtlCol="0">
+              <a:spAutoFit/>
+            </a:bodyPr>
+            <a:lstStyle/>
+            <a:p>
+              <a:pPr algn="ctr"/>
+              <a:r>
+                <a:rPr lang="en-US" sz="1100" i="1" dirty="0">
+                  <a:latin typeface="Arial" panose="020B0604020202020204" pitchFamily="34" charset="0"/>
+                  <a:ea typeface="Helvetica Neue" panose="02000503000000020004" pitchFamily="2" charset="0"/>
+                  <a:cs typeface="Arial" panose="020B0604020202020204" pitchFamily="34" charset="0"/>
+                </a:rPr>
+                <a:t>Amplification</a:t>
+              </a:r>
+            </a:p>
+          </p:txBody>
+        </p:sp>
+        <p:sp>
+          <p:nvSpPr>
+            <p:cNvPr id="62" name="Rectangle 61">
+              <a:extLst>
+                <a:ext uri="{FF2B5EF4-FFF2-40B4-BE49-F238E27FC236}">
+                  <a16:creationId xmlns:a16="http://schemas.microsoft.com/office/drawing/2014/main" id="{8A4AC4DA-3820-F543-A555-74C76CC7262E}"/>
+                </a:ext>
+              </a:extLst>
+            </p:cNvPr>
+            <p:cNvSpPr/>
+            <p:nvPr/>
+          </p:nvSpPr>
+          <p:spPr>
+            <a:xfrm>
+              <a:off x="5908387" y="3844620"/>
+              <a:ext cx="1920240" cy="2286000"/>
+            </a:xfrm>
+            <a:prstGeom prst="rect">
+              <a:avLst/>
+            </a:prstGeom>
+            <a:noFill/>
+            <a:ln w="12700">
+              <a:solidFill>
+                <a:schemeClr val="bg2">
+                  <a:lumMod val="50000"/>
+                </a:schemeClr>
+              </a:solidFill>
+            </a:ln>
+          </p:spPr>
+          <p:style>
+            <a:lnRef idx="2">
+              <a:schemeClr val="accent1">
+                <a:shade val="50000"/>
+              </a:schemeClr>
+            </a:lnRef>
+            <a:fillRef idx="1">
+              <a:schemeClr val="accent1"/>
+            </a:fillRef>
+            <a:effectRef idx="0">
+              <a:schemeClr val="accent1"/>
+            </a:effectRef>
+            <a:fontRef idx="minor">
+              <a:schemeClr val="lt1"/>
+            </a:fontRef>
+          </p:style>
+          <p:txBody>
+            <a:bodyPr rtlCol="0" anchor="ctr"/>
+            <a:lstStyle/>
+            <a:p>
+              <a:pPr algn="ctr"/>
+              <a:endParaRPr lang="en-US" dirty="0"/>
+            </a:p>
+          </p:txBody>
+        </p:sp>
+      </p:grpSp>
+      <p:sp>
+        <p:nvSpPr>
+          <p:cNvPr id="63" name="TextBox 62">
+            <a:extLst>
+              <a:ext uri="{FF2B5EF4-FFF2-40B4-BE49-F238E27FC236}">
+                <a16:creationId xmlns:a16="http://schemas.microsoft.com/office/drawing/2014/main" id="{EED5CF09-CA70-FD46-9C33-2D9E067F1BA9}"/>
+              </a:ext>
+            </a:extLst>
+          </p:cNvPr>
+          <p:cNvSpPr txBox="1"/>
+          <p:nvPr/>
+        </p:nvSpPr>
+        <p:spPr>
+          <a:xfrm>
+            <a:off x="5003917" y="3398082"/>
+            <a:ext cx="1025694" cy="253916"/>
+          </a:xfrm>
+          <a:prstGeom prst="rect">
+            <a:avLst/>
+          </a:prstGeom>
+          <a:noFill/>
+          <a:ln w="3175">
+            <a:noFill/>
+          </a:ln>
+        </p:spPr>
+        <p:txBody>
+          <a:bodyPr wrap="square" rtlCol="0">
+            <a:spAutoFit/>
+          </a:bodyPr>
+          <a:lstStyle/>
+          <a:p>
+            <a:pPr algn="ctr"/>
+            <a:r>
+              <a:rPr lang="en-US" sz="1000" b="1" dirty="0">
+                <a:ln w="127">
+                  <a:solidFill>
+                    <a:schemeClr val="bg1">
+                      <a:alpha val="5000"/>
+                    </a:schemeClr>
+                  </a:solidFill>
+                </a:ln>
+                <a:solidFill>
+                  <a:srgbClr val="EE751C"/>
+                </a:solidFill>
+                <a:latin typeface="Helvetica Neue" panose="02000503000000020004" pitchFamily="2" charset="0"/>
+                <a:ea typeface="Helvetica Neue" panose="02000503000000020004" pitchFamily="2" charset="0"/>
+                <a:cs typeface="Helvetica Neue" panose="02000503000000020004" pitchFamily="2" charset="0"/>
+              </a:rPr>
+              <a:t>X</a:t>
+            </a:r>
+            <a:r>
+              <a:rPr lang="en-US" sz="1000" b="1" baseline="-25000" dirty="0">
+                <a:ln w="127">
+                  <a:solidFill>
+                    <a:schemeClr val="bg1">
+                      <a:alpha val="5000"/>
+                    </a:schemeClr>
+                  </a:solidFill>
+                </a:ln>
+                <a:solidFill>
+                  <a:srgbClr val="EE751C"/>
+                </a:solidFill>
+                <a:latin typeface="Helvetica Neue" panose="02000503000000020004" pitchFamily="2" charset="0"/>
+                <a:ea typeface="Helvetica Neue" panose="02000503000000020004" pitchFamily="2" charset="0"/>
+                <a:cs typeface="Helvetica Neue" panose="02000503000000020004" pitchFamily="2" charset="0"/>
+              </a:rPr>
+              <a:t>3</a:t>
+            </a:r>
+          </a:p>
+        </p:txBody>
+      </p:sp>
+      <p:sp>
+        <p:nvSpPr>
+          <p:cNvPr id="64" name="TextBox 63">
+            <a:extLst>
+              <a:ext uri="{FF2B5EF4-FFF2-40B4-BE49-F238E27FC236}">
+                <a16:creationId xmlns:a16="http://schemas.microsoft.com/office/drawing/2014/main" id="{9F91AD4C-33F0-194C-8CD1-1D29F375FF9B}"/>
+              </a:ext>
+            </a:extLst>
+          </p:cNvPr>
+          <p:cNvSpPr txBox="1"/>
+          <p:nvPr/>
+        </p:nvSpPr>
+        <p:spPr>
+          <a:xfrm>
+            <a:off x="2712477" y="4279555"/>
+            <a:ext cx="1025694" cy="246221"/>
+          </a:xfrm>
+          <a:prstGeom prst="rect">
+            <a:avLst/>
+          </a:prstGeom>
+          <a:noFill/>
+          <a:ln w="3175">
+            <a:noFill/>
+          </a:ln>
+        </p:spPr>
+        <p:txBody>
+          <a:bodyPr wrap="square" rtlCol="0">
+            <a:spAutoFit/>
+          </a:bodyPr>
+          <a:lstStyle/>
+          <a:p>
+            <a:pPr algn="ctr"/>
+            <a:r>
+              <a:rPr lang="en-US" sz="1000" b="1" dirty="0">
+                <a:ln w="127">
+                  <a:noFill/>
+                </a:ln>
+                <a:solidFill>
+                  <a:srgbClr val="009640"/>
+                </a:solidFill>
+                <a:latin typeface="Helvetica Neue" panose="02000503000000020004" pitchFamily="2" charset="0"/>
+                <a:ea typeface="Helvetica Neue" panose="02000503000000020004" pitchFamily="2" charset="0"/>
+                <a:cs typeface="Helvetica Neue" panose="02000503000000020004" pitchFamily="2" charset="0"/>
+              </a:rPr>
+              <a:t>X</a:t>
+            </a:r>
+            <a:r>
+              <a:rPr lang="en-US" sz="1000" b="1" baseline="-25000" dirty="0">
+                <a:ln w="127">
+                  <a:noFill/>
+                </a:ln>
+                <a:solidFill>
+                  <a:srgbClr val="009640"/>
+                </a:solidFill>
+                <a:latin typeface="Helvetica Neue" panose="02000503000000020004" pitchFamily="2" charset="0"/>
+                <a:ea typeface="Helvetica Neue" panose="02000503000000020004" pitchFamily="2" charset="0"/>
+                <a:cs typeface="Helvetica Neue" panose="02000503000000020004" pitchFamily="2" charset="0"/>
+              </a:rPr>
+              <a:t>2</a:t>
+            </a:r>
+          </a:p>
+        </p:txBody>
+      </p:sp>
+      <p:sp>
+        <p:nvSpPr>
+          <p:cNvPr id="65" name="Arc 64">
+            <a:extLst>
+              <a:ext uri="{FF2B5EF4-FFF2-40B4-BE49-F238E27FC236}">
+                <a16:creationId xmlns:a16="http://schemas.microsoft.com/office/drawing/2014/main" id="{D4F6CE0C-62B2-994E-AB70-9EAC359E3381}"/>
+              </a:ext>
+            </a:extLst>
+          </p:cNvPr>
+          <p:cNvSpPr/>
+          <p:nvPr/>
+        </p:nvSpPr>
+        <p:spPr>
+          <a:xfrm rot="19482238">
+            <a:off x="-6243781" y="1818448"/>
+            <a:ext cx="11886935" cy="9254234"/>
+          </a:xfrm>
+          <a:prstGeom prst="arc">
+            <a:avLst>
+              <a:gd name="adj1" fmla="val 19711281"/>
+              <a:gd name="adj2" fmla="val 21039881"/>
+            </a:avLst>
+          </a:prstGeom>
+          <a:ln w="12700">
+            <a:solidFill>
+              <a:schemeClr val="bg2">
+                <a:lumMod val="50000"/>
+              </a:schemeClr>
+            </a:solidFill>
+            <a:tailEnd type="triangle" w="med" len="med"/>
+          </a:ln>
+        </p:spPr>
+        <p:style>
+          <a:lnRef idx="1">
+            <a:schemeClr val="accent1"/>
+          </a:lnRef>
+          <a:fillRef idx="0">
+            <a:schemeClr val="accent1"/>
+          </a:fillRef>
+          <a:effectRef idx="0">
+            <a:schemeClr val="accent1"/>
+          </a:effectRef>
+          <a:fontRef idx="minor">
+            <a:schemeClr val="tx1"/>
+          </a:fontRef>
+        </p:style>
+        <p:txBody>
+          <a:bodyPr rtlCol="0" anchor="ctr"/>
+          <a:lstStyle/>
+          <a:p>
+            <a:pPr algn="ctr"/>
+            <a:endParaRPr lang="en-US"/>
+          </a:p>
+        </p:txBody>
+      </p:sp>
+      <p:sp>
+        <p:nvSpPr>
+          <p:cNvPr id="66" name="Arc 65">
+            <a:extLst>
+              <a:ext uri="{FF2B5EF4-FFF2-40B4-BE49-F238E27FC236}">
+                <a16:creationId xmlns:a16="http://schemas.microsoft.com/office/drawing/2014/main" id="{C5B100A3-711E-1F4D-8DB4-61253E8D594C}"/>
+              </a:ext>
+            </a:extLst>
+          </p:cNvPr>
+          <p:cNvSpPr/>
+          <p:nvPr/>
+        </p:nvSpPr>
+        <p:spPr>
+          <a:xfrm rot="16362014" flipH="1" flipV="1">
+            <a:off x="1053140" y="-3244826"/>
+            <a:ext cx="4974975" cy="6243740"/>
+          </a:xfrm>
+          <a:prstGeom prst="arc">
+            <a:avLst>
+              <a:gd name="adj1" fmla="val 17931049"/>
+              <a:gd name="adj2" fmla="val 20697222"/>
+            </a:avLst>
+          </a:prstGeom>
+          <a:ln w="12700">
+            <a:solidFill>
+              <a:schemeClr val="bg2">
+                <a:lumMod val="50000"/>
+              </a:schemeClr>
+            </a:solidFill>
+            <a:headEnd type="none"/>
+            <a:tailEnd type="triangle" w="med" len="med"/>
+          </a:ln>
+        </p:spPr>
+        <p:style>
+          <a:lnRef idx="1">
+            <a:schemeClr val="accent1"/>
+          </a:lnRef>
+          <a:fillRef idx="0">
+            <a:schemeClr val="accent1"/>
+          </a:fillRef>
+          <a:effectRef idx="0">
+            <a:schemeClr val="accent1"/>
+          </a:effectRef>
+          <a:fontRef idx="minor">
+            <a:schemeClr val="tx1"/>
+          </a:fontRef>
+        </p:style>
+        <p:txBody>
+          <a:bodyPr rtlCol="0" anchor="ctr"/>
+          <a:lstStyle/>
+          <a:p>
+            <a:pPr algn="ctr"/>
+            <a:endParaRPr lang="en-US"/>
+          </a:p>
+        </p:txBody>
+      </p:sp>
+      <p:grpSp>
+        <p:nvGrpSpPr>
+          <p:cNvPr id="11" name="Group 10">
+            <a:extLst>
+              <a:ext uri="{FF2B5EF4-FFF2-40B4-BE49-F238E27FC236}">
+                <a16:creationId xmlns:a16="http://schemas.microsoft.com/office/drawing/2014/main" id="{0BC4FD8C-EDE5-DC4D-B6FB-F296C836C0C2}"/>
+              </a:ext>
+            </a:extLst>
+          </p:cNvPr>
+          <p:cNvGrpSpPr>
+            <a:grpSpLocks noChangeAspect="1"/>
+          </p:cNvGrpSpPr>
+          <p:nvPr/>
+        </p:nvGrpSpPr>
+        <p:grpSpPr>
+          <a:xfrm>
+            <a:off x="6043146" y="295223"/>
+            <a:ext cx="1771658" cy="2194560"/>
+            <a:chOff x="5908399" y="342441"/>
+            <a:chExt cx="1920240" cy="2378609"/>
+          </a:xfrm>
+        </p:grpSpPr>
+        <p:pic>
+          <p:nvPicPr>
+            <p:cNvPr id="31" name="Picture 30">
+              <a:extLst>
+                <a:ext uri="{FF2B5EF4-FFF2-40B4-BE49-F238E27FC236}">
+                  <a16:creationId xmlns:a16="http://schemas.microsoft.com/office/drawing/2014/main" id="{88566123-9F40-5849-94F1-E4B63422B96C}"/>
+                </a:ext>
+              </a:extLst>
+            </p:cNvPr>
+            <p:cNvPicPr>
+              <a:picLocks noChangeAspect="1"/>
+            </p:cNvPicPr>
+            <p:nvPr/>
+          </p:nvPicPr>
+          <p:blipFill>
+            <a:blip r:embed="rId7"/>
+            <a:stretch>
+              <a:fillRect/>
+            </a:stretch>
+          </p:blipFill>
+          <p:spPr>
+            <a:xfrm>
+              <a:off x="5931247" y="568824"/>
+              <a:ext cx="1874519" cy="2152226"/>
+            </a:xfrm>
+            <a:prstGeom prst="rect">
+              <a:avLst/>
+            </a:prstGeom>
+          </p:spPr>
+        </p:pic>
+        <p:sp>
+          <p:nvSpPr>
+            <p:cNvPr id="22" name="TextBox 21">
+              <a:extLst>
+                <a:ext uri="{FF2B5EF4-FFF2-40B4-BE49-F238E27FC236}">
+                  <a16:creationId xmlns:a16="http://schemas.microsoft.com/office/drawing/2014/main" id="{9CC8A2EA-F668-DD43-A074-9F1F726F28A7}"/>
+                </a:ext>
+              </a:extLst>
+            </p:cNvPr>
+            <p:cNvSpPr txBox="1"/>
+            <p:nvPr/>
+          </p:nvSpPr>
+          <p:spPr>
+            <a:xfrm>
+              <a:off x="5917309" y="349423"/>
+              <a:ext cx="301752" cy="307777"/>
+            </a:xfrm>
+            <a:prstGeom prst="rect">
+              <a:avLst/>
+            </a:prstGeom>
+            <a:noFill/>
+          </p:spPr>
+          <p:txBody>
+            <a:bodyPr wrap="square" rtlCol="0">
+              <a:spAutoFit/>
+            </a:bodyPr>
+            <a:lstStyle/>
+            <a:p>
+              <a:pPr algn="ctr"/>
+              <a:r>
+                <a:rPr lang="en-US" sz="1400" b="1" dirty="0">
+                  <a:latin typeface="Helvetica Neue" panose="02000503000000020004" pitchFamily="2" charset="0"/>
+                  <a:ea typeface="Helvetica Neue" panose="02000503000000020004" pitchFamily="2" charset="0"/>
+                  <a:cs typeface="Helvetica Neue" panose="02000503000000020004" pitchFamily="2" charset="0"/>
+                </a:rPr>
+                <a:t>b</a:t>
+              </a:r>
+            </a:p>
+          </p:txBody>
+        </p:sp>
+        <p:sp>
+          <p:nvSpPr>
+            <p:cNvPr id="55" name="TextBox 54">
+              <a:extLst>
+                <a:ext uri="{FF2B5EF4-FFF2-40B4-BE49-F238E27FC236}">
+                  <a16:creationId xmlns:a16="http://schemas.microsoft.com/office/drawing/2014/main" id="{5523DCC3-C862-8C42-A4DA-E70E20BFB814}"/>
+                </a:ext>
+              </a:extLst>
+            </p:cNvPr>
+            <p:cNvSpPr txBox="1"/>
+            <p:nvPr/>
+          </p:nvSpPr>
+          <p:spPr>
+            <a:xfrm>
+              <a:off x="6193516" y="391387"/>
+              <a:ext cx="1627632" cy="261610"/>
+            </a:xfrm>
+            <a:prstGeom prst="rect">
+              <a:avLst/>
+            </a:prstGeom>
+            <a:noFill/>
+          </p:spPr>
+          <p:txBody>
+            <a:bodyPr wrap="square" rtlCol="0">
+              <a:spAutoFit/>
+            </a:bodyPr>
+            <a:lstStyle/>
+            <a:p>
+              <a:pPr algn="ctr"/>
+              <a:r>
+                <a:rPr lang="en-US" sz="1100" i="1" dirty="0">
+                  <a:latin typeface="Arial" panose="020B0604020202020204" pitchFamily="34" charset="0"/>
+                  <a:ea typeface="Helvetica Neue" panose="02000503000000020004" pitchFamily="2" charset="0"/>
+                  <a:cs typeface="Arial" panose="020B0604020202020204" pitchFamily="34" charset="0"/>
+                </a:rPr>
+                <a:t>Upward contagion</a:t>
+              </a:r>
+            </a:p>
+          </p:txBody>
+        </p:sp>
+        <p:sp>
+          <p:nvSpPr>
+            <p:cNvPr id="52" name="TextBox 51">
+              <a:extLst>
+                <a:ext uri="{FF2B5EF4-FFF2-40B4-BE49-F238E27FC236}">
+                  <a16:creationId xmlns:a16="http://schemas.microsoft.com/office/drawing/2014/main" id="{7AFF4DB9-24C9-1045-BC6C-A74414FEB7A7}"/>
+                </a:ext>
+              </a:extLst>
+            </p:cNvPr>
+            <p:cNvSpPr txBox="1"/>
+            <p:nvPr/>
+          </p:nvSpPr>
+          <p:spPr>
+            <a:xfrm>
+              <a:off x="7007332" y="1637391"/>
+              <a:ext cx="717463" cy="276999"/>
+            </a:xfrm>
+            <a:prstGeom prst="rect">
+              <a:avLst/>
+            </a:prstGeom>
+            <a:noFill/>
+            <a:ln>
+              <a:solidFill>
+                <a:schemeClr val="tx1"/>
+              </a:solidFill>
+            </a:ln>
+          </p:spPr>
+          <p:txBody>
+            <a:bodyPr wrap="square" rtlCol="0">
+              <a:spAutoFit/>
+            </a:bodyPr>
+            <a:lstStyle/>
+            <a:p>
+              <a:pPr algn="ctr"/>
+              <a:r>
+                <a:rPr lang="en-US" sz="1200" dirty="0">
+                  <a:latin typeface="Helvetica" pitchFamily="2" charset="0"/>
+                  <a:cs typeface="Arial" panose="020B0604020202020204" pitchFamily="34" charset="0"/>
+                </a:rPr>
+                <a:t>𝛿 = 1.3</a:t>
+              </a:r>
+            </a:p>
+          </p:txBody>
+        </p:sp>
+        <p:sp>
+          <p:nvSpPr>
+            <p:cNvPr id="61" name="Rectangle 60">
+              <a:extLst>
+                <a:ext uri="{FF2B5EF4-FFF2-40B4-BE49-F238E27FC236}">
+                  <a16:creationId xmlns:a16="http://schemas.microsoft.com/office/drawing/2014/main" id="{31703D9A-C85C-6C4E-91AB-5551ADBABA49}"/>
+                </a:ext>
+              </a:extLst>
+            </p:cNvPr>
+            <p:cNvSpPr/>
+            <p:nvPr/>
+          </p:nvSpPr>
+          <p:spPr>
+            <a:xfrm>
+              <a:off x="5908399" y="342441"/>
+              <a:ext cx="1920240" cy="2286000"/>
+            </a:xfrm>
+            <a:prstGeom prst="rect">
+              <a:avLst/>
+            </a:prstGeom>
+            <a:noFill/>
+            <a:ln w="12700">
+              <a:solidFill>
+                <a:schemeClr val="bg2">
+                  <a:lumMod val="50000"/>
+                </a:schemeClr>
+              </a:solidFill>
+            </a:ln>
+          </p:spPr>
+          <p:style>
+            <a:lnRef idx="2">
+              <a:schemeClr val="accent1">
+                <a:shade val="50000"/>
+              </a:schemeClr>
+            </a:lnRef>
+            <a:fillRef idx="1">
+              <a:schemeClr val="accent1"/>
+            </a:fillRef>
+            <a:effectRef idx="0">
+              <a:schemeClr val="accent1"/>
+            </a:effectRef>
+            <a:fontRef idx="minor">
+              <a:schemeClr val="lt1"/>
+            </a:fontRef>
+          </p:style>
+          <p:txBody>
+            <a:bodyPr rtlCol="0" anchor="ctr"/>
+            <a:lstStyle/>
+            <a:p>
+              <a:pPr algn="ctr"/>
+              <a:endParaRPr lang="en-US" dirty="0"/>
+            </a:p>
+          </p:txBody>
+        </p:sp>
+      </p:grpSp>
+    </p:spTree>
+    <p:extLst>
+      <p:ext uri="{BB962C8B-B14F-4D97-AF65-F5344CB8AC3E}">
+        <p14:creationId xmlns:p14="http://schemas.microsoft.com/office/powerpoint/2010/main" val="3779551352"/>
+      </p:ext>
+    </p:extLst>
+  </p:cSld>
+  <p:clrMapOvr>
+    <a:masterClrMapping/>
+  </p:clrMapOvr>
+</p:sld>
+</file>
+
+<file path=ppt/slides/slide11.xml><?xml version="1.0" encoding="utf-8"?>
 <p:sld xmlns:a="http://schemas.openxmlformats.org/drawingml/2006/main" xmlns:r="http://schemas.openxmlformats.org/officeDocument/2006/relationships" xmlns:p="http://schemas.openxmlformats.org/presentationml/2006/main">
   <p:cSld>
     <p:spTree>
@@ -5777,7 +7628,7 @@
 </p:sld>
 </file>
 
-<file path=ppt/slides/slide11.xml><?xml version="1.0" encoding="utf-8"?>
+<file path=ppt/slides/slide12.xml><?xml version="1.0" encoding="utf-8"?>
 <p:sld xmlns:a="http://schemas.openxmlformats.org/drawingml/2006/main" xmlns:r="http://schemas.openxmlformats.org/officeDocument/2006/relationships" xmlns:p="http://schemas.openxmlformats.org/presentationml/2006/main" show="0">
   <p:cSld>
     <p:spTree>
@@ -6087,7 +7938,7 @@
 </p:sld>
 </file>
 
-<file path=ppt/slides/slide12.xml><?xml version="1.0" encoding="utf-8"?>
+<file path=ppt/slides/slide13.xml><?xml version="1.0" encoding="utf-8"?>
 <p:sld xmlns:a="http://schemas.openxmlformats.org/drawingml/2006/main" xmlns:r="http://schemas.openxmlformats.org/officeDocument/2006/relationships" xmlns:p="http://schemas.openxmlformats.org/presentationml/2006/main" show="0">
   <p:cSld>
     <p:spTree>
@@ -6397,7 +8248,7 @@
 </p:sld>
 </file>
 
-<file path=ppt/slides/slide13.xml><?xml version="1.0" encoding="utf-8"?>
+<file path=ppt/slides/slide14.xml><?xml version="1.0" encoding="utf-8"?>
 <p:sld xmlns:a="http://schemas.openxmlformats.org/drawingml/2006/main" xmlns:r="http://schemas.openxmlformats.org/officeDocument/2006/relationships" xmlns:p="http://schemas.openxmlformats.org/presentationml/2006/main">
   <p:cSld>
     <p:spTree>
@@ -6707,7 +8558,7 @@
 </p:sld>
 </file>
 
-<file path=ppt/slides/slide14.xml><?xml version="1.0" encoding="utf-8"?>
+<file path=ppt/slides/slide15.xml><?xml version="1.0" encoding="utf-8"?>
 <p:sld xmlns:a="http://schemas.openxmlformats.org/drawingml/2006/main" xmlns:r="http://schemas.openxmlformats.org/officeDocument/2006/relationships" xmlns:p="http://schemas.openxmlformats.org/presentationml/2006/main" show="0">
   <p:cSld>
     <p:spTree>
@@ -7017,7 +8868,7 @@
 </p:sld>
 </file>
 
-<file path=ppt/slides/slide15.xml><?xml version="1.0" encoding="utf-8"?>
+<file path=ppt/slides/slide16.xml><?xml version="1.0" encoding="utf-8"?>
 <p:sld xmlns:a="http://schemas.openxmlformats.org/drawingml/2006/main" xmlns:r="http://schemas.openxmlformats.org/officeDocument/2006/relationships" xmlns:p="http://schemas.openxmlformats.org/presentationml/2006/main">
   <p:cSld>
     <p:spTree>
@@ -7327,7 +9178,7 @@
 </p:sld>
 </file>
 
-<file path=ppt/slides/slide16.xml><?xml version="1.0" encoding="utf-8"?>
+<file path=ppt/slides/slide17.xml><?xml version="1.0" encoding="utf-8"?>
 <p:sld xmlns:a="http://schemas.openxmlformats.org/drawingml/2006/main" xmlns:r="http://schemas.openxmlformats.org/officeDocument/2006/relationships" xmlns:p="http://schemas.openxmlformats.org/presentationml/2006/main" show="0">
   <p:cSld>
     <p:spTree>
@@ -8362,8 +10213,8 @@
 </p:sld>
 </file>
 
-<file path=ppt/slides/slide17.xml><?xml version="1.0" encoding="utf-8"?>
-<p:sld xmlns:a="http://schemas.openxmlformats.org/drawingml/2006/main" xmlns:r="http://schemas.openxmlformats.org/officeDocument/2006/relationships" xmlns:p="http://schemas.openxmlformats.org/presentationml/2006/main">
+<file path=ppt/slides/slide18.xml><?xml version="1.0" encoding="utf-8"?>
+<p:sld xmlns:a="http://schemas.openxmlformats.org/drawingml/2006/main" xmlns:r="http://schemas.openxmlformats.org/officeDocument/2006/relationships" xmlns:p="http://schemas.openxmlformats.org/presentationml/2006/main" show="0">
   <p:cSld>
     <p:spTree>
       <p:nvGrpSpPr>
@@ -9376,176 +11227,6 @@
 </p:sld>
 </file>
 
-<file path=ppt/slides/slide18.xml><?xml version="1.0" encoding="utf-8"?>
-<p:sld xmlns:a="http://schemas.openxmlformats.org/drawingml/2006/main" xmlns:r="http://schemas.openxmlformats.org/officeDocument/2006/relationships" xmlns:p="http://schemas.openxmlformats.org/presentationml/2006/main">
-  <p:cSld>
-    <p:spTree>
-      <p:nvGrpSpPr>
-        <p:cNvPr id="1" name=""/>
-        <p:cNvGrpSpPr/>
-        <p:nvPr/>
-      </p:nvGrpSpPr>
-      <p:grpSpPr>
-        <a:xfrm>
-          <a:off x="0" y="0"/>
-          <a:ext cx="0" cy="0"/>
-          <a:chOff x="0" y="0"/>
-          <a:chExt cx="0" cy="0"/>
-        </a:xfrm>
-      </p:grpSpPr>
-      <p:sp>
-        <p:nvSpPr>
-          <p:cNvPr id="35" name="TextBox 34">
-            <a:extLst>
-              <a:ext uri="{FF2B5EF4-FFF2-40B4-BE49-F238E27FC236}">
-                <a16:creationId xmlns:a16="http://schemas.microsoft.com/office/drawing/2014/main" id="{3DEA8629-13B6-7240-A27C-B4B5A5095B22}"/>
-              </a:ext>
-            </a:extLst>
-          </p:cNvPr>
-          <p:cNvSpPr txBox="1"/>
-          <p:nvPr/>
-        </p:nvSpPr>
-        <p:spPr>
-          <a:xfrm>
-            <a:off x="3956050" y="1486062"/>
-            <a:ext cx="532050" cy="311217"/>
-          </a:xfrm>
-          <a:prstGeom prst="rect">
-            <a:avLst/>
-          </a:prstGeom>
-          <a:noFill/>
-        </p:spPr>
-        <p:txBody>
-          <a:bodyPr wrap="square" rtlCol="0">
-            <a:spAutoFit/>
-          </a:bodyPr>
-          <a:lstStyle/>
-          <a:p>
-            <a:pPr algn="ctr"/>
-            <a:r>
-              <a:rPr lang="en-US" sz="1600" b="1" dirty="0">
-                <a:latin typeface="Helvetica Neue" panose="02000503000000020004" pitchFamily="2" charset="0"/>
-                <a:ea typeface="Helvetica Neue" panose="02000503000000020004" pitchFamily="2" charset="0"/>
-                <a:cs typeface="Helvetica Neue" panose="02000503000000020004" pitchFamily="2" charset="0"/>
-              </a:rPr>
-              <a:t>b</a:t>
-            </a:r>
-          </a:p>
-        </p:txBody>
-      </p:sp>
-      <p:sp>
-        <p:nvSpPr>
-          <p:cNvPr id="37" name="TextBox 36">
-            <a:extLst>
-              <a:ext uri="{FF2B5EF4-FFF2-40B4-BE49-F238E27FC236}">
-                <a16:creationId xmlns:a16="http://schemas.microsoft.com/office/drawing/2014/main" id="{C29C2A4A-EBF4-9C43-A9EF-B4FE051397FD}"/>
-              </a:ext>
-            </a:extLst>
-          </p:cNvPr>
-          <p:cNvSpPr txBox="1"/>
-          <p:nvPr/>
-        </p:nvSpPr>
-        <p:spPr>
-          <a:xfrm>
-            <a:off x="0" y="1486062"/>
-            <a:ext cx="532050" cy="311217"/>
-          </a:xfrm>
-          <a:prstGeom prst="rect">
-            <a:avLst/>
-          </a:prstGeom>
-          <a:noFill/>
-        </p:spPr>
-        <p:txBody>
-          <a:bodyPr wrap="square" rtlCol="0">
-            <a:spAutoFit/>
-          </a:bodyPr>
-          <a:lstStyle/>
-          <a:p>
-            <a:pPr algn="ctr"/>
-            <a:r>
-              <a:rPr lang="en-US" sz="1600" b="1" dirty="0">
-                <a:latin typeface="Helvetica Neue" panose="02000503000000020004" pitchFamily="2" charset="0"/>
-                <a:ea typeface="Helvetica Neue" panose="02000503000000020004" pitchFamily="2" charset="0"/>
-                <a:cs typeface="Helvetica Neue" panose="02000503000000020004" pitchFamily="2" charset="0"/>
-              </a:rPr>
-              <a:t>a</a:t>
-            </a:r>
-          </a:p>
-        </p:txBody>
-      </p:sp>
-      <p:pic>
-        <p:nvPicPr>
-          <p:cNvPr id="9" name="Picture 8">
-            <a:extLst>
-              <a:ext uri="{FF2B5EF4-FFF2-40B4-BE49-F238E27FC236}">
-                <a16:creationId xmlns:a16="http://schemas.microsoft.com/office/drawing/2014/main" id="{EF4E3E67-993E-EA4F-82DC-BD63D7045175}"/>
-              </a:ext>
-            </a:extLst>
-          </p:cNvPr>
-          <p:cNvPicPr>
-            <a:picLocks noChangeAspect="1"/>
-          </p:cNvPicPr>
-          <p:nvPr/>
-        </p:nvPicPr>
-        <p:blipFill>
-          <a:blip r:embed="rId3"/>
-          <a:stretch>
-            <a:fillRect/>
-          </a:stretch>
-        </p:blipFill>
-        <p:spPr>
-          <a:xfrm>
-            <a:off x="27529" y="1797279"/>
-            <a:ext cx="3928521" cy="3142817"/>
-          </a:xfrm>
-          <a:prstGeom prst="rect">
-            <a:avLst/>
-          </a:prstGeom>
-        </p:spPr>
-      </p:pic>
-      <p:pic>
-        <p:nvPicPr>
-          <p:cNvPr id="11" name="Picture 10">
-            <a:extLst>
-              <a:ext uri="{FF2B5EF4-FFF2-40B4-BE49-F238E27FC236}">
-                <a16:creationId xmlns:a16="http://schemas.microsoft.com/office/drawing/2014/main" id="{E2C36201-9DC1-714D-BE3B-52E4792F1B4E}"/>
-              </a:ext>
-            </a:extLst>
-          </p:cNvPr>
-          <p:cNvPicPr>
-            <a:picLocks noChangeAspect="1"/>
-          </p:cNvPicPr>
-          <p:nvPr/>
-        </p:nvPicPr>
-        <p:blipFill>
-          <a:blip r:embed="rId4"/>
-          <a:stretch>
-            <a:fillRect/>
-          </a:stretch>
-        </p:blipFill>
-        <p:spPr>
-          <a:xfrm>
-            <a:off x="3989929" y="1797279"/>
-            <a:ext cx="3928521" cy="3142817"/>
-          </a:xfrm>
-          <a:prstGeom prst="rect">
-            <a:avLst/>
-          </a:prstGeom>
-        </p:spPr>
-      </p:pic>
-    </p:spTree>
-    <p:extLst>
-      <p:ext uri="{BB962C8B-B14F-4D97-AF65-F5344CB8AC3E}">
-        <p14:creationId xmlns:p14="http://schemas.microsoft.com/office/powerpoint/2010/main" val="1324851370"/>
-      </p:ext>
-    </p:extLst>
-  </p:cSld>
-  <p:clrMapOvr>
-    <a:masterClrMapping/>
-  </p:clrMapOvr>
-</p:sld>
-</file>
-
 <file path=ppt/slides/slide19.xml><?xml version="1.0" encoding="utf-8"?>
 <p:sld xmlns:a="http://schemas.openxmlformats.org/drawingml/2006/main" xmlns:r="http://schemas.openxmlformats.org/officeDocument/2006/relationships" xmlns:p="http://schemas.openxmlformats.org/presentationml/2006/main">
   <p:cSld>
@@ -9563,92 +11244,1014 @@
           <a:chExt cx="0" cy="0"/>
         </a:xfrm>
       </p:grpSpPr>
-      <p:sp>
-        <p:nvSpPr>
-          <p:cNvPr id="35" name="TextBox 34">
+      <p:grpSp>
+        <p:nvGrpSpPr>
+          <p:cNvPr id="31" name="Group 30">
             <a:extLst>
               <a:ext uri="{FF2B5EF4-FFF2-40B4-BE49-F238E27FC236}">
-                <a16:creationId xmlns:a16="http://schemas.microsoft.com/office/drawing/2014/main" id="{3DEA8629-13B6-7240-A27C-B4B5A5095B22}"/>
+                <a16:creationId xmlns:a16="http://schemas.microsoft.com/office/drawing/2014/main" id="{47C214A7-314B-DA4B-A577-30EEC875FB69}"/>
               </a:ext>
             </a:extLst>
           </p:cNvPr>
-          <p:cNvSpPr txBox="1"/>
+          <p:cNvGrpSpPr/>
           <p:nvPr/>
-        </p:nvSpPr>
-        <p:spPr>
-          <a:xfrm>
-            <a:off x="3956050" y="1486062"/>
-            <a:ext cx="532050" cy="311217"/>
-          </a:xfrm>
-          <a:prstGeom prst="rect">
-            <a:avLst/>
-          </a:prstGeom>
-          <a:noFill/>
-        </p:spPr>
-        <p:txBody>
-          <a:bodyPr wrap="square" rtlCol="0">
-            <a:spAutoFit/>
-          </a:bodyPr>
-          <a:lstStyle/>
-          <a:p>
-            <a:pPr algn="ctr"/>
-            <a:r>
-              <a:rPr lang="en-US" sz="1600" b="1" dirty="0">
+        </p:nvGrpSpPr>
+        <p:grpSpPr>
+          <a:xfrm>
+            <a:off x="6840572" y="1051523"/>
+            <a:ext cx="845595" cy="1091928"/>
+            <a:chOff x="6899189" y="2105534"/>
+            <a:chExt cx="997947" cy="1288661"/>
+          </a:xfrm>
+        </p:grpSpPr>
+        <p:pic>
+          <p:nvPicPr>
+            <p:cNvPr id="29" name="Picture 28">
+              <a:extLst>
+                <a:ext uri="{FF2B5EF4-FFF2-40B4-BE49-F238E27FC236}">
+                  <a16:creationId xmlns:a16="http://schemas.microsoft.com/office/drawing/2014/main" id="{47A2DE75-0F65-AD45-9C88-01A2B4AC7DE0}"/>
+                </a:ext>
+              </a:extLst>
+            </p:cNvPr>
+            <p:cNvPicPr>
+              <a:picLocks noChangeAspect="1"/>
+            </p:cNvPicPr>
+            <p:nvPr/>
+          </p:nvPicPr>
+          <p:blipFill rotWithShape="1">
+            <a:blip r:embed="rId3"/>
+            <a:srcRect l="83340" t="21017" r="3277" b="36380"/>
+            <a:stretch/>
+          </p:blipFill>
+          <p:spPr>
+            <a:xfrm>
+              <a:off x="7111404" y="2105534"/>
+              <a:ext cx="716620" cy="1136141"/>
+            </a:xfrm>
+            <a:prstGeom prst="rect">
+              <a:avLst/>
+            </a:prstGeom>
+          </p:spPr>
+        </p:pic>
+        <p:sp>
+          <p:nvSpPr>
+            <p:cNvPr id="30" name="TextBox 29">
+              <a:extLst>
+                <a:ext uri="{FF2B5EF4-FFF2-40B4-BE49-F238E27FC236}">
+                  <a16:creationId xmlns:a16="http://schemas.microsoft.com/office/drawing/2014/main" id="{7AC3745E-4836-B44F-8769-8C29FFAF708D}"/>
+                </a:ext>
+              </a:extLst>
+            </p:cNvPr>
+            <p:cNvSpPr txBox="1"/>
+            <p:nvPr/>
+          </p:nvSpPr>
+          <p:spPr>
+            <a:xfrm>
+              <a:off x="6899189" y="2994644"/>
+              <a:ext cx="997947" cy="399551"/>
+            </a:xfrm>
+            <a:prstGeom prst="rect">
+              <a:avLst/>
+            </a:prstGeom>
+            <a:noFill/>
+          </p:spPr>
+          <p:txBody>
+            <a:bodyPr wrap="square" rtlCol="0">
+              <a:spAutoFit/>
+            </a:bodyPr>
+            <a:lstStyle/>
+            <a:p>
+              <a:pPr algn="r"/>
+              <a:r>
+                <a:rPr lang="en-US" sz="850" dirty="0">
+                  <a:solidFill>
+                    <a:schemeClr val="bg1">
+                      <a:lumMod val="50000"/>
+                    </a:schemeClr>
+                  </a:solidFill>
+                  <a:latin typeface="Helvetica Neue" panose="02000503000000020004" pitchFamily="2" charset="0"/>
+                  <a:ea typeface="Helvetica Neue" panose="02000503000000020004" pitchFamily="2" charset="0"/>
+                  <a:cs typeface="Helvetica Neue" panose="02000503000000020004" pitchFamily="2" charset="0"/>
+                </a:rPr>
+                <a:t>---</a:t>
+              </a:r>
+              <a:r>
+                <a:rPr lang="en-US" sz="400" dirty="0">
+                  <a:solidFill>
+                    <a:schemeClr val="bg1">
+                      <a:lumMod val="50000"/>
+                    </a:schemeClr>
+                  </a:solidFill>
+                  <a:latin typeface="Helvetica Neue" panose="02000503000000020004" pitchFamily="2" charset="0"/>
+                  <a:ea typeface="Helvetica Neue" panose="02000503000000020004" pitchFamily="2" charset="0"/>
+                  <a:cs typeface="Helvetica Neue" panose="02000503000000020004" pitchFamily="2" charset="0"/>
+                </a:rPr>
+                <a:t> </a:t>
+              </a:r>
+              <a:r>
+                <a:rPr lang="en-US" sz="850" dirty="0">
+                  <a:latin typeface="Helvetica Neue" panose="02000503000000020004" pitchFamily="2" charset="0"/>
+                  <a:ea typeface="Helvetica Neue" panose="02000503000000020004" pitchFamily="2" charset="0"/>
+                  <a:cs typeface="Helvetica Neue" panose="02000503000000020004" pitchFamily="2" charset="0"/>
+                </a:rPr>
+                <a:t>  Null H</a:t>
+              </a:r>
+              <a:r>
+                <a:rPr lang="en-US" sz="850" baseline="-25000" dirty="0">
+                  <a:latin typeface="Helvetica Neue" panose="02000503000000020004" pitchFamily="2" charset="0"/>
+                  <a:ea typeface="Helvetica Neue" panose="02000503000000020004" pitchFamily="2" charset="0"/>
+                  <a:cs typeface="Helvetica Neue" panose="02000503000000020004" pitchFamily="2" charset="0"/>
+                </a:rPr>
+                <a:t>0</a:t>
+              </a:r>
+              <a:endParaRPr lang="en-US" sz="850" dirty="0">
                 <a:latin typeface="Helvetica Neue" panose="02000503000000020004" pitchFamily="2" charset="0"/>
                 <a:ea typeface="Helvetica Neue" panose="02000503000000020004" pitchFamily="2" charset="0"/>
                 <a:cs typeface="Helvetica Neue" panose="02000503000000020004" pitchFamily="2" charset="0"/>
-              </a:rPr>
-              <a:t>b</a:t>
-            </a:r>
-          </a:p>
-        </p:txBody>
-      </p:sp>
-      <p:sp>
-        <p:nvSpPr>
-          <p:cNvPr id="37" name="TextBox 36">
+              </a:endParaRPr>
+            </a:p>
+            <a:p>
+              <a:pPr algn="r"/>
+              <a:r>
+                <a:rPr lang="en-US" sz="700" dirty="0">
+                  <a:latin typeface="Helvetica Neue" panose="02000503000000020004" pitchFamily="2" charset="0"/>
+                  <a:ea typeface="Helvetica Neue" panose="02000503000000020004" pitchFamily="2" charset="0"/>
+                  <a:cs typeface="Helvetica Neue" panose="02000503000000020004" pitchFamily="2" charset="0"/>
+                </a:rPr>
+                <a:t>(linear mixing)</a:t>
+              </a:r>
+              <a:endParaRPr lang="en-US" sz="700" baseline="-25000" dirty="0">
+                <a:latin typeface="Helvetica Neue" panose="02000503000000020004" pitchFamily="2" charset="0"/>
+                <a:ea typeface="Helvetica Neue" panose="02000503000000020004" pitchFamily="2" charset="0"/>
+                <a:cs typeface="Helvetica Neue" panose="02000503000000020004" pitchFamily="2" charset="0"/>
+              </a:endParaRPr>
+            </a:p>
+          </p:txBody>
+        </p:sp>
+      </p:grpSp>
+      <p:grpSp>
+        <p:nvGrpSpPr>
+          <p:cNvPr id="8" name="Group 7">
             <a:extLst>
               <a:ext uri="{FF2B5EF4-FFF2-40B4-BE49-F238E27FC236}">
-                <a16:creationId xmlns:a16="http://schemas.microsoft.com/office/drawing/2014/main" id="{C29C2A4A-EBF4-9C43-A9EF-B4FE051397FD}"/>
+                <a16:creationId xmlns:a16="http://schemas.microsoft.com/office/drawing/2014/main" id="{8EB692DD-50F1-504A-87C3-B41DA3FB8155}"/>
               </a:ext>
             </a:extLst>
           </p:cNvPr>
-          <p:cNvSpPr txBox="1"/>
+          <p:cNvGrpSpPr/>
           <p:nvPr/>
-        </p:nvSpPr>
-        <p:spPr>
-          <a:xfrm>
-            <a:off x="0" y="1486062"/>
-            <a:ext cx="532050" cy="311217"/>
-          </a:xfrm>
-          <a:prstGeom prst="rect">
-            <a:avLst/>
-          </a:prstGeom>
-          <a:noFill/>
-        </p:spPr>
-        <p:txBody>
-          <a:bodyPr wrap="square" rtlCol="0">
-            <a:spAutoFit/>
-          </a:bodyPr>
-          <a:lstStyle/>
-          <a:p>
-            <a:pPr algn="ctr"/>
-            <a:r>
-              <a:rPr lang="en-US" sz="1600" b="1" dirty="0">
-                <a:latin typeface="Helvetica Neue" panose="02000503000000020004" pitchFamily="2" charset="0"/>
-                <a:ea typeface="Helvetica Neue" panose="02000503000000020004" pitchFamily="2" charset="0"/>
-                <a:cs typeface="Helvetica Neue" panose="02000503000000020004" pitchFamily="2" charset="0"/>
-              </a:rPr>
-              <a:t>a</a:t>
-            </a:r>
-          </a:p>
-        </p:txBody>
-      </p:sp>
+        </p:nvGrpSpPr>
+        <p:grpSpPr>
+          <a:xfrm>
+            <a:off x="916129" y="13598"/>
+            <a:ext cx="6086193" cy="3465576"/>
+            <a:chOff x="584117" y="13598"/>
+            <a:chExt cx="6086193" cy="3465576"/>
+          </a:xfrm>
+        </p:grpSpPr>
+        <p:pic>
+          <p:nvPicPr>
+            <p:cNvPr id="3" name="Picture 2">
+              <a:extLst>
+                <a:ext uri="{FF2B5EF4-FFF2-40B4-BE49-F238E27FC236}">
+                  <a16:creationId xmlns:a16="http://schemas.microsoft.com/office/drawing/2014/main" id="{D4D8543D-6BA7-4341-A244-DCFBB5C90598}"/>
+                </a:ext>
+              </a:extLst>
+            </p:cNvPr>
+            <p:cNvPicPr>
+              <a:picLocks noChangeAspect="1"/>
+            </p:cNvPicPr>
+            <p:nvPr/>
+          </p:nvPicPr>
+          <p:blipFill>
+            <a:blip r:embed="rId4"/>
+            <a:stretch>
+              <a:fillRect/>
+            </a:stretch>
+          </p:blipFill>
+          <p:spPr>
+            <a:xfrm>
+              <a:off x="704326" y="277321"/>
+              <a:ext cx="2975244" cy="1481789"/>
+            </a:xfrm>
+            <a:prstGeom prst="rect">
+              <a:avLst/>
+            </a:prstGeom>
+          </p:spPr>
+        </p:pic>
+        <p:pic>
+          <p:nvPicPr>
+            <p:cNvPr id="5" name="Picture 4">
+              <a:extLst>
+                <a:ext uri="{FF2B5EF4-FFF2-40B4-BE49-F238E27FC236}">
+                  <a16:creationId xmlns:a16="http://schemas.microsoft.com/office/drawing/2014/main" id="{EDBFA3E5-5F59-C743-9EAB-83A487319432}"/>
+                </a:ext>
+              </a:extLst>
+            </p:cNvPr>
+            <p:cNvPicPr>
+              <a:picLocks noChangeAspect="1"/>
+            </p:cNvPicPr>
+            <p:nvPr/>
+          </p:nvPicPr>
+          <p:blipFill>
+            <a:blip r:embed="rId5"/>
+            <a:stretch>
+              <a:fillRect/>
+            </a:stretch>
+          </p:blipFill>
+          <p:spPr>
+            <a:xfrm>
+              <a:off x="3695066" y="1997385"/>
+              <a:ext cx="2975244" cy="1481789"/>
+            </a:xfrm>
+            <a:prstGeom prst="rect">
+              <a:avLst/>
+            </a:prstGeom>
+          </p:spPr>
+        </p:pic>
+        <p:pic>
+          <p:nvPicPr>
+            <p:cNvPr id="7" name="Picture 6">
+              <a:extLst>
+                <a:ext uri="{FF2B5EF4-FFF2-40B4-BE49-F238E27FC236}">
+                  <a16:creationId xmlns:a16="http://schemas.microsoft.com/office/drawing/2014/main" id="{2AD87433-B3D3-1746-9DBF-2122AC496D50}"/>
+                </a:ext>
+              </a:extLst>
+            </p:cNvPr>
+            <p:cNvPicPr>
+              <a:picLocks noChangeAspect="1"/>
+            </p:cNvPicPr>
+            <p:nvPr/>
+          </p:nvPicPr>
+          <p:blipFill>
+            <a:blip r:embed="rId6"/>
+            <a:stretch>
+              <a:fillRect/>
+            </a:stretch>
+          </p:blipFill>
+          <p:spPr>
+            <a:xfrm>
+              <a:off x="704326" y="1997385"/>
+              <a:ext cx="2975244" cy="1481789"/>
+            </a:xfrm>
+            <a:prstGeom prst="rect">
+              <a:avLst/>
+            </a:prstGeom>
+          </p:spPr>
+        </p:pic>
+        <p:pic>
+          <p:nvPicPr>
+            <p:cNvPr id="9" name="Picture 8">
+              <a:extLst>
+                <a:ext uri="{FF2B5EF4-FFF2-40B4-BE49-F238E27FC236}">
+                  <a16:creationId xmlns:a16="http://schemas.microsoft.com/office/drawing/2014/main" id="{6A91BEC2-27FD-6842-98F6-FA183E57B6A3}"/>
+                </a:ext>
+              </a:extLst>
+            </p:cNvPr>
+            <p:cNvPicPr>
+              <a:picLocks noChangeAspect="1"/>
+            </p:cNvPicPr>
+            <p:nvPr/>
+          </p:nvPicPr>
+          <p:blipFill>
+            <a:blip r:embed="rId7"/>
+            <a:stretch>
+              <a:fillRect/>
+            </a:stretch>
+          </p:blipFill>
+          <p:spPr>
+            <a:xfrm>
+              <a:off x="3695066" y="277321"/>
+              <a:ext cx="2975244" cy="1481789"/>
+            </a:xfrm>
+            <a:prstGeom prst="rect">
+              <a:avLst/>
+            </a:prstGeom>
+          </p:spPr>
+        </p:pic>
+        <p:sp>
+          <p:nvSpPr>
+            <p:cNvPr id="18" name="TextBox 17">
+              <a:extLst>
+                <a:ext uri="{FF2B5EF4-FFF2-40B4-BE49-F238E27FC236}">
+                  <a16:creationId xmlns:a16="http://schemas.microsoft.com/office/drawing/2014/main" id="{46BBEC22-8FD3-4646-AE1A-C6C1C5D5E1E6}"/>
+                </a:ext>
+              </a:extLst>
+            </p:cNvPr>
+            <p:cNvSpPr txBox="1"/>
+            <p:nvPr/>
+          </p:nvSpPr>
+          <p:spPr>
+            <a:xfrm>
+              <a:off x="3582146" y="13598"/>
+              <a:ext cx="450825" cy="263705"/>
+            </a:xfrm>
+            <a:prstGeom prst="rect">
+              <a:avLst/>
+            </a:prstGeom>
+            <a:noFill/>
+          </p:spPr>
+          <p:txBody>
+            <a:bodyPr wrap="square" rtlCol="0">
+              <a:spAutoFit/>
+            </a:bodyPr>
+            <a:lstStyle/>
+            <a:p>
+              <a:pPr algn="ctr"/>
+              <a:r>
+                <a:rPr lang="en-US" sz="1400" b="1" dirty="0">
+                  <a:latin typeface="Helvetica Neue" panose="02000503000000020004" pitchFamily="2" charset="0"/>
+                  <a:ea typeface="Helvetica Neue" panose="02000503000000020004" pitchFamily="2" charset="0"/>
+                  <a:cs typeface="Helvetica Neue" panose="02000503000000020004" pitchFamily="2" charset="0"/>
+                </a:rPr>
+                <a:t>b</a:t>
+              </a:r>
+            </a:p>
+          </p:txBody>
+        </p:sp>
+        <p:sp>
+          <p:nvSpPr>
+            <p:cNvPr id="16" name="TextBox 15">
+              <a:extLst>
+                <a:ext uri="{FF2B5EF4-FFF2-40B4-BE49-F238E27FC236}">
+                  <a16:creationId xmlns:a16="http://schemas.microsoft.com/office/drawing/2014/main" id="{0B8EA217-6F2C-0943-8D48-F70EC12EC200}"/>
+                </a:ext>
+              </a:extLst>
+            </p:cNvPr>
+            <p:cNvSpPr txBox="1"/>
+            <p:nvPr/>
+          </p:nvSpPr>
+          <p:spPr>
+            <a:xfrm>
+              <a:off x="601397" y="14555"/>
+              <a:ext cx="450825" cy="263705"/>
+            </a:xfrm>
+            <a:prstGeom prst="rect">
+              <a:avLst/>
+            </a:prstGeom>
+            <a:noFill/>
+          </p:spPr>
+          <p:txBody>
+            <a:bodyPr wrap="square" rtlCol="0">
+              <a:spAutoFit/>
+            </a:bodyPr>
+            <a:lstStyle/>
+            <a:p>
+              <a:pPr algn="ctr"/>
+              <a:r>
+                <a:rPr lang="en-US" sz="1400" b="1" dirty="0">
+                  <a:latin typeface="Helvetica Neue" panose="02000503000000020004" pitchFamily="2" charset="0"/>
+                  <a:ea typeface="Helvetica Neue" panose="02000503000000020004" pitchFamily="2" charset="0"/>
+                  <a:cs typeface="Helvetica Neue" panose="02000503000000020004" pitchFamily="2" charset="0"/>
+                </a:rPr>
+                <a:t>a</a:t>
+              </a:r>
+            </a:p>
+          </p:txBody>
+        </p:sp>
+        <p:sp>
+          <p:nvSpPr>
+            <p:cNvPr id="20" name="TextBox 19">
+              <a:extLst>
+                <a:ext uri="{FF2B5EF4-FFF2-40B4-BE49-F238E27FC236}">
+                  <a16:creationId xmlns:a16="http://schemas.microsoft.com/office/drawing/2014/main" id="{E8C86BD2-9FE9-8C4D-A835-2EAAEE829653}"/>
+                </a:ext>
+              </a:extLst>
+            </p:cNvPr>
+            <p:cNvSpPr txBox="1"/>
+            <p:nvPr/>
+          </p:nvSpPr>
+          <p:spPr>
+            <a:xfrm>
+              <a:off x="584117" y="1724298"/>
+              <a:ext cx="450825" cy="263705"/>
+            </a:xfrm>
+            <a:prstGeom prst="rect">
+              <a:avLst/>
+            </a:prstGeom>
+            <a:noFill/>
+          </p:spPr>
+          <p:txBody>
+            <a:bodyPr wrap="square" rtlCol="0">
+              <a:spAutoFit/>
+            </a:bodyPr>
+            <a:lstStyle/>
+            <a:p>
+              <a:pPr algn="ctr"/>
+              <a:r>
+                <a:rPr lang="en-US" sz="1400" b="1" dirty="0">
+                  <a:latin typeface="Helvetica Neue" panose="02000503000000020004" pitchFamily="2" charset="0"/>
+                  <a:ea typeface="Helvetica Neue" panose="02000503000000020004" pitchFamily="2" charset="0"/>
+                  <a:cs typeface="Helvetica Neue" panose="02000503000000020004" pitchFamily="2" charset="0"/>
+                </a:rPr>
+                <a:t>c</a:t>
+              </a:r>
+            </a:p>
+          </p:txBody>
+        </p:sp>
+        <p:sp>
+          <p:nvSpPr>
+            <p:cNvPr id="22" name="TextBox 21">
+              <a:extLst>
+                <a:ext uri="{FF2B5EF4-FFF2-40B4-BE49-F238E27FC236}">
+                  <a16:creationId xmlns:a16="http://schemas.microsoft.com/office/drawing/2014/main" id="{9CC8A2EA-F668-DD43-A074-9F1F726F28A7}"/>
+                </a:ext>
+              </a:extLst>
+            </p:cNvPr>
+            <p:cNvSpPr txBox="1"/>
+            <p:nvPr/>
+          </p:nvSpPr>
+          <p:spPr>
+            <a:xfrm>
+              <a:off x="3582146" y="1728559"/>
+              <a:ext cx="450825" cy="263705"/>
+            </a:xfrm>
+            <a:prstGeom prst="rect">
+              <a:avLst/>
+            </a:prstGeom>
+            <a:noFill/>
+          </p:spPr>
+          <p:txBody>
+            <a:bodyPr wrap="square" rtlCol="0">
+              <a:spAutoFit/>
+            </a:bodyPr>
+            <a:lstStyle/>
+            <a:p>
+              <a:pPr algn="ctr"/>
+              <a:r>
+                <a:rPr lang="en-US" sz="1400" b="1" dirty="0">
+                  <a:latin typeface="Helvetica Neue" panose="02000503000000020004" pitchFamily="2" charset="0"/>
+                  <a:ea typeface="Helvetica Neue" panose="02000503000000020004" pitchFamily="2" charset="0"/>
+                  <a:cs typeface="Helvetica Neue" panose="02000503000000020004" pitchFamily="2" charset="0"/>
+                </a:rPr>
+                <a:t>d</a:t>
+              </a:r>
+            </a:p>
+          </p:txBody>
+        </p:sp>
+        <p:sp>
+          <p:nvSpPr>
+            <p:cNvPr id="34" name="Rectangle 33">
+              <a:extLst>
+                <a:ext uri="{FF2B5EF4-FFF2-40B4-BE49-F238E27FC236}">
+                  <a16:creationId xmlns:a16="http://schemas.microsoft.com/office/drawing/2014/main" id="{FCC82B76-D613-B14A-9751-C3404A7F5100}"/>
+                </a:ext>
+              </a:extLst>
+            </p:cNvPr>
+            <p:cNvSpPr/>
+            <p:nvPr/>
+          </p:nvSpPr>
+          <p:spPr>
+            <a:xfrm>
+              <a:off x="2215192" y="435977"/>
+              <a:ext cx="214560" cy="898999"/>
+            </a:xfrm>
+            <a:prstGeom prst="rect">
+              <a:avLst/>
+            </a:prstGeom>
+            <a:noFill/>
+            <a:ln w="6350">
+              <a:solidFill>
+                <a:schemeClr val="tx1"/>
+              </a:solidFill>
+            </a:ln>
+          </p:spPr>
+          <p:style>
+            <a:lnRef idx="2">
+              <a:schemeClr val="accent1">
+                <a:shade val="50000"/>
+              </a:schemeClr>
+            </a:lnRef>
+            <a:fillRef idx="1">
+              <a:schemeClr val="accent1"/>
+            </a:fillRef>
+            <a:effectRef idx="0">
+              <a:schemeClr val="accent1"/>
+            </a:effectRef>
+            <a:fontRef idx="minor">
+              <a:schemeClr val="lt1"/>
+            </a:fontRef>
+          </p:style>
+          <p:txBody>
+            <a:bodyPr rtlCol="0" anchor="ctr"/>
+            <a:lstStyle/>
+            <a:p>
+              <a:pPr algn="ctr"/>
+              <a:endParaRPr lang="en-US"/>
+            </a:p>
+          </p:txBody>
+        </p:sp>
+        <p:cxnSp>
+          <p:nvCxnSpPr>
+            <p:cNvPr id="36" name="Straight Arrow Connector 35">
+              <a:extLst>
+                <a:ext uri="{FF2B5EF4-FFF2-40B4-BE49-F238E27FC236}">
+                  <a16:creationId xmlns:a16="http://schemas.microsoft.com/office/drawing/2014/main" id="{FCB6A53D-8895-5444-BC26-FDB3CED3D01F}"/>
+                </a:ext>
+              </a:extLst>
+            </p:cNvPr>
+            <p:cNvCxnSpPr>
+              <a:cxnSpLocks/>
+            </p:cNvCxnSpPr>
+            <p:nvPr/>
+          </p:nvCxnSpPr>
+          <p:spPr>
+            <a:xfrm>
+              <a:off x="2317184" y="263526"/>
+              <a:ext cx="0" cy="171485"/>
+            </a:xfrm>
+            <a:prstGeom prst="straightConnector1">
+              <a:avLst/>
+            </a:prstGeom>
+            <a:ln>
+              <a:solidFill>
+                <a:schemeClr val="tx1"/>
+              </a:solidFill>
+              <a:tailEnd type="triangle"/>
+            </a:ln>
+          </p:spPr>
+          <p:style>
+            <a:lnRef idx="1">
+              <a:schemeClr val="accent1"/>
+            </a:lnRef>
+            <a:fillRef idx="0">
+              <a:schemeClr val="accent1"/>
+            </a:fillRef>
+            <a:effectRef idx="0">
+              <a:schemeClr val="accent1"/>
+            </a:effectRef>
+            <a:fontRef idx="minor">
+              <a:schemeClr val="tx1"/>
+            </a:fontRef>
+          </p:style>
+        </p:cxnSp>
+        <p:sp>
+          <p:nvSpPr>
+            <p:cNvPr id="40" name="TextBox 39">
+              <a:extLst>
+                <a:ext uri="{FF2B5EF4-FFF2-40B4-BE49-F238E27FC236}">
+                  <a16:creationId xmlns:a16="http://schemas.microsoft.com/office/drawing/2014/main" id="{59710CE9-75A6-8E4F-BC0F-9128A72B5E28}"/>
+                </a:ext>
+              </a:extLst>
+            </p:cNvPr>
+            <p:cNvSpPr txBox="1"/>
+            <p:nvPr/>
+          </p:nvSpPr>
+          <p:spPr>
+            <a:xfrm>
+              <a:off x="1640562" y="79855"/>
+              <a:ext cx="1371599" cy="192024"/>
+            </a:xfrm>
+            <a:prstGeom prst="rect">
+              <a:avLst/>
+            </a:prstGeom>
+            <a:noFill/>
+          </p:spPr>
+          <p:txBody>
+            <a:bodyPr wrap="square" rtlCol="0">
+              <a:spAutoFit/>
+            </a:bodyPr>
+            <a:lstStyle/>
+            <a:p>
+              <a:pPr algn="ctr"/>
+              <a:r>
+                <a:rPr lang="en-US" sz="900" i="1" dirty="0">
+                  <a:solidFill>
+                    <a:srgbClr val="8FB132"/>
+                  </a:solidFill>
+                  <a:latin typeface="Helvetica Neue" panose="02000503000000020004" pitchFamily="2" charset="0"/>
+                  <a:ea typeface="Helvetica Neue" panose="02000503000000020004" pitchFamily="2" charset="0"/>
+                  <a:cs typeface="Helvetica Neue" panose="02000503000000020004" pitchFamily="2" charset="0"/>
+                </a:rPr>
+                <a:t>No effect</a:t>
+              </a:r>
+            </a:p>
+          </p:txBody>
+        </p:sp>
+        <p:sp>
+          <p:nvSpPr>
+            <p:cNvPr id="47" name="Rectangle 46">
+              <a:extLst>
+                <a:ext uri="{FF2B5EF4-FFF2-40B4-BE49-F238E27FC236}">
+                  <a16:creationId xmlns:a16="http://schemas.microsoft.com/office/drawing/2014/main" id="{B01074A1-2499-4948-9DBB-7D0A93A30FE8}"/>
+                </a:ext>
+              </a:extLst>
+            </p:cNvPr>
+            <p:cNvSpPr/>
+            <p:nvPr/>
+          </p:nvSpPr>
+          <p:spPr>
+            <a:xfrm>
+              <a:off x="5205932" y="435977"/>
+              <a:ext cx="214560" cy="895837"/>
+            </a:xfrm>
+            <a:prstGeom prst="rect">
+              <a:avLst/>
+            </a:prstGeom>
+            <a:noFill/>
+            <a:ln w="6350">
+              <a:solidFill>
+                <a:schemeClr val="tx1"/>
+              </a:solidFill>
+            </a:ln>
+          </p:spPr>
+          <p:style>
+            <a:lnRef idx="2">
+              <a:schemeClr val="accent1">
+                <a:shade val="50000"/>
+              </a:schemeClr>
+            </a:lnRef>
+            <a:fillRef idx="1">
+              <a:schemeClr val="accent1"/>
+            </a:fillRef>
+            <a:effectRef idx="0">
+              <a:schemeClr val="accent1"/>
+            </a:effectRef>
+            <a:fontRef idx="minor">
+              <a:schemeClr val="lt1"/>
+            </a:fontRef>
+          </p:style>
+          <p:txBody>
+            <a:bodyPr rtlCol="0" anchor="ctr"/>
+            <a:lstStyle/>
+            <a:p>
+              <a:pPr algn="ctr"/>
+              <a:endParaRPr lang="en-US"/>
+            </a:p>
+          </p:txBody>
+        </p:sp>
+        <p:cxnSp>
+          <p:nvCxnSpPr>
+            <p:cNvPr id="48" name="Straight Arrow Connector 47">
+              <a:extLst>
+                <a:ext uri="{FF2B5EF4-FFF2-40B4-BE49-F238E27FC236}">
+                  <a16:creationId xmlns:a16="http://schemas.microsoft.com/office/drawing/2014/main" id="{3673C9ED-1E77-ED4B-9332-C7996099B01B}"/>
+                </a:ext>
+              </a:extLst>
+            </p:cNvPr>
+            <p:cNvCxnSpPr>
+              <a:cxnSpLocks/>
+            </p:cNvCxnSpPr>
+            <p:nvPr/>
+          </p:nvCxnSpPr>
+          <p:spPr>
+            <a:xfrm>
+              <a:off x="5307596" y="239293"/>
+              <a:ext cx="0" cy="192554"/>
+            </a:xfrm>
+            <a:prstGeom prst="straightConnector1">
+              <a:avLst/>
+            </a:prstGeom>
+            <a:ln>
+              <a:solidFill>
+                <a:schemeClr val="tx1"/>
+              </a:solidFill>
+              <a:tailEnd type="triangle"/>
+            </a:ln>
+          </p:spPr>
+          <p:style>
+            <a:lnRef idx="1">
+              <a:schemeClr val="accent1"/>
+            </a:lnRef>
+            <a:fillRef idx="0">
+              <a:schemeClr val="accent1"/>
+            </a:fillRef>
+            <a:effectRef idx="0">
+              <a:schemeClr val="accent1"/>
+            </a:effectRef>
+            <a:fontRef idx="minor">
+              <a:schemeClr val="tx1"/>
+            </a:fontRef>
+          </p:style>
+        </p:cxnSp>
+        <p:sp>
+          <p:nvSpPr>
+            <p:cNvPr id="49" name="TextBox 48">
+              <a:extLst>
+                <a:ext uri="{FF2B5EF4-FFF2-40B4-BE49-F238E27FC236}">
+                  <a16:creationId xmlns:a16="http://schemas.microsoft.com/office/drawing/2014/main" id="{2505A704-0B39-3948-B702-3DE6FB8A566F}"/>
+                </a:ext>
+              </a:extLst>
+            </p:cNvPr>
+            <p:cNvSpPr txBox="1"/>
+            <p:nvPr/>
+          </p:nvSpPr>
+          <p:spPr>
+            <a:xfrm>
+              <a:off x="4621796" y="54692"/>
+              <a:ext cx="1371599" cy="192024"/>
+            </a:xfrm>
+            <a:prstGeom prst="rect">
+              <a:avLst/>
+            </a:prstGeom>
+            <a:noFill/>
+          </p:spPr>
+          <p:txBody>
+            <a:bodyPr wrap="square" rtlCol="0">
+              <a:spAutoFit/>
+            </a:bodyPr>
+            <a:lstStyle/>
+            <a:p>
+              <a:pPr algn="ctr"/>
+              <a:r>
+                <a:rPr lang="en-US" sz="900" i="1" dirty="0">
+                  <a:solidFill>
+                    <a:srgbClr val="8FB132"/>
+                  </a:solidFill>
+                  <a:latin typeface="Helvetica Neue" panose="02000503000000020004" pitchFamily="2" charset="0"/>
+                  <a:ea typeface="Helvetica Neue" panose="02000503000000020004" pitchFamily="2" charset="0"/>
+                  <a:cs typeface="Helvetica Neue" panose="02000503000000020004" pitchFamily="2" charset="0"/>
+                </a:rPr>
+                <a:t>Downward contagion</a:t>
+              </a:r>
+            </a:p>
+          </p:txBody>
+        </p:sp>
+        <p:sp>
+          <p:nvSpPr>
+            <p:cNvPr id="56" name="Rectangle 55">
+              <a:extLst>
+                <a:ext uri="{FF2B5EF4-FFF2-40B4-BE49-F238E27FC236}">
+                  <a16:creationId xmlns:a16="http://schemas.microsoft.com/office/drawing/2014/main" id="{946FFB0D-B0DB-7746-BE84-CA00A6AC6FC6}"/>
+                </a:ext>
+              </a:extLst>
+            </p:cNvPr>
+            <p:cNvSpPr/>
+            <p:nvPr/>
+          </p:nvSpPr>
+          <p:spPr>
+            <a:xfrm>
+              <a:off x="2215192" y="2152346"/>
+              <a:ext cx="214560" cy="895837"/>
+            </a:xfrm>
+            <a:prstGeom prst="rect">
+              <a:avLst/>
+            </a:prstGeom>
+            <a:noFill/>
+            <a:ln w="6350">
+              <a:solidFill>
+                <a:schemeClr val="tx1"/>
+              </a:solidFill>
+            </a:ln>
+          </p:spPr>
+          <p:style>
+            <a:lnRef idx="2">
+              <a:schemeClr val="accent1">
+                <a:shade val="50000"/>
+              </a:schemeClr>
+            </a:lnRef>
+            <a:fillRef idx="1">
+              <a:schemeClr val="accent1"/>
+            </a:fillRef>
+            <a:effectRef idx="0">
+              <a:schemeClr val="accent1"/>
+            </a:effectRef>
+            <a:fontRef idx="minor">
+              <a:schemeClr val="lt1"/>
+            </a:fontRef>
+          </p:style>
+          <p:txBody>
+            <a:bodyPr rtlCol="0" anchor="ctr"/>
+            <a:lstStyle/>
+            <a:p>
+              <a:pPr algn="ctr"/>
+              <a:endParaRPr lang="en-US"/>
+            </a:p>
+          </p:txBody>
+        </p:sp>
+        <p:cxnSp>
+          <p:nvCxnSpPr>
+            <p:cNvPr id="57" name="Straight Arrow Connector 56">
+              <a:extLst>
+                <a:ext uri="{FF2B5EF4-FFF2-40B4-BE49-F238E27FC236}">
+                  <a16:creationId xmlns:a16="http://schemas.microsoft.com/office/drawing/2014/main" id="{D01545C1-233E-EA44-BA81-A519DB74EB76}"/>
+                </a:ext>
+              </a:extLst>
+            </p:cNvPr>
+            <p:cNvCxnSpPr>
+              <a:cxnSpLocks/>
+            </p:cNvCxnSpPr>
+            <p:nvPr/>
+          </p:nvCxnSpPr>
+          <p:spPr>
+            <a:xfrm>
+              <a:off x="2326846" y="1950897"/>
+              <a:ext cx="0" cy="192554"/>
+            </a:xfrm>
+            <a:prstGeom prst="straightConnector1">
+              <a:avLst/>
+            </a:prstGeom>
+            <a:ln>
+              <a:solidFill>
+                <a:schemeClr val="tx1"/>
+              </a:solidFill>
+              <a:tailEnd type="triangle"/>
+            </a:ln>
+          </p:spPr>
+          <p:style>
+            <a:lnRef idx="1">
+              <a:schemeClr val="accent1"/>
+            </a:lnRef>
+            <a:fillRef idx="0">
+              <a:schemeClr val="accent1"/>
+            </a:fillRef>
+            <a:effectRef idx="0">
+              <a:schemeClr val="accent1"/>
+            </a:effectRef>
+            <a:fontRef idx="minor">
+              <a:schemeClr val="tx1"/>
+            </a:fontRef>
+          </p:style>
+        </p:cxnSp>
+        <p:sp>
+          <p:nvSpPr>
+            <p:cNvPr id="58" name="TextBox 57">
+              <a:extLst>
+                <a:ext uri="{FF2B5EF4-FFF2-40B4-BE49-F238E27FC236}">
+                  <a16:creationId xmlns:a16="http://schemas.microsoft.com/office/drawing/2014/main" id="{01EAAFA9-AE9E-8246-A9FD-6D29F8274912}"/>
+                </a:ext>
+              </a:extLst>
+            </p:cNvPr>
+            <p:cNvSpPr txBox="1"/>
+            <p:nvPr/>
+          </p:nvSpPr>
+          <p:spPr>
+            <a:xfrm>
+              <a:off x="1627156" y="1754182"/>
+              <a:ext cx="1371599" cy="192024"/>
+            </a:xfrm>
+            <a:prstGeom prst="rect">
+              <a:avLst/>
+            </a:prstGeom>
+            <a:noFill/>
+          </p:spPr>
+          <p:txBody>
+            <a:bodyPr wrap="square" rtlCol="0">
+              <a:spAutoFit/>
+            </a:bodyPr>
+            <a:lstStyle/>
+            <a:p>
+              <a:pPr algn="ctr"/>
+              <a:r>
+                <a:rPr lang="en-US" sz="900" i="1" dirty="0">
+                  <a:solidFill>
+                    <a:srgbClr val="8FB132"/>
+                  </a:solidFill>
+                  <a:latin typeface="Helvetica Neue" panose="02000503000000020004" pitchFamily="2" charset="0"/>
+                  <a:ea typeface="Helvetica Neue" panose="02000503000000020004" pitchFamily="2" charset="0"/>
+                  <a:cs typeface="Helvetica Neue" panose="02000503000000020004" pitchFamily="2" charset="0"/>
+                </a:rPr>
+                <a:t>Upward contagion</a:t>
+              </a:r>
+            </a:p>
+          </p:txBody>
+        </p:sp>
+        <p:sp>
+          <p:nvSpPr>
+            <p:cNvPr id="60" name="Rectangle 59">
+              <a:extLst>
+                <a:ext uri="{FF2B5EF4-FFF2-40B4-BE49-F238E27FC236}">
+                  <a16:creationId xmlns:a16="http://schemas.microsoft.com/office/drawing/2014/main" id="{A32BC6D7-F7BC-9347-83A3-B3CCF91F5830}"/>
+                </a:ext>
+              </a:extLst>
+            </p:cNvPr>
+            <p:cNvSpPr/>
+            <p:nvPr/>
+          </p:nvSpPr>
+          <p:spPr>
+            <a:xfrm>
+              <a:off x="5205932" y="2152346"/>
+              <a:ext cx="214560" cy="895837"/>
+            </a:xfrm>
+            <a:prstGeom prst="rect">
+              <a:avLst/>
+            </a:prstGeom>
+            <a:noFill/>
+            <a:ln w="6350">
+              <a:solidFill>
+                <a:schemeClr val="tx1"/>
+              </a:solidFill>
+            </a:ln>
+          </p:spPr>
+          <p:style>
+            <a:lnRef idx="2">
+              <a:schemeClr val="accent1">
+                <a:shade val="50000"/>
+              </a:schemeClr>
+            </a:lnRef>
+            <a:fillRef idx="1">
+              <a:schemeClr val="accent1"/>
+            </a:fillRef>
+            <a:effectRef idx="0">
+              <a:schemeClr val="accent1"/>
+            </a:effectRef>
+            <a:fontRef idx="minor">
+              <a:schemeClr val="lt1"/>
+            </a:fontRef>
+          </p:style>
+          <p:txBody>
+            <a:bodyPr rtlCol="0" anchor="ctr"/>
+            <a:lstStyle/>
+            <a:p>
+              <a:pPr algn="ctr"/>
+              <a:endParaRPr lang="en-US"/>
+            </a:p>
+          </p:txBody>
+        </p:sp>
+        <p:cxnSp>
+          <p:nvCxnSpPr>
+            <p:cNvPr id="61" name="Straight Arrow Connector 60">
+              <a:extLst>
+                <a:ext uri="{FF2B5EF4-FFF2-40B4-BE49-F238E27FC236}">
+                  <a16:creationId xmlns:a16="http://schemas.microsoft.com/office/drawing/2014/main" id="{9799F749-BB09-1044-AE8A-A5DAEEBC2F1E}"/>
+                </a:ext>
+              </a:extLst>
+            </p:cNvPr>
+            <p:cNvCxnSpPr>
+              <a:cxnSpLocks/>
+            </p:cNvCxnSpPr>
+            <p:nvPr/>
+          </p:nvCxnSpPr>
+          <p:spPr>
+            <a:xfrm>
+              <a:off x="5320963" y="1950897"/>
+              <a:ext cx="0" cy="192554"/>
+            </a:xfrm>
+            <a:prstGeom prst="straightConnector1">
+              <a:avLst/>
+            </a:prstGeom>
+            <a:ln>
+              <a:solidFill>
+                <a:schemeClr val="tx1"/>
+              </a:solidFill>
+              <a:tailEnd type="triangle"/>
+            </a:ln>
+          </p:spPr>
+          <p:style>
+            <a:lnRef idx="1">
+              <a:schemeClr val="accent1"/>
+            </a:lnRef>
+            <a:fillRef idx="0">
+              <a:schemeClr val="accent1"/>
+            </a:fillRef>
+            <a:effectRef idx="0">
+              <a:schemeClr val="accent1"/>
+            </a:effectRef>
+            <a:fontRef idx="minor">
+              <a:schemeClr val="tx1"/>
+            </a:fontRef>
+          </p:style>
+        </p:cxnSp>
+        <p:sp>
+          <p:nvSpPr>
+            <p:cNvPr id="62" name="TextBox 61">
+              <a:extLst>
+                <a:ext uri="{FF2B5EF4-FFF2-40B4-BE49-F238E27FC236}">
+                  <a16:creationId xmlns:a16="http://schemas.microsoft.com/office/drawing/2014/main" id="{D13988C2-B628-D948-9CFA-37C8D35D596B}"/>
+                </a:ext>
+              </a:extLst>
+            </p:cNvPr>
+            <p:cNvSpPr txBox="1"/>
+            <p:nvPr/>
+          </p:nvSpPr>
+          <p:spPr>
+            <a:xfrm>
+              <a:off x="4636134" y="1764399"/>
+              <a:ext cx="1371599" cy="192024"/>
+            </a:xfrm>
+            <a:prstGeom prst="rect">
+              <a:avLst/>
+            </a:prstGeom>
+            <a:noFill/>
+          </p:spPr>
+          <p:txBody>
+            <a:bodyPr wrap="square" rtlCol="0">
+              <a:spAutoFit/>
+            </a:bodyPr>
+            <a:lstStyle/>
+            <a:p>
+              <a:pPr algn="ctr"/>
+              <a:r>
+                <a:rPr lang="en-US" sz="900" i="1" dirty="0">
+                  <a:solidFill>
+                    <a:srgbClr val="8FB132"/>
+                  </a:solidFill>
+                  <a:latin typeface="Helvetica Neue" panose="02000503000000020004" pitchFamily="2" charset="0"/>
+                  <a:ea typeface="Helvetica Neue" panose="02000503000000020004" pitchFamily="2" charset="0"/>
+                  <a:cs typeface="Helvetica Neue" panose="02000503000000020004" pitchFamily="2" charset="0"/>
+                </a:rPr>
+                <a:t>Amplification</a:t>
+              </a:r>
+            </a:p>
+          </p:txBody>
+        </p:sp>
+      </p:grpSp>
       <p:pic>
         <p:nvPicPr>
-          <p:cNvPr id="4" name="Picture 3">
+          <p:cNvPr id="6" name="Picture 5" descr="A picture containing sitting, group&#10;&#10;Description automatically generated">
             <a:extLst>
               <a:ext uri="{FF2B5EF4-FFF2-40B4-BE49-F238E27FC236}">
-                <a16:creationId xmlns:a16="http://schemas.microsoft.com/office/drawing/2014/main" id="{30A01737-7917-C44D-B488-B84B8692FE40}"/>
+                <a16:creationId xmlns:a16="http://schemas.microsoft.com/office/drawing/2014/main" id="{D7E5F836-C883-1145-B775-F869590A28EC}"/>
               </a:ext>
             </a:extLst>
           </p:cNvPr>
@@ -9658,55 +12261,65 @@
           <p:nvPr/>
         </p:nvPicPr>
         <p:blipFill>
-          <a:blip r:embed="rId3"/>
+          <a:blip r:embed="rId8"/>
           <a:stretch>
             <a:fillRect/>
           </a:stretch>
         </p:blipFill>
         <p:spPr>
           <a:xfrm>
-            <a:off x="3956050" y="1797278"/>
-            <a:ext cx="3928521" cy="3142817"/>
+            <a:off x="1206923" y="3731047"/>
+            <a:ext cx="5504605" cy="2752303"/>
           </a:xfrm>
           <a:prstGeom prst="rect">
             <a:avLst/>
           </a:prstGeom>
         </p:spPr>
       </p:pic>
-      <p:pic>
-        <p:nvPicPr>
-          <p:cNvPr id="7" name="Picture 6">
+      <p:sp>
+        <p:nvSpPr>
+          <p:cNvPr id="28" name="TextBox 27">
             <a:extLst>
               <a:ext uri="{FF2B5EF4-FFF2-40B4-BE49-F238E27FC236}">
-                <a16:creationId xmlns:a16="http://schemas.microsoft.com/office/drawing/2014/main" id="{678E8869-98EE-1A4E-BE6B-F185615D4A8E}"/>
+                <a16:creationId xmlns:a16="http://schemas.microsoft.com/office/drawing/2014/main" id="{9DAC98E4-7B90-5B4A-9734-E1594B3AC33C}"/>
               </a:ext>
             </a:extLst>
           </p:cNvPr>
-          <p:cNvPicPr>
-            <a:picLocks noChangeAspect="1"/>
-          </p:cNvPicPr>
+          <p:cNvSpPr txBox="1"/>
           <p:nvPr/>
-        </p:nvPicPr>
-        <p:blipFill>
-          <a:blip r:embed="rId4"/>
-          <a:stretch>
-            <a:fillRect/>
-          </a:stretch>
-        </p:blipFill>
-        <p:spPr>
-          <a:xfrm>
-            <a:off x="27529" y="1797279"/>
-            <a:ext cx="3928521" cy="3142817"/>
+        </p:nvSpPr>
+        <p:spPr>
+          <a:xfrm>
+            <a:off x="1137705" y="3563560"/>
+            <a:ext cx="500845" cy="307777"/>
           </a:xfrm>
           <a:prstGeom prst="rect">
             <a:avLst/>
           </a:prstGeom>
-        </p:spPr>
-      </p:pic>
+          <a:noFill/>
+        </p:spPr>
+        <p:txBody>
+          <a:bodyPr wrap="square" rtlCol="0">
+            <a:spAutoFit/>
+          </a:bodyPr>
+          <a:lstStyle/>
+          <a:p>
+            <a:pPr algn="ctr"/>
+            <a:r>
+              <a:rPr lang="en-US" sz="1400" b="1" dirty="0">
+                <a:latin typeface="Helvetica Neue" panose="02000503000000020004" pitchFamily="2" charset="0"/>
+                <a:ea typeface="Helvetica Neue" panose="02000503000000020004" pitchFamily="2" charset="0"/>
+                <a:cs typeface="Helvetica Neue" panose="02000503000000020004" pitchFamily="2" charset="0"/>
+              </a:rPr>
+              <a:t>e</a:t>
+            </a:r>
+          </a:p>
+        </p:txBody>
+      </p:sp>
     </p:spTree>
     <p:extLst>
       <p:ext uri="{BB962C8B-B14F-4D97-AF65-F5344CB8AC3E}">
-        <p14:creationId xmlns:p14="http://schemas.microsoft.com/office/powerpoint/2010/main" val="642784059"/>
+        <p14:creationId xmlns:p14="http://schemas.microsoft.com/office/powerpoint/2010/main" val="4274233073"/>
       </p:ext>
     </p:extLst>
   </p:cSld>
@@ -10038,6 +12651,346 @@
     <p:extLst>
       <p:ext uri="{BB962C8B-B14F-4D97-AF65-F5344CB8AC3E}">
         <p14:creationId xmlns:p14="http://schemas.microsoft.com/office/powerpoint/2010/main" val="2941145489"/>
+      </p:ext>
+    </p:extLst>
+  </p:cSld>
+  <p:clrMapOvr>
+    <a:masterClrMapping/>
+  </p:clrMapOvr>
+</p:sld>
+</file>
+
+<file path=ppt/slides/slide20.xml><?xml version="1.0" encoding="utf-8"?>
+<p:sld xmlns:a="http://schemas.openxmlformats.org/drawingml/2006/main" xmlns:r="http://schemas.openxmlformats.org/officeDocument/2006/relationships" xmlns:p="http://schemas.openxmlformats.org/presentationml/2006/main">
+  <p:cSld>
+    <p:spTree>
+      <p:nvGrpSpPr>
+        <p:cNvPr id="1" name=""/>
+        <p:cNvGrpSpPr/>
+        <p:nvPr/>
+      </p:nvGrpSpPr>
+      <p:grpSpPr>
+        <a:xfrm>
+          <a:off x="0" y="0"/>
+          <a:ext cx="0" cy="0"/>
+          <a:chOff x="0" y="0"/>
+          <a:chExt cx="0" cy="0"/>
+        </a:xfrm>
+      </p:grpSpPr>
+      <p:sp>
+        <p:nvSpPr>
+          <p:cNvPr id="35" name="TextBox 34">
+            <a:extLst>
+              <a:ext uri="{FF2B5EF4-FFF2-40B4-BE49-F238E27FC236}">
+                <a16:creationId xmlns:a16="http://schemas.microsoft.com/office/drawing/2014/main" id="{3DEA8629-13B6-7240-A27C-B4B5A5095B22}"/>
+              </a:ext>
+            </a:extLst>
+          </p:cNvPr>
+          <p:cNvSpPr txBox="1"/>
+          <p:nvPr/>
+        </p:nvSpPr>
+        <p:spPr>
+          <a:xfrm>
+            <a:off x="3956050" y="1486062"/>
+            <a:ext cx="532050" cy="311217"/>
+          </a:xfrm>
+          <a:prstGeom prst="rect">
+            <a:avLst/>
+          </a:prstGeom>
+          <a:noFill/>
+        </p:spPr>
+        <p:txBody>
+          <a:bodyPr wrap="square" rtlCol="0">
+            <a:spAutoFit/>
+          </a:bodyPr>
+          <a:lstStyle/>
+          <a:p>
+            <a:pPr algn="ctr"/>
+            <a:r>
+              <a:rPr lang="en-US" sz="1600" b="1" dirty="0">
+                <a:latin typeface="Helvetica Neue" panose="02000503000000020004" pitchFamily="2" charset="0"/>
+                <a:ea typeface="Helvetica Neue" panose="02000503000000020004" pitchFamily="2" charset="0"/>
+                <a:cs typeface="Helvetica Neue" panose="02000503000000020004" pitchFamily="2" charset="0"/>
+              </a:rPr>
+              <a:t>b</a:t>
+            </a:r>
+          </a:p>
+        </p:txBody>
+      </p:sp>
+      <p:sp>
+        <p:nvSpPr>
+          <p:cNvPr id="37" name="TextBox 36">
+            <a:extLst>
+              <a:ext uri="{FF2B5EF4-FFF2-40B4-BE49-F238E27FC236}">
+                <a16:creationId xmlns:a16="http://schemas.microsoft.com/office/drawing/2014/main" id="{C29C2A4A-EBF4-9C43-A9EF-B4FE051397FD}"/>
+              </a:ext>
+            </a:extLst>
+          </p:cNvPr>
+          <p:cNvSpPr txBox="1"/>
+          <p:nvPr/>
+        </p:nvSpPr>
+        <p:spPr>
+          <a:xfrm>
+            <a:off x="0" y="1486062"/>
+            <a:ext cx="532050" cy="311217"/>
+          </a:xfrm>
+          <a:prstGeom prst="rect">
+            <a:avLst/>
+          </a:prstGeom>
+          <a:noFill/>
+        </p:spPr>
+        <p:txBody>
+          <a:bodyPr wrap="square" rtlCol="0">
+            <a:spAutoFit/>
+          </a:bodyPr>
+          <a:lstStyle/>
+          <a:p>
+            <a:pPr algn="ctr"/>
+            <a:r>
+              <a:rPr lang="en-US" sz="1600" b="1" dirty="0">
+                <a:latin typeface="Helvetica Neue" panose="02000503000000020004" pitchFamily="2" charset="0"/>
+                <a:ea typeface="Helvetica Neue" panose="02000503000000020004" pitchFamily="2" charset="0"/>
+                <a:cs typeface="Helvetica Neue" panose="02000503000000020004" pitchFamily="2" charset="0"/>
+              </a:rPr>
+              <a:t>a</a:t>
+            </a:r>
+          </a:p>
+        </p:txBody>
+      </p:sp>
+      <p:pic>
+        <p:nvPicPr>
+          <p:cNvPr id="9" name="Picture 8">
+            <a:extLst>
+              <a:ext uri="{FF2B5EF4-FFF2-40B4-BE49-F238E27FC236}">
+                <a16:creationId xmlns:a16="http://schemas.microsoft.com/office/drawing/2014/main" id="{EF4E3E67-993E-EA4F-82DC-BD63D7045175}"/>
+              </a:ext>
+            </a:extLst>
+          </p:cNvPr>
+          <p:cNvPicPr>
+            <a:picLocks noChangeAspect="1"/>
+          </p:cNvPicPr>
+          <p:nvPr/>
+        </p:nvPicPr>
+        <p:blipFill>
+          <a:blip r:embed="rId3"/>
+          <a:stretch>
+            <a:fillRect/>
+          </a:stretch>
+        </p:blipFill>
+        <p:spPr>
+          <a:xfrm>
+            <a:off x="27529" y="1797279"/>
+            <a:ext cx="3928521" cy="3142817"/>
+          </a:xfrm>
+          <a:prstGeom prst="rect">
+            <a:avLst/>
+          </a:prstGeom>
+        </p:spPr>
+      </p:pic>
+      <p:pic>
+        <p:nvPicPr>
+          <p:cNvPr id="11" name="Picture 10">
+            <a:extLst>
+              <a:ext uri="{FF2B5EF4-FFF2-40B4-BE49-F238E27FC236}">
+                <a16:creationId xmlns:a16="http://schemas.microsoft.com/office/drawing/2014/main" id="{E2C36201-9DC1-714D-BE3B-52E4792F1B4E}"/>
+              </a:ext>
+            </a:extLst>
+          </p:cNvPr>
+          <p:cNvPicPr>
+            <a:picLocks noChangeAspect="1"/>
+          </p:cNvPicPr>
+          <p:nvPr/>
+        </p:nvPicPr>
+        <p:blipFill>
+          <a:blip r:embed="rId4"/>
+          <a:stretch>
+            <a:fillRect/>
+          </a:stretch>
+        </p:blipFill>
+        <p:spPr>
+          <a:xfrm>
+            <a:off x="3989929" y="1797279"/>
+            <a:ext cx="3928521" cy="3142817"/>
+          </a:xfrm>
+          <a:prstGeom prst="rect">
+            <a:avLst/>
+          </a:prstGeom>
+        </p:spPr>
+      </p:pic>
+    </p:spTree>
+    <p:extLst>
+      <p:ext uri="{BB962C8B-B14F-4D97-AF65-F5344CB8AC3E}">
+        <p14:creationId xmlns:p14="http://schemas.microsoft.com/office/powerpoint/2010/main" val="1324851370"/>
+      </p:ext>
+    </p:extLst>
+  </p:cSld>
+  <p:clrMapOvr>
+    <a:masterClrMapping/>
+  </p:clrMapOvr>
+</p:sld>
+</file>
+
+<file path=ppt/slides/slide21.xml><?xml version="1.0" encoding="utf-8"?>
+<p:sld xmlns:a="http://schemas.openxmlformats.org/drawingml/2006/main" xmlns:r="http://schemas.openxmlformats.org/officeDocument/2006/relationships" xmlns:p="http://schemas.openxmlformats.org/presentationml/2006/main">
+  <p:cSld>
+    <p:spTree>
+      <p:nvGrpSpPr>
+        <p:cNvPr id="1" name=""/>
+        <p:cNvGrpSpPr/>
+        <p:nvPr/>
+      </p:nvGrpSpPr>
+      <p:grpSpPr>
+        <a:xfrm>
+          <a:off x="0" y="0"/>
+          <a:ext cx="0" cy="0"/>
+          <a:chOff x="0" y="0"/>
+          <a:chExt cx="0" cy="0"/>
+        </a:xfrm>
+      </p:grpSpPr>
+      <p:sp>
+        <p:nvSpPr>
+          <p:cNvPr id="35" name="TextBox 34">
+            <a:extLst>
+              <a:ext uri="{FF2B5EF4-FFF2-40B4-BE49-F238E27FC236}">
+                <a16:creationId xmlns:a16="http://schemas.microsoft.com/office/drawing/2014/main" id="{3DEA8629-13B6-7240-A27C-B4B5A5095B22}"/>
+              </a:ext>
+            </a:extLst>
+          </p:cNvPr>
+          <p:cNvSpPr txBox="1"/>
+          <p:nvPr/>
+        </p:nvSpPr>
+        <p:spPr>
+          <a:xfrm>
+            <a:off x="3956050" y="1486062"/>
+            <a:ext cx="532050" cy="311217"/>
+          </a:xfrm>
+          <a:prstGeom prst="rect">
+            <a:avLst/>
+          </a:prstGeom>
+          <a:noFill/>
+        </p:spPr>
+        <p:txBody>
+          <a:bodyPr wrap="square" rtlCol="0">
+            <a:spAutoFit/>
+          </a:bodyPr>
+          <a:lstStyle/>
+          <a:p>
+            <a:pPr algn="ctr"/>
+            <a:r>
+              <a:rPr lang="en-US" sz="1600" b="1" dirty="0">
+                <a:latin typeface="Helvetica Neue" panose="02000503000000020004" pitchFamily="2" charset="0"/>
+                <a:ea typeface="Helvetica Neue" panose="02000503000000020004" pitchFamily="2" charset="0"/>
+                <a:cs typeface="Helvetica Neue" panose="02000503000000020004" pitchFamily="2" charset="0"/>
+              </a:rPr>
+              <a:t>b</a:t>
+            </a:r>
+          </a:p>
+        </p:txBody>
+      </p:sp>
+      <p:sp>
+        <p:nvSpPr>
+          <p:cNvPr id="37" name="TextBox 36">
+            <a:extLst>
+              <a:ext uri="{FF2B5EF4-FFF2-40B4-BE49-F238E27FC236}">
+                <a16:creationId xmlns:a16="http://schemas.microsoft.com/office/drawing/2014/main" id="{C29C2A4A-EBF4-9C43-A9EF-B4FE051397FD}"/>
+              </a:ext>
+            </a:extLst>
+          </p:cNvPr>
+          <p:cNvSpPr txBox="1"/>
+          <p:nvPr/>
+        </p:nvSpPr>
+        <p:spPr>
+          <a:xfrm>
+            <a:off x="0" y="1486062"/>
+            <a:ext cx="532050" cy="311217"/>
+          </a:xfrm>
+          <a:prstGeom prst="rect">
+            <a:avLst/>
+          </a:prstGeom>
+          <a:noFill/>
+        </p:spPr>
+        <p:txBody>
+          <a:bodyPr wrap="square" rtlCol="0">
+            <a:spAutoFit/>
+          </a:bodyPr>
+          <a:lstStyle/>
+          <a:p>
+            <a:pPr algn="ctr"/>
+            <a:r>
+              <a:rPr lang="en-US" sz="1600" b="1" dirty="0">
+                <a:latin typeface="Helvetica Neue" panose="02000503000000020004" pitchFamily="2" charset="0"/>
+                <a:ea typeface="Helvetica Neue" panose="02000503000000020004" pitchFamily="2" charset="0"/>
+                <a:cs typeface="Helvetica Neue" panose="02000503000000020004" pitchFamily="2" charset="0"/>
+              </a:rPr>
+              <a:t>a</a:t>
+            </a:r>
+          </a:p>
+        </p:txBody>
+      </p:sp>
+      <p:pic>
+        <p:nvPicPr>
+          <p:cNvPr id="4" name="Picture 3">
+            <a:extLst>
+              <a:ext uri="{FF2B5EF4-FFF2-40B4-BE49-F238E27FC236}">
+                <a16:creationId xmlns:a16="http://schemas.microsoft.com/office/drawing/2014/main" id="{30A01737-7917-C44D-B488-B84B8692FE40}"/>
+              </a:ext>
+            </a:extLst>
+          </p:cNvPr>
+          <p:cNvPicPr>
+            <a:picLocks noChangeAspect="1"/>
+          </p:cNvPicPr>
+          <p:nvPr/>
+        </p:nvPicPr>
+        <p:blipFill>
+          <a:blip r:embed="rId3"/>
+          <a:stretch>
+            <a:fillRect/>
+          </a:stretch>
+        </p:blipFill>
+        <p:spPr>
+          <a:xfrm>
+            <a:off x="3956050" y="1797278"/>
+            <a:ext cx="3928521" cy="3142817"/>
+          </a:xfrm>
+          <a:prstGeom prst="rect">
+            <a:avLst/>
+          </a:prstGeom>
+        </p:spPr>
+      </p:pic>
+      <p:pic>
+        <p:nvPicPr>
+          <p:cNvPr id="7" name="Picture 6">
+            <a:extLst>
+              <a:ext uri="{FF2B5EF4-FFF2-40B4-BE49-F238E27FC236}">
+                <a16:creationId xmlns:a16="http://schemas.microsoft.com/office/drawing/2014/main" id="{678E8869-98EE-1A4E-BE6B-F185615D4A8E}"/>
+              </a:ext>
+            </a:extLst>
+          </p:cNvPr>
+          <p:cNvPicPr>
+            <a:picLocks noChangeAspect="1"/>
+          </p:cNvPicPr>
+          <p:nvPr/>
+        </p:nvPicPr>
+        <p:blipFill>
+          <a:blip r:embed="rId4"/>
+          <a:stretch>
+            <a:fillRect/>
+          </a:stretch>
+        </p:blipFill>
+        <p:spPr>
+          <a:xfrm>
+            <a:off x="27529" y="1797279"/>
+            <a:ext cx="3928521" cy="3142817"/>
+          </a:xfrm>
+          <a:prstGeom prst="rect">
+            <a:avLst/>
+          </a:prstGeom>
+        </p:spPr>
+      </p:pic>
+    </p:spTree>
+    <p:extLst>
+      <p:ext uri="{BB962C8B-B14F-4D97-AF65-F5344CB8AC3E}">
+        <p14:creationId xmlns:p14="http://schemas.microsoft.com/office/powerpoint/2010/main" val="642784059"/>
       </p:ext>
     </p:extLst>
   </p:cSld>

--- a/slides/figures_191206.pptx
+++ b/slides/figures_191206.pptx
@@ -5,7 +5,7 @@
     <p:sldMasterId id="2147483684" r:id="rId1"/>
   </p:sldMasterIdLst>
   <p:notesMasterIdLst>
-    <p:notesMasterId r:id="rId23"/>
+    <p:notesMasterId r:id="rId24"/>
   </p:notesMasterIdLst>
   <p:sldIdLst>
     <p:sldId id="256" r:id="rId2"/>
@@ -27,8 +27,9 @@
     <p:sldId id="265" r:id="rId18"/>
     <p:sldId id="274" r:id="rId19"/>
     <p:sldId id="275" r:id="rId20"/>
-    <p:sldId id="266" r:id="rId21"/>
-    <p:sldId id="267" r:id="rId22"/>
+    <p:sldId id="277" r:id="rId21"/>
+    <p:sldId id="266" r:id="rId22"/>
+    <p:sldId id="267" r:id="rId23"/>
   </p:sldIdLst>
   <p:sldSz cx="7918450" cy="6483350"/>
   <p:notesSz cx="6858000" cy="9144000"/>
@@ -217,7 +218,7 @@
           <a:p>
             <a:fld id="{5E7D9203-8D15-1F45-AFEF-29CE894B8122}" type="datetimeFigureOut">
               <a:rPr lang="en-US" smtClean="0"/>
-              <a:t>2/2/20</a:t>
+              <a:t>2/3/20</a:t>
             </a:fld>
             <a:endParaRPr lang="en-US"/>
           </a:p>
@@ -1637,7 +1638,10 @@
           <a:bodyPr/>
           <a:lstStyle/>
           <a:p>
-            <a:endParaRPr lang="en-US" dirty="0"/>
+            <a:r>
+              <a:rPr lang="en-US" dirty="0"/>
+              <a:t>2/3/20 Fig. 5 – updated with new params, soon to add a new panel for complex mixes</a:t>
+            </a:r>
           </a:p>
         </p:txBody>
       </p:sp>
@@ -1667,7 +1671,7 @@
     </p:spTree>
     <p:extLst>
       <p:ext uri="{BB962C8B-B14F-4D97-AF65-F5344CB8AC3E}">
-        <p14:creationId xmlns:p14="http://schemas.microsoft.com/office/powerpoint/2010/main" val="4283938702"/>
+        <p14:creationId xmlns:p14="http://schemas.microsoft.com/office/powerpoint/2010/main" val="27841797"/>
       </p:ext>
     </p:extLst>
   </p:cSld>
@@ -1748,6 +1752,95 @@
             <a:fld id="{A697AF77-229E-5D4A-87D0-A949D969F47C}" type="slidenum">
               <a:rPr lang="en-US" smtClean="0"/>
               <a:t>21</a:t>
+            </a:fld>
+            <a:endParaRPr lang="en-US"/>
+          </a:p>
+        </p:txBody>
+      </p:sp>
+    </p:spTree>
+    <p:extLst>
+      <p:ext uri="{BB962C8B-B14F-4D97-AF65-F5344CB8AC3E}">
+        <p14:creationId xmlns:p14="http://schemas.microsoft.com/office/powerpoint/2010/main" val="4283938702"/>
+      </p:ext>
+    </p:extLst>
+  </p:cSld>
+  <p:clrMapOvr>
+    <a:masterClrMapping/>
+  </p:clrMapOvr>
+</p:notes>
+</file>
+
+<file path=ppt/notesSlides/notesSlide22.xml><?xml version="1.0" encoding="utf-8"?>
+<p:notes xmlns:a="http://schemas.openxmlformats.org/drawingml/2006/main" xmlns:r="http://schemas.openxmlformats.org/officeDocument/2006/relationships" xmlns:p="http://schemas.openxmlformats.org/presentationml/2006/main">
+  <p:cSld>
+    <p:spTree>
+      <p:nvGrpSpPr>
+        <p:cNvPr id="1" name=""/>
+        <p:cNvGrpSpPr/>
+        <p:nvPr/>
+      </p:nvGrpSpPr>
+      <p:grpSpPr>
+        <a:xfrm>
+          <a:off x="0" y="0"/>
+          <a:ext cx="0" cy="0"/>
+          <a:chOff x="0" y="0"/>
+          <a:chExt cx="0" cy="0"/>
+        </a:xfrm>
+      </p:grpSpPr>
+      <p:sp>
+        <p:nvSpPr>
+          <p:cNvPr id="2" name="Slide Image Placeholder 1"/>
+          <p:cNvSpPr>
+            <a:spLocks noGrp="1" noRot="1" noChangeAspect="1"/>
+          </p:cNvSpPr>
+          <p:nvPr>
+            <p:ph type="sldImg"/>
+          </p:nvPr>
+        </p:nvSpPr>
+        <p:spPr>
+          <a:xfrm>
+            <a:off x="1544638" y="1143000"/>
+            <a:ext cx="3768725" cy="3086100"/>
+          </a:xfrm>
+        </p:spPr>
+      </p:sp>
+      <p:sp>
+        <p:nvSpPr>
+          <p:cNvPr id="3" name="Notes Placeholder 2"/>
+          <p:cNvSpPr>
+            <a:spLocks noGrp="1"/>
+          </p:cNvSpPr>
+          <p:nvPr>
+            <p:ph type="body" idx="1"/>
+          </p:nvPr>
+        </p:nvSpPr>
+        <p:spPr/>
+        <p:txBody>
+          <a:bodyPr/>
+          <a:lstStyle/>
+          <a:p>
+            <a:endParaRPr lang="en-US" dirty="0"/>
+          </a:p>
+        </p:txBody>
+      </p:sp>
+      <p:sp>
+        <p:nvSpPr>
+          <p:cNvPr id="4" name="Slide Number Placeholder 3"/>
+          <p:cNvSpPr>
+            <a:spLocks noGrp="1"/>
+          </p:cNvSpPr>
+          <p:nvPr>
+            <p:ph type="sldNum" sz="quarter" idx="5"/>
+          </p:nvPr>
+        </p:nvSpPr>
+        <p:spPr/>
+        <p:txBody>
+          <a:bodyPr/>
+          <a:lstStyle/>
+          <a:p>
+            <a:fld id="{A697AF77-229E-5D4A-87D0-A949D969F47C}" type="slidenum">
+              <a:rPr lang="en-US" smtClean="0"/>
+              <a:t>22</a:t>
             </a:fld>
             <a:endParaRPr lang="en-US"/>
           </a:p>
@@ -2541,7 +2634,7 @@
           <a:p>
             <a:fld id="{AAC8E564-4E2A-8441-940F-9FCAA67208AC}" type="datetimeFigureOut">
               <a:rPr lang="en-US" smtClean="0"/>
-              <a:t>2/2/20</a:t>
+              <a:t>2/3/20</a:t>
             </a:fld>
             <a:endParaRPr lang="en-US"/>
           </a:p>
@@ -2711,7 +2804,7 @@
           <a:p>
             <a:fld id="{AAC8E564-4E2A-8441-940F-9FCAA67208AC}" type="datetimeFigureOut">
               <a:rPr lang="en-US" smtClean="0"/>
-              <a:t>2/2/20</a:t>
+              <a:t>2/3/20</a:t>
             </a:fld>
             <a:endParaRPr lang="en-US"/>
           </a:p>
@@ -2891,7 +2984,7 @@
           <a:p>
             <a:fld id="{AAC8E564-4E2A-8441-940F-9FCAA67208AC}" type="datetimeFigureOut">
               <a:rPr lang="en-US" smtClean="0"/>
-              <a:t>2/2/20</a:t>
+              <a:t>2/3/20</a:t>
             </a:fld>
             <a:endParaRPr lang="en-US"/>
           </a:p>
@@ -3061,7 +3154,7 @@
           <a:p>
             <a:fld id="{AAC8E564-4E2A-8441-940F-9FCAA67208AC}" type="datetimeFigureOut">
               <a:rPr lang="en-US" smtClean="0"/>
-              <a:t>2/2/20</a:t>
+              <a:t>2/3/20</a:t>
             </a:fld>
             <a:endParaRPr lang="en-US"/>
           </a:p>
@@ -3305,7 +3398,7 @@
           <a:p>
             <a:fld id="{AAC8E564-4E2A-8441-940F-9FCAA67208AC}" type="datetimeFigureOut">
               <a:rPr lang="en-US" smtClean="0"/>
-              <a:t>2/2/20</a:t>
+              <a:t>2/3/20</a:t>
             </a:fld>
             <a:endParaRPr lang="en-US"/>
           </a:p>
@@ -3537,7 +3630,7 @@
           <a:p>
             <a:fld id="{AAC8E564-4E2A-8441-940F-9FCAA67208AC}" type="datetimeFigureOut">
               <a:rPr lang="en-US" smtClean="0"/>
-              <a:t>2/2/20</a:t>
+              <a:t>2/3/20</a:t>
             </a:fld>
             <a:endParaRPr lang="en-US"/>
           </a:p>
@@ -3904,7 +3997,7 @@
           <a:p>
             <a:fld id="{AAC8E564-4E2A-8441-940F-9FCAA67208AC}" type="datetimeFigureOut">
               <a:rPr lang="en-US" smtClean="0"/>
-              <a:t>2/2/20</a:t>
+              <a:t>2/3/20</a:t>
             </a:fld>
             <a:endParaRPr lang="en-US"/>
           </a:p>
@@ -4022,7 +4115,7 @@
           <a:p>
             <a:fld id="{AAC8E564-4E2A-8441-940F-9FCAA67208AC}" type="datetimeFigureOut">
               <a:rPr lang="en-US" smtClean="0"/>
-              <a:t>2/2/20</a:t>
+              <a:t>2/3/20</a:t>
             </a:fld>
             <a:endParaRPr lang="en-US"/>
           </a:p>
@@ -4117,7 +4210,7 @@
           <a:p>
             <a:fld id="{AAC8E564-4E2A-8441-940F-9FCAA67208AC}" type="datetimeFigureOut">
               <a:rPr lang="en-US" smtClean="0"/>
-              <a:t>2/2/20</a:t>
+              <a:t>2/3/20</a:t>
             </a:fld>
             <a:endParaRPr lang="en-US"/>
           </a:p>
@@ -4394,7 +4487,7 @@
           <a:p>
             <a:fld id="{AAC8E564-4E2A-8441-940F-9FCAA67208AC}" type="datetimeFigureOut">
               <a:rPr lang="en-US" smtClean="0"/>
-              <a:t>2/2/20</a:t>
+              <a:t>2/3/20</a:t>
             </a:fld>
             <a:endParaRPr lang="en-US"/>
           </a:p>
@@ -4651,7 +4744,7 @@
           <a:p>
             <a:fld id="{AAC8E564-4E2A-8441-940F-9FCAA67208AC}" type="datetimeFigureOut">
               <a:rPr lang="en-US" smtClean="0"/>
-              <a:t>2/2/20</a:t>
+              <a:t>2/3/20</a:t>
             </a:fld>
             <a:endParaRPr lang="en-US"/>
           </a:p>
@@ -4864,7 +4957,7 @@
           <a:p>
             <a:fld id="{AAC8E564-4E2A-8441-940F-9FCAA67208AC}" type="datetimeFigureOut">
               <a:rPr lang="en-US" smtClean="0"/>
-              <a:t>2/2/20</a:t>
+              <a:t>2/3/20</a:t>
             </a:fld>
             <a:endParaRPr lang="en-US"/>
           </a:p>
@@ -5509,64 +5602,62 @@
           <a:chExt cx="0" cy="0"/>
         </a:xfrm>
       </p:grpSpPr>
-      <p:grpSp>
-        <p:nvGrpSpPr>
-          <p:cNvPr id="13" name="Group 12">
+      <p:pic>
+        <p:nvPicPr>
+          <p:cNvPr id="7" name="Picture 6">
             <a:extLst>
               <a:ext uri="{FF2B5EF4-FFF2-40B4-BE49-F238E27FC236}">
-                <a16:creationId xmlns:a16="http://schemas.microsoft.com/office/drawing/2014/main" id="{3883966B-0741-6947-99CC-0C154D7E558B}"/>
+                <a16:creationId xmlns:a16="http://schemas.microsoft.com/office/drawing/2014/main" id="{19ADC2DD-A467-7E49-84B8-876E29D622C2}"/>
               </a:ext>
             </a:extLst>
           </p:cNvPr>
-          <p:cNvGrpSpPr>
-            <a:grpSpLocks noChangeAspect="1"/>
-          </p:cNvGrpSpPr>
+          <p:cNvPicPr>
+            <a:picLocks noChangeAspect="1"/>
+          </p:cNvPicPr>
+          <p:nvPr/>
+        </p:nvPicPr>
+        <p:blipFill>
+          <a:blip r:embed="rId3"/>
+          <a:stretch>
+            <a:fillRect/>
+          </a:stretch>
+        </p:blipFill>
+        <p:spPr>
+          <a:xfrm>
+            <a:off x="2185416" y="1078992"/>
+            <a:ext cx="3652413" cy="4151376"/>
+          </a:xfrm>
+          <a:prstGeom prst="rect">
+            <a:avLst/>
+          </a:prstGeom>
+        </p:spPr>
+      </p:pic>
+      <p:grpSp>
+        <p:nvGrpSpPr>
+          <p:cNvPr id="8" name="Group 7">
+            <a:extLst>
+              <a:ext uri="{FF2B5EF4-FFF2-40B4-BE49-F238E27FC236}">
+                <a16:creationId xmlns:a16="http://schemas.microsoft.com/office/drawing/2014/main" id="{EDB93B79-28BE-5F45-BEA6-37B27ABDA814}"/>
+              </a:ext>
+            </a:extLst>
+          </p:cNvPr>
+          <p:cNvGrpSpPr/>
           <p:nvPr/>
         </p:nvGrpSpPr>
         <p:grpSpPr>
           <a:xfrm>
             <a:off x="1846537" y="1047115"/>
             <a:ext cx="4321630" cy="4371097"/>
-            <a:chOff x="2048480" y="1342881"/>
+            <a:chOff x="2048832" y="1246060"/>
             <a:chExt cx="3805268" cy="3848825"/>
           </a:xfrm>
         </p:grpSpPr>
-        <p:pic>
-          <p:nvPicPr>
-            <p:cNvPr id="6" name="Picture 5">
+        <p:grpSp>
+          <p:nvGrpSpPr>
+            <p:cNvPr id="32" name="Group 31">
               <a:extLst>
                 <a:ext uri="{FF2B5EF4-FFF2-40B4-BE49-F238E27FC236}">
-                  <a16:creationId xmlns:a16="http://schemas.microsoft.com/office/drawing/2014/main" id="{4157B1F8-B54B-8445-95C0-82AC116A1C20}"/>
-                </a:ext>
-              </a:extLst>
-            </p:cNvPr>
-            <p:cNvPicPr>
-              <a:picLocks noChangeAspect="1"/>
-            </p:cNvPicPr>
-            <p:nvPr/>
-          </p:nvPicPr>
-          <p:blipFill>
-            <a:blip r:embed="rId3"/>
-            <a:stretch>
-              <a:fillRect/>
-            </a:stretch>
-          </p:blipFill>
-          <p:spPr>
-            <a:xfrm>
-              <a:off x="2350008" y="1370407"/>
-              <a:ext cx="3217985" cy="3657600"/>
-            </a:xfrm>
-            <a:prstGeom prst="rect">
-              <a:avLst/>
-            </a:prstGeom>
-          </p:spPr>
-        </p:pic>
-        <p:grpSp>
-          <p:nvGrpSpPr>
-            <p:cNvPr id="8" name="Group 7">
-              <a:extLst>
-                <a:ext uri="{FF2B5EF4-FFF2-40B4-BE49-F238E27FC236}">
-                  <a16:creationId xmlns:a16="http://schemas.microsoft.com/office/drawing/2014/main" id="{EDB93B79-28BE-5F45-BEA6-37B27ABDA814}"/>
+                  <a16:creationId xmlns:a16="http://schemas.microsoft.com/office/drawing/2014/main" id="{A68FFD5D-1878-4043-B3D3-6F2FC94FFE78}"/>
                 </a:ext>
               </a:extLst>
             </p:cNvPr>
@@ -5575,259 +5666,62 @@
           </p:nvGrpSpPr>
           <p:grpSpPr>
             <a:xfrm>
-              <a:off x="2048480" y="1342881"/>
-              <a:ext cx="3805268" cy="3848825"/>
-              <a:chOff x="2048832" y="1246060"/>
-              <a:chExt cx="3805268" cy="3848825"/>
+              <a:off x="2089291" y="1348411"/>
+              <a:ext cx="3764809" cy="3746474"/>
+              <a:chOff x="264809" y="-209761"/>
+              <a:chExt cx="6322016" cy="6291225"/>
             </a:xfrm>
           </p:grpSpPr>
-          <p:grpSp>
-            <p:nvGrpSpPr>
-              <p:cNvPr id="32" name="Group 31">
+          <p:cxnSp>
+            <p:nvCxnSpPr>
+              <p:cNvPr id="38" name="Straight Arrow Connector 37">
                 <a:extLst>
                   <a:ext uri="{FF2B5EF4-FFF2-40B4-BE49-F238E27FC236}">
-                    <a16:creationId xmlns:a16="http://schemas.microsoft.com/office/drawing/2014/main" id="{A68FFD5D-1878-4043-B3D3-6F2FC94FFE78}"/>
+                    <a16:creationId xmlns:a16="http://schemas.microsoft.com/office/drawing/2014/main" id="{A307D4E4-7D02-4047-8582-E3B4AB21BFB2}"/>
                   </a:ext>
                 </a:extLst>
               </p:cNvPr>
-              <p:cNvGrpSpPr/>
+              <p:cNvCxnSpPr>
+                <a:cxnSpLocks/>
+              </p:cNvCxnSpPr>
               <p:nvPr/>
-            </p:nvGrpSpPr>
-            <p:grpSpPr>
+            </p:nvCxnSpPr>
+            <p:spPr>
               <a:xfrm>
-                <a:off x="2089291" y="1348411"/>
-                <a:ext cx="3764809" cy="3746474"/>
-                <a:chOff x="264809" y="-209761"/>
-                <a:chExt cx="6322016" cy="6291225"/>
+                <a:off x="1311292" y="5683186"/>
+                <a:ext cx="4983991" cy="0"/>
               </a:xfrm>
-            </p:grpSpPr>
-            <p:cxnSp>
-              <p:nvCxnSpPr>
-                <p:cNvPr id="38" name="Straight Arrow Connector 37">
-                  <a:extLst>
-                    <a:ext uri="{FF2B5EF4-FFF2-40B4-BE49-F238E27FC236}">
-                      <a16:creationId xmlns:a16="http://schemas.microsoft.com/office/drawing/2014/main" id="{A307D4E4-7D02-4047-8582-E3B4AB21BFB2}"/>
-                    </a:ext>
-                  </a:extLst>
-                </p:cNvPr>
-                <p:cNvCxnSpPr>
-                  <a:cxnSpLocks/>
-                </p:cNvCxnSpPr>
-                <p:nvPr/>
-              </p:nvCxnSpPr>
-              <p:spPr>
-                <a:xfrm>
-                  <a:off x="1311292" y="5683186"/>
-                  <a:ext cx="4983991" cy="0"/>
-                </a:xfrm>
-                <a:prstGeom prst="straightConnector1">
-                  <a:avLst/>
-                </a:prstGeom>
-                <a:ln w="50800">
-                  <a:solidFill>
-                    <a:srgbClr val="C00000"/>
-                  </a:solidFill>
-                  <a:tailEnd type="triangle"/>
-                </a:ln>
-              </p:spPr>
-              <p:style>
-                <a:lnRef idx="1">
-                  <a:schemeClr val="accent1"/>
-                </a:lnRef>
-                <a:fillRef idx="0">
-                  <a:schemeClr val="accent1"/>
-                </a:fillRef>
-                <a:effectRef idx="0">
-                  <a:schemeClr val="accent1"/>
-                </a:effectRef>
-                <a:fontRef idx="minor">
-                  <a:schemeClr val="tx1"/>
-                </a:fontRef>
-              </p:style>
-            </p:cxnSp>
-            <p:sp>
-              <p:nvSpPr>
-                <p:cNvPr id="39" name="TextBox 38">
-                  <a:extLst>
-                    <a:ext uri="{FF2B5EF4-FFF2-40B4-BE49-F238E27FC236}">
-                      <a16:creationId xmlns:a16="http://schemas.microsoft.com/office/drawing/2014/main" id="{7A891AFA-F877-6342-9C16-A81ED1CDEF25}"/>
-                    </a:ext>
-                  </a:extLst>
-                </p:cNvPr>
-                <p:cNvSpPr txBox="1"/>
-                <p:nvPr/>
-              </p:nvSpPr>
-              <p:spPr>
-                <a:xfrm>
-                  <a:off x="1079960" y="5694648"/>
-                  <a:ext cx="5506865" cy="386816"/>
-                </a:xfrm>
-                <a:prstGeom prst="rect">
-                  <a:avLst/>
-                </a:prstGeom>
-                <a:noFill/>
-              </p:spPr>
-              <p:txBody>
-                <a:bodyPr wrap="square" rtlCol="0">
-                  <a:spAutoFit/>
-                </a:bodyPr>
-                <a:lstStyle/>
-                <a:p>
-                  <a:pPr algn="ctr"/>
-                  <a:r>
-                    <a:rPr lang="en-US" sz="1100" dirty="0">
-                      <a:solidFill>
-                        <a:srgbClr val="C00000"/>
-                      </a:solidFill>
-                      <a:latin typeface="Helvetica Neue" panose="02000503000000020004" pitchFamily="2" charset="0"/>
-                      <a:ea typeface="Helvetica Neue" panose="02000503000000020004" pitchFamily="2" charset="0"/>
-                      <a:cs typeface="Helvetica Neue" panose="02000503000000020004" pitchFamily="2" charset="0"/>
-                    </a:rPr>
-                    <a:t>Individuals become less sensitive to stimuli</a:t>
-                  </a:r>
-                </a:p>
-              </p:txBody>
-            </p:sp>
-            <p:cxnSp>
-              <p:nvCxnSpPr>
-                <p:cNvPr id="40" name="Straight Arrow Connector 39">
-                  <a:extLst>
-                    <a:ext uri="{FF2B5EF4-FFF2-40B4-BE49-F238E27FC236}">
-                      <a16:creationId xmlns:a16="http://schemas.microsoft.com/office/drawing/2014/main" id="{85D1266F-19AC-0241-AAF6-57849EF30018}"/>
-                    </a:ext>
-                  </a:extLst>
-                </p:cNvPr>
-                <p:cNvCxnSpPr>
-                  <a:cxnSpLocks/>
-                </p:cNvCxnSpPr>
-                <p:nvPr/>
-              </p:nvCxnSpPr>
-              <p:spPr>
-                <a:xfrm flipV="1">
-                  <a:off x="721538" y="440001"/>
-                  <a:ext cx="0" cy="4746856"/>
-                </a:xfrm>
-                <a:prstGeom prst="straightConnector1">
-                  <a:avLst/>
-                </a:prstGeom>
-                <a:ln w="50800">
-                  <a:solidFill>
-                    <a:srgbClr val="C00000"/>
-                  </a:solidFill>
-                  <a:tailEnd type="triangle"/>
-                </a:ln>
-              </p:spPr>
-              <p:style>
-                <a:lnRef idx="1">
-                  <a:schemeClr val="accent1"/>
-                </a:lnRef>
-                <a:fillRef idx="0">
-                  <a:schemeClr val="accent1"/>
-                </a:fillRef>
-                <a:effectRef idx="0">
-                  <a:schemeClr val="accent1"/>
-                </a:effectRef>
-                <a:fontRef idx="minor">
-                  <a:schemeClr val="tx1"/>
-                </a:fontRef>
-              </p:style>
-            </p:cxnSp>
-            <p:sp>
-              <p:nvSpPr>
-                <p:cNvPr id="41" name="TextBox 40">
-                  <a:extLst>
-                    <a:ext uri="{FF2B5EF4-FFF2-40B4-BE49-F238E27FC236}">
-                      <a16:creationId xmlns:a16="http://schemas.microsoft.com/office/drawing/2014/main" id="{4D2E4A4A-C872-794A-8C39-528400D778A1}"/>
-                    </a:ext>
-                  </a:extLst>
-                </p:cNvPr>
-                <p:cNvSpPr txBox="1"/>
-                <p:nvPr/>
-              </p:nvSpPr>
-              <p:spPr>
-                <a:xfrm rot="16200000">
-                  <a:off x="-2604958" y="2660006"/>
-                  <a:ext cx="6126350" cy="386816"/>
-                </a:xfrm>
-                <a:prstGeom prst="rect">
-                  <a:avLst/>
-                </a:prstGeom>
-                <a:noFill/>
-              </p:spPr>
-              <p:txBody>
-                <a:bodyPr wrap="square" rtlCol="0">
-                  <a:spAutoFit/>
-                </a:bodyPr>
-                <a:lstStyle/>
-                <a:p>
-                  <a:pPr algn="ctr"/>
-                  <a:r>
-                    <a:rPr lang="en-US" sz="1100" dirty="0">
-                      <a:solidFill>
-                        <a:srgbClr val="C00000"/>
-                      </a:solidFill>
-                      <a:latin typeface="Helvetica Neue" panose="02000503000000020004" pitchFamily="2" charset="0"/>
-                      <a:ea typeface="Helvetica Neue" panose="02000503000000020004" pitchFamily="2" charset="0"/>
-                      <a:cs typeface="Helvetica Neue" panose="02000503000000020004" pitchFamily="2" charset="0"/>
-                    </a:rPr>
-                    <a:t>Individuals become more efficient</a:t>
-                  </a:r>
-                </a:p>
-              </p:txBody>
-            </p:sp>
-            <p:sp>
-              <p:nvSpPr>
-                <p:cNvPr id="42" name="TextBox 41">
-                  <a:extLst>
-                    <a:ext uri="{FF2B5EF4-FFF2-40B4-BE49-F238E27FC236}">
-                      <a16:creationId xmlns:a16="http://schemas.microsoft.com/office/drawing/2014/main" id="{6308A167-A527-214B-9F7E-05AF52A19B71}"/>
-                    </a:ext>
-                  </a:extLst>
-                </p:cNvPr>
-                <p:cNvSpPr txBox="1"/>
-                <p:nvPr/>
-              </p:nvSpPr>
-              <p:spPr>
-                <a:xfrm>
-                  <a:off x="2575273" y="3959680"/>
-                  <a:ext cx="1569713" cy="387622"/>
-                </a:xfrm>
-                <a:prstGeom prst="rect">
-                  <a:avLst/>
-                </a:prstGeom>
-                <a:noFill/>
-              </p:spPr>
-              <p:txBody>
-                <a:bodyPr wrap="square" rtlCol="0">
-                  <a:spAutoFit/>
-                </a:bodyPr>
-                <a:lstStyle/>
-                <a:p>
-                  <a:pPr algn="ctr"/>
-                  <a:r>
-                    <a:rPr lang="en-US" sz="1100" b="1" dirty="0">
-                      <a:ln w="127">
-                        <a:noFill/>
-                      </a:ln>
-                      <a:solidFill>
-                        <a:srgbClr val="2B4B9B"/>
-                      </a:solidFill>
-                      <a:latin typeface="Helvetica Neue" panose="02000503000000020004" pitchFamily="2" charset="0"/>
-                      <a:ea typeface="Helvetica Neue" panose="02000503000000020004" pitchFamily="2" charset="0"/>
-                      <a:cs typeface="Helvetica Neue" panose="02000503000000020004" pitchFamily="2" charset="0"/>
-                    </a:rPr>
-                    <a:t>Y</a:t>
-                  </a:r>
-                </a:p>
-              </p:txBody>
-            </p:sp>
-          </p:grpSp>
+              <a:prstGeom prst="straightConnector1">
+                <a:avLst/>
+              </a:prstGeom>
+              <a:ln w="50800">
+                <a:solidFill>
+                  <a:srgbClr val="C00000"/>
+                </a:solidFill>
+                <a:tailEnd type="triangle"/>
+              </a:ln>
+            </p:spPr>
+            <p:style>
+              <a:lnRef idx="1">
+                <a:schemeClr val="accent1"/>
+              </a:lnRef>
+              <a:fillRef idx="0">
+                <a:schemeClr val="accent1"/>
+              </a:fillRef>
+              <a:effectRef idx="0">
+                <a:schemeClr val="accent1"/>
+              </a:effectRef>
+              <a:fontRef idx="minor">
+                <a:schemeClr val="tx1"/>
+              </a:fontRef>
+            </p:style>
+          </p:cxnSp>
           <p:sp>
             <p:nvSpPr>
-              <p:cNvPr id="14" name="TextBox 13">
+              <p:cNvPr id="39" name="TextBox 38">
                 <a:extLst>
                   <a:ext uri="{FF2B5EF4-FFF2-40B4-BE49-F238E27FC236}">
-                    <a16:creationId xmlns:a16="http://schemas.microsoft.com/office/drawing/2014/main" id="{FA8196DD-48D5-9049-896A-63BB364405C1}"/>
+                    <a16:creationId xmlns:a16="http://schemas.microsoft.com/office/drawing/2014/main" id="{7A891AFA-F877-6342-9C16-A81ED1CDEF25}"/>
                   </a:ext>
                 </a:extLst>
               </p:cNvPr>
@@ -5835,9 +5729,9 @@
               <p:nvPr/>
             </p:nvSpPr>
             <p:spPr>
-              <a:xfrm flipH="1">
-                <a:off x="2048832" y="1246060"/>
-                <a:ext cx="301752" cy="307777"/>
+              <a:xfrm>
+                <a:off x="1079960" y="5694648"/>
+                <a:ext cx="5506865" cy="386816"/>
               </a:xfrm>
               <a:prstGeom prst="rect">
                 <a:avLst/>
@@ -5852,17 +5746,193 @@
               <a:p>
                 <a:pPr algn="ctr"/>
                 <a:r>
-                  <a:rPr lang="en-US" sz="1400" b="1" dirty="0">
+                  <a:rPr lang="en-US" sz="1100" dirty="0">
+                    <a:solidFill>
+                      <a:srgbClr val="C00000"/>
+                    </a:solidFill>
                     <a:latin typeface="Helvetica Neue" panose="02000503000000020004" pitchFamily="2" charset="0"/>
                     <a:ea typeface="Helvetica Neue" panose="02000503000000020004" pitchFamily="2" charset="0"/>
                     <a:cs typeface="Helvetica Neue" panose="02000503000000020004" pitchFamily="2" charset="0"/>
                   </a:rPr>
-                  <a:t>e</a:t>
+                  <a:t>Individuals become less sensitive to stimuli</a:t>
+                </a:r>
+              </a:p>
+            </p:txBody>
+          </p:sp>
+          <p:cxnSp>
+            <p:nvCxnSpPr>
+              <p:cNvPr id="40" name="Straight Arrow Connector 39">
+                <a:extLst>
+                  <a:ext uri="{FF2B5EF4-FFF2-40B4-BE49-F238E27FC236}">
+                    <a16:creationId xmlns:a16="http://schemas.microsoft.com/office/drawing/2014/main" id="{85D1266F-19AC-0241-AAF6-57849EF30018}"/>
+                  </a:ext>
+                </a:extLst>
+              </p:cNvPr>
+              <p:cNvCxnSpPr>
+                <a:cxnSpLocks/>
+              </p:cNvCxnSpPr>
+              <p:nvPr/>
+            </p:nvCxnSpPr>
+            <p:spPr>
+              <a:xfrm flipV="1">
+                <a:off x="721538" y="440001"/>
+                <a:ext cx="0" cy="4746856"/>
+              </a:xfrm>
+              <a:prstGeom prst="straightConnector1">
+                <a:avLst/>
+              </a:prstGeom>
+              <a:ln w="50800">
+                <a:solidFill>
+                  <a:srgbClr val="C00000"/>
+                </a:solidFill>
+                <a:tailEnd type="triangle"/>
+              </a:ln>
+            </p:spPr>
+            <p:style>
+              <a:lnRef idx="1">
+                <a:schemeClr val="accent1"/>
+              </a:lnRef>
+              <a:fillRef idx="0">
+                <a:schemeClr val="accent1"/>
+              </a:fillRef>
+              <a:effectRef idx="0">
+                <a:schemeClr val="accent1"/>
+              </a:effectRef>
+              <a:fontRef idx="minor">
+                <a:schemeClr val="tx1"/>
+              </a:fontRef>
+            </p:style>
+          </p:cxnSp>
+          <p:sp>
+            <p:nvSpPr>
+              <p:cNvPr id="41" name="TextBox 40">
+                <a:extLst>
+                  <a:ext uri="{FF2B5EF4-FFF2-40B4-BE49-F238E27FC236}">
+                    <a16:creationId xmlns:a16="http://schemas.microsoft.com/office/drawing/2014/main" id="{4D2E4A4A-C872-794A-8C39-528400D778A1}"/>
+                  </a:ext>
+                </a:extLst>
+              </p:cNvPr>
+              <p:cNvSpPr txBox="1"/>
+              <p:nvPr/>
+            </p:nvSpPr>
+            <p:spPr>
+              <a:xfrm rot="16200000">
+                <a:off x="-2604958" y="2660006"/>
+                <a:ext cx="6126350" cy="386816"/>
+              </a:xfrm>
+              <a:prstGeom prst="rect">
+                <a:avLst/>
+              </a:prstGeom>
+              <a:noFill/>
+            </p:spPr>
+            <p:txBody>
+              <a:bodyPr wrap="square" rtlCol="0">
+                <a:spAutoFit/>
+              </a:bodyPr>
+              <a:lstStyle/>
+              <a:p>
+                <a:pPr algn="ctr"/>
+                <a:r>
+                  <a:rPr lang="en-US" sz="1100" dirty="0">
+                    <a:solidFill>
+                      <a:srgbClr val="C00000"/>
+                    </a:solidFill>
+                    <a:latin typeface="Helvetica Neue" panose="02000503000000020004" pitchFamily="2" charset="0"/>
+                    <a:ea typeface="Helvetica Neue" panose="02000503000000020004" pitchFamily="2" charset="0"/>
+                    <a:cs typeface="Helvetica Neue" panose="02000503000000020004" pitchFamily="2" charset="0"/>
+                  </a:rPr>
+                  <a:t>Individuals become more efficient</a:t>
+                </a:r>
+              </a:p>
+            </p:txBody>
+          </p:sp>
+          <p:sp>
+            <p:nvSpPr>
+              <p:cNvPr id="42" name="TextBox 41">
+                <a:extLst>
+                  <a:ext uri="{FF2B5EF4-FFF2-40B4-BE49-F238E27FC236}">
+                    <a16:creationId xmlns:a16="http://schemas.microsoft.com/office/drawing/2014/main" id="{6308A167-A527-214B-9F7E-05AF52A19B71}"/>
+                  </a:ext>
+                </a:extLst>
+              </p:cNvPr>
+              <p:cNvSpPr txBox="1"/>
+              <p:nvPr/>
+            </p:nvSpPr>
+            <p:spPr>
+              <a:xfrm>
+                <a:off x="2575273" y="3959680"/>
+                <a:ext cx="1569713" cy="387622"/>
+              </a:xfrm>
+              <a:prstGeom prst="rect">
+                <a:avLst/>
+              </a:prstGeom>
+              <a:noFill/>
+            </p:spPr>
+            <p:txBody>
+              <a:bodyPr wrap="square" rtlCol="0">
+                <a:spAutoFit/>
+              </a:bodyPr>
+              <a:lstStyle/>
+              <a:p>
+                <a:pPr algn="ctr"/>
+                <a:r>
+                  <a:rPr lang="en-US" sz="1100" b="1" dirty="0">
+                    <a:ln w="127">
+                      <a:noFill/>
+                    </a:ln>
+                    <a:solidFill>
+                      <a:srgbClr val="2B4B9B"/>
+                    </a:solidFill>
+                    <a:latin typeface="Helvetica Neue" panose="02000503000000020004" pitchFamily="2" charset="0"/>
+                    <a:ea typeface="Helvetica Neue" panose="02000503000000020004" pitchFamily="2" charset="0"/>
+                    <a:cs typeface="Helvetica Neue" panose="02000503000000020004" pitchFamily="2" charset="0"/>
+                  </a:rPr>
+                  <a:t>Y</a:t>
                 </a:r>
               </a:p>
             </p:txBody>
           </p:sp>
         </p:grpSp>
+        <p:sp>
+          <p:nvSpPr>
+            <p:cNvPr id="14" name="TextBox 13">
+              <a:extLst>
+                <a:ext uri="{FF2B5EF4-FFF2-40B4-BE49-F238E27FC236}">
+                  <a16:creationId xmlns:a16="http://schemas.microsoft.com/office/drawing/2014/main" id="{FA8196DD-48D5-9049-896A-63BB364405C1}"/>
+                </a:ext>
+              </a:extLst>
+            </p:cNvPr>
+            <p:cNvSpPr txBox="1"/>
+            <p:nvPr/>
+          </p:nvSpPr>
+          <p:spPr>
+            <a:xfrm flipH="1">
+              <a:off x="2048832" y="1246060"/>
+              <a:ext cx="301752" cy="307777"/>
+            </a:xfrm>
+            <a:prstGeom prst="rect">
+              <a:avLst/>
+            </a:prstGeom>
+            <a:noFill/>
+          </p:spPr>
+          <p:txBody>
+            <a:bodyPr wrap="square" rtlCol="0">
+              <a:spAutoFit/>
+            </a:bodyPr>
+            <a:lstStyle/>
+            <a:p>
+              <a:pPr algn="ctr"/>
+              <a:r>
+                <a:rPr lang="en-US" sz="1400" b="1" dirty="0">
+                  <a:latin typeface="Helvetica Neue" panose="02000503000000020004" pitchFamily="2" charset="0"/>
+                  <a:ea typeface="Helvetica Neue" panose="02000503000000020004" pitchFamily="2" charset="0"/>
+                  <a:cs typeface="Helvetica Neue" panose="02000503000000020004" pitchFamily="2" charset="0"/>
+                </a:rPr>
+                <a:t>e</a:t>
+              </a:r>
+            </a:p>
+          </p:txBody>
+        </p:sp>
       </p:grpSp>
       <p:sp>
         <p:nvSpPr>
@@ -5989,7 +6059,7 @@
         </p:nvSpPr>
         <p:spPr>
           <a:xfrm>
-            <a:off x="3477128" y="2205433"/>
+            <a:off x="3473426" y="2198029"/>
             <a:ext cx="1025694" cy="246221"/>
           </a:xfrm>
           <a:prstGeom prst="rect">
@@ -6682,7 +6752,7 @@
         </p:nvSpPr>
         <p:spPr>
           <a:xfrm>
-            <a:off x="5003917" y="3398082"/>
+            <a:off x="5000215" y="3385182"/>
             <a:ext cx="1025694" cy="253916"/>
           </a:xfrm>
           <a:prstGeom prst="rect">
@@ -6753,7 +6823,7 @@
         </p:nvSpPr>
         <p:spPr>
           <a:xfrm>
-            <a:off x="2712477" y="4279555"/>
+            <a:off x="2708143" y="4275221"/>
             <a:ext cx="1025694" cy="246221"/>
           </a:xfrm>
           <a:prstGeom prst="rect">
@@ -11244,6 +11314,36 @@
           <a:chExt cx="0" cy="0"/>
         </a:xfrm>
       </p:grpSpPr>
+      <p:pic>
+        <p:nvPicPr>
+          <p:cNvPr id="4" name="Picture 3" descr="A screenshot of a computer&#10;&#10;Description automatically generated">
+            <a:extLst>
+              <a:ext uri="{FF2B5EF4-FFF2-40B4-BE49-F238E27FC236}">
+                <a16:creationId xmlns:a16="http://schemas.microsoft.com/office/drawing/2014/main" id="{27740585-E80B-7247-A1B1-54869513FFFB}"/>
+              </a:ext>
+            </a:extLst>
+          </p:cNvPr>
+          <p:cNvPicPr>
+            <a:picLocks noChangeAspect="1"/>
+          </p:cNvPicPr>
+          <p:nvPr/>
+        </p:nvPicPr>
+        <p:blipFill>
+          <a:blip r:embed="rId3"/>
+          <a:stretch>
+            <a:fillRect/>
+          </a:stretch>
+        </p:blipFill>
+        <p:spPr>
+          <a:xfrm>
+            <a:off x="1196045" y="3731006"/>
+            <a:ext cx="5526360" cy="2752344"/>
+          </a:xfrm>
+          <a:prstGeom prst="rect">
+            <a:avLst/>
+          </a:prstGeom>
+        </p:spPr>
+      </p:pic>
       <p:grpSp>
         <p:nvGrpSpPr>
           <p:cNvPr id="31" name="Group 30">
@@ -11279,7 +11379,7 @@
             <p:nvPr/>
           </p:nvPicPr>
           <p:blipFill rotWithShape="1">
-            <a:blip r:embed="rId3"/>
+            <a:blip r:embed="rId4"/>
             <a:srcRect l="83340" t="21017" r="3277" b="36380"/>
             <a:stretch/>
           </p:blipFill>
@@ -11403,10 +11503,10 @@
         </p:nvGrpSpPr>
         <p:grpSpPr>
           <a:xfrm>
-            <a:off x="916129" y="13598"/>
-            <a:ext cx="6086193" cy="3465576"/>
-            <a:chOff x="584117" y="13598"/>
-            <a:chExt cx="6086193" cy="3465576"/>
+            <a:off x="924012" y="13598"/>
+            <a:ext cx="6078310" cy="3465576"/>
+            <a:chOff x="592000" y="13598"/>
+            <a:chExt cx="6078310" cy="3465576"/>
           </a:xfrm>
         </p:grpSpPr>
         <p:pic>
@@ -11424,7 +11524,7 @@
             <p:nvPr/>
           </p:nvPicPr>
           <p:blipFill>
-            <a:blip r:embed="rId4"/>
+            <a:blip r:embed="rId5"/>
             <a:stretch>
               <a:fillRect/>
             </a:stretch>
@@ -11454,7 +11554,7 @@
             <p:nvPr/>
           </p:nvPicPr>
           <p:blipFill>
-            <a:blip r:embed="rId5"/>
+            <a:blip r:embed="rId6"/>
             <a:stretch>
               <a:fillRect/>
             </a:stretch>
@@ -11484,7 +11584,7 @@
             <p:nvPr/>
           </p:nvPicPr>
           <p:blipFill>
-            <a:blip r:embed="rId6"/>
+            <a:blip r:embed="rId7"/>
             <a:stretch>
               <a:fillRect/>
             </a:stretch>
@@ -11514,7 +11614,7 @@
             <p:nvPr/>
           </p:nvPicPr>
           <p:blipFill>
-            <a:blip r:embed="rId7"/>
+            <a:blip r:embed="rId8"/>
             <a:stretch>
               <a:fillRect/>
             </a:stretch>
@@ -11623,7 +11723,7 @@
           </p:nvSpPr>
           <p:spPr>
             <a:xfrm>
-              <a:off x="584117" y="1724298"/>
+              <a:off x="592000" y="1724298"/>
               <a:ext cx="450825" cy="263705"/>
             </a:xfrm>
             <a:prstGeom prst="rect">
@@ -12246,36 +12346,6 @@
           </p:txBody>
         </p:sp>
       </p:grpSp>
-      <p:pic>
-        <p:nvPicPr>
-          <p:cNvPr id="6" name="Picture 5" descr="A picture containing sitting, group&#10;&#10;Description automatically generated">
-            <a:extLst>
-              <a:ext uri="{FF2B5EF4-FFF2-40B4-BE49-F238E27FC236}">
-                <a16:creationId xmlns:a16="http://schemas.microsoft.com/office/drawing/2014/main" id="{D7E5F836-C883-1145-B775-F869590A28EC}"/>
-              </a:ext>
-            </a:extLst>
-          </p:cNvPr>
-          <p:cNvPicPr>
-            <a:picLocks noChangeAspect="1"/>
-          </p:cNvPicPr>
-          <p:nvPr/>
-        </p:nvPicPr>
-        <p:blipFill>
-          <a:blip r:embed="rId8"/>
-          <a:stretch>
-            <a:fillRect/>
-          </a:stretch>
-        </p:blipFill>
-        <p:spPr>
-          <a:xfrm>
-            <a:off x="1206923" y="3731047"/>
-            <a:ext cx="5504605" cy="2752303"/>
-          </a:xfrm>
-          <a:prstGeom prst="rect">
-            <a:avLst/>
-          </a:prstGeom>
-        </p:spPr>
-      </p:pic>
       <p:sp>
         <p:nvSpPr>
           <p:cNvPr id="28" name="TextBox 27">
@@ -12290,7 +12360,7 @@
         </p:nvSpPr>
         <p:spPr>
           <a:xfrm>
-            <a:off x="1137705" y="3563560"/>
+            <a:off x="1129822" y="3563560"/>
             <a:ext cx="500845" cy="307777"/>
           </a:xfrm>
           <a:prstGeom prst="rect">
@@ -12677,6 +12747,1594 @@
           <a:chExt cx="0" cy="0"/>
         </a:xfrm>
       </p:grpSpPr>
+      <p:grpSp>
+        <p:nvGrpSpPr>
+          <p:cNvPr id="21" name="Group 20">
+            <a:extLst>
+              <a:ext uri="{FF2B5EF4-FFF2-40B4-BE49-F238E27FC236}">
+                <a16:creationId xmlns:a16="http://schemas.microsoft.com/office/drawing/2014/main" id="{F39542F0-33D4-284C-9194-C13D39E94BB9}"/>
+              </a:ext>
+            </a:extLst>
+          </p:cNvPr>
+          <p:cNvGrpSpPr/>
+          <p:nvPr/>
+        </p:nvGrpSpPr>
+        <p:grpSpPr>
+          <a:xfrm>
+            <a:off x="407680" y="-40380"/>
+            <a:ext cx="7103090" cy="3957243"/>
+            <a:chOff x="424875" y="-40380"/>
+            <a:chExt cx="7103090" cy="3957243"/>
+          </a:xfrm>
+        </p:grpSpPr>
+        <p:pic>
+          <p:nvPicPr>
+            <p:cNvPr id="6" name="Picture 5">
+              <a:extLst>
+                <a:ext uri="{FF2B5EF4-FFF2-40B4-BE49-F238E27FC236}">
+                  <a16:creationId xmlns:a16="http://schemas.microsoft.com/office/drawing/2014/main" id="{B28CA897-C8DA-BA45-9D31-BCEA301346E9}"/>
+                </a:ext>
+              </a:extLst>
+            </p:cNvPr>
+            <p:cNvPicPr>
+              <a:picLocks noChangeAspect="1"/>
+            </p:cNvPicPr>
+            <p:nvPr/>
+          </p:nvPicPr>
+          <p:blipFill>
+            <a:blip r:embed="rId3"/>
+            <a:stretch>
+              <a:fillRect/>
+            </a:stretch>
+          </p:blipFill>
+          <p:spPr>
+            <a:xfrm>
+              <a:off x="538430" y="228600"/>
+              <a:ext cx="3488400" cy="1737360"/>
+            </a:xfrm>
+            <a:prstGeom prst="rect">
+              <a:avLst/>
+            </a:prstGeom>
+          </p:spPr>
+        </p:pic>
+        <p:pic>
+          <p:nvPicPr>
+            <p:cNvPr id="13" name="Picture 12">
+              <a:extLst>
+                <a:ext uri="{FF2B5EF4-FFF2-40B4-BE49-F238E27FC236}">
+                  <a16:creationId xmlns:a16="http://schemas.microsoft.com/office/drawing/2014/main" id="{2D470A22-448A-824D-8254-53AFB6E412A7}"/>
+                </a:ext>
+              </a:extLst>
+            </p:cNvPr>
+            <p:cNvPicPr>
+              <a:picLocks noChangeAspect="1"/>
+            </p:cNvPicPr>
+            <p:nvPr/>
+          </p:nvPicPr>
+          <p:blipFill>
+            <a:blip r:embed="rId4"/>
+            <a:stretch>
+              <a:fillRect/>
+            </a:stretch>
+          </p:blipFill>
+          <p:spPr>
+            <a:xfrm>
+              <a:off x="538430" y="2179503"/>
+              <a:ext cx="3488400" cy="1737360"/>
+            </a:xfrm>
+            <a:prstGeom prst="rect">
+              <a:avLst/>
+            </a:prstGeom>
+          </p:spPr>
+        </p:pic>
+        <p:pic>
+          <p:nvPicPr>
+            <p:cNvPr id="15" name="Picture 14">
+              <a:extLst>
+                <a:ext uri="{FF2B5EF4-FFF2-40B4-BE49-F238E27FC236}">
+                  <a16:creationId xmlns:a16="http://schemas.microsoft.com/office/drawing/2014/main" id="{78D9C8E6-85AA-6142-8064-667823FEEC74}"/>
+                </a:ext>
+              </a:extLst>
+            </p:cNvPr>
+            <p:cNvPicPr>
+              <a:picLocks noChangeAspect="1"/>
+            </p:cNvPicPr>
+            <p:nvPr/>
+          </p:nvPicPr>
+          <p:blipFill>
+            <a:blip r:embed="rId5"/>
+            <a:stretch>
+              <a:fillRect/>
+            </a:stretch>
+          </p:blipFill>
+          <p:spPr>
+            <a:xfrm>
+              <a:off x="4025401" y="226366"/>
+              <a:ext cx="3488400" cy="1737360"/>
+            </a:xfrm>
+            <a:prstGeom prst="rect">
+              <a:avLst/>
+            </a:prstGeom>
+          </p:spPr>
+        </p:pic>
+        <p:sp>
+          <p:nvSpPr>
+            <p:cNvPr id="30" name="TextBox 29">
+              <a:extLst>
+                <a:ext uri="{FF2B5EF4-FFF2-40B4-BE49-F238E27FC236}">
+                  <a16:creationId xmlns:a16="http://schemas.microsoft.com/office/drawing/2014/main" id="{7AC3745E-4836-B44F-8769-8C29FFAF708D}"/>
+                </a:ext>
+              </a:extLst>
+            </p:cNvPr>
+            <p:cNvSpPr txBox="1"/>
+            <p:nvPr/>
+          </p:nvSpPr>
+          <p:spPr>
+            <a:xfrm>
+              <a:off x="6862482" y="3108960"/>
+              <a:ext cx="665483" cy="246221"/>
+            </a:xfrm>
+            <a:prstGeom prst="rect">
+              <a:avLst/>
+            </a:prstGeom>
+            <a:noFill/>
+          </p:spPr>
+          <p:txBody>
+            <a:bodyPr wrap="square" rtlCol="0">
+              <a:spAutoFit/>
+            </a:bodyPr>
+            <a:lstStyle/>
+            <a:p>
+              <a:pPr algn="r"/>
+              <a:r>
+                <a:rPr lang="en-US" sz="600" dirty="0">
+                  <a:solidFill>
+                    <a:schemeClr val="bg1">
+                      <a:lumMod val="50000"/>
+                    </a:schemeClr>
+                  </a:solidFill>
+                  <a:latin typeface="Helvetica Neue" panose="02000503000000020004" pitchFamily="2" charset="0"/>
+                  <a:ea typeface="Helvetica Neue" panose="02000503000000020004" pitchFamily="2" charset="0"/>
+                  <a:cs typeface="Helvetica Neue" panose="02000503000000020004" pitchFamily="2" charset="0"/>
+                </a:rPr>
+                <a:t>---</a:t>
+              </a:r>
+              <a:r>
+                <a:rPr lang="en-US" sz="100" dirty="0">
+                  <a:solidFill>
+                    <a:schemeClr val="bg1">
+                      <a:lumMod val="50000"/>
+                    </a:schemeClr>
+                  </a:solidFill>
+                  <a:latin typeface="Helvetica Neue" panose="02000503000000020004" pitchFamily="2" charset="0"/>
+                  <a:ea typeface="Helvetica Neue" panose="02000503000000020004" pitchFamily="2" charset="0"/>
+                  <a:cs typeface="Helvetica Neue" panose="02000503000000020004" pitchFamily="2" charset="0"/>
+                </a:rPr>
+                <a:t> </a:t>
+              </a:r>
+              <a:r>
+                <a:rPr lang="en-US" sz="600" dirty="0">
+                  <a:latin typeface="Helvetica Neue" panose="02000503000000020004" pitchFamily="2" charset="0"/>
+                  <a:ea typeface="Helvetica Neue" panose="02000503000000020004" pitchFamily="2" charset="0"/>
+                  <a:cs typeface="Helvetica Neue" panose="02000503000000020004" pitchFamily="2" charset="0"/>
+                </a:rPr>
+                <a:t>   Null H</a:t>
+              </a:r>
+              <a:r>
+                <a:rPr lang="en-US" sz="600" baseline="-25000" dirty="0">
+                  <a:latin typeface="Helvetica Neue" panose="02000503000000020004" pitchFamily="2" charset="0"/>
+                  <a:ea typeface="Helvetica Neue" panose="02000503000000020004" pitchFamily="2" charset="0"/>
+                  <a:cs typeface="Helvetica Neue" panose="02000503000000020004" pitchFamily="2" charset="0"/>
+                </a:rPr>
+                <a:t>0</a:t>
+              </a:r>
+              <a:endParaRPr lang="en-US" sz="600" dirty="0">
+                <a:latin typeface="Helvetica Neue" panose="02000503000000020004" pitchFamily="2" charset="0"/>
+                <a:ea typeface="Helvetica Neue" panose="02000503000000020004" pitchFamily="2" charset="0"/>
+                <a:cs typeface="Helvetica Neue" panose="02000503000000020004" pitchFamily="2" charset="0"/>
+              </a:endParaRPr>
+            </a:p>
+            <a:p>
+              <a:pPr algn="r"/>
+              <a:r>
+                <a:rPr lang="en-US" sz="400" dirty="0">
+                  <a:latin typeface="Helvetica Neue" panose="02000503000000020004" pitchFamily="2" charset="0"/>
+                  <a:ea typeface="Helvetica Neue" panose="02000503000000020004" pitchFamily="2" charset="0"/>
+                  <a:cs typeface="Helvetica Neue" panose="02000503000000020004" pitchFamily="2" charset="0"/>
+                </a:rPr>
+                <a:t>(linear mixing)</a:t>
+              </a:r>
+              <a:endParaRPr lang="en-US" sz="400" baseline="-25000" dirty="0">
+                <a:latin typeface="Helvetica Neue" panose="02000503000000020004" pitchFamily="2" charset="0"/>
+                <a:ea typeface="Helvetica Neue" panose="02000503000000020004" pitchFamily="2" charset="0"/>
+                <a:cs typeface="Helvetica Neue" panose="02000503000000020004" pitchFamily="2" charset="0"/>
+              </a:endParaRPr>
+            </a:p>
+          </p:txBody>
+        </p:sp>
+        <p:sp>
+          <p:nvSpPr>
+            <p:cNvPr id="18" name="TextBox 17">
+              <a:extLst>
+                <a:ext uri="{FF2B5EF4-FFF2-40B4-BE49-F238E27FC236}">
+                  <a16:creationId xmlns:a16="http://schemas.microsoft.com/office/drawing/2014/main" id="{46BBEC22-8FD3-4646-AE1A-C6C1C5D5E1E6}"/>
+                </a:ext>
+              </a:extLst>
+            </p:cNvPr>
+            <p:cNvSpPr txBox="1"/>
+            <p:nvPr/>
+          </p:nvSpPr>
+          <p:spPr>
+            <a:xfrm>
+              <a:off x="3914158" y="-36576"/>
+              <a:ext cx="450825" cy="263705"/>
+            </a:xfrm>
+            <a:prstGeom prst="rect">
+              <a:avLst/>
+            </a:prstGeom>
+            <a:noFill/>
+          </p:spPr>
+          <p:txBody>
+            <a:bodyPr wrap="square" rtlCol="0">
+              <a:spAutoFit/>
+            </a:bodyPr>
+            <a:lstStyle/>
+            <a:p>
+              <a:pPr algn="ctr"/>
+              <a:r>
+                <a:rPr lang="en-US" sz="1400" b="1" dirty="0">
+                  <a:latin typeface="Helvetica Neue" panose="02000503000000020004" pitchFamily="2" charset="0"/>
+                  <a:ea typeface="Helvetica Neue" panose="02000503000000020004" pitchFamily="2" charset="0"/>
+                  <a:cs typeface="Helvetica Neue" panose="02000503000000020004" pitchFamily="2" charset="0"/>
+                </a:rPr>
+                <a:t>b</a:t>
+              </a:r>
+            </a:p>
+          </p:txBody>
+        </p:sp>
+        <p:sp>
+          <p:nvSpPr>
+            <p:cNvPr id="16" name="TextBox 15">
+              <a:extLst>
+                <a:ext uri="{FF2B5EF4-FFF2-40B4-BE49-F238E27FC236}">
+                  <a16:creationId xmlns:a16="http://schemas.microsoft.com/office/drawing/2014/main" id="{0B8EA217-6F2C-0943-8D48-F70EC12EC200}"/>
+                </a:ext>
+              </a:extLst>
+            </p:cNvPr>
+            <p:cNvSpPr txBox="1"/>
+            <p:nvPr/>
+          </p:nvSpPr>
+          <p:spPr>
+            <a:xfrm>
+              <a:off x="426861" y="-40380"/>
+              <a:ext cx="450825" cy="263705"/>
+            </a:xfrm>
+            <a:prstGeom prst="rect">
+              <a:avLst/>
+            </a:prstGeom>
+            <a:noFill/>
+          </p:spPr>
+          <p:txBody>
+            <a:bodyPr wrap="square" rtlCol="0">
+              <a:spAutoFit/>
+            </a:bodyPr>
+            <a:lstStyle/>
+            <a:p>
+              <a:pPr algn="ctr"/>
+              <a:r>
+                <a:rPr lang="en-US" sz="1400" b="1" dirty="0">
+                  <a:latin typeface="Helvetica Neue" panose="02000503000000020004" pitchFamily="2" charset="0"/>
+                  <a:ea typeface="Helvetica Neue" panose="02000503000000020004" pitchFamily="2" charset="0"/>
+                  <a:cs typeface="Helvetica Neue" panose="02000503000000020004" pitchFamily="2" charset="0"/>
+                </a:rPr>
+                <a:t>a</a:t>
+              </a:r>
+            </a:p>
+          </p:txBody>
+        </p:sp>
+        <p:sp>
+          <p:nvSpPr>
+            <p:cNvPr id="20" name="TextBox 19">
+              <a:extLst>
+                <a:ext uri="{FF2B5EF4-FFF2-40B4-BE49-F238E27FC236}">
+                  <a16:creationId xmlns:a16="http://schemas.microsoft.com/office/drawing/2014/main" id="{E8C86BD2-9FE9-8C4D-A835-2EAAEE829653}"/>
+                </a:ext>
+              </a:extLst>
+            </p:cNvPr>
+            <p:cNvSpPr txBox="1"/>
+            <p:nvPr/>
+          </p:nvSpPr>
+          <p:spPr>
+            <a:xfrm>
+              <a:off x="424875" y="1900733"/>
+              <a:ext cx="450825" cy="263705"/>
+            </a:xfrm>
+            <a:prstGeom prst="rect">
+              <a:avLst/>
+            </a:prstGeom>
+            <a:noFill/>
+          </p:spPr>
+          <p:txBody>
+            <a:bodyPr wrap="square" rtlCol="0">
+              <a:spAutoFit/>
+            </a:bodyPr>
+            <a:lstStyle/>
+            <a:p>
+              <a:pPr algn="ctr"/>
+              <a:r>
+                <a:rPr lang="en-US" sz="1400" b="1" dirty="0">
+                  <a:latin typeface="Helvetica Neue" panose="02000503000000020004" pitchFamily="2" charset="0"/>
+                  <a:ea typeface="Helvetica Neue" panose="02000503000000020004" pitchFamily="2" charset="0"/>
+                  <a:cs typeface="Helvetica Neue" panose="02000503000000020004" pitchFamily="2" charset="0"/>
+                </a:rPr>
+                <a:t>c</a:t>
+              </a:r>
+            </a:p>
+          </p:txBody>
+        </p:sp>
+        <p:sp>
+          <p:nvSpPr>
+            <p:cNvPr id="22" name="TextBox 21">
+              <a:extLst>
+                <a:ext uri="{FF2B5EF4-FFF2-40B4-BE49-F238E27FC236}">
+                  <a16:creationId xmlns:a16="http://schemas.microsoft.com/office/drawing/2014/main" id="{9CC8A2EA-F668-DD43-A074-9F1F726F28A7}"/>
+                </a:ext>
+              </a:extLst>
+            </p:cNvPr>
+            <p:cNvSpPr txBox="1"/>
+            <p:nvPr/>
+          </p:nvSpPr>
+          <p:spPr>
+            <a:xfrm>
+              <a:off x="3914158" y="1926556"/>
+              <a:ext cx="450825" cy="263705"/>
+            </a:xfrm>
+            <a:prstGeom prst="rect">
+              <a:avLst/>
+            </a:prstGeom>
+            <a:noFill/>
+          </p:spPr>
+          <p:txBody>
+            <a:bodyPr wrap="square" rtlCol="0">
+              <a:spAutoFit/>
+            </a:bodyPr>
+            <a:lstStyle/>
+            <a:p>
+              <a:pPr algn="ctr"/>
+              <a:r>
+                <a:rPr lang="en-US" sz="1400" b="1" dirty="0">
+                  <a:latin typeface="Helvetica Neue" panose="02000503000000020004" pitchFamily="2" charset="0"/>
+                  <a:ea typeface="Helvetica Neue" panose="02000503000000020004" pitchFamily="2" charset="0"/>
+                  <a:cs typeface="Helvetica Neue" panose="02000503000000020004" pitchFamily="2" charset="0"/>
+                </a:rPr>
+                <a:t>d</a:t>
+              </a:r>
+            </a:p>
+          </p:txBody>
+        </p:sp>
+        <p:sp>
+          <p:nvSpPr>
+            <p:cNvPr id="34" name="Rectangle 33">
+              <a:extLst>
+                <a:ext uri="{FF2B5EF4-FFF2-40B4-BE49-F238E27FC236}">
+                  <a16:creationId xmlns:a16="http://schemas.microsoft.com/office/drawing/2014/main" id="{FCC82B76-D613-B14A-9751-C3404A7F5100}"/>
+                </a:ext>
+              </a:extLst>
+            </p:cNvPr>
+            <p:cNvSpPr/>
+            <p:nvPr/>
+          </p:nvSpPr>
+          <p:spPr>
+            <a:xfrm>
+              <a:off x="2113494" y="429768"/>
+              <a:ext cx="214560" cy="898999"/>
+            </a:xfrm>
+            <a:prstGeom prst="rect">
+              <a:avLst/>
+            </a:prstGeom>
+            <a:noFill/>
+            <a:ln w="6350">
+              <a:solidFill>
+                <a:schemeClr val="tx1"/>
+              </a:solidFill>
+            </a:ln>
+          </p:spPr>
+          <p:style>
+            <a:lnRef idx="2">
+              <a:schemeClr val="accent1">
+                <a:shade val="50000"/>
+              </a:schemeClr>
+            </a:lnRef>
+            <a:fillRef idx="1">
+              <a:schemeClr val="accent1"/>
+            </a:fillRef>
+            <a:effectRef idx="0">
+              <a:schemeClr val="accent1"/>
+            </a:effectRef>
+            <a:fontRef idx="minor">
+              <a:schemeClr val="lt1"/>
+            </a:fontRef>
+          </p:style>
+          <p:txBody>
+            <a:bodyPr rtlCol="0" anchor="ctr"/>
+            <a:lstStyle/>
+            <a:p>
+              <a:pPr algn="ctr"/>
+              <a:endParaRPr lang="en-US"/>
+            </a:p>
+          </p:txBody>
+        </p:sp>
+        <p:sp>
+          <p:nvSpPr>
+            <p:cNvPr id="40" name="TextBox 39">
+              <a:extLst>
+                <a:ext uri="{FF2B5EF4-FFF2-40B4-BE49-F238E27FC236}">
+                  <a16:creationId xmlns:a16="http://schemas.microsoft.com/office/drawing/2014/main" id="{59710CE9-75A6-8E4F-BC0F-9128A72B5E28}"/>
+                </a:ext>
+              </a:extLst>
+            </p:cNvPr>
+            <p:cNvSpPr txBox="1"/>
+            <p:nvPr/>
+          </p:nvSpPr>
+          <p:spPr>
+            <a:xfrm>
+              <a:off x="1516437" y="36576"/>
+              <a:ext cx="1371599" cy="230832"/>
+            </a:xfrm>
+            <a:prstGeom prst="rect">
+              <a:avLst/>
+            </a:prstGeom>
+            <a:noFill/>
+          </p:spPr>
+          <p:txBody>
+            <a:bodyPr wrap="square" rtlCol="0">
+              <a:spAutoFit/>
+            </a:bodyPr>
+            <a:lstStyle/>
+            <a:p>
+              <a:pPr algn="ctr"/>
+              <a:r>
+                <a:rPr lang="en-US" sz="900" i="1" dirty="0">
+                  <a:latin typeface="Helvetica Neue" panose="02000503000000020004" pitchFamily="2" charset="0"/>
+                  <a:ea typeface="Helvetica Neue" panose="02000503000000020004" pitchFamily="2" charset="0"/>
+                  <a:cs typeface="Helvetica Neue" panose="02000503000000020004" pitchFamily="2" charset="0"/>
+                </a:rPr>
+                <a:t>No effect</a:t>
+              </a:r>
+            </a:p>
+          </p:txBody>
+        </p:sp>
+        <p:sp>
+          <p:nvSpPr>
+            <p:cNvPr id="47" name="Rectangle 46">
+              <a:extLst>
+                <a:ext uri="{FF2B5EF4-FFF2-40B4-BE49-F238E27FC236}">
+                  <a16:creationId xmlns:a16="http://schemas.microsoft.com/office/drawing/2014/main" id="{B01074A1-2499-4948-9DBB-7D0A93A30FE8}"/>
+                </a:ext>
+              </a:extLst>
+            </p:cNvPr>
+            <p:cNvSpPr/>
+            <p:nvPr/>
+          </p:nvSpPr>
+          <p:spPr>
+            <a:xfrm>
+              <a:off x="5608758" y="430017"/>
+              <a:ext cx="214560" cy="895837"/>
+            </a:xfrm>
+            <a:prstGeom prst="rect">
+              <a:avLst/>
+            </a:prstGeom>
+            <a:noFill/>
+            <a:ln w="6350">
+              <a:solidFill>
+                <a:schemeClr val="tx1"/>
+              </a:solidFill>
+            </a:ln>
+          </p:spPr>
+          <p:style>
+            <a:lnRef idx="2">
+              <a:schemeClr val="accent1">
+                <a:shade val="50000"/>
+              </a:schemeClr>
+            </a:lnRef>
+            <a:fillRef idx="1">
+              <a:schemeClr val="accent1"/>
+            </a:fillRef>
+            <a:effectRef idx="0">
+              <a:schemeClr val="accent1"/>
+            </a:effectRef>
+            <a:fontRef idx="minor">
+              <a:schemeClr val="lt1"/>
+            </a:fontRef>
+          </p:style>
+          <p:txBody>
+            <a:bodyPr rtlCol="0" anchor="ctr"/>
+            <a:lstStyle/>
+            <a:p>
+              <a:pPr algn="ctr"/>
+              <a:endParaRPr lang="en-US"/>
+            </a:p>
+          </p:txBody>
+        </p:sp>
+        <p:cxnSp>
+          <p:nvCxnSpPr>
+            <p:cNvPr id="48" name="Straight Arrow Connector 47">
+              <a:extLst>
+                <a:ext uri="{FF2B5EF4-FFF2-40B4-BE49-F238E27FC236}">
+                  <a16:creationId xmlns:a16="http://schemas.microsoft.com/office/drawing/2014/main" id="{3673C9ED-1E77-ED4B-9332-C7996099B01B}"/>
+                </a:ext>
+              </a:extLst>
+            </p:cNvPr>
+            <p:cNvCxnSpPr>
+              <a:cxnSpLocks/>
+            </p:cNvCxnSpPr>
+            <p:nvPr/>
+          </p:nvCxnSpPr>
+          <p:spPr>
+            <a:xfrm>
+              <a:off x="5716038" y="228600"/>
+              <a:ext cx="0" cy="192554"/>
+            </a:xfrm>
+            <a:prstGeom prst="straightConnector1">
+              <a:avLst/>
+            </a:prstGeom>
+            <a:ln>
+              <a:solidFill>
+                <a:schemeClr val="tx1"/>
+              </a:solidFill>
+              <a:tailEnd type="triangle"/>
+            </a:ln>
+          </p:spPr>
+          <p:style>
+            <a:lnRef idx="1">
+              <a:schemeClr val="accent1"/>
+            </a:lnRef>
+            <a:fillRef idx="0">
+              <a:schemeClr val="accent1"/>
+            </a:fillRef>
+            <a:effectRef idx="0">
+              <a:schemeClr val="accent1"/>
+            </a:effectRef>
+            <a:fontRef idx="minor">
+              <a:schemeClr val="tx1"/>
+            </a:fontRef>
+          </p:style>
+        </p:cxnSp>
+        <p:sp>
+          <p:nvSpPr>
+            <p:cNvPr id="49" name="TextBox 48">
+              <a:extLst>
+                <a:ext uri="{FF2B5EF4-FFF2-40B4-BE49-F238E27FC236}">
+                  <a16:creationId xmlns:a16="http://schemas.microsoft.com/office/drawing/2014/main" id="{2505A704-0B39-3948-B702-3DE6FB8A566F}"/>
+                </a:ext>
+              </a:extLst>
+            </p:cNvPr>
+            <p:cNvSpPr txBox="1"/>
+            <p:nvPr/>
+          </p:nvSpPr>
+          <p:spPr>
+            <a:xfrm>
+              <a:off x="5030238" y="37945"/>
+              <a:ext cx="1371599" cy="230832"/>
+            </a:xfrm>
+            <a:prstGeom prst="rect">
+              <a:avLst/>
+            </a:prstGeom>
+            <a:noFill/>
+          </p:spPr>
+          <p:txBody>
+            <a:bodyPr wrap="square" rtlCol="0">
+              <a:spAutoFit/>
+            </a:bodyPr>
+            <a:lstStyle/>
+            <a:p>
+              <a:pPr algn="ctr"/>
+              <a:r>
+                <a:rPr lang="en-US" sz="900" i="1" dirty="0">
+                  <a:latin typeface="Helvetica Neue" panose="02000503000000020004" pitchFamily="2" charset="0"/>
+                  <a:ea typeface="Helvetica Neue" panose="02000503000000020004" pitchFamily="2" charset="0"/>
+                  <a:cs typeface="Helvetica Neue" panose="02000503000000020004" pitchFamily="2" charset="0"/>
+                </a:rPr>
+                <a:t>Downward contagion</a:t>
+              </a:r>
+            </a:p>
+          </p:txBody>
+        </p:sp>
+        <p:sp>
+          <p:nvSpPr>
+            <p:cNvPr id="56" name="Rectangle 55">
+              <a:extLst>
+                <a:ext uri="{FF2B5EF4-FFF2-40B4-BE49-F238E27FC236}">
+                  <a16:creationId xmlns:a16="http://schemas.microsoft.com/office/drawing/2014/main" id="{946FFB0D-B0DB-7746-BE84-CA00A6AC6FC6}"/>
+                </a:ext>
+              </a:extLst>
+            </p:cNvPr>
+            <p:cNvSpPr/>
+            <p:nvPr/>
+          </p:nvSpPr>
+          <p:spPr>
+            <a:xfrm>
+              <a:off x="2113494" y="2340134"/>
+              <a:ext cx="214560" cy="895837"/>
+            </a:xfrm>
+            <a:prstGeom prst="rect">
+              <a:avLst/>
+            </a:prstGeom>
+            <a:noFill/>
+            <a:ln w="6350">
+              <a:solidFill>
+                <a:schemeClr val="tx1"/>
+              </a:solidFill>
+            </a:ln>
+          </p:spPr>
+          <p:style>
+            <a:lnRef idx="2">
+              <a:schemeClr val="accent1">
+                <a:shade val="50000"/>
+              </a:schemeClr>
+            </a:lnRef>
+            <a:fillRef idx="1">
+              <a:schemeClr val="accent1"/>
+            </a:fillRef>
+            <a:effectRef idx="0">
+              <a:schemeClr val="accent1"/>
+            </a:effectRef>
+            <a:fontRef idx="minor">
+              <a:schemeClr val="lt1"/>
+            </a:fontRef>
+          </p:style>
+          <p:txBody>
+            <a:bodyPr rtlCol="0" anchor="ctr"/>
+            <a:lstStyle/>
+            <a:p>
+              <a:pPr algn="ctr"/>
+              <a:endParaRPr lang="en-US"/>
+            </a:p>
+          </p:txBody>
+        </p:sp>
+        <p:cxnSp>
+          <p:nvCxnSpPr>
+            <p:cNvPr id="57" name="Straight Arrow Connector 56">
+              <a:extLst>
+                <a:ext uri="{FF2B5EF4-FFF2-40B4-BE49-F238E27FC236}">
+                  <a16:creationId xmlns:a16="http://schemas.microsoft.com/office/drawing/2014/main" id="{D01545C1-233E-EA44-BA81-A519DB74EB76}"/>
+                </a:ext>
+              </a:extLst>
+            </p:cNvPr>
+            <p:cNvCxnSpPr>
+              <a:cxnSpLocks/>
+            </p:cNvCxnSpPr>
+            <p:nvPr/>
+          </p:nvCxnSpPr>
+          <p:spPr>
+            <a:xfrm>
+              <a:off x="2220774" y="2147580"/>
+              <a:ext cx="0" cy="192554"/>
+            </a:xfrm>
+            <a:prstGeom prst="straightConnector1">
+              <a:avLst/>
+            </a:prstGeom>
+            <a:ln>
+              <a:solidFill>
+                <a:schemeClr val="tx1"/>
+              </a:solidFill>
+              <a:tailEnd type="triangle"/>
+            </a:ln>
+          </p:spPr>
+          <p:style>
+            <a:lnRef idx="1">
+              <a:schemeClr val="accent1"/>
+            </a:lnRef>
+            <a:fillRef idx="0">
+              <a:schemeClr val="accent1"/>
+            </a:fillRef>
+            <a:effectRef idx="0">
+              <a:schemeClr val="accent1"/>
+            </a:effectRef>
+            <a:fontRef idx="minor">
+              <a:schemeClr val="tx1"/>
+            </a:fontRef>
+          </p:style>
+        </p:cxnSp>
+        <p:sp>
+          <p:nvSpPr>
+            <p:cNvPr id="58" name="TextBox 57">
+              <a:extLst>
+                <a:ext uri="{FF2B5EF4-FFF2-40B4-BE49-F238E27FC236}">
+                  <a16:creationId xmlns:a16="http://schemas.microsoft.com/office/drawing/2014/main" id="{01EAAFA9-AE9E-8246-A9FD-6D29F8274912}"/>
+                </a:ext>
+              </a:extLst>
+            </p:cNvPr>
+            <p:cNvSpPr txBox="1"/>
+            <p:nvPr/>
+          </p:nvSpPr>
+          <p:spPr>
+            <a:xfrm>
+              <a:off x="1516438" y="1957018"/>
+              <a:ext cx="1371599" cy="230832"/>
+            </a:xfrm>
+            <a:prstGeom prst="rect">
+              <a:avLst/>
+            </a:prstGeom>
+            <a:noFill/>
+          </p:spPr>
+          <p:txBody>
+            <a:bodyPr wrap="square" rtlCol="0">
+              <a:spAutoFit/>
+            </a:bodyPr>
+            <a:lstStyle/>
+            <a:p>
+              <a:pPr algn="ctr"/>
+              <a:r>
+                <a:rPr lang="en-US" sz="900" i="1" dirty="0">
+                  <a:latin typeface="Helvetica Neue" panose="02000503000000020004" pitchFamily="2" charset="0"/>
+                  <a:ea typeface="Helvetica Neue" panose="02000503000000020004" pitchFamily="2" charset="0"/>
+                  <a:cs typeface="Helvetica Neue" panose="02000503000000020004" pitchFamily="2" charset="0"/>
+                </a:rPr>
+                <a:t>Upward contagion</a:t>
+              </a:r>
+            </a:p>
+          </p:txBody>
+        </p:sp>
+        <p:sp>
+          <p:nvSpPr>
+            <p:cNvPr id="60" name="Rectangle 59">
+              <a:extLst>
+                <a:ext uri="{FF2B5EF4-FFF2-40B4-BE49-F238E27FC236}">
+                  <a16:creationId xmlns:a16="http://schemas.microsoft.com/office/drawing/2014/main" id="{A32BC6D7-F7BC-9347-83A3-B3CCF91F5830}"/>
+                </a:ext>
+              </a:extLst>
+            </p:cNvPr>
+            <p:cNvSpPr/>
+            <p:nvPr/>
+          </p:nvSpPr>
+          <p:spPr>
+            <a:xfrm>
+              <a:off x="5601008" y="2340864"/>
+              <a:ext cx="214560" cy="895837"/>
+            </a:xfrm>
+            <a:prstGeom prst="rect">
+              <a:avLst/>
+            </a:prstGeom>
+            <a:noFill/>
+            <a:ln w="6350">
+              <a:solidFill>
+                <a:schemeClr val="tx1"/>
+              </a:solidFill>
+            </a:ln>
+          </p:spPr>
+          <p:style>
+            <a:lnRef idx="2">
+              <a:schemeClr val="accent1">
+                <a:shade val="50000"/>
+              </a:schemeClr>
+            </a:lnRef>
+            <a:fillRef idx="1">
+              <a:schemeClr val="accent1"/>
+            </a:fillRef>
+            <a:effectRef idx="0">
+              <a:schemeClr val="accent1"/>
+            </a:effectRef>
+            <a:fontRef idx="minor">
+              <a:schemeClr val="lt1"/>
+            </a:fontRef>
+          </p:style>
+          <p:txBody>
+            <a:bodyPr rtlCol="0" anchor="ctr"/>
+            <a:lstStyle/>
+            <a:p>
+              <a:pPr algn="ctr"/>
+              <a:endParaRPr lang="en-US"/>
+            </a:p>
+          </p:txBody>
+        </p:sp>
+        <p:cxnSp>
+          <p:nvCxnSpPr>
+            <p:cNvPr id="61" name="Straight Arrow Connector 60">
+              <a:extLst>
+                <a:ext uri="{FF2B5EF4-FFF2-40B4-BE49-F238E27FC236}">
+                  <a16:creationId xmlns:a16="http://schemas.microsoft.com/office/drawing/2014/main" id="{9799F749-BB09-1044-AE8A-A5DAEEBC2F1E}"/>
+                </a:ext>
+              </a:extLst>
+            </p:cNvPr>
+            <p:cNvCxnSpPr>
+              <a:cxnSpLocks/>
+            </p:cNvCxnSpPr>
+            <p:nvPr/>
+          </p:nvCxnSpPr>
+          <p:spPr>
+            <a:xfrm>
+              <a:off x="5716039" y="2147966"/>
+              <a:ext cx="0" cy="192554"/>
+            </a:xfrm>
+            <a:prstGeom prst="straightConnector1">
+              <a:avLst/>
+            </a:prstGeom>
+            <a:ln>
+              <a:solidFill>
+                <a:schemeClr val="tx1"/>
+              </a:solidFill>
+              <a:tailEnd type="triangle"/>
+            </a:ln>
+          </p:spPr>
+          <p:style>
+            <a:lnRef idx="1">
+              <a:schemeClr val="accent1"/>
+            </a:lnRef>
+            <a:fillRef idx="0">
+              <a:schemeClr val="accent1"/>
+            </a:fillRef>
+            <a:effectRef idx="0">
+              <a:schemeClr val="accent1"/>
+            </a:effectRef>
+            <a:fontRef idx="minor">
+              <a:schemeClr val="tx1"/>
+            </a:fontRef>
+          </p:style>
+        </p:cxnSp>
+        <p:sp>
+          <p:nvSpPr>
+            <p:cNvPr id="62" name="TextBox 61">
+              <a:extLst>
+                <a:ext uri="{FF2B5EF4-FFF2-40B4-BE49-F238E27FC236}">
+                  <a16:creationId xmlns:a16="http://schemas.microsoft.com/office/drawing/2014/main" id="{D13988C2-B628-D948-9CFA-37C8D35D596B}"/>
+                </a:ext>
+              </a:extLst>
+            </p:cNvPr>
+            <p:cNvSpPr txBox="1"/>
+            <p:nvPr/>
+          </p:nvSpPr>
+          <p:spPr>
+            <a:xfrm>
+              <a:off x="5031210" y="1956816"/>
+              <a:ext cx="1371599" cy="230832"/>
+            </a:xfrm>
+            <a:prstGeom prst="rect">
+              <a:avLst/>
+            </a:prstGeom>
+            <a:noFill/>
+          </p:spPr>
+          <p:txBody>
+            <a:bodyPr wrap="square" rtlCol="0">
+              <a:spAutoFit/>
+            </a:bodyPr>
+            <a:lstStyle/>
+            <a:p>
+              <a:pPr algn="ctr"/>
+              <a:r>
+                <a:rPr lang="en-US" sz="900" i="1" dirty="0">
+                  <a:latin typeface="Helvetica Neue" panose="02000503000000020004" pitchFamily="2" charset="0"/>
+                  <a:ea typeface="Helvetica Neue" panose="02000503000000020004" pitchFamily="2" charset="0"/>
+                  <a:cs typeface="Helvetica Neue" panose="02000503000000020004" pitchFamily="2" charset="0"/>
+                </a:rPr>
+                <a:t>Amplification</a:t>
+              </a:r>
+            </a:p>
+          </p:txBody>
+        </p:sp>
+        <p:cxnSp>
+          <p:nvCxnSpPr>
+            <p:cNvPr id="39" name="Straight Arrow Connector 38">
+              <a:extLst>
+                <a:ext uri="{FF2B5EF4-FFF2-40B4-BE49-F238E27FC236}">
+                  <a16:creationId xmlns:a16="http://schemas.microsoft.com/office/drawing/2014/main" id="{00DB2157-BF54-264B-B6D3-4F581EC5D01E}"/>
+                </a:ext>
+              </a:extLst>
+            </p:cNvPr>
+            <p:cNvCxnSpPr>
+              <a:cxnSpLocks/>
+            </p:cNvCxnSpPr>
+            <p:nvPr/>
+          </p:nvCxnSpPr>
+          <p:spPr>
+            <a:xfrm>
+              <a:off x="2220774" y="225883"/>
+              <a:ext cx="0" cy="192554"/>
+            </a:xfrm>
+            <a:prstGeom prst="straightConnector1">
+              <a:avLst/>
+            </a:prstGeom>
+            <a:ln>
+              <a:solidFill>
+                <a:schemeClr val="tx1"/>
+              </a:solidFill>
+              <a:tailEnd type="triangle"/>
+            </a:ln>
+          </p:spPr>
+          <p:style>
+            <a:lnRef idx="1">
+              <a:schemeClr val="accent1"/>
+            </a:lnRef>
+            <a:fillRef idx="0">
+              <a:schemeClr val="accent1"/>
+            </a:fillRef>
+            <a:effectRef idx="0">
+              <a:schemeClr val="accent1"/>
+            </a:effectRef>
+            <a:fontRef idx="minor">
+              <a:schemeClr val="tx1"/>
+            </a:fontRef>
+          </p:style>
+        </p:cxnSp>
+        <p:sp>
+          <p:nvSpPr>
+            <p:cNvPr id="41" name="TextBox 40">
+              <a:extLst>
+                <a:ext uri="{FF2B5EF4-FFF2-40B4-BE49-F238E27FC236}">
+                  <a16:creationId xmlns:a16="http://schemas.microsoft.com/office/drawing/2014/main" id="{C2CA39FC-FD75-0D4B-A43E-00AD62C85872}"/>
+                </a:ext>
+              </a:extLst>
+            </p:cNvPr>
+            <p:cNvSpPr txBox="1"/>
+            <p:nvPr/>
+          </p:nvSpPr>
+          <p:spPr>
+            <a:xfrm>
+              <a:off x="3362776" y="3097968"/>
+              <a:ext cx="665483" cy="246221"/>
+            </a:xfrm>
+            <a:prstGeom prst="rect">
+              <a:avLst/>
+            </a:prstGeom>
+            <a:noFill/>
+          </p:spPr>
+          <p:txBody>
+            <a:bodyPr wrap="square" rtlCol="0">
+              <a:spAutoFit/>
+            </a:bodyPr>
+            <a:lstStyle/>
+            <a:p>
+              <a:pPr algn="r"/>
+              <a:r>
+                <a:rPr lang="en-US" sz="600" dirty="0">
+                  <a:solidFill>
+                    <a:schemeClr val="bg1">
+                      <a:lumMod val="50000"/>
+                    </a:schemeClr>
+                  </a:solidFill>
+                  <a:latin typeface="Arial" panose="020B0604020202020204" pitchFamily="34" charset="0"/>
+                  <a:ea typeface="Helvetica Neue" panose="02000503000000020004" pitchFamily="2" charset="0"/>
+                  <a:cs typeface="Arial" panose="020B0604020202020204" pitchFamily="34" charset="0"/>
+                </a:rPr>
+                <a:t>---</a:t>
+              </a:r>
+              <a:r>
+                <a:rPr lang="en-US" sz="100" dirty="0">
+                  <a:solidFill>
+                    <a:schemeClr val="bg1">
+                      <a:lumMod val="50000"/>
+                    </a:schemeClr>
+                  </a:solidFill>
+                  <a:latin typeface="Arial" panose="020B0604020202020204" pitchFamily="34" charset="0"/>
+                  <a:ea typeface="Helvetica Neue" panose="02000503000000020004" pitchFamily="2" charset="0"/>
+                  <a:cs typeface="Arial" panose="020B0604020202020204" pitchFamily="34" charset="0"/>
+                </a:rPr>
+                <a:t> </a:t>
+              </a:r>
+              <a:r>
+                <a:rPr lang="en-US" sz="600" dirty="0">
+                  <a:latin typeface="Arial" panose="020B0604020202020204" pitchFamily="34" charset="0"/>
+                  <a:ea typeface="Helvetica Neue" panose="02000503000000020004" pitchFamily="2" charset="0"/>
+                  <a:cs typeface="Arial" panose="020B0604020202020204" pitchFamily="34" charset="0"/>
+                </a:rPr>
+                <a:t>  </a:t>
+              </a:r>
+              <a:r>
+                <a:rPr lang="en-US" sz="400" dirty="0">
+                  <a:latin typeface="Arial" panose="020B0604020202020204" pitchFamily="34" charset="0"/>
+                  <a:ea typeface="Helvetica Neue" panose="02000503000000020004" pitchFamily="2" charset="0"/>
+                  <a:cs typeface="Arial" panose="020B0604020202020204" pitchFamily="34" charset="0"/>
+                </a:rPr>
+                <a:t> </a:t>
+              </a:r>
+              <a:r>
+                <a:rPr lang="en-US" sz="600" dirty="0">
+                  <a:latin typeface="Arial" panose="020B0604020202020204" pitchFamily="34" charset="0"/>
+                  <a:ea typeface="Helvetica Neue" panose="02000503000000020004" pitchFamily="2" charset="0"/>
+                  <a:cs typeface="Arial" panose="020B0604020202020204" pitchFamily="34" charset="0"/>
+                </a:rPr>
+                <a:t>Null H</a:t>
+              </a:r>
+              <a:r>
+                <a:rPr lang="en-US" sz="600" baseline="-25000" dirty="0">
+                  <a:latin typeface="Arial" panose="020B0604020202020204" pitchFamily="34" charset="0"/>
+                  <a:ea typeface="Helvetica Neue" panose="02000503000000020004" pitchFamily="2" charset="0"/>
+                  <a:cs typeface="Arial" panose="020B0604020202020204" pitchFamily="34" charset="0"/>
+                </a:rPr>
+                <a:t>0</a:t>
+              </a:r>
+              <a:endParaRPr lang="en-US" sz="600" dirty="0">
+                <a:latin typeface="Arial" panose="020B0604020202020204" pitchFamily="34" charset="0"/>
+                <a:ea typeface="Helvetica Neue" panose="02000503000000020004" pitchFamily="2" charset="0"/>
+                <a:cs typeface="Arial" panose="020B0604020202020204" pitchFamily="34" charset="0"/>
+              </a:endParaRPr>
+            </a:p>
+            <a:p>
+              <a:pPr algn="r"/>
+              <a:r>
+                <a:rPr lang="en-US" sz="400" dirty="0">
+                  <a:latin typeface="Arial" panose="020B0604020202020204" pitchFamily="34" charset="0"/>
+                  <a:ea typeface="Helvetica Neue" panose="02000503000000020004" pitchFamily="2" charset="0"/>
+                  <a:cs typeface="Arial" panose="020B0604020202020204" pitchFamily="34" charset="0"/>
+                </a:rPr>
+                <a:t>(linear mixing)</a:t>
+              </a:r>
+              <a:endParaRPr lang="en-US" sz="400" baseline="-25000" dirty="0">
+                <a:latin typeface="Arial" panose="020B0604020202020204" pitchFamily="34" charset="0"/>
+                <a:ea typeface="Helvetica Neue" panose="02000503000000020004" pitchFamily="2" charset="0"/>
+                <a:cs typeface="Arial" panose="020B0604020202020204" pitchFamily="34" charset="0"/>
+              </a:endParaRPr>
+            </a:p>
+          </p:txBody>
+        </p:sp>
+        <p:sp>
+          <p:nvSpPr>
+            <p:cNvPr id="42" name="TextBox 41">
+              <a:extLst>
+                <a:ext uri="{FF2B5EF4-FFF2-40B4-BE49-F238E27FC236}">
+                  <a16:creationId xmlns:a16="http://schemas.microsoft.com/office/drawing/2014/main" id="{86094904-810D-DC4B-AD23-A3A1B80DE9D8}"/>
+                </a:ext>
+              </a:extLst>
+            </p:cNvPr>
+            <p:cNvSpPr txBox="1"/>
+            <p:nvPr/>
+          </p:nvSpPr>
+          <p:spPr>
+            <a:xfrm>
+              <a:off x="6849965" y="1155800"/>
+              <a:ext cx="665483" cy="246221"/>
+            </a:xfrm>
+            <a:prstGeom prst="rect">
+              <a:avLst/>
+            </a:prstGeom>
+            <a:noFill/>
+          </p:spPr>
+          <p:txBody>
+            <a:bodyPr wrap="square" rtlCol="0">
+              <a:spAutoFit/>
+            </a:bodyPr>
+            <a:lstStyle/>
+            <a:p>
+              <a:pPr algn="r"/>
+              <a:r>
+                <a:rPr lang="en-US" sz="600" dirty="0">
+                  <a:solidFill>
+                    <a:schemeClr val="bg1">
+                      <a:lumMod val="50000"/>
+                    </a:schemeClr>
+                  </a:solidFill>
+                  <a:latin typeface="Arial" panose="020B0604020202020204" pitchFamily="34" charset="0"/>
+                  <a:ea typeface="Helvetica Neue" panose="02000503000000020004" pitchFamily="2" charset="0"/>
+                  <a:cs typeface="Arial" panose="020B0604020202020204" pitchFamily="34" charset="0"/>
+                </a:rPr>
+                <a:t>---</a:t>
+              </a:r>
+              <a:r>
+                <a:rPr lang="en-US" sz="100" dirty="0">
+                  <a:solidFill>
+                    <a:schemeClr val="bg1">
+                      <a:lumMod val="50000"/>
+                    </a:schemeClr>
+                  </a:solidFill>
+                  <a:latin typeface="Arial" panose="020B0604020202020204" pitchFamily="34" charset="0"/>
+                  <a:ea typeface="Helvetica Neue" panose="02000503000000020004" pitchFamily="2" charset="0"/>
+                  <a:cs typeface="Arial" panose="020B0604020202020204" pitchFamily="34" charset="0"/>
+                </a:rPr>
+                <a:t> </a:t>
+              </a:r>
+              <a:r>
+                <a:rPr lang="en-US" sz="600" dirty="0">
+                  <a:latin typeface="Arial" panose="020B0604020202020204" pitchFamily="34" charset="0"/>
+                  <a:ea typeface="Helvetica Neue" panose="02000503000000020004" pitchFamily="2" charset="0"/>
+                  <a:cs typeface="Arial" panose="020B0604020202020204" pitchFamily="34" charset="0"/>
+                </a:rPr>
+                <a:t>   Null H</a:t>
+              </a:r>
+              <a:r>
+                <a:rPr lang="en-US" sz="600" baseline="-25000" dirty="0">
+                  <a:latin typeface="Arial" panose="020B0604020202020204" pitchFamily="34" charset="0"/>
+                  <a:ea typeface="Helvetica Neue" panose="02000503000000020004" pitchFamily="2" charset="0"/>
+                  <a:cs typeface="Arial" panose="020B0604020202020204" pitchFamily="34" charset="0"/>
+                </a:rPr>
+                <a:t>0</a:t>
+              </a:r>
+              <a:endParaRPr lang="en-US" sz="600" dirty="0">
+                <a:latin typeface="Arial" panose="020B0604020202020204" pitchFamily="34" charset="0"/>
+                <a:ea typeface="Helvetica Neue" panose="02000503000000020004" pitchFamily="2" charset="0"/>
+                <a:cs typeface="Arial" panose="020B0604020202020204" pitchFamily="34" charset="0"/>
+              </a:endParaRPr>
+            </a:p>
+            <a:p>
+              <a:pPr algn="r"/>
+              <a:r>
+                <a:rPr lang="en-US" sz="400" dirty="0">
+                  <a:latin typeface="Arial" panose="020B0604020202020204" pitchFamily="34" charset="0"/>
+                  <a:ea typeface="Helvetica Neue" panose="02000503000000020004" pitchFamily="2" charset="0"/>
+                  <a:cs typeface="Arial" panose="020B0604020202020204" pitchFamily="34" charset="0"/>
+                </a:rPr>
+                <a:t>(linear mixing)</a:t>
+              </a:r>
+              <a:endParaRPr lang="en-US" sz="400" baseline="-25000" dirty="0">
+                <a:latin typeface="Arial" panose="020B0604020202020204" pitchFamily="34" charset="0"/>
+                <a:ea typeface="Helvetica Neue" panose="02000503000000020004" pitchFamily="2" charset="0"/>
+                <a:cs typeface="Arial" panose="020B0604020202020204" pitchFamily="34" charset="0"/>
+              </a:endParaRPr>
+            </a:p>
+          </p:txBody>
+        </p:sp>
+        <p:sp>
+          <p:nvSpPr>
+            <p:cNvPr id="43" name="TextBox 42">
+              <a:extLst>
+                <a:ext uri="{FF2B5EF4-FFF2-40B4-BE49-F238E27FC236}">
+                  <a16:creationId xmlns:a16="http://schemas.microsoft.com/office/drawing/2014/main" id="{7BC6EBD4-54C6-144F-B3EB-F8D2E47DCE08}"/>
+                </a:ext>
+              </a:extLst>
+            </p:cNvPr>
+            <p:cNvSpPr txBox="1"/>
+            <p:nvPr/>
+          </p:nvSpPr>
+          <p:spPr>
+            <a:xfrm>
+              <a:off x="3365280" y="1148655"/>
+              <a:ext cx="665483" cy="246221"/>
+            </a:xfrm>
+            <a:prstGeom prst="rect">
+              <a:avLst/>
+            </a:prstGeom>
+            <a:noFill/>
+          </p:spPr>
+          <p:txBody>
+            <a:bodyPr wrap="square" rtlCol="0">
+              <a:spAutoFit/>
+            </a:bodyPr>
+            <a:lstStyle/>
+            <a:p>
+              <a:pPr algn="r"/>
+              <a:r>
+                <a:rPr lang="en-US" sz="600" dirty="0">
+                  <a:solidFill>
+                    <a:schemeClr val="bg1">
+                      <a:lumMod val="50000"/>
+                    </a:schemeClr>
+                  </a:solidFill>
+                  <a:latin typeface="Arial" panose="020B0604020202020204" pitchFamily="34" charset="0"/>
+                  <a:ea typeface="Helvetica Neue" panose="02000503000000020004" pitchFamily="2" charset="0"/>
+                  <a:cs typeface="Arial" panose="020B0604020202020204" pitchFamily="34" charset="0"/>
+                </a:rPr>
+                <a:t>---</a:t>
+              </a:r>
+              <a:r>
+                <a:rPr lang="en-US" sz="100" dirty="0">
+                  <a:solidFill>
+                    <a:schemeClr val="bg1">
+                      <a:lumMod val="50000"/>
+                    </a:schemeClr>
+                  </a:solidFill>
+                  <a:latin typeface="Arial" panose="020B0604020202020204" pitchFamily="34" charset="0"/>
+                  <a:ea typeface="Helvetica Neue" panose="02000503000000020004" pitchFamily="2" charset="0"/>
+                  <a:cs typeface="Arial" panose="020B0604020202020204" pitchFamily="34" charset="0"/>
+                </a:rPr>
+                <a:t> </a:t>
+              </a:r>
+              <a:r>
+                <a:rPr lang="en-US" sz="600" dirty="0">
+                  <a:latin typeface="Arial" panose="020B0604020202020204" pitchFamily="34" charset="0"/>
+                  <a:ea typeface="Helvetica Neue" panose="02000503000000020004" pitchFamily="2" charset="0"/>
+                  <a:cs typeface="Arial" panose="020B0604020202020204" pitchFamily="34" charset="0"/>
+                </a:rPr>
+                <a:t>   Null H</a:t>
+              </a:r>
+              <a:r>
+                <a:rPr lang="en-US" sz="600" baseline="-25000" dirty="0">
+                  <a:latin typeface="Arial" panose="020B0604020202020204" pitchFamily="34" charset="0"/>
+                  <a:ea typeface="Helvetica Neue" panose="02000503000000020004" pitchFamily="2" charset="0"/>
+                  <a:cs typeface="Arial" panose="020B0604020202020204" pitchFamily="34" charset="0"/>
+                </a:rPr>
+                <a:t>0</a:t>
+              </a:r>
+              <a:endParaRPr lang="en-US" sz="600" dirty="0">
+                <a:latin typeface="Arial" panose="020B0604020202020204" pitchFamily="34" charset="0"/>
+                <a:ea typeface="Helvetica Neue" panose="02000503000000020004" pitchFamily="2" charset="0"/>
+                <a:cs typeface="Arial" panose="020B0604020202020204" pitchFamily="34" charset="0"/>
+              </a:endParaRPr>
+            </a:p>
+            <a:p>
+              <a:pPr algn="r"/>
+              <a:r>
+                <a:rPr lang="en-US" sz="400" dirty="0">
+                  <a:latin typeface="Arial" panose="020B0604020202020204" pitchFamily="34" charset="0"/>
+                  <a:ea typeface="Helvetica Neue" panose="02000503000000020004" pitchFamily="2" charset="0"/>
+                  <a:cs typeface="Arial" panose="020B0604020202020204" pitchFamily="34" charset="0"/>
+                </a:rPr>
+                <a:t>(linear mixing)</a:t>
+              </a:r>
+              <a:endParaRPr lang="en-US" sz="400" baseline="-25000" dirty="0">
+                <a:latin typeface="Arial" panose="020B0604020202020204" pitchFamily="34" charset="0"/>
+                <a:ea typeface="Helvetica Neue" panose="02000503000000020004" pitchFamily="2" charset="0"/>
+                <a:cs typeface="Arial" panose="020B0604020202020204" pitchFamily="34" charset="0"/>
+              </a:endParaRPr>
+            </a:p>
+          </p:txBody>
+        </p:sp>
+      </p:grpSp>
+      <p:pic>
+        <p:nvPicPr>
+          <p:cNvPr id="11" name="Picture 10">
+            <a:extLst>
+              <a:ext uri="{FF2B5EF4-FFF2-40B4-BE49-F238E27FC236}">
+                <a16:creationId xmlns:a16="http://schemas.microsoft.com/office/drawing/2014/main" id="{33791480-530A-D443-8F5B-4EB5F93C7B95}"/>
+              </a:ext>
+            </a:extLst>
+          </p:cNvPr>
+          <p:cNvPicPr>
+            <a:picLocks noChangeAspect="1"/>
+          </p:cNvPicPr>
+          <p:nvPr/>
+        </p:nvPicPr>
+        <p:blipFill>
+          <a:blip r:embed="rId6"/>
+          <a:stretch>
+            <a:fillRect/>
+          </a:stretch>
+        </p:blipFill>
+        <p:spPr>
+          <a:xfrm>
+            <a:off x="4026781" y="2188398"/>
+            <a:ext cx="3488400" cy="1737360"/>
+          </a:xfrm>
+          <a:prstGeom prst="rect">
+            <a:avLst/>
+          </a:prstGeom>
+        </p:spPr>
+      </p:pic>
+      <p:pic>
+        <p:nvPicPr>
+          <p:cNvPr id="4" name="Picture 3" descr="A screenshot of a computer&#10;&#10;Description automatically generated">
+            <a:extLst>
+              <a:ext uri="{FF2B5EF4-FFF2-40B4-BE49-F238E27FC236}">
+                <a16:creationId xmlns:a16="http://schemas.microsoft.com/office/drawing/2014/main" id="{27740585-E80B-7247-A1B1-54869513FFFB}"/>
+              </a:ext>
+            </a:extLst>
+          </p:cNvPr>
+          <p:cNvPicPr>
+            <a:picLocks noChangeAspect="1"/>
+          </p:cNvPicPr>
+          <p:nvPr/>
+        </p:nvPicPr>
+        <p:blipFill>
+          <a:blip r:embed="rId7"/>
+          <a:stretch>
+            <a:fillRect/>
+          </a:stretch>
+        </p:blipFill>
+        <p:spPr>
+          <a:xfrm>
+            <a:off x="1544448" y="4078042"/>
+            <a:ext cx="4829555" cy="2405308"/>
+          </a:xfrm>
+          <a:prstGeom prst="rect">
+            <a:avLst/>
+          </a:prstGeom>
+        </p:spPr>
+      </p:pic>
+      <p:sp>
+        <p:nvSpPr>
+          <p:cNvPr id="28" name="TextBox 27">
+            <a:extLst>
+              <a:ext uri="{FF2B5EF4-FFF2-40B4-BE49-F238E27FC236}">
+                <a16:creationId xmlns:a16="http://schemas.microsoft.com/office/drawing/2014/main" id="{9DAC98E4-7B90-5B4A-9734-E1594B3AC33C}"/>
+              </a:ext>
+            </a:extLst>
+          </p:cNvPr>
+          <p:cNvSpPr txBox="1"/>
+          <p:nvPr/>
+        </p:nvSpPr>
+        <p:spPr>
+          <a:xfrm>
+            <a:off x="1444782" y="3931485"/>
+            <a:ext cx="500845" cy="307777"/>
+          </a:xfrm>
+          <a:prstGeom prst="rect">
+            <a:avLst/>
+          </a:prstGeom>
+          <a:noFill/>
+        </p:spPr>
+        <p:txBody>
+          <a:bodyPr wrap="square" rtlCol="0">
+            <a:spAutoFit/>
+          </a:bodyPr>
+          <a:lstStyle/>
+          <a:p>
+            <a:pPr algn="ctr"/>
+            <a:r>
+              <a:rPr lang="en-US" sz="1400" b="1" dirty="0">
+                <a:latin typeface="Helvetica Neue" panose="02000503000000020004" pitchFamily="2" charset="0"/>
+                <a:ea typeface="Helvetica Neue" panose="02000503000000020004" pitchFamily="2" charset="0"/>
+                <a:cs typeface="Helvetica Neue" panose="02000503000000020004" pitchFamily="2" charset="0"/>
+              </a:rPr>
+              <a:t>e</a:t>
+            </a:r>
+          </a:p>
+        </p:txBody>
+      </p:sp>
+      <p:sp>
+        <p:nvSpPr>
+          <p:cNvPr id="44" name="TextBox 43">
+            <a:extLst>
+              <a:ext uri="{FF2B5EF4-FFF2-40B4-BE49-F238E27FC236}">
+                <a16:creationId xmlns:a16="http://schemas.microsoft.com/office/drawing/2014/main" id="{405FE92D-C2E4-8247-B780-F2A58E32F707}"/>
+              </a:ext>
+            </a:extLst>
+          </p:cNvPr>
+          <p:cNvSpPr txBox="1"/>
+          <p:nvPr/>
+        </p:nvSpPr>
+        <p:spPr>
+          <a:xfrm>
+            <a:off x="6855766" y="3112256"/>
+            <a:ext cx="665483" cy="253916"/>
+          </a:xfrm>
+          <a:prstGeom prst="rect">
+            <a:avLst/>
+          </a:prstGeom>
+          <a:noFill/>
+        </p:spPr>
+        <p:txBody>
+          <a:bodyPr wrap="square" rtlCol="0">
+            <a:spAutoFit/>
+          </a:bodyPr>
+          <a:lstStyle/>
+          <a:p>
+            <a:pPr algn="r"/>
+            <a:r>
+              <a:rPr lang="en-US" sz="600" dirty="0">
+                <a:solidFill>
+                  <a:schemeClr val="bg1">
+                    <a:lumMod val="50000"/>
+                  </a:schemeClr>
+                </a:solidFill>
+                <a:latin typeface="Arial" panose="020B0604020202020204" pitchFamily="34" charset="0"/>
+                <a:ea typeface="Helvetica Neue" panose="02000503000000020004" pitchFamily="2" charset="0"/>
+                <a:cs typeface="Arial" panose="020B0604020202020204" pitchFamily="34" charset="0"/>
+              </a:rPr>
+              <a:t>---</a:t>
+            </a:r>
+            <a:r>
+              <a:rPr lang="en-US" sz="100" dirty="0">
+                <a:solidFill>
+                  <a:schemeClr val="bg1">
+                    <a:lumMod val="50000"/>
+                  </a:schemeClr>
+                </a:solidFill>
+                <a:latin typeface="Arial" panose="020B0604020202020204" pitchFamily="34" charset="0"/>
+                <a:ea typeface="Helvetica Neue" panose="02000503000000020004" pitchFamily="2" charset="0"/>
+                <a:cs typeface="Arial" panose="020B0604020202020204" pitchFamily="34" charset="0"/>
+              </a:rPr>
+              <a:t> </a:t>
+            </a:r>
+            <a:r>
+              <a:rPr lang="en-US" sz="600" dirty="0">
+                <a:latin typeface="Arial" panose="020B0604020202020204" pitchFamily="34" charset="0"/>
+                <a:ea typeface="Helvetica Neue" panose="02000503000000020004" pitchFamily="2" charset="0"/>
+                <a:cs typeface="Arial" panose="020B0604020202020204" pitchFamily="34" charset="0"/>
+              </a:rPr>
+              <a:t>   Null H</a:t>
+            </a:r>
+            <a:r>
+              <a:rPr lang="en-US" sz="600" baseline="-25000" dirty="0">
+                <a:latin typeface="Arial" panose="020B0604020202020204" pitchFamily="34" charset="0"/>
+                <a:ea typeface="Helvetica Neue" panose="02000503000000020004" pitchFamily="2" charset="0"/>
+                <a:cs typeface="Arial" panose="020B0604020202020204" pitchFamily="34" charset="0"/>
+              </a:rPr>
+              <a:t>0</a:t>
+            </a:r>
+            <a:endParaRPr lang="en-US" sz="600" dirty="0">
+              <a:latin typeface="Arial" panose="020B0604020202020204" pitchFamily="34" charset="0"/>
+              <a:ea typeface="Helvetica Neue" panose="02000503000000020004" pitchFamily="2" charset="0"/>
+              <a:cs typeface="Arial" panose="020B0604020202020204" pitchFamily="34" charset="0"/>
+            </a:endParaRPr>
+          </a:p>
+          <a:p>
+            <a:pPr algn="r"/>
+            <a:r>
+              <a:rPr lang="en-US" sz="400" dirty="0">
+                <a:latin typeface="Arial" panose="020B0604020202020204" pitchFamily="34" charset="0"/>
+                <a:ea typeface="Helvetica Neue" panose="02000503000000020004" pitchFamily="2" charset="0"/>
+                <a:cs typeface="Arial" panose="020B0604020202020204" pitchFamily="34" charset="0"/>
+              </a:rPr>
+              <a:t>(linear mixing)</a:t>
+            </a:r>
+            <a:endParaRPr lang="en-US" sz="400" baseline="-25000" dirty="0">
+              <a:latin typeface="Arial" panose="020B0604020202020204" pitchFamily="34" charset="0"/>
+              <a:ea typeface="Helvetica Neue" panose="02000503000000020004" pitchFamily="2" charset="0"/>
+              <a:cs typeface="Arial" panose="020B0604020202020204" pitchFamily="34" charset="0"/>
+            </a:endParaRPr>
+          </a:p>
+        </p:txBody>
+      </p:sp>
+      <p:sp>
+        <p:nvSpPr>
+          <p:cNvPr id="23" name="TextBox 22">
+            <a:extLst>
+              <a:ext uri="{FF2B5EF4-FFF2-40B4-BE49-F238E27FC236}">
+                <a16:creationId xmlns:a16="http://schemas.microsoft.com/office/drawing/2014/main" id="{69A09216-8036-6540-BBB8-97FCED25B9A4}"/>
+              </a:ext>
+            </a:extLst>
+          </p:cNvPr>
+          <p:cNvSpPr txBox="1"/>
+          <p:nvPr/>
+        </p:nvSpPr>
+        <p:spPr>
+          <a:xfrm>
+            <a:off x="3855242" y="838573"/>
+            <a:ext cx="177326" cy="169277"/>
+          </a:xfrm>
+          <a:prstGeom prst="rect">
+            <a:avLst/>
+          </a:prstGeom>
+          <a:noFill/>
+        </p:spPr>
+        <p:txBody>
+          <a:bodyPr wrap="square" rtlCol="0">
+            <a:spAutoFit/>
+          </a:bodyPr>
+          <a:lstStyle/>
+          <a:p>
+            <a:r>
+              <a:rPr lang="en-US" sz="500" dirty="0">
+                <a:latin typeface="Arial" panose="020B0604020202020204" pitchFamily="34" charset="0"/>
+                <a:cs typeface="Arial" panose="020B0604020202020204" pitchFamily="34" charset="0"/>
+              </a:rPr>
+              <a:t>2</a:t>
+            </a:r>
+          </a:p>
+        </p:txBody>
+      </p:sp>
+      <p:sp>
+        <p:nvSpPr>
+          <p:cNvPr id="46" name="TextBox 45">
+            <a:extLst>
+              <a:ext uri="{FF2B5EF4-FFF2-40B4-BE49-F238E27FC236}">
+                <a16:creationId xmlns:a16="http://schemas.microsoft.com/office/drawing/2014/main" id="{54424564-F3AD-BD4A-B7FD-B693974CF956}"/>
+              </a:ext>
+            </a:extLst>
+          </p:cNvPr>
+          <p:cNvSpPr txBox="1"/>
+          <p:nvPr/>
+        </p:nvSpPr>
+        <p:spPr>
+          <a:xfrm>
+            <a:off x="7333444" y="834239"/>
+            <a:ext cx="177326" cy="169277"/>
+          </a:xfrm>
+          <a:prstGeom prst="rect">
+            <a:avLst/>
+          </a:prstGeom>
+          <a:noFill/>
+        </p:spPr>
+        <p:txBody>
+          <a:bodyPr wrap="square" rtlCol="0">
+            <a:spAutoFit/>
+          </a:bodyPr>
+          <a:lstStyle/>
+          <a:p>
+            <a:r>
+              <a:rPr lang="en-US" sz="500" dirty="0">
+                <a:latin typeface="Arial" panose="020B0604020202020204" pitchFamily="34" charset="0"/>
+                <a:cs typeface="Arial" panose="020B0604020202020204" pitchFamily="34" charset="0"/>
+              </a:rPr>
+              <a:t>1</a:t>
+            </a:r>
+          </a:p>
+        </p:txBody>
+      </p:sp>
+      <p:sp>
+        <p:nvSpPr>
+          <p:cNvPr id="50" name="TextBox 49">
+            <a:extLst>
+              <a:ext uri="{FF2B5EF4-FFF2-40B4-BE49-F238E27FC236}">
+                <a16:creationId xmlns:a16="http://schemas.microsoft.com/office/drawing/2014/main" id="{278C8F8F-2222-4F43-AA4D-1BCF71A23DF9}"/>
+              </a:ext>
+            </a:extLst>
+          </p:cNvPr>
+          <p:cNvSpPr txBox="1"/>
+          <p:nvPr/>
+        </p:nvSpPr>
+        <p:spPr>
+          <a:xfrm>
+            <a:off x="3851237" y="2789937"/>
+            <a:ext cx="177326" cy="169277"/>
+          </a:xfrm>
+          <a:prstGeom prst="rect">
+            <a:avLst/>
+          </a:prstGeom>
+          <a:noFill/>
+        </p:spPr>
+        <p:txBody>
+          <a:bodyPr wrap="square" rtlCol="0">
+            <a:spAutoFit/>
+          </a:bodyPr>
+          <a:lstStyle/>
+          <a:p>
+            <a:r>
+              <a:rPr lang="en-US" sz="500" dirty="0">
+                <a:latin typeface="Arial" panose="020B0604020202020204" pitchFamily="34" charset="0"/>
+                <a:cs typeface="Arial" panose="020B0604020202020204" pitchFamily="34" charset="0"/>
+              </a:rPr>
+              <a:t>1</a:t>
+            </a:r>
+          </a:p>
+        </p:txBody>
+      </p:sp>
+      <p:sp>
+        <p:nvSpPr>
+          <p:cNvPr id="51" name="TextBox 50">
+            <a:extLst>
+              <a:ext uri="{FF2B5EF4-FFF2-40B4-BE49-F238E27FC236}">
+                <a16:creationId xmlns:a16="http://schemas.microsoft.com/office/drawing/2014/main" id="{8523257A-BC92-C04A-B858-102E6C736F67}"/>
+              </a:ext>
+            </a:extLst>
+          </p:cNvPr>
+          <p:cNvSpPr txBox="1"/>
+          <p:nvPr/>
+        </p:nvSpPr>
+        <p:spPr>
+          <a:xfrm>
+            <a:off x="7359410" y="2795723"/>
+            <a:ext cx="177326" cy="169277"/>
+          </a:xfrm>
+          <a:prstGeom prst="rect">
+            <a:avLst/>
+          </a:prstGeom>
+          <a:noFill/>
+        </p:spPr>
+        <p:txBody>
+          <a:bodyPr wrap="square" rtlCol="0">
+            <a:spAutoFit/>
+          </a:bodyPr>
+          <a:lstStyle/>
+          <a:p>
+            <a:r>
+              <a:rPr lang="en-US" sz="500" dirty="0">
+                <a:latin typeface="Arial" panose="020B0604020202020204" pitchFamily="34" charset="0"/>
+                <a:cs typeface="Arial" panose="020B0604020202020204" pitchFamily="34" charset="0"/>
+              </a:rPr>
+              <a:t>3</a:t>
+            </a:r>
+          </a:p>
+        </p:txBody>
+      </p:sp>
+    </p:spTree>
+    <p:extLst>
+      <p:ext uri="{BB962C8B-B14F-4D97-AF65-F5344CB8AC3E}">
+        <p14:creationId xmlns:p14="http://schemas.microsoft.com/office/powerpoint/2010/main" val="4254199081"/>
+      </p:ext>
+    </p:extLst>
+  </p:cSld>
+  <p:clrMapOvr>
+    <a:masterClrMapping/>
+  </p:clrMapOvr>
+</p:sld>
+</file>
+
+<file path=ppt/slides/slide21.xml><?xml version="1.0" encoding="utf-8"?>
+<p:sld xmlns:a="http://schemas.openxmlformats.org/drawingml/2006/main" xmlns:r="http://schemas.openxmlformats.org/officeDocument/2006/relationships" xmlns:p="http://schemas.openxmlformats.org/presentationml/2006/main">
+  <p:cSld>
+    <p:spTree>
+      <p:nvGrpSpPr>
+        <p:cNvPr id="1" name=""/>
+        <p:cNvGrpSpPr/>
+        <p:nvPr/>
+      </p:nvGrpSpPr>
+      <p:grpSpPr>
+        <a:xfrm>
+          <a:off x="0" y="0"/>
+          <a:ext cx="0" cy="0"/>
+          <a:chOff x="0" y="0"/>
+          <a:chExt cx="0" cy="0"/>
+        </a:xfrm>
+      </p:grpSpPr>
       <p:sp>
         <p:nvSpPr>
           <p:cNvPr id="35" name="TextBox 34">
@@ -12830,7 +14488,7 @@
 </p:sld>
 </file>
 
-<file path=ppt/slides/slide21.xml><?xml version="1.0" encoding="utf-8"?>
+<file path=ppt/slides/slide22.xml><?xml version="1.0" encoding="utf-8"?>
 <p:sld xmlns:a="http://schemas.openxmlformats.org/drawingml/2006/main" xmlns:r="http://schemas.openxmlformats.org/officeDocument/2006/relationships" xmlns:p="http://schemas.openxmlformats.org/presentationml/2006/main">
   <p:cSld>
     <p:spTree>

--- a/slides/figures_191206.pptx
+++ b/slides/figures_191206.pptx
@@ -6,7 +6,7 @@
     <p:sldMasterId id="2147483696" r:id="rId2"/>
   </p:sldMasterIdLst>
   <p:notesMasterIdLst>
-    <p:notesMasterId r:id="rId28"/>
+    <p:notesMasterId r:id="rId29"/>
   </p:notesMasterIdLst>
   <p:sldIdLst>
     <p:sldId id="256" r:id="rId3"/>
@@ -22,18 +22,19 @@
     <p:sldId id="276" r:id="rId13"/>
     <p:sldId id="279" r:id="rId14"/>
     <p:sldId id="259" r:id="rId15"/>
-    <p:sldId id="260" r:id="rId16"/>
-    <p:sldId id="269" r:id="rId17"/>
-    <p:sldId id="271" r:id="rId18"/>
-    <p:sldId id="270" r:id="rId19"/>
-    <p:sldId id="272" r:id="rId20"/>
-    <p:sldId id="265" r:id="rId21"/>
-    <p:sldId id="274" r:id="rId22"/>
-    <p:sldId id="275" r:id="rId23"/>
-    <p:sldId id="277" r:id="rId24"/>
-    <p:sldId id="278" r:id="rId25"/>
-    <p:sldId id="266" r:id="rId26"/>
-    <p:sldId id="267" r:id="rId27"/>
+    <p:sldId id="281" r:id="rId16"/>
+    <p:sldId id="260" r:id="rId17"/>
+    <p:sldId id="269" r:id="rId18"/>
+    <p:sldId id="271" r:id="rId19"/>
+    <p:sldId id="270" r:id="rId20"/>
+    <p:sldId id="272" r:id="rId21"/>
+    <p:sldId id="265" r:id="rId22"/>
+    <p:sldId id="274" r:id="rId23"/>
+    <p:sldId id="275" r:id="rId24"/>
+    <p:sldId id="277" r:id="rId25"/>
+    <p:sldId id="278" r:id="rId26"/>
+    <p:sldId id="266" r:id="rId27"/>
+    <p:sldId id="267" r:id="rId28"/>
   </p:sldIdLst>
   <p:sldSz cx="7918450" cy="6483350"/>
   <p:notesSz cx="6858000" cy="9144000"/>
@@ -222,7 +223,7 @@
           <a:p>
             <a:fld id="{5E7D9203-8D15-1F45-AFEF-29CE894B8122}" type="datetimeFigureOut">
               <a:rPr lang="en-US" smtClean="0"/>
-              <a:t>2/8/20</a:t>
+              <a:t>2/14/20</a:t>
             </a:fld>
             <a:endParaRPr lang="en-US"/>
           </a:p>
@@ -908,7 +909,7 @@
           <a:p>
             <a:r>
               <a:rPr lang="en-US" dirty="0"/>
-              <a:t>12/06/19 Fig. S4</a:t>
+              <a:t>2/14/20 Fig. S2</a:t>
             </a:r>
           </a:p>
         </p:txBody>
@@ -939,7 +940,7 @@
     </p:spTree>
     <p:extLst>
       <p:ext uri="{BB962C8B-B14F-4D97-AF65-F5344CB8AC3E}">
-        <p14:creationId xmlns:p14="http://schemas.microsoft.com/office/powerpoint/2010/main" val="561168434"/>
+        <p14:creationId xmlns:p14="http://schemas.microsoft.com/office/powerpoint/2010/main" val="4108603185"/>
       </p:ext>
     </p:extLst>
   </p:cSld>
@@ -1000,7 +1001,7 @@
           <a:p>
             <a:r>
               <a:rPr lang="en-US" dirty="0"/>
-              <a:t>1/23/20 Fig. S4</a:t>
+              <a:t>12/06/19 Fig. S4</a:t>
             </a:r>
           </a:p>
         </p:txBody>
@@ -1031,7 +1032,7 @@
     </p:spTree>
     <p:extLst>
       <p:ext uri="{BB962C8B-B14F-4D97-AF65-F5344CB8AC3E}">
-        <p14:creationId xmlns:p14="http://schemas.microsoft.com/office/powerpoint/2010/main" val="733968849"/>
+        <p14:creationId xmlns:p14="http://schemas.microsoft.com/office/powerpoint/2010/main" val="561168434"/>
       </p:ext>
     </p:extLst>
   </p:cSld>
@@ -1092,7 +1093,7 @@
           <a:p>
             <a:r>
               <a:rPr lang="en-US" dirty="0"/>
-              <a:t>2/8/20 Fig. S4 – tentative v2 with mu = 7.5</a:t>
+              <a:t>1/23/20 Fig. S4</a:t>
             </a:r>
           </a:p>
         </p:txBody>
@@ -1123,7 +1124,7 @@
     </p:spTree>
     <p:extLst>
       <p:ext uri="{BB962C8B-B14F-4D97-AF65-F5344CB8AC3E}">
-        <p14:creationId xmlns:p14="http://schemas.microsoft.com/office/powerpoint/2010/main" val="3198164349"/>
+        <p14:creationId xmlns:p14="http://schemas.microsoft.com/office/powerpoint/2010/main" val="733968849"/>
       </p:ext>
     </p:extLst>
   </p:cSld>
@@ -1184,7 +1185,7 @@
           <a:p>
             <a:r>
               <a:rPr lang="en-US" dirty="0"/>
-              <a:t>1/23/20 Fig. S5</a:t>
+              <a:t>2/8/20 Fig. S4 – tentative v2 with mu = 7.5</a:t>
             </a:r>
           </a:p>
         </p:txBody>
@@ -1215,7 +1216,7 @@
     </p:spTree>
     <p:extLst>
       <p:ext uri="{BB962C8B-B14F-4D97-AF65-F5344CB8AC3E}">
-        <p14:creationId xmlns:p14="http://schemas.microsoft.com/office/powerpoint/2010/main" val="753180207"/>
+        <p14:creationId xmlns:p14="http://schemas.microsoft.com/office/powerpoint/2010/main" val="3198164349"/>
       </p:ext>
     </p:extLst>
   </p:cSld>
@@ -1276,7 +1277,7 @@
           <a:p>
             <a:r>
               <a:rPr lang="en-US" dirty="0"/>
-              <a:t>1/23/20 Fig. S5 – tentative v2 with mu = 7.5</a:t>
+              <a:t>1/23/20 Fig. S5</a:t>
             </a:r>
           </a:p>
         </p:txBody>
@@ -1307,7 +1308,7 @@
     </p:spTree>
     <p:extLst>
       <p:ext uri="{BB962C8B-B14F-4D97-AF65-F5344CB8AC3E}">
-        <p14:creationId xmlns:p14="http://schemas.microsoft.com/office/powerpoint/2010/main" val="3971011124"/>
+        <p14:creationId xmlns:p14="http://schemas.microsoft.com/office/powerpoint/2010/main" val="753180207"/>
       </p:ext>
     </p:extLst>
   </p:cSld>
@@ -1368,7 +1369,7 @@
           <a:p>
             <a:r>
               <a:rPr lang="en-US" dirty="0"/>
-              <a:t>12/06/19 Fig. 5</a:t>
+              <a:t>1/23/20 Fig. S5 – tentative v2 with mu = 7.5</a:t>
             </a:r>
           </a:p>
         </p:txBody>
@@ -1399,7 +1400,7 @@
     </p:spTree>
     <p:extLst>
       <p:ext uri="{BB962C8B-B14F-4D97-AF65-F5344CB8AC3E}">
-        <p14:creationId xmlns:p14="http://schemas.microsoft.com/office/powerpoint/2010/main" val="4193511516"/>
+        <p14:creationId xmlns:p14="http://schemas.microsoft.com/office/powerpoint/2010/main" val="3971011124"/>
       </p:ext>
     </p:extLst>
   </p:cSld>
@@ -1460,7 +1461,7 @@
           <a:p>
             <a:r>
               <a:rPr lang="en-US" dirty="0"/>
-              <a:t>01/27/20 Fig. 5 – updated with new params, soon to add a new panel for complex mixes</a:t>
+              <a:t>12/06/19 Fig. 5</a:t>
             </a:r>
           </a:p>
         </p:txBody>
@@ -1491,7 +1492,7 @@
     </p:spTree>
     <p:extLst>
       <p:ext uri="{BB962C8B-B14F-4D97-AF65-F5344CB8AC3E}">
-        <p14:creationId xmlns:p14="http://schemas.microsoft.com/office/powerpoint/2010/main" val="2091408940"/>
+        <p14:creationId xmlns:p14="http://schemas.microsoft.com/office/powerpoint/2010/main" val="4193511516"/>
       </p:ext>
     </p:extLst>
   </p:cSld>
@@ -1675,7 +1676,7 @@
     </p:spTree>
     <p:extLst>
       <p:ext uri="{BB962C8B-B14F-4D97-AF65-F5344CB8AC3E}">
-        <p14:creationId xmlns:p14="http://schemas.microsoft.com/office/powerpoint/2010/main" val="1405225748"/>
+        <p14:creationId xmlns:p14="http://schemas.microsoft.com/office/powerpoint/2010/main" val="2091408940"/>
       </p:ext>
     </p:extLst>
   </p:cSld>
@@ -1736,7 +1737,7 @@
           <a:p>
             <a:r>
               <a:rPr lang="en-US" dirty="0"/>
-              <a:t>2/3/20 Fig. 5 – updated with new params, soon to add a new panel for complex mixes</a:t>
+              <a:t>01/27/20 Fig. 5 – updated with new params, soon to add a new panel for complex mixes</a:t>
             </a:r>
           </a:p>
         </p:txBody>
@@ -1767,7 +1768,7 @@
     </p:spTree>
     <p:extLst>
       <p:ext uri="{BB962C8B-B14F-4D97-AF65-F5344CB8AC3E}">
-        <p14:creationId xmlns:p14="http://schemas.microsoft.com/office/powerpoint/2010/main" val="27841797"/>
+        <p14:creationId xmlns:p14="http://schemas.microsoft.com/office/powerpoint/2010/main" val="1405225748"/>
       </p:ext>
     </p:extLst>
   </p:cSld>
@@ -1859,7 +1860,7 @@
     </p:spTree>
     <p:extLst>
       <p:ext uri="{BB962C8B-B14F-4D97-AF65-F5344CB8AC3E}">
-        <p14:creationId xmlns:p14="http://schemas.microsoft.com/office/powerpoint/2010/main" val="111411370"/>
+        <p14:creationId xmlns:p14="http://schemas.microsoft.com/office/powerpoint/2010/main" val="27841797"/>
       </p:ext>
     </p:extLst>
   </p:cSld>
@@ -1918,7 +1919,10 @@
           <a:bodyPr/>
           <a:lstStyle/>
           <a:p>
-            <a:endParaRPr lang="en-US" dirty="0"/>
+            <a:r>
+              <a:rPr lang="en-US" dirty="0"/>
+              <a:t>2/3/20 Fig. 5 – updated with new params, soon to add a new panel for complex mixes</a:t>
+            </a:r>
           </a:p>
         </p:txBody>
       </p:sp>
@@ -1948,7 +1952,7 @@
     </p:spTree>
     <p:extLst>
       <p:ext uri="{BB962C8B-B14F-4D97-AF65-F5344CB8AC3E}">
-        <p14:creationId xmlns:p14="http://schemas.microsoft.com/office/powerpoint/2010/main" val="4283938702"/>
+        <p14:creationId xmlns:p14="http://schemas.microsoft.com/office/powerpoint/2010/main" val="111411370"/>
       </p:ext>
     </p:extLst>
   </p:cSld>
@@ -2029,6 +2033,95 @@
             <a:fld id="{A697AF77-229E-5D4A-87D0-A949D969F47C}" type="slidenum">
               <a:rPr lang="en-US" smtClean="0"/>
               <a:t>25</a:t>
+            </a:fld>
+            <a:endParaRPr lang="en-US"/>
+          </a:p>
+        </p:txBody>
+      </p:sp>
+    </p:spTree>
+    <p:extLst>
+      <p:ext uri="{BB962C8B-B14F-4D97-AF65-F5344CB8AC3E}">
+        <p14:creationId xmlns:p14="http://schemas.microsoft.com/office/powerpoint/2010/main" val="4283938702"/>
+      </p:ext>
+    </p:extLst>
+  </p:cSld>
+  <p:clrMapOvr>
+    <a:masterClrMapping/>
+  </p:clrMapOvr>
+</p:notes>
+</file>
+
+<file path=ppt/notesSlides/notesSlide25.xml><?xml version="1.0" encoding="utf-8"?>
+<p:notes xmlns:a="http://schemas.openxmlformats.org/drawingml/2006/main" xmlns:r="http://schemas.openxmlformats.org/officeDocument/2006/relationships" xmlns:p="http://schemas.openxmlformats.org/presentationml/2006/main">
+  <p:cSld>
+    <p:spTree>
+      <p:nvGrpSpPr>
+        <p:cNvPr id="1" name=""/>
+        <p:cNvGrpSpPr/>
+        <p:nvPr/>
+      </p:nvGrpSpPr>
+      <p:grpSpPr>
+        <a:xfrm>
+          <a:off x="0" y="0"/>
+          <a:ext cx="0" cy="0"/>
+          <a:chOff x="0" y="0"/>
+          <a:chExt cx="0" cy="0"/>
+        </a:xfrm>
+      </p:grpSpPr>
+      <p:sp>
+        <p:nvSpPr>
+          <p:cNvPr id="2" name="Slide Image Placeholder 1"/>
+          <p:cNvSpPr>
+            <a:spLocks noGrp="1" noRot="1" noChangeAspect="1"/>
+          </p:cNvSpPr>
+          <p:nvPr>
+            <p:ph type="sldImg"/>
+          </p:nvPr>
+        </p:nvSpPr>
+        <p:spPr>
+          <a:xfrm>
+            <a:off x="1544638" y="1143000"/>
+            <a:ext cx="3768725" cy="3086100"/>
+          </a:xfrm>
+        </p:spPr>
+      </p:sp>
+      <p:sp>
+        <p:nvSpPr>
+          <p:cNvPr id="3" name="Notes Placeholder 2"/>
+          <p:cNvSpPr>
+            <a:spLocks noGrp="1"/>
+          </p:cNvSpPr>
+          <p:nvPr>
+            <p:ph type="body" idx="1"/>
+          </p:nvPr>
+        </p:nvSpPr>
+        <p:spPr/>
+        <p:txBody>
+          <a:bodyPr/>
+          <a:lstStyle/>
+          <a:p>
+            <a:endParaRPr lang="en-US" dirty="0"/>
+          </a:p>
+        </p:txBody>
+      </p:sp>
+      <p:sp>
+        <p:nvSpPr>
+          <p:cNvPr id="4" name="Slide Number Placeholder 3"/>
+          <p:cNvSpPr>
+            <a:spLocks noGrp="1"/>
+          </p:cNvSpPr>
+          <p:nvPr>
+            <p:ph type="sldNum" sz="quarter" idx="5"/>
+          </p:nvPr>
+        </p:nvSpPr>
+        <p:spPr/>
+        <p:txBody>
+          <a:bodyPr/>
+          <a:lstStyle/>
+          <a:p>
+            <a:fld id="{A697AF77-229E-5D4A-87D0-A949D969F47C}" type="slidenum">
+              <a:rPr lang="en-US" smtClean="0"/>
+              <a:t>26</a:t>
             </a:fld>
             <a:endParaRPr lang="en-US"/>
           </a:p>
@@ -2822,7 +2915,7 @@
           <a:p>
             <a:fld id="{AAC8E564-4E2A-8441-940F-9FCAA67208AC}" type="datetimeFigureOut">
               <a:rPr lang="en-US" smtClean="0"/>
-              <a:t>2/8/20</a:t>
+              <a:t>2/14/20</a:t>
             </a:fld>
             <a:endParaRPr lang="en-US"/>
           </a:p>
@@ -2992,7 +3085,7 @@
           <a:p>
             <a:fld id="{AAC8E564-4E2A-8441-940F-9FCAA67208AC}" type="datetimeFigureOut">
               <a:rPr lang="en-US" smtClean="0"/>
-              <a:t>2/8/20</a:t>
+              <a:t>2/14/20</a:t>
             </a:fld>
             <a:endParaRPr lang="en-US"/>
           </a:p>
@@ -3172,7 +3265,7 @@
           <a:p>
             <a:fld id="{AAC8E564-4E2A-8441-940F-9FCAA67208AC}" type="datetimeFigureOut">
               <a:rPr lang="en-US" smtClean="0"/>
-              <a:t>2/8/20</a:t>
+              <a:t>2/14/20</a:t>
             </a:fld>
             <a:endParaRPr lang="en-US"/>
           </a:p>
@@ -4592,7 +4685,7 @@
           <a:p>
             <a:fld id="{AAC8E564-4E2A-8441-940F-9FCAA67208AC}" type="datetimeFigureOut">
               <a:rPr lang="en-US" smtClean="0"/>
-              <a:t>2/8/20</a:t>
+              <a:t>2/14/20</a:t>
             </a:fld>
             <a:endParaRPr lang="en-US"/>
           </a:p>
@@ -5291,7 +5384,7 @@
           <a:p>
             <a:fld id="{AAC8E564-4E2A-8441-940F-9FCAA67208AC}" type="datetimeFigureOut">
               <a:rPr lang="en-US" smtClean="0"/>
-              <a:t>2/8/20</a:t>
+              <a:t>2/14/20</a:t>
             </a:fld>
             <a:endParaRPr lang="en-US"/>
           </a:p>
@@ -5523,7 +5616,7 @@
           <a:p>
             <a:fld id="{AAC8E564-4E2A-8441-940F-9FCAA67208AC}" type="datetimeFigureOut">
               <a:rPr lang="en-US" smtClean="0"/>
-              <a:t>2/8/20</a:t>
+              <a:t>2/14/20</a:t>
             </a:fld>
             <a:endParaRPr lang="en-US"/>
           </a:p>
@@ -5890,7 +5983,7 @@
           <a:p>
             <a:fld id="{AAC8E564-4E2A-8441-940F-9FCAA67208AC}" type="datetimeFigureOut">
               <a:rPr lang="en-US" smtClean="0"/>
-              <a:t>2/8/20</a:t>
+              <a:t>2/14/20</a:t>
             </a:fld>
             <a:endParaRPr lang="en-US"/>
           </a:p>
@@ -6008,7 +6101,7 @@
           <a:p>
             <a:fld id="{AAC8E564-4E2A-8441-940F-9FCAA67208AC}" type="datetimeFigureOut">
               <a:rPr lang="en-US" smtClean="0"/>
-              <a:t>2/8/20</a:t>
+              <a:t>2/14/20</a:t>
             </a:fld>
             <a:endParaRPr lang="en-US"/>
           </a:p>
@@ -6103,7 +6196,7 @@
           <a:p>
             <a:fld id="{AAC8E564-4E2A-8441-940F-9FCAA67208AC}" type="datetimeFigureOut">
               <a:rPr lang="en-US" smtClean="0"/>
-              <a:t>2/8/20</a:t>
+              <a:t>2/14/20</a:t>
             </a:fld>
             <a:endParaRPr lang="en-US"/>
           </a:p>
@@ -6380,7 +6473,7 @@
           <a:p>
             <a:fld id="{AAC8E564-4E2A-8441-940F-9FCAA67208AC}" type="datetimeFigureOut">
               <a:rPr lang="en-US" smtClean="0"/>
-              <a:t>2/8/20</a:t>
+              <a:t>2/14/20</a:t>
             </a:fld>
             <a:endParaRPr lang="en-US"/>
           </a:p>
@@ -6637,7 +6730,7 @@
           <a:p>
             <a:fld id="{AAC8E564-4E2A-8441-940F-9FCAA67208AC}" type="datetimeFigureOut">
               <a:rPr lang="en-US" smtClean="0"/>
-              <a:t>2/8/20</a:t>
+              <a:t>2/14/20</a:t>
             </a:fld>
             <a:endParaRPr lang="en-US"/>
           </a:p>
@@ -6850,7 +6943,7 @@
           <a:p>
             <a:fld id="{AAC8E564-4E2A-8441-940F-9FCAA67208AC}" type="datetimeFigureOut">
               <a:rPr lang="en-US" smtClean="0"/>
-              <a:t>2/8/20</a:t>
+              <a:t>2/14/20</a:t>
             </a:fld>
             <a:endParaRPr lang="en-US"/>
           </a:p>
@@ -7286,7 +7379,7 @@
           </a:ln>
           <a:extLst>
             <a:ext uri="{C572A759-6A51-4108-AA02-DFA0A04FC94B}">
-              <ma14:wrappingTextBoxFlag xmlns:ma14="http://schemas.microsoft.com/office/mac/drawingml/2011/main" xmlns:a14="http://schemas.microsoft.com/office/drawing/2010/main" xmlns:m="http://schemas.openxmlformats.org/officeDocument/2006/math" xmlns="" val="1"/>
+              <ma14:wrappingTextBoxFlag xmlns="" xmlns:m="http://schemas.openxmlformats.org/officeDocument/2006/math" xmlns:a14="http://schemas.microsoft.com/office/drawing/2010/main" xmlns:ma14="http://schemas.microsoft.com/office/mac/drawingml/2011/main" val="1"/>
             </a:ext>
           </a:extLst>
         </p:spPr>
@@ -7325,7 +7418,7 @@
           </a:ln>
           <a:extLst>
             <a:ext uri="{C572A759-6A51-4108-AA02-DFA0A04FC94B}">
-              <ma14:wrappingTextBoxFlag xmlns:ma14="http://schemas.microsoft.com/office/mac/drawingml/2011/main" xmlns:a14="http://schemas.microsoft.com/office/drawing/2010/main" xmlns:m="http://schemas.openxmlformats.org/officeDocument/2006/math" xmlns="" val="1"/>
+              <ma14:wrappingTextBoxFlag xmlns="" xmlns:m="http://schemas.openxmlformats.org/officeDocument/2006/math" xmlns:a14="http://schemas.microsoft.com/office/drawing/2010/main" xmlns:ma14="http://schemas.microsoft.com/office/mac/drawingml/2011/main" val="1"/>
             </a:ext>
           </a:extLst>
         </p:spPr>
@@ -8386,7 +8479,7 @@
 </file>
 
 <file path=ppt/slides/slide10.xml><?xml version="1.0" encoding="utf-8"?>
-<p:sld xmlns:a="http://schemas.openxmlformats.org/drawingml/2006/main" xmlns:r="http://schemas.openxmlformats.org/officeDocument/2006/relationships" xmlns:p="http://schemas.openxmlformats.org/presentationml/2006/main">
+<p:sld xmlns:a="http://schemas.openxmlformats.org/drawingml/2006/main" xmlns:r="http://schemas.openxmlformats.org/officeDocument/2006/relationships" xmlns:p="http://schemas.openxmlformats.org/presentationml/2006/main" show="0">
   <p:cSld>
     <p:spTree>
       <p:nvGrpSpPr>
@@ -9899,7 +9992,7 @@
 </file>
 
 <file path=ppt/slides/slide11.xml><?xml version="1.0" encoding="utf-8"?>
-<p:sld xmlns:a="http://schemas.openxmlformats.org/drawingml/2006/main" xmlns:r="http://schemas.openxmlformats.org/officeDocument/2006/relationships" xmlns:p="http://schemas.openxmlformats.org/presentationml/2006/main">
+<p:sld xmlns:a="http://schemas.openxmlformats.org/drawingml/2006/main" xmlns:r="http://schemas.openxmlformats.org/officeDocument/2006/relationships" xmlns:p="http://schemas.openxmlformats.org/presentationml/2006/main" show="0">
   <p:cSld>
     <p:spTree>
       <p:nvGrpSpPr>
@@ -13091,7 +13184,7 @@
 </file>
 
 <file path=ppt/slides/slide13.xml><?xml version="1.0" encoding="utf-8"?>
-<p:sld xmlns:a="http://schemas.openxmlformats.org/drawingml/2006/main" xmlns:r="http://schemas.openxmlformats.org/officeDocument/2006/relationships" xmlns:p="http://schemas.openxmlformats.org/presentationml/2006/main">
+<p:sld xmlns:a="http://schemas.openxmlformats.org/drawingml/2006/main" xmlns:r="http://schemas.openxmlformats.org/officeDocument/2006/relationships" xmlns:p="http://schemas.openxmlformats.org/presentationml/2006/main" show="0">
   <p:cSld>
     <p:spTree>
       <p:nvGrpSpPr>
@@ -13562,6 +13655,197 @@
 </file>
 
 <file path=ppt/slides/slide14.xml><?xml version="1.0" encoding="utf-8"?>
+<p:sld xmlns:a="http://schemas.openxmlformats.org/drawingml/2006/main" xmlns:r="http://schemas.openxmlformats.org/officeDocument/2006/relationships" xmlns:p="http://schemas.openxmlformats.org/presentationml/2006/main">
+  <p:cSld>
+    <p:spTree>
+      <p:nvGrpSpPr>
+        <p:cNvPr id="1" name=""/>
+        <p:cNvGrpSpPr/>
+        <p:nvPr/>
+      </p:nvGrpSpPr>
+      <p:grpSpPr>
+        <a:xfrm>
+          <a:off x="0" y="0"/>
+          <a:ext cx="0" cy="0"/>
+          <a:chOff x="0" y="0"/>
+          <a:chExt cx="0" cy="0"/>
+        </a:xfrm>
+      </p:grpSpPr>
+      <p:grpSp>
+        <p:nvGrpSpPr>
+          <p:cNvPr id="2" name="Group 1">
+            <a:extLst>
+              <a:ext uri="{FF2B5EF4-FFF2-40B4-BE49-F238E27FC236}">
+                <a16:creationId xmlns:a16="http://schemas.microsoft.com/office/drawing/2014/main" id="{75051133-72C8-8447-9162-BB56E002538D}"/>
+              </a:ext>
+            </a:extLst>
+          </p:cNvPr>
+          <p:cNvGrpSpPr/>
+          <p:nvPr/>
+        </p:nvGrpSpPr>
+        <p:grpSpPr>
+          <a:xfrm>
+            <a:off x="1122377" y="1339809"/>
+            <a:ext cx="5673695" cy="3821465"/>
+            <a:chOff x="2280698" y="54940"/>
+            <a:chExt cx="3364966" cy="2266442"/>
+          </a:xfrm>
+        </p:grpSpPr>
+        <p:pic>
+          <p:nvPicPr>
+            <p:cNvPr id="24" name="Picture 23">
+              <a:extLst>
+                <a:ext uri="{FF2B5EF4-FFF2-40B4-BE49-F238E27FC236}">
+                  <a16:creationId xmlns:a16="http://schemas.microsoft.com/office/drawing/2014/main" id="{3D53D49E-E61D-E846-9348-533DE7E0EFC8}"/>
+                </a:ext>
+              </a:extLst>
+            </p:cNvPr>
+            <p:cNvPicPr>
+              <a:picLocks noChangeAspect="1"/>
+            </p:cNvPicPr>
+            <p:nvPr/>
+          </p:nvPicPr>
+          <p:blipFill>
+            <a:blip r:embed="rId3"/>
+            <a:stretch>
+              <a:fillRect/>
+            </a:stretch>
+          </p:blipFill>
+          <p:spPr>
+            <a:xfrm>
+              <a:off x="3853735" y="263982"/>
+              <a:ext cx="1791929" cy="2057400"/>
+            </a:xfrm>
+            <a:prstGeom prst="rect">
+              <a:avLst/>
+            </a:prstGeom>
+          </p:spPr>
+        </p:pic>
+        <p:pic>
+          <p:nvPicPr>
+            <p:cNvPr id="6" name="Picture 5">
+              <a:extLst>
+                <a:ext uri="{FF2B5EF4-FFF2-40B4-BE49-F238E27FC236}">
+                  <a16:creationId xmlns:a16="http://schemas.microsoft.com/office/drawing/2014/main" id="{46E7E66B-0BF6-7B4E-88D3-93B364DF3628}"/>
+                </a:ext>
+              </a:extLst>
+            </p:cNvPr>
+            <p:cNvPicPr>
+              <a:picLocks noChangeAspect="1"/>
+            </p:cNvPicPr>
+            <p:nvPr/>
+          </p:nvPicPr>
+          <p:blipFill>
+            <a:blip r:embed="rId4"/>
+            <a:stretch>
+              <a:fillRect/>
+            </a:stretch>
+          </p:blipFill>
+          <p:spPr>
+            <a:xfrm>
+              <a:off x="2280698" y="263982"/>
+              <a:ext cx="1791929" cy="2057400"/>
+            </a:xfrm>
+            <a:prstGeom prst="rect">
+              <a:avLst/>
+            </a:prstGeom>
+          </p:spPr>
+        </p:pic>
+        <p:sp>
+          <p:nvSpPr>
+            <p:cNvPr id="16" name="TextBox 15">
+              <a:extLst>
+                <a:ext uri="{FF2B5EF4-FFF2-40B4-BE49-F238E27FC236}">
+                  <a16:creationId xmlns:a16="http://schemas.microsoft.com/office/drawing/2014/main" id="{0B8EA217-6F2C-0943-8D48-F70EC12EC200}"/>
+                </a:ext>
+              </a:extLst>
+            </p:cNvPr>
+            <p:cNvSpPr txBox="1"/>
+            <p:nvPr/>
+          </p:nvSpPr>
+          <p:spPr>
+            <a:xfrm>
+              <a:off x="2399287" y="57525"/>
+              <a:ext cx="353026" cy="200790"/>
+            </a:xfrm>
+            <a:prstGeom prst="rect">
+              <a:avLst/>
+            </a:prstGeom>
+            <a:noFill/>
+          </p:spPr>
+          <p:txBody>
+            <a:bodyPr wrap="square" rtlCol="0">
+              <a:spAutoFit/>
+            </a:bodyPr>
+            <a:lstStyle/>
+            <a:p>
+              <a:pPr algn="ctr"/>
+              <a:r>
+                <a:rPr lang="en-US" sz="1600" b="1" dirty="0">
+                  <a:latin typeface="Helvetica Neue" panose="02000503000000020004" pitchFamily="2" charset="0"/>
+                  <a:ea typeface="Helvetica Neue" panose="02000503000000020004" pitchFamily="2" charset="0"/>
+                  <a:cs typeface="Helvetica Neue" panose="02000503000000020004" pitchFamily="2" charset="0"/>
+                </a:rPr>
+                <a:t>a</a:t>
+              </a:r>
+            </a:p>
+          </p:txBody>
+        </p:sp>
+        <p:sp>
+          <p:nvSpPr>
+            <p:cNvPr id="18" name="TextBox 17">
+              <a:extLst>
+                <a:ext uri="{FF2B5EF4-FFF2-40B4-BE49-F238E27FC236}">
+                  <a16:creationId xmlns:a16="http://schemas.microsoft.com/office/drawing/2014/main" id="{46BBEC22-8FD3-4646-AE1A-C6C1C5D5E1E6}"/>
+                </a:ext>
+              </a:extLst>
+            </p:cNvPr>
+            <p:cNvSpPr txBox="1"/>
+            <p:nvPr/>
+          </p:nvSpPr>
+          <p:spPr>
+            <a:xfrm>
+              <a:off x="3983173" y="54940"/>
+              <a:ext cx="353026" cy="200790"/>
+            </a:xfrm>
+            <a:prstGeom prst="rect">
+              <a:avLst/>
+            </a:prstGeom>
+            <a:noFill/>
+          </p:spPr>
+          <p:txBody>
+            <a:bodyPr wrap="square" rtlCol="0">
+              <a:spAutoFit/>
+            </a:bodyPr>
+            <a:lstStyle/>
+            <a:p>
+              <a:pPr algn="ctr"/>
+              <a:r>
+                <a:rPr lang="en-US" sz="1600" b="1" dirty="0">
+                  <a:latin typeface="Helvetica Neue" panose="02000503000000020004" pitchFamily="2" charset="0"/>
+                  <a:ea typeface="Helvetica Neue" panose="02000503000000020004" pitchFamily="2" charset="0"/>
+                  <a:cs typeface="Helvetica Neue" panose="02000503000000020004" pitchFamily="2" charset="0"/>
+                </a:rPr>
+                <a:t>b</a:t>
+              </a:r>
+            </a:p>
+          </p:txBody>
+        </p:sp>
+      </p:grpSp>
+    </p:spTree>
+    <p:extLst>
+      <p:ext uri="{BB962C8B-B14F-4D97-AF65-F5344CB8AC3E}">
+        <p14:creationId xmlns:p14="http://schemas.microsoft.com/office/powerpoint/2010/main" val="3927161096"/>
+      </p:ext>
+    </p:extLst>
+  </p:cSld>
+  <p:clrMapOvr>
+    <a:masterClrMapping/>
+  </p:clrMapOvr>
+</p:sld>
+</file>
+
+<file path=ppt/slides/slide15.xml><?xml version="1.0" encoding="utf-8"?>
 <p:sld xmlns:a="http://schemas.openxmlformats.org/drawingml/2006/main" xmlns:r="http://schemas.openxmlformats.org/officeDocument/2006/relationships" xmlns:p="http://schemas.openxmlformats.org/presentationml/2006/main" show="0">
   <p:cSld>
     <p:spTree>
@@ -13871,7 +14155,7 @@
 </p:sld>
 </file>
 
-<file path=ppt/slides/slide15.xml><?xml version="1.0" encoding="utf-8"?>
+<file path=ppt/slides/slide16.xml><?xml version="1.0" encoding="utf-8"?>
 <p:sld xmlns:a="http://schemas.openxmlformats.org/drawingml/2006/main" xmlns:r="http://schemas.openxmlformats.org/officeDocument/2006/relationships" xmlns:p="http://schemas.openxmlformats.org/presentationml/2006/main" show="0">
   <p:cSld>
     <p:spTree>
@@ -14181,7 +14465,7 @@
 </p:sld>
 </file>
 
-<file path=ppt/slides/slide16.xml><?xml version="1.0" encoding="utf-8"?>
+<file path=ppt/slides/slide17.xml><?xml version="1.0" encoding="utf-8"?>
 <p:sld xmlns:a="http://schemas.openxmlformats.org/drawingml/2006/main" xmlns:r="http://schemas.openxmlformats.org/officeDocument/2006/relationships" xmlns:p="http://schemas.openxmlformats.org/presentationml/2006/main">
   <p:cSld>
     <p:spTree>
@@ -14491,7 +14775,7 @@
 </p:sld>
 </file>
 
-<file path=ppt/slides/slide17.xml><?xml version="1.0" encoding="utf-8"?>
+<file path=ppt/slides/slide18.xml><?xml version="1.0" encoding="utf-8"?>
 <p:sld xmlns:a="http://schemas.openxmlformats.org/drawingml/2006/main" xmlns:r="http://schemas.openxmlformats.org/officeDocument/2006/relationships" xmlns:p="http://schemas.openxmlformats.org/presentationml/2006/main" show="0">
   <p:cSld>
     <p:spTree>
@@ -14801,7 +15085,7 @@
 </p:sld>
 </file>
 
-<file path=ppt/slides/slide18.xml><?xml version="1.0" encoding="utf-8"?>
+<file path=ppt/slides/slide19.xml><?xml version="1.0" encoding="utf-8"?>
 <p:sld xmlns:a="http://schemas.openxmlformats.org/drawingml/2006/main" xmlns:r="http://schemas.openxmlformats.org/officeDocument/2006/relationships" xmlns:p="http://schemas.openxmlformats.org/presentationml/2006/main">
   <p:cSld>
     <p:spTree>
@@ -15102,1041 +15386,6 @@
     <p:extLst>
       <p:ext uri="{BB962C8B-B14F-4D97-AF65-F5344CB8AC3E}">
         <p14:creationId xmlns:p14="http://schemas.microsoft.com/office/powerpoint/2010/main" val="2352755481"/>
-      </p:ext>
-    </p:extLst>
-  </p:cSld>
-  <p:clrMapOvr>
-    <a:masterClrMapping/>
-  </p:clrMapOvr>
-</p:sld>
-</file>
-
-<file path=ppt/slides/slide19.xml><?xml version="1.0" encoding="utf-8"?>
-<p:sld xmlns:a="http://schemas.openxmlformats.org/drawingml/2006/main" xmlns:r="http://schemas.openxmlformats.org/officeDocument/2006/relationships" xmlns:p="http://schemas.openxmlformats.org/presentationml/2006/main" show="0">
-  <p:cSld>
-    <p:spTree>
-      <p:nvGrpSpPr>
-        <p:cNvPr id="1" name=""/>
-        <p:cNvGrpSpPr/>
-        <p:nvPr/>
-      </p:nvGrpSpPr>
-      <p:grpSpPr>
-        <a:xfrm>
-          <a:off x="0" y="0"/>
-          <a:ext cx="0" cy="0"/>
-          <a:chOff x="0" y="0"/>
-          <a:chExt cx="0" cy="0"/>
-        </a:xfrm>
-      </p:grpSpPr>
-      <p:grpSp>
-        <p:nvGrpSpPr>
-          <p:cNvPr id="31" name="Group 30">
-            <a:extLst>
-              <a:ext uri="{FF2B5EF4-FFF2-40B4-BE49-F238E27FC236}">
-                <a16:creationId xmlns:a16="http://schemas.microsoft.com/office/drawing/2014/main" id="{47C214A7-314B-DA4B-A577-30EEC875FB69}"/>
-              </a:ext>
-            </a:extLst>
-          </p:cNvPr>
-          <p:cNvGrpSpPr/>
-          <p:nvPr/>
-        </p:nvGrpSpPr>
-        <p:grpSpPr>
-          <a:xfrm>
-            <a:off x="6981783" y="2392783"/>
-            <a:ext cx="905467" cy="1258441"/>
-            <a:chOff x="6972084" y="2105534"/>
-            <a:chExt cx="905467" cy="1258441"/>
-          </a:xfrm>
-        </p:grpSpPr>
-        <p:pic>
-          <p:nvPicPr>
-            <p:cNvPr id="29" name="Picture 28">
-              <a:extLst>
-                <a:ext uri="{FF2B5EF4-FFF2-40B4-BE49-F238E27FC236}">
-                  <a16:creationId xmlns:a16="http://schemas.microsoft.com/office/drawing/2014/main" id="{47A2DE75-0F65-AD45-9C88-01A2B4AC7DE0}"/>
-                </a:ext>
-              </a:extLst>
-            </p:cNvPr>
-            <p:cNvPicPr>
-              <a:picLocks noChangeAspect="1"/>
-            </p:cNvPicPr>
-            <p:nvPr/>
-          </p:nvPicPr>
-          <p:blipFill rotWithShape="1">
-            <a:blip r:embed="rId3"/>
-            <a:srcRect l="83340" t="21017" r="3277" b="36380"/>
-            <a:stretch/>
-          </p:blipFill>
-          <p:spPr>
-            <a:xfrm>
-              <a:off x="7111404" y="2105534"/>
-              <a:ext cx="716620" cy="1136141"/>
-            </a:xfrm>
-            <a:prstGeom prst="rect">
-              <a:avLst/>
-            </a:prstGeom>
-          </p:spPr>
-        </p:pic>
-        <p:sp>
-          <p:nvSpPr>
-            <p:cNvPr id="30" name="TextBox 29">
-              <a:extLst>
-                <a:ext uri="{FF2B5EF4-FFF2-40B4-BE49-F238E27FC236}">
-                  <a16:creationId xmlns:a16="http://schemas.microsoft.com/office/drawing/2014/main" id="{7AC3745E-4836-B44F-8769-8C29FFAF708D}"/>
-                </a:ext>
-              </a:extLst>
-            </p:cNvPr>
-            <p:cNvSpPr txBox="1"/>
-            <p:nvPr/>
-          </p:nvSpPr>
-          <p:spPr>
-            <a:xfrm>
-              <a:off x="6972084" y="2994643"/>
-              <a:ext cx="905467" cy="369332"/>
-            </a:xfrm>
-            <a:prstGeom prst="rect">
-              <a:avLst/>
-            </a:prstGeom>
-            <a:noFill/>
-          </p:spPr>
-          <p:txBody>
-            <a:bodyPr wrap="square" rtlCol="0">
-              <a:spAutoFit/>
-            </a:bodyPr>
-            <a:lstStyle/>
-            <a:p>
-              <a:pPr algn="r"/>
-              <a:r>
-                <a:rPr lang="en-US" sz="1000" dirty="0">
-                  <a:solidFill>
-                    <a:schemeClr val="bg1">
-                      <a:lumMod val="50000"/>
-                    </a:schemeClr>
-                  </a:solidFill>
-                  <a:latin typeface="Helvetica Neue" panose="02000503000000020004" pitchFamily="2" charset="0"/>
-                  <a:ea typeface="Helvetica Neue" panose="02000503000000020004" pitchFamily="2" charset="0"/>
-                  <a:cs typeface="Helvetica Neue" panose="02000503000000020004" pitchFamily="2" charset="0"/>
-                </a:rPr>
-                <a:t>---</a:t>
-              </a:r>
-              <a:r>
-                <a:rPr lang="en-US" sz="1000" dirty="0">
-                  <a:latin typeface="Helvetica Neue" panose="02000503000000020004" pitchFamily="2" charset="0"/>
-                  <a:ea typeface="Helvetica Neue" panose="02000503000000020004" pitchFamily="2" charset="0"/>
-                  <a:cs typeface="Helvetica Neue" panose="02000503000000020004" pitchFamily="2" charset="0"/>
-                </a:rPr>
-                <a:t>  </a:t>
-              </a:r>
-              <a:r>
-                <a:rPr lang="en-US" sz="500" dirty="0">
-                  <a:latin typeface="Helvetica Neue" panose="02000503000000020004" pitchFamily="2" charset="0"/>
-                  <a:ea typeface="Helvetica Neue" panose="02000503000000020004" pitchFamily="2" charset="0"/>
-                  <a:cs typeface="Helvetica Neue" panose="02000503000000020004" pitchFamily="2" charset="0"/>
-                </a:rPr>
-                <a:t> </a:t>
-              </a:r>
-              <a:r>
-                <a:rPr lang="en-US" sz="1000" dirty="0">
-                  <a:latin typeface="Helvetica Neue" panose="02000503000000020004" pitchFamily="2" charset="0"/>
-                  <a:ea typeface="Helvetica Neue" panose="02000503000000020004" pitchFamily="2" charset="0"/>
-                  <a:cs typeface="Helvetica Neue" panose="02000503000000020004" pitchFamily="2" charset="0"/>
-                </a:rPr>
-                <a:t>Null H</a:t>
-              </a:r>
-              <a:r>
-                <a:rPr lang="en-US" sz="1000" baseline="-25000" dirty="0">
-                  <a:latin typeface="Helvetica Neue" panose="02000503000000020004" pitchFamily="2" charset="0"/>
-                  <a:ea typeface="Helvetica Neue" panose="02000503000000020004" pitchFamily="2" charset="0"/>
-                  <a:cs typeface="Helvetica Neue" panose="02000503000000020004" pitchFamily="2" charset="0"/>
-                </a:rPr>
-                <a:t>0</a:t>
-              </a:r>
-              <a:endParaRPr lang="en-US" sz="1000" dirty="0">
-                <a:latin typeface="Helvetica Neue" panose="02000503000000020004" pitchFamily="2" charset="0"/>
-                <a:ea typeface="Helvetica Neue" panose="02000503000000020004" pitchFamily="2" charset="0"/>
-                <a:cs typeface="Helvetica Neue" panose="02000503000000020004" pitchFamily="2" charset="0"/>
-              </a:endParaRPr>
-            </a:p>
-            <a:p>
-              <a:pPr algn="r"/>
-              <a:r>
-                <a:rPr lang="en-US" sz="800" dirty="0">
-                  <a:latin typeface="Helvetica Neue" panose="02000503000000020004" pitchFamily="2" charset="0"/>
-                  <a:ea typeface="Helvetica Neue" panose="02000503000000020004" pitchFamily="2" charset="0"/>
-                  <a:cs typeface="Helvetica Neue" panose="02000503000000020004" pitchFamily="2" charset="0"/>
-                </a:rPr>
-                <a:t>(linear mixing)</a:t>
-              </a:r>
-              <a:endParaRPr lang="en-US" sz="800" baseline="-25000" dirty="0">
-                <a:latin typeface="Helvetica Neue" panose="02000503000000020004" pitchFamily="2" charset="0"/>
-                <a:ea typeface="Helvetica Neue" panose="02000503000000020004" pitchFamily="2" charset="0"/>
-                <a:cs typeface="Helvetica Neue" panose="02000503000000020004" pitchFamily="2" charset="0"/>
-              </a:endParaRPr>
-            </a:p>
-          </p:txBody>
-        </p:sp>
-      </p:grpSp>
-      <p:grpSp>
-        <p:nvGrpSpPr>
-          <p:cNvPr id="64" name="Group 63">
-            <a:extLst>
-              <a:ext uri="{FF2B5EF4-FFF2-40B4-BE49-F238E27FC236}">
-                <a16:creationId xmlns:a16="http://schemas.microsoft.com/office/drawing/2014/main" id="{2307CD96-C70A-1047-A24B-0EF7304A3210}"/>
-              </a:ext>
-            </a:extLst>
-          </p:cNvPr>
-          <p:cNvGrpSpPr/>
-          <p:nvPr/>
-        </p:nvGrpSpPr>
-        <p:grpSpPr>
-          <a:xfrm>
-            <a:off x="-59571" y="1197522"/>
-            <a:ext cx="7180674" cy="4088306"/>
-            <a:chOff x="-59571" y="1257310"/>
-            <a:chExt cx="7180674" cy="4088306"/>
-          </a:xfrm>
-        </p:grpSpPr>
-        <p:pic>
-          <p:nvPicPr>
-            <p:cNvPr id="13" name="Picture 12">
-              <a:extLst>
-                <a:ext uri="{FF2B5EF4-FFF2-40B4-BE49-F238E27FC236}">
-                  <a16:creationId xmlns:a16="http://schemas.microsoft.com/office/drawing/2014/main" id="{DAB10650-9262-A442-818E-C32D8386224F}"/>
-                </a:ext>
-              </a:extLst>
-            </p:cNvPr>
-            <p:cNvPicPr>
-              <a:picLocks noChangeAspect="1"/>
-            </p:cNvPicPr>
-            <p:nvPr/>
-          </p:nvPicPr>
-          <p:blipFill>
-            <a:blip r:embed="rId4"/>
-            <a:stretch>
-              <a:fillRect/>
-            </a:stretch>
-          </p:blipFill>
-          <p:spPr>
-            <a:xfrm>
-              <a:off x="3609807" y="3596852"/>
-              <a:ext cx="3511296" cy="1748763"/>
-            </a:xfrm>
-            <a:prstGeom prst="rect">
-              <a:avLst/>
-            </a:prstGeom>
-          </p:spPr>
-        </p:pic>
-        <p:sp>
-          <p:nvSpPr>
-            <p:cNvPr id="18" name="TextBox 17">
-              <a:extLst>
-                <a:ext uri="{FF2B5EF4-FFF2-40B4-BE49-F238E27FC236}">
-                  <a16:creationId xmlns:a16="http://schemas.microsoft.com/office/drawing/2014/main" id="{46BBEC22-8FD3-4646-AE1A-C6C1C5D5E1E6}"/>
-                </a:ext>
-              </a:extLst>
-            </p:cNvPr>
-            <p:cNvSpPr txBox="1"/>
-            <p:nvPr/>
-          </p:nvSpPr>
-          <p:spPr>
-            <a:xfrm>
-              <a:off x="3478615" y="1257310"/>
-              <a:ext cx="532050" cy="311217"/>
-            </a:xfrm>
-            <a:prstGeom prst="rect">
-              <a:avLst/>
-            </a:prstGeom>
-            <a:noFill/>
-          </p:spPr>
-          <p:txBody>
-            <a:bodyPr wrap="square" rtlCol="0">
-              <a:spAutoFit/>
-            </a:bodyPr>
-            <a:lstStyle/>
-            <a:p>
-              <a:pPr algn="ctr"/>
-              <a:r>
-                <a:rPr lang="en-US" sz="1600" b="1" dirty="0">
-                  <a:latin typeface="Helvetica Neue" panose="02000503000000020004" pitchFamily="2" charset="0"/>
-                  <a:ea typeface="Helvetica Neue" panose="02000503000000020004" pitchFamily="2" charset="0"/>
-                  <a:cs typeface="Helvetica Neue" panose="02000503000000020004" pitchFamily="2" charset="0"/>
-                </a:rPr>
-                <a:t>b</a:t>
-              </a:r>
-            </a:p>
-          </p:txBody>
-        </p:sp>
-        <p:pic>
-          <p:nvPicPr>
-            <p:cNvPr id="11" name="Picture 10">
-              <a:extLst>
-                <a:ext uri="{FF2B5EF4-FFF2-40B4-BE49-F238E27FC236}">
-                  <a16:creationId xmlns:a16="http://schemas.microsoft.com/office/drawing/2014/main" id="{CDDBCA46-2431-8742-8B7E-7958F55115D8}"/>
-                </a:ext>
-              </a:extLst>
-            </p:cNvPr>
-            <p:cNvPicPr>
-              <a:picLocks noChangeAspect="1"/>
-            </p:cNvPicPr>
-            <p:nvPr/>
-          </p:nvPicPr>
-          <p:blipFill>
-            <a:blip r:embed="rId5"/>
-            <a:stretch>
-              <a:fillRect/>
-            </a:stretch>
-          </p:blipFill>
-          <p:spPr>
-            <a:xfrm>
-              <a:off x="83059" y="1568526"/>
-              <a:ext cx="3511296" cy="1748763"/>
-            </a:xfrm>
-            <a:prstGeom prst="rect">
-              <a:avLst/>
-            </a:prstGeom>
-          </p:spPr>
-        </p:pic>
-        <p:pic>
-          <p:nvPicPr>
-            <p:cNvPr id="17" name="Picture 16">
-              <a:extLst>
-                <a:ext uri="{FF2B5EF4-FFF2-40B4-BE49-F238E27FC236}">
-                  <a16:creationId xmlns:a16="http://schemas.microsoft.com/office/drawing/2014/main" id="{2B7D716C-7908-7040-B95B-AA7F33B09271}"/>
-                </a:ext>
-              </a:extLst>
-            </p:cNvPr>
-            <p:cNvPicPr>
-              <a:picLocks noChangeAspect="1"/>
-            </p:cNvPicPr>
-            <p:nvPr/>
-          </p:nvPicPr>
-          <p:blipFill>
-            <a:blip r:embed="rId6"/>
-            <a:stretch>
-              <a:fillRect/>
-            </a:stretch>
-          </p:blipFill>
-          <p:spPr>
-            <a:xfrm>
-              <a:off x="83059" y="3596853"/>
-              <a:ext cx="3511296" cy="1748763"/>
-            </a:xfrm>
-            <a:prstGeom prst="rect">
-              <a:avLst/>
-            </a:prstGeom>
-          </p:spPr>
-        </p:pic>
-        <p:pic>
-          <p:nvPicPr>
-            <p:cNvPr id="24" name="Picture 23">
-              <a:extLst>
-                <a:ext uri="{FF2B5EF4-FFF2-40B4-BE49-F238E27FC236}">
-                  <a16:creationId xmlns:a16="http://schemas.microsoft.com/office/drawing/2014/main" id="{E521139E-34DD-FC49-B81A-3E8E74C466B9}"/>
-                </a:ext>
-              </a:extLst>
-            </p:cNvPr>
-            <p:cNvPicPr>
-              <a:picLocks noChangeAspect="1"/>
-            </p:cNvPicPr>
-            <p:nvPr/>
-          </p:nvPicPr>
-          <p:blipFill>
-            <a:blip r:embed="rId7"/>
-            <a:stretch>
-              <a:fillRect/>
-            </a:stretch>
-          </p:blipFill>
-          <p:spPr>
-            <a:xfrm>
-              <a:off x="3609807" y="1568527"/>
-              <a:ext cx="3511296" cy="1748763"/>
-            </a:xfrm>
-            <a:prstGeom prst="rect">
-              <a:avLst/>
-            </a:prstGeom>
-          </p:spPr>
-        </p:pic>
-        <p:sp>
-          <p:nvSpPr>
-            <p:cNvPr id="16" name="TextBox 15">
-              <a:extLst>
-                <a:ext uri="{FF2B5EF4-FFF2-40B4-BE49-F238E27FC236}">
-                  <a16:creationId xmlns:a16="http://schemas.microsoft.com/office/drawing/2014/main" id="{0B8EA217-6F2C-0943-8D48-F70EC12EC200}"/>
-                </a:ext>
-              </a:extLst>
-            </p:cNvPr>
-            <p:cNvSpPr txBox="1"/>
-            <p:nvPr/>
-          </p:nvSpPr>
-          <p:spPr>
-            <a:xfrm>
-              <a:off x="-39178" y="1258440"/>
-              <a:ext cx="532050" cy="311217"/>
-            </a:xfrm>
-            <a:prstGeom prst="rect">
-              <a:avLst/>
-            </a:prstGeom>
-            <a:noFill/>
-          </p:spPr>
-          <p:txBody>
-            <a:bodyPr wrap="square" rtlCol="0">
-              <a:spAutoFit/>
-            </a:bodyPr>
-            <a:lstStyle/>
-            <a:p>
-              <a:pPr algn="ctr"/>
-              <a:r>
-                <a:rPr lang="en-US" sz="1600" b="1" dirty="0">
-                  <a:latin typeface="Helvetica Neue" panose="02000503000000020004" pitchFamily="2" charset="0"/>
-                  <a:ea typeface="Helvetica Neue" panose="02000503000000020004" pitchFamily="2" charset="0"/>
-                  <a:cs typeface="Helvetica Neue" panose="02000503000000020004" pitchFamily="2" charset="0"/>
-                </a:rPr>
-                <a:t>a</a:t>
-              </a:r>
-            </a:p>
-          </p:txBody>
-        </p:sp>
-        <p:sp>
-          <p:nvSpPr>
-            <p:cNvPr id="20" name="TextBox 19">
-              <a:extLst>
-                <a:ext uri="{FF2B5EF4-FFF2-40B4-BE49-F238E27FC236}">
-                  <a16:creationId xmlns:a16="http://schemas.microsoft.com/office/drawing/2014/main" id="{E8C86BD2-9FE9-8C4D-A835-2EAAEE829653}"/>
-                </a:ext>
-              </a:extLst>
-            </p:cNvPr>
-            <p:cNvSpPr txBox="1"/>
-            <p:nvPr/>
-          </p:nvSpPr>
-          <p:spPr>
-            <a:xfrm>
-              <a:off x="-59571" y="3276227"/>
-              <a:ext cx="532050" cy="311217"/>
-            </a:xfrm>
-            <a:prstGeom prst="rect">
-              <a:avLst/>
-            </a:prstGeom>
-            <a:noFill/>
-          </p:spPr>
-          <p:txBody>
-            <a:bodyPr wrap="square" rtlCol="0">
-              <a:spAutoFit/>
-            </a:bodyPr>
-            <a:lstStyle/>
-            <a:p>
-              <a:pPr algn="ctr"/>
-              <a:r>
-                <a:rPr lang="en-US" sz="1600" b="1" dirty="0">
-                  <a:latin typeface="Helvetica Neue" panose="02000503000000020004" pitchFamily="2" charset="0"/>
-                  <a:ea typeface="Helvetica Neue" panose="02000503000000020004" pitchFamily="2" charset="0"/>
-                  <a:cs typeface="Helvetica Neue" panose="02000503000000020004" pitchFamily="2" charset="0"/>
-                </a:rPr>
-                <a:t>c</a:t>
-              </a:r>
-            </a:p>
-          </p:txBody>
-        </p:sp>
-        <p:sp>
-          <p:nvSpPr>
-            <p:cNvPr id="22" name="TextBox 21">
-              <a:extLst>
-                <a:ext uri="{FF2B5EF4-FFF2-40B4-BE49-F238E27FC236}">
-                  <a16:creationId xmlns:a16="http://schemas.microsoft.com/office/drawing/2014/main" id="{9CC8A2EA-F668-DD43-A074-9F1F726F28A7}"/>
-                </a:ext>
-              </a:extLst>
-            </p:cNvPr>
-            <p:cNvSpPr txBox="1"/>
-            <p:nvPr/>
-          </p:nvSpPr>
-          <p:spPr>
-            <a:xfrm>
-              <a:off x="3478615" y="3281256"/>
-              <a:ext cx="532050" cy="311217"/>
-            </a:xfrm>
-            <a:prstGeom prst="rect">
-              <a:avLst/>
-            </a:prstGeom>
-            <a:noFill/>
-          </p:spPr>
-          <p:txBody>
-            <a:bodyPr wrap="square" rtlCol="0">
-              <a:spAutoFit/>
-            </a:bodyPr>
-            <a:lstStyle/>
-            <a:p>
-              <a:pPr algn="ctr"/>
-              <a:r>
-                <a:rPr lang="en-US" sz="1600" b="1" dirty="0">
-                  <a:latin typeface="Helvetica Neue" panose="02000503000000020004" pitchFamily="2" charset="0"/>
-                  <a:ea typeface="Helvetica Neue" panose="02000503000000020004" pitchFamily="2" charset="0"/>
-                  <a:cs typeface="Helvetica Neue" panose="02000503000000020004" pitchFamily="2" charset="0"/>
-                </a:rPr>
-                <a:t>d</a:t>
-              </a:r>
-            </a:p>
-          </p:txBody>
-        </p:sp>
-        <p:sp>
-          <p:nvSpPr>
-            <p:cNvPr id="34" name="Rectangle 33">
-              <a:extLst>
-                <a:ext uri="{FF2B5EF4-FFF2-40B4-BE49-F238E27FC236}">
-                  <a16:creationId xmlns:a16="http://schemas.microsoft.com/office/drawing/2014/main" id="{FCC82B76-D613-B14A-9751-C3404A7F5100}"/>
-                </a:ext>
-              </a:extLst>
-            </p:cNvPr>
-            <p:cNvSpPr/>
-            <p:nvPr/>
-          </p:nvSpPr>
-          <p:spPr>
-            <a:xfrm>
-              <a:off x="1859134" y="1755789"/>
-              <a:ext cx="253217" cy="1060972"/>
-            </a:xfrm>
-            <a:prstGeom prst="rect">
-              <a:avLst/>
-            </a:prstGeom>
-            <a:noFill/>
-            <a:ln w="6350">
-              <a:solidFill>
-                <a:schemeClr val="tx1"/>
-              </a:solidFill>
-            </a:ln>
-          </p:spPr>
-          <p:style>
-            <a:lnRef idx="2">
-              <a:schemeClr val="accent1">
-                <a:shade val="50000"/>
-              </a:schemeClr>
-            </a:lnRef>
-            <a:fillRef idx="1">
-              <a:schemeClr val="accent1"/>
-            </a:fillRef>
-            <a:effectRef idx="0">
-              <a:schemeClr val="accent1"/>
-            </a:effectRef>
-            <a:fontRef idx="minor">
-              <a:schemeClr val="lt1"/>
-            </a:fontRef>
-          </p:style>
-          <p:txBody>
-            <a:bodyPr rtlCol="0" anchor="ctr"/>
-            <a:lstStyle/>
-            <a:p>
-              <a:pPr algn="ctr"/>
-              <a:endParaRPr lang="en-US"/>
-            </a:p>
-          </p:txBody>
-        </p:sp>
-        <p:cxnSp>
-          <p:nvCxnSpPr>
-            <p:cNvPr id="36" name="Straight Arrow Connector 35">
-              <a:extLst>
-                <a:ext uri="{FF2B5EF4-FFF2-40B4-BE49-F238E27FC236}">
-                  <a16:creationId xmlns:a16="http://schemas.microsoft.com/office/drawing/2014/main" id="{FCB6A53D-8895-5444-BC26-FDB3CED3D01F}"/>
-                </a:ext>
-              </a:extLst>
-            </p:cNvPr>
-            <p:cNvCxnSpPr>
-              <a:cxnSpLocks/>
-            </p:cNvCxnSpPr>
-            <p:nvPr/>
-          </p:nvCxnSpPr>
-          <p:spPr>
-            <a:xfrm>
-              <a:off x="1985744" y="1552268"/>
-              <a:ext cx="0" cy="202381"/>
-            </a:xfrm>
-            <a:prstGeom prst="straightConnector1">
-              <a:avLst/>
-            </a:prstGeom>
-            <a:ln>
-              <a:solidFill>
-                <a:schemeClr val="tx1"/>
-              </a:solidFill>
-              <a:tailEnd type="triangle"/>
-            </a:ln>
-          </p:spPr>
-          <p:style>
-            <a:lnRef idx="1">
-              <a:schemeClr val="accent1"/>
-            </a:lnRef>
-            <a:fillRef idx="0">
-              <a:schemeClr val="accent1"/>
-            </a:fillRef>
-            <a:effectRef idx="0">
-              <a:schemeClr val="accent1"/>
-            </a:effectRef>
-            <a:fontRef idx="minor">
-              <a:schemeClr val="tx1"/>
-            </a:fontRef>
-          </p:style>
-        </p:cxnSp>
-        <p:sp>
-          <p:nvSpPr>
-            <p:cNvPr id="40" name="TextBox 39">
-              <a:extLst>
-                <a:ext uri="{FF2B5EF4-FFF2-40B4-BE49-F238E27FC236}">
-                  <a16:creationId xmlns:a16="http://schemas.microsoft.com/office/drawing/2014/main" id="{59710CE9-75A6-8E4F-BC0F-9128A72B5E28}"/>
-                </a:ext>
-              </a:extLst>
-            </p:cNvPr>
-            <p:cNvSpPr txBox="1"/>
-            <p:nvPr/>
-          </p:nvSpPr>
-          <p:spPr>
-            <a:xfrm>
-              <a:off x="1510959" y="1335504"/>
-              <a:ext cx="949569" cy="230832"/>
-            </a:xfrm>
-            <a:prstGeom prst="rect">
-              <a:avLst/>
-            </a:prstGeom>
-            <a:noFill/>
-          </p:spPr>
-          <p:txBody>
-            <a:bodyPr wrap="square" rtlCol="0">
-              <a:spAutoFit/>
-            </a:bodyPr>
-            <a:lstStyle/>
-            <a:p>
-              <a:pPr algn="ctr"/>
-              <a:r>
-                <a:rPr lang="en-US" sz="900" i="1" dirty="0">
-                  <a:solidFill>
-                    <a:srgbClr val="8FB132"/>
-                  </a:solidFill>
-                  <a:latin typeface="Helvetica Neue" panose="02000503000000020004" pitchFamily="2" charset="0"/>
-                  <a:ea typeface="Helvetica Neue" panose="02000503000000020004" pitchFamily="2" charset="0"/>
-                  <a:cs typeface="Helvetica Neue" panose="02000503000000020004" pitchFamily="2" charset="0"/>
-                </a:rPr>
-                <a:t>No effect</a:t>
-              </a:r>
-            </a:p>
-          </p:txBody>
-        </p:sp>
-        <p:sp>
-          <p:nvSpPr>
-            <p:cNvPr id="47" name="Rectangle 46">
-              <a:extLst>
-                <a:ext uri="{FF2B5EF4-FFF2-40B4-BE49-F238E27FC236}">
-                  <a16:creationId xmlns:a16="http://schemas.microsoft.com/office/drawing/2014/main" id="{B01074A1-2499-4948-9DBB-7D0A93A30FE8}"/>
-                </a:ext>
-              </a:extLst>
-            </p:cNvPr>
-            <p:cNvSpPr/>
-            <p:nvPr/>
-          </p:nvSpPr>
-          <p:spPr>
-            <a:xfrm>
-              <a:off x="5388331" y="1755789"/>
-              <a:ext cx="253217" cy="1057240"/>
-            </a:xfrm>
-            <a:prstGeom prst="rect">
-              <a:avLst/>
-            </a:prstGeom>
-            <a:noFill/>
-            <a:ln w="6350">
-              <a:solidFill>
-                <a:schemeClr val="tx1"/>
-              </a:solidFill>
-            </a:ln>
-          </p:spPr>
-          <p:style>
-            <a:lnRef idx="2">
-              <a:schemeClr val="accent1">
-                <a:shade val="50000"/>
-              </a:schemeClr>
-            </a:lnRef>
-            <a:fillRef idx="1">
-              <a:schemeClr val="accent1"/>
-            </a:fillRef>
-            <a:effectRef idx="0">
-              <a:schemeClr val="accent1"/>
-            </a:effectRef>
-            <a:fontRef idx="minor">
-              <a:schemeClr val="lt1"/>
-            </a:fontRef>
-          </p:style>
-          <p:txBody>
-            <a:bodyPr rtlCol="0" anchor="ctr"/>
-            <a:lstStyle/>
-            <a:p>
-              <a:pPr algn="ctr"/>
-              <a:endParaRPr lang="en-US"/>
-            </a:p>
-          </p:txBody>
-        </p:sp>
-        <p:cxnSp>
-          <p:nvCxnSpPr>
-            <p:cNvPr id="48" name="Straight Arrow Connector 47">
-              <a:extLst>
-                <a:ext uri="{FF2B5EF4-FFF2-40B4-BE49-F238E27FC236}">
-                  <a16:creationId xmlns:a16="http://schemas.microsoft.com/office/drawing/2014/main" id="{3673C9ED-1E77-ED4B-9332-C7996099B01B}"/>
-                </a:ext>
-              </a:extLst>
-            </p:cNvPr>
-            <p:cNvCxnSpPr>
-              <a:cxnSpLocks/>
-            </p:cNvCxnSpPr>
-            <p:nvPr/>
-          </p:nvCxnSpPr>
-          <p:spPr>
-            <a:xfrm>
-              <a:off x="5514940" y="1523669"/>
-              <a:ext cx="0" cy="227246"/>
-            </a:xfrm>
-            <a:prstGeom prst="straightConnector1">
-              <a:avLst/>
-            </a:prstGeom>
-            <a:ln>
-              <a:solidFill>
-                <a:schemeClr val="tx1"/>
-              </a:solidFill>
-              <a:tailEnd type="triangle"/>
-            </a:ln>
-          </p:spPr>
-          <p:style>
-            <a:lnRef idx="1">
-              <a:schemeClr val="accent1"/>
-            </a:lnRef>
-            <a:fillRef idx="0">
-              <a:schemeClr val="accent1"/>
-            </a:fillRef>
-            <a:effectRef idx="0">
-              <a:schemeClr val="accent1"/>
-            </a:effectRef>
-            <a:fontRef idx="minor">
-              <a:schemeClr val="tx1"/>
-            </a:fontRef>
-          </p:style>
-        </p:cxnSp>
-        <p:sp>
-          <p:nvSpPr>
-            <p:cNvPr id="49" name="TextBox 48">
-              <a:extLst>
-                <a:ext uri="{FF2B5EF4-FFF2-40B4-BE49-F238E27FC236}">
-                  <a16:creationId xmlns:a16="http://schemas.microsoft.com/office/drawing/2014/main" id="{2505A704-0B39-3948-B702-3DE6FB8A566F}"/>
-                </a:ext>
-              </a:extLst>
-            </p:cNvPr>
-            <p:cNvSpPr txBox="1"/>
-            <p:nvPr/>
-          </p:nvSpPr>
-          <p:spPr>
-            <a:xfrm>
-              <a:off x="4819867" y="1337694"/>
-              <a:ext cx="1367335" cy="230832"/>
-            </a:xfrm>
-            <a:prstGeom prst="rect">
-              <a:avLst/>
-            </a:prstGeom>
-            <a:noFill/>
-          </p:spPr>
-          <p:txBody>
-            <a:bodyPr wrap="square" rtlCol="0">
-              <a:spAutoFit/>
-            </a:bodyPr>
-            <a:lstStyle/>
-            <a:p>
-              <a:pPr algn="ctr"/>
-              <a:r>
-                <a:rPr lang="en-US" sz="900" i="1" dirty="0">
-                  <a:solidFill>
-                    <a:srgbClr val="8FB132"/>
-                  </a:solidFill>
-                  <a:latin typeface="Helvetica Neue" panose="02000503000000020004" pitchFamily="2" charset="0"/>
-                  <a:ea typeface="Helvetica Neue" panose="02000503000000020004" pitchFamily="2" charset="0"/>
-                  <a:cs typeface="Helvetica Neue" panose="02000503000000020004" pitchFamily="2" charset="0"/>
-                </a:rPr>
-                <a:t>Downward contagion</a:t>
-              </a:r>
-            </a:p>
-          </p:txBody>
-        </p:sp>
-        <p:sp>
-          <p:nvSpPr>
-            <p:cNvPr id="56" name="Rectangle 55">
-              <a:extLst>
-                <a:ext uri="{FF2B5EF4-FFF2-40B4-BE49-F238E27FC236}">
-                  <a16:creationId xmlns:a16="http://schemas.microsoft.com/office/drawing/2014/main" id="{946FFB0D-B0DB-7746-BE84-CA00A6AC6FC6}"/>
-                </a:ext>
-              </a:extLst>
-            </p:cNvPr>
-            <p:cNvSpPr/>
-            <p:nvPr/>
-          </p:nvSpPr>
-          <p:spPr>
-            <a:xfrm>
-              <a:off x="1870538" y="3779347"/>
-              <a:ext cx="253217" cy="1057240"/>
-            </a:xfrm>
-            <a:prstGeom prst="rect">
-              <a:avLst/>
-            </a:prstGeom>
-            <a:noFill/>
-            <a:ln w="6350">
-              <a:solidFill>
-                <a:schemeClr val="tx1"/>
-              </a:solidFill>
-            </a:ln>
-          </p:spPr>
-          <p:style>
-            <a:lnRef idx="2">
-              <a:schemeClr val="accent1">
-                <a:shade val="50000"/>
-              </a:schemeClr>
-            </a:lnRef>
-            <a:fillRef idx="1">
-              <a:schemeClr val="accent1"/>
-            </a:fillRef>
-            <a:effectRef idx="0">
-              <a:schemeClr val="accent1"/>
-            </a:effectRef>
-            <a:fontRef idx="minor">
-              <a:schemeClr val="lt1"/>
-            </a:fontRef>
-          </p:style>
-          <p:txBody>
-            <a:bodyPr rtlCol="0" anchor="ctr"/>
-            <a:lstStyle/>
-            <a:p>
-              <a:pPr algn="ctr"/>
-              <a:endParaRPr lang="en-US"/>
-            </a:p>
-          </p:txBody>
-        </p:sp>
-        <p:cxnSp>
-          <p:nvCxnSpPr>
-            <p:cNvPr id="57" name="Straight Arrow Connector 56">
-              <a:extLst>
-                <a:ext uri="{FF2B5EF4-FFF2-40B4-BE49-F238E27FC236}">
-                  <a16:creationId xmlns:a16="http://schemas.microsoft.com/office/drawing/2014/main" id="{D01545C1-233E-EA44-BA81-A519DB74EB76}"/>
-                </a:ext>
-              </a:extLst>
-            </p:cNvPr>
-            <p:cNvCxnSpPr>
-              <a:cxnSpLocks/>
-            </p:cNvCxnSpPr>
-            <p:nvPr/>
-          </p:nvCxnSpPr>
-          <p:spPr>
-            <a:xfrm>
-              <a:off x="1997147" y="3547227"/>
-              <a:ext cx="0" cy="227246"/>
-            </a:xfrm>
-            <a:prstGeom prst="straightConnector1">
-              <a:avLst/>
-            </a:prstGeom>
-            <a:ln>
-              <a:solidFill>
-                <a:schemeClr val="tx1"/>
-              </a:solidFill>
-              <a:tailEnd type="triangle"/>
-            </a:ln>
-          </p:spPr>
-          <p:style>
-            <a:lnRef idx="1">
-              <a:schemeClr val="accent1"/>
-            </a:lnRef>
-            <a:fillRef idx="0">
-              <a:schemeClr val="accent1"/>
-            </a:fillRef>
-            <a:effectRef idx="0">
-              <a:schemeClr val="accent1"/>
-            </a:effectRef>
-            <a:fontRef idx="minor">
-              <a:schemeClr val="tx1"/>
-            </a:fontRef>
-          </p:style>
-        </p:cxnSp>
-        <p:sp>
-          <p:nvSpPr>
-            <p:cNvPr id="58" name="TextBox 57">
-              <a:extLst>
-                <a:ext uri="{FF2B5EF4-FFF2-40B4-BE49-F238E27FC236}">
-                  <a16:creationId xmlns:a16="http://schemas.microsoft.com/office/drawing/2014/main" id="{01EAAFA9-AE9E-8246-A9FD-6D29F8274912}"/>
-                </a:ext>
-              </a:extLst>
-            </p:cNvPr>
-            <p:cNvSpPr txBox="1"/>
-            <p:nvPr/>
-          </p:nvSpPr>
-          <p:spPr>
-            <a:xfrm>
-              <a:off x="1302074" y="3361252"/>
-              <a:ext cx="1367335" cy="230832"/>
-            </a:xfrm>
-            <a:prstGeom prst="rect">
-              <a:avLst/>
-            </a:prstGeom>
-            <a:noFill/>
-          </p:spPr>
-          <p:txBody>
-            <a:bodyPr wrap="square" rtlCol="0">
-              <a:spAutoFit/>
-            </a:bodyPr>
-            <a:lstStyle/>
-            <a:p>
-              <a:pPr algn="ctr"/>
-              <a:r>
-                <a:rPr lang="en-US" sz="900" i="1" dirty="0">
-                  <a:solidFill>
-                    <a:srgbClr val="8FB132"/>
-                  </a:solidFill>
-                  <a:latin typeface="Helvetica Neue" panose="02000503000000020004" pitchFamily="2" charset="0"/>
-                  <a:ea typeface="Helvetica Neue" panose="02000503000000020004" pitchFamily="2" charset="0"/>
-                  <a:cs typeface="Helvetica Neue" panose="02000503000000020004" pitchFamily="2" charset="0"/>
-                </a:rPr>
-                <a:t>Upward contagion</a:t>
-              </a:r>
-            </a:p>
-          </p:txBody>
-        </p:sp>
-        <p:sp>
-          <p:nvSpPr>
-            <p:cNvPr id="60" name="Rectangle 59">
-              <a:extLst>
-                <a:ext uri="{FF2B5EF4-FFF2-40B4-BE49-F238E27FC236}">
-                  <a16:creationId xmlns:a16="http://schemas.microsoft.com/office/drawing/2014/main" id="{A32BC6D7-F7BC-9347-83A3-B3CCF91F5830}"/>
-                </a:ext>
-              </a:extLst>
-            </p:cNvPr>
-            <p:cNvSpPr/>
-            <p:nvPr/>
-          </p:nvSpPr>
-          <p:spPr>
-            <a:xfrm>
-              <a:off x="5404107" y="3819564"/>
-              <a:ext cx="253217" cy="1057240"/>
-            </a:xfrm>
-            <a:prstGeom prst="rect">
-              <a:avLst/>
-            </a:prstGeom>
-            <a:noFill/>
-            <a:ln w="6350">
-              <a:solidFill>
-                <a:schemeClr val="tx1"/>
-              </a:solidFill>
-            </a:ln>
-          </p:spPr>
-          <p:style>
-            <a:lnRef idx="2">
-              <a:schemeClr val="accent1">
-                <a:shade val="50000"/>
-              </a:schemeClr>
-            </a:lnRef>
-            <a:fillRef idx="1">
-              <a:schemeClr val="accent1"/>
-            </a:fillRef>
-            <a:effectRef idx="0">
-              <a:schemeClr val="accent1"/>
-            </a:effectRef>
-            <a:fontRef idx="minor">
-              <a:schemeClr val="lt1"/>
-            </a:fontRef>
-          </p:style>
-          <p:txBody>
-            <a:bodyPr rtlCol="0" anchor="ctr"/>
-            <a:lstStyle/>
-            <a:p>
-              <a:pPr algn="ctr"/>
-              <a:endParaRPr lang="en-US"/>
-            </a:p>
-          </p:txBody>
-        </p:sp>
-        <p:cxnSp>
-          <p:nvCxnSpPr>
-            <p:cNvPr id="61" name="Straight Arrow Connector 60">
-              <a:extLst>
-                <a:ext uri="{FF2B5EF4-FFF2-40B4-BE49-F238E27FC236}">
-                  <a16:creationId xmlns:a16="http://schemas.microsoft.com/office/drawing/2014/main" id="{9799F749-BB09-1044-AE8A-A5DAEEBC2F1E}"/>
-                </a:ext>
-              </a:extLst>
-            </p:cNvPr>
-            <p:cNvCxnSpPr>
-              <a:cxnSpLocks/>
-            </p:cNvCxnSpPr>
-            <p:nvPr/>
-          </p:nvCxnSpPr>
-          <p:spPr>
-            <a:xfrm>
-              <a:off x="5530716" y="3587444"/>
-              <a:ext cx="0" cy="227246"/>
-            </a:xfrm>
-            <a:prstGeom prst="straightConnector1">
-              <a:avLst/>
-            </a:prstGeom>
-            <a:ln>
-              <a:solidFill>
-                <a:schemeClr val="tx1"/>
-              </a:solidFill>
-              <a:tailEnd type="triangle"/>
-            </a:ln>
-          </p:spPr>
-          <p:style>
-            <a:lnRef idx="1">
-              <a:schemeClr val="accent1"/>
-            </a:lnRef>
-            <a:fillRef idx="0">
-              <a:schemeClr val="accent1"/>
-            </a:fillRef>
-            <a:effectRef idx="0">
-              <a:schemeClr val="accent1"/>
-            </a:effectRef>
-            <a:fontRef idx="minor">
-              <a:schemeClr val="tx1"/>
-            </a:fontRef>
-          </p:style>
-        </p:cxnSp>
-        <p:sp>
-          <p:nvSpPr>
-            <p:cNvPr id="62" name="TextBox 61">
-              <a:extLst>
-                <a:ext uri="{FF2B5EF4-FFF2-40B4-BE49-F238E27FC236}">
-                  <a16:creationId xmlns:a16="http://schemas.microsoft.com/office/drawing/2014/main" id="{D13988C2-B628-D948-9CFA-37C8D35D596B}"/>
-                </a:ext>
-              </a:extLst>
-            </p:cNvPr>
-            <p:cNvSpPr txBox="1"/>
-            <p:nvPr/>
-          </p:nvSpPr>
-          <p:spPr>
-            <a:xfrm>
-              <a:off x="4835643" y="3401469"/>
-              <a:ext cx="1367335" cy="230832"/>
-            </a:xfrm>
-            <a:prstGeom prst="rect">
-              <a:avLst/>
-            </a:prstGeom>
-            <a:noFill/>
-          </p:spPr>
-          <p:txBody>
-            <a:bodyPr wrap="square" rtlCol="0">
-              <a:spAutoFit/>
-            </a:bodyPr>
-            <a:lstStyle/>
-            <a:p>
-              <a:pPr algn="ctr"/>
-              <a:r>
-                <a:rPr lang="en-US" sz="900" i="1" dirty="0">
-                  <a:solidFill>
-                    <a:srgbClr val="8FB132"/>
-                  </a:solidFill>
-                  <a:latin typeface="Helvetica Neue" panose="02000503000000020004" pitchFamily="2" charset="0"/>
-                  <a:ea typeface="Helvetica Neue" panose="02000503000000020004" pitchFamily="2" charset="0"/>
-                  <a:cs typeface="Helvetica Neue" panose="02000503000000020004" pitchFamily="2" charset="0"/>
-                </a:rPr>
-                <a:t>Amplification</a:t>
-              </a:r>
-            </a:p>
-          </p:txBody>
-        </p:sp>
-      </p:grpSp>
-    </p:spTree>
-    <p:extLst>
-      <p:ext uri="{BB962C8B-B14F-4D97-AF65-F5344CB8AC3E}">
-        <p14:creationId xmlns:p14="http://schemas.microsoft.com/office/powerpoint/2010/main" val="580486317"/>
       </p:ext>
     </p:extLst>
   </p:cSld>
@@ -17753,7 +17002,7 @@
           </a:ln>
           <a:extLst>
             <a:ext uri="{C572A759-6A51-4108-AA02-DFA0A04FC94B}">
-              <ma14:wrappingTextBoxFlag xmlns:ma14="http://schemas.microsoft.com/office/mac/drawingml/2011/main" xmlns:a14="http://schemas.microsoft.com/office/drawing/2010/main" xmlns:m="http://schemas.openxmlformats.org/officeDocument/2006/math" xmlns="" val="1"/>
+              <ma14:wrappingTextBoxFlag xmlns="" xmlns:m="http://schemas.openxmlformats.org/officeDocument/2006/math" xmlns:a14="http://schemas.microsoft.com/office/drawing/2010/main" xmlns:ma14="http://schemas.microsoft.com/office/mac/drawingml/2011/main" val="1"/>
             </a:ext>
           </a:extLst>
         </p:spPr>
@@ -17838,7 +17087,7 @@
           </a:ln>
           <a:extLst>
             <a:ext uri="{C572A759-6A51-4108-AA02-DFA0A04FC94B}">
-              <ma14:wrappingTextBoxFlag xmlns:ma14="http://schemas.microsoft.com/office/mac/drawingml/2011/main" xmlns:a14="http://schemas.microsoft.com/office/drawing/2010/main" xmlns:m="http://schemas.openxmlformats.org/officeDocument/2006/math" xmlns="" val="1"/>
+              <ma14:wrappingTextBoxFlag xmlns="" xmlns:m="http://schemas.openxmlformats.org/officeDocument/2006/math" xmlns:a14="http://schemas.microsoft.com/office/drawing/2010/main" xmlns:ma14="http://schemas.microsoft.com/office/mac/drawingml/2011/main" val="1"/>
             </a:ext>
           </a:extLst>
         </p:spPr>
@@ -17923,7 +17172,7 @@
           </a:ln>
           <a:extLst>
             <a:ext uri="{C572A759-6A51-4108-AA02-DFA0A04FC94B}">
-              <ma14:wrappingTextBoxFlag xmlns:ma14="http://schemas.microsoft.com/office/mac/drawingml/2011/main" xmlns:a14="http://schemas.microsoft.com/office/drawing/2010/main" xmlns:m="http://schemas.openxmlformats.org/officeDocument/2006/math" xmlns="" val="1"/>
+              <ma14:wrappingTextBoxFlag xmlns="" xmlns:m="http://schemas.openxmlformats.org/officeDocument/2006/math" xmlns:a14="http://schemas.microsoft.com/office/drawing/2010/main" xmlns:ma14="http://schemas.microsoft.com/office/mac/drawingml/2011/main" val="1"/>
             </a:ext>
           </a:extLst>
         </p:spPr>
@@ -18318,6 +17567,1041 @@
           <a:chExt cx="0" cy="0"/>
         </a:xfrm>
       </p:grpSpPr>
+      <p:grpSp>
+        <p:nvGrpSpPr>
+          <p:cNvPr id="31" name="Group 30">
+            <a:extLst>
+              <a:ext uri="{FF2B5EF4-FFF2-40B4-BE49-F238E27FC236}">
+                <a16:creationId xmlns:a16="http://schemas.microsoft.com/office/drawing/2014/main" id="{47C214A7-314B-DA4B-A577-30EEC875FB69}"/>
+              </a:ext>
+            </a:extLst>
+          </p:cNvPr>
+          <p:cNvGrpSpPr/>
+          <p:nvPr/>
+        </p:nvGrpSpPr>
+        <p:grpSpPr>
+          <a:xfrm>
+            <a:off x="6981783" y="2392783"/>
+            <a:ext cx="905467" cy="1258441"/>
+            <a:chOff x="6972084" y="2105534"/>
+            <a:chExt cx="905467" cy="1258441"/>
+          </a:xfrm>
+        </p:grpSpPr>
+        <p:pic>
+          <p:nvPicPr>
+            <p:cNvPr id="29" name="Picture 28">
+              <a:extLst>
+                <a:ext uri="{FF2B5EF4-FFF2-40B4-BE49-F238E27FC236}">
+                  <a16:creationId xmlns:a16="http://schemas.microsoft.com/office/drawing/2014/main" id="{47A2DE75-0F65-AD45-9C88-01A2B4AC7DE0}"/>
+                </a:ext>
+              </a:extLst>
+            </p:cNvPr>
+            <p:cNvPicPr>
+              <a:picLocks noChangeAspect="1"/>
+            </p:cNvPicPr>
+            <p:nvPr/>
+          </p:nvPicPr>
+          <p:blipFill rotWithShape="1">
+            <a:blip r:embed="rId3"/>
+            <a:srcRect l="83340" t="21017" r="3277" b="36380"/>
+            <a:stretch/>
+          </p:blipFill>
+          <p:spPr>
+            <a:xfrm>
+              <a:off x="7111404" y="2105534"/>
+              <a:ext cx="716620" cy="1136141"/>
+            </a:xfrm>
+            <a:prstGeom prst="rect">
+              <a:avLst/>
+            </a:prstGeom>
+          </p:spPr>
+        </p:pic>
+        <p:sp>
+          <p:nvSpPr>
+            <p:cNvPr id="30" name="TextBox 29">
+              <a:extLst>
+                <a:ext uri="{FF2B5EF4-FFF2-40B4-BE49-F238E27FC236}">
+                  <a16:creationId xmlns:a16="http://schemas.microsoft.com/office/drawing/2014/main" id="{7AC3745E-4836-B44F-8769-8C29FFAF708D}"/>
+                </a:ext>
+              </a:extLst>
+            </p:cNvPr>
+            <p:cNvSpPr txBox="1"/>
+            <p:nvPr/>
+          </p:nvSpPr>
+          <p:spPr>
+            <a:xfrm>
+              <a:off x="6972084" y="2994643"/>
+              <a:ext cx="905467" cy="369332"/>
+            </a:xfrm>
+            <a:prstGeom prst="rect">
+              <a:avLst/>
+            </a:prstGeom>
+            <a:noFill/>
+          </p:spPr>
+          <p:txBody>
+            <a:bodyPr wrap="square" rtlCol="0">
+              <a:spAutoFit/>
+            </a:bodyPr>
+            <a:lstStyle/>
+            <a:p>
+              <a:pPr algn="r"/>
+              <a:r>
+                <a:rPr lang="en-US" sz="1000" dirty="0">
+                  <a:solidFill>
+                    <a:schemeClr val="bg1">
+                      <a:lumMod val="50000"/>
+                    </a:schemeClr>
+                  </a:solidFill>
+                  <a:latin typeface="Helvetica Neue" panose="02000503000000020004" pitchFamily="2" charset="0"/>
+                  <a:ea typeface="Helvetica Neue" panose="02000503000000020004" pitchFamily="2" charset="0"/>
+                  <a:cs typeface="Helvetica Neue" panose="02000503000000020004" pitchFamily="2" charset="0"/>
+                </a:rPr>
+                <a:t>---</a:t>
+              </a:r>
+              <a:r>
+                <a:rPr lang="en-US" sz="1000" dirty="0">
+                  <a:latin typeface="Helvetica Neue" panose="02000503000000020004" pitchFamily="2" charset="0"/>
+                  <a:ea typeface="Helvetica Neue" panose="02000503000000020004" pitchFamily="2" charset="0"/>
+                  <a:cs typeface="Helvetica Neue" panose="02000503000000020004" pitchFamily="2" charset="0"/>
+                </a:rPr>
+                <a:t>  </a:t>
+              </a:r>
+              <a:r>
+                <a:rPr lang="en-US" sz="500" dirty="0">
+                  <a:latin typeface="Helvetica Neue" panose="02000503000000020004" pitchFamily="2" charset="0"/>
+                  <a:ea typeface="Helvetica Neue" panose="02000503000000020004" pitchFamily="2" charset="0"/>
+                  <a:cs typeface="Helvetica Neue" panose="02000503000000020004" pitchFamily="2" charset="0"/>
+                </a:rPr>
+                <a:t> </a:t>
+              </a:r>
+              <a:r>
+                <a:rPr lang="en-US" sz="1000" dirty="0">
+                  <a:latin typeface="Helvetica Neue" panose="02000503000000020004" pitchFamily="2" charset="0"/>
+                  <a:ea typeface="Helvetica Neue" panose="02000503000000020004" pitchFamily="2" charset="0"/>
+                  <a:cs typeface="Helvetica Neue" panose="02000503000000020004" pitchFamily="2" charset="0"/>
+                </a:rPr>
+                <a:t>Null H</a:t>
+              </a:r>
+              <a:r>
+                <a:rPr lang="en-US" sz="1000" baseline="-25000" dirty="0">
+                  <a:latin typeface="Helvetica Neue" panose="02000503000000020004" pitchFamily="2" charset="0"/>
+                  <a:ea typeface="Helvetica Neue" panose="02000503000000020004" pitchFamily="2" charset="0"/>
+                  <a:cs typeface="Helvetica Neue" panose="02000503000000020004" pitchFamily="2" charset="0"/>
+                </a:rPr>
+                <a:t>0</a:t>
+              </a:r>
+              <a:endParaRPr lang="en-US" sz="1000" dirty="0">
+                <a:latin typeface="Helvetica Neue" panose="02000503000000020004" pitchFamily="2" charset="0"/>
+                <a:ea typeface="Helvetica Neue" panose="02000503000000020004" pitchFamily="2" charset="0"/>
+                <a:cs typeface="Helvetica Neue" panose="02000503000000020004" pitchFamily="2" charset="0"/>
+              </a:endParaRPr>
+            </a:p>
+            <a:p>
+              <a:pPr algn="r"/>
+              <a:r>
+                <a:rPr lang="en-US" sz="800" dirty="0">
+                  <a:latin typeface="Helvetica Neue" panose="02000503000000020004" pitchFamily="2" charset="0"/>
+                  <a:ea typeface="Helvetica Neue" panose="02000503000000020004" pitchFamily="2" charset="0"/>
+                  <a:cs typeface="Helvetica Neue" panose="02000503000000020004" pitchFamily="2" charset="0"/>
+                </a:rPr>
+                <a:t>(linear mixing)</a:t>
+              </a:r>
+              <a:endParaRPr lang="en-US" sz="800" baseline="-25000" dirty="0">
+                <a:latin typeface="Helvetica Neue" panose="02000503000000020004" pitchFamily="2" charset="0"/>
+                <a:ea typeface="Helvetica Neue" panose="02000503000000020004" pitchFamily="2" charset="0"/>
+                <a:cs typeface="Helvetica Neue" panose="02000503000000020004" pitchFamily="2" charset="0"/>
+              </a:endParaRPr>
+            </a:p>
+          </p:txBody>
+        </p:sp>
+      </p:grpSp>
+      <p:grpSp>
+        <p:nvGrpSpPr>
+          <p:cNvPr id="64" name="Group 63">
+            <a:extLst>
+              <a:ext uri="{FF2B5EF4-FFF2-40B4-BE49-F238E27FC236}">
+                <a16:creationId xmlns:a16="http://schemas.microsoft.com/office/drawing/2014/main" id="{2307CD96-C70A-1047-A24B-0EF7304A3210}"/>
+              </a:ext>
+            </a:extLst>
+          </p:cNvPr>
+          <p:cNvGrpSpPr/>
+          <p:nvPr/>
+        </p:nvGrpSpPr>
+        <p:grpSpPr>
+          <a:xfrm>
+            <a:off x="-59571" y="1197522"/>
+            <a:ext cx="7180674" cy="4088306"/>
+            <a:chOff x="-59571" y="1257310"/>
+            <a:chExt cx="7180674" cy="4088306"/>
+          </a:xfrm>
+        </p:grpSpPr>
+        <p:pic>
+          <p:nvPicPr>
+            <p:cNvPr id="13" name="Picture 12">
+              <a:extLst>
+                <a:ext uri="{FF2B5EF4-FFF2-40B4-BE49-F238E27FC236}">
+                  <a16:creationId xmlns:a16="http://schemas.microsoft.com/office/drawing/2014/main" id="{DAB10650-9262-A442-818E-C32D8386224F}"/>
+                </a:ext>
+              </a:extLst>
+            </p:cNvPr>
+            <p:cNvPicPr>
+              <a:picLocks noChangeAspect="1"/>
+            </p:cNvPicPr>
+            <p:nvPr/>
+          </p:nvPicPr>
+          <p:blipFill>
+            <a:blip r:embed="rId4"/>
+            <a:stretch>
+              <a:fillRect/>
+            </a:stretch>
+          </p:blipFill>
+          <p:spPr>
+            <a:xfrm>
+              <a:off x="3609807" y="3596852"/>
+              <a:ext cx="3511296" cy="1748763"/>
+            </a:xfrm>
+            <a:prstGeom prst="rect">
+              <a:avLst/>
+            </a:prstGeom>
+          </p:spPr>
+        </p:pic>
+        <p:sp>
+          <p:nvSpPr>
+            <p:cNvPr id="18" name="TextBox 17">
+              <a:extLst>
+                <a:ext uri="{FF2B5EF4-FFF2-40B4-BE49-F238E27FC236}">
+                  <a16:creationId xmlns:a16="http://schemas.microsoft.com/office/drawing/2014/main" id="{46BBEC22-8FD3-4646-AE1A-C6C1C5D5E1E6}"/>
+                </a:ext>
+              </a:extLst>
+            </p:cNvPr>
+            <p:cNvSpPr txBox="1"/>
+            <p:nvPr/>
+          </p:nvSpPr>
+          <p:spPr>
+            <a:xfrm>
+              <a:off x="3478615" y="1257310"/>
+              <a:ext cx="532050" cy="311217"/>
+            </a:xfrm>
+            <a:prstGeom prst="rect">
+              <a:avLst/>
+            </a:prstGeom>
+            <a:noFill/>
+          </p:spPr>
+          <p:txBody>
+            <a:bodyPr wrap="square" rtlCol="0">
+              <a:spAutoFit/>
+            </a:bodyPr>
+            <a:lstStyle/>
+            <a:p>
+              <a:pPr algn="ctr"/>
+              <a:r>
+                <a:rPr lang="en-US" sz="1600" b="1" dirty="0">
+                  <a:latin typeface="Helvetica Neue" panose="02000503000000020004" pitchFamily="2" charset="0"/>
+                  <a:ea typeface="Helvetica Neue" panose="02000503000000020004" pitchFamily="2" charset="0"/>
+                  <a:cs typeface="Helvetica Neue" panose="02000503000000020004" pitchFamily="2" charset="0"/>
+                </a:rPr>
+                <a:t>b</a:t>
+              </a:r>
+            </a:p>
+          </p:txBody>
+        </p:sp>
+        <p:pic>
+          <p:nvPicPr>
+            <p:cNvPr id="11" name="Picture 10">
+              <a:extLst>
+                <a:ext uri="{FF2B5EF4-FFF2-40B4-BE49-F238E27FC236}">
+                  <a16:creationId xmlns:a16="http://schemas.microsoft.com/office/drawing/2014/main" id="{CDDBCA46-2431-8742-8B7E-7958F55115D8}"/>
+                </a:ext>
+              </a:extLst>
+            </p:cNvPr>
+            <p:cNvPicPr>
+              <a:picLocks noChangeAspect="1"/>
+            </p:cNvPicPr>
+            <p:nvPr/>
+          </p:nvPicPr>
+          <p:blipFill>
+            <a:blip r:embed="rId5"/>
+            <a:stretch>
+              <a:fillRect/>
+            </a:stretch>
+          </p:blipFill>
+          <p:spPr>
+            <a:xfrm>
+              <a:off x="83059" y="1568526"/>
+              <a:ext cx="3511296" cy="1748763"/>
+            </a:xfrm>
+            <a:prstGeom prst="rect">
+              <a:avLst/>
+            </a:prstGeom>
+          </p:spPr>
+        </p:pic>
+        <p:pic>
+          <p:nvPicPr>
+            <p:cNvPr id="17" name="Picture 16">
+              <a:extLst>
+                <a:ext uri="{FF2B5EF4-FFF2-40B4-BE49-F238E27FC236}">
+                  <a16:creationId xmlns:a16="http://schemas.microsoft.com/office/drawing/2014/main" id="{2B7D716C-7908-7040-B95B-AA7F33B09271}"/>
+                </a:ext>
+              </a:extLst>
+            </p:cNvPr>
+            <p:cNvPicPr>
+              <a:picLocks noChangeAspect="1"/>
+            </p:cNvPicPr>
+            <p:nvPr/>
+          </p:nvPicPr>
+          <p:blipFill>
+            <a:blip r:embed="rId6"/>
+            <a:stretch>
+              <a:fillRect/>
+            </a:stretch>
+          </p:blipFill>
+          <p:spPr>
+            <a:xfrm>
+              <a:off x="83059" y="3596853"/>
+              <a:ext cx="3511296" cy="1748763"/>
+            </a:xfrm>
+            <a:prstGeom prst="rect">
+              <a:avLst/>
+            </a:prstGeom>
+          </p:spPr>
+        </p:pic>
+        <p:pic>
+          <p:nvPicPr>
+            <p:cNvPr id="24" name="Picture 23">
+              <a:extLst>
+                <a:ext uri="{FF2B5EF4-FFF2-40B4-BE49-F238E27FC236}">
+                  <a16:creationId xmlns:a16="http://schemas.microsoft.com/office/drawing/2014/main" id="{E521139E-34DD-FC49-B81A-3E8E74C466B9}"/>
+                </a:ext>
+              </a:extLst>
+            </p:cNvPr>
+            <p:cNvPicPr>
+              <a:picLocks noChangeAspect="1"/>
+            </p:cNvPicPr>
+            <p:nvPr/>
+          </p:nvPicPr>
+          <p:blipFill>
+            <a:blip r:embed="rId7"/>
+            <a:stretch>
+              <a:fillRect/>
+            </a:stretch>
+          </p:blipFill>
+          <p:spPr>
+            <a:xfrm>
+              <a:off x="3609807" y="1568527"/>
+              <a:ext cx="3511296" cy="1748763"/>
+            </a:xfrm>
+            <a:prstGeom prst="rect">
+              <a:avLst/>
+            </a:prstGeom>
+          </p:spPr>
+        </p:pic>
+        <p:sp>
+          <p:nvSpPr>
+            <p:cNvPr id="16" name="TextBox 15">
+              <a:extLst>
+                <a:ext uri="{FF2B5EF4-FFF2-40B4-BE49-F238E27FC236}">
+                  <a16:creationId xmlns:a16="http://schemas.microsoft.com/office/drawing/2014/main" id="{0B8EA217-6F2C-0943-8D48-F70EC12EC200}"/>
+                </a:ext>
+              </a:extLst>
+            </p:cNvPr>
+            <p:cNvSpPr txBox="1"/>
+            <p:nvPr/>
+          </p:nvSpPr>
+          <p:spPr>
+            <a:xfrm>
+              <a:off x="-39178" y="1258440"/>
+              <a:ext cx="532050" cy="311217"/>
+            </a:xfrm>
+            <a:prstGeom prst="rect">
+              <a:avLst/>
+            </a:prstGeom>
+            <a:noFill/>
+          </p:spPr>
+          <p:txBody>
+            <a:bodyPr wrap="square" rtlCol="0">
+              <a:spAutoFit/>
+            </a:bodyPr>
+            <a:lstStyle/>
+            <a:p>
+              <a:pPr algn="ctr"/>
+              <a:r>
+                <a:rPr lang="en-US" sz="1600" b="1" dirty="0">
+                  <a:latin typeface="Helvetica Neue" panose="02000503000000020004" pitchFamily="2" charset="0"/>
+                  <a:ea typeface="Helvetica Neue" panose="02000503000000020004" pitchFamily="2" charset="0"/>
+                  <a:cs typeface="Helvetica Neue" panose="02000503000000020004" pitchFamily="2" charset="0"/>
+                </a:rPr>
+                <a:t>a</a:t>
+              </a:r>
+            </a:p>
+          </p:txBody>
+        </p:sp>
+        <p:sp>
+          <p:nvSpPr>
+            <p:cNvPr id="20" name="TextBox 19">
+              <a:extLst>
+                <a:ext uri="{FF2B5EF4-FFF2-40B4-BE49-F238E27FC236}">
+                  <a16:creationId xmlns:a16="http://schemas.microsoft.com/office/drawing/2014/main" id="{E8C86BD2-9FE9-8C4D-A835-2EAAEE829653}"/>
+                </a:ext>
+              </a:extLst>
+            </p:cNvPr>
+            <p:cNvSpPr txBox="1"/>
+            <p:nvPr/>
+          </p:nvSpPr>
+          <p:spPr>
+            <a:xfrm>
+              <a:off x="-59571" y="3276227"/>
+              <a:ext cx="532050" cy="311217"/>
+            </a:xfrm>
+            <a:prstGeom prst="rect">
+              <a:avLst/>
+            </a:prstGeom>
+            <a:noFill/>
+          </p:spPr>
+          <p:txBody>
+            <a:bodyPr wrap="square" rtlCol="0">
+              <a:spAutoFit/>
+            </a:bodyPr>
+            <a:lstStyle/>
+            <a:p>
+              <a:pPr algn="ctr"/>
+              <a:r>
+                <a:rPr lang="en-US" sz="1600" b="1" dirty="0">
+                  <a:latin typeface="Helvetica Neue" panose="02000503000000020004" pitchFamily="2" charset="0"/>
+                  <a:ea typeface="Helvetica Neue" panose="02000503000000020004" pitchFamily="2" charset="0"/>
+                  <a:cs typeface="Helvetica Neue" panose="02000503000000020004" pitchFamily="2" charset="0"/>
+                </a:rPr>
+                <a:t>c</a:t>
+              </a:r>
+            </a:p>
+          </p:txBody>
+        </p:sp>
+        <p:sp>
+          <p:nvSpPr>
+            <p:cNvPr id="22" name="TextBox 21">
+              <a:extLst>
+                <a:ext uri="{FF2B5EF4-FFF2-40B4-BE49-F238E27FC236}">
+                  <a16:creationId xmlns:a16="http://schemas.microsoft.com/office/drawing/2014/main" id="{9CC8A2EA-F668-DD43-A074-9F1F726F28A7}"/>
+                </a:ext>
+              </a:extLst>
+            </p:cNvPr>
+            <p:cNvSpPr txBox="1"/>
+            <p:nvPr/>
+          </p:nvSpPr>
+          <p:spPr>
+            <a:xfrm>
+              <a:off x="3478615" y="3281256"/>
+              <a:ext cx="532050" cy="311217"/>
+            </a:xfrm>
+            <a:prstGeom prst="rect">
+              <a:avLst/>
+            </a:prstGeom>
+            <a:noFill/>
+          </p:spPr>
+          <p:txBody>
+            <a:bodyPr wrap="square" rtlCol="0">
+              <a:spAutoFit/>
+            </a:bodyPr>
+            <a:lstStyle/>
+            <a:p>
+              <a:pPr algn="ctr"/>
+              <a:r>
+                <a:rPr lang="en-US" sz="1600" b="1" dirty="0">
+                  <a:latin typeface="Helvetica Neue" panose="02000503000000020004" pitchFamily="2" charset="0"/>
+                  <a:ea typeface="Helvetica Neue" panose="02000503000000020004" pitchFamily="2" charset="0"/>
+                  <a:cs typeface="Helvetica Neue" panose="02000503000000020004" pitchFamily="2" charset="0"/>
+                </a:rPr>
+                <a:t>d</a:t>
+              </a:r>
+            </a:p>
+          </p:txBody>
+        </p:sp>
+        <p:sp>
+          <p:nvSpPr>
+            <p:cNvPr id="34" name="Rectangle 33">
+              <a:extLst>
+                <a:ext uri="{FF2B5EF4-FFF2-40B4-BE49-F238E27FC236}">
+                  <a16:creationId xmlns:a16="http://schemas.microsoft.com/office/drawing/2014/main" id="{FCC82B76-D613-B14A-9751-C3404A7F5100}"/>
+                </a:ext>
+              </a:extLst>
+            </p:cNvPr>
+            <p:cNvSpPr/>
+            <p:nvPr/>
+          </p:nvSpPr>
+          <p:spPr>
+            <a:xfrm>
+              <a:off x="1859134" y="1755789"/>
+              <a:ext cx="253217" cy="1060972"/>
+            </a:xfrm>
+            <a:prstGeom prst="rect">
+              <a:avLst/>
+            </a:prstGeom>
+            <a:noFill/>
+            <a:ln w="6350">
+              <a:solidFill>
+                <a:schemeClr val="tx1"/>
+              </a:solidFill>
+            </a:ln>
+          </p:spPr>
+          <p:style>
+            <a:lnRef idx="2">
+              <a:schemeClr val="accent1">
+                <a:shade val="50000"/>
+              </a:schemeClr>
+            </a:lnRef>
+            <a:fillRef idx="1">
+              <a:schemeClr val="accent1"/>
+            </a:fillRef>
+            <a:effectRef idx="0">
+              <a:schemeClr val="accent1"/>
+            </a:effectRef>
+            <a:fontRef idx="minor">
+              <a:schemeClr val="lt1"/>
+            </a:fontRef>
+          </p:style>
+          <p:txBody>
+            <a:bodyPr rtlCol="0" anchor="ctr"/>
+            <a:lstStyle/>
+            <a:p>
+              <a:pPr algn="ctr"/>
+              <a:endParaRPr lang="en-US"/>
+            </a:p>
+          </p:txBody>
+        </p:sp>
+        <p:cxnSp>
+          <p:nvCxnSpPr>
+            <p:cNvPr id="36" name="Straight Arrow Connector 35">
+              <a:extLst>
+                <a:ext uri="{FF2B5EF4-FFF2-40B4-BE49-F238E27FC236}">
+                  <a16:creationId xmlns:a16="http://schemas.microsoft.com/office/drawing/2014/main" id="{FCB6A53D-8895-5444-BC26-FDB3CED3D01F}"/>
+                </a:ext>
+              </a:extLst>
+            </p:cNvPr>
+            <p:cNvCxnSpPr>
+              <a:cxnSpLocks/>
+            </p:cNvCxnSpPr>
+            <p:nvPr/>
+          </p:nvCxnSpPr>
+          <p:spPr>
+            <a:xfrm>
+              <a:off x="1985744" y="1552268"/>
+              <a:ext cx="0" cy="202381"/>
+            </a:xfrm>
+            <a:prstGeom prst="straightConnector1">
+              <a:avLst/>
+            </a:prstGeom>
+            <a:ln>
+              <a:solidFill>
+                <a:schemeClr val="tx1"/>
+              </a:solidFill>
+              <a:tailEnd type="triangle"/>
+            </a:ln>
+          </p:spPr>
+          <p:style>
+            <a:lnRef idx="1">
+              <a:schemeClr val="accent1"/>
+            </a:lnRef>
+            <a:fillRef idx="0">
+              <a:schemeClr val="accent1"/>
+            </a:fillRef>
+            <a:effectRef idx="0">
+              <a:schemeClr val="accent1"/>
+            </a:effectRef>
+            <a:fontRef idx="minor">
+              <a:schemeClr val="tx1"/>
+            </a:fontRef>
+          </p:style>
+        </p:cxnSp>
+        <p:sp>
+          <p:nvSpPr>
+            <p:cNvPr id="40" name="TextBox 39">
+              <a:extLst>
+                <a:ext uri="{FF2B5EF4-FFF2-40B4-BE49-F238E27FC236}">
+                  <a16:creationId xmlns:a16="http://schemas.microsoft.com/office/drawing/2014/main" id="{59710CE9-75A6-8E4F-BC0F-9128A72B5E28}"/>
+                </a:ext>
+              </a:extLst>
+            </p:cNvPr>
+            <p:cNvSpPr txBox="1"/>
+            <p:nvPr/>
+          </p:nvSpPr>
+          <p:spPr>
+            <a:xfrm>
+              <a:off x="1510959" y="1335504"/>
+              <a:ext cx="949569" cy="230832"/>
+            </a:xfrm>
+            <a:prstGeom prst="rect">
+              <a:avLst/>
+            </a:prstGeom>
+            <a:noFill/>
+          </p:spPr>
+          <p:txBody>
+            <a:bodyPr wrap="square" rtlCol="0">
+              <a:spAutoFit/>
+            </a:bodyPr>
+            <a:lstStyle/>
+            <a:p>
+              <a:pPr algn="ctr"/>
+              <a:r>
+                <a:rPr lang="en-US" sz="900" i="1" dirty="0">
+                  <a:solidFill>
+                    <a:srgbClr val="8FB132"/>
+                  </a:solidFill>
+                  <a:latin typeface="Helvetica Neue" panose="02000503000000020004" pitchFamily="2" charset="0"/>
+                  <a:ea typeface="Helvetica Neue" panose="02000503000000020004" pitchFamily="2" charset="0"/>
+                  <a:cs typeface="Helvetica Neue" panose="02000503000000020004" pitchFamily="2" charset="0"/>
+                </a:rPr>
+                <a:t>No effect</a:t>
+              </a:r>
+            </a:p>
+          </p:txBody>
+        </p:sp>
+        <p:sp>
+          <p:nvSpPr>
+            <p:cNvPr id="47" name="Rectangle 46">
+              <a:extLst>
+                <a:ext uri="{FF2B5EF4-FFF2-40B4-BE49-F238E27FC236}">
+                  <a16:creationId xmlns:a16="http://schemas.microsoft.com/office/drawing/2014/main" id="{B01074A1-2499-4948-9DBB-7D0A93A30FE8}"/>
+                </a:ext>
+              </a:extLst>
+            </p:cNvPr>
+            <p:cNvSpPr/>
+            <p:nvPr/>
+          </p:nvSpPr>
+          <p:spPr>
+            <a:xfrm>
+              <a:off x="5388331" y="1755789"/>
+              <a:ext cx="253217" cy="1057240"/>
+            </a:xfrm>
+            <a:prstGeom prst="rect">
+              <a:avLst/>
+            </a:prstGeom>
+            <a:noFill/>
+            <a:ln w="6350">
+              <a:solidFill>
+                <a:schemeClr val="tx1"/>
+              </a:solidFill>
+            </a:ln>
+          </p:spPr>
+          <p:style>
+            <a:lnRef idx="2">
+              <a:schemeClr val="accent1">
+                <a:shade val="50000"/>
+              </a:schemeClr>
+            </a:lnRef>
+            <a:fillRef idx="1">
+              <a:schemeClr val="accent1"/>
+            </a:fillRef>
+            <a:effectRef idx="0">
+              <a:schemeClr val="accent1"/>
+            </a:effectRef>
+            <a:fontRef idx="minor">
+              <a:schemeClr val="lt1"/>
+            </a:fontRef>
+          </p:style>
+          <p:txBody>
+            <a:bodyPr rtlCol="0" anchor="ctr"/>
+            <a:lstStyle/>
+            <a:p>
+              <a:pPr algn="ctr"/>
+              <a:endParaRPr lang="en-US"/>
+            </a:p>
+          </p:txBody>
+        </p:sp>
+        <p:cxnSp>
+          <p:nvCxnSpPr>
+            <p:cNvPr id="48" name="Straight Arrow Connector 47">
+              <a:extLst>
+                <a:ext uri="{FF2B5EF4-FFF2-40B4-BE49-F238E27FC236}">
+                  <a16:creationId xmlns:a16="http://schemas.microsoft.com/office/drawing/2014/main" id="{3673C9ED-1E77-ED4B-9332-C7996099B01B}"/>
+                </a:ext>
+              </a:extLst>
+            </p:cNvPr>
+            <p:cNvCxnSpPr>
+              <a:cxnSpLocks/>
+            </p:cNvCxnSpPr>
+            <p:nvPr/>
+          </p:nvCxnSpPr>
+          <p:spPr>
+            <a:xfrm>
+              <a:off x="5514940" y="1523669"/>
+              <a:ext cx="0" cy="227246"/>
+            </a:xfrm>
+            <a:prstGeom prst="straightConnector1">
+              <a:avLst/>
+            </a:prstGeom>
+            <a:ln>
+              <a:solidFill>
+                <a:schemeClr val="tx1"/>
+              </a:solidFill>
+              <a:tailEnd type="triangle"/>
+            </a:ln>
+          </p:spPr>
+          <p:style>
+            <a:lnRef idx="1">
+              <a:schemeClr val="accent1"/>
+            </a:lnRef>
+            <a:fillRef idx="0">
+              <a:schemeClr val="accent1"/>
+            </a:fillRef>
+            <a:effectRef idx="0">
+              <a:schemeClr val="accent1"/>
+            </a:effectRef>
+            <a:fontRef idx="minor">
+              <a:schemeClr val="tx1"/>
+            </a:fontRef>
+          </p:style>
+        </p:cxnSp>
+        <p:sp>
+          <p:nvSpPr>
+            <p:cNvPr id="49" name="TextBox 48">
+              <a:extLst>
+                <a:ext uri="{FF2B5EF4-FFF2-40B4-BE49-F238E27FC236}">
+                  <a16:creationId xmlns:a16="http://schemas.microsoft.com/office/drawing/2014/main" id="{2505A704-0B39-3948-B702-3DE6FB8A566F}"/>
+                </a:ext>
+              </a:extLst>
+            </p:cNvPr>
+            <p:cNvSpPr txBox="1"/>
+            <p:nvPr/>
+          </p:nvSpPr>
+          <p:spPr>
+            <a:xfrm>
+              <a:off x="4819867" y="1337694"/>
+              <a:ext cx="1367335" cy="230832"/>
+            </a:xfrm>
+            <a:prstGeom prst="rect">
+              <a:avLst/>
+            </a:prstGeom>
+            <a:noFill/>
+          </p:spPr>
+          <p:txBody>
+            <a:bodyPr wrap="square" rtlCol="0">
+              <a:spAutoFit/>
+            </a:bodyPr>
+            <a:lstStyle/>
+            <a:p>
+              <a:pPr algn="ctr"/>
+              <a:r>
+                <a:rPr lang="en-US" sz="900" i="1" dirty="0">
+                  <a:solidFill>
+                    <a:srgbClr val="8FB132"/>
+                  </a:solidFill>
+                  <a:latin typeface="Helvetica Neue" panose="02000503000000020004" pitchFamily="2" charset="0"/>
+                  <a:ea typeface="Helvetica Neue" panose="02000503000000020004" pitchFamily="2" charset="0"/>
+                  <a:cs typeface="Helvetica Neue" panose="02000503000000020004" pitchFamily="2" charset="0"/>
+                </a:rPr>
+                <a:t>Downward contagion</a:t>
+              </a:r>
+            </a:p>
+          </p:txBody>
+        </p:sp>
+        <p:sp>
+          <p:nvSpPr>
+            <p:cNvPr id="56" name="Rectangle 55">
+              <a:extLst>
+                <a:ext uri="{FF2B5EF4-FFF2-40B4-BE49-F238E27FC236}">
+                  <a16:creationId xmlns:a16="http://schemas.microsoft.com/office/drawing/2014/main" id="{946FFB0D-B0DB-7746-BE84-CA00A6AC6FC6}"/>
+                </a:ext>
+              </a:extLst>
+            </p:cNvPr>
+            <p:cNvSpPr/>
+            <p:nvPr/>
+          </p:nvSpPr>
+          <p:spPr>
+            <a:xfrm>
+              <a:off x="1870538" y="3779347"/>
+              <a:ext cx="253217" cy="1057240"/>
+            </a:xfrm>
+            <a:prstGeom prst="rect">
+              <a:avLst/>
+            </a:prstGeom>
+            <a:noFill/>
+            <a:ln w="6350">
+              <a:solidFill>
+                <a:schemeClr val="tx1"/>
+              </a:solidFill>
+            </a:ln>
+          </p:spPr>
+          <p:style>
+            <a:lnRef idx="2">
+              <a:schemeClr val="accent1">
+                <a:shade val="50000"/>
+              </a:schemeClr>
+            </a:lnRef>
+            <a:fillRef idx="1">
+              <a:schemeClr val="accent1"/>
+            </a:fillRef>
+            <a:effectRef idx="0">
+              <a:schemeClr val="accent1"/>
+            </a:effectRef>
+            <a:fontRef idx="minor">
+              <a:schemeClr val="lt1"/>
+            </a:fontRef>
+          </p:style>
+          <p:txBody>
+            <a:bodyPr rtlCol="0" anchor="ctr"/>
+            <a:lstStyle/>
+            <a:p>
+              <a:pPr algn="ctr"/>
+              <a:endParaRPr lang="en-US"/>
+            </a:p>
+          </p:txBody>
+        </p:sp>
+        <p:cxnSp>
+          <p:nvCxnSpPr>
+            <p:cNvPr id="57" name="Straight Arrow Connector 56">
+              <a:extLst>
+                <a:ext uri="{FF2B5EF4-FFF2-40B4-BE49-F238E27FC236}">
+                  <a16:creationId xmlns:a16="http://schemas.microsoft.com/office/drawing/2014/main" id="{D01545C1-233E-EA44-BA81-A519DB74EB76}"/>
+                </a:ext>
+              </a:extLst>
+            </p:cNvPr>
+            <p:cNvCxnSpPr>
+              <a:cxnSpLocks/>
+            </p:cNvCxnSpPr>
+            <p:nvPr/>
+          </p:nvCxnSpPr>
+          <p:spPr>
+            <a:xfrm>
+              <a:off x="1997147" y="3547227"/>
+              <a:ext cx="0" cy="227246"/>
+            </a:xfrm>
+            <a:prstGeom prst="straightConnector1">
+              <a:avLst/>
+            </a:prstGeom>
+            <a:ln>
+              <a:solidFill>
+                <a:schemeClr val="tx1"/>
+              </a:solidFill>
+              <a:tailEnd type="triangle"/>
+            </a:ln>
+          </p:spPr>
+          <p:style>
+            <a:lnRef idx="1">
+              <a:schemeClr val="accent1"/>
+            </a:lnRef>
+            <a:fillRef idx="0">
+              <a:schemeClr val="accent1"/>
+            </a:fillRef>
+            <a:effectRef idx="0">
+              <a:schemeClr val="accent1"/>
+            </a:effectRef>
+            <a:fontRef idx="minor">
+              <a:schemeClr val="tx1"/>
+            </a:fontRef>
+          </p:style>
+        </p:cxnSp>
+        <p:sp>
+          <p:nvSpPr>
+            <p:cNvPr id="58" name="TextBox 57">
+              <a:extLst>
+                <a:ext uri="{FF2B5EF4-FFF2-40B4-BE49-F238E27FC236}">
+                  <a16:creationId xmlns:a16="http://schemas.microsoft.com/office/drawing/2014/main" id="{01EAAFA9-AE9E-8246-A9FD-6D29F8274912}"/>
+                </a:ext>
+              </a:extLst>
+            </p:cNvPr>
+            <p:cNvSpPr txBox="1"/>
+            <p:nvPr/>
+          </p:nvSpPr>
+          <p:spPr>
+            <a:xfrm>
+              <a:off x="1302074" y="3361252"/>
+              <a:ext cx="1367335" cy="230832"/>
+            </a:xfrm>
+            <a:prstGeom prst="rect">
+              <a:avLst/>
+            </a:prstGeom>
+            <a:noFill/>
+          </p:spPr>
+          <p:txBody>
+            <a:bodyPr wrap="square" rtlCol="0">
+              <a:spAutoFit/>
+            </a:bodyPr>
+            <a:lstStyle/>
+            <a:p>
+              <a:pPr algn="ctr"/>
+              <a:r>
+                <a:rPr lang="en-US" sz="900" i="1" dirty="0">
+                  <a:solidFill>
+                    <a:srgbClr val="8FB132"/>
+                  </a:solidFill>
+                  <a:latin typeface="Helvetica Neue" panose="02000503000000020004" pitchFamily="2" charset="0"/>
+                  <a:ea typeface="Helvetica Neue" panose="02000503000000020004" pitchFamily="2" charset="0"/>
+                  <a:cs typeface="Helvetica Neue" panose="02000503000000020004" pitchFamily="2" charset="0"/>
+                </a:rPr>
+                <a:t>Upward contagion</a:t>
+              </a:r>
+            </a:p>
+          </p:txBody>
+        </p:sp>
+        <p:sp>
+          <p:nvSpPr>
+            <p:cNvPr id="60" name="Rectangle 59">
+              <a:extLst>
+                <a:ext uri="{FF2B5EF4-FFF2-40B4-BE49-F238E27FC236}">
+                  <a16:creationId xmlns:a16="http://schemas.microsoft.com/office/drawing/2014/main" id="{A32BC6D7-F7BC-9347-83A3-B3CCF91F5830}"/>
+                </a:ext>
+              </a:extLst>
+            </p:cNvPr>
+            <p:cNvSpPr/>
+            <p:nvPr/>
+          </p:nvSpPr>
+          <p:spPr>
+            <a:xfrm>
+              <a:off x="5404107" y="3819564"/>
+              <a:ext cx="253217" cy="1057240"/>
+            </a:xfrm>
+            <a:prstGeom prst="rect">
+              <a:avLst/>
+            </a:prstGeom>
+            <a:noFill/>
+            <a:ln w="6350">
+              <a:solidFill>
+                <a:schemeClr val="tx1"/>
+              </a:solidFill>
+            </a:ln>
+          </p:spPr>
+          <p:style>
+            <a:lnRef idx="2">
+              <a:schemeClr val="accent1">
+                <a:shade val="50000"/>
+              </a:schemeClr>
+            </a:lnRef>
+            <a:fillRef idx="1">
+              <a:schemeClr val="accent1"/>
+            </a:fillRef>
+            <a:effectRef idx="0">
+              <a:schemeClr val="accent1"/>
+            </a:effectRef>
+            <a:fontRef idx="minor">
+              <a:schemeClr val="lt1"/>
+            </a:fontRef>
+          </p:style>
+          <p:txBody>
+            <a:bodyPr rtlCol="0" anchor="ctr"/>
+            <a:lstStyle/>
+            <a:p>
+              <a:pPr algn="ctr"/>
+              <a:endParaRPr lang="en-US"/>
+            </a:p>
+          </p:txBody>
+        </p:sp>
+        <p:cxnSp>
+          <p:nvCxnSpPr>
+            <p:cNvPr id="61" name="Straight Arrow Connector 60">
+              <a:extLst>
+                <a:ext uri="{FF2B5EF4-FFF2-40B4-BE49-F238E27FC236}">
+                  <a16:creationId xmlns:a16="http://schemas.microsoft.com/office/drawing/2014/main" id="{9799F749-BB09-1044-AE8A-A5DAEEBC2F1E}"/>
+                </a:ext>
+              </a:extLst>
+            </p:cNvPr>
+            <p:cNvCxnSpPr>
+              <a:cxnSpLocks/>
+            </p:cNvCxnSpPr>
+            <p:nvPr/>
+          </p:nvCxnSpPr>
+          <p:spPr>
+            <a:xfrm>
+              <a:off x="5530716" y="3587444"/>
+              <a:ext cx="0" cy="227246"/>
+            </a:xfrm>
+            <a:prstGeom prst="straightConnector1">
+              <a:avLst/>
+            </a:prstGeom>
+            <a:ln>
+              <a:solidFill>
+                <a:schemeClr val="tx1"/>
+              </a:solidFill>
+              <a:tailEnd type="triangle"/>
+            </a:ln>
+          </p:spPr>
+          <p:style>
+            <a:lnRef idx="1">
+              <a:schemeClr val="accent1"/>
+            </a:lnRef>
+            <a:fillRef idx="0">
+              <a:schemeClr val="accent1"/>
+            </a:fillRef>
+            <a:effectRef idx="0">
+              <a:schemeClr val="accent1"/>
+            </a:effectRef>
+            <a:fontRef idx="minor">
+              <a:schemeClr val="tx1"/>
+            </a:fontRef>
+          </p:style>
+        </p:cxnSp>
+        <p:sp>
+          <p:nvSpPr>
+            <p:cNvPr id="62" name="TextBox 61">
+              <a:extLst>
+                <a:ext uri="{FF2B5EF4-FFF2-40B4-BE49-F238E27FC236}">
+                  <a16:creationId xmlns:a16="http://schemas.microsoft.com/office/drawing/2014/main" id="{D13988C2-B628-D948-9CFA-37C8D35D596B}"/>
+                </a:ext>
+              </a:extLst>
+            </p:cNvPr>
+            <p:cNvSpPr txBox="1"/>
+            <p:nvPr/>
+          </p:nvSpPr>
+          <p:spPr>
+            <a:xfrm>
+              <a:off x="4835643" y="3401469"/>
+              <a:ext cx="1367335" cy="230832"/>
+            </a:xfrm>
+            <a:prstGeom prst="rect">
+              <a:avLst/>
+            </a:prstGeom>
+            <a:noFill/>
+          </p:spPr>
+          <p:txBody>
+            <a:bodyPr wrap="square" rtlCol="0">
+              <a:spAutoFit/>
+            </a:bodyPr>
+            <a:lstStyle/>
+            <a:p>
+              <a:pPr algn="ctr"/>
+              <a:r>
+                <a:rPr lang="en-US" sz="900" i="1" dirty="0">
+                  <a:solidFill>
+                    <a:srgbClr val="8FB132"/>
+                  </a:solidFill>
+                  <a:latin typeface="Helvetica Neue" panose="02000503000000020004" pitchFamily="2" charset="0"/>
+                  <a:ea typeface="Helvetica Neue" panose="02000503000000020004" pitchFamily="2" charset="0"/>
+                  <a:cs typeface="Helvetica Neue" panose="02000503000000020004" pitchFamily="2" charset="0"/>
+                </a:rPr>
+                <a:t>Amplification</a:t>
+              </a:r>
+            </a:p>
+          </p:txBody>
+        </p:sp>
+      </p:grpSp>
+    </p:spTree>
+    <p:extLst>
+      <p:ext uri="{BB962C8B-B14F-4D97-AF65-F5344CB8AC3E}">
+        <p14:creationId xmlns:p14="http://schemas.microsoft.com/office/powerpoint/2010/main" val="580486317"/>
+      </p:ext>
+    </p:extLst>
+  </p:cSld>
+  <p:clrMapOvr>
+    <a:masterClrMapping/>
+  </p:clrMapOvr>
+</p:sld>
+</file>
+
+<file path=ppt/slides/slide21.xml><?xml version="1.0" encoding="utf-8"?>
+<p:sld xmlns:a="http://schemas.openxmlformats.org/drawingml/2006/main" xmlns:r="http://schemas.openxmlformats.org/officeDocument/2006/relationships" xmlns:p="http://schemas.openxmlformats.org/presentationml/2006/main" show="0">
+  <p:cSld>
+    <p:spTree>
+      <p:nvGrpSpPr>
+        <p:cNvPr id="1" name=""/>
+        <p:cNvGrpSpPr/>
+        <p:nvPr/>
+      </p:nvGrpSpPr>
+      <p:grpSpPr>
+        <a:xfrm>
+          <a:off x="0" y="0"/>
+          <a:ext cx="0" cy="0"/>
+          <a:chOff x="0" y="0"/>
+          <a:chExt cx="0" cy="0"/>
+        </a:xfrm>
+      </p:grpSpPr>
       <p:pic>
         <p:nvPicPr>
           <p:cNvPr id="3" name="Picture 2">
@@ -19315,7 +19599,7 @@
 </p:sld>
 </file>
 
-<file path=ppt/slides/slide21.xml><?xml version="1.0" encoding="utf-8"?>
+<file path=ppt/slides/slide22.xml><?xml version="1.0" encoding="utf-8"?>
 <p:sld xmlns:a="http://schemas.openxmlformats.org/drawingml/2006/main" xmlns:r="http://schemas.openxmlformats.org/officeDocument/2006/relationships" xmlns:p="http://schemas.openxmlformats.org/presentationml/2006/main" show="0">
   <p:cSld>
     <p:spTree>
@@ -20417,7 +20701,7 @@
 </p:sld>
 </file>
 
-<file path=ppt/slides/slide22.xml><?xml version="1.0" encoding="utf-8"?>
+<file path=ppt/slides/slide23.xml><?xml version="1.0" encoding="utf-8"?>
 <p:sld xmlns:a="http://schemas.openxmlformats.org/drawingml/2006/main" xmlns:r="http://schemas.openxmlformats.org/officeDocument/2006/relationships" xmlns:p="http://schemas.openxmlformats.org/presentationml/2006/main" show="0">
   <p:cSld>
     <p:spTree>
@@ -22005,7 +22289,7 @@
 </p:sld>
 </file>
 
-<file path=ppt/slides/slide23.xml><?xml version="1.0" encoding="utf-8"?>
+<file path=ppt/slides/slide24.xml><?xml version="1.0" encoding="utf-8"?>
 <p:sld xmlns:a="http://schemas.openxmlformats.org/drawingml/2006/main" xmlns:r="http://schemas.openxmlformats.org/officeDocument/2006/relationships" xmlns:p="http://schemas.openxmlformats.org/presentationml/2006/main">
   <p:cSld>
     <p:spTree>
@@ -23423,7 +23707,7 @@
 </p:sld>
 </file>
 
-<file path=ppt/slides/slide24.xml><?xml version="1.0" encoding="utf-8"?>
+<file path=ppt/slides/slide25.xml><?xml version="1.0" encoding="utf-8"?>
 <p:sld xmlns:a="http://schemas.openxmlformats.org/drawingml/2006/main" xmlns:r="http://schemas.openxmlformats.org/officeDocument/2006/relationships" xmlns:p="http://schemas.openxmlformats.org/presentationml/2006/main">
   <p:cSld>
     <p:spTree>
@@ -23593,7 +23877,7 @@
 </p:sld>
 </file>
 
-<file path=ppt/slides/slide25.xml><?xml version="1.0" encoding="utf-8"?>
+<file path=ppt/slides/slide26.xml><?xml version="1.0" encoding="utf-8"?>
 <p:sld xmlns:a="http://schemas.openxmlformats.org/drawingml/2006/main" xmlns:r="http://schemas.openxmlformats.org/officeDocument/2006/relationships" xmlns:p="http://schemas.openxmlformats.org/presentationml/2006/main">
   <p:cSld>
     <p:spTree>

--- a/slides/figures_191206.pptx
+++ b/slides/figures_191206.pptx
@@ -6,39 +6,45 @@
     <p:sldMasterId id="2147483696" r:id="rId2"/>
   </p:sldMasterIdLst>
   <p:notesMasterIdLst>
-    <p:notesMasterId r:id="rId33"/>
+    <p:notesMasterId r:id="rId39"/>
   </p:notesMasterIdLst>
   <p:sldIdLst>
     <p:sldId id="256" r:id="rId3"/>
     <p:sldId id="282" r:id="rId4"/>
-    <p:sldId id="280" r:id="rId5"/>
-    <p:sldId id="257" r:id="rId6"/>
-    <p:sldId id="261" r:id="rId7"/>
-    <p:sldId id="262" r:id="rId8"/>
-    <p:sldId id="263" r:id="rId9"/>
-    <p:sldId id="268" r:id="rId10"/>
-    <p:sldId id="258" r:id="rId11"/>
-    <p:sldId id="264" r:id="rId12"/>
-    <p:sldId id="273" r:id="rId13"/>
-    <p:sldId id="276" r:id="rId14"/>
-    <p:sldId id="279" r:id="rId15"/>
-    <p:sldId id="284" r:id="rId16"/>
-    <p:sldId id="259" r:id="rId17"/>
-    <p:sldId id="281" r:id="rId18"/>
-    <p:sldId id="260" r:id="rId19"/>
-    <p:sldId id="269" r:id="rId20"/>
-    <p:sldId id="271" r:id="rId21"/>
-    <p:sldId id="270" r:id="rId22"/>
-    <p:sldId id="272" r:id="rId23"/>
-    <p:sldId id="283" r:id="rId24"/>
-    <p:sldId id="265" r:id="rId25"/>
-    <p:sldId id="274" r:id="rId26"/>
-    <p:sldId id="275" r:id="rId27"/>
-    <p:sldId id="277" r:id="rId28"/>
-    <p:sldId id="278" r:id="rId29"/>
-    <p:sldId id="285" r:id="rId30"/>
-    <p:sldId id="266" r:id="rId31"/>
-    <p:sldId id="267" r:id="rId32"/>
+    <p:sldId id="291" r:id="rId5"/>
+    <p:sldId id="290" r:id="rId6"/>
+    <p:sldId id="280" r:id="rId7"/>
+    <p:sldId id="257" r:id="rId8"/>
+    <p:sldId id="261" r:id="rId9"/>
+    <p:sldId id="262" r:id="rId10"/>
+    <p:sldId id="263" r:id="rId11"/>
+    <p:sldId id="268" r:id="rId12"/>
+    <p:sldId id="258" r:id="rId13"/>
+    <p:sldId id="264" r:id="rId14"/>
+    <p:sldId id="273" r:id="rId15"/>
+    <p:sldId id="276" r:id="rId16"/>
+    <p:sldId id="279" r:id="rId17"/>
+    <p:sldId id="284" r:id="rId18"/>
+    <p:sldId id="287" r:id="rId19"/>
+    <p:sldId id="259" r:id="rId20"/>
+    <p:sldId id="281" r:id="rId21"/>
+    <p:sldId id="286" r:id="rId22"/>
+    <p:sldId id="260" r:id="rId23"/>
+    <p:sldId id="269" r:id="rId24"/>
+    <p:sldId id="271" r:id="rId25"/>
+    <p:sldId id="288" r:id="rId26"/>
+    <p:sldId id="270" r:id="rId27"/>
+    <p:sldId id="272" r:id="rId28"/>
+    <p:sldId id="283" r:id="rId29"/>
+    <p:sldId id="289" r:id="rId30"/>
+    <p:sldId id="265" r:id="rId31"/>
+    <p:sldId id="274" r:id="rId32"/>
+    <p:sldId id="275" r:id="rId33"/>
+    <p:sldId id="277" r:id="rId34"/>
+    <p:sldId id="278" r:id="rId35"/>
+    <p:sldId id="285" r:id="rId36"/>
+    <p:sldId id="266" r:id="rId37"/>
+    <p:sldId id="267" r:id="rId38"/>
   </p:sldIdLst>
   <p:sldSz cx="7918450" cy="6483350"/>
   <p:notesSz cx="6858000" cy="9144000"/>
@@ -227,7 +233,7 @@
           <a:p>
             <a:fld id="{5E7D9203-8D15-1F45-AFEF-29CE894B8122}" type="datetimeFigureOut">
               <a:rPr lang="en-US" smtClean="0"/>
-              <a:t>3/1/20</a:t>
+              <a:t>5/25/20</a:t>
             </a:fld>
             <a:endParaRPr lang="en-US"/>
           </a:p>
@@ -637,7 +643,7 @@
           <a:p>
             <a:r>
               <a:rPr lang="en-US" dirty="0"/>
-              <a:t>1/22/20 Fig. 4, updated with new panels – tentative v2 with mu = 7.5</a:t>
+              <a:t>12/06/19 Fig. 5</a:t>
             </a:r>
           </a:p>
         </p:txBody>
@@ -668,7 +674,7 @@
     </p:spTree>
     <p:extLst>
       <p:ext uri="{BB962C8B-B14F-4D97-AF65-F5344CB8AC3E}">
-        <p14:creationId xmlns:p14="http://schemas.microsoft.com/office/powerpoint/2010/main" val="3526039215"/>
+        <p14:creationId xmlns:p14="http://schemas.microsoft.com/office/powerpoint/2010/main" val="1495634260"/>
       </p:ext>
     </p:extLst>
   </p:cSld>
@@ -729,7 +735,7 @@
           <a:p>
             <a:r>
               <a:rPr lang="en-US" dirty="0"/>
-              <a:t>2/2/20 Fig. 4, updated with new colors</a:t>
+              <a:t>1/22/20 Fig. 4, updated with new panels</a:t>
             </a:r>
           </a:p>
         </p:txBody>
@@ -760,7 +766,7 @@
     </p:spTree>
     <p:extLst>
       <p:ext uri="{BB962C8B-B14F-4D97-AF65-F5344CB8AC3E}">
-        <p14:creationId xmlns:p14="http://schemas.microsoft.com/office/powerpoint/2010/main" val="2281819512"/>
+        <p14:creationId xmlns:p14="http://schemas.microsoft.com/office/powerpoint/2010/main" val="1402908968"/>
       </p:ext>
     </p:extLst>
   </p:cSld>
@@ -821,7 +827,7 @@
           <a:p>
             <a:r>
               <a:rPr lang="en-US" dirty="0"/>
-              <a:t>2/2/20 Fig. 4, updated with new colors</a:t>
+              <a:t>1/22/20 Fig. 4, updated with new panels – tentative v2 with mu = 7.5</a:t>
             </a:r>
           </a:p>
         </p:txBody>
@@ -852,7 +858,7 @@
     </p:spTree>
     <p:extLst>
       <p:ext uri="{BB962C8B-B14F-4D97-AF65-F5344CB8AC3E}">
-        <p14:creationId xmlns:p14="http://schemas.microsoft.com/office/powerpoint/2010/main" val="1767933743"/>
+        <p14:creationId xmlns:p14="http://schemas.microsoft.com/office/powerpoint/2010/main" val="3526039215"/>
       </p:ext>
     </p:extLst>
   </p:cSld>
@@ -913,7 +919,7 @@
           <a:p>
             <a:r>
               <a:rPr lang="en-US" dirty="0"/>
-              <a:t>3/1/20 Fig. 4, updated axis labels</a:t>
+              <a:t>2/2/20 Fig. 4, updated with new colors</a:t>
             </a:r>
           </a:p>
         </p:txBody>
@@ -944,7 +950,7 @@
     </p:spTree>
     <p:extLst>
       <p:ext uri="{BB962C8B-B14F-4D97-AF65-F5344CB8AC3E}">
-        <p14:creationId xmlns:p14="http://schemas.microsoft.com/office/powerpoint/2010/main" val="3943567789"/>
+        <p14:creationId xmlns:p14="http://schemas.microsoft.com/office/powerpoint/2010/main" val="2281819512"/>
       </p:ext>
     </p:extLst>
   </p:cSld>
@@ -1005,7 +1011,7 @@
           <a:p>
             <a:r>
               <a:rPr lang="en-US" dirty="0"/>
-              <a:t>12/06/19 Fig. S2</a:t>
+              <a:t>2/2/20 Fig. 4, updated with new colors</a:t>
             </a:r>
           </a:p>
         </p:txBody>
@@ -1036,7 +1042,7 @@
     </p:spTree>
     <p:extLst>
       <p:ext uri="{BB962C8B-B14F-4D97-AF65-F5344CB8AC3E}">
-        <p14:creationId xmlns:p14="http://schemas.microsoft.com/office/powerpoint/2010/main" val="282547630"/>
+        <p14:creationId xmlns:p14="http://schemas.microsoft.com/office/powerpoint/2010/main" val="1767933743"/>
       </p:ext>
     </p:extLst>
   </p:cSld>
@@ -1097,7 +1103,7 @@
           <a:p>
             <a:r>
               <a:rPr lang="en-US" dirty="0"/>
-              <a:t>2/14/20 Fig. S2</a:t>
+              <a:t>3/1/20 Fig. 4, updated axis labels</a:t>
             </a:r>
           </a:p>
         </p:txBody>
@@ -1128,7 +1134,7 @@
     </p:spTree>
     <p:extLst>
       <p:ext uri="{BB962C8B-B14F-4D97-AF65-F5344CB8AC3E}">
-        <p14:creationId xmlns:p14="http://schemas.microsoft.com/office/powerpoint/2010/main" val="4108603185"/>
+        <p14:creationId xmlns:p14="http://schemas.microsoft.com/office/powerpoint/2010/main" val="3943567789"/>
       </p:ext>
     </p:extLst>
   </p:cSld>
@@ -1189,7 +1195,7 @@
           <a:p>
             <a:r>
               <a:rPr lang="en-US" dirty="0"/>
-              <a:t>12/06/19 Fig. S4</a:t>
+              <a:t>5/24/20 Fig. 3, updated panels a and b (including location of X1) + panel order</a:t>
             </a:r>
           </a:p>
         </p:txBody>
@@ -1220,7 +1226,7 @@
     </p:spTree>
     <p:extLst>
       <p:ext uri="{BB962C8B-B14F-4D97-AF65-F5344CB8AC3E}">
-        <p14:creationId xmlns:p14="http://schemas.microsoft.com/office/powerpoint/2010/main" val="561168434"/>
+        <p14:creationId xmlns:p14="http://schemas.microsoft.com/office/powerpoint/2010/main" val="4005673773"/>
       </p:ext>
     </p:extLst>
   </p:cSld>
@@ -1281,7 +1287,7 @@
           <a:p>
             <a:r>
               <a:rPr lang="en-US" dirty="0"/>
-              <a:t>1/23/20 Fig. S4</a:t>
+              <a:t>12/06/19 Fig. S2</a:t>
             </a:r>
           </a:p>
         </p:txBody>
@@ -1312,7 +1318,7 @@
     </p:spTree>
     <p:extLst>
       <p:ext uri="{BB962C8B-B14F-4D97-AF65-F5344CB8AC3E}">
-        <p14:creationId xmlns:p14="http://schemas.microsoft.com/office/powerpoint/2010/main" val="733968849"/>
+        <p14:creationId xmlns:p14="http://schemas.microsoft.com/office/powerpoint/2010/main" val="282547630"/>
       </p:ext>
     </p:extLst>
   </p:cSld>
@@ -1373,7 +1379,7 @@
           <a:p>
             <a:r>
               <a:rPr lang="en-US" dirty="0"/>
-              <a:t>2/8/20 Fig. S4 – tentative v2 with mu = 7.5</a:t>
+              <a:t>2/14/20 Fig. S2</a:t>
             </a:r>
           </a:p>
         </p:txBody>
@@ -1404,7 +1410,7 @@
     </p:spTree>
     <p:extLst>
       <p:ext uri="{BB962C8B-B14F-4D97-AF65-F5344CB8AC3E}">
-        <p14:creationId xmlns:p14="http://schemas.microsoft.com/office/powerpoint/2010/main" val="3198164349"/>
+        <p14:creationId xmlns:p14="http://schemas.microsoft.com/office/powerpoint/2010/main" val="4108603185"/>
       </p:ext>
     </p:extLst>
   </p:cSld>
@@ -1465,7 +1471,7 @@
           <a:p>
             <a:r>
               <a:rPr lang="en-US" dirty="0"/>
-              <a:t>1/23/20 Fig. S5</a:t>
+              <a:t>5/24/20 Fig. S1</a:t>
             </a:r>
           </a:p>
         </p:txBody>
@@ -1496,7 +1502,7 @@
     </p:spTree>
     <p:extLst>
       <p:ext uri="{BB962C8B-B14F-4D97-AF65-F5344CB8AC3E}">
-        <p14:creationId xmlns:p14="http://schemas.microsoft.com/office/powerpoint/2010/main" val="753180207"/>
+        <p14:creationId xmlns:p14="http://schemas.microsoft.com/office/powerpoint/2010/main" val="1648279355"/>
       </p:ext>
     </p:extLst>
   </p:cSld>
@@ -1649,7 +1655,7 @@
           <a:p>
             <a:r>
               <a:rPr lang="en-US" dirty="0"/>
-              <a:t>1/23/20 Fig. S5 – tentative v2 with mu = 7.5</a:t>
+              <a:t>12/06/19 Fig. S4</a:t>
             </a:r>
           </a:p>
         </p:txBody>
@@ -1680,7 +1686,7 @@
     </p:spTree>
     <p:extLst>
       <p:ext uri="{BB962C8B-B14F-4D97-AF65-F5344CB8AC3E}">
-        <p14:creationId xmlns:p14="http://schemas.microsoft.com/office/powerpoint/2010/main" val="3971011124"/>
+        <p14:creationId xmlns:p14="http://schemas.microsoft.com/office/powerpoint/2010/main" val="561168434"/>
       </p:ext>
     </p:extLst>
   </p:cSld>
@@ -1741,7 +1747,7 @@
           <a:p>
             <a:r>
               <a:rPr lang="en-US" dirty="0"/>
-              <a:t>2/26/20 Fig. S5 – v3 without type-specific lines in the mixed colonies</a:t>
+              <a:t>1/23/20 Fig. S4</a:t>
             </a:r>
           </a:p>
         </p:txBody>
@@ -1772,7 +1778,7 @@
     </p:spTree>
     <p:extLst>
       <p:ext uri="{BB962C8B-B14F-4D97-AF65-F5344CB8AC3E}">
-        <p14:creationId xmlns:p14="http://schemas.microsoft.com/office/powerpoint/2010/main" val="2139991065"/>
+        <p14:creationId xmlns:p14="http://schemas.microsoft.com/office/powerpoint/2010/main" val="733968849"/>
       </p:ext>
     </p:extLst>
   </p:cSld>
@@ -1833,7 +1839,7 @@
           <a:p>
             <a:r>
               <a:rPr lang="en-US" dirty="0"/>
-              <a:t>12/06/19 Fig. 5</a:t>
+              <a:t>2/8/20 Fig. S4 – tentative v2 with mu = 7.5</a:t>
             </a:r>
           </a:p>
         </p:txBody>
@@ -1864,7 +1870,7 @@
     </p:spTree>
     <p:extLst>
       <p:ext uri="{BB962C8B-B14F-4D97-AF65-F5344CB8AC3E}">
-        <p14:creationId xmlns:p14="http://schemas.microsoft.com/office/powerpoint/2010/main" val="4193511516"/>
+        <p14:creationId xmlns:p14="http://schemas.microsoft.com/office/powerpoint/2010/main" val="3198164349"/>
       </p:ext>
     </p:extLst>
   </p:cSld>
@@ -1925,7 +1931,7 @@
           <a:p>
             <a:r>
               <a:rPr lang="en-US" dirty="0"/>
-              <a:t>01/27/20 Fig. 5 – updated with new params, soon to add a new panel for complex mixes</a:t>
+              <a:t>5/24/20 – Updated Fig. S5 with new panels a and b</a:t>
             </a:r>
           </a:p>
         </p:txBody>
@@ -1956,7 +1962,7 @@
     </p:spTree>
     <p:extLst>
       <p:ext uri="{BB962C8B-B14F-4D97-AF65-F5344CB8AC3E}">
-        <p14:creationId xmlns:p14="http://schemas.microsoft.com/office/powerpoint/2010/main" val="2091408940"/>
+        <p14:creationId xmlns:p14="http://schemas.microsoft.com/office/powerpoint/2010/main" val="4220108612"/>
       </p:ext>
     </p:extLst>
   </p:cSld>
@@ -2017,7 +2023,7 @@
           <a:p>
             <a:r>
               <a:rPr lang="en-US" dirty="0"/>
-              <a:t>01/27/20 Fig. 5 – updated with new params, soon to add a new panel for complex mixes</a:t>
+              <a:t>1/23/20 Fig. S5</a:t>
             </a:r>
           </a:p>
         </p:txBody>
@@ -2048,7 +2054,7 @@
     </p:spTree>
     <p:extLst>
       <p:ext uri="{BB962C8B-B14F-4D97-AF65-F5344CB8AC3E}">
-        <p14:creationId xmlns:p14="http://schemas.microsoft.com/office/powerpoint/2010/main" val="1405225748"/>
+        <p14:creationId xmlns:p14="http://schemas.microsoft.com/office/powerpoint/2010/main" val="753180207"/>
       </p:ext>
     </p:extLst>
   </p:cSld>
@@ -2109,7 +2115,7 @@
           <a:p>
             <a:r>
               <a:rPr lang="en-US" dirty="0"/>
-              <a:t>2/3/20 Fig. 5 – updated with new params, soon to add a new panel for complex mixes</a:t>
+              <a:t>1/23/20 Fig. S5 – tentative v2 with mu = 7.5</a:t>
             </a:r>
           </a:p>
         </p:txBody>
@@ -2140,7 +2146,7 @@
     </p:spTree>
     <p:extLst>
       <p:ext uri="{BB962C8B-B14F-4D97-AF65-F5344CB8AC3E}">
-        <p14:creationId xmlns:p14="http://schemas.microsoft.com/office/powerpoint/2010/main" val="27841797"/>
+        <p14:creationId xmlns:p14="http://schemas.microsoft.com/office/powerpoint/2010/main" val="3971011124"/>
       </p:ext>
     </p:extLst>
   </p:cSld>
@@ -2201,7 +2207,7 @@
           <a:p>
             <a:r>
               <a:rPr lang="en-US" dirty="0"/>
-              <a:t>2/3/20 Fig. 5 – updated with new params, soon to add a new panel for complex mixes</a:t>
+              <a:t>2/26/20 Fig. S5 – v3 without type-specific lines in the mixed colonies</a:t>
             </a:r>
           </a:p>
         </p:txBody>
@@ -2232,7 +2238,7 @@
     </p:spTree>
     <p:extLst>
       <p:ext uri="{BB962C8B-B14F-4D97-AF65-F5344CB8AC3E}">
-        <p14:creationId xmlns:p14="http://schemas.microsoft.com/office/powerpoint/2010/main" val="111411370"/>
+        <p14:creationId xmlns:p14="http://schemas.microsoft.com/office/powerpoint/2010/main" val="2139991065"/>
       </p:ext>
     </p:extLst>
   </p:cSld>
@@ -2293,7 +2299,7 @@
           <a:p>
             <a:r>
               <a:rPr lang="en-US" dirty="0"/>
-              <a:t>3/1/20 Fig. 5 – updated with larger labels</a:t>
+              <a:t>5/24/20 – Fig. S4 with updated panels a and b</a:t>
             </a:r>
           </a:p>
         </p:txBody>
@@ -2324,7 +2330,7 @@
     </p:spTree>
     <p:extLst>
       <p:ext uri="{BB962C8B-B14F-4D97-AF65-F5344CB8AC3E}">
-        <p14:creationId xmlns:p14="http://schemas.microsoft.com/office/powerpoint/2010/main" val="591565731"/>
+        <p14:creationId xmlns:p14="http://schemas.microsoft.com/office/powerpoint/2010/main" val="987319812"/>
       </p:ext>
     </p:extLst>
   </p:cSld>
@@ -2383,7 +2389,10 @@
           <a:bodyPr/>
           <a:lstStyle/>
           <a:p>
-            <a:endParaRPr lang="en-US" dirty="0"/>
+            <a:r>
+              <a:rPr lang="en-US" dirty="0"/>
+              <a:t>12/06/19 Fig. 5</a:t>
+            </a:r>
           </a:p>
         </p:txBody>
       </p:sp>
@@ -2413,7 +2422,7 @@
     </p:spTree>
     <p:extLst>
       <p:ext uri="{BB962C8B-B14F-4D97-AF65-F5344CB8AC3E}">
-        <p14:creationId xmlns:p14="http://schemas.microsoft.com/office/powerpoint/2010/main" val="4283938702"/>
+        <p14:creationId xmlns:p14="http://schemas.microsoft.com/office/powerpoint/2010/main" val="4193511516"/>
       </p:ext>
     </p:extLst>
   </p:cSld>
@@ -2472,7 +2481,10 @@
           <a:bodyPr/>
           <a:lstStyle/>
           <a:p>
-            <a:endParaRPr lang="en-US" dirty="0"/>
+            <a:r>
+              <a:rPr lang="en-US" dirty="0"/>
+              <a:t>01/27/20 Fig. 5 – updated with new params, soon to add a new panel for complex mixes</a:t>
+            </a:r>
           </a:p>
         </p:txBody>
       </p:sp>
@@ -2502,7 +2514,7 @@
     </p:spTree>
     <p:extLst>
       <p:ext uri="{BB962C8B-B14F-4D97-AF65-F5344CB8AC3E}">
-        <p14:creationId xmlns:p14="http://schemas.microsoft.com/office/powerpoint/2010/main" val="1036323336"/>
+        <p14:creationId xmlns:p14="http://schemas.microsoft.com/office/powerpoint/2010/main" val="2091408940"/>
       </p:ext>
     </p:extLst>
   </p:cSld>
@@ -2563,7 +2575,7 @@
           <a:p>
             <a:r>
               <a:rPr lang="en-US" dirty="0"/>
-              <a:t>12/06/19 Fig. 4</a:t>
+              <a:t>05/24/20 Fig. 1</a:t>
             </a:r>
           </a:p>
         </p:txBody>
@@ -2585,7 +2597,7 @@
           <a:p>
             <a:fld id="{A697AF77-229E-5D4A-87D0-A949D969F47C}" type="slidenum">
               <a:rPr lang="en-US" smtClean="0"/>
-              <a:t>4</a:t>
+              <a:t>3</a:t>
             </a:fld>
             <a:endParaRPr lang="en-US"/>
           </a:p>
@@ -2594,7 +2606,553 @@
     </p:spTree>
     <p:extLst>
       <p:ext uri="{BB962C8B-B14F-4D97-AF65-F5344CB8AC3E}">
-        <p14:creationId xmlns:p14="http://schemas.microsoft.com/office/powerpoint/2010/main" val="4221191403"/>
+        <p14:creationId xmlns:p14="http://schemas.microsoft.com/office/powerpoint/2010/main" val="621557292"/>
+      </p:ext>
+    </p:extLst>
+  </p:cSld>
+  <p:clrMapOvr>
+    <a:masterClrMapping/>
+  </p:clrMapOvr>
+</p:notes>
+</file>
+
+<file path=ppt/notesSlides/notesSlide30.xml><?xml version="1.0" encoding="utf-8"?>
+<p:notes xmlns:a="http://schemas.openxmlformats.org/drawingml/2006/main" xmlns:r="http://schemas.openxmlformats.org/officeDocument/2006/relationships" xmlns:p="http://schemas.openxmlformats.org/presentationml/2006/main">
+  <p:cSld>
+    <p:spTree>
+      <p:nvGrpSpPr>
+        <p:cNvPr id="1" name=""/>
+        <p:cNvGrpSpPr/>
+        <p:nvPr/>
+      </p:nvGrpSpPr>
+      <p:grpSpPr>
+        <a:xfrm>
+          <a:off x="0" y="0"/>
+          <a:ext cx="0" cy="0"/>
+          <a:chOff x="0" y="0"/>
+          <a:chExt cx="0" cy="0"/>
+        </a:xfrm>
+      </p:grpSpPr>
+      <p:sp>
+        <p:nvSpPr>
+          <p:cNvPr id="2" name="Slide Image Placeholder 1"/>
+          <p:cNvSpPr>
+            <a:spLocks noGrp="1" noRot="1" noChangeAspect="1"/>
+          </p:cNvSpPr>
+          <p:nvPr>
+            <p:ph type="sldImg"/>
+          </p:nvPr>
+        </p:nvSpPr>
+        <p:spPr>
+          <a:xfrm>
+            <a:off x="1544638" y="1143000"/>
+            <a:ext cx="3768725" cy="3086100"/>
+          </a:xfrm>
+        </p:spPr>
+      </p:sp>
+      <p:sp>
+        <p:nvSpPr>
+          <p:cNvPr id="3" name="Notes Placeholder 2"/>
+          <p:cNvSpPr>
+            <a:spLocks noGrp="1"/>
+          </p:cNvSpPr>
+          <p:nvPr>
+            <p:ph type="body" idx="1"/>
+          </p:nvPr>
+        </p:nvSpPr>
+        <p:spPr/>
+        <p:txBody>
+          <a:bodyPr/>
+          <a:lstStyle/>
+          <a:p>
+            <a:r>
+              <a:rPr lang="en-US" dirty="0"/>
+              <a:t>01/27/20 Fig. 5 – updated with new params, soon to add a new panel for complex mixes</a:t>
+            </a:r>
+          </a:p>
+        </p:txBody>
+      </p:sp>
+      <p:sp>
+        <p:nvSpPr>
+          <p:cNvPr id="4" name="Slide Number Placeholder 3"/>
+          <p:cNvSpPr>
+            <a:spLocks noGrp="1"/>
+          </p:cNvSpPr>
+          <p:nvPr>
+            <p:ph type="sldNum" sz="quarter" idx="5"/>
+          </p:nvPr>
+        </p:nvSpPr>
+        <p:spPr/>
+        <p:txBody>
+          <a:bodyPr/>
+          <a:lstStyle/>
+          <a:p>
+            <a:fld id="{A697AF77-229E-5D4A-87D0-A949D969F47C}" type="slidenum">
+              <a:rPr lang="en-US" smtClean="0"/>
+              <a:t>31</a:t>
+            </a:fld>
+            <a:endParaRPr lang="en-US"/>
+          </a:p>
+        </p:txBody>
+      </p:sp>
+    </p:spTree>
+    <p:extLst>
+      <p:ext uri="{BB962C8B-B14F-4D97-AF65-F5344CB8AC3E}">
+        <p14:creationId xmlns:p14="http://schemas.microsoft.com/office/powerpoint/2010/main" val="1405225748"/>
+      </p:ext>
+    </p:extLst>
+  </p:cSld>
+  <p:clrMapOvr>
+    <a:masterClrMapping/>
+  </p:clrMapOvr>
+</p:notes>
+</file>
+
+<file path=ppt/notesSlides/notesSlide31.xml><?xml version="1.0" encoding="utf-8"?>
+<p:notes xmlns:a="http://schemas.openxmlformats.org/drawingml/2006/main" xmlns:r="http://schemas.openxmlformats.org/officeDocument/2006/relationships" xmlns:p="http://schemas.openxmlformats.org/presentationml/2006/main">
+  <p:cSld>
+    <p:spTree>
+      <p:nvGrpSpPr>
+        <p:cNvPr id="1" name=""/>
+        <p:cNvGrpSpPr/>
+        <p:nvPr/>
+      </p:nvGrpSpPr>
+      <p:grpSpPr>
+        <a:xfrm>
+          <a:off x="0" y="0"/>
+          <a:ext cx="0" cy="0"/>
+          <a:chOff x="0" y="0"/>
+          <a:chExt cx="0" cy="0"/>
+        </a:xfrm>
+      </p:grpSpPr>
+      <p:sp>
+        <p:nvSpPr>
+          <p:cNvPr id="2" name="Slide Image Placeholder 1"/>
+          <p:cNvSpPr>
+            <a:spLocks noGrp="1" noRot="1" noChangeAspect="1"/>
+          </p:cNvSpPr>
+          <p:nvPr>
+            <p:ph type="sldImg"/>
+          </p:nvPr>
+        </p:nvSpPr>
+        <p:spPr>
+          <a:xfrm>
+            <a:off x="1544638" y="1143000"/>
+            <a:ext cx="3768725" cy="3086100"/>
+          </a:xfrm>
+        </p:spPr>
+      </p:sp>
+      <p:sp>
+        <p:nvSpPr>
+          <p:cNvPr id="3" name="Notes Placeholder 2"/>
+          <p:cNvSpPr>
+            <a:spLocks noGrp="1"/>
+          </p:cNvSpPr>
+          <p:nvPr>
+            <p:ph type="body" idx="1"/>
+          </p:nvPr>
+        </p:nvSpPr>
+        <p:spPr/>
+        <p:txBody>
+          <a:bodyPr/>
+          <a:lstStyle/>
+          <a:p>
+            <a:r>
+              <a:rPr lang="en-US" dirty="0"/>
+              <a:t>2/3/20 Fig. 5 – updated with new params, soon to add a new panel for complex mixes</a:t>
+            </a:r>
+          </a:p>
+        </p:txBody>
+      </p:sp>
+      <p:sp>
+        <p:nvSpPr>
+          <p:cNvPr id="4" name="Slide Number Placeholder 3"/>
+          <p:cNvSpPr>
+            <a:spLocks noGrp="1"/>
+          </p:cNvSpPr>
+          <p:nvPr>
+            <p:ph type="sldNum" sz="quarter" idx="5"/>
+          </p:nvPr>
+        </p:nvSpPr>
+        <p:spPr/>
+        <p:txBody>
+          <a:bodyPr/>
+          <a:lstStyle/>
+          <a:p>
+            <a:fld id="{A697AF77-229E-5D4A-87D0-A949D969F47C}" type="slidenum">
+              <a:rPr lang="en-US" smtClean="0"/>
+              <a:t>32</a:t>
+            </a:fld>
+            <a:endParaRPr lang="en-US"/>
+          </a:p>
+        </p:txBody>
+      </p:sp>
+    </p:spTree>
+    <p:extLst>
+      <p:ext uri="{BB962C8B-B14F-4D97-AF65-F5344CB8AC3E}">
+        <p14:creationId xmlns:p14="http://schemas.microsoft.com/office/powerpoint/2010/main" val="27841797"/>
+      </p:ext>
+    </p:extLst>
+  </p:cSld>
+  <p:clrMapOvr>
+    <a:masterClrMapping/>
+  </p:clrMapOvr>
+</p:notes>
+</file>
+
+<file path=ppt/notesSlides/notesSlide32.xml><?xml version="1.0" encoding="utf-8"?>
+<p:notes xmlns:a="http://schemas.openxmlformats.org/drawingml/2006/main" xmlns:r="http://schemas.openxmlformats.org/officeDocument/2006/relationships" xmlns:p="http://schemas.openxmlformats.org/presentationml/2006/main">
+  <p:cSld>
+    <p:spTree>
+      <p:nvGrpSpPr>
+        <p:cNvPr id="1" name=""/>
+        <p:cNvGrpSpPr/>
+        <p:nvPr/>
+      </p:nvGrpSpPr>
+      <p:grpSpPr>
+        <a:xfrm>
+          <a:off x="0" y="0"/>
+          <a:ext cx="0" cy="0"/>
+          <a:chOff x="0" y="0"/>
+          <a:chExt cx="0" cy="0"/>
+        </a:xfrm>
+      </p:grpSpPr>
+      <p:sp>
+        <p:nvSpPr>
+          <p:cNvPr id="2" name="Slide Image Placeholder 1"/>
+          <p:cNvSpPr>
+            <a:spLocks noGrp="1" noRot="1" noChangeAspect="1"/>
+          </p:cNvSpPr>
+          <p:nvPr>
+            <p:ph type="sldImg"/>
+          </p:nvPr>
+        </p:nvSpPr>
+        <p:spPr>
+          <a:xfrm>
+            <a:off x="1544638" y="1143000"/>
+            <a:ext cx="3768725" cy="3086100"/>
+          </a:xfrm>
+        </p:spPr>
+      </p:sp>
+      <p:sp>
+        <p:nvSpPr>
+          <p:cNvPr id="3" name="Notes Placeholder 2"/>
+          <p:cNvSpPr>
+            <a:spLocks noGrp="1"/>
+          </p:cNvSpPr>
+          <p:nvPr>
+            <p:ph type="body" idx="1"/>
+          </p:nvPr>
+        </p:nvSpPr>
+        <p:spPr/>
+        <p:txBody>
+          <a:bodyPr/>
+          <a:lstStyle/>
+          <a:p>
+            <a:r>
+              <a:rPr lang="en-US" dirty="0"/>
+              <a:t>2/3/20 Fig. 5 – updated with new params, soon to add a new panel for complex mixes</a:t>
+            </a:r>
+          </a:p>
+        </p:txBody>
+      </p:sp>
+      <p:sp>
+        <p:nvSpPr>
+          <p:cNvPr id="4" name="Slide Number Placeholder 3"/>
+          <p:cNvSpPr>
+            <a:spLocks noGrp="1"/>
+          </p:cNvSpPr>
+          <p:nvPr>
+            <p:ph type="sldNum" sz="quarter" idx="5"/>
+          </p:nvPr>
+        </p:nvSpPr>
+        <p:spPr/>
+        <p:txBody>
+          <a:bodyPr/>
+          <a:lstStyle/>
+          <a:p>
+            <a:fld id="{A697AF77-229E-5D4A-87D0-A949D969F47C}" type="slidenum">
+              <a:rPr lang="en-US" smtClean="0"/>
+              <a:t>33</a:t>
+            </a:fld>
+            <a:endParaRPr lang="en-US"/>
+          </a:p>
+        </p:txBody>
+      </p:sp>
+    </p:spTree>
+    <p:extLst>
+      <p:ext uri="{BB962C8B-B14F-4D97-AF65-F5344CB8AC3E}">
+        <p14:creationId xmlns:p14="http://schemas.microsoft.com/office/powerpoint/2010/main" val="111411370"/>
+      </p:ext>
+    </p:extLst>
+  </p:cSld>
+  <p:clrMapOvr>
+    <a:masterClrMapping/>
+  </p:clrMapOvr>
+</p:notes>
+</file>
+
+<file path=ppt/notesSlides/notesSlide33.xml><?xml version="1.0" encoding="utf-8"?>
+<p:notes xmlns:a="http://schemas.openxmlformats.org/drawingml/2006/main" xmlns:r="http://schemas.openxmlformats.org/officeDocument/2006/relationships" xmlns:p="http://schemas.openxmlformats.org/presentationml/2006/main">
+  <p:cSld>
+    <p:spTree>
+      <p:nvGrpSpPr>
+        <p:cNvPr id="1" name=""/>
+        <p:cNvGrpSpPr/>
+        <p:nvPr/>
+      </p:nvGrpSpPr>
+      <p:grpSpPr>
+        <a:xfrm>
+          <a:off x="0" y="0"/>
+          <a:ext cx="0" cy="0"/>
+          <a:chOff x="0" y="0"/>
+          <a:chExt cx="0" cy="0"/>
+        </a:xfrm>
+      </p:grpSpPr>
+      <p:sp>
+        <p:nvSpPr>
+          <p:cNvPr id="2" name="Slide Image Placeholder 1"/>
+          <p:cNvSpPr>
+            <a:spLocks noGrp="1" noRot="1" noChangeAspect="1"/>
+          </p:cNvSpPr>
+          <p:nvPr>
+            <p:ph type="sldImg"/>
+          </p:nvPr>
+        </p:nvSpPr>
+        <p:spPr>
+          <a:xfrm>
+            <a:off x="1544638" y="1143000"/>
+            <a:ext cx="3768725" cy="3086100"/>
+          </a:xfrm>
+        </p:spPr>
+      </p:sp>
+      <p:sp>
+        <p:nvSpPr>
+          <p:cNvPr id="3" name="Notes Placeholder 2"/>
+          <p:cNvSpPr>
+            <a:spLocks noGrp="1"/>
+          </p:cNvSpPr>
+          <p:nvPr>
+            <p:ph type="body" idx="1"/>
+          </p:nvPr>
+        </p:nvSpPr>
+        <p:spPr/>
+        <p:txBody>
+          <a:bodyPr/>
+          <a:lstStyle/>
+          <a:p>
+            <a:r>
+              <a:rPr lang="en-US" dirty="0"/>
+              <a:t>3/1/20 Fig. 5 – updated with larger labels</a:t>
+            </a:r>
+          </a:p>
+        </p:txBody>
+      </p:sp>
+      <p:sp>
+        <p:nvSpPr>
+          <p:cNvPr id="4" name="Slide Number Placeholder 3"/>
+          <p:cNvSpPr>
+            <a:spLocks noGrp="1"/>
+          </p:cNvSpPr>
+          <p:nvPr>
+            <p:ph type="sldNum" sz="quarter" idx="5"/>
+          </p:nvPr>
+        </p:nvSpPr>
+        <p:spPr/>
+        <p:txBody>
+          <a:bodyPr/>
+          <a:lstStyle/>
+          <a:p>
+            <a:fld id="{A697AF77-229E-5D4A-87D0-A949D969F47C}" type="slidenum">
+              <a:rPr lang="en-US" smtClean="0"/>
+              <a:t>34</a:t>
+            </a:fld>
+            <a:endParaRPr lang="en-US"/>
+          </a:p>
+        </p:txBody>
+      </p:sp>
+    </p:spTree>
+    <p:extLst>
+      <p:ext uri="{BB962C8B-B14F-4D97-AF65-F5344CB8AC3E}">
+        <p14:creationId xmlns:p14="http://schemas.microsoft.com/office/powerpoint/2010/main" val="591565731"/>
+      </p:ext>
+    </p:extLst>
+  </p:cSld>
+  <p:clrMapOvr>
+    <a:masterClrMapping/>
+  </p:clrMapOvr>
+</p:notes>
+</file>
+
+<file path=ppt/notesSlides/notesSlide34.xml><?xml version="1.0" encoding="utf-8"?>
+<p:notes xmlns:a="http://schemas.openxmlformats.org/drawingml/2006/main" xmlns:r="http://schemas.openxmlformats.org/officeDocument/2006/relationships" xmlns:p="http://schemas.openxmlformats.org/presentationml/2006/main">
+  <p:cSld>
+    <p:spTree>
+      <p:nvGrpSpPr>
+        <p:cNvPr id="1" name=""/>
+        <p:cNvGrpSpPr/>
+        <p:nvPr/>
+      </p:nvGrpSpPr>
+      <p:grpSpPr>
+        <a:xfrm>
+          <a:off x="0" y="0"/>
+          <a:ext cx="0" cy="0"/>
+          <a:chOff x="0" y="0"/>
+          <a:chExt cx="0" cy="0"/>
+        </a:xfrm>
+      </p:grpSpPr>
+      <p:sp>
+        <p:nvSpPr>
+          <p:cNvPr id="2" name="Slide Image Placeholder 1"/>
+          <p:cNvSpPr>
+            <a:spLocks noGrp="1" noRot="1" noChangeAspect="1"/>
+          </p:cNvSpPr>
+          <p:nvPr>
+            <p:ph type="sldImg"/>
+          </p:nvPr>
+        </p:nvSpPr>
+        <p:spPr>
+          <a:xfrm>
+            <a:off x="1544638" y="1143000"/>
+            <a:ext cx="3768725" cy="3086100"/>
+          </a:xfrm>
+        </p:spPr>
+      </p:sp>
+      <p:sp>
+        <p:nvSpPr>
+          <p:cNvPr id="3" name="Notes Placeholder 2"/>
+          <p:cNvSpPr>
+            <a:spLocks noGrp="1"/>
+          </p:cNvSpPr>
+          <p:nvPr>
+            <p:ph type="body" idx="1"/>
+          </p:nvPr>
+        </p:nvSpPr>
+        <p:spPr/>
+        <p:txBody>
+          <a:bodyPr/>
+          <a:lstStyle/>
+          <a:p>
+            <a:endParaRPr lang="en-US" dirty="0"/>
+          </a:p>
+        </p:txBody>
+      </p:sp>
+      <p:sp>
+        <p:nvSpPr>
+          <p:cNvPr id="4" name="Slide Number Placeholder 3"/>
+          <p:cNvSpPr>
+            <a:spLocks noGrp="1"/>
+          </p:cNvSpPr>
+          <p:nvPr>
+            <p:ph type="sldNum" sz="quarter" idx="5"/>
+          </p:nvPr>
+        </p:nvSpPr>
+        <p:spPr/>
+        <p:txBody>
+          <a:bodyPr/>
+          <a:lstStyle/>
+          <a:p>
+            <a:fld id="{A697AF77-229E-5D4A-87D0-A949D969F47C}" type="slidenum">
+              <a:rPr lang="en-US" smtClean="0"/>
+              <a:t>35</a:t>
+            </a:fld>
+            <a:endParaRPr lang="en-US"/>
+          </a:p>
+        </p:txBody>
+      </p:sp>
+    </p:spTree>
+    <p:extLst>
+      <p:ext uri="{BB962C8B-B14F-4D97-AF65-F5344CB8AC3E}">
+        <p14:creationId xmlns:p14="http://schemas.microsoft.com/office/powerpoint/2010/main" val="4283938702"/>
+      </p:ext>
+    </p:extLst>
+  </p:cSld>
+  <p:clrMapOvr>
+    <a:masterClrMapping/>
+  </p:clrMapOvr>
+</p:notes>
+</file>
+
+<file path=ppt/notesSlides/notesSlide35.xml><?xml version="1.0" encoding="utf-8"?>
+<p:notes xmlns:a="http://schemas.openxmlformats.org/drawingml/2006/main" xmlns:r="http://schemas.openxmlformats.org/officeDocument/2006/relationships" xmlns:p="http://schemas.openxmlformats.org/presentationml/2006/main">
+  <p:cSld>
+    <p:spTree>
+      <p:nvGrpSpPr>
+        <p:cNvPr id="1" name=""/>
+        <p:cNvGrpSpPr/>
+        <p:nvPr/>
+      </p:nvGrpSpPr>
+      <p:grpSpPr>
+        <a:xfrm>
+          <a:off x="0" y="0"/>
+          <a:ext cx="0" cy="0"/>
+          <a:chOff x="0" y="0"/>
+          <a:chExt cx="0" cy="0"/>
+        </a:xfrm>
+      </p:grpSpPr>
+      <p:sp>
+        <p:nvSpPr>
+          <p:cNvPr id="2" name="Slide Image Placeholder 1"/>
+          <p:cNvSpPr>
+            <a:spLocks noGrp="1" noRot="1" noChangeAspect="1"/>
+          </p:cNvSpPr>
+          <p:nvPr>
+            <p:ph type="sldImg"/>
+          </p:nvPr>
+        </p:nvSpPr>
+        <p:spPr>
+          <a:xfrm>
+            <a:off x="1544638" y="1143000"/>
+            <a:ext cx="3768725" cy="3086100"/>
+          </a:xfrm>
+        </p:spPr>
+      </p:sp>
+      <p:sp>
+        <p:nvSpPr>
+          <p:cNvPr id="3" name="Notes Placeholder 2"/>
+          <p:cNvSpPr>
+            <a:spLocks noGrp="1"/>
+          </p:cNvSpPr>
+          <p:nvPr>
+            <p:ph type="body" idx="1"/>
+          </p:nvPr>
+        </p:nvSpPr>
+        <p:spPr/>
+        <p:txBody>
+          <a:bodyPr/>
+          <a:lstStyle/>
+          <a:p>
+            <a:endParaRPr lang="en-US" dirty="0"/>
+          </a:p>
+        </p:txBody>
+      </p:sp>
+      <p:sp>
+        <p:nvSpPr>
+          <p:cNvPr id="4" name="Slide Number Placeholder 3"/>
+          <p:cNvSpPr>
+            <a:spLocks noGrp="1"/>
+          </p:cNvSpPr>
+          <p:nvPr>
+            <p:ph type="sldNum" sz="quarter" idx="5"/>
+          </p:nvPr>
+        </p:nvSpPr>
+        <p:spPr/>
+        <p:txBody>
+          <a:bodyPr/>
+          <a:lstStyle/>
+          <a:p>
+            <a:fld id="{A697AF77-229E-5D4A-87D0-A949D969F47C}" type="slidenum">
+              <a:rPr lang="en-US" smtClean="0"/>
+              <a:t>36</a:t>
+            </a:fld>
+            <a:endParaRPr lang="en-US"/>
+          </a:p>
+        </p:txBody>
+      </p:sp>
+    </p:spTree>
+    <p:extLst>
+      <p:ext uri="{BB962C8B-B14F-4D97-AF65-F5344CB8AC3E}">
+        <p14:creationId xmlns:p14="http://schemas.microsoft.com/office/powerpoint/2010/main" val="1036323336"/>
       </p:ext>
     </p:extLst>
   </p:cSld>
@@ -2655,7 +3213,7 @@
           <a:p>
             <a:r>
               <a:rPr lang="en-US" dirty="0"/>
-              <a:t>12/06/19 Fig. 4, v2</a:t>
+              <a:t>05/24/20 Fig. 1</a:t>
             </a:r>
           </a:p>
         </p:txBody>
@@ -2677,7 +3235,7 @@
           <a:p>
             <a:fld id="{A697AF77-229E-5D4A-87D0-A949D969F47C}" type="slidenum">
               <a:rPr lang="en-US" smtClean="0"/>
-              <a:t>5</a:t>
+              <a:t>4</a:t>
             </a:fld>
             <a:endParaRPr lang="en-US"/>
           </a:p>
@@ -2686,7 +3244,7 @@
     </p:spTree>
     <p:extLst>
       <p:ext uri="{BB962C8B-B14F-4D97-AF65-F5344CB8AC3E}">
-        <p14:creationId xmlns:p14="http://schemas.microsoft.com/office/powerpoint/2010/main" val="2399981595"/>
+        <p14:creationId xmlns:p14="http://schemas.microsoft.com/office/powerpoint/2010/main" val="3106038792"/>
       </p:ext>
     </p:extLst>
   </p:cSld>
@@ -2747,7 +3305,7 @@
           <a:p>
             <a:r>
               <a:rPr lang="en-US" dirty="0"/>
-              <a:t>12/06/19 Fig. 4, v3</a:t>
+              <a:t>12/06/19 Fig. 4</a:t>
             </a:r>
           </a:p>
         </p:txBody>
@@ -2778,7 +3336,7 @@
     </p:spTree>
     <p:extLst>
       <p:ext uri="{BB962C8B-B14F-4D97-AF65-F5344CB8AC3E}">
-        <p14:creationId xmlns:p14="http://schemas.microsoft.com/office/powerpoint/2010/main" val="2338335994"/>
+        <p14:creationId xmlns:p14="http://schemas.microsoft.com/office/powerpoint/2010/main" val="4221191403"/>
       </p:ext>
     </p:extLst>
   </p:cSld>
@@ -2839,7 +3397,7 @@
           <a:p>
             <a:r>
               <a:rPr lang="en-US" dirty="0"/>
-              <a:t>12/06/19 Fig. 4, v4</a:t>
+              <a:t>12/06/19 Fig. 4, v2</a:t>
             </a:r>
           </a:p>
         </p:txBody>
@@ -2870,7 +3428,7 @@
     </p:spTree>
     <p:extLst>
       <p:ext uri="{BB962C8B-B14F-4D97-AF65-F5344CB8AC3E}">
-        <p14:creationId xmlns:p14="http://schemas.microsoft.com/office/powerpoint/2010/main" val="394979940"/>
+        <p14:creationId xmlns:p14="http://schemas.microsoft.com/office/powerpoint/2010/main" val="2399981595"/>
       </p:ext>
     </p:extLst>
   </p:cSld>
@@ -2931,7 +3489,7 @@
           <a:p>
             <a:r>
               <a:rPr lang="en-US" dirty="0"/>
-              <a:t>12/06/19 Fig. 4, v5</a:t>
+              <a:t>12/06/19 Fig. 4, v3</a:t>
             </a:r>
           </a:p>
         </p:txBody>
@@ -2962,7 +3520,7 @@
     </p:spTree>
     <p:extLst>
       <p:ext uri="{BB962C8B-B14F-4D97-AF65-F5344CB8AC3E}">
-        <p14:creationId xmlns:p14="http://schemas.microsoft.com/office/powerpoint/2010/main" val="3371388017"/>
+        <p14:creationId xmlns:p14="http://schemas.microsoft.com/office/powerpoint/2010/main" val="2338335994"/>
       </p:ext>
     </p:extLst>
   </p:cSld>
@@ -3023,7 +3581,7 @@
           <a:p>
             <a:r>
               <a:rPr lang="en-US" dirty="0"/>
-              <a:t>12/06/19 Fig. 5</a:t>
+              <a:t>12/06/19 Fig. 4, v4</a:t>
             </a:r>
           </a:p>
         </p:txBody>
@@ -3054,7 +3612,7 @@
     </p:spTree>
     <p:extLst>
       <p:ext uri="{BB962C8B-B14F-4D97-AF65-F5344CB8AC3E}">
-        <p14:creationId xmlns:p14="http://schemas.microsoft.com/office/powerpoint/2010/main" val="1495634260"/>
+        <p14:creationId xmlns:p14="http://schemas.microsoft.com/office/powerpoint/2010/main" val="394979940"/>
       </p:ext>
     </p:extLst>
   </p:cSld>
@@ -3115,7 +3673,7 @@
           <a:p>
             <a:r>
               <a:rPr lang="en-US" dirty="0"/>
-              <a:t>1/22/20 Fig. 4, updated with new panels</a:t>
+              <a:t>12/06/19 Fig. 4, v5</a:t>
             </a:r>
           </a:p>
         </p:txBody>
@@ -3146,7 +3704,7 @@
     </p:spTree>
     <p:extLst>
       <p:ext uri="{BB962C8B-B14F-4D97-AF65-F5344CB8AC3E}">
-        <p14:creationId xmlns:p14="http://schemas.microsoft.com/office/powerpoint/2010/main" val="1402908968"/>
+        <p14:creationId xmlns:p14="http://schemas.microsoft.com/office/powerpoint/2010/main" val="3371388017"/>
       </p:ext>
     </p:extLst>
   </p:cSld>
@@ -3287,7 +3845,7 @@
           <a:p>
             <a:fld id="{AAC8E564-4E2A-8441-940F-9FCAA67208AC}" type="datetimeFigureOut">
               <a:rPr lang="en-US" smtClean="0"/>
-              <a:t>3/1/20</a:t>
+              <a:t>5/25/20</a:t>
             </a:fld>
             <a:endParaRPr lang="en-US"/>
           </a:p>
@@ -3457,7 +4015,7 @@
           <a:p>
             <a:fld id="{AAC8E564-4E2A-8441-940F-9FCAA67208AC}" type="datetimeFigureOut">
               <a:rPr lang="en-US" smtClean="0"/>
-              <a:t>3/1/20</a:t>
+              <a:t>5/25/20</a:t>
             </a:fld>
             <a:endParaRPr lang="en-US"/>
           </a:p>
@@ -3637,7 +4195,7 @@
           <a:p>
             <a:fld id="{AAC8E564-4E2A-8441-940F-9FCAA67208AC}" type="datetimeFigureOut">
               <a:rPr lang="en-US" smtClean="0"/>
-              <a:t>3/1/20</a:t>
+              <a:t>5/25/20</a:t>
             </a:fld>
             <a:endParaRPr lang="en-US"/>
           </a:p>
@@ -5057,7 +5615,7 @@
           <a:p>
             <a:fld id="{AAC8E564-4E2A-8441-940F-9FCAA67208AC}" type="datetimeFigureOut">
               <a:rPr lang="en-US" smtClean="0"/>
-              <a:t>3/1/20</a:t>
+              <a:t>5/25/20</a:t>
             </a:fld>
             <a:endParaRPr lang="en-US"/>
           </a:p>
@@ -5756,7 +6314,7 @@
           <a:p>
             <a:fld id="{AAC8E564-4E2A-8441-940F-9FCAA67208AC}" type="datetimeFigureOut">
               <a:rPr lang="en-US" smtClean="0"/>
-              <a:t>3/1/20</a:t>
+              <a:t>5/25/20</a:t>
             </a:fld>
             <a:endParaRPr lang="en-US"/>
           </a:p>
@@ -5988,7 +6546,7 @@
           <a:p>
             <a:fld id="{AAC8E564-4E2A-8441-940F-9FCAA67208AC}" type="datetimeFigureOut">
               <a:rPr lang="en-US" smtClean="0"/>
-              <a:t>3/1/20</a:t>
+              <a:t>5/25/20</a:t>
             </a:fld>
             <a:endParaRPr lang="en-US"/>
           </a:p>
@@ -6355,7 +6913,7 @@
           <a:p>
             <a:fld id="{AAC8E564-4E2A-8441-940F-9FCAA67208AC}" type="datetimeFigureOut">
               <a:rPr lang="en-US" smtClean="0"/>
-              <a:t>3/1/20</a:t>
+              <a:t>5/25/20</a:t>
             </a:fld>
             <a:endParaRPr lang="en-US"/>
           </a:p>
@@ -6473,7 +7031,7 @@
           <a:p>
             <a:fld id="{AAC8E564-4E2A-8441-940F-9FCAA67208AC}" type="datetimeFigureOut">
               <a:rPr lang="en-US" smtClean="0"/>
-              <a:t>3/1/20</a:t>
+              <a:t>5/25/20</a:t>
             </a:fld>
             <a:endParaRPr lang="en-US"/>
           </a:p>
@@ -6568,7 +7126,7 @@
           <a:p>
             <a:fld id="{AAC8E564-4E2A-8441-940F-9FCAA67208AC}" type="datetimeFigureOut">
               <a:rPr lang="en-US" smtClean="0"/>
-              <a:t>3/1/20</a:t>
+              <a:t>5/25/20</a:t>
             </a:fld>
             <a:endParaRPr lang="en-US"/>
           </a:p>
@@ -6845,7 +7403,7 @@
           <a:p>
             <a:fld id="{AAC8E564-4E2A-8441-940F-9FCAA67208AC}" type="datetimeFigureOut">
               <a:rPr lang="en-US" smtClean="0"/>
-              <a:t>3/1/20</a:t>
+              <a:t>5/25/20</a:t>
             </a:fld>
             <a:endParaRPr lang="en-US"/>
           </a:p>
@@ -7102,7 +7660,7 @@
           <a:p>
             <a:fld id="{AAC8E564-4E2A-8441-940F-9FCAA67208AC}" type="datetimeFigureOut">
               <a:rPr lang="en-US" smtClean="0"/>
-              <a:t>3/1/20</a:t>
+              <a:t>5/25/20</a:t>
             </a:fld>
             <a:endParaRPr lang="en-US"/>
           </a:p>
@@ -7315,7 +7873,7 @@
           <a:p>
             <a:fld id="{AAC8E564-4E2A-8441-940F-9FCAA67208AC}" type="datetimeFigureOut">
               <a:rPr lang="en-US" smtClean="0"/>
-              <a:t>3/1/20</a:t>
+              <a:t>5/25/20</a:t>
             </a:fld>
             <a:endParaRPr lang="en-US"/>
           </a:p>
@@ -8869,6 +9427,1959 @@
       </p:grpSpPr>
       <p:pic>
         <p:nvPicPr>
+          <p:cNvPr id="30" name="Picture 29">
+            <a:extLst>
+              <a:ext uri="{FF2B5EF4-FFF2-40B4-BE49-F238E27FC236}">
+                <a16:creationId xmlns:a16="http://schemas.microsoft.com/office/drawing/2014/main" id="{1DF73A3F-4417-E84E-82BF-4C8190634864}"/>
+              </a:ext>
+            </a:extLst>
+          </p:cNvPr>
+          <p:cNvPicPr>
+            <a:picLocks noChangeAspect="1"/>
+          </p:cNvPicPr>
+          <p:nvPr/>
+        </p:nvPicPr>
+        <p:blipFill>
+          <a:blip r:embed="rId3"/>
+          <a:stretch>
+            <a:fillRect/>
+          </a:stretch>
+        </p:blipFill>
+        <p:spPr>
+          <a:xfrm>
+            <a:off x="2532431" y="1375712"/>
+            <a:ext cx="3078187" cy="3557016"/>
+          </a:xfrm>
+          <a:prstGeom prst="rect">
+            <a:avLst/>
+          </a:prstGeom>
+        </p:spPr>
+      </p:pic>
+      <p:grpSp>
+        <p:nvGrpSpPr>
+          <p:cNvPr id="32" name="Group 31">
+            <a:extLst>
+              <a:ext uri="{FF2B5EF4-FFF2-40B4-BE49-F238E27FC236}">
+                <a16:creationId xmlns:a16="http://schemas.microsoft.com/office/drawing/2014/main" id="{A68FFD5D-1878-4043-B3D3-6F2FC94FFE78}"/>
+              </a:ext>
+            </a:extLst>
+          </p:cNvPr>
+          <p:cNvGrpSpPr/>
+          <p:nvPr/>
+        </p:nvGrpSpPr>
+        <p:grpSpPr>
+          <a:xfrm>
+            <a:off x="2218688" y="1377974"/>
+            <a:ext cx="3669230" cy="3779091"/>
+            <a:chOff x="193399" y="-194993"/>
+            <a:chExt cx="6161517" cy="6345999"/>
+          </a:xfrm>
+        </p:grpSpPr>
+        <p:cxnSp>
+          <p:nvCxnSpPr>
+            <p:cNvPr id="38" name="Straight Arrow Connector 37">
+              <a:extLst>
+                <a:ext uri="{FF2B5EF4-FFF2-40B4-BE49-F238E27FC236}">
+                  <a16:creationId xmlns:a16="http://schemas.microsoft.com/office/drawing/2014/main" id="{A307D4E4-7D02-4047-8582-E3B4AB21BFB2}"/>
+                </a:ext>
+              </a:extLst>
+            </p:cNvPr>
+            <p:cNvCxnSpPr>
+              <a:cxnSpLocks/>
+            </p:cNvCxnSpPr>
+            <p:nvPr/>
+          </p:nvCxnSpPr>
+          <p:spPr>
+            <a:xfrm>
+              <a:off x="1459509" y="5654723"/>
+              <a:ext cx="4283951" cy="0"/>
+            </a:xfrm>
+            <a:prstGeom prst="straightConnector1">
+              <a:avLst/>
+            </a:prstGeom>
+            <a:ln w="50800">
+              <a:solidFill>
+                <a:srgbClr val="C00000"/>
+              </a:solidFill>
+              <a:tailEnd type="triangle"/>
+            </a:ln>
+          </p:spPr>
+          <p:style>
+            <a:lnRef idx="1">
+              <a:schemeClr val="accent1"/>
+            </a:lnRef>
+            <a:fillRef idx="0">
+              <a:schemeClr val="accent1"/>
+            </a:fillRef>
+            <a:effectRef idx="0">
+              <a:schemeClr val="accent1"/>
+            </a:effectRef>
+            <a:fontRef idx="minor">
+              <a:schemeClr val="tx1"/>
+            </a:fontRef>
+          </p:style>
+        </p:cxnSp>
+        <p:sp>
+          <p:nvSpPr>
+            <p:cNvPr id="39" name="TextBox 38">
+              <a:extLst>
+                <a:ext uri="{FF2B5EF4-FFF2-40B4-BE49-F238E27FC236}">
+                  <a16:creationId xmlns:a16="http://schemas.microsoft.com/office/drawing/2014/main" id="{7A891AFA-F877-6342-9C16-A81ED1CDEF25}"/>
+                </a:ext>
+              </a:extLst>
+            </p:cNvPr>
+            <p:cNvSpPr txBox="1"/>
+            <p:nvPr/>
+          </p:nvSpPr>
+          <p:spPr>
+            <a:xfrm>
+              <a:off x="848051" y="5711700"/>
+              <a:ext cx="5506865" cy="439306"/>
+            </a:xfrm>
+            <a:prstGeom prst="rect">
+              <a:avLst/>
+            </a:prstGeom>
+            <a:noFill/>
+          </p:spPr>
+          <p:txBody>
+            <a:bodyPr wrap="square" rtlCol="0">
+              <a:spAutoFit/>
+            </a:bodyPr>
+            <a:lstStyle/>
+            <a:p>
+              <a:pPr algn="ctr"/>
+              <a:r>
+                <a:rPr lang="en-US" sz="1100" dirty="0">
+                  <a:solidFill>
+                    <a:srgbClr val="C00000"/>
+                  </a:solidFill>
+                  <a:latin typeface="Helvetica Neue" panose="02000503000000020004" pitchFamily="2" charset="0"/>
+                  <a:ea typeface="Helvetica Neue" panose="02000503000000020004" pitchFamily="2" charset="0"/>
+                  <a:cs typeface="Helvetica Neue" panose="02000503000000020004" pitchFamily="2" charset="0"/>
+                </a:rPr>
+                <a:t>X becomes less sensitive to stimuli relative to Y</a:t>
+              </a:r>
+            </a:p>
+          </p:txBody>
+        </p:sp>
+        <p:cxnSp>
+          <p:nvCxnSpPr>
+            <p:cNvPr id="40" name="Straight Arrow Connector 39">
+              <a:extLst>
+                <a:ext uri="{FF2B5EF4-FFF2-40B4-BE49-F238E27FC236}">
+                  <a16:creationId xmlns:a16="http://schemas.microsoft.com/office/drawing/2014/main" id="{85D1266F-19AC-0241-AAF6-57849EF30018}"/>
+                </a:ext>
+              </a:extLst>
+            </p:cNvPr>
+            <p:cNvCxnSpPr>
+              <a:cxnSpLocks/>
+            </p:cNvCxnSpPr>
+            <p:nvPr/>
+          </p:nvCxnSpPr>
+          <p:spPr>
+            <a:xfrm flipV="1">
+              <a:off x="750000" y="854466"/>
+              <a:ext cx="0" cy="4047904"/>
+            </a:xfrm>
+            <a:prstGeom prst="straightConnector1">
+              <a:avLst/>
+            </a:prstGeom>
+            <a:ln w="50800">
+              <a:solidFill>
+                <a:srgbClr val="C00000"/>
+              </a:solidFill>
+              <a:tailEnd type="triangle"/>
+            </a:ln>
+          </p:spPr>
+          <p:style>
+            <a:lnRef idx="1">
+              <a:schemeClr val="accent1"/>
+            </a:lnRef>
+            <a:fillRef idx="0">
+              <a:schemeClr val="accent1"/>
+            </a:fillRef>
+            <a:effectRef idx="0">
+              <a:schemeClr val="accent1"/>
+            </a:effectRef>
+            <a:fontRef idx="minor">
+              <a:schemeClr val="tx1"/>
+            </a:fontRef>
+          </p:style>
+        </p:cxnSp>
+        <p:sp>
+          <p:nvSpPr>
+            <p:cNvPr id="41" name="TextBox 40">
+              <a:extLst>
+                <a:ext uri="{FF2B5EF4-FFF2-40B4-BE49-F238E27FC236}">
+                  <a16:creationId xmlns:a16="http://schemas.microsoft.com/office/drawing/2014/main" id="{4D2E4A4A-C872-794A-8C39-528400D778A1}"/>
+                </a:ext>
+              </a:extLst>
+            </p:cNvPr>
+            <p:cNvSpPr txBox="1"/>
+            <p:nvPr/>
+          </p:nvSpPr>
+          <p:spPr>
+            <a:xfrm rot="16200000">
+              <a:off x="-2650121" y="2648527"/>
+              <a:ext cx="6126345" cy="439306"/>
+            </a:xfrm>
+            <a:prstGeom prst="rect">
+              <a:avLst/>
+            </a:prstGeom>
+            <a:noFill/>
+          </p:spPr>
+          <p:txBody>
+            <a:bodyPr wrap="square" rtlCol="0">
+              <a:spAutoFit/>
+            </a:bodyPr>
+            <a:lstStyle/>
+            <a:p>
+              <a:pPr algn="ctr"/>
+              <a:r>
+                <a:rPr lang="en-US" sz="1100" dirty="0">
+                  <a:solidFill>
+                    <a:srgbClr val="C00000"/>
+                  </a:solidFill>
+                  <a:latin typeface="Helvetica Neue" panose="02000503000000020004" pitchFamily="2" charset="0"/>
+                  <a:ea typeface="Helvetica Neue" panose="02000503000000020004" pitchFamily="2" charset="0"/>
+                  <a:cs typeface="Helvetica Neue" panose="02000503000000020004" pitchFamily="2" charset="0"/>
+                </a:rPr>
+                <a:t>X becomes more efficient relative to Y</a:t>
+              </a:r>
+            </a:p>
+          </p:txBody>
+        </p:sp>
+        <p:sp>
+          <p:nvSpPr>
+            <p:cNvPr id="42" name="TextBox 41">
+              <a:extLst>
+                <a:ext uri="{FF2B5EF4-FFF2-40B4-BE49-F238E27FC236}">
+                  <a16:creationId xmlns:a16="http://schemas.microsoft.com/office/drawing/2014/main" id="{6308A167-A527-214B-9F7E-05AF52A19B71}"/>
+                </a:ext>
+              </a:extLst>
+            </p:cNvPr>
+            <p:cNvSpPr txBox="1"/>
+            <p:nvPr/>
+          </p:nvSpPr>
+          <p:spPr>
+            <a:xfrm>
+              <a:off x="966670" y="4406224"/>
+              <a:ext cx="1569713" cy="516831"/>
+            </a:xfrm>
+            <a:prstGeom prst="rect">
+              <a:avLst/>
+            </a:prstGeom>
+            <a:noFill/>
+          </p:spPr>
+          <p:txBody>
+            <a:bodyPr wrap="square" rtlCol="0">
+              <a:spAutoFit/>
+            </a:bodyPr>
+            <a:lstStyle/>
+            <a:p>
+              <a:pPr algn="ctr"/>
+              <a:r>
+                <a:rPr lang="en-US" sz="1400" b="1" dirty="0">
+                  <a:ln w="635">
+                    <a:solidFill>
+                      <a:schemeClr val="bg1">
+                        <a:alpha val="50000"/>
+                      </a:schemeClr>
+                    </a:solidFill>
+                  </a:ln>
+                  <a:solidFill>
+                    <a:srgbClr val="2B4B9B"/>
+                  </a:solidFill>
+                  <a:latin typeface="Helvetica Neue" panose="02000503000000020004" pitchFamily="2" charset="0"/>
+                  <a:ea typeface="Helvetica Neue" panose="02000503000000020004" pitchFamily="2" charset="0"/>
+                  <a:cs typeface="Helvetica Neue" panose="02000503000000020004" pitchFamily="2" charset="0"/>
+                </a:rPr>
+                <a:t>Y</a:t>
+              </a:r>
+            </a:p>
+          </p:txBody>
+        </p:sp>
+      </p:grpSp>
+      <p:sp>
+        <p:nvSpPr>
+          <p:cNvPr id="14" name="TextBox 13">
+            <a:extLst>
+              <a:ext uri="{FF2B5EF4-FFF2-40B4-BE49-F238E27FC236}">
+                <a16:creationId xmlns:a16="http://schemas.microsoft.com/office/drawing/2014/main" id="{FA8196DD-48D5-9049-896A-63BB364405C1}"/>
+              </a:ext>
+            </a:extLst>
+          </p:cNvPr>
+          <p:cNvSpPr txBox="1"/>
+          <p:nvPr/>
+        </p:nvSpPr>
+        <p:spPr>
+          <a:xfrm flipH="1">
+            <a:off x="2069490" y="1365182"/>
+            <a:ext cx="556224" cy="337025"/>
+          </a:xfrm>
+          <a:prstGeom prst="rect">
+            <a:avLst/>
+          </a:prstGeom>
+          <a:noFill/>
+        </p:spPr>
+        <p:txBody>
+          <a:bodyPr wrap="square" rtlCol="0">
+            <a:spAutoFit/>
+          </a:bodyPr>
+          <a:lstStyle/>
+          <a:p>
+            <a:pPr algn="ctr"/>
+            <a:r>
+              <a:rPr lang="en-US" sz="1400" b="1" dirty="0">
+                <a:latin typeface="Helvetica Neue" panose="02000503000000020004" pitchFamily="2" charset="0"/>
+                <a:ea typeface="Helvetica Neue" panose="02000503000000020004" pitchFamily="2" charset="0"/>
+                <a:cs typeface="Helvetica Neue" panose="02000503000000020004" pitchFamily="2" charset="0"/>
+              </a:rPr>
+              <a:t>e</a:t>
+            </a:r>
+          </a:p>
+        </p:txBody>
+      </p:sp>
+      <p:sp>
+        <p:nvSpPr>
+          <p:cNvPr id="50" name="Arc 49">
+            <a:extLst>
+              <a:ext uri="{FF2B5EF4-FFF2-40B4-BE49-F238E27FC236}">
+                <a16:creationId xmlns:a16="http://schemas.microsoft.com/office/drawing/2014/main" id="{7F1EE56F-D0B6-B745-84B1-36ADB5D54CBB}"/>
+              </a:ext>
+            </a:extLst>
+          </p:cNvPr>
+          <p:cNvSpPr/>
+          <p:nvPr/>
+        </p:nvSpPr>
+        <p:spPr>
+          <a:xfrm rot="20840186">
+            <a:off x="504313" y="866112"/>
+            <a:ext cx="2679311" cy="3645737"/>
+          </a:xfrm>
+          <a:prstGeom prst="arc">
+            <a:avLst>
+              <a:gd name="adj1" fmla="val 17122527"/>
+              <a:gd name="adj2" fmla="val 21551542"/>
+            </a:avLst>
+          </a:prstGeom>
+          <a:ln w="19050">
+            <a:solidFill>
+              <a:schemeClr val="bg2">
+                <a:lumMod val="75000"/>
+              </a:schemeClr>
+            </a:solidFill>
+            <a:tailEnd type="triangle" w="med" len="med"/>
+          </a:ln>
+        </p:spPr>
+        <p:style>
+          <a:lnRef idx="1">
+            <a:schemeClr val="accent1"/>
+          </a:lnRef>
+          <a:fillRef idx="0">
+            <a:schemeClr val="accent1"/>
+          </a:fillRef>
+          <a:effectRef idx="0">
+            <a:schemeClr val="accent1"/>
+          </a:effectRef>
+          <a:fontRef idx="minor">
+            <a:schemeClr val="tx1"/>
+          </a:fontRef>
+        </p:style>
+        <p:txBody>
+          <a:bodyPr rtlCol="0" anchor="ctr"/>
+          <a:lstStyle/>
+          <a:p>
+            <a:pPr algn="ctr"/>
+            <a:endParaRPr lang="en-US"/>
+          </a:p>
+        </p:txBody>
+      </p:sp>
+      <p:grpSp>
+        <p:nvGrpSpPr>
+          <p:cNvPr id="8" name="Group 7">
+            <a:extLst>
+              <a:ext uri="{FF2B5EF4-FFF2-40B4-BE49-F238E27FC236}">
+                <a16:creationId xmlns:a16="http://schemas.microsoft.com/office/drawing/2014/main" id="{8518B814-7DC7-BC4D-9421-D06D1CDE7D08}"/>
+              </a:ext>
+            </a:extLst>
+          </p:cNvPr>
+          <p:cNvGrpSpPr>
+            <a:grpSpLocks noChangeAspect="1"/>
+          </p:cNvGrpSpPr>
+          <p:nvPr/>
+        </p:nvGrpSpPr>
+        <p:grpSpPr>
+          <a:xfrm>
+            <a:off x="72319" y="347505"/>
+            <a:ext cx="1911095" cy="2323331"/>
+            <a:chOff x="-58198" y="3311957"/>
+            <a:chExt cx="2608682" cy="3171393"/>
+          </a:xfrm>
+        </p:grpSpPr>
+        <p:grpSp>
+          <p:nvGrpSpPr>
+            <p:cNvPr id="6" name="Group 5">
+              <a:extLst>
+                <a:ext uri="{FF2B5EF4-FFF2-40B4-BE49-F238E27FC236}">
+                  <a16:creationId xmlns:a16="http://schemas.microsoft.com/office/drawing/2014/main" id="{EA84E907-5290-6248-A782-79A0823CBA34}"/>
+                </a:ext>
+              </a:extLst>
+            </p:cNvPr>
+            <p:cNvGrpSpPr>
+              <a:grpSpLocks noChangeAspect="1"/>
+            </p:cNvGrpSpPr>
+            <p:nvPr/>
+          </p:nvGrpSpPr>
+          <p:grpSpPr>
+            <a:xfrm>
+              <a:off x="-58198" y="3311957"/>
+              <a:ext cx="2608682" cy="3171393"/>
+              <a:chOff x="1349839" y="-6293"/>
+              <a:chExt cx="2785122" cy="3385893"/>
+            </a:xfrm>
+          </p:grpSpPr>
+          <p:pic>
+            <p:nvPicPr>
+              <p:cNvPr id="9" name="Picture 8">
+                <a:extLst>
+                  <a:ext uri="{FF2B5EF4-FFF2-40B4-BE49-F238E27FC236}">
+                    <a16:creationId xmlns:a16="http://schemas.microsoft.com/office/drawing/2014/main" id="{B60DE2FD-9935-D249-950F-FE366DBB2A07}"/>
+                  </a:ext>
+                </a:extLst>
+              </p:cNvPr>
+              <p:cNvPicPr>
+                <a:picLocks noChangeAspect="1"/>
+              </p:cNvPicPr>
+              <p:nvPr/>
+            </p:nvPicPr>
+            <p:blipFill>
+              <a:blip r:embed="rId4"/>
+              <a:stretch>
+                <a:fillRect/>
+              </a:stretch>
+            </p:blipFill>
+            <p:spPr>
+              <a:xfrm>
+                <a:off x="1411972" y="275852"/>
+                <a:ext cx="2722989" cy="3103748"/>
+              </a:xfrm>
+              <a:prstGeom prst="rect">
+                <a:avLst/>
+              </a:prstGeom>
+            </p:spPr>
+          </p:pic>
+          <p:sp>
+            <p:nvSpPr>
+              <p:cNvPr id="16" name="TextBox 15">
+                <a:extLst>
+                  <a:ext uri="{FF2B5EF4-FFF2-40B4-BE49-F238E27FC236}">
+                    <a16:creationId xmlns:a16="http://schemas.microsoft.com/office/drawing/2014/main" id="{0B8EA217-6F2C-0943-8D48-F70EC12EC200}"/>
+                  </a:ext>
+                </a:extLst>
+              </p:cNvPr>
+              <p:cNvSpPr txBox="1"/>
+              <p:nvPr/>
+            </p:nvSpPr>
+            <p:spPr>
+              <a:xfrm>
+                <a:off x="1349839" y="-6293"/>
+                <a:ext cx="578783" cy="448537"/>
+              </a:xfrm>
+              <a:prstGeom prst="rect">
+                <a:avLst/>
+              </a:prstGeom>
+              <a:noFill/>
+            </p:spPr>
+            <p:txBody>
+              <a:bodyPr wrap="square" rtlCol="0">
+                <a:spAutoFit/>
+              </a:bodyPr>
+              <a:lstStyle/>
+              <a:p>
+                <a:pPr algn="ctr"/>
+                <a:r>
+                  <a:rPr lang="en-US" sz="1400" b="1" dirty="0">
+                    <a:latin typeface="Helvetica Neue" panose="02000503000000020004" pitchFamily="2" charset="0"/>
+                    <a:ea typeface="Helvetica Neue" panose="02000503000000020004" pitchFamily="2" charset="0"/>
+                    <a:cs typeface="Helvetica Neue" panose="02000503000000020004" pitchFamily="2" charset="0"/>
+                  </a:rPr>
+                  <a:t>a</a:t>
+                </a:r>
+              </a:p>
+            </p:txBody>
+          </p:sp>
+        </p:grpSp>
+        <p:sp>
+          <p:nvSpPr>
+            <p:cNvPr id="34" name="Rectangle 33">
+              <a:extLst>
+                <a:ext uri="{FF2B5EF4-FFF2-40B4-BE49-F238E27FC236}">
+                  <a16:creationId xmlns:a16="http://schemas.microsoft.com/office/drawing/2014/main" id="{396A4478-41EF-6B4D-B23C-2A4BA2D8DABE}"/>
+                </a:ext>
+              </a:extLst>
+            </p:cNvPr>
+            <p:cNvSpPr/>
+            <p:nvPr/>
+          </p:nvSpPr>
+          <p:spPr>
+            <a:xfrm>
+              <a:off x="43032" y="3342196"/>
+              <a:ext cx="2499084" cy="3094176"/>
+            </a:xfrm>
+            <a:prstGeom prst="rect">
+              <a:avLst/>
+            </a:prstGeom>
+            <a:noFill/>
+            <a:ln w="19050">
+              <a:solidFill>
+                <a:schemeClr val="bg2">
+                  <a:lumMod val="75000"/>
+                </a:schemeClr>
+              </a:solidFill>
+            </a:ln>
+          </p:spPr>
+          <p:style>
+            <a:lnRef idx="2">
+              <a:schemeClr val="accent1">
+                <a:shade val="50000"/>
+              </a:schemeClr>
+            </a:lnRef>
+            <a:fillRef idx="1">
+              <a:schemeClr val="accent1"/>
+            </a:fillRef>
+            <a:effectRef idx="0">
+              <a:schemeClr val="accent1"/>
+            </a:effectRef>
+            <a:fontRef idx="minor">
+              <a:schemeClr val="lt1"/>
+            </a:fontRef>
+          </p:style>
+          <p:txBody>
+            <a:bodyPr rtlCol="0" anchor="ctr"/>
+            <a:lstStyle/>
+            <a:p>
+              <a:pPr algn="ctr"/>
+              <a:endParaRPr lang="en-US"/>
+            </a:p>
+          </p:txBody>
+        </p:sp>
+        <p:sp>
+          <p:nvSpPr>
+            <p:cNvPr id="56" name="TextBox 55">
+              <a:extLst>
+                <a:ext uri="{FF2B5EF4-FFF2-40B4-BE49-F238E27FC236}">
+                  <a16:creationId xmlns:a16="http://schemas.microsoft.com/office/drawing/2014/main" id="{53F4DC70-1EA9-4149-AFF0-F773D783C706}"/>
+                </a:ext>
+              </a:extLst>
+            </p:cNvPr>
+            <p:cNvSpPr txBox="1"/>
+            <p:nvPr/>
+          </p:nvSpPr>
+          <p:spPr>
+            <a:xfrm>
+              <a:off x="352102" y="3388645"/>
+              <a:ext cx="2179035" cy="357103"/>
+            </a:xfrm>
+            <a:prstGeom prst="rect">
+              <a:avLst/>
+            </a:prstGeom>
+            <a:noFill/>
+          </p:spPr>
+          <p:txBody>
+            <a:bodyPr wrap="square" rtlCol="0">
+              <a:spAutoFit/>
+            </a:bodyPr>
+            <a:lstStyle/>
+            <a:p>
+              <a:pPr algn="r"/>
+              <a:r>
+                <a:rPr lang="en-US" sz="1100" i="1" dirty="0">
+                  <a:solidFill>
+                    <a:srgbClr val="8FB132"/>
+                  </a:solidFill>
+                  <a:latin typeface="Arial" panose="020B0604020202020204" pitchFamily="34" charset="0"/>
+                  <a:ea typeface="Helvetica Neue" panose="02000503000000020004" pitchFamily="2" charset="0"/>
+                  <a:cs typeface="Arial" panose="020B0604020202020204" pitchFamily="34" charset="0"/>
+                </a:rPr>
+                <a:t>Downward contagion</a:t>
+              </a:r>
+            </a:p>
+          </p:txBody>
+        </p:sp>
+      </p:grpSp>
+      <p:grpSp>
+        <p:nvGrpSpPr>
+          <p:cNvPr id="13" name="Group 12">
+            <a:extLst>
+              <a:ext uri="{FF2B5EF4-FFF2-40B4-BE49-F238E27FC236}">
+                <a16:creationId xmlns:a16="http://schemas.microsoft.com/office/drawing/2014/main" id="{3B9115EA-2FB8-6346-B2E2-C1E514C8EF31}"/>
+              </a:ext>
+            </a:extLst>
+          </p:cNvPr>
+          <p:cNvGrpSpPr>
+            <a:grpSpLocks noChangeAspect="1"/>
+          </p:cNvGrpSpPr>
+          <p:nvPr/>
+        </p:nvGrpSpPr>
+        <p:grpSpPr>
+          <a:xfrm>
+            <a:off x="5906136" y="3596714"/>
+            <a:ext cx="1911095" cy="2308700"/>
+            <a:chOff x="5316676" y="22240"/>
+            <a:chExt cx="2601773" cy="3143075"/>
+          </a:xfrm>
+        </p:grpSpPr>
+        <p:grpSp>
+          <p:nvGrpSpPr>
+            <p:cNvPr id="10" name="Group 9">
+              <a:extLst>
+                <a:ext uri="{FF2B5EF4-FFF2-40B4-BE49-F238E27FC236}">
+                  <a16:creationId xmlns:a16="http://schemas.microsoft.com/office/drawing/2014/main" id="{85988E11-6252-A940-84F3-2690A1CE234E}"/>
+                </a:ext>
+              </a:extLst>
+            </p:cNvPr>
+            <p:cNvGrpSpPr>
+              <a:grpSpLocks noChangeAspect="1"/>
+            </p:cNvGrpSpPr>
+            <p:nvPr/>
+          </p:nvGrpSpPr>
+          <p:grpSpPr>
+            <a:xfrm>
+              <a:off x="5316676" y="22240"/>
+              <a:ext cx="2601773" cy="3143075"/>
+              <a:chOff x="1335316" y="3101234"/>
+              <a:chExt cx="2799645" cy="3382115"/>
+            </a:xfrm>
+          </p:grpSpPr>
+          <p:pic>
+            <p:nvPicPr>
+              <p:cNvPr id="5" name="Picture 4">
+                <a:extLst>
+                  <a:ext uri="{FF2B5EF4-FFF2-40B4-BE49-F238E27FC236}">
+                    <a16:creationId xmlns:a16="http://schemas.microsoft.com/office/drawing/2014/main" id="{CB894BB7-CF0D-3745-B183-175510696146}"/>
+                  </a:ext>
+                </a:extLst>
+              </p:cNvPr>
+              <p:cNvPicPr>
+                <a:picLocks noChangeAspect="1"/>
+              </p:cNvPicPr>
+              <p:nvPr/>
+            </p:nvPicPr>
+            <p:blipFill>
+              <a:blip r:embed="rId5"/>
+              <a:stretch>
+                <a:fillRect/>
+              </a:stretch>
+            </p:blipFill>
+            <p:spPr>
+              <a:xfrm>
+                <a:off x="1411971" y="3379601"/>
+                <a:ext cx="2722990" cy="3103748"/>
+              </a:xfrm>
+              <a:prstGeom prst="rect">
+                <a:avLst/>
+              </a:prstGeom>
+              <a:ln>
+                <a:noFill/>
+              </a:ln>
+            </p:spPr>
+          </p:pic>
+          <p:sp>
+            <p:nvSpPr>
+              <p:cNvPr id="20" name="TextBox 19">
+                <a:extLst>
+                  <a:ext uri="{FF2B5EF4-FFF2-40B4-BE49-F238E27FC236}">
+                    <a16:creationId xmlns:a16="http://schemas.microsoft.com/office/drawing/2014/main" id="{E8C86BD2-9FE9-8C4D-A835-2EAAEE829653}"/>
+                  </a:ext>
+                </a:extLst>
+              </p:cNvPr>
+              <p:cNvSpPr txBox="1"/>
+              <p:nvPr/>
+            </p:nvSpPr>
+            <p:spPr>
+              <a:xfrm>
+                <a:off x="1335316" y="3101234"/>
+                <a:ext cx="578784" cy="450876"/>
+              </a:xfrm>
+              <a:prstGeom prst="rect">
+                <a:avLst/>
+              </a:prstGeom>
+              <a:noFill/>
+              <a:ln>
+                <a:noFill/>
+              </a:ln>
+            </p:spPr>
+            <p:txBody>
+              <a:bodyPr wrap="square" rtlCol="0">
+                <a:spAutoFit/>
+              </a:bodyPr>
+              <a:lstStyle/>
+              <a:p>
+                <a:pPr algn="ctr"/>
+                <a:r>
+                  <a:rPr lang="en-US" sz="1400" b="1" dirty="0">
+                    <a:latin typeface="Helvetica Neue" panose="02000503000000020004" pitchFamily="2" charset="0"/>
+                    <a:ea typeface="Helvetica Neue" panose="02000503000000020004" pitchFamily="2" charset="0"/>
+                    <a:cs typeface="Helvetica Neue" panose="02000503000000020004" pitchFamily="2" charset="0"/>
+                  </a:rPr>
+                  <a:t>c</a:t>
+                </a:r>
+              </a:p>
+            </p:txBody>
+          </p:sp>
+        </p:grpSp>
+        <p:sp>
+          <p:nvSpPr>
+            <p:cNvPr id="36" name="Rectangle 35">
+              <a:extLst>
+                <a:ext uri="{FF2B5EF4-FFF2-40B4-BE49-F238E27FC236}">
+                  <a16:creationId xmlns:a16="http://schemas.microsoft.com/office/drawing/2014/main" id="{20FB9D9C-9342-6748-AB68-E0695D7BA19D}"/>
+                </a:ext>
+              </a:extLst>
+            </p:cNvPr>
+            <p:cNvSpPr/>
+            <p:nvPr/>
+          </p:nvSpPr>
+          <p:spPr>
+            <a:xfrm>
+              <a:off x="5395420" y="46978"/>
+              <a:ext cx="2489736" cy="3098952"/>
+            </a:xfrm>
+            <a:prstGeom prst="rect">
+              <a:avLst/>
+            </a:prstGeom>
+            <a:noFill/>
+            <a:ln w="19050">
+              <a:solidFill>
+                <a:schemeClr val="bg2">
+                  <a:lumMod val="75000"/>
+                </a:schemeClr>
+              </a:solidFill>
+            </a:ln>
+          </p:spPr>
+          <p:style>
+            <a:lnRef idx="2">
+              <a:schemeClr val="accent1">
+                <a:shade val="50000"/>
+              </a:schemeClr>
+            </a:lnRef>
+            <a:fillRef idx="1">
+              <a:schemeClr val="accent1"/>
+            </a:fillRef>
+            <a:effectRef idx="0">
+              <a:schemeClr val="accent1"/>
+            </a:effectRef>
+            <a:fontRef idx="minor">
+              <a:schemeClr val="lt1"/>
+            </a:fontRef>
+          </p:style>
+          <p:txBody>
+            <a:bodyPr rtlCol="0" anchor="ctr"/>
+            <a:lstStyle/>
+            <a:p>
+              <a:pPr algn="ctr"/>
+              <a:endParaRPr lang="en-US"/>
+            </a:p>
+          </p:txBody>
+        </p:sp>
+        <p:sp>
+          <p:nvSpPr>
+            <p:cNvPr id="57" name="TextBox 56">
+              <a:extLst>
+                <a:ext uri="{FF2B5EF4-FFF2-40B4-BE49-F238E27FC236}">
+                  <a16:creationId xmlns:a16="http://schemas.microsoft.com/office/drawing/2014/main" id="{9E621244-D874-B242-88CF-8CC803F84200}"/>
+                </a:ext>
+              </a:extLst>
+            </p:cNvPr>
+            <p:cNvSpPr txBox="1"/>
+            <p:nvPr/>
+          </p:nvSpPr>
+          <p:spPr>
+            <a:xfrm>
+              <a:off x="6048638" y="112266"/>
+              <a:ext cx="1836937" cy="356157"/>
+            </a:xfrm>
+            <a:prstGeom prst="rect">
+              <a:avLst/>
+            </a:prstGeom>
+            <a:noFill/>
+          </p:spPr>
+          <p:txBody>
+            <a:bodyPr wrap="square" rtlCol="0">
+              <a:spAutoFit/>
+            </a:bodyPr>
+            <a:lstStyle/>
+            <a:p>
+              <a:pPr algn="ctr"/>
+              <a:r>
+                <a:rPr lang="en-US" sz="1100" i="1" dirty="0">
+                  <a:solidFill>
+                    <a:srgbClr val="8FB132"/>
+                  </a:solidFill>
+                  <a:latin typeface="Arial" panose="020B0604020202020204" pitchFamily="34" charset="0"/>
+                  <a:ea typeface="Helvetica Neue" panose="02000503000000020004" pitchFamily="2" charset="0"/>
+                  <a:cs typeface="Arial" panose="020B0604020202020204" pitchFamily="34" charset="0"/>
+                </a:rPr>
+                <a:t>No effect</a:t>
+              </a:r>
+            </a:p>
+          </p:txBody>
+        </p:sp>
+      </p:grpSp>
+      <p:grpSp>
+        <p:nvGrpSpPr>
+          <p:cNvPr id="12" name="Group 11">
+            <a:extLst>
+              <a:ext uri="{FF2B5EF4-FFF2-40B4-BE49-F238E27FC236}">
+                <a16:creationId xmlns:a16="http://schemas.microsoft.com/office/drawing/2014/main" id="{1A3343D7-FCA7-644A-8765-3A703946A4E5}"/>
+              </a:ext>
+            </a:extLst>
+          </p:cNvPr>
+          <p:cNvGrpSpPr>
+            <a:grpSpLocks noChangeAspect="1"/>
+          </p:cNvGrpSpPr>
+          <p:nvPr/>
+        </p:nvGrpSpPr>
+        <p:grpSpPr>
+          <a:xfrm>
+            <a:off x="100081" y="3625473"/>
+            <a:ext cx="1912042" cy="2316229"/>
+            <a:chOff x="5316676" y="3333982"/>
+            <a:chExt cx="2601776" cy="3151766"/>
+          </a:xfrm>
+        </p:grpSpPr>
+        <p:grpSp>
+          <p:nvGrpSpPr>
+            <p:cNvPr id="4" name="Group 3">
+              <a:extLst>
+                <a:ext uri="{FF2B5EF4-FFF2-40B4-BE49-F238E27FC236}">
+                  <a16:creationId xmlns:a16="http://schemas.microsoft.com/office/drawing/2014/main" id="{DDE81728-7576-004D-8F69-58886B6402DE}"/>
+                </a:ext>
+              </a:extLst>
+            </p:cNvPr>
+            <p:cNvGrpSpPr>
+              <a:grpSpLocks noChangeAspect="1"/>
+            </p:cNvGrpSpPr>
+            <p:nvPr/>
+          </p:nvGrpSpPr>
+          <p:grpSpPr>
+            <a:xfrm>
+              <a:off x="5316676" y="3333982"/>
+              <a:ext cx="2601776" cy="3151766"/>
+              <a:chOff x="3728733" y="9962"/>
+              <a:chExt cx="2777745" cy="3364934"/>
+            </a:xfrm>
+          </p:grpSpPr>
+          <p:pic>
+            <p:nvPicPr>
+              <p:cNvPr id="7" name="Picture 6">
+                <a:extLst>
+                  <a:ext uri="{FF2B5EF4-FFF2-40B4-BE49-F238E27FC236}">
+                    <a16:creationId xmlns:a16="http://schemas.microsoft.com/office/drawing/2014/main" id="{21E58C93-E278-C34A-B421-721451A6D619}"/>
+                  </a:ext>
+                </a:extLst>
+              </p:cNvPr>
+              <p:cNvPicPr>
+                <a:picLocks noChangeAspect="1"/>
+              </p:cNvPicPr>
+              <p:nvPr/>
+            </p:nvPicPr>
+            <p:blipFill>
+              <a:blip r:embed="rId6"/>
+              <a:stretch>
+                <a:fillRect/>
+              </a:stretch>
+            </p:blipFill>
+            <p:spPr>
+              <a:xfrm>
+                <a:off x="3783488" y="271148"/>
+                <a:ext cx="2722990" cy="3103748"/>
+              </a:xfrm>
+              <a:prstGeom prst="rect">
+                <a:avLst/>
+              </a:prstGeom>
+            </p:spPr>
+          </p:pic>
+          <p:sp>
+            <p:nvSpPr>
+              <p:cNvPr id="18" name="TextBox 17">
+                <a:extLst>
+                  <a:ext uri="{FF2B5EF4-FFF2-40B4-BE49-F238E27FC236}">
+                    <a16:creationId xmlns:a16="http://schemas.microsoft.com/office/drawing/2014/main" id="{46BBEC22-8FD3-4646-AE1A-C6C1C5D5E1E6}"/>
+                  </a:ext>
+                </a:extLst>
+              </p:cNvPr>
+              <p:cNvSpPr txBox="1"/>
+              <p:nvPr/>
+            </p:nvSpPr>
+            <p:spPr>
+              <a:xfrm>
+                <a:off x="3728733" y="9962"/>
+                <a:ext cx="578784" cy="447127"/>
+              </a:xfrm>
+              <a:prstGeom prst="rect">
+                <a:avLst/>
+              </a:prstGeom>
+              <a:noFill/>
+            </p:spPr>
+            <p:txBody>
+              <a:bodyPr wrap="square" rtlCol="0">
+                <a:spAutoFit/>
+              </a:bodyPr>
+              <a:lstStyle/>
+              <a:p>
+                <a:pPr algn="ctr"/>
+                <a:r>
+                  <a:rPr lang="en-US" sz="1400" b="1" dirty="0">
+                    <a:latin typeface="Helvetica Neue" panose="02000503000000020004" pitchFamily="2" charset="0"/>
+                    <a:ea typeface="Helvetica Neue" panose="02000503000000020004" pitchFamily="2" charset="0"/>
+                    <a:cs typeface="Helvetica Neue" panose="02000503000000020004" pitchFamily="2" charset="0"/>
+                  </a:rPr>
+                  <a:t>b</a:t>
+                </a:r>
+              </a:p>
+            </p:txBody>
+          </p:sp>
+        </p:grpSp>
+        <p:sp>
+          <p:nvSpPr>
+            <p:cNvPr id="37" name="Rectangle 36">
+              <a:extLst>
+                <a:ext uri="{FF2B5EF4-FFF2-40B4-BE49-F238E27FC236}">
+                  <a16:creationId xmlns:a16="http://schemas.microsoft.com/office/drawing/2014/main" id="{972F0A53-93E3-CD44-83A9-5A79649E4C74}"/>
+                </a:ext>
+              </a:extLst>
+            </p:cNvPr>
+            <p:cNvSpPr/>
+            <p:nvPr/>
+          </p:nvSpPr>
+          <p:spPr>
+            <a:xfrm>
+              <a:off x="5391772" y="3342195"/>
+              <a:ext cx="2488506" cy="3094174"/>
+            </a:xfrm>
+            <a:prstGeom prst="rect">
+              <a:avLst/>
+            </a:prstGeom>
+            <a:noFill/>
+            <a:ln w="19050">
+              <a:solidFill>
+                <a:schemeClr val="bg2">
+                  <a:lumMod val="75000"/>
+                </a:schemeClr>
+              </a:solidFill>
+            </a:ln>
+          </p:spPr>
+          <p:style>
+            <a:lnRef idx="2">
+              <a:schemeClr val="accent1">
+                <a:shade val="50000"/>
+              </a:schemeClr>
+            </a:lnRef>
+            <a:fillRef idx="1">
+              <a:schemeClr val="accent1"/>
+            </a:fillRef>
+            <a:effectRef idx="0">
+              <a:schemeClr val="accent1"/>
+            </a:effectRef>
+            <a:fontRef idx="minor">
+              <a:schemeClr val="lt1"/>
+            </a:fontRef>
+          </p:style>
+          <p:txBody>
+            <a:bodyPr rtlCol="0" anchor="ctr"/>
+            <a:lstStyle/>
+            <a:p>
+              <a:pPr algn="ctr"/>
+              <a:endParaRPr lang="en-US"/>
+            </a:p>
+          </p:txBody>
+        </p:sp>
+        <p:sp>
+          <p:nvSpPr>
+            <p:cNvPr id="58" name="TextBox 57">
+              <a:extLst>
+                <a:ext uri="{FF2B5EF4-FFF2-40B4-BE49-F238E27FC236}">
+                  <a16:creationId xmlns:a16="http://schemas.microsoft.com/office/drawing/2014/main" id="{B8B22680-8FCF-564A-A59A-6339D506D934}"/>
+                </a:ext>
+              </a:extLst>
+            </p:cNvPr>
+            <p:cNvSpPr txBox="1"/>
+            <p:nvPr/>
+          </p:nvSpPr>
+          <p:spPr>
+            <a:xfrm>
+              <a:off x="6037881" y="3388644"/>
+              <a:ext cx="1836937" cy="355981"/>
+            </a:xfrm>
+            <a:prstGeom prst="rect">
+              <a:avLst/>
+            </a:prstGeom>
+            <a:noFill/>
+          </p:spPr>
+          <p:txBody>
+            <a:bodyPr wrap="square" rtlCol="0">
+              <a:spAutoFit/>
+            </a:bodyPr>
+            <a:lstStyle/>
+            <a:p>
+              <a:pPr algn="ctr"/>
+              <a:r>
+                <a:rPr lang="en-US" sz="1100" i="1" dirty="0">
+                  <a:solidFill>
+                    <a:srgbClr val="8FB132"/>
+                  </a:solidFill>
+                  <a:latin typeface="Arial" panose="020B0604020202020204" pitchFamily="34" charset="0"/>
+                  <a:ea typeface="Helvetica Neue" panose="02000503000000020004" pitchFamily="2" charset="0"/>
+                  <a:cs typeface="Arial" panose="020B0604020202020204" pitchFamily="34" charset="0"/>
+                </a:rPr>
+                <a:t>Upward contagion</a:t>
+              </a:r>
+            </a:p>
+          </p:txBody>
+        </p:sp>
+      </p:grpSp>
+      <p:grpSp>
+        <p:nvGrpSpPr>
+          <p:cNvPr id="2" name="Group 1">
+            <a:extLst>
+              <a:ext uri="{FF2B5EF4-FFF2-40B4-BE49-F238E27FC236}">
+                <a16:creationId xmlns:a16="http://schemas.microsoft.com/office/drawing/2014/main" id="{F5B16F9C-99AB-F945-80C1-7F1F423A1BC7}"/>
+              </a:ext>
+            </a:extLst>
+          </p:cNvPr>
+          <p:cNvGrpSpPr>
+            <a:grpSpLocks noChangeAspect="1"/>
+          </p:cNvGrpSpPr>
+          <p:nvPr/>
+        </p:nvGrpSpPr>
+        <p:grpSpPr>
+          <a:xfrm>
+            <a:off x="5878596" y="315137"/>
+            <a:ext cx="1911095" cy="2316732"/>
+            <a:chOff x="-58094" y="9550"/>
+            <a:chExt cx="2619673" cy="3175709"/>
+          </a:xfrm>
+        </p:grpSpPr>
+        <p:grpSp>
+          <p:nvGrpSpPr>
+            <p:cNvPr id="11" name="Group 10">
+              <a:extLst>
+                <a:ext uri="{FF2B5EF4-FFF2-40B4-BE49-F238E27FC236}">
+                  <a16:creationId xmlns:a16="http://schemas.microsoft.com/office/drawing/2014/main" id="{467437C8-B71E-FC40-BA91-88A141661B00}"/>
+                </a:ext>
+              </a:extLst>
+            </p:cNvPr>
+            <p:cNvGrpSpPr>
+              <a:grpSpLocks noChangeAspect="1"/>
+            </p:cNvGrpSpPr>
+            <p:nvPr/>
+          </p:nvGrpSpPr>
+          <p:grpSpPr>
+            <a:xfrm>
+              <a:off x="-58094" y="9550"/>
+              <a:ext cx="2619673" cy="3175709"/>
+              <a:chOff x="3709087" y="3092200"/>
+              <a:chExt cx="2797390" cy="3391145"/>
+            </a:xfrm>
+          </p:grpSpPr>
+          <p:pic>
+            <p:nvPicPr>
+              <p:cNvPr id="3" name="Picture 2">
+                <a:extLst>
+                  <a:ext uri="{FF2B5EF4-FFF2-40B4-BE49-F238E27FC236}">
+                    <a16:creationId xmlns:a16="http://schemas.microsoft.com/office/drawing/2014/main" id="{08D9A971-5C17-FA4D-AE4E-D33B19498FC9}"/>
+                  </a:ext>
+                </a:extLst>
+              </p:cNvPr>
+              <p:cNvPicPr>
+                <a:picLocks noChangeAspect="1"/>
+              </p:cNvPicPr>
+              <p:nvPr/>
+            </p:nvPicPr>
+            <p:blipFill>
+              <a:blip r:embed="rId7"/>
+              <a:stretch>
+                <a:fillRect/>
+              </a:stretch>
+            </p:blipFill>
+            <p:spPr>
+              <a:xfrm>
+                <a:off x="3783487" y="3379598"/>
+                <a:ext cx="2722990" cy="3103747"/>
+              </a:xfrm>
+              <a:prstGeom prst="rect">
+                <a:avLst/>
+              </a:prstGeom>
+            </p:spPr>
+          </p:pic>
+          <p:sp>
+            <p:nvSpPr>
+              <p:cNvPr id="22" name="TextBox 21">
+                <a:extLst>
+                  <a:ext uri="{FF2B5EF4-FFF2-40B4-BE49-F238E27FC236}">
+                    <a16:creationId xmlns:a16="http://schemas.microsoft.com/office/drawing/2014/main" id="{9CC8A2EA-F668-DD43-A074-9F1F726F28A7}"/>
+                  </a:ext>
+                </a:extLst>
+              </p:cNvPr>
+              <p:cNvSpPr txBox="1"/>
+              <p:nvPr/>
+            </p:nvSpPr>
+            <p:spPr>
+              <a:xfrm>
+                <a:off x="3709087" y="3092200"/>
+                <a:ext cx="578784" cy="450512"/>
+              </a:xfrm>
+              <a:prstGeom prst="rect">
+                <a:avLst/>
+              </a:prstGeom>
+              <a:noFill/>
+            </p:spPr>
+            <p:txBody>
+              <a:bodyPr wrap="square" rtlCol="0">
+                <a:spAutoFit/>
+              </a:bodyPr>
+              <a:lstStyle/>
+              <a:p>
+                <a:pPr algn="ctr"/>
+                <a:r>
+                  <a:rPr lang="en-US" sz="1400" b="1" dirty="0">
+                    <a:latin typeface="Helvetica Neue" panose="02000503000000020004" pitchFamily="2" charset="0"/>
+                    <a:ea typeface="Helvetica Neue" panose="02000503000000020004" pitchFamily="2" charset="0"/>
+                    <a:cs typeface="Helvetica Neue" panose="02000503000000020004" pitchFamily="2" charset="0"/>
+                  </a:rPr>
+                  <a:t>d</a:t>
+                </a:r>
+              </a:p>
+            </p:txBody>
+          </p:sp>
+        </p:grpSp>
+        <p:sp>
+          <p:nvSpPr>
+            <p:cNvPr id="35" name="Rectangle 34">
+              <a:extLst>
+                <a:ext uri="{FF2B5EF4-FFF2-40B4-BE49-F238E27FC236}">
+                  <a16:creationId xmlns:a16="http://schemas.microsoft.com/office/drawing/2014/main" id="{2F86A746-90CC-4240-986F-1335AE691A55}"/>
+                </a:ext>
+              </a:extLst>
+            </p:cNvPr>
+            <p:cNvSpPr/>
+            <p:nvPr/>
+          </p:nvSpPr>
+          <p:spPr>
+            <a:xfrm>
+              <a:off x="43030" y="46978"/>
+              <a:ext cx="2506865" cy="3108514"/>
+            </a:xfrm>
+            <a:prstGeom prst="rect">
+              <a:avLst/>
+            </a:prstGeom>
+            <a:noFill/>
+            <a:ln w="19050">
+              <a:solidFill>
+                <a:schemeClr val="bg2">
+                  <a:lumMod val="75000"/>
+                </a:schemeClr>
+              </a:solidFill>
+            </a:ln>
+          </p:spPr>
+          <p:style>
+            <a:lnRef idx="2">
+              <a:schemeClr val="accent1">
+                <a:shade val="50000"/>
+              </a:schemeClr>
+            </a:lnRef>
+            <a:fillRef idx="1">
+              <a:schemeClr val="accent1"/>
+            </a:fillRef>
+            <a:effectRef idx="0">
+              <a:schemeClr val="accent1"/>
+            </a:effectRef>
+            <a:fontRef idx="minor">
+              <a:schemeClr val="lt1"/>
+            </a:fontRef>
+          </p:style>
+          <p:txBody>
+            <a:bodyPr rtlCol="0" anchor="ctr"/>
+            <a:lstStyle/>
+            <a:p>
+              <a:pPr algn="ctr"/>
+              <a:endParaRPr lang="en-US" dirty="0"/>
+            </a:p>
+          </p:txBody>
+        </p:sp>
+        <p:sp>
+          <p:nvSpPr>
+            <p:cNvPr id="55" name="TextBox 54">
+              <a:extLst>
+                <a:ext uri="{FF2B5EF4-FFF2-40B4-BE49-F238E27FC236}">
+                  <a16:creationId xmlns:a16="http://schemas.microsoft.com/office/drawing/2014/main" id="{5523DCC3-C862-8C42-A4DA-E70E20BFB814}"/>
+                </a:ext>
+              </a:extLst>
+            </p:cNvPr>
+            <p:cNvSpPr txBox="1"/>
+            <p:nvPr/>
+          </p:nvSpPr>
+          <p:spPr>
+            <a:xfrm>
+              <a:off x="670828" y="106558"/>
+              <a:ext cx="1836938" cy="358607"/>
+            </a:xfrm>
+            <a:prstGeom prst="rect">
+              <a:avLst/>
+            </a:prstGeom>
+            <a:noFill/>
+          </p:spPr>
+          <p:txBody>
+            <a:bodyPr wrap="square" rtlCol="0">
+              <a:spAutoFit/>
+            </a:bodyPr>
+            <a:lstStyle/>
+            <a:p>
+              <a:pPr algn="ctr"/>
+              <a:r>
+                <a:rPr lang="en-US" sz="1100" i="1" dirty="0">
+                  <a:solidFill>
+                    <a:srgbClr val="8FB132"/>
+                  </a:solidFill>
+                  <a:latin typeface="Arial" panose="020B0604020202020204" pitchFamily="34" charset="0"/>
+                  <a:ea typeface="Helvetica Neue" panose="02000503000000020004" pitchFamily="2" charset="0"/>
+                  <a:cs typeface="Arial" panose="020B0604020202020204" pitchFamily="34" charset="0"/>
+                </a:rPr>
+                <a:t>Amplification</a:t>
+              </a:r>
+            </a:p>
+          </p:txBody>
+        </p:sp>
+      </p:grpSp>
+      <p:sp>
+        <p:nvSpPr>
+          <p:cNvPr id="53" name="Arc 52">
+            <a:extLst>
+              <a:ext uri="{FF2B5EF4-FFF2-40B4-BE49-F238E27FC236}">
+                <a16:creationId xmlns:a16="http://schemas.microsoft.com/office/drawing/2014/main" id="{96BD8594-B12F-0B4E-80D0-4C225EE50BD6}"/>
+              </a:ext>
+            </a:extLst>
+          </p:cNvPr>
+          <p:cNvSpPr/>
+          <p:nvPr/>
+        </p:nvSpPr>
+        <p:spPr>
+          <a:xfrm rot="14659101" flipH="1" flipV="1">
+            <a:off x="-1743731" y="649999"/>
+            <a:ext cx="4496747" cy="5575436"/>
+          </a:xfrm>
+          <a:prstGeom prst="arc">
+            <a:avLst>
+              <a:gd name="adj1" fmla="val 16774664"/>
+              <a:gd name="adj2" fmla="val 20697222"/>
+            </a:avLst>
+          </a:prstGeom>
+          <a:ln w="19050">
+            <a:solidFill>
+              <a:schemeClr val="bg2">
+                <a:lumMod val="75000"/>
+              </a:schemeClr>
+            </a:solidFill>
+            <a:headEnd type="triangle"/>
+            <a:tailEnd w="lg" len="med"/>
+          </a:ln>
+        </p:spPr>
+        <p:style>
+          <a:lnRef idx="1">
+            <a:schemeClr val="accent1"/>
+          </a:lnRef>
+          <a:fillRef idx="0">
+            <a:schemeClr val="accent1"/>
+          </a:fillRef>
+          <a:effectRef idx="0">
+            <a:schemeClr val="accent1"/>
+          </a:effectRef>
+          <a:fontRef idx="minor">
+            <a:schemeClr val="tx1"/>
+          </a:fontRef>
+        </p:style>
+        <p:txBody>
+          <a:bodyPr rtlCol="0" anchor="ctr"/>
+          <a:lstStyle/>
+          <a:p>
+            <a:pPr algn="ctr"/>
+            <a:endParaRPr lang="en-US"/>
+          </a:p>
+        </p:txBody>
+      </p:sp>
+      <p:sp>
+        <p:nvSpPr>
+          <p:cNvPr id="54" name="Arc 53">
+            <a:extLst>
+              <a:ext uri="{FF2B5EF4-FFF2-40B4-BE49-F238E27FC236}">
+                <a16:creationId xmlns:a16="http://schemas.microsoft.com/office/drawing/2014/main" id="{36C3A527-0618-F84D-BFDC-2B5F3569FFF1}"/>
+              </a:ext>
+            </a:extLst>
+          </p:cNvPr>
+          <p:cNvSpPr/>
+          <p:nvPr/>
+        </p:nvSpPr>
+        <p:spPr>
+          <a:xfrm rot="15877902" flipV="1">
+            <a:off x="-210971" y="3552883"/>
+            <a:ext cx="7638836" cy="5385652"/>
+          </a:xfrm>
+          <a:prstGeom prst="arc">
+            <a:avLst>
+              <a:gd name="adj1" fmla="val 17974590"/>
+              <a:gd name="adj2" fmla="val 20815625"/>
+            </a:avLst>
+          </a:prstGeom>
+          <a:ln w="19050">
+            <a:solidFill>
+              <a:schemeClr val="bg2">
+                <a:lumMod val="75000"/>
+              </a:schemeClr>
+            </a:solidFill>
+            <a:tailEnd type="triangle"/>
+          </a:ln>
+        </p:spPr>
+        <p:style>
+          <a:lnRef idx="1">
+            <a:schemeClr val="accent1"/>
+          </a:lnRef>
+          <a:fillRef idx="0">
+            <a:schemeClr val="accent1"/>
+          </a:fillRef>
+          <a:effectRef idx="0">
+            <a:schemeClr val="accent1"/>
+          </a:effectRef>
+          <a:fontRef idx="minor">
+            <a:schemeClr val="tx1"/>
+          </a:fontRef>
+        </p:style>
+        <p:txBody>
+          <a:bodyPr rtlCol="0" anchor="ctr"/>
+          <a:lstStyle/>
+          <a:p>
+            <a:pPr algn="ctr"/>
+            <a:endParaRPr lang="en-US"/>
+          </a:p>
+        </p:txBody>
+      </p:sp>
+      <p:sp>
+        <p:nvSpPr>
+          <p:cNvPr id="59" name="Arc 58">
+            <a:extLst>
+              <a:ext uri="{FF2B5EF4-FFF2-40B4-BE49-F238E27FC236}">
+                <a16:creationId xmlns:a16="http://schemas.microsoft.com/office/drawing/2014/main" id="{D287D2E2-860F-2745-B06D-78E452A41465}"/>
+              </a:ext>
+            </a:extLst>
+          </p:cNvPr>
+          <p:cNvSpPr/>
+          <p:nvPr/>
+        </p:nvSpPr>
+        <p:spPr>
+          <a:xfrm rot="759814" flipH="1">
+            <a:off x="5368869" y="919199"/>
+            <a:ext cx="2679311" cy="3645737"/>
+          </a:xfrm>
+          <a:prstGeom prst="arc">
+            <a:avLst>
+              <a:gd name="adj1" fmla="val 18735186"/>
+              <a:gd name="adj2" fmla="val 21551542"/>
+            </a:avLst>
+          </a:prstGeom>
+          <a:ln w="19050">
+            <a:solidFill>
+              <a:schemeClr val="bg2">
+                <a:lumMod val="75000"/>
+              </a:schemeClr>
+            </a:solidFill>
+            <a:tailEnd type="triangle" w="med" len="med"/>
+          </a:ln>
+        </p:spPr>
+        <p:style>
+          <a:lnRef idx="1">
+            <a:schemeClr val="accent1"/>
+          </a:lnRef>
+          <a:fillRef idx="0">
+            <a:schemeClr val="accent1"/>
+          </a:fillRef>
+          <a:effectRef idx="0">
+            <a:schemeClr val="accent1"/>
+          </a:effectRef>
+          <a:fontRef idx="minor">
+            <a:schemeClr val="tx1"/>
+          </a:fontRef>
+        </p:style>
+        <p:txBody>
+          <a:bodyPr rtlCol="0" anchor="ctr"/>
+          <a:lstStyle/>
+          <a:p>
+            <a:pPr algn="ctr"/>
+            <a:endParaRPr lang="en-US"/>
+          </a:p>
+        </p:txBody>
+      </p:sp>
+      <p:sp>
+        <p:nvSpPr>
+          <p:cNvPr id="21" name="TextBox 20">
+            <a:extLst>
+              <a:ext uri="{FF2B5EF4-FFF2-40B4-BE49-F238E27FC236}">
+                <a16:creationId xmlns:a16="http://schemas.microsoft.com/office/drawing/2014/main" id="{F8E7F266-7467-FE46-9469-D94B82C96E1B}"/>
+              </a:ext>
+            </a:extLst>
+          </p:cNvPr>
+          <p:cNvSpPr txBox="1"/>
+          <p:nvPr/>
+        </p:nvSpPr>
+        <p:spPr>
+          <a:xfrm>
+            <a:off x="1212182" y="664217"/>
+            <a:ext cx="717463" cy="276999"/>
+          </a:xfrm>
+          <a:prstGeom prst="rect">
+            <a:avLst/>
+          </a:prstGeom>
+          <a:noFill/>
+          <a:ln>
+            <a:solidFill>
+              <a:schemeClr val="tx1"/>
+            </a:solidFill>
+          </a:ln>
+        </p:spPr>
+        <p:txBody>
+          <a:bodyPr wrap="square" rtlCol="0">
+            <a:spAutoFit/>
+          </a:bodyPr>
+          <a:lstStyle/>
+          <a:p>
+            <a:pPr algn="ctr"/>
+            <a:r>
+              <a:rPr lang="en-US" sz="1200" dirty="0">
+                <a:latin typeface="Helvetica" pitchFamily="2" charset="0"/>
+                <a:cs typeface="Arial" panose="020B0604020202020204" pitchFamily="34" charset="0"/>
+              </a:rPr>
+              <a:t>𝛿 = 0.6</a:t>
+            </a:r>
+          </a:p>
+        </p:txBody>
+      </p:sp>
+      <p:sp>
+        <p:nvSpPr>
+          <p:cNvPr id="43" name="TextBox 42">
+            <a:extLst>
+              <a:ext uri="{FF2B5EF4-FFF2-40B4-BE49-F238E27FC236}">
+                <a16:creationId xmlns:a16="http://schemas.microsoft.com/office/drawing/2014/main" id="{EBAF581F-67E4-DB4A-AE84-A1B41EF125F1}"/>
+              </a:ext>
+            </a:extLst>
+          </p:cNvPr>
+          <p:cNvSpPr txBox="1"/>
+          <p:nvPr/>
+        </p:nvSpPr>
+        <p:spPr>
+          <a:xfrm>
+            <a:off x="4884878" y="2396831"/>
+            <a:ext cx="1025694" cy="307777"/>
+          </a:xfrm>
+          <a:prstGeom prst="rect">
+            <a:avLst/>
+          </a:prstGeom>
+          <a:noFill/>
+        </p:spPr>
+        <p:txBody>
+          <a:bodyPr wrap="square" rtlCol="0">
+            <a:spAutoFit/>
+          </a:bodyPr>
+          <a:lstStyle/>
+          <a:p>
+            <a:pPr algn="ctr"/>
+            <a:r>
+              <a:rPr lang="en-US" sz="1400" b="1" dirty="0">
+                <a:ln w="635">
+                  <a:solidFill>
+                    <a:schemeClr val="bg1">
+                      <a:alpha val="50000"/>
+                    </a:schemeClr>
+                  </a:solidFill>
+                </a:ln>
+                <a:solidFill>
+                  <a:srgbClr val="E52421"/>
+                </a:solidFill>
+                <a:latin typeface="Helvetica Neue" panose="02000503000000020004" pitchFamily="2" charset="0"/>
+                <a:ea typeface="Helvetica Neue" panose="02000503000000020004" pitchFamily="2" charset="0"/>
+                <a:cs typeface="Helvetica Neue" panose="02000503000000020004" pitchFamily="2" charset="0"/>
+              </a:rPr>
+              <a:t>X</a:t>
+            </a:r>
+          </a:p>
+        </p:txBody>
+      </p:sp>
+      <p:sp>
+        <p:nvSpPr>
+          <p:cNvPr id="44" name="TextBox 43">
+            <a:extLst>
+              <a:ext uri="{FF2B5EF4-FFF2-40B4-BE49-F238E27FC236}">
+                <a16:creationId xmlns:a16="http://schemas.microsoft.com/office/drawing/2014/main" id="{54A2134B-5A13-4C49-B96B-9FA335A22955}"/>
+              </a:ext>
+            </a:extLst>
+          </p:cNvPr>
+          <p:cNvSpPr txBox="1"/>
+          <p:nvPr/>
+        </p:nvSpPr>
+        <p:spPr>
+          <a:xfrm>
+            <a:off x="3531741" y="2396831"/>
+            <a:ext cx="1025694" cy="307777"/>
+          </a:xfrm>
+          <a:prstGeom prst="rect">
+            <a:avLst/>
+          </a:prstGeom>
+          <a:noFill/>
+          <a:ln w="3175">
+            <a:noFill/>
+          </a:ln>
+        </p:spPr>
+        <p:txBody>
+          <a:bodyPr wrap="square" rtlCol="0">
+            <a:spAutoFit/>
+          </a:bodyPr>
+          <a:lstStyle/>
+          <a:p>
+            <a:pPr algn="ctr"/>
+            <a:r>
+              <a:rPr lang="en-US" sz="1400" b="1" dirty="0">
+                <a:ln w="635">
+                  <a:solidFill>
+                    <a:schemeClr val="bg1">
+                      <a:alpha val="50000"/>
+                    </a:schemeClr>
+                  </a:solidFill>
+                </a:ln>
+                <a:solidFill>
+                  <a:srgbClr val="E52421"/>
+                </a:solidFill>
+                <a:latin typeface="Helvetica Neue" panose="02000503000000020004" pitchFamily="2" charset="0"/>
+                <a:ea typeface="Helvetica Neue" panose="02000503000000020004" pitchFamily="2" charset="0"/>
+                <a:cs typeface="Helvetica Neue" panose="02000503000000020004" pitchFamily="2" charset="0"/>
+              </a:rPr>
+              <a:t>X</a:t>
+            </a:r>
+          </a:p>
+        </p:txBody>
+      </p:sp>
+      <p:sp>
+        <p:nvSpPr>
+          <p:cNvPr id="45" name="TextBox 44">
+            <a:extLst>
+              <a:ext uri="{FF2B5EF4-FFF2-40B4-BE49-F238E27FC236}">
+                <a16:creationId xmlns:a16="http://schemas.microsoft.com/office/drawing/2014/main" id="{2345CDFD-849A-B246-800F-3251850A4AC8}"/>
+              </a:ext>
+            </a:extLst>
+          </p:cNvPr>
+          <p:cNvSpPr txBox="1"/>
+          <p:nvPr/>
+        </p:nvSpPr>
+        <p:spPr>
+          <a:xfrm>
+            <a:off x="2633718" y="2396830"/>
+            <a:ext cx="1025694" cy="307777"/>
+          </a:xfrm>
+          <a:prstGeom prst="rect">
+            <a:avLst/>
+          </a:prstGeom>
+          <a:noFill/>
+          <a:ln>
+            <a:noFill/>
+          </a:ln>
+        </p:spPr>
+        <p:txBody>
+          <a:bodyPr wrap="square" rtlCol="0">
+            <a:spAutoFit/>
+          </a:bodyPr>
+          <a:lstStyle/>
+          <a:p>
+            <a:pPr algn="ctr"/>
+            <a:r>
+              <a:rPr lang="en-US" sz="1400" b="1" dirty="0">
+                <a:ln w="635">
+                  <a:solidFill>
+                    <a:schemeClr val="bg1">
+                      <a:alpha val="50000"/>
+                    </a:schemeClr>
+                  </a:solidFill>
+                </a:ln>
+                <a:solidFill>
+                  <a:srgbClr val="E52421"/>
+                </a:solidFill>
+                <a:latin typeface="Helvetica Neue" panose="02000503000000020004" pitchFamily="2" charset="0"/>
+                <a:ea typeface="Helvetica Neue" panose="02000503000000020004" pitchFamily="2" charset="0"/>
+                <a:cs typeface="Helvetica Neue" panose="02000503000000020004" pitchFamily="2" charset="0"/>
+              </a:rPr>
+              <a:t>X</a:t>
+            </a:r>
+          </a:p>
+        </p:txBody>
+      </p:sp>
+      <p:sp>
+        <p:nvSpPr>
+          <p:cNvPr id="52" name="TextBox 51">
+            <a:extLst>
+              <a:ext uri="{FF2B5EF4-FFF2-40B4-BE49-F238E27FC236}">
+                <a16:creationId xmlns:a16="http://schemas.microsoft.com/office/drawing/2014/main" id="{7AFF4DB9-24C9-1045-BC6C-A74414FEB7A7}"/>
+              </a:ext>
+            </a:extLst>
+          </p:cNvPr>
+          <p:cNvSpPr txBox="1"/>
+          <p:nvPr/>
+        </p:nvSpPr>
+        <p:spPr>
+          <a:xfrm>
+            <a:off x="1204007" y="5193490"/>
+            <a:ext cx="717463" cy="276999"/>
+          </a:xfrm>
+          <a:prstGeom prst="rect">
+            <a:avLst/>
+          </a:prstGeom>
+          <a:noFill/>
+          <a:ln>
+            <a:solidFill>
+              <a:schemeClr val="tx1"/>
+            </a:solidFill>
+          </a:ln>
+        </p:spPr>
+        <p:txBody>
+          <a:bodyPr wrap="square" rtlCol="0">
+            <a:spAutoFit/>
+          </a:bodyPr>
+          <a:lstStyle/>
+          <a:p>
+            <a:pPr algn="ctr"/>
+            <a:r>
+              <a:rPr lang="en-US" sz="1200" dirty="0">
+                <a:latin typeface="Helvetica" pitchFamily="2" charset="0"/>
+                <a:cs typeface="Arial" panose="020B0604020202020204" pitchFamily="34" charset="0"/>
+              </a:rPr>
+              <a:t>𝛿 = 1.5</a:t>
+            </a:r>
+          </a:p>
+        </p:txBody>
+      </p:sp>
+    </p:spTree>
+    <p:extLst>
+      <p:ext uri="{BB962C8B-B14F-4D97-AF65-F5344CB8AC3E}">
+        <p14:creationId xmlns:p14="http://schemas.microsoft.com/office/powerpoint/2010/main" val="2778951362"/>
+      </p:ext>
+    </p:extLst>
+  </p:cSld>
+  <p:clrMapOvr>
+    <a:masterClrMapping/>
+  </p:clrMapOvr>
+</p:sld>
+</file>
+
+<file path=ppt/slides/slide11.xml><?xml version="1.0" encoding="utf-8"?>
+<p:sld xmlns:a="http://schemas.openxmlformats.org/drawingml/2006/main" xmlns:r="http://schemas.openxmlformats.org/officeDocument/2006/relationships" xmlns:p="http://schemas.openxmlformats.org/presentationml/2006/main" show="0">
+  <p:cSld>
+    <p:bg>
+      <p:bgPr>
+        <a:solidFill>
+          <a:schemeClr val="bg1"/>
+        </a:solidFill>
+        <a:effectLst/>
+      </p:bgPr>
+    </p:bg>
+    <p:spTree>
+      <p:nvGrpSpPr>
+        <p:cNvPr id="1" name=""/>
+        <p:cNvGrpSpPr/>
+        <p:nvPr/>
+      </p:nvGrpSpPr>
+      <p:grpSpPr>
+        <a:xfrm>
+          <a:off x="0" y="0"/>
+          <a:ext cx="0" cy="0"/>
+          <a:chOff x="0" y="0"/>
+          <a:chExt cx="0" cy="0"/>
+        </a:xfrm>
+      </p:grpSpPr>
+      <p:pic>
+        <p:nvPicPr>
+          <p:cNvPr id="4" name="Picture 3">
+            <a:extLst>
+              <a:ext uri="{FF2B5EF4-FFF2-40B4-BE49-F238E27FC236}">
+                <a16:creationId xmlns:a16="http://schemas.microsoft.com/office/drawing/2014/main" id="{1FC29707-A502-9C48-A660-5B77AD9B0A87}"/>
+              </a:ext>
+            </a:extLst>
+          </p:cNvPr>
+          <p:cNvPicPr>
+            <a:picLocks noChangeAspect="1"/>
+          </p:cNvPicPr>
+          <p:nvPr/>
+        </p:nvPicPr>
+        <p:blipFill>
+          <a:blip r:embed="rId3"/>
+          <a:stretch>
+            <a:fillRect/>
+          </a:stretch>
+        </p:blipFill>
+        <p:spPr>
+          <a:xfrm>
+            <a:off x="860307" y="689510"/>
+            <a:ext cx="7058144" cy="5104331"/>
+          </a:xfrm>
+          <a:prstGeom prst="rect">
+            <a:avLst/>
+          </a:prstGeom>
+        </p:spPr>
+      </p:pic>
+      <p:cxnSp>
+        <p:nvCxnSpPr>
+          <p:cNvPr id="8" name="Straight Arrow Connector 7">
+            <a:extLst>
+              <a:ext uri="{FF2B5EF4-FFF2-40B4-BE49-F238E27FC236}">
+                <a16:creationId xmlns:a16="http://schemas.microsoft.com/office/drawing/2014/main" id="{2CFA0645-4355-1D4B-A062-65C42F667DBB}"/>
+              </a:ext>
+            </a:extLst>
+          </p:cNvPr>
+          <p:cNvCxnSpPr>
+            <a:cxnSpLocks/>
+          </p:cNvCxnSpPr>
+          <p:nvPr/>
+        </p:nvCxnSpPr>
+        <p:spPr>
+          <a:xfrm>
+            <a:off x="2023608" y="5748135"/>
+            <a:ext cx="3768920" cy="0"/>
+          </a:xfrm>
+          <a:prstGeom prst="straightConnector1">
+            <a:avLst/>
+          </a:prstGeom>
+          <a:ln w="50800">
+            <a:solidFill>
+              <a:srgbClr val="C00000"/>
+            </a:solidFill>
+            <a:tailEnd type="triangle"/>
+          </a:ln>
+        </p:spPr>
+        <p:style>
+          <a:lnRef idx="1">
+            <a:schemeClr val="accent1"/>
+          </a:lnRef>
+          <a:fillRef idx="0">
+            <a:schemeClr val="accent1"/>
+          </a:fillRef>
+          <a:effectRef idx="0">
+            <a:schemeClr val="accent1"/>
+          </a:effectRef>
+          <a:fontRef idx="minor">
+            <a:schemeClr val="tx1"/>
+          </a:fontRef>
+        </p:style>
+      </p:cxnSp>
+      <p:sp>
+        <p:nvSpPr>
+          <p:cNvPr id="15" name="TextBox 14">
+            <a:extLst>
+              <a:ext uri="{FF2B5EF4-FFF2-40B4-BE49-F238E27FC236}">
+                <a16:creationId xmlns:a16="http://schemas.microsoft.com/office/drawing/2014/main" id="{7AC99226-B6F1-0944-B026-8D5879AC1867}"/>
+              </a:ext>
+            </a:extLst>
+          </p:cNvPr>
+          <p:cNvSpPr txBox="1"/>
+          <p:nvPr/>
+        </p:nvSpPr>
+        <p:spPr>
+          <a:xfrm>
+            <a:off x="1446811" y="5843333"/>
+            <a:ext cx="4922512" cy="376578"/>
+          </a:xfrm>
+          <a:prstGeom prst="rect">
+            <a:avLst/>
+          </a:prstGeom>
+          <a:noFill/>
+        </p:spPr>
+        <p:txBody>
+          <a:bodyPr wrap="square" rtlCol="0">
+            <a:spAutoFit/>
+          </a:bodyPr>
+          <a:lstStyle/>
+          <a:p>
+            <a:pPr algn="ctr"/>
+            <a:r>
+              <a:rPr lang="en-US" sz="1847" dirty="0">
+                <a:solidFill>
+                  <a:srgbClr val="C00000"/>
+                </a:solidFill>
+                <a:latin typeface="Helvetica Neue" panose="02000503000000020004" pitchFamily="2" charset="0"/>
+                <a:ea typeface="Helvetica Neue" panose="02000503000000020004" pitchFamily="2" charset="0"/>
+                <a:cs typeface="Helvetica Neue" panose="02000503000000020004" pitchFamily="2" charset="0"/>
+              </a:rPr>
+              <a:t>X becomes more efficient relative to Y</a:t>
+            </a:r>
+          </a:p>
+        </p:txBody>
+      </p:sp>
+      <p:cxnSp>
+        <p:nvCxnSpPr>
+          <p:cNvPr id="21" name="Straight Arrow Connector 20">
+            <a:extLst>
+              <a:ext uri="{FF2B5EF4-FFF2-40B4-BE49-F238E27FC236}">
+                <a16:creationId xmlns:a16="http://schemas.microsoft.com/office/drawing/2014/main" id="{C0411EDC-F739-F342-B051-6F2652647059}"/>
+              </a:ext>
+            </a:extLst>
+          </p:cNvPr>
+          <p:cNvCxnSpPr>
+            <a:cxnSpLocks/>
+          </p:cNvCxnSpPr>
+          <p:nvPr/>
+        </p:nvCxnSpPr>
+        <p:spPr>
+          <a:xfrm flipV="1">
+            <a:off x="749999" y="854467"/>
+            <a:ext cx="0" cy="3848101"/>
+          </a:xfrm>
+          <a:prstGeom prst="straightConnector1">
+            <a:avLst/>
+          </a:prstGeom>
+          <a:ln w="50800">
+            <a:solidFill>
+              <a:srgbClr val="C00000"/>
+            </a:solidFill>
+            <a:tailEnd type="triangle"/>
+          </a:ln>
+        </p:spPr>
+        <p:style>
+          <a:lnRef idx="1">
+            <a:schemeClr val="accent1"/>
+          </a:lnRef>
+          <a:fillRef idx="0">
+            <a:schemeClr val="accent1"/>
+          </a:fillRef>
+          <a:effectRef idx="0">
+            <a:schemeClr val="accent1"/>
+          </a:effectRef>
+          <a:fontRef idx="minor">
+            <a:schemeClr val="tx1"/>
+          </a:fontRef>
+        </p:style>
+      </p:cxnSp>
+      <p:sp>
+        <p:nvSpPr>
+          <p:cNvPr id="23" name="TextBox 22">
+            <a:extLst>
+              <a:ext uri="{FF2B5EF4-FFF2-40B4-BE49-F238E27FC236}">
+                <a16:creationId xmlns:a16="http://schemas.microsoft.com/office/drawing/2014/main" id="{23972CEC-806B-5349-AF6C-195B9DF7B39B}"/>
+              </a:ext>
+            </a:extLst>
+          </p:cNvPr>
+          <p:cNvSpPr txBox="1"/>
+          <p:nvPr/>
+        </p:nvSpPr>
+        <p:spPr>
+          <a:xfrm rot="16200000">
+            <a:off x="-2414963" y="2590228"/>
+            <a:ext cx="5658424" cy="376578"/>
+          </a:xfrm>
+          <a:prstGeom prst="rect">
+            <a:avLst/>
+          </a:prstGeom>
+          <a:noFill/>
+        </p:spPr>
+        <p:txBody>
+          <a:bodyPr wrap="square" rtlCol="0">
+            <a:spAutoFit/>
+          </a:bodyPr>
+          <a:lstStyle/>
+          <a:p>
+            <a:pPr algn="ctr"/>
+            <a:r>
+              <a:rPr lang="en-US" sz="1847" dirty="0">
+                <a:solidFill>
+                  <a:srgbClr val="C00000"/>
+                </a:solidFill>
+                <a:latin typeface="Helvetica Neue" panose="02000503000000020004" pitchFamily="2" charset="0"/>
+                <a:ea typeface="Helvetica Neue" panose="02000503000000020004" pitchFamily="2" charset="0"/>
+                <a:cs typeface="Helvetica Neue" panose="02000503000000020004" pitchFamily="2" charset="0"/>
+              </a:rPr>
+              <a:t>X becomes less sensitive to stimuli relative to Y</a:t>
+            </a:r>
+          </a:p>
+        </p:txBody>
+      </p:sp>
+      <p:sp>
+        <p:nvSpPr>
+          <p:cNvPr id="31" name="TextBox 30">
+            <a:extLst>
+              <a:ext uri="{FF2B5EF4-FFF2-40B4-BE49-F238E27FC236}">
+                <a16:creationId xmlns:a16="http://schemas.microsoft.com/office/drawing/2014/main" id="{6E5642E8-FC41-A44E-AD68-09A79AF5128B}"/>
+              </a:ext>
+            </a:extLst>
+          </p:cNvPr>
+          <p:cNvSpPr txBox="1"/>
+          <p:nvPr/>
+        </p:nvSpPr>
+        <p:spPr>
+          <a:xfrm>
+            <a:off x="2038690" y="4326746"/>
+            <a:ext cx="271490" cy="412100"/>
+          </a:xfrm>
+          <a:prstGeom prst="rect">
+            <a:avLst/>
+          </a:prstGeom>
+          <a:noFill/>
+        </p:spPr>
+        <p:txBody>
+          <a:bodyPr wrap="square" rtlCol="0">
+            <a:spAutoFit/>
+          </a:bodyPr>
+          <a:lstStyle/>
+          <a:p>
+            <a:pPr algn="ctr"/>
+            <a:r>
+              <a:rPr lang="en-US" sz="2078" b="1" dirty="0">
+                <a:solidFill>
+                  <a:srgbClr val="C00000"/>
+                </a:solidFill>
+                <a:latin typeface="Helvetica Neue" panose="02000503000000020004" pitchFamily="2" charset="0"/>
+                <a:ea typeface="Helvetica Neue" panose="02000503000000020004" pitchFamily="2" charset="0"/>
+                <a:cs typeface="Helvetica Neue" panose="02000503000000020004" pitchFamily="2" charset="0"/>
+              </a:rPr>
+              <a:t>Y</a:t>
+            </a:r>
+          </a:p>
+        </p:txBody>
+      </p:sp>
+    </p:spTree>
+    <p:extLst>
+      <p:ext uri="{BB962C8B-B14F-4D97-AF65-F5344CB8AC3E}">
+        <p14:creationId xmlns:p14="http://schemas.microsoft.com/office/powerpoint/2010/main" val="2810097841"/>
+      </p:ext>
+    </p:extLst>
+  </p:cSld>
+  <p:clrMapOvr>
+    <a:masterClrMapping/>
+  </p:clrMapOvr>
+</p:sld>
+</file>
+
+<file path=ppt/slides/slide12.xml><?xml version="1.0" encoding="utf-8"?>
+<p:sld xmlns:a="http://schemas.openxmlformats.org/drawingml/2006/main" xmlns:r="http://schemas.openxmlformats.org/officeDocument/2006/relationships" xmlns:p="http://schemas.openxmlformats.org/presentationml/2006/main" show="0">
+  <p:cSld>
+    <p:spTree>
+      <p:nvGrpSpPr>
+        <p:cNvPr id="1" name=""/>
+        <p:cNvGrpSpPr/>
+        <p:nvPr/>
+      </p:nvGrpSpPr>
+      <p:grpSpPr>
+        <a:xfrm>
+          <a:off x="0" y="0"/>
+          <a:ext cx="0" cy="0"/>
+          <a:chOff x="0" y="0"/>
+          <a:chExt cx="0" cy="0"/>
+        </a:xfrm>
+      </p:grpSpPr>
+      <p:pic>
+        <p:nvPicPr>
           <p:cNvPr id="48" name="Picture 47">
             <a:extLst>
               <a:ext uri="{FF2B5EF4-FFF2-40B4-BE49-F238E27FC236}">
@@ -10363,7 +12874,7 @@
 </p:sld>
 </file>
 
-<file path=ppt/slides/slide11.xml><?xml version="1.0" encoding="utf-8"?>
+<file path=ppt/slides/slide13.xml><?xml version="1.0" encoding="utf-8"?>
 <p:sld xmlns:a="http://schemas.openxmlformats.org/drawingml/2006/main" xmlns:r="http://schemas.openxmlformats.org/officeDocument/2006/relationships" xmlns:p="http://schemas.openxmlformats.org/presentationml/2006/main" show="0">
   <p:cSld>
     <p:spTree>
@@ -11876,7 +14387,7 @@
 </p:sld>
 </file>
 
-<file path=ppt/slides/slide12.xml><?xml version="1.0" encoding="utf-8"?>
+<file path=ppt/slides/slide14.xml><?xml version="1.0" encoding="utf-8"?>
 <p:sld xmlns:a="http://schemas.openxmlformats.org/drawingml/2006/main" xmlns:r="http://schemas.openxmlformats.org/officeDocument/2006/relationships" xmlns:p="http://schemas.openxmlformats.org/presentationml/2006/main" show="0">
   <p:cSld>
     <p:spTree>
@@ -13518,7 +16029,7 @@
 </p:sld>
 </file>
 
-<file path=ppt/slides/slide13.xml><?xml version="1.0" encoding="utf-8"?>
+<file path=ppt/slides/slide15.xml><?xml version="1.0" encoding="utf-8"?>
 <p:sld xmlns:a="http://schemas.openxmlformats.org/drawingml/2006/main" xmlns:r="http://schemas.openxmlformats.org/officeDocument/2006/relationships" xmlns:p="http://schemas.openxmlformats.org/presentationml/2006/main" show="0">
   <p:cSld>
     <p:spTree>
@@ -15068,8 +17579,8 @@
 </p:sld>
 </file>
 
-<file path=ppt/slides/slide14.xml><?xml version="1.0" encoding="utf-8"?>
-<p:sld xmlns:a="http://schemas.openxmlformats.org/drawingml/2006/main" xmlns:r="http://schemas.openxmlformats.org/officeDocument/2006/relationships" xmlns:p="http://schemas.openxmlformats.org/presentationml/2006/main">
+<file path=ppt/slides/slide16.xml><?xml version="1.0" encoding="utf-8"?>
+<p:sld xmlns:a="http://schemas.openxmlformats.org/drawingml/2006/main" xmlns:r="http://schemas.openxmlformats.org/officeDocument/2006/relationships" xmlns:p="http://schemas.openxmlformats.org/presentationml/2006/main" show="0">
   <p:cSld>
     <p:spTree>
       <p:nvGrpSpPr>
@@ -16618,7 +19129,1557 @@
 </p:sld>
 </file>
 
-<file path=ppt/slides/slide15.xml><?xml version="1.0" encoding="utf-8"?>
+<file path=ppt/slides/slide17.xml><?xml version="1.0" encoding="utf-8"?>
+<p:sld xmlns:a="http://schemas.openxmlformats.org/drawingml/2006/main" xmlns:r="http://schemas.openxmlformats.org/officeDocument/2006/relationships" xmlns:p="http://schemas.openxmlformats.org/presentationml/2006/main">
+  <p:cSld>
+    <p:spTree>
+      <p:nvGrpSpPr>
+        <p:cNvPr id="1" name=""/>
+        <p:cNvGrpSpPr/>
+        <p:nvPr/>
+      </p:nvGrpSpPr>
+      <p:grpSpPr>
+        <a:xfrm>
+          <a:off x="0" y="0"/>
+          <a:ext cx="0" cy="0"/>
+          <a:chOff x="0" y="0"/>
+          <a:chExt cx="0" cy="0"/>
+        </a:xfrm>
+      </p:grpSpPr>
+      <p:pic>
+        <p:nvPicPr>
+          <p:cNvPr id="9" name="Picture 8">
+            <a:extLst>
+              <a:ext uri="{FF2B5EF4-FFF2-40B4-BE49-F238E27FC236}">
+                <a16:creationId xmlns:a16="http://schemas.microsoft.com/office/drawing/2014/main" id="{6E0ED072-77CB-F44A-BE10-DAE3F8933115}"/>
+              </a:ext>
+            </a:extLst>
+          </p:cNvPr>
+          <p:cNvPicPr>
+            <a:picLocks noChangeAspect="1"/>
+          </p:cNvPicPr>
+          <p:nvPr/>
+        </p:nvPicPr>
+        <p:blipFill>
+          <a:blip r:embed="rId3"/>
+          <a:stretch>
+            <a:fillRect/>
+          </a:stretch>
+        </p:blipFill>
+        <p:spPr>
+          <a:xfrm>
+            <a:off x="100584" y="521208"/>
+            <a:ext cx="1728216" cy="1984248"/>
+          </a:xfrm>
+          <a:prstGeom prst="rect">
+            <a:avLst/>
+          </a:prstGeom>
+        </p:spPr>
+      </p:pic>
+      <p:pic>
+        <p:nvPicPr>
+          <p:cNvPr id="11" name="Picture 10">
+            <a:extLst>
+              <a:ext uri="{FF2B5EF4-FFF2-40B4-BE49-F238E27FC236}">
+                <a16:creationId xmlns:a16="http://schemas.microsoft.com/office/drawing/2014/main" id="{99735EB1-59AD-9C41-B013-680DBD3C394B}"/>
+              </a:ext>
+            </a:extLst>
+          </p:cNvPr>
+          <p:cNvPicPr>
+            <a:picLocks noChangeAspect="1"/>
+          </p:cNvPicPr>
+          <p:nvPr/>
+        </p:nvPicPr>
+        <p:blipFill>
+          <a:blip r:embed="rId4"/>
+          <a:stretch>
+            <a:fillRect/>
+          </a:stretch>
+        </p:blipFill>
+        <p:spPr>
+          <a:xfrm>
+            <a:off x="6062472" y="521208"/>
+            <a:ext cx="1728216" cy="1984248"/>
+          </a:xfrm>
+          <a:prstGeom prst="rect">
+            <a:avLst/>
+          </a:prstGeom>
+        </p:spPr>
+      </p:pic>
+      <p:pic>
+        <p:nvPicPr>
+          <p:cNvPr id="3" name="Picture 2">
+            <a:extLst>
+              <a:ext uri="{FF2B5EF4-FFF2-40B4-BE49-F238E27FC236}">
+                <a16:creationId xmlns:a16="http://schemas.microsoft.com/office/drawing/2014/main" id="{49446C4E-1932-7943-9BE9-DEEF10B0ABB2}"/>
+              </a:ext>
+            </a:extLst>
+          </p:cNvPr>
+          <p:cNvPicPr>
+            <a:picLocks noChangeAspect="1"/>
+          </p:cNvPicPr>
+          <p:nvPr/>
+        </p:nvPicPr>
+        <p:blipFill>
+          <a:blip r:embed="rId5"/>
+          <a:stretch>
+            <a:fillRect/>
+          </a:stretch>
+        </p:blipFill>
+        <p:spPr>
+          <a:xfrm>
+            <a:off x="2185416" y="1069848"/>
+            <a:ext cx="3652413" cy="4151376"/>
+          </a:xfrm>
+          <a:prstGeom prst="rect">
+            <a:avLst/>
+          </a:prstGeom>
+        </p:spPr>
+      </p:pic>
+      <p:pic>
+        <p:nvPicPr>
+          <p:cNvPr id="5" name="Picture 4">
+            <a:extLst>
+              <a:ext uri="{FF2B5EF4-FFF2-40B4-BE49-F238E27FC236}">
+                <a16:creationId xmlns:a16="http://schemas.microsoft.com/office/drawing/2014/main" id="{1500B8E4-AAA2-0440-A9D5-965685EEFBBF}"/>
+              </a:ext>
+            </a:extLst>
+          </p:cNvPr>
+          <p:cNvPicPr>
+            <a:picLocks noChangeAspect="1"/>
+          </p:cNvPicPr>
+          <p:nvPr/>
+        </p:nvPicPr>
+        <p:blipFill>
+          <a:blip r:embed="rId6"/>
+          <a:stretch>
+            <a:fillRect/>
+          </a:stretch>
+        </p:blipFill>
+        <p:spPr>
+          <a:xfrm>
+            <a:off x="6062472" y="4301970"/>
+            <a:ext cx="1728216" cy="1984248"/>
+          </a:xfrm>
+          <a:prstGeom prst="rect">
+            <a:avLst/>
+          </a:prstGeom>
+        </p:spPr>
+      </p:pic>
+      <p:pic>
+        <p:nvPicPr>
+          <p:cNvPr id="7" name="Picture 6">
+            <a:extLst>
+              <a:ext uri="{FF2B5EF4-FFF2-40B4-BE49-F238E27FC236}">
+                <a16:creationId xmlns:a16="http://schemas.microsoft.com/office/drawing/2014/main" id="{B46CA88A-5C8F-D74D-8414-81029318F896}"/>
+              </a:ext>
+            </a:extLst>
+          </p:cNvPr>
+          <p:cNvPicPr>
+            <a:picLocks noChangeAspect="1"/>
+          </p:cNvPicPr>
+          <p:nvPr/>
+        </p:nvPicPr>
+        <p:blipFill>
+          <a:blip r:embed="rId7"/>
+          <a:stretch>
+            <a:fillRect/>
+          </a:stretch>
+        </p:blipFill>
+        <p:spPr>
+          <a:xfrm>
+            <a:off x="100584" y="4301970"/>
+            <a:ext cx="1728216" cy="1984248"/>
+          </a:xfrm>
+          <a:prstGeom prst="rect">
+            <a:avLst/>
+          </a:prstGeom>
+        </p:spPr>
+      </p:pic>
+      <p:grpSp>
+        <p:nvGrpSpPr>
+          <p:cNvPr id="8" name="Group 7">
+            <a:extLst>
+              <a:ext uri="{FF2B5EF4-FFF2-40B4-BE49-F238E27FC236}">
+                <a16:creationId xmlns:a16="http://schemas.microsoft.com/office/drawing/2014/main" id="{EDB93B79-28BE-5F45-BEA6-37B27ABDA814}"/>
+              </a:ext>
+            </a:extLst>
+          </p:cNvPr>
+          <p:cNvGrpSpPr/>
+          <p:nvPr/>
+        </p:nvGrpSpPr>
+        <p:grpSpPr>
+          <a:xfrm>
+            <a:off x="1846537" y="1047115"/>
+            <a:ext cx="4321630" cy="4371097"/>
+            <a:chOff x="2048832" y="1246060"/>
+            <a:chExt cx="3805268" cy="3848825"/>
+          </a:xfrm>
+        </p:grpSpPr>
+        <p:grpSp>
+          <p:nvGrpSpPr>
+            <p:cNvPr id="32" name="Group 31">
+              <a:extLst>
+                <a:ext uri="{FF2B5EF4-FFF2-40B4-BE49-F238E27FC236}">
+                  <a16:creationId xmlns:a16="http://schemas.microsoft.com/office/drawing/2014/main" id="{A68FFD5D-1878-4043-B3D3-6F2FC94FFE78}"/>
+                </a:ext>
+              </a:extLst>
+            </p:cNvPr>
+            <p:cNvGrpSpPr/>
+            <p:nvPr/>
+          </p:nvGrpSpPr>
+          <p:grpSpPr>
+            <a:xfrm>
+              <a:off x="2089291" y="1348411"/>
+              <a:ext cx="3764809" cy="3746474"/>
+              <a:chOff x="264809" y="-209761"/>
+              <a:chExt cx="6322016" cy="6291225"/>
+            </a:xfrm>
+          </p:grpSpPr>
+          <p:cxnSp>
+            <p:nvCxnSpPr>
+              <p:cNvPr id="38" name="Straight Arrow Connector 37">
+                <a:extLst>
+                  <a:ext uri="{FF2B5EF4-FFF2-40B4-BE49-F238E27FC236}">
+                    <a16:creationId xmlns:a16="http://schemas.microsoft.com/office/drawing/2014/main" id="{A307D4E4-7D02-4047-8582-E3B4AB21BFB2}"/>
+                  </a:ext>
+                </a:extLst>
+              </p:cNvPr>
+              <p:cNvCxnSpPr>
+                <a:cxnSpLocks/>
+              </p:cNvCxnSpPr>
+              <p:nvPr/>
+            </p:nvCxnSpPr>
+            <p:spPr>
+              <a:xfrm>
+                <a:off x="1311292" y="5683186"/>
+                <a:ext cx="4983991" cy="0"/>
+              </a:xfrm>
+              <a:prstGeom prst="straightConnector1">
+                <a:avLst/>
+              </a:prstGeom>
+              <a:ln w="50800">
+                <a:solidFill>
+                  <a:srgbClr val="C00000"/>
+                </a:solidFill>
+                <a:tailEnd type="triangle"/>
+              </a:ln>
+            </p:spPr>
+            <p:style>
+              <a:lnRef idx="1">
+                <a:schemeClr val="accent1"/>
+              </a:lnRef>
+              <a:fillRef idx="0">
+                <a:schemeClr val="accent1"/>
+              </a:fillRef>
+              <a:effectRef idx="0">
+                <a:schemeClr val="accent1"/>
+              </a:effectRef>
+              <a:fontRef idx="minor">
+                <a:schemeClr val="tx1"/>
+              </a:fontRef>
+            </p:style>
+          </p:cxnSp>
+          <p:sp>
+            <p:nvSpPr>
+              <p:cNvPr id="39" name="TextBox 38">
+                <a:extLst>
+                  <a:ext uri="{FF2B5EF4-FFF2-40B4-BE49-F238E27FC236}">
+                    <a16:creationId xmlns:a16="http://schemas.microsoft.com/office/drawing/2014/main" id="{7A891AFA-F877-6342-9C16-A81ED1CDEF25}"/>
+                  </a:ext>
+                </a:extLst>
+              </p:cNvPr>
+              <p:cNvSpPr txBox="1"/>
+              <p:nvPr/>
+            </p:nvSpPr>
+            <p:spPr>
+              <a:xfrm>
+                <a:off x="1079960" y="5694648"/>
+                <a:ext cx="5506865" cy="386816"/>
+              </a:xfrm>
+              <a:prstGeom prst="rect">
+                <a:avLst/>
+              </a:prstGeom>
+              <a:noFill/>
+            </p:spPr>
+            <p:txBody>
+              <a:bodyPr wrap="square" rtlCol="0">
+                <a:spAutoFit/>
+              </a:bodyPr>
+              <a:lstStyle/>
+              <a:p>
+                <a:pPr algn="ctr"/>
+                <a:r>
+                  <a:rPr lang="en-US" sz="1100" dirty="0">
+                    <a:solidFill>
+                      <a:srgbClr val="C00000"/>
+                    </a:solidFill>
+                    <a:latin typeface="Helvetica Neue" panose="02000503000000020004" pitchFamily="2" charset="0"/>
+                    <a:ea typeface="Helvetica Neue" panose="02000503000000020004" pitchFamily="2" charset="0"/>
+                    <a:cs typeface="Helvetica Neue" panose="02000503000000020004" pitchFamily="2" charset="0"/>
+                  </a:rPr>
+                  <a:t>Individuals become less sensitive to stimuli</a:t>
+                </a:r>
+              </a:p>
+            </p:txBody>
+          </p:sp>
+          <p:cxnSp>
+            <p:nvCxnSpPr>
+              <p:cNvPr id="40" name="Straight Arrow Connector 39">
+                <a:extLst>
+                  <a:ext uri="{FF2B5EF4-FFF2-40B4-BE49-F238E27FC236}">
+                    <a16:creationId xmlns:a16="http://schemas.microsoft.com/office/drawing/2014/main" id="{85D1266F-19AC-0241-AAF6-57849EF30018}"/>
+                  </a:ext>
+                </a:extLst>
+              </p:cNvPr>
+              <p:cNvCxnSpPr>
+                <a:cxnSpLocks/>
+              </p:cNvCxnSpPr>
+              <p:nvPr/>
+            </p:nvCxnSpPr>
+            <p:spPr>
+              <a:xfrm flipV="1">
+                <a:off x="721538" y="440001"/>
+                <a:ext cx="0" cy="4746856"/>
+              </a:xfrm>
+              <a:prstGeom prst="straightConnector1">
+                <a:avLst/>
+              </a:prstGeom>
+              <a:ln w="50800">
+                <a:solidFill>
+                  <a:srgbClr val="C00000"/>
+                </a:solidFill>
+                <a:tailEnd type="triangle"/>
+              </a:ln>
+            </p:spPr>
+            <p:style>
+              <a:lnRef idx="1">
+                <a:schemeClr val="accent1"/>
+              </a:lnRef>
+              <a:fillRef idx="0">
+                <a:schemeClr val="accent1"/>
+              </a:fillRef>
+              <a:effectRef idx="0">
+                <a:schemeClr val="accent1"/>
+              </a:effectRef>
+              <a:fontRef idx="minor">
+                <a:schemeClr val="tx1"/>
+              </a:fontRef>
+            </p:style>
+          </p:cxnSp>
+          <p:sp>
+            <p:nvSpPr>
+              <p:cNvPr id="41" name="TextBox 40">
+                <a:extLst>
+                  <a:ext uri="{FF2B5EF4-FFF2-40B4-BE49-F238E27FC236}">
+                    <a16:creationId xmlns:a16="http://schemas.microsoft.com/office/drawing/2014/main" id="{4D2E4A4A-C872-794A-8C39-528400D778A1}"/>
+                  </a:ext>
+                </a:extLst>
+              </p:cNvPr>
+              <p:cNvSpPr txBox="1"/>
+              <p:nvPr/>
+            </p:nvSpPr>
+            <p:spPr>
+              <a:xfrm rot="16200000">
+                <a:off x="-2604958" y="2660006"/>
+                <a:ext cx="6126350" cy="386816"/>
+              </a:xfrm>
+              <a:prstGeom prst="rect">
+                <a:avLst/>
+              </a:prstGeom>
+              <a:noFill/>
+            </p:spPr>
+            <p:txBody>
+              <a:bodyPr wrap="square" rtlCol="0">
+                <a:spAutoFit/>
+              </a:bodyPr>
+              <a:lstStyle/>
+              <a:p>
+                <a:pPr algn="ctr"/>
+                <a:r>
+                  <a:rPr lang="en-US" sz="1100" dirty="0">
+                    <a:solidFill>
+                      <a:srgbClr val="C00000"/>
+                    </a:solidFill>
+                    <a:latin typeface="Helvetica Neue" panose="02000503000000020004" pitchFamily="2" charset="0"/>
+                    <a:ea typeface="Helvetica Neue" panose="02000503000000020004" pitchFamily="2" charset="0"/>
+                    <a:cs typeface="Helvetica Neue" panose="02000503000000020004" pitchFamily="2" charset="0"/>
+                  </a:rPr>
+                  <a:t>Individuals become more efficient</a:t>
+                </a:r>
+              </a:p>
+            </p:txBody>
+          </p:sp>
+          <p:sp>
+            <p:nvSpPr>
+              <p:cNvPr id="42" name="TextBox 41">
+                <a:extLst>
+                  <a:ext uri="{FF2B5EF4-FFF2-40B4-BE49-F238E27FC236}">
+                    <a16:creationId xmlns:a16="http://schemas.microsoft.com/office/drawing/2014/main" id="{6308A167-A527-214B-9F7E-05AF52A19B71}"/>
+                  </a:ext>
+                </a:extLst>
+              </p:cNvPr>
+              <p:cNvSpPr txBox="1"/>
+              <p:nvPr/>
+            </p:nvSpPr>
+            <p:spPr>
+              <a:xfrm>
+                <a:off x="2568835" y="3944657"/>
+                <a:ext cx="1569713" cy="387622"/>
+              </a:xfrm>
+              <a:prstGeom prst="rect">
+                <a:avLst/>
+              </a:prstGeom>
+              <a:noFill/>
+            </p:spPr>
+            <p:txBody>
+              <a:bodyPr wrap="square" rtlCol="0">
+                <a:spAutoFit/>
+              </a:bodyPr>
+              <a:lstStyle/>
+              <a:p>
+                <a:pPr algn="ctr"/>
+                <a:r>
+                  <a:rPr lang="en-US" sz="1100" b="1" dirty="0">
+                    <a:ln w="127">
+                      <a:noFill/>
+                    </a:ln>
+                    <a:solidFill>
+                      <a:srgbClr val="2B4B9B"/>
+                    </a:solidFill>
+                    <a:latin typeface="Helvetica Neue" panose="02000503000000020004" pitchFamily="2" charset="0"/>
+                    <a:ea typeface="Helvetica Neue" panose="02000503000000020004" pitchFamily="2" charset="0"/>
+                    <a:cs typeface="Helvetica Neue" panose="02000503000000020004" pitchFamily="2" charset="0"/>
+                  </a:rPr>
+                  <a:t>Y</a:t>
+                </a:r>
+              </a:p>
+            </p:txBody>
+          </p:sp>
+        </p:grpSp>
+        <p:sp>
+          <p:nvSpPr>
+            <p:cNvPr id="14" name="TextBox 13">
+              <a:extLst>
+                <a:ext uri="{FF2B5EF4-FFF2-40B4-BE49-F238E27FC236}">
+                  <a16:creationId xmlns:a16="http://schemas.microsoft.com/office/drawing/2014/main" id="{FA8196DD-48D5-9049-896A-63BB364405C1}"/>
+                </a:ext>
+              </a:extLst>
+            </p:cNvPr>
+            <p:cNvSpPr txBox="1"/>
+            <p:nvPr/>
+          </p:nvSpPr>
+          <p:spPr>
+            <a:xfrm flipH="1">
+              <a:off x="2048832" y="1246060"/>
+              <a:ext cx="301752" cy="271003"/>
+            </a:xfrm>
+            <a:prstGeom prst="rect">
+              <a:avLst/>
+            </a:prstGeom>
+            <a:noFill/>
+          </p:spPr>
+          <p:txBody>
+            <a:bodyPr wrap="square" rtlCol="0">
+              <a:spAutoFit/>
+            </a:bodyPr>
+            <a:lstStyle/>
+            <a:p>
+              <a:pPr algn="ctr"/>
+              <a:r>
+                <a:rPr lang="en-US" sz="1400" b="1" dirty="0">
+                  <a:latin typeface="Helvetica Neue" panose="02000503000000020004" pitchFamily="2" charset="0"/>
+                  <a:ea typeface="Helvetica Neue" panose="02000503000000020004" pitchFamily="2" charset="0"/>
+                  <a:cs typeface="Helvetica Neue" panose="02000503000000020004" pitchFamily="2" charset="0"/>
+                </a:rPr>
+                <a:t>c</a:t>
+              </a:r>
+            </a:p>
+          </p:txBody>
+        </p:sp>
+      </p:grpSp>
+      <p:sp>
+        <p:nvSpPr>
+          <p:cNvPr id="53" name="Arc 52">
+            <a:extLst>
+              <a:ext uri="{FF2B5EF4-FFF2-40B4-BE49-F238E27FC236}">
+                <a16:creationId xmlns:a16="http://schemas.microsoft.com/office/drawing/2014/main" id="{96BD8594-B12F-0B4E-80D0-4C225EE50BD6}"/>
+              </a:ext>
+            </a:extLst>
+          </p:cNvPr>
+          <p:cNvSpPr/>
+          <p:nvPr/>
+        </p:nvSpPr>
+        <p:spPr>
+          <a:xfrm rot="15955859" flipH="1" flipV="1">
+            <a:off x="-37102" y="1622723"/>
+            <a:ext cx="2825642" cy="4211975"/>
+          </a:xfrm>
+          <a:prstGeom prst="arc">
+            <a:avLst>
+              <a:gd name="adj1" fmla="val 17788881"/>
+              <a:gd name="adj2" fmla="val 20659825"/>
+            </a:avLst>
+          </a:prstGeom>
+          <a:ln w="12700">
+            <a:solidFill>
+              <a:schemeClr val="bg2">
+                <a:lumMod val="25000"/>
+              </a:schemeClr>
+            </a:solidFill>
+            <a:headEnd type="triangle"/>
+            <a:tailEnd w="lg" len="med"/>
+          </a:ln>
+        </p:spPr>
+        <p:style>
+          <a:lnRef idx="1">
+            <a:schemeClr val="accent1"/>
+          </a:lnRef>
+          <a:fillRef idx="0">
+            <a:schemeClr val="accent1"/>
+          </a:fillRef>
+          <a:effectRef idx="0">
+            <a:schemeClr val="accent1"/>
+          </a:effectRef>
+          <a:fontRef idx="minor">
+            <a:schemeClr val="tx1"/>
+          </a:fontRef>
+        </p:style>
+        <p:txBody>
+          <a:bodyPr rtlCol="0" anchor="ctr"/>
+          <a:lstStyle/>
+          <a:p>
+            <a:pPr algn="ctr"/>
+            <a:endParaRPr lang="en-US"/>
+          </a:p>
+        </p:txBody>
+      </p:sp>
+      <p:sp>
+        <p:nvSpPr>
+          <p:cNvPr id="54" name="Arc 53">
+            <a:extLst>
+              <a:ext uri="{FF2B5EF4-FFF2-40B4-BE49-F238E27FC236}">
+                <a16:creationId xmlns:a16="http://schemas.microsoft.com/office/drawing/2014/main" id="{36C3A527-0618-F84D-BFDC-2B5F3569FFF1}"/>
+              </a:ext>
+            </a:extLst>
+          </p:cNvPr>
+          <p:cNvSpPr/>
+          <p:nvPr/>
+        </p:nvSpPr>
+        <p:spPr>
+          <a:xfrm rot="15881810" flipV="1">
+            <a:off x="4431825" y="3101839"/>
+            <a:ext cx="2134655" cy="2961494"/>
+          </a:xfrm>
+          <a:prstGeom prst="arc">
+            <a:avLst>
+              <a:gd name="adj1" fmla="val 17120637"/>
+              <a:gd name="adj2" fmla="val 20983432"/>
+            </a:avLst>
+          </a:prstGeom>
+          <a:ln w="12700">
+            <a:solidFill>
+              <a:schemeClr val="bg2">
+                <a:lumMod val="25000"/>
+              </a:schemeClr>
+            </a:solidFill>
+            <a:tailEnd type="triangle"/>
+          </a:ln>
+        </p:spPr>
+        <p:style>
+          <a:lnRef idx="1">
+            <a:schemeClr val="accent1"/>
+          </a:lnRef>
+          <a:fillRef idx="0">
+            <a:schemeClr val="accent1"/>
+          </a:fillRef>
+          <a:effectRef idx="0">
+            <a:schemeClr val="accent1"/>
+          </a:effectRef>
+          <a:fontRef idx="minor">
+            <a:schemeClr val="tx1"/>
+          </a:fontRef>
+        </p:style>
+        <p:txBody>
+          <a:bodyPr rtlCol="0" anchor="ctr"/>
+          <a:lstStyle/>
+          <a:p>
+            <a:pPr algn="ctr"/>
+            <a:endParaRPr lang="en-US"/>
+          </a:p>
+        </p:txBody>
+      </p:sp>
+      <p:sp>
+        <p:nvSpPr>
+          <p:cNvPr id="44" name="TextBox 43">
+            <a:extLst>
+              <a:ext uri="{FF2B5EF4-FFF2-40B4-BE49-F238E27FC236}">
+                <a16:creationId xmlns:a16="http://schemas.microsoft.com/office/drawing/2014/main" id="{54A2134B-5A13-4C49-B96B-9FA335A22955}"/>
+              </a:ext>
+            </a:extLst>
+          </p:cNvPr>
+          <p:cNvSpPr txBox="1"/>
+          <p:nvPr/>
+        </p:nvSpPr>
+        <p:spPr>
+          <a:xfrm>
+            <a:off x="3776268" y="2480735"/>
+            <a:ext cx="1025694" cy="246221"/>
+          </a:xfrm>
+          <a:prstGeom prst="rect">
+            <a:avLst/>
+          </a:prstGeom>
+          <a:noFill/>
+          <a:ln w="3175">
+            <a:noFill/>
+          </a:ln>
+        </p:spPr>
+        <p:txBody>
+          <a:bodyPr wrap="square" rtlCol="0">
+            <a:spAutoFit/>
+          </a:bodyPr>
+          <a:lstStyle/>
+          <a:p>
+            <a:pPr algn="ctr"/>
+            <a:r>
+              <a:rPr lang="en-US" sz="1000" b="1" dirty="0">
+                <a:ln w="127">
+                  <a:solidFill>
+                    <a:schemeClr val="bg1">
+                      <a:alpha val="5000"/>
+                    </a:schemeClr>
+                  </a:solidFill>
+                </a:ln>
+                <a:solidFill>
+                  <a:srgbClr val="E52521"/>
+                </a:solidFill>
+                <a:latin typeface="Helvetica Neue" panose="02000503000000020004" pitchFamily="2" charset="0"/>
+                <a:ea typeface="Helvetica Neue" panose="02000503000000020004" pitchFamily="2" charset="0"/>
+                <a:cs typeface="Helvetica Neue" panose="02000503000000020004" pitchFamily="2" charset="0"/>
+              </a:rPr>
+              <a:t>X</a:t>
+            </a:r>
+            <a:r>
+              <a:rPr lang="en-US" sz="1000" b="1" baseline="-25000" dirty="0">
+                <a:ln w="127">
+                  <a:solidFill>
+                    <a:schemeClr val="bg1">
+                      <a:alpha val="5000"/>
+                    </a:schemeClr>
+                  </a:solidFill>
+                </a:ln>
+                <a:solidFill>
+                  <a:srgbClr val="E52521"/>
+                </a:solidFill>
+                <a:latin typeface="Helvetica Neue" panose="02000503000000020004" pitchFamily="2" charset="0"/>
+                <a:ea typeface="Helvetica Neue" panose="02000503000000020004" pitchFamily="2" charset="0"/>
+                <a:cs typeface="Helvetica Neue" panose="02000503000000020004" pitchFamily="2" charset="0"/>
+              </a:rPr>
+              <a:t>1</a:t>
+            </a:r>
+          </a:p>
+        </p:txBody>
+      </p:sp>
+      <p:sp>
+        <p:nvSpPr>
+          <p:cNvPr id="16" name="TextBox 15">
+            <a:extLst>
+              <a:ext uri="{FF2B5EF4-FFF2-40B4-BE49-F238E27FC236}">
+                <a16:creationId xmlns:a16="http://schemas.microsoft.com/office/drawing/2014/main" id="{0B8EA217-6F2C-0943-8D48-F70EC12EC200}"/>
+              </a:ext>
+            </a:extLst>
+          </p:cNvPr>
+          <p:cNvSpPr txBox="1"/>
+          <p:nvPr/>
+        </p:nvSpPr>
+        <p:spPr>
+          <a:xfrm>
+            <a:off x="93729" y="301752"/>
+            <a:ext cx="277545" cy="278626"/>
+          </a:xfrm>
+          <a:prstGeom prst="rect">
+            <a:avLst/>
+          </a:prstGeom>
+          <a:noFill/>
+        </p:spPr>
+        <p:txBody>
+          <a:bodyPr wrap="square" rtlCol="0">
+            <a:spAutoFit/>
+          </a:bodyPr>
+          <a:lstStyle/>
+          <a:p>
+            <a:pPr algn="ctr"/>
+            <a:r>
+              <a:rPr lang="en-US" sz="1400" b="1" dirty="0">
+                <a:latin typeface="Helvetica Neue" panose="02000503000000020004" pitchFamily="2" charset="0"/>
+                <a:ea typeface="Helvetica Neue" panose="02000503000000020004" pitchFamily="2" charset="0"/>
+                <a:cs typeface="Helvetica Neue" panose="02000503000000020004" pitchFamily="2" charset="0"/>
+              </a:rPr>
+              <a:t>a</a:t>
+            </a:r>
+          </a:p>
+        </p:txBody>
+      </p:sp>
+      <p:sp>
+        <p:nvSpPr>
+          <p:cNvPr id="56" name="TextBox 55">
+            <a:extLst>
+              <a:ext uri="{FF2B5EF4-FFF2-40B4-BE49-F238E27FC236}">
+                <a16:creationId xmlns:a16="http://schemas.microsoft.com/office/drawing/2014/main" id="{53F4DC70-1EA9-4149-AFF0-F773D783C706}"/>
+              </a:ext>
+            </a:extLst>
+          </p:cNvPr>
+          <p:cNvSpPr txBox="1"/>
+          <p:nvPr/>
+        </p:nvSpPr>
+        <p:spPr>
+          <a:xfrm>
+            <a:off x="338573" y="338328"/>
+            <a:ext cx="1502889" cy="241560"/>
+          </a:xfrm>
+          <a:prstGeom prst="rect">
+            <a:avLst/>
+          </a:prstGeom>
+          <a:noFill/>
+        </p:spPr>
+        <p:txBody>
+          <a:bodyPr wrap="square" rtlCol="0">
+            <a:spAutoFit/>
+          </a:bodyPr>
+          <a:lstStyle/>
+          <a:p>
+            <a:pPr algn="ctr"/>
+            <a:r>
+              <a:rPr lang="en-US" sz="1100" i="1" dirty="0">
+                <a:latin typeface="Arial" panose="020B0604020202020204" pitchFamily="34" charset="0"/>
+                <a:ea typeface="Helvetica Neue" panose="02000503000000020004" pitchFamily="2" charset="0"/>
+                <a:cs typeface="Arial" panose="020B0604020202020204" pitchFamily="34" charset="0"/>
+              </a:rPr>
+              <a:t>Downward contagion</a:t>
+            </a:r>
+          </a:p>
+        </p:txBody>
+      </p:sp>
+      <p:sp>
+        <p:nvSpPr>
+          <p:cNvPr id="21" name="TextBox 20">
+            <a:extLst>
+              <a:ext uri="{FF2B5EF4-FFF2-40B4-BE49-F238E27FC236}">
+                <a16:creationId xmlns:a16="http://schemas.microsoft.com/office/drawing/2014/main" id="{F8E7F266-7467-FE46-9469-D94B82C96E1B}"/>
+              </a:ext>
+            </a:extLst>
+          </p:cNvPr>
+          <p:cNvSpPr txBox="1"/>
+          <p:nvPr/>
+        </p:nvSpPr>
+        <p:spPr>
+          <a:xfrm>
+            <a:off x="1125764" y="700486"/>
+            <a:ext cx="662476" cy="255770"/>
+          </a:xfrm>
+          <a:prstGeom prst="rect">
+            <a:avLst/>
+          </a:prstGeom>
+          <a:noFill/>
+          <a:ln>
+            <a:solidFill>
+              <a:schemeClr val="tx1"/>
+            </a:solidFill>
+          </a:ln>
+        </p:spPr>
+        <p:txBody>
+          <a:bodyPr wrap="square" rtlCol="0">
+            <a:spAutoFit/>
+          </a:bodyPr>
+          <a:lstStyle/>
+          <a:p>
+            <a:pPr algn="ctr"/>
+            <a:r>
+              <a:rPr lang="en-US" sz="1200" dirty="0">
+                <a:latin typeface="Helvetica" pitchFamily="2" charset="0"/>
+                <a:cs typeface="Arial" panose="020B0604020202020204" pitchFamily="34" charset="0"/>
+              </a:rPr>
+              <a:t>𝛿 = 0.6</a:t>
+            </a:r>
+          </a:p>
+        </p:txBody>
+      </p:sp>
+      <p:sp>
+        <p:nvSpPr>
+          <p:cNvPr id="51" name="Rectangle 50">
+            <a:extLst>
+              <a:ext uri="{FF2B5EF4-FFF2-40B4-BE49-F238E27FC236}">
+                <a16:creationId xmlns:a16="http://schemas.microsoft.com/office/drawing/2014/main" id="{1EED65E2-CAC8-D44A-B9C1-7B997B275260}"/>
+              </a:ext>
+            </a:extLst>
+          </p:cNvPr>
+          <p:cNvSpPr/>
+          <p:nvPr/>
+        </p:nvSpPr>
+        <p:spPr>
+          <a:xfrm>
+            <a:off x="84613" y="292608"/>
+            <a:ext cx="1773071" cy="2110799"/>
+          </a:xfrm>
+          <a:prstGeom prst="rect">
+            <a:avLst/>
+          </a:prstGeom>
+          <a:noFill/>
+          <a:ln w="12700">
+            <a:solidFill>
+              <a:schemeClr val="bg2">
+                <a:lumMod val="25000"/>
+              </a:schemeClr>
+            </a:solidFill>
+          </a:ln>
+        </p:spPr>
+        <p:style>
+          <a:lnRef idx="2">
+            <a:schemeClr val="accent1">
+              <a:shade val="50000"/>
+            </a:schemeClr>
+          </a:lnRef>
+          <a:fillRef idx="1">
+            <a:schemeClr val="accent1"/>
+          </a:fillRef>
+          <a:effectRef idx="0">
+            <a:schemeClr val="accent1"/>
+          </a:effectRef>
+          <a:fontRef idx="minor">
+            <a:schemeClr val="lt1"/>
+          </a:fontRef>
+        </p:style>
+        <p:txBody>
+          <a:bodyPr rtlCol="0" anchor="ctr"/>
+          <a:lstStyle/>
+          <a:p>
+            <a:pPr algn="ctr"/>
+            <a:endParaRPr lang="en-US" dirty="0"/>
+          </a:p>
+        </p:txBody>
+      </p:sp>
+      <p:sp>
+        <p:nvSpPr>
+          <p:cNvPr id="18" name="TextBox 17">
+            <a:extLst>
+              <a:ext uri="{FF2B5EF4-FFF2-40B4-BE49-F238E27FC236}">
+                <a16:creationId xmlns:a16="http://schemas.microsoft.com/office/drawing/2014/main" id="{46BBEC22-8FD3-4646-AE1A-C6C1C5D5E1E6}"/>
+              </a:ext>
+            </a:extLst>
+          </p:cNvPr>
+          <p:cNvSpPr txBox="1"/>
+          <p:nvPr/>
+        </p:nvSpPr>
+        <p:spPr>
+          <a:xfrm>
+            <a:off x="94913" y="4077296"/>
+            <a:ext cx="278630" cy="307777"/>
+          </a:xfrm>
+          <a:prstGeom prst="rect">
+            <a:avLst/>
+          </a:prstGeom>
+          <a:noFill/>
+        </p:spPr>
+        <p:txBody>
+          <a:bodyPr vert="horz" wrap="square" rtlCol="0" anchor="t" anchorCtr="0">
+            <a:spAutoFit/>
+          </a:bodyPr>
+          <a:lstStyle/>
+          <a:p>
+            <a:pPr algn="ctr"/>
+            <a:r>
+              <a:rPr lang="en-US" sz="1400" b="1" dirty="0">
+                <a:latin typeface="Helvetica Neue" panose="02000503000000020004" pitchFamily="2" charset="0"/>
+                <a:ea typeface="Helvetica Neue" panose="02000503000000020004" pitchFamily="2" charset="0"/>
+                <a:cs typeface="Helvetica Neue" panose="02000503000000020004" pitchFamily="2" charset="0"/>
+              </a:rPr>
+              <a:t>d</a:t>
+            </a:r>
+          </a:p>
+        </p:txBody>
+      </p:sp>
+      <p:sp>
+        <p:nvSpPr>
+          <p:cNvPr id="58" name="TextBox 57">
+            <a:extLst>
+              <a:ext uri="{FF2B5EF4-FFF2-40B4-BE49-F238E27FC236}">
+                <a16:creationId xmlns:a16="http://schemas.microsoft.com/office/drawing/2014/main" id="{B8B22680-8FCF-564A-A59A-6339D506D934}"/>
+              </a:ext>
+            </a:extLst>
+          </p:cNvPr>
+          <p:cNvSpPr txBox="1"/>
+          <p:nvPr/>
+        </p:nvSpPr>
+        <p:spPr>
+          <a:xfrm>
+            <a:off x="362451" y="4105656"/>
+            <a:ext cx="1500009" cy="241563"/>
+          </a:xfrm>
+          <a:prstGeom prst="rect">
+            <a:avLst/>
+          </a:prstGeom>
+          <a:noFill/>
+        </p:spPr>
+        <p:txBody>
+          <a:bodyPr wrap="square" rtlCol="0">
+            <a:spAutoFit/>
+          </a:bodyPr>
+          <a:lstStyle>
+            <a:defPPr>
+              <a:defRPr lang="en-US"/>
+            </a:defPPr>
+            <a:lvl1pPr algn="r">
+              <a:defRPr sz="1100" i="1">
+                <a:solidFill>
+                  <a:srgbClr val="8FB132"/>
+                </a:solidFill>
+                <a:latin typeface="Arial" panose="020B0604020202020204" pitchFamily="34" charset="0"/>
+                <a:ea typeface="Helvetica Neue" panose="02000503000000020004" pitchFamily="2" charset="0"/>
+                <a:cs typeface="Arial" panose="020B0604020202020204" pitchFamily="34" charset="0"/>
+              </a:defRPr>
+            </a:lvl1pPr>
+          </a:lstStyle>
+          <a:p>
+            <a:pPr algn="ctr"/>
+            <a:r>
+              <a:rPr lang="en-US" dirty="0">
+                <a:solidFill>
+                  <a:schemeClr val="tx1"/>
+                </a:solidFill>
+              </a:rPr>
+              <a:t>No effect</a:t>
+            </a:r>
+          </a:p>
+        </p:txBody>
+      </p:sp>
+      <p:sp>
+        <p:nvSpPr>
+          <p:cNvPr id="60" name="Rectangle 59">
+            <a:extLst>
+              <a:ext uri="{FF2B5EF4-FFF2-40B4-BE49-F238E27FC236}">
+                <a16:creationId xmlns:a16="http://schemas.microsoft.com/office/drawing/2014/main" id="{F68E48F6-57D3-DB42-ADBB-6699B2CD20E5}"/>
+              </a:ext>
+            </a:extLst>
+          </p:cNvPr>
+          <p:cNvSpPr/>
+          <p:nvPr/>
+        </p:nvSpPr>
+        <p:spPr>
+          <a:xfrm>
+            <a:off x="89363" y="4077296"/>
+            <a:ext cx="1773097" cy="2110830"/>
+          </a:xfrm>
+          <a:prstGeom prst="rect">
+            <a:avLst/>
+          </a:prstGeom>
+          <a:noFill/>
+          <a:ln w="12700">
+            <a:solidFill>
+              <a:schemeClr val="bg2">
+                <a:lumMod val="25000"/>
+              </a:schemeClr>
+            </a:solidFill>
+          </a:ln>
+        </p:spPr>
+        <p:style>
+          <a:lnRef idx="2">
+            <a:schemeClr val="accent1">
+              <a:shade val="50000"/>
+            </a:schemeClr>
+          </a:lnRef>
+          <a:fillRef idx="1">
+            <a:schemeClr val="accent1"/>
+          </a:fillRef>
+          <a:effectRef idx="0">
+            <a:schemeClr val="accent1"/>
+          </a:effectRef>
+          <a:fontRef idx="minor">
+            <a:schemeClr val="lt1"/>
+          </a:fontRef>
+        </p:style>
+        <p:txBody>
+          <a:bodyPr rtlCol="0" anchor="ctr"/>
+          <a:lstStyle/>
+          <a:p>
+            <a:pPr algn="ctr"/>
+            <a:endParaRPr lang="en-US" dirty="0"/>
+          </a:p>
+        </p:txBody>
+      </p:sp>
+      <p:sp>
+        <p:nvSpPr>
+          <p:cNvPr id="20" name="TextBox 19">
+            <a:extLst>
+              <a:ext uri="{FF2B5EF4-FFF2-40B4-BE49-F238E27FC236}">
+                <a16:creationId xmlns:a16="http://schemas.microsoft.com/office/drawing/2014/main" id="{E8C86BD2-9FE9-8C4D-A835-2EAAEE829653}"/>
+              </a:ext>
+            </a:extLst>
+          </p:cNvPr>
+          <p:cNvSpPr txBox="1"/>
+          <p:nvPr/>
+        </p:nvSpPr>
+        <p:spPr>
+          <a:xfrm>
+            <a:off x="6050664" y="4077296"/>
+            <a:ext cx="278630" cy="307777"/>
+          </a:xfrm>
+          <a:prstGeom prst="rect">
+            <a:avLst/>
+          </a:prstGeom>
+          <a:noFill/>
+          <a:ln>
+            <a:noFill/>
+          </a:ln>
+        </p:spPr>
+        <p:txBody>
+          <a:bodyPr wrap="square" rtlCol="0">
+            <a:spAutoFit/>
+          </a:bodyPr>
+          <a:lstStyle/>
+          <a:p>
+            <a:pPr algn="ctr"/>
+            <a:r>
+              <a:rPr lang="en-US" sz="1400" b="1" dirty="0">
+                <a:latin typeface="Helvetica Neue" panose="02000503000000020004" pitchFamily="2" charset="0"/>
+                <a:ea typeface="Helvetica Neue" panose="02000503000000020004" pitchFamily="2" charset="0"/>
+                <a:cs typeface="Helvetica Neue" panose="02000503000000020004" pitchFamily="2" charset="0"/>
+              </a:rPr>
+              <a:t>e</a:t>
+            </a:r>
+          </a:p>
+        </p:txBody>
+      </p:sp>
+      <p:sp>
+        <p:nvSpPr>
+          <p:cNvPr id="57" name="TextBox 56">
+            <a:extLst>
+              <a:ext uri="{FF2B5EF4-FFF2-40B4-BE49-F238E27FC236}">
+                <a16:creationId xmlns:a16="http://schemas.microsoft.com/office/drawing/2014/main" id="{9E621244-D874-B242-88CF-8CC803F84200}"/>
+              </a:ext>
+            </a:extLst>
+          </p:cNvPr>
+          <p:cNvSpPr txBox="1"/>
+          <p:nvPr/>
+        </p:nvSpPr>
+        <p:spPr>
+          <a:xfrm>
+            <a:off x="6305706" y="4108427"/>
+            <a:ext cx="1502912" cy="241564"/>
+          </a:xfrm>
+          <a:prstGeom prst="rect">
+            <a:avLst/>
+          </a:prstGeom>
+          <a:noFill/>
+        </p:spPr>
+        <p:txBody>
+          <a:bodyPr wrap="square" rtlCol="0">
+            <a:spAutoFit/>
+          </a:bodyPr>
+          <a:lstStyle/>
+          <a:p>
+            <a:pPr algn="ctr"/>
+            <a:r>
+              <a:rPr lang="en-US" sz="1100" i="1" dirty="0">
+                <a:latin typeface="Arial" panose="020B0604020202020204" pitchFamily="34" charset="0"/>
+                <a:ea typeface="Helvetica Neue" panose="02000503000000020004" pitchFamily="2" charset="0"/>
+                <a:cs typeface="Arial" panose="020B0604020202020204" pitchFamily="34" charset="0"/>
+              </a:rPr>
+              <a:t>Amplification</a:t>
+            </a:r>
+          </a:p>
+        </p:txBody>
+      </p:sp>
+      <p:sp>
+        <p:nvSpPr>
+          <p:cNvPr id="62" name="Rectangle 61">
+            <a:extLst>
+              <a:ext uri="{FF2B5EF4-FFF2-40B4-BE49-F238E27FC236}">
+                <a16:creationId xmlns:a16="http://schemas.microsoft.com/office/drawing/2014/main" id="{8A4AC4DA-3820-F543-A555-74C76CC7262E}"/>
+              </a:ext>
+            </a:extLst>
+          </p:cNvPr>
+          <p:cNvSpPr/>
+          <p:nvPr/>
+        </p:nvSpPr>
+        <p:spPr>
+          <a:xfrm>
+            <a:off x="6042426" y="4077296"/>
+            <a:ext cx="1773098" cy="2110831"/>
+          </a:xfrm>
+          <a:prstGeom prst="rect">
+            <a:avLst/>
+          </a:prstGeom>
+          <a:noFill/>
+          <a:ln w="12700">
+            <a:solidFill>
+              <a:schemeClr val="bg2">
+                <a:lumMod val="25000"/>
+              </a:schemeClr>
+            </a:solidFill>
+          </a:ln>
+        </p:spPr>
+        <p:style>
+          <a:lnRef idx="2">
+            <a:schemeClr val="accent1">
+              <a:shade val="50000"/>
+            </a:schemeClr>
+          </a:lnRef>
+          <a:fillRef idx="1">
+            <a:schemeClr val="accent1"/>
+          </a:fillRef>
+          <a:effectRef idx="0">
+            <a:schemeClr val="accent1"/>
+          </a:effectRef>
+          <a:fontRef idx="minor">
+            <a:schemeClr val="lt1"/>
+          </a:fontRef>
+        </p:style>
+        <p:txBody>
+          <a:bodyPr rtlCol="0" anchor="ctr"/>
+          <a:lstStyle/>
+          <a:p>
+            <a:pPr algn="ctr"/>
+            <a:endParaRPr lang="en-US" dirty="0"/>
+          </a:p>
+        </p:txBody>
+      </p:sp>
+      <p:sp>
+        <p:nvSpPr>
+          <p:cNvPr id="63" name="TextBox 62">
+            <a:extLst>
+              <a:ext uri="{FF2B5EF4-FFF2-40B4-BE49-F238E27FC236}">
+                <a16:creationId xmlns:a16="http://schemas.microsoft.com/office/drawing/2014/main" id="{EED5CF09-CA70-FD46-9C33-2D9E067F1BA9}"/>
+              </a:ext>
+            </a:extLst>
+          </p:cNvPr>
+          <p:cNvSpPr txBox="1"/>
+          <p:nvPr/>
+        </p:nvSpPr>
+        <p:spPr>
+          <a:xfrm>
+            <a:off x="4996672" y="3381639"/>
+            <a:ext cx="1025694" cy="253916"/>
+          </a:xfrm>
+          <a:prstGeom prst="rect">
+            <a:avLst/>
+          </a:prstGeom>
+          <a:noFill/>
+          <a:ln w="3175">
+            <a:noFill/>
+          </a:ln>
+        </p:spPr>
+        <p:txBody>
+          <a:bodyPr wrap="square" rtlCol="0">
+            <a:spAutoFit/>
+          </a:bodyPr>
+          <a:lstStyle/>
+          <a:p>
+            <a:pPr algn="ctr"/>
+            <a:r>
+              <a:rPr lang="en-US" sz="1000" b="1" dirty="0">
+                <a:ln w="127">
+                  <a:solidFill>
+                    <a:schemeClr val="bg1">
+                      <a:alpha val="5000"/>
+                    </a:schemeClr>
+                  </a:solidFill>
+                </a:ln>
+                <a:solidFill>
+                  <a:srgbClr val="EE751C"/>
+                </a:solidFill>
+                <a:latin typeface="Helvetica Neue" panose="02000503000000020004" pitchFamily="2" charset="0"/>
+                <a:ea typeface="Helvetica Neue" panose="02000503000000020004" pitchFamily="2" charset="0"/>
+                <a:cs typeface="Helvetica Neue" panose="02000503000000020004" pitchFamily="2" charset="0"/>
+              </a:rPr>
+              <a:t>X</a:t>
+            </a:r>
+            <a:r>
+              <a:rPr lang="en-US" sz="1000" b="1" baseline="-25000" dirty="0">
+                <a:ln w="127">
+                  <a:solidFill>
+                    <a:schemeClr val="bg1">
+                      <a:alpha val="5000"/>
+                    </a:schemeClr>
+                  </a:solidFill>
+                </a:ln>
+                <a:solidFill>
+                  <a:srgbClr val="EE751C"/>
+                </a:solidFill>
+                <a:latin typeface="Helvetica Neue" panose="02000503000000020004" pitchFamily="2" charset="0"/>
+                <a:ea typeface="Helvetica Neue" panose="02000503000000020004" pitchFamily="2" charset="0"/>
+                <a:cs typeface="Helvetica Neue" panose="02000503000000020004" pitchFamily="2" charset="0"/>
+              </a:rPr>
+              <a:t>3</a:t>
+            </a:r>
+          </a:p>
+        </p:txBody>
+      </p:sp>
+      <p:sp>
+        <p:nvSpPr>
+          <p:cNvPr id="64" name="TextBox 63">
+            <a:extLst>
+              <a:ext uri="{FF2B5EF4-FFF2-40B4-BE49-F238E27FC236}">
+                <a16:creationId xmlns:a16="http://schemas.microsoft.com/office/drawing/2014/main" id="{9F91AD4C-33F0-194C-8CD1-1D29F375FF9B}"/>
+              </a:ext>
+            </a:extLst>
+          </p:cNvPr>
+          <p:cNvSpPr txBox="1"/>
+          <p:nvPr/>
+        </p:nvSpPr>
+        <p:spPr>
+          <a:xfrm>
+            <a:off x="2708143" y="4267129"/>
+            <a:ext cx="1025694" cy="246221"/>
+          </a:xfrm>
+          <a:prstGeom prst="rect">
+            <a:avLst/>
+          </a:prstGeom>
+          <a:noFill/>
+          <a:ln w="3175">
+            <a:noFill/>
+          </a:ln>
+        </p:spPr>
+        <p:txBody>
+          <a:bodyPr wrap="square" rtlCol="0">
+            <a:spAutoFit/>
+          </a:bodyPr>
+          <a:lstStyle/>
+          <a:p>
+            <a:pPr algn="ctr"/>
+            <a:r>
+              <a:rPr lang="en-US" sz="1000" b="1" dirty="0">
+                <a:ln w="127">
+                  <a:noFill/>
+                </a:ln>
+                <a:solidFill>
+                  <a:srgbClr val="009640"/>
+                </a:solidFill>
+                <a:latin typeface="Helvetica Neue" panose="02000503000000020004" pitchFamily="2" charset="0"/>
+                <a:ea typeface="Helvetica Neue" panose="02000503000000020004" pitchFamily="2" charset="0"/>
+                <a:cs typeface="Helvetica Neue" panose="02000503000000020004" pitchFamily="2" charset="0"/>
+              </a:rPr>
+              <a:t>X</a:t>
+            </a:r>
+            <a:r>
+              <a:rPr lang="en-US" sz="1000" b="1" baseline="-25000" dirty="0">
+                <a:ln w="127">
+                  <a:noFill/>
+                </a:ln>
+                <a:solidFill>
+                  <a:srgbClr val="009640"/>
+                </a:solidFill>
+                <a:latin typeface="Helvetica Neue" panose="02000503000000020004" pitchFamily="2" charset="0"/>
+                <a:ea typeface="Helvetica Neue" panose="02000503000000020004" pitchFamily="2" charset="0"/>
+                <a:cs typeface="Helvetica Neue" panose="02000503000000020004" pitchFamily="2" charset="0"/>
+              </a:rPr>
+              <a:t>2</a:t>
+            </a:r>
+          </a:p>
+        </p:txBody>
+      </p:sp>
+      <p:sp>
+        <p:nvSpPr>
+          <p:cNvPr id="65" name="Arc 64">
+            <a:extLst>
+              <a:ext uri="{FF2B5EF4-FFF2-40B4-BE49-F238E27FC236}">
+                <a16:creationId xmlns:a16="http://schemas.microsoft.com/office/drawing/2014/main" id="{D4F6CE0C-62B2-994E-AB70-9EAC359E3381}"/>
+              </a:ext>
+            </a:extLst>
+          </p:cNvPr>
+          <p:cNvSpPr/>
+          <p:nvPr/>
+        </p:nvSpPr>
+        <p:spPr>
+          <a:xfrm rot="20524503">
+            <a:off x="-4583915" y="1587284"/>
+            <a:ext cx="9250354" cy="5734353"/>
+          </a:xfrm>
+          <a:prstGeom prst="arc">
+            <a:avLst>
+              <a:gd name="adj1" fmla="val 19122692"/>
+              <a:gd name="adj2" fmla="val 21183041"/>
+            </a:avLst>
+          </a:prstGeom>
+          <a:ln w="12700">
+            <a:solidFill>
+              <a:schemeClr val="bg2">
+                <a:lumMod val="25000"/>
+              </a:schemeClr>
+            </a:solidFill>
+            <a:tailEnd type="triangle" w="med" len="med"/>
+          </a:ln>
+        </p:spPr>
+        <p:style>
+          <a:lnRef idx="1">
+            <a:schemeClr val="accent1"/>
+          </a:lnRef>
+          <a:fillRef idx="0">
+            <a:schemeClr val="accent1"/>
+          </a:fillRef>
+          <a:effectRef idx="0">
+            <a:schemeClr val="accent1"/>
+          </a:effectRef>
+          <a:fontRef idx="minor">
+            <a:schemeClr val="tx1"/>
+          </a:fontRef>
+        </p:style>
+        <p:txBody>
+          <a:bodyPr rtlCol="0" anchor="ctr"/>
+          <a:lstStyle/>
+          <a:p>
+            <a:pPr algn="ctr"/>
+            <a:endParaRPr lang="en-US"/>
+          </a:p>
+        </p:txBody>
+      </p:sp>
+      <p:sp>
+        <p:nvSpPr>
+          <p:cNvPr id="66" name="Arc 65">
+            <a:extLst>
+              <a:ext uri="{FF2B5EF4-FFF2-40B4-BE49-F238E27FC236}">
+                <a16:creationId xmlns:a16="http://schemas.microsoft.com/office/drawing/2014/main" id="{C5B100A3-711E-1F4D-8DB4-61253E8D594C}"/>
+              </a:ext>
+            </a:extLst>
+          </p:cNvPr>
+          <p:cNvSpPr/>
+          <p:nvPr/>
+        </p:nvSpPr>
+        <p:spPr>
+          <a:xfrm rot="16362014" flipH="1" flipV="1">
+            <a:off x="1187895" y="-2956068"/>
+            <a:ext cx="4974975" cy="6243740"/>
+          </a:xfrm>
+          <a:prstGeom prst="arc">
+            <a:avLst>
+              <a:gd name="adj1" fmla="val 18130716"/>
+              <a:gd name="adj2" fmla="val 20465097"/>
+            </a:avLst>
+          </a:prstGeom>
+          <a:ln w="12700">
+            <a:solidFill>
+              <a:schemeClr val="bg2">
+                <a:lumMod val="25000"/>
+              </a:schemeClr>
+            </a:solidFill>
+            <a:headEnd type="none"/>
+            <a:tailEnd type="triangle" w="med" len="med"/>
+          </a:ln>
+        </p:spPr>
+        <p:style>
+          <a:lnRef idx="1">
+            <a:schemeClr val="accent1"/>
+          </a:lnRef>
+          <a:fillRef idx="0">
+            <a:schemeClr val="accent1"/>
+          </a:fillRef>
+          <a:effectRef idx="0">
+            <a:schemeClr val="accent1"/>
+          </a:effectRef>
+          <a:fontRef idx="minor">
+            <a:schemeClr val="tx1"/>
+          </a:fontRef>
+        </p:style>
+        <p:txBody>
+          <a:bodyPr rtlCol="0" anchor="ctr"/>
+          <a:lstStyle/>
+          <a:p>
+            <a:pPr algn="ctr"/>
+            <a:endParaRPr lang="en-US"/>
+          </a:p>
+        </p:txBody>
+      </p:sp>
+      <p:sp>
+        <p:nvSpPr>
+          <p:cNvPr id="22" name="TextBox 21">
+            <a:extLst>
+              <a:ext uri="{FF2B5EF4-FFF2-40B4-BE49-F238E27FC236}">
+                <a16:creationId xmlns:a16="http://schemas.microsoft.com/office/drawing/2014/main" id="{9CC8A2EA-F668-DD43-A074-9F1F726F28A7}"/>
+              </a:ext>
+            </a:extLst>
+          </p:cNvPr>
+          <p:cNvSpPr txBox="1"/>
+          <p:nvPr/>
+        </p:nvSpPr>
+        <p:spPr>
+          <a:xfrm>
+            <a:off x="6051367" y="301665"/>
+            <a:ext cx="278403" cy="283962"/>
+          </a:xfrm>
+          <a:prstGeom prst="rect">
+            <a:avLst/>
+          </a:prstGeom>
+          <a:noFill/>
+        </p:spPr>
+        <p:txBody>
+          <a:bodyPr wrap="square" rtlCol="0">
+            <a:spAutoFit/>
+          </a:bodyPr>
+          <a:lstStyle/>
+          <a:p>
+            <a:pPr algn="ctr"/>
+            <a:r>
+              <a:rPr lang="en-US" sz="1400" b="1" dirty="0">
+                <a:latin typeface="Helvetica Neue" panose="02000503000000020004" pitchFamily="2" charset="0"/>
+                <a:ea typeface="Helvetica Neue" panose="02000503000000020004" pitchFamily="2" charset="0"/>
+                <a:cs typeface="Helvetica Neue" panose="02000503000000020004" pitchFamily="2" charset="0"/>
+              </a:rPr>
+              <a:t>b</a:t>
+            </a:r>
+          </a:p>
+        </p:txBody>
+      </p:sp>
+      <p:sp>
+        <p:nvSpPr>
+          <p:cNvPr id="55" name="TextBox 54">
+            <a:extLst>
+              <a:ext uri="{FF2B5EF4-FFF2-40B4-BE49-F238E27FC236}">
+                <a16:creationId xmlns:a16="http://schemas.microsoft.com/office/drawing/2014/main" id="{5523DCC3-C862-8C42-A4DA-E70E20BFB814}"/>
+              </a:ext>
+            </a:extLst>
+          </p:cNvPr>
+          <p:cNvSpPr txBox="1"/>
+          <p:nvPr/>
+        </p:nvSpPr>
+        <p:spPr>
+          <a:xfrm>
+            <a:off x="6306202" y="340382"/>
+            <a:ext cx="1501691" cy="241367"/>
+          </a:xfrm>
+          <a:prstGeom prst="rect">
+            <a:avLst/>
+          </a:prstGeom>
+          <a:noFill/>
+        </p:spPr>
+        <p:txBody>
+          <a:bodyPr wrap="square" rtlCol="0">
+            <a:spAutoFit/>
+          </a:bodyPr>
+          <a:lstStyle/>
+          <a:p>
+            <a:pPr algn="ctr"/>
+            <a:r>
+              <a:rPr lang="en-US" sz="1100" i="1" dirty="0">
+                <a:latin typeface="Arial" panose="020B0604020202020204" pitchFamily="34" charset="0"/>
+                <a:ea typeface="Helvetica Neue" panose="02000503000000020004" pitchFamily="2" charset="0"/>
+                <a:cs typeface="Arial" panose="020B0604020202020204" pitchFamily="34" charset="0"/>
+              </a:rPr>
+              <a:t>Upward contagion</a:t>
+            </a:r>
+          </a:p>
+        </p:txBody>
+      </p:sp>
+      <p:sp>
+        <p:nvSpPr>
+          <p:cNvPr id="52" name="TextBox 51">
+            <a:extLst>
+              <a:ext uri="{FF2B5EF4-FFF2-40B4-BE49-F238E27FC236}">
+                <a16:creationId xmlns:a16="http://schemas.microsoft.com/office/drawing/2014/main" id="{7AFF4DB9-24C9-1045-BC6C-A74414FEB7A7}"/>
+              </a:ext>
+            </a:extLst>
+          </p:cNvPr>
+          <p:cNvSpPr txBox="1"/>
+          <p:nvPr/>
+        </p:nvSpPr>
+        <p:spPr>
+          <a:xfrm>
+            <a:off x="7057047" y="1489974"/>
+            <a:ext cx="661948" cy="255566"/>
+          </a:xfrm>
+          <a:prstGeom prst="rect">
+            <a:avLst/>
+          </a:prstGeom>
+          <a:noFill/>
+          <a:ln>
+            <a:solidFill>
+              <a:schemeClr val="tx1"/>
+            </a:solidFill>
+          </a:ln>
+        </p:spPr>
+        <p:txBody>
+          <a:bodyPr wrap="square" rtlCol="0">
+            <a:spAutoFit/>
+          </a:bodyPr>
+          <a:lstStyle/>
+          <a:p>
+            <a:pPr algn="ctr"/>
+            <a:r>
+              <a:rPr lang="en-US" sz="1200" dirty="0">
+                <a:latin typeface="Helvetica" pitchFamily="2" charset="0"/>
+                <a:cs typeface="Arial" panose="020B0604020202020204" pitchFamily="34" charset="0"/>
+              </a:rPr>
+              <a:t>𝛿 = 1.3</a:t>
+            </a:r>
+          </a:p>
+        </p:txBody>
+      </p:sp>
+      <p:sp>
+        <p:nvSpPr>
+          <p:cNvPr id="61" name="Rectangle 60">
+            <a:extLst>
+              <a:ext uri="{FF2B5EF4-FFF2-40B4-BE49-F238E27FC236}">
+                <a16:creationId xmlns:a16="http://schemas.microsoft.com/office/drawing/2014/main" id="{31703D9A-C85C-6C4E-91AB-5551ADBABA49}"/>
+              </a:ext>
+            </a:extLst>
+          </p:cNvPr>
+          <p:cNvSpPr/>
+          <p:nvPr/>
+        </p:nvSpPr>
+        <p:spPr>
+          <a:xfrm>
+            <a:off x="6043146" y="295223"/>
+            <a:ext cx="1771658" cy="2109117"/>
+          </a:xfrm>
+          <a:prstGeom prst="rect">
+            <a:avLst/>
+          </a:prstGeom>
+          <a:noFill/>
+          <a:ln w="12700">
+            <a:solidFill>
+              <a:schemeClr val="bg2">
+                <a:lumMod val="25000"/>
+              </a:schemeClr>
+            </a:solidFill>
+          </a:ln>
+        </p:spPr>
+        <p:style>
+          <a:lnRef idx="2">
+            <a:schemeClr val="accent1">
+              <a:shade val="50000"/>
+            </a:schemeClr>
+          </a:lnRef>
+          <a:fillRef idx="1">
+            <a:schemeClr val="accent1"/>
+          </a:fillRef>
+          <a:effectRef idx="0">
+            <a:schemeClr val="accent1"/>
+          </a:effectRef>
+          <a:fontRef idx="minor">
+            <a:schemeClr val="lt1"/>
+          </a:fontRef>
+        </p:style>
+        <p:txBody>
+          <a:bodyPr rtlCol="0" anchor="ctr"/>
+          <a:lstStyle/>
+          <a:p>
+            <a:pPr algn="ctr"/>
+            <a:endParaRPr lang="en-US" dirty="0"/>
+          </a:p>
+        </p:txBody>
+      </p:sp>
+    </p:spTree>
+    <p:extLst>
+      <p:ext uri="{BB962C8B-B14F-4D97-AF65-F5344CB8AC3E}">
+        <p14:creationId xmlns:p14="http://schemas.microsoft.com/office/powerpoint/2010/main" val="191893547"/>
+      </p:ext>
+    </p:extLst>
+  </p:cSld>
+  <p:clrMapOvr>
+    <a:masterClrMapping/>
+  </p:clrMapOvr>
+</p:sld>
+</file>
+
+<file path=ppt/slides/slide18.xml><?xml version="1.0" encoding="utf-8"?>
 <p:sld xmlns:a="http://schemas.openxmlformats.org/drawingml/2006/main" xmlns:r="http://schemas.openxmlformats.org/officeDocument/2006/relationships" xmlns:p="http://schemas.openxmlformats.org/presentationml/2006/main" show="0">
   <p:cSld>
     <p:spTree>
@@ -17089,8 +21150,8 @@
 </p:sld>
 </file>
 
-<file path=ppt/slides/slide16.xml><?xml version="1.0" encoding="utf-8"?>
-<p:sld xmlns:a="http://schemas.openxmlformats.org/drawingml/2006/main" xmlns:r="http://schemas.openxmlformats.org/officeDocument/2006/relationships" xmlns:p="http://schemas.openxmlformats.org/presentationml/2006/main">
+<file path=ppt/slides/slide19.xml><?xml version="1.0" encoding="utf-8"?>
+<p:sld xmlns:a="http://schemas.openxmlformats.org/drawingml/2006/main" xmlns:r="http://schemas.openxmlformats.org/officeDocument/2006/relationships" xmlns:p="http://schemas.openxmlformats.org/presentationml/2006/main" show="0">
   <p:cSld>
     <p:spTree>
       <p:nvGrpSpPr>
@@ -17280,7 +21341,307 @@
 </p:sld>
 </file>
 
-<file path=ppt/slides/slide17.xml><?xml version="1.0" encoding="utf-8"?>
+<file path=ppt/slides/slide2.xml><?xml version="1.0" encoding="utf-8"?>
+<p:sld xmlns:a="http://schemas.openxmlformats.org/drawingml/2006/main" xmlns:r="http://schemas.openxmlformats.org/officeDocument/2006/relationships" xmlns:p="http://schemas.openxmlformats.org/presentationml/2006/main" show="0">
+  <p:cSld>
+    <p:spTree>
+      <p:nvGrpSpPr>
+        <p:cNvPr id="1" name=""/>
+        <p:cNvGrpSpPr/>
+        <p:nvPr/>
+      </p:nvGrpSpPr>
+      <p:grpSpPr>
+        <a:xfrm>
+          <a:off x="0" y="0"/>
+          <a:ext cx="0" cy="0"/>
+          <a:chOff x="0" y="0"/>
+          <a:chExt cx="0" cy="0"/>
+        </a:xfrm>
+      </p:grpSpPr>
+      <p:pic>
+        <p:nvPicPr>
+          <p:cNvPr id="13" name="Picture 12">
+            <a:extLst>
+              <a:ext uri="{FF2B5EF4-FFF2-40B4-BE49-F238E27FC236}">
+                <a16:creationId xmlns:a16="http://schemas.microsoft.com/office/drawing/2014/main" id="{A8E6B1FE-8430-664F-8921-3B83AD327C00}"/>
+              </a:ext>
+            </a:extLst>
+          </p:cNvPr>
+          <p:cNvPicPr>
+            <a:picLocks noChangeAspect="1"/>
+          </p:cNvPicPr>
+          <p:nvPr/>
+        </p:nvPicPr>
+        <p:blipFill>
+          <a:blip r:embed="rId3"/>
+          <a:stretch>
+            <a:fillRect/>
+          </a:stretch>
+        </p:blipFill>
+        <p:spPr>
+          <a:xfrm>
+            <a:off x="5266944" y="1737360"/>
+            <a:ext cx="2613822" cy="3001054"/>
+          </a:xfrm>
+          <a:prstGeom prst="rect">
+            <a:avLst/>
+          </a:prstGeom>
+        </p:spPr>
+      </p:pic>
+      <p:pic>
+        <p:nvPicPr>
+          <p:cNvPr id="19" name="Picture 18">
+            <a:extLst>
+              <a:ext uri="{FF2B5EF4-FFF2-40B4-BE49-F238E27FC236}">
+                <a16:creationId xmlns:a16="http://schemas.microsoft.com/office/drawing/2014/main" id="{21880E89-8CCD-564B-B795-279F44FFE90A}"/>
+              </a:ext>
+            </a:extLst>
+          </p:cNvPr>
+          <p:cNvPicPr>
+            <a:picLocks noChangeAspect="1"/>
+          </p:cNvPicPr>
+          <p:nvPr/>
+        </p:nvPicPr>
+        <p:blipFill>
+          <a:blip r:embed="rId4"/>
+          <a:stretch>
+            <a:fillRect/>
+          </a:stretch>
+        </p:blipFill>
+        <p:spPr>
+          <a:xfrm>
+            <a:off x="2651760" y="1739841"/>
+            <a:ext cx="2613822" cy="3001054"/>
+          </a:xfrm>
+          <a:prstGeom prst="rect">
+            <a:avLst/>
+          </a:prstGeom>
+        </p:spPr>
+      </p:pic>
+      <p:sp>
+        <p:nvSpPr>
+          <p:cNvPr id="21" name="TextBox 20">
+            <a:extLst>
+              <a:ext uri="{FF2B5EF4-FFF2-40B4-BE49-F238E27FC236}">
+                <a16:creationId xmlns:a16="http://schemas.microsoft.com/office/drawing/2014/main" id="{EA867186-DD6E-2547-A392-44EC2C888CE7}"/>
+              </a:ext>
+            </a:extLst>
+          </p:cNvPr>
+          <p:cNvSpPr txBox="1"/>
+          <p:nvPr/>
+        </p:nvSpPr>
+        <p:spPr>
+          <a:xfrm>
+            <a:off x="38493" y="1350243"/>
+            <a:ext cx="408151" cy="338554"/>
+          </a:xfrm>
+          <a:prstGeom prst="rect">
+            <a:avLst/>
+          </a:prstGeom>
+          <a:noFill/>
+        </p:spPr>
+        <p:txBody>
+          <a:bodyPr wrap="square" rtlCol="0">
+            <a:spAutoFit/>
+          </a:bodyPr>
+          <a:lstStyle/>
+          <a:p>
+            <a:pPr algn="ctr"/>
+            <a:r>
+              <a:rPr lang="en-US" sz="1600" b="1" dirty="0">
+                <a:latin typeface="Helvetica Neue" panose="02000503000000020004" pitchFamily="2" charset="0"/>
+                <a:ea typeface="Helvetica Neue" panose="02000503000000020004" pitchFamily="2" charset="0"/>
+                <a:cs typeface="Helvetica Neue" panose="02000503000000020004" pitchFamily="2" charset="0"/>
+              </a:rPr>
+              <a:t>a</a:t>
+            </a:r>
+          </a:p>
+        </p:txBody>
+      </p:sp>
+      <p:sp>
+        <p:nvSpPr>
+          <p:cNvPr id="32" name="TextBox 31">
+            <a:extLst>
+              <a:ext uri="{FF2B5EF4-FFF2-40B4-BE49-F238E27FC236}">
+                <a16:creationId xmlns:a16="http://schemas.microsoft.com/office/drawing/2014/main" id="{DB81189F-AF2F-8D49-AEA2-D195963F57C1}"/>
+              </a:ext>
+            </a:extLst>
+          </p:cNvPr>
+          <p:cNvSpPr txBox="1"/>
+          <p:nvPr/>
+        </p:nvSpPr>
+        <p:spPr>
+          <a:xfrm>
+            <a:off x="2652314" y="1356566"/>
+            <a:ext cx="408151" cy="338554"/>
+          </a:xfrm>
+          <a:prstGeom prst="rect">
+            <a:avLst/>
+          </a:prstGeom>
+          <a:noFill/>
+        </p:spPr>
+        <p:txBody>
+          <a:bodyPr wrap="square" rtlCol="0">
+            <a:spAutoFit/>
+          </a:bodyPr>
+          <a:lstStyle/>
+          <a:p>
+            <a:pPr algn="ctr"/>
+            <a:r>
+              <a:rPr lang="en-US" sz="1600" b="1" dirty="0">
+                <a:latin typeface="Helvetica Neue" panose="02000503000000020004" pitchFamily="2" charset="0"/>
+                <a:ea typeface="Helvetica Neue" panose="02000503000000020004" pitchFamily="2" charset="0"/>
+                <a:cs typeface="Helvetica Neue" panose="02000503000000020004" pitchFamily="2" charset="0"/>
+              </a:rPr>
+              <a:t>b</a:t>
+            </a:r>
+          </a:p>
+        </p:txBody>
+      </p:sp>
+      <p:sp>
+        <p:nvSpPr>
+          <p:cNvPr id="35" name="TextBox 34">
+            <a:extLst>
+              <a:ext uri="{FF2B5EF4-FFF2-40B4-BE49-F238E27FC236}">
+                <a16:creationId xmlns:a16="http://schemas.microsoft.com/office/drawing/2014/main" id="{593792A2-F27D-3A41-86E8-F96173CB8075}"/>
+              </a:ext>
+            </a:extLst>
+          </p:cNvPr>
+          <p:cNvSpPr txBox="1"/>
+          <p:nvPr/>
+        </p:nvSpPr>
+        <p:spPr>
+          <a:xfrm>
+            <a:off x="5266136" y="1351551"/>
+            <a:ext cx="408151" cy="338554"/>
+          </a:xfrm>
+          <a:prstGeom prst="rect">
+            <a:avLst/>
+          </a:prstGeom>
+          <a:noFill/>
+        </p:spPr>
+        <p:txBody>
+          <a:bodyPr wrap="square" rtlCol="0">
+            <a:spAutoFit/>
+          </a:bodyPr>
+          <a:lstStyle/>
+          <a:p>
+            <a:pPr algn="ctr"/>
+            <a:r>
+              <a:rPr lang="en-US" sz="1600" b="1" dirty="0">
+                <a:latin typeface="Helvetica Neue" panose="02000503000000020004" pitchFamily="2" charset="0"/>
+                <a:ea typeface="Helvetica Neue" panose="02000503000000020004" pitchFamily="2" charset="0"/>
+                <a:cs typeface="Helvetica Neue" panose="02000503000000020004" pitchFamily="2" charset="0"/>
+              </a:rPr>
+              <a:t>c</a:t>
+            </a:r>
+          </a:p>
+        </p:txBody>
+      </p:sp>
+      <p:pic>
+        <p:nvPicPr>
+          <p:cNvPr id="3" name="Picture 2">
+            <a:extLst>
+              <a:ext uri="{FF2B5EF4-FFF2-40B4-BE49-F238E27FC236}">
+                <a16:creationId xmlns:a16="http://schemas.microsoft.com/office/drawing/2014/main" id="{3BA2D042-1EB5-D046-B305-5F1480190137}"/>
+              </a:ext>
+            </a:extLst>
+          </p:cNvPr>
+          <p:cNvPicPr>
+            <a:picLocks noChangeAspect="1"/>
+          </p:cNvPicPr>
+          <p:nvPr/>
+        </p:nvPicPr>
+        <p:blipFill>
+          <a:blip r:embed="rId5"/>
+          <a:stretch>
+            <a:fillRect/>
+          </a:stretch>
+        </p:blipFill>
+        <p:spPr>
+          <a:xfrm>
+            <a:off x="36576" y="1737360"/>
+            <a:ext cx="2612234" cy="2999232"/>
+          </a:xfrm>
+          <a:prstGeom prst="rect">
+            <a:avLst/>
+          </a:prstGeom>
+        </p:spPr>
+      </p:pic>
+    </p:spTree>
+    <p:extLst>
+      <p:ext uri="{BB962C8B-B14F-4D97-AF65-F5344CB8AC3E}">
+        <p14:creationId xmlns:p14="http://schemas.microsoft.com/office/powerpoint/2010/main" val="656618018"/>
+      </p:ext>
+    </p:extLst>
+  </p:cSld>
+  <p:clrMapOvr>
+    <a:masterClrMapping/>
+  </p:clrMapOvr>
+</p:sld>
+</file>
+
+<file path=ppt/slides/slide20.xml><?xml version="1.0" encoding="utf-8"?>
+<p:sld xmlns:a="http://schemas.openxmlformats.org/drawingml/2006/main" xmlns:r="http://schemas.openxmlformats.org/officeDocument/2006/relationships" xmlns:p="http://schemas.openxmlformats.org/presentationml/2006/main">
+  <p:cSld>
+    <p:spTree>
+      <p:nvGrpSpPr>
+        <p:cNvPr id="1" name=""/>
+        <p:cNvGrpSpPr/>
+        <p:nvPr/>
+      </p:nvGrpSpPr>
+      <p:grpSpPr>
+        <a:xfrm>
+          <a:off x="0" y="0"/>
+          <a:ext cx="0" cy="0"/>
+          <a:chOff x="0" y="0"/>
+          <a:chExt cx="0" cy="0"/>
+        </a:xfrm>
+      </p:grpSpPr>
+      <p:pic>
+        <p:nvPicPr>
+          <p:cNvPr id="6" name="Picture 5">
+            <a:extLst>
+              <a:ext uri="{FF2B5EF4-FFF2-40B4-BE49-F238E27FC236}">
+                <a16:creationId xmlns:a16="http://schemas.microsoft.com/office/drawing/2014/main" id="{46E7E66B-0BF6-7B4E-88D3-93B364DF3628}"/>
+              </a:ext>
+            </a:extLst>
+          </p:cNvPr>
+          <p:cNvPicPr>
+            <a:picLocks noChangeAspect="1"/>
+          </p:cNvPicPr>
+          <p:nvPr/>
+        </p:nvPicPr>
+        <p:blipFill>
+          <a:blip r:embed="rId3"/>
+          <a:stretch>
+            <a:fillRect/>
+          </a:stretch>
+        </p:blipFill>
+        <p:spPr>
+          <a:xfrm>
+            <a:off x="2448532" y="1507176"/>
+            <a:ext cx="3021385" cy="3468997"/>
+          </a:xfrm>
+          <a:prstGeom prst="rect">
+            <a:avLst/>
+          </a:prstGeom>
+        </p:spPr>
+      </p:pic>
+    </p:spTree>
+    <p:extLst>
+      <p:ext uri="{BB962C8B-B14F-4D97-AF65-F5344CB8AC3E}">
+        <p14:creationId xmlns:p14="http://schemas.microsoft.com/office/powerpoint/2010/main" val="3909376807"/>
+      </p:ext>
+    </p:extLst>
+  </p:cSld>
+  <p:clrMapOvr>
+    <a:masterClrMapping/>
+  </p:clrMapOvr>
+</p:sld>
+</file>
+
+<file path=ppt/slides/slide21.xml><?xml version="1.0" encoding="utf-8"?>
 <p:sld xmlns:a="http://schemas.openxmlformats.org/drawingml/2006/main" xmlns:r="http://schemas.openxmlformats.org/officeDocument/2006/relationships" xmlns:p="http://schemas.openxmlformats.org/presentationml/2006/main" show="0">
   <p:cSld>
     <p:spTree>
@@ -17590,7 +21951,7 @@
 </p:sld>
 </file>
 
-<file path=ppt/slides/slide18.xml><?xml version="1.0" encoding="utf-8"?>
+<file path=ppt/slides/slide22.xml><?xml version="1.0" encoding="utf-8"?>
 <p:sld xmlns:a="http://schemas.openxmlformats.org/drawingml/2006/main" xmlns:r="http://schemas.openxmlformats.org/officeDocument/2006/relationships" xmlns:p="http://schemas.openxmlformats.org/presentationml/2006/main" show="0">
   <p:cSld>
     <p:spTree>
@@ -17900,8 +22261,8 @@
 </p:sld>
 </file>
 
-<file path=ppt/slides/slide19.xml><?xml version="1.0" encoding="utf-8"?>
-<p:sld xmlns:a="http://schemas.openxmlformats.org/drawingml/2006/main" xmlns:r="http://schemas.openxmlformats.org/officeDocument/2006/relationships" xmlns:p="http://schemas.openxmlformats.org/presentationml/2006/main">
+<file path=ppt/slides/slide23.xml><?xml version="1.0" encoding="utf-8"?>
+<p:sld xmlns:a="http://schemas.openxmlformats.org/drawingml/2006/main" xmlns:r="http://schemas.openxmlformats.org/officeDocument/2006/relationships" xmlns:p="http://schemas.openxmlformats.org/presentationml/2006/main" show="0">
   <p:cSld>
     <p:spTree>
       <p:nvGrpSpPr>
@@ -18210,7 +22571,7 @@
 </p:sld>
 </file>
 
-<file path=ppt/slides/slide2.xml><?xml version="1.0" encoding="utf-8"?>
+<file path=ppt/slides/slide24.xml><?xml version="1.0" encoding="utf-8"?>
 <p:sld xmlns:a="http://schemas.openxmlformats.org/drawingml/2006/main" xmlns:r="http://schemas.openxmlformats.org/officeDocument/2006/relationships" xmlns:p="http://schemas.openxmlformats.org/presentationml/2006/main">
   <p:cSld>
     <p:spTree>
@@ -18229,10 +22590,10 @@
       </p:grpSpPr>
       <p:pic>
         <p:nvPicPr>
-          <p:cNvPr id="13" name="Picture 12">
+          <p:cNvPr id="3" name="Picture 2">
             <a:extLst>
               <a:ext uri="{FF2B5EF4-FFF2-40B4-BE49-F238E27FC236}">
-                <a16:creationId xmlns:a16="http://schemas.microsoft.com/office/drawing/2014/main" id="{A8E6B1FE-8430-664F-8921-3B83AD327C00}"/>
+                <a16:creationId xmlns:a16="http://schemas.microsoft.com/office/drawing/2014/main" id="{F53EB7C0-1EF1-FB4E-85C8-D538888C400B}"/>
               </a:ext>
             </a:extLst>
           </p:cNvPr>
@@ -18249,8 +22610,8 @@
         </p:blipFill>
         <p:spPr>
           <a:xfrm>
-            <a:off x="5266944" y="1737360"/>
-            <a:ext cx="2613822" cy="3001054"/>
+            <a:off x="3803904" y="210312"/>
+            <a:ext cx="2699840" cy="3099816"/>
           </a:xfrm>
           <a:prstGeom prst="rect">
             <a:avLst/>
@@ -18259,10 +22620,10 @@
       </p:pic>
       <p:pic>
         <p:nvPicPr>
-          <p:cNvPr id="19" name="Picture 18">
+          <p:cNvPr id="6" name="Picture 5">
             <a:extLst>
               <a:ext uri="{FF2B5EF4-FFF2-40B4-BE49-F238E27FC236}">
-                <a16:creationId xmlns:a16="http://schemas.microsoft.com/office/drawing/2014/main" id="{21880E89-8CCD-564B-B795-279F44FFE90A}"/>
+                <a16:creationId xmlns:a16="http://schemas.microsoft.com/office/drawing/2014/main" id="{A59414F2-494A-8F4B-9BB4-CE97DD4C7F75}"/>
               </a:ext>
             </a:extLst>
           </p:cNvPr>
@@ -18279,140 +22640,20 @@
         </p:blipFill>
         <p:spPr>
           <a:xfrm>
-            <a:off x="2651760" y="1739841"/>
-            <a:ext cx="2613822" cy="3001054"/>
+            <a:off x="1417320" y="210312"/>
+            <a:ext cx="2699840" cy="3099816"/>
           </a:xfrm>
           <a:prstGeom prst="rect">
             <a:avLst/>
           </a:prstGeom>
         </p:spPr>
       </p:pic>
-      <p:sp>
-        <p:nvSpPr>
-          <p:cNvPr id="21" name="TextBox 20">
+      <p:pic>
+        <p:nvPicPr>
+          <p:cNvPr id="15" name="Picture 14">
             <a:extLst>
               <a:ext uri="{FF2B5EF4-FFF2-40B4-BE49-F238E27FC236}">
-                <a16:creationId xmlns:a16="http://schemas.microsoft.com/office/drawing/2014/main" id="{EA867186-DD6E-2547-A392-44EC2C888CE7}"/>
-              </a:ext>
-            </a:extLst>
-          </p:cNvPr>
-          <p:cNvSpPr txBox="1"/>
-          <p:nvPr/>
-        </p:nvSpPr>
-        <p:spPr>
-          <a:xfrm>
-            <a:off x="38493" y="1350243"/>
-            <a:ext cx="408151" cy="338554"/>
-          </a:xfrm>
-          <a:prstGeom prst="rect">
-            <a:avLst/>
-          </a:prstGeom>
-          <a:noFill/>
-        </p:spPr>
-        <p:txBody>
-          <a:bodyPr wrap="square" rtlCol="0">
-            <a:spAutoFit/>
-          </a:bodyPr>
-          <a:lstStyle/>
-          <a:p>
-            <a:pPr algn="ctr"/>
-            <a:r>
-              <a:rPr lang="en-US" sz="1600" b="1" dirty="0">
-                <a:latin typeface="Helvetica Neue" panose="02000503000000020004" pitchFamily="2" charset="0"/>
-                <a:ea typeface="Helvetica Neue" panose="02000503000000020004" pitchFamily="2" charset="0"/>
-                <a:cs typeface="Helvetica Neue" panose="02000503000000020004" pitchFamily="2" charset="0"/>
-              </a:rPr>
-              <a:t>a</a:t>
-            </a:r>
-          </a:p>
-        </p:txBody>
-      </p:sp>
-      <p:sp>
-        <p:nvSpPr>
-          <p:cNvPr id="32" name="TextBox 31">
-            <a:extLst>
-              <a:ext uri="{FF2B5EF4-FFF2-40B4-BE49-F238E27FC236}">
-                <a16:creationId xmlns:a16="http://schemas.microsoft.com/office/drawing/2014/main" id="{DB81189F-AF2F-8D49-AEA2-D195963F57C1}"/>
-              </a:ext>
-            </a:extLst>
-          </p:cNvPr>
-          <p:cNvSpPr txBox="1"/>
-          <p:nvPr/>
-        </p:nvSpPr>
-        <p:spPr>
-          <a:xfrm>
-            <a:off x="2652314" y="1356566"/>
-            <a:ext cx="408151" cy="338554"/>
-          </a:xfrm>
-          <a:prstGeom prst="rect">
-            <a:avLst/>
-          </a:prstGeom>
-          <a:noFill/>
-        </p:spPr>
-        <p:txBody>
-          <a:bodyPr wrap="square" rtlCol="0">
-            <a:spAutoFit/>
-          </a:bodyPr>
-          <a:lstStyle/>
-          <a:p>
-            <a:pPr algn="ctr"/>
-            <a:r>
-              <a:rPr lang="en-US" sz="1600" b="1" dirty="0">
-                <a:latin typeface="Helvetica Neue" panose="02000503000000020004" pitchFamily="2" charset="0"/>
-                <a:ea typeface="Helvetica Neue" panose="02000503000000020004" pitchFamily="2" charset="0"/>
-                <a:cs typeface="Helvetica Neue" panose="02000503000000020004" pitchFamily="2" charset="0"/>
-              </a:rPr>
-              <a:t>b</a:t>
-            </a:r>
-          </a:p>
-        </p:txBody>
-      </p:sp>
-      <p:sp>
-        <p:nvSpPr>
-          <p:cNvPr id="35" name="TextBox 34">
-            <a:extLst>
-              <a:ext uri="{FF2B5EF4-FFF2-40B4-BE49-F238E27FC236}">
-                <a16:creationId xmlns:a16="http://schemas.microsoft.com/office/drawing/2014/main" id="{593792A2-F27D-3A41-86E8-F96173CB8075}"/>
-              </a:ext>
-            </a:extLst>
-          </p:cNvPr>
-          <p:cNvSpPr txBox="1"/>
-          <p:nvPr/>
-        </p:nvSpPr>
-        <p:spPr>
-          <a:xfrm>
-            <a:off x="5266136" y="1351551"/>
-            <a:ext cx="408151" cy="338554"/>
-          </a:xfrm>
-          <a:prstGeom prst="rect">
-            <a:avLst/>
-          </a:prstGeom>
-          <a:noFill/>
-        </p:spPr>
-        <p:txBody>
-          <a:bodyPr wrap="square" rtlCol="0">
-            <a:spAutoFit/>
-          </a:bodyPr>
-          <a:lstStyle/>
-          <a:p>
-            <a:pPr algn="ctr"/>
-            <a:r>
-              <a:rPr lang="en-US" sz="1600" b="1" dirty="0">
-                <a:latin typeface="Helvetica Neue" panose="02000503000000020004" pitchFamily="2" charset="0"/>
-                <a:ea typeface="Helvetica Neue" panose="02000503000000020004" pitchFamily="2" charset="0"/>
-                <a:cs typeface="Helvetica Neue" panose="02000503000000020004" pitchFamily="2" charset="0"/>
-              </a:rPr>
-              <a:t>c</a:t>
-            </a:r>
-          </a:p>
-        </p:txBody>
-      </p:sp>
-      <p:pic>
-        <p:nvPicPr>
-          <p:cNvPr id="3" name="Picture 2">
-            <a:extLst>
-              <a:ext uri="{FF2B5EF4-FFF2-40B4-BE49-F238E27FC236}">
-                <a16:creationId xmlns:a16="http://schemas.microsoft.com/office/drawing/2014/main" id="{3BA2D042-1EB5-D046-B305-5F1480190137}"/>
+                <a16:creationId xmlns:a16="http://schemas.microsoft.com/office/drawing/2014/main" id="{12A92E28-58FE-4842-AF1A-93E53E56B798}"/>
               </a:ext>
             </a:extLst>
           </p:cNvPr>
@@ -18429,18 +22670,208 @@
         </p:blipFill>
         <p:spPr>
           <a:xfrm>
-            <a:off x="36576" y="1737360"/>
-            <a:ext cx="2612234" cy="2999232"/>
+            <a:off x="3802598" y="3388205"/>
+            <a:ext cx="2699839" cy="3099816"/>
           </a:xfrm>
           <a:prstGeom prst="rect">
             <a:avLst/>
           </a:prstGeom>
         </p:spPr>
       </p:pic>
+      <p:pic>
+        <p:nvPicPr>
+          <p:cNvPr id="5" name="Picture 4">
+            <a:extLst>
+              <a:ext uri="{FF2B5EF4-FFF2-40B4-BE49-F238E27FC236}">
+                <a16:creationId xmlns:a16="http://schemas.microsoft.com/office/drawing/2014/main" id="{3B9B94C8-8B70-E14C-BE8C-4CD4EFDA1735}"/>
+              </a:ext>
+            </a:extLst>
+          </p:cNvPr>
+          <p:cNvPicPr>
+            <a:picLocks noChangeAspect="1"/>
+          </p:cNvPicPr>
+          <p:nvPr/>
+        </p:nvPicPr>
+        <p:blipFill>
+          <a:blip r:embed="rId6"/>
+          <a:stretch>
+            <a:fillRect/>
+          </a:stretch>
+        </p:blipFill>
+        <p:spPr>
+          <a:xfrm>
+            <a:off x="1416013" y="3388205"/>
+            <a:ext cx="2699840" cy="3099816"/>
+          </a:xfrm>
+          <a:prstGeom prst="rect">
+            <a:avLst/>
+          </a:prstGeom>
+        </p:spPr>
+      </p:pic>
+      <p:sp>
+        <p:nvSpPr>
+          <p:cNvPr id="18" name="TextBox 17">
+            <a:extLst>
+              <a:ext uri="{FF2B5EF4-FFF2-40B4-BE49-F238E27FC236}">
+                <a16:creationId xmlns:a16="http://schemas.microsoft.com/office/drawing/2014/main" id="{46BBEC22-8FD3-4646-AE1A-C6C1C5D5E1E6}"/>
+              </a:ext>
+            </a:extLst>
+          </p:cNvPr>
+          <p:cNvSpPr txBox="1"/>
+          <p:nvPr/>
+        </p:nvSpPr>
+        <p:spPr>
+          <a:xfrm>
+            <a:off x="3949309" y="-4670"/>
+            <a:ext cx="578784" cy="338554"/>
+          </a:xfrm>
+          <a:prstGeom prst="rect">
+            <a:avLst/>
+          </a:prstGeom>
+          <a:noFill/>
+        </p:spPr>
+        <p:txBody>
+          <a:bodyPr wrap="square" rtlCol="0">
+            <a:spAutoFit/>
+          </a:bodyPr>
+          <a:lstStyle/>
+          <a:p>
+            <a:pPr algn="ctr"/>
+            <a:r>
+              <a:rPr lang="en-US" sz="1600" b="1" dirty="0">
+                <a:latin typeface="Helvetica Neue" panose="02000503000000020004" pitchFamily="2" charset="0"/>
+                <a:ea typeface="Helvetica Neue" panose="02000503000000020004" pitchFamily="2" charset="0"/>
+                <a:cs typeface="Helvetica Neue" panose="02000503000000020004" pitchFamily="2" charset="0"/>
+              </a:rPr>
+              <a:t>b</a:t>
+            </a:r>
+          </a:p>
+        </p:txBody>
+      </p:sp>
+      <p:sp>
+        <p:nvSpPr>
+          <p:cNvPr id="16" name="TextBox 15">
+            <a:extLst>
+              <a:ext uri="{FF2B5EF4-FFF2-40B4-BE49-F238E27FC236}">
+                <a16:creationId xmlns:a16="http://schemas.microsoft.com/office/drawing/2014/main" id="{0B8EA217-6F2C-0943-8D48-F70EC12EC200}"/>
+              </a:ext>
+            </a:extLst>
+          </p:cNvPr>
+          <p:cNvSpPr txBox="1"/>
+          <p:nvPr/>
+        </p:nvSpPr>
+        <p:spPr>
+          <a:xfrm>
+            <a:off x="1576181" y="-4671"/>
+            <a:ext cx="578784" cy="338554"/>
+          </a:xfrm>
+          <a:prstGeom prst="rect">
+            <a:avLst/>
+          </a:prstGeom>
+          <a:noFill/>
+        </p:spPr>
+        <p:txBody>
+          <a:bodyPr wrap="square" rtlCol="0">
+            <a:spAutoFit/>
+          </a:bodyPr>
+          <a:lstStyle/>
+          <a:p>
+            <a:pPr algn="ctr"/>
+            <a:r>
+              <a:rPr lang="en-US" sz="1600" b="1" dirty="0">
+                <a:latin typeface="Helvetica Neue" panose="02000503000000020004" pitchFamily="2" charset="0"/>
+                <a:ea typeface="Helvetica Neue" panose="02000503000000020004" pitchFamily="2" charset="0"/>
+                <a:cs typeface="Helvetica Neue" panose="02000503000000020004" pitchFamily="2" charset="0"/>
+              </a:rPr>
+              <a:t>a</a:t>
+            </a:r>
+          </a:p>
+        </p:txBody>
+      </p:sp>
+      <p:sp>
+        <p:nvSpPr>
+          <p:cNvPr id="20" name="TextBox 19">
+            <a:extLst>
+              <a:ext uri="{FF2B5EF4-FFF2-40B4-BE49-F238E27FC236}">
+                <a16:creationId xmlns:a16="http://schemas.microsoft.com/office/drawing/2014/main" id="{E8C86BD2-9FE9-8C4D-A835-2EAAEE829653}"/>
+              </a:ext>
+            </a:extLst>
+          </p:cNvPr>
+          <p:cNvSpPr txBox="1"/>
+          <p:nvPr/>
+        </p:nvSpPr>
+        <p:spPr>
+          <a:xfrm>
+            <a:off x="1577793" y="3187272"/>
+            <a:ext cx="578784" cy="338554"/>
+          </a:xfrm>
+          <a:prstGeom prst="rect">
+            <a:avLst/>
+          </a:prstGeom>
+          <a:noFill/>
+        </p:spPr>
+        <p:txBody>
+          <a:bodyPr wrap="square" rtlCol="0">
+            <a:spAutoFit/>
+          </a:bodyPr>
+          <a:lstStyle/>
+          <a:p>
+            <a:pPr algn="ctr"/>
+            <a:r>
+              <a:rPr lang="en-US" sz="1600" b="1" dirty="0">
+                <a:latin typeface="Helvetica Neue" panose="02000503000000020004" pitchFamily="2" charset="0"/>
+                <a:ea typeface="Helvetica Neue" panose="02000503000000020004" pitchFamily="2" charset="0"/>
+                <a:cs typeface="Helvetica Neue" panose="02000503000000020004" pitchFamily="2" charset="0"/>
+              </a:rPr>
+              <a:t>c</a:t>
+            </a:r>
+          </a:p>
+        </p:txBody>
+      </p:sp>
+      <p:sp>
+        <p:nvSpPr>
+          <p:cNvPr id="22" name="TextBox 21">
+            <a:extLst>
+              <a:ext uri="{FF2B5EF4-FFF2-40B4-BE49-F238E27FC236}">
+                <a16:creationId xmlns:a16="http://schemas.microsoft.com/office/drawing/2014/main" id="{9CC8A2EA-F668-DD43-A074-9F1F726F28A7}"/>
+              </a:ext>
+            </a:extLst>
+          </p:cNvPr>
+          <p:cNvSpPr txBox="1"/>
+          <p:nvPr/>
+        </p:nvSpPr>
+        <p:spPr>
+          <a:xfrm>
+            <a:off x="3949309" y="3191975"/>
+            <a:ext cx="578784" cy="338554"/>
+          </a:xfrm>
+          <a:prstGeom prst="rect">
+            <a:avLst/>
+          </a:prstGeom>
+          <a:noFill/>
+        </p:spPr>
+        <p:txBody>
+          <a:bodyPr wrap="square" rtlCol="0">
+            <a:spAutoFit/>
+          </a:bodyPr>
+          <a:lstStyle/>
+          <a:p>
+            <a:pPr algn="ctr"/>
+            <a:r>
+              <a:rPr lang="en-US" sz="1600" b="1" dirty="0">
+                <a:latin typeface="Helvetica Neue" panose="02000503000000020004" pitchFamily="2" charset="0"/>
+                <a:ea typeface="Helvetica Neue" panose="02000503000000020004" pitchFamily="2" charset="0"/>
+                <a:cs typeface="Helvetica Neue" panose="02000503000000020004" pitchFamily="2" charset="0"/>
+              </a:rPr>
+              <a:t>d</a:t>
+            </a:r>
+          </a:p>
+        </p:txBody>
+      </p:sp>
     </p:spTree>
     <p:extLst>
       <p:ext uri="{BB962C8B-B14F-4D97-AF65-F5344CB8AC3E}">
-        <p14:creationId xmlns:p14="http://schemas.microsoft.com/office/powerpoint/2010/main" val="656618018"/>
+        <p14:creationId xmlns:p14="http://schemas.microsoft.com/office/powerpoint/2010/main" val="1871210940"/>
       </p:ext>
     </p:extLst>
   </p:cSld>
@@ -18450,7 +22881,7 @@
 </p:sld>
 </file>
 
-<file path=ppt/slides/slide20.xml><?xml version="1.0" encoding="utf-8"?>
+<file path=ppt/slides/slide25.xml><?xml version="1.0" encoding="utf-8"?>
 <p:sld xmlns:a="http://schemas.openxmlformats.org/drawingml/2006/main" xmlns:r="http://schemas.openxmlformats.org/officeDocument/2006/relationships" xmlns:p="http://schemas.openxmlformats.org/presentationml/2006/main" show="0">
   <p:cSld>
     <p:spTree>
@@ -18760,7 +23191,7 @@
 </p:sld>
 </file>
 
-<file path=ppt/slides/slide21.xml><?xml version="1.0" encoding="utf-8"?>
+<file path=ppt/slides/slide26.xml><?xml version="1.0" encoding="utf-8"?>
 <p:sld xmlns:a="http://schemas.openxmlformats.org/drawingml/2006/main" xmlns:r="http://schemas.openxmlformats.org/officeDocument/2006/relationships" xmlns:p="http://schemas.openxmlformats.org/presentationml/2006/main" show="0">
   <p:cSld>
     <p:spTree>
@@ -19070,8 +23501,8 @@
 </p:sld>
 </file>
 
-<file path=ppt/slides/slide22.xml><?xml version="1.0" encoding="utf-8"?>
-<p:sld xmlns:a="http://schemas.openxmlformats.org/drawingml/2006/main" xmlns:r="http://schemas.openxmlformats.org/officeDocument/2006/relationships" xmlns:p="http://schemas.openxmlformats.org/presentationml/2006/main">
+<file path=ppt/slides/slide27.xml><?xml version="1.0" encoding="utf-8"?>
+<p:sld xmlns:a="http://schemas.openxmlformats.org/drawingml/2006/main" xmlns:r="http://schemas.openxmlformats.org/officeDocument/2006/relationships" xmlns:p="http://schemas.openxmlformats.org/presentationml/2006/main" show="0">
   <p:cSld>
     <p:spTree>
       <p:nvGrpSpPr>
@@ -19380,7 +23811,317 @@
 </p:sld>
 </file>
 
-<file path=ppt/slides/slide23.xml><?xml version="1.0" encoding="utf-8"?>
+<file path=ppt/slides/slide28.xml><?xml version="1.0" encoding="utf-8"?>
+<p:sld xmlns:a="http://schemas.openxmlformats.org/drawingml/2006/main" xmlns:r="http://schemas.openxmlformats.org/officeDocument/2006/relationships" xmlns:p="http://schemas.openxmlformats.org/presentationml/2006/main">
+  <p:cSld>
+    <p:spTree>
+      <p:nvGrpSpPr>
+        <p:cNvPr id="1" name=""/>
+        <p:cNvGrpSpPr/>
+        <p:nvPr/>
+      </p:nvGrpSpPr>
+      <p:grpSpPr>
+        <a:xfrm>
+          <a:off x="0" y="0"/>
+          <a:ext cx="0" cy="0"/>
+          <a:chOff x="0" y="0"/>
+          <a:chExt cx="0" cy="0"/>
+        </a:xfrm>
+      </p:grpSpPr>
+      <p:pic>
+        <p:nvPicPr>
+          <p:cNvPr id="7" name="Picture 6">
+            <a:extLst>
+              <a:ext uri="{FF2B5EF4-FFF2-40B4-BE49-F238E27FC236}">
+                <a16:creationId xmlns:a16="http://schemas.microsoft.com/office/drawing/2014/main" id="{ECA87D28-FB7E-FE43-BA22-86368046626E}"/>
+              </a:ext>
+            </a:extLst>
+          </p:cNvPr>
+          <p:cNvPicPr>
+            <a:picLocks noChangeAspect="1"/>
+          </p:cNvPicPr>
+          <p:nvPr/>
+        </p:nvPicPr>
+        <p:blipFill>
+          <a:blip r:embed="rId3"/>
+          <a:stretch>
+            <a:fillRect/>
+          </a:stretch>
+        </p:blipFill>
+        <p:spPr>
+          <a:xfrm>
+            <a:off x="3803904" y="210312"/>
+            <a:ext cx="2699839" cy="3099816"/>
+          </a:xfrm>
+          <a:prstGeom prst="rect">
+            <a:avLst/>
+          </a:prstGeom>
+        </p:spPr>
+      </p:pic>
+      <p:pic>
+        <p:nvPicPr>
+          <p:cNvPr id="4" name="Picture 3">
+            <a:extLst>
+              <a:ext uri="{FF2B5EF4-FFF2-40B4-BE49-F238E27FC236}">
+                <a16:creationId xmlns:a16="http://schemas.microsoft.com/office/drawing/2014/main" id="{DC1EC506-E2C2-6B47-9905-EDBB10506A33}"/>
+              </a:ext>
+            </a:extLst>
+          </p:cNvPr>
+          <p:cNvPicPr>
+            <a:picLocks noChangeAspect="1"/>
+          </p:cNvPicPr>
+          <p:nvPr/>
+        </p:nvPicPr>
+        <p:blipFill>
+          <a:blip r:embed="rId4"/>
+          <a:stretch>
+            <a:fillRect/>
+          </a:stretch>
+        </p:blipFill>
+        <p:spPr>
+          <a:xfrm>
+            <a:off x="1417320" y="210312"/>
+            <a:ext cx="2699840" cy="3099816"/>
+          </a:xfrm>
+          <a:prstGeom prst="rect">
+            <a:avLst/>
+          </a:prstGeom>
+        </p:spPr>
+      </p:pic>
+      <p:pic>
+        <p:nvPicPr>
+          <p:cNvPr id="6" name="Picture 5">
+            <a:extLst>
+              <a:ext uri="{FF2B5EF4-FFF2-40B4-BE49-F238E27FC236}">
+                <a16:creationId xmlns:a16="http://schemas.microsoft.com/office/drawing/2014/main" id="{D2A8EE6D-6440-6949-908A-DEB39F90BAC8}"/>
+              </a:ext>
+            </a:extLst>
+          </p:cNvPr>
+          <p:cNvPicPr>
+            <a:picLocks noChangeAspect="1"/>
+          </p:cNvPicPr>
+          <p:nvPr/>
+        </p:nvPicPr>
+        <p:blipFill>
+          <a:blip r:embed="rId5"/>
+          <a:stretch>
+            <a:fillRect/>
+          </a:stretch>
+        </p:blipFill>
+        <p:spPr>
+          <a:xfrm>
+            <a:off x="3803904" y="3392424"/>
+            <a:ext cx="2699840" cy="3099816"/>
+          </a:xfrm>
+          <a:prstGeom prst="rect">
+            <a:avLst/>
+          </a:prstGeom>
+        </p:spPr>
+      </p:pic>
+      <p:pic>
+        <p:nvPicPr>
+          <p:cNvPr id="10" name="Picture 9">
+            <a:extLst>
+              <a:ext uri="{FF2B5EF4-FFF2-40B4-BE49-F238E27FC236}">
+                <a16:creationId xmlns:a16="http://schemas.microsoft.com/office/drawing/2014/main" id="{4FFEB511-8822-7940-8ACC-F76430911952}"/>
+              </a:ext>
+            </a:extLst>
+          </p:cNvPr>
+          <p:cNvPicPr>
+            <a:picLocks noChangeAspect="1"/>
+          </p:cNvPicPr>
+          <p:nvPr/>
+        </p:nvPicPr>
+        <p:blipFill>
+          <a:blip r:embed="rId6"/>
+          <a:stretch>
+            <a:fillRect/>
+          </a:stretch>
+        </p:blipFill>
+        <p:spPr>
+          <a:xfrm>
+            <a:off x="1417320" y="3392424"/>
+            <a:ext cx="2699840" cy="3099816"/>
+          </a:xfrm>
+          <a:prstGeom prst="rect">
+            <a:avLst/>
+          </a:prstGeom>
+        </p:spPr>
+      </p:pic>
+      <p:sp>
+        <p:nvSpPr>
+          <p:cNvPr id="18" name="TextBox 17">
+            <a:extLst>
+              <a:ext uri="{FF2B5EF4-FFF2-40B4-BE49-F238E27FC236}">
+                <a16:creationId xmlns:a16="http://schemas.microsoft.com/office/drawing/2014/main" id="{46BBEC22-8FD3-4646-AE1A-C6C1C5D5E1E6}"/>
+              </a:ext>
+            </a:extLst>
+          </p:cNvPr>
+          <p:cNvSpPr txBox="1"/>
+          <p:nvPr/>
+        </p:nvSpPr>
+        <p:spPr>
+          <a:xfrm>
+            <a:off x="3949309" y="-4670"/>
+            <a:ext cx="578784" cy="338554"/>
+          </a:xfrm>
+          <a:prstGeom prst="rect">
+            <a:avLst/>
+          </a:prstGeom>
+          <a:noFill/>
+        </p:spPr>
+        <p:txBody>
+          <a:bodyPr wrap="square" rtlCol="0">
+            <a:spAutoFit/>
+          </a:bodyPr>
+          <a:lstStyle/>
+          <a:p>
+            <a:pPr algn="ctr"/>
+            <a:r>
+              <a:rPr lang="en-US" sz="1600" b="1" dirty="0">
+                <a:latin typeface="Helvetica Neue" panose="02000503000000020004" pitchFamily="2" charset="0"/>
+                <a:ea typeface="Helvetica Neue" panose="02000503000000020004" pitchFamily="2" charset="0"/>
+                <a:cs typeface="Helvetica Neue" panose="02000503000000020004" pitchFamily="2" charset="0"/>
+              </a:rPr>
+              <a:t>b</a:t>
+            </a:r>
+          </a:p>
+        </p:txBody>
+      </p:sp>
+      <p:sp>
+        <p:nvSpPr>
+          <p:cNvPr id="16" name="TextBox 15">
+            <a:extLst>
+              <a:ext uri="{FF2B5EF4-FFF2-40B4-BE49-F238E27FC236}">
+                <a16:creationId xmlns:a16="http://schemas.microsoft.com/office/drawing/2014/main" id="{0B8EA217-6F2C-0943-8D48-F70EC12EC200}"/>
+              </a:ext>
+            </a:extLst>
+          </p:cNvPr>
+          <p:cNvSpPr txBox="1"/>
+          <p:nvPr/>
+        </p:nvSpPr>
+        <p:spPr>
+          <a:xfrm>
+            <a:off x="1576181" y="-4671"/>
+            <a:ext cx="578784" cy="338554"/>
+          </a:xfrm>
+          <a:prstGeom prst="rect">
+            <a:avLst/>
+          </a:prstGeom>
+          <a:noFill/>
+        </p:spPr>
+        <p:txBody>
+          <a:bodyPr wrap="square" rtlCol="0">
+            <a:spAutoFit/>
+          </a:bodyPr>
+          <a:lstStyle/>
+          <a:p>
+            <a:pPr algn="ctr"/>
+            <a:r>
+              <a:rPr lang="en-US" sz="1600" b="1" dirty="0">
+                <a:latin typeface="Helvetica Neue" panose="02000503000000020004" pitchFamily="2" charset="0"/>
+                <a:ea typeface="Helvetica Neue" panose="02000503000000020004" pitchFamily="2" charset="0"/>
+                <a:cs typeface="Helvetica Neue" panose="02000503000000020004" pitchFamily="2" charset="0"/>
+              </a:rPr>
+              <a:t>a</a:t>
+            </a:r>
+          </a:p>
+        </p:txBody>
+      </p:sp>
+      <p:sp>
+        <p:nvSpPr>
+          <p:cNvPr id="20" name="TextBox 19">
+            <a:extLst>
+              <a:ext uri="{FF2B5EF4-FFF2-40B4-BE49-F238E27FC236}">
+                <a16:creationId xmlns:a16="http://schemas.microsoft.com/office/drawing/2014/main" id="{E8C86BD2-9FE9-8C4D-A835-2EAAEE829653}"/>
+              </a:ext>
+            </a:extLst>
+          </p:cNvPr>
+          <p:cNvSpPr txBox="1"/>
+          <p:nvPr/>
+        </p:nvSpPr>
+        <p:spPr>
+          <a:xfrm>
+            <a:off x="1577793" y="3187272"/>
+            <a:ext cx="578784" cy="338554"/>
+          </a:xfrm>
+          <a:prstGeom prst="rect">
+            <a:avLst/>
+          </a:prstGeom>
+          <a:noFill/>
+        </p:spPr>
+        <p:txBody>
+          <a:bodyPr wrap="square" rtlCol="0">
+            <a:spAutoFit/>
+          </a:bodyPr>
+          <a:lstStyle/>
+          <a:p>
+            <a:pPr algn="ctr"/>
+            <a:r>
+              <a:rPr lang="en-US" sz="1600" b="1" dirty="0">
+                <a:latin typeface="Helvetica Neue" panose="02000503000000020004" pitchFamily="2" charset="0"/>
+                <a:ea typeface="Helvetica Neue" panose="02000503000000020004" pitchFamily="2" charset="0"/>
+                <a:cs typeface="Helvetica Neue" panose="02000503000000020004" pitchFamily="2" charset="0"/>
+              </a:rPr>
+              <a:t>c</a:t>
+            </a:r>
+          </a:p>
+        </p:txBody>
+      </p:sp>
+      <p:sp>
+        <p:nvSpPr>
+          <p:cNvPr id="22" name="TextBox 21">
+            <a:extLst>
+              <a:ext uri="{FF2B5EF4-FFF2-40B4-BE49-F238E27FC236}">
+                <a16:creationId xmlns:a16="http://schemas.microsoft.com/office/drawing/2014/main" id="{9CC8A2EA-F668-DD43-A074-9F1F726F28A7}"/>
+              </a:ext>
+            </a:extLst>
+          </p:cNvPr>
+          <p:cNvSpPr txBox="1"/>
+          <p:nvPr/>
+        </p:nvSpPr>
+        <p:spPr>
+          <a:xfrm>
+            <a:off x="3949309" y="3191975"/>
+            <a:ext cx="578784" cy="338554"/>
+          </a:xfrm>
+          <a:prstGeom prst="rect">
+            <a:avLst/>
+          </a:prstGeom>
+          <a:noFill/>
+        </p:spPr>
+        <p:txBody>
+          <a:bodyPr wrap="square" rtlCol="0">
+            <a:spAutoFit/>
+          </a:bodyPr>
+          <a:lstStyle/>
+          <a:p>
+            <a:pPr algn="ctr"/>
+            <a:r>
+              <a:rPr lang="en-US" sz="1600" b="1" dirty="0">
+                <a:latin typeface="Helvetica Neue" panose="02000503000000020004" pitchFamily="2" charset="0"/>
+                <a:ea typeface="Helvetica Neue" panose="02000503000000020004" pitchFamily="2" charset="0"/>
+                <a:cs typeface="Helvetica Neue" panose="02000503000000020004" pitchFamily="2" charset="0"/>
+              </a:rPr>
+              <a:t>d</a:t>
+            </a:r>
+          </a:p>
+        </p:txBody>
+      </p:sp>
+    </p:spTree>
+    <p:extLst>
+      <p:ext uri="{BB962C8B-B14F-4D97-AF65-F5344CB8AC3E}">
+        <p14:creationId xmlns:p14="http://schemas.microsoft.com/office/powerpoint/2010/main" val="4056057217"/>
+      </p:ext>
+    </p:extLst>
+  </p:cSld>
+  <p:clrMapOvr>
+    <a:masterClrMapping/>
+  </p:clrMapOvr>
+</p:sld>
+</file>
+
+<file path=ppt/slides/slide29.xml><?xml version="1.0" encoding="utf-8"?>
 <p:sld xmlns:a="http://schemas.openxmlformats.org/drawingml/2006/main" xmlns:r="http://schemas.openxmlformats.org/officeDocument/2006/relationships" xmlns:p="http://schemas.openxmlformats.org/presentationml/2006/main" show="0">
   <p:cSld>
     <p:spTree>
@@ -20415,7 +25156,334 @@
 </p:sld>
 </file>
 
-<file path=ppt/slides/slide24.xml><?xml version="1.0" encoding="utf-8"?>
+<file path=ppt/slides/slide3.xml><?xml version="1.0" encoding="utf-8"?>
+<p:sld xmlns:a="http://schemas.openxmlformats.org/drawingml/2006/main" xmlns:r="http://schemas.openxmlformats.org/officeDocument/2006/relationships" xmlns:p="http://schemas.openxmlformats.org/presentationml/2006/main">
+  <p:cSld>
+    <p:spTree>
+      <p:nvGrpSpPr>
+        <p:cNvPr id="1" name=""/>
+        <p:cNvGrpSpPr/>
+        <p:nvPr/>
+      </p:nvGrpSpPr>
+      <p:grpSpPr>
+        <a:xfrm>
+          <a:off x="0" y="0"/>
+          <a:ext cx="0" cy="0"/>
+          <a:chOff x="0" y="0"/>
+          <a:chExt cx="0" cy="0"/>
+        </a:xfrm>
+      </p:grpSpPr>
+      <p:pic>
+        <p:nvPicPr>
+          <p:cNvPr id="13" name="Picture 12">
+            <a:extLst>
+              <a:ext uri="{FF2B5EF4-FFF2-40B4-BE49-F238E27FC236}">
+                <a16:creationId xmlns:a16="http://schemas.microsoft.com/office/drawing/2014/main" id="{A8E6B1FE-8430-664F-8921-3B83AD327C00}"/>
+              </a:ext>
+            </a:extLst>
+          </p:cNvPr>
+          <p:cNvPicPr>
+            <a:picLocks noChangeAspect="1"/>
+          </p:cNvPicPr>
+          <p:nvPr/>
+        </p:nvPicPr>
+        <p:blipFill>
+          <a:blip r:embed="rId3"/>
+          <a:stretch>
+            <a:fillRect/>
+          </a:stretch>
+        </p:blipFill>
+        <p:spPr>
+          <a:xfrm>
+            <a:off x="5266944" y="1737360"/>
+            <a:ext cx="2613822" cy="3001054"/>
+          </a:xfrm>
+          <a:prstGeom prst="rect">
+            <a:avLst/>
+          </a:prstGeom>
+        </p:spPr>
+      </p:pic>
+      <p:pic>
+        <p:nvPicPr>
+          <p:cNvPr id="19" name="Picture 18">
+            <a:extLst>
+              <a:ext uri="{FF2B5EF4-FFF2-40B4-BE49-F238E27FC236}">
+                <a16:creationId xmlns:a16="http://schemas.microsoft.com/office/drawing/2014/main" id="{21880E89-8CCD-564B-B795-279F44FFE90A}"/>
+              </a:ext>
+            </a:extLst>
+          </p:cNvPr>
+          <p:cNvPicPr>
+            <a:picLocks noChangeAspect="1"/>
+          </p:cNvPicPr>
+          <p:nvPr/>
+        </p:nvPicPr>
+        <p:blipFill>
+          <a:blip r:embed="rId4"/>
+          <a:stretch>
+            <a:fillRect/>
+          </a:stretch>
+        </p:blipFill>
+        <p:spPr>
+          <a:xfrm>
+            <a:off x="2651760" y="1739841"/>
+            <a:ext cx="2613822" cy="3001054"/>
+          </a:xfrm>
+          <a:prstGeom prst="rect">
+            <a:avLst/>
+          </a:prstGeom>
+        </p:spPr>
+      </p:pic>
+      <p:sp>
+        <p:nvSpPr>
+          <p:cNvPr id="21" name="TextBox 20">
+            <a:extLst>
+              <a:ext uri="{FF2B5EF4-FFF2-40B4-BE49-F238E27FC236}">
+                <a16:creationId xmlns:a16="http://schemas.microsoft.com/office/drawing/2014/main" id="{EA867186-DD6E-2547-A392-44EC2C888CE7}"/>
+              </a:ext>
+            </a:extLst>
+          </p:cNvPr>
+          <p:cNvSpPr txBox="1"/>
+          <p:nvPr/>
+        </p:nvSpPr>
+        <p:spPr>
+          <a:xfrm>
+            <a:off x="38493" y="1350243"/>
+            <a:ext cx="408151" cy="338554"/>
+          </a:xfrm>
+          <a:prstGeom prst="rect">
+            <a:avLst/>
+          </a:prstGeom>
+          <a:noFill/>
+        </p:spPr>
+        <p:txBody>
+          <a:bodyPr wrap="square" rtlCol="0">
+            <a:spAutoFit/>
+          </a:bodyPr>
+          <a:lstStyle/>
+          <a:p>
+            <a:pPr algn="ctr"/>
+            <a:r>
+              <a:rPr lang="en-US" sz="1600" b="1" dirty="0">
+                <a:latin typeface="Helvetica Neue" panose="02000503000000020004" pitchFamily="2" charset="0"/>
+                <a:ea typeface="Helvetica Neue" panose="02000503000000020004" pitchFamily="2" charset="0"/>
+                <a:cs typeface="Helvetica Neue" panose="02000503000000020004" pitchFamily="2" charset="0"/>
+              </a:rPr>
+              <a:t>a</a:t>
+            </a:r>
+          </a:p>
+        </p:txBody>
+      </p:sp>
+      <p:sp>
+        <p:nvSpPr>
+          <p:cNvPr id="32" name="TextBox 31">
+            <a:extLst>
+              <a:ext uri="{FF2B5EF4-FFF2-40B4-BE49-F238E27FC236}">
+                <a16:creationId xmlns:a16="http://schemas.microsoft.com/office/drawing/2014/main" id="{DB81189F-AF2F-8D49-AEA2-D195963F57C1}"/>
+              </a:ext>
+            </a:extLst>
+          </p:cNvPr>
+          <p:cNvSpPr txBox="1"/>
+          <p:nvPr/>
+        </p:nvSpPr>
+        <p:spPr>
+          <a:xfrm>
+            <a:off x="2652314" y="1356566"/>
+            <a:ext cx="408151" cy="338554"/>
+          </a:xfrm>
+          <a:prstGeom prst="rect">
+            <a:avLst/>
+          </a:prstGeom>
+          <a:noFill/>
+        </p:spPr>
+        <p:txBody>
+          <a:bodyPr wrap="square" rtlCol="0">
+            <a:spAutoFit/>
+          </a:bodyPr>
+          <a:lstStyle/>
+          <a:p>
+            <a:pPr algn="ctr"/>
+            <a:r>
+              <a:rPr lang="en-US" sz="1600" b="1" dirty="0">
+                <a:latin typeface="Helvetica Neue" panose="02000503000000020004" pitchFamily="2" charset="0"/>
+                <a:ea typeface="Helvetica Neue" panose="02000503000000020004" pitchFamily="2" charset="0"/>
+                <a:cs typeface="Helvetica Neue" panose="02000503000000020004" pitchFamily="2" charset="0"/>
+              </a:rPr>
+              <a:t>b</a:t>
+            </a:r>
+          </a:p>
+        </p:txBody>
+      </p:sp>
+      <p:sp>
+        <p:nvSpPr>
+          <p:cNvPr id="35" name="TextBox 34">
+            <a:extLst>
+              <a:ext uri="{FF2B5EF4-FFF2-40B4-BE49-F238E27FC236}">
+                <a16:creationId xmlns:a16="http://schemas.microsoft.com/office/drawing/2014/main" id="{593792A2-F27D-3A41-86E8-F96173CB8075}"/>
+              </a:ext>
+            </a:extLst>
+          </p:cNvPr>
+          <p:cNvSpPr txBox="1"/>
+          <p:nvPr/>
+        </p:nvSpPr>
+        <p:spPr>
+          <a:xfrm>
+            <a:off x="5266136" y="1351551"/>
+            <a:ext cx="408151" cy="338554"/>
+          </a:xfrm>
+          <a:prstGeom prst="rect">
+            <a:avLst/>
+          </a:prstGeom>
+          <a:noFill/>
+        </p:spPr>
+        <p:txBody>
+          <a:bodyPr wrap="square" rtlCol="0">
+            <a:spAutoFit/>
+          </a:bodyPr>
+          <a:lstStyle/>
+          <a:p>
+            <a:pPr algn="ctr"/>
+            <a:r>
+              <a:rPr lang="en-US" sz="1600" b="1" dirty="0">
+                <a:latin typeface="Helvetica Neue" panose="02000503000000020004" pitchFamily="2" charset="0"/>
+                <a:ea typeface="Helvetica Neue" panose="02000503000000020004" pitchFamily="2" charset="0"/>
+                <a:cs typeface="Helvetica Neue" panose="02000503000000020004" pitchFamily="2" charset="0"/>
+              </a:rPr>
+              <a:t>c</a:t>
+            </a:r>
+          </a:p>
+        </p:txBody>
+      </p:sp>
+      <p:pic>
+        <p:nvPicPr>
+          <p:cNvPr id="3" name="Picture 2">
+            <a:extLst>
+              <a:ext uri="{FF2B5EF4-FFF2-40B4-BE49-F238E27FC236}">
+                <a16:creationId xmlns:a16="http://schemas.microsoft.com/office/drawing/2014/main" id="{3BA2D042-1EB5-D046-B305-5F1480190137}"/>
+              </a:ext>
+            </a:extLst>
+          </p:cNvPr>
+          <p:cNvPicPr>
+            <a:picLocks noChangeAspect="1"/>
+          </p:cNvPicPr>
+          <p:nvPr/>
+        </p:nvPicPr>
+        <p:blipFill>
+          <a:blip r:embed="rId5"/>
+          <a:stretch>
+            <a:fillRect/>
+          </a:stretch>
+        </p:blipFill>
+        <p:spPr>
+          <a:xfrm>
+            <a:off x="36576" y="1737360"/>
+            <a:ext cx="2612234" cy="2999232"/>
+          </a:xfrm>
+          <a:prstGeom prst="rect">
+            <a:avLst/>
+          </a:prstGeom>
+        </p:spPr>
+      </p:pic>
+      <p:sp>
+        <p:nvSpPr>
+          <p:cNvPr id="8" name="TextBox 7">
+            <a:extLst>
+              <a:ext uri="{FF2B5EF4-FFF2-40B4-BE49-F238E27FC236}">
+                <a16:creationId xmlns:a16="http://schemas.microsoft.com/office/drawing/2014/main" id="{81A1BDD7-929A-A044-9D61-2FB40D6F3897}"/>
+              </a:ext>
+            </a:extLst>
+          </p:cNvPr>
+          <p:cNvSpPr txBox="1"/>
+          <p:nvPr/>
+        </p:nvSpPr>
+        <p:spPr>
+          <a:xfrm>
+            <a:off x="663015" y="4972895"/>
+            <a:ext cx="4176540" cy="307777"/>
+          </a:xfrm>
+          <a:prstGeom prst="rect">
+            <a:avLst/>
+          </a:prstGeom>
+          <a:noFill/>
+        </p:spPr>
+        <p:txBody>
+          <a:bodyPr wrap="square" rtlCol="0">
+            <a:spAutoFit/>
+          </a:bodyPr>
+          <a:lstStyle/>
+          <a:p>
+            <a:r>
+              <a:rPr lang="en-US" sz="1400" i="1" dirty="0">
+                <a:latin typeface="Helvetica" pitchFamily="2" charset="0"/>
+              </a:rPr>
+              <a:t>(P1) Mixed colonies have more pronounced DOL</a:t>
+            </a:r>
+          </a:p>
+        </p:txBody>
+      </p:sp>
+      <p:sp>
+        <p:nvSpPr>
+          <p:cNvPr id="9" name="TextBox 8">
+            <a:extLst>
+              <a:ext uri="{FF2B5EF4-FFF2-40B4-BE49-F238E27FC236}">
+                <a16:creationId xmlns:a16="http://schemas.microsoft.com/office/drawing/2014/main" id="{F509B7FC-F1CA-BD45-97A5-F0C06ABD0ADF}"/>
+              </a:ext>
+            </a:extLst>
+          </p:cNvPr>
+          <p:cNvSpPr txBox="1"/>
+          <p:nvPr/>
+        </p:nvSpPr>
+        <p:spPr>
+          <a:xfrm>
+            <a:off x="5640554" y="4623967"/>
+            <a:ext cx="2240212" cy="1015663"/>
+          </a:xfrm>
+          <a:prstGeom prst="rect">
+            <a:avLst/>
+          </a:prstGeom>
+          <a:noFill/>
+        </p:spPr>
+        <p:txBody>
+          <a:bodyPr wrap="square" rtlCol="0">
+            <a:spAutoFit/>
+          </a:bodyPr>
+          <a:lstStyle/>
+          <a:p>
+            <a:r>
+              <a:rPr lang="en-US" sz="1400" i="1" dirty="0">
+                <a:latin typeface="Helvetica" pitchFamily="2" charset="0"/>
+              </a:rPr>
+              <a:t>(P2) All colonies have the same mean behavior</a:t>
+            </a:r>
+          </a:p>
+          <a:p>
+            <a:endParaRPr lang="en-US" sz="400" i="1" dirty="0">
+              <a:latin typeface="Helvetica" pitchFamily="2" charset="0"/>
+            </a:endParaRPr>
+          </a:p>
+          <a:p>
+            <a:r>
+              <a:rPr lang="en-US" sz="1400" i="1" dirty="0">
+                <a:latin typeface="Helvetica" pitchFamily="2" charset="0"/>
+              </a:rPr>
+              <a:t>(P3) Mixed colonies show behavioral amplification</a:t>
+            </a:r>
+          </a:p>
+        </p:txBody>
+      </p:sp>
+    </p:spTree>
+    <p:extLst>
+      <p:ext uri="{BB962C8B-B14F-4D97-AF65-F5344CB8AC3E}">
+        <p14:creationId xmlns:p14="http://schemas.microsoft.com/office/powerpoint/2010/main" val="130478291"/>
+      </p:ext>
+    </p:extLst>
+  </p:cSld>
+  <p:clrMapOvr>
+    <a:masterClrMapping/>
+  </p:clrMapOvr>
+</p:sld>
+</file>
+
+<file path=ppt/slides/slide30.xml><?xml version="1.0" encoding="utf-8"?>
 <p:sld xmlns:a="http://schemas.openxmlformats.org/drawingml/2006/main" xmlns:r="http://schemas.openxmlformats.org/officeDocument/2006/relationships" xmlns:p="http://schemas.openxmlformats.org/presentationml/2006/main" show="0">
   <p:cSld>
     <p:spTree>
@@ -21429,7 +26497,7 @@
 </p:sld>
 </file>
 
-<file path=ppt/slides/slide25.xml><?xml version="1.0" encoding="utf-8"?>
+<file path=ppt/slides/slide31.xml><?xml version="1.0" encoding="utf-8"?>
 <p:sld xmlns:a="http://schemas.openxmlformats.org/drawingml/2006/main" xmlns:r="http://schemas.openxmlformats.org/officeDocument/2006/relationships" xmlns:p="http://schemas.openxmlformats.org/presentationml/2006/main" show="0">
   <p:cSld>
     <p:spTree>
@@ -22531,7 +27599,7 @@
 </p:sld>
 </file>
 
-<file path=ppt/slides/slide26.xml><?xml version="1.0" encoding="utf-8"?>
+<file path=ppt/slides/slide32.xml><?xml version="1.0" encoding="utf-8"?>
 <p:sld xmlns:a="http://schemas.openxmlformats.org/drawingml/2006/main" xmlns:r="http://schemas.openxmlformats.org/officeDocument/2006/relationships" xmlns:p="http://schemas.openxmlformats.org/presentationml/2006/main" show="0">
   <p:cSld>
     <p:spTree>
@@ -24119,7 +29187,7 @@
 </p:sld>
 </file>
 
-<file path=ppt/slides/slide27.xml><?xml version="1.0" encoding="utf-8"?>
+<file path=ppt/slides/slide33.xml><?xml version="1.0" encoding="utf-8"?>
 <p:sld xmlns:a="http://schemas.openxmlformats.org/drawingml/2006/main" xmlns:r="http://schemas.openxmlformats.org/officeDocument/2006/relationships" xmlns:p="http://schemas.openxmlformats.org/presentationml/2006/main" show="0">
   <p:cSld>
     <p:spTree>
@@ -25537,7 +30605,7 @@
 </p:sld>
 </file>
 
-<file path=ppt/slides/slide28.xml><?xml version="1.0" encoding="utf-8"?>
+<file path=ppt/slides/slide34.xml><?xml version="1.0" encoding="utf-8"?>
 <p:sld xmlns:a="http://schemas.openxmlformats.org/drawingml/2006/main" xmlns:r="http://schemas.openxmlformats.org/officeDocument/2006/relationships" xmlns:p="http://schemas.openxmlformats.org/presentationml/2006/main">
   <p:cSld>
     <p:spTree>
@@ -26955,7 +32023,7 @@
 </p:sld>
 </file>
 
-<file path=ppt/slides/slide29.xml><?xml version="1.0" encoding="utf-8"?>
+<file path=ppt/slides/slide35.xml><?xml version="1.0" encoding="utf-8"?>
 <p:sld xmlns:a="http://schemas.openxmlformats.org/drawingml/2006/main" xmlns:r="http://schemas.openxmlformats.org/officeDocument/2006/relationships" xmlns:p="http://schemas.openxmlformats.org/presentationml/2006/main">
   <p:cSld>
     <p:spTree>
@@ -27125,7 +32193,504 @@
 </p:sld>
 </file>
 
-<file path=ppt/slides/slide3.xml><?xml version="1.0" encoding="utf-8"?>
+<file path=ppt/slides/slide36.xml><?xml version="1.0" encoding="utf-8"?>
+<p:sld xmlns:a="http://schemas.openxmlformats.org/drawingml/2006/main" xmlns:r="http://schemas.openxmlformats.org/officeDocument/2006/relationships" xmlns:p="http://schemas.openxmlformats.org/presentationml/2006/main">
+  <p:cSld>
+    <p:spTree>
+      <p:nvGrpSpPr>
+        <p:cNvPr id="1" name=""/>
+        <p:cNvGrpSpPr/>
+        <p:nvPr/>
+      </p:nvGrpSpPr>
+      <p:grpSpPr>
+        <a:xfrm>
+          <a:off x="0" y="0"/>
+          <a:ext cx="0" cy="0"/>
+          <a:chOff x="0" y="0"/>
+          <a:chExt cx="0" cy="0"/>
+        </a:xfrm>
+      </p:grpSpPr>
+      <p:sp>
+        <p:nvSpPr>
+          <p:cNvPr id="35" name="TextBox 34">
+            <a:extLst>
+              <a:ext uri="{FF2B5EF4-FFF2-40B4-BE49-F238E27FC236}">
+                <a16:creationId xmlns:a16="http://schemas.microsoft.com/office/drawing/2014/main" id="{3DEA8629-13B6-7240-A27C-B4B5A5095B22}"/>
+              </a:ext>
+            </a:extLst>
+          </p:cNvPr>
+          <p:cNvSpPr txBox="1"/>
+          <p:nvPr/>
+        </p:nvSpPr>
+        <p:spPr>
+          <a:xfrm>
+            <a:off x="3956050" y="1486062"/>
+            <a:ext cx="532050" cy="311217"/>
+          </a:xfrm>
+          <a:prstGeom prst="rect">
+            <a:avLst/>
+          </a:prstGeom>
+          <a:noFill/>
+        </p:spPr>
+        <p:txBody>
+          <a:bodyPr wrap="square" rtlCol="0">
+            <a:spAutoFit/>
+          </a:bodyPr>
+          <a:lstStyle/>
+          <a:p>
+            <a:pPr algn="ctr"/>
+            <a:r>
+              <a:rPr lang="en-US" sz="1600" b="1" dirty="0">
+                <a:latin typeface="Helvetica Neue" panose="02000503000000020004" pitchFamily="2" charset="0"/>
+                <a:ea typeface="Helvetica Neue" panose="02000503000000020004" pitchFamily="2" charset="0"/>
+                <a:cs typeface="Helvetica Neue" panose="02000503000000020004" pitchFamily="2" charset="0"/>
+              </a:rPr>
+              <a:t>b</a:t>
+            </a:r>
+          </a:p>
+        </p:txBody>
+      </p:sp>
+      <p:sp>
+        <p:nvSpPr>
+          <p:cNvPr id="37" name="TextBox 36">
+            <a:extLst>
+              <a:ext uri="{FF2B5EF4-FFF2-40B4-BE49-F238E27FC236}">
+                <a16:creationId xmlns:a16="http://schemas.microsoft.com/office/drawing/2014/main" id="{C29C2A4A-EBF4-9C43-A9EF-B4FE051397FD}"/>
+              </a:ext>
+            </a:extLst>
+          </p:cNvPr>
+          <p:cNvSpPr txBox="1"/>
+          <p:nvPr/>
+        </p:nvSpPr>
+        <p:spPr>
+          <a:xfrm>
+            <a:off x="0" y="1486062"/>
+            <a:ext cx="532050" cy="311217"/>
+          </a:xfrm>
+          <a:prstGeom prst="rect">
+            <a:avLst/>
+          </a:prstGeom>
+          <a:noFill/>
+        </p:spPr>
+        <p:txBody>
+          <a:bodyPr wrap="square" rtlCol="0">
+            <a:spAutoFit/>
+          </a:bodyPr>
+          <a:lstStyle/>
+          <a:p>
+            <a:pPr algn="ctr"/>
+            <a:r>
+              <a:rPr lang="en-US" sz="1600" b="1" dirty="0">
+                <a:latin typeface="Helvetica Neue" panose="02000503000000020004" pitchFamily="2" charset="0"/>
+                <a:ea typeface="Helvetica Neue" panose="02000503000000020004" pitchFamily="2" charset="0"/>
+                <a:cs typeface="Helvetica Neue" panose="02000503000000020004" pitchFamily="2" charset="0"/>
+              </a:rPr>
+              <a:t>a</a:t>
+            </a:r>
+          </a:p>
+        </p:txBody>
+      </p:sp>
+      <p:pic>
+        <p:nvPicPr>
+          <p:cNvPr id="4" name="Picture 3">
+            <a:extLst>
+              <a:ext uri="{FF2B5EF4-FFF2-40B4-BE49-F238E27FC236}">
+                <a16:creationId xmlns:a16="http://schemas.microsoft.com/office/drawing/2014/main" id="{30A01737-7917-C44D-B488-B84B8692FE40}"/>
+              </a:ext>
+            </a:extLst>
+          </p:cNvPr>
+          <p:cNvPicPr>
+            <a:picLocks noChangeAspect="1"/>
+          </p:cNvPicPr>
+          <p:nvPr/>
+        </p:nvPicPr>
+        <p:blipFill>
+          <a:blip r:embed="rId3"/>
+          <a:stretch>
+            <a:fillRect/>
+          </a:stretch>
+        </p:blipFill>
+        <p:spPr>
+          <a:xfrm>
+            <a:off x="3956050" y="1797278"/>
+            <a:ext cx="3928521" cy="3142817"/>
+          </a:xfrm>
+          <a:prstGeom prst="rect">
+            <a:avLst/>
+          </a:prstGeom>
+        </p:spPr>
+      </p:pic>
+      <p:pic>
+        <p:nvPicPr>
+          <p:cNvPr id="7" name="Picture 6">
+            <a:extLst>
+              <a:ext uri="{FF2B5EF4-FFF2-40B4-BE49-F238E27FC236}">
+                <a16:creationId xmlns:a16="http://schemas.microsoft.com/office/drawing/2014/main" id="{678E8869-98EE-1A4E-BE6B-F185615D4A8E}"/>
+              </a:ext>
+            </a:extLst>
+          </p:cNvPr>
+          <p:cNvPicPr>
+            <a:picLocks noChangeAspect="1"/>
+          </p:cNvPicPr>
+          <p:nvPr/>
+        </p:nvPicPr>
+        <p:blipFill>
+          <a:blip r:embed="rId4"/>
+          <a:stretch>
+            <a:fillRect/>
+          </a:stretch>
+        </p:blipFill>
+        <p:spPr>
+          <a:xfrm>
+            <a:off x="27529" y="1797279"/>
+            <a:ext cx="3928521" cy="3142817"/>
+          </a:xfrm>
+          <a:prstGeom prst="rect">
+            <a:avLst/>
+          </a:prstGeom>
+        </p:spPr>
+      </p:pic>
+    </p:spTree>
+    <p:extLst>
+      <p:ext uri="{BB962C8B-B14F-4D97-AF65-F5344CB8AC3E}">
+        <p14:creationId xmlns:p14="http://schemas.microsoft.com/office/powerpoint/2010/main" val="642784059"/>
+      </p:ext>
+    </p:extLst>
+  </p:cSld>
+  <p:clrMapOvr>
+    <a:masterClrMapping/>
+  </p:clrMapOvr>
+</p:sld>
+</file>
+
+<file path=ppt/slides/slide4.xml><?xml version="1.0" encoding="utf-8"?>
+<p:sld xmlns:a="http://schemas.openxmlformats.org/drawingml/2006/main" xmlns:r="http://schemas.openxmlformats.org/officeDocument/2006/relationships" xmlns:p="http://schemas.openxmlformats.org/presentationml/2006/main">
+  <p:cSld>
+    <p:spTree>
+      <p:nvGrpSpPr>
+        <p:cNvPr id="1" name=""/>
+        <p:cNvGrpSpPr/>
+        <p:nvPr/>
+      </p:nvGrpSpPr>
+      <p:grpSpPr>
+        <a:xfrm>
+          <a:off x="0" y="0"/>
+          <a:ext cx="0" cy="0"/>
+          <a:chOff x="0" y="0"/>
+          <a:chExt cx="0" cy="0"/>
+        </a:xfrm>
+      </p:grpSpPr>
+      <p:pic>
+        <p:nvPicPr>
+          <p:cNvPr id="3" name="Picture 2">
+            <a:extLst>
+              <a:ext uri="{FF2B5EF4-FFF2-40B4-BE49-F238E27FC236}">
+                <a16:creationId xmlns:a16="http://schemas.microsoft.com/office/drawing/2014/main" id="{3BA2D042-1EB5-D046-B305-5F1480190137}"/>
+              </a:ext>
+            </a:extLst>
+          </p:cNvPr>
+          <p:cNvPicPr>
+            <a:picLocks noChangeAspect="1"/>
+          </p:cNvPicPr>
+          <p:nvPr/>
+        </p:nvPicPr>
+        <p:blipFill>
+          <a:blip r:embed="rId3"/>
+          <a:stretch>
+            <a:fillRect/>
+          </a:stretch>
+        </p:blipFill>
+        <p:spPr>
+          <a:xfrm>
+            <a:off x="252248" y="250480"/>
+            <a:ext cx="2612234" cy="2999232"/>
+          </a:xfrm>
+          <a:prstGeom prst="rect">
+            <a:avLst/>
+          </a:prstGeom>
+        </p:spPr>
+      </p:pic>
+      <p:sp>
+        <p:nvSpPr>
+          <p:cNvPr id="21" name="TextBox 20">
+            <a:extLst>
+              <a:ext uri="{FF2B5EF4-FFF2-40B4-BE49-F238E27FC236}">
+                <a16:creationId xmlns:a16="http://schemas.microsoft.com/office/drawing/2014/main" id="{EA867186-DD6E-2547-A392-44EC2C888CE7}"/>
+              </a:ext>
+            </a:extLst>
+          </p:cNvPr>
+          <p:cNvSpPr txBox="1"/>
+          <p:nvPr/>
+        </p:nvSpPr>
+        <p:spPr>
+          <a:xfrm>
+            <a:off x="254165" y="0"/>
+            <a:ext cx="408151" cy="338554"/>
+          </a:xfrm>
+          <a:prstGeom prst="rect">
+            <a:avLst/>
+          </a:prstGeom>
+          <a:noFill/>
+        </p:spPr>
+        <p:txBody>
+          <a:bodyPr wrap="square" rtlCol="0">
+            <a:spAutoFit/>
+          </a:bodyPr>
+          <a:lstStyle/>
+          <a:p>
+            <a:pPr algn="ctr"/>
+            <a:r>
+              <a:rPr lang="en-US" sz="1600" b="1" dirty="0">
+                <a:latin typeface="Helvetica Neue" panose="02000503000000020004" pitchFamily="2" charset="0"/>
+                <a:ea typeface="Helvetica Neue" panose="02000503000000020004" pitchFamily="2" charset="0"/>
+                <a:cs typeface="Helvetica Neue" panose="02000503000000020004" pitchFamily="2" charset="0"/>
+              </a:rPr>
+              <a:t>a</a:t>
+            </a:r>
+          </a:p>
+        </p:txBody>
+      </p:sp>
+      <p:pic>
+        <p:nvPicPr>
+          <p:cNvPr id="13" name="Picture 12">
+            <a:extLst>
+              <a:ext uri="{FF2B5EF4-FFF2-40B4-BE49-F238E27FC236}">
+                <a16:creationId xmlns:a16="http://schemas.microsoft.com/office/drawing/2014/main" id="{A8E6B1FE-8430-664F-8921-3B83AD327C00}"/>
+              </a:ext>
+            </a:extLst>
+          </p:cNvPr>
+          <p:cNvPicPr>
+            <a:picLocks noChangeAspect="1"/>
+          </p:cNvPicPr>
+          <p:nvPr/>
+        </p:nvPicPr>
+        <p:blipFill>
+          <a:blip r:embed="rId4"/>
+          <a:stretch>
+            <a:fillRect/>
+          </a:stretch>
+        </p:blipFill>
+        <p:spPr>
+          <a:xfrm>
+            <a:off x="1490326" y="3416573"/>
+            <a:ext cx="2613822" cy="3001054"/>
+          </a:xfrm>
+          <a:prstGeom prst="rect">
+            <a:avLst/>
+          </a:prstGeom>
+        </p:spPr>
+      </p:pic>
+      <p:pic>
+        <p:nvPicPr>
+          <p:cNvPr id="19" name="Picture 18">
+            <a:extLst>
+              <a:ext uri="{FF2B5EF4-FFF2-40B4-BE49-F238E27FC236}">
+                <a16:creationId xmlns:a16="http://schemas.microsoft.com/office/drawing/2014/main" id="{21880E89-8CCD-564B-B795-279F44FFE90A}"/>
+              </a:ext>
+            </a:extLst>
+          </p:cNvPr>
+          <p:cNvPicPr>
+            <a:picLocks noChangeAspect="1"/>
+          </p:cNvPicPr>
+          <p:nvPr/>
+        </p:nvPicPr>
+        <p:blipFill>
+          <a:blip r:embed="rId5"/>
+          <a:stretch>
+            <a:fillRect/>
+          </a:stretch>
+        </p:blipFill>
+        <p:spPr>
+          <a:xfrm>
+            <a:off x="2730799" y="210921"/>
+            <a:ext cx="2613822" cy="3001054"/>
+          </a:xfrm>
+          <a:prstGeom prst="rect">
+            <a:avLst/>
+          </a:prstGeom>
+        </p:spPr>
+      </p:pic>
+      <p:sp>
+        <p:nvSpPr>
+          <p:cNvPr id="2" name="TextBox 1">
+            <a:extLst>
+              <a:ext uri="{FF2B5EF4-FFF2-40B4-BE49-F238E27FC236}">
+                <a16:creationId xmlns:a16="http://schemas.microsoft.com/office/drawing/2014/main" id="{DB11C7F7-870E-6A4B-AA86-290DC31B88D5}"/>
+              </a:ext>
+            </a:extLst>
+          </p:cNvPr>
+          <p:cNvSpPr txBox="1"/>
+          <p:nvPr/>
+        </p:nvSpPr>
+        <p:spPr>
+          <a:xfrm>
+            <a:off x="5264174" y="1165321"/>
+            <a:ext cx="2240212" cy="523220"/>
+          </a:xfrm>
+          <a:prstGeom prst="rect">
+            <a:avLst/>
+          </a:prstGeom>
+          <a:noFill/>
+        </p:spPr>
+        <p:txBody>
+          <a:bodyPr wrap="square" rtlCol="0">
+            <a:spAutoFit/>
+          </a:bodyPr>
+          <a:lstStyle/>
+          <a:p>
+            <a:r>
+              <a:rPr lang="en-US" sz="1400" dirty="0">
+                <a:latin typeface="Helvetica" pitchFamily="2" charset="0"/>
+              </a:rPr>
+              <a:t>(P1) Mixed colonies have more pronounced DOL</a:t>
+            </a:r>
+          </a:p>
+        </p:txBody>
+      </p:sp>
+      <p:sp>
+        <p:nvSpPr>
+          <p:cNvPr id="35" name="TextBox 34">
+            <a:extLst>
+              <a:ext uri="{FF2B5EF4-FFF2-40B4-BE49-F238E27FC236}">
+                <a16:creationId xmlns:a16="http://schemas.microsoft.com/office/drawing/2014/main" id="{593792A2-F27D-3A41-86E8-F96173CB8075}"/>
+              </a:ext>
+            </a:extLst>
+          </p:cNvPr>
+          <p:cNvSpPr txBox="1"/>
+          <p:nvPr/>
+        </p:nvSpPr>
+        <p:spPr>
+          <a:xfrm>
+            <a:off x="1489518" y="3114844"/>
+            <a:ext cx="408151" cy="338554"/>
+          </a:xfrm>
+          <a:prstGeom prst="rect">
+            <a:avLst/>
+          </a:prstGeom>
+          <a:noFill/>
+        </p:spPr>
+        <p:txBody>
+          <a:bodyPr wrap="square" rtlCol="0">
+            <a:spAutoFit/>
+          </a:bodyPr>
+          <a:lstStyle/>
+          <a:p>
+            <a:pPr algn="ctr"/>
+            <a:r>
+              <a:rPr lang="en-US" sz="1600" b="1" dirty="0">
+                <a:latin typeface="Helvetica Neue" panose="02000503000000020004" pitchFamily="2" charset="0"/>
+                <a:ea typeface="Helvetica Neue" panose="02000503000000020004" pitchFamily="2" charset="0"/>
+                <a:cs typeface="Helvetica Neue" panose="02000503000000020004" pitchFamily="2" charset="0"/>
+              </a:rPr>
+              <a:t>c</a:t>
+            </a:r>
+          </a:p>
+        </p:txBody>
+      </p:sp>
+      <p:sp>
+        <p:nvSpPr>
+          <p:cNvPr id="32" name="TextBox 31">
+            <a:extLst>
+              <a:ext uri="{FF2B5EF4-FFF2-40B4-BE49-F238E27FC236}">
+                <a16:creationId xmlns:a16="http://schemas.microsoft.com/office/drawing/2014/main" id="{DB81189F-AF2F-8D49-AEA2-D195963F57C1}"/>
+              </a:ext>
+            </a:extLst>
+          </p:cNvPr>
+          <p:cNvSpPr txBox="1"/>
+          <p:nvPr/>
+        </p:nvSpPr>
+        <p:spPr>
+          <a:xfrm>
+            <a:off x="2720843" y="6323"/>
+            <a:ext cx="408151" cy="338554"/>
+          </a:xfrm>
+          <a:prstGeom prst="rect">
+            <a:avLst/>
+          </a:prstGeom>
+          <a:noFill/>
+        </p:spPr>
+        <p:txBody>
+          <a:bodyPr wrap="square" rtlCol="0">
+            <a:spAutoFit/>
+          </a:bodyPr>
+          <a:lstStyle/>
+          <a:p>
+            <a:pPr algn="ctr"/>
+            <a:r>
+              <a:rPr lang="en-US" sz="1600" b="1" dirty="0">
+                <a:latin typeface="Helvetica Neue" panose="02000503000000020004" pitchFamily="2" charset="0"/>
+                <a:ea typeface="Helvetica Neue" panose="02000503000000020004" pitchFamily="2" charset="0"/>
+                <a:cs typeface="Helvetica Neue" panose="02000503000000020004" pitchFamily="2" charset="0"/>
+              </a:rPr>
+              <a:t>b</a:t>
+            </a:r>
+          </a:p>
+        </p:txBody>
+      </p:sp>
+      <p:sp>
+        <p:nvSpPr>
+          <p:cNvPr id="9" name="TextBox 8">
+            <a:extLst>
+              <a:ext uri="{FF2B5EF4-FFF2-40B4-BE49-F238E27FC236}">
+                <a16:creationId xmlns:a16="http://schemas.microsoft.com/office/drawing/2014/main" id="{57292AA3-D149-4043-A948-59E65E195EE2}"/>
+              </a:ext>
+            </a:extLst>
+          </p:cNvPr>
+          <p:cNvSpPr txBox="1"/>
+          <p:nvPr/>
+        </p:nvSpPr>
+        <p:spPr>
+          <a:xfrm>
+            <a:off x="5264174" y="4014092"/>
+            <a:ext cx="2240212" cy="1169551"/>
+          </a:xfrm>
+          <a:prstGeom prst="rect">
+            <a:avLst/>
+          </a:prstGeom>
+          <a:noFill/>
+        </p:spPr>
+        <p:txBody>
+          <a:bodyPr wrap="square" rtlCol="0">
+            <a:spAutoFit/>
+          </a:bodyPr>
+          <a:lstStyle/>
+          <a:p>
+            <a:r>
+              <a:rPr lang="en-US" sz="1400" dirty="0">
+                <a:latin typeface="Helvetica" pitchFamily="2" charset="0"/>
+              </a:rPr>
+              <a:t>(P2) All colonies have the same mean behavior</a:t>
+            </a:r>
+          </a:p>
+          <a:p>
+            <a:endParaRPr lang="en-US" sz="1400" dirty="0">
+              <a:latin typeface="Helvetica" pitchFamily="2" charset="0"/>
+            </a:endParaRPr>
+          </a:p>
+          <a:p>
+            <a:r>
+              <a:rPr lang="en-US" sz="1400" dirty="0">
+                <a:latin typeface="Helvetica" pitchFamily="2" charset="0"/>
+              </a:rPr>
+              <a:t>(P3) Mixed colonies show behavioral amplification</a:t>
+            </a:r>
+          </a:p>
+        </p:txBody>
+      </p:sp>
+    </p:spTree>
+    <p:extLst>
+      <p:ext uri="{BB962C8B-B14F-4D97-AF65-F5344CB8AC3E}">
+        <p14:creationId xmlns:p14="http://schemas.microsoft.com/office/powerpoint/2010/main" val="86356876"/>
+      </p:ext>
+    </p:extLst>
+  </p:cSld>
+  <p:clrMapOvr>
+    <a:masterClrMapping/>
+  </p:clrMapOvr>
+</p:sld>
+</file>
+
+<file path=ppt/slides/slide5.xml><?xml version="1.0" encoding="utf-8"?>
 <p:sld xmlns:a="http://schemas.openxmlformats.org/drawingml/2006/main" xmlns:r="http://schemas.openxmlformats.org/officeDocument/2006/relationships" xmlns:p="http://schemas.openxmlformats.org/presentationml/2006/main">
   <p:cSld>
     <p:spTree>
@@ -29310,177 +34875,7 @@
 </p:sld>
 </file>
 
-<file path=ppt/slides/slide30.xml><?xml version="1.0" encoding="utf-8"?>
-<p:sld xmlns:a="http://schemas.openxmlformats.org/drawingml/2006/main" xmlns:r="http://schemas.openxmlformats.org/officeDocument/2006/relationships" xmlns:p="http://schemas.openxmlformats.org/presentationml/2006/main">
-  <p:cSld>
-    <p:spTree>
-      <p:nvGrpSpPr>
-        <p:cNvPr id="1" name=""/>
-        <p:cNvGrpSpPr/>
-        <p:nvPr/>
-      </p:nvGrpSpPr>
-      <p:grpSpPr>
-        <a:xfrm>
-          <a:off x="0" y="0"/>
-          <a:ext cx="0" cy="0"/>
-          <a:chOff x="0" y="0"/>
-          <a:chExt cx="0" cy="0"/>
-        </a:xfrm>
-      </p:grpSpPr>
-      <p:sp>
-        <p:nvSpPr>
-          <p:cNvPr id="35" name="TextBox 34">
-            <a:extLst>
-              <a:ext uri="{FF2B5EF4-FFF2-40B4-BE49-F238E27FC236}">
-                <a16:creationId xmlns:a16="http://schemas.microsoft.com/office/drawing/2014/main" id="{3DEA8629-13B6-7240-A27C-B4B5A5095B22}"/>
-              </a:ext>
-            </a:extLst>
-          </p:cNvPr>
-          <p:cNvSpPr txBox="1"/>
-          <p:nvPr/>
-        </p:nvSpPr>
-        <p:spPr>
-          <a:xfrm>
-            <a:off x="3956050" y="1486062"/>
-            <a:ext cx="532050" cy="311217"/>
-          </a:xfrm>
-          <a:prstGeom prst="rect">
-            <a:avLst/>
-          </a:prstGeom>
-          <a:noFill/>
-        </p:spPr>
-        <p:txBody>
-          <a:bodyPr wrap="square" rtlCol="0">
-            <a:spAutoFit/>
-          </a:bodyPr>
-          <a:lstStyle/>
-          <a:p>
-            <a:pPr algn="ctr"/>
-            <a:r>
-              <a:rPr lang="en-US" sz="1600" b="1" dirty="0">
-                <a:latin typeface="Helvetica Neue" panose="02000503000000020004" pitchFamily="2" charset="0"/>
-                <a:ea typeface="Helvetica Neue" panose="02000503000000020004" pitchFamily="2" charset="0"/>
-                <a:cs typeface="Helvetica Neue" panose="02000503000000020004" pitchFamily="2" charset="0"/>
-              </a:rPr>
-              <a:t>b</a:t>
-            </a:r>
-          </a:p>
-        </p:txBody>
-      </p:sp>
-      <p:sp>
-        <p:nvSpPr>
-          <p:cNvPr id="37" name="TextBox 36">
-            <a:extLst>
-              <a:ext uri="{FF2B5EF4-FFF2-40B4-BE49-F238E27FC236}">
-                <a16:creationId xmlns:a16="http://schemas.microsoft.com/office/drawing/2014/main" id="{C29C2A4A-EBF4-9C43-A9EF-B4FE051397FD}"/>
-              </a:ext>
-            </a:extLst>
-          </p:cNvPr>
-          <p:cNvSpPr txBox="1"/>
-          <p:nvPr/>
-        </p:nvSpPr>
-        <p:spPr>
-          <a:xfrm>
-            <a:off x="0" y="1486062"/>
-            <a:ext cx="532050" cy="311217"/>
-          </a:xfrm>
-          <a:prstGeom prst="rect">
-            <a:avLst/>
-          </a:prstGeom>
-          <a:noFill/>
-        </p:spPr>
-        <p:txBody>
-          <a:bodyPr wrap="square" rtlCol="0">
-            <a:spAutoFit/>
-          </a:bodyPr>
-          <a:lstStyle/>
-          <a:p>
-            <a:pPr algn="ctr"/>
-            <a:r>
-              <a:rPr lang="en-US" sz="1600" b="1" dirty="0">
-                <a:latin typeface="Helvetica Neue" panose="02000503000000020004" pitchFamily="2" charset="0"/>
-                <a:ea typeface="Helvetica Neue" panose="02000503000000020004" pitchFamily="2" charset="0"/>
-                <a:cs typeface="Helvetica Neue" panose="02000503000000020004" pitchFamily="2" charset="0"/>
-              </a:rPr>
-              <a:t>a</a:t>
-            </a:r>
-          </a:p>
-        </p:txBody>
-      </p:sp>
-      <p:pic>
-        <p:nvPicPr>
-          <p:cNvPr id="4" name="Picture 3">
-            <a:extLst>
-              <a:ext uri="{FF2B5EF4-FFF2-40B4-BE49-F238E27FC236}">
-                <a16:creationId xmlns:a16="http://schemas.microsoft.com/office/drawing/2014/main" id="{30A01737-7917-C44D-B488-B84B8692FE40}"/>
-              </a:ext>
-            </a:extLst>
-          </p:cNvPr>
-          <p:cNvPicPr>
-            <a:picLocks noChangeAspect="1"/>
-          </p:cNvPicPr>
-          <p:nvPr/>
-        </p:nvPicPr>
-        <p:blipFill>
-          <a:blip r:embed="rId3"/>
-          <a:stretch>
-            <a:fillRect/>
-          </a:stretch>
-        </p:blipFill>
-        <p:spPr>
-          <a:xfrm>
-            <a:off x="3956050" y="1797278"/>
-            <a:ext cx="3928521" cy="3142817"/>
-          </a:xfrm>
-          <a:prstGeom prst="rect">
-            <a:avLst/>
-          </a:prstGeom>
-        </p:spPr>
-      </p:pic>
-      <p:pic>
-        <p:nvPicPr>
-          <p:cNvPr id="7" name="Picture 6">
-            <a:extLst>
-              <a:ext uri="{FF2B5EF4-FFF2-40B4-BE49-F238E27FC236}">
-                <a16:creationId xmlns:a16="http://schemas.microsoft.com/office/drawing/2014/main" id="{678E8869-98EE-1A4E-BE6B-F185615D4A8E}"/>
-              </a:ext>
-            </a:extLst>
-          </p:cNvPr>
-          <p:cNvPicPr>
-            <a:picLocks noChangeAspect="1"/>
-          </p:cNvPicPr>
-          <p:nvPr/>
-        </p:nvPicPr>
-        <p:blipFill>
-          <a:blip r:embed="rId4"/>
-          <a:stretch>
-            <a:fillRect/>
-          </a:stretch>
-        </p:blipFill>
-        <p:spPr>
-          <a:xfrm>
-            <a:off x="27529" y="1797279"/>
-            <a:ext cx="3928521" cy="3142817"/>
-          </a:xfrm>
-          <a:prstGeom prst="rect">
-            <a:avLst/>
-          </a:prstGeom>
-        </p:spPr>
-      </p:pic>
-    </p:spTree>
-    <p:extLst>
-      <p:ext uri="{BB962C8B-B14F-4D97-AF65-F5344CB8AC3E}">
-        <p14:creationId xmlns:p14="http://schemas.microsoft.com/office/powerpoint/2010/main" val="642784059"/>
-      </p:ext>
-    </p:extLst>
-  </p:cSld>
-  <p:clrMapOvr>
-    <a:masterClrMapping/>
-  </p:clrMapOvr>
-</p:sld>
-</file>
-
-<file path=ppt/slides/slide4.xml><?xml version="1.0" encoding="utf-8"?>
+<file path=ppt/slides/slide6.xml><?xml version="1.0" encoding="utf-8"?>
 <p:sld xmlns:a="http://schemas.openxmlformats.org/drawingml/2006/main" xmlns:r="http://schemas.openxmlformats.org/officeDocument/2006/relationships" xmlns:p="http://schemas.openxmlformats.org/presentationml/2006/main" show="0">
   <p:cSld>
     <p:spTree>
@@ -29811,7 +35206,7 @@
 </p:sld>
 </file>
 
-<file path=ppt/slides/slide5.xml><?xml version="1.0" encoding="utf-8"?>
+<file path=ppt/slides/slide7.xml><?xml version="1.0" encoding="utf-8"?>
 <p:sld xmlns:a="http://schemas.openxmlformats.org/drawingml/2006/main" xmlns:r="http://schemas.openxmlformats.org/officeDocument/2006/relationships" xmlns:p="http://schemas.openxmlformats.org/presentationml/2006/main" show="0">
   <p:cSld>
     <p:spTree>
@@ -30932,7 +36327,7 @@
 </p:sld>
 </file>
 
-<file path=ppt/slides/slide6.xml><?xml version="1.0" encoding="utf-8"?>
+<file path=ppt/slides/slide8.xml><?xml version="1.0" encoding="utf-8"?>
 <p:sld xmlns:a="http://schemas.openxmlformats.org/drawingml/2006/main" xmlns:r="http://schemas.openxmlformats.org/officeDocument/2006/relationships" xmlns:p="http://schemas.openxmlformats.org/presentationml/2006/main" show="0">
   <p:cSld>
     <p:spTree>
@@ -32230,7 +37625,7 @@
 </p:sld>
 </file>
 
-<file path=ppt/slides/slide7.xml><?xml version="1.0" encoding="utf-8"?>
+<file path=ppt/slides/slide9.xml><?xml version="1.0" encoding="utf-8"?>
 <p:sld xmlns:a="http://schemas.openxmlformats.org/drawingml/2006/main" xmlns:r="http://schemas.openxmlformats.org/officeDocument/2006/relationships" xmlns:p="http://schemas.openxmlformats.org/presentationml/2006/main" show="0">
   <p:cSld>
     <p:spTree>
@@ -33842,1959 +39237,6 @@
     <p:extLst>
       <p:ext uri="{BB962C8B-B14F-4D97-AF65-F5344CB8AC3E}">
         <p14:creationId xmlns:p14="http://schemas.microsoft.com/office/powerpoint/2010/main" val="3471412228"/>
-      </p:ext>
-    </p:extLst>
-  </p:cSld>
-  <p:clrMapOvr>
-    <a:masterClrMapping/>
-  </p:clrMapOvr>
-</p:sld>
-</file>
-
-<file path=ppt/slides/slide8.xml><?xml version="1.0" encoding="utf-8"?>
-<p:sld xmlns:a="http://schemas.openxmlformats.org/drawingml/2006/main" xmlns:r="http://schemas.openxmlformats.org/officeDocument/2006/relationships" xmlns:p="http://schemas.openxmlformats.org/presentationml/2006/main" show="0">
-  <p:cSld>
-    <p:spTree>
-      <p:nvGrpSpPr>
-        <p:cNvPr id="1" name=""/>
-        <p:cNvGrpSpPr/>
-        <p:nvPr/>
-      </p:nvGrpSpPr>
-      <p:grpSpPr>
-        <a:xfrm>
-          <a:off x="0" y="0"/>
-          <a:ext cx="0" cy="0"/>
-          <a:chOff x="0" y="0"/>
-          <a:chExt cx="0" cy="0"/>
-        </a:xfrm>
-      </p:grpSpPr>
-      <p:pic>
-        <p:nvPicPr>
-          <p:cNvPr id="30" name="Picture 29">
-            <a:extLst>
-              <a:ext uri="{FF2B5EF4-FFF2-40B4-BE49-F238E27FC236}">
-                <a16:creationId xmlns:a16="http://schemas.microsoft.com/office/drawing/2014/main" id="{1DF73A3F-4417-E84E-82BF-4C8190634864}"/>
-              </a:ext>
-            </a:extLst>
-          </p:cNvPr>
-          <p:cNvPicPr>
-            <a:picLocks noChangeAspect="1"/>
-          </p:cNvPicPr>
-          <p:nvPr/>
-        </p:nvPicPr>
-        <p:blipFill>
-          <a:blip r:embed="rId3"/>
-          <a:stretch>
-            <a:fillRect/>
-          </a:stretch>
-        </p:blipFill>
-        <p:spPr>
-          <a:xfrm>
-            <a:off x="2532431" y="1375712"/>
-            <a:ext cx="3078187" cy="3557016"/>
-          </a:xfrm>
-          <a:prstGeom prst="rect">
-            <a:avLst/>
-          </a:prstGeom>
-        </p:spPr>
-      </p:pic>
-      <p:grpSp>
-        <p:nvGrpSpPr>
-          <p:cNvPr id="32" name="Group 31">
-            <a:extLst>
-              <a:ext uri="{FF2B5EF4-FFF2-40B4-BE49-F238E27FC236}">
-                <a16:creationId xmlns:a16="http://schemas.microsoft.com/office/drawing/2014/main" id="{A68FFD5D-1878-4043-B3D3-6F2FC94FFE78}"/>
-              </a:ext>
-            </a:extLst>
-          </p:cNvPr>
-          <p:cNvGrpSpPr/>
-          <p:nvPr/>
-        </p:nvGrpSpPr>
-        <p:grpSpPr>
-          <a:xfrm>
-            <a:off x="2218688" y="1377974"/>
-            <a:ext cx="3669230" cy="3779091"/>
-            <a:chOff x="193399" y="-194993"/>
-            <a:chExt cx="6161517" cy="6345999"/>
-          </a:xfrm>
-        </p:grpSpPr>
-        <p:cxnSp>
-          <p:nvCxnSpPr>
-            <p:cNvPr id="38" name="Straight Arrow Connector 37">
-              <a:extLst>
-                <a:ext uri="{FF2B5EF4-FFF2-40B4-BE49-F238E27FC236}">
-                  <a16:creationId xmlns:a16="http://schemas.microsoft.com/office/drawing/2014/main" id="{A307D4E4-7D02-4047-8582-E3B4AB21BFB2}"/>
-                </a:ext>
-              </a:extLst>
-            </p:cNvPr>
-            <p:cNvCxnSpPr>
-              <a:cxnSpLocks/>
-            </p:cNvCxnSpPr>
-            <p:nvPr/>
-          </p:nvCxnSpPr>
-          <p:spPr>
-            <a:xfrm>
-              <a:off x="1459509" y="5654723"/>
-              <a:ext cx="4283951" cy="0"/>
-            </a:xfrm>
-            <a:prstGeom prst="straightConnector1">
-              <a:avLst/>
-            </a:prstGeom>
-            <a:ln w="50800">
-              <a:solidFill>
-                <a:srgbClr val="C00000"/>
-              </a:solidFill>
-              <a:tailEnd type="triangle"/>
-            </a:ln>
-          </p:spPr>
-          <p:style>
-            <a:lnRef idx="1">
-              <a:schemeClr val="accent1"/>
-            </a:lnRef>
-            <a:fillRef idx="0">
-              <a:schemeClr val="accent1"/>
-            </a:fillRef>
-            <a:effectRef idx="0">
-              <a:schemeClr val="accent1"/>
-            </a:effectRef>
-            <a:fontRef idx="minor">
-              <a:schemeClr val="tx1"/>
-            </a:fontRef>
-          </p:style>
-        </p:cxnSp>
-        <p:sp>
-          <p:nvSpPr>
-            <p:cNvPr id="39" name="TextBox 38">
-              <a:extLst>
-                <a:ext uri="{FF2B5EF4-FFF2-40B4-BE49-F238E27FC236}">
-                  <a16:creationId xmlns:a16="http://schemas.microsoft.com/office/drawing/2014/main" id="{7A891AFA-F877-6342-9C16-A81ED1CDEF25}"/>
-                </a:ext>
-              </a:extLst>
-            </p:cNvPr>
-            <p:cNvSpPr txBox="1"/>
-            <p:nvPr/>
-          </p:nvSpPr>
-          <p:spPr>
-            <a:xfrm>
-              <a:off x="848051" y="5711700"/>
-              <a:ext cx="5506865" cy="439306"/>
-            </a:xfrm>
-            <a:prstGeom prst="rect">
-              <a:avLst/>
-            </a:prstGeom>
-            <a:noFill/>
-          </p:spPr>
-          <p:txBody>
-            <a:bodyPr wrap="square" rtlCol="0">
-              <a:spAutoFit/>
-            </a:bodyPr>
-            <a:lstStyle/>
-            <a:p>
-              <a:pPr algn="ctr"/>
-              <a:r>
-                <a:rPr lang="en-US" sz="1100" dirty="0">
-                  <a:solidFill>
-                    <a:srgbClr val="C00000"/>
-                  </a:solidFill>
-                  <a:latin typeface="Helvetica Neue" panose="02000503000000020004" pitchFamily="2" charset="0"/>
-                  <a:ea typeface="Helvetica Neue" panose="02000503000000020004" pitchFamily="2" charset="0"/>
-                  <a:cs typeface="Helvetica Neue" panose="02000503000000020004" pitchFamily="2" charset="0"/>
-                </a:rPr>
-                <a:t>X becomes less sensitive to stimuli relative to Y</a:t>
-              </a:r>
-            </a:p>
-          </p:txBody>
-        </p:sp>
-        <p:cxnSp>
-          <p:nvCxnSpPr>
-            <p:cNvPr id="40" name="Straight Arrow Connector 39">
-              <a:extLst>
-                <a:ext uri="{FF2B5EF4-FFF2-40B4-BE49-F238E27FC236}">
-                  <a16:creationId xmlns:a16="http://schemas.microsoft.com/office/drawing/2014/main" id="{85D1266F-19AC-0241-AAF6-57849EF30018}"/>
-                </a:ext>
-              </a:extLst>
-            </p:cNvPr>
-            <p:cNvCxnSpPr>
-              <a:cxnSpLocks/>
-            </p:cNvCxnSpPr>
-            <p:nvPr/>
-          </p:nvCxnSpPr>
-          <p:spPr>
-            <a:xfrm flipV="1">
-              <a:off x="750000" y="854466"/>
-              <a:ext cx="0" cy="4047904"/>
-            </a:xfrm>
-            <a:prstGeom prst="straightConnector1">
-              <a:avLst/>
-            </a:prstGeom>
-            <a:ln w="50800">
-              <a:solidFill>
-                <a:srgbClr val="C00000"/>
-              </a:solidFill>
-              <a:tailEnd type="triangle"/>
-            </a:ln>
-          </p:spPr>
-          <p:style>
-            <a:lnRef idx="1">
-              <a:schemeClr val="accent1"/>
-            </a:lnRef>
-            <a:fillRef idx="0">
-              <a:schemeClr val="accent1"/>
-            </a:fillRef>
-            <a:effectRef idx="0">
-              <a:schemeClr val="accent1"/>
-            </a:effectRef>
-            <a:fontRef idx="minor">
-              <a:schemeClr val="tx1"/>
-            </a:fontRef>
-          </p:style>
-        </p:cxnSp>
-        <p:sp>
-          <p:nvSpPr>
-            <p:cNvPr id="41" name="TextBox 40">
-              <a:extLst>
-                <a:ext uri="{FF2B5EF4-FFF2-40B4-BE49-F238E27FC236}">
-                  <a16:creationId xmlns:a16="http://schemas.microsoft.com/office/drawing/2014/main" id="{4D2E4A4A-C872-794A-8C39-528400D778A1}"/>
-                </a:ext>
-              </a:extLst>
-            </p:cNvPr>
-            <p:cNvSpPr txBox="1"/>
-            <p:nvPr/>
-          </p:nvSpPr>
-          <p:spPr>
-            <a:xfrm rot="16200000">
-              <a:off x="-2650121" y="2648527"/>
-              <a:ext cx="6126345" cy="439306"/>
-            </a:xfrm>
-            <a:prstGeom prst="rect">
-              <a:avLst/>
-            </a:prstGeom>
-            <a:noFill/>
-          </p:spPr>
-          <p:txBody>
-            <a:bodyPr wrap="square" rtlCol="0">
-              <a:spAutoFit/>
-            </a:bodyPr>
-            <a:lstStyle/>
-            <a:p>
-              <a:pPr algn="ctr"/>
-              <a:r>
-                <a:rPr lang="en-US" sz="1100" dirty="0">
-                  <a:solidFill>
-                    <a:srgbClr val="C00000"/>
-                  </a:solidFill>
-                  <a:latin typeface="Helvetica Neue" panose="02000503000000020004" pitchFamily="2" charset="0"/>
-                  <a:ea typeface="Helvetica Neue" panose="02000503000000020004" pitchFamily="2" charset="0"/>
-                  <a:cs typeface="Helvetica Neue" panose="02000503000000020004" pitchFamily="2" charset="0"/>
-                </a:rPr>
-                <a:t>X becomes more efficient relative to Y</a:t>
-              </a:r>
-            </a:p>
-          </p:txBody>
-        </p:sp>
-        <p:sp>
-          <p:nvSpPr>
-            <p:cNvPr id="42" name="TextBox 41">
-              <a:extLst>
-                <a:ext uri="{FF2B5EF4-FFF2-40B4-BE49-F238E27FC236}">
-                  <a16:creationId xmlns:a16="http://schemas.microsoft.com/office/drawing/2014/main" id="{6308A167-A527-214B-9F7E-05AF52A19B71}"/>
-                </a:ext>
-              </a:extLst>
-            </p:cNvPr>
-            <p:cNvSpPr txBox="1"/>
-            <p:nvPr/>
-          </p:nvSpPr>
-          <p:spPr>
-            <a:xfrm>
-              <a:off x="966670" y="4406224"/>
-              <a:ext cx="1569713" cy="516831"/>
-            </a:xfrm>
-            <a:prstGeom prst="rect">
-              <a:avLst/>
-            </a:prstGeom>
-            <a:noFill/>
-          </p:spPr>
-          <p:txBody>
-            <a:bodyPr wrap="square" rtlCol="0">
-              <a:spAutoFit/>
-            </a:bodyPr>
-            <a:lstStyle/>
-            <a:p>
-              <a:pPr algn="ctr"/>
-              <a:r>
-                <a:rPr lang="en-US" sz="1400" b="1" dirty="0">
-                  <a:ln w="635">
-                    <a:solidFill>
-                      <a:schemeClr val="bg1">
-                        <a:alpha val="50000"/>
-                      </a:schemeClr>
-                    </a:solidFill>
-                  </a:ln>
-                  <a:solidFill>
-                    <a:srgbClr val="2B4B9B"/>
-                  </a:solidFill>
-                  <a:latin typeface="Helvetica Neue" panose="02000503000000020004" pitchFamily="2" charset="0"/>
-                  <a:ea typeface="Helvetica Neue" panose="02000503000000020004" pitchFamily="2" charset="0"/>
-                  <a:cs typeface="Helvetica Neue" panose="02000503000000020004" pitchFamily="2" charset="0"/>
-                </a:rPr>
-                <a:t>Y</a:t>
-              </a:r>
-            </a:p>
-          </p:txBody>
-        </p:sp>
-      </p:grpSp>
-      <p:sp>
-        <p:nvSpPr>
-          <p:cNvPr id="14" name="TextBox 13">
-            <a:extLst>
-              <a:ext uri="{FF2B5EF4-FFF2-40B4-BE49-F238E27FC236}">
-                <a16:creationId xmlns:a16="http://schemas.microsoft.com/office/drawing/2014/main" id="{FA8196DD-48D5-9049-896A-63BB364405C1}"/>
-              </a:ext>
-            </a:extLst>
-          </p:cNvPr>
-          <p:cNvSpPr txBox="1"/>
-          <p:nvPr/>
-        </p:nvSpPr>
-        <p:spPr>
-          <a:xfrm flipH="1">
-            <a:off x="2069490" y="1365182"/>
-            <a:ext cx="556224" cy="337025"/>
-          </a:xfrm>
-          <a:prstGeom prst="rect">
-            <a:avLst/>
-          </a:prstGeom>
-          <a:noFill/>
-        </p:spPr>
-        <p:txBody>
-          <a:bodyPr wrap="square" rtlCol="0">
-            <a:spAutoFit/>
-          </a:bodyPr>
-          <a:lstStyle/>
-          <a:p>
-            <a:pPr algn="ctr"/>
-            <a:r>
-              <a:rPr lang="en-US" sz="1400" b="1" dirty="0">
-                <a:latin typeface="Helvetica Neue" panose="02000503000000020004" pitchFamily="2" charset="0"/>
-                <a:ea typeface="Helvetica Neue" panose="02000503000000020004" pitchFamily="2" charset="0"/>
-                <a:cs typeface="Helvetica Neue" panose="02000503000000020004" pitchFamily="2" charset="0"/>
-              </a:rPr>
-              <a:t>e</a:t>
-            </a:r>
-          </a:p>
-        </p:txBody>
-      </p:sp>
-      <p:sp>
-        <p:nvSpPr>
-          <p:cNvPr id="50" name="Arc 49">
-            <a:extLst>
-              <a:ext uri="{FF2B5EF4-FFF2-40B4-BE49-F238E27FC236}">
-                <a16:creationId xmlns:a16="http://schemas.microsoft.com/office/drawing/2014/main" id="{7F1EE56F-D0B6-B745-84B1-36ADB5D54CBB}"/>
-              </a:ext>
-            </a:extLst>
-          </p:cNvPr>
-          <p:cNvSpPr/>
-          <p:nvPr/>
-        </p:nvSpPr>
-        <p:spPr>
-          <a:xfrm rot="20840186">
-            <a:off x="504313" y="866112"/>
-            <a:ext cx="2679311" cy="3645737"/>
-          </a:xfrm>
-          <a:prstGeom prst="arc">
-            <a:avLst>
-              <a:gd name="adj1" fmla="val 17122527"/>
-              <a:gd name="adj2" fmla="val 21551542"/>
-            </a:avLst>
-          </a:prstGeom>
-          <a:ln w="19050">
-            <a:solidFill>
-              <a:schemeClr val="bg2">
-                <a:lumMod val="75000"/>
-              </a:schemeClr>
-            </a:solidFill>
-            <a:tailEnd type="triangle" w="med" len="med"/>
-          </a:ln>
-        </p:spPr>
-        <p:style>
-          <a:lnRef idx="1">
-            <a:schemeClr val="accent1"/>
-          </a:lnRef>
-          <a:fillRef idx="0">
-            <a:schemeClr val="accent1"/>
-          </a:fillRef>
-          <a:effectRef idx="0">
-            <a:schemeClr val="accent1"/>
-          </a:effectRef>
-          <a:fontRef idx="minor">
-            <a:schemeClr val="tx1"/>
-          </a:fontRef>
-        </p:style>
-        <p:txBody>
-          <a:bodyPr rtlCol="0" anchor="ctr"/>
-          <a:lstStyle/>
-          <a:p>
-            <a:pPr algn="ctr"/>
-            <a:endParaRPr lang="en-US"/>
-          </a:p>
-        </p:txBody>
-      </p:sp>
-      <p:grpSp>
-        <p:nvGrpSpPr>
-          <p:cNvPr id="8" name="Group 7">
-            <a:extLst>
-              <a:ext uri="{FF2B5EF4-FFF2-40B4-BE49-F238E27FC236}">
-                <a16:creationId xmlns:a16="http://schemas.microsoft.com/office/drawing/2014/main" id="{8518B814-7DC7-BC4D-9421-D06D1CDE7D08}"/>
-              </a:ext>
-            </a:extLst>
-          </p:cNvPr>
-          <p:cNvGrpSpPr>
-            <a:grpSpLocks noChangeAspect="1"/>
-          </p:cNvGrpSpPr>
-          <p:nvPr/>
-        </p:nvGrpSpPr>
-        <p:grpSpPr>
-          <a:xfrm>
-            <a:off x="72319" y="347505"/>
-            <a:ext cx="1911095" cy="2323331"/>
-            <a:chOff x="-58198" y="3311957"/>
-            <a:chExt cx="2608682" cy="3171393"/>
-          </a:xfrm>
-        </p:grpSpPr>
-        <p:grpSp>
-          <p:nvGrpSpPr>
-            <p:cNvPr id="6" name="Group 5">
-              <a:extLst>
-                <a:ext uri="{FF2B5EF4-FFF2-40B4-BE49-F238E27FC236}">
-                  <a16:creationId xmlns:a16="http://schemas.microsoft.com/office/drawing/2014/main" id="{EA84E907-5290-6248-A782-79A0823CBA34}"/>
-                </a:ext>
-              </a:extLst>
-            </p:cNvPr>
-            <p:cNvGrpSpPr>
-              <a:grpSpLocks noChangeAspect="1"/>
-            </p:cNvGrpSpPr>
-            <p:nvPr/>
-          </p:nvGrpSpPr>
-          <p:grpSpPr>
-            <a:xfrm>
-              <a:off x="-58198" y="3311957"/>
-              <a:ext cx="2608682" cy="3171393"/>
-              <a:chOff x="1349839" y="-6293"/>
-              <a:chExt cx="2785122" cy="3385893"/>
-            </a:xfrm>
-          </p:grpSpPr>
-          <p:pic>
-            <p:nvPicPr>
-              <p:cNvPr id="9" name="Picture 8">
-                <a:extLst>
-                  <a:ext uri="{FF2B5EF4-FFF2-40B4-BE49-F238E27FC236}">
-                    <a16:creationId xmlns:a16="http://schemas.microsoft.com/office/drawing/2014/main" id="{B60DE2FD-9935-D249-950F-FE366DBB2A07}"/>
-                  </a:ext>
-                </a:extLst>
-              </p:cNvPr>
-              <p:cNvPicPr>
-                <a:picLocks noChangeAspect="1"/>
-              </p:cNvPicPr>
-              <p:nvPr/>
-            </p:nvPicPr>
-            <p:blipFill>
-              <a:blip r:embed="rId4"/>
-              <a:stretch>
-                <a:fillRect/>
-              </a:stretch>
-            </p:blipFill>
-            <p:spPr>
-              <a:xfrm>
-                <a:off x="1411972" y="275852"/>
-                <a:ext cx="2722989" cy="3103748"/>
-              </a:xfrm>
-              <a:prstGeom prst="rect">
-                <a:avLst/>
-              </a:prstGeom>
-            </p:spPr>
-          </p:pic>
-          <p:sp>
-            <p:nvSpPr>
-              <p:cNvPr id="16" name="TextBox 15">
-                <a:extLst>
-                  <a:ext uri="{FF2B5EF4-FFF2-40B4-BE49-F238E27FC236}">
-                    <a16:creationId xmlns:a16="http://schemas.microsoft.com/office/drawing/2014/main" id="{0B8EA217-6F2C-0943-8D48-F70EC12EC200}"/>
-                  </a:ext>
-                </a:extLst>
-              </p:cNvPr>
-              <p:cNvSpPr txBox="1"/>
-              <p:nvPr/>
-            </p:nvSpPr>
-            <p:spPr>
-              <a:xfrm>
-                <a:off x="1349839" y="-6293"/>
-                <a:ext cx="578783" cy="448537"/>
-              </a:xfrm>
-              <a:prstGeom prst="rect">
-                <a:avLst/>
-              </a:prstGeom>
-              <a:noFill/>
-            </p:spPr>
-            <p:txBody>
-              <a:bodyPr wrap="square" rtlCol="0">
-                <a:spAutoFit/>
-              </a:bodyPr>
-              <a:lstStyle/>
-              <a:p>
-                <a:pPr algn="ctr"/>
-                <a:r>
-                  <a:rPr lang="en-US" sz="1400" b="1" dirty="0">
-                    <a:latin typeface="Helvetica Neue" panose="02000503000000020004" pitchFamily="2" charset="0"/>
-                    <a:ea typeface="Helvetica Neue" panose="02000503000000020004" pitchFamily="2" charset="0"/>
-                    <a:cs typeface="Helvetica Neue" panose="02000503000000020004" pitchFamily="2" charset="0"/>
-                  </a:rPr>
-                  <a:t>a</a:t>
-                </a:r>
-              </a:p>
-            </p:txBody>
-          </p:sp>
-        </p:grpSp>
-        <p:sp>
-          <p:nvSpPr>
-            <p:cNvPr id="34" name="Rectangle 33">
-              <a:extLst>
-                <a:ext uri="{FF2B5EF4-FFF2-40B4-BE49-F238E27FC236}">
-                  <a16:creationId xmlns:a16="http://schemas.microsoft.com/office/drawing/2014/main" id="{396A4478-41EF-6B4D-B23C-2A4BA2D8DABE}"/>
-                </a:ext>
-              </a:extLst>
-            </p:cNvPr>
-            <p:cNvSpPr/>
-            <p:nvPr/>
-          </p:nvSpPr>
-          <p:spPr>
-            <a:xfrm>
-              <a:off x="43032" y="3342196"/>
-              <a:ext cx="2499084" cy="3094176"/>
-            </a:xfrm>
-            <a:prstGeom prst="rect">
-              <a:avLst/>
-            </a:prstGeom>
-            <a:noFill/>
-            <a:ln w="19050">
-              <a:solidFill>
-                <a:schemeClr val="bg2">
-                  <a:lumMod val="75000"/>
-                </a:schemeClr>
-              </a:solidFill>
-            </a:ln>
-          </p:spPr>
-          <p:style>
-            <a:lnRef idx="2">
-              <a:schemeClr val="accent1">
-                <a:shade val="50000"/>
-              </a:schemeClr>
-            </a:lnRef>
-            <a:fillRef idx="1">
-              <a:schemeClr val="accent1"/>
-            </a:fillRef>
-            <a:effectRef idx="0">
-              <a:schemeClr val="accent1"/>
-            </a:effectRef>
-            <a:fontRef idx="minor">
-              <a:schemeClr val="lt1"/>
-            </a:fontRef>
-          </p:style>
-          <p:txBody>
-            <a:bodyPr rtlCol="0" anchor="ctr"/>
-            <a:lstStyle/>
-            <a:p>
-              <a:pPr algn="ctr"/>
-              <a:endParaRPr lang="en-US"/>
-            </a:p>
-          </p:txBody>
-        </p:sp>
-        <p:sp>
-          <p:nvSpPr>
-            <p:cNvPr id="56" name="TextBox 55">
-              <a:extLst>
-                <a:ext uri="{FF2B5EF4-FFF2-40B4-BE49-F238E27FC236}">
-                  <a16:creationId xmlns:a16="http://schemas.microsoft.com/office/drawing/2014/main" id="{53F4DC70-1EA9-4149-AFF0-F773D783C706}"/>
-                </a:ext>
-              </a:extLst>
-            </p:cNvPr>
-            <p:cNvSpPr txBox="1"/>
-            <p:nvPr/>
-          </p:nvSpPr>
-          <p:spPr>
-            <a:xfrm>
-              <a:off x="352102" y="3388645"/>
-              <a:ext cx="2179035" cy="357103"/>
-            </a:xfrm>
-            <a:prstGeom prst="rect">
-              <a:avLst/>
-            </a:prstGeom>
-            <a:noFill/>
-          </p:spPr>
-          <p:txBody>
-            <a:bodyPr wrap="square" rtlCol="0">
-              <a:spAutoFit/>
-            </a:bodyPr>
-            <a:lstStyle/>
-            <a:p>
-              <a:pPr algn="r"/>
-              <a:r>
-                <a:rPr lang="en-US" sz="1100" i="1" dirty="0">
-                  <a:solidFill>
-                    <a:srgbClr val="8FB132"/>
-                  </a:solidFill>
-                  <a:latin typeface="Arial" panose="020B0604020202020204" pitchFamily="34" charset="0"/>
-                  <a:ea typeface="Helvetica Neue" panose="02000503000000020004" pitchFamily="2" charset="0"/>
-                  <a:cs typeface="Arial" panose="020B0604020202020204" pitchFamily="34" charset="0"/>
-                </a:rPr>
-                <a:t>Downward contagion</a:t>
-              </a:r>
-            </a:p>
-          </p:txBody>
-        </p:sp>
-      </p:grpSp>
-      <p:grpSp>
-        <p:nvGrpSpPr>
-          <p:cNvPr id="13" name="Group 12">
-            <a:extLst>
-              <a:ext uri="{FF2B5EF4-FFF2-40B4-BE49-F238E27FC236}">
-                <a16:creationId xmlns:a16="http://schemas.microsoft.com/office/drawing/2014/main" id="{3B9115EA-2FB8-6346-B2E2-C1E514C8EF31}"/>
-              </a:ext>
-            </a:extLst>
-          </p:cNvPr>
-          <p:cNvGrpSpPr>
-            <a:grpSpLocks noChangeAspect="1"/>
-          </p:cNvGrpSpPr>
-          <p:nvPr/>
-        </p:nvGrpSpPr>
-        <p:grpSpPr>
-          <a:xfrm>
-            <a:off x="5906136" y="3596714"/>
-            <a:ext cx="1911095" cy="2308700"/>
-            <a:chOff x="5316676" y="22240"/>
-            <a:chExt cx="2601773" cy="3143075"/>
-          </a:xfrm>
-        </p:grpSpPr>
-        <p:grpSp>
-          <p:nvGrpSpPr>
-            <p:cNvPr id="10" name="Group 9">
-              <a:extLst>
-                <a:ext uri="{FF2B5EF4-FFF2-40B4-BE49-F238E27FC236}">
-                  <a16:creationId xmlns:a16="http://schemas.microsoft.com/office/drawing/2014/main" id="{85988E11-6252-A940-84F3-2690A1CE234E}"/>
-                </a:ext>
-              </a:extLst>
-            </p:cNvPr>
-            <p:cNvGrpSpPr>
-              <a:grpSpLocks noChangeAspect="1"/>
-            </p:cNvGrpSpPr>
-            <p:nvPr/>
-          </p:nvGrpSpPr>
-          <p:grpSpPr>
-            <a:xfrm>
-              <a:off x="5316676" y="22240"/>
-              <a:ext cx="2601773" cy="3143075"/>
-              <a:chOff x="1335316" y="3101234"/>
-              <a:chExt cx="2799645" cy="3382115"/>
-            </a:xfrm>
-          </p:grpSpPr>
-          <p:pic>
-            <p:nvPicPr>
-              <p:cNvPr id="5" name="Picture 4">
-                <a:extLst>
-                  <a:ext uri="{FF2B5EF4-FFF2-40B4-BE49-F238E27FC236}">
-                    <a16:creationId xmlns:a16="http://schemas.microsoft.com/office/drawing/2014/main" id="{CB894BB7-CF0D-3745-B183-175510696146}"/>
-                  </a:ext>
-                </a:extLst>
-              </p:cNvPr>
-              <p:cNvPicPr>
-                <a:picLocks noChangeAspect="1"/>
-              </p:cNvPicPr>
-              <p:nvPr/>
-            </p:nvPicPr>
-            <p:blipFill>
-              <a:blip r:embed="rId5"/>
-              <a:stretch>
-                <a:fillRect/>
-              </a:stretch>
-            </p:blipFill>
-            <p:spPr>
-              <a:xfrm>
-                <a:off x="1411971" y="3379601"/>
-                <a:ext cx="2722990" cy="3103748"/>
-              </a:xfrm>
-              <a:prstGeom prst="rect">
-                <a:avLst/>
-              </a:prstGeom>
-              <a:ln>
-                <a:noFill/>
-              </a:ln>
-            </p:spPr>
-          </p:pic>
-          <p:sp>
-            <p:nvSpPr>
-              <p:cNvPr id="20" name="TextBox 19">
-                <a:extLst>
-                  <a:ext uri="{FF2B5EF4-FFF2-40B4-BE49-F238E27FC236}">
-                    <a16:creationId xmlns:a16="http://schemas.microsoft.com/office/drawing/2014/main" id="{E8C86BD2-9FE9-8C4D-A835-2EAAEE829653}"/>
-                  </a:ext>
-                </a:extLst>
-              </p:cNvPr>
-              <p:cNvSpPr txBox="1"/>
-              <p:nvPr/>
-            </p:nvSpPr>
-            <p:spPr>
-              <a:xfrm>
-                <a:off x="1335316" y="3101234"/>
-                <a:ext cx="578784" cy="450876"/>
-              </a:xfrm>
-              <a:prstGeom prst="rect">
-                <a:avLst/>
-              </a:prstGeom>
-              <a:noFill/>
-              <a:ln>
-                <a:noFill/>
-              </a:ln>
-            </p:spPr>
-            <p:txBody>
-              <a:bodyPr wrap="square" rtlCol="0">
-                <a:spAutoFit/>
-              </a:bodyPr>
-              <a:lstStyle/>
-              <a:p>
-                <a:pPr algn="ctr"/>
-                <a:r>
-                  <a:rPr lang="en-US" sz="1400" b="1" dirty="0">
-                    <a:latin typeface="Helvetica Neue" panose="02000503000000020004" pitchFamily="2" charset="0"/>
-                    <a:ea typeface="Helvetica Neue" panose="02000503000000020004" pitchFamily="2" charset="0"/>
-                    <a:cs typeface="Helvetica Neue" panose="02000503000000020004" pitchFamily="2" charset="0"/>
-                  </a:rPr>
-                  <a:t>c</a:t>
-                </a:r>
-              </a:p>
-            </p:txBody>
-          </p:sp>
-        </p:grpSp>
-        <p:sp>
-          <p:nvSpPr>
-            <p:cNvPr id="36" name="Rectangle 35">
-              <a:extLst>
-                <a:ext uri="{FF2B5EF4-FFF2-40B4-BE49-F238E27FC236}">
-                  <a16:creationId xmlns:a16="http://schemas.microsoft.com/office/drawing/2014/main" id="{20FB9D9C-9342-6748-AB68-E0695D7BA19D}"/>
-                </a:ext>
-              </a:extLst>
-            </p:cNvPr>
-            <p:cNvSpPr/>
-            <p:nvPr/>
-          </p:nvSpPr>
-          <p:spPr>
-            <a:xfrm>
-              <a:off x="5395420" y="46978"/>
-              <a:ext cx="2489736" cy="3098952"/>
-            </a:xfrm>
-            <a:prstGeom prst="rect">
-              <a:avLst/>
-            </a:prstGeom>
-            <a:noFill/>
-            <a:ln w="19050">
-              <a:solidFill>
-                <a:schemeClr val="bg2">
-                  <a:lumMod val="75000"/>
-                </a:schemeClr>
-              </a:solidFill>
-            </a:ln>
-          </p:spPr>
-          <p:style>
-            <a:lnRef idx="2">
-              <a:schemeClr val="accent1">
-                <a:shade val="50000"/>
-              </a:schemeClr>
-            </a:lnRef>
-            <a:fillRef idx="1">
-              <a:schemeClr val="accent1"/>
-            </a:fillRef>
-            <a:effectRef idx="0">
-              <a:schemeClr val="accent1"/>
-            </a:effectRef>
-            <a:fontRef idx="minor">
-              <a:schemeClr val="lt1"/>
-            </a:fontRef>
-          </p:style>
-          <p:txBody>
-            <a:bodyPr rtlCol="0" anchor="ctr"/>
-            <a:lstStyle/>
-            <a:p>
-              <a:pPr algn="ctr"/>
-              <a:endParaRPr lang="en-US"/>
-            </a:p>
-          </p:txBody>
-        </p:sp>
-        <p:sp>
-          <p:nvSpPr>
-            <p:cNvPr id="57" name="TextBox 56">
-              <a:extLst>
-                <a:ext uri="{FF2B5EF4-FFF2-40B4-BE49-F238E27FC236}">
-                  <a16:creationId xmlns:a16="http://schemas.microsoft.com/office/drawing/2014/main" id="{9E621244-D874-B242-88CF-8CC803F84200}"/>
-                </a:ext>
-              </a:extLst>
-            </p:cNvPr>
-            <p:cNvSpPr txBox="1"/>
-            <p:nvPr/>
-          </p:nvSpPr>
-          <p:spPr>
-            <a:xfrm>
-              <a:off x="6048638" y="112266"/>
-              <a:ext cx="1836937" cy="356157"/>
-            </a:xfrm>
-            <a:prstGeom prst="rect">
-              <a:avLst/>
-            </a:prstGeom>
-            <a:noFill/>
-          </p:spPr>
-          <p:txBody>
-            <a:bodyPr wrap="square" rtlCol="0">
-              <a:spAutoFit/>
-            </a:bodyPr>
-            <a:lstStyle/>
-            <a:p>
-              <a:pPr algn="ctr"/>
-              <a:r>
-                <a:rPr lang="en-US" sz="1100" i="1" dirty="0">
-                  <a:solidFill>
-                    <a:srgbClr val="8FB132"/>
-                  </a:solidFill>
-                  <a:latin typeface="Arial" panose="020B0604020202020204" pitchFamily="34" charset="0"/>
-                  <a:ea typeface="Helvetica Neue" panose="02000503000000020004" pitchFamily="2" charset="0"/>
-                  <a:cs typeface="Arial" panose="020B0604020202020204" pitchFamily="34" charset="0"/>
-                </a:rPr>
-                <a:t>No effect</a:t>
-              </a:r>
-            </a:p>
-          </p:txBody>
-        </p:sp>
-      </p:grpSp>
-      <p:grpSp>
-        <p:nvGrpSpPr>
-          <p:cNvPr id="12" name="Group 11">
-            <a:extLst>
-              <a:ext uri="{FF2B5EF4-FFF2-40B4-BE49-F238E27FC236}">
-                <a16:creationId xmlns:a16="http://schemas.microsoft.com/office/drawing/2014/main" id="{1A3343D7-FCA7-644A-8765-3A703946A4E5}"/>
-              </a:ext>
-            </a:extLst>
-          </p:cNvPr>
-          <p:cNvGrpSpPr>
-            <a:grpSpLocks noChangeAspect="1"/>
-          </p:cNvGrpSpPr>
-          <p:nvPr/>
-        </p:nvGrpSpPr>
-        <p:grpSpPr>
-          <a:xfrm>
-            <a:off x="100081" y="3625473"/>
-            <a:ext cx="1912042" cy="2316229"/>
-            <a:chOff x="5316676" y="3333982"/>
-            <a:chExt cx="2601776" cy="3151766"/>
-          </a:xfrm>
-        </p:grpSpPr>
-        <p:grpSp>
-          <p:nvGrpSpPr>
-            <p:cNvPr id="4" name="Group 3">
-              <a:extLst>
-                <a:ext uri="{FF2B5EF4-FFF2-40B4-BE49-F238E27FC236}">
-                  <a16:creationId xmlns:a16="http://schemas.microsoft.com/office/drawing/2014/main" id="{DDE81728-7576-004D-8F69-58886B6402DE}"/>
-                </a:ext>
-              </a:extLst>
-            </p:cNvPr>
-            <p:cNvGrpSpPr>
-              <a:grpSpLocks noChangeAspect="1"/>
-            </p:cNvGrpSpPr>
-            <p:nvPr/>
-          </p:nvGrpSpPr>
-          <p:grpSpPr>
-            <a:xfrm>
-              <a:off x="5316676" y="3333982"/>
-              <a:ext cx="2601776" cy="3151766"/>
-              <a:chOff x="3728733" y="9962"/>
-              <a:chExt cx="2777745" cy="3364934"/>
-            </a:xfrm>
-          </p:grpSpPr>
-          <p:pic>
-            <p:nvPicPr>
-              <p:cNvPr id="7" name="Picture 6">
-                <a:extLst>
-                  <a:ext uri="{FF2B5EF4-FFF2-40B4-BE49-F238E27FC236}">
-                    <a16:creationId xmlns:a16="http://schemas.microsoft.com/office/drawing/2014/main" id="{21E58C93-E278-C34A-B421-721451A6D619}"/>
-                  </a:ext>
-                </a:extLst>
-              </p:cNvPr>
-              <p:cNvPicPr>
-                <a:picLocks noChangeAspect="1"/>
-              </p:cNvPicPr>
-              <p:nvPr/>
-            </p:nvPicPr>
-            <p:blipFill>
-              <a:blip r:embed="rId6"/>
-              <a:stretch>
-                <a:fillRect/>
-              </a:stretch>
-            </p:blipFill>
-            <p:spPr>
-              <a:xfrm>
-                <a:off x="3783488" y="271148"/>
-                <a:ext cx="2722990" cy="3103748"/>
-              </a:xfrm>
-              <a:prstGeom prst="rect">
-                <a:avLst/>
-              </a:prstGeom>
-            </p:spPr>
-          </p:pic>
-          <p:sp>
-            <p:nvSpPr>
-              <p:cNvPr id="18" name="TextBox 17">
-                <a:extLst>
-                  <a:ext uri="{FF2B5EF4-FFF2-40B4-BE49-F238E27FC236}">
-                    <a16:creationId xmlns:a16="http://schemas.microsoft.com/office/drawing/2014/main" id="{46BBEC22-8FD3-4646-AE1A-C6C1C5D5E1E6}"/>
-                  </a:ext>
-                </a:extLst>
-              </p:cNvPr>
-              <p:cNvSpPr txBox="1"/>
-              <p:nvPr/>
-            </p:nvSpPr>
-            <p:spPr>
-              <a:xfrm>
-                <a:off x="3728733" y="9962"/>
-                <a:ext cx="578784" cy="447127"/>
-              </a:xfrm>
-              <a:prstGeom prst="rect">
-                <a:avLst/>
-              </a:prstGeom>
-              <a:noFill/>
-            </p:spPr>
-            <p:txBody>
-              <a:bodyPr wrap="square" rtlCol="0">
-                <a:spAutoFit/>
-              </a:bodyPr>
-              <a:lstStyle/>
-              <a:p>
-                <a:pPr algn="ctr"/>
-                <a:r>
-                  <a:rPr lang="en-US" sz="1400" b="1" dirty="0">
-                    <a:latin typeface="Helvetica Neue" panose="02000503000000020004" pitchFamily="2" charset="0"/>
-                    <a:ea typeface="Helvetica Neue" panose="02000503000000020004" pitchFamily="2" charset="0"/>
-                    <a:cs typeface="Helvetica Neue" panose="02000503000000020004" pitchFamily="2" charset="0"/>
-                  </a:rPr>
-                  <a:t>b</a:t>
-                </a:r>
-              </a:p>
-            </p:txBody>
-          </p:sp>
-        </p:grpSp>
-        <p:sp>
-          <p:nvSpPr>
-            <p:cNvPr id="37" name="Rectangle 36">
-              <a:extLst>
-                <a:ext uri="{FF2B5EF4-FFF2-40B4-BE49-F238E27FC236}">
-                  <a16:creationId xmlns:a16="http://schemas.microsoft.com/office/drawing/2014/main" id="{972F0A53-93E3-CD44-83A9-5A79649E4C74}"/>
-                </a:ext>
-              </a:extLst>
-            </p:cNvPr>
-            <p:cNvSpPr/>
-            <p:nvPr/>
-          </p:nvSpPr>
-          <p:spPr>
-            <a:xfrm>
-              <a:off x="5391772" y="3342195"/>
-              <a:ext cx="2488506" cy="3094174"/>
-            </a:xfrm>
-            <a:prstGeom prst="rect">
-              <a:avLst/>
-            </a:prstGeom>
-            <a:noFill/>
-            <a:ln w="19050">
-              <a:solidFill>
-                <a:schemeClr val="bg2">
-                  <a:lumMod val="75000"/>
-                </a:schemeClr>
-              </a:solidFill>
-            </a:ln>
-          </p:spPr>
-          <p:style>
-            <a:lnRef idx="2">
-              <a:schemeClr val="accent1">
-                <a:shade val="50000"/>
-              </a:schemeClr>
-            </a:lnRef>
-            <a:fillRef idx="1">
-              <a:schemeClr val="accent1"/>
-            </a:fillRef>
-            <a:effectRef idx="0">
-              <a:schemeClr val="accent1"/>
-            </a:effectRef>
-            <a:fontRef idx="minor">
-              <a:schemeClr val="lt1"/>
-            </a:fontRef>
-          </p:style>
-          <p:txBody>
-            <a:bodyPr rtlCol="0" anchor="ctr"/>
-            <a:lstStyle/>
-            <a:p>
-              <a:pPr algn="ctr"/>
-              <a:endParaRPr lang="en-US"/>
-            </a:p>
-          </p:txBody>
-        </p:sp>
-        <p:sp>
-          <p:nvSpPr>
-            <p:cNvPr id="58" name="TextBox 57">
-              <a:extLst>
-                <a:ext uri="{FF2B5EF4-FFF2-40B4-BE49-F238E27FC236}">
-                  <a16:creationId xmlns:a16="http://schemas.microsoft.com/office/drawing/2014/main" id="{B8B22680-8FCF-564A-A59A-6339D506D934}"/>
-                </a:ext>
-              </a:extLst>
-            </p:cNvPr>
-            <p:cNvSpPr txBox="1"/>
-            <p:nvPr/>
-          </p:nvSpPr>
-          <p:spPr>
-            <a:xfrm>
-              <a:off x="6037881" y="3388644"/>
-              <a:ext cx="1836937" cy="355981"/>
-            </a:xfrm>
-            <a:prstGeom prst="rect">
-              <a:avLst/>
-            </a:prstGeom>
-            <a:noFill/>
-          </p:spPr>
-          <p:txBody>
-            <a:bodyPr wrap="square" rtlCol="0">
-              <a:spAutoFit/>
-            </a:bodyPr>
-            <a:lstStyle/>
-            <a:p>
-              <a:pPr algn="ctr"/>
-              <a:r>
-                <a:rPr lang="en-US" sz="1100" i="1" dirty="0">
-                  <a:solidFill>
-                    <a:srgbClr val="8FB132"/>
-                  </a:solidFill>
-                  <a:latin typeface="Arial" panose="020B0604020202020204" pitchFamily="34" charset="0"/>
-                  <a:ea typeface="Helvetica Neue" panose="02000503000000020004" pitchFamily="2" charset="0"/>
-                  <a:cs typeface="Arial" panose="020B0604020202020204" pitchFamily="34" charset="0"/>
-                </a:rPr>
-                <a:t>Upward contagion</a:t>
-              </a:r>
-            </a:p>
-          </p:txBody>
-        </p:sp>
-      </p:grpSp>
-      <p:grpSp>
-        <p:nvGrpSpPr>
-          <p:cNvPr id="2" name="Group 1">
-            <a:extLst>
-              <a:ext uri="{FF2B5EF4-FFF2-40B4-BE49-F238E27FC236}">
-                <a16:creationId xmlns:a16="http://schemas.microsoft.com/office/drawing/2014/main" id="{F5B16F9C-99AB-F945-80C1-7F1F423A1BC7}"/>
-              </a:ext>
-            </a:extLst>
-          </p:cNvPr>
-          <p:cNvGrpSpPr>
-            <a:grpSpLocks noChangeAspect="1"/>
-          </p:cNvGrpSpPr>
-          <p:nvPr/>
-        </p:nvGrpSpPr>
-        <p:grpSpPr>
-          <a:xfrm>
-            <a:off x="5878596" y="315137"/>
-            <a:ext cx="1911095" cy="2316732"/>
-            <a:chOff x="-58094" y="9550"/>
-            <a:chExt cx="2619673" cy="3175709"/>
-          </a:xfrm>
-        </p:grpSpPr>
-        <p:grpSp>
-          <p:nvGrpSpPr>
-            <p:cNvPr id="11" name="Group 10">
-              <a:extLst>
-                <a:ext uri="{FF2B5EF4-FFF2-40B4-BE49-F238E27FC236}">
-                  <a16:creationId xmlns:a16="http://schemas.microsoft.com/office/drawing/2014/main" id="{467437C8-B71E-FC40-BA91-88A141661B00}"/>
-                </a:ext>
-              </a:extLst>
-            </p:cNvPr>
-            <p:cNvGrpSpPr>
-              <a:grpSpLocks noChangeAspect="1"/>
-            </p:cNvGrpSpPr>
-            <p:nvPr/>
-          </p:nvGrpSpPr>
-          <p:grpSpPr>
-            <a:xfrm>
-              <a:off x="-58094" y="9550"/>
-              <a:ext cx="2619673" cy="3175709"/>
-              <a:chOff x="3709087" y="3092200"/>
-              <a:chExt cx="2797390" cy="3391145"/>
-            </a:xfrm>
-          </p:grpSpPr>
-          <p:pic>
-            <p:nvPicPr>
-              <p:cNvPr id="3" name="Picture 2">
-                <a:extLst>
-                  <a:ext uri="{FF2B5EF4-FFF2-40B4-BE49-F238E27FC236}">
-                    <a16:creationId xmlns:a16="http://schemas.microsoft.com/office/drawing/2014/main" id="{08D9A971-5C17-FA4D-AE4E-D33B19498FC9}"/>
-                  </a:ext>
-                </a:extLst>
-              </p:cNvPr>
-              <p:cNvPicPr>
-                <a:picLocks noChangeAspect="1"/>
-              </p:cNvPicPr>
-              <p:nvPr/>
-            </p:nvPicPr>
-            <p:blipFill>
-              <a:blip r:embed="rId7"/>
-              <a:stretch>
-                <a:fillRect/>
-              </a:stretch>
-            </p:blipFill>
-            <p:spPr>
-              <a:xfrm>
-                <a:off x="3783487" y="3379598"/>
-                <a:ext cx="2722990" cy="3103747"/>
-              </a:xfrm>
-              <a:prstGeom prst="rect">
-                <a:avLst/>
-              </a:prstGeom>
-            </p:spPr>
-          </p:pic>
-          <p:sp>
-            <p:nvSpPr>
-              <p:cNvPr id="22" name="TextBox 21">
-                <a:extLst>
-                  <a:ext uri="{FF2B5EF4-FFF2-40B4-BE49-F238E27FC236}">
-                    <a16:creationId xmlns:a16="http://schemas.microsoft.com/office/drawing/2014/main" id="{9CC8A2EA-F668-DD43-A074-9F1F726F28A7}"/>
-                  </a:ext>
-                </a:extLst>
-              </p:cNvPr>
-              <p:cNvSpPr txBox="1"/>
-              <p:nvPr/>
-            </p:nvSpPr>
-            <p:spPr>
-              <a:xfrm>
-                <a:off x="3709087" y="3092200"/>
-                <a:ext cx="578784" cy="450512"/>
-              </a:xfrm>
-              <a:prstGeom prst="rect">
-                <a:avLst/>
-              </a:prstGeom>
-              <a:noFill/>
-            </p:spPr>
-            <p:txBody>
-              <a:bodyPr wrap="square" rtlCol="0">
-                <a:spAutoFit/>
-              </a:bodyPr>
-              <a:lstStyle/>
-              <a:p>
-                <a:pPr algn="ctr"/>
-                <a:r>
-                  <a:rPr lang="en-US" sz="1400" b="1" dirty="0">
-                    <a:latin typeface="Helvetica Neue" panose="02000503000000020004" pitchFamily="2" charset="0"/>
-                    <a:ea typeface="Helvetica Neue" panose="02000503000000020004" pitchFamily="2" charset="0"/>
-                    <a:cs typeface="Helvetica Neue" panose="02000503000000020004" pitchFamily="2" charset="0"/>
-                  </a:rPr>
-                  <a:t>d</a:t>
-                </a:r>
-              </a:p>
-            </p:txBody>
-          </p:sp>
-        </p:grpSp>
-        <p:sp>
-          <p:nvSpPr>
-            <p:cNvPr id="35" name="Rectangle 34">
-              <a:extLst>
-                <a:ext uri="{FF2B5EF4-FFF2-40B4-BE49-F238E27FC236}">
-                  <a16:creationId xmlns:a16="http://schemas.microsoft.com/office/drawing/2014/main" id="{2F86A746-90CC-4240-986F-1335AE691A55}"/>
-                </a:ext>
-              </a:extLst>
-            </p:cNvPr>
-            <p:cNvSpPr/>
-            <p:nvPr/>
-          </p:nvSpPr>
-          <p:spPr>
-            <a:xfrm>
-              <a:off x="43030" y="46978"/>
-              <a:ext cx="2506865" cy="3108514"/>
-            </a:xfrm>
-            <a:prstGeom prst="rect">
-              <a:avLst/>
-            </a:prstGeom>
-            <a:noFill/>
-            <a:ln w="19050">
-              <a:solidFill>
-                <a:schemeClr val="bg2">
-                  <a:lumMod val="75000"/>
-                </a:schemeClr>
-              </a:solidFill>
-            </a:ln>
-          </p:spPr>
-          <p:style>
-            <a:lnRef idx="2">
-              <a:schemeClr val="accent1">
-                <a:shade val="50000"/>
-              </a:schemeClr>
-            </a:lnRef>
-            <a:fillRef idx="1">
-              <a:schemeClr val="accent1"/>
-            </a:fillRef>
-            <a:effectRef idx="0">
-              <a:schemeClr val="accent1"/>
-            </a:effectRef>
-            <a:fontRef idx="minor">
-              <a:schemeClr val="lt1"/>
-            </a:fontRef>
-          </p:style>
-          <p:txBody>
-            <a:bodyPr rtlCol="0" anchor="ctr"/>
-            <a:lstStyle/>
-            <a:p>
-              <a:pPr algn="ctr"/>
-              <a:endParaRPr lang="en-US" dirty="0"/>
-            </a:p>
-          </p:txBody>
-        </p:sp>
-        <p:sp>
-          <p:nvSpPr>
-            <p:cNvPr id="55" name="TextBox 54">
-              <a:extLst>
-                <a:ext uri="{FF2B5EF4-FFF2-40B4-BE49-F238E27FC236}">
-                  <a16:creationId xmlns:a16="http://schemas.microsoft.com/office/drawing/2014/main" id="{5523DCC3-C862-8C42-A4DA-E70E20BFB814}"/>
-                </a:ext>
-              </a:extLst>
-            </p:cNvPr>
-            <p:cNvSpPr txBox="1"/>
-            <p:nvPr/>
-          </p:nvSpPr>
-          <p:spPr>
-            <a:xfrm>
-              <a:off x="670828" y="106558"/>
-              <a:ext cx="1836938" cy="358607"/>
-            </a:xfrm>
-            <a:prstGeom prst="rect">
-              <a:avLst/>
-            </a:prstGeom>
-            <a:noFill/>
-          </p:spPr>
-          <p:txBody>
-            <a:bodyPr wrap="square" rtlCol="0">
-              <a:spAutoFit/>
-            </a:bodyPr>
-            <a:lstStyle/>
-            <a:p>
-              <a:pPr algn="ctr"/>
-              <a:r>
-                <a:rPr lang="en-US" sz="1100" i="1" dirty="0">
-                  <a:solidFill>
-                    <a:srgbClr val="8FB132"/>
-                  </a:solidFill>
-                  <a:latin typeface="Arial" panose="020B0604020202020204" pitchFamily="34" charset="0"/>
-                  <a:ea typeface="Helvetica Neue" panose="02000503000000020004" pitchFamily="2" charset="0"/>
-                  <a:cs typeface="Arial" panose="020B0604020202020204" pitchFamily="34" charset="0"/>
-                </a:rPr>
-                <a:t>Amplification</a:t>
-              </a:r>
-            </a:p>
-          </p:txBody>
-        </p:sp>
-      </p:grpSp>
-      <p:sp>
-        <p:nvSpPr>
-          <p:cNvPr id="53" name="Arc 52">
-            <a:extLst>
-              <a:ext uri="{FF2B5EF4-FFF2-40B4-BE49-F238E27FC236}">
-                <a16:creationId xmlns:a16="http://schemas.microsoft.com/office/drawing/2014/main" id="{96BD8594-B12F-0B4E-80D0-4C225EE50BD6}"/>
-              </a:ext>
-            </a:extLst>
-          </p:cNvPr>
-          <p:cNvSpPr/>
-          <p:nvPr/>
-        </p:nvSpPr>
-        <p:spPr>
-          <a:xfrm rot="14659101" flipH="1" flipV="1">
-            <a:off x="-1743731" y="649999"/>
-            <a:ext cx="4496747" cy="5575436"/>
-          </a:xfrm>
-          <a:prstGeom prst="arc">
-            <a:avLst>
-              <a:gd name="adj1" fmla="val 16774664"/>
-              <a:gd name="adj2" fmla="val 20697222"/>
-            </a:avLst>
-          </a:prstGeom>
-          <a:ln w="19050">
-            <a:solidFill>
-              <a:schemeClr val="bg2">
-                <a:lumMod val="75000"/>
-              </a:schemeClr>
-            </a:solidFill>
-            <a:headEnd type="triangle"/>
-            <a:tailEnd w="lg" len="med"/>
-          </a:ln>
-        </p:spPr>
-        <p:style>
-          <a:lnRef idx="1">
-            <a:schemeClr val="accent1"/>
-          </a:lnRef>
-          <a:fillRef idx="0">
-            <a:schemeClr val="accent1"/>
-          </a:fillRef>
-          <a:effectRef idx="0">
-            <a:schemeClr val="accent1"/>
-          </a:effectRef>
-          <a:fontRef idx="minor">
-            <a:schemeClr val="tx1"/>
-          </a:fontRef>
-        </p:style>
-        <p:txBody>
-          <a:bodyPr rtlCol="0" anchor="ctr"/>
-          <a:lstStyle/>
-          <a:p>
-            <a:pPr algn="ctr"/>
-            <a:endParaRPr lang="en-US"/>
-          </a:p>
-        </p:txBody>
-      </p:sp>
-      <p:sp>
-        <p:nvSpPr>
-          <p:cNvPr id="54" name="Arc 53">
-            <a:extLst>
-              <a:ext uri="{FF2B5EF4-FFF2-40B4-BE49-F238E27FC236}">
-                <a16:creationId xmlns:a16="http://schemas.microsoft.com/office/drawing/2014/main" id="{36C3A527-0618-F84D-BFDC-2B5F3569FFF1}"/>
-              </a:ext>
-            </a:extLst>
-          </p:cNvPr>
-          <p:cNvSpPr/>
-          <p:nvPr/>
-        </p:nvSpPr>
-        <p:spPr>
-          <a:xfrm rot="15877902" flipV="1">
-            <a:off x="-210971" y="3552883"/>
-            <a:ext cx="7638836" cy="5385652"/>
-          </a:xfrm>
-          <a:prstGeom prst="arc">
-            <a:avLst>
-              <a:gd name="adj1" fmla="val 17974590"/>
-              <a:gd name="adj2" fmla="val 20815625"/>
-            </a:avLst>
-          </a:prstGeom>
-          <a:ln w="19050">
-            <a:solidFill>
-              <a:schemeClr val="bg2">
-                <a:lumMod val="75000"/>
-              </a:schemeClr>
-            </a:solidFill>
-            <a:tailEnd type="triangle"/>
-          </a:ln>
-        </p:spPr>
-        <p:style>
-          <a:lnRef idx="1">
-            <a:schemeClr val="accent1"/>
-          </a:lnRef>
-          <a:fillRef idx="0">
-            <a:schemeClr val="accent1"/>
-          </a:fillRef>
-          <a:effectRef idx="0">
-            <a:schemeClr val="accent1"/>
-          </a:effectRef>
-          <a:fontRef idx="minor">
-            <a:schemeClr val="tx1"/>
-          </a:fontRef>
-        </p:style>
-        <p:txBody>
-          <a:bodyPr rtlCol="0" anchor="ctr"/>
-          <a:lstStyle/>
-          <a:p>
-            <a:pPr algn="ctr"/>
-            <a:endParaRPr lang="en-US"/>
-          </a:p>
-        </p:txBody>
-      </p:sp>
-      <p:sp>
-        <p:nvSpPr>
-          <p:cNvPr id="59" name="Arc 58">
-            <a:extLst>
-              <a:ext uri="{FF2B5EF4-FFF2-40B4-BE49-F238E27FC236}">
-                <a16:creationId xmlns:a16="http://schemas.microsoft.com/office/drawing/2014/main" id="{D287D2E2-860F-2745-B06D-78E452A41465}"/>
-              </a:ext>
-            </a:extLst>
-          </p:cNvPr>
-          <p:cNvSpPr/>
-          <p:nvPr/>
-        </p:nvSpPr>
-        <p:spPr>
-          <a:xfrm rot="759814" flipH="1">
-            <a:off x="5368869" y="919199"/>
-            <a:ext cx="2679311" cy="3645737"/>
-          </a:xfrm>
-          <a:prstGeom prst="arc">
-            <a:avLst>
-              <a:gd name="adj1" fmla="val 18735186"/>
-              <a:gd name="adj2" fmla="val 21551542"/>
-            </a:avLst>
-          </a:prstGeom>
-          <a:ln w="19050">
-            <a:solidFill>
-              <a:schemeClr val="bg2">
-                <a:lumMod val="75000"/>
-              </a:schemeClr>
-            </a:solidFill>
-            <a:tailEnd type="triangle" w="med" len="med"/>
-          </a:ln>
-        </p:spPr>
-        <p:style>
-          <a:lnRef idx="1">
-            <a:schemeClr val="accent1"/>
-          </a:lnRef>
-          <a:fillRef idx="0">
-            <a:schemeClr val="accent1"/>
-          </a:fillRef>
-          <a:effectRef idx="0">
-            <a:schemeClr val="accent1"/>
-          </a:effectRef>
-          <a:fontRef idx="minor">
-            <a:schemeClr val="tx1"/>
-          </a:fontRef>
-        </p:style>
-        <p:txBody>
-          <a:bodyPr rtlCol="0" anchor="ctr"/>
-          <a:lstStyle/>
-          <a:p>
-            <a:pPr algn="ctr"/>
-            <a:endParaRPr lang="en-US"/>
-          </a:p>
-        </p:txBody>
-      </p:sp>
-      <p:sp>
-        <p:nvSpPr>
-          <p:cNvPr id="21" name="TextBox 20">
-            <a:extLst>
-              <a:ext uri="{FF2B5EF4-FFF2-40B4-BE49-F238E27FC236}">
-                <a16:creationId xmlns:a16="http://schemas.microsoft.com/office/drawing/2014/main" id="{F8E7F266-7467-FE46-9469-D94B82C96E1B}"/>
-              </a:ext>
-            </a:extLst>
-          </p:cNvPr>
-          <p:cNvSpPr txBox="1"/>
-          <p:nvPr/>
-        </p:nvSpPr>
-        <p:spPr>
-          <a:xfrm>
-            <a:off x="1212182" y="664217"/>
-            <a:ext cx="717463" cy="276999"/>
-          </a:xfrm>
-          <a:prstGeom prst="rect">
-            <a:avLst/>
-          </a:prstGeom>
-          <a:noFill/>
-          <a:ln>
-            <a:solidFill>
-              <a:schemeClr val="tx1"/>
-            </a:solidFill>
-          </a:ln>
-        </p:spPr>
-        <p:txBody>
-          <a:bodyPr wrap="square" rtlCol="0">
-            <a:spAutoFit/>
-          </a:bodyPr>
-          <a:lstStyle/>
-          <a:p>
-            <a:pPr algn="ctr"/>
-            <a:r>
-              <a:rPr lang="en-US" sz="1200" dirty="0">
-                <a:latin typeface="Helvetica" pitchFamily="2" charset="0"/>
-                <a:cs typeface="Arial" panose="020B0604020202020204" pitchFamily="34" charset="0"/>
-              </a:rPr>
-              <a:t>𝛿 = 0.6</a:t>
-            </a:r>
-          </a:p>
-        </p:txBody>
-      </p:sp>
-      <p:sp>
-        <p:nvSpPr>
-          <p:cNvPr id="43" name="TextBox 42">
-            <a:extLst>
-              <a:ext uri="{FF2B5EF4-FFF2-40B4-BE49-F238E27FC236}">
-                <a16:creationId xmlns:a16="http://schemas.microsoft.com/office/drawing/2014/main" id="{EBAF581F-67E4-DB4A-AE84-A1B41EF125F1}"/>
-              </a:ext>
-            </a:extLst>
-          </p:cNvPr>
-          <p:cNvSpPr txBox="1"/>
-          <p:nvPr/>
-        </p:nvSpPr>
-        <p:spPr>
-          <a:xfrm>
-            <a:off x="4884878" y="2396831"/>
-            <a:ext cx="1025694" cy="307777"/>
-          </a:xfrm>
-          <a:prstGeom prst="rect">
-            <a:avLst/>
-          </a:prstGeom>
-          <a:noFill/>
-        </p:spPr>
-        <p:txBody>
-          <a:bodyPr wrap="square" rtlCol="0">
-            <a:spAutoFit/>
-          </a:bodyPr>
-          <a:lstStyle/>
-          <a:p>
-            <a:pPr algn="ctr"/>
-            <a:r>
-              <a:rPr lang="en-US" sz="1400" b="1" dirty="0">
-                <a:ln w="635">
-                  <a:solidFill>
-                    <a:schemeClr val="bg1">
-                      <a:alpha val="50000"/>
-                    </a:schemeClr>
-                  </a:solidFill>
-                </a:ln>
-                <a:solidFill>
-                  <a:srgbClr val="E52421"/>
-                </a:solidFill>
-                <a:latin typeface="Helvetica Neue" panose="02000503000000020004" pitchFamily="2" charset="0"/>
-                <a:ea typeface="Helvetica Neue" panose="02000503000000020004" pitchFamily="2" charset="0"/>
-                <a:cs typeface="Helvetica Neue" panose="02000503000000020004" pitchFamily="2" charset="0"/>
-              </a:rPr>
-              <a:t>X</a:t>
-            </a:r>
-          </a:p>
-        </p:txBody>
-      </p:sp>
-      <p:sp>
-        <p:nvSpPr>
-          <p:cNvPr id="44" name="TextBox 43">
-            <a:extLst>
-              <a:ext uri="{FF2B5EF4-FFF2-40B4-BE49-F238E27FC236}">
-                <a16:creationId xmlns:a16="http://schemas.microsoft.com/office/drawing/2014/main" id="{54A2134B-5A13-4C49-B96B-9FA335A22955}"/>
-              </a:ext>
-            </a:extLst>
-          </p:cNvPr>
-          <p:cNvSpPr txBox="1"/>
-          <p:nvPr/>
-        </p:nvSpPr>
-        <p:spPr>
-          <a:xfrm>
-            <a:off x="3531741" y="2396831"/>
-            <a:ext cx="1025694" cy="307777"/>
-          </a:xfrm>
-          <a:prstGeom prst="rect">
-            <a:avLst/>
-          </a:prstGeom>
-          <a:noFill/>
-          <a:ln w="3175">
-            <a:noFill/>
-          </a:ln>
-        </p:spPr>
-        <p:txBody>
-          <a:bodyPr wrap="square" rtlCol="0">
-            <a:spAutoFit/>
-          </a:bodyPr>
-          <a:lstStyle/>
-          <a:p>
-            <a:pPr algn="ctr"/>
-            <a:r>
-              <a:rPr lang="en-US" sz="1400" b="1" dirty="0">
-                <a:ln w="635">
-                  <a:solidFill>
-                    <a:schemeClr val="bg1">
-                      <a:alpha val="50000"/>
-                    </a:schemeClr>
-                  </a:solidFill>
-                </a:ln>
-                <a:solidFill>
-                  <a:srgbClr val="E52421"/>
-                </a:solidFill>
-                <a:latin typeface="Helvetica Neue" panose="02000503000000020004" pitchFamily="2" charset="0"/>
-                <a:ea typeface="Helvetica Neue" panose="02000503000000020004" pitchFamily="2" charset="0"/>
-                <a:cs typeface="Helvetica Neue" panose="02000503000000020004" pitchFamily="2" charset="0"/>
-              </a:rPr>
-              <a:t>X</a:t>
-            </a:r>
-          </a:p>
-        </p:txBody>
-      </p:sp>
-      <p:sp>
-        <p:nvSpPr>
-          <p:cNvPr id="45" name="TextBox 44">
-            <a:extLst>
-              <a:ext uri="{FF2B5EF4-FFF2-40B4-BE49-F238E27FC236}">
-                <a16:creationId xmlns:a16="http://schemas.microsoft.com/office/drawing/2014/main" id="{2345CDFD-849A-B246-800F-3251850A4AC8}"/>
-              </a:ext>
-            </a:extLst>
-          </p:cNvPr>
-          <p:cNvSpPr txBox="1"/>
-          <p:nvPr/>
-        </p:nvSpPr>
-        <p:spPr>
-          <a:xfrm>
-            <a:off x="2633718" y="2396830"/>
-            <a:ext cx="1025694" cy="307777"/>
-          </a:xfrm>
-          <a:prstGeom prst="rect">
-            <a:avLst/>
-          </a:prstGeom>
-          <a:noFill/>
-          <a:ln>
-            <a:noFill/>
-          </a:ln>
-        </p:spPr>
-        <p:txBody>
-          <a:bodyPr wrap="square" rtlCol="0">
-            <a:spAutoFit/>
-          </a:bodyPr>
-          <a:lstStyle/>
-          <a:p>
-            <a:pPr algn="ctr"/>
-            <a:r>
-              <a:rPr lang="en-US" sz="1400" b="1" dirty="0">
-                <a:ln w="635">
-                  <a:solidFill>
-                    <a:schemeClr val="bg1">
-                      <a:alpha val="50000"/>
-                    </a:schemeClr>
-                  </a:solidFill>
-                </a:ln>
-                <a:solidFill>
-                  <a:srgbClr val="E52421"/>
-                </a:solidFill>
-                <a:latin typeface="Helvetica Neue" panose="02000503000000020004" pitchFamily="2" charset="0"/>
-                <a:ea typeface="Helvetica Neue" panose="02000503000000020004" pitchFamily="2" charset="0"/>
-                <a:cs typeface="Helvetica Neue" panose="02000503000000020004" pitchFamily="2" charset="0"/>
-              </a:rPr>
-              <a:t>X</a:t>
-            </a:r>
-          </a:p>
-        </p:txBody>
-      </p:sp>
-      <p:sp>
-        <p:nvSpPr>
-          <p:cNvPr id="52" name="TextBox 51">
-            <a:extLst>
-              <a:ext uri="{FF2B5EF4-FFF2-40B4-BE49-F238E27FC236}">
-                <a16:creationId xmlns:a16="http://schemas.microsoft.com/office/drawing/2014/main" id="{7AFF4DB9-24C9-1045-BC6C-A74414FEB7A7}"/>
-              </a:ext>
-            </a:extLst>
-          </p:cNvPr>
-          <p:cNvSpPr txBox="1"/>
-          <p:nvPr/>
-        </p:nvSpPr>
-        <p:spPr>
-          <a:xfrm>
-            <a:off x="1204007" y="5193490"/>
-            <a:ext cx="717463" cy="276999"/>
-          </a:xfrm>
-          <a:prstGeom prst="rect">
-            <a:avLst/>
-          </a:prstGeom>
-          <a:noFill/>
-          <a:ln>
-            <a:solidFill>
-              <a:schemeClr val="tx1"/>
-            </a:solidFill>
-          </a:ln>
-        </p:spPr>
-        <p:txBody>
-          <a:bodyPr wrap="square" rtlCol="0">
-            <a:spAutoFit/>
-          </a:bodyPr>
-          <a:lstStyle/>
-          <a:p>
-            <a:pPr algn="ctr"/>
-            <a:r>
-              <a:rPr lang="en-US" sz="1200" dirty="0">
-                <a:latin typeface="Helvetica" pitchFamily="2" charset="0"/>
-                <a:cs typeface="Arial" panose="020B0604020202020204" pitchFamily="34" charset="0"/>
-              </a:rPr>
-              <a:t>𝛿 = 1.5</a:t>
-            </a:r>
-          </a:p>
-        </p:txBody>
-      </p:sp>
-    </p:spTree>
-    <p:extLst>
-      <p:ext uri="{BB962C8B-B14F-4D97-AF65-F5344CB8AC3E}">
-        <p14:creationId xmlns:p14="http://schemas.microsoft.com/office/powerpoint/2010/main" val="2778951362"/>
-      </p:ext>
-    </p:extLst>
-  </p:cSld>
-  <p:clrMapOvr>
-    <a:masterClrMapping/>
-  </p:clrMapOvr>
-</p:sld>
-</file>
-
-<file path=ppt/slides/slide9.xml><?xml version="1.0" encoding="utf-8"?>
-<p:sld xmlns:a="http://schemas.openxmlformats.org/drawingml/2006/main" xmlns:r="http://schemas.openxmlformats.org/officeDocument/2006/relationships" xmlns:p="http://schemas.openxmlformats.org/presentationml/2006/main" show="0">
-  <p:cSld>
-    <p:bg>
-      <p:bgPr>
-        <a:solidFill>
-          <a:schemeClr val="bg1"/>
-        </a:solidFill>
-        <a:effectLst/>
-      </p:bgPr>
-    </p:bg>
-    <p:spTree>
-      <p:nvGrpSpPr>
-        <p:cNvPr id="1" name=""/>
-        <p:cNvGrpSpPr/>
-        <p:nvPr/>
-      </p:nvGrpSpPr>
-      <p:grpSpPr>
-        <a:xfrm>
-          <a:off x="0" y="0"/>
-          <a:ext cx="0" cy="0"/>
-          <a:chOff x="0" y="0"/>
-          <a:chExt cx="0" cy="0"/>
-        </a:xfrm>
-      </p:grpSpPr>
-      <p:pic>
-        <p:nvPicPr>
-          <p:cNvPr id="4" name="Picture 3">
-            <a:extLst>
-              <a:ext uri="{FF2B5EF4-FFF2-40B4-BE49-F238E27FC236}">
-                <a16:creationId xmlns:a16="http://schemas.microsoft.com/office/drawing/2014/main" id="{1FC29707-A502-9C48-A660-5B77AD9B0A87}"/>
-              </a:ext>
-            </a:extLst>
-          </p:cNvPr>
-          <p:cNvPicPr>
-            <a:picLocks noChangeAspect="1"/>
-          </p:cNvPicPr>
-          <p:nvPr/>
-        </p:nvPicPr>
-        <p:blipFill>
-          <a:blip r:embed="rId3"/>
-          <a:stretch>
-            <a:fillRect/>
-          </a:stretch>
-        </p:blipFill>
-        <p:spPr>
-          <a:xfrm>
-            <a:off x="860307" y="689510"/>
-            <a:ext cx="7058144" cy="5104331"/>
-          </a:xfrm>
-          <a:prstGeom prst="rect">
-            <a:avLst/>
-          </a:prstGeom>
-        </p:spPr>
-      </p:pic>
-      <p:cxnSp>
-        <p:nvCxnSpPr>
-          <p:cNvPr id="8" name="Straight Arrow Connector 7">
-            <a:extLst>
-              <a:ext uri="{FF2B5EF4-FFF2-40B4-BE49-F238E27FC236}">
-                <a16:creationId xmlns:a16="http://schemas.microsoft.com/office/drawing/2014/main" id="{2CFA0645-4355-1D4B-A062-65C42F667DBB}"/>
-              </a:ext>
-            </a:extLst>
-          </p:cNvPr>
-          <p:cNvCxnSpPr>
-            <a:cxnSpLocks/>
-          </p:cNvCxnSpPr>
-          <p:nvPr/>
-        </p:nvCxnSpPr>
-        <p:spPr>
-          <a:xfrm>
-            <a:off x="2023608" y="5748135"/>
-            <a:ext cx="3768920" cy="0"/>
-          </a:xfrm>
-          <a:prstGeom prst="straightConnector1">
-            <a:avLst/>
-          </a:prstGeom>
-          <a:ln w="50800">
-            <a:solidFill>
-              <a:srgbClr val="C00000"/>
-            </a:solidFill>
-            <a:tailEnd type="triangle"/>
-          </a:ln>
-        </p:spPr>
-        <p:style>
-          <a:lnRef idx="1">
-            <a:schemeClr val="accent1"/>
-          </a:lnRef>
-          <a:fillRef idx="0">
-            <a:schemeClr val="accent1"/>
-          </a:fillRef>
-          <a:effectRef idx="0">
-            <a:schemeClr val="accent1"/>
-          </a:effectRef>
-          <a:fontRef idx="minor">
-            <a:schemeClr val="tx1"/>
-          </a:fontRef>
-        </p:style>
-      </p:cxnSp>
-      <p:sp>
-        <p:nvSpPr>
-          <p:cNvPr id="15" name="TextBox 14">
-            <a:extLst>
-              <a:ext uri="{FF2B5EF4-FFF2-40B4-BE49-F238E27FC236}">
-                <a16:creationId xmlns:a16="http://schemas.microsoft.com/office/drawing/2014/main" id="{7AC99226-B6F1-0944-B026-8D5879AC1867}"/>
-              </a:ext>
-            </a:extLst>
-          </p:cNvPr>
-          <p:cNvSpPr txBox="1"/>
-          <p:nvPr/>
-        </p:nvSpPr>
-        <p:spPr>
-          <a:xfrm>
-            <a:off x="1446811" y="5843333"/>
-            <a:ext cx="4922512" cy="376578"/>
-          </a:xfrm>
-          <a:prstGeom prst="rect">
-            <a:avLst/>
-          </a:prstGeom>
-          <a:noFill/>
-        </p:spPr>
-        <p:txBody>
-          <a:bodyPr wrap="square" rtlCol="0">
-            <a:spAutoFit/>
-          </a:bodyPr>
-          <a:lstStyle/>
-          <a:p>
-            <a:pPr algn="ctr"/>
-            <a:r>
-              <a:rPr lang="en-US" sz="1847" dirty="0">
-                <a:solidFill>
-                  <a:srgbClr val="C00000"/>
-                </a:solidFill>
-                <a:latin typeface="Helvetica Neue" panose="02000503000000020004" pitchFamily="2" charset="0"/>
-                <a:ea typeface="Helvetica Neue" panose="02000503000000020004" pitchFamily="2" charset="0"/>
-                <a:cs typeface="Helvetica Neue" panose="02000503000000020004" pitchFamily="2" charset="0"/>
-              </a:rPr>
-              <a:t>X becomes more efficient relative to Y</a:t>
-            </a:r>
-          </a:p>
-        </p:txBody>
-      </p:sp>
-      <p:cxnSp>
-        <p:nvCxnSpPr>
-          <p:cNvPr id="21" name="Straight Arrow Connector 20">
-            <a:extLst>
-              <a:ext uri="{FF2B5EF4-FFF2-40B4-BE49-F238E27FC236}">
-                <a16:creationId xmlns:a16="http://schemas.microsoft.com/office/drawing/2014/main" id="{C0411EDC-F739-F342-B051-6F2652647059}"/>
-              </a:ext>
-            </a:extLst>
-          </p:cNvPr>
-          <p:cNvCxnSpPr>
-            <a:cxnSpLocks/>
-          </p:cNvCxnSpPr>
-          <p:nvPr/>
-        </p:nvCxnSpPr>
-        <p:spPr>
-          <a:xfrm flipV="1">
-            <a:off x="749999" y="854467"/>
-            <a:ext cx="0" cy="3848101"/>
-          </a:xfrm>
-          <a:prstGeom prst="straightConnector1">
-            <a:avLst/>
-          </a:prstGeom>
-          <a:ln w="50800">
-            <a:solidFill>
-              <a:srgbClr val="C00000"/>
-            </a:solidFill>
-            <a:tailEnd type="triangle"/>
-          </a:ln>
-        </p:spPr>
-        <p:style>
-          <a:lnRef idx="1">
-            <a:schemeClr val="accent1"/>
-          </a:lnRef>
-          <a:fillRef idx="0">
-            <a:schemeClr val="accent1"/>
-          </a:fillRef>
-          <a:effectRef idx="0">
-            <a:schemeClr val="accent1"/>
-          </a:effectRef>
-          <a:fontRef idx="minor">
-            <a:schemeClr val="tx1"/>
-          </a:fontRef>
-        </p:style>
-      </p:cxnSp>
-      <p:sp>
-        <p:nvSpPr>
-          <p:cNvPr id="23" name="TextBox 22">
-            <a:extLst>
-              <a:ext uri="{FF2B5EF4-FFF2-40B4-BE49-F238E27FC236}">
-                <a16:creationId xmlns:a16="http://schemas.microsoft.com/office/drawing/2014/main" id="{23972CEC-806B-5349-AF6C-195B9DF7B39B}"/>
-              </a:ext>
-            </a:extLst>
-          </p:cNvPr>
-          <p:cNvSpPr txBox="1"/>
-          <p:nvPr/>
-        </p:nvSpPr>
-        <p:spPr>
-          <a:xfrm rot="16200000">
-            <a:off x="-2414963" y="2590228"/>
-            <a:ext cx="5658424" cy="376578"/>
-          </a:xfrm>
-          <a:prstGeom prst="rect">
-            <a:avLst/>
-          </a:prstGeom>
-          <a:noFill/>
-        </p:spPr>
-        <p:txBody>
-          <a:bodyPr wrap="square" rtlCol="0">
-            <a:spAutoFit/>
-          </a:bodyPr>
-          <a:lstStyle/>
-          <a:p>
-            <a:pPr algn="ctr"/>
-            <a:r>
-              <a:rPr lang="en-US" sz="1847" dirty="0">
-                <a:solidFill>
-                  <a:srgbClr val="C00000"/>
-                </a:solidFill>
-                <a:latin typeface="Helvetica Neue" panose="02000503000000020004" pitchFamily="2" charset="0"/>
-                <a:ea typeface="Helvetica Neue" panose="02000503000000020004" pitchFamily="2" charset="0"/>
-                <a:cs typeface="Helvetica Neue" panose="02000503000000020004" pitchFamily="2" charset="0"/>
-              </a:rPr>
-              <a:t>X becomes less sensitive to stimuli relative to Y</a:t>
-            </a:r>
-          </a:p>
-        </p:txBody>
-      </p:sp>
-      <p:sp>
-        <p:nvSpPr>
-          <p:cNvPr id="31" name="TextBox 30">
-            <a:extLst>
-              <a:ext uri="{FF2B5EF4-FFF2-40B4-BE49-F238E27FC236}">
-                <a16:creationId xmlns:a16="http://schemas.microsoft.com/office/drawing/2014/main" id="{6E5642E8-FC41-A44E-AD68-09A79AF5128B}"/>
-              </a:ext>
-            </a:extLst>
-          </p:cNvPr>
-          <p:cNvSpPr txBox="1"/>
-          <p:nvPr/>
-        </p:nvSpPr>
-        <p:spPr>
-          <a:xfrm>
-            <a:off x="2038690" y="4326746"/>
-            <a:ext cx="271490" cy="412100"/>
-          </a:xfrm>
-          <a:prstGeom prst="rect">
-            <a:avLst/>
-          </a:prstGeom>
-          <a:noFill/>
-        </p:spPr>
-        <p:txBody>
-          <a:bodyPr wrap="square" rtlCol="0">
-            <a:spAutoFit/>
-          </a:bodyPr>
-          <a:lstStyle/>
-          <a:p>
-            <a:pPr algn="ctr"/>
-            <a:r>
-              <a:rPr lang="en-US" sz="2078" b="1" dirty="0">
-                <a:solidFill>
-                  <a:srgbClr val="C00000"/>
-                </a:solidFill>
-                <a:latin typeface="Helvetica Neue" panose="02000503000000020004" pitchFamily="2" charset="0"/>
-                <a:ea typeface="Helvetica Neue" panose="02000503000000020004" pitchFamily="2" charset="0"/>
-                <a:cs typeface="Helvetica Neue" panose="02000503000000020004" pitchFamily="2" charset="0"/>
-              </a:rPr>
-              <a:t>Y</a:t>
-            </a:r>
-          </a:p>
-        </p:txBody>
-      </p:sp>
-    </p:spTree>
-    <p:extLst>
-      <p:ext uri="{BB962C8B-B14F-4D97-AF65-F5344CB8AC3E}">
-        <p14:creationId xmlns:p14="http://schemas.microsoft.com/office/powerpoint/2010/main" val="2810097841"/>
       </p:ext>
     </p:extLst>
   </p:cSld>

--- a/slides/figures_191206.pptx
+++ b/slides/figures_191206.pptx
@@ -6,7 +6,7 @@
     <p:sldMasterId id="2147483696" r:id="rId2"/>
   </p:sldMasterIdLst>
   <p:notesMasterIdLst>
-    <p:notesMasterId r:id="rId44"/>
+    <p:notesMasterId r:id="rId45"/>
   </p:notesMasterIdLst>
   <p:sldIdLst>
     <p:sldId id="256" r:id="rId3"/>
@@ -48,8 +48,9 @@
     <p:sldId id="277" r:id="rId39"/>
     <p:sldId id="278" r:id="rId40"/>
     <p:sldId id="285" r:id="rId41"/>
-    <p:sldId id="266" r:id="rId42"/>
-    <p:sldId id="267" r:id="rId43"/>
+    <p:sldId id="297" r:id="rId42"/>
+    <p:sldId id="266" r:id="rId43"/>
+    <p:sldId id="267" r:id="rId44"/>
   </p:sldIdLst>
   <p:sldSz cx="7918450" cy="6483350"/>
   <p:notesSz cx="6858000" cy="9144000"/>
@@ -3498,7 +3499,10 @@
           <a:bodyPr/>
           <a:lstStyle/>
           <a:p>
-            <a:endParaRPr lang="en-US" dirty="0"/>
+            <a:r>
+              <a:rPr lang="en-US" dirty="0"/>
+              <a:t>5/27/20 Fig. S6 – updated with new fig labels, new order, and new params for a-b</a:t>
+            </a:r>
           </a:p>
         </p:txBody>
       </p:sp>
@@ -3528,7 +3532,7 @@
     </p:spTree>
     <p:extLst>
       <p:ext uri="{BB962C8B-B14F-4D97-AF65-F5344CB8AC3E}">
-        <p14:creationId xmlns:p14="http://schemas.microsoft.com/office/powerpoint/2010/main" val="4283938702"/>
+        <p14:creationId xmlns:p14="http://schemas.microsoft.com/office/powerpoint/2010/main" val="3049269421"/>
       </p:ext>
     </p:extLst>
   </p:cSld>
@@ -3701,6 +3705,95 @@
             <a:fld id="{A697AF77-229E-5D4A-87D0-A949D969F47C}" type="slidenum">
               <a:rPr lang="en-US" smtClean="0"/>
               <a:t>41</a:t>
+            </a:fld>
+            <a:endParaRPr lang="en-US"/>
+          </a:p>
+        </p:txBody>
+      </p:sp>
+    </p:spTree>
+    <p:extLst>
+      <p:ext uri="{BB962C8B-B14F-4D97-AF65-F5344CB8AC3E}">
+        <p14:creationId xmlns:p14="http://schemas.microsoft.com/office/powerpoint/2010/main" val="4283938702"/>
+      </p:ext>
+    </p:extLst>
+  </p:cSld>
+  <p:clrMapOvr>
+    <a:masterClrMapping/>
+  </p:clrMapOvr>
+</p:notes>
+</file>
+
+<file path=ppt/notesSlides/notesSlide41.xml><?xml version="1.0" encoding="utf-8"?>
+<p:notes xmlns:a="http://schemas.openxmlformats.org/drawingml/2006/main" xmlns:r="http://schemas.openxmlformats.org/officeDocument/2006/relationships" xmlns:p="http://schemas.openxmlformats.org/presentationml/2006/main">
+  <p:cSld>
+    <p:spTree>
+      <p:nvGrpSpPr>
+        <p:cNvPr id="1" name=""/>
+        <p:cNvGrpSpPr/>
+        <p:nvPr/>
+      </p:nvGrpSpPr>
+      <p:grpSpPr>
+        <a:xfrm>
+          <a:off x="0" y="0"/>
+          <a:ext cx="0" cy="0"/>
+          <a:chOff x="0" y="0"/>
+          <a:chExt cx="0" cy="0"/>
+        </a:xfrm>
+      </p:grpSpPr>
+      <p:sp>
+        <p:nvSpPr>
+          <p:cNvPr id="2" name="Slide Image Placeholder 1"/>
+          <p:cNvSpPr>
+            <a:spLocks noGrp="1" noRot="1" noChangeAspect="1"/>
+          </p:cNvSpPr>
+          <p:nvPr>
+            <p:ph type="sldImg"/>
+          </p:nvPr>
+        </p:nvSpPr>
+        <p:spPr>
+          <a:xfrm>
+            <a:off x="1544638" y="1143000"/>
+            <a:ext cx="3768725" cy="3086100"/>
+          </a:xfrm>
+        </p:spPr>
+      </p:sp>
+      <p:sp>
+        <p:nvSpPr>
+          <p:cNvPr id="3" name="Notes Placeholder 2"/>
+          <p:cNvSpPr>
+            <a:spLocks noGrp="1"/>
+          </p:cNvSpPr>
+          <p:nvPr>
+            <p:ph type="body" idx="1"/>
+          </p:nvPr>
+        </p:nvSpPr>
+        <p:spPr/>
+        <p:txBody>
+          <a:bodyPr/>
+          <a:lstStyle/>
+          <a:p>
+            <a:endParaRPr lang="en-US" dirty="0"/>
+          </a:p>
+        </p:txBody>
+      </p:sp>
+      <p:sp>
+        <p:nvSpPr>
+          <p:cNvPr id="4" name="Slide Number Placeholder 3"/>
+          <p:cNvSpPr>
+            <a:spLocks noGrp="1"/>
+          </p:cNvSpPr>
+          <p:nvPr>
+            <p:ph type="sldNum" sz="quarter" idx="5"/>
+          </p:nvPr>
+        </p:nvSpPr>
+        <p:spPr/>
+        <p:txBody>
+          <a:bodyPr/>
+          <a:lstStyle/>
+          <a:p>
+            <a:fld id="{A697AF77-229E-5D4A-87D0-A949D969F47C}" type="slidenum">
+              <a:rPr lang="en-US" smtClean="0"/>
+              <a:t>42</a:t>
             </a:fld>
             <a:endParaRPr lang="en-US"/>
           </a:p>
@@ -34835,7 +34928,7 @@
 </file>
 
 <file path=ppt/slides/slide39.xml><?xml version="1.0" encoding="utf-8"?>
-<p:sld xmlns:a="http://schemas.openxmlformats.org/drawingml/2006/main" xmlns:r="http://schemas.openxmlformats.org/officeDocument/2006/relationships" xmlns:p="http://schemas.openxmlformats.org/presentationml/2006/main">
+<p:sld xmlns:a="http://schemas.openxmlformats.org/drawingml/2006/main" xmlns:r="http://schemas.openxmlformats.org/officeDocument/2006/relationships" xmlns:p="http://schemas.openxmlformats.org/presentationml/2006/main" show="0">
   <p:cSld>
     <p:spTree>
       <p:nvGrpSpPr>
@@ -36596,6 +36689,1424 @@
           <a:chExt cx="0" cy="0"/>
         </a:xfrm>
       </p:grpSpPr>
+      <p:pic>
+        <p:nvPicPr>
+          <p:cNvPr id="7" name="Picture 6">
+            <a:extLst>
+              <a:ext uri="{FF2B5EF4-FFF2-40B4-BE49-F238E27FC236}">
+                <a16:creationId xmlns:a16="http://schemas.microsoft.com/office/drawing/2014/main" id="{BF611839-1DB0-864E-AB2C-66DE23877A96}"/>
+              </a:ext>
+            </a:extLst>
+          </p:cNvPr>
+          <p:cNvPicPr>
+            <a:picLocks noChangeAspect="1"/>
+          </p:cNvPicPr>
+          <p:nvPr/>
+        </p:nvPicPr>
+        <p:blipFill>
+          <a:blip r:embed="rId3"/>
+          <a:stretch>
+            <a:fillRect/>
+          </a:stretch>
+        </p:blipFill>
+        <p:spPr>
+          <a:xfrm>
+            <a:off x="9144" y="636818"/>
+            <a:ext cx="3963924" cy="2642616"/>
+          </a:xfrm>
+          <a:prstGeom prst="rect">
+            <a:avLst/>
+          </a:prstGeom>
+        </p:spPr>
+      </p:pic>
+      <p:pic>
+        <p:nvPicPr>
+          <p:cNvPr id="11" name="Picture 10">
+            <a:extLst>
+              <a:ext uri="{FF2B5EF4-FFF2-40B4-BE49-F238E27FC236}">
+                <a16:creationId xmlns:a16="http://schemas.microsoft.com/office/drawing/2014/main" id="{27127B7E-AC14-8D42-ACBD-62901BC0C70B}"/>
+              </a:ext>
+            </a:extLst>
+          </p:cNvPr>
+          <p:cNvPicPr>
+            <a:picLocks noChangeAspect="1"/>
+          </p:cNvPicPr>
+          <p:nvPr/>
+        </p:nvPicPr>
+        <p:blipFill>
+          <a:blip r:embed="rId4"/>
+          <a:stretch>
+            <a:fillRect/>
+          </a:stretch>
+        </p:blipFill>
+        <p:spPr>
+          <a:xfrm>
+            <a:off x="3945482" y="620468"/>
+            <a:ext cx="3963924" cy="2642616"/>
+          </a:xfrm>
+          <a:prstGeom prst="rect">
+            <a:avLst/>
+          </a:prstGeom>
+        </p:spPr>
+      </p:pic>
+      <p:pic>
+        <p:nvPicPr>
+          <p:cNvPr id="4" name="Picture 3">
+            <a:extLst>
+              <a:ext uri="{FF2B5EF4-FFF2-40B4-BE49-F238E27FC236}">
+                <a16:creationId xmlns:a16="http://schemas.microsoft.com/office/drawing/2014/main" id="{AD152D50-108E-FB4A-94A0-E4462977502B}"/>
+              </a:ext>
+            </a:extLst>
+          </p:cNvPr>
+          <p:cNvPicPr>
+            <a:picLocks noChangeAspect="1"/>
+          </p:cNvPicPr>
+          <p:nvPr/>
+        </p:nvPicPr>
+        <p:blipFill>
+          <a:blip r:embed="rId5"/>
+          <a:stretch>
+            <a:fillRect/>
+          </a:stretch>
+        </p:blipFill>
+        <p:spPr>
+          <a:xfrm>
+            <a:off x="9144" y="3398286"/>
+            <a:ext cx="3963924" cy="2642616"/>
+          </a:xfrm>
+          <a:prstGeom prst="rect">
+            <a:avLst/>
+          </a:prstGeom>
+        </p:spPr>
+      </p:pic>
+      <p:pic>
+        <p:nvPicPr>
+          <p:cNvPr id="13" name="Picture 12">
+            <a:extLst>
+              <a:ext uri="{FF2B5EF4-FFF2-40B4-BE49-F238E27FC236}">
+                <a16:creationId xmlns:a16="http://schemas.microsoft.com/office/drawing/2014/main" id="{E4ECE723-663D-704D-83BD-CCFA0A3C8C00}"/>
+              </a:ext>
+            </a:extLst>
+          </p:cNvPr>
+          <p:cNvPicPr>
+            <a:picLocks noChangeAspect="1"/>
+          </p:cNvPicPr>
+          <p:nvPr/>
+        </p:nvPicPr>
+        <p:blipFill>
+          <a:blip r:embed="rId6"/>
+          <a:stretch>
+            <a:fillRect/>
+          </a:stretch>
+        </p:blipFill>
+        <p:spPr>
+          <a:xfrm>
+            <a:off x="3941064" y="3382915"/>
+            <a:ext cx="3963924" cy="2642616"/>
+          </a:xfrm>
+          <a:prstGeom prst="rect">
+            <a:avLst/>
+          </a:prstGeom>
+        </p:spPr>
+      </p:pic>
+      <p:sp>
+        <p:nvSpPr>
+          <p:cNvPr id="16" name="TextBox 15">
+            <a:extLst>
+              <a:ext uri="{FF2B5EF4-FFF2-40B4-BE49-F238E27FC236}">
+                <a16:creationId xmlns:a16="http://schemas.microsoft.com/office/drawing/2014/main" id="{0B8EA217-6F2C-0943-8D48-F70EC12EC200}"/>
+              </a:ext>
+            </a:extLst>
+          </p:cNvPr>
+          <p:cNvSpPr txBox="1"/>
+          <p:nvPr/>
+        </p:nvSpPr>
+        <p:spPr>
+          <a:xfrm>
+            <a:off x="3971998" y="3200400"/>
+            <a:ext cx="274320" cy="292388"/>
+          </a:xfrm>
+          <a:prstGeom prst="rect">
+            <a:avLst/>
+          </a:prstGeom>
+          <a:noFill/>
+        </p:spPr>
+        <p:txBody>
+          <a:bodyPr wrap="square" rtlCol="0">
+            <a:spAutoFit/>
+          </a:bodyPr>
+          <a:lstStyle/>
+          <a:p>
+            <a:pPr algn="ctr"/>
+            <a:r>
+              <a:rPr lang="en-US" sz="1300" b="1" dirty="0">
+                <a:latin typeface="Helvetica Neue" panose="02000503000000020004" pitchFamily="2" charset="0"/>
+                <a:ea typeface="Helvetica Neue" panose="02000503000000020004" pitchFamily="2" charset="0"/>
+                <a:cs typeface="Helvetica Neue" panose="02000503000000020004" pitchFamily="2" charset="0"/>
+              </a:rPr>
+              <a:t>d</a:t>
+            </a:r>
+          </a:p>
+        </p:txBody>
+      </p:sp>
+      <p:sp>
+        <p:nvSpPr>
+          <p:cNvPr id="34" name="Rectangle 33">
+            <a:extLst>
+              <a:ext uri="{FF2B5EF4-FFF2-40B4-BE49-F238E27FC236}">
+                <a16:creationId xmlns:a16="http://schemas.microsoft.com/office/drawing/2014/main" id="{FCC82B76-D613-B14A-9751-C3404A7F5100}"/>
+              </a:ext>
+            </a:extLst>
+          </p:cNvPr>
+          <p:cNvSpPr/>
+          <p:nvPr/>
+        </p:nvSpPr>
+        <p:spPr>
+          <a:xfrm>
+            <a:off x="5702535" y="3812945"/>
+            <a:ext cx="274320" cy="1278343"/>
+          </a:xfrm>
+          <a:prstGeom prst="rect">
+            <a:avLst/>
+          </a:prstGeom>
+          <a:noFill/>
+          <a:ln w="6350">
+            <a:solidFill>
+              <a:schemeClr val="tx1"/>
+            </a:solidFill>
+          </a:ln>
+        </p:spPr>
+        <p:style>
+          <a:lnRef idx="2">
+            <a:schemeClr val="accent1">
+              <a:shade val="50000"/>
+            </a:schemeClr>
+          </a:lnRef>
+          <a:fillRef idx="1">
+            <a:schemeClr val="accent1"/>
+          </a:fillRef>
+          <a:effectRef idx="0">
+            <a:schemeClr val="accent1"/>
+          </a:effectRef>
+          <a:fontRef idx="minor">
+            <a:schemeClr val="lt1"/>
+          </a:fontRef>
+        </p:style>
+        <p:txBody>
+          <a:bodyPr rtlCol="0" anchor="ctr"/>
+          <a:lstStyle/>
+          <a:p>
+            <a:pPr algn="ctr"/>
+            <a:endParaRPr lang="en-US"/>
+          </a:p>
+        </p:txBody>
+      </p:sp>
+      <p:sp>
+        <p:nvSpPr>
+          <p:cNvPr id="40" name="TextBox 39">
+            <a:extLst>
+              <a:ext uri="{FF2B5EF4-FFF2-40B4-BE49-F238E27FC236}">
+                <a16:creationId xmlns:a16="http://schemas.microsoft.com/office/drawing/2014/main" id="{59710CE9-75A6-8E4F-BC0F-9128A72B5E28}"/>
+              </a:ext>
+            </a:extLst>
+          </p:cNvPr>
+          <p:cNvSpPr txBox="1"/>
+          <p:nvPr/>
+        </p:nvSpPr>
+        <p:spPr>
+          <a:xfrm>
+            <a:off x="5086739" y="3338555"/>
+            <a:ext cx="1503114" cy="252965"/>
+          </a:xfrm>
+          <a:prstGeom prst="rect">
+            <a:avLst/>
+          </a:prstGeom>
+          <a:noFill/>
+        </p:spPr>
+        <p:txBody>
+          <a:bodyPr wrap="square" rtlCol="0">
+            <a:spAutoFit/>
+          </a:bodyPr>
+          <a:lstStyle/>
+          <a:p>
+            <a:pPr algn="ctr"/>
+            <a:r>
+              <a:rPr lang="en-US" sz="1050" i="1" dirty="0">
+                <a:latin typeface="Arial" panose="020B0604020202020204" pitchFamily="34" charset="0"/>
+                <a:ea typeface="Helvetica Neue" panose="02000503000000020004" pitchFamily="2" charset="0"/>
+                <a:cs typeface="Arial" panose="020B0604020202020204" pitchFamily="34" charset="0"/>
+              </a:rPr>
+              <a:t>No effect</a:t>
+            </a:r>
+          </a:p>
+        </p:txBody>
+      </p:sp>
+      <p:cxnSp>
+        <p:nvCxnSpPr>
+          <p:cNvPr id="39" name="Straight Arrow Connector 38">
+            <a:extLst>
+              <a:ext uri="{FF2B5EF4-FFF2-40B4-BE49-F238E27FC236}">
+                <a16:creationId xmlns:a16="http://schemas.microsoft.com/office/drawing/2014/main" id="{00DB2157-BF54-264B-B6D3-4F581EC5D01E}"/>
+              </a:ext>
+            </a:extLst>
+          </p:cNvPr>
+          <p:cNvCxnSpPr>
+            <a:cxnSpLocks/>
+          </p:cNvCxnSpPr>
+          <p:nvPr/>
+        </p:nvCxnSpPr>
+        <p:spPr>
+          <a:xfrm>
+            <a:off x="5839695" y="3566518"/>
+            <a:ext cx="0" cy="234664"/>
+          </a:xfrm>
+          <a:prstGeom prst="straightConnector1">
+            <a:avLst/>
+          </a:prstGeom>
+          <a:ln>
+            <a:solidFill>
+              <a:schemeClr val="tx1"/>
+            </a:solidFill>
+            <a:tailEnd type="triangle"/>
+          </a:ln>
+        </p:spPr>
+        <p:style>
+          <a:lnRef idx="1">
+            <a:schemeClr val="accent1"/>
+          </a:lnRef>
+          <a:fillRef idx="0">
+            <a:schemeClr val="accent1"/>
+          </a:fillRef>
+          <a:effectRef idx="0">
+            <a:schemeClr val="accent1"/>
+          </a:effectRef>
+          <a:fontRef idx="minor">
+            <a:schemeClr val="tx1"/>
+          </a:fontRef>
+        </p:style>
+      </p:cxnSp>
+      <p:sp>
+        <p:nvSpPr>
+          <p:cNvPr id="66" name="TextBox 65">
+            <a:extLst>
+              <a:ext uri="{FF2B5EF4-FFF2-40B4-BE49-F238E27FC236}">
+                <a16:creationId xmlns:a16="http://schemas.microsoft.com/office/drawing/2014/main" id="{C097674D-6E63-E846-AC50-27ED7363D413}"/>
+              </a:ext>
+            </a:extLst>
+          </p:cNvPr>
+          <p:cNvSpPr txBox="1"/>
+          <p:nvPr/>
+        </p:nvSpPr>
+        <p:spPr>
+          <a:xfrm>
+            <a:off x="6951328" y="4871944"/>
+            <a:ext cx="944616" cy="369332"/>
+          </a:xfrm>
+          <a:prstGeom prst="rect">
+            <a:avLst/>
+          </a:prstGeom>
+          <a:noFill/>
+        </p:spPr>
+        <p:txBody>
+          <a:bodyPr wrap="square" rtlCol="0">
+            <a:spAutoFit/>
+          </a:bodyPr>
+          <a:lstStyle/>
+          <a:p>
+            <a:pPr algn="r"/>
+            <a:r>
+              <a:rPr lang="en-US" sz="1000" dirty="0">
+                <a:solidFill>
+                  <a:schemeClr val="bg1">
+                    <a:lumMod val="50000"/>
+                  </a:schemeClr>
+                </a:solidFill>
+                <a:latin typeface="Arial" panose="020B0604020202020204" pitchFamily="34" charset="0"/>
+                <a:ea typeface="Helvetica Neue" panose="02000503000000020004" pitchFamily="2" charset="0"/>
+                <a:cs typeface="Arial" panose="020B0604020202020204" pitchFamily="34" charset="0"/>
+              </a:rPr>
+              <a:t>---</a:t>
+            </a:r>
+            <a:r>
+              <a:rPr lang="en-US" sz="600" dirty="0">
+                <a:solidFill>
+                  <a:schemeClr val="bg1">
+                    <a:lumMod val="50000"/>
+                  </a:schemeClr>
+                </a:solidFill>
+                <a:latin typeface="Arial" panose="020B0604020202020204" pitchFamily="34" charset="0"/>
+                <a:ea typeface="Helvetica Neue" panose="02000503000000020004" pitchFamily="2" charset="0"/>
+                <a:cs typeface="Arial" panose="020B0604020202020204" pitchFamily="34" charset="0"/>
+              </a:rPr>
+              <a:t>  </a:t>
+            </a:r>
+            <a:r>
+              <a:rPr lang="en-US" sz="600" dirty="0">
+                <a:latin typeface="Arial" panose="020B0604020202020204" pitchFamily="34" charset="0"/>
+                <a:ea typeface="Helvetica Neue" panose="02000503000000020004" pitchFamily="2" charset="0"/>
+                <a:cs typeface="Arial" panose="020B0604020202020204" pitchFamily="34" charset="0"/>
+              </a:rPr>
+              <a:t>  </a:t>
+            </a:r>
+            <a:r>
+              <a:rPr lang="en-US" sz="925" dirty="0">
+                <a:latin typeface="Arial" panose="020B0604020202020204" pitchFamily="34" charset="0"/>
+                <a:ea typeface="Helvetica Neue" panose="02000503000000020004" pitchFamily="2" charset="0"/>
+                <a:cs typeface="Arial" panose="020B0604020202020204" pitchFamily="34" charset="0"/>
+              </a:rPr>
+              <a:t>Null H</a:t>
+            </a:r>
+            <a:r>
+              <a:rPr lang="en-US" sz="925" baseline="-25000" dirty="0">
+                <a:latin typeface="Arial" panose="020B0604020202020204" pitchFamily="34" charset="0"/>
+                <a:ea typeface="Helvetica Neue" panose="02000503000000020004" pitchFamily="2" charset="0"/>
+                <a:cs typeface="Arial" panose="020B0604020202020204" pitchFamily="34" charset="0"/>
+              </a:rPr>
+              <a:t>0</a:t>
+            </a:r>
+            <a:endParaRPr lang="en-US" sz="925" dirty="0">
+              <a:latin typeface="Arial" panose="020B0604020202020204" pitchFamily="34" charset="0"/>
+              <a:ea typeface="Helvetica Neue" panose="02000503000000020004" pitchFamily="2" charset="0"/>
+              <a:cs typeface="Arial" panose="020B0604020202020204" pitchFamily="34" charset="0"/>
+            </a:endParaRPr>
+          </a:p>
+          <a:p>
+            <a:pPr algn="r"/>
+            <a:r>
+              <a:rPr lang="en-US" sz="800" dirty="0">
+                <a:latin typeface="Arial" panose="020B0604020202020204" pitchFamily="34" charset="0"/>
+                <a:ea typeface="Helvetica Neue" panose="02000503000000020004" pitchFamily="2" charset="0"/>
+                <a:cs typeface="Arial" panose="020B0604020202020204" pitchFamily="34" charset="0"/>
+              </a:rPr>
+              <a:t>(linear mixing)</a:t>
+            </a:r>
+            <a:endParaRPr lang="en-US" sz="800" baseline="-25000" dirty="0">
+              <a:latin typeface="Arial" panose="020B0604020202020204" pitchFamily="34" charset="0"/>
+              <a:ea typeface="Helvetica Neue" panose="02000503000000020004" pitchFamily="2" charset="0"/>
+              <a:cs typeface="Arial" panose="020B0604020202020204" pitchFamily="34" charset="0"/>
+            </a:endParaRPr>
+          </a:p>
+        </p:txBody>
+      </p:sp>
+      <p:sp>
+        <p:nvSpPr>
+          <p:cNvPr id="23" name="TextBox 22">
+            <a:extLst>
+              <a:ext uri="{FF2B5EF4-FFF2-40B4-BE49-F238E27FC236}">
+                <a16:creationId xmlns:a16="http://schemas.microsoft.com/office/drawing/2014/main" id="{69A09216-8036-6540-BBB8-97FCED25B9A4}"/>
+              </a:ext>
+            </a:extLst>
+          </p:cNvPr>
+          <p:cNvSpPr txBox="1"/>
+          <p:nvPr/>
+        </p:nvSpPr>
+        <p:spPr>
+          <a:xfrm>
+            <a:off x="7702903" y="4450609"/>
+            <a:ext cx="194329" cy="200055"/>
+          </a:xfrm>
+          <a:prstGeom prst="rect">
+            <a:avLst/>
+          </a:prstGeom>
+          <a:noFill/>
+        </p:spPr>
+        <p:txBody>
+          <a:bodyPr wrap="square" rtlCol="0">
+            <a:spAutoFit/>
+          </a:bodyPr>
+          <a:lstStyle/>
+          <a:p>
+            <a:r>
+              <a:rPr lang="en-US" sz="700" dirty="0">
+                <a:latin typeface="Arial" panose="020B0604020202020204" pitchFamily="34" charset="0"/>
+                <a:cs typeface="Arial" panose="020B0604020202020204" pitchFamily="34" charset="0"/>
+              </a:rPr>
+              <a:t>2</a:t>
+            </a:r>
+          </a:p>
+        </p:txBody>
+      </p:sp>
+      <p:sp>
+        <p:nvSpPr>
+          <p:cNvPr id="18" name="TextBox 17">
+            <a:extLst>
+              <a:ext uri="{FF2B5EF4-FFF2-40B4-BE49-F238E27FC236}">
+                <a16:creationId xmlns:a16="http://schemas.microsoft.com/office/drawing/2014/main" id="{46BBEC22-8FD3-4646-AE1A-C6C1C5D5E1E6}"/>
+              </a:ext>
+            </a:extLst>
+          </p:cNvPr>
+          <p:cNvSpPr txBox="1"/>
+          <p:nvPr/>
+        </p:nvSpPr>
+        <p:spPr>
+          <a:xfrm>
+            <a:off x="3978513" y="457200"/>
+            <a:ext cx="274320" cy="292608"/>
+          </a:xfrm>
+          <a:prstGeom prst="rect">
+            <a:avLst/>
+          </a:prstGeom>
+          <a:noFill/>
+        </p:spPr>
+        <p:txBody>
+          <a:bodyPr wrap="square" rtlCol="0">
+            <a:spAutoFit/>
+          </a:bodyPr>
+          <a:lstStyle/>
+          <a:p>
+            <a:pPr algn="ctr"/>
+            <a:r>
+              <a:rPr lang="en-US" sz="1300" b="1" dirty="0">
+                <a:latin typeface="Helvetica Neue" panose="02000503000000020004" pitchFamily="2" charset="0"/>
+                <a:ea typeface="Helvetica Neue" panose="02000503000000020004" pitchFamily="2" charset="0"/>
+                <a:cs typeface="Helvetica Neue" panose="02000503000000020004" pitchFamily="2" charset="0"/>
+              </a:rPr>
+              <a:t>b</a:t>
+            </a:r>
+          </a:p>
+        </p:txBody>
+      </p:sp>
+      <p:sp>
+        <p:nvSpPr>
+          <p:cNvPr id="46" name="TextBox 45">
+            <a:extLst>
+              <a:ext uri="{FF2B5EF4-FFF2-40B4-BE49-F238E27FC236}">
+                <a16:creationId xmlns:a16="http://schemas.microsoft.com/office/drawing/2014/main" id="{54424564-F3AD-BD4A-B7FD-B693974CF956}"/>
+              </a:ext>
+            </a:extLst>
+          </p:cNvPr>
+          <p:cNvSpPr txBox="1"/>
+          <p:nvPr/>
+        </p:nvSpPr>
+        <p:spPr>
+          <a:xfrm>
+            <a:off x="7709850" y="1670981"/>
+            <a:ext cx="194730" cy="200055"/>
+          </a:xfrm>
+          <a:prstGeom prst="rect">
+            <a:avLst/>
+          </a:prstGeom>
+          <a:noFill/>
+        </p:spPr>
+        <p:txBody>
+          <a:bodyPr wrap="square" rtlCol="0">
+            <a:spAutoFit/>
+          </a:bodyPr>
+          <a:lstStyle/>
+          <a:p>
+            <a:r>
+              <a:rPr lang="en-US" sz="700" dirty="0">
+                <a:latin typeface="Arial" panose="020B0604020202020204" pitchFamily="34" charset="0"/>
+                <a:cs typeface="Arial" panose="020B0604020202020204" pitchFamily="34" charset="0"/>
+              </a:rPr>
+              <a:t>1</a:t>
+            </a:r>
+          </a:p>
+        </p:txBody>
+      </p:sp>
+      <p:sp>
+        <p:nvSpPr>
+          <p:cNvPr id="35" name="Rectangle 34">
+            <a:extLst>
+              <a:ext uri="{FF2B5EF4-FFF2-40B4-BE49-F238E27FC236}">
+                <a16:creationId xmlns:a16="http://schemas.microsoft.com/office/drawing/2014/main" id="{E5CC2394-AD73-9643-8935-DE1BD676DA79}"/>
+              </a:ext>
+            </a:extLst>
+          </p:cNvPr>
+          <p:cNvSpPr/>
+          <p:nvPr/>
+        </p:nvSpPr>
+        <p:spPr>
+          <a:xfrm>
+            <a:off x="5714855" y="1020104"/>
+            <a:ext cx="274320" cy="1280160"/>
+          </a:xfrm>
+          <a:prstGeom prst="rect">
+            <a:avLst/>
+          </a:prstGeom>
+          <a:noFill/>
+          <a:ln w="6350">
+            <a:solidFill>
+              <a:schemeClr val="tx1"/>
+            </a:solidFill>
+          </a:ln>
+        </p:spPr>
+        <p:style>
+          <a:lnRef idx="2">
+            <a:schemeClr val="accent1">
+              <a:shade val="50000"/>
+            </a:schemeClr>
+          </a:lnRef>
+          <a:fillRef idx="1">
+            <a:schemeClr val="accent1"/>
+          </a:fillRef>
+          <a:effectRef idx="0">
+            <a:schemeClr val="accent1"/>
+          </a:effectRef>
+          <a:fontRef idx="minor">
+            <a:schemeClr val="lt1"/>
+          </a:fontRef>
+        </p:style>
+        <p:txBody>
+          <a:bodyPr rtlCol="0" anchor="ctr"/>
+          <a:lstStyle/>
+          <a:p>
+            <a:pPr algn="ctr"/>
+            <a:endParaRPr lang="en-US"/>
+          </a:p>
+        </p:txBody>
+      </p:sp>
+      <p:sp>
+        <p:nvSpPr>
+          <p:cNvPr id="36" name="TextBox 35">
+            <a:extLst>
+              <a:ext uri="{FF2B5EF4-FFF2-40B4-BE49-F238E27FC236}">
+                <a16:creationId xmlns:a16="http://schemas.microsoft.com/office/drawing/2014/main" id="{FC4C14F4-E75E-FD48-B68B-833D4455B194}"/>
+              </a:ext>
+            </a:extLst>
+          </p:cNvPr>
+          <p:cNvSpPr txBox="1"/>
+          <p:nvPr/>
+        </p:nvSpPr>
+        <p:spPr>
+          <a:xfrm>
+            <a:off x="5094850" y="588916"/>
+            <a:ext cx="1503114" cy="252965"/>
+          </a:xfrm>
+          <a:prstGeom prst="rect">
+            <a:avLst/>
+          </a:prstGeom>
+          <a:noFill/>
+        </p:spPr>
+        <p:txBody>
+          <a:bodyPr wrap="square" rtlCol="0">
+            <a:spAutoFit/>
+          </a:bodyPr>
+          <a:lstStyle/>
+          <a:p>
+            <a:pPr algn="ctr"/>
+            <a:r>
+              <a:rPr lang="en-US" sz="1050" i="1" dirty="0">
+                <a:latin typeface="Arial" panose="020B0604020202020204" pitchFamily="34" charset="0"/>
+                <a:ea typeface="Helvetica Neue" panose="02000503000000020004" pitchFamily="2" charset="0"/>
+                <a:cs typeface="Arial" panose="020B0604020202020204" pitchFamily="34" charset="0"/>
+              </a:rPr>
+              <a:t>Downward contagion</a:t>
+            </a:r>
+          </a:p>
+        </p:txBody>
+      </p:sp>
+      <p:cxnSp>
+        <p:nvCxnSpPr>
+          <p:cNvPr id="37" name="Straight Arrow Connector 36">
+            <a:extLst>
+              <a:ext uri="{FF2B5EF4-FFF2-40B4-BE49-F238E27FC236}">
+                <a16:creationId xmlns:a16="http://schemas.microsoft.com/office/drawing/2014/main" id="{7168B6E1-D09B-3044-A9AF-28F18650EB0D}"/>
+              </a:ext>
+            </a:extLst>
+          </p:cNvPr>
+          <p:cNvCxnSpPr>
+            <a:cxnSpLocks/>
+          </p:cNvCxnSpPr>
+          <p:nvPr/>
+        </p:nvCxnSpPr>
+        <p:spPr>
+          <a:xfrm>
+            <a:off x="5852015" y="784965"/>
+            <a:ext cx="0" cy="219456"/>
+          </a:xfrm>
+          <a:prstGeom prst="straightConnector1">
+            <a:avLst/>
+          </a:prstGeom>
+          <a:ln>
+            <a:solidFill>
+              <a:schemeClr val="tx1"/>
+            </a:solidFill>
+            <a:tailEnd type="triangle"/>
+          </a:ln>
+        </p:spPr>
+        <p:style>
+          <a:lnRef idx="1">
+            <a:schemeClr val="accent1"/>
+          </a:lnRef>
+          <a:fillRef idx="0">
+            <a:schemeClr val="accent1"/>
+          </a:fillRef>
+          <a:effectRef idx="0">
+            <a:schemeClr val="accent1"/>
+          </a:effectRef>
+          <a:fontRef idx="minor">
+            <a:schemeClr val="tx1"/>
+          </a:fontRef>
+        </p:style>
+      </p:cxnSp>
+      <p:sp>
+        <p:nvSpPr>
+          <p:cNvPr id="44" name="TextBox 43">
+            <a:extLst>
+              <a:ext uri="{FF2B5EF4-FFF2-40B4-BE49-F238E27FC236}">
+                <a16:creationId xmlns:a16="http://schemas.microsoft.com/office/drawing/2014/main" id="{2B24D3B7-8B31-994D-BCF9-42F6DCDE0C8E}"/>
+              </a:ext>
+            </a:extLst>
+          </p:cNvPr>
+          <p:cNvSpPr txBox="1"/>
+          <p:nvPr/>
+        </p:nvSpPr>
+        <p:spPr>
+          <a:xfrm>
+            <a:off x="6952894" y="2082065"/>
+            <a:ext cx="944616" cy="369332"/>
+          </a:xfrm>
+          <a:prstGeom prst="rect">
+            <a:avLst/>
+          </a:prstGeom>
+          <a:noFill/>
+        </p:spPr>
+        <p:txBody>
+          <a:bodyPr wrap="square" rtlCol="0">
+            <a:spAutoFit/>
+          </a:bodyPr>
+          <a:lstStyle/>
+          <a:p>
+            <a:pPr algn="r"/>
+            <a:r>
+              <a:rPr lang="en-US" sz="1000" dirty="0">
+                <a:solidFill>
+                  <a:schemeClr val="bg1">
+                    <a:lumMod val="50000"/>
+                  </a:schemeClr>
+                </a:solidFill>
+                <a:latin typeface="Arial" panose="020B0604020202020204" pitchFamily="34" charset="0"/>
+                <a:ea typeface="Helvetica Neue" panose="02000503000000020004" pitchFamily="2" charset="0"/>
+                <a:cs typeface="Arial" panose="020B0604020202020204" pitchFamily="34" charset="0"/>
+              </a:rPr>
+              <a:t>---</a:t>
+            </a:r>
+            <a:r>
+              <a:rPr lang="en-US" sz="600" dirty="0">
+                <a:solidFill>
+                  <a:schemeClr val="bg1">
+                    <a:lumMod val="50000"/>
+                  </a:schemeClr>
+                </a:solidFill>
+                <a:latin typeface="Arial" panose="020B0604020202020204" pitchFamily="34" charset="0"/>
+                <a:ea typeface="Helvetica Neue" panose="02000503000000020004" pitchFamily="2" charset="0"/>
+                <a:cs typeface="Arial" panose="020B0604020202020204" pitchFamily="34" charset="0"/>
+              </a:rPr>
+              <a:t>  </a:t>
+            </a:r>
+            <a:r>
+              <a:rPr lang="en-US" sz="600" dirty="0">
+                <a:latin typeface="Arial" panose="020B0604020202020204" pitchFamily="34" charset="0"/>
+                <a:ea typeface="Helvetica Neue" panose="02000503000000020004" pitchFamily="2" charset="0"/>
+                <a:cs typeface="Arial" panose="020B0604020202020204" pitchFamily="34" charset="0"/>
+              </a:rPr>
+              <a:t>  </a:t>
+            </a:r>
+            <a:r>
+              <a:rPr lang="en-US" sz="925" dirty="0">
+                <a:latin typeface="Arial" panose="020B0604020202020204" pitchFamily="34" charset="0"/>
+                <a:ea typeface="Helvetica Neue" panose="02000503000000020004" pitchFamily="2" charset="0"/>
+                <a:cs typeface="Arial" panose="020B0604020202020204" pitchFamily="34" charset="0"/>
+              </a:rPr>
+              <a:t>Null H</a:t>
+            </a:r>
+            <a:r>
+              <a:rPr lang="en-US" sz="925" baseline="-25000" dirty="0">
+                <a:latin typeface="Arial" panose="020B0604020202020204" pitchFamily="34" charset="0"/>
+                <a:ea typeface="Helvetica Neue" panose="02000503000000020004" pitchFamily="2" charset="0"/>
+                <a:cs typeface="Arial" panose="020B0604020202020204" pitchFamily="34" charset="0"/>
+              </a:rPr>
+              <a:t>0</a:t>
+            </a:r>
+            <a:endParaRPr lang="en-US" sz="925" dirty="0">
+              <a:latin typeface="Arial" panose="020B0604020202020204" pitchFamily="34" charset="0"/>
+              <a:ea typeface="Helvetica Neue" panose="02000503000000020004" pitchFamily="2" charset="0"/>
+              <a:cs typeface="Arial" panose="020B0604020202020204" pitchFamily="34" charset="0"/>
+            </a:endParaRPr>
+          </a:p>
+          <a:p>
+            <a:pPr algn="r"/>
+            <a:r>
+              <a:rPr lang="en-US" sz="800" dirty="0">
+                <a:latin typeface="Arial" panose="020B0604020202020204" pitchFamily="34" charset="0"/>
+                <a:ea typeface="Helvetica Neue" panose="02000503000000020004" pitchFamily="2" charset="0"/>
+                <a:cs typeface="Arial" panose="020B0604020202020204" pitchFamily="34" charset="0"/>
+              </a:rPr>
+              <a:t>(linear mixing)</a:t>
+            </a:r>
+            <a:endParaRPr lang="en-US" sz="800" baseline="-25000" dirty="0">
+              <a:latin typeface="Arial" panose="020B0604020202020204" pitchFamily="34" charset="0"/>
+              <a:ea typeface="Helvetica Neue" panose="02000503000000020004" pitchFamily="2" charset="0"/>
+              <a:cs typeface="Arial" panose="020B0604020202020204" pitchFamily="34" charset="0"/>
+            </a:endParaRPr>
+          </a:p>
+        </p:txBody>
+      </p:sp>
+      <p:sp>
+        <p:nvSpPr>
+          <p:cNvPr id="20" name="TextBox 19">
+            <a:extLst>
+              <a:ext uri="{FF2B5EF4-FFF2-40B4-BE49-F238E27FC236}">
+                <a16:creationId xmlns:a16="http://schemas.microsoft.com/office/drawing/2014/main" id="{E8C86BD2-9FE9-8C4D-A835-2EAAEE829653}"/>
+              </a:ext>
+            </a:extLst>
+          </p:cNvPr>
+          <p:cNvSpPr txBox="1"/>
+          <p:nvPr/>
+        </p:nvSpPr>
+        <p:spPr>
+          <a:xfrm>
+            <a:off x="40078" y="457200"/>
+            <a:ext cx="274320" cy="292608"/>
+          </a:xfrm>
+          <a:prstGeom prst="rect">
+            <a:avLst/>
+          </a:prstGeom>
+          <a:noFill/>
+        </p:spPr>
+        <p:txBody>
+          <a:bodyPr wrap="square" rtlCol="0">
+            <a:spAutoFit/>
+          </a:bodyPr>
+          <a:lstStyle/>
+          <a:p>
+            <a:pPr algn="ctr"/>
+            <a:r>
+              <a:rPr lang="en-US" sz="1300" b="1" dirty="0">
+                <a:latin typeface="Helvetica Neue" panose="02000503000000020004" pitchFamily="2" charset="0"/>
+                <a:ea typeface="Helvetica Neue" panose="02000503000000020004" pitchFamily="2" charset="0"/>
+                <a:cs typeface="Helvetica Neue" panose="02000503000000020004" pitchFamily="2" charset="0"/>
+              </a:rPr>
+              <a:t>a</a:t>
+            </a:r>
+          </a:p>
+        </p:txBody>
+      </p:sp>
+      <p:sp>
+        <p:nvSpPr>
+          <p:cNvPr id="50" name="TextBox 49">
+            <a:extLst>
+              <a:ext uri="{FF2B5EF4-FFF2-40B4-BE49-F238E27FC236}">
+                <a16:creationId xmlns:a16="http://schemas.microsoft.com/office/drawing/2014/main" id="{278C8F8F-2222-4F43-AA4D-1BCF71A23DF9}"/>
+              </a:ext>
+            </a:extLst>
+          </p:cNvPr>
+          <p:cNvSpPr txBox="1"/>
+          <p:nvPr/>
+        </p:nvSpPr>
+        <p:spPr>
+          <a:xfrm>
+            <a:off x="3770874" y="1696753"/>
+            <a:ext cx="194438" cy="200055"/>
+          </a:xfrm>
+          <a:prstGeom prst="rect">
+            <a:avLst/>
+          </a:prstGeom>
+          <a:noFill/>
+        </p:spPr>
+        <p:txBody>
+          <a:bodyPr wrap="square" rtlCol="0">
+            <a:spAutoFit/>
+          </a:bodyPr>
+          <a:lstStyle/>
+          <a:p>
+            <a:r>
+              <a:rPr lang="en-US" sz="700" dirty="0">
+                <a:latin typeface="Arial" panose="020B0604020202020204" pitchFamily="34" charset="0"/>
+                <a:cs typeface="Arial" panose="020B0604020202020204" pitchFamily="34" charset="0"/>
+              </a:rPr>
+              <a:t>1</a:t>
+            </a:r>
+          </a:p>
+        </p:txBody>
+      </p:sp>
+      <p:sp>
+        <p:nvSpPr>
+          <p:cNvPr id="41" name="Rectangle 40">
+            <a:extLst>
+              <a:ext uri="{FF2B5EF4-FFF2-40B4-BE49-F238E27FC236}">
+                <a16:creationId xmlns:a16="http://schemas.microsoft.com/office/drawing/2014/main" id="{BC551C09-1C47-104F-B7C5-3C5C47F2BB7E}"/>
+              </a:ext>
+            </a:extLst>
+          </p:cNvPr>
+          <p:cNvSpPr/>
+          <p:nvPr/>
+        </p:nvSpPr>
+        <p:spPr>
+          <a:xfrm>
+            <a:off x="1772908" y="1068512"/>
+            <a:ext cx="274320" cy="1280160"/>
+          </a:xfrm>
+          <a:prstGeom prst="rect">
+            <a:avLst/>
+          </a:prstGeom>
+          <a:noFill/>
+          <a:ln w="6350">
+            <a:solidFill>
+              <a:schemeClr val="tx1"/>
+            </a:solidFill>
+          </a:ln>
+        </p:spPr>
+        <p:style>
+          <a:lnRef idx="2">
+            <a:schemeClr val="accent1">
+              <a:shade val="50000"/>
+            </a:schemeClr>
+          </a:lnRef>
+          <a:fillRef idx="1">
+            <a:schemeClr val="accent1"/>
+          </a:fillRef>
+          <a:effectRef idx="0">
+            <a:schemeClr val="accent1"/>
+          </a:effectRef>
+          <a:fontRef idx="minor">
+            <a:schemeClr val="lt1"/>
+          </a:fontRef>
+        </p:style>
+        <p:txBody>
+          <a:bodyPr rtlCol="0" anchor="ctr"/>
+          <a:lstStyle/>
+          <a:p>
+            <a:pPr algn="ctr"/>
+            <a:endParaRPr lang="en-US"/>
+          </a:p>
+        </p:txBody>
+      </p:sp>
+      <p:sp>
+        <p:nvSpPr>
+          <p:cNvPr id="42" name="TextBox 41">
+            <a:extLst>
+              <a:ext uri="{FF2B5EF4-FFF2-40B4-BE49-F238E27FC236}">
+                <a16:creationId xmlns:a16="http://schemas.microsoft.com/office/drawing/2014/main" id="{21ADCC56-051A-FF44-9069-58E8925C3D0E}"/>
+              </a:ext>
+            </a:extLst>
+          </p:cNvPr>
+          <p:cNvSpPr txBox="1"/>
+          <p:nvPr/>
+        </p:nvSpPr>
+        <p:spPr>
+          <a:xfrm>
+            <a:off x="1157112" y="594121"/>
+            <a:ext cx="1503114" cy="252965"/>
+          </a:xfrm>
+          <a:prstGeom prst="rect">
+            <a:avLst/>
+          </a:prstGeom>
+          <a:noFill/>
+        </p:spPr>
+        <p:txBody>
+          <a:bodyPr wrap="square" rtlCol="0">
+            <a:spAutoFit/>
+          </a:bodyPr>
+          <a:lstStyle/>
+          <a:p>
+            <a:pPr algn="ctr"/>
+            <a:r>
+              <a:rPr lang="en-US" sz="1050" i="1" dirty="0">
+                <a:latin typeface="Arial" panose="020B0604020202020204" pitchFamily="34" charset="0"/>
+                <a:ea typeface="Helvetica Neue" panose="02000503000000020004" pitchFamily="2" charset="0"/>
+                <a:cs typeface="Arial" panose="020B0604020202020204" pitchFamily="34" charset="0"/>
+              </a:rPr>
+              <a:t>Upward contagion</a:t>
+            </a:r>
+          </a:p>
+        </p:txBody>
+      </p:sp>
+      <p:cxnSp>
+        <p:nvCxnSpPr>
+          <p:cNvPr id="43" name="Straight Arrow Connector 42">
+            <a:extLst>
+              <a:ext uri="{FF2B5EF4-FFF2-40B4-BE49-F238E27FC236}">
+                <a16:creationId xmlns:a16="http://schemas.microsoft.com/office/drawing/2014/main" id="{2B08170D-ABB2-4948-BDAB-4445807C9785}"/>
+              </a:ext>
+            </a:extLst>
+          </p:cNvPr>
+          <p:cNvCxnSpPr>
+            <a:cxnSpLocks/>
+          </p:cNvCxnSpPr>
+          <p:nvPr/>
+        </p:nvCxnSpPr>
+        <p:spPr>
+          <a:xfrm>
+            <a:off x="1910068" y="822084"/>
+            <a:ext cx="0" cy="234664"/>
+          </a:xfrm>
+          <a:prstGeom prst="straightConnector1">
+            <a:avLst/>
+          </a:prstGeom>
+          <a:ln>
+            <a:solidFill>
+              <a:schemeClr val="tx1"/>
+            </a:solidFill>
+            <a:tailEnd type="triangle"/>
+          </a:ln>
+        </p:spPr>
+        <p:style>
+          <a:lnRef idx="1">
+            <a:schemeClr val="accent1"/>
+          </a:lnRef>
+          <a:fillRef idx="0">
+            <a:schemeClr val="accent1"/>
+          </a:fillRef>
+          <a:effectRef idx="0">
+            <a:schemeClr val="accent1"/>
+          </a:effectRef>
+          <a:fontRef idx="minor">
+            <a:schemeClr val="tx1"/>
+          </a:fontRef>
+        </p:style>
+      </p:cxnSp>
+      <p:sp>
+        <p:nvSpPr>
+          <p:cNvPr id="45" name="TextBox 44">
+            <a:extLst>
+              <a:ext uri="{FF2B5EF4-FFF2-40B4-BE49-F238E27FC236}">
+                <a16:creationId xmlns:a16="http://schemas.microsoft.com/office/drawing/2014/main" id="{BB2CF1F9-68E4-854A-95A6-F18439B6BEC7}"/>
+              </a:ext>
+            </a:extLst>
+          </p:cNvPr>
+          <p:cNvSpPr txBox="1"/>
+          <p:nvPr/>
+        </p:nvSpPr>
+        <p:spPr>
+          <a:xfrm>
+            <a:off x="3019408" y="2131161"/>
+            <a:ext cx="944616" cy="369332"/>
+          </a:xfrm>
+          <a:prstGeom prst="rect">
+            <a:avLst/>
+          </a:prstGeom>
+          <a:noFill/>
+        </p:spPr>
+        <p:txBody>
+          <a:bodyPr wrap="square" rtlCol="0">
+            <a:spAutoFit/>
+          </a:bodyPr>
+          <a:lstStyle/>
+          <a:p>
+            <a:pPr algn="r"/>
+            <a:r>
+              <a:rPr lang="en-US" sz="1000" dirty="0">
+                <a:solidFill>
+                  <a:schemeClr val="bg1">
+                    <a:lumMod val="50000"/>
+                  </a:schemeClr>
+                </a:solidFill>
+                <a:latin typeface="Arial" panose="020B0604020202020204" pitchFamily="34" charset="0"/>
+                <a:ea typeface="Helvetica Neue" panose="02000503000000020004" pitchFamily="2" charset="0"/>
+                <a:cs typeface="Arial" panose="020B0604020202020204" pitchFamily="34" charset="0"/>
+              </a:rPr>
+              <a:t>---</a:t>
+            </a:r>
+            <a:r>
+              <a:rPr lang="en-US" sz="600" dirty="0">
+                <a:solidFill>
+                  <a:schemeClr val="bg1">
+                    <a:lumMod val="50000"/>
+                  </a:schemeClr>
+                </a:solidFill>
+                <a:latin typeface="Arial" panose="020B0604020202020204" pitchFamily="34" charset="0"/>
+                <a:ea typeface="Helvetica Neue" panose="02000503000000020004" pitchFamily="2" charset="0"/>
+                <a:cs typeface="Arial" panose="020B0604020202020204" pitchFamily="34" charset="0"/>
+              </a:rPr>
+              <a:t>  </a:t>
+            </a:r>
+            <a:r>
+              <a:rPr lang="en-US" sz="600" dirty="0">
+                <a:latin typeface="Arial" panose="020B0604020202020204" pitchFamily="34" charset="0"/>
+                <a:ea typeface="Helvetica Neue" panose="02000503000000020004" pitchFamily="2" charset="0"/>
+                <a:cs typeface="Arial" panose="020B0604020202020204" pitchFamily="34" charset="0"/>
+              </a:rPr>
+              <a:t>  </a:t>
+            </a:r>
+            <a:r>
+              <a:rPr lang="en-US" sz="925" dirty="0">
+                <a:latin typeface="Arial" panose="020B0604020202020204" pitchFamily="34" charset="0"/>
+                <a:ea typeface="Helvetica Neue" panose="02000503000000020004" pitchFamily="2" charset="0"/>
+                <a:cs typeface="Arial" panose="020B0604020202020204" pitchFamily="34" charset="0"/>
+              </a:rPr>
+              <a:t>Null H</a:t>
+            </a:r>
+            <a:r>
+              <a:rPr lang="en-US" sz="925" baseline="-25000" dirty="0">
+                <a:latin typeface="Arial" panose="020B0604020202020204" pitchFamily="34" charset="0"/>
+                <a:ea typeface="Helvetica Neue" panose="02000503000000020004" pitchFamily="2" charset="0"/>
+                <a:cs typeface="Arial" panose="020B0604020202020204" pitchFamily="34" charset="0"/>
+              </a:rPr>
+              <a:t>0</a:t>
+            </a:r>
+            <a:endParaRPr lang="en-US" sz="925" dirty="0">
+              <a:latin typeface="Arial" panose="020B0604020202020204" pitchFamily="34" charset="0"/>
+              <a:ea typeface="Helvetica Neue" panose="02000503000000020004" pitchFamily="2" charset="0"/>
+              <a:cs typeface="Arial" panose="020B0604020202020204" pitchFamily="34" charset="0"/>
+            </a:endParaRPr>
+          </a:p>
+          <a:p>
+            <a:pPr algn="r"/>
+            <a:r>
+              <a:rPr lang="en-US" sz="800" dirty="0">
+                <a:latin typeface="Arial" panose="020B0604020202020204" pitchFamily="34" charset="0"/>
+                <a:ea typeface="Helvetica Neue" panose="02000503000000020004" pitchFamily="2" charset="0"/>
+                <a:cs typeface="Arial" panose="020B0604020202020204" pitchFamily="34" charset="0"/>
+              </a:rPr>
+              <a:t>(linear mixing)</a:t>
+            </a:r>
+            <a:endParaRPr lang="en-US" sz="800" baseline="-25000" dirty="0">
+              <a:latin typeface="Arial" panose="020B0604020202020204" pitchFamily="34" charset="0"/>
+              <a:ea typeface="Helvetica Neue" panose="02000503000000020004" pitchFamily="2" charset="0"/>
+              <a:cs typeface="Arial" panose="020B0604020202020204" pitchFamily="34" charset="0"/>
+            </a:endParaRPr>
+          </a:p>
+        </p:txBody>
+      </p:sp>
+      <p:sp>
+        <p:nvSpPr>
+          <p:cNvPr id="51" name="TextBox 50">
+            <a:extLst>
+              <a:ext uri="{FF2B5EF4-FFF2-40B4-BE49-F238E27FC236}">
+                <a16:creationId xmlns:a16="http://schemas.microsoft.com/office/drawing/2014/main" id="{8523257A-BC92-C04A-B858-102E6C736F67}"/>
+              </a:ext>
+            </a:extLst>
+          </p:cNvPr>
+          <p:cNvSpPr txBox="1"/>
+          <p:nvPr/>
+        </p:nvSpPr>
+        <p:spPr>
+          <a:xfrm>
+            <a:off x="3781341" y="4458221"/>
+            <a:ext cx="193341" cy="200055"/>
+          </a:xfrm>
+          <a:prstGeom prst="rect">
+            <a:avLst/>
+          </a:prstGeom>
+          <a:noFill/>
+        </p:spPr>
+        <p:txBody>
+          <a:bodyPr wrap="square" rtlCol="0">
+            <a:spAutoFit/>
+          </a:bodyPr>
+          <a:lstStyle/>
+          <a:p>
+            <a:r>
+              <a:rPr lang="en-US" sz="700" dirty="0">
+                <a:latin typeface="Arial" panose="020B0604020202020204" pitchFamily="34" charset="0"/>
+                <a:cs typeface="Arial" panose="020B0604020202020204" pitchFamily="34" charset="0"/>
+              </a:rPr>
+              <a:t>3</a:t>
+            </a:r>
+          </a:p>
+        </p:txBody>
+      </p:sp>
+      <p:sp>
+        <p:nvSpPr>
+          <p:cNvPr id="48" name="TextBox 47">
+            <a:extLst>
+              <a:ext uri="{FF2B5EF4-FFF2-40B4-BE49-F238E27FC236}">
+                <a16:creationId xmlns:a16="http://schemas.microsoft.com/office/drawing/2014/main" id="{FA54349F-2101-6C4E-A24B-D776E36DE485}"/>
+              </a:ext>
+            </a:extLst>
+          </p:cNvPr>
+          <p:cNvSpPr txBox="1"/>
+          <p:nvPr/>
+        </p:nvSpPr>
+        <p:spPr>
+          <a:xfrm>
+            <a:off x="3016556" y="4892629"/>
+            <a:ext cx="944616" cy="369332"/>
+          </a:xfrm>
+          <a:prstGeom prst="rect">
+            <a:avLst/>
+          </a:prstGeom>
+          <a:noFill/>
+        </p:spPr>
+        <p:txBody>
+          <a:bodyPr wrap="square" rtlCol="0">
+            <a:spAutoFit/>
+          </a:bodyPr>
+          <a:lstStyle/>
+          <a:p>
+            <a:pPr algn="r"/>
+            <a:r>
+              <a:rPr lang="en-US" sz="1000" dirty="0">
+                <a:solidFill>
+                  <a:schemeClr val="bg1">
+                    <a:lumMod val="50000"/>
+                  </a:schemeClr>
+                </a:solidFill>
+                <a:latin typeface="Arial" panose="020B0604020202020204" pitchFamily="34" charset="0"/>
+                <a:ea typeface="Helvetica Neue" panose="02000503000000020004" pitchFamily="2" charset="0"/>
+                <a:cs typeface="Arial" panose="020B0604020202020204" pitchFamily="34" charset="0"/>
+              </a:rPr>
+              <a:t>---</a:t>
+            </a:r>
+            <a:r>
+              <a:rPr lang="en-US" sz="600" dirty="0">
+                <a:solidFill>
+                  <a:schemeClr val="bg1">
+                    <a:lumMod val="50000"/>
+                  </a:schemeClr>
+                </a:solidFill>
+                <a:latin typeface="Arial" panose="020B0604020202020204" pitchFamily="34" charset="0"/>
+                <a:ea typeface="Helvetica Neue" panose="02000503000000020004" pitchFamily="2" charset="0"/>
+                <a:cs typeface="Arial" panose="020B0604020202020204" pitchFamily="34" charset="0"/>
+              </a:rPr>
+              <a:t>  </a:t>
+            </a:r>
+            <a:r>
+              <a:rPr lang="en-US" sz="600" dirty="0">
+                <a:latin typeface="Arial" panose="020B0604020202020204" pitchFamily="34" charset="0"/>
+                <a:ea typeface="Helvetica Neue" panose="02000503000000020004" pitchFamily="2" charset="0"/>
+                <a:cs typeface="Arial" panose="020B0604020202020204" pitchFamily="34" charset="0"/>
+              </a:rPr>
+              <a:t>  </a:t>
+            </a:r>
+            <a:r>
+              <a:rPr lang="en-US" sz="925" dirty="0">
+                <a:latin typeface="Arial" panose="020B0604020202020204" pitchFamily="34" charset="0"/>
+                <a:ea typeface="Helvetica Neue" panose="02000503000000020004" pitchFamily="2" charset="0"/>
+                <a:cs typeface="Arial" panose="020B0604020202020204" pitchFamily="34" charset="0"/>
+              </a:rPr>
+              <a:t>Null H</a:t>
+            </a:r>
+            <a:r>
+              <a:rPr lang="en-US" sz="925" baseline="-25000" dirty="0">
+                <a:latin typeface="Arial" panose="020B0604020202020204" pitchFamily="34" charset="0"/>
+                <a:ea typeface="Helvetica Neue" panose="02000503000000020004" pitchFamily="2" charset="0"/>
+                <a:cs typeface="Arial" panose="020B0604020202020204" pitchFamily="34" charset="0"/>
+              </a:rPr>
+              <a:t>0</a:t>
+            </a:r>
+            <a:endParaRPr lang="en-US" sz="925" dirty="0">
+              <a:latin typeface="Arial" panose="020B0604020202020204" pitchFamily="34" charset="0"/>
+              <a:ea typeface="Helvetica Neue" panose="02000503000000020004" pitchFamily="2" charset="0"/>
+              <a:cs typeface="Arial" panose="020B0604020202020204" pitchFamily="34" charset="0"/>
+            </a:endParaRPr>
+          </a:p>
+          <a:p>
+            <a:pPr algn="r"/>
+            <a:r>
+              <a:rPr lang="en-US" sz="800" dirty="0">
+                <a:latin typeface="Arial" panose="020B0604020202020204" pitchFamily="34" charset="0"/>
+                <a:ea typeface="Helvetica Neue" panose="02000503000000020004" pitchFamily="2" charset="0"/>
+                <a:cs typeface="Arial" panose="020B0604020202020204" pitchFamily="34" charset="0"/>
+              </a:rPr>
+              <a:t>(linear mixing)</a:t>
+            </a:r>
+            <a:endParaRPr lang="en-US" sz="800" baseline="-25000" dirty="0">
+              <a:latin typeface="Arial" panose="020B0604020202020204" pitchFamily="34" charset="0"/>
+              <a:ea typeface="Helvetica Neue" panose="02000503000000020004" pitchFamily="2" charset="0"/>
+              <a:cs typeface="Arial" panose="020B0604020202020204" pitchFamily="34" charset="0"/>
+            </a:endParaRPr>
+          </a:p>
+        </p:txBody>
+      </p:sp>
+      <p:sp>
+        <p:nvSpPr>
+          <p:cNvPr id="22" name="TextBox 21">
+            <a:extLst>
+              <a:ext uri="{FF2B5EF4-FFF2-40B4-BE49-F238E27FC236}">
+                <a16:creationId xmlns:a16="http://schemas.microsoft.com/office/drawing/2014/main" id="{9CC8A2EA-F668-DD43-A074-9F1F726F28A7}"/>
+              </a:ext>
+            </a:extLst>
+          </p:cNvPr>
+          <p:cNvSpPr txBox="1"/>
+          <p:nvPr/>
+        </p:nvSpPr>
+        <p:spPr>
+          <a:xfrm>
+            <a:off x="45750" y="3200400"/>
+            <a:ext cx="274320" cy="292608"/>
+          </a:xfrm>
+          <a:prstGeom prst="rect">
+            <a:avLst/>
+          </a:prstGeom>
+          <a:noFill/>
+        </p:spPr>
+        <p:txBody>
+          <a:bodyPr wrap="square" rtlCol="0">
+            <a:spAutoFit/>
+          </a:bodyPr>
+          <a:lstStyle/>
+          <a:p>
+            <a:pPr algn="ctr"/>
+            <a:r>
+              <a:rPr lang="en-US" sz="1300" b="1" dirty="0">
+                <a:latin typeface="Helvetica Neue" panose="02000503000000020004" pitchFamily="2" charset="0"/>
+                <a:ea typeface="Helvetica Neue" panose="02000503000000020004" pitchFamily="2" charset="0"/>
+                <a:cs typeface="Helvetica Neue" panose="02000503000000020004" pitchFamily="2" charset="0"/>
+              </a:rPr>
+              <a:t>c</a:t>
+            </a:r>
+          </a:p>
+        </p:txBody>
+      </p:sp>
+      <p:sp>
+        <p:nvSpPr>
+          <p:cNvPr id="52" name="Rectangle 51">
+            <a:extLst>
+              <a:ext uri="{FF2B5EF4-FFF2-40B4-BE49-F238E27FC236}">
+                <a16:creationId xmlns:a16="http://schemas.microsoft.com/office/drawing/2014/main" id="{334D5AE7-D62F-D749-A6B5-23709DCB1F48}"/>
+              </a:ext>
+            </a:extLst>
+          </p:cNvPr>
+          <p:cNvSpPr/>
+          <p:nvPr/>
+        </p:nvSpPr>
+        <p:spPr>
+          <a:xfrm>
+            <a:off x="1778517" y="3812945"/>
+            <a:ext cx="274320" cy="1278344"/>
+          </a:xfrm>
+          <a:prstGeom prst="rect">
+            <a:avLst/>
+          </a:prstGeom>
+          <a:noFill/>
+          <a:ln w="6350">
+            <a:solidFill>
+              <a:schemeClr val="tx1"/>
+            </a:solidFill>
+          </a:ln>
+        </p:spPr>
+        <p:style>
+          <a:lnRef idx="2">
+            <a:schemeClr val="accent1">
+              <a:shade val="50000"/>
+            </a:schemeClr>
+          </a:lnRef>
+          <a:fillRef idx="1">
+            <a:schemeClr val="accent1"/>
+          </a:fillRef>
+          <a:effectRef idx="0">
+            <a:schemeClr val="accent1"/>
+          </a:effectRef>
+          <a:fontRef idx="minor">
+            <a:schemeClr val="lt1"/>
+          </a:fontRef>
+        </p:style>
+        <p:txBody>
+          <a:bodyPr rtlCol="0" anchor="ctr"/>
+          <a:lstStyle/>
+          <a:p>
+            <a:pPr algn="ctr"/>
+            <a:endParaRPr lang="en-US"/>
+          </a:p>
+        </p:txBody>
+      </p:sp>
+      <p:sp>
+        <p:nvSpPr>
+          <p:cNvPr id="53" name="TextBox 52">
+            <a:extLst>
+              <a:ext uri="{FF2B5EF4-FFF2-40B4-BE49-F238E27FC236}">
+                <a16:creationId xmlns:a16="http://schemas.microsoft.com/office/drawing/2014/main" id="{2B32A2DE-ABBD-FB43-A31D-5E5AE6C450F8}"/>
+              </a:ext>
+            </a:extLst>
+          </p:cNvPr>
+          <p:cNvSpPr txBox="1"/>
+          <p:nvPr/>
+        </p:nvSpPr>
+        <p:spPr>
+          <a:xfrm>
+            <a:off x="1164120" y="3338885"/>
+            <a:ext cx="1503114" cy="252965"/>
+          </a:xfrm>
+          <a:prstGeom prst="rect">
+            <a:avLst/>
+          </a:prstGeom>
+          <a:noFill/>
+        </p:spPr>
+        <p:txBody>
+          <a:bodyPr wrap="square" rtlCol="0">
+            <a:spAutoFit/>
+          </a:bodyPr>
+          <a:lstStyle/>
+          <a:p>
+            <a:pPr algn="ctr"/>
+            <a:r>
+              <a:rPr lang="en-US" sz="1050" i="1" dirty="0">
+                <a:latin typeface="Arial" panose="020B0604020202020204" pitchFamily="34" charset="0"/>
+                <a:ea typeface="Helvetica Neue" panose="02000503000000020004" pitchFamily="2" charset="0"/>
+                <a:cs typeface="Arial" panose="020B0604020202020204" pitchFamily="34" charset="0"/>
+              </a:rPr>
+              <a:t>Amplification</a:t>
+            </a:r>
+          </a:p>
+        </p:txBody>
+      </p:sp>
+      <p:cxnSp>
+        <p:nvCxnSpPr>
+          <p:cNvPr id="54" name="Straight Arrow Connector 53">
+            <a:extLst>
+              <a:ext uri="{FF2B5EF4-FFF2-40B4-BE49-F238E27FC236}">
+                <a16:creationId xmlns:a16="http://schemas.microsoft.com/office/drawing/2014/main" id="{079788AD-F9BD-E84C-9570-36977AD04465}"/>
+              </a:ext>
+            </a:extLst>
+          </p:cNvPr>
+          <p:cNvCxnSpPr>
+            <a:cxnSpLocks/>
+          </p:cNvCxnSpPr>
+          <p:nvPr/>
+        </p:nvCxnSpPr>
+        <p:spPr>
+          <a:xfrm>
+            <a:off x="1915677" y="3522465"/>
+            <a:ext cx="0" cy="234664"/>
+          </a:xfrm>
+          <a:prstGeom prst="straightConnector1">
+            <a:avLst/>
+          </a:prstGeom>
+          <a:ln>
+            <a:solidFill>
+              <a:schemeClr val="tx1"/>
+            </a:solidFill>
+            <a:tailEnd type="triangle"/>
+          </a:ln>
+        </p:spPr>
+        <p:style>
+          <a:lnRef idx="1">
+            <a:schemeClr val="accent1"/>
+          </a:lnRef>
+          <a:fillRef idx="0">
+            <a:schemeClr val="accent1"/>
+          </a:fillRef>
+          <a:effectRef idx="0">
+            <a:schemeClr val="accent1"/>
+          </a:effectRef>
+          <a:fontRef idx="minor">
+            <a:schemeClr val="tx1"/>
+          </a:fontRef>
+        </p:style>
+      </p:cxnSp>
+    </p:spTree>
+    <p:extLst>
+      <p:ext uri="{BB962C8B-B14F-4D97-AF65-F5344CB8AC3E}">
+        <p14:creationId xmlns:p14="http://schemas.microsoft.com/office/powerpoint/2010/main" val="4175749892"/>
+      </p:ext>
+    </p:extLst>
+  </p:cSld>
+  <p:clrMapOvr>
+    <a:masterClrMapping/>
+  </p:clrMapOvr>
+</p:sld>
+</file>
+
+<file path=ppt/slides/slide41.xml><?xml version="1.0" encoding="utf-8"?>
+<p:sld xmlns:a="http://schemas.openxmlformats.org/drawingml/2006/main" xmlns:r="http://schemas.openxmlformats.org/officeDocument/2006/relationships" xmlns:p="http://schemas.openxmlformats.org/presentationml/2006/main">
+  <p:cSld>
+    <p:spTree>
+      <p:nvGrpSpPr>
+        <p:cNvPr id="1" name=""/>
+        <p:cNvGrpSpPr/>
+        <p:nvPr/>
+      </p:nvGrpSpPr>
+      <p:grpSpPr>
+        <a:xfrm>
+          <a:off x="0" y="0"/>
+          <a:ext cx="0" cy="0"/>
+          <a:chOff x="0" y="0"/>
+          <a:chExt cx="0" cy="0"/>
+        </a:xfrm>
+      </p:grpSpPr>
       <p:sp>
         <p:nvSpPr>
           <p:cNvPr id="35" name="TextBox 34">
@@ -36749,7 +38260,7 @@
 </p:sld>
 </file>
 
-<file path=ppt/slides/slide41.xml><?xml version="1.0" encoding="utf-8"?>
+<file path=ppt/slides/slide42.xml><?xml version="1.0" encoding="utf-8"?>
 <p:sld xmlns:a="http://schemas.openxmlformats.org/drawingml/2006/main" xmlns:r="http://schemas.openxmlformats.org/officeDocument/2006/relationships" xmlns:p="http://schemas.openxmlformats.org/presentationml/2006/main">
   <p:cSld>
     <p:spTree>

--- a/slides/figures_191206.pptx
+++ b/slides/figures_191206.pptx
@@ -239,7 +239,7 @@
           <a:p>
             <a:fld id="{5E7D9203-8D15-1F45-AFEF-29CE894B8122}" type="datetimeFigureOut">
               <a:rPr lang="en-US" smtClean="0"/>
-              <a:t>5/27/20</a:t>
+              <a:t>5/28/20</a:t>
             </a:fld>
             <a:endParaRPr lang="en-US"/>
           </a:p>
@@ -4403,7 +4403,7 @@
           <a:p>
             <a:fld id="{AAC8E564-4E2A-8441-940F-9FCAA67208AC}" type="datetimeFigureOut">
               <a:rPr lang="en-US" smtClean="0"/>
-              <a:t>5/27/20</a:t>
+              <a:t>5/28/20</a:t>
             </a:fld>
             <a:endParaRPr lang="en-US"/>
           </a:p>
@@ -4573,7 +4573,7 @@
           <a:p>
             <a:fld id="{AAC8E564-4E2A-8441-940F-9FCAA67208AC}" type="datetimeFigureOut">
               <a:rPr lang="en-US" smtClean="0"/>
-              <a:t>5/27/20</a:t>
+              <a:t>5/28/20</a:t>
             </a:fld>
             <a:endParaRPr lang="en-US"/>
           </a:p>
@@ -4753,7 +4753,7 @@
           <a:p>
             <a:fld id="{AAC8E564-4E2A-8441-940F-9FCAA67208AC}" type="datetimeFigureOut">
               <a:rPr lang="en-US" smtClean="0"/>
-              <a:t>5/27/20</a:t>
+              <a:t>5/28/20</a:t>
             </a:fld>
             <a:endParaRPr lang="en-US"/>
           </a:p>
@@ -6173,7 +6173,7 @@
           <a:p>
             <a:fld id="{AAC8E564-4E2A-8441-940F-9FCAA67208AC}" type="datetimeFigureOut">
               <a:rPr lang="en-US" smtClean="0"/>
-              <a:t>5/27/20</a:t>
+              <a:t>5/28/20</a:t>
             </a:fld>
             <a:endParaRPr lang="en-US"/>
           </a:p>
@@ -6872,7 +6872,7 @@
           <a:p>
             <a:fld id="{AAC8E564-4E2A-8441-940F-9FCAA67208AC}" type="datetimeFigureOut">
               <a:rPr lang="en-US" smtClean="0"/>
-              <a:t>5/27/20</a:t>
+              <a:t>5/28/20</a:t>
             </a:fld>
             <a:endParaRPr lang="en-US"/>
           </a:p>
@@ -7104,7 +7104,7 @@
           <a:p>
             <a:fld id="{AAC8E564-4E2A-8441-940F-9FCAA67208AC}" type="datetimeFigureOut">
               <a:rPr lang="en-US" smtClean="0"/>
-              <a:t>5/27/20</a:t>
+              <a:t>5/28/20</a:t>
             </a:fld>
             <a:endParaRPr lang="en-US"/>
           </a:p>
@@ -7471,7 +7471,7 @@
           <a:p>
             <a:fld id="{AAC8E564-4E2A-8441-940F-9FCAA67208AC}" type="datetimeFigureOut">
               <a:rPr lang="en-US" smtClean="0"/>
-              <a:t>5/27/20</a:t>
+              <a:t>5/28/20</a:t>
             </a:fld>
             <a:endParaRPr lang="en-US"/>
           </a:p>
@@ -7589,7 +7589,7 @@
           <a:p>
             <a:fld id="{AAC8E564-4E2A-8441-940F-9FCAA67208AC}" type="datetimeFigureOut">
               <a:rPr lang="en-US" smtClean="0"/>
-              <a:t>5/27/20</a:t>
+              <a:t>5/28/20</a:t>
             </a:fld>
             <a:endParaRPr lang="en-US"/>
           </a:p>
@@ -7684,7 +7684,7 @@
           <a:p>
             <a:fld id="{AAC8E564-4E2A-8441-940F-9FCAA67208AC}" type="datetimeFigureOut">
               <a:rPr lang="en-US" smtClean="0"/>
-              <a:t>5/27/20</a:t>
+              <a:t>5/28/20</a:t>
             </a:fld>
             <a:endParaRPr lang="en-US"/>
           </a:p>
@@ -7961,7 +7961,7 @@
           <a:p>
             <a:fld id="{AAC8E564-4E2A-8441-940F-9FCAA67208AC}" type="datetimeFigureOut">
               <a:rPr lang="en-US" smtClean="0"/>
-              <a:t>5/27/20</a:t>
+              <a:t>5/28/20</a:t>
             </a:fld>
             <a:endParaRPr lang="en-US"/>
           </a:p>
@@ -8218,7 +8218,7 @@
           <a:p>
             <a:fld id="{AAC8E564-4E2A-8441-940F-9FCAA67208AC}" type="datetimeFigureOut">
               <a:rPr lang="en-US" smtClean="0"/>
-              <a:t>5/27/20</a:t>
+              <a:t>5/28/20</a:t>
             </a:fld>
             <a:endParaRPr lang="en-US"/>
           </a:p>
@@ -8431,7 +8431,7 @@
           <a:p>
             <a:fld id="{AAC8E564-4E2A-8441-940F-9FCAA67208AC}" type="datetimeFigureOut">
               <a:rPr lang="en-US" smtClean="0"/>
-              <a:t>5/27/20</a:t>
+              <a:t>5/28/20</a:t>
             </a:fld>
             <a:endParaRPr lang="en-US"/>
           </a:p>
@@ -22877,10 +22877,10 @@
       </p:grpSpPr>
       <p:pic>
         <p:nvPicPr>
-          <p:cNvPr id="25" name="Picture 24">
-            <a:extLst>
-              <a:ext uri="{FF2B5EF4-FFF2-40B4-BE49-F238E27FC236}">
-                <a16:creationId xmlns:a16="http://schemas.microsoft.com/office/drawing/2014/main" id="{FD7876A9-C760-9049-BC43-C79CB8331D20}"/>
+          <p:cNvPr id="4" name="Picture 3">
+            <a:extLst>
+              <a:ext uri="{FF2B5EF4-FFF2-40B4-BE49-F238E27FC236}">
+                <a16:creationId xmlns:a16="http://schemas.microsoft.com/office/drawing/2014/main" id="{71FE5889-938A-9947-91A2-088592C3A6AE}"/>
               </a:ext>
             </a:extLst>
           </p:cNvPr>
@@ -22897,7 +22897,7 @@
         </p:blipFill>
         <p:spPr>
           <a:xfrm>
-            <a:off x="100584" y="548640"/>
+            <a:off x="6062472" y="4041648"/>
             <a:ext cx="1728216" cy="2240280"/>
           </a:xfrm>
           <a:prstGeom prst="rect">
@@ -22907,10 +22907,10 @@
       </p:pic>
       <p:pic>
         <p:nvPicPr>
-          <p:cNvPr id="27" name="Picture 26">
-            <a:extLst>
-              <a:ext uri="{FF2B5EF4-FFF2-40B4-BE49-F238E27FC236}">
-                <a16:creationId xmlns:a16="http://schemas.microsoft.com/office/drawing/2014/main" id="{D68F32EF-BE39-6944-B446-C47FE6956394}"/>
+          <p:cNvPr id="6" name="Picture 5">
+            <a:extLst>
+              <a:ext uri="{FF2B5EF4-FFF2-40B4-BE49-F238E27FC236}">
+                <a16:creationId xmlns:a16="http://schemas.microsoft.com/office/drawing/2014/main" id="{4B7BA8E9-8B60-7D41-9E55-F5A9780D3588}"/>
               </a:ext>
             </a:extLst>
           </p:cNvPr>
@@ -22927,7 +22927,7 @@
         </p:blipFill>
         <p:spPr>
           <a:xfrm>
-            <a:off x="6062472" y="548640"/>
+            <a:off x="100584" y="4041648"/>
             <a:ext cx="1728216" cy="2240280"/>
           </a:xfrm>
           <a:prstGeom prst="rect">
@@ -22937,10 +22937,10 @@
       </p:pic>
       <p:pic>
         <p:nvPicPr>
-          <p:cNvPr id="29" name="Picture 28">
-            <a:extLst>
-              <a:ext uri="{FF2B5EF4-FFF2-40B4-BE49-F238E27FC236}">
-                <a16:creationId xmlns:a16="http://schemas.microsoft.com/office/drawing/2014/main" id="{55DD720B-E0F7-3840-96D3-0B80C24CC2E7}"/>
+          <p:cNvPr id="9" name="Picture 8">
+            <a:extLst>
+              <a:ext uri="{FF2B5EF4-FFF2-40B4-BE49-F238E27FC236}">
+                <a16:creationId xmlns:a16="http://schemas.microsoft.com/office/drawing/2014/main" id="{5FDA6E05-C254-B345-85B8-73B70F72B12E}"/>
               </a:ext>
             </a:extLst>
           </p:cNvPr>
@@ -22957,7 +22957,7 @@
         </p:blipFill>
         <p:spPr>
           <a:xfrm>
-            <a:off x="100584" y="4041648"/>
+            <a:off x="100584" y="548640"/>
             <a:ext cx="1728216" cy="2240280"/>
           </a:xfrm>
           <a:prstGeom prst="rect">
@@ -22967,10 +22967,10 @@
       </p:pic>
       <p:pic>
         <p:nvPicPr>
-          <p:cNvPr id="31" name="Picture 30">
-            <a:extLst>
-              <a:ext uri="{FF2B5EF4-FFF2-40B4-BE49-F238E27FC236}">
-                <a16:creationId xmlns:a16="http://schemas.microsoft.com/office/drawing/2014/main" id="{12D6D542-0496-6F41-B280-5ADE990C46CF}"/>
+          <p:cNvPr id="11" name="Picture 10">
+            <a:extLst>
+              <a:ext uri="{FF2B5EF4-FFF2-40B4-BE49-F238E27FC236}">
+                <a16:creationId xmlns:a16="http://schemas.microsoft.com/office/drawing/2014/main" id="{BD44E3DE-CAAF-BA4E-B5DC-7C0DB4300907}"/>
               </a:ext>
             </a:extLst>
           </p:cNvPr>
@@ -22987,7 +22987,7 @@
         </p:blipFill>
         <p:spPr>
           <a:xfrm>
-            <a:off x="6062472" y="4050792"/>
+            <a:off x="6062472" y="548640"/>
             <a:ext cx="1728216" cy="2240280"/>
           </a:xfrm>
           <a:prstGeom prst="rect">
@@ -23745,7 +23745,7 @@
         </p:nvSpPr>
         <p:spPr>
           <a:xfrm>
-            <a:off x="94913" y="3795071"/>
+            <a:off x="94913" y="3769671"/>
             <a:ext cx="278630" cy="307777"/>
           </a:xfrm>
           <a:prstGeom prst="rect">
@@ -23893,7 +23893,7 @@
         </p:nvSpPr>
         <p:spPr>
           <a:xfrm>
-            <a:off x="6050664" y="3795071"/>
+            <a:off x="6050664" y="3782371"/>
             <a:ext cx="278630" cy="307777"/>
           </a:xfrm>
           <a:prstGeom prst="rect">
@@ -36691,10 +36691,10 @@
       </p:grpSpPr>
       <p:pic>
         <p:nvPicPr>
-          <p:cNvPr id="7" name="Picture 6">
-            <a:extLst>
-              <a:ext uri="{FF2B5EF4-FFF2-40B4-BE49-F238E27FC236}">
-                <a16:creationId xmlns:a16="http://schemas.microsoft.com/office/drawing/2014/main" id="{BF611839-1DB0-864E-AB2C-66DE23877A96}"/>
+          <p:cNvPr id="13" name="Picture 12">
+            <a:extLst>
+              <a:ext uri="{FF2B5EF4-FFF2-40B4-BE49-F238E27FC236}">
+                <a16:creationId xmlns:a16="http://schemas.microsoft.com/office/drawing/2014/main" id="{E4ECE723-663D-704D-83BD-CCFA0A3C8C00}"/>
               </a:ext>
             </a:extLst>
           </p:cNvPr>
@@ -36711,7 +36711,7 @@
         </p:blipFill>
         <p:spPr>
           <a:xfrm>
-            <a:off x="9144" y="636818"/>
+            <a:off x="9144" y="612648"/>
             <a:ext cx="3963924" cy="2642616"/>
           </a:xfrm>
           <a:prstGeom prst="rect">
@@ -36719,96 +36719,6 @@
           </a:prstGeom>
         </p:spPr>
       </p:pic>
-      <p:pic>
-        <p:nvPicPr>
-          <p:cNvPr id="11" name="Picture 10">
-            <a:extLst>
-              <a:ext uri="{FF2B5EF4-FFF2-40B4-BE49-F238E27FC236}">
-                <a16:creationId xmlns:a16="http://schemas.microsoft.com/office/drawing/2014/main" id="{27127B7E-AC14-8D42-ACBD-62901BC0C70B}"/>
-              </a:ext>
-            </a:extLst>
-          </p:cNvPr>
-          <p:cNvPicPr>
-            <a:picLocks noChangeAspect="1"/>
-          </p:cNvPicPr>
-          <p:nvPr/>
-        </p:nvPicPr>
-        <p:blipFill>
-          <a:blip r:embed="rId4"/>
-          <a:stretch>
-            <a:fillRect/>
-          </a:stretch>
-        </p:blipFill>
-        <p:spPr>
-          <a:xfrm>
-            <a:off x="3945482" y="620468"/>
-            <a:ext cx="3963924" cy="2642616"/>
-          </a:xfrm>
-          <a:prstGeom prst="rect">
-            <a:avLst/>
-          </a:prstGeom>
-        </p:spPr>
-      </p:pic>
-      <p:pic>
-        <p:nvPicPr>
-          <p:cNvPr id="4" name="Picture 3">
-            <a:extLst>
-              <a:ext uri="{FF2B5EF4-FFF2-40B4-BE49-F238E27FC236}">
-                <a16:creationId xmlns:a16="http://schemas.microsoft.com/office/drawing/2014/main" id="{AD152D50-108E-FB4A-94A0-E4462977502B}"/>
-              </a:ext>
-            </a:extLst>
-          </p:cNvPr>
-          <p:cNvPicPr>
-            <a:picLocks noChangeAspect="1"/>
-          </p:cNvPicPr>
-          <p:nvPr/>
-        </p:nvPicPr>
-        <p:blipFill>
-          <a:blip r:embed="rId5"/>
-          <a:stretch>
-            <a:fillRect/>
-          </a:stretch>
-        </p:blipFill>
-        <p:spPr>
-          <a:xfrm>
-            <a:off x="9144" y="3398286"/>
-            <a:ext cx="3963924" cy="2642616"/>
-          </a:xfrm>
-          <a:prstGeom prst="rect">
-            <a:avLst/>
-          </a:prstGeom>
-        </p:spPr>
-      </p:pic>
-      <p:pic>
-        <p:nvPicPr>
-          <p:cNvPr id="13" name="Picture 12">
-            <a:extLst>
-              <a:ext uri="{FF2B5EF4-FFF2-40B4-BE49-F238E27FC236}">
-                <a16:creationId xmlns:a16="http://schemas.microsoft.com/office/drawing/2014/main" id="{E4ECE723-663D-704D-83BD-CCFA0A3C8C00}"/>
-              </a:ext>
-            </a:extLst>
-          </p:cNvPr>
-          <p:cNvPicPr>
-            <a:picLocks noChangeAspect="1"/>
-          </p:cNvPicPr>
-          <p:nvPr/>
-        </p:nvPicPr>
-        <p:blipFill>
-          <a:blip r:embed="rId6"/>
-          <a:stretch>
-            <a:fillRect/>
-          </a:stretch>
-        </p:blipFill>
-        <p:spPr>
-          <a:xfrm>
-            <a:off x="3941064" y="3382915"/>
-            <a:ext cx="3963924" cy="2642616"/>
-          </a:xfrm>
-          <a:prstGeom prst="rect">
-            <a:avLst/>
-          </a:prstGeom>
-        </p:spPr>
-      </p:pic>
       <p:sp>
         <p:nvSpPr>
           <p:cNvPr id="16" name="TextBox 15">
@@ -36823,7 +36733,7 @@
         </p:nvSpPr>
         <p:spPr>
           <a:xfrm>
-            <a:off x="3971998" y="3200400"/>
+            <a:off x="54864" y="406400"/>
             <a:ext cx="274320" cy="292388"/>
           </a:xfrm>
           <a:prstGeom prst="rect">
@@ -36844,7 +36754,7 @@
                 <a:ea typeface="Helvetica Neue" panose="02000503000000020004" pitchFamily="2" charset="0"/>
                 <a:cs typeface="Helvetica Neue" panose="02000503000000020004" pitchFamily="2" charset="0"/>
               </a:rPr>
-              <a:t>d</a:t>
+              <a:t>a</a:t>
             </a:r>
           </a:p>
         </p:txBody>
@@ -36863,7 +36773,7 @@
         </p:nvSpPr>
         <p:spPr>
           <a:xfrm>
-            <a:off x="5702535" y="3812945"/>
+            <a:off x="1770615" y="1069745"/>
             <a:ext cx="274320" cy="1278343"/>
           </a:xfrm>
           <a:prstGeom prst="rect">
@@ -36915,7 +36825,7 @@
         </p:nvSpPr>
         <p:spPr>
           <a:xfrm>
-            <a:off x="5086739" y="3338555"/>
+            <a:off x="1154819" y="595355"/>
             <a:ext cx="1503114" cy="252965"/>
           </a:xfrm>
           <a:prstGeom prst="rect">
@@ -36957,7 +36867,7 @@
         </p:nvCxnSpPr>
         <p:spPr>
           <a:xfrm>
-            <a:off x="5839695" y="3566518"/>
+            <a:off x="1907775" y="823318"/>
             <a:ext cx="0" cy="234664"/>
           </a:xfrm>
           <a:prstGeom prst="straightConnector1">
@@ -36999,7 +36909,7 @@
         </p:nvSpPr>
         <p:spPr>
           <a:xfrm>
-            <a:off x="6951328" y="4871944"/>
+            <a:off x="3030294" y="2093976"/>
             <a:ext cx="944616" cy="369332"/>
           </a:xfrm>
           <a:prstGeom prst="rect">
@@ -37102,7 +37012,7 @@
         </p:nvSpPr>
         <p:spPr>
           <a:xfrm>
-            <a:off x="7702903" y="4450609"/>
+            <a:off x="3770983" y="1673352"/>
             <a:ext cx="194329" cy="200055"/>
           </a:xfrm>
           <a:prstGeom prst="rect">
@@ -37126,6 +37036,36 @@
           </a:p>
         </p:txBody>
       </p:sp>
+      <p:pic>
+        <p:nvPicPr>
+          <p:cNvPr id="11" name="Picture 10">
+            <a:extLst>
+              <a:ext uri="{FF2B5EF4-FFF2-40B4-BE49-F238E27FC236}">
+                <a16:creationId xmlns:a16="http://schemas.microsoft.com/office/drawing/2014/main" id="{27127B7E-AC14-8D42-ACBD-62901BC0C70B}"/>
+              </a:ext>
+            </a:extLst>
+          </p:cNvPr>
+          <p:cNvPicPr>
+            <a:picLocks noChangeAspect="1"/>
+          </p:cNvPicPr>
+          <p:nvPr/>
+        </p:nvPicPr>
+        <p:blipFill>
+          <a:blip r:embed="rId4"/>
+          <a:stretch>
+            <a:fillRect/>
+          </a:stretch>
+        </p:blipFill>
+        <p:spPr>
+          <a:xfrm>
+            <a:off x="3945482" y="612648"/>
+            <a:ext cx="3963924" cy="2642616"/>
+          </a:xfrm>
+          <a:prstGeom prst="rect">
+            <a:avLst/>
+          </a:prstGeom>
+        </p:spPr>
+      </p:pic>
       <p:sp>
         <p:nvSpPr>
           <p:cNvPr id="18" name="TextBox 17">
@@ -37140,7 +37080,7 @@
         </p:nvSpPr>
         <p:spPr>
           <a:xfrm>
-            <a:off x="3978513" y="457200"/>
+            <a:off x="3978513" y="406400"/>
             <a:ext cx="274320" cy="292608"/>
           </a:xfrm>
           <a:prstGeom prst="rect">
@@ -37218,7 +37158,7 @@
         </p:nvSpPr>
         <p:spPr>
           <a:xfrm>
-            <a:off x="5714855" y="1020104"/>
+            <a:off x="5714855" y="1069848"/>
             <a:ext cx="274320" cy="1280160"/>
           </a:xfrm>
           <a:prstGeom prst="rect">
@@ -37270,7 +37210,7 @@
         </p:nvSpPr>
         <p:spPr>
           <a:xfrm>
-            <a:off x="5094850" y="588916"/>
+            <a:off x="5094850" y="594360"/>
             <a:ext cx="1503114" cy="252965"/>
           </a:xfrm>
           <a:prstGeom prst="rect">
@@ -37312,8 +37252,8 @@
         </p:nvCxnSpPr>
         <p:spPr>
           <a:xfrm>
-            <a:off x="5852015" y="784965"/>
-            <a:ext cx="0" cy="219456"/>
+            <a:off x="5852015" y="822960"/>
+            <a:ext cx="0" cy="237744"/>
           </a:xfrm>
           <a:prstGeom prst="straightConnector1">
             <a:avLst/>
@@ -37354,7 +37294,7 @@
         </p:nvSpPr>
         <p:spPr>
           <a:xfrm>
-            <a:off x="6952894" y="2082065"/>
+            <a:off x="6960389" y="2097055"/>
             <a:ext cx="944616" cy="369332"/>
           </a:xfrm>
           <a:prstGeom prst="rect">
@@ -37443,6 +37383,36 @@
           </a:p>
         </p:txBody>
       </p:sp>
+      <p:pic>
+        <p:nvPicPr>
+          <p:cNvPr id="7" name="Picture 6">
+            <a:extLst>
+              <a:ext uri="{FF2B5EF4-FFF2-40B4-BE49-F238E27FC236}">
+                <a16:creationId xmlns:a16="http://schemas.microsoft.com/office/drawing/2014/main" id="{BF611839-1DB0-864E-AB2C-66DE23877A96}"/>
+              </a:ext>
+            </a:extLst>
+          </p:cNvPr>
+          <p:cNvPicPr>
+            <a:picLocks noChangeAspect="1"/>
+          </p:cNvPicPr>
+          <p:nvPr/>
+        </p:nvPicPr>
+        <p:blipFill>
+          <a:blip r:embed="rId5"/>
+          <a:stretch>
+            <a:fillRect/>
+          </a:stretch>
+        </p:blipFill>
+        <p:spPr>
+          <a:xfrm>
+            <a:off x="9144" y="3341918"/>
+            <a:ext cx="3963924" cy="2642616"/>
+          </a:xfrm>
+          <a:prstGeom prst="rect">
+            <a:avLst/>
+          </a:prstGeom>
+        </p:spPr>
+      </p:pic>
       <p:sp>
         <p:nvSpPr>
           <p:cNvPr id="20" name="TextBox 19">
@@ -37457,7 +37427,7 @@
         </p:nvSpPr>
         <p:spPr>
           <a:xfrm>
-            <a:off x="40078" y="457200"/>
+            <a:off x="54864" y="3149600"/>
             <a:ext cx="274320" cy="292608"/>
           </a:xfrm>
           <a:prstGeom prst="rect">
@@ -37478,7 +37448,7 @@
                 <a:ea typeface="Helvetica Neue" panose="02000503000000020004" pitchFamily="2" charset="0"/>
                 <a:cs typeface="Helvetica Neue" panose="02000503000000020004" pitchFamily="2" charset="0"/>
               </a:rPr>
-              <a:t>a</a:t>
+              <a:t>c</a:t>
             </a:r>
           </a:p>
         </p:txBody>
@@ -37497,7 +37467,7 @@
         </p:nvSpPr>
         <p:spPr>
           <a:xfrm>
-            <a:off x="3770874" y="1696753"/>
+            <a:off x="3770874" y="4407408"/>
             <a:ext cx="194438" cy="200055"/>
           </a:xfrm>
           <a:prstGeom prst="rect">
@@ -37535,7 +37505,7 @@
         </p:nvSpPr>
         <p:spPr>
           <a:xfrm>
-            <a:off x="1772908" y="1068512"/>
+            <a:off x="1772908" y="3811712"/>
             <a:ext cx="274320" cy="1280160"/>
           </a:xfrm>
           <a:prstGeom prst="rect">
@@ -37587,7 +37557,7 @@
         </p:nvSpPr>
         <p:spPr>
           <a:xfrm>
-            <a:off x="1157112" y="594121"/>
+            <a:off x="1157112" y="3337321"/>
             <a:ext cx="1503114" cy="252965"/>
           </a:xfrm>
           <a:prstGeom prst="rect">
@@ -37629,7 +37599,7 @@
         </p:nvCxnSpPr>
         <p:spPr>
           <a:xfrm>
-            <a:off x="1910068" y="822084"/>
+            <a:off x="1910068" y="3552584"/>
             <a:ext cx="0" cy="234664"/>
           </a:xfrm>
           <a:prstGeom prst="straightConnector1">
@@ -37671,7 +37641,7 @@
         </p:nvSpPr>
         <p:spPr>
           <a:xfrm>
-            <a:off x="3019408" y="2131161"/>
+            <a:off x="3019408" y="4874361"/>
             <a:ext cx="944616" cy="369332"/>
           </a:xfrm>
           <a:prstGeom prst="rect">
@@ -37760,6 +37730,36 @@
           </a:p>
         </p:txBody>
       </p:sp>
+      <p:pic>
+        <p:nvPicPr>
+          <p:cNvPr id="4" name="Picture 3">
+            <a:extLst>
+              <a:ext uri="{FF2B5EF4-FFF2-40B4-BE49-F238E27FC236}">
+                <a16:creationId xmlns:a16="http://schemas.microsoft.com/office/drawing/2014/main" id="{AD152D50-108E-FB4A-94A0-E4462977502B}"/>
+              </a:ext>
+            </a:extLst>
+          </p:cNvPr>
+          <p:cNvPicPr>
+            <a:picLocks noChangeAspect="1"/>
+          </p:cNvPicPr>
+          <p:nvPr/>
+        </p:nvPicPr>
+        <p:blipFill>
+          <a:blip r:embed="rId6"/>
+          <a:stretch>
+            <a:fillRect/>
+          </a:stretch>
+        </p:blipFill>
+        <p:spPr>
+          <a:xfrm>
+            <a:off x="3941064" y="3337560"/>
+            <a:ext cx="3963924" cy="2642616"/>
+          </a:xfrm>
+          <a:prstGeom prst="rect">
+            <a:avLst/>
+          </a:prstGeom>
+        </p:spPr>
+      </p:pic>
       <p:sp>
         <p:nvSpPr>
           <p:cNvPr id="51" name="TextBox 50">
@@ -37774,7 +37774,7 @@
         </p:nvSpPr>
         <p:spPr>
           <a:xfrm>
-            <a:off x="3781341" y="4458221"/>
+            <a:off x="7700561" y="4407421"/>
             <a:ext cx="193341" cy="200055"/>
           </a:xfrm>
           <a:prstGeom prst="rect">
@@ -37812,7 +37812,7 @@
         </p:nvSpPr>
         <p:spPr>
           <a:xfrm>
-            <a:off x="3016556" y="4892629"/>
+            <a:off x="6948476" y="4892629"/>
             <a:ext cx="944616" cy="369332"/>
           </a:xfrm>
           <a:prstGeom prst="rect">
@@ -37915,7 +37915,7 @@
         </p:nvSpPr>
         <p:spPr>
           <a:xfrm>
-            <a:off x="45750" y="3200400"/>
+            <a:off x="3977640" y="3149600"/>
             <a:ext cx="274320" cy="292608"/>
           </a:xfrm>
           <a:prstGeom prst="rect">
@@ -37936,7 +37936,7 @@
                 <a:ea typeface="Helvetica Neue" panose="02000503000000020004" pitchFamily="2" charset="0"/>
                 <a:cs typeface="Helvetica Neue" panose="02000503000000020004" pitchFamily="2" charset="0"/>
               </a:rPr>
-              <a:t>c</a:t>
+              <a:t>d</a:t>
             </a:r>
           </a:p>
         </p:txBody>
@@ -37955,7 +37955,7 @@
         </p:nvSpPr>
         <p:spPr>
           <a:xfrm>
-            <a:off x="1778517" y="3812945"/>
+            <a:off x="5710437" y="3812945"/>
             <a:ext cx="274320" cy="1278344"/>
           </a:xfrm>
           <a:prstGeom prst="rect">
@@ -38007,7 +38007,7 @@
         </p:nvSpPr>
         <p:spPr>
           <a:xfrm>
-            <a:off x="1164120" y="3338885"/>
+            <a:off x="5096040" y="3338885"/>
             <a:ext cx="1503114" cy="252965"/>
           </a:xfrm>
           <a:prstGeom prst="rect">
@@ -38049,7 +38049,7 @@
         </p:nvCxnSpPr>
         <p:spPr>
           <a:xfrm>
-            <a:off x="1915677" y="3522465"/>
+            <a:off x="5847597" y="3557016"/>
             <a:ext cx="0" cy="234664"/>
           </a:xfrm>
           <a:prstGeom prst="straightConnector1">

--- a/slides/figures_191206.pptx
+++ b/slides/figures_191206.pptx
@@ -6,51 +6,52 @@
     <p:sldMasterId id="2147483696" r:id="rId2"/>
   </p:sldMasterIdLst>
   <p:notesMasterIdLst>
-    <p:notesMasterId r:id="rId45"/>
+    <p:notesMasterId r:id="rId46"/>
   </p:notesMasterIdLst>
   <p:sldIdLst>
     <p:sldId id="256" r:id="rId3"/>
     <p:sldId id="282" r:id="rId4"/>
     <p:sldId id="295" r:id="rId5"/>
-    <p:sldId id="291" r:id="rId6"/>
-    <p:sldId id="290" r:id="rId7"/>
-    <p:sldId id="280" r:id="rId8"/>
-    <p:sldId id="257" r:id="rId9"/>
-    <p:sldId id="261" r:id="rId10"/>
-    <p:sldId id="262" r:id="rId11"/>
-    <p:sldId id="263" r:id="rId12"/>
-    <p:sldId id="268" r:id="rId13"/>
-    <p:sldId id="258" r:id="rId14"/>
-    <p:sldId id="264" r:id="rId15"/>
-    <p:sldId id="273" r:id="rId16"/>
-    <p:sldId id="276" r:id="rId17"/>
-    <p:sldId id="279" r:id="rId18"/>
-    <p:sldId id="284" r:id="rId19"/>
-    <p:sldId id="287" r:id="rId20"/>
-    <p:sldId id="292" r:id="rId21"/>
-    <p:sldId id="259" r:id="rId22"/>
-    <p:sldId id="281" r:id="rId23"/>
-    <p:sldId id="286" r:id="rId24"/>
-    <p:sldId id="296" r:id="rId25"/>
-    <p:sldId id="260" r:id="rId26"/>
-    <p:sldId id="269" r:id="rId27"/>
-    <p:sldId id="271" r:id="rId28"/>
-    <p:sldId id="288" r:id="rId29"/>
-    <p:sldId id="293" r:id="rId30"/>
-    <p:sldId id="270" r:id="rId31"/>
-    <p:sldId id="272" r:id="rId32"/>
-    <p:sldId id="283" r:id="rId33"/>
-    <p:sldId id="289" r:id="rId34"/>
-    <p:sldId id="294" r:id="rId35"/>
-    <p:sldId id="265" r:id="rId36"/>
-    <p:sldId id="274" r:id="rId37"/>
-    <p:sldId id="275" r:id="rId38"/>
-    <p:sldId id="277" r:id="rId39"/>
-    <p:sldId id="278" r:id="rId40"/>
-    <p:sldId id="285" r:id="rId41"/>
-    <p:sldId id="297" r:id="rId42"/>
-    <p:sldId id="266" r:id="rId43"/>
-    <p:sldId id="267" r:id="rId44"/>
+    <p:sldId id="298" r:id="rId6"/>
+    <p:sldId id="291" r:id="rId7"/>
+    <p:sldId id="290" r:id="rId8"/>
+    <p:sldId id="280" r:id="rId9"/>
+    <p:sldId id="257" r:id="rId10"/>
+    <p:sldId id="261" r:id="rId11"/>
+    <p:sldId id="262" r:id="rId12"/>
+    <p:sldId id="263" r:id="rId13"/>
+    <p:sldId id="268" r:id="rId14"/>
+    <p:sldId id="258" r:id="rId15"/>
+    <p:sldId id="264" r:id="rId16"/>
+    <p:sldId id="273" r:id="rId17"/>
+    <p:sldId id="276" r:id="rId18"/>
+    <p:sldId id="279" r:id="rId19"/>
+    <p:sldId id="284" r:id="rId20"/>
+    <p:sldId id="287" r:id="rId21"/>
+    <p:sldId id="292" r:id="rId22"/>
+    <p:sldId id="259" r:id="rId23"/>
+    <p:sldId id="281" r:id="rId24"/>
+    <p:sldId id="286" r:id="rId25"/>
+    <p:sldId id="296" r:id="rId26"/>
+    <p:sldId id="260" r:id="rId27"/>
+    <p:sldId id="269" r:id="rId28"/>
+    <p:sldId id="271" r:id="rId29"/>
+    <p:sldId id="288" r:id="rId30"/>
+    <p:sldId id="293" r:id="rId31"/>
+    <p:sldId id="270" r:id="rId32"/>
+    <p:sldId id="272" r:id="rId33"/>
+    <p:sldId id="283" r:id="rId34"/>
+    <p:sldId id="289" r:id="rId35"/>
+    <p:sldId id="294" r:id="rId36"/>
+    <p:sldId id="265" r:id="rId37"/>
+    <p:sldId id="274" r:id="rId38"/>
+    <p:sldId id="275" r:id="rId39"/>
+    <p:sldId id="277" r:id="rId40"/>
+    <p:sldId id="278" r:id="rId41"/>
+    <p:sldId id="285" r:id="rId42"/>
+    <p:sldId id="297" r:id="rId43"/>
+    <p:sldId id="266" r:id="rId44"/>
+    <p:sldId id="267" r:id="rId45"/>
   </p:sldIdLst>
   <p:sldSz cx="7918450" cy="6483350"/>
   <p:notesSz cx="6858000" cy="9144000"/>
@@ -239,7 +240,7 @@
           <a:p>
             <a:fld id="{5E7D9203-8D15-1F45-AFEF-29CE894B8122}" type="datetimeFigureOut">
               <a:rPr lang="en-US" smtClean="0"/>
-              <a:t>5/28/20</a:t>
+              <a:t>6/9/20</a:t>
             </a:fld>
             <a:endParaRPr lang="en-US"/>
           </a:p>
@@ -649,7 +650,7 @@
           <a:p>
             <a:r>
               <a:rPr lang="en-US" dirty="0"/>
-              <a:t>12/06/19 Fig. 4, v5</a:t>
+              <a:t>12/06/19 Fig. 4, v4</a:t>
             </a:r>
           </a:p>
         </p:txBody>
@@ -680,7 +681,7 @@
     </p:spTree>
     <p:extLst>
       <p:ext uri="{BB962C8B-B14F-4D97-AF65-F5344CB8AC3E}">
-        <p14:creationId xmlns:p14="http://schemas.microsoft.com/office/powerpoint/2010/main" val="3371388017"/>
+        <p14:creationId xmlns:p14="http://schemas.microsoft.com/office/powerpoint/2010/main" val="394979940"/>
       </p:ext>
     </p:extLst>
   </p:cSld>
@@ -741,7 +742,7 @@
           <a:p>
             <a:r>
               <a:rPr lang="en-US" dirty="0"/>
-              <a:t>12/06/19 Fig. 5</a:t>
+              <a:t>12/06/19 Fig. 4, v5</a:t>
             </a:r>
           </a:p>
         </p:txBody>
@@ -772,7 +773,7 @@
     </p:spTree>
     <p:extLst>
       <p:ext uri="{BB962C8B-B14F-4D97-AF65-F5344CB8AC3E}">
-        <p14:creationId xmlns:p14="http://schemas.microsoft.com/office/powerpoint/2010/main" val="1495634260"/>
+        <p14:creationId xmlns:p14="http://schemas.microsoft.com/office/powerpoint/2010/main" val="3371388017"/>
       </p:ext>
     </p:extLst>
   </p:cSld>
@@ -833,7 +834,7 @@
           <a:p>
             <a:r>
               <a:rPr lang="en-US" dirty="0"/>
-              <a:t>1/22/20 Fig. 4, updated with new panels</a:t>
+              <a:t>12/06/19 Fig. 5</a:t>
             </a:r>
           </a:p>
         </p:txBody>
@@ -864,7 +865,7 @@
     </p:spTree>
     <p:extLst>
       <p:ext uri="{BB962C8B-B14F-4D97-AF65-F5344CB8AC3E}">
-        <p14:creationId xmlns:p14="http://schemas.microsoft.com/office/powerpoint/2010/main" val="1402908968"/>
+        <p14:creationId xmlns:p14="http://schemas.microsoft.com/office/powerpoint/2010/main" val="1495634260"/>
       </p:ext>
     </p:extLst>
   </p:cSld>
@@ -925,7 +926,7 @@
           <a:p>
             <a:r>
               <a:rPr lang="en-US" dirty="0"/>
-              <a:t>1/22/20 Fig. 4, updated with new panels – tentative v2 with mu = 7.5</a:t>
+              <a:t>1/22/20 Fig. 4, updated with new panels</a:t>
             </a:r>
           </a:p>
         </p:txBody>
@@ -956,7 +957,7 @@
     </p:spTree>
     <p:extLst>
       <p:ext uri="{BB962C8B-B14F-4D97-AF65-F5344CB8AC3E}">
-        <p14:creationId xmlns:p14="http://schemas.microsoft.com/office/powerpoint/2010/main" val="3526039215"/>
+        <p14:creationId xmlns:p14="http://schemas.microsoft.com/office/powerpoint/2010/main" val="1402908968"/>
       </p:ext>
     </p:extLst>
   </p:cSld>
@@ -1017,7 +1018,7 @@
           <a:p>
             <a:r>
               <a:rPr lang="en-US" dirty="0"/>
-              <a:t>2/2/20 Fig. 4, updated with new colors</a:t>
+              <a:t>1/22/20 Fig. 4, updated with new panels – tentative v2 with mu = 7.5</a:t>
             </a:r>
           </a:p>
         </p:txBody>
@@ -1048,7 +1049,7 @@
     </p:spTree>
     <p:extLst>
       <p:ext uri="{BB962C8B-B14F-4D97-AF65-F5344CB8AC3E}">
-        <p14:creationId xmlns:p14="http://schemas.microsoft.com/office/powerpoint/2010/main" val="2281819512"/>
+        <p14:creationId xmlns:p14="http://schemas.microsoft.com/office/powerpoint/2010/main" val="3526039215"/>
       </p:ext>
     </p:extLst>
   </p:cSld>
@@ -1140,7 +1141,7 @@
     </p:spTree>
     <p:extLst>
       <p:ext uri="{BB962C8B-B14F-4D97-AF65-F5344CB8AC3E}">
-        <p14:creationId xmlns:p14="http://schemas.microsoft.com/office/powerpoint/2010/main" val="1767933743"/>
+        <p14:creationId xmlns:p14="http://schemas.microsoft.com/office/powerpoint/2010/main" val="2281819512"/>
       </p:ext>
     </p:extLst>
   </p:cSld>
@@ -1201,7 +1202,7 @@
           <a:p>
             <a:r>
               <a:rPr lang="en-US" dirty="0"/>
-              <a:t>3/1/20 Fig. 4, updated axis labels</a:t>
+              <a:t>2/2/20 Fig. 4, updated with new colors</a:t>
             </a:r>
           </a:p>
         </p:txBody>
@@ -1232,7 +1233,7 @@
     </p:spTree>
     <p:extLst>
       <p:ext uri="{BB962C8B-B14F-4D97-AF65-F5344CB8AC3E}">
-        <p14:creationId xmlns:p14="http://schemas.microsoft.com/office/powerpoint/2010/main" val="3943567789"/>
+        <p14:creationId xmlns:p14="http://schemas.microsoft.com/office/powerpoint/2010/main" val="1767933743"/>
       </p:ext>
     </p:extLst>
   </p:cSld>
@@ -1293,7 +1294,7 @@
           <a:p>
             <a:r>
               <a:rPr lang="en-US" dirty="0"/>
-              <a:t>5/24/20 Fig. 3, updated panels a and b (including location of X1) + panel order</a:t>
+              <a:t>3/1/20 Fig. 4, updated axis labels</a:t>
             </a:r>
           </a:p>
         </p:txBody>
@@ -1324,7 +1325,7 @@
     </p:spTree>
     <p:extLst>
       <p:ext uri="{BB962C8B-B14F-4D97-AF65-F5344CB8AC3E}">
-        <p14:creationId xmlns:p14="http://schemas.microsoft.com/office/powerpoint/2010/main" val="4005673773"/>
+        <p14:creationId xmlns:p14="http://schemas.microsoft.com/office/powerpoint/2010/main" val="3943567789"/>
       </p:ext>
     </p:extLst>
   </p:cSld>
@@ -1385,7 +1386,7 @@
           <a:p>
             <a:r>
               <a:rPr lang="en-US" dirty="0"/>
-              <a:t>5/27/20 Fig. 3, updated panel order and panel labels</a:t>
+              <a:t>5/24/20 Fig. 3, updated panels a and b (including location of X1) + panel order</a:t>
             </a:r>
           </a:p>
         </p:txBody>
@@ -1416,7 +1417,7 @@
     </p:spTree>
     <p:extLst>
       <p:ext uri="{BB962C8B-B14F-4D97-AF65-F5344CB8AC3E}">
-        <p14:creationId xmlns:p14="http://schemas.microsoft.com/office/powerpoint/2010/main" val="102515404"/>
+        <p14:creationId xmlns:p14="http://schemas.microsoft.com/office/powerpoint/2010/main" val="4005673773"/>
       </p:ext>
     </p:extLst>
   </p:cSld>
@@ -1477,7 +1478,7 @@
           <a:p>
             <a:r>
               <a:rPr lang="en-US" dirty="0"/>
-              <a:t>12/06/19 Fig. S2</a:t>
+              <a:t>5/27/20 Fig. 3, updated panel order and panel labels</a:t>
             </a:r>
           </a:p>
         </p:txBody>
@@ -1508,7 +1509,7 @@
     </p:spTree>
     <p:extLst>
       <p:ext uri="{BB962C8B-B14F-4D97-AF65-F5344CB8AC3E}">
-        <p14:creationId xmlns:p14="http://schemas.microsoft.com/office/powerpoint/2010/main" val="282547630"/>
+        <p14:creationId xmlns:p14="http://schemas.microsoft.com/office/powerpoint/2010/main" val="102515404"/>
       </p:ext>
     </p:extLst>
   </p:cSld>
@@ -1661,7 +1662,7 @@
           <a:p>
             <a:r>
               <a:rPr lang="en-US" dirty="0"/>
-              <a:t>2/14/20 Fig. S2</a:t>
+              <a:t>12/06/19 Fig. S2</a:t>
             </a:r>
           </a:p>
         </p:txBody>
@@ -1692,7 +1693,7 @@
     </p:spTree>
     <p:extLst>
       <p:ext uri="{BB962C8B-B14F-4D97-AF65-F5344CB8AC3E}">
-        <p14:creationId xmlns:p14="http://schemas.microsoft.com/office/powerpoint/2010/main" val="4108603185"/>
+        <p14:creationId xmlns:p14="http://schemas.microsoft.com/office/powerpoint/2010/main" val="282547630"/>
       </p:ext>
     </p:extLst>
   </p:cSld>
@@ -1753,7 +1754,7 @@
           <a:p>
             <a:r>
               <a:rPr lang="en-US" dirty="0"/>
-              <a:t>5/24/20 Fig. S1</a:t>
+              <a:t>2/14/20 Fig. S2</a:t>
             </a:r>
           </a:p>
         </p:txBody>
@@ -1784,7 +1785,7 @@
     </p:spTree>
     <p:extLst>
       <p:ext uri="{BB962C8B-B14F-4D97-AF65-F5344CB8AC3E}">
-        <p14:creationId xmlns:p14="http://schemas.microsoft.com/office/powerpoint/2010/main" val="1648279355"/>
+        <p14:creationId xmlns:p14="http://schemas.microsoft.com/office/powerpoint/2010/main" val="4108603185"/>
       </p:ext>
     </p:extLst>
   </p:cSld>
@@ -1845,7 +1846,7 @@
           <a:p>
             <a:r>
               <a:rPr lang="en-US" dirty="0"/>
-              <a:t>5/27/20 Fig. S1</a:t>
+              <a:t>5/24/20 Fig. S1</a:t>
             </a:r>
           </a:p>
         </p:txBody>
@@ -1876,7 +1877,7 @@
     </p:spTree>
     <p:extLst>
       <p:ext uri="{BB962C8B-B14F-4D97-AF65-F5344CB8AC3E}">
-        <p14:creationId xmlns:p14="http://schemas.microsoft.com/office/powerpoint/2010/main" val="3234057459"/>
+        <p14:creationId xmlns:p14="http://schemas.microsoft.com/office/powerpoint/2010/main" val="1648279355"/>
       </p:ext>
     </p:extLst>
   </p:cSld>
@@ -1937,7 +1938,7 @@
           <a:p>
             <a:r>
               <a:rPr lang="en-US" dirty="0"/>
-              <a:t>12/06/19 Fig. S4</a:t>
+              <a:t>5/27/20 Fig. S1</a:t>
             </a:r>
           </a:p>
         </p:txBody>
@@ -1968,7 +1969,7 @@
     </p:spTree>
     <p:extLst>
       <p:ext uri="{BB962C8B-B14F-4D97-AF65-F5344CB8AC3E}">
-        <p14:creationId xmlns:p14="http://schemas.microsoft.com/office/powerpoint/2010/main" val="561168434"/>
+        <p14:creationId xmlns:p14="http://schemas.microsoft.com/office/powerpoint/2010/main" val="3234057459"/>
       </p:ext>
     </p:extLst>
   </p:cSld>
@@ -2029,7 +2030,7 @@
           <a:p>
             <a:r>
               <a:rPr lang="en-US" dirty="0"/>
-              <a:t>1/23/20 Fig. S4</a:t>
+              <a:t>12/06/19 Fig. S4</a:t>
             </a:r>
           </a:p>
         </p:txBody>
@@ -2060,7 +2061,7 @@
     </p:spTree>
     <p:extLst>
       <p:ext uri="{BB962C8B-B14F-4D97-AF65-F5344CB8AC3E}">
-        <p14:creationId xmlns:p14="http://schemas.microsoft.com/office/powerpoint/2010/main" val="733968849"/>
+        <p14:creationId xmlns:p14="http://schemas.microsoft.com/office/powerpoint/2010/main" val="561168434"/>
       </p:ext>
     </p:extLst>
   </p:cSld>
@@ -2121,7 +2122,7 @@
           <a:p>
             <a:r>
               <a:rPr lang="en-US" dirty="0"/>
-              <a:t>2/8/20 Fig. S4 – tentative v2 with mu = 7.5</a:t>
+              <a:t>1/23/20 Fig. S4</a:t>
             </a:r>
           </a:p>
         </p:txBody>
@@ -2152,7 +2153,7 @@
     </p:spTree>
     <p:extLst>
       <p:ext uri="{BB962C8B-B14F-4D97-AF65-F5344CB8AC3E}">
-        <p14:creationId xmlns:p14="http://schemas.microsoft.com/office/powerpoint/2010/main" val="3198164349"/>
+        <p14:creationId xmlns:p14="http://schemas.microsoft.com/office/powerpoint/2010/main" val="733968849"/>
       </p:ext>
     </p:extLst>
   </p:cSld>
@@ -2213,7 +2214,7 @@
           <a:p>
             <a:r>
               <a:rPr lang="en-US" dirty="0"/>
-              <a:t>5/24/20 – Updated Fig. S5 with new panels a and b</a:t>
+              <a:t>2/8/20 Fig. S4 – tentative v2 with mu = 7.5</a:t>
             </a:r>
           </a:p>
         </p:txBody>
@@ -2244,7 +2245,7 @@
     </p:spTree>
     <p:extLst>
       <p:ext uri="{BB962C8B-B14F-4D97-AF65-F5344CB8AC3E}">
-        <p14:creationId xmlns:p14="http://schemas.microsoft.com/office/powerpoint/2010/main" val="4220108612"/>
+        <p14:creationId xmlns:p14="http://schemas.microsoft.com/office/powerpoint/2010/main" val="3198164349"/>
       </p:ext>
     </p:extLst>
   </p:cSld>
@@ -2305,7 +2306,7 @@
           <a:p>
             <a:r>
               <a:rPr lang="en-US" dirty="0"/>
-              <a:t>5/27/20 – Updated Fig. S5 with new panels a and b, panel order flipped</a:t>
+              <a:t>5/24/20 – Updated Fig. S5 with new panels a and b</a:t>
             </a:r>
           </a:p>
         </p:txBody>
@@ -2336,7 +2337,7 @@
     </p:spTree>
     <p:extLst>
       <p:ext uri="{BB962C8B-B14F-4D97-AF65-F5344CB8AC3E}">
-        <p14:creationId xmlns:p14="http://schemas.microsoft.com/office/powerpoint/2010/main" val="3992044197"/>
+        <p14:creationId xmlns:p14="http://schemas.microsoft.com/office/powerpoint/2010/main" val="4220108612"/>
       </p:ext>
     </p:extLst>
   </p:cSld>
@@ -2397,7 +2398,7 @@
           <a:p>
             <a:r>
               <a:rPr lang="en-US" dirty="0"/>
-              <a:t>1/23/20 Fig. S5</a:t>
+              <a:t>5/27/20 – Updated Fig. S5 with new panels a and b, panel order flipped</a:t>
             </a:r>
           </a:p>
         </p:txBody>
@@ -2428,7 +2429,7 @@
     </p:spTree>
     <p:extLst>
       <p:ext uri="{BB962C8B-B14F-4D97-AF65-F5344CB8AC3E}">
-        <p14:creationId xmlns:p14="http://schemas.microsoft.com/office/powerpoint/2010/main" val="753180207"/>
+        <p14:creationId xmlns:p14="http://schemas.microsoft.com/office/powerpoint/2010/main" val="3992044197"/>
       </p:ext>
     </p:extLst>
   </p:cSld>
@@ -2489,7 +2490,7 @@
           <a:p>
             <a:r>
               <a:rPr lang="en-US" dirty="0"/>
-              <a:t>1/23/20 Fig. S5 – tentative v2 with mu = 7.5</a:t>
+              <a:t>1/23/20 Fig. S5</a:t>
             </a:r>
           </a:p>
         </p:txBody>
@@ -2520,7 +2521,7 @@
     </p:spTree>
     <p:extLst>
       <p:ext uri="{BB962C8B-B14F-4D97-AF65-F5344CB8AC3E}">
-        <p14:creationId xmlns:p14="http://schemas.microsoft.com/office/powerpoint/2010/main" val="3971011124"/>
+        <p14:creationId xmlns:p14="http://schemas.microsoft.com/office/powerpoint/2010/main" val="753180207"/>
       </p:ext>
     </p:extLst>
   </p:cSld>
@@ -2673,7 +2674,7 @@
           <a:p>
             <a:r>
               <a:rPr lang="en-US" dirty="0"/>
-              <a:t>2/26/20 Fig. S5 – v3 without type-specific lines in the mixed colonies</a:t>
+              <a:t>1/23/20 Fig. S5 – tentative v2 with mu = 7.5</a:t>
             </a:r>
           </a:p>
         </p:txBody>
@@ -2704,7 +2705,7 @@
     </p:spTree>
     <p:extLst>
       <p:ext uri="{BB962C8B-B14F-4D97-AF65-F5344CB8AC3E}">
-        <p14:creationId xmlns:p14="http://schemas.microsoft.com/office/powerpoint/2010/main" val="2139991065"/>
+        <p14:creationId xmlns:p14="http://schemas.microsoft.com/office/powerpoint/2010/main" val="3971011124"/>
       </p:ext>
     </p:extLst>
   </p:cSld>
@@ -2765,7 +2766,7 @@
           <a:p>
             <a:r>
               <a:rPr lang="en-US" dirty="0"/>
-              <a:t>5/24/20 – Fig. S4 with updated panels a and b</a:t>
+              <a:t>2/26/20 Fig. S5 – v3 without type-specific lines in the mixed colonies</a:t>
             </a:r>
           </a:p>
         </p:txBody>
@@ -2796,7 +2797,7 @@
     </p:spTree>
     <p:extLst>
       <p:ext uri="{BB962C8B-B14F-4D97-AF65-F5344CB8AC3E}">
-        <p14:creationId xmlns:p14="http://schemas.microsoft.com/office/powerpoint/2010/main" val="987319812"/>
+        <p14:creationId xmlns:p14="http://schemas.microsoft.com/office/powerpoint/2010/main" val="2139991065"/>
       </p:ext>
     </p:extLst>
   </p:cSld>
@@ -2857,7 +2858,7 @@
           <a:p>
             <a:r>
               <a:rPr lang="en-US" dirty="0"/>
-              <a:t>5/27/20 – Fig. S4 with updated panels a and b, order flipped</a:t>
+              <a:t>5/24/20 – Fig. S4 with updated panels a and b</a:t>
             </a:r>
           </a:p>
         </p:txBody>
@@ -2888,7 +2889,7 @@
     </p:spTree>
     <p:extLst>
       <p:ext uri="{BB962C8B-B14F-4D97-AF65-F5344CB8AC3E}">
-        <p14:creationId xmlns:p14="http://schemas.microsoft.com/office/powerpoint/2010/main" val="2502987310"/>
+        <p14:creationId xmlns:p14="http://schemas.microsoft.com/office/powerpoint/2010/main" val="987319812"/>
       </p:ext>
     </p:extLst>
   </p:cSld>
@@ -2949,7 +2950,7 @@
           <a:p>
             <a:r>
               <a:rPr lang="en-US" dirty="0"/>
-              <a:t>12/06/19 Fig. 5</a:t>
+              <a:t>5/27/20 – Fig. S4 with updated panels a and b, order flipped</a:t>
             </a:r>
           </a:p>
         </p:txBody>
@@ -2980,7 +2981,7 @@
     </p:spTree>
     <p:extLst>
       <p:ext uri="{BB962C8B-B14F-4D97-AF65-F5344CB8AC3E}">
-        <p14:creationId xmlns:p14="http://schemas.microsoft.com/office/powerpoint/2010/main" val="4193511516"/>
+        <p14:creationId xmlns:p14="http://schemas.microsoft.com/office/powerpoint/2010/main" val="2502987310"/>
       </p:ext>
     </p:extLst>
   </p:cSld>
@@ -3041,7 +3042,7 @@
           <a:p>
             <a:r>
               <a:rPr lang="en-US" dirty="0"/>
-              <a:t>01/27/20 Fig. 5 – updated with new params, soon to add a new panel for complex mixes</a:t>
+              <a:t>12/06/19 Fig. 5</a:t>
             </a:r>
           </a:p>
         </p:txBody>
@@ -3072,7 +3073,7 @@
     </p:spTree>
     <p:extLst>
       <p:ext uri="{BB962C8B-B14F-4D97-AF65-F5344CB8AC3E}">
-        <p14:creationId xmlns:p14="http://schemas.microsoft.com/office/powerpoint/2010/main" val="2091408940"/>
+        <p14:creationId xmlns:p14="http://schemas.microsoft.com/office/powerpoint/2010/main" val="4193511516"/>
       </p:ext>
     </p:extLst>
   </p:cSld>
@@ -3164,7 +3165,7 @@
     </p:spTree>
     <p:extLst>
       <p:ext uri="{BB962C8B-B14F-4D97-AF65-F5344CB8AC3E}">
-        <p14:creationId xmlns:p14="http://schemas.microsoft.com/office/powerpoint/2010/main" val="1405225748"/>
+        <p14:creationId xmlns:p14="http://schemas.microsoft.com/office/powerpoint/2010/main" val="2091408940"/>
       </p:ext>
     </p:extLst>
   </p:cSld>
@@ -3225,7 +3226,7 @@
           <a:p>
             <a:r>
               <a:rPr lang="en-US" dirty="0"/>
-              <a:t>2/3/20 Fig. 5 – updated with new params, soon to add a new panel for complex mixes</a:t>
+              <a:t>01/27/20 Fig. 5 – updated with new params, soon to add a new panel for complex mixes</a:t>
             </a:r>
           </a:p>
         </p:txBody>
@@ -3256,7 +3257,7 @@
     </p:spTree>
     <p:extLst>
       <p:ext uri="{BB962C8B-B14F-4D97-AF65-F5344CB8AC3E}">
-        <p14:creationId xmlns:p14="http://schemas.microsoft.com/office/powerpoint/2010/main" val="27841797"/>
+        <p14:creationId xmlns:p14="http://schemas.microsoft.com/office/powerpoint/2010/main" val="1405225748"/>
       </p:ext>
     </p:extLst>
   </p:cSld>
@@ -3348,7 +3349,7 @@
     </p:spTree>
     <p:extLst>
       <p:ext uri="{BB962C8B-B14F-4D97-AF65-F5344CB8AC3E}">
-        <p14:creationId xmlns:p14="http://schemas.microsoft.com/office/powerpoint/2010/main" val="111411370"/>
+        <p14:creationId xmlns:p14="http://schemas.microsoft.com/office/powerpoint/2010/main" val="27841797"/>
       </p:ext>
     </p:extLst>
   </p:cSld>
@@ -3409,7 +3410,7 @@
           <a:p>
             <a:r>
               <a:rPr lang="en-US" dirty="0"/>
-              <a:t>3/1/20 Fig. 5 – updated with larger labels</a:t>
+              <a:t>2/3/20 Fig. 5 – updated with new params, soon to add a new panel for complex mixes</a:t>
             </a:r>
           </a:p>
         </p:txBody>
@@ -3440,7 +3441,7 @@
     </p:spTree>
     <p:extLst>
       <p:ext uri="{BB962C8B-B14F-4D97-AF65-F5344CB8AC3E}">
-        <p14:creationId xmlns:p14="http://schemas.microsoft.com/office/powerpoint/2010/main" val="591565731"/>
+        <p14:creationId xmlns:p14="http://schemas.microsoft.com/office/powerpoint/2010/main" val="111411370"/>
       </p:ext>
     </p:extLst>
   </p:cSld>
@@ -3501,7 +3502,7 @@
           <a:p>
             <a:r>
               <a:rPr lang="en-US" dirty="0"/>
-              <a:t>5/27/20 Fig. S6 – updated with new fig labels, new order, and new params for a-b</a:t>
+              <a:t>3/1/20 Fig. 5 – updated with larger labels</a:t>
             </a:r>
           </a:p>
         </p:txBody>
@@ -3532,7 +3533,7 @@
     </p:spTree>
     <p:extLst>
       <p:ext uri="{BB962C8B-B14F-4D97-AF65-F5344CB8AC3E}">
-        <p14:creationId xmlns:p14="http://schemas.microsoft.com/office/powerpoint/2010/main" val="3049269421"/>
+        <p14:creationId xmlns:p14="http://schemas.microsoft.com/office/powerpoint/2010/main" val="591565731"/>
       </p:ext>
     </p:extLst>
   </p:cSld>
@@ -3593,7 +3594,7 @@
           <a:p>
             <a:r>
               <a:rPr lang="en-US" dirty="0"/>
-              <a:t>05/24/20 Fig. 1</a:t>
+              <a:t>06/09/20 Fig. 1</a:t>
             </a:r>
           </a:p>
         </p:txBody>
@@ -3624,7 +3625,7 @@
     </p:spTree>
     <p:extLst>
       <p:ext uri="{BB962C8B-B14F-4D97-AF65-F5344CB8AC3E}">
-        <p14:creationId xmlns:p14="http://schemas.microsoft.com/office/powerpoint/2010/main" val="621557292"/>
+        <p14:creationId xmlns:p14="http://schemas.microsoft.com/office/powerpoint/2010/main" val="4229777144"/>
       </p:ext>
     </p:extLst>
   </p:cSld>
@@ -3683,7 +3684,10 @@
           <a:bodyPr/>
           <a:lstStyle/>
           <a:p>
-            <a:endParaRPr lang="en-US" dirty="0"/>
+            <a:r>
+              <a:rPr lang="en-US" dirty="0"/>
+              <a:t>5/27/20 Fig. S6 – updated with new fig labels, new order, and new params for a-b</a:t>
+            </a:r>
           </a:p>
         </p:txBody>
       </p:sp>
@@ -3713,7 +3717,7 @@
     </p:spTree>
     <p:extLst>
       <p:ext uri="{BB962C8B-B14F-4D97-AF65-F5344CB8AC3E}">
-        <p14:creationId xmlns:p14="http://schemas.microsoft.com/office/powerpoint/2010/main" val="4283938702"/>
+        <p14:creationId xmlns:p14="http://schemas.microsoft.com/office/powerpoint/2010/main" val="3049269421"/>
       </p:ext>
     </p:extLst>
   </p:cSld>
@@ -3794,6 +3798,95 @@
             <a:fld id="{A697AF77-229E-5D4A-87D0-A949D969F47C}" type="slidenum">
               <a:rPr lang="en-US" smtClean="0"/>
               <a:t>42</a:t>
+            </a:fld>
+            <a:endParaRPr lang="en-US"/>
+          </a:p>
+        </p:txBody>
+      </p:sp>
+    </p:spTree>
+    <p:extLst>
+      <p:ext uri="{BB962C8B-B14F-4D97-AF65-F5344CB8AC3E}">
+        <p14:creationId xmlns:p14="http://schemas.microsoft.com/office/powerpoint/2010/main" val="4283938702"/>
+      </p:ext>
+    </p:extLst>
+  </p:cSld>
+  <p:clrMapOvr>
+    <a:masterClrMapping/>
+  </p:clrMapOvr>
+</p:notes>
+</file>
+
+<file path=ppt/notesSlides/notesSlide42.xml><?xml version="1.0" encoding="utf-8"?>
+<p:notes xmlns:a="http://schemas.openxmlformats.org/drawingml/2006/main" xmlns:r="http://schemas.openxmlformats.org/officeDocument/2006/relationships" xmlns:p="http://schemas.openxmlformats.org/presentationml/2006/main">
+  <p:cSld>
+    <p:spTree>
+      <p:nvGrpSpPr>
+        <p:cNvPr id="1" name=""/>
+        <p:cNvGrpSpPr/>
+        <p:nvPr/>
+      </p:nvGrpSpPr>
+      <p:grpSpPr>
+        <a:xfrm>
+          <a:off x="0" y="0"/>
+          <a:ext cx="0" cy="0"/>
+          <a:chOff x="0" y="0"/>
+          <a:chExt cx="0" cy="0"/>
+        </a:xfrm>
+      </p:grpSpPr>
+      <p:sp>
+        <p:nvSpPr>
+          <p:cNvPr id="2" name="Slide Image Placeholder 1"/>
+          <p:cNvSpPr>
+            <a:spLocks noGrp="1" noRot="1" noChangeAspect="1"/>
+          </p:cNvSpPr>
+          <p:nvPr>
+            <p:ph type="sldImg"/>
+          </p:nvPr>
+        </p:nvSpPr>
+        <p:spPr>
+          <a:xfrm>
+            <a:off x="1544638" y="1143000"/>
+            <a:ext cx="3768725" cy="3086100"/>
+          </a:xfrm>
+        </p:spPr>
+      </p:sp>
+      <p:sp>
+        <p:nvSpPr>
+          <p:cNvPr id="3" name="Notes Placeholder 2"/>
+          <p:cNvSpPr>
+            <a:spLocks noGrp="1"/>
+          </p:cNvSpPr>
+          <p:nvPr>
+            <p:ph type="body" idx="1"/>
+          </p:nvPr>
+        </p:nvSpPr>
+        <p:spPr/>
+        <p:txBody>
+          <a:bodyPr/>
+          <a:lstStyle/>
+          <a:p>
+            <a:endParaRPr lang="en-US" dirty="0"/>
+          </a:p>
+        </p:txBody>
+      </p:sp>
+      <p:sp>
+        <p:nvSpPr>
+          <p:cNvPr id="4" name="Slide Number Placeholder 3"/>
+          <p:cNvSpPr>
+            <a:spLocks noGrp="1"/>
+          </p:cNvSpPr>
+          <p:nvPr>
+            <p:ph type="sldNum" sz="quarter" idx="5"/>
+          </p:nvPr>
+        </p:nvSpPr>
+        <p:spPr/>
+        <p:txBody>
+          <a:bodyPr/>
+          <a:lstStyle/>
+          <a:p>
+            <a:fld id="{A697AF77-229E-5D4A-87D0-A949D969F47C}" type="slidenum">
+              <a:rPr lang="en-US" smtClean="0"/>
+              <a:t>43</a:t>
             </a:fld>
             <a:endParaRPr lang="en-US"/>
           </a:p>
@@ -3894,7 +3987,7 @@
     </p:spTree>
     <p:extLst>
       <p:ext uri="{BB962C8B-B14F-4D97-AF65-F5344CB8AC3E}">
-        <p14:creationId xmlns:p14="http://schemas.microsoft.com/office/powerpoint/2010/main" val="3106038792"/>
+        <p14:creationId xmlns:p14="http://schemas.microsoft.com/office/powerpoint/2010/main" val="621557292"/>
       </p:ext>
     </p:extLst>
   </p:cSld>
@@ -3955,7 +4048,7 @@
           <a:p>
             <a:r>
               <a:rPr lang="en-US" dirty="0"/>
-              <a:t>12/06/19 Fig. 4</a:t>
+              <a:t>05/24/20 Fig. 1</a:t>
             </a:r>
           </a:p>
         </p:txBody>
@@ -3977,7 +4070,7 @@
           <a:p>
             <a:fld id="{A697AF77-229E-5D4A-87D0-A949D969F47C}" type="slidenum">
               <a:rPr lang="en-US" smtClean="0"/>
-              <a:t>7</a:t>
+              <a:t>6</a:t>
             </a:fld>
             <a:endParaRPr lang="en-US"/>
           </a:p>
@@ -3986,7 +4079,7 @@
     </p:spTree>
     <p:extLst>
       <p:ext uri="{BB962C8B-B14F-4D97-AF65-F5344CB8AC3E}">
-        <p14:creationId xmlns:p14="http://schemas.microsoft.com/office/powerpoint/2010/main" val="4221191403"/>
+        <p14:creationId xmlns:p14="http://schemas.microsoft.com/office/powerpoint/2010/main" val="3106038792"/>
       </p:ext>
     </p:extLst>
   </p:cSld>
@@ -4047,7 +4140,7 @@
           <a:p>
             <a:r>
               <a:rPr lang="en-US" dirty="0"/>
-              <a:t>12/06/19 Fig. 4, v2</a:t>
+              <a:t>12/06/19 Fig. 4</a:t>
             </a:r>
           </a:p>
         </p:txBody>
@@ -4078,7 +4171,7 @@
     </p:spTree>
     <p:extLst>
       <p:ext uri="{BB962C8B-B14F-4D97-AF65-F5344CB8AC3E}">
-        <p14:creationId xmlns:p14="http://schemas.microsoft.com/office/powerpoint/2010/main" val="2399981595"/>
+        <p14:creationId xmlns:p14="http://schemas.microsoft.com/office/powerpoint/2010/main" val="4221191403"/>
       </p:ext>
     </p:extLst>
   </p:cSld>
@@ -4139,7 +4232,7 @@
           <a:p>
             <a:r>
               <a:rPr lang="en-US" dirty="0"/>
-              <a:t>12/06/19 Fig. 4, v3</a:t>
+              <a:t>12/06/19 Fig. 4, v2</a:t>
             </a:r>
           </a:p>
         </p:txBody>
@@ -4170,7 +4263,7 @@
     </p:spTree>
     <p:extLst>
       <p:ext uri="{BB962C8B-B14F-4D97-AF65-F5344CB8AC3E}">
-        <p14:creationId xmlns:p14="http://schemas.microsoft.com/office/powerpoint/2010/main" val="2338335994"/>
+        <p14:creationId xmlns:p14="http://schemas.microsoft.com/office/powerpoint/2010/main" val="2399981595"/>
       </p:ext>
     </p:extLst>
   </p:cSld>
@@ -4231,7 +4324,7 @@
           <a:p>
             <a:r>
               <a:rPr lang="en-US" dirty="0"/>
-              <a:t>12/06/19 Fig. 4, v4</a:t>
+              <a:t>12/06/19 Fig. 4, v3</a:t>
             </a:r>
           </a:p>
         </p:txBody>
@@ -4262,7 +4355,7 @@
     </p:spTree>
     <p:extLst>
       <p:ext uri="{BB962C8B-B14F-4D97-AF65-F5344CB8AC3E}">
-        <p14:creationId xmlns:p14="http://schemas.microsoft.com/office/powerpoint/2010/main" val="394979940"/>
+        <p14:creationId xmlns:p14="http://schemas.microsoft.com/office/powerpoint/2010/main" val="2338335994"/>
       </p:ext>
     </p:extLst>
   </p:cSld>
@@ -4403,7 +4496,7 @@
           <a:p>
             <a:fld id="{AAC8E564-4E2A-8441-940F-9FCAA67208AC}" type="datetimeFigureOut">
               <a:rPr lang="en-US" smtClean="0"/>
-              <a:t>5/28/20</a:t>
+              <a:t>6/9/20</a:t>
             </a:fld>
             <a:endParaRPr lang="en-US"/>
           </a:p>
@@ -4573,7 +4666,7 @@
           <a:p>
             <a:fld id="{AAC8E564-4E2A-8441-940F-9FCAA67208AC}" type="datetimeFigureOut">
               <a:rPr lang="en-US" smtClean="0"/>
-              <a:t>5/28/20</a:t>
+              <a:t>6/9/20</a:t>
             </a:fld>
             <a:endParaRPr lang="en-US"/>
           </a:p>
@@ -4753,7 +4846,7 @@
           <a:p>
             <a:fld id="{AAC8E564-4E2A-8441-940F-9FCAA67208AC}" type="datetimeFigureOut">
               <a:rPr lang="en-US" smtClean="0"/>
-              <a:t>5/28/20</a:t>
+              <a:t>6/9/20</a:t>
             </a:fld>
             <a:endParaRPr lang="en-US"/>
           </a:p>
@@ -6173,7 +6266,7 @@
           <a:p>
             <a:fld id="{AAC8E564-4E2A-8441-940F-9FCAA67208AC}" type="datetimeFigureOut">
               <a:rPr lang="en-US" smtClean="0"/>
-              <a:t>5/28/20</a:t>
+              <a:t>6/9/20</a:t>
             </a:fld>
             <a:endParaRPr lang="en-US"/>
           </a:p>
@@ -6872,7 +6965,7 @@
           <a:p>
             <a:fld id="{AAC8E564-4E2A-8441-940F-9FCAA67208AC}" type="datetimeFigureOut">
               <a:rPr lang="en-US" smtClean="0"/>
-              <a:t>5/28/20</a:t>
+              <a:t>6/9/20</a:t>
             </a:fld>
             <a:endParaRPr lang="en-US"/>
           </a:p>
@@ -7104,7 +7197,7 @@
           <a:p>
             <a:fld id="{AAC8E564-4E2A-8441-940F-9FCAA67208AC}" type="datetimeFigureOut">
               <a:rPr lang="en-US" smtClean="0"/>
-              <a:t>5/28/20</a:t>
+              <a:t>6/9/20</a:t>
             </a:fld>
             <a:endParaRPr lang="en-US"/>
           </a:p>
@@ -7471,7 +7564,7 @@
           <a:p>
             <a:fld id="{AAC8E564-4E2A-8441-940F-9FCAA67208AC}" type="datetimeFigureOut">
               <a:rPr lang="en-US" smtClean="0"/>
-              <a:t>5/28/20</a:t>
+              <a:t>6/9/20</a:t>
             </a:fld>
             <a:endParaRPr lang="en-US"/>
           </a:p>
@@ -7589,7 +7682,7 @@
           <a:p>
             <a:fld id="{AAC8E564-4E2A-8441-940F-9FCAA67208AC}" type="datetimeFigureOut">
               <a:rPr lang="en-US" smtClean="0"/>
-              <a:t>5/28/20</a:t>
+              <a:t>6/9/20</a:t>
             </a:fld>
             <a:endParaRPr lang="en-US"/>
           </a:p>
@@ -7684,7 +7777,7 @@
           <a:p>
             <a:fld id="{AAC8E564-4E2A-8441-940F-9FCAA67208AC}" type="datetimeFigureOut">
               <a:rPr lang="en-US" smtClean="0"/>
-              <a:t>5/28/20</a:t>
+              <a:t>6/9/20</a:t>
             </a:fld>
             <a:endParaRPr lang="en-US"/>
           </a:p>
@@ -7961,7 +8054,7 @@
           <a:p>
             <a:fld id="{AAC8E564-4E2A-8441-940F-9FCAA67208AC}" type="datetimeFigureOut">
               <a:rPr lang="en-US" smtClean="0"/>
-              <a:t>5/28/20</a:t>
+              <a:t>6/9/20</a:t>
             </a:fld>
             <a:endParaRPr lang="en-US"/>
           </a:p>
@@ -8218,7 +8311,7 @@
           <a:p>
             <a:fld id="{AAC8E564-4E2A-8441-940F-9FCAA67208AC}" type="datetimeFigureOut">
               <a:rPr lang="en-US" smtClean="0"/>
-              <a:t>5/28/20</a:t>
+              <a:t>6/9/20</a:t>
             </a:fld>
             <a:endParaRPr lang="en-US"/>
           </a:p>
@@ -8431,7 +8524,7 @@
           <a:p>
             <a:fld id="{AAC8E564-4E2A-8441-940F-9FCAA67208AC}" type="datetimeFigureOut">
               <a:rPr lang="en-US" smtClean="0"/>
-              <a:t>5/28/20</a:t>
+              <a:t>6/9/20</a:t>
             </a:fld>
             <a:endParaRPr lang="en-US"/>
           </a:p>
@@ -8867,7 +8960,7 @@
           </a:ln>
           <a:extLst>
             <a:ext uri="{C572A759-6A51-4108-AA02-DFA0A04FC94B}">
-              <ma14:wrappingTextBoxFlag xmlns:ma14="http://schemas.microsoft.com/office/mac/drawingml/2011/main" xmlns:a14="http://schemas.microsoft.com/office/drawing/2010/main" xmlns:m="http://schemas.openxmlformats.org/officeDocument/2006/math" xmlns="" val="1"/>
+              <ma14:wrappingTextBoxFlag xmlns="" xmlns:m="http://schemas.openxmlformats.org/officeDocument/2006/math" xmlns:a14="http://schemas.microsoft.com/office/drawing/2010/main" xmlns:ma14="http://schemas.microsoft.com/office/mac/drawingml/2011/main" val="1"/>
             </a:ext>
           </a:extLst>
         </p:spPr>
@@ -8906,7 +8999,7 @@
           </a:ln>
           <a:extLst>
             <a:ext uri="{C572A759-6A51-4108-AA02-DFA0A04FC94B}">
-              <ma14:wrappingTextBoxFlag xmlns:ma14="http://schemas.microsoft.com/office/mac/drawingml/2011/main" xmlns:a14="http://schemas.microsoft.com/office/drawing/2010/main" xmlns:m="http://schemas.openxmlformats.org/officeDocument/2006/math" xmlns="" val="1"/>
+              <ma14:wrappingTextBoxFlag xmlns="" xmlns:m="http://schemas.openxmlformats.org/officeDocument/2006/math" xmlns:a14="http://schemas.microsoft.com/office/drawing/2010/main" xmlns:ma14="http://schemas.microsoft.com/office/mac/drawingml/2011/main" val="1"/>
             </a:ext>
           </a:extLst>
         </p:spPr>
@@ -9985,6 +10078,1304 @@
       </p:grpSpPr>
       <p:pic>
         <p:nvPicPr>
+          <p:cNvPr id="26" name="Picture 25">
+            <a:extLst>
+              <a:ext uri="{FF2B5EF4-FFF2-40B4-BE49-F238E27FC236}">
+                <a16:creationId xmlns:a16="http://schemas.microsoft.com/office/drawing/2014/main" id="{E3686116-9881-A94B-8B48-DC0833836CB6}"/>
+              </a:ext>
+            </a:extLst>
+          </p:cNvPr>
+          <p:cNvPicPr>
+            <a:picLocks noChangeAspect="1"/>
+          </p:cNvPicPr>
+          <p:nvPr/>
+        </p:nvPicPr>
+        <p:blipFill>
+          <a:blip r:embed="rId3"/>
+          <a:stretch>
+            <a:fillRect/>
+          </a:stretch>
+        </p:blipFill>
+        <p:spPr>
+          <a:xfrm>
+            <a:off x="2578481" y="1860931"/>
+            <a:ext cx="2761488" cy="2761488"/>
+          </a:xfrm>
+          <a:prstGeom prst="rect">
+            <a:avLst/>
+          </a:prstGeom>
+        </p:spPr>
+      </p:pic>
+      <p:sp>
+        <p:nvSpPr>
+          <p:cNvPr id="50" name="Arc 49">
+            <a:extLst>
+              <a:ext uri="{FF2B5EF4-FFF2-40B4-BE49-F238E27FC236}">
+                <a16:creationId xmlns:a16="http://schemas.microsoft.com/office/drawing/2014/main" id="{7F1EE56F-D0B6-B745-84B1-36ADB5D54CBB}"/>
+              </a:ext>
+            </a:extLst>
+          </p:cNvPr>
+          <p:cNvSpPr/>
+          <p:nvPr/>
+        </p:nvSpPr>
+        <p:spPr>
+          <a:xfrm>
+            <a:off x="785931" y="1193850"/>
+            <a:ext cx="3016664" cy="2345167"/>
+          </a:xfrm>
+          <a:prstGeom prst="arc">
+            <a:avLst>
+              <a:gd name="adj1" fmla="val 16841095"/>
+              <a:gd name="adj2" fmla="val 21188693"/>
+            </a:avLst>
+          </a:prstGeom>
+          <a:ln w="19050">
+            <a:solidFill>
+              <a:schemeClr val="bg2">
+                <a:lumMod val="75000"/>
+              </a:schemeClr>
+            </a:solidFill>
+            <a:tailEnd type="triangle" w="med" len="med"/>
+          </a:ln>
+        </p:spPr>
+        <p:style>
+          <a:lnRef idx="1">
+            <a:schemeClr val="accent1"/>
+          </a:lnRef>
+          <a:fillRef idx="0">
+            <a:schemeClr val="accent1"/>
+          </a:fillRef>
+          <a:effectRef idx="0">
+            <a:schemeClr val="accent1"/>
+          </a:effectRef>
+          <a:fontRef idx="minor">
+            <a:schemeClr val="tx1"/>
+          </a:fontRef>
+        </p:style>
+        <p:txBody>
+          <a:bodyPr rtlCol="0" anchor="ctr"/>
+          <a:lstStyle/>
+          <a:p>
+            <a:pPr algn="ctr"/>
+            <a:endParaRPr lang="en-US"/>
+          </a:p>
+        </p:txBody>
+      </p:sp>
+      <p:sp>
+        <p:nvSpPr>
+          <p:cNvPr id="51" name="Arc 50">
+            <a:extLst>
+              <a:ext uri="{FF2B5EF4-FFF2-40B4-BE49-F238E27FC236}">
+                <a16:creationId xmlns:a16="http://schemas.microsoft.com/office/drawing/2014/main" id="{3099CE58-D099-6B46-A410-341B25E5F32C}"/>
+              </a:ext>
+            </a:extLst>
+          </p:cNvPr>
+          <p:cNvSpPr/>
+          <p:nvPr/>
+        </p:nvSpPr>
+        <p:spPr>
+          <a:xfrm rot="21300000" flipH="1">
+            <a:off x="4798982" y="1662273"/>
+            <a:ext cx="589540" cy="542833"/>
+          </a:xfrm>
+          <a:custGeom>
+            <a:avLst/>
+            <a:gdLst>
+              <a:gd name="connsiteX0" fmla="*/ 1468419 w 2936838"/>
+              <a:gd name="connsiteY0" fmla="*/ 0 h 2903536"/>
+              <a:gd name="connsiteX1" fmla="*/ 2934435 w 2936838"/>
+              <a:gd name="connsiteY1" fmla="*/ 1368744 h 2903536"/>
+              <a:gd name="connsiteX2" fmla="*/ 1468419 w 2936838"/>
+              <a:gd name="connsiteY2" fmla="*/ 1451768 h 2903536"/>
+              <a:gd name="connsiteX3" fmla="*/ 1468419 w 2936838"/>
+              <a:gd name="connsiteY3" fmla="*/ 0 h 2903536"/>
+              <a:gd name="connsiteX0" fmla="*/ 1468419 w 2936838"/>
+              <a:gd name="connsiteY0" fmla="*/ 0 h 2903536"/>
+              <a:gd name="connsiteX1" fmla="*/ 2934435 w 2936838"/>
+              <a:gd name="connsiteY1" fmla="*/ 1368744 h 2903536"/>
+              <a:gd name="connsiteX0" fmla="*/ 0 w 1466016"/>
+              <a:gd name="connsiteY0" fmla="*/ 0 h 1451768"/>
+              <a:gd name="connsiteX1" fmla="*/ 1466016 w 1466016"/>
+              <a:gd name="connsiteY1" fmla="*/ 1368744 h 1451768"/>
+              <a:gd name="connsiteX2" fmla="*/ 0 w 1466016"/>
+              <a:gd name="connsiteY2" fmla="*/ 1451768 h 1451768"/>
+              <a:gd name="connsiteX3" fmla="*/ 0 w 1466016"/>
+              <a:gd name="connsiteY3" fmla="*/ 0 h 1451768"/>
+              <a:gd name="connsiteX0" fmla="*/ 0 w 1466016"/>
+              <a:gd name="connsiteY0" fmla="*/ 0 h 1451768"/>
+              <a:gd name="connsiteX1" fmla="*/ 1466016 w 1466016"/>
+              <a:gd name="connsiteY1" fmla="*/ 1368744 h 1451768"/>
+              <a:gd name="connsiteX0" fmla="*/ 0 w 1466016"/>
+              <a:gd name="connsiteY0" fmla="*/ 0 h 1451768"/>
+              <a:gd name="connsiteX1" fmla="*/ 1466016 w 1466016"/>
+              <a:gd name="connsiteY1" fmla="*/ 1368744 h 1451768"/>
+              <a:gd name="connsiteX2" fmla="*/ 0 w 1466016"/>
+              <a:gd name="connsiteY2" fmla="*/ 1451768 h 1451768"/>
+              <a:gd name="connsiteX3" fmla="*/ 0 w 1466016"/>
+              <a:gd name="connsiteY3" fmla="*/ 0 h 1451768"/>
+              <a:gd name="connsiteX0" fmla="*/ 0 w 1466016"/>
+              <a:gd name="connsiteY0" fmla="*/ 0 h 1451768"/>
+              <a:gd name="connsiteX1" fmla="*/ 1466016 w 1466016"/>
+              <a:gd name="connsiteY1" fmla="*/ 1368744 h 1451768"/>
+            </a:gdLst>
+            <a:ahLst/>
+            <a:cxnLst>
+              <a:cxn ang="0">
+                <a:pos x="connsiteX0" y="connsiteY0"/>
+              </a:cxn>
+              <a:cxn ang="0">
+                <a:pos x="connsiteX1" y="connsiteY1"/>
+              </a:cxn>
+            </a:cxnLst>
+            <a:rect l="l" t="t" r="r" b="b"/>
+            <a:pathLst>
+              <a:path w="1466016" h="1451768" stroke="0" extrusionOk="0">
+                <a:moveTo>
+                  <a:pt x="0" y="0"/>
+                </a:moveTo>
+                <a:cubicBezTo>
+                  <a:pt x="778364" y="0"/>
+                  <a:pt x="1089577" y="809745"/>
+                  <a:pt x="1466016" y="1368744"/>
+                </a:cubicBezTo>
+                <a:lnTo>
+                  <a:pt x="0" y="1451768"/>
+                </a:lnTo>
+                <a:lnTo>
+                  <a:pt x="0" y="0"/>
+                </a:lnTo>
+                <a:close/>
+              </a:path>
+              <a:path w="1466016" h="1451768" fill="none">
+                <a:moveTo>
+                  <a:pt x="0" y="0"/>
+                </a:moveTo>
+                <a:cubicBezTo>
+                  <a:pt x="778364" y="0"/>
+                  <a:pt x="1421502" y="600466"/>
+                  <a:pt x="1466016" y="1368744"/>
+                </a:cubicBezTo>
+              </a:path>
+            </a:pathLst>
+          </a:custGeom>
+          <a:ln w="19050">
+            <a:solidFill>
+              <a:schemeClr val="bg2">
+                <a:lumMod val="75000"/>
+              </a:schemeClr>
+            </a:solidFill>
+            <a:tailEnd type="triangle" w="med" len="med"/>
+          </a:ln>
+        </p:spPr>
+        <p:style>
+          <a:lnRef idx="1">
+            <a:schemeClr val="accent1"/>
+          </a:lnRef>
+          <a:fillRef idx="0">
+            <a:schemeClr val="accent1"/>
+          </a:fillRef>
+          <a:effectRef idx="0">
+            <a:schemeClr val="accent1"/>
+          </a:effectRef>
+          <a:fontRef idx="minor">
+            <a:schemeClr val="tx1"/>
+          </a:fontRef>
+        </p:style>
+        <p:txBody>
+          <a:bodyPr rtlCol="0" anchor="ctr"/>
+          <a:lstStyle/>
+          <a:p>
+            <a:pPr algn="ctr"/>
+            <a:endParaRPr lang="en-US"/>
+          </a:p>
+        </p:txBody>
+      </p:sp>
+      <p:sp>
+        <p:nvSpPr>
+          <p:cNvPr id="54" name="Arc 53">
+            <a:extLst>
+              <a:ext uri="{FF2B5EF4-FFF2-40B4-BE49-F238E27FC236}">
+                <a16:creationId xmlns:a16="http://schemas.microsoft.com/office/drawing/2014/main" id="{36C3A527-0618-F84D-BFDC-2B5F3569FFF1}"/>
+              </a:ext>
+            </a:extLst>
+          </p:cNvPr>
+          <p:cNvSpPr/>
+          <p:nvPr/>
+        </p:nvSpPr>
+        <p:spPr>
+          <a:xfrm rot="16200000" flipV="1">
+            <a:off x="2939387" y="2074924"/>
+            <a:ext cx="1664783" cy="3143838"/>
+          </a:xfrm>
+          <a:prstGeom prst="arc">
+            <a:avLst>
+              <a:gd name="adj1" fmla="val 16344082"/>
+              <a:gd name="adj2" fmla="val 20852633"/>
+            </a:avLst>
+          </a:prstGeom>
+          <a:ln w="19050">
+            <a:solidFill>
+              <a:schemeClr val="bg2">
+                <a:lumMod val="75000"/>
+              </a:schemeClr>
+            </a:solidFill>
+            <a:tailEnd type="triangle"/>
+          </a:ln>
+        </p:spPr>
+        <p:style>
+          <a:lnRef idx="1">
+            <a:schemeClr val="accent1"/>
+          </a:lnRef>
+          <a:fillRef idx="0">
+            <a:schemeClr val="accent1"/>
+          </a:fillRef>
+          <a:effectRef idx="0">
+            <a:schemeClr val="accent1"/>
+          </a:effectRef>
+          <a:fontRef idx="minor">
+            <a:schemeClr val="tx1"/>
+          </a:fontRef>
+        </p:style>
+        <p:txBody>
+          <a:bodyPr rtlCol="0" anchor="ctr"/>
+          <a:lstStyle/>
+          <a:p>
+            <a:pPr algn="ctr"/>
+            <a:endParaRPr lang="en-US"/>
+          </a:p>
+        </p:txBody>
+      </p:sp>
+      <p:sp>
+        <p:nvSpPr>
+          <p:cNvPr id="53" name="Arc 52">
+            <a:extLst>
+              <a:ext uri="{FF2B5EF4-FFF2-40B4-BE49-F238E27FC236}">
+                <a16:creationId xmlns:a16="http://schemas.microsoft.com/office/drawing/2014/main" id="{96BD8594-B12F-0B4E-80D0-4C225EE50BD6}"/>
+              </a:ext>
+            </a:extLst>
+          </p:cNvPr>
+          <p:cNvSpPr/>
+          <p:nvPr/>
+        </p:nvSpPr>
+        <p:spPr>
+          <a:xfrm rot="16200000" flipH="1" flipV="1">
+            <a:off x="1467587" y="1863016"/>
+            <a:ext cx="1790345" cy="3020626"/>
+          </a:xfrm>
+          <a:prstGeom prst="arc">
+            <a:avLst>
+              <a:gd name="adj1" fmla="val 17006829"/>
+              <a:gd name="adj2" fmla="val 21084561"/>
+            </a:avLst>
+          </a:prstGeom>
+          <a:ln w="19050">
+            <a:solidFill>
+              <a:schemeClr val="bg2">
+                <a:lumMod val="75000"/>
+              </a:schemeClr>
+            </a:solidFill>
+            <a:headEnd type="triangle"/>
+            <a:tailEnd w="lg" len="med"/>
+          </a:ln>
+        </p:spPr>
+        <p:style>
+          <a:lnRef idx="1">
+            <a:schemeClr val="accent1"/>
+          </a:lnRef>
+          <a:fillRef idx="0">
+            <a:schemeClr val="accent1"/>
+          </a:fillRef>
+          <a:effectRef idx="0">
+            <a:schemeClr val="accent1"/>
+          </a:effectRef>
+          <a:fontRef idx="minor">
+            <a:schemeClr val="tx1"/>
+          </a:fontRef>
+        </p:style>
+        <p:txBody>
+          <a:bodyPr rtlCol="0" anchor="ctr"/>
+          <a:lstStyle/>
+          <a:p>
+            <a:pPr algn="ctr"/>
+            <a:endParaRPr lang="en-US"/>
+          </a:p>
+        </p:txBody>
+      </p:sp>
+      <p:grpSp>
+        <p:nvGrpSpPr>
+          <p:cNvPr id="2" name="Group 1">
+            <a:extLst>
+              <a:ext uri="{FF2B5EF4-FFF2-40B4-BE49-F238E27FC236}">
+                <a16:creationId xmlns:a16="http://schemas.microsoft.com/office/drawing/2014/main" id="{F5B16F9C-99AB-F945-80C1-7F1F423A1BC7}"/>
+              </a:ext>
+            </a:extLst>
+          </p:cNvPr>
+          <p:cNvGrpSpPr/>
+          <p:nvPr/>
+        </p:nvGrpSpPr>
+        <p:grpSpPr>
+          <a:xfrm>
+            <a:off x="-58094" y="3307641"/>
+            <a:ext cx="2619673" cy="3175709"/>
+            <a:chOff x="-58094" y="9550"/>
+            <a:chExt cx="2619673" cy="3175709"/>
+          </a:xfrm>
+        </p:grpSpPr>
+        <p:grpSp>
+          <p:nvGrpSpPr>
+            <p:cNvPr id="11" name="Group 10">
+              <a:extLst>
+                <a:ext uri="{FF2B5EF4-FFF2-40B4-BE49-F238E27FC236}">
+                  <a16:creationId xmlns:a16="http://schemas.microsoft.com/office/drawing/2014/main" id="{467437C8-B71E-FC40-BA91-88A141661B00}"/>
+                </a:ext>
+              </a:extLst>
+            </p:cNvPr>
+            <p:cNvGrpSpPr>
+              <a:grpSpLocks noChangeAspect="1"/>
+            </p:cNvGrpSpPr>
+            <p:nvPr/>
+          </p:nvGrpSpPr>
+          <p:grpSpPr>
+            <a:xfrm>
+              <a:off x="-58094" y="9550"/>
+              <a:ext cx="2619673" cy="3175709"/>
+              <a:chOff x="3709087" y="3092200"/>
+              <a:chExt cx="2797390" cy="3391145"/>
+            </a:xfrm>
+          </p:grpSpPr>
+          <p:pic>
+            <p:nvPicPr>
+              <p:cNvPr id="3" name="Picture 2">
+                <a:extLst>
+                  <a:ext uri="{FF2B5EF4-FFF2-40B4-BE49-F238E27FC236}">
+                    <a16:creationId xmlns:a16="http://schemas.microsoft.com/office/drawing/2014/main" id="{08D9A971-5C17-FA4D-AE4E-D33B19498FC9}"/>
+                  </a:ext>
+                </a:extLst>
+              </p:cNvPr>
+              <p:cNvPicPr>
+                <a:picLocks noChangeAspect="1"/>
+              </p:cNvPicPr>
+              <p:nvPr/>
+            </p:nvPicPr>
+            <p:blipFill>
+              <a:blip r:embed="rId4"/>
+              <a:stretch>
+                <a:fillRect/>
+              </a:stretch>
+            </p:blipFill>
+            <p:spPr>
+              <a:xfrm>
+                <a:off x="3783487" y="3379598"/>
+                <a:ext cx="2722990" cy="3103747"/>
+              </a:xfrm>
+              <a:prstGeom prst="rect">
+                <a:avLst/>
+              </a:prstGeom>
+            </p:spPr>
+          </p:pic>
+          <p:sp>
+            <p:nvSpPr>
+              <p:cNvPr id="22" name="TextBox 21">
+                <a:extLst>
+                  <a:ext uri="{FF2B5EF4-FFF2-40B4-BE49-F238E27FC236}">
+                    <a16:creationId xmlns:a16="http://schemas.microsoft.com/office/drawing/2014/main" id="{9CC8A2EA-F668-DD43-A074-9F1F726F28A7}"/>
+                  </a:ext>
+                </a:extLst>
+              </p:cNvPr>
+              <p:cNvSpPr txBox="1"/>
+              <p:nvPr/>
+            </p:nvSpPr>
+            <p:spPr>
+              <a:xfrm>
+                <a:off x="3709087" y="3092200"/>
+                <a:ext cx="578784" cy="338554"/>
+              </a:xfrm>
+              <a:prstGeom prst="rect">
+                <a:avLst/>
+              </a:prstGeom>
+              <a:noFill/>
+            </p:spPr>
+            <p:txBody>
+              <a:bodyPr wrap="square" rtlCol="0">
+                <a:spAutoFit/>
+              </a:bodyPr>
+              <a:lstStyle/>
+              <a:p>
+                <a:pPr algn="ctr"/>
+                <a:r>
+                  <a:rPr lang="en-US" sz="1600" b="1" dirty="0">
+                    <a:latin typeface="Helvetica Neue" panose="02000503000000020004" pitchFamily="2" charset="0"/>
+                    <a:ea typeface="Helvetica Neue" panose="02000503000000020004" pitchFamily="2" charset="0"/>
+                    <a:cs typeface="Helvetica Neue" panose="02000503000000020004" pitchFamily="2" charset="0"/>
+                  </a:rPr>
+                  <a:t>d</a:t>
+                </a:r>
+              </a:p>
+            </p:txBody>
+          </p:sp>
+        </p:grpSp>
+        <p:sp>
+          <p:nvSpPr>
+            <p:cNvPr id="35" name="Rectangle 34">
+              <a:extLst>
+                <a:ext uri="{FF2B5EF4-FFF2-40B4-BE49-F238E27FC236}">
+                  <a16:creationId xmlns:a16="http://schemas.microsoft.com/office/drawing/2014/main" id="{2F86A746-90CC-4240-986F-1335AE691A55}"/>
+                </a:ext>
+              </a:extLst>
+            </p:cNvPr>
+            <p:cNvSpPr/>
+            <p:nvPr/>
+          </p:nvSpPr>
+          <p:spPr>
+            <a:xfrm>
+              <a:off x="43031" y="46979"/>
+              <a:ext cx="2499085" cy="3094177"/>
+            </a:xfrm>
+            <a:prstGeom prst="rect">
+              <a:avLst/>
+            </a:prstGeom>
+            <a:noFill/>
+            <a:ln w="19050">
+              <a:solidFill>
+                <a:schemeClr val="bg2">
+                  <a:lumMod val="75000"/>
+                </a:schemeClr>
+              </a:solidFill>
+            </a:ln>
+          </p:spPr>
+          <p:style>
+            <a:lnRef idx="2">
+              <a:schemeClr val="accent1">
+                <a:shade val="50000"/>
+              </a:schemeClr>
+            </a:lnRef>
+            <a:fillRef idx="1">
+              <a:schemeClr val="accent1"/>
+            </a:fillRef>
+            <a:effectRef idx="0">
+              <a:schemeClr val="accent1"/>
+            </a:effectRef>
+            <a:fontRef idx="minor">
+              <a:schemeClr val="lt1"/>
+            </a:fontRef>
+          </p:style>
+          <p:txBody>
+            <a:bodyPr rtlCol="0" anchor="ctr"/>
+            <a:lstStyle/>
+            <a:p>
+              <a:pPr algn="ctr"/>
+              <a:endParaRPr lang="en-US" dirty="0"/>
+            </a:p>
+          </p:txBody>
+        </p:sp>
+        <p:sp>
+          <p:nvSpPr>
+            <p:cNvPr id="55" name="TextBox 54">
+              <a:extLst>
+                <a:ext uri="{FF2B5EF4-FFF2-40B4-BE49-F238E27FC236}">
+                  <a16:creationId xmlns:a16="http://schemas.microsoft.com/office/drawing/2014/main" id="{5523DCC3-C862-8C42-A4DA-E70E20BFB814}"/>
+                </a:ext>
+              </a:extLst>
+            </p:cNvPr>
+            <p:cNvSpPr txBox="1"/>
+            <p:nvPr/>
+          </p:nvSpPr>
+          <p:spPr>
+            <a:xfrm>
+              <a:off x="670829" y="106557"/>
+              <a:ext cx="1771157" cy="276999"/>
+            </a:xfrm>
+            <a:prstGeom prst="rect">
+              <a:avLst/>
+            </a:prstGeom>
+            <a:noFill/>
+          </p:spPr>
+          <p:txBody>
+            <a:bodyPr wrap="square" rtlCol="0">
+              <a:spAutoFit/>
+            </a:bodyPr>
+            <a:lstStyle/>
+            <a:p>
+              <a:pPr algn="ctr"/>
+              <a:r>
+                <a:rPr lang="en-US" sz="1200" i="1" dirty="0">
+                  <a:solidFill>
+                    <a:srgbClr val="8FB132"/>
+                  </a:solidFill>
+                  <a:latin typeface="Arial" panose="020B0604020202020204" pitchFamily="34" charset="0"/>
+                  <a:ea typeface="Helvetica Neue" panose="02000503000000020004" pitchFamily="2" charset="0"/>
+                  <a:cs typeface="Arial" panose="020B0604020202020204" pitchFamily="34" charset="0"/>
+                </a:rPr>
+                <a:t>Amplification</a:t>
+              </a:r>
+            </a:p>
+          </p:txBody>
+        </p:sp>
+      </p:grpSp>
+      <p:grpSp>
+        <p:nvGrpSpPr>
+          <p:cNvPr id="8" name="Group 7">
+            <a:extLst>
+              <a:ext uri="{FF2B5EF4-FFF2-40B4-BE49-F238E27FC236}">
+                <a16:creationId xmlns:a16="http://schemas.microsoft.com/office/drawing/2014/main" id="{8518B814-7DC7-BC4D-9421-D06D1CDE7D08}"/>
+              </a:ext>
+            </a:extLst>
+          </p:cNvPr>
+          <p:cNvGrpSpPr/>
+          <p:nvPr/>
+        </p:nvGrpSpPr>
+        <p:grpSpPr>
+          <a:xfrm>
+            <a:off x="-58094" y="14184"/>
+            <a:ext cx="2608682" cy="3171393"/>
+            <a:chOff x="-58198" y="3311957"/>
+            <a:chExt cx="2608682" cy="3171393"/>
+          </a:xfrm>
+        </p:grpSpPr>
+        <p:grpSp>
+          <p:nvGrpSpPr>
+            <p:cNvPr id="6" name="Group 5">
+              <a:extLst>
+                <a:ext uri="{FF2B5EF4-FFF2-40B4-BE49-F238E27FC236}">
+                  <a16:creationId xmlns:a16="http://schemas.microsoft.com/office/drawing/2014/main" id="{EA84E907-5290-6248-A782-79A0823CBA34}"/>
+                </a:ext>
+              </a:extLst>
+            </p:cNvPr>
+            <p:cNvGrpSpPr>
+              <a:grpSpLocks noChangeAspect="1"/>
+            </p:cNvGrpSpPr>
+            <p:nvPr/>
+          </p:nvGrpSpPr>
+          <p:grpSpPr>
+            <a:xfrm>
+              <a:off x="-58198" y="3311957"/>
+              <a:ext cx="2608682" cy="3171393"/>
+              <a:chOff x="1349839" y="-6293"/>
+              <a:chExt cx="2785122" cy="3385893"/>
+            </a:xfrm>
+          </p:grpSpPr>
+          <p:pic>
+            <p:nvPicPr>
+              <p:cNvPr id="9" name="Picture 8">
+                <a:extLst>
+                  <a:ext uri="{FF2B5EF4-FFF2-40B4-BE49-F238E27FC236}">
+                    <a16:creationId xmlns:a16="http://schemas.microsoft.com/office/drawing/2014/main" id="{B60DE2FD-9935-D249-950F-FE366DBB2A07}"/>
+                  </a:ext>
+                </a:extLst>
+              </p:cNvPr>
+              <p:cNvPicPr>
+                <a:picLocks noChangeAspect="1"/>
+              </p:cNvPicPr>
+              <p:nvPr/>
+            </p:nvPicPr>
+            <p:blipFill>
+              <a:blip r:embed="rId5"/>
+              <a:stretch>
+                <a:fillRect/>
+              </a:stretch>
+            </p:blipFill>
+            <p:spPr>
+              <a:xfrm>
+                <a:off x="1411972" y="275852"/>
+                <a:ext cx="2722989" cy="3103748"/>
+              </a:xfrm>
+              <a:prstGeom prst="rect">
+                <a:avLst/>
+              </a:prstGeom>
+            </p:spPr>
+          </p:pic>
+          <p:sp>
+            <p:nvSpPr>
+              <p:cNvPr id="16" name="TextBox 15">
+                <a:extLst>
+                  <a:ext uri="{FF2B5EF4-FFF2-40B4-BE49-F238E27FC236}">
+                    <a16:creationId xmlns:a16="http://schemas.microsoft.com/office/drawing/2014/main" id="{0B8EA217-6F2C-0943-8D48-F70EC12EC200}"/>
+                  </a:ext>
+                </a:extLst>
+              </p:cNvPr>
+              <p:cNvSpPr txBox="1"/>
+              <p:nvPr/>
+            </p:nvSpPr>
+            <p:spPr>
+              <a:xfrm>
+                <a:off x="1349839" y="-6293"/>
+                <a:ext cx="578783" cy="338554"/>
+              </a:xfrm>
+              <a:prstGeom prst="rect">
+                <a:avLst/>
+              </a:prstGeom>
+              <a:noFill/>
+            </p:spPr>
+            <p:txBody>
+              <a:bodyPr wrap="square" rtlCol="0">
+                <a:spAutoFit/>
+              </a:bodyPr>
+              <a:lstStyle/>
+              <a:p>
+                <a:pPr algn="ctr"/>
+                <a:r>
+                  <a:rPr lang="en-US" sz="1600" b="1" dirty="0">
+                    <a:latin typeface="Helvetica Neue" panose="02000503000000020004" pitchFamily="2" charset="0"/>
+                    <a:ea typeface="Helvetica Neue" panose="02000503000000020004" pitchFamily="2" charset="0"/>
+                    <a:cs typeface="Helvetica Neue" panose="02000503000000020004" pitchFamily="2" charset="0"/>
+                  </a:rPr>
+                  <a:t>a</a:t>
+                </a:r>
+              </a:p>
+            </p:txBody>
+          </p:sp>
+        </p:grpSp>
+        <p:sp>
+          <p:nvSpPr>
+            <p:cNvPr id="34" name="Rectangle 33">
+              <a:extLst>
+                <a:ext uri="{FF2B5EF4-FFF2-40B4-BE49-F238E27FC236}">
+                  <a16:creationId xmlns:a16="http://schemas.microsoft.com/office/drawing/2014/main" id="{396A4478-41EF-6B4D-B23C-2A4BA2D8DABE}"/>
+                </a:ext>
+              </a:extLst>
+            </p:cNvPr>
+            <p:cNvSpPr/>
+            <p:nvPr/>
+          </p:nvSpPr>
+          <p:spPr>
+            <a:xfrm>
+              <a:off x="43032" y="3342196"/>
+              <a:ext cx="2499084" cy="3094176"/>
+            </a:xfrm>
+            <a:prstGeom prst="rect">
+              <a:avLst/>
+            </a:prstGeom>
+            <a:noFill/>
+            <a:ln w="19050">
+              <a:solidFill>
+                <a:schemeClr val="bg2">
+                  <a:lumMod val="75000"/>
+                </a:schemeClr>
+              </a:solidFill>
+            </a:ln>
+          </p:spPr>
+          <p:style>
+            <a:lnRef idx="2">
+              <a:schemeClr val="accent1">
+                <a:shade val="50000"/>
+              </a:schemeClr>
+            </a:lnRef>
+            <a:fillRef idx="1">
+              <a:schemeClr val="accent1"/>
+            </a:fillRef>
+            <a:effectRef idx="0">
+              <a:schemeClr val="accent1"/>
+            </a:effectRef>
+            <a:fontRef idx="minor">
+              <a:schemeClr val="lt1"/>
+            </a:fontRef>
+          </p:style>
+          <p:txBody>
+            <a:bodyPr rtlCol="0" anchor="ctr"/>
+            <a:lstStyle/>
+            <a:p>
+              <a:pPr algn="ctr"/>
+              <a:endParaRPr lang="en-US"/>
+            </a:p>
+          </p:txBody>
+        </p:sp>
+        <p:sp>
+          <p:nvSpPr>
+            <p:cNvPr id="56" name="TextBox 55">
+              <a:extLst>
+                <a:ext uri="{FF2B5EF4-FFF2-40B4-BE49-F238E27FC236}">
+                  <a16:creationId xmlns:a16="http://schemas.microsoft.com/office/drawing/2014/main" id="{53F4DC70-1EA9-4149-AFF0-F773D783C706}"/>
+                </a:ext>
+              </a:extLst>
+            </p:cNvPr>
+            <p:cNvSpPr txBox="1"/>
+            <p:nvPr/>
+          </p:nvSpPr>
+          <p:spPr>
+            <a:xfrm>
+              <a:off x="670829" y="3388644"/>
+              <a:ext cx="1771157" cy="276999"/>
+            </a:xfrm>
+            <a:prstGeom prst="rect">
+              <a:avLst/>
+            </a:prstGeom>
+            <a:noFill/>
+          </p:spPr>
+          <p:txBody>
+            <a:bodyPr wrap="square" rtlCol="0">
+              <a:spAutoFit/>
+            </a:bodyPr>
+            <a:lstStyle/>
+            <a:p>
+              <a:pPr algn="ctr"/>
+              <a:r>
+                <a:rPr lang="en-US" sz="1200" i="1" dirty="0">
+                  <a:solidFill>
+                    <a:srgbClr val="8FB132"/>
+                  </a:solidFill>
+                  <a:latin typeface="Arial" panose="020B0604020202020204" pitchFamily="34" charset="0"/>
+                  <a:ea typeface="Helvetica Neue" panose="02000503000000020004" pitchFamily="2" charset="0"/>
+                  <a:cs typeface="Arial" panose="020B0604020202020204" pitchFamily="34" charset="0"/>
+                </a:rPr>
+                <a:t>Downward contagion</a:t>
+              </a:r>
+            </a:p>
+          </p:txBody>
+        </p:sp>
+      </p:grpSp>
+      <p:grpSp>
+        <p:nvGrpSpPr>
+          <p:cNvPr id="13" name="Group 12">
+            <a:extLst>
+              <a:ext uri="{FF2B5EF4-FFF2-40B4-BE49-F238E27FC236}">
+                <a16:creationId xmlns:a16="http://schemas.microsoft.com/office/drawing/2014/main" id="{3B9115EA-2FB8-6346-B2E2-C1E514C8EF31}"/>
+              </a:ext>
+            </a:extLst>
+          </p:cNvPr>
+          <p:cNvGrpSpPr/>
+          <p:nvPr/>
+        </p:nvGrpSpPr>
+        <p:grpSpPr>
+          <a:xfrm>
+            <a:off x="5273538" y="3293637"/>
+            <a:ext cx="2601773" cy="3143075"/>
+            <a:chOff x="5316676" y="22240"/>
+            <a:chExt cx="2601773" cy="3143075"/>
+          </a:xfrm>
+        </p:grpSpPr>
+        <p:grpSp>
+          <p:nvGrpSpPr>
+            <p:cNvPr id="10" name="Group 9">
+              <a:extLst>
+                <a:ext uri="{FF2B5EF4-FFF2-40B4-BE49-F238E27FC236}">
+                  <a16:creationId xmlns:a16="http://schemas.microsoft.com/office/drawing/2014/main" id="{85988E11-6252-A940-84F3-2690A1CE234E}"/>
+                </a:ext>
+              </a:extLst>
+            </p:cNvPr>
+            <p:cNvGrpSpPr>
+              <a:grpSpLocks noChangeAspect="1"/>
+            </p:cNvGrpSpPr>
+            <p:nvPr/>
+          </p:nvGrpSpPr>
+          <p:grpSpPr>
+            <a:xfrm>
+              <a:off x="5316676" y="22240"/>
+              <a:ext cx="2601773" cy="3143075"/>
+              <a:chOff x="1335316" y="3101234"/>
+              <a:chExt cx="2799645" cy="3382115"/>
+            </a:xfrm>
+          </p:grpSpPr>
+          <p:pic>
+            <p:nvPicPr>
+              <p:cNvPr id="5" name="Picture 4">
+                <a:extLst>
+                  <a:ext uri="{FF2B5EF4-FFF2-40B4-BE49-F238E27FC236}">
+                    <a16:creationId xmlns:a16="http://schemas.microsoft.com/office/drawing/2014/main" id="{CB894BB7-CF0D-3745-B183-175510696146}"/>
+                  </a:ext>
+                </a:extLst>
+              </p:cNvPr>
+              <p:cNvPicPr>
+                <a:picLocks noChangeAspect="1"/>
+              </p:cNvPicPr>
+              <p:nvPr/>
+            </p:nvPicPr>
+            <p:blipFill>
+              <a:blip r:embed="rId6"/>
+              <a:stretch>
+                <a:fillRect/>
+              </a:stretch>
+            </p:blipFill>
+            <p:spPr>
+              <a:xfrm>
+                <a:off x="1411971" y="3379601"/>
+                <a:ext cx="2722990" cy="3103748"/>
+              </a:xfrm>
+              <a:prstGeom prst="rect">
+                <a:avLst/>
+              </a:prstGeom>
+              <a:ln>
+                <a:noFill/>
+              </a:ln>
+            </p:spPr>
+          </p:pic>
+          <p:sp>
+            <p:nvSpPr>
+              <p:cNvPr id="20" name="TextBox 19">
+                <a:extLst>
+                  <a:ext uri="{FF2B5EF4-FFF2-40B4-BE49-F238E27FC236}">
+                    <a16:creationId xmlns:a16="http://schemas.microsoft.com/office/drawing/2014/main" id="{E8C86BD2-9FE9-8C4D-A835-2EAAEE829653}"/>
+                  </a:ext>
+                </a:extLst>
+              </p:cNvPr>
+              <p:cNvSpPr txBox="1"/>
+              <p:nvPr/>
+            </p:nvSpPr>
+            <p:spPr>
+              <a:xfrm>
+                <a:off x="1335316" y="3101234"/>
+                <a:ext cx="578784" cy="338554"/>
+              </a:xfrm>
+              <a:prstGeom prst="rect">
+                <a:avLst/>
+              </a:prstGeom>
+              <a:noFill/>
+              <a:ln>
+                <a:noFill/>
+              </a:ln>
+            </p:spPr>
+            <p:txBody>
+              <a:bodyPr wrap="square" rtlCol="0">
+                <a:spAutoFit/>
+              </a:bodyPr>
+              <a:lstStyle/>
+              <a:p>
+                <a:pPr algn="ctr"/>
+                <a:r>
+                  <a:rPr lang="en-US" sz="1600" b="1" dirty="0">
+                    <a:latin typeface="Helvetica Neue" panose="02000503000000020004" pitchFamily="2" charset="0"/>
+                    <a:ea typeface="Helvetica Neue" panose="02000503000000020004" pitchFamily="2" charset="0"/>
+                    <a:cs typeface="Helvetica Neue" panose="02000503000000020004" pitchFamily="2" charset="0"/>
+                  </a:rPr>
+                  <a:t>c</a:t>
+                </a:r>
+              </a:p>
+            </p:txBody>
+          </p:sp>
+        </p:grpSp>
+        <p:sp>
+          <p:nvSpPr>
+            <p:cNvPr id="36" name="Rectangle 35">
+              <a:extLst>
+                <a:ext uri="{FF2B5EF4-FFF2-40B4-BE49-F238E27FC236}">
+                  <a16:creationId xmlns:a16="http://schemas.microsoft.com/office/drawing/2014/main" id="{20FB9D9C-9342-6748-AB68-E0695D7BA19D}"/>
+                </a:ext>
+              </a:extLst>
+            </p:cNvPr>
+            <p:cNvSpPr/>
+            <p:nvPr/>
+          </p:nvSpPr>
+          <p:spPr>
+            <a:xfrm>
+              <a:off x="5386835" y="46978"/>
+              <a:ext cx="2496312" cy="3098952"/>
+            </a:xfrm>
+            <a:prstGeom prst="rect">
+              <a:avLst/>
+            </a:prstGeom>
+            <a:noFill/>
+            <a:ln w="19050">
+              <a:solidFill>
+                <a:schemeClr val="bg2">
+                  <a:lumMod val="75000"/>
+                </a:schemeClr>
+              </a:solidFill>
+            </a:ln>
+          </p:spPr>
+          <p:style>
+            <a:lnRef idx="2">
+              <a:schemeClr val="accent1">
+                <a:shade val="50000"/>
+              </a:schemeClr>
+            </a:lnRef>
+            <a:fillRef idx="1">
+              <a:schemeClr val="accent1"/>
+            </a:fillRef>
+            <a:effectRef idx="0">
+              <a:schemeClr val="accent1"/>
+            </a:effectRef>
+            <a:fontRef idx="minor">
+              <a:schemeClr val="lt1"/>
+            </a:fontRef>
+          </p:style>
+          <p:txBody>
+            <a:bodyPr rtlCol="0" anchor="ctr"/>
+            <a:lstStyle/>
+            <a:p>
+              <a:pPr algn="ctr"/>
+              <a:endParaRPr lang="en-US"/>
+            </a:p>
+          </p:txBody>
+        </p:sp>
+        <p:sp>
+          <p:nvSpPr>
+            <p:cNvPr id="57" name="TextBox 56">
+              <a:extLst>
+                <a:ext uri="{FF2B5EF4-FFF2-40B4-BE49-F238E27FC236}">
+                  <a16:creationId xmlns:a16="http://schemas.microsoft.com/office/drawing/2014/main" id="{9E621244-D874-B242-88CF-8CC803F84200}"/>
+                </a:ext>
+              </a:extLst>
+            </p:cNvPr>
+            <p:cNvSpPr txBox="1"/>
+            <p:nvPr/>
+          </p:nvSpPr>
+          <p:spPr>
+            <a:xfrm>
+              <a:off x="6048639" y="112266"/>
+              <a:ext cx="1771157" cy="276999"/>
+            </a:xfrm>
+            <a:prstGeom prst="rect">
+              <a:avLst/>
+            </a:prstGeom>
+            <a:noFill/>
+          </p:spPr>
+          <p:txBody>
+            <a:bodyPr wrap="square" rtlCol="0">
+              <a:spAutoFit/>
+            </a:bodyPr>
+            <a:lstStyle/>
+            <a:p>
+              <a:pPr algn="ctr"/>
+              <a:r>
+                <a:rPr lang="en-US" sz="1200" i="1" dirty="0">
+                  <a:solidFill>
+                    <a:srgbClr val="8FB132"/>
+                  </a:solidFill>
+                  <a:latin typeface="Arial" panose="020B0604020202020204" pitchFamily="34" charset="0"/>
+                  <a:ea typeface="Helvetica Neue" panose="02000503000000020004" pitchFamily="2" charset="0"/>
+                  <a:cs typeface="Arial" panose="020B0604020202020204" pitchFamily="34" charset="0"/>
+                </a:rPr>
+                <a:t>No effect</a:t>
+              </a:r>
+            </a:p>
+          </p:txBody>
+        </p:sp>
+      </p:grpSp>
+      <p:grpSp>
+        <p:nvGrpSpPr>
+          <p:cNvPr id="12" name="Group 11">
+            <a:extLst>
+              <a:ext uri="{FF2B5EF4-FFF2-40B4-BE49-F238E27FC236}">
+                <a16:creationId xmlns:a16="http://schemas.microsoft.com/office/drawing/2014/main" id="{1A3343D7-FCA7-644A-8765-3A703946A4E5}"/>
+              </a:ext>
+            </a:extLst>
+          </p:cNvPr>
+          <p:cNvGrpSpPr/>
+          <p:nvPr/>
+        </p:nvGrpSpPr>
+        <p:grpSpPr>
+          <a:xfrm>
+            <a:off x="5273538" y="37948"/>
+            <a:ext cx="2601776" cy="3151766"/>
+            <a:chOff x="5316676" y="3333982"/>
+            <a:chExt cx="2601776" cy="3151766"/>
+          </a:xfrm>
+        </p:grpSpPr>
+        <p:grpSp>
+          <p:nvGrpSpPr>
+            <p:cNvPr id="4" name="Group 3">
+              <a:extLst>
+                <a:ext uri="{FF2B5EF4-FFF2-40B4-BE49-F238E27FC236}">
+                  <a16:creationId xmlns:a16="http://schemas.microsoft.com/office/drawing/2014/main" id="{DDE81728-7576-004D-8F69-58886B6402DE}"/>
+                </a:ext>
+              </a:extLst>
+            </p:cNvPr>
+            <p:cNvGrpSpPr>
+              <a:grpSpLocks noChangeAspect="1"/>
+            </p:cNvGrpSpPr>
+            <p:nvPr/>
+          </p:nvGrpSpPr>
+          <p:grpSpPr>
+            <a:xfrm>
+              <a:off x="5316676" y="3333982"/>
+              <a:ext cx="2601776" cy="3151766"/>
+              <a:chOff x="3728733" y="9962"/>
+              <a:chExt cx="2777745" cy="3364934"/>
+            </a:xfrm>
+          </p:grpSpPr>
+          <p:pic>
+            <p:nvPicPr>
+              <p:cNvPr id="7" name="Picture 6">
+                <a:extLst>
+                  <a:ext uri="{FF2B5EF4-FFF2-40B4-BE49-F238E27FC236}">
+                    <a16:creationId xmlns:a16="http://schemas.microsoft.com/office/drawing/2014/main" id="{21E58C93-E278-C34A-B421-721451A6D619}"/>
+                  </a:ext>
+                </a:extLst>
+              </p:cNvPr>
+              <p:cNvPicPr>
+                <a:picLocks noChangeAspect="1"/>
+              </p:cNvPicPr>
+              <p:nvPr/>
+            </p:nvPicPr>
+            <p:blipFill>
+              <a:blip r:embed="rId7"/>
+              <a:stretch>
+                <a:fillRect/>
+              </a:stretch>
+            </p:blipFill>
+            <p:spPr>
+              <a:xfrm>
+                <a:off x="3783488" y="271148"/>
+                <a:ext cx="2722990" cy="3103748"/>
+              </a:xfrm>
+              <a:prstGeom prst="rect">
+                <a:avLst/>
+              </a:prstGeom>
+            </p:spPr>
+          </p:pic>
+          <p:sp>
+            <p:nvSpPr>
+              <p:cNvPr id="18" name="TextBox 17">
+                <a:extLst>
+                  <a:ext uri="{FF2B5EF4-FFF2-40B4-BE49-F238E27FC236}">
+                    <a16:creationId xmlns:a16="http://schemas.microsoft.com/office/drawing/2014/main" id="{46BBEC22-8FD3-4646-AE1A-C6C1C5D5E1E6}"/>
+                  </a:ext>
+                </a:extLst>
+              </p:cNvPr>
+              <p:cNvSpPr txBox="1"/>
+              <p:nvPr/>
+            </p:nvSpPr>
+            <p:spPr>
+              <a:xfrm>
+                <a:off x="3728733" y="9962"/>
+                <a:ext cx="578784" cy="338554"/>
+              </a:xfrm>
+              <a:prstGeom prst="rect">
+                <a:avLst/>
+              </a:prstGeom>
+              <a:noFill/>
+            </p:spPr>
+            <p:txBody>
+              <a:bodyPr wrap="square" rtlCol="0">
+                <a:spAutoFit/>
+              </a:bodyPr>
+              <a:lstStyle/>
+              <a:p>
+                <a:pPr algn="ctr"/>
+                <a:r>
+                  <a:rPr lang="en-US" sz="1600" b="1" dirty="0">
+                    <a:latin typeface="Helvetica Neue" panose="02000503000000020004" pitchFamily="2" charset="0"/>
+                    <a:ea typeface="Helvetica Neue" panose="02000503000000020004" pitchFamily="2" charset="0"/>
+                    <a:cs typeface="Helvetica Neue" panose="02000503000000020004" pitchFamily="2" charset="0"/>
+                  </a:rPr>
+                  <a:t>b</a:t>
+                </a:r>
+              </a:p>
+            </p:txBody>
+          </p:sp>
+        </p:grpSp>
+        <p:sp>
+          <p:nvSpPr>
+            <p:cNvPr id="37" name="Rectangle 36">
+              <a:extLst>
+                <a:ext uri="{FF2B5EF4-FFF2-40B4-BE49-F238E27FC236}">
+                  <a16:creationId xmlns:a16="http://schemas.microsoft.com/office/drawing/2014/main" id="{972F0A53-93E3-CD44-83A9-5A79649E4C74}"/>
+                </a:ext>
+              </a:extLst>
+            </p:cNvPr>
+            <p:cNvSpPr/>
+            <p:nvPr/>
+          </p:nvSpPr>
+          <p:spPr>
+            <a:xfrm>
+              <a:off x="5391772" y="3342196"/>
+              <a:ext cx="2499083" cy="3094175"/>
+            </a:xfrm>
+            <a:prstGeom prst="rect">
+              <a:avLst/>
+            </a:prstGeom>
+            <a:noFill/>
+            <a:ln w="19050">
+              <a:solidFill>
+                <a:schemeClr val="bg2">
+                  <a:lumMod val="75000"/>
+                </a:schemeClr>
+              </a:solidFill>
+            </a:ln>
+          </p:spPr>
+          <p:style>
+            <a:lnRef idx="2">
+              <a:schemeClr val="accent1">
+                <a:shade val="50000"/>
+              </a:schemeClr>
+            </a:lnRef>
+            <a:fillRef idx="1">
+              <a:schemeClr val="accent1"/>
+            </a:fillRef>
+            <a:effectRef idx="0">
+              <a:schemeClr val="accent1"/>
+            </a:effectRef>
+            <a:fontRef idx="minor">
+              <a:schemeClr val="lt1"/>
+            </a:fontRef>
+          </p:style>
+          <p:txBody>
+            <a:bodyPr rtlCol="0" anchor="ctr"/>
+            <a:lstStyle/>
+            <a:p>
+              <a:pPr algn="ctr"/>
+              <a:endParaRPr lang="en-US"/>
+            </a:p>
+          </p:txBody>
+        </p:sp>
+        <p:sp>
+          <p:nvSpPr>
+            <p:cNvPr id="58" name="TextBox 57">
+              <a:extLst>
+                <a:ext uri="{FF2B5EF4-FFF2-40B4-BE49-F238E27FC236}">
+                  <a16:creationId xmlns:a16="http://schemas.microsoft.com/office/drawing/2014/main" id="{B8B22680-8FCF-564A-A59A-6339D506D934}"/>
+                </a:ext>
+              </a:extLst>
+            </p:cNvPr>
+            <p:cNvSpPr txBox="1"/>
+            <p:nvPr/>
+          </p:nvSpPr>
+          <p:spPr>
+            <a:xfrm>
+              <a:off x="6037881" y="3388644"/>
+              <a:ext cx="1771157" cy="276999"/>
+            </a:xfrm>
+            <a:prstGeom prst="rect">
+              <a:avLst/>
+            </a:prstGeom>
+            <a:noFill/>
+          </p:spPr>
+          <p:txBody>
+            <a:bodyPr wrap="square" rtlCol="0">
+              <a:spAutoFit/>
+            </a:bodyPr>
+            <a:lstStyle/>
+            <a:p>
+              <a:pPr algn="ctr"/>
+              <a:r>
+                <a:rPr lang="en-US" sz="1200" i="1" dirty="0">
+                  <a:solidFill>
+                    <a:srgbClr val="8FB132"/>
+                  </a:solidFill>
+                  <a:latin typeface="Arial" panose="020B0604020202020204" pitchFamily="34" charset="0"/>
+                  <a:ea typeface="Helvetica Neue" panose="02000503000000020004" pitchFamily="2" charset="0"/>
+                  <a:cs typeface="Arial" panose="020B0604020202020204" pitchFamily="34" charset="0"/>
+                </a:rPr>
+                <a:t>Upward contagion</a:t>
+              </a:r>
+            </a:p>
+          </p:txBody>
+        </p:sp>
+      </p:grpSp>
+      <p:sp>
+        <p:nvSpPr>
+          <p:cNvPr id="21" name="TextBox 20">
+            <a:extLst>
+              <a:ext uri="{FF2B5EF4-FFF2-40B4-BE49-F238E27FC236}">
+                <a16:creationId xmlns:a16="http://schemas.microsoft.com/office/drawing/2014/main" id="{F8E7F266-7467-FE46-9469-D94B82C96E1B}"/>
+              </a:ext>
+            </a:extLst>
+          </p:cNvPr>
+          <p:cNvSpPr txBox="1"/>
+          <p:nvPr/>
+        </p:nvSpPr>
+        <p:spPr>
+          <a:xfrm>
+            <a:off x="4533799" y="3281491"/>
+            <a:ext cx="703656" cy="461665"/>
+          </a:xfrm>
+          <a:prstGeom prst="rect">
+            <a:avLst/>
+          </a:prstGeom>
+          <a:noFill/>
+        </p:spPr>
+        <p:txBody>
+          <a:bodyPr wrap="square" rtlCol="0">
+            <a:spAutoFit/>
+          </a:bodyPr>
+          <a:lstStyle/>
+          <a:p>
+            <a:r>
+              <a:rPr lang="en-US" sz="1200" dirty="0">
+                <a:solidFill>
+                  <a:srgbClr val="E52421"/>
+                </a:solidFill>
+                <a:latin typeface="Helvetica" pitchFamily="2" charset="0"/>
+                <a:cs typeface="Arial" panose="020B0604020202020204" pitchFamily="34" charset="0"/>
+              </a:rPr>
+              <a:t>𝛼</a:t>
+            </a:r>
+            <a:r>
+              <a:rPr lang="en-US" sz="1200" baseline="30000" dirty="0">
+                <a:solidFill>
+                  <a:srgbClr val="E52421"/>
+                </a:solidFill>
+                <a:latin typeface="Helvetica" pitchFamily="2" charset="0"/>
+                <a:cs typeface="Arial" panose="020B0604020202020204" pitchFamily="34" charset="0"/>
+              </a:rPr>
+              <a:t>X</a:t>
+            </a:r>
+            <a:r>
+              <a:rPr lang="en-US" sz="1200" dirty="0">
+                <a:solidFill>
+                  <a:srgbClr val="E52421"/>
+                </a:solidFill>
+                <a:latin typeface="Helvetica" pitchFamily="2" charset="0"/>
+                <a:cs typeface="Arial" panose="020B0604020202020204" pitchFamily="34" charset="0"/>
+              </a:rPr>
+              <a:t> = 6</a:t>
+            </a:r>
+          </a:p>
+          <a:p>
+            <a:r>
+              <a:rPr lang="en-US" sz="1200" dirty="0">
+                <a:solidFill>
+                  <a:srgbClr val="2B4B9B"/>
+                </a:solidFill>
+                <a:latin typeface="Helvetica" pitchFamily="2" charset="0"/>
+                <a:cs typeface="Arial" panose="020B0604020202020204" pitchFamily="34" charset="0"/>
+              </a:rPr>
+              <a:t>𝛼</a:t>
+            </a:r>
+            <a:r>
+              <a:rPr lang="en-US" sz="1200" baseline="30000" dirty="0">
+                <a:solidFill>
+                  <a:srgbClr val="2B4B9B"/>
+                </a:solidFill>
+                <a:latin typeface="Helvetica" pitchFamily="2" charset="0"/>
+                <a:cs typeface="Arial" panose="020B0604020202020204" pitchFamily="34" charset="0"/>
+              </a:rPr>
+              <a:t>Y</a:t>
+            </a:r>
+            <a:r>
+              <a:rPr lang="en-US" sz="1200" dirty="0">
+                <a:solidFill>
+                  <a:srgbClr val="2B4B9B"/>
+                </a:solidFill>
+                <a:latin typeface="Helvetica" pitchFamily="2" charset="0"/>
+                <a:cs typeface="Arial" panose="020B0604020202020204" pitchFamily="34" charset="0"/>
+              </a:rPr>
+              <a:t> = 2</a:t>
+            </a:r>
+          </a:p>
+        </p:txBody>
+      </p:sp>
+    </p:spTree>
+    <p:extLst>
+      <p:ext uri="{BB962C8B-B14F-4D97-AF65-F5344CB8AC3E}">
+        <p14:creationId xmlns:p14="http://schemas.microsoft.com/office/powerpoint/2010/main" val="1217311597"/>
+      </p:ext>
+    </p:extLst>
+  </p:cSld>
+  <p:clrMapOvr>
+    <a:masterClrMapping/>
+  </p:clrMapOvr>
+</p:sld>
+</file>
+
+<file path=ppt/slides/slide11.xml><?xml version="1.0" encoding="utf-8"?>
+<p:sld xmlns:a="http://schemas.openxmlformats.org/drawingml/2006/main" xmlns:r="http://schemas.openxmlformats.org/officeDocument/2006/relationships" xmlns:p="http://schemas.openxmlformats.org/presentationml/2006/main" show="0">
+  <p:cSld>
+    <p:spTree>
+      <p:nvGrpSpPr>
+        <p:cNvPr id="1" name=""/>
+        <p:cNvGrpSpPr/>
+        <p:nvPr/>
+      </p:nvGrpSpPr>
+      <p:grpSpPr>
+        <a:xfrm>
+          <a:off x="0" y="0"/>
+          <a:ext cx="0" cy="0"/>
+          <a:chOff x="0" y="0"/>
+          <a:chExt cx="0" cy="0"/>
+        </a:xfrm>
+      </p:grpSpPr>
+      <p:pic>
+        <p:nvPicPr>
           <p:cNvPr id="19" name="Picture 18">
             <a:extLst>
               <a:ext uri="{FF2B5EF4-FFF2-40B4-BE49-F238E27FC236}">
@@ -11587,7 +12978,7 @@
 </p:sld>
 </file>
 
-<file path=ppt/slides/slide11.xml><?xml version="1.0" encoding="utf-8"?>
+<file path=ppt/slides/slide12.xml><?xml version="1.0" encoding="utf-8"?>
 <p:sld xmlns:a="http://schemas.openxmlformats.org/drawingml/2006/main" xmlns:r="http://schemas.openxmlformats.org/officeDocument/2006/relationships" xmlns:p="http://schemas.openxmlformats.org/presentationml/2006/main" show="0">
   <p:cSld>
     <p:spTree>
@@ -13255,7 +14646,7 @@
 </p:sld>
 </file>
 
-<file path=ppt/slides/slide12.xml><?xml version="1.0" encoding="utf-8"?>
+<file path=ppt/slides/slide13.xml><?xml version="1.0" encoding="utf-8"?>
 <p:sld xmlns:a="http://schemas.openxmlformats.org/drawingml/2006/main" xmlns:r="http://schemas.openxmlformats.org/officeDocument/2006/relationships" xmlns:p="http://schemas.openxmlformats.org/presentationml/2006/main" show="0">
   <p:cSld>
     <p:bg>
@@ -13540,7 +14931,7 @@
 </p:sld>
 </file>
 
-<file path=ppt/slides/slide13.xml><?xml version="1.0" encoding="utf-8"?>
+<file path=ppt/slides/slide14.xml><?xml version="1.0" encoding="utf-8"?>
 <p:sld xmlns:a="http://schemas.openxmlformats.org/drawingml/2006/main" xmlns:r="http://schemas.openxmlformats.org/officeDocument/2006/relationships" xmlns:p="http://schemas.openxmlformats.org/presentationml/2006/main" show="0">
   <p:cSld>
     <p:spTree>
@@ -15053,7 +16444,7 @@
 </p:sld>
 </file>
 
-<file path=ppt/slides/slide14.xml><?xml version="1.0" encoding="utf-8"?>
+<file path=ppt/slides/slide15.xml><?xml version="1.0" encoding="utf-8"?>
 <p:sld xmlns:a="http://schemas.openxmlformats.org/drawingml/2006/main" xmlns:r="http://schemas.openxmlformats.org/officeDocument/2006/relationships" xmlns:p="http://schemas.openxmlformats.org/presentationml/2006/main" show="0">
   <p:cSld>
     <p:spTree>
@@ -16566,7 +17957,7 @@
 </p:sld>
 </file>
 
-<file path=ppt/slides/slide15.xml><?xml version="1.0" encoding="utf-8"?>
+<file path=ppt/slides/slide16.xml><?xml version="1.0" encoding="utf-8"?>
 <p:sld xmlns:a="http://schemas.openxmlformats.org/drawingml/2006/main" xmlns:r="http://schemas.openxmlformats.org/officeDocument/2006/relationships" xmlns:p="http://schemas.openxmlformats.org/presentationml/2006/main" show="0">
   <p:cSld>
     <p:spTree>
@@ -18208,7 +19599,7 @@
 </p:sld>
 </file>
 
-<file path=ppt/slides/slide16.xml><?xml version="1.0" encoding="utf-8"?>
+<file path=ppt/slides/slide17.xml><?xml version="1.0" encoding="utf-8"?>
 <p:sld xmlns:a="http://schemas.openxmlformats.org/drawingml/2006/main" xmlns:r="http://schemas.openxmlformats.org/officeDocument/2006/relationships" xmlns:p="http://schemas.openxmlformats.org/presentationml/2006/main" show="0">
   <p:cSld>
     <p:spTree>
@@ -19758,7 +21149,7 @@
 </p:sld>
 </file>
 
-<file path=ppt/slides/slide17.xml><?xml version="1.0" encoding="utf-8"?>
+<file path=ppt/slides/slide18.xml><?xml version="1.0" encoding="utf-8"?>
 <p:sld xmlns:a="http://schemas.openxmlformats.org/drawingml/2006/main" xmlns:r="http://schemas.openxmlformats.org/officeDocument/2006/relationships" xmlns:p="http://schemas.openxmlformats.org/presentationml/2006/main" show="0">
   <p:cSld>
     <p:spTree>
@@ -21308,7 +22699,7 @@
 </p:sld>
 </file>
 
-<file path=ppt/slides/slide18.xml><?xml version="1.0" encoding="utf-8"?>
+<file path=ppt/slides/slide19.xml><?xml version="1.0" encoding="utf-8"?>
 <p:sld xmlns:a="http://schemas.openxmlformats.org/drawingml/2006/main" xmlns:r="http://schemas.openxmlformats.org/officeDocument/2006/relationships" xmlns:p="http://schemas.openxmlformats.org/presentationml/2006/main" show="0">
   <p:cSld>
     <p:spTree>
@@ -22858,7 +24249,247 @@
 </p:sld>
 </file>
 
-<file path=ppt/slides/slide19.xml><?xml version="1.0" encoding="utf-8"?>
+<file path=ppt/slides/slide2.xml><?xml version="1.0" encoding="utf-8"?>
+<p:sld xmlns:a="http://schemas.openxmlformats.org/drawingml/2006/main" xmlns:r="http://schemas.openxmlformats.org/officeDocument/2006/relationships" xmlns:p="http://schemas.openxmlformats.org/presentationml/2006/main" show="0">
+  <p:cSld>
+    <p:spTree>
+      <p:nvGrpSpPr>
+        <p:cNvPr id="1" name=""/>
+        <p:cNvGrpSpPr/>
+        <p:nvPr/>
+      </p:nvGrpSpPr>
+      <p:grpSpPr>
+        <a:xfrm>
+          <a:off x="0" y="0"/>
+          <a:ext cx="0" cy="0"/>
+          <a:chOff x="0" y="0"/>
+          <a:chExt cx="0" cy="0"/>
+        </a:xfrm>
+      </p:grpSpPr>
+      <p:pic>
+        <p:nvPicPr>
+          <p:cNvPr id="13" name="Picture 12">
+            <a:extLst>
+              <a:ext uri="{FF2B5EF4-FFF2-40B4-BE49-F238E27FC236}">
+                <a16:creationId xmlns:a16="http://schemas.microsoft.com/office/drawing/2014/main" id="{A8E6B1FE-8430-664F-8921-3B83AD327C00}"/>
+              </a:ext>
+            </a:extLst>
+          </p:cNvPr>
+          <p:cNvPicPr>
+            <a:picLocks noChangeAspect="1"/>
+          </p:cNvPicPr>
+          <p:nvPr/>
+        </p:nvPicPr>
+        <p:blipFill>
+          <a:blip r:embed="rId3"/>
+          <a:stretch>
+            <a:fillRect/>
+          </a:stretch>
+        </p:blipFill>
+        <p:spPr>
+          <a:xfrm>
+            <a:off x="5266944" y="1737360"/>
+            <a:ext cx="2613822" cy="3001054"/>
+          </a:xfrm>
+          <a:prstGeom prst="rect">
+            <a:avLst/>
+          </a:prstGeom>
+        </p:spPr>
+      </p:pic>
+      <p:pic>
+        <p:nvPicPr>
+          <p:cNvPr id="19" name="Picture 18">
+            <a:extLst>
+              <a:ext uri="{FF2B5EF4-FFF2-40B4-BE49-F238E27FC236}">
+                <a16:creationId xmlns:a16="http://schemas.microsoft.com/office/drawing/2014/main" id="{21880E89-8CCD-564B-B795-279F44FFE90A}"/>
+              </a:ext>
+            </a:extLst>
+          </p:cNvPr>
+          <p:cNvPicPr>
+            <a:picLocks noChangeAspect="1"/>
+          </p:cNvPicPr>
+          <p:nvPr/>
+        </p:nvPicPr>
+        <p:blipFill>
+          <a:blip r:embed="rId4"/>
+          <a:stretch>
+            <a:fillRect/>
+          </a:stretch>
+        </p:blipFill>
+        <p:spPr>
+          <a:xfrm>
+            <a:off x="2651760" y="1739841"/>
+            <a:ext cx="2613822" cy="3001054"/>
+          </a:xfrm>
+          <a:prstGeom prst="rect">
+            <a:avLst/>
+          </a:prstGeom>
+        </p:spPr>
+      </p:pic>
+      <p:sp>
+        <p:nvSpPr>
+          <p:cNvPr id="21" name="TextBox 20">
+            <a:extLst>
+              <a:ext uri="{FF2B5EF4-FFF2-40B4-BE49-F238E27FC236}">
+                <a16:creationId xmlns:a16="http://schemas.microsoft.com/office/drawing/2014/main" id="{EA867186-DD6E-2547-A392-44EC2C888CE7}"/>
+              </a:ext>
+            </a:extLst>
+          </p:cNvPr>
+          <p:cNvSpPr txBox="1"/>
+          <p:nvPr/>
+        </p:nvSpPr>
+        <p:spPr>
+          <a:xfrm>
+            <a:off x="38493" y="1350243"/>
+            <a:ext cx="408151" cy="338554"/>
+          </a:xfrm>
+          <a:prstGeom prst="rect">
+            <a:avLst/>
+          </a:prstGeom>
+          <a:noFill/>
+        </p:spPr>
+        <p:txBody>
+          <a:bodyPr wrap="square" rtlCol="0">
+            <a:spAutoFit/>
+          </a:bodyPr>
+          <a:lstStyle/>
+          <a:p>
+            <a:pPr algn="ctr"/>
+            <a:r>
+              <a:rPr lang="en-US" sz="1600" b="1" dirty="0">
+                <a:latin typeface="Helvetica Neue" panose="02000503000000020004" pitchFamily="2" charset="0"/>
+                <a:ea typeface="Helvetica Neue" panose="02000503000000020004" pitchFamily="2" charset="0"/>
+                <a:cs typeface="Helvetica Neue" panose="02000503000000020004" pitchFamily="2" charset="0"/>
+              </a:rPr>
+              <a:t>a</a:t>
+            </a:r>
+          </a:p>
+        </p:txBody>
+      </p:sp>
+      <p:sp>
+        <p:nvSpPr>
+          <p:cNvPr id="32" name="TextBox 31">
+            <a:extLst>
+              <a:ext uri="{FF2B5EF4-FFF2-40B4-BE49-F238E27FC236}">
+                <a16:creationId xmlns:a16="http://schemas.microsoft.com/office/drawing/2014/main" id="{DB81189F-AF2F-8D49-AEA2-D195963F57C1}"/>
+              </a:ext>
+            </a:extLst>
+          </p:cNvPr>
+          <p:cNvSpPr txBox="1"/>
+          <p:nvPr/>
+        </p:nvSpPr>
+        <p:spPr>
+          <a:xfrm>
+            <a:off x="2652314" y="1356566"/>
+            <a:ext cx="408151" cy="338554"/>
+          </a:xfrm>
+          <a:prstGeom prst="rect">
+            <a:avLst/>
+          </a:prstGeom>
+          <a:noFill/>
+        </p:spPr>
+        <p:txBody>
+          <a:bodyPr wrap="square" rtlCol="0">
+            <a:spAutoFit/>
+          </a:bodyPr>
+          <a:lstStyle/>
+          <a:p>
+            <a:pPr algn="ctr"/>
+            <a:r>
+              <a:rPr lang="en-US" sz="1600" b="1" dirty="0">
+                <a:latin typeface="Helvetica Neue" panose="02000503000000020004" pitchFamily="2" charset="0"/>
+                <a:ea typeface="Helvetica Neue" panose="02000503000000020004" pitchFamily="2" charset="0"/>
+                <a:cs typeface="Helvetica Neue" panose="02000503000000020004" pitchFamily="2" charset="0"/>
+              </a:rPr>
+              <a:t>b</a:t>
+            </a:r>
+          </a:p>
+        </p:txBody>
+      </p:sp>
+      <p:sp>
+        <p:nvSpPr>
+          <p:cNvPr id="35" name="TextBox 34">
+            <a:extLst>
+              <a:ext uri="{FF2B5EF4-FFF2-40B4-BE49-F238E27FC236}">
+                <a16:creationId xmlns:a16="http://schemas.microsoft.com/office/drawing/2014/main" id="{593792A2-F27D-3A41-86E8-F96173CB8075}"/>
+              </a:ext>
+            </a:extLst>
+          </p:cNvPr>
+          <p:cNvSpPr txBox="1"/>
+          <p:nvPr/>
+        </p:nvSpPr>
+        <p:spPr>
+          <a:xfrm>
+            <a:off x="5266136" y="1351551"/>
+            <a:ext cx="408151" cy="338554"/>
+          </a:xfrm>
+          <a:prstGeom prst="rect">
+            <a:avLst/>
+          </a:prstGeom>
+          <a:noFill/>
+        </p:spPr>
+        <p:txBody>
+          <a:bodyPr wrap="square" rtlCol="0">
+            <a:spAutoFit/>
+          </a:bodyPr>
+          <a:lstStyle/>
+          <a:p>
+            <a:pPr algn="ctr"/>
+            <a:r>
+              <a:rPr lang="en-US" sz="1600" b="1" dirty="0">
+                <a:latin typeface="Helvetica Neue" panose="02000503000000020004" pitchFamily="2" charset="0"/>
+                <a:ea typeface="Helvetica Neue" panose="02000503000000020004" pitchFamily="2" charset="0"/>
+                <a:cs typeface="Helvetica Neue" panose="02000503000000020004" pitchFamily="2" charset="0"/>
+              </a:rPr>
+              <a:t>c</a:t>
+            </a:r>
+          </a:p>
+        </p:txBody>
+      </p:sp>
+      <p:pic>
+        <p:nvPicPr>
+          <p:cNvPr id="3" name="Picture 2">
+            <a:extLst>
+              <a:ext uri="{FF2B5EF4-FFF2-40B4-BE49-F238E27FC236}">
+                <a16:creationId xmlns:a16="http://schemas.microsoft.com/office/drawing/2014/main" id="{3BA2D042-1EB5-D046-B305-5F1480190137}"/>
+              </a:ext>
+            </a:extLst>
+          </p:cNvPr>
+          <p:cNvPicPr>
+            <a:picLocks noChangeAspect="1"/>
+          </p:cNvPicPr>
+          <p:nvPr/>
+        </p:nvPicPr>
+        <p:blipFill>
+          <a:blip r:embed="rId5"/>
+          <a:stretch>
+            <a:fillRect/>
+          </a:stretch>
+        </p:blipFill>
+        <p:spPr>
+          <a:xfrm>
+            <a:off x="36576" y="1737360"/>
+            <a:ext cx="2612234" cy="2999232"/>
+          </a:xfrm>
+          <a:prstGeom prst="rect">
+            <a:avLst/>
+          </a:prstGeom>
+        </p:spPr>
+      </p:pic>
+    </p:spTree>
+    <p:extLst>
+      <p:ext uri="{BB962C8B-B14F-4D97-AF65-F5344CB8AC3E}">
+        <p14:creationId xmlns:p14="http://schemas.microsoft.com/office/powerpoint/2010/main" val="656618018"/>
+      </p:ext>
+    </p:extLst>
+  </p:cSld>
+  <p:clrMapOvr>
+    <a:masterClrMapping/>
+  </p:clrMapOvr>
+</p:sld>
+</file>
+
+<file path=ppt/slides/slide20.xml><?xml version="1.0" encoding="utf-8"?>
 <p:sld xmlns:a="http://schemas.openxmlformats.org/drawingml/2006/main" xmlns:r="http://schemas.openxmlformats.org/officeDocument/2006/relationships" xmlns:p="http://schemas.openxmlformats.org/presentationml/2006/main">
   <p:cSld>
     <p:spTree>
@@ -24408,247 +26039,7 @@
 </p:sld>
 </file>
 
-<file path=ppt/slides/slide2.xml><?xml version="1.0" encoding="utf-8"?>
-<p:sld xmlns:a="http://schemas.openxmlformats.org/drawingml/2006/main" xmlns:r="http://schemas.openxmlformats.org/officeDocument/2006/relationships" xmlns:p="http://schemas.openxmlformats.org/presentationml/2006/main" show="0">
-  <p:cSld>
-    <p:spTree>
-      <p:nvGrpSpPr>
-        <p:cNvPr id="1" name=""/>
-        <p:cNvGrpSpPr/>
-        <p:nvPr/>
-      </p:nvGrpSpPr>
-      <p:grpSpPr>
-        <a:xfrm>
-          <a:off x="0" y="0"/>
-          <a:ext cx="0" cy="0"/>
-          <a:chOff x="0" y="0"/>
-          <a:chExt cx="0" cy="0"/>
-        </a:xfrm>
-      </p:grpSpPr>
-      <p:pic>
-        <p:nvPicPr>
-          <p:cNvPr id="13" name="Picture 12">
-            <a:extLst>
-              <a:ext uri="{FF2B5EF4-FFF2-40B4-BE49-F238E27FC236}">
-                <a16:creationId xmlns:a16="http://schemas.microsoft.com/office/drawing/2014/main" id="{A8E6B1FE-8430-664F-8921-3B83AD327C00}"/>
-              </a:ext>
-            </a:extLst>
-          </p:cNvPr>
-          <p:cNvPicPr>
-            <a:picLocks noChangeAspect="1"/>
-          </p:cNvPicPr>
-          <p:nvPr/>
-        </p:nvPicPr>
-        <p:blipFill>
-          <a:blip r:embed="rId3"/>
-          <a:stretch>
-            <a:fillRect/>
-          </a:stretch>
-        </p:blipFill>
-        <p:spPr>
-          <a:xfrm>
-            <a:off x="5266944" y="1737360"/>
-            <a:ext cx="2613822" cy="3001054"/>
-          </a:xfrm>
-          <a:prstGeom prst="rect">
-            <a:avLst/>
-          </a:prstGeom>
-        </p:spPr>
-      </p:pic>
-      <p:pic>
-        <p:nvPicPr>
-          <p:cNvPr id="19" name="Picture 18">
-            <a:extLst>
-              <a:ext uri="{FF2B5EF4-FFF2-40B4-BE49-F238E27FC236}">
-                <a16:creationId xmlns:a16="http://schemas.microsoft.com/office/drawing/2014/main" id="{21880E89-8CCD-564B-B795-279F44FFE90A}"/>
-              </a:ext>
-            </a:extLst>
-          </p:cNvPr>
-          <p:cNvPicPr>
-            <a:picLocks noChangeAspect="1"/>
-          </p:cNvPicPr>
-          <p:nvPr/>
-        </p:nvPicPr>
-        <p:blipFill>
-          <a:blip r:embed="rId4"/>
-          <a:stretch>
-            <a:fillRect/>
-          </a:stretch>
-        </p:blipFill>
-        <p:spPr>
-          <a:xfrm>
-            <a:off x="2651760" y="1739841"/>
-            <a:ext cx="2613822" cy="3001054"/>
-          </a:xfrm>
-          <a:prstGeom prst="rect">
-            <a:avLst/>
-          </a:prstGeom>
-        </p:spPr>
-      </p:pic>
-      <p:sp>
-        <p:nvSpPr>
-          <p:cNvPr id="21" name="TextBox 20">
-            <a:extLst>
-              <a:ext uri="{FF2B5EF4-FFF2-40B4-BE49-F238E27FC236}">
-                <a16:creationId xmlns:a16="http://schemas.microsoft.com/office/drawing/2014/main" id="{EA867186-DD6E-2547-A392-44EC2C888CE7}"/>
-              </a:ext>
-            </a:extLst>
-          </p:cNvPr>
-          <p:cNvSpPr txBox="1"/>
-          <p:nvPr/>
-        </p:nvSpPr>
-        <p:spPr>
-          <a:xfrm>
-            <a:off x="38493" y="1350243"/>
-            <a:ext cx="408151" cy="338554"/>
-          </a:xfrm>
-          <a:prstGeom prst="rect">
-            <a:avLst/>
-          </a:prstGeom>
-          <a:noFill/>
-        </p:spPr>
-        <p:txBody>
-          <a:bodyPr wrap="square" rtlCol="0">
-            <a:spAutoFit/>
-          </a:bodyPr>
-          <a:lstStyle/>
-          <a:p>
-            <a:pPr algn="ctr"/>
-            <a:r>
-              <a:rPr lang="en-US" sz="1600" b="1" dirty="0">
-                <a:latin typeface="Helvetica Neue" panose="02000503000000020004" pitchFamily="2" charset="0"/>
-                <a:ea typeface="Helvetica Neue" panose="02000503000000020004" pitchFamily="2" charset="0"/>
-                <a:cs typeface="Helvetica Neue" panose="02000503000000020004" pitchFamily="2" charset="0"/>
-              </a:rPr>
-              <a:t>a</a:t>
-            </a:r>
-          </a:p>
-        </p:txBody>
-      </p:sp>
-      <p:sp>
-        <p:nvSpPr>
-          <p:cNvPr id="32" name="TextBox 31">
-            <a:extLst>
-              <a:ext uri="{FF2B5EF4-FFF2-40B4-BE49-F238E27FC236}">
-                <a16:creationId xmlns:a16="http://schemas.microsoft.com/office/drawing/2014/main" id="{DB81189F-AF2F-8D49-AEA2-D195963F57C1}"/>
-              </a:ext>
-            </a:extLst>
-          </p:cNvPr>
-          <p:cNvSpPr txBox="1"/>
-          <p:nvPr/>
-        </p:nvSpPr>
-        <p:spPr>
-          <a:xfrm>
-            <a:off x="2652314" y="1356566"/>
-            <a:ext cx="408151" cy="338554"/>
-          </a:xfrm>
-          <a:prstGeom prst="rect">
-            <a:avLst/>
-          </a:prstGeom>
-          <a:noFill/>
-        </p:spPr>
-        <p:txBody>
-          <a:bodyPr wrap="square" rtlCol="0">
-            <a:spAutoFit/>
-          </a:bodyPr>
-          <a:lstStyle/>
-          <a:p>
-            <a:pPr algn="ctr"/>
-            <a:r>
-              <a:rPr lang="en-US" sz="1600" b="1" dirty="0">
-                <a:latin typeface="Helvetica Neue" panose="02000503000000020004" pitchFamily="2" charset="0"/>
-                <a:ea typeface="Helvetica Neue" panose="02000503000000020004" pitchFamily="2" charset="0"/>
-                <a:cs typeface="Helvetica Neue" panose="02000503000000020004" pitchFamily="2" charset="0"/>
-              </a:rPr>
-              <a:t>b</a:t>
-            </a:r>
-          </a:p>
-        </p:txBody>
-      </p:sp>
-      <p:sp>
-        <p:nvSpPr>
-          <p:cNvPr id="35" name="TextBox 34">
-            <a:extLst>
-              <a:ext uri="{FF2B5EF4-FFF2-40B4-BE49-F238E27FC236}">
-                <a16:creationId xmlns:a16="http://schemas.microsoft.com/office/drawing/2014/main" id="{593792A2-F27D-3A41-86E8-F96173CB8075}"/>
-              </a:ext>
-            </a:extLst>
-          </p:cNvPr>
-          <p:cNvSpPr txBox="1"/>
-          <p:nvPr/>
-        </p:nvSpPr>
-        <p:spPr>
-          <a:xfrm>
-            <a:off x="5266136" y="1351551"/>
-            <a:ext cx="408151" cy="338554"/>
-          </a:xfrm>
-          <a:prstGeom prst="rect">
-            <a:avLst/>
-          </a:prstGeom>
-          <a:noFill/>
-        </p:spPr>
-        <p:txBody>
-          <a:bodyPr wrap="square" rtlCol="0">
-            <a:spAutoFit/>
-          </a:bodyPr>
-          <a:lstStyle/>
-          <a:p>
-            <a:pPr algn="ctr"/>
-            <a:r>
-              <a:rPr lang="en-US" sz="1600" b="1" dirty="0">
-                <a:latin typeface="Helvetica Neue" panose="02000503000000020004" pitchFamily="2" charset="0"/>
-                <a:ea typeface="Helvetica Neue" panose="02000503000000020004" pitchFamily="2" charset="0"/>
-                <a:cs typeface="Helvetica Neue" panose="02000503000000020004" pitchFamily="2" charset="0"/>
-              </a:rPr>
-              <a:t>c</a:t>
-            </a:r>
-          </a:p>
-        </p:txBody>
-      </p:sp>
-      <p:pic>
-        <p:nvPicPr>
-          <p:cNvPr id="3" name="Picture 2">
-            <a:extLst>
-              <a:ext uri="{FF2B5EF4-FFF2-40B4-BE49-F238E27FC236}">
-                <a16:creationId xmlns:a16="http://schemas.microsoft.com/office/drawing/2014/main" id="{3BA2D042-1EB5-D046-B305-5F1480190137}"/>
-              </a:ext>
-            </a:extLst>
-          </p:cNvPr>
-          <p:cNvPicPr>
-            <a:picLocks noChangeAspect="1"/>
-          </p:cNvPicPr>
-          <p:nvPr/>
-        </p:nvPicPr>
-        <p:blipFill>
-          <a:blip r:embed="rId5"/>
-          <a:stretch>
-            <a:fillRect/>
-          </a:stretch>
-        </p:blipFill>
-        <p:spPr>
-          <a:xfrm>
-            <a:off x="36576" y="1737360"/>
-            <a:ext cx="2612234" cy="2999232"/>
-          </a:xfrm>
-          <a:prstGeom prst="rect">
-            <a:avLst/>
-          </a:prstGeom>
-        </p:spPr>
-      </p:pic>
-    </p:spTree>
-    <p:extLst>
-      <p:ext uri="{BB962C8B-B14F-4D97-AF65-F5344CB8AC3E}">
-        <p14:creationId xmlns:p14="http://schemas.microsoft.com/office/powerpoint/2010/main" val="656618018"/>
-      </p:ext>
-    </p:extLst>
-  </p:cSld>
-  <p:clrMapOvr>
-    <a:masterClrMapping/>
-  </p:clrMapOvr>
-</p:sld>
-</file>
-
-<file path=ppt/slides/slide20.xml><?xml version="1.0" encoding="utf-8"?>
+<file path=ppt/slides/slide21.xml><?xml version="1.0" encoding="utf-8"?>
 <p:sld xmlns:a="http://schemas.openxmlformats.org/drawingml/2006/main" xmlns:r="http://schemas.openxmlformats.org/officeDocument/2006/relationships" xmlns:p="http://schemas.openxmlformats.org/presentationml/2006/main" show="0">
   <p:cSld>
     <p:spTree>
@@ -25119,7 +26510,7 @@
 </p:sld>
 </file>
 
-<file path=ppt/slides/slide21.xml><?xml version="1.0" encoding="utf-8"?>
+<file path=ppt/slides/slide22.xml><?xml version="1.0" encoding="utf-8"?>
 <p:sld xmlns:a="http://schemas.openxmlformats.org/drawingml/2006/main" xmlns:r="http://schemas.openxmlformats.org/officeDocument/2006/relationships" xmlns:p="http://schemas.openxmlformats.org/presentationml/2006/main" show="0">
   <p:cSld>
     <p:spTree>
@@ -25310,7 +26701,7 @@
 </p:sld>
 </file>
 
-<file path=ppt/slides/slide22.xml><?xml version="1.0" encoding="utf-8"?>
+<file path=ppt/slides/slide23.xml><?xml version="1.0" encoding="utf-8"?>
 <p:sld xmlns:a="http://schemas.openxmlformats.org/drawingml/2006/main" xmlns:r="http://schemas.openxmlformats.org/officeDocument/2006/relationships" xmlns:p="http://schemas.openxmlformats.org/presentationml/2006/main" show="0">
   <p:cSld>
     <p:spTree>
@@ -25370,7 +26761,7 @@
 </p:sld>
 </file>
 
-<file path=ppt/slides/slide23.xml><?xml version="1.0" encoding="utf-8"?>
+<file path=ppt/slides/slide24.xml><?xml version="1.0" encoding="utf-8"?>
 <p:sld xmlns:a="http://schemas.openxmlformats.org/drawingml/2006/main" xmlns:r="http://schemas.openxmlformats.org/officeDocument/2006/relationships" xmlns:p="http://schemas.openxmlformats.org/presentationml/2006/main">
   <p:cSld>
     <p:spTree>
@@ -25421,316 +26812,6 @@
     <p:extLst>
       <p:ext uri="{BB962C8B-B14F-4D97-AF65-F5344CB8AC3E}">
         <p14:creationId xmlns:p14="http://schemas.microsoft.com/office/powerpoint/2010/main" val="1981167207"/>
-      </p:ext>
-    </p:extLst>
-  </p:cSld>
-  <p:clrMapOvr>
-    <a:masterClrMapping/>
-  </p:clrMapOvr>
-</p:sld>
-</file>
-
-<file path=ppt/slides/slide24.xml><?xml version="1.0" encoding="utf-8"?>
-<p:sld xmlns:a="http://schemas.openxmlformats.org/drawingml/2006/main" xmlns:r="http://schemas.openxmlformats.org/officeDocument/2006/relationships" xmlns:p="http://schemas.openxmlformats.org/presentationml/2006/main" show="0">
-  <p:cSld>
-    <p:spTree>
-      <p:nvGrpSpPr>
-        <p:cNvPr id="1" name=""/>
-        <p:cNvGrpSpPr/>
-        <p:nvPr/>
-      </p:nvGrpSpPr>
-      <p:grpSpPr>
-        <a:xfrm>
-          <a:off x="0" y="0"/>
-          <a:ext cx="0" cy="0"/>
-          <a:chOff x="0" y="0"/>
-          <a:chExt cx="0" cy="0"/>
-        </a:xfrm>
-      </p:grpSpPr>
-      <p:pic>
-        <p:nvPicPr>
-          <p:cNvPr id="12" name="Picture 11">
-            <a:extLst>
-              <a:ext uri="{FF2B5EF4-FFF2-40B4-BE49-F238E27FC236}">
-                <a16:creationId xmlns:a16="http://schemas.microsoft.com/office/drawing/2014/main" id="{BA612328-1C27-2240-9F31-1B951DE91AC6}"/>
-              </a:ext>
-            </a:extLst>
-          </p:cNvPr>
-          <p:cNvPicPr>
-            <a:picLocks noChangeAspect="1"/>
-          </p:cNvPicPr>
-          <p:nvPr/>
-        </p:nvPicPr>
-        <p:blipFill>
-          <a:blip r:embed="rId3"/>
-          <a:stretch>
-            <a:fillRect/>
-          </a:stretch>
-        </p:blipFill>
-        <p:spPr>
-          <a:xfrm>
-            <a:off x="3803672" y="375065"/>
-            <a:ext cx="2699840" cy="3099816"/>
-          </a:xfrm>
-          <a:prstGeom prst="rect">
-            <a:avLst/>
-          </a:prstGeom>
-        </p:spPr>
-      </p:pic>
-      <p:pic>
-        <p:nvPicPr>
-          <p:cNvPr id="6" name="Picture 5">
-            <a:extLst>
-              <a:ext uri="{FF2B5EF4-FFF2-40B4-BE49-F238E27FC236}">
-                <a16:creationId xmlns:a16="http://schemas.microsoft.com/office/drawing/2014/main" id="{1BFE51E9-4B23-BB46-A254-811D3C7A6166}"/>
-              </a:ext>
-            </a:extLst>
-          </p:cNvPr>
-          <p:cNvPicPr>
-            <a:picLocks noChangeAspect="1"/>
-          </p:cNvPicPr>
-          <p:nvPr/>
-        </p:nvPicPr>
-        <p:blipFill>
-          <a:blip r:embed="rId4"/>
-          <a:stretch>
-            <a:fillRect/>
-          </a:stretch>
-        </p:blipFill>
-        <p:spPr>
-          <a:xfrm>
-            <a:off x="3803672" y="3383534"/>
-            <a:ext cx="2699840" cy="3099816"/>
-          </a:xfrm>
-          <a:prstGeom prst="rect">
-            <a:avLst/>
-          </a:prstGeom>
-        </p:spPr>
-      </p:pic>
-      <p:pic>
-        <p:nvPicPr>
-          <p:cNvPr id="10" name="Picture 9">
-            <a:extLst>
-              <a:ext uri="{FF2B5EF4-FFF2-40B4-BE49-F238E27FC236}">
-                <a16:creationId xmlns:a16="http://schemas.microsoft.com/office/drawing/2014/main" id="{5137642B-93A0-ED47-A5E0-1A28278247D1}"/>
-              </a:ext>
-            </a:extLst>
-          </p:cNvPr>
-          <p:cNvPicPr>
-            <a:picLocks noChangeAspect="1"/>
-          </p:cNvPicPr>
-          <p:nvPr/>
-        </p:nvPicPr>
-        <p:blipFill>
-          <a:blip r:embed="rId5"/>
-          <a:stretch>
-            <a:fillRect/>
-          </a:stretch>
-        </p:blipFill>
-        <p:spPr>
-          <a:xfrm>
-            <a:off x="1414938" y="3381003"/>
-            <a:ext cx="2699840" cy="3099816"/>
-          </a:xfrm>
-          <a:prstGeom prst="rect">
-            <a:avLst/>
-          </a:prstGeom>
-        </p:spPr>
-      </p:pic>
-      <p:pic>
-        <p:nvPicPr>
-          <p:cNvPr id="14" name="Picture 13">
-            <a:extLst>
-              <a:ext uri="{FF2B5EF4-FFF2-40B4-BE49-F238E27FC236}">
-                <a16:creationId xmlns:a16="http://schemas.microsoft.com/office/drawing/2014/main" id="{94B39139-2183-4848-B4CD-F20E7601E30E}"/>
-              </a:ext>
-            </a:extLst>
-          </p:cNvPr>
-          <p:cNvPicPr>
-            <a:picLocks noChangeAspect="1"/>
-          </p:cNvPicPr>
-          <p:nvPr/>
-        </p:nvPicPr>
-        <p:blipFill>
-          <a:blip r:embed="rId6"/>
-          <a:stretch>
-            <a:fillRect/>
-          </a:stretch>
-        </p:blipFill>
-        <p:spPr>
-          <a:xfrm>
-            <a:off x="1414938" y="375065"/>
-            <a:ext cx="2699840" cy="3099816"/>
-          </a:xfrm>
-          <a:prstGeom prst="rect">
-            <a:avLst/>
-          </a:prstGeom>
-        </p:spPr>
-      </p:pic>
-      <p:sp>
-        <p:nvSpPr>
-          <p:cNvPr id="18" name="TextBox 17">
-            <a:extLst>
-              <a:ext uri="{FF2B5EF4-FFF2-40B4-BE49-F238E27FC236}">
-                <a16:creationId xmlns:a16="http://schemas.microsoft.com/office/drawing/2014/main" id="{46BBEC22-8FD3-4646-AE1A-C6C1C5D5E1E6}"/>
-              </a:ext>
-            </a:extLst>
-          </p:cNvPr>
-          <p:cNvSpPr txBox="1"/>
-          <p:nvPr/>
-        </p:nvSpPr>
-        <p:spPr>
-          <a:xfrm>
-            <a:off x="3950616" y="-9595"/>
-            <a:ext cx="578784" cy="338554"/>
-          </a:xfrm>
-          <a:prstGeom prst="rect">
-            <a:avLst/>
-          </a:prstGeom>
-          <a:noFill/>
-        </p:spPr>
-        <p:txBody>
-          <a:bodyPr wrap="square" rtlCol="0">
-            <a:spAutoFit/>
-          </a:bodyPr>
-          <a:lstStyle/>
-          <a:p>
-            <a:pPr algn="ctr"/>
-            <a:r>
-              <a:rPr lang="en-US" sz="1600" b="1" dirty="0">
-                <a:latin typeface="Helvetica Neue" panose="02000503000000020004" pitchFamily="2" charset="0"/>
-                <a:ea typeface="Helvetica Neue" panose="02000503000000020004" pitchFamily="2" charset="0"/>
-                <a:cs typeface="Helvetica Neue" panose="02000503000000020004" pitchFamily="2" charset="0"/>
-              </a:rPr>
-              <a:t>b</a:t>
-            </a:r>
-          </a:p>
-        </p:txBody>
-      </p:sp>
-      <p:sp>
-        <p:nvSpPr>
-          <p:cNvPr id="16" name="TextBox 15">
-            <a:extLst>
-              <a:ext uri="{FF2B5EF4-FFF2-40B4-BE49-F238E27FC236}">
-                <a16:creationId xmlns:a16="http://schemas.microsoft.com/office/drawing/2014/main" id="{0B8EA217-6F2C-0943-8D48-F70EC12EC200}"/>
-              </a:ext>
-            </a:extLst>
-          </p:cNvPr>
-          <p:cNvSpPr txBox="1"/>
-          <p:nvPr/>
-        </p:nvSpPr>
-        <p:spPr>
-          <a:xfrm>
-            <a:off x="1577488" y="-9596"/>
-            <a:ext cx="578784" cy="338554"/>
-          </a:xfrm>
-          <a:prstGeom prst="rect">
-            <a:avLst/>
-          </a:prstGeom>
-          <a:noFill/>
-        </p:spPr>
-        <p:txBody>
-          <a:bodyPr wrap="square" rtlCol="0">
-            <a:spAutoFit/>
-          </a:bodyPr>
-          <a:lstStyle/>
-          <a:p>
-            <a:pPr algn="ctr"/>
-            <a:r>
-              <a:rPr lang="en-US" sz="1600" b="1" dirty="0">
-                <a:latin typeface="Helvetica Neue" panose="02000503000000020004" pitchFamily="2" charset="0"/>
-                <a:ea typeface="Helvetica Neue" panose="02000503000000020004" pitchFamily="2" charset="0"/>
-                <a:cs typeface="Helvetica Neue" panose="02000503000000020004" pitchFamily="2" charset="0"/>
-              </a:rPr>
-              <a:t>a</a:t>
-            </a:r>
-          </a:p>
-        </p:txBody>
-      </p:sp>
-      <p:sp>
-        <p:nvSpPr>
-          <p:cNvPr id="20" name="TextBox 19">
-            <a:extLst>
-              <a:ext uri="{FF2B5EF4-FFF2-40B4-BE49-F238E27FC236}">
-                <a16:creationId xmlns:a16="http://schemas.microsoft.com/office/drawing/2014/main" id="{E8C86BD2-9FE9-8C4D-A835-2EAAEE829653}"/>
-              </a:ext>
-            </a:extLst>
-          </p:cNvPr>
-          <p:cNvSpPr txBox="1"/>
-          <p:nvPr/>
-        </p:nvSpPr>
-        <p:spPr>
-          <a:xfrm>
-            <a:off x="1579100" y="3074771"/>
-            <a:ext cx="578784" cy="338554"/>
-          </a:xfrm>
-          <a:prstGeom prst="rect">
-            <a:avLst/>
-          </a:prstGeom>
-          <a:noFill/>
-        </p:spPr>
-        <p:txBody>
-          <a:bodyPr wrap="square" rtlCol="0">
-            <a:spAutoFit/>
-          </a:bodyPr>
-          <a:lstStyle/>
-          <a:p>
-            <a:pPr algn="ctr"/>
-            <a:r>
-              <a:rPr lang="en-US" sz="1600" b="1" dirty="0">
-                <a:latin typeface="Helvetica Neue" panose="02000503000000020004" pitchFamily="2" charset="0"/>
-                <a:ea typeface="Helvetica Neue" panose="02000503000000020004" pitchFamily="2" charset="0"/>
-                <a:cs typeface="Helvetica Neue" panose="02000503000000020004" pitchFamily="2" charset="0"/>
-              </a:rPr>
-              <a:t>c</a:t>
-            </a:r>
-          </a:p>
-        </p:txBody>
-      </p:sp>
-      <p:sp>
-        <p:nvSpPr>
-          <p:cNvPr id="22" name="TextBox 21">
-            <a:extLst>
-              <a:ext uri="{FF2B5EF4-FFF2-40B4-BE49-F238E27FC236}">
-                <a16:creationId xmlns:a16="http://schemas.microsoft.com/office/drawing/2014/main" id="{9CC8A2EA-F668-DD43-A074-9F1F726F28A7}"/>
-              </a:ext>
-            </a:extLst>
-          </p:cNvPr>
-          <p:cNvSpPr txBox="1"/>
-          <p:nvPr/>
-        </p:nvSpPr>
-        <p:spPr>
-          <a:xfrm>
-            <a:off x="3950616" y="3079474"/>
-            <a:ext cx="578784" cy="338554"/>
-          </a:xfrm>
-          <a:prstGeom prst="rect">
-            <a:avLst/>
-          </a:prstGeom>
-          <a:noFill/>
-        </p:spPr>
-        <p:txBody>
-          <a:bodyPr wrap="square" rtlCol="0">
-            <a:spAutoFit/>
-          </a:bodyPr>
-          <a:lstStyle/>
-          <a:p>
-            <a:pPr algn="ctr"/>
-            <a:r>
-              <a:rPr lang="en-US" sz="1600" b="1" dirty="0">
-                <a:latin typeface="Helvetica Neue" panose="02000503000000020004" pitchFamily="2" charset="0"/>
-                <a:ea typeface="Helvetica Neue" panose="02000503000000020004" pitchFamily="2" charset="0"/>
-                <a:cs typeface="Helvetica Neue" panose="02000503000000020004" pitchFamily="2" charset="0"/>
-              </a:rPr>
-              <a:t>d</a:t>
-            </a:r>
-          </a:p>
-        </p:txBody>
-      </p:sp>
-    </p:spTree>
-    <p:extLst>
-      <p:ext uri="{BB962C8B-B14F-4D97-AF65-F5344CB8AC3E}">
-        <p14:creationId xmlns:p14="http://schemas.microsoft.com/office/powerpoint/2010/main" val="402229581"/>
       </p:ext>
     </p:extLst>
   </p:cSld>
@@ -25759,10 +26840,10 @@
       </p:grpSpPr>
       <p:pic>
         <p:nvPicPr>
-          <p:cNvPr id="3" name="Picture 2">
-            <a:extLst>
-              <a:ext uri="{FF2B5EF4-FFF2-40B4-BE49-F238E27FC236}">
-                <a16:creationId xmlns:a16="http://schemas.microsoft.com/office/drawing/2014/main" id="{1D34154F-0242-1E4D-9474-974BBA7B35F1}"/>
+          <p:cNvPr id="12" name="Picture 11">
+            <a:extLst>
+              <a:ext uri="{FF2B5EF4-FFF2-40B4-BE49-F238E27FC236}">
+                <a16:creationId xmlns:a16="http://schemas.microsoft.com/office/drawing/2014/main" id="{BA612328-1C27-2240-9F31-1B951DE91AC6}"/>
               </a:ext>
             </a:extLst>
           </p:cNvPr>
@@ -25779,8 +26860,8 @@
         </p:blipFill>
         <p:spPr>
           <a:xfrm>
-            <a:off x="3803904" y="3383280"/>
-            <a:ext cx="2697480" cy="3097107"/>
+            <a:off x="3803672" y="375065"/>
+            <a:ext cx="2699840" cy="3099816"/>
           </a:xfrm>
           <a:prstGeom prst="rect">
             <a:avLst/>
@@ -25789,10 +26870,10 @@
       </p:pic>
       <p:pic>
         <p:nvPicPr>
-          <p:cNvPr id="8" name="Picture 7">
-            <a:extLst>
-              <a:ext uri="{FF2B5EF4-FFF2-40B4-BE49-F238E27FC236}">
-                <a16:creationId xmlns:a16="http://schemas.microsoft.com/office/drawing/2014/main" id="{691E08D1-B0AF-D94A-94B0-FAD75BF79AFC}"/>
+          <p:cNvPr id="6" name="Picture 5">
+            <a:extLst>
+              <a:ext uri="{FF2B5EF4-FFF2-40B4-BE49-F238E27FC236}">
+                <a16:creationId xmlns:a16="http://schemas.microsoft.com/office/drawing/2014/main" id="{1BFE51E9-4B23-BB46-A254-811D3C7A6166}"/>
               </a:ext>
             </a:extLst>
           </p:cNvPr>
@@ -25809,8 +26890,8 @@
         </p:blipFill>
         <p:spPr>
           <a:xfrm>
-            <a:off x="3803904" y="200093"/>
-            <a:ext cx="2697480" cy="3097107"/>
+            <a:off x="3803672" y="3383534"/>
+            <a:ext cx="2699840" cy="3099816"/>
           </a:xfrm>
           <a:prstGeom prst="rect">
             <a:avLst/>
@@ -25819,10 +26900,10 @@
       </p:pic>
       <p:pic>
         <p:nvPicPr>
-          <p:cNvPr id="11" name="Picture 10">
-            <a:extLst>
-              <a:ext uri="{FF2B5EF4-FFF2-40B4-BE49-F238E27FC236}">
-                <a16:creationId xmlns:a16="http://schemas.microsoft.com/office/drawing/2014/main" id="{71496AD5-497A-064C-B7DA-8CBCCCE889EB}"/>
+          <p:cNvPr id="10" name="Picture 9">
+            <a:extLst>
+              <a:ext uri="{FF2B5EF4-FFF2-40B4-BE49-F238E27FC236}">
+                <a16:creationId xmlns:a16="http://schemas.microsoft.com/office/drawing/2014/main" id="{5137642B-93A0-ED47-A5E0-1A28278247D1}"/>
               </a:ext>
             </a:extLst>
           </p:cNvPr>
@@ -25839,8 +26920,8 @@
         </p:blipFill>
         <p:spPr>
           <a:xfrm>
-            <a:off x="1417320" y="200093"/>
-            <a:ext cx="2697480" cy="3097107"/>
+            <a:off x="1414938" y="3381003"/>
+            <a:ext cx="2699840" cy="3099816"/>
           </a:xfrm>
           <a:prstGeom prst="rect">
             <a:avLst/>
@@ -25849,10 +26930,10 @@
       </p:pic>
       <p:pic>
         <p:nvPicPr>
-          <p:cNvPr id="5" name="Picture 4">
-            <a:extLst>
-              <a:ext uri="{FF2B5EF4-FFF2-40B4-BE49-F238E27FC236}">
-                <a16:creationId xmlns:a16="http://schemas.microsoft.com/office/drawing/2014/main" id="{4DB9EA3A-BE12-064C-A02D-AC63604BB86E}"/>
+          <p:cNvPr id="14" name="Picture 13">
+            <a:extLst>
+              <a:ext uri="{FF2B5EF4-FFF2-40B4-BE49-F238E27FC236}">
+                <a16:creationId xmlns:a16="http://schemas.microsoft.com/office/drawing/2014/main" id="{94B39139-2183-4848-B4CD-F20E7601E30E}"/>
               </a:ext>
             </a:extLst>
           </p:cNvPr>
@@ -25869,8 +26950,8 @@
         </p:blipFill>
         <p:spPr>
           <a:xfrm>
-            <a:off x="1417320" y="3383280"/>
-            <a:ext cx="2697480" cy="3097107"/>
+            <a:off x="1414938" y="375065"/>
+            <a:ext cx="2699840" cy="3099816"/>
           </a:xfrm>
           <a:prstGeom prst="rect">
             <a:avLst/>
@@ -25971,7 +27052,7 @@
         </p:nvSpPr>
         <p:spPr>
           <a:xfrm>
-            <a:off x="1579100" y="3182347"/>
+            <a:off x="1579100" y="3074771"/>
             <a:ext cx="578784" cy="338554"/>
           </a:xfrm>
           <a:prstGeom prst="rect">
@@ -26011,7 +27092,7 @@
         </p:nvSpPr>
         <p:spPr>
           <a:xfrm>
-            <a:off x="3950616" y="3187050"/>
+            <a:off x="3950616" y="3079474"/>
             <a:ext cx="578784" cy="338554"/>
           </a:xfrm>
           <a:prstGeom prst="rect">
@@ -26040,7 +27121,7 @@
     </p:spTree>
     <p:extLst>
       <p:ext uri="{BB962C8B-B14F-4D97-AF65-F5344CB8AC3E}">
-        <p14:creationId xmlns:p14="http://schemas.microsoft.com/office/powerpoint/2010/main" val="3995306834"/>
+        <p14:creationId xmlns:p14="http://schemas.microsoft.com/office/powerpoint/2010/main" val="402229581"/>
       </p:ext>
     </p:extLst>
   </p:cSld>
@@ -26069,10 +27150,10 @@
       </p:grpSpPr>
       <p:pic>
         <p:nvPicPr>
-          <p:cNvPr id="7" name="Picture 6">
-            <a:extLst>
-              <a:ext uri="{FF2B5EF4-FFF2-40B4-BE49-F238E27FC236}">
-                <a16:creationId xmlns:a16="http://schemas.microsoft.com/office/drawing/2014/main" id="{41343B19-F728-B644-8137-644C1566CC3D}"/>
+          <p:cNvPr id="3" name="Picture 2">
+            <a:extLst>
+              <a:ext uri="{FF2B5EF4-FFF2-40B4-BE49-F238E27FC236}">
+                <a16:creationId xmlns:a16="http://schemas.microsoft.com/office/drawing/2014/main" id="{1D34154F-0242-1E4D-9474-974BBA7B35F1}"/>
               </a:ext>
             </a:extLst>
           </p:cNvPr>
@@ -26089,8 +27170,8 @@
         </p:blipFill>
         <p:spPr>
           <a:xfrm>
-            <a:off x="3802597" y="206093"/>
-            <a:ext cx="2699840" cy="3099816"/>
+            <a:off x="3803904" y="3383280"/>
+            <a:ext cx="2697480" cy="3097107"/>
           </a:xfrm>
           <a:prstGeom prst="rect">
             <a:avLst/>
@@ -26099,10 +27180,10 @@
       </p:pic>
       <p:pic>
         <p:nvPicPr>
-          <p:cNvPr id="10" name="Picture 9">
-            <a:extLst>
-              <a:ext uri="{FF2B5EF4-FFF2-40B4-BE49-F238E27FC236}">
-                <a16:creationId xmlns:a16="http://schemas.microsoft.com/office/drawing/2014/main" id="{74E86458-E3F1-8D41-89C7-1ADDEF429177}"/>
+          <p:cNvPr id="8" name="Picture 7">
+            <a:extLst>
+              <a:ext uri="{FF2B5EF4-FFF2-40B4-BE49-F238E27FC236}">
+                <a16:creationId xmlns:a16="http://schemas.microsoft.com/office/drawing/2014/main" id="{691E08D1-B0AF-D94A-94B0-FAD75BF79AFC}"/>
               </a:ext>
             </a:extLst>
           </p:cNvPr>
@@ -26119,8 +27200,8 @@
         </p:blipFill>
         <p:spPr>
           <a:xfrm>
-            <a:off x="1416013" y="206093"/>
-            <a:ext cx="2699840" cy="3099816"/>
+            <a:off x="3803904" y="200093"/>
+            <a:ext cx="2697480" cy="3097107"/>
           </a:xfrm>
           <a:prstGeom prst="rect">
             <a:avLst/>
@@ -26129,10 +27210,10 @@
       </p:pic>
       <p:pic>
         <p:nvPicPr>
-          <p:cNvPr id="15" name="Picture 14">
-            <a:extLst>
-              <a:ext uri="{FF2B5EF4-FFF2-40B4-BE49-F238E27FC236}">
-                <a16:creationId xmlns:a16="http://schemas.microsoft.com/office/drawing/2014/main" id="{12A92E28-58FE-4842-AF1A-93E53E56B798}"/>
+          <p:cNvPr id="11" name="Picture 10">
+            <a:extLst>
+              <a:ext uri="{FF2B5EF4-FFF2-40B4-BE49-F238E27FC236}">
+                <a16:creationId xmlns:a16="http://schemas.microsoft.com/office/drawing/2014/main" id="{71496AD5-497A-064C-B7DA-8CBCCCE889EB}"/>
               </a:ext>
             </a:extLst>
           </p:cNvPr>
@@ -26149,8 +27230,8 @@
         </p:blipFill>
         <p:spPr>
           <a:xfrm>
-            <a:off x="3802598" y="3388205"/>
-            <a:ext cx="2699839" cy="3099816"/>
+            <a:off x="1417320" y="200093"/>
+            <a:ext cx="2697480" cy="3097107"/>
           </a:xfrm>
           <a:prstGeom prst="rect">
             <a:avLst/>
@@ -26162,7 +27243,7 @@
           <p:cNvPr id="5" name="Picture 4">
             <a:extLst>
               <a:ext uri="{FF2B5EF4-FFF2-40B4-BE49-F238E27FC236}">
-                <a16:creationId xmlns:a16="http://schemas.microsoft.com/office/drawing/2014/main" id="{3B9B94C8-8B70-E14C-BE8C-4CD4EFDA1735}"/>
+                <a16:creationId xmlns:a16="http://schemas.microsoft.com/office/drawing/2014/main" id="{4DB9EA3A-BE12-064C-A02D-AC63604BB86E}"/>
               </a:ext>
             </a:extLst>
           </p:cNvPr>
@@ -26179,8 +27260,8 @@
         </p:blipFill>
         <p:spPr>
           <a:xfrm>
-            <a:off x="1416013" y="3388205"/>
-            <a:ext cx="2699840" cy="3099816"/>
+            <a:off x="1417320" y="3383280"/>
+            <a:ext cx="2697480" cy="3097107"/>
           </a:xfrm>
           <a:prstGeom prst="rect">
             <a:avLst/>
@@ -26201,7 +27282,7 @@
         </p:nvSpPr>
         <p:spPr>
           <a:xfrm>
-            <a:off x="3949309" y="-4670"/>
+            <a:off x="3950616" y="-9595"/>
             <a:ext cx="578784" cy="338554"/>
           </a:xfrm>
           <a:prstGeom prst="rect">
@@ -26241,7 +27322,7 @@
         </p:nvSpPr>
         <p:spPr>
           <a:xfrm>
-            <a:off x="1576181" y="-4671"/>
+            <a:off x="1577488" y="-9596"/>
             <a:ext cx="578784" cy="338554"/>
           </a:xfrm>
           <a:prstGeom prst="rect">
@@ -26281,7 +27362,7 @@
         </p:nvSpPr>
         <p:spPr>
           <a:xfrm>
-            <a:off x="1577793" y="3187272"/>
+            <a:off x="1579100" y="3182347"/>
             <a:ext cx="578784" cy="338554"/>
           </a:xfrm>
           <a:prstGeom prst="rect">
@@ -26321,7 +27402,7 @@
         </p:nvSpPr>
         <p:spPr>
           <a:xfrm>
-            <a:off x="3949309" y="3191975"/>
+            <a:off x="3950616" y="3187050"/>
             <a:ext cx="578784" cy="338554"/>
           </a:xfrm>
           <a:prstGeom prst="rect">
@@ -26350,7 +27431,7 @@
     </p:spTree>
     <p:extLst>
       <p:ext uri="{BB962C8B-B14F-4D97-AF65-F5344CB8AC3E}">
-        <p14:creationId xmlns:p14="http://schemas.microsoft.com/office/powerpoint/2010/main" val="3807970029"/>
+        <p14:creationId xmlns:p14="http://schemas.microsoft.com/office/powerpoint/2010/main" val="3995306834"/>
       </p:ext>
     </p:extLst>
   </p:cSld>
@@ -26379,6 +27460,316 @@
       </p:grpSpPr>
       <p:pic>
         <p:nvPicPr>
+          <p:cNvPr id="7" name="Picture 6">
+            <a:extLst>
+              <a:ext uri="{FF2B5EF4-FFF2-40B4-BE49-F238E27FC236}">
+                <a16:creationId xmlns:a16="http://schemas.microsoft.com/office/drawing/2014/main" id="{41343B19-F728-B644-8137-644C1566CC3D}"/>
+              </a:ext>
+            </a:extLst>
+          </p:cNvPr>
+          <p:cNvPicPr>
+            <a:picLocks noChangeAspect="1"/>
+          </p:cNvPicPr>
+          <p:nvPr/>
+        </p:nvPicPr>
+        <p:blipFill>
+          <a:blip r:embed="rId3"/>
+          <a:stretch>
+            <a:fillRect/>
+          </a:stretch>
+        </p:blipFill>
+        <p:spPr>
+          <a:xfrm>
+            <a:off x="3802597" y="206093"/>
+            <a:ext cx="2699840" cy="3099816"/>
+          </a:xfrm>
+          <a:prstGeom prst="rect">
+            <a:avLst/>
+          </a:prstGeom>
+        </p:spPr>
+      </p:pic>
+      <p:pic>
+        <p:nvPicPr>
+          <p:cNvPr id="10" name="Picture 9">
+            <a:extLst>
+              <a:ext uri="{FF2B5EF4-FFF2-40B4-BE49-F238E27FC236}">
+                <a16:creationId xmlns:a16="http://schemas.microsoft.com/office/drawing/2014/main" id="{74E86458-E3F1-8D41-89C7-1ADDEF429177}"/>
+              </a:ext>
+            </a:extLst>
+          </p:cNvPr>
+          <p:cNvPicPr>
+            <a:picLocks noChangeAspect="1"/>
+          </p:cNvPicPr>
+          <p:nvPr/>
+        </p:nvPicPr>
+        <p:blipFill>
+          <a:blip r:embed="rId4"/>
+          <a:stretch>
+            <a:fillRect/>
+          </a:stretch>
+        </p:blipFill>
+        <p:spPr>
+          <a:xfrm>
+            <a:off x="1416013" y="206093"/>
+            <a:ext cx="2699840" cy="3099816"/>
+          </a:xfrm>
+          <a:prstGeom prst="rect">
+            <a:avLst/>
+          </a:prstGeom>
+        </p:spPr>
+      </p:pic>
+      <p:pic>
+        <p:nvPicPr>
+          <p:cNvPr id="15" name="Picture 14">
+            <a:extLst>
+              <a:ext uri="{FF2B5EF4-FFF2-40B4-BE49-F238E27FC236}">
+                <a16:creationId xmlns:a16="http://schemas.microsoft.com/office/drawing/2014/main" id="{12A92E28-58FE-4842-AF1A-93E53E56B798}"/>
+              </a:ext>
+            </a:extLst>
+          </p:cNvPr>
+          <p:cNvPicPr>
+            <a:picLocks noChangeAspect="1"/>
+          </p:cNvPicPr>
+          <p:nvPr/>
+        </p:nvPicPr>
+        <p:blipFill>
+          <a:blip r:embed="rId5"/>
+          <a:stretch>
+            <a:fillRect/>
+          </a:stretch>
+        </p:blipFill>
+        <p:spPr>
+          <a:xfrm>
+            <a:off x="3802598" y="3388205"/>
+            <a:ext cx="2699839" cy="3099816"/>
+          </a:xfrm>
+          <a:prstGeom prst="rect">
+            <a:avLst/>
+          </a:prstGeom>
+        </p:spPr>
+      </p:pic>
+      <p:pic>
+        <p:nvPicPr>
+          <p:cNvPr id="5" name="Picture 4">
+            <a:extLst>
+              <a:ext uri="{FF2B5EF4-FFF2-40B4-BE49-F238E27FC236}">
+                <a16:creationId xmlns:a16="http://schemas.microsoft.com/office/drawing/2014/main" id="{3B9B94C8-8B70-E14C-BE8C-4CD4EFDA1735}"/>
+              </a:ext>
+            </a:extLst>
+          </p:cNvPr>
+          <p:cNvPicPr>
+            <a:picLocks noChangeAspect="1"/>
+          </p:cNvPicPr>
+          <p:nvPr/>
+        </p:nvPicPr>
+        <p:blipFill>
+          <a:blip r:embed="rId6"/>
+          <a:stretch>
+            <a:fillRect/>
+          </a:stretch>
+        </p:blipFill>
+        <p:spPr>
+          <a:xfrm>
+            <a:off x="1416013" y="3388205"/>
+            <a:ext cx="2699840" cy="3099816"/>
+          </a:xfrm>
+          <a:prstGeom prst="rect">
+            <a:avLst/>
+          </a:prstGeom>
+        </p:spPr>
+      </p:pic>
+      <p:sp>
+        <p:nvSpPr>
+          <p:cNvPr id="18" name="TextBox 17">
+            <a:extLst>
+              <a:ext uri="{FF2B5EF4-FFF2-40B4-BE49-F238E27FC236}">
+                <a16:creationId xmlns:a16="http://schemas.microsoft.com/office/drawing/2014/main" id="{46BBEC22-8FD3-4646-AE1A-C6C1C5D5E1E6}"/>
+              </a:ext>
+            </a:extLst>
+          </p:cNvPr>
+          <p:cNvSpPr txBox="1"/>
+          <p:nvPr/>
+        </p:nvSpPr>
+        <p:spPr>
+          <a:xfrm>
+            <a:off x="3949309" y="-4670"/>
+            <a:ext cx="578784" cy="338554"/>
+          </a:xfrm>
+          <a:prstGeom prst="rect">
+            <a:avLst/>
+          </a:prstGeom>
+          <a:noFill/>
+        </p:spPr>
+        <p:txBody>
+          <a:bodyPr wrap="square" rtlCol="0">
+            <a:spAutoFit/>
+          </a:bodyPr>
+          <a:lstStyle/>
+          <a:p>
+            <a:pPr algn="ctr"/>
+            <a:r>
+              <a:rPr lang="en-US" sz="1600" b="1" dirty="0">
+                <a:latin typeface="Helvetica Neue" panose="02000503000000020004" pitchFamily="2" charset="0"/>
+                <a:ea typeface="Helvetica Neue" panose="02000503000000020004" pitchFamily="2" charset="0"/>
+                <a:cs typeface="Helvetica Neue" panose="02000503000000020004" pitchFamily="2" charset="0"/>
+              </a:rPr>
+              <a:t>b</a:t>
+            </a:r>
+          </a:p>
+        </p:txBody>
+      </p:sp>
+      <p:sp>
+        <p:nvSpPr>
+          <p:cNvPr id="16" name="TextBox 15">
+            <a:extLst>
+              <a:ext uri="{FF2B5EF4-FFF2-40B4-BE49-F238E27FC236}">
+                <a16:creationId xmlns:a16="http://schemas.microsoft.com/office/drawing/2014/main" id="{0B8EA217-6F2C-0943-8D48-F70EC12EC200}"/>
+              </a:ext>
+            </a:extLst>
+          </p:cNvPr>
+          <p:cNvSpPr txBox="1"/>
+          <p:nvPr/>
+        </p:nvSpPr>
+        <p:spPr>
+          <a:xfrm>
+            <a:off x="1576181" y="-4671"/>
+            <a:ext cx="578784" cy="338554"/>
+          </a:xfrm>
+          <a:prstGeom prst="rect">
+            <a:avLst/>
+          </a:prstGeom>
+          <a:noFill/>
+        </p:spPr>
+        <p:txBody>
+          <a:bodyPr wrap="square" rtlCol="0">
+            <a:spAutoFit/>
+          </a:bodyPr>
+          <a:lstStyle/>
+          <a:p>
+            <a:pPr algn="ctr"/>
+            <a:r>
+              <a:rPr lang="en-US" sz="1600" b="1" dirty="0">
+                <a:latin typeface="Helvetica Neue" panose="02000503000000020004" pitchFamily="2" charset="0"/>
+                <a:ea typeface="Helvetica Neue" panose="02000503000000020004" pitchFamily="2" charset="0"/>
+                <a:cs typeface="Helvetica Neue" panose="02000503000000020004" pitchFamily="2" charset="0"/>
+              </a:rPr>
+              <a:t>a</a:t>
+            </a:r>
+          </a:p>
+        </p:txBody>
+      </p:sp>
+      <p:sp>
+        <p:nvSpPr>
+          <p:cNvPr id="20" name="TextBox 19">
+            <a:extLst>
+              <a:ext uri="{FF2B5EF4-FFF2-40B4-BE49-F238E27FC236}">
+                <a16:creationId xmlns:a16="http://schemas.microsoft.com/office/drawing/2014/main" id="{E8C86BD2-9FE9-8C4D-A835-2EAAEE829653}"/>
+              </a:ext>
+            </a:extLst>
+          </p:cNvPr>
+          <p:cNvSpPr txBox="1"/>
+          <p:nvPr/>
+        </p:nvSpPr>
+        <p:spPr>
+          <a:xfrm>
+            <a:off x="1577793" y="3187272"/>
+            <a:ext cx="578784" cy="338554"/>
+          </a:xfrm>
+          <a:prstGeom prst="rect">
+            <a:avLst/>
+          </a:prstGeom>
+          <a:noFill/>
+        </p:spPr>
+        <p:txBody>
+          <a:bodyPr wrap="square" rtlCol="0">
+            <a:spAutoFit/>
+          </a:bodyPr>
+          <a:lstStyle/>
+          <a:p>
+            <a:pPr algn="ctr"/>
+            <a:r>
+              <a:rPr lang="en-US" sz="1600" b="1" dirty="0">
+                <a:latin typeface="Helvetica Neue" panose="02000503000000020004" pitchFamily="2" charset="0"/>
+                <a:ea typeface="Helvetica Neue" panose="02000503000000020004" pitchFamily="2" charset="0"/>
+                <a:cs typeface="Helvetica Neue" panose="02000503000000020004" pitchFamily="2" charset="0"/>
+              </a:rPr>
+              <a:t>c</a:t>
+            </a:r>
+          </a:p>
+        </p:txBody>
+      </p:sp>
+      <p:sp>
+        <p:nvSpPr>
+          <p:cNvPr id="22" name="TextBox 21">
+            <a:extLst>
+              <a:ext uri="{FF2B5EF4-FFF2-40B4-BE49-F238E27FC236}">
+                <a16:creationId xmlns:a16="http://schemas.microsoft.com/office/drawing/2014/main" id="{9CC8A2EA-F668-DD43-A074-9F1F726F28A7}"/>
+              </a:ext>
+            </a:extLst>
+          </p:cNvPr>
+          <p:cNvSpPr txBox="1"/>
+          <p:nvPr/>
+        </p:nvSpPr>
+        <p:spPr>
+          <a:xfrm>
+            <a:off x="3949309" y="3191975"/>
+            <a:ext cx="578784" cy="338554"/>
+          </a:xfrm>
+          <a:prstGeom prst="rect">
+            <a:avLst/>
+          </a:prstGeom>
+          <a:noFill/>
+        </p:spPr>
+        <p:txBody>
+          <a:bodyPr wrap="square" rtlCol="0">
+            <a:spAutoFit/>
+          </a:bodyPr>
+          <a:lstStyle/>
+          <a:p>
+            <a:pPr algn="ctr"/>
+            <a:r>
+              <a:rPr lang="en-US" sz="1600" b="1" dirty="0">
+                <a:latin typeface="Helvetica Neue" panose="02000503000000020004" pitchFamily="2" charset="0"/>
+                <a:ea typeface="Helvetica Neue" panose="02000503000000020004" pitchFamily="2" charset="0"/>
+                <a:cs typeface="Helvetica Neue" panose="02000503000000020004" pitchFamily="2" charset="0"/>
+              </a:rPr>
+              <a:t>d</a:t>
+            </a:r>
+          </a:p>
+        </p:txBody>
+      </p:sp>
+    </p:spTree>
+    <p:extLst>
+      <p:ext uri="{BB962C8B-B14F-4D97-AF65-F5344CB8AC3E}">
+        <p14:creationId xmlns:p14="http://schemas.microsoft.com/office/powerpoint/2010/main" val="3807970029"/>
+      </p:ext>
+    </p:extLst>
+  </p:cSld>
+  <p:clrMapOvr>
+    <a:masterClrMapping/>
+  </p:clrMapOvr>
+</p:sld>
+</file>
+
+<file path=ppt/slides/slide28.xml><?xml version="1.0" encoding="utf-8"?>
+<p:sld xmlns:a="http://schemas.openxmlformats.org/drawingml/2006/main" xmlns:r="http://schemas.openxmlformats.org/officeDocument/2006/relationships" xmlns:p="http://schemas.openxmlformats.org/presentationml/2006/main" show="0">
+  <p:cSld>
+    <p:spTree>
+      <p:nvGrpSpPr>
+        <p:cNvPr id="1" name=""/>
+        <p:cNvGrpSpPr/>
+        <p:nvPr/>
+      </p:nvGrpSpPr>
+      <p:grpSpPr>
+        <a:xfrm>
+          <a:off x="0" y="0"/>
+          <a:ext cx="0" cy="0"/>
+          <a:chOff x="0" y="0"/>
+          <a:chExt cx="0" cy="0"/>
+        </a:xfrm>
+      </p:grpSpPr>
+      <p:pic>
+        <p:nvPicPr>
           <p:cNvPr id="3" name="Picture 2">
             <a:extLst>
               <a:ext uri="{FF2B5EF4-FFF2-40B4-BE49-F238E27FC236}">
@@ -26670,7 +28061,7 @@
 </p:sld>
 </file>
 
-<file path=ppt/slides/slide28.xml><?xml version="1.0" encoding="utf-8"?>
+<file path=ppt/slides/slide29.xml><?xml version="1.0" encoding="utf-8"?>
 <p:sld xmlns:a="http://schemas.openxmlformats.org/drawingml/2006/main" xmlns:r="http://schemas.openxmlformats.org/officeDocument/2006/relationships" xmlns:p="http://schemas.openxmlformats.org/presentationml/2006/main">
   <p:cSld>
     <p:spTree>
@@ -26980,318 +28371,8 @@
 </p:sld>
 </file>
 
-<file path=ppt/slides/slide29.xml><?xml version="1.0" encoding="utf-8"?>
+<file path=ppt/slides/slide3.xml><?xml version="1.0" encoding="utf-8"?>
 <p:sld xmlns:a="http://schemas.openxmlformats.org/drawingml/2006/main" xmlns:r="http://schemas.openxmlformats.org/officeDocument/2006/relationships" xmlns:p="http://schemas.openxmlformats.org/presentationml/2006/main" show="0">
-  <p:cSld>
-    <p:spTree>
-      <p:nvGrpSpPr>
-        <p:cNvPr id="1" name=""/>
-        <p:cNvGrpSpPr/>
-        <p:nvPr/>
-      </p:nvGrpSpPr>
-      <p:grpSpPr>
-        <a:xfrm>
-          <a:off x="0" y="0"/>
-          <a:ext cx="0" cy="0"/>
-          <a:chOff x="0" y="0"/>
-          <a:chExt cx="0" cy="0"/>
-        </a:xfrm>
-      </p:grpSpPr>
-      <p:pic>
-        <p:nvPicPr>
-          <p:cNvPr id="10" name="Picture 9">
-            <a:extLst>
-              <a:ext uri="{FF2B5EF4-FFF2-40B4-BE49-F238E27FC236}">
-                <a16:creationId xmlns:a16="http://schemas.microsoft.com/office/drawing/2014/main" id="{0789F02C-289C-B44C-A106-C5D9E6B6A068}"/>
-              </a:ext>
-            </a:extLst>
-          </p:cNvPr>
-          <p:cNvPicPr>
-            <a:picLocks noChangeAspect="1"/>
-          </p:cNvPicPr>
-          <p:nvPr/>
-        </p:nvPicPr>
-        <p:blipFill>
-          <a:blip r:embed="rId3"/>
-          <a:stretch>
-            <a:fillRect/>
-          </a:stretch>
-        </p:blipFill>
-        <p:spPr>
-          <a:xfrm>
-            <a:off x="3803904" y="201168"/>
-            <a:ext cx="2697480" cy="3097107"/>
-          </a:xfrm>
-          <a:prstGeom prst="rect">
-            <a:avLst/>
-          </a:prstGeom>
-        </p:spPr>
-      </p:pic>
-      <p:pic>
-        <p:nvPicPr>
-          <p:cNvPr id="13" name="Picture 12">
-            <a:extLst>
-              <a:ext uri="{FF2B5EF4-FFF2-40B4-BE49-F238E27FC236}">
-                <a16:creationId xmlns:a16="http://schemas.microsoft.com/office/drawing/2014/main" id="{B98B9F79-F9E7-C44E-87A8-1F88167319BA}"/>
-              </a:ext>
-            </a:extLst>
-          </p:cNvPr>
-          <p:cNvPicPr>
-            <a:picLocks noChangeAspect="1"/>
-          </p:cNvPicPr>
-          <p:nvPr/>
-        </p:nvPicPr>
-        <p:blipFill>
-          <a:blip r:embed="rId4"/>
-          <a:stretch>
-            <a:fillRect/>
-          </a:stretch>
-        </p:blipFill>
-        <p:spPr>
-          <a:xfrm>
-            <a:off x="1417320" y="201168"/>
-            <a:ext cx="2697480" cy="3097107"/>
-          </a:xfrm>
-          <a:prstGeom prst="rect">
-            <a:avLst/>
-          </a:prstGeom>
-        </p:spPr>
-      </p:pic>
-      <p:pic>
-        <p:nvPicPr>
-          <p:cNvPr id="4" name="Picture 3">
-            <a:extLst>
-              <a:ext uri="{FF2B5EF4-FFF2-40B4-BE49-F238E27FC236}">
-                <a16:creationId xmlns:a16="http://schemas.microsoft.com/office/drawing/2014/main" id="{75F537B3-7AFF-DA4A-A9A1-2CC77F79E372}"/>
-              </a:ext>
-            </a:extLst>
-          </p:cNvPr>
-          <p:cNvPicPr>
-            <a:picLocks noChangeAspect="1"/>
-          </p:cNvPicPr>
-          <p:nvPr/>
-        </p:nvPicPr>
-        <p:blipFill>
-          <a:blip r:embed="rId5"/>
-          <a:stretch>
-            <a:fillRect/>
-          </a:stretch>
-        </p:blipFill>
-        <p:spPr>
-          <a:xfrm>
-            <a:off x="3803904" y="3383279"/>
-            <a:ext cx="2699839" cy="3099816"/>
-          </a:xfrm>
-          <a:prstGeom prst="rect">
-            <a:avLst/>
-          </a:prstGeom>
-        </p:spPr>
-      </p:pic>
-      <p:pic>
-        <p:nvPicPr>
-          <p:cNvPr id="7" name="Picture 6">
-            <a:extLst>
-              <a:ext uri="{FF2B5EF4-FFF2-40B4-BE49-F238E27FC236}">
-                <a16:creationId xmlns:a16="http://schemas.microsoft.com/office/drawing/2014/main" id="{D50C5408-F94D-0A4F-8358-209AAF25778B}"/>
-              </a:ext>
-            </a:extLst>
-          </p:cNvPr>
-          <p:cNvPicPr>
-            <a:picLocks noChangeAspect="1"/>
-          </p:cNvPicPr>
-          <p:nvPr/>
-        </p:nvPicPr>
-        <p:blipFill>
-          <a:blip r:embed="rId6"/>
-          <a:stretch>
-            <a:fillRect/>
-          </a:stretch>
-        </p:blipFill>
-        <p:spPr>
-          <a:xfrm>
-            <a:off x="1417320" y="3383280"/>
-            <a:ext cx="2697480" cy="3097107"/>
-          </a:xfrm>
-          <a:prstGeom prst="rect">
-            <a:avLst/>
-          </a:prstGeom>
-        </p:spPr>
-      </p:pic>
-      <p:sp>
-        <p:nvSpPr>
-          <p:cNvPr id="18" name="TextBox 17">
-            <a:extLst>
-              <a:ext uri="{FF2B5EF4-FFF2-40B4-BE49-F238E27FC236}">
-                <a16:creationId xmlns:a16="http://schemas.microsoft.com/office/drawing/2014/main" id="{46BBEC22-8FD3-4646-AE1A-C6C1C5D5E1E6}"/>
-              </a:ext>
-            </a:extLst>
-          </p:cNvPr>
-          <p:cNvSpPr txBox="1"/>
-          <p:nvPr/>
-        </p:nvSpPr>
-        <p:spPr>
-          <a:xfrm>
-            <a:off x="3950616" y="-9595"/>
-            <a:ext cx="578784" cy="338554"/>
-          </a:xfrm>
-          <a:prstGeom prst="rect">
-            <a:avLst/>
-          </a:prstGeom>
-          <a:noFill/>
-        </p:spPr>
-        <p:txBody>
-          <a:bodyPr wrap="square" rtlCol="0">
-            <a:spAutoFit/>
-          </a:bodyPr>
-          <a:lstStyle/>
-          <a:p>
-            <a:pPr algn="ctr"/>
-            <a:r>
-              <a:rPr lang="en-US" sz="1600" b="1" dirty="0">
-                <a:latin typeface="Helvetica Neue" panose="02000503000000020004" pitchFamily="2" charset="0"/>
-                <a:ea typeface="Helvetica Neue" panose="02000503000000020004" pitchFamily="2" charset="0"/>
-                <a:cs typeface="Helvetica Neue" panose="02000503000000020004" pitchFamily="2" charset="0"/>
-              </a:rPr>
-              <a:t>b</a:t>
-            </a:r>
-          </a:p>
-        </p:txBody>
-      </p:sp>
-      <p:sp>
-        <p:nvSpPr>
-          <p:cNvPr id="16" name="TextBox 15">
-            <a:extLst>
-              <a:ext uri="{FF2B5EF4-FFF2-40B4-BE49-F238E27FC236}">
-                <a16:creationId xmlns:a16="http://schemas.microsoft.com/office/drawing/2014/main" id="{0B8EA217-6F2C-0943-8D48-F70EC12EC200}"/>
-              </a:ext>
-            </a:extLst>
-          </p:cNvPr>
-          <p:cNvSpPr txBox="1"/>
-          <p:nvPr/>
-        </p:nvSpPr>
-        <p:spPr>
-          <a:xfrm>
-            <a:off x="1577488" y="-9596"/>
-            <a:ext cx="578784" cy="338554"/>
-          </a:xfrm>
-          <a:prstGeom prst="rect">
-            <a:avLst/>
-          </a:prstGeom>
-          <a:noFill/>
-        </p:spPr>
-        <p:txBody>
-          <a:bodyPr wrap="square" rtlCol="0">
-            <a:spAutoFit/>
-          </a:bodyPr>
-          <a:lstStyle/>
-          <a:p>
-            <a:pPr algn="ctr"/>
-            <a:r>
-              <a:rPr lang="en-US" sz="1600" b="1" dirty="0">
-                <a:latin typeface="Helvetica Neue" panose="02000503000000020004" pitchFamily="2" charset="0"/>
-                <a:ea typeface="Helvetica Neue" panose="02000503000000020004" pitchFamily="2" charset="0"/>
-                <a:cs typeface="Helvetica Neue" panose="02000503000000020004" pitchFamily="2" charset="0"/>
-              </a:rPr>
-              <a:t>a</a:t>
-            </a:r>
-          </a:p>
-        </p:txBody>
-      </p:sp>
-      <p:sp>
-        <p:nvSpPr>
-          <p:cNvPr id="20" name="TextBox 19">
-            <a:extLst>
-              <a:ext uri="{FF2B5EF4-FFF2-40B4-BE49-F238E27FC236}">
-                <a16:creationId xmlns:a16="http://schemas.microsoft.com/office/drawing/2014/main" id="{E8C86BD2-9FE9-8C4D-A835-2EAAEE829653}"/>
-              </a:ext>
-            </a:extLst>
-          </p:cNvPr>
-          <p:cNvSpPr txBox="1"/>
-          <p:nvPr/>
-        </p:nvSpPr>
-        <p:spPr>
-          <a:xfrm>
-            <a:off x="1579100" y="3182347"/>
-            <a:ext cx="578784" cy="338554"/>
-          </a:xfrm>
-          <a:prstGeom prst="rect">
-            <a:avLst/>
-          </a:prstGeom>
-          <a:noFill/>
-        </p:spPr>
-        <p:txBody>
-          <a:bodyPr wrap="square" rtlCol="0">
-            <a:spAutoFit/>
-          </a:bodyPr>
-          <a:lstStyle/>
-          <a:p>
-            <a:pPr algn="ctr"/>
-            <a:r>
-              <a:rPr lang="en-US" sz="1600" b="1" dirty="0">
-                <a:latin typeface="Helvetica Neue" panose="02000503000000020004" pitchFamily="2" charset="0"/>
-                <a:ea typeface="Helvetica Neue" panose="02000503000000020004" pitchFamily="2" charset="0"/>
-                <a:cs typeface="Helvetica Neue" panose="02000503000000020004" pitchFamily="2" charset="0"/>
-              </a:rPr>
-              <a:t>c</a:t>
-            </a:r>
-          </a:p>
-        </p:txBody>
-      </p:sp>
-      <p:sp>
-        <p:nvSpPr>
-          <p:cNvPr id="22" name="TextBox 21">
-            <a:extLst>
-              <a:ext uri="{FF2B5EF4-FFF2-40B4-BE49-F238E27FC236}">
-                <a16:creationId xmlns:a16="http://schemas.microsoft.com/office/drawing/2014/main" id="{9CC8A2EA-F668-DD43-A074-9F1F726F28A7}"/>
-              </a:ext>
-            </a:extLst>
-          </p:cNvPr>
-          <p:cNvSpPr txBox="1"/>
-          <p:nvPr/>
-        </p:nvSpPr>
-        <p:spPr>
-          <a:xfrm>
-            <a:off x="3950616" y="3187050"/>
-            <a:ext cx="578784" cy="338554"/>
-          </a:xfrm>
-          <a:prstGeom prst="rect">
-            <a:avLst/>
-          </a:prstGeom>
-          <a:noFill/>
-        </p:spPr>
-        <p:txBody>
-          <a:bodyPr wrap="square" rtlCol="0">
-            <a:spAutoFit/>
-          </a:bodyPr>
-          <a:lstStyle/>
-          <a:p>
-            <a:pPr algn="ctr"/>
-            <a:r>
-              <a:rPr lang="en-US" sz="1600" b="1" dirty="0">
-                <a:latin typeface="Helvetica Neue" panose="02000503000000020004" pitchFamily="2" charset="0"/>
-                <a:ea typeface="Helvetica Neue" panose="02000503000000020004" pitchFamily="2" charset="0"/>
-                <a:cs typeface="Helvetica Neue" panose="02000503000000020004" pitchFamily="2" charset="0"/>
-              </a:rPr>
-              <a:t>d</a:t>
-            </a:r>
-          </a:p>
-        </p:txBody>
-      </p:sp>
-    </p:spTree>
-    <p:extLst>
-      <p:ext uri="{BB962C8B-B14F-4D97-AF65-F5344CB8AC3E}">
-        <p14:creationId xmlns:p14="http://schemas.microsoft.com/office/powerpoint/2010/main" val="1459477943"/>
-      </p:ext>
-    </p:extLst>
-  </p:cSld>
-  <p:clrMapOvr>
-    <a:masterClrMapping/>
-  </p:clrMapOvr>
-</p:sld>
-</file>
-
-<file path=ppt/slides/slide3.xml><?xml version="1.0" encoding="utf-8"?>
-<p:sld xmlns:a="http://schemas.openxmlformats.org/drawingml/2006/main" xmlns:r="http://schemas.openxmlformats.org/officeDocument/2006/relationships" xmlns:p="http://schemas.openxmlformats.org/presentationml/2006/main">
   <p:cSld>
     <p:spTree>
       <p:nvGrpSpPr>
@@ -27549,10 +28630,10 @@
       </p:grpSpPr>
       <p:pic>
         <p:nvPicPr>
-          <p:cNvPr id="5" name="Picture 4">
-            <a:extLst>
-              <a:ext uri="{FF2B5EF4-FFF2-40B4-BE49-F238E27FC236}">
-                <a16:creationId xmlns:a16="http://schemas.microsoft.com/office/drawing/2014/main" id="{F1F79889-7301-FE40-A940-D913F87BC551}"/>
+          <p:cNvPr id="10" name="Picture 9">
+            <a:extLst>
+              <a:ext uri="{FF2B5EF4-FFF2-40B4-BE49-F238E27FC236}">
+                <a16:creationId xmlns:a16="http://schemas.microsoft.com/office/drawing/2014/main" id="{0789F02C-289C-B44C-A106-C5D9E6B6A068}"/>
               </a:ext>
             </a:extLst>
           </p:cNvPr>
@@ -27569,8 +28650,8 @@
         </p:blipFill>
         <p:spPr>
           <a:xfrm>
-            <a:off x="3802597" y="3388205"/>
-            <a:ext cx="2699840" cy="3099816"/>
+            <a:off x="3803904" y="201168"/>
+            <a:ext cx="2697480" cy="3097107"/>
           </a:xfrm>
           <a:prstGeom prst="rect">
             <a:avLst/>
@@ -27579,10 +28660,10 @@
       </p:pic>
       <p:pic>
         <p:nvPicPr>
-          <p:cNvPr id="7" name="Picture 6">
-            <a:extLst>
-              <a:ext uri="{FF2B5EF4-FFF2-40B4-BE49-F238E27FC236}">
-                <a16:creationId xmlns:a16="http://schemas.microsoft.com/office/drawing/2014/main" id="{5F9A549E-B250-3942-A9CC-19AD6004CB55}"/>
+          <p:cNvPr id="13" name="Picture 12">
+            <a:extLst>
+              <a:ext uri="{FF2B5EF4-FFF2-40B4-BE49-F238E27FC236}">
+                <a16:creationId xmlns:a16="http://schemas.microsoft.com/office/drawing/2014/main" id="{B98B9F79-F9E7-C44E-87A8-1F88167319BA}"/>
               </a:ext>
             </a:extLst>
           </p:cNvPr>
@@ -27599,8 +28680,8 @@
         </p:blipFill>
         <p:spPr>
           <a:xfrm>
-            <a:off x="1416013" y="3388205"/>
-            <a:ext cx="2699840" cy="3099816"/>
+            <a:off x="1417320" y="201168"/>
+            <a:ext cx="2697480" cy="3097107"/>
           </a:xfrm>
           <a:prstGeom prst="rect">
             <a:avLst/>
@@ -27609,10 +28690,10 @@
       </p:pic>
       <p:pic>
         <p:nvPicPr>
-          <p:cNvPr id="9" name="Picture 8">
-            <a:extLst>
-              <a:ext uri="{FF2B5EF4-FFF2-40B4-BE49-F238E27FC236}">
-                <a16:creationId xmlns:a16="http://schemas.microsoft.com/office/drawing/2014/main" id="{33851900-16B6-7B48-ADB9-87EE559BD4B1}"/>
+          <p:cNvPr id="4" name="Picture 3">
+            <a:extLst>
+              <a:ext uri="{FF2B5EF4-FFF2-40B4-BE49-F238E27FC236}">
+                <a16:creationId xmlns:a16="http://schemas.microsoft.com/office/drawing/2014/main" id="{75F537B3-7AFF-DA4A-A9A1-2CC77F79E372}"/>
               </a:ext>
             </a:extLst>
           </p:cNvPr>
@@ -27629,8 +28710,8 @@
         </p:blipFill>
         <p:spPr>
           <a:xfrm>
-            <a:off x="3802597" y="206093"/>
-            <a:ext cx="2699840" cy="3099816"/>
+            <a:off x="3803904" y="3383279"/>
+            <a:ext cx="2699839" cy="3099816"/>
           </a:xfrm>
           <a:prstGeom prst="rect">
             <a:avLst/>
@@ -27639,10 +28720,10 @@
       </p:pic>
       <p:pic>
         <p:nvPicPr>
-          <p:cNvPr id="12" name="Picture 11">
-            <a:extLst>
-              <a:ext uri="{FF2B5EF4-FFF2-40B4-BE49-F238E27FC236}">
-                <a16:creationId xmlns:a16="http://schemas.microsoft.com/office/drawing/2014/main" id="{10CFA0B9-3697-2542-8EAC-AB0266314220}"/>
+          <p:cNvPr id="7" name="Picture 6">
+            <a:extLst>
+              <a:ext uri="{FF2B5EF4-FFF2-40B4-BE49-F238E27FC236}">
+                <a16:creationId xmlns:a16="http://schemas.microsoft.com/office/drawing/2014/main" id="{D50C5408-F94D-0A4F-8358-209AAF25778B}"/>
               </a:ext>
             </a:extLst>
           </p:cNvPr>
@@ -27659,8 +28740,8 @@
         </p:blipFill>
         <p:spPr>
           <a:xfrm>
-            <a:off x="1416013" y="206093"/>
-            <a:ext cx="2699840" cy="3099816"/>
+            <a:off x="1417320" y="3383280"/>
+            <a:ext cx="2697480" cy="3097107"/>
           </a:xfrm>
           <a:prstGeom prst="rect">
             <a:avLst/>
@@ -27681,7 +28762,7 @@
         </p:nvSpPr>
         <p:spPr>
           <a:xfrm>
-            <a:off x="3949309" y="-4670"/>
+            <a:off x="3950616" y="-9595"/>
             <a:ext cx="578784" cy="338554"/>
           </a:xfrm>
           <a:prstGeom prst="rect">
@@ -27721,7 +28802,7 @@
         </p:nvSpPr>
         <p:spPr>
           <a:xfrm>
-            <a:off x="1576181" y="-4671"/>
+            <a:off x="1577488" y="-9596"/>
             <a:ext cx="578784" cy="338554"/>
           </a:xfrm>
           <a:prstGeom prst="rect">
@@ -27761,7 +28842,7 @@
         </p:nvSpPr>
         <p:spPr>
           <a:xfrm>
-            <a:off x="1577793" y="3187272"/>
+            <a:off x="1579100" y="3182347"/>
             <a:ext cx="578784" cy="338554"/>
           </a:xfrm>
           <a:prstGeom prst="rect">
@@ -27801,7 +28882,7 @@
         </p:nvSpPr>
         <p:spPr>
           <a:xfrm>
-            <a:off x="3949309" y="3191975"/>
+            <a:off x="3950616" y="3187050"/>
             <a:ext cx="578784" cy="338554"/>
           </a:xfrm>
           <a:prstGeom prst="rect">
@@ -27830,7 +28911,7 @@
     </p:spTree>
     <p:extLst>
       <p:ext uri="{BB962C8B-B14F-4D97-AF65-F5344CB8AC3E}">
-        <p14:creationId xmlns:p14="http://schemas.microsoft.com/office/powerpoint/2010/main" val="2352755481"/>
+        <p14:creationId xmlns:p14="http://schemas.microsoft.com/office/powerpoint/2010/main" val="1459477943"/>
       </p:ext>
     </p:extLst>
   </p:cSld>
@@ -27859,10 +28940,10 @@
       </p:grpSpPr>
       <p:pic>
         <p:nvPicPr>
-          <p:cNvPr id="13" name="Picture 12">
-            <a:extLst>
-              <a:ext uri="{FF2B5EF4-FFF2-40B4-BE49-F238E27FC236}">
-                <a16:creationId xmlns:a16="http://schemas.microsoft.com/office/drawing/2014/main" id="{593098FA-710B-C04E-BA7A-8573877B7FB8}"/>
+          <p:cNvPr id="5" name="Picture 4">
+            <a:extLst>
+              <a:ext uri="{FF2B5EF4-FFF2-40B4-BE49-F238E27FC236}">
+                <a16:creationId xmlns:a16="http://schemas.microsoft.com/office/drawing/2014/main" id="{F1F79889-7301-FE40-A940-D913F87BC551}"/>
               </a:ext>
             </a:extLst>
           </p:cNvPr>
@@ -27879,7 +28960,7 @@
         </p:blipFill>
         <p:spPr>
           <a:xfrm>
-            <a:off x="3803904" y="210312"/>
+            <a:off x="3802597" y="3388205"/>
             <a:ext cx="2699840" cy="3099816"/>
           </a:xfrm>
           <a:prstGeom prst="rect">
@@ -27889,10 +28970,10 @@
       </p:pic>
       <p:pic>
         <p:nvPicPr>
-          <p:cNvPr id="3" name="Picture 2">
-            <a:extLst>
-              <a:ext uri="{FF2B5EF4-FFF2-40B4-BE49-F238E27FC236}">
-                <a16:creationId xmlns:a16="http://schemas.microsoft.com/office/drawing/2014/main" id="{7485AF5E-0F50-3E4E-8DCC-C64CDAA09740}"/>
+          <p:cNvPr id="7" name="Picture 6">
+            <a:extLst>
+              <a:ext uri="{FF2B5EF4-FFF2-40B4-BE49-F238E27FC236}">
+                <a16:creationId xmlns:a16="http://schemas.microsoft.com/office/drawing/2014/main" id="{5F9A549E-B250-3942-A9CC-19AD6004CB55}"/>
               </a:ext>
             </a:extLst>
           </p:cNvPr>
@@ -27909,7 +28990,7 @@
         </p:blipFill>
         <p:spPr>
           <a:xfrm>
-            <a:off x="1417320" y="210312"/>
+            <a:off x="1416013" y="3388205"/>
             <a:ext cx="2699840" cy="3099816"/>
           </a:xfrm>
           <a:prstGeom prst="rect">
@@ -27919,10 +29000,10 @@
       </p:pic>
       <p:pic>
         <p:nvPicPr>
-          <p:cNvPr id="6" name="Picture 5">
-            <a:extLst>
-              <a:ext uri="{FF2B5EF4-FFF2-40B4-BE49-F238E27FC236}">
-                <a16:creationId xmlns:a16="http://schemas.microsoft.com/office/drawing/2014/main" id="{D2A8EE6D-6440-6949-908A-DEB39F90BAC8}"/>
+          <p:cNvPr id="9" name="Picture 8">
+            <a:extLst>
+              <a:ext uri="{FF2B5EF4-FFF2-40B4-BE49-F238E27FC236}">
+                <a16:creationId xmlns:a16="http://schemas.microsoft.com/office/drawing/2014/main" id="{33851900-16B6-7B48-ADB9-87EE559BD4B1}"/>
               </a:ext>
             </a:extLst>
           </p:cNvPr>
@@ -27939,7 +29020,7 @@
         </p:blipFill>
         <p:spPr>
           <a:xfrm>
-            <a:off x="3803904" y="3392424"/>
+            <a:off x="3802597" y="206093"/>
             <a:ext cx="2699840" cy="3099816"/>
           </a:xfrm>
           <a:prstGeom prst="rect">
@@ -27949,10 +29030,10 @@
       </p:pic>
       <p:pic>
         <p:nvPicPr>
-          <p:cNvPr id="10" name="Picture 9">
-            <a:extLst>
-              <a:ext uri="{FF2B5EF4-FFF2-40B4-BE49-F238E27FC236}">
-                <a16:creationId xmlns:a16="http://schemas.microsoft.com/office/drawing/2014/main" id="{4FFEB511-8822-7940-8ACC-F76430911952}"/>
+          <p:cNvPr id="12" name="Picture 11">
+            <a:extLst>
+              <a:ext uri="{FF2B5EF4-FFF2-40B4-BE49-F238E27FC236}">
+                <a16:creationId xmlns:a16="http://schemas.microsoft.com/office/drawing/2014/main" id="{10CFA0B9-3697-2542-8EAC-AB0266314220}"/>
               </a:ext>
             </a:extLst>
           </p:cNvPr>
@@ -27969,7 +29050,7 @@
         </p:blipFill>
         <p:spPr>
           <a:xfrm>
-            <a:off x="1417320" y="3392424"/>
+            <a:off x="1416013" y="206093"/>
             <a:ext cx="2699840" cy="3099816"/>
           </a:xfrm>
           <a:prstGeom prst="rect">
@@ -28140,7 +29221,7 @@
     </p:spTree>
     <p:extLst>
       <p:ext uri="{BB962C8B-B14F-4D97-AF65-F5344CB8AC3E}">
-        <p14:creationId xmlns:p14="http://schemas.microsoft.com/office/powerpoint/2010/main" val="2723576053"/>
+        <p14:creationId xmlns:p14="http://schemas.microsoft.com/office/powerpoint/2010/main" val="2352755481"/>
       </p:ext>
     </p:extLst>
   </p:cSld>
@@ -28169,6 +29250,316 @@
       </p:grpSpPr>
       <p:pic>
         <p:nvPicPr>
+          <p:cNvPr id="13" name="Picture 12">
+            <a:extLst>
+              <a:ext uri="{FF2B5EF4-FFF2-40B4-BE49-F238E27FC236}">
+                <a16:creationId xmlns:a16="http://schemas.microsoft.com/office/drawing/2014/main" id="{593098FA-710B-C04E-BA7A-8573877B7FB8}"/>
+              </a:ext>
+            </a:extLst>
+          </p:cNvPr>
+          <p:cNvPicPr>
+            <a:picLocks noChangeAspect="1"/>
+          </p:cNvPicPr>
+          <p:nvPr/>
+        </p:nvPicPr>
+        <p:blipFill>
+          <a:blip r:embed="rId3"/>
+          <a:stretch>
+            <a:fillRect/>
+          </a:stretch>
+        </p:blipFill>
+        <p:spPr>
+          <a:xfrm>
+            <a:off x="3803904" y="210312"/>
+            <a:ext cx="2699840" cy="3099816"/>
+          </a:xfrm>
+          <a:prstGeom prst="rect">
+            <a:avLst/>
+          </a:prstGeom>
+        </p:spPr>
+      </p:pic>
+      <p:pic>
+        <p:nvPicPr>
+          <p:cNvPr id="3" name="Picture 2">
+            <a:extLst>
+              <a:ext uri="{FF2B5EF4-FFF2-40B4-BE49-F238E27FC236}">
+                <a16:creationId xmlns:a16="http://schemas.microsoft.com/office/drawing/2014/main" id="{7485AF5E-0F50-3E4E-8DCC-C64CDAA09740}"/>
+              </a:ext>
+            </a:extLst>
+          </p:cNvPr>
+          <p:cNvPicPr>
+            <a:picLocks noChangeAspect="1"/>
+          </p:cNvPicPr>
+          <p:nvPr/>
+        </p:nvPicPr>
+        <p:blipFill>
+          <a:blip r:embed="rId4"/>
+          <a:stretch>
+            <a:fillRect/>
+          </a:stretch>
+        </p:blipFill>
+        <p:spPr>
+          <a:xfrm>
+            <a:off x="1417320" y="210312"/>
+            <a:ext cx="2699840" cy="3099816"/>
+          </a:xfrm>
+          <a:prstGeom prst="rect">
+            <a:avLst/>
+          </a:prstGeom>
+        </p:spPr>
+      </p:pic>
+      <p:pic>
+        <p:nvPicPr>
+          <p:cNvPr id="6" name="Picture 5">
+            <a:extLst>
+              <a:ext uri="{FF2B5EF4-FFF2-40B4-BE49-F238E27FC236}">
+                <a16:creationId xmlns:a16="http://schemas.microsoft.com/office/drawing/2014/main" id="{D2A8EE6D-6440-6949-908A-DEB39F90BAC8}"/>
+              </a:ext>
+            </a:extLst>
+          </p:cNvPr>
+          <p:cNvPicPr>
+            <a:picLocks noChangeAspect="1"/>
+          </p:cNvPicPr>
+          <p:nvPr/>
+        </p:nvPicPr>
+        <p:blipFill>
+          <a:blip r:embed="rId5"/>
+          <a:stretch>
+            <a:fillRect/>
+          </a:stretch>
+        </p:blipFill>
+        <p:spPr>
+          <a:xfrm>
+            <a:off x="3803904" y="3392424"/>
+            <a:ext cx="2699840" cy="3099816"/>
+          </a:xfrm>
+          <a:prstGeom prst="rect">
+            <a:avLst/>
+          </a:prstGeom>
+        </p:spPr>
+      </p:pic>
+      <p:pic>
+        <p:nvPicPr>
+          <p:cNvPr id="10" name="Picture 9">
+            <a:extLst>
+              <a:ext uri="{FF2B5EF4-FFF2-40B4-BE49-F238E27FC236}">
+                <a16:creationId xmlns:a16="http://schemas.microsoft.com/office/drawing/2014/main" id="{4FFEB511-8822-7940-8ACC-F76430911952}"/>
+              </a:ext>
+            </a:extLst>
+          </p:cNvPr>
+          <p:cNvPicPr>
+            <a:picLocks noChangeAspect="1"/>
+          </p:cNvPicPr>
+          <p:nvPr/>
+        </p:nvPicPr>
+        <p:blipFill>
+          <a:blip r:embed="rId6"/>
+          <a:stretch>
+            <a:fillRect/>
+          </a:stretch>
+        </p:blipFill>
+        <p:spPr>
+          <a:xfrm>
+            <a:off x="1417320" y="3392424"/>
+            <a:ext cx="2699840" cy="3099816"/>
+          </a:xfrm>
+          <a:prstGeom prst="rect">
+            <a:avLst/>
+          </a:prstGeom>
+        </p:spPr>
+      </p:pic>
+      <p:sp>
+        <p:nvSpPr>
+          <p:cNvPr id="18" name="TextBox 17">
+            <a:extLst>
+              <a:ext uri="{FF2B5EF4-FFF2-40B4-BE49-F238E27FC236}">
+                <a16:creationId xmlns:a16="http://schemas.microsoft.com/office/drawing/2014/main" id="{46BBEC22-8FD3-4646-AE1A-C6C1C5D5E1E6}"/>
+              </a:ext>
+            </a:extLst>
+          </p:cNvPr>
+          <p:cNvSpPr txBox="1"/>
+          <p:nvPr/>
+        </p:nvSpPr>
+        <p:spPr>
+          <a:xfrm>
+            <a:off x="3949309" y="-4670"/>
+            <a:ext cx="578784" cy="338554"/>
+          </a:xfrm>
+          <a:prstGeom prst="rect">
+            <a:avLst/>
+          </a:prstGeom>
+          <a:noFill/>
+        </p:spPr>
+        <p:txBody>
+          <a:bodyPr wrap="square" rtlCol="0">
+            <a:spAutoFit/>
+          </a:bodyPr>
+          <a:lstStyle/>
+          <a:p>
+            <a:pPr algn="ctr"/>
+            <a:r>
+              <a:rPr lang="en-US" sz="1600" b="1" dirty="0">
+                <a:latin typeface="Helvetica Neue" panose="02000503000000020004" pitchFamily="2" charset="0"/>
+                <a:ea typeface="Helvetica Neue" panose="02000503000000020004" pitchFamily="2" charset="0"/>
+                <a:cs typeface="Helvetica Neue" panose="02000503000000020004" pitchFamily="2" charset="0"/>
+              </a:rPr>
+              <a:t>b</a:t>
+            </a:r>
+          </a:p>
+        </p:txBody>
+      </p:sp>
+      <p:sp>
+        <p:nvSpPr>
+          <p:cNvPr id="16" name="TextBox 15">
+            <a:extLst>
+              <a:ext uri="{FF2B5EF4-FFF2-40B4-BE49-F238E27FC236}">
+                <a16:creationId xmlns:a16="http://schemas.microsoft.com/office/drawing/2014/main" id="{0B8EA217-6F2C-0943-8D48-F70EC12EC200}"/>
+              </a:ext>
+            </a:extLst>
+          </p:cNvPr>
+          <p:cNvSpPr txBox="1"/>
+          <p:nvPr/>
+        </p:nvSpPr>
+        <p:spPr>
+          <a:xfrm>
+            <a:off x="1576181" y="-4671"/>
+            <a:ext cx="578784" cy="338554"/>
+          </a:xfrm>
+          <a:prstGeom prst="rect">
+            <a:avLst/>
+          </a:prstGeom>
+          <a:noFill/>
+        </p:spPr>
+        <p:txBody>
+          <a:bodyPr wrap="square" rtlCol="0">
+            <a:spAutoFit/>
+          </a:bodyPr>
+          <a:lstStyle/>
+          <a:p>
+            <a:pPr algn="ctr"/>
+            <a:r>
+              <a:rPr lang="en-US" sz="1600" b="1" dirty="0">
+                <a:latin typeface="Helvetica Neue" panose="02000503000000020004" pitchFamily="2" charset="0"/>
+                <a:ea typeface="Helvetica Neue" panose="02000503000000020004" pitchFamily="2" charset="0"/>
+                <a:cs typeface="Helvetica Neue" panose="02000503000000020004" pitchFamily="2" charset="0"/>
+              </a:rPr>
+              <a:t>a</a:t>
+            </a:r>
+          </a:p>
+        </p:txBody>
+      </p:sp>
+      <p:sp>
+        <p:nvSpPr>
+          <p:cNvPr id="20" name="TextBox 19">
+            <a:extLst>
+              <a:ext uri="{FF2B5EF4-FFF2-40B4-BE49-F238E27FC236}">
+                <a16:creationId xmlns:a16="http://schemas.microsoft.com/office/drawing/2014/main" id="{E8C86BD2-9FE9-8C4D-A835-2EAAEE829653}"/>
+              </a:ext>
+            </a:extLst>
+          </p:cNvPr>
+          <p:cNvSpPr txBox="1"/>
+          <p:nvPr/>
+        </p:nvSpPr>
+        <p:spPr>
+          <a:xfrm>
+            <a:off x="1577793" y="3187272"/>
+            <a:ext cx="578784" cy="338554"/>
+          </a:xfrm>
+          <a:prstGeom prst="rect">
+            <a:avLst/>
+          </a:prstGeom>
+          <a:noFill/>
+        </p:spPr>
+        <p:txBody>
+          <a:bodyPr wrap="square" rtlCol="0">
+            <a:spAutoFit/>
+          </a:bodyPr>
+          <a:lstStyle/>
+          <a:p>
+            <a:pPr algn="ctr"/>
+            <a:r>
+              <a:rPr lang="en-US" sz="1600" b="1" dirty="0">
+                <a:latin typeface="Helvetica Neue" panose="02000503000000020004" pitchFamily="2" charset="0"/>
+                <a:ea typeface="Helvetica Neue" panose="02000503000000020004" pitchFamily="2" charset="0"/>
+                <a:cs typeface="Helvetica Neue" panose="02000503000000020004" pitchFamily="2" charset="0"/>
+              </a:rPr>
+              <a:t>c</a:t>
+            </a:r>
+          </a:p>
+        </p:txBody>
+      </p:sp>
+      <p:sp>
+        <p:nvSpPr>
+          <p:cNvPr id="22" name="TextBox 21">
+            <a:extLst>
+              <a:ext uri="{FF2B5EF4-FFF2-40B4-BE49-F238E27FC236}">
+                <a16:creationId xmlns:a16="http://schemas.microsoft.com/office/drawing/2014/main" id="{9CC8A2EA-F668-DD43-A074-9F1F726F28A7}"/>
+              </a:ext>
+            </a:extLst>
+          </p:cNvPr>
+          <p:cNvSpPr txBox="1"/>
+          <p:nvPr/>
+        </p:nvSpPr>
+        <p:spPr>
+          <a:xfrm>
+            <a:off x="3949309" y="3191975"/>
+            <a:ext cx="578784" cy="338554"/>
+          </a:xfrm>
+          <a:prstGeom prst="rect">
+            <a:avLst/>
+          </a:prstGeom>
+          <a:noFill/>
+        </p:spPr>
+        <p:txBody>
+          <a:bodyPr wrap="square" rtlCol="0">
+            <a:spAutoFit/>
+          </a:bodyPr>
+          <a:lstStyle/>
+          <a:p>
+            <a:pPr algn="ctr"/>
+            <a:r>
+              <a:rPr lang="en-US" sz="1600" b="1" dirty="0">
+                <a:latin typeface="Helvetica Neue" panose="02000503000000020004" pitchFamily="2" charset="0"/>
+                <a:ea typeface="Helvetica Neue" panose="02000503000000020004" pitchFamily="2" charset="0"/>
+                <a:cs typeface="Helvetica Neue" panose="02000503000000020004" pitchFamily="2" charset="0"/>
+              </a:rPr>
+              <a:t>d</a:t>
+            </a:r>
+          </a:p>
+        </p:txBody>
+      </p:sp>
+    </p:spTree>
+    <p:extLst>
+      <p:ext uri="{BB962C8B-B14F-4D97-AF65-F5344CB8AC3E}">
+        <p14:creationId xmlns:p14="http://schemas.microsoft.com/office/powerpoint/2010/main" val="2723576053"/>
+      </p:ext>
+    </p:extLst>
+  </p:cSld>
+  <p:clrMapOvr>
+    <a:masterClrMapping/>
+  </p:clrMapOvr>
+</p:sld>
+</file>
+
+<file path=ppt/slides/slide33.xml><?xml version="1.0" encoding="utf-8"?>
+<p:sld xmlns:a="http://schemas.openxmlformats.org/drawingml/2006/main" xmlns:r="http://schemas.openxmlformats.org/officeDocument/2006/relationships" xmlns:p="http://schemas.openxmlformats.org/presentationml/2006/main" show="0">
+  <p:cSld>
+    <p:spTree>
+      <p:nvGrpSpPr>
+        <p:cNvPr id="1" name=""/>
+        <p:cNvGrpSpPr/>
+        <p:nvPr/>
+      </p:nvGrpSpPr>
+      <p:grpSpPr>
+        <a:xfrm>
+          <a:off x="0" y="0"/>
+          <a:ext cx="0" cy="0"/>
+          <a:chOff x="0" y="0"/>
+          <a:chExt cx="0" cy="0"/>
+        </a:xfrm>
+      </p:grpSpPr>
+      <p:pic>
+        <p:nvPicPr>
           <p:cNvPr id="7" name="Picture 6">
             <a:extLst>
               <a:ext uri="{FF2B5EF4-FFF2-40B4-BE49-F238E27FC236}">
@@ -28460,7 +29851,7 @@
 </p:sld>
 </file>
 
-<file path=ppt/slides/slide33.xml><?xml version="1.0" encoding="utf-8"?>
+<file path=ppt/slides/slide34.xml><?xml version="1.0" encoding="utf-8"?>
 <p:sld xmlns:a="http://schemas.openxmlformats.org/drawingml/2006/main" xmlns:r="http://schemas.openxmlformats.org/officeDocument/2006/relationships" xmlns:p="http://schemas.openxmlformats.org/presentationml/2006/main">
   <p:cSld>
     <p:spTree>
@@ -28770,7 +30161,7 @@
 </p:sld>
 </file>
 
-<file path=ppt/slides/slide34.xml><?xml version="1.0" encoding="utf-8"?>
+<file path=ppt/slides/slide35.xml><?xml version="1.0" encoding="utf-8"?>
 <p:sld xmlns:a="http://schemas.openxmlformats.org/drawingml/2006/main" xmlns:r="http://schemas.openxmlformats.org/officeDocument/2006/relationships" xmlns:p="http://schemas.openxmlformats.org/presentationml/2006/main" show="0">
   <p:cSld>
     <p:spTree>
@@ -29805,7 +31196,7 @@
 </p:sld>
 </file>
 
-<file path=ppt/slides/slide35.xml><?xml version="1.0" encoding="utf-8"?>
+<file path=ppt/slides/slide36.xml><?xml version="1.0" encoding="utf-8"?>
 <p:sld xmlns:a="http://schemas.openxmlformats.org/drawingml/2006/main" xmlns:r="http://schemas.openxmlformats.org/officeDocument/2006/relationships" xmlns:p="http://schemas.openxmlformats.org/presentationml/2006/main" show="0">
   <p:cSld>
     <p:spTree>
@@ -30819,7 +32210,7 @@
 </p:sld>
 </file>
 
-<file path=ppt/slides/slide36.xml><?xml version="1.0" encoding="utf-8"?>
+<file path=ppt/slides/slide37.xml><?xml version="1.0" encoding="utf-8"?>
 <p:sld xmlns:a="http://schemas.openxmlformats.org/drawingml/2006/main" xmlns:r="http://schemas.openxmlformats.org/officeDocument/2006/relationships" xmlns:p="http://schemas.openxmlformats.org/presentationml/2006/main" show="0">
   <p:cSld>
     <p:spTree>
@@ -31921,7 +33312,7 @@
 </p:sld>
 </file>
 
-<file path=ppt/slides/slide37.xml><?xml version="1.0" encoding="utf-8"?>
+<file path=ppt/slides/slide38.xml><?xml version="1.0" encoding="utf-8"?>
 <p:sld xmlns:a="http://schemas.openxmlformats.org/drawingml/2006/main" xmlns:r="http://schemas.openxmlformats.org/officeDocument/2006/relationships" xmlns:p="http://schemas.openxmlformats.org/presentationml/2006/main" show="0">
   <p:cSld>
     <p:spTree>
@@ -33509,7 +34900,7 @@
 </p:sld>
 </file>
 
-<file path=ppt/slides/slide38.xml><?xml version="1.0" encoding="utf-8"?>
+<file path=ppt/slides/slide39.xml><?xml version="1.0" encoding="utf-8"?>
 <p:sld xmlns:a="http://schemas.openxmlformats.org/drawingml/2006/main" xmlns:r="http://schemas.openxmlformats.org/officeDocument/2006/relationships" xmlns:p="http://schemas.openxmlformats.org/presentationml/2006/main" show="0">
   <p:cSld>
     <p:spTree>
@@ -34927,7 +36318,247 @@
 </p:sld>
 </file>
 
-<file path=ppt/slides/slide39.xml><?xml version="1.0" encoding="utf-8"?>
+<file path=ppt/slides/slide4.xml><?xml version="1.0" encoding="utf-8"?>
+<p:sld xmlns:a="http://schemas.openxmlformats.org/drawingml/2006/main" xmlns:r="http://schemas.openxmlformats.org/officeDocument/2006/relationships" xmlns:p="http://schemas.openxmlformats.org/presentationml/2006/main">
+  <p:cSld>
+    <p:spTree>
+      <p:nvGrpSpPr>
+        <p:cNvPr id="1" name=""/>
+        <p:cNvGrpSpPr/>
+        <p:nvPr/>
+      </p:nvGrpSpPr>
+      <p:grpSpPr>
+        <a:xfrm>
+          <a:off x="0" y="0"/>
+          <a:ext cx="0" cy="0"/>
+          <a:chOff x="0" y="0"/>
+          <a:chExt cx="0" cy="0"/>
+        </a:xfrm>
+      </p:grpSpPr>
+      <p:pic>
+        <p:nvPicPr>
+          <p:cNvPr id="5" name="Picture 4">
+            <a:extLst>
+              <a:ext uri="{FF2B5EF4-FFF2-40B4-BE49-F238E27FC236}">
+                <a16:creationId xmlns:a16="http://schemas.microsoft.com/office/drawing/2014/main" id="{162FC5D2-7D67-CD4A-921B-5239C721D5E1}"/>
+              </a:ext>
+            </a:extLst>
+          </p:cNvPr>
+          <p:cNvPicPr>
+            <a:picLocks noChangeAspect="1"/>
+          </p:cNvPicPr>
+          <p:nvPr/>
+        </p:nvPicPr>
+        <p:blipFill>
+          <a:blip r:embed="rId3"/>
+          <a:stretch>
+            <a:fillRect/>
+          </a:stretch>
+        </p:blipFill>
+        <p:spPr>
+          <a:xfrm>
+            <a:off x="5266690" y="1793028"/>
+            <a:ext cx="2651760" cy="2897294"/>
+          </a:xfrm>
+          <a:prstGeom prst="rect">
+            <a:avLst/>
+          </a:prstGeom>
+        </p:spPr>
+      </p:pic>
+      <p:pic>
+        <p:nvPicPr>
+          <p:cNvPr id="9" name="Picture 8">
+            <a:extLst>
+              <a:ext uri="{FF2B5EF4-FFF2-40B4-BE49-F238E27FC236}">
+                <a16:creationId xmlns:a16="http://schemas.microsoft.com/office/drawing/2014/main" id="{D6944510-CF20-B84D-BEB3-9636D267AFD2}"/>
+              </a:ext>
+            </a:extLst>
+          </p:cNvPr>
+          <p:cNvPicPr>
+            <a:picLocks noChangeAspect="1"/>
+          </p:cNvPicPr>
+          <p:nvPr/>
+        </p:nvPicPr>
+        <p:blipFill>
+          <a:blip r:embed="rId4"/>
+          <a:stretch>
+            <a:fillRect/>
+          </a:stretch>
+        </p:blipFill>
+        <p:spPr>
+          <a:xfrm>
+            <a:off x="2633345" y="1793028"/>
+            <a:ext cx="2651760" cy="2897294"/>
+          </a:xfrm>
+          <a:prstGeom prst="rect">
+            <a:avLst/>
+          </a:prstGeom>
+        </p:spPr>
+      </p:pic>
+      <p:sp>
+        <p:nvSpPr>
+          <p:cNvPr id="21" name="TextBox 20">
+            <a:extLst>
+              <a:ext uri="{FF2B5EF4-FFF2-40B4-BE49-F238E27FC236}">
+                <a16:creationId xmlns:a16="http://schemas.microsoft.com/office/drawing/2014/main" id="{EA867186-DD6E-2547-A392-44EC2C888CE7}"/>
+              </a:ext>
+            </a:extLst>
+          </p:cNvPr>
+          <p:cNvSpPr txBox="1"/>
+          <p:nvPr/>
+        </p:nvSpPr>
+        <p:spPr>
+          <a:xfrm>
+            <a:off x="18415" y="1454471"/>
+            <a:ext cx="408151" cy="338554"/>
+          </a:xfrm>
+          <a:prstGeom prst="rect">
+            <a:avLst/>
+          </a:prstGeom>
+          <a:noFill/>
+        </p:spPr>
+        <p:txBody>
+          <a:bodyPr wrap="square" rtlCol="0">
+            <a:spAutoFit/>
+          </a:bodyPr>
+          <a:lstStyle/>
+          <a:p>
+            <a:pPr algn="ctr"/>
+            <a:r>
+              <a:rPr lang="en-US" sz="1600" b="1" dirty="0">
+                <a:latin typeface="Helvetica Neue" panose="02000503000000020004" pitchFamily="2" charset="0"/>
+                <a:ea typeface="Helvetica Neue" panose="02000503000000020004" pitchFamily="2" charset="0"/>
+                <a:cs typeface="Helvetica Neue" panose="02000503000000020004" pitchFamily="2" charset="0"/>
+              </a:rPr>
+              <a:t>a</a:t>
+            </a:r>
+          </a:p>
+        </p:txBody>
+      </p:sp>
+      <p:sp>
+        <p:nvSpPr>
+          <p:cNvPr id="32" name="TextBox 31">
+            <a:extLst>
+              <a:ext uri="{FF2B5EF4-FFF2-40B4-BE49-F238E27FC236}">
+                <a16:creationId xmlns:a16="http://schemas.microsoft.com/office/drawing/2014/main" id="{DB81189F-AF2F-8D49-AEA2-D195963F57C1}"/>
+              </a:ext>
+            </a:extLst>
+          </p:cNvPr>
+          <p:cNvSpPr txBox="1"/>
+          <p:nvPr/>
+        </p:nvSpPr>
+        <p:spPr>
+          <a:xfrm>
+            <a:off x="2651760" y="1454474"/>
+            <a:ext cx="408151" cy="338554"/>
+          </a:xfrm>
+          <a:prstGeom prst="rect">
+            <a:avLst/>
+          </a:prstGeom>
+          <a:noFill/>
+        </p:spPr>
+        <p:txBody>
+          <a:bodyPr wrap="square" rtlCol="0">
+            <a:spAutoFit/>
+          </a:bodyPr>
+          <a:lstStyle/>
+          <a:p>
+            <a:pPr algn="ctr"/>
+            <a:r>
+              <a:rPr lang="en-US" sz="1600" b="1" dirty="0">
+                <a:latin typeface="Helvetica Neue" panose="02000503000000020004" pitchFamily="2" charset="0"/>
+                <a:ea typeface="Helvetica Neue" panose="02000503000000020004" pitchFamily="2" charset="0"/>
+                <a:cs typeface="Helvetica Neue" panose="02000503000000020004" pitchFamily="2" charset="0"/>
+              </a:rPr>
+              <a:t>b</a:t>
+            </a:r>
+          </a:p>
+        </p:txBody>
+      </p:sp>
+      <p:sp>
+        <p:nvSpPr>
+          <p:cNvPr id="35" name="TextBox 34">
+            <a:extLst>
+              <a:ext uri="{FF2B5EF4-FFF2-40B4-BE49-F238E27FC236}">
+                <a16:creationId xmlns:a16="http://schemas.microsoft.com/office/drawing/2014/main" id="{593792A2-F27D-3A41-86E8-F96173CB8075}"/>
+              </a:ext>
+            </a:extLst>
+          </p:cNvPr>
+          <p:cNvSpPr txBox="1"/>
+          <p:nvPr/>
+        </p:nvSpPr>
+        <p:spPr>
+          <a:xfrm>
+            <a:off x="5285105" y="1454471"/>
+            <a:ext cx="408151" cy="338554"/>
+          </a:xfrm>
+          <a:prstGeom prst="rect">
+            <a:avLst/>
+          </a:prstGeom>
+          <a:noFill/>
+        </p:spPr>
+        <p:txBody>
+          <a:bodyPr wrap="square" rtlCol="0">
+            <a:spAutoFit/>
+          </a:bodyPr>
+          <a:lstStyle/>
+          <a:p>
+            <a:pPr algn="ctr"/>
+            <a:r>
+              <a:rPr lang="en-US" sz="1600" b="1" dirty="0">
+                <a:latin typeface="Helvetica Neue" panose="02000503000000020004" pitchFamily="2" charset="0"/>
+                <a:ea typeface="Helvetica Neue" panose="02000503000000020004" pitchFamily="2" charset="0"/>
+                <a:cs typeface="Helvetica Neue" panose="02000503000000020004" pitchFamily="2" charset="0"/>
+              </a:rPr>
+              <a:t>c</a:t>
+            </a:r>
+          </a:p>
+        </p:txBody>
+      </p:sp>
+      <p:pic>
+        <p:nvPicPr>
+          <p:cNvPr id="7" name="Picture 6">
+            <a:extLst>
+              <a:ext uri="{FF2B5EF4-FFF2-40B4-BE49-F238E27FC236}">
+                <a16:creationId xmlns:a16="http://schemas.microsoft.com/office/drawing/2014/main" id="{1980E06A-8345-8B42-961B-4E5677F2EFED}"/>
+              </a:ext>
+            </a:extLst>
+          </p:cNvPr>
+          <p:cNvPicPr>
+            <a:picLocks noChangeAspect="1"/>
+          </p:cNvPicPr>
+          <p:nvPr/>
+        </p:nvPicPr>
+        <p:blipFill>
+          <a:blip r:embed="rId5"/>
+          <a:stretch>
+            <a:fillRect/>
+          </a:stretch>
+        </p:blipFill>
+        <p:spPr>
+          <a:xfrm>
+            <a:off x="0" y="1793028"/>
+            <a:ext cx="2651760" cy="2897294"/>
+          </a:xfrm>
+          <a:prstGeom prst="rect">
+            <a:avLst/>
+          </a:prstGeom>
+        </p:spPr>
+      </p:pic>
+    </p:spTree>
+    <p:extLst>
+      <p:ext uri="{BB962C8B-B14F-4D97-AF65-F5344CB8AC3E}">
+        <p14:creationId xmlns:p14="http://schemas.microsoft.com/office/powerpoint/2010/main" val="2532992564"/>
+      </p:ext>
+    </p:extLst>
+  </p:cSld>
+  <p:clrMapOvr>
+    <a:masterClrMapping/>
+  </p:clrMapOvr>
+</p:sld>
+</file>
+
+<file path=ppt/slides/slide40.xml><?xml version="1.0" encoding="utf-8"?>
 <p:sld xmlns:a="http://schemas.openxmlformats.org/drawingml/2006/main" xmlns:r="http://schemas.openxmlformats.org/officeDocument/2006/relationships" xmlns:p="http://schemas.openxmlformats.org/presentationml/2006/main" show="0">
   <p:cSld>
     <p:spTree>
@@ -36345,334 +37976,7 @@
 </p:sld>
 </file>
 
-<file path=ppt/slides/slide4.xml><?xml version="1.0" encoding="utf-8"?>
-<p:sld xmlns:a="http://schemas.openxmlformats.org/drawingml/2006/main" xmlns:r="http://schemas.openxmlformats.org/officeDocument/2006/relationships" xmlns:p="http://schemas.openxmlformats.org/presentationml/2006/main" show="0">
-  <p:cSld>
-    <p:spTree>
-      <p:nvGrpSpPr>
-        <p:cNvPr id="1" name=""/>
-        <p:cNvGrpSpPr/>
-        <p:nvPr/>
-      </p:nvGrpSpPr>
-      <p:grpSpPr>
-        <a:xfrm>
-          <a:off x="0" y="0"/>
-          <a:ext cx="0" cy="0"/>
-          <a:chOff x="0" y="0"/>
-          <a:chExt cx="0" cy="0"/>
-        </a:xfrm>
-      </p:grpSpPr>
-      <p:pic>
-        <p:nvPicPr>
-          <p:cNvPr id="13" name="Picture 12">
-            <a:extLst>
-              <a:ext uri="{FF2B5EF4-FFF2-40B4-BE49-F238E27FC236}">
-                <a16:creationId xmlns:a16="http://schemas.microsoft.com/office/drawing/2014/main" id="{A8E6B1FE-8430-664F-8921-3B83AD327C00}"/>
-              </a:ext>
-            </a:extLst>
-          </p:cNvPr>
-          <p:cNvPicPr>
-            <a:picLocks noChangeAspect="1"/>
-          </p:cNvPicPr>
-          <p:nvPr/>
-        </p:nvPicPr>
-        <p:blipFill>
-          <a:blip r:embed="rId3"/>
-          <a:stretch>
-            <a:fillRect/>
-          </a:stretch>
-        </p:blipFill>
-        <p:spPr>
-          <a:xfrm>
-            <a:off x="5266944" y="1737360"/>
-            <a:ext cx="2613822" cy="3001054"/>
-          </a:xfrm>
-          <a:prstGeom prst="rect">
-            <a:avLst/>
-          </a:prstGeom>
-        </p:spPr>
-      </p:pic>
-      <p:pic>
-        <p:nvPicPr>
-          <p:cNvPr id="19" name="Picture 18">
-            <a:extLst>
-              <a:ext uri="{FF2B5EF4-FFF2-40B4-BE49-F238E27FC236}">
-                <a16:creationId xmlns:a16="http://schemas.microsoft.com/office/drawing/2014/main" id="{21880E89-8CCD-564B-B795-279F44FFE90A}"/>
-              </a:ext>
-            </a:extLst>
-          </p:cNvPr>
-          <p:cNvPicPr>
-            <a:picLocks noChangeAspect="1"/>
-          </p:cNvPicPr>
-          <p:nvPr/>
-        </p:nvPicPr>
-        <p:blipFill>
-          <a:blip r:embed="rId4"/>
-          <a:stretch>
-            <a:fillRect/>
-          </a:stretch>
-        </p:blipFill>
-        <p:spPr>
-          <a:xfrm>
-            <a:off x="2651760" y="1739841"/>
-            <a:ext cx="2613822" cy="3001054"/>
-          </a:xfrm>
-          <a:prstGeom prst="rect">
-            <a:avLst/>
-          </a:prstGeom>
-        </p:spPr>
-      </p:pic>
-      <p:sp>
-        <p:nvSpPr>
-          <p:cNvPr id="21" name="TextBox 20">
-            <a:extLst>
-              <a:ext uri="{FF2B5EF4-FFF2-40B4-BE49-F238E27FC236}">
-                <a16:creationId xmlns:a16="http://schemas.microsoft.com/office/drawing/2014/main" id="{EA867186-DD6E-2547-A392-44EC2C888CE7}"/>
-              </a:ext>
-            </a:extLst>
-          </p:cNvPr>
-          <p:cNvSpPr txBox="1"/>
-          <p:nvPr/>
-        </p:nvSpPr>
-        <p:spPr>
-          <a:xfrm>
-            <a:off x="38493" y="1350243"/>
-            <a:ext cx="408151" cy="338554"/>
-          </a:xfrm>
-          <a:prstGeom prst="rect">
-            <a:avLst/>
-          </a:prstGeom>
-          <a:noFill/>
-        </p:spPr>
-        <p:txBody>
-          <a:bodyPr wrap="square" rtlCol="0">
-            <a:spAutoFit/>
-          </a:bodyPr>
-          <a:lstStyle/>
-          <a:p>
-            <a:pPr algn="ctr"/>
-            <a:r>
-              <a:rPr lang="en-US" sz="1600" b="1" dirty="0">
-                <a:latin typeface="Helvetica Neue" panose="02000503000000020004" pitchFamily="2" charset="0"/>
-                <a:ea typeface="Helvetica Neue" panose="02000503000000020004" pitchFamily="2" charset="0"/>
-                <a:cs typeface="Helvetica Neue" panose="02000503000000020004" pitchFamily="2" charset="0"/>
-              </a:rPr>
-              <a:t>a</a:t>
-            </a:r>
-          </a:p>
-        </p:txBody>
-      </p:sp>
-      <p:sp>
-        <p:nvSpPr>
-          <p:cNvPr id="32" name="TextBox 31">
-            <a:extLst>
-              <a:ext uri="{FF2B5EF4-FFF2-40B4-BE49-F238E27FC236}">
-                <a16:creationId xmlns:a16="http://schemas.microsoft.com/office/drawing/2014/main" id="{DB81189F-AF2F-8D49-AEA2-D195963F57C1}"/>
-              </a:ext>
-            </a:extLst>
-          </p:cNvPr>
-          <p:cNvSpPr txBox="1"/>
-          <p:nvPr/>
-        </p:nvSpPr>
-        <p:spPr>
-          <a:xfrm>
-            <a:off x="2652314" y="1356566"/>
-            <a:ext cx="408151" cy="338554"/>
-          </a:xfrm>
-          <a:prstGeom prst="rect">
-            <a:avLst/>
-          </a:prstGeom>
-          <a:noFill/>
-        </p:spPr>
-        <p:txBody>
-          <a:bodyPr wrap="square" rtlCol="0">
-            <a:spAutoFit/>
-          </a:bodyPr>
-          <a:lstStyle/>
-          <a:p>
-            <a:pPr algn="ctr"/>
-            <a:r>
-              <a:rPr lang="en-US" sz="1600" b="1" dirty="0">
-                <a:latin typeface="Helvetica Neue" panose="02000503000000020004" pitchFamily="2" charset="0"/>
-                <a:ea typeface="Helvetica Neue" panose="02000503000000020004" pitchFamily="2" charset="0"/>
-                <a:cs typeface="Helvetica Neue" panose="02000503000000020004" pitchFamily="2" charset="0"/>
-              </a:rPr>
-              <a:t>b</a:t>
-            </a:r>
-          </a:p>
-        </p:txBody>
-      </p:sp>
-      <p:sp>
-        <p:nvSpPr>
-          <p:cNvPr id="35" name="TextBox 34">
-            <a:extLst>
-              <a:ext uri="{FF2B5EF4-FFF2-40B4-BE49-F238E27FC236}">
-                <a16:creationId xmlns:a16="http://schemas.microsoft.com/office/drawing/2014/main" id="{593792A2-F27D-3A41-86E8-F96173CB8075}"/>
-              </a:ext>
-            </a:extLst>
-          </p:cNvPr>
-          <p:cNvSpPr txBox="1"/>
-          <p:nvPr/>
-        </p:nvSpPr>
-        <p:spPr>
-          <a:xfrm>
-            <a:off x="5266136" y="1351551"/>
-            <a:ext cx="408151" cy="338554"/>
-          </a:xfrm>
-          <a:prstGeom prst="rect">
-            <a:avLst/>
-          </a:prstGeom>
-          <a:noFill/>
-        </p:spPr>
-        <p:txBody>
-          <a:bodyPr wrap="square" rtlCol="0">
-            <a:spAutoFit/>
-          </a:bodyPr>
-          <a:lstStyle/>
-          <a:p>
-            <a:pPr algn="ctr"/>
-            <a:r>
-              <a:rPr lang="en-US" sz="1600" b="1" dirty="0">
-                <a:latin typeface="Helvetica Neue" panose="02000503000000020004" pitchFamily="2" charset="0"/>
-                <a:ea typeface="Helvetica Neue" panose="02000503000000020004" pitchFamily="2" charset="0"/>
-                <a:cs typeface="Helvetica Neue" panose="02000503000000020004" pitchFamily="2" charset="0"/>
-              </a:rPr>
-              <a:t>c</a:t>
-            </a:r>
-          </a:p>
-        </p:txBody>
-      </p:sp>
-      <p:pic>
-        <p:nvPicPr>
-          <p:cNvPr id="3" name="Picture 2">
-            <a:extLst>
-              <a:ext uri="{FF2B5EF4-FFF2-40B4-BE49-F238E27FC236}">
-                <a16:creationId xmlns:a16="http://schemas.microsoft.com/office/drawing/2014/main" id="{3BA2D042-1EB5-D046-B305-5F1480190137}"/>
-              </a:ext>
-            </a:extLst>
-          </p:cNvPr>
-          <p:cNvPicPr>
-            <a:picLocks noChangeAspect="1"/>
-          </p:cNvPicPr>
-          <p:nvPr/>
-        </p:nvPicPr>
-        <p:blipFill>
-          <a:blip r:embed="rId5"/>
-          <a:stretch>
-            <a:fillRect/>
-          </a:stretch>
-        </p:blipFill>
-        <p:spPr>
-          <a:xfrm>
-            <a:off x="36576" y="1737360"/>
-            <a:ext cx="2612234" cy="2999232"/>
-          </a:xfrm>
-          <a:prstGeom prst="rect">
-            <a:avLst/>
-          </a:prstGeom>
-        </p:spPr>
-      </p:pic>
-      <p:sp>
-        <p:nvSpPr>
-          <p:cNvPr id="8" name="TextBox 7">
-            <a:extLst>
-              <a:ext uri="{FF2B5EF4-FFF2-40B4-BE49-F238E27FC236}">
-                <a16:creationId xmlns:a16="http://schemas.microsoft.com/office/drawing/2014/main" id="{81A1BDD7-929A-A044-9D61-2FB40D6F3897}"/>
-              </a:ext>
-            </a:extLst>
-          </p:cNvPr>
-          <p:cNvSpPr txBox="1"/>
-          <p:nvPr/>
-        </p:nvSpPr>
-        <p:spPr>
-          <a:xfrm>
-            <a:off x="663015" y="4972895"/>
-            <a:ext cx="4176540" cy="307777"/>
-          </a:xfrm>
-          <a:prstGeom prst="rect">
-            <a:avLst/>
-          </a:prstGeom>
-          <a:noFill/>
-        </p:spPr>
-        <p:txBody>
-          <a:bodyPr wrap="square" rtlCol="0">
-            <a:spAutoFit/>
-          </a:bodyPr>
-          <a:lstStyle/>
-          <a:p>
-            <a:r>
-              <a:rPr lang="en-US" sz="1400" i="1" dirty="0">
-                <a:latin typeface="Helvetica" pitchFamily="2" charset="0"/>
-              </a:rPr>
-              <a:t>(P1) Mixed colonies have more pronounced DOL</a:t>
-            </a:r>
-          </a:p>
-        </p:txBody>
-      </p:sp>
-      <p:sp>
-        <p:nvSpPr>
-          <p:cNvPr id="9" name="TextBox 8">
-            <a:extLst>
-              <a:ext uri="{FF2B5EF4-FFF2-40B4-BE49-F238E27FC236}">
-                <a16:creationId xmlns:a16="http://schemas.microsoft.com/office/drawing/2014/main" id="{F509B7FC-F1CA-BD45-97A5-F0C06ABD0ADF}"/>
-              </a:ext>
-            </a:extLst>
-          </p:cNvPr>
-          <p:cNvSpPr txBox="1"/>
-          <p:nvPr/>
-        </p:nvSpPr>
-        <p:spPr>
-          <a:xfrm>
-            <a:off x="5640554" y="4623967"/>
-            <a:ext cx="2240212" cy="1015663"/>
-          </a:xfrm>
-          <a:prstGeom prst="rect">
-            <a:avLst/>
-          </a:prstGeom>
-          <a:noFill/>
-        </p:spPr>
-        <p:txBody>
-          <a:bodyPr wrap="square" rtlCol="0">
-            <a:spAutoFit/>
-          </a:bodyPr>
-          <a:lstStyle/>
-          <a:p>
-            <a:r>
-              <a:rPr lang="en-US" sz="1400" i="1" dirty="0">
-                <a:latin typeface="Helvetica" pitchFamily="2" charset="0"/>
-              </a:rPr>
-              <a:t>(P2) All colonies have the same mean behavior</a:t>
-            </a:r>
-          </a:p>
-          <a:p>
-            <a:endParaRPr lang="en-US" sz="400" i="1" dirty="0">
-              <a:latin typeface="Helvetica" pitchFamily="2" charset="0"/>
-            </a:endParaRPr>
-          </a:p>
-          <a:p>
-            <a:r>
-              <a:rPr lang="en-US" sz="1400" i="1" dirty="0">
-                <a:latin typeface="Helvetica" pitchFamily="2" charset="0"/>
-              </a:rPr>
-              <a:t>(P3) Mixed colonies show behavioral amplification</a:t>
-            </a:r>
-          </a:p>
-        </p:txBody>
-      </p:sp>
-    </p:spTree>
-    <p:extLst>
-      <p:ext uri="{BB962C8B-B14F-4D97-AF65-F5344CB8AC3E}">
-        <p14:creationId xmlns:p14="http://schemas.microsoft.com/office/powerpoint/2010/main" val="130478291"/>
-      </p:ext>
-    </p:extLst>
-  </p:cSld>
-  <p:clrMapOvr>
-    <a:masterClrMapping/>
-  </p:clrMapOvr>
-</p:sld>
-</file>
-
-<file path=ppt/slides/slide40.xml><?xml version="1.0" encoding="utf-8"?>
+<file path=ppt/slides/slide41.xml><?xml version="1.0" encoding="utf-8"?>
 <p:sld xmlns:a="http://schemas.openxmlformats.org/drawingml/2006/main" xmlns:r="http://schemas.openxmlformats.org/officeDocument/2006/relationships" xmlns:p="http://schemas.openxmlformats.org/presentationml/2006/main">
   <p:cSld>
     <p:spTree>
@@ -38090,7 +39394,7 @@
 </p:sld>
 </file>
 
-<file path=ppt/slides/slide41.xml><?xml version="1.0" encoding="utf-8"?>
+<file path=ppt/slides/slide42.xml><?xml version="1.0" encoding="utf-8"?>
 <p:sld xmlns:a="http://schemas.openxmlformats.org/drawingml/2006/main" xmlns:r="http://schemas.openxmlformats.org/officeDocument/2006/relationships" xmlns:p="http://schemas.openxmlformats.org/presentationml/2006/main">
   <p:cSld>
     <p:spTree>
@@ -38260,7 +39564,7 @@
 </p:sld>
 </file>
 
-<file path=ppt/slides/slide42.xml><?xml version="1.0" encoding="utf-8"?>
+<file path=ppt/slides/slide43.xml><?xml version="1.0" encoding="utf-8"?>
 <p:sld xmlns:a="http://schemas.openxmlformats.org/drawingml/2006/main" xmlns:r="http://schemas.openxmlformats.org/officeDocument/2006/relationships" xmlns:p="http://schemas.openxmlformats.org/presentationml/2006/main">
   <p:cSld>
     <p:spTree>
@@ -38449,6 +39753,333 @@
       </p:grpSpPr>
       <p:pic>
         <p:nvPicPr>
+          <p:cNvPr id="13" name="Picture 12">
+            <a:extLst>
+              <a:ext uri="{FF2B5EF4-FFF2-40B4-BE49-F238E27FC236}">
+                <a16:creationId xmlns:a16="http://schemas.microsoft.com/office/drawing/2014/main" id="{A8E6B1FE-8430-664F-8921-3B83AD327C00}"/>
+              </a:ext>
+            </a:extLst>
+          </p:cNvPr>
+          <p:cNvPicPr>
+            <a:picLocks noChangeAspect="1"/>
+          </p:cNvPicPr>
+          <p:nvPr/>
+        </p:nvPicPr>
+        <p:blipFill>
+          <a:blip r:embed="rId3"/>
+          <a:stretch>
+            <a:fillRect/>
+          </a:stretch>
+        </p:blipFill>
+        <p:spPr>
+          <a:xfrm>
+            <a:off x="5266944" y="1737360"/>
+            <a:ext cx="2613822" cy="3001054"/>
+          </a:xfrm>
+          <a:prstGeom prst="rect">
+            <a:avLst/>
+          </a:prstGeom>
+        </p:spPr>
+      </p:pic>
+      <p:pic>
+        <p:nvPicPr>
+          <p:cNvPr id="19" name="Picture 18">
+            <a:extLst>
+              <a:ext uri="{FF2B5EF4-FFF2-40B4-BE49-F238E27FC236}">
+                <a16:creationId xmlns:a16="http://schemas.microsoft.com/office/drawing/2014/main" id="{21880E89-8CCD-564B-B795-279F44FFE90A}"/>
+              </a:ext>
+            </a:extLst>
+          </p:cNvPr>
+          <p:cNvPicPr>
+            <a:picLocks noChangeAspect="1"/>
+          </p:cNvPicPr>
+          <p:nvPr/>
+        </p:nvPicPr>
+        <p:blipFill>
+          <a:blip r:embed="rId4"/>
+          <a:stretch>
+            <a:fillRect/>
+          </a:stretch>
+        </p:blipFill>
+        <p:spPr>
+          <a:xfrm>
+            <a:off x="2651760" y="1739841"/>
+            <a:ext cx="2613822" cy="3001054"/>
+          </a:xfrm>
+          <a:prstGeom prst="rect">
+            <a:avLst/>
+          </a:prstGeom>
+        </p:spPr>
+      </p:pic>
+      <p:sp>
+        <p:nvSpPr>
+          <p:cNvPr id="21" name="TextBox 20">
+            <a:extLst>
+              <a:ext uri="{FF2B5EF4-FFF2-40B4-BE49-F238E27FC236}">
+                <a16:creationId xmlns:a16="http://schemas.microsoft.com/office/drawing/2014/main" id="{EA867186-DD6E-2547-A392-44EC2C888CE7}"/>
+              </a:ext>
+            </a:extLst>
+          </p:cNvPr>
+          <p:cNvSpPr txBox="1"/>
+          <p:nvPr/>
+        </p:nvSpPr>
+        <p:spPr>
+          <a:xfrm>
+            <a:off x="38493" y="1350243"/>
+            <a:ext cx="408151" cy="338554"/>
+          </a:xfrm>
+          <a:prstGeom prst="rect">
+            <a:avLst/>
+          </a:prstGeom>
+          <a:noFill/>
+        </p:spPr>
+        <p:txBody>
+          <a:bodyPr wrap="square" rtlCol="0">
+            <a:spAutoFit/>
+          </a:bodyPr>
+          <a:lstStyle/>
+          <a:p>
+            <a:pPr algn="ctr"/>
+            <a:r>
+              <a:rPr lang="en-US" sz="1600" b="1" dirty="0">
+                <a:latin typeface="Helvetica Neue" panose="02000503000000020004" pitchFamily="2" charset="0"/>
+                <a:ea typeface="Helvetica Neue" panose="02000503000000020004" pitchFamily="2" charset="0"/>
+                <a:cs typeface="Helvetica Neue" panose="02000503000000020004" pitchFamily="2" charset="0"/>
+              </a:rPr>
+              <a:t>a</a:t>
+            </a:r>
+          </a:p>
+        </p:txBody>
+      </p:sp>
+      <p:sp>
+        <p:nvSpPr>
+          <p:cNvPr id="32" name="TextBox 31">
+            <a:extLst>
+              <a:ext uri="{FF2B5EF4-FFF2-40B4-BE49-F238E27FC236}">
+                <a16:creationId xmlns:a16="http://schemas.microsoft.com/office/drawing/2014/main" id="{DB81189F-AF2F-8D49-AEA2-D195963F57C1}"/>
+              </a:ext>
+            </a:extLst>
+          </p:cNvPr>
+          <p:cNvSpPr txBox="1"/>
+          <p:nvPr/>
+        </p:nvSpPr>
+        <p:spPr>
+          <a:xfrm>
+            <a:off x="2652314" y="1356566"/>
+            <a:ext cx="408151" cy="338554"/>
+          </a:xfrm>
+          <a:prstGeom prst="rect">
+            <a:avLst/>
+          </a:prstGeom>
+          <a:noFill/>
+        </p:spPr>
+        <p:txBody>
+          <a:bodyPr wrap="square" rtlCol="0">
+            <a:spAutoFit/>
+          </a:bodyPr>
+          <a:lstStyle/>
+          <a:p>
+            <a:pPr algn="ctr"/>
+            <a:r>
+              <a:rPr lang="en-US" sz="1600" b="1" dirty="0">
+                <a:latin typeface="Helvetica Neue" panose="02000503000000020004" pitchFamily="2" charset="0"/>
+                <a:ea typeface="Helvetica Neue" panose="02000503000000020004" pitchFamily="2" charset="0"/>
+                <a:cs typeface="Helvetica Neue" panose="02000503000000020004" pitchFamily="2" charset="0"/>
+              </a:rPr>
+              <a:t>b</a:t>
+            </a:r>
+          </a:p>
+        </p:txBody>
+      </p:sp>
+      <p:sp>
+        <p:nvSpPr>
+          <p:cNvPr id="35" name="TextBox 34">
+            <a:extLst>
+              <a:ext uri="{FF2B5EF4-FFF2-40B4-BE49-F238E27FC236}">
+                <a16:creationId xmlns:a16="http://schemas.microsoft.com/office/drawing/2014/main" id="{593792A2-F27D-3A41-86E8-F96173CB8075}"/>
+              </a:ext>
+            </a:extLst>
+          </p:cNvPr>
+          <p:cNvSpPr txBox="1"/>
+          <p:nvPr/>
+        </p:nvSpPr>
+        <p:spPr>
+          <a:xfrm>
+            <a:off x="5266136" y="1351551"/>
+            <a:ext cx="408151" cy="338554"/>
+          </a:xfrm>
+          <a:prstGeom prst="rect">
+            <a:avLst/>
+          </a:prstGeom>
+          <a:noFill/>
+        </p:spPr>
+        <p:txBody>
+          <a:bodyPr wrap="square" rtlCol="0">
+            <a:spAutoFit/>
+          </a:bodyPr>
+          <a:lstStyle/>
+          <a:p>
+            <a:pPr algn="ctr"/>
+            <a:r>
+              <a:rPr lang="en-US" sz="1600" b="1" dirty="0">
+                <a:latin typeface="Helvetica Neue" panose="02000503000000020004" pitchFamily="2" charset="0"/>
+                <a:ea typeface="Helvetica Neue" panose="02000503000000020004" pitchFamily="2" charset="0"/>
+                <a:cs typeface="Helvetica Neue" panose="02000503000000020004" pitchFamily="2" charset="0"/>
+              </a:rPr>
+              <a:t>c</a:t>
+            </a:r>
+          </a:p>
+        </p:txBody>
+      </p:sp>
+      <p:pic>
+        <p:nvPicPr>
+          <p:cNvPr id="3" name="Picture 2">
+            <a:extLst>
+              <a:ext uri="{FF2B5EF4-FFF2-40B4-BE49-F238E27FC236}">
+                <a16:creationId xmlns:a16="http://schemas.microsoft.com/office/drawing/2014/main" id="{3BA2D042-1EB5-D046-B305-5F1480190137}"/>
+              </a:ext>
+            </a:extLst>
+          </p:cNvPr>
+          <p:cNvPicPr>
+            <a:picLocks noChangeAspect="1"/>
+          </p:cNvPicPr>
+          <p:nvPr/>
+        </p:nvPicPr>
+        <p:blipFill>
+          <a:blip r:embed="rId5"/>
+          <a:stretch>
+            <a:fillRect/>
+          </a:stretch>
+        </p:blipFill>
+        <p:spPr>
+          <a:xfrm>
+            <a:off x="36576" y="1737360"/>
+            <a:ext cx="2612234" cy="2999232"/>
+          </a:xfrm>
+          <a:prstGeom prst="rect">
+            <a:avLst/>
+          </a:prstGeom>
+        </p:spPr>
+      </p:pic>
+      <p:sp>
+        <p:nvSpPr>
+          <p:cNvPr id="8" name="TextBox 7">
+            <a:extLst>
+              <a:ext uri="{FF2B5EF4-FFF2-40B4-BE49-F238E27FC236}">
+                <a16:creationId xmlns:a16="http://schemas.microsoft.com/office/drawing/2014/main" id="{81A1BDD7-929A-A044-9D61-2FB40D6F3897}"/>
+              </a:ext>
+            </a:extLst>
+          </p:cNvPr>
+          <p:cNvSpPr txBox="1"/>
+          <p:nvPr/>
+        </p:nvSpPr>
+        <p:spPr>
+          <a:xfrm>
+            <a:off x="663015" y="4972895"/>
+            <a:ext cx="4176540" cy="307777"/>
+          </a:xfrm>
+          <a:prstGeom prst="rect">
+            <a:avLst/>
+          </a:prstGeom>
+          <a:noFill/>
+        </p:spPr>
+        <p:txBody>
+          <a:bodyPr wrap="square" rtlCol="0">
+            <a:spAutoFit/>
+          </a:bodyPr>
+          <a:lstStyle/>
+          <a:p>
+            <a:r>
+              <a:rPr lang="en-US" sz="1400" i="1" dirty="0">
+                <a:latin typeface="Helvetica" pitchFamily="2" charset="0"/>
+              </a:rPr>
+              <a:t>(P1) Mixed colonies have more pronounced DOL</a:t>
+            </a:r>
+          </a:p>
+        </p:txBody>
+      </p:sp>
+      <p:sp>
+        <p:nvSpPr>
+          <p:cNvPr id="9" name="TextBox 8">
+            <a:extLst>
+              <a:ext uri="{FF2B5EF4-FFF2-40B4-BE49-F238E27FC236}">
+                <a16:creationId xmlns:a16="http://schemas.microsoft.com/office/drawing/2014/main" id="{F509B7FC-F1CA-BD45-97A5-F0C06ABD0ADF}"/>
+              </a:ext>
+            </a:extLst>
+          </p:cNvPr>
+          <p:cNvSpPr txBox="1"/>
+          <p:nvPr/>
+        </p:nvSpPr>
+        <p:spPr>
+          <a:xfrm>
+            <a:off x="5640554" y="4623967"/>
+            <a:ext cx="2240212" cy="1015663"/>
+          </a:xfrm>
+          <a:prstGeom prst="rect">
+            <a:avLst/>
+          </a:prstGeom>
+          <a:noFill/>
+        </p:spPr>
+        <p:txBody>
+          <a:bodyPr wrap="square" rtlCol="0">
+            <a:spAutoFit/>
+          </a:bodyPr>
+          <a:lstStyle/>
+          <a:p>
+            <a:r>
+              <a:rPr lang="en-US" sz="1400" i="1" dirty="0">
+                <a:latin typeface="Helvetica" pitchFamily="2" charset="0"/>
+              </a:rPr>
+              <a:t>(P2) All colonies have the same mean behavior</a:t>
+            </a:r>
+          </a:p>
+          <a:p>
+            <a:endParaRPr lang="en-US" sz="400" i="1" dirty="0">
+              <a:latin typeface="Helvetica" pitchFamily="2" charset="0"/>
+            </a:endParaRPr>
+          </a:p>
+          <a:p>
+            <a:r>
+              <a:rPr lang="en-US" sz="1400" i="1" dirty="0">
+                <a:latin typeface="Helvetica" pitchFamily="2" charset="0"/>
+              </a:rPr>
+              <a:t>(P3) Mixed colonies show behavioral amplification</a:t>
+            </a:r>
+          </a:p>
+        </p:txBody>
+      </p:sp>
+    </p:spTree>
+    <p:extLst>
+      <p:ext uri="{BB962C8B-B14F-4D97-AF65-F5344CB8AC3E}">
+        <p14:creationId xmlns:p14="http://schemas.microsoft.com/office/powerpoint/2010/main" val="130478291"/>
+      </p:ext>
+    </p:extLst>
+  </p:cSld>
+  <p:clrMapOvr>
+    <a:masterClrMapping/>
+  </p:clrMapOvr>
+</p:sld>
+</file>
+
+<file path=ppt/slides/slide6.xml><?xml version="1.0" encoding="utf-8"?>
+<p:sld xmlns:a="http://schemas.openxmlformats.org/drawingml/2006/main" xmlns:r="http://schemas.openxmlformats.org/officeDocument/2006/relationships" xmlns:p="http://schemas.openxmlformats.org/presentationml/2006/main" show="0">
+  <p:cSld>
+    <p:spTree>
+      <p:nvGrpSpPr>
+        <p:cNvPr id="1" name=""/>
+        <p:cNvGrpSpPr/>
+        <p:nvPr/>
+      </p:nvGrpSpPr>
+      <p:grpSpPr>
+        <a:xfrm>
+          <a:off x="0" y="0"/>
+          <a:ext cx="0" cy="0"/>
+          <a:chOff x="0" y="0"/>
+          <a:chExt cx="0" cy="0"/>
+        </a:xfrm>
+      </p:grpSpPr>
+      <p:pic>
+        <p:nvPicPr>
           <p:cNvPr id="3" name="Picture 2">
             <a:extLst>
               <a:ext uri="{FF2B5EF4-FFF2-40B4-BE49-F238E27FC236}">
@@ -38757,7 +40388,7 @@
 </p:sld>
 </file>
 
-<file path=ppt/slides/slide6.xml><?xml version="1.0" encoding="utf-8"?>
+<file path=ppt/slides/slide7.xml><?xml version="1.0" encoding="utf-8"?>
 <p:sld xmlns:a="http://schemas.openxmlformats.org/drawingml/2006/main" xmlns:r="http://schemas.openxmlformats.org/officeDocument/2006/relationships" xmlns:p="http://schemas.openxmlformats.org/presentationml/2006/main">
   <p:cSld>
     <p:spTree>
@@ -40377,7 +42008,7 @@
           </a:ln>
           <a:extLst>
             <a:ext uri="{C572A759-6A51-4108-AA02-DFA0A04FC94B}">
-              <ma14:wrappingTextBoxFlag xmlns:ma14="http://schemas.microsoft.com/office/mac/drawingml/2011/main" xmlns:a14="http://schemas.microsoft.com/office/drawing/2010/main" xmlns:m="http://schemas.openxmlformats.org/officeDocument/2006/math" xmlns="" val="1"/>
+              <ma14:wrappingTextBoxFlag xmlns="" xmlns:m="http://schemas.openxmlformats.org/officeDocument/2006/math" xmlns:a14="http://schemas.microsoft.com/office/drawing/2010/main" xmlns:ma14="http://schemas.microsoft.com/office/mac/drawingml/2011/main" val="1"/>
             </a:ext>
           </a:extLst>
         </p:spPr>
@@ -40544,7 +42175,7 @@
           </a:ln>
           <a:extLst>
             <a:ext uri="{C572A759-6A51-4108-AA02-DFA0A04FC94B}">
-              <ma14:wrappingTextBoxFlag xmlns:ma14="http://schemas.microsoft.com/office/mac/drawingml/2011/main" xmlns:a14="http://schemas.microsoft.com/office/drawing/2010/main" xmlns:m="http://schemas.openxmlformats.org/officeDocument/2006/math" xmlns="" val="1"/>
+              <ma14:wrappingTextBoxFlag xmlns="" xmlns:m="http://schemas.openxmlformats.org/officeDocument/2006/math" xmlns:a14="http://schemas.microsoft.com/office/drawing/2010/main" xmlns:ma14="http://schemas.microsoft.com/office/mac/drawingml/2011/main" val="1"/>
             </a:ext>
           </a:extLst>
         </p:spPr>
@@ -40629,7 +42260,7 @@
           </a:ln>
           <a:extLst>
             <a:ext uri="{C572A759-6A51-4108-AA02-DFA0A04FC94B}">
-              <ma14:wrappingTextBoxFlag xmlns:ma14="http://schemas.microsoft.com/office/mac/drawingml/2011/main" xmlns:a14="http://schemas.microsoft.com/office/drawing/2010/main" xmlns:m="http://schemas.openxmlformats.org/officeDocument/2006/math" xmlns="" val="1"/>
+              <ma14:wrappingTextBoxFlag xmlns="" xmlns:m="http://schemas.openxmlformats.org/officeDocument/2006/math" xmlns:a14="http://schemas.microsoft.com/office/drawing/2010/main" xmlns:ma14="http://schemas.microsoft.com/office/mac/drawingml/2011/main" val="1"/>
             </a:ext>
           </a:extLst>
         </p:spPr>
@@ -40942,7 +42573,7 @@
 </p:sld>
 </file>
 
-<file path=ppt/slides/slide7.xml><?xml version="1.0" encoding="utf-8"?>
+<file path=ppt/slides/slide8.xml><?xml version="1.0" encoding="utf-8"?>
 <p:sld xmlns:a="http://schemas.openxmlformats.org/drawingml/2006/main" xmlns:r="http://schemas.openxmlformats.org/officeDocument/2006/relationships" xmlns:p="http://schemas.openxmlformats.org/presentationml/2006/main" show="0">
   <p:cSld>
     <p:spTree>
@@ -41273,7 +42904,7 @@
 </p:sld>
 </file>
 
-<file path=ppt/slides/slide8.xml><?xml version="1.0" encoding="utf-8"?>
+<file path=ppt/slides/slide9.xml><?xml version="1.0" encoding="utf-8"?>
 <p:sld xmlns:a="http://schemas.openxmlformats.org/drawingml/2006/main" xmlns:r="http://schemas.openxmlformats.org/officeDocument/2006/relationships" xmlns:p="http://schemas.openxmlformats.org/presentationml/2006/main" show="0">
   <p:cSld>
     <p:spTree>
@@ -42385,1304 +44016,6 @@
     <p:extLst>
       <p:ext uri="{BB962C8B-B14F-4D97-AF65-F5344CB8AC3E}">
         <p14:creationId xmlns:p14="http://schemas.microsoft.com/office/powerpoint/2010/main" val="3957747388"/>
-      </p:ext>
-    </p:extLst>
-  </p:cSld>
-  <p:clrMapOvr>
-    <a:masterClrMapping/>
-  </p:clrMapOvr>
-</p:sld>
-</file>
-
-<file path=ppt/slides/slide9.xml><?xml version="1.0" encoding="utf-8"?>
-<p:sld xmlns:a="http://schemas.openxmlformats.org/drawingml/2006/main" xmlns:r="http://schemas.openxmlformats.org/officeDocument/2006/relationships" xmlns:p="http://schemas.openxmlformats.org/presentationml/2006/main" show="0">
-  <p:cSld>
-    <p:spTree>
-      <p:nvGrpSpPr>
-        <p:cNvPr id="1" name=""/>
-        <p:cNvGrpSpPr/>
-        <p:nvPr/>
-      </p:nvGrpSpPr>
-      <p:grpSpPr>
-        <a:xfrm>
-          <a:off x="0" y="0"/>
-          <a:ext cx="0" cy="0"/>
-          <a:chOff x="0" y="0"/>
-          <a:chExt cx="0" cy="0"/>
-        </a:xfrm>
-      </p:grpSpPr>
-      <p:pic>
-        <p:nvPicPr>
-          <p:cNvPr id="26" name="Picture 25">
-            <a:extLst>
-              <a:ext uri="{FF2B5EF4-FFF2-40B4-BE49-F238E27FC236}">
-                <a16:creationId xmlns:a16="http://schemas.microsoft.com/office/drawing/2014/main" id="{E3686116-9881-A94B-8B48-DC0833836CB6}"/>
-              </a:ext>
-            </a:extLst>
-          </p:cNvPr>
-          <p:cNvPicPr>
-            <a:picLocks noChangeAspect="1"/>
-          </p:cNvPicPr>
-          <p:nvPr/>
-        </p:nvPicPr>
-        <p:blipFill>
-          <a:blip r:embed="rId3"/>
-          <a:stretch>
-            <a:fillRect/>
-          </a:stretch>
-        </p:blipFill>
-        <p:spPr>
-          <a:xfrm>
-            <a:off x="2578481" y="1860931"/>
-            <a:ext cx="2761488" cy="2761488"/>
-          </a:xfrm>
-          <a:prstGeom prst="rect">
-            <a:avLst/>
-          </a:prstGeom>
-        </p:spPr>
-      </p:pic>
-      <p:sp>
-        <p:nvSpPr>
-          <p:cNvPr id="50" name="Arc 49">
-            <a:extLst>
-              <a:ext uri="{FF2B5EF4-FFF2-40B4-BE49-F238E27FC236}">
-                <a16:creationId xmlns:a16="http://schemas.microsoft.com/office/drawing/2014/main" id="{7F1EE56F-D0B6-B745-84B1-36ADB5D54CBB}"/>
-              </a:ext>
-            </a:extLst>
-          </p:cNvPr>
-          <p:cNvSpPr/>
-          <p:nvPr/>
-        </p:nvSpPr>
-        <p:spPr>
-          <a:xfrm>
-            <a:off x="785931" y="1193850"/>
-            <a:ext cx="3016664" cy="2345167"/>
-          </a:xfrm>
-          <a:prstGeom prst="arc">
-            <a:avLst>
-              <a:gd name="adj1" fmla="val 16841095"/>
-              <a:gd name="adj2" fmla="val 21188693"/>
-            </a:avLst>
-          </a:prstGeom>
-          <a:ln w="19050">
-            <a:solidFill>
-              <a:schemeClr val="bg2">
-                <a:lumMod val="75000"/>
-              </a:schemeClr>
-            </a:solidFill>
-            <a:tailEnd type="triangle" w="med" len="med"/>
-          </a:ln>
-        </p:spPr>
-        <p:style>
-          <a:lnRef idx="1">
-            <a:schemeClr val="accent1"/>
-          </a:lnRef>
-          <a:fillRef idx="0">
-            <a:schemeClr val="accent1"/>
-          </a:fillRef>
-          <a:effectRef idx="0">
-            <a:schemeClr val="accent1"/>
-          </a:effectRef>
-          <a:fontRef idx="minor">
-            <a:schemeClr val="tx1"/>
-          </a:fontRef>
-        </p:style>
-        <p:txBody>
-          <a:bodyPr rtlCol="0" anchor="ctr"/>
-          <a:lstStyle/>
-          <a:p>
-            <a:pPr algn="ctr"/>
-            <a:endParaRPr lang="en-US"/>
-          </a:p>
-        </p:txBody>
-      </p:sp>
-      <p:sp>
-        <p:nvSpPr>
-          <p:cNvPr id="51" name="Arc 50">
-            <a:extLst>
-              <a:ext uri="{FF2B5EF4-FFF2-40B4-BE49-F238E27FC236}">
-                <a16:creationId xmlns:a16="http://schemas.microsoft.com/office/drawing/2014/main" id="{3099CE58-D099-6B46-A410-341B25E5F32C}"/>
-              </a:ext>
-            </a:extLst>
-          </p:cNvPr>
-          <p:cNvSpPr/>
-          <p:nvPr/>
-        </p:nvSpPr>
-        <p:spPr>
-          <a:xfrm rot="21300000" flipH="1">
-            <a:off x="4798982" y="1662273"/>
-            <a:ext cx="589540" cy="542833"/>
-          </a:xfrm>
-          <a:custGeom>
-            <a:avLst/>
-            <a:gdLst>
-              <a:gd name="connsiteX0" fmla="*/ 1468419 w 2936838"/>
-              <a:gd name="connsiteY0" fmla="*/ 0 h 2903536"/>
-              <a:gd name="connsiteX1" fmla="*/ 2934435 w 2936838"/>
-              <a:gd name="connsiteY1" fmla="*/ 1368744 h 2903536"/>
-              <a:gd name="connsiteX2" fmla="*/ 1468419 w 2936838"/>
-              <a:gd name="connsiteY2" fmla="*/ 1451768 h 2903536"/>
-              <a:gd name="connsiteX3" fmla="*/ 1468419 w 2936838"/>
-              <a:gd name="connsiteY3" fmla="*/ 0 h 2903536"/>
-              <a:gd name="connsiteX0" fmla="*/ 1468419 w 2936838"/>
-              <a:gd name="connsiteY0" fmla="*/ 0 h 2903536"/>
-              <a:gd name="connsiteX1" fmla="*/ 2934435 w 2936838"/>
-              <a:gd name="connsiteY1" fmla="*/ 1368744 h 2903536"/>
-              <a:gd name="connsiteX0" fmla="*/ 0 w 1466016"/>
-              <a:gd name="connsiteY0" fmla="*/ 0 h 1451768"/>
-              <a:gd name="connsiteX1" fmla="*/ 1466016 w 1466016"/>
-              <a:gd name="connsiteY1" fmla="*/ 1368744 h 1451768"/>
-              <a:gd name="connsiteX2" fmla="*/ 0 w 1466016"/>
-              <a:gd name="connsiteY2" fmla="*/ 1451768 h 1451768"/>
-              <a:gd name="connsiteX3" fmla="*/ 0 w 1466016"/>
-              <a:gd name="connsiteY3" fmla="*/ 0 h 1451768"/>
-              <a:gd name="connsiteX0" fmla="*/ 0 w 1466016"/>
-              <a:gd name="connsiteY0" fmla="*/ 0 h 1451768"/>
-              <a:gd name="connsiteX1" fmla="*/ 1466016 w 1466016"/>
-              <a:gd name="connsiteY1" fmla="*/ 1368744 h 1451768"/>
-              <a:gd name="connsiteX0" fmla="*/ 0 w 1466016"/>
-              <a:gd name="connsiteY0" fmla="*/ 0 h 1451768"/>
-              <a:gd name="connsiteX1" fmla="*/ 1466016 w 1466016"/>
-              <a:gd name="connsiteY1" fmla="*/ 1368744 h 1451768"/>
-              <a:gd name="connsiteX2" fmla="*/ 0 w 1466016"/>
-              <a:gd name="connsiteY2" fmla="*/ 1451768 h 1451768"/>
-              <a:gd name="connsiteX3" fmla="*/ 0 w 1466016"/>
-              <a:gd name="connsiteY3" fmla="*/ 0 h 1451768"/>
-              <a:gd name="connsiteX0" fmla="*/ 0 w 1466016"/>
-              <a:gd name="connsiteY0" fmla="*/ 0 h 1451768"/>
-              <a:gd name="connsiteX1" fmla="*/ 1466016 w 1466016"/>
-              <a:gd name="connsiteY1" fmla="*/ 1368744 h 1451768"/>
-            </a:gdLst>
-            <a:ahLst/>
-            <a:cxnLst>
-              <a:cxn ang="0">
-                <a:pos x="connsiteX0" y="connsiteY0"/>
-              </a:cxn>
-              <a:cxn ang="0">
-                <a:pos x="connsiteX1" y="connsiteY1"/>
-              </a:cxn>
-            </a:cxnLst>
-            <a:rect l="l" t="t" r="r" b="b"/>
-            <a:pathLst>
-              <a:path w="1466016" h="1451768" stroke="0" extrusionOk="0">
-                <a:moveTo>
-                  <a:pt x="0" y="0"/>
-                </a:moveTo>
-                <a:cubicBezTo>
-                  <a:pt x="778364" y="0"/>
-                  <a:pt x="1089577" y="809745"/>
-                  <a:pt x="1466016" y="1368744"/>
-                </a:cubicBezTo>
-                <a:lnTo>
-                  <a:pt x="0" y="1451768"/>
-                </a:lnTo>
-                <a:lnTo>
-                  <a:pt x="0" y="0"/>
-                </a:lnTo>
-                <a:close/>
-              </a:path>
-              <a:path w="1466016" h="1451768" fill="none">
-                <a:moveTo>
-                  <a:pt x="0" y="0"/>
-                </a:moveTo>
-                <a:cubicBezTo>
-                  <a:pt x="778364" y="0"/>
-                  <a:pt x="1421502" y="600466"/>
-                  <a:pt x="1466016" y="1368744"/>
-                </a:cubicBezTo>
-              </a:path>
-            </a:pathLst>
-          </a:custGeom>
-          <a:ln w="19050">
-            <a:solidFill>
-              <a:schemeClr val="bg2">
-                <a:lumMod val="75000"/>
-              </a:schemeClr>
-            </a:solidFill>
-            <a:tailEnd type="triangle" w="med" len="med"/>
-          </a:ln>
-        </p:spPr>
-        <p:style>
-          <a:lnRef idx="1">
-            <a:schemeClr val="accent1"/>
-          </a:lnRef>
-          <a:fillRef idx="0">
-            <a:schemeClr val="accent1"/>
-          </a:fillRef>
-          <a:effectRef idx="0">
-            <a:schemeClr val="accent1"/>
-          </a:effectRef>
-          <a:fontRef idx="minor">
-            <a:schemeClr val="tx1"/>
-          </a:fontRef>
-        </p:style>
-        <p:txBody>
-          <a:bodyPr rtlCol="0" anchor="ctr"/>
-          <a:lstStyle/>
-          <a:p>
-            <a:pPr algn="ctr"/>
-            <a:endParaRPr lang="en-US"/>
-          </a:p>
-        </p:txBody>
-      </p:sp>
-      <p:sp>
-        <p:nvSpPr>
-          <p:cNvPr id="54" name="Arc 53">
-            <a:extLst>
-              <a:ext uri="{FF2B5EF4-FFF2-40B4-BE49-F238E27FC236}">
-                <a16:creationId xmlns:a16="http://schemas.microsoft.com/office/drawing/2014/main" id="{36C3A527-0618-F84D-BFDC-2B5F3569FFF1}"/>
-              </a:ext>
-            </a:extLst>
-          </p:cNvPr>
-          <p:cNvSpPr/>
-          <p:nvPr/>
-        </p:nvSpPr>
-        <p:spPr>
-          <a:xfrm rot="16200000" flipV="1">
-            <a:off x="2939387" y="2074924"/>
-            <a:ext cx="1664783" cy="3143838"/>
-          </a:xfrm>
-          <a:prstGeom prst="arc">
-            <a:avLst>
-              <a:gd name="adj1" fmla="val 16344082"/>
-              <a:gd name="adj2" fmla="val 20852633"/>
-            </a:avLst>
-          </a:prstGeom>
-          <a:ln w="19050">
-            <a:solidFill>
-              <a:schemeClr val="bg2">
-                <a:lumMod val="75000"/>
-              </a:schemeClr>
-            </a:solidFill>
-            <a:tailEnd type="triangle"/>
-          </a:ln>
-        </p:spPr>
-        <p:style>
-          <a:lnRef idx="1">
-            <a:schemeClr val="accent1"/>
-          </a:lnRef>
-          <a:fillRef idx="0">
-            <a:schemeClr val="accent1"/>
-          </a:fillRef>
-          <a:effectRef idx="0">
-            <a:schemeClr val="accent1"/>
-          </a:effectRef>
-          <a:fontRef idx="minor">
-            <a:schemeClr val="tx1"/>
-          </a:fontRef>
-        </p:style>
-        <p:txBody>
-          <a:bodyPr rtlCol="0" anchor="ctr"/>
-          <a:lstStyle/>
-          <a:p>
-            <a:pPr algn="ctr"/>
-            <a:endParaRPr lang="en-US"/>
-          </a:p>
-        </p:txBody>
-      </p:sp>
-      <p:sp>
-        <p:nvSpPr>
-          <p:cNvPr id="53" name="Arc 52">
-            <a:extLst>
-              <a:ext uri="{FF2B5EF4-FFF2-40B4-BE49-F238E27FC236}">
-                <a16:creationId xmlns:a16="http://schemas.microsoft.com/office/drawing/2014/main" id="{96BD8594-B12F-0B4E-80D0-4C225EE50BD6}"/>
-              </a:ext>
-            </a:extLst>
-          </p:cNvPr>
-          <p:cNvSpPr/>
-          <p:nvPr/>
-        </p:nvSpPr>
-        <p:spPr>
-          <a:xfrm rot="16200000" flipH="1" flipV="1">
-            <a:off x="1467587" y="1863016"/>
-            <a:ext cx="1790345" cy="3020626"/>
-          </a:xfrm>
-          <a:prstGeom prst="arc">
-            <a:avLst>
-              <a:gd name="adj1" fmla="val 17006829"/>
-              <a:gd name="adj2" fmla="val 21084561"/>
-            </a:avLst>
-          </a:prstGeom>
-          <a:ln w="19050">
-            <a:solidFill>
-              <a:schemeClr val="bg2">
-                <a:lumMod val="75000"/>
-              </a:schemeClr>
-            </a:solidFill>
-            <a:headEnd type="triangle"/>
-            <a:tailEnd w="lg" len="med"/>
-          </a:ln>
-        </p:spPr>
-        <p:style>
-          <a:lnRef idx="1">
-            <a:schemeClr val="accent1"/>
-          </a:lnRef>
-          <a:fillRef idx="0">
-            <a:schemeClr val="accent1"/>
-          </a:fillRef>
-          <a:effectRef idx="0">
-            <a:schemeClr val="accent1"/>
-          </a:effectRef>
-          <a:fontRef idx="minor">
-            <a:schemeClr val="tx1"/>
-          </a:fontRef>
-        </p:style>
-        <p:txBody>
-          <a:bodyPr rtlCol="0" anchor="ctr"/>
-          <a:lstStyle/>
-          <a:p>
-            <a:pPr algn="ctr"/>
-            <a:endParaRPr lang="en-US"/>
-          </a:p>
-        </p:txBody>
-      </p:sp>
-      <p:grpSp>
-        <p:nvGrpSpPr>
-          <p:cNvPr id="2" name="Group 1">
-            <a:extLst>
-              <a:ext uri="{FF2B5EF4-FFF2-40B4-BE49-F238E27FC236}">
-                <a16:creationId xmlns:a16="http://schemas.microsoft.com/office/drawing/2014/main" id="{F5B16F9C-99AB-F945-80C1-7F1F423A1BC7}"/>
-              </a:ext>
-            </a:extLst>
-          </p:cNvPr>
-          <p:cNvGrpSpPr/>
-          <p:nvPr/>
-        </p:nvGrpSpPr>
-        <p:grpSpPr>
-          <a:xfrm>
-            <a:off x="-58094" y="3307641"/>
-            <a:ext cx="2619673" cy="3175709"/>
-            <a:chOff x="-58094" y="9550"/>
-            <a:chExt cx="2619673" cy="3175709"/>
-          </a:xfrm>
-        </p:grpSpPr>
-        <p:grpSp>
-          <p:nvGrpSpPr>
-            <p:cNvPr id="11" name="Group 10">
-              <a:extLst>
-                <a:ext uri="{FF2B5EF4-FFF2-40B4-BE49-F238E27FC236}">
-                  <a16:creationId xmlns:a16="http://schemas.microsoft.com/office/drawing/2014/main" id="{467437C8-B71E-FC40-BA91-88A141661B00}"/>
-                </a:ext>
-              </a:extLst>
-            </p:cNvPr>
-            <p:cNvGrpSpPr>
-              <a:grpSpLocks noChangeAspect="1"/>
-            </p:cNvGrpSpPr>
-            <p:nvPr/>
-          </p:nvGrpSpPr>
-          <p:grpSpPr>
-            <a:xfrm>
-              <a:off x="-58094" y="9550"/>
-              <a:ext cx="2619673" cy="3175709"/>
-              <a:chOff x="3709087" y="3092200"/>
-              <a:chExt cx="2797390" cy="3391145"/>
-            </a:xfrm>
-          </p:grpSpPr>
-          <p:pic>
-            <p:nvPicPr>
-              <p:cNvPr id="3" name="Picture 2">
-                <a:extLst>
-                  <a:ext uri="{FF2B5EF4-FFF2-40B4-BE49-F238E27FC236}">
-                    <a16:creationId xmlns:a16="http://schemas.microsoft.com/office/drawing/2014/main" id="{08D9A971-5C17-FA4D-AE4E-D33B19498FC9}"/>
-                  </a:ext>
-                </a:extLst>
-              </p:cNvPr>
-              <p:cNvPicPr>
-                <a:picLocks noChangeAspect="1"/>
-              </p:cNvPicPr>
-              <p:nvPr/>
-            </p:nvPicPr>
-            <p:blipFill>
-              <a:blip r:embed="rId4"/>
-              <a:stretch>
-                <a:fillRect/>
-              </a:stretch>
-            </p:blipFill>
-            <p:spPr>
-              <a:xfrm>
-                <a:off x="3783487" y="3379598"/>
-                <a:ext cx="2722990" cy="3103747"/>
-              </a:xfrm>
-              <a:prstGeom prst="rect">
-                <a:avLst/>
-              </a:prstGeom>
-            </p:spPr>
-          </p:pic>
-          <p:sp>
-            <p:nvSpPr>
-              <p:cNvPr id="22" name="TextBox 21">
-                <a:extLst>
-                  <a:ext uri="{FF2B5EF4-FFF2-40B4-BE49-F238E27FC236}">
-                    <a16:creationId xmlns:a16="http://schemas.microsoft.com/office/drawing/2014/main" id="{9CC8A2EA-F668-DD43-A074-9F1F726F28A7}"/>
-                  </a:ext>
-                </a:extLst>
-              </p:cNvPr>
-              <p:cNvSpPr txBox="1"/>
-              <p:nvPr/>
-            </p:nvSpPr>
-            <p:spPr>
-              <a:xfrm>
-                <a:off x="3709087" y="3092200"/>
-                <a:ext cx="578784" cy="338554"/>
-              </a:xfrm>
-              <a:prstGeom prst="rect">
-                <a:avLst/>
-              </a:prstGeom>
-              <a:noFill/>
-            </p:spPr>
-            <p:txBody>
-              <a:bodyPr wrap="square" rtlCol="0">
-                <a:spAutoFit/>
-              </a:bodyPr>
-              <a:lstStyle/>
-              <a:p>
-                <a:pPr algn="ctr"/>
-                <a:r>
-                  <a:rPr lang="en-US" sz="1600" b="1" dirty="0">
-                    <a:latin typeface="Helvetica Neue" panose="02000503000000020004" pitchFamily="2" charset="0"/>
-                    <a:ea typeface="Helvetica Neue" panose="02000503000000020004" pitchFamily="2" charset="0"/>
-                    <a:cs typeface="Helvetica Neue" panose="02000503000000020004" pitchFamily="2" charset="0"/>
-                  </a:rPr>
-                  <a:t>d</a:t>
-                </a:r>
-              </a:p>
-            </p:txBody>
-          </p:sp>
-        </p:grpSp>
-        <p:sp>
-          <p:nvSpPr>
-            <p:cNvPr id="35" name="Rectangle 34">
-              <a:extLst>
-                <a:ext uri="{FF2B5EF4-FFF2-40B4-BE49-F238E27FC236}">
-                  <a16:creationId xmlns:a16="http://schemas.microsoft.com/office/drawing/2014/main" id="{2F86A746-90CC-4240-986F-1335AE691A55}"/>
-                </a:ext>
-              </a:extLst>
-            </p:cNvPr>
-            <p:cNvSpPr/>
-            <p:nvPr/>
-          </p:nvSpPr>
-          <p:spPr>
-            <a:xfrm>
-              <a:off x="43031" y="46979"/>
-              <a:ext cx="2499085" cy="3094177"/>
-            </a:xfrm>
-            <a:prstGeom prst="rect">
-              <a:avLst/>
-            </a:prstGeom>
-            <a:noFill/>
-            <a:ln w="19050">
-              <a:solidFill>
-                <a:schemeClr val="bg2">
-                  <a:lumMod val="75000"/>
-                </a:schemeClr>
-              </a:solidFill>
-            </a:ln>
-          </p:spPr>
-          <p:style>
-            <a:lnRef idx="2">
-              <a:schemeClr val="accent1">
-                <a:shade val="50000"/>
-              </a:schemeClr>
-            </a:lnRef>
-            <a:fillRef idx="1">
-              <a:schemeClr val="accent1"/>
-            </a:fillRef>
-            <a:effectRef idx="0">
-              <a:schemeClr val="accent1"/>
-            </a:effectRef>
-            <a:fontRef idx="minor">
-              <a:schemeClr val="lt1"/>
-            </a:fontRef>
-          </p:style>
-          <p:txBody>
-            <a:bodyPr rtlCol="0" anchor="ctr"/>
-            <a:lstStyle/>
-            <a:p>
-              <a:pPr algn="ctr"/>
-              <a:endParaRPr lang="en-US" dirty="0"/>
-            </a:p>
-          </p:txBody>
-        </p:sp>
-        <p:sp>
-          <p:nvSpPr>
-            <p:cNvPr id="55" name="TextBox 54">
-              <a:extLst>
-                <a:ext uri="{FF2B5EF4-FFF2-40B4-BE49-F238E27FC236}">
-                  <a16:creationId xmlns:a16="http://schemas.microsoft.com/office/drawing/2014/main" id="{5523DCC3-C862-8C42-A4DA-E70E20BFB814}"/>
-                </a:ext>
-              </a:extLst>
-            </p:cNvPr>
-            <p:cNvSpPr txBox="1"/>
-            <p:nvPr/>
-          </p:nvSpPr>
-          <p:spPr>
-            <a:xfrm>
-              <a:off x="670829" y="106557"/>
-              <a:ext cx="1771157" cy="276999"/>
-            </a:xfrm>
-            <a:prstGeom prst="rect">
-              <a:avLst/>
-            </a:prstGeom>
-            <a:noFill/>
-          </p:spPr>
-          <p:txBody>
-            <a:bodyPr wrap="square" rtlCol="0">
-              <a:spAutoFit/>
-            </a:bodyPr>
-            <a:lstStyle/>
-            <a:p>
-              <a:pPr algn="ctr"/>
-              <a:r>
-                <a:rPr lang="en-US" sz="1200" i="1" dirty="0">
-                  <a:solidFill>
-                    <a:srgbClr val="8FB132"/>
-                  </a:solidFill>
-                  <a:latin typeface="Arial" panose="020B0604020202020204" pitchFamily="34" charset="0"/>
-                  <a:ea typeface="Helvetica Neue" panose="02000503000000020004" pitchFamily="2" charset="0"/>
-                  <a:cs typeface="Arial" panose="020B0604020202020204" pitchFamily="34" charset="0"/>
-                </a:rPr>
-                <a:t>Amplification</a:t>
-              </a:r>
-            </a:p>
-          </p:txBody>
-        </p:sp>
-      </p:grpSp>
-      <p:grpSp>
-        <p:nvGrpSpPr>
-          <p:cNvPr id="8" name="Group 7">
-            <a:extLst>
-              <a:ext uri="{FF2B5EF4-FFF2-40B4-BE49-F238E27FC236}">
-                <a16:creationId xmlns:a16="http://schemas.microsoft.com/office/drawing/2014/main" id="{8518B814-7DC7-BC4D-9421-D06D1CDE7D08}"/>
-              </a:ext>
-            </a:extLst>
-          </p:cNvPr>
-          <p:cNvGrpSpPr/>
-          <p:nvPr/>
-        </p:nvGrpSpPr>
-        <p:grpSpPr>
-          <a:xfrm>
-            <a:off x="-58094" y="14184"/>
-            <a:ext cx="2608682" cy="3171393"/>
-            <a:chOff x="-58198" y="3311957"/>
-            <a:chExt cx="2608682" cy="3171393"/>
-          </a:xfrm>
-        </p:grpSpPr>
-        <p:grpSp>
-          <p:nvGrpSpPr>
-            <p:cNvPr id="6" name="Group 5">
-              <a:extLst>
-                <a:ext uri="{FF2B5EF4-FFF2-40B4-BE49-F238E27FC236}">
-                  <a16:creationId xmlns:a16="http://schemas.microsoft.com/office/drawing/2014/main" id="{EA84E907-5290-6248-A782-79A0823CBA34}"/>
-                </a:ext>
-              </a:extLst>
-            </p:cNvPr>
-            <p:cNvGrpSpPr>
-              <a:grpSpLocks noChangeAspect="1"/>
-            </p:cNvGrpSpPr>
-            <p:nvPr/>
-          </p:nvGrpSpPr>
-          <p:grpSpPr>
-            <a:xfrm>
-              <a:off x="-58198" y="3311957"/>
-              <a:ext cx="2608682" cy="3171393"/>
-              <a:chOff x="1349839" y="-6293"/>
-              <a:chExt cx="2785122" cy="3385893"/>
-            </a:xfrm>
-          </p:grpSpPr>
-          <p:pic>
-            <p:nvPicPr>
-              <p:cNvPr id="9" name="Picture 8">
-                <a:extLst>
-                  <a:ext uri="{FF2B5EF4-FFF2-40B4-BE49-F238E27FC236}">
-                    <a16:creationId xmlns:a16="http://schemas.microsoft.com/office/drawing/2014/main" id="{B60DE2FD-9935-D249-950F-FE366DBB2A07}"/>
-                  </a:ext>
-                </a:extLst>
-              </p:cNvPr>
-              <p:cNvPicPr>
-                <a:picLocks noChangeAspect="1"/>
-              </p:cNvPicPr>
-              <p:nvPr/>
-            </p:nvPicPr>
-            <p:blipFill>
-              <a:blip r:embed="rId5"/>
-              <a:stretch>
-                <a:fillRect/>
-              </a:stretch>
-            </p:blipFill>
-            <p:spPr>
-              <a:xfrm>
-                <a:off x="1411972" y="275852"/>
-                <a:ext cx="2722989" cy="3103748"/>
-              </a:xfrm>
-              <a:prstGeom prst="rect">
-                <a:avLst/>
-              </a:prstGeom>
-            </p:spPr>
-          </p:pic>
-          <p:sp>
-            <p:nvSpPr>
-              <p:cNvPr id="16" name="TextBox 15">
-                <a:extLst>
-                  <a:ext uri="{FF2B5EF4-FFF2-40B4-BE49-F238E27FC236}">
-                    <a16:creationId xmlns:a16="http://schemas.microsoft.com/office/drawing/2014/main" id="{0B8EA217-6F2C-0943-8D48-F70EC12EC200}"/>
-                  </a:ext>
-                </a:extLst>
-              </p:cNvPr>
-              <p:cNvSpPr txBox="1"/>
-              <p:nvPr/>
-            </p:nvSpPr>
-            <p:spPr>
-              <a:xfrm>
-                <a:off x="1349839" y="-6293"/>
-                <a:ext cx="578783" cy="338554"/>
-              </a:xfrm>
-              <a:prstGeom prst="rect">
-                <a:avLst/>
-              </a:prstGeom>
-              <a:noFill/>
-            </p:spPr>
-            <p:txBody>
-              <a:bodyPr wrap="square" rtlCol="0">
-                <a:spAutoFit/>
-              </a:bodyPr>
-              <a:lstStyle/>
-              <a:p>
-                <a:pPr algn="ctr"/>
-                <a:r>
-                  <a:rPr lang="en-US" sz="1600" b="1" dirty="0">
-                    <a:latin typeface="Helvetica Neue" panose="02000503000000020004" pitchFamily="2" charset="0"/>
-                    <a:ea typeface="Helvetica Neue" panose="02000503000000020004" pitchFamily="2" charset="0"/>
-                    <a:cs typeface="Helvetica Neue" panose="02000503000000020004" pitchFamily="2" charset="0"/>
-                  </a:rPr>
-                  <a:t>a</a:t>
-                </a:r>
-              </a:p>
-            </p:txBody>
-          </p:sp>
-        </p:grpSp>
-        <p:sp>
-          <p:nvSpPr>
-            <p:cNvPr id="34" name="Rectangle 33">
-              <a:extLst>
-                <a:ext uri="{FF2B5EF4-FFF2-40B4-BE49-F238E27FC236}">
-                  <a16:creationId xmlns:a16="http://schemas.microsoft.com/office/drawing/2014/main" id="{396A4478-41EF-6B4D-B23C-2A4BA2D8DABE}"/>
-                </a:ext>
-              </a:extLst>
-            </p:cNvPr>
-            <p:cNvSpPr/>
-            <p:nvPr/>
-          </p:nvSpPr>
-          <p:spPr>
-            <a:xfrm>
-              <a:off x="43032" y="3342196"/>
-              <a:ext cx="2499084" cy="3094176"/>
-            </a:xfrm>
-            <a:prstGeom prst="rect">
-              <a:avLst/>
-            </a:prstGeom>
-            <a:noFill/>
-            <a:ln w="19050">
-              <a:solidFill>
-                <a:schemeClr val="bg2">
-                  <a:lumMod val="75000"/>
-                </a:schemeClr>
-              </a:solidFill>
-            </a:ln>
-          </p:spPr>
-          <p:style>
-            <a:lnRef idx="2">
-              <a:schemeClr val="accent1">
-                <a:shade val="50000"/>
-              </a:schemeClr>
-            </a:lnRef>
-            <a:fillRef idx="1">
-              <a:schemeClr val="accent1"/>
-            </a:fillRef>
-            <a:effectRef idx="0">
-              <a:schemeClr val="accent1"/>
-            </a:effectRef>
-            <a:fontRef idx="minor">
-              <a:schemeClr val="lt1"/>
-            </a:fontRef>
-          </p:style>
-          <p:txBody>
-            <a:bodyPr rtlCol="0" anchor="ctr"/>
-            <a:lstStyle/>
-            <a:p>
-              <a:pPr algn="ctr"/>
-              <a:endParaRPr lang="en-US"/>
-            </a:p>
-          </p:txBody>
-        </p:sp>
-        <p:sp>
-          <p:nvSpPr>
-            <p:cNvPr id="56" name="TextBox 55">
-              <a:extLst>
-                <a:ext uri="{FF2B5EF4-FFF2-40B4-BE49-F238E27FC236}">
-                  <a16:creationId xmlns:a16="http://schemas.microsoft.com/office/drawing/2014/main" id="{53F4DC70-1EA9-4149-AFF0-F773D783C706}"/>
-                </a:ext>
-              </a:extLst>
-            </p:cNvPr>
-            <p:cNvSpPr txBox="1"/>
-            <p:nvPr/>
-          </p:nvSpPr>
-          <p:spPr>
-            <a:xfrm>
-              <a:off x="670829" y="3388644"/>
-              <a:ext cx="1771157" cy="276999"/>
-            </a:xfrm>
-            <a:prstGeom prst="rect">
-              <a:avLst/>
-            </a:prstGeom>
-            <a:noFill/>
-          </p:spPr>
-          <p:txBody>
-            <a:bodyPr wrap="square" rtlCol="0">
-              <a:spAutoFit/>
-            </a:bodyPr>
-            <a:lstStyle/>
-            <a:p>
-              <a:pPr algn="ctr"/>
-              <a:r>
-                <a:rPr lang="en-US" sz="1200" i="1" dirty="0">
-                  <a:solidFill>
-                    <a:srgbClr val="8FB132"/>
-                  </a:solidFill>
-                  <a:latin typeface="Arial" panose="020B0604020202020204" pitchFamily="34" charset="0"/>
-                  <a:ea typeface="Helvetica Neue" panose="02000503000000020004" pitchFamily="2" charset="0"/>
-                  <a:cs typeface="Arial" panose="020B0604020202020204" pitchFamily="34" charset="0"/>
-                </a:rPr>
-                <a:t>Downward contagion</a:t>
-              </a:r>
-            </a:p>
-          </p:txBody>
-        </p:sp>
-      </p:grpSp>
-      <p:grpSp>
-        <p:nvGrpSpPr>
-          <p:cNvPr id="13" name="Group 12">
-            <a:extLst>
-              <a:ext uri="{FF2B5EF4-FFF2-40B4-BE49-F238E27FC236}">
-                <a16:creationId xmlns:a16="http://schemas.microsoft.com/office/drawing/2014/main" id="{3B9115EA-2FB8-6346-B2E2-C1E514C8EF31}"/>
-              </a:ext>
-            </a:extLst>
-          </p:cNvPr>
-          <p:cNvGrpSpPr/>
-          <p:nvPr/>
-        </p:nvGrpSpPr>
-        <p:grpSpPr>
-          <a:xfrm>
-            <a:off x="5273538" y="3293637"/>
-            <a:ext cx="2601773" cy="3143075"/>
-            <a:chOff x="5316676" y="22240"/>
-            <a:chExt cx="2601773" cy="3143075"/>
-          </a:xfrm>
-        </p:grpSpPr>
-        <p:grpSp>
-          <p:nvGrpSpPr>
-            <p:cNvPr id="10" name="Group 9">
-              <a:extLst>
-                <a:ext uri="{FF2B5EF4-FFF2-40B4-BE49-F238E27FC236}">
-                  <a16:creationId xmlns:a16="http://schemas.microsoft.com/office/drawing/2014/main" id="{85988E11-6252-A940-84F3-2690A1CE234E}"/>
-                </a:ext>
-              </a:extLst>
-            </p:cNvPr>
-            <p:cNvGrpSpPr>
-              <a:grpSpLocks noChangeAspect="1"/>
-            </p:cNvGrpSpPr>
-            <p:nvPr/>
-          </p:nvGrpSpPr>
-          <p:grpSpPr>
-            <a:xfrm>
-              <a:off x="5316676" y="22240"/>
-              <a:ext cx="2601773" cy="3143075"/>
-              <a:chOff x="1335316" y="3101234"/>
-              <a:chExt cx="2799645" cy="3382115"/>
-            </a:xfrm>
-          </p:grpSpPr>
-          <p:pic>
-            <p:nvPicPr>
-              <p:cNvPr id="5" name="Picture 4">
-                <a:extLst>
-                  <a:ext uri="{FF2B5EF4-FFF2-40B4-BE49-F238E27FC236}">
-                    <a16:creationId xmlns:a16="http://schemas.microsoft.com/office/drawing/2014/main" id="{CB894BB7-CF0D-3745-B183-175510696146}"/>
-                  </a:ext>
-                </a:extLst>
-              </p:cNvPr>
-              <p:cNvPicPr>
-                <a:picLocks noChangeAspect="1"/>
-              </p:cNvPicPr>
-              <p:nvPr/>
-            </p:nvPicPr>
-            <p:blipFill>
-              <a:blip r:embed="rId6"/>
-              <a:stretch>
-                <a:fillRect/>
-              </a:stretch>
-            </p:blipFill>
-            <p:spPr>
-              <a:xfrm>
-                <a:off x="1411971" y="3379601"/>
-                <a:ext cx="2722990" cy="3103748"/>
-              </a:xfrm>
-              <a:prstGeom prst="rect">
-                <a:avLst/>
-              </a:prstGeom>
-              <a:ln>
-                <a:noFill/>
-              </a:ln>
-            </p:spPr>
-          </p:pic>
-          <p:sp>
-            <p:nvSpPr>
-              <p:cNvPr id="20" name="TextBox 19">
-                <a:extLst>
-                  <a:ext uri="{FF2B5EF4-FFF2-40B4-BE49-F238E27FC236}">
-                    <a16:creationId xmlns:a16="http://schemas.microsoft.com/office/drawing/2014/main" id="{E8C86BD2-9FE9-8C4D-A835-2EAAEE829653}"/>
-                  </a:ext>
-                </a:extLst>
-              </p:cNvPr>
-              <p:cNvSpPr txBox="1"/>
-              <p:nvPr/>
-            </p:nvSpPr>
-            <p:spPr>
-              <a:xfrm>
-                <a:off x="1335316" y="3101234"/>
-                <a:ext cx="578784" cy="338554"/>
-              </a:xfrm>
-              <a:prstGeom prst="rect">
-                <a:avLst/>
-              </a:prstGeom>
-              <a:noFill/>
-              <a:ln>
-                <a:noFill/>
-              </a:ln>
-            </p:spPr>
-            <p:txBody>
-              <a:bodyPr wrap="square" rtlCol="0">
-                <a:spAutoFit/>
-              </a:bodyPr>
-              <a:lstStyle/>
-              <a:p>
-                <a:pPr algn="ctr"/>
-                <a:r>
-                  <a:rPr lang="en-US" sz="1600" b="1" dirty="0">
-                    <a:latin typeface="Helvetica Neue" panose="02000503000000020004" pitchFamily="2" charset="0"/>
-                    <a:ea typeface="Helvetica Neue" panose="02000503000000020004" pitchFamily="2" charset="0"/>
-                    <a:cs typeface="Helvetica Neue" panose="02000503000000020004" pitchFamily="2" charset="0"/>
-                  </a:rPr>
-                  <a:t>c</a:t>
-                </a:r>
-              </a:p>
-            </p:txBody>
-          </p:sp>
-        </p:grpSp>
-        <p:sp>
-          <p:nvSpPr>
-            <p:cNvPr id="36" name="Rectangle 35">
-              <a:extLst>
-                <a:ext uri="{FF2B5EF4-FFF2-40B4-BE49-F238E27FC236}">
-                  <a16:creationId xmlns:a16="http://schemas.microsoft.com/office/drawing/2014/main" id="{20FB9D9C-9342-6748-AB68-E0695D7BA19D}"/>
-                </a:ext>
-              </a:extLst>
-            </p:cNvPr>
-            <p:cNvSpPr/>
-            <p:nvPr/>
-          </p:nvSpPr>
-          <p:spPr>
-            <a:xfrm>
-              <a:off x="5386835" y="46978"/>
-              <a:ext cx="2496312" cy="3098952"/>
-            </a:xfrm>
-            <a:prstGeom prst="rect">
-              <a:avLst/>
-            </a:prstGeom>
-            <a:noFill/>
-            <a:ln w="19050">
-              <a:solidFill>
-                <a:schemeClr val="bg2">
-                  <a:lumMod val="75000"/>
-                </a:schemeClr>
-              </a:solidFill>
-            </a:ln>
-          </p:spPr>
-          <p:style>
-            <a:lnRef idx="2">
-              <a:schemeClr val="accent1">
-                <a:shade val="50000"/>
-              </a:schemeClr>
-            </a:lnRef>
-            <a:fillRef idx="1">
-              <a:schemeClr val="accent1"/>
-            </a:fillRef>
-            <a:effectRef idx="0">
-              <a:schemeClr val="accent1"/>
-            </a:effectRef>
-            <a:fontRef idx="minor">
-              <a:schemeClr val="lt1"/>
-            </a:fontRef>
-          </p:style>
-          <p:txBody>
-            <a:bodyPr rtlCol="0" anchor="ctr"/>
-            <a:lstStyle/>
-            <a:p>
-              <a:pPr algn="ctr"/>
-              <a:endParaRPr lang="en-US"/>
-            </a:p>
-          </p:txBody>
-        </p:sp>
-        <p:sp>
-          <p:nvSpPr>
-            <p:cNvPr id="57" name="TextBox 56">
-              <a:extLst>
-                <a:ext uri="{FF2B5EF4-FFF2-40B4-BE49-F238E27FC236}">
-                  <a16:creationId xmlns:a16="http://schemas.microsoft.com/office/drawing/2014/main" id="{9E621244-D874-B242-88CF-8CC803F84200}"/>
-                </a:ext>
-              </a:extLst>
-            </p:cNvPr>
-            <p:cNvSpPr txBox="1"/>
-            <p:nvPr/>
-          </p:nvSpPr>
-          <p:spPr>
-            <a:xfrm>
-              <a:off x="6048639" y="112266"/>
-              <a:ext cx="1771157" cy="276999"/>
-            </a:xfrm>
-            <a:prstGeom prst="rect">
-              <a:avLst/>
-            </a:prstGeom>
-            <a:noFill/>
-          </p:spPr>
-          <p:txBody>
-            <a:bodyPr wrap="square" rtlCol="0">
-              <a:spAutoFit/>
-            </a:bodyPr>
-            <a:lstStyle/>
-            <a:p>
-              <a:pPr algn="ctr"/>
-              <a:r>
-                <a:rPr lang="en-US" sz="1200" i="1" dirty="0">
-                  <a:solidFill>
-                    <a:srgbClr val="8FB132"/>
-                  </a:solidFill>
-                  <a:latin typeface="Arial" panose="020B0604020202020204" pitchFamily="34" charset="0"/>
-                  <a:ea typeface="Helvetica Neue" panose="02000503000000020004" pitchFamily="2" charset="0"/>
-                  <a:cs typeface="Arial" panose="020B0604020202020204" pitchFamily="34" charset="0"/>
-                </a:rPr>
-                <a:t>No effect</a:t>
-              </a:r>
-            </a:p>
-          </p:txBody>
-        </p:sp>
-      </p:grpSp>
-      <p:grpSp>
-        <p:nvGrpSpPr>
-          <p:cNvPr id="12" name="Group 11">
-            <a:extLst>
-              <a:ext uri="{FF2B5EF4-FFF2-40B4-BE49-F238E27FC236}">
-                <a16:creationId xmlns:a16="http://schemas.microsoft.com/office/drawing/2014/main" id="{1A3343D7-FCA7-644A-8765-3A703946A4E5}"/>
-              </a:ext>
-            </a:extLst>
-          </p:cNvPr>
-          <p:cNvGrpSpPr/>
-          <p:nvPr/>
-        </p:nvGrpSpPr>
-        <p:grpSpPr>
-          <a:xfrm>
-            <a:off x="5273538" y="37948"/>
-            <a:ext cx="2601776" cy="3151766"/>
-            <a:chOff x="5316676" y="3333982"/>
-            <a:chExt cx="2601776" cy="3151766"/>
-          </a:xfrm>
-        </p:grpSpPr>
-        <p:grpSp>
-          <p:nvGrpSpPr>
-            <p:cNvPr id="4" name="Group 3">
-              <a:extLst>
-                <a:ext uri="{FF2B5EF4-FFF2-40B4-BE49-F238E27FC236}">
-                  <a16:creationId xmlns:a16="http://schemas.microsoft.com/office/drawing/2014/main" id="{DDE81728-7576-004D-8F69-58886B6402DE}"/>
-                </a:ext>
-              </a:extLst>
-            </p:cNvPr>
-            <p:cNvGrpSpPr>
-              <a:grpSpLocks noChangeAspect="1"/>
-            </p:cNvGrpSpPr>
-            <p:nvPr/>
-          </p:nvGrpSpPr>
-          <p:grpSpPr>
-            <a:xfrm>
-              <a:off x="5316676" y="3333982"/>
-              <a:ext cx="2601776" cy="3151766"/>
-              <a:chOff x="3728733" y="9962"/>
-              <a:chExt cx="2777745" cy="3364934"/>
-            </a:xfrm>
-          </p:grpSpPr>
-          <p:pic>
-            <p:nvPicPr>
-              <p:cNvPr id="7" name="Picture 6">
-                <a:extLst>
-                  <a:ext uri="{FF2B5EF4-FFF2-40B4-BE49-F238E27FC236}">
-                    <a16:creationId xmlns:a16="http://schemas.microsoft.com/office/drawing/2014/main" id="{21E58C93-E278-C34A-B421-721451A6D619}"/>
-                  </a:ext>
-                </a:extLst>
-              </p:cNvPr>
-              <p:cNvPicPr>
-                <a:picLocks noChangeAspect="1"/>
-              </p:cNvPicPr>
-              <p:nvPr/>
-            </p:nvPicPr>
-            <p:blipFill>
-              <a:blip r:embed="rId7"/>
-              <a:stretch>
-                <a:fillRect/>
-              </a:stretch>
-            </p:blipFill>
-            <p:spPr>
-              <a:xfrm>
-                <a:off x="3783488" y="271148"/>
-                <a:ext cx="2722990" cy="3103748"/>
-              </a:xfrm>
-              <a:prstGeom prst="rect">
-                <a:avLst/>
-              </a:prstGeom>
-            </p:spPr>
-          </p:pic>
-          <p:sp>
-            <p:nvSpPr>
-              <p:cNvPr id="18" name="TextBox 17">
-                <a:extLst>
-                  <a:ext uri="{FF2B5EF4-FFF2-40B4-BE49-F238E27FC236}">
-                    <a16:creationId xmlns:a16="http://schemas.microsoft.com/office/drawing/2014/main" id="{46BBEC22-8FD3-4646-AE1A-C6C1C5D5E1E6}"/>
-                  </a:ext>
-                </a:extLst>
-              </p:cNvPr>
-              <p:cNvSpPr txBox="1"/>
-              <p:nvPr/>
-            </p:nvSpPr>
-            <p:spPr>
-              <a:xfrm>
-                <a:off x="3728733" y="9962"/>
-                <a:ext cx="578784" cy="338554"/>
-              </a:xfrm>
-              <a:prstGeom prst="rect">
-                <a:avLst/>
-              </a:prstGeom>
-              <a:noFill/>
-            </p:spPr>
-            <p:txBody>
-              <a:bodyPr wrap="square" rtlCol="0">
-                <a:spAutoFit/>
-              </a:bodyPr>
-              <a:lstStyle/>
-              <a:p>
-                <a:pPr algn="ctr"/>
-                <a:r>
-                  <a:rPr lang="en-US" sz="1600" b="1" dirty="0">
-                    <a:latin typeface="Helvetica Neue" panose="02000503000000020004" pitchFamily="2" charset="0"/>
-                    <a:ea typeface="Helvetica Neue" panose="02000503000000020004" pitchFamily="2" charset="0"/>
-                    <a:cs typeface="Helvetica Neue" panose="02000503000000020004" pitchFamily="2" charset="0"/>
-                  </a:rPr>
-                  <a:t>b</a:t>
-                </a:r>
-              </a:p>
-            </p:txBody>
-          </p:sp>
-        </p:grpSp>
-        <p:sp>
-          <p:nvSpPr>
-            <p:cNvPr id="37" name="Rectangle 36">
-              <a:extLst>
-                <a:ext uri="{FF2B5EF4-FFF2-40B4-BE49-F238E27FC236}">
-                  <a16:creationId xmlns:a16="http://schemas.microsoft.com/office/drawing/2014/main" id="{972F0A53-93E3-CD44-83A9-5A79649E4C74}"/>
-                </a:ext>
-              </a:extLst>
-            </p:cNvPr>
-            <p:cNvSpPr/>
-            <p:nvPr/>
-          </p:nvSpPr>
-          <p:spPr>
-            <a:xfrm>
-              <a:off x="5391772" y="3342196"/>
-              <a:ext cx="2499083" cy="3094175"/>
-            </a:xfrm>
-            <a:prstGeom prst="rect">
-              <a:avLst/>
-            </a:prstGeom>
-            <a:noFill/>
-            <a:ln w="19050">
-              <a:solidFill>
-                <a:schemeClr val="bg2">
-                  <a:lumMod val="75000"/>
-                </a:schemeClr>
-              </a:solidFill>
-            </a:ln>
-          </p:spPr>
-          <p:style>
-            <a:lnRef idx="2">
-              <a:schemeClr val="accent1">
-                <a:shade val="50000"/>
-              </a:schemeClr>
-            </a:lnRef>
-            <a:fillRef idx="1">
-              <a:schemeClr val="accent1"/>
-            </a:fillRef>
-            <a:effectRef idx="0">
-              <a:schemeClr val="accent1"/>
-            </a:effectRef>
-            <a:fontRef idx="minor">
-              <a:schemeClr val="lt1"/>
-            </a:fontRef>
-          </p:style>
-          <p:txBody>
-            <a:bodyPr rtlCol="0" anchor="ctr"/>
-            <a:lstStyle/>
-            <a:p>
-              <a:pPr algn="ctr"/>
-              <a:endParaRPr lang="en-US"/>
-            </a:p>
-          </p:txBody>
-        </p:sp>
-        <p:sp>
-          <p:nvSpPr>
-            <p:cNvPr id="58" name="TextBox 57">
-              <a:extLst>
-                <a:ext uri="{FF2B5EF4-FFF2-40B4-BE49-F238E27FC236}">
-                  <a16:creationId xmlns:a16="http://schemas.microsoft.com/office/drawing/2014/main" id="{B8B22680-8FCF-564A-A59A-6339D506D934}"/>
-                </a:ext>
-              </a:extLst>
-            </p:cNvPr>
-            <p:cNvSpPr txBox="1"/>
-            <p:nvPr/>
-          </p:nvSpPr>
-          <p:spPr>
-            <a:xfrm>
-              <a:off x="6037881" y="3388644"/>
-              <a:ext cx="1771157" cy="276999"/>
-            </a:xfrm>
-            <a:prstGeom prst="rect">
-              <a:avLst/>
-            </a:prstGeom>
-            <a:noFill/>
-          </p:spPr>
-          <p:txBody>
-            <a:bodyPr wrap="square" rtlCol="0">
-              <a:spAutoFit/>
-            </a:bodyPr>
-            <a:lstStyle/>
-            <a:p>
-              <a:pPr algn="ctr"/>
-              <a:r>
-                <a:rPr lang="en-US" sz="1200" i="1" dirty="0">
-                  <a:solidFill>
-                    <a:srgbClr val="8FB132"/>
-                  </a:solidFill>
-                  <a:latin typeface="Arial" panose="020B0604020202020204" pitchFamily="34" charset="0"/>
-                  <a:ea typeface="Helvetica Neue" panose="02000503000000020004" pitchFamily="2" charset="0"/>
-                  <a:cs typeface="Arial" panose="020B0604020202020204" pitchFamily="34" charset="0"/>
-                </a:rPr>
-                <a:t>Upward contagion</a:t>
-              </a:r>
-            </a:p>
-          </p:txBody>
-        </p:sp>
-      </p:grpSp>
-      <p:sp>
-        <p:nvSpPr>
-          <p:cNvPr id="21" name="TextBox 20">
-            <a:extLst>
-              <a:ext uri="{FF2B5EF4-FFF2-40B4-BE49-F238E27FC236}">
-                <a16:creationId xmlns:a16="http://schemas.microsoft.com/office/drawing/2014/main" id="{F8E7F266-7467-FE46-9469-D94B82C96E1B}"/>
-              </a:ext>
-            </a:extLst>
-          </p:cNvPr>
-          <p:cNvSpPr txBox="1"/>
-          <p:nvPr/>
-        </p:nvSpPr>
-        <p:spPr>
-          <a:xfrm>
-            <a:off x="4533799" y="3281491"/>
-            <a:ext cx="703656" cy="461665"/>
-          </a:xfrm>
-          <a:prstGeom prst="rect">
-            <a:avLst/>
-          </a:prstGeom>
-          <a:noFill/>
-        </p:spPr>
-        <p:txBody>
-          <a:bodyPr wrap="square" rtlCol="0">
-            <a:spAutoFit/>
-          </a:bodyPr>
-          <a:lstStyle/>
-          <a:p>
-            <a:r>
-              <a:rPr lang="en-US" sz="1200" dirty="0">
-                <a:solidFill>
-                  <a:srgbClr val="E52421"/>
-                </a:solidFill>
-                <a:latin typeface="Helvetica" pitchFamily="2" charset="0"/>
-                <a:cs typeface="Arial" panose="020B0604020202020204" pitchFamily="34" charset="0"/>
-              </a:rPr>
-              <a:t>𝛼</a:t>
-            </a:r>
-            <a:r>
-              <a:rPr lang="en-US" sz="1200" baseline="30000" dirty="0">
-                <a:solidFill>
-                  <a:srgbClr val="E52421"/>
-                </a:solidFill>
-                <a:latin typeface="Helvetica" pitchFamily="2" charset="0"/>
-                <a:cs typeface="Arial" panose="020B0604020202020204" pitchFamily="34" charset="0"/>
-              </a:rPr>
-              <a:t>X</a:t>
-            </a:r>
-            <a:r>
-              <a:rPr lang="en-US" sz="1200" dirty="0">
-                <a:solidFill>
-                  <a:srgbClr val="E52421"/>
-                </a:solidFill>
-                <a:latin typeface="Helvetica" pitchFamily="2" charset="0"/>
-                <a:cs typeface="Arial" panose="020B0604020202020204" pitchFamily="34" charset="0"/>
-              </a:rPr>
-              <a:t> = 6</a:t>
-            </a:r>
-          </a:p>
-          <a:p>
-            <a:r>
-              <a:rPr lang="en-US" sz="1200" dirty="0">
-                <a:solidFill>
-                  <a:srgbClr val="2B4B9B"/>
-                </a:solidFill>
-                <a:latin typeface="Helvetica" pitchFamily="2" charset="0"/>
-                <a:cs typeface="Arial" panose="020B0604020202020204" pitchFamily="34" charset="0"/>
-              </a:rPr>
-              <a:t>𝛼</a:t>
-            </a:r>
-            <a:r>
-              <a:rPr lang="en-US" sz="1200" baseline="30000" dirty="0">
-                <a:solidFill>
-                  <a:srgbClr val="2B4B9B"/>
-                </a:solidFill>
-                <a:latin typeface="Helvetica" pitchFamily="2" charset="0"/>
-                <a:cs typeface="Arial" panose="020B0604020202020204" pitchFamily="34" charset="0"/>
-              </a:rPr>
-              <a:t>Y</a:t>
-            </a:r>
-            <a:r>
-              <a:rPr lang="en-US" sz="1200" dirty="0">
-                <a:solidFill>
-                  <a:srgbClr val="2B4B9B"/>
-                </a:solidFill>
-                <a:latin typeface="Helvetica" pitchFamily="2" charset="0"/>
-                <a:cs typeface="Arial" panose="020B0604020202020204" pitchFamily="34" charset="0"/>
-              </a:rPr>
-              <a:t> = 2</a:t>
-            </a:r>
-          </a:p>
-        </p:txBody>
-      </p:sp>
-    </p:spTree>
-    <p:extLst>
-      <p:ext uri="{BB962C8B-B14F-4D97-AF65-F5344CB8AC3E}">
-        <p14:creationId xmlns:p14="http://schemas.microsoft.com/office/powerpoint/2010/main" val="1217311597"/>
       </p:ext>
     </p:extLst>
   </p:cSld>
